--- a/cases/goodhostpital2021/对标分析报告.pg.pptx
+++ b/cases/goodhostpital2021/对标分析报告.pg.pptx
@@ -109,13 +109,13 @@
   <p:extLst>
     <p:ext uri="{521415D9-36F7-43E2-AB2F-B90AF26B5E84}">
       <p14:sectionLst xmlns:p14="http://schemas.microsoft.com/office/powerpoint/2010/main">
-        <p14:section name="院内专科BCG散点图" id="{d0550cf6-8091-ff68-910c-81d26d43d7e9}">
+        <p14:section name="院内专科BCG散点图" id="{d20e0741-7900-964f-834b-32d9ae256dae}">
           <p14:sldIdLst>
             <p14:sldId id="257"/>
             <p14:sldId id="258"/>
           </p14:sldIdLst>
         </p14:section>
-        <p14:section name="院内专科梯队表格" id="{a790b8d6-7e05-e37b-f44e-9b17f3dbe90e}">
+        <p14:section name="院内专科梯队表格" id="{f28ffd2e-a557-b86c-fab7-9e95082908f2}">
           <p14:sldIdLst/>
         </p14:section>
       </p14:sectionLst>
@@ -127,7 +127,7 @@
 </p:presentation>
 </file>
 
-<file path=ppt/charts/chart342.xml><?xml version="1.0" encoding="utf-8"?>
+<file path=ppt/charts/chart715.xml><?xml version="1.0" encoding="utf-8"?>
 <c:chartSpace xmlns:c="http://schemas.openxmlformats.org/drawingml/2006/chart" xmlns:a="http://schemas.openxmlformats.org/drawingml/2006/main" xmlns:r="http://schemas.openxmlformats.org/officeDocument/2006/relationships">
   <c:date1904 val="0"/>
   <c:chart>
@@ -221,7 +221,7 @@
                     </a:pPr>
                     <a:r>
                       <a:rPr lang="en-US" dirty="0"/>
-                      <a:t>肾脏内科</a:t>
+                      <a:t>骨科</a:t>
                     </a:r>
                   </a:p>
                 </c:rich>
@@ -244,7 +244,7 @@
               <c:extLst>
                 <c:ext xmlns:c15="http://schemas.microsoft.com/office/drawing/2012/chart" uri="{CE6537A1-D6FC-4f65-9D91-7224C49458BB}"/>
                 <c:ext xmlns:c16="http://schemas.microsoft.com/office/drawing/2014/chart" uri="{C3380CC4-5D6E-409C-BE32-E72D297353CC}">
-                  <c16:uniqueId val="{00000001-e5ef-72d9-ff14-5565cd2bdca6}"/>
+                  <c16:uniqueId val="{00000001-7214-c670-2a11-f82975ba7f84}"/>
                 </c:ext>
               </c:extLst>
             </c:dLbl>
@@ -262,7 +262,7 @@
                     </a:pPr>
                     <a:r>
                       <a:rPr lang="en-US" dirty="0"/>
-                      <a:t>创伤骨科</a:t>
+                      <a:t>乳腺甲状腺外科</a:t>
                     </a:r>
                   </a:p>
                 </c:rich>
@@ -285,12 +285,709 @@
               <c:extLst>
                 <c:ext xmlns:c15="http://schemas.microsoft.com/office/drawing/2012/chart" uri="{CE6537A1-D6FC-4f65-9D91-7224C49458BB}"/>
                 <c:ext xmlns:c16="http://schemas.microsoft.com/office/drawing/2014/chart" uri="{C3380CC4-5D6E-409C-BE32-E72D297353CC}">
-                  <c16:uniqueId val="{00000002-e5ef-72d9-ff14-5565cd2bdca6}"/>
+                  <c16:uniqueId val="{00000002-7214-c670-2a11-f82975ba7f84}"/>
                 </c:ext>
               </c:extLst>
             </c:dLbl>
             <c:dLbl>
               <c:idx val="2"/>
+              <c:tx>
+                <c:rich>
+                  <a:bodyPr>
+                    <a:spAutoFit/>
+                  </a:bodyPr>
+                  <a:lstStyle/>
+                  <a:p>
+                    <a:pPr>
+                      <a:defRPr/>
+                    </a:pPr>
+                    <a:r>
+                      <a:rPr lang="en-US" dirty="0"/>
+                      <a:t>神经内科</a:t>
+                    </a:r>
+                  </a:p>
+                </c:rich>
+              </c:tx>
+              <c:spPr>
+                <a:noFill/>
+                <a:ln>
+                  <a:noFill/>
+                </a:ln>
+                <a:effectLst/>
+              </c:spPr>
+              <c:dLblPos val="t"/>
+              <c:showLegendKey val="0"/>
+              <c:showVal val="0"/>
+              <c:showCatName val="0"/>
+              <c:showSerName val="0"/>
+              <c:showPercent val="0"/>
+              <c:showBubbleSize val="0"/>
+              <c:showLeaderLines val="1"/>
+              <c:extLst>
+                <c:ext xmlns:c15="http://schemas.microsoft.com/office/drawing/2012/chart" uri="{CE6537A1-D6FC-4f65-9D91-7224C49458BB}"/>
+                <c:ext xmlns:c16="http://schemas.microsoft.com/office/drawing/2014/chart" uri="{C3380CC4-5D6E-409C-BE32-E72D297353CC}">
+                  <c16:uniqueId val="{00000003-7214-c670-2a11-f82975ba7f84}"/>
+                </c:ext>
+              </c:extLst>
+            </c:dLbl>
+            <c:dLbl>
+              <c:idx val="3"/>
+              <c:tx>
+                <c:rich>
+                  <a:bodyPr>
+                    <a:spAutoFit/>
+                  </a:bodyPr>
+                  <a:lstStyle/>
+                  <a:p>
+                    <a:pPr>
+                      <a:defRPr/>
+                    </a:pPr>
+                    <a:r>
+                      <a:rPr lang="en-US" dirty="0"/>
+                      <a:t>泌尿外科</a:t>
+                    </a:r>
+                  </a:p>
+                </c:rich>
+              </c:tx>
+              <c:spPr>
+                <a:noFill/>
+                <a:ln>
+                  <a:noFill/>
+                </a:ln>
+                <a:effectLst/>
+              </c:spPr>
+              <c:dLblPos val="t"/>
+              <c:showLegendKey val="0"/>
+              <c:showVal val="0"/>
+              <c:showCatName val="0"/>
+              <c:showSerName val="0"/>
+              <c:showPercent val="0"/>
+              <c:showBubbleSize val="0"/>
+              <c:showLeaderLines val="1"/>
+              <c:extLst>
+                <c:ext xmlns:c15="http://schemas.microsoft.com/office/drawing/2012/chart" uri="{CE6537A1-D6FC-4f65-9D91-7224C49458BB}"/>
+                <c:ext xmlns:c16="http://schemas.microsoft.com/office/drawing/2014/chart" uri="{C3380CC4-5D6E-409C-BE32-E72D297353CC}">
+                  <c16:uniqueId val="{00000004-7214-c670-2a11-f82975ba7f84}"/>
+                </c:ext>
+              </c:extLst>
+            </c:dLbl>
+            <c:dLbl>
+              <c:idx val="4"/>
+              <c:tx>
+                <c:rich>
+                  <a:bodyPr>
+                    <a:spAutoFit/>
+                  </a:bodyPr>
+                  <a:lstStyle/>
+                  <a:p>
+                    <a:pPr>
+                      <a:defRPr/>
+                    </a:pPr>
+                    <a:r>
+                      <a:rPr lang="en-US" dirty="0"/>
+                      <a:t>针灸科</a:t>
+                    </a:r>
+                  </a:p>
+                </c:rich>
+              </c:tx>
+              <c:spPr>
+                <a:noFill/>
+                <a:ln>
+                  <a:noFill/>
+                </a:ln>
+                <a:effectLst/>
+              </c:spPr>
+              <c:dLblPos val="t"/>
+              <c:showLegendKey val="0"/>
+              <c:showVal val="0"/>
+              <c:showCatName val="0"/>
+              <c:showSerName val="0"/>
+              <c:showPercent val="0"/>
+              <c:showBubbleSize val="0"/>
+              <c:showLeaderLines val="1"/>
+              <c:extLst>
+                <c:ext xmlns:c15="http://schemas.microsoft.com/office/drawing/2012/chart" uri="{CE6537A1-D6FC-4f65-9D91-7224C49458BB}"/>
+                <c:ext xmlns:c16="http://schemas.microsoft.com/office/drawing/2014/chart" uri="{C3380CC4-5D6E-409C-BE32-E72D297353CC}">
+                  <c16:uniqueId val="{00000005-7214-c670-2a11-f82975ba7f84}"/>
+                </c:ext>
+              </c:extLst>
+            </c:dLbl>
+            <c:dLbl>
+              <c:idx val="5"/>
+              <c:tx>
+                <c:rich>
+                  <a:bodyPr>
+                    <a:spAutoFit/>
+                  </a:bodyPr>
+                  <a:lstStyle/>
+                  <a:p>
+                    <a:pPr>
+                      <a:defRPr/>
+                    </a:pPr>
+                    <a:r>
+                      <a:rPr lang="en-US" dirty="0"/>
+                      <a:t>中医经典科</a:t>
+                    </a:r>
+                  </a:p>
+                </c:rich>
+              </c:tx>
+              <c:spPr>
+                <a:noFill/>
+                <a:ln>
+                  <a:noFill/>
+                </a:ln>
+                <a:effectLst/>
+              </c:spPr>
+              <c:dLblPos val="t"/>
+              <c:showLegendKey val="0"/>
+              <c:showVal val="0"/>
+              <c:showCatName val="0"/>
+              <c:showSerName val="0"/>
+              <c:showPercent val="0"/>
+              <c:showBubbleSize val="0"/>
+              <c:showLeaderLines val="1"/>
+              <c:extLst>
+                <c:ext xmlns:c15="http://schemas.microsoft.com/office/drawing/2012/chart" uri="{CE6537A1-D6FC-4f65-9D91-7224C49458BB}"/>
+                <c:ext xmlns:c16="http://schemas.microsoft.com/office/drawing/2014/chart" uri="{C3380CC4-5D6E-409C-BE32-E72D297353CC}">
+                  <c16:uniqueId val="{00000006-7214-c670-2a11-f82975ba7f84}"/>
+                </c:ext>
+              </c:extLst>
+            </c:dLbl>
+            <c:dLbl>
+              <c:idx val="6"/>
+              <c:tx>
+                <c:rich>
+                  <a:bodyPr>
+                    <a:spAutoFit/>
+                  </a:bodyPr>
+                  <a:lstStyle/>
+                  <a:p>
+                    <a:pPr>
+                      <a:defRPr/>
+                    </a:pPr>
+                    <a:r>
+                      <a:rPr lang="en-US" dirty="0"/>
+                      <a:t>美容皮肤科</a:t>
+                    </a:r>
+                  </a:p>
+                </c:rich>
+              </c:tx>
+              <c:spPr>
+                <a:noFill/>
+                <a:ln>
+                  <a:noFill/>
+                </a:ln>
+                <a:effectLst/>
+              </c:spPr>
+              <c:dLblPos val="t"/>
+              <c:showLegendKey val="0"/>
+              <c:showVal val="0"/>
+              <c:showCatName val="0"/>
+              <c:showSerName val="0"/>
+              <c:showPercent val="0"/>
+              <c:showBubbleSize val="0"/>
+              <c:showLeaderLines val="1"/>
+              <c:extLst>
+                <c:ext xmlns:c15="http://schemas.microsoft.com/office/drawing/2012/chart" uri="{CE6537A1-D6FC-4f65-9D91-7224C49458BB}"/>
+                <c:ext xmlns:c16="http://schemas.microsoft.com/office/drawing/2014/chart" uri="{C3380CC4-5D6E-409C-BE32-E72D297353CC}">
+                  <c16:uniqueId val="{00000007-7214-c670-2a11-f82975ba7f84}"/>
+                </c:ext>
+              </c:extLst>
+            </c:dLbl>
+            <c:dLbl>
+              <c:idx val="7"/>
+              <c:tx>
+                <c:rich>
+                  <a:bodyPr>
+                    <a:spAutoFit/>
+                  </a:bodyPr>
+                  <a:lstStyle/>
+                  <a:p>
+                    <a:pPr>
+                      <a:defRPr/>
+                    </a:pPr>
+                    <a:r>
+                      <a:rPr lang="en-US" dirty="0"/>
+                      <a:t>皮肤科</a:t>
+                    </a:r>
+                  </a:p>
+                </c:rich>
+              </c:tx>
+              <c:spPr>
+                <a:noFill/>
+                <a:ln>
+                  <a:noFill/>
+                </a:ln>
+                <a:effectLst/>
+              </c:spPr>
+              <c:dLblPos val="t"/>
+              <c:showLegendKey val="0"/>
+              <c:showVal val="0"/>
+              <c:showCatName val="0"/>
+              <c:showSerName val="0"/>
+              <c:showPercent val="0"/>
+              <c:showBubbleSize val="0"/>
+              <c:showLeaderLines val="1"/>
+              <c:extLst>
+                <c:ext xmlns:c15="http://schemas.microsoft.com/office/drawing/2012/chart" uri="{CE6537A1-D6FC-4f65-9D91-7224C49458BB}"/>
+                <c:ext xmlns:c16="http://schemas.microsoft.com/office/drawing/2014/chart" uri="{C3380CC4-5D6E-409C-BE32-E72D297353CC}">
+                  <c16:uniqueId val="{00000008-7214-c670-2a11-f82975ba7f84}"/>
+                </c:ext>
+              </c:extLst>
+            </c:dLbl>
+            <c:dLbl>
+              <c:idx val="8"/>
+              <c:tx>
+                <c:rich>
+                  <a:bodyPr>
+                    <a:spAutoFit/>
+                  </a:bodyPr>
+                  <a:lstStyle/>
+                  <a:p>
+                    <a:pPr>
+                      <a:defRPr/>
+                    </a:pPr>
+                    <a:r>
+                      <a:rPr lang="en-US" dirty="0"/>
+                      <a:t>脾胃病科</a:t>
+                    </a:r>
+                  </a:p>
+                </c:rich>
+              </c:tx>
+              <c:spPr>
+                <a:noFill/>
+                <a:ln>
+                  <a:noFill/>
+                </a:ln>
+                <a:effectLst/>
+              </c:spPr>
+              <c:dLblPos val="t"/>
+              <c:showLegendKey val="0"/>
+              <c:showVal val="0"/>
+              <c:showCatName val="0"/>
+              <c:showSerName val="0"/>
+              <c:showPercent val="0"/>
+              <c:showBubbleSize val="0"/>
+              <c:showLeaderLines val="1"/>
+              <c:extLst>
+                <c:ext xmlns:c15="http://schemas.microsoft.com/office/drawing/2012/chart" uri="{CE6537A1-D6FC-4f65-9D91-7224C49458BB}"/>
+                <c:ext xmlns:c16="http://schemas.microsoft.com/office/drawing/2014/chart" uri="{C3380CC4-5D6E-409C-BE32-E72D297353CC}">
+                  <c16:uniqueId val="{00000009-7214-c670-2a11-f82975ba7f84}"/>
+                </c:ext>
+              </c:extLst>
+            </c:dLbl>
+            <c:dLbl>
+              <c:idx val="9"/>
+              <c:tx>
+                <c:rich>
+                  <a:bodyPr>
+                    <a:spAutoFit/>
+                  </a:bodyPr>
+                  <a:lstStyle/>
+                  <a:p>
+                    <a:pPr>
+                      <a:defRPr/>
+                    </a:pPr>
+                    <a:r>
+                      <a:rPr lang="en-US" dirty="0"/>
+                      <a:t>小儿骨科</a:t>
+                    </a:r>
+                  </a:p>
+                </c:rich>
+              </c:tx>
+              <c:spPr>
+                <a:noFill/>
+                <a:ln>
+                  <a:noFill/>
+                </a:ln>
+                <a:effectLst/>
+              </c:spPr>
+              <c:dLblPos val="t"/>
+              <c:showLegendKey val="0"/>
+              <c:showVal val="0"/>
+              <c:showCatName val="0"/>
+              <c:showSerName val="0"/>
+              <c:showPercent val="0"/>
+              <c:showBubbleSize val="0"/>
+              <c:showLeaderLines val="1"/>
+              <c:extLst>
+                <c:ext xmlns:c15="http://schemas.microsoft.com/office/drawing/2012/chart" uri="{CE6537A1-D6FC-4f65-9D91-7224C49458BB}"/>
+                <c:ext xmlns:c16="http://schemas.microsoft.com/office/drawing/2014/chart" uri="{C3380CC4-5D6E-409C-BE32-E72D297353CC}">
+                  <c16:uniqueId val="{00000010-7214-c670-2a11-f82975ba7f84}"/>
+                </c:ext>
+              </c:extLst>
+            </c:dLbl>
+            <c:dLbl>
+              <c:idx val="10"/>
+              <c:tx>
+                <c:rich>
+                  <a:bodyPr>
+                    <a:spAutoFit/>
+                  </a:bodyPr>
+                  <a:lstStyle/>
+                  <a:p>
+                    <a:pPr>
+                      <a:defRPr/>
+                    </a:pPr>
+                    <a:r>
+                      <a:rPr lang="en-US" dirty="0"/>
+                      <a:t>妇二科</a:t>
+                    </a:r>
+                  </a:p>
+                </c:rich>
+              </c:tx>
+              <c:spPr>
+                <a:noFill/>
+                <a:ln>
+                  <a:noFill/>
+                </a:ln>
+                <a:effectLst/>
+              </c:spPr>
+              <c:dLblPos val="t"/>
+              <c:showLegendKey val="0"/>
+              <c:showVal val="0"/>
+              <c:showCatName val="0"/>
+              <c:showSerName val="0"/>
+              <c:showPercent val="0"/>
+              <c:showBubbleSize val="0"/>
+              <c:showLeaderLines val="1"/>
+              <c:extLst>
+                <c:ext xmlns:c15="http://schemas.microsoft.com/office/drawing/2012/chart" uri="{CE6537A1-D6FC-4f65-9D91-7224C49458BB}"/>
+                <c:ext xmlns:c16="http://schemas.microsoft.com/office/drawing/2014/chart" uri="{C3380CC4-5D6E-409C-BE32-E72D297353CC}">
+                  <c16:uniqueId val="{00000011-7214-c670-2a11-f82975ba7f84}"/>
+                </c:ext>
+              </c:extLst>
+            </c:dLbl>
+            <c:dLbl>
+              <c:idx val="11"/>
+              <c:tx>
+                <c:rich>
+                  <a:bodyPr>
+                    <a:spAutoFit/>
+                  </a:bodyPr>
+                  <a:lstStyle/>
+                  <a:p>
+                    <a:pPr>
+                      <a:defRPr/>
+                    </a:pPr>
+                    <a:r>
+                      <a:rPr lang="en-US" dirty="0"/>
+                      <a:t>东区肾病科</a:t>
+                    </a:r>
+                  </a:p>
+                </c:rich>
+              </c:tx>
+              <c:spPr>
+                <a:noFill/>
+                <a:ln>
+                  <a:noFill/>
+                </a:ln>
+                <a:effectLst/>
+              </c:spPr>
+              <c:dLblPos val="t"/>
+              <c:showLegendKey val="0"/>
+              <c:showVal val="0"/>
+              <c:showCatName val="0"/>
+              <c:showSerName val="0"/>
+              <c:showPercent val="0"/>
+              <c:showBubbleSize val="0"/>
+              <c:showLeaderLines val="1"/>
+              <c:extLst>
+                <c:ext xmlns:c15="http://schemas.microsoft.com/office/drawing/2012/chart" uri="{CE6537A1-D6FC-4f65-9D91-7224C49458BB}"/>
+                <c:ext xmlns:c16="http://schemas.microsoft.com/office/drawing/2014/chart" uri="{C3380CC4-5D6E-409C-BE32-E72D297353CC}">
+                  <c16:uniqueId val="{00000012-7214-c670-2a11-f82975ba7f84}"/>
+                </c:ext>
+              </c:extLst>
+            </c:dLbl>
+            <c:dLbl>
+              <c:idx val="12"/>
+              <c:tx>
+                <c:rich>
+                  <a:bodyPr>
+                    <a:spAutoFit/>
+                  </a:bodyPr>
+                  <a:lstStyle/>
+                  <a:p>
+                    <a:pPr>
+                      <a:defRPr/>
+                    </a:pPr>
+                    <a:r>
+                      <a:rPr lang="en-US" dirty="0"/>
+                      <a:t>重症医学科</a:t>
+                    </a:r>
+                  </a:p>
+                </c:rich>
+              </c:tx>
+              <c:spPr>
+                <a:noFill/>
+                <a:ln>
+                  <a:noFill/>
+                </a:ln>
+                <a:effectLst/>
+              </c:spPr>
+              <c:dLblPos val="t"/>
+              <c:showLegendKey val="0"/>
+              <c:showVal val="0"/>
+              <c:showCatName val="0"/>
+              <c:showSerName val="0"/>
+              <c:showPercent val="0"/>
+              <c:showBubbleSize val="0"/>
+              <c:showLeaderLines val="1"/>
+              <c:extLst>
+                <c:ext xmlns:c15="http://schemas.microsoft.com/office/drawing/2012/chart" uri="{CE6537A1-D6FC-4f65-9D91-7224C49458BB}"/>
+                <c:ext xmlns:c16="http://schemas.microsoft.com/office/drawing/2014/chart" uri="{C3380CC4-5D6E-409C-BE32-E72D297353CC}">
+                  <c16:uniqueId val="{00000013-7214-c670-2a11-f82975ba7f84}"/>
+                </c:ext>
+              </c:extLst>
+            </c:dLbl>
+            <c:dLbl>
+              <c:idx val="13"/>
+              <c:tx>
+                <c:rich>
+                  <a:bodyPr>
+                    <a:spAutoFit/>
+                  </a:bodyPr>
+                  <a:lstStyle/>
+                  <a:p>
+                    <a:pPr>
+                      <a:defRPr/>
+                    </a:pPr>
+                    <a:r>
+                      <a:rPr lang="en-US" dirty="0"/>
+                      <a:t>脑病三科</a:t>
+                    </a:r>
+                  </a:p>
+                </c:rich>
+              </c:tx>
+              <c:spPr>
+                <a:noFill/>
+                <a:ln>
+                  <a:noFill/>
+                </a:ln>
+                <a:effectLst/>
+              </c:spPr>
+              <c:dLblPos val="t"/>
+              <c:showLegendKey val="0"/>
+              <c:showVal val="0"/>
+              <c:showCatName val="0"/>
+              <c:showSerName val="0"/>
+              <c:showPercent val="0"/>
+              <c:showBubbleSize val="0"/>
+              <c:showLeaderLines val="1"/>
+              <c:extLst>
+                <c:ext xmlns:c15="http://schemas.microsoft.com/office/drawing/2012/chart" uri="{CE6537A1-D6FC-4f65-9D91-7224C49458BB}"/>
+                <c:ext xmlns:c16="http://schemas.microsoft.com/office/drawing/2014/chart" uri="{C3380CC4-5D6E-409C-BE32-E72D297353CC}">
+                  <c16:uniqueId val="{00000014-7214-c670-2a11-f82975ba7f84}"/>
+                </c:ext>
+              </c:extLst>
+            </c:dLbl>
+            <c:dLbl>
+              <c:idx val="14"/>
+              <c:tx>
+                <c:rich>
+                  <a:bodyPr>
+                    <a:spAutoFit/>
+                  </a:bodyPr>
+                  <a:lstStyle/>
+                  <a:p>
+                    <a:pPr>
+                      <a:defRPr/>
+                    </a:pPr>
+                    <a:r>
+                      <a:rPr lang="en-US" dirty="0"/>
+                      <a:t>显微骨科</a:t>
+                    </a:r>
+                  </a:p>
+                </c:rich>
+              </c:tx>
+              <c:spPr>
+                <a:noFill/>
+                <a:ln>
+                  <a:noFill/>
+                </a:ln>
+                <a:effectLst/>
+              </c:spPr>
+              <c:dLblPos val="t"/>
+              <c:showLegendKey val="0"/>
+              <c:showVal val="0"/>
+              <c:showCatName val="0"/>
+              <c:showSerName val="0"/>
+              <c:showPercent val="0"/>
+              <c:showBubbleSize val="0"/>
+              <c:showLeaderLines val="1"/>
+              <c:extLst>
+                <c:ext xmlns:c15="http://schemas.microsoft.com/office/drawing/2012/chart" uri="{CE6537A1-D6FC-4f65-9D91-7224C49458BB}"/>
+                <c:ext xmlns:c16="http://schemas.microsoft.com/office/drawing/2014/chart" uri="{C3380CC4-5D6E-409C-BE32-E72D297353CC}">
+                  <c16:uniqueId val="{00000015-7214-c670-2a11-f82975ba7f84}"/>
+                </c:ext>
+              </c:extLst>
+            </c:dLbl>
+            <c:dLbl>
+              <c:idx val="15"/>
+              <c:tx>
+                <c:rich>
+                  <a:bodyPr>
+                    <a:spAutoFit/>
+                  </a:bodyPr>
+                  <a:lstStyle/>
+                  <a:p>
+                    <a:pPr>
+                      <a:defRPr/>
+                    </a:pPr>
+                    <a:r>
+                      <a:rPr lang="en-US" dirty="0"/>
+                      <a:t>肝胆外科</a:t>
+                    </a:r>
+                  </a:p>
+                </c:rich>
+              </c:tx>
+              <c:spPr>
+                <a:noFill/>
+                <a:ln>
+                  <a:noFill/>
+                </a:ln>
+                <a:effectLst/>
+              </c:spPr>
+              <c:dLblPos val="t"/>
+              <c:showLegendKey val="0"/>
+              <c:showVal val="0"/>
+              <c:showCatName val="0"/>
+              <c:showSerName val="0"/>
+              <c:showPercent val="0"/>
+              <c:showBubbleSize val="0"/>
+              <c:showLeaderLines val="1"/>
+              <c:extLst>
+                <c:ext xmlns:c15="http://schemas.microsoft.com/office/drawing/2012/chart" uri="{CE6537A1-D6FC-4f65-9D91-7224C49458BB}"/>
+                <c:ext xmlns:c16="http://schemas.microsoft.com/office/drawing/2014/chart" uri="{C3380CC4-5D6E-409C-BE32-E72D297353CC}">
+                  <c16:uniqueId val="{00000016-7214-c670-2a11-f82975ba7f84}"/>
+                </c:ext>
+              </c:extLst>
+            </c:dLbl>
+            <c:dLbl>
+              <c:idx val="16"/>
+              <c:tx>
+                <c:rich>
+                  <a:bodyPr>
+                    <a:spAutoFit/>
+                  </a:bodyPr>
+                  <a:lstStyle/>
+                  <a:p>
+                    <a:pPr>
+                      <a:defRPr/>
+                    </a:pPr>
+                    <a:r>
+                      <a:rPr lang="en-US" dirty="0"/>
+                      <a:t>老年医学科</a:t>
+                    </a:r>
+                  </a:p>
+                </c:rich>
+              </c:tx>
+              <c:spPr>
+                <a:noFill/>
+                <a:ln>
+                  <a:noFill/>
+                </a:ln>
+                <a:effectLst/>
+              </c:spPr>
+              <c:dLblPos val="t"/>
+              <c:showLegendKey val="0"/>
+              <c:showVal val="0"/>
+              <c:showCatName val="0"/>
+              <c:showSerName val="0"/>
+              <c:showPercent val="0"/>
+              <c:showBubbleSize val="0"/>
+              <c:showLeaderLines val="1"/>
+              <c:extLst>
+                <c:ext xmlns:c15="http://schemas.microsoft.com/office/drawing/2012/chart" uri="{CE6537A1-D6FC-4f65-9D91-7224C49458BB}"/>
+                <c:ext xmlns:c16="http://schemas.microsoft.com/office/drawing/2014/chart" uri="{C3380CC4-5D6E-409C-BE32-E72D297353CC}">
+                  <c16:uniqueId val="{00000017-7214-c670-2a11-f82975ba7f84}"/>
+                </c:ext>
+              </c:extLst>
+            </c:dLbl>
+            <c:dLbl>
+              <c:idx val="17"/>
+              <c:tx>
+                <c:rich>
+                  <a:bodyPr>
+                    <a:spAutoFit/>
+                  </a:bodyPr>
+                  <a:lstStyle/>
+                  <a:p>
+                    <a:pPr>
+                      <a:defRPr/>
+                    </a:pPr>
+                    <a:r>
+                      <a:rPr lang="en-US" dirty="0"/>
+                      <a:t>肝病科</a:t>
+                    </a:r>
+                  </a:p>
+                </c:rich>
+              </c:tx>
+              <c:spPr>
+                <a:noFill/>
+                <a:ln>
+                  <a:noFill/>
+                </a:ln>
+                <a:effectLst/>
+              </c:spPr>
+              <c:dLblPos val="t"/>
+              <c:showLegendKey val="0"/>
+              <c:showVal val="0"/>
+              <c:showCatName val="0"/>
+              <c:showSerName val="0"/>
+              <c:showPercent val="0"/>
+              <c:showBubbleSize val="0"/>
+              <c:showLeaderLines val="1"/>
+              <c:extLst>
+                <c:ext xmlns:c15="http://schemas.microsoft.com/office/drawing/2012/chart" uri="{CE6537A1-D6FC-4f65-9D91-7224C49458BB}"/>
+                <c:ext xmlns:c16="http://schemas.microsoft.com/office/drawing/2014/chart" uri="{C3380CC4-5D6E-409C-BE32-E72D297353CC}">
+                  <c16:uniqueId val="{00000018-7214-c670-2a11-f82975ba7f84}"/>
+                </c:ext>
+              </c:extLst>
+            </c:dLbl>
+            <c:dLbl>
+              <c:idx val="18"/>
+              <c:tx>
+                <c:rich>
+                  <a:bodyPr>
+                    <a:spAutoFit/>
+                  </a:bodyPr>
+                  <a:lstStyle/>
+                  <a:p>
+                    <a:pPr>
+                      <a:defRPr/>
+                    </a:pPr>
+                    <a:r>
+                      <a:rPr lang="en-US" dirty="0"/>
+                      <a:t>儿科</a:t>
+                    </a:r>
+                  </a:p>
+                </c:rich>
+              </c:tx>
+              <c:spPr>
+                <a:noFill/>
+                <a:ln>
+                  <a:noFill/>
+                </a:ln>
+                <a:effectLst/>
+              </c:spPr>
+              <c:dLblPos val="t"/>
+              <c:showLegendKey val="0"/>
+              <c:showVal val="0"/>
+              <c:showCatName val="0"/>
+              <c:showSerName val="0"/>
+              <c:showPercent val="0"/>
+              <c:showBubbleSize val="0"/>
+              <c:showLeaderLines val="1"/>
+              <c:extLst>
+                <c:ext xmlns:c15="http://schemas.microsoft.com/office/drawing/2012/chart" uri="{CE6537A1-D6FC-4f65-9D91-7224C49458BB}"/>
+                <c:ext xmlns:c16="http://schemas.microsoft.com/office/drawing/2014/chart" uri="{C3380CC4-5D6E-409C-BE32-E72D297353CC}">
+                  <c16:uniqueId val="{00000019-7214-c670-2a11-f82975ba7f84}"/>
+                </c:ext>
+              </c:extLst>
+            </c:dLbl>
+            <c:dLbl>
+              <c:idx val="19"/>
               <c:tx>
                 <c:rich>
                   <a:bodyPr>
@@ -326,704 +1023,7 @@
               <c:extLst>
                 <c:ext xmlns:c15="http://schemas.microsoft.com/office/drawing/2012/chart" uri="{CE6537A1-D6FC-4f65-9D91-7224C49458BB}"/>
                 <c:ext xmlns:c16="http://schemas.microsoft.com/office/drawing/2014/chart" uri="{C3380CC4-5D6E-409C-BE32-E72D297353CC}">
-                  <c16:uniqueId val="{00000003-e5ef-72d9-ff14-5565cd2bdca6}"/>
-                </c:ext>
-              </c:extLst>
-            </c:dLbl>
-            <c:dLbl>
-              <c:idx val="3"/>
-              <c:tx>
-                <c:rich>
-                  <a:bodyPr>
-                    <a:spAutoFit/>
-                  </a:bodyPr>
-                  <a:lstStyle/>
-                  <a:p>
-                    <a:pPr>
-                      <a:defRPr/>
-                    </a:pPr>
-                    <a:r>
-                      <a:rPr lang="en-US" dirty="0"/>
-                      <a:t>乳腺甲状腺外科</a:t>
-                    </a:r>
-                  </a:p>
-                </c:rich>
-              </c:tx>
-              <c:spPr>
-                <a:noFill/>
-                <a:ln>
-                  <a:noFill/>
-                </a:ln>
-                <a:effectLst/>
-              </c:spPr>
-              <c:dLblPos val="t"/>
-              <c:showLegendKey val="0"/>
-              <c:showVal val="0"/>
-              <c:showCatName val="0"/>
-              <c:showSerName val="0"/>
-              <c:showPercent val="0"/>
-              <c:showBubbleSize val="0"/>
-              <c:showLeaderLines val="1"/>
-              <c:extLst>
-                <c:ext xmlns:c15="http://schemas.microsoft.com/office/drawing/2012/chart" uri="{CE6537A1-D6FC-4f65-9D91-7224C49458BB}"/>
-                <c:ext xmlns:c16="http://schemas.microsoft.com/office/drawing/2014/chart" uri="{C3380CC4-5D6E-409C-BE32-E72D297353CC}">
-                  <c16:uniqueId val="{00000004-e5ef-72d9-ff14-5565cd2bdca6}"/>
-                </c:ext>
-              </c:extLst>
-            </c:dLbl>
-            <c:dLbl>
-              <c:idx val="4"/>
-              <c:tx>
-                <c:rich>
-                  <a:bodyPr>
-                    <a:spAutoFit/>
-                  </a:bodyPr>
-                  <a:lstStyle/>
-                  <a:p>
-                    <a:pPr>
-                      <a:defRPr/>
-                    </a:pPr>
-                    <a:r>
-                      <a:rPr lang="en-US" dirty="0"/>
-                      <a:t>心病四科</a:t>
-                    </a:r>
-                  </a:p>
-                </c:rich>
-              </c:tx>
-              <c:spPr>
-                <a:noFill/>
-                <a:ln>
-                  <a:noFill/>
-                </a:ln>
-                <a:effectLst/>
-              </c:spPr>
-              <c:dLblPos val="t"/>
-              <c:showLegendKey val="0"/>
-              <c:showVal val="0"/>
-              <c:showCatName val="0"/>
-              <c:showSerName val="0"/>
-              <c:showPercent val="0"/>
-              <c:showBubbleSize val="0"/>
-              <c:showLeaderLines val="1"/>
-              <c:extLst>
-                <c:ext xmlns:c15="http://schemas.microsoft.com/office/drawing/2012/chart" uri="{CE6537A1-D6FC-4f65-9D91-7224C49458BB}"/>
-                <c:ext xmlns:c16="http://schemas.microsoft.com/office/drawing/2014/chart" uri="{C3380CC4-5D6E-409C-BE32-E72D297353CC}">
-                  <c16:uniqueId val="{00000005-e5ef-72d9-ff14-5565cd2bdca6}"/>
-                </c:ext>
-              </c:extLst>
-            </c:dLbl>
-            <c:dLbl>
-              <c:idx val="5"/>
-              <c:tx>
-                <c:rich>
-                  <a:bodyPr>
-                    <a:spAutoFit/>
-                  </a:bodyPr>
-                  <a:lstStyle/>
-                  <a:p>
-                    <a:pPr>
-                      <a:defRPr/>
-                    </a:pPr>
-                    <a:r>
-                      <a:rPr lang="en-US" dirty="0"/>
-                      <a:t>中医外治中心</a:t>
-                    </a:r>
-                  </a:p>
-                </c:rich>
-              </c:tx>
-              <c:spPr>
-                <a:noFill/>
-                <a:ln>
-                  <a:noFill/>
-                </a:ln>
-                <a:effectLst/>
-              </c:spPr>
-              <c:dLblPos val="t"/>
-              <c:showLegendKey val="0"/>
-              <c:showVal val="0"/>
-              <c:showCatName val="0"/>
-              <c:showSerName val="0"/>
-              <c:showPercent val="0"/>
-              <c:showBubbleSize val="0"/>
-              <c:showLeaderLines val="1"/>
-              <c:extLst>
-                <c:ext xmlns:c15="http://schemas.microsoft.com/office/drawing/2012/chart" uri="{CE6537A1-D6FC-4f65-9D91-7224C49458BB}"/>
-                <c:ext xmlns:c16="http://schemas.microsoft.com/office/drawing/2014/chart" uri="{C3380CC4-5D6E-409C-BE32-E72D297353CC}">
-                  <c16:uniqueId val="{00000006-e5ef-72d9-ff14-5565cd2bdca6}"/>
-                </c:ext>
-              </c:extLst>
-            </c:dLbl>
-            <c:dLbl>
-              <c:idx val="6"/>
-              <c:tx>
-                <c:rich>
-                  <a:bodyPr>
-                    <a:spAutoFit/>
-                  </a:bodyPr>
-                  <a:lstStyle/>
-                  <a:p>
-                    <a:pPr>
-                      <a:defRPr/>
-                    </a:pPr>
-                    <a:r>
-                      <a:rPr lang="en-US" dirty="0"/>
-                      <a:t>中医经典科</a:t>
-                    </a:r>
-                  </a:p>
-                </c:rich>
-              </c:tx>
-              <c:spPr>
-                <a:noFill/>
-                <a:ln>
-                  <a:noFill/>
-                </a:ln>
-                <a:effectLst/>
-              </c:spPr>
-              <c:dLblPos val="t"/>
-              <c:showLegendKey val="0"/>
-              <c:showVal val="0"/>
-              <c:showCatName val="0"/>
-              <c:showSerName val="0"/>
-              <c:showPercent val="0"/>
-              <c:showBubbleSize val="0"/>
-              <c:showLeaderLines val="1"/>
-              <c:extLst>
-                <c:ext xmlns:c15="http://schemas.microsoft.com/office/drawing/2012/chart" uri="{CE6537A1-D6FC-4f65-9D91-7224C49458BB}"/>
-                <c:ext xmlns:c16="http://schemas.microsoft.com/office/drawing/2014/chart" uri="{C3380CC4-5D6E-409C-BE32-E72D297353CC}">
-                  <c16:uniqueId val="{00000007-e5ef-72d9-ff14-5565cd2bdca6}"/>
-                </c:ext>
-              </c:extLst>
-            </c:dLbl>
-            <c:dLbl>
-              <c:idx val="7"/>
-              <c:tx>
-                <c:rich>
-                  <a:bodyPr>
-                    <a:spAutoFit/>
-                  </a:bodyPr>
-                  <a:lstStyle/>
-                  <a:p>
-                    <a:pPr>
-                      <a:defRPr/>
-                    </a:pPr>
-                    <a:r>
-                      <a:rPr lang="en-US" dirty="0"/>
-                      <a:t>儿科</a:t>
-                    </a:r>
-                  </a:p>
-                </c:rich>
-              </c:tx>
-              <c:spPr>
-                <a:noFill/>
-                <a:ln>
-                  <a:noFill/>
-                </a:ln>
-                <a:effectLst/>
-              </c:spPr>
-              <c:dLblPos val="t"/>
-              <c:showLegendKey val="0"/>
-              <c:showVal val="0"/>
-              <c:showCatName val="0"/>
-              <c:showSerName val="0"/>
-              <c:showPercent val="0"/>
-              <c:showBubbleSize val="0"/>
-              <c:showLeaderLines val="1"/>
-              <c:extLst>
-                <c:ext xmlns:c15="http://schemas.microsoft.com/office/drawing/2012/chart" uri="{CE6537A1-D6FC-4f65-9D91-7224C49458BB}"/>
-                <c:ext xmlns:c16="http://schemas.microsoft.com/office/drawing/2014/chart" uri="{C3380CC4-5D6E-409C-BE32-E72D297353CC}">
-                  <c16:uniqueId val="{00000008-e5ef-72d9-ff14-5565cd2bdca6}"/>
-                </c:ext>
-              </c:extLst>
-            </c:dLbl>
-            <c:dLbl>
-              <c:idx val="8"/>
-              <c:tx>
-                <c:rich>
-                  <a:bodyPr>
-                    <a:spAutoFit/>
-                  </a:bodyPr>
-                  <a:lstStyle/>
-                  <a:p>
-                    <a:pPr>
-                      <a:defRPr/>
-                    </a:pPr>
-                    <a:r>
-                      <a:rPr lang="en-US" dirty="0"/>
-                      <a:t>美容皮肤科</a:t>
-                    </a:r>
-                  </a:p>
-                </c:rich>
-              </c:tx>
-              <c:spPr>
-                <a:noFill/>
-                <a:ln>
-                  <a:noFill/>
-                </a:ln>
-                <a:effectLst/>
-              </c:spPr>
-              <c:dLblPos val="t"/>
-              <c:showLegendKey val="0"/>
-              <c:showVal val="0"/>
-              <c:showCatName val="0"/>
-              <c:showSerName val="0"/>
-              <c:showPercent val="0"/>
-              <c:showBubbleSize val="0"/>
-              <c:showLeaderLines val="1"/>
-              <c:extLst>
-                <c:ext xmlns:c15="http://schemas.microsoft.com/office/drawing/2012/chart" uri="{CE6537A1-D6FC-4f65-9D91-7224C49458BB}"/>
-                <c:ext xmlns:c16="http://schemas.microsoft.com/office/drawing/2014/chart" uri="{C3380CC4-5D6E-409C-BE32-E72D297353CC}">
-                  <c16:uniqueId val="{00000009-e5ef-72d9-ff14-5565cd2bdca6}"/>
-                </c:ext>
-              </c:extLst>
-            </c:dLbl>
-            <c:dLbl>
-              <c:idx val="9"/>
-              <c:tx>
-                <c:rich>
-                  <a:bodyPr>
-                    <a:spAutoFit/>
-                  </a:bodyPr>
-                  <a:lstStyle/>
-                  <a:p>
-                    <a:pPr>
-                      <a:defRPr/>
-                    </a:pPr>
-                    <a:r>
-                      <a:rPr lang="en-US" dirty="0"/>
-                      <a:t>口腔科</a:t>
-                    </a:r>
-                  </a:p>
-                </c:rich>
-              </c:tx>
-              <c:spPr>
-                <a:noFill/>
-                <a:ln>
-                  <a:noFill/>
-                </a:ln>
-                <a:effectLst/>
-              </c:spPr>
-              <c:dLblPos val="t"/>
-              <c:showLegendKey val="0"/>
-              <c:showVal val="0"/>
-              <c:showCatName val="0"/>
-              <c:showSerName val="0"/>
-              <c:showPercent val="0"/>
-              <c:showBubbleSize val="0"/>
-              <c:showLeaderLines val="1"/>
-              <c:extLst>
-                <c:ext xmlns:c15="http://schemas.microsoft.com/office/drawing/2012/chart" uri="{CE6537A1-D6FC-4f65-9D91-7224C49458BB}"/>
-                <c:ext xmlns:c16="http://schemas.microsoft.com/office/drawing/2014/chart" uri="{C3380CC4-5D6E-409C-BE32-E72D297353CC}">
-                  <c16:uniqueId val="{00000010-e5ef-72d9-ff14-5565cd2bdca6}"/>
-                </c:ext>
-              </c:extLst>
-            </c:dLbl>
-            <c:dLbl>
-              <c:idx val="10"/>
-              <c:tx>
-                <c:rich>
-                  <a:bodyPr>
-                    <a:spAutoFit/>
-                  </a:bodyPr>
-                  <a:lstStyle/>
-                  <a:p>
-                    <a:pPr>
-                      <a:defRPr/>
-                    </a:pPr>
-                    <a:r>
-                      <a:rPr lang="en-US" dirty="0"/>
-                      <a:t>心血管内科</a:t>
-                    </a:r>
-                  </a:p>
-                </c:rich>
-              </c:tx>
-              <c:spPr>
-                <a:noFill/>
-                <a:ln>
-                  <a:noFill/>
-                </a:ln>
-                <a:effectLst/>
-              </c:spPr>
-              <c:dLblPos val="t"/>
-              <c:showLegendKey val="0"/>
-              <c:showVal val="0"/>
-              <c:showCatName val="0"/>
-              <c:showSerName val="0"/>
-              <c:showPercent val="0"/>
-              <c:showBubbleSize val="0"/>
-              <c:showLeaderLines val="1"/>
-              <c:extLst>
-                <c:ext xmlns:c15="http://schemas.microsoft.com/office/drawing/2012/chart" uri="{CE6537A1-D6FC-4f65-9D91-7224C49458BB}"/>
-                <c:ext xmlns:c16="http://schemas.microsoft.com/office/drawing/2014/chart" uri="{C3380CC4-5D6E-409C-BE32-E72D297353CC}">
-                  <c16:uniqueId val="{00000011-e5ef-72d9-ff14-5565cd2bdca6}"/>
-                </c:ext>
-              </c:extLst>
-            </c:dLbl>
-            <c:dLbl>
-              <c:idx val="11"/>
-              <c:tx>
-                <c:rich>
-                  <a:bodyPr>
-                    <a:spAutoFit/>
-                  </a:bodyPr>
-                  <a:lstStyle/>
-                  <a:p>
-                    <a:pPr>
-                      <a:defRPr/>
-                    </a:pPr>
-                    <a:r>
-                      <a:rPr lang="en-US" dirty="0"/>
-                      <a:t>普通外科</a:t>
-                    </a:r>
-                  </a:p>
-                </c:rich>
-              </c:tx>
-              <c:spPr>
-                <a:noFill/>
-                <a:ln>
-                  <a:noFill/>
-                </a:ln>
-                <a:effectLst/>
-              </c:spPr>
-              <c:dLblPos val="t"/>
-              <c:showLegendKey val="0"/>
-              <c:showVal val="0"/>
-              <c:showCatName val="0"/>
-              <c:showSerName val="0"/>
-              <c:showPercent val="0"/>
-              <c:showBubbleSize val="0"/>
-              <c:showLeaderLines val="1"/>
-              <c:extLst>
-                <c:ext xmlns:c15="http://schemas.microsoft.com/office/drawing/2012/chart" uri="{CE6537A1-D6FC-4f65-9D91-7224C49458BB}"/>
-                <c:ext xmlns:c16="http://schemas.microsoft.com/office/drawing/2014/chart" uri="{C3380CC4-5D6E-409C-BE32-E72D297353CC}">
-                  <c16:uniqueId val="{00000012-e5ef-72d9-ff14-5565cd2bdca6}"/>
-                </c:ext>
-              </c:extLst>
-            </c:dLbl>
-            <c:dLbl>
-              <c:idx val="12"/>
-              <c:tx>
-                <c:rich>
-                  <a:bodyPr>
-                    <a:spAutoFit/>
-                  </a:bodyPr>
-                  <a:lstStyle/>
-                  <a:p>
-                    <a:pPr>
-                      <a:defRPr/>
-                    </a:pPr>
-                    <a:r>
-                      <a:rPr lang="en-US" dirty="0"/>
-                      <a:t>妇二科</a:t>
-                    </a:r>
-                  </a:p>
-                </c:rich>
-              </c:tx>
-              <c:spPr>
-                <a:noFill/>
-                <a:ln>
-                  <a:noFill/>
-                </a:ln>
-                <a:effectLst/>
-              </c:spPr>
-              <c:dLblPos val="t"/>
-              <c:showLegendKey val="0"/>
-              <c:showVal val="0"/>
-              <c:showCatName val="0"/>
-              <c:showSerName val="0"/>
-              <c:showPercent val="0"/>
-              <c:showBubbleSize val="0"/>
-              <c:showLeaderLines val="1"/>
-              <c:extLst>
-                <c:ext xmlns:c15="http://schemas.microsoft.com/office/drawing/2012/chart" uri="{CE6537A1-D6FC-4f65-9D91-7224C49458BB}"/>
-                <c:ext xmlns:c16="http://schemas.microsoft.com/office/drawing/2014/chart" uri="{C3380CC4-5D6E-409C-BE32-E72D297353CC}">
-                  <c16:uniqueId val="{00000013-e5ef-72d9-ff14-5565cd2bdca6}"/>
-                </c:ext>
-              </c:extLst>
-            </c:dLbl>
-            <c:dLbl>
-              <c:idx val="13"/>
-              <c:tx>
-                <c:rich>
-                  <a:bodyPr>
-                    <a:spAutoFit/>
-                  </a:bodyPr>
-                  <a:lstStyle/>
-                  <a:p>
-                    <a:pPr>
-                      <a:defRPr/>
-                    </a:pPr>
-                    <a:r>
-                      <a:rPr lang="en-US" dirty="0"/>
-                      <a:t>关节骨科</a:t>
-                    </a:r>
-                  </a:p>
-                </c:rich>
-              </c:tx>
-              <c:spPr>
-                <a:noFill/>
-                <a:ln>
-                  <a:noFill/>
-                </a:ln>
-                <a:effectLst/>
-              </c:spPr>
-              <c:dLblPos val="t"/>
-              <c:showLegendKey val="0"/>
-              <c:showVal val="0"/>
-              <c:showCatName val="0"/>
-              <c:showSerName val="0"/>
-              <c:showPercent val="0"/>
-              <c:showBubbleSize val="0"/>
-              <c:showLeaderLines val="1"/>
-              <c:extLst>
-                <c:ext xmlns:c15="http://schemas.microsoft.com/office/drawing/2012/chart" uri="{CE6537A1-D6FC-4f65-9D91-7224C49458BB}"/>
-                <c:ext xmlns:c16="http://schemas.microsoft.com/office/drawing/2014/chart" uri="{C3380CC4-5D6E-409C-BE32-E72D297353CC}">
-                  <c16:uniqueId val="{00000014-e5ef-72d9-ff14-5565cd2bdca6}"/>
-                </c:ext>
-              </c:extLst>
-            </c:dLbl>
-            <c:dLbl>
-              <c:idx val="14"/>
-              <c:tx>
-                <c:rich>
-                  <a:bodyPr>
-                    <a:spAutoFit/>
-                  </a:bodyPr>
-                  <a:lstStyle/>
-                  <a:p>
-                    <a:pPr>
-                      <a:defRPr/>
-                    </a:pPr>
-                    <a:r>
-                      <a:rPr lang="en-US" dirty="0"/>
-                      <a:t>肝胆外科</a:t>
-                    </a:r>
-                  </a:p>
-                </c:rich>
-              </c:tx>
-              <c:spPr>
-                <a:noFill/>
-                <a:ln>
-                  <a:noFill/>
-                </a:ln>
-                <a:effectLst/>
-              </c:spPr>
-              <c:dLblPos val="t"/>
-              <c:showLegendKey val="0"/>
-              <c:showVal val="0"/>
-              <c:showCatName val="0"/>
-              <c:showSerName val="0"/>
-              <c:showPercent val="0"/>
-              <c:showBubbleSize val="0"/>
-              <c:showLeaderLines val="1"/>
-              <c:extLst>
-                <c:ext xmlns:c15="http://schemas.microsoft.com/office/drawing/2012/chart" uri="{CE6537A1-D6FC-4f65-9D91-7224C49458BB}"/>
-                <c:ext xmlns:c16="http://schemas.microsoft.com/office/drawing/2014/chart" uri="{C3380CC4-5D6E-409C-BE32-E72D297353CC}">
-                  <c16:uniqueId val="{00000015-e5ef-72d9-ff14-5565cd2bdca6}"/>
-                </c:ext>
-              </c:extLst>
-            </c:dLbl>
-            <c:dLbl>
-              <c:idx val="15"/>
-              <c:tx>
-                <c:rich>
-                  <a:bodyPr>
-                    <a:spAutoFit/>
-                  </a:bodyPr>
-                  <a:lstStyle/>
-                  <a:p>
-                    <a:pPr>
-                      <a:defRPr/>
-                    </a:pPr>
-                    <a:r>
-                      <a:rPr lang="en-US" dirty="0"/>
-                      <a:t>内分泌科</a:t>
-                    </a:r>
-                  </a:p>
-                </c:rich>
-              </c:tx>
-              <c:spPr>
-                <a:noFill/>
-                <a:ln>
-                  <a:noFill/>
-                </a:ln>
-                <a:effectLst/>
-              </c:spPr>
-              <c:dLblPos val="t"/>
-              <c:showLegendKey val="0"/>
-              <c:showVal val="0"/>
-              <c:showCatName val="0"/>
-              <c:showSerName val="0"/>
-              <c:showPercent val="0"/>
-              <c:showBubbleSize val="0"/>
-              <c:showLeaderLines val="1"/>
-              <c:extLst>
-                <c:ext xmlns:c15="http://schemas.microsoft.com/office/drawing/2012/chart" uri="{CE6537A1-D6FC-4f65-9D91-7224C49458BB}"/>
-                <c:ext xmlns:c16="http://schemas.microsoft.com/office/drawing/2014/chart" uri="{C3380CC4-5D6E-409C-BE32-E72D297353CC}">
-                  <c16:uniqueId val="{00000016-e5ef-72d9-ff14-5565cd2bdca6}"/>
-                </c:ext>
-              </c:extLst>
-            </c:dLbl>
-            <c:dLbl>
-              <c:idx val="16"/>
-              <c:tx>
-                <c:rich>
-                  <a:bodyPr>
-                    <a:spAutoFit/>
-                  </a:bodyPr>
-                  <a:lstStyle/>
-                  <a:p>
-                    <a:pPr>
-                      <a:defRPr/>
-                    </a:pPr>
-                    <a:r>
-                      <a:rPr lang="en-US" dirty="0"/>
-                      <a:t>脾胃病科</a:t>
-                    </a:r>
-                  </a:p>
-                </c:rich>
-              </c:tx>
-              <c:spPr>
-                <a:noFill/>
-                <a:ln>
-                  <a:noFill/>
-                </a:ln>
-                <a:effectLst/>
-              </c:spPr>
-              <c:dLblPos val="t"/>
-              <c:showLegendKey val="0"/>
-              <c:showVal val="0"/>
-              <c:showCatName val="0"/>
-              <c:showSerName val="0"/>
-              <c:showPercent val="0"/>
-              <c:showBubbleSize val="0"/>
-              <c:showLeaderLines val="1"/>
-              <c:extLst>
-                <c:ext xmlns:c15="http://schemas.microsoft.com/office/drawing/2012/chart" uri="{CE6537A1-D6FC-4f65-9D91-7224C49458BB}"/>
-                <c:ext xmlns:c16="http://schemas.microsoft.com/office/drawing/2014/chart" uri="{C3380CC4-5D6E-409C-BE32-E72D297353CC}">
-                  <c16:uniqueId val="{00000017-e5ef-72d9-ff14-5565cd2bdca6}"/>
-                </c:ext>
-              </c:extLst>
-            </c:dLbl>
-            <c:dLbl>
-              <c:idx val="17"/>
-              <c:tx>
-                <c:rich>
-                  <a:bodyPr>
-                    <a:spAutoFit/>
-                  </a:bodyPr>
-                  <a:lstStyle/>
-                  <a:p>
-                    <a:pPr>
-                      <a:defRPr/>
-                    </a:pPr>
-                    <a:r>
-                      <a:rPr lang="en-US" dirty="0"/>
-                      <a:t>治未病中心</a:t>
-                    </a:r>
-                  </a:p>
-                </c:rich>
-              </c:tx>
-              <c:spPr>
-                <a:noFill/>
-                <a:ln>
-                  <a:noFill/>
-                </a:ln>
-                <a:effectLst/>
-              </c:spPr>
-              <c:dLblPos val="t"/>
-              <c:showLegendKey val="0"/>
-              <c:showVal val="0"/>
-              <c:showCatName val="0"/>
-              <c:showSerName val="0"/>
-              <c:showPercent val="0"/>
-              <c:showBubbleSize val="0"/>
-              <c:showLeaderLines val="1"/>
-              <c:extLst>
-                <c:ext xmlns:c15="http://schemas.microsoft.com/office/drawing/2012/chart" uri="{CE6537A1-D6FC-4f65-9D91-7224C49458BB}"/>
-                <c:ext xmlns:c16="http://schemas.microsoft.com/office/drawing/2014/chart" uri="{C3380CC4-5D6E-409C-BE32-E72D297353CC}">
-                  <c16:uniqueId val="{00000018-e5ef-72d9-ff14-5565cd2bdca6}"/>
-                </c:ext>
-              </c:extLst>
-            </c:dLbl>
-            <c:dLbl>
-              <c:idx val="18"/>
-              <c:tx>
-                <c:rich>
-                  <a:bodyPr>
-                    <a:spAutoFit/>
-                  </a:bodyPr>
-                  <a:lstStyle/>
-                  <a:p>
-                    <a:pPr>
-                      <a:defRPr/>
-                    </a:pPr>
-                    <a:r>
-                      <a:rPr lang="en-US" dirty="0"/>
-                      <a:t>医院</a:t>
-                    </a:r>
-                  </a:p>
-                </c:rich>
-              </c:tx>
-              <c:spPr>
-                <a:noFill/>
-                <a:ln>
-                  <a:noFill/>
-                </a:ln>
-                <a:effectLst/>
-              </c:spPr>
-              <c:dLblPos val="t"/>
-              <c:showLegendKey val="0"/>
-              <c:showVal val="0"/>
-              <c:showCatName val="0"/>
-              <c:showSerName val="0"/>
-              <c:showPercent val="0"/>
-              <c:showBubbleSize val="0"/>
-              <c:showLeaderLines val="1"/>
-              <c:extLst>
-                <c:ext xmlns:c15="http://schemas.microsoft.com/office/drawing/2012/chart" uri="{CE6537A1-D6FC-4f65-9D91-7224C49458BB}"/>
-                <c:ext xmlns:c16="http://schemas.microsoft.com/office/drawing/2014/chart" uri="{C3380CC4-5D6E-409C-BE32-E72D297353CC}">
-                  <c16:uniqueId val="{00000019-e5ef-72d9-ff14-5565cd2bdca6}"/>
-                </c:ext>
-              </c:extLst>
-            </c:dLbl>
-            <c:dLbl>
-              <c:idx val="19"/>
-              <c:tx>
-                <c:rich>
-                  <a:bodyPr>
-                    <a:spAutoFit/>
-                  </a:bodyPr>
-                  <a:lstStyle/>
-                  <a:p>
-                    <a:pPr>
-                      <a:defRPr/>
-                    </a:pPr>
-                    <a:r>
-                      <a:rPr lang="en-US" dirty="0"/>
-                      <a:t>心病一科</a:t>
-                    </a:r>
-                  </a:p>
-                </c:rich>
-              </c:tx>
-              <c:spPr>
-                <a:noFill/>
-                <a:ln>
-                  <a:noFill/>
-                </a:ln>
-                <a:effectLst/>
-              </c:spPr>
-              <c:dLblPos val="t"/>
-              <c:showLegendKey val="0"/>
-              <c:showVal val="0"/>
-              <c:showCatName val="0"/>
-              <c:showSerName val="0"/>
-              <c:showPercent val="0"/>
-              <c:showBubbleSize val="0"/>
-              <c:showLeaderLines val="1"/>
-              <c:extLst>
-                <c:ext xmlns:c15="http://schemas.microsoft.com/office/drawing/2012/chart" uri="{CE6537A1-D6FC-4f65-9D91-7224C49458BB}"/>
-                <c:ext xmlns:c16="http://schemas.microsoft.com/office/drawing/2014/chart" uri="{C3380CC4-5D6E-409C-BE32-E72D297353CC}">
-                  <c16:uniqueId val="{00000020-e5ef-72d9-ff14-5565cd2bdca6}"/>
+                  <c16:uniqueId val="{00000020-7214-c670-2a11-f82975ba7f84}"/>
                 </c:ext>
               </c:extLst>
             </c:dLbl>
@@ -1035,64 +1035,64 @@
                 <c:formatCode>General</c:formatCode>
                 <c:ptCount val="20"/>
                 <c:pt idx="0">
-                  <c:v>0.0004867269389554678</c:v>
+                  <c:v>0.0008525374924150537</c:v>
                 </c:pt>
                 <c:pt idx="1">
-                  <c:v>0.0006931002960758718</c:v>
+                  <c:v>0.001183702497525103</c:v>
                 </c:pt>
                 <c:pt idx="2">
-                  <c:v>0.00048463281313531286</c:v>
+                  <c:v>0.0009540943683688701</c:v>
                 </c:pt>
                 <c:pt idx="3">
-                  <c:v>0.0020244409221061768</c:v>
+                  <c:v>0.0018729980673258067</c:v>
                 </c:pt>
                 <c:pt idx="4">
-                  <c:v>0.0009206096863479328</c:v>
+                  <c:v>0.0003111254182653269</c:v>
                 </c:pt>
                 <c:pt idx="5">
-                  <c:v>0.0014130758057053986</c:v>
+                  <c:v>0.000134956284168531</c:v>
                 </c:pt>
                 <c:pt idx="6">
-                  <c:v>0.000019701230483331425</c:v>
+                  <c:v>0.0008545375864029675</c:v>
                 </c:pt>
                 <c:pt idx="7">
-                  <c:v>0.0005763412587070759</c:v>
+                  <c:v>0.00041631167201968577</c:v>
                 </c:pt>
                 <c:pt idx="8">
-                  <c:v>0.0010049078034676622</c:v>
+                  <c:v>0.001723937820686453</c:v>
                 </c:pt>
                 <c:pt idx="9">
-                  <c:v>0.0004668081951525082</c:v>
+                  <c:v>0.0007356953585831172</c:v>
                 </c:pt>
                 <c:pt idx="10">
-                  <c:v>0.00045765132341191205</c:v>
+                  <c:v>0.0019955554184905413</c:v>
                 </c:pt>
                 <c:pt idx="11">
-                  <c:v>0.00023542189416492397</c:v>
+                  <c:v>0.002354553893229753</c:v>
                 </c:pt>
                 <c:pt idx="12">
-                  <c:v>0.002133498796927231</c:v>
+                  <c:v>0.0007470674942008944</c:v>
                 </c:pt>
                 <c:pt idx="13">
-                  <c:v>0.0009173619162238285</c:v>
+                  <c:v>0.0001400406016450438</c:v>
                 </c:pt>
                 <c:pt idx="14">
-                  <c:v>0.0015909126526624199</c:v>
+                  <c:v>0.000056999756685732676</c:v>
                 </c:pt>
                 <c:pt idx="15">
-                  <c:v>0.0014202325786293582</c:v>
+                  <c:v>0.0016466808216552783</c:v>
                 </c:pt>
                 <c:pt idx="16">
-                  <c:v>0.0014787228738239366</c:v>
+                  <c:v>0.0012372091240714202</c:v>
                 </c:pt>
                 <c:pt idx="17">
-                  <c:v>0.0021163513879855385</c:v>
+                  <c:v>0.000754844354385846</c:v>
                 </c:pt>
                 <c:pt idx="18">
-                  <c:v>100</c:v>
+                  <c:v>0.00026793134224860024</c:v>
                 </c:pt>
                 <c:pt idx="19">
-                  <c:v>0.0013186330695513226</c:v>
+                  <c:v>0.000024380896930252553</c:v>
                 </c:pt>
               </c:numCache>
             </c:numRef>
@@ -1107,61 +1107,61 @@
                   <c:v>100</c:v>
                 </c:pt>
                 <c:pt idx="1">
-                  <c:v>65.93541983930683</c:v>
+                  <c:v>36.02494154532677</c:v>
                 </c:pt>
                 <c:pt idx="2">
-                  <c:v>33.20390755714342</c:v>
+                  <c:v>34.467520918366006</c:v>
                 </c:pt>
                 <c:pt idx="3">
-                  <c:v>27.183068768833525</c:v>
+                  <c:v>30.554443582025073</c:v>
                 </c:pt>
                 <c:pt idx="4">
-                  <c:v>25.98052818981765</c:v>
+                  <c:v>30.100689303315942</c:v>
                 </c:pt>
                 <c:pt idx="5">
-                  <c:v>23.097269973164213</c:v>
+                  <c:v>29.110933893450415</c:v>
                 </c:pt>
                 <c:pt idx="6">
-                  <c:v>22.143647753157715</c:v>
+                  <c:v>27.99011030620647</c:v>
                 </c:pt>
                 <c:pt idx="7">
-                  <c:v>20.1359119586432</c:v>
+                  <c:v>27.42028019493483</c:v>
                 </c:pt>
                 <c:pt idx="8">
-                  <c:v>19.93993406480794</c:v>
+                  <c:v>26.146883436974512</c:v>
                 </c:pt>
                 <c:pt idx="9">
-                  <c:v>19.331389291265083</c:v>
+                  <c:v>24.81253203134051</c:v>
                 </c:pt>
                 <c:pt idx="10">
-                  <c:v>19.159052579616166</c:v>
+                  <c:v>24.652158707601878</c:v>
                 </c:pt>
                 <c:pt idx="11">
-                  <c:v>17.680287872929735</c:v>
+                  <c:v>24.55119933656375</c:v>
                 </c:pt>
                 <c:pt idx="12">
-                  <c:v>17.25231004752498</c:v>
+                  <c:v>24.33839803586044</c:v>
                 </c:pt>
                 <c:pt idx="13">
-                  <c:v>17.137909150785767</c:v>
+                  <c:v>23.528359453723258</c:v>
                 </c:pt>
                 <c:pt idx="14">
-                  <c:v>17.113438351767346</c:v>
+                  <c:v>21.62219828762068</c:v>
                 </c:pt>
                 <c:pt idx="15">
-                  <c:v>17.0240281225</c:v>
+                  <c:v>21.16321890815973</c:v>
                 </c:pt>
                 <c:pt idx="16">
-                  <c:v>16.58794591964829</c:v>
+                  <c:v>21.132131450773432</c:v>
                 </c:pt>
                 <c:pt idx="17">
-                  <c:v>16.3347269638983</c:v>
+                  <c:v>19.60158122413626</c:v>
                 </c:pt>
                 <c:pt idx="18">
-                  <c:v>16.176270369506113</c:v>
+                  <c:v>19.255582202648327</c:v>
                 </c:pt>
                 <c:pt idx="19">
-                  <c:v>15.661039468438227</c:v>
+                  <c:v>18.600699235455206</c:v>
                 </c:pt>
               </c:numCache>
             </c:numRef>
@@ -1381,7 +1381,7 @@
 </c:chartSpace>
 </file>
 
-<file path=ppt/charts/chart343.xml><?xml version="1.0" encoding="utf-8"?>
+<file path=ppt/charts/chart716.xml><?xml version="1.0" encoding="utf-8"?>
 <c:chartSpace xmlns:c="http://schemas.openxmlformats.org/drawingml/2006/chart" xmlns:a="http://schemas.openxmlformats.org/drawingml/2006/main" xmlns:r="http://schemas.openxmlformats.org/officeDocument/2006/relationships">
   <c:date1904 val="0"/>
   <c:chart>
@@ -1498,7 +1498,7 @@
               <c:extLst>
                 <c:ext xmlns:c15="http://schemas.microsoft.com/office/drawing/2012/chart" uri="{CE6537A1-D6FC-4f65-9D91-7224C49458BB}"/>
                 <c:ext xmlns:c16="http://schemas.microsoft.com/office/drawing/2014/chart" uri="{C3380CC4-5D6E-409C-BE32-E72D297353CC}">
-                  <c16:uniqueId val="{00000001-9466-83f1-9280-63cbb601bc12}"/>
+                  <c16:uniqueId val="{00000001-1457-6034-08b2-1a2a7451664e}"/>
                 </c:ext>
               </c:extLst>
             </c:dLbl>
@@ -1516,7 +1516,7 @@
                     </a:pPr>
                     <a:r>
                       <a:rPr lang="en-US" dirty="0"/>
-                      <a:t>胸外科</a:t>
+                      <a:t>东区肾病科</a:t>
                     </a:r>
                   </a:p>
                 </c:rich>
@@ -1539,7 +1539,7 @@
               <c:extLst>
                 <c:ext xmlns:c15="http://schemas.microsoft.com/office/drawing/2012/chart" uri="{CE6537A1-D6FC-4f65-9D91-7224C49458BB}"/>
                 <c:ext xmlns:c16="http://schemas.microsoft.com/office/drawing/2014/chart" uri="{C3380CC4-5D6E-409C-BE32-E72D297353CC}">
-                  <c16:uniqueId val="{00000002-9466-83f1-9280-63cbb601bc12}"/>
+                  <c16:uniqueId val="{00000002-1457-6034-08b2-1a2a7451664e}"/>
                 </c:ext>
               </c:extLst>
             </c:dLbl>
@@ -1557,7 +1557,7 @@
                     </a:pPr>
                     <a:r>
                       <a:rPr lang="en-US" dirty="0"/>
-                      <a:t>男科</a:t>
+                      <a:t>小儿推拿科</a:t>
                     </a:r>
                   </a:p>
                 </c:rich>
@@ -1580,7 +1580,7 @@
               <c:extLst>
                 <c:ext xmlns:c15="http://schemas.microsoft.com/office/drawing/2012/chart" uri="{CE6537A1-D6FC-4f65-9D91-7224C49458BB}"/>
                 <c:ext xmlns:c16="http://schemas.microsoft.com/office/drawing/2014/chart" uri="{C3380CC4-5D6E-409C-BE32-E72D297353CC}">
-                  <c16:uniqueId val="{00000003-9466-83f1-9280-63cbb601bc12}"/>
+                  <c16:uniqueId val="{00000003-1457-6034-08b2-1a2a7451664e}"/>
                 </c:ext>
               </c:extLst>
             </c:dLbl>
@@ -1598,7 +1598,7 @@
                     </a:pPr>
                     <a:r>
                       <a:rPr lang="en-US" dirty="0"/>
-                      <a:t>脾胃科消化科合并</a:t>
+                      <a:t>推拿科</a:t>
                     </a:r>
                   </a:p>
                 </c:rich>
@@ -1621,12 +1621,94 @@
               <c:extLst>
                 <c:ext xmlns:c15="http://schemas.microsoft.com/office/drawing/2012/chart" uri="{CE6537A1-D6FC-4f65-9D91-7224C49458BB}"/>
                 <c:ext xmlns:c16="http://schemas.microsoft.com/office/drawing/2014/chart" uri="{C3380CC4-5D6E-409C-BE32-E72D297353CC}">
-                  <c16:uniqueId val="{00000004-9466-83f1-9280-63cbb601bc12}"/>
+                  <c16:uniqueId val="{00000004-1457-6034-08b2-1a2a7451664e}"/>
                 </c:ext>
               </c:extLst>
             </c:dLbl>
             <c:dLbl>
               <c:idx val="4"/>
+              <c:tx>
+                <c:rich>
+                  <a:bodyPr>
+                    <a:spAutoFit/>
+                  </a:bodyPr>
+                  <a:lstStyle/>
+                  <a:p>
+                    <a:pPr>
+                      <a:defRPr/>
+                    </a:pPr>
+                    <a:r>
+                      <a:rPr lang="en-US" dirty="0"/>
+                      <a:t>脑病一科</a:t>
+                    </a:r>
+                  </a:p>
+                </c:rich>
+              </c:tx>
+              <c:spPr>
+                <a:noFill/>
+                <a:ln>
+                  <a:noFill/>
+                </a:ln>
+                <a:effectLst/>
+              </c:spPr>
+              <c:dLblPos val="t"/>
+              <c:showLegendKey val="0"/>
+              <c:showVal val="0"/>
+              <c:showCatName val="0"/>
+              <c:showSerName val="0"/>
+              <c:showPercent val="0"/>
+              <c:showBubbleSize val="0"/>
+              <c:showLeaderLines val="1"/>
+              <c:extLst>
+                <c:ext xmlns:c15="http://schemas.microsoft.com/office/drawing/2012/chart" uri="{CE6537A1-D6FC-4f65-9D91-7224C49458BB}"/>
+                <c:ext xmlns:c16="http://schemas.microsoft.com/office/drawing/2014/chart" uri="{C3380CC4-5D6E-409C-BE32-E72D297353CC}">
+                  <c16:uniqueId val="{00000005-1457-6034-08b2-1a2a7451664e}"/>
+                </c:ext>
+              </c:extLst>
+            </c:dLbl>
+            <c:dLbl>
+              <c:idx val="5"/>
+              <c:tx>
+                <c:rich>
+                  <a:bodyPr>
+                    <a:spAutoFit/>
+                  </a:bodyPr>
+                  <a:lstStyle/>
+                  <a:p>
+                    <a:pPr>
+                      <a:defRPr/>
+                    </a:pPr>
+                    <a:r>
+                      <a:rPr lang="en-US" dirty="0"/>
+                      <a:t>脊柱骨科</a:t>
+                    </a:r>
+                  </a:p>
+                </c:rich>
+              </c:tx>
+              <c:spPr>
+                <a:noFill/>
+                <a:ln>
+                  <a:noFill/>
+                </a:ln>
+                <a:effectLst/>
+              </c:spPr>
+              <c:dLblPos val="t"/>
+              <c:showLegendKey val="0"/>
+              <c:showVal val="0"/>
+              <c:showCatName val="0"/>
+              <c:showSerName val="0"/>
+              <c:showPercent val="0"/>
+              <c:showBubbleSize val="0"/>
+              <c:showLeaderLines val="1"/>
+              <c:extLst>
+                <c:ext xmlns:c15="http://schemas.microsoft.com/office/drawing/2012/chart" uri="{CE6537A1-D6FC-4f65-9D91-7224C49458BB}"/>
+                <c:ext xmlns:c16="http://schemas.microsoft.com/office/drawing/2014/chart" uri="{C3380CC4-5D6E-409C-BE32-E72D297353CC}">
+                  <c16:uniqueId val="{00000006-1457-6034-08b2-1a2a7451664e}"/>
+                </c:ext>
+              </c:extLst>
+            </c:dLbl>
+            <c:dLbl>
+              <c:idx val="6"/>
               <c:tx>
                 <c:rich>
                   <a:bodyPr>
@@ -1662,12 +1744,12 @@
               <c:extLst>
                 <c:ext xmlns:c15="http://schemas.microsoft.com/office/drawing/2012/chart" uri="{CE6537A1-D6FC-4f65-9D91-7224C49458BB}"/>
                 <c:ext xmlns:c16="http://schemas.microsoft.com/office/drawing/2014/chart" uri="{C3380CC4-5D6E-409C-BE32-E72D297353CC}">
-                  <c16:uniqueId val="{00000005-9466-83f1-9280-63cbb601bc12}"/>
+                  <c16:uniqueId val="{00000007-1457-6034-08b2-1a2a7451664e}"/>
                 </c:ext>
               </c:extLst>
             </c:dLbl>
             <c:dLbl>
-              <c:idx val="5"/>
+              <c:idx val="7"/>
               <c:tx>
                 <c:rich>
                   <a:bodyPr>
@@ -1680,7 +1762,7 @@
                     </a:pPr>
                     <a:r>
                       <a:rPr lang="en-US" dirty="0"/>
-                      <a:t>治未病中心</a:t>
+                      <a:t>心病三科</a:t>
                     </a:r>
                   </a:p>
                 </c:rich>
@@ -1703,12 +1785,12 @@
               <c:extLst>
                 <c:ext xmlns:c15="http://schemas.microsoft.com/office/drawing/2012/chart" uri="{CE6537A1-D6FC-4f65-9D91-7224C49458BB}"/>
                 <c:ext xmlns:c16="http://schemas.microsoft.com/office/drawing/2014/chart" uri="{C3380CC4-5D6E-409C-BE32-E72D297353CC}">
-                  <c16:uniqueId val="{00000006-9466-83f1-9280-63cbb601bc12}"/>
+                  <c16:uniqueId val="{00000008-1457-6034-08b2-1a2a7451664e}"/>
                 </c:ext>
               </c:extLst>
             </c:dLbl>
             <c:dLbl>
-              <c:idx val="6"/>
+              <c:idx val="8"/>
               <c:tx>
                 <c:rich>
                   <a:bodyPr>
@@ -1721,7 +1803,7 @@
                     </a:pPr>
                     <a:r>
                       <a:rPr lang="en-US" dirty="0"/>
-                      <a:t>东区肾病科</a:t>
+                      <a:t>泌尿外科</a:t>
                     </a:r>
                   </a:p>
                 </c:rich>
@@ -1744,12 +1826,12 @@
               <c:extLst>
                 <c:ext xmlns:c15="http://schemas.microsoft.com/office/drawing/2012/chart" uri="{CE6537A1-D6FC-4f65-9D91-7224C49458BB}"/>
                 <c:ext xmlns:c16="http://schemas.microsoft.com/office/drawing/2014/chart" uri="{C3380CC4-5D6E-409C-BE32-E72D297353CC}">
-                  <c16:uniqueId val="{00000007-9466-83f1-9280-63cbb601bc12}"/>
+                  <c16:uniqueId val="{00000009-1457-6034-08b2-1a2a7451664e}"/>
                 </c:ext>
               </c:extLst>
             </c:dLbl>
             <c:dLbl>
-              <c:idx val="7"/>
+              <c:idx val="9"/>
               <c:tx>
                 <c:rich>
                   <a:bodyPr>
@@ -1762,7 +1844,7 @@
                     </a:pPr>
                     <a:r>
                       <a:rPr lang="en-US" dirty="0"/>
-                      <a:t>呼吸内科</a:t>
+                      <a:t>肾脏内科</a:t>
                     </a:r>
                   </a:p>
                 </c:rich>
@@ -1785,12 +1867,12 @@
               <c:extLst>
                 <c:ext xmlns:c15="http://schemas.microsoft.com/office/drawing/2012/chart" uri="{CE6537A1-D6FC-4f65-9D91-7224C49458BB}"/>
                 <c:ext xmlns:c16="http://schemas.microsoft.com/office/drawing/2014/chart" uri="{C3380CC4-5D6E-409C-BE32-E72D297353CC}">
-                  <c16:uniqueId val="{00000008-9466-83f1-9280-63cbb601bc12}"/>
+                  <c16:uniqueId val="{00000010-1457-6034-08b2-1a2a7451664e}"/>
                 </c:ext>
               </c:extLst>
             </c:dLbl>
             <c:dLbl>
-              <c:idx val="8"/>
+              <c:idx val="10"/>
               <c:tx>
                 <c:rich>
                   <a:bodyPr>
@@ -1803,7 +1885,7 @@
                     </a:pPr>
                     <a:r>
                       <a:rPr lang="en-US" dirty="0"/>
-                      <a:t>乳腺甲状腺外科</a:t>
+                      <a:t>心病一科</a:t>
                     </a:r>
                   </a:p>
                 </c:rich>
@@ -1826,12 +1908,12 @@
               <c:extLst>
                 <c:ext xmlns:c15="http://schemas.microsoft.com/office/drawing/2012/chart" uri="{CE6537A1-D6FC-4f65-9D91-7224C49458BB}"/>
                 <c:ext xmlns:c16="http://schemas.microsoft.com/office/drawing/2014/chart" uri="{C3380CC4-5D6E-409C-BE32-E72D297353CC}">
-                  <c16:uniqueId val="{00000009-9466-83f1-9280-63cbb601bc12}"/>
+                  <c16:uniqueId val="{00000011-1457-6034-08b2-1a2a7451664e}"/>
                 </c:ext>
               </c:extLst>
             </c:dLbl>
             <c:dLbl>
-              <c:idx val="9"/>
+              <c:idx val="11"/>
               <c:tx>
                 <c:rich>
                   <a:bodyPr>
@@ -1844,7 +1926,7 @@
                     </a:pPr>
                     <a:r>
                       <a:rPr lang="en-US" dirty="0"/>
-                      <a:t>脊柱骨科</a:t>
+                      <a:t>脾胃病科</a:t>
                     </a:r>
                   </a:p>
                 </c:rich>
@@ -1867,12 +1949,12 @@
               <c:extLst>
                 <c:ext xmlns:c15="http://schemas.microsoft.com/office/drawing/2012/chart" uri="{CE6537A1-D6FC-4f65-9D91-7224C49458BB}"/>
                 <c:ext xmlns:c16="http://schemas.microsoft.com/office/drawing/2014/chart" uri="{C3380CC4-5D6E-409C-BE32-E72D297353CC}">
-                  <c16:uniqueId val="{00000010-9466-83f1-9280-63cbb601bc12}"/>
+                  <c16:uniqueId val="{00000012-1457-6034-08b2-1a2a7451664e}"/>
                 </c:ext>
               </c:extLst>
             </c:dLbl>
             <c:dLbl>
-              <c:idx val="10"/>
+              <c:idx val="12"/>
               <c:tx>
                 <c:rich>
                   <a:bodyPr>
@@ -1885,7 +1967,7 @@
                     </a:pPr>
                     <a:r>
                       <a:rPr lang="en-US" dirty="0"/>
-                      <a:t>重症医学科</a:t>
+                      <a:t>肝胆外科</a:t>
                     </a:r>
                   </a:p>
                 </c:rich>
@@ -1908,12 +1990,258 @@
               <c:extLst>
                 <c:ext xmlns:c15="http://schemas.microsoft.com/office/drawing/2012/chart" uri="{CE6537A1-D6FC-4f65-9D91-7224C49458BB}"/>
                 <c:ext xmlns:c16="http://schemas.microsoft.com/office/drawing/2014/chart" uri="{C3380CC4-5D6E-409C-BE32-E72D297353CC}">
-                  <c16:uniqueId val="{00000011-9466-83f1-9280-63cbb601bc12}"/>
+                  <c16:uniqueId val="{00000013-1457-6034-08b2-1a2a7451664e}"/>
                 </c:ext>
               </c:extLst>
             </c:dLbl>
             <c:dLbl>
-              <c:idx val="11"/>
+              <c:idx val="13"/>
+              <c:tx>
+                <c:rich>
+                  <a:bodyPr>
+                    <a:spAutoFit/>
+                  </a:bodyPr>
+                  <a:lstStyle/>
+                  <a:p>
+                    <a:pPr>
+                      <a:defRPr/>
+                    </a:pPr>
+                    <a:r>
+                      <a:rPr lang="en-US" dirty="0"/>
+                      <a:t>创伤骨科</a:t>
+                    </a:r>
+                  </a:p>
+                </c:rich>
+              </c:tx>
+              <c:spPr>
+                <a:noFill/>
+                <a:ln>
+                  <a:noFill/>
+                </a:ln>
+                <a:effectLst/>
+              </c:spPr>
+              <c:dLblPos val="t"/>
+              <c:showLegendKey val="0"/>
+              <c:showVal val="0"/>
+              <c:showCatName val="0"/>
+              <c:showSerName val="0"/>
+              <c:showPercent val="0"/>
+              <c:showBubbleSize val="0"/>
+              <c:showLeaderLines val="1"/>
+              <c:extLst>
+                <c:ext xmlns:c15="http://schemas.microsoft.com/office/drawing/2012/chart" uri="{CE6537A1-D6FC-4f65-9D91-7224C49458BB}"/>
+                <c:ext xmlns:c16="http://schemas.microsoft.com/office/drawing/2014/chart" uri="{C3380CC4-5D6E-409C-BE32-E72D297353CC}">
+                  <c16:uniqueId val="{00000014-1457-6034-08b2-1a2a7451664e}"/>
+                </c:ext>
+              </c:extLst>
+            </c:dLbl>
+            <c:dLbl>
+              <c:idx val="14"/>
+              <c:tx>
+                <c:rich>
+                  <a:bodyPr>
+                    <a:spAutoFit/>
+                  </a:bodyPr>
+                  <a:lstStyle/>
+                  <a:p>
+                    <a:pPr>
+                      <a:defRPr/>
+                    </a:pPr>
+                    <a:r>
+                      <a:rPr lang="en-US" dirty="0"/>
+                      <a:t>心病四科</a:t>
+                    </a:r>
+                  </a:p>
+                </c:rich>
+              </c:tx>
+              <c:spPr>
+                <a:noFill/>
+                <a:ln>
+                  <a:noFill/>
+                </a:ln>
+                <a:effectLst/>
+              </c:spPr>
+              <c:dLblPos val="t"/>
+              <c:showLegendKey val="0"/>
+              <c:showVal val="0"/>
+              <c:showCatName val="0"/>
+              <c:showSerName val="0"/>
+              <c:showPercent val="0"/>
+              <c:showBubbleSize val="0"/>
+              <c:showLeaderLines val="1"/>
+              <c:extLst>
+                <c:ext xmlns:c15="http://schemas.microsoft.com/office/drawing/2012/chart" uri="{CE6537A1-D6FC-4f65-9D91-7224C49458BB}"/>
+                <c:ext xmlns:c16="http://schemas.microsoft.com/office/drawing/2014/chart" uri="{C3380CC4-5D6E-409C-BE32-E72D297353CC}">
+                  <c16:uniqueId val="{00000015-1457-6034-08b2-1a2a7451664e}"/>
+                </c:ext>
+              </c:extLst>
+            </c:dLbl>
+            <c:dLbl>
+              <c:idx val="15"/>
+              <c:tx>
+                <c:rich>
+                  <a:bodyPr>
+                    <a:spAutoFit/>
+                  </a:bodyPr>
+                  <a:lstStyle/>
+                  <a:p>
+                    <a:pPr>
+                      <a:defRPr/>
+                    </a:pPr>
+                    <a:r>
+                      <a:rPr lang="en-US" dirty="0"/>
+                      <a:t>东区重症医学科</a:t>
+                    </a:r>
+                  </a:p>
+                </c:rich>
+              </c:tx>
+              <c:spPr>
+                <a:noFill/>
+                <a:ln>
+                  <a:noFill/>
+                </a:ln>
+                <a:effectLst/>
+              </c:spPr>
+              <c:dLblPos val="t"/>
+              <c:showLegendKey val="0"/>
+              <c:showVal val="0"/>
+              <c:showCatName val="0"/>
+              <c:showSerName val="0"/>
+              <c:showPercent val="0"/>
+              <c:showBubbleSize val="0"/>
+              <c:showLeaderLines val="1"/>
+              <c:extLst>
+                <c:ext xmlns:c15="http://schemas.microsoft.com/office/drawing/2012/chart" uri="{CE6537A1-D6FC-4f65-9D91-7224C49458BB}"/>
+                <c:ext xmlns:c16="http://schemas.microsoft.com/office/drawing/2014/chart" uri="{C3380CC4-5D6E-409C-BE32-E72D297353CC}">
+                  <c16:uniqueId val="{00000016-1457-6034-08b2-1a2a7451664e}"/>
+                </c:ext>
+              </c:extLst>
+            </c:dLbl>
+            <c:dLbl>
+              <c:idx val="16"/>
+              <c:tx>
+                <c:rich>
+                  <a:bodyPr>
+                    <a:spAutoFit/>
+                  </a:bodyPr>
+                  <a:lstStyle/>
+                  <a:p>
+                    <a:pPr>
+                      <a:defRPr/>
+                    </a:pPr>
+                    <a:r>
+                      <a:rPr lang="en-US" dirty="0"/>
+                      <a:t>关节骨科</a:t>
+                    </a:r>
+                  </a:p>
+                </c:rich>
+              </c:tx>
+              <c:spPr>
+                <a:noFill/>
+                <a:ln>
+                  <a:noFill/>
+                </a:ln>
+                <a:effectLst/>
+              </c:spPr>
+              <c:dLblPos val="t"/>
+              <c:showLegendKey val="0"/>
+              <c:showVal val="0"/>
+              <c:showCatName val="0"/>
+              <c:showSerName val="0"/>
+              <c:showPercent val="0"/>
+              <c:showBubbleSize val="0"/>
+              <c:showLeaderLines val="1"/>
+              <c:extLst>
+                <c:ext xmlns:c15="http://schemas.microsoft.com/office/drawing/2012/chart" uri="{CE6537A1-D6FC-4f65-9D91-7224C49458BB}"/>
+                <c:ext xmlns:c16="http://schemas.microsoft.com/office/drawing/2014/chart" uri="{C3380CC4-5D6E-409C-BE32-E72D297353CC}">
+                  <c16:uniqueId val="{00000017-1457-6034-08b2-1a2a7451664e}"/>
+                </c:ext>
+              </c:extLst>
+            </c:dLbl>
+            <c:dLbl>
+              <c:idx val="17"/>
+              <c:tx>
+                <c:rich>
+                  <a:bodyPr>
+                    <a:spAutoFit/>
+                  </a:bodyPr>
+                  <a:lstStyle/>
+                  <a:p>
+                    <a:pPr>
+                      <a:defRPr/>
+                    </a:pPr>
+                    <a:r>
+                      <a:rPr lang="en-US" dirty="0"/>
+                      <a:t>心血管内科</a:t>
+                    </a:r>
+                  </a:p>
+                </c:rich>
+              </c:tx>
+              <c:spPr>
+                <a:noFill/>
+                <a:ln>
+                  <a:noFill/>
+                </a:ln>
+                <a:effectLst/>
+              </c:spPr>
+              <c:dLblPos val="t"/>
+              <c:showLegendKey val="0"/>
+              <c:showVal val="0"/>
+              <c:showCatName val="0"/>
+              <c:showSerName val="0"/>
+              <c:showPercent val="0"/>
+              <c:showBubbleSize val="0"/>
+              <c:showLeaderLines val="1"/>
+              <c:extLst>
+                <c:ext xmlns:c15="http://schemas.microsoft.com/office/drawing/2012/chart" uri="{CE6537A1-D6FC-4f65-9D91-7224C49458BB}"/>
+                <c:ext xmlns:c16="http://schemas.microsoft.com/office/drawing/2014/chart" uri="{C3380CC4-5D6E-409C-BE32-E72D297353CC}">
+                  <c16:uniqueId val="{00000018-1457-6034-08b2-1a2a7451664e}"/>
+                </c:ext>
+              </c:extLst>
+            </c:dLbl>
+            <c:dLbl>
+              <c:idx val="18"/>
+              <c:tx>
+                <c:rich>
+                  <a:bodyPr>
+                    <a:spAutoFit/>
+                  </a:bodyPr>
+                  <a:lstStyle/>
+                  <a:p>
+                    <a:pPr>
+                      <a:defRPr/>
+                    </a:pPr>
+                    <a:r>
+                      <a:rPr lang="en-US" dirty="0"/>
+                      <a:t>妇科妇二科合并</a:t>
+                    </a:r>
+                  </a:p>
+                </c:rich>
+              </c:tx>
+              <c:spPr>
+                <a:noFill/>
+                <a:ln>
+                  <a:noFill/>
+                </a:ln>
+                <a:effectLst/>
+              </c:spPr>
+              <c:dLblPos val="t"/>
+              <c:showLegendKey val="0"/>
+              <c:showVal val="0"/>
+              <c:showCatName val="0"/>
+              <c:showSerName val="0"/>
+              <c:showPercent val="0"/>
+              <c:showBubbleSize val="0"/>
+              <c:showLeaderLines val="1"/>
+              <c:extLst>
+                <c:ext xmlns:c15="http://schemas.microsoft.com/office/drawing/2012/chart" uri="{CE6537A1-D6FC-4f65-9D91-7224C49458BB}"/>
+                <c:ext xmlns:c16="http://schemas.microsoft.com/office/drawing/2014/chart" uri="{C3380CC4-5D6E-409C-BE32-E72D297353CC}">
+                  <c16:uniqueId val="{00000019-1457-6034-08b2-1a2a7451664e}"/>
+                </c:ext>
+              </c:extLst>
+            </c:dLbl>
+            <c:dLbl>
+              <c:idx val="19"/>
               <c:tx>
                 <c:rich>
                   <a:bodyPr>
@@ -1949,335 +2277,7 @@
               <c:extLst>
                 <c:ext xmlns:c15="http://schemas.microsoft.com/office/drawing/2012/chart" uri="{CE6537A1-D6FC-4f65-9D91-7224C49458BB}"/>
                 <c:ext xmlns:c16="http://schemas.microsoft.com/office/drawing/2014/chart" uri="{C3380CC4-5D6E-409C-BE32-E72D297353CC}">
-                  <c16:uniqueId val="{00000012-9466-83f1-9280-63cbb601bc12}"/>
-                </c:ext>
-              </c:extLst>
-            </c:dLbl>
-            <c:dLbl>
-              <c:idx val="12"/>
-              <c:tx>
-                <c:rich>
-                  <a:bodyPr>
-                    <a:spAutoFit/>
-                  </a:bodyPr>
-                  <a:lstStyle/>
-                  <a:p>
-                    <a:pPr>
-                      <a:defRPr/>
-                    </a:pPr>
-                    <a:r>
-                      <a:rPr lang="en-US" dirty="0"/>
-                      <a:t>消化内科</a:t>
-                    </a:r>
-                  </a:p>
-                </c:rich>
-              </c:tx>
-              <c:spPr>
-                <a:noFill/>
-                <a:ln>
-                  <a:noFill/>
-                </a:ln>
-                <a:effectLst/>
-              </c:spPr>
-              <c:dLblPos val="t"/>
-              <c:showLegendKey val="0"/>
-              <c:showVal val="0"/>
-              <c:showCatName val="0"/>
-              <c:showSerName val="0"/>
-              <c:showPercent val="0"/>
-              <c:showBubbleSize val="0"/>
-              <c:showLeaderLines val="1"/>
-              <c:extLst>
-                <c:ext xmlns:c15="http://schemas.microsoft.com/office/drawing/2012/chart" uri="{CE6537A1-D6FC-4f65-9D91-7224C49458BB}"/>
-                <c:ext xmlns:c16="http://schemas.microsoft.com/office/drawing/2014/chart" uri="{C3380CC4-5D6E-409C-BE32-E72D297353CC}">
-                  <c16:uniqueId val="{00000013-9466-83f1-9280-63cbb601bc12}"/>
-                </c:ext>
-              </c:extLst>
-            </c:dLbl>
-            <c:dLbl>
-              <c:idx val="13"/>
-              <c:tx>
-                <c:rich>
-                  <a:bodyPr>
-                    <a:spAutoFit/>
-                  </a:bodyPr>
-                  <a:lstStyle/>
-                  <a:p>
-                    <a:pPr>
-                      <a:defRPr/>
-                    </a:pPr>
-                    <a:r>
-                      <a:rPr lang="en-US" dirty="0"/>
-                      <a:t>运动损伤骨科</a:t>
-                    </a:r>
-                  </a:p>
-                </c:rich>
-              </c:tx>
-              <c:spPr>
-                <a:noFill/>
-                <a:ln>
-                  <a:noFill/>
-                </a:ln>
-                <a:effectLst/>
-              </c:spPr>
-              <c:dLblPos val="t"/>
-              <c:showLegendKey val="0"/>
-              <c:showVal val="0"/>
-              <c:showCatName val="0"/>
-              <c:showSerName val="0"/>
-              <c:showPercent val="0"/>
-              <c:showBubbleSize val="0"/>
-              <c:showLeaderLines val="1"/>
-              <c:extLst>
-                <c:ext xmlns:c15="http://schemas.microsoft.com/office/drawing/2012/chart" uri="{CE6537A1-D6FC-4f65-9D91-7224C49458BB}"/>
-                <c:ext xmlns:c16="http://schemas.microsoft.com/office/drawing/2014/chart" uri="{C3380CC4-5D6E-409C-BE32-E72D297353CC}">
-                  <c16:uniqueId val="{00000014-9466-83f1-9280-63cbb601bc12}"/>
-                </c:ext>
-              </c:extLst>
-            </c:dLbl>
-            <c:dLbl>
-              <c:idx val="14"/>
-              <c:tx>
-                <c:rich>
-                  <a:bodyPr>
-                    <a:spAutoFit/>
-                  </a:bodyPr>
-                  <a:lstStyle/>
-                  <a:p>
-                    <a:pPr>
-                      <a:defRPr/>
-                    </a:pPr>
-                    <a:r>
-                      <a:rPr lang="en-US" dirty="0"/>
-                      <a:t>皮肤科</a:t>
-                    </a:r>
-                  </a:p>
-                </c:rich>
-              </c:tx>
-              <c:spPr>
-                <a:noFill/>
-                <a:ln>
-                  <a:noFill/>
-                </a:ln>
-                <a:effectLst/>
-              </c:spPr>
-              <c:dLblPos val="t"/>
-              <c:showLegendKey val="0"/>
-              <c:showVal val="0"/>
-              <c:showCatName val="0"/>
-              <c:showSerName val="0"/>
-              <c:showPercent val="0"/>
-              <c:showBubbleSize val="0"/>
-              <c:showLeaderLines val="1"/>
-              <c:extLst>
-                <c:ext xmlns:c15="http://schemas.microsoft.com/office/drawing/2012/chart" uri="{CE6537A1-D6FC-4f65-9D91-7224C49458BB}"/>
-                <c:ext xmlns:c16="http://schemas.microsoft.com/office/drawing/2014/chart" uri="{C3380CC4-5D6E-409C-BE32-E72D297353CC}">
-                  <c16:uniqueId val="{00000015-9466-83f1-9280-63cbb601bc12}"/>
-                </c:ext>
-              </c:extLst>
-            </c:dLbl>
-            <c:dLbl>
-              <c:idx val="15"/>
-              <c:tx>
-                <c:rich>
-                  <a:bodyPr>
-                    <a:spAutoFit/>
-                  </a:bodyPr>
-                  <a:lstStyle/>
-                  <a:p>
-                    <a:pPr>
-                      <a:defRPr/>
-                    </a:pPr>
-                    <a:r>
-                      <a:rPr lang="en-US" dirty="0"/>
-                      <a:t>心病二科</a:t>
-                    </a:r>
-                  </a:p>
-                </c:rich>
-              </c:tx>
-              <c:spPr>
-                <a:noFill/>
-                <a:ln>
-                  <a:noFill/>
-                </a:ln>
-                <a:effectLst/>
-              </c:spPr>
-              <c:dLblPos val="t"/>
-              <c:showLegendKey val="0"/>
-              <c:showVal val="0"/>
-              <c:showCatName val="0"/>
-              <c:showSerName val="0"/>
-              <c:showPercent val="0"/>
-              <c:showBubbleSize val="0"/>
-              <c:showLeaderLines val="1"/>
-              <c:extLst>
-                <c:ext xmlns:c15="http://schemas.microsoft.com/office/drawing/2012/chart" uri="{CE6537A1-D6FC-4f65-9D91-7224C49458BB}"/>
-                <c:ext xmlns:c16="http://schemas.microsoft.com/office/drawing/2014/chart" uri="{C3380CC4-5D6E-409C-BE32-E72D297353CC}">
-                  <c16:uniqueId val="{00000016-9466-83f1-9280-63cbb601bc12}"/>
-                </c:ext>
-              </c:extLst>
-            </c:dLbl>
-            <c:dLbl>
-              <c:idx val="16"/>
-              <c:tx>
-                <c:rich>
-                  <a:bodyPr>
-                    <a:spAutoFit/>
-                  </a:bodyPr>
-                  <a:lstStyle/>
-                  <a:p>
-                    <a:pPr>
-                      <a:defRPr/>
-                    </a:pPr>
-                    <a:r>
-                      <a:rPr lang="en-US" dirty="0"/>
-                      <a:t>推拿科</a:t>
-                    </a:r>
-                  </a:p>
-                </c:rich>
-              </c:tx>
-              <c:spPr>
-                <a:noFill/>
-                <a:ln>
-                  <a:noFill/>
-                </a:ln>
-                <a:effectLst/>
-              </c:spPr>
-              <c:dLblPos val="t"/>
-              <c:showLegendKey val="0"/>
-              <c:showVal val="0"/>
-              <c:showCatName val="0"/>
-              <c:showSerName val="0"/>
-              <c:showPercent val="0"/>
-              <c:showBubbleSize val="0"/>
-              <c:showLeaderLines val="1"/>
-              <c:extLst>
-                <c:ext xmlns:c15="http://schemas.microsoft.com/office/drawing/2012/chart" uri="{CE6537A1-D6FC-4f65-9D91-7224C49458BB}"/>
-                <c:ext xmlns:c16="http://schemas.microsoft.com/office/drawing/2014/chart" uri="{C3380CC4-5D6E-409C-BE32-E72D297353CC}">
-                  <c16:uniqueId val="{00000017-9466-83f1-9280-63cbb601bc12}"/>
-                </c:ext>
-              </c:extLst>
-            </c:dLbl>
-            <c:dLbl>
-              <c:idx val="17"/>
-              <c:tx>
-                <c:rich>
-                  <a:bodyPr>
-                    <a:spAutoFit/>
-                  </a:bodyPr>
-                  <a:lstStyle/>
-                  <a:p>
-                    <a:pPr>
-                      <a:defRPr/>
-                    </a:pPr>
-                    <a:r>
-                      <a:rPr lang="en-US" dirty="0"/>
-                      <a:t>肝胆外科</a:t>
-                    </a:r>
-                  </a:p>
-                </c:rich>
-              </c:tx>
-              <c:spPr>
-                <a:noFill/>
-                <a:ln>
-                  <a:noFill/>
-                </a:ln>
-                <a:effectLst/>
-              </c:spPr>
-              <c:dLblPos val="t"/>
-              <c:showLegendKey val="0"/>
-              <c:showVal val="0"/>
-              <c:showCatName val="0"/>
-              <c:showSerName val="0"/>
-              <c:showPercent val="0"/>
-              <c:showBubbleSize val="0"/>
-              <c:showLeaderLines val="1"/>
-              <c:extLst>
-                <c:ext xmlns:c15="http://schemas.microsoft.com/office/drawing/2012/chart" uri="{CE6537A1-D6FC-4f65-9D91-7224C49458BB}"/>
-                <c:ext xmlns:c16="http://schemas.microsoft.com/office/drawing/2014/chart" uri="{C3380CC4-5D6E-409C-BE32-E72D297353CC}">
-                  <c16:uniqueId val="{00000018-9466-83f1-9280-63cbb601bc12}"/>
-                </c:ext>
-              </c:extLst>
-            </c:dLbl>
-            <c:dLbl>
-              <c:idx val="18"/>
-              <c:tx>
-                <c:rich>
-                  <a:bodyPr>
-                    <a:spAutoFit/>
-                  </a:bodyPr>
-                  <a:lstStyle/>
-                  <a:p>
-                    <a:pPr>
-                      <a:defRPr/>
-                    </a:pPr>
-                    <a:r>
-                      <a:rPr lang="en-US" dirty="0"/>
-                      <a:t>脑病一科</a:t>
-                    </a:r>
-                  </a:p>
-                </c:rich>
-              </c:tx>
-              <c:spPr>
-                <a:noFill/>
-                <a:ln>
-                  <a:noFill/>
-                </a:ln>
-                <a:effectLst/>
-              </c:spPr>
-              <c:dLblPos val="t"/>
-              <c:showLegendKey val="0"/>
-              <c:showVal val="0"/>
-              <c:showCatName val="0"/>
-              <c:showSerName val="0"/>
-              <c:showPercent val="0"/>
-              <c:showBubbleSize val="0"/>
-              <c:showLeaderLines val="1"/>
-              <c:extLst>
-                <c:ext xmlns:c15="http://schemas.microsoft.com/office/drawing/2012/chart" uri="{CE6537A1-D6FC-4f65-9D91-7224C49458BB}"/>
-                <c:ext xmlns:c16="http://schemas.microsoft.com/office/drawing/2014/chart" uri="{C3380CC4-5D6E-409C-BE32-E72D297353CC}">
-                  <c16:uniqueId val="{00000019-9466-83f1-9280-63cbb601bc12}"/>
-                </c:ext>
-              </c:extLst>
-            </c:dLbl>
-            <c:dLbl>
-              <c:idx val="19"/>
-              <c:tx>
-                <c:rich>
-                  <a:bodyPr>
-                    <a:spAutoFit/>
-                  </a:bodyPr>
-                  <a:lstStyle/>
-                  <a:p>
-                    <a:pPr>
-                      <a:defRPr/>
-                    </a:pPr>
-                    <a:r>
-                      <a:rPr lang="en-US" dirty="0"/>
-                      <a:t>脾胃病科</a:t>
-                    </a:r>
-                  </a:p>
-                </c:rich>
-              </c:tx>
-              <c:spPr>
-                <a:noFill/>
-                <a:ln>
-                  <a:noFill/>
-                </a:ln>
-                <a:effectLst/>
-              </c:spPr>
-              <c:dLblPos val="t"/>
-              <c:showLegendKey val="0"/>
-              <c:showVal val="0"/>
-              <c:showCatName val="0"/>
-              <c:showSerName val="0"/>
-              <c:showPercent val="0"/>
-              <c:showBubbleSize val="0"/>
-              <c:showLeaderLines val="1"/>
-              <c:extLst>
-                <c:ext xmlns:c15="http://schemas.microsoft.com/office/drawing/2012/chart" uri="{CE6537A1-D6FC-4f65-9D91-7224C49458BB}"/>
-                <c:ext xmlns:c16="http://schemas.microsoft.com/office/drawing/2014/chart" uri="{C3380CC4-5D6E-409C-BE32-E72D297353CC}">
-                  <c16:uniqueId val="{00000020-9466-83f1-9280-63cbb601bc12}"/>
+                  <c16:uniqueId val="{00000020-1457-6034-08b2-1a2a7451664e}"/>
                 </c:ext>
               </c:extLst>
             </c:dLbl>
@@ -2289,64 +2289,64 @@
                 <c:formatCode>General</c:formatCode>
                 <c:ptCount val="20"/>
                 <c:pt idx="0">
-                  <c:v>16.176270369506113</c:v>
+                  <c:v>13.247071383047453</c:v>
                 </c:pt>
                 <c:pt idx="1">
-                  <c:v>11.121508212885942</c:v>
+                  <c:v>24.55119933656375</c:v>
                 </c:pt>
                 <c:pt idx="2">
-                  <c:v>3.2409247087617046</c:v>
+                  <c:v>2.352165024002936</c:v>
                 </c:pt>
                 <c:pt idx="3">
-                  <c:v>13.03412941005062</c:v>
+                  <c:v>11.362197478530483</c:v>
                 </c:pt>
                 <c:pt idx="4">
-                  <c:v>17.25231004752498</c:v>
+                  <c:v>6.448941109826733</c:v>
                 </c:pt>
                 <c:pt idx="5">
-                  <c:v>16.3347269638983</c:v>
+                  <c:v>5.190528491705162</c:v>
                 </c:pt>
                 <c:pt idx="6">
-                  <c:v>14.03864949324691</c:v>
+                  <c:v>24.652158707601878</c:v>
                 </c:pt>
                 <c:pt idx="7">
-                  <c:v>11.2855664436887</c:v>
+                  <c:v>9.75508744752625</c:v>
                 </c:pt>
                 <c:pt idx="8">
-                  <c:v>27.183068768833525</c:v>
+                  <c:v>30.554443582025073</c:v>
                 </c:pt>
                 <c:pt idx="9">
-                  <c:v>4.126291963084218</c:v>
+                  <c:v>2.7095300686284407</c:v>
                 </c:pt>
                 <c:pt idx="10">
-                  <c:v>13.218577644040579</c:v>
+                  <c:v>17.143043915227544</c:v>
                 </c:pt>
                 <c:pt idx="11">
-                  <c:v>14.296853453746445</c:v>
+                  <c:v>26.146883436974512</c:v>
                 </c:pt>
                 <c:pt idx="12">
-                  <c:v>8.776982503786362</c:v>
+                  <c:v>21.16321890815973</c:v>
                 </c:pt>
                 <c:pt idx="13">
-                  <c:v>8.458992632041296</c:v>
+                  <c:v>2.4661013208073346</c:v>
                 </c:pt>
                 <c:pt idx="14">
-                  <c:v>12.895936837561834</c:v>
+                  <c:v>11.235267783898559</c:v>
                 </c:pt>
                 <c:pt idx="15">
-                  <c:v>7.903177861727817</c:v>
+                  <c:v>13.386088498610576</c:v>
                 </c:pt>
                 <c:pt idx="16">
-                  <c:v>12.712246417958745</c:v>
+                  <c:v>11.077421772639251</c:v>
                 </c:pt>
                 <c:pt idx="17">
-                  <c:v>17.113438351767346</c:v>
+                  <c:v>7.667757328726091</c:v>
                 </c:pt>
                 <c:pt idx="18">
-                  <c:v>9.484706776254045</c:v>
+                  <c:v>14.951231318895765</c:v>
                 </c:pt>
                 <c:pt idx="19">
-                  <c:v>16.58794591964829</c:v>
+                  <c:v>10.449310833880183</c:v>
                 </c:pt>
               </c:numCache>
             </c:numRef>
@@ -2361,61 +2361,61 @@
                   <c:v>100</c:v>
                 </c:pt>
                 <c:pt idx="1">
-                  <c:v>0.0023138198939242098</c:v>
+                  <c:v>0.002354553893229753</c:v>
                 </c:pt>
                 <c:pt idx="2">
-                  <c:v>0.0021967931716074664</c:v>
+                  <c:v>0.002310115867383393</c:v>
                 </c:pt>
                 <c:pt idx="3">
-                  <c:v>0.0021456520909604506</c:v>
+                  <c:v>0.0023058844987286324</c:v>
                 </c:pt>
                 <c:pt idx="4">
-                  <c:v>0.002133498796927231</c:v>
+                  <c:v>0.002133048343740804</c:v>
                 </c:pt>
                 <c:pt idx="5">
-                  <c:v>0.0021163513879855385</c:v>
+                  <c:v>0.0020006150532617824</c:v>
                 </c:pt>
                 <c:pt idx="6">
-                  <c:v>0.002088120272103822</c:v>
+                  <c:v>0.0019955554184905413</c:v>
                 </c:pt>
                 <c:pt idx="7">
-                  <c:v>0.0020651830103089715</c:v>
+                  <c:v>0.0019309107380196275</c:v>
                 </c:pt>
                 <c:pt idx="8">
-                  <c:v>0.0020244409221061768</c:v>
+                  <c:v>0.0018729980673258067</c:v>
                 </c:pt>
                 <c:pt idx="9">
-                  <c:v>0.0019893165718758215</c:v>
+                  <c:v>0.0017636694040505136</c:v>
                 </c:pt>
                 <c:pt idx="10">
-                  <c:v>0.0018687729869342744</c:v>
+                  <c:v>0.0017334981531247626</c:v>
                 </c:pt>
                 <c:pt idx="11">
-                  <c:v>0.0017587037090467728</c:v>
+                  <c:v>0.001723937820686453</c:v>
                 </c:pt>
                 <c:pt idx="12">
-                  <c:v>0.0017106749373928414</c:v>
+                  <c:v>0.0016466808216552783</c:v>
                 </c:pt>
                 <c:pt idx="13">
-                  <c:v>0.0016852773493982044</c:v>
+                  <c:v>0.001636354227564596</c:v>
                 </c:pt>
                 <c:pt idx="14">
-                  <c:v>0.0016610105421725116</c:v>
+                  <c:v>0.0016189547115742422</c:v>
                 </c:pt>
                 <c:pt idx="15">
-                  <c:v>0.00165181075768754</c:v>
+                  <c:v>0.0016095122701308847</c:v>
                 </c:pt>
                 <c:pt idx="16">
-                  <c:v>0.0016465698379339393</c:v>
+                  <c:v>0.0015396354729707738</c:v>
                 </c:pt>
                 <c:pt idx="17">
-                  <c:v>0.0015909126526624199</c:v>
+                  <c:v>0.0015140164748972704</c:v>
                 </c:pt>
                 <c:pt idx="18">
-                  <c:v>0.0015532015521611529</c:v>
+                  <c:v>0.0014818281843027017</c:v>
                 </c:pt>
                 <c:pt idx="19">
-                  <c:v>0.0014787228738239366</c:v>
+                  <c:v>0.0013915827819881146</c:v>
                 </c:pt>
               </c:numCache>
             </c:numRef>

--- a/cases/goodhostpital2021/对标分析报告.pg.pptx
+++ b/cases/goodhostpital2021/对标分析报告.pg.pptx
@@ -109,13 +109,13 @@
   <p:extLst>
     <p:ext uri="{521415D9-36F7-43E2-AB2F-B90AF26B5E84}">
       <p14:sectionLst xmlns:p14="http://schemas.microsoft.com/office/powerpoint/2010/main">
-        <p14:section name="院内专科BCG散点图" id="{d20e0741-7900-964f-834b-32d9ae256dae}">
+        <p14:section name="院内专科BCG散点图" id="{9383cd7f-2ebc-701d-c25c-e794a1ec9e94}">
           <p14:sldIdLst>
             <p14:sldId id="257"/>
             <p14:sldId id="258"/>
           </p14:sldIdLst>
         </p14:section>
-        <p14:section name="院内专科梯队表格" id="{f28ffd2e-a557-b86c-fab7-9e95082908f2}">
+        <p14:section name="院内专科梯队表格" id="{6fa16db9-4f1c-2eb6-d7dd-e348e2258256}">
           <p14:sldIdLst/>
         </p14:section>
       </p14:sectionLst>
@@ -127,7 +127,7 @@
 </p:presentation>
 </file>
 
-<file path=ppt/charts/chart715.xml><?xml version="1.0" encoding="utf-8"?>
+<file path=ppt/charts/chart357.xml><?xml version="1.0" encoding="utf-8"?>
 <c:chartSpace xmlns:c="http://schemas.openxmlformats.org/drawingml/2006/chart" xmlns:a="http://schemas.openxmlformats.org/drawingml/2006/main" xmlns:r="http://schemas.openxmlformats.org/officeDocument/2006/relationships">
   <c:date1904 val="0"/>
   <c:chart>
@@ -221,7 +221,7 @@
                     </a:pPr>
                     <a:r>
                       <a:rPr lang="en-US" dirty="0"/>
-                      <a:t>骨科</a:t>
+                      <a:t>周围血管科</a:t>
                     </a:r>
                   </a:p>
                 </c:rich>
@@ -244,7 +244,7 @@
               <c:extLst>
                 <c:ext xmlns:c15="http://schemas.microsoft.com/office/drawing/2012/chart" uri="{CE6537A1-D6FC-4f65-9D91-7224C49458BB}"/>
                 <c:ext xmlns:c16="http://schemas.microsoft.com/office/drawing/2014/chart" uri="{C3380CC4-5D6E-409C-BE32-E72D297353CC}">
-                  <c16:uniqueId val="{00000001-7214-c670-2a11-f82975ba7f84}"/>
+                  <c16:uniqueId val="{00000001-dc37-9a1b-d1d6-daa88ffff79c}"/>
                 </c:ext>
               </c:extLst>
             </c:dLbl>
@@ -262,7 +262,7 @@
                     </a:pPr>
                     <a:r>
                       <a:rPr lang="en-US" dirty="0"/>
-                      <a:t>乳腺甲状腺外科</a:t>
+                      <a:t>心病四科</a:t>
                     </a:r>
                   </a:p>
                 </c:rich>
@@ -285,7 +285,7 @@
               <c:extLst>
                 <c:ext xmlns:c15="http://schemas.microsoft.com/office/drawing/2012/chart" uri="{CE6537A1-D6FC-4f65-9D91-7224C49458BB}"/>
                 <c:ext xmlns:c16="http://schemas.microsoft.com/office/drawing/2014/chart" uri="{C3380CC4-5D6E-409C-BE32-E72D297353CC}">
-                  <c16:uniqueId val="{00000002-7214-c670-2a11-f82975ba7f84}"/>
+                  <c16:uniqueId val="{00000002-dc37-9a1b-d1d6-daa88ffff79c}"/>
                 </c:ext>
               </c:extLst>
             </c:dLbl>
@@ -303,7 +303,7 @@
                     </a:pPr>
                     <a:r>
                       <a:rPr lang="en-US" dirty="0"/>
-                      <a:t>神经内科</a:t>
+                      <a:t>耳鼻喉科</a:t>
                     </a:r>
                   </a:p>
                 </c:rich>
@@ -326,12 +326,135 @@
               <c:extLst>
                 <c:ext xmlns:c15="http://schemas.microsoft.com/office/drawing/2012/chart" uri="{CE6537A1-D6FC-4f65-9D91-7224C49458BB}"/>
                 <c:ext xmlns:c16="http://schemas.microsoft.com/office/drawing/2014/chart" uri="{C3380CC4-5D6E-409C-BE32-E72D297353CC}">
-                  <c16:uniqueId val="{00000003-7214-c670-2a11-f82975ba7f84}"/>
+                  <c16:uniqueId val="{00000003-dc37-9a1b-d1d6-daa88ffff79c}"/>
                 </c:ext>
               </c:extLst>
             </c:dLbl>
             <c:dLbl>
               <c:idx val="3"/>
+              <c:tx>
+                <c:rich>
+                  <a:bodyPr>
+                    <a:spAutoFit/>
+                  </a:bodyPr>
+                  <a:lstStyle/>
+                  <a:p>
+                    <a:pPr>
+                      <a:defRPr/>
+                    </a:pPr>
+                    <a:r>
+                      <a:rPr lang="en-US" dirty="0"/>
+                      <a:t>肾脏内科</a:t>
+                    </a:r>
+                  </a:p>
+                </c:rich>
+              </c:tx>
+              <c:spPr>
+                <a:noFill/>
+                <a:ln>
+                  <a:noFill/>
+                </a:ln>
+                <a:effectLst/>
+              </c:spPr>
+              <c:dLblPos val="t"/>
+              <c:showLegendKey val="0"/>
+              <c:showVal val="0"/>
+              <c:showCatName val="0"/>
+              <c:showSerName val="0"/>
+              <c:showPercent val="0"/>
+              <c:showBubbleSize val="0"/>
+              <c:showLeaderLines val="1"/>
+              <c:extLst>
+                <c:ext xmlns:c15="http://schemas.microsoft.com/office/drawing/2012/chart" uri="{CE6537A1-D6FC-4f65-9D91-7224C49458BB}"/>
+                <c:ext xmlns:c16="http://schemas.microsoft.com/office/drawing/2014/chart" uri="{C3380CC4-5D6E-409C-BE32-E72D297353CC}">
+                  <c16:uniqueId val="{00000004-dc37-9a1b-d1d6-daa88ffff79c}"/>
+                </c:ext>
+              </c:extLst>
+            </c:dLbl>
+            <c:dLbl>
+              <c:idx val="4"/>
+              <c:tx>
+                <c:rich>
+                  <a:bodyPr>
+                    <a:spAutoFit/>
+                  </a:bodyPr>
+                  <a:lstStyle/>
+                  <a:p>
+                    <a:pPr>
+                      <a:defRPr/>
+                    </a:pPr>
+                    <a:r>
+                      <a:rPr lang="en-US" dirty="0"/>
+                      <a:t>眼科</a:t>
+                    </a:r>
+                  </a:p>
+                </c:rich>
+              </c:tx>
+              <c:spPr>
+                <a:noFill/>
+                <a:ln>
+                  <a:noFill/>
+                </a:ln>
+                <a:effectLst/>
+              </c:spPr>
+              <c:dLblPos val="t"/>
+              <c:showLegendKey val="0"/>
+              <c:showVal val="0"/>
+              <c:showCatName val="0"/>
+              <c:showSerName val="0"/>
+              <c:showPercent val="0"/>
+              <c:showBubbleSize val="0"/>
+              <c:showLeaderLines val="1"/>
+              <c:extLst>
+                <c:ext xmlns:c15="http://schemas.microsoft.com/office/drawing/2012/chart" uri="{CE6537A1-D6FC-4f65-9D91-7224C49458BB}"/>
+                <c:ext xmlns:c16="http://schemas.microsoft.com/office/drawing/2014/chart" uri="{C3380CC4-5D6E-409C-BE32-E72D297353CC}">
+                  <c16:uniqueId val="{00000005-dc37-9a1b-d1d6-daa88ffff79c}"/>
+                </c:ext>
+              </c:extLst>
+            </c:dLbl>
+            <c:dLbl>
+              <c:idx val="5"/>
+              <c:tx>
+                <c:rich>
+                  <a:bodyPr>
+                    <a:spAutoFit/>
+                  </a:bodyPr>
+                  <a:lstStyle/>
+                  <a:p>
+                    <a:pPr>
+                      <a:defRPr/>
+                    </a:pPr>
+                    <a:r>
+                      <a:rPr lang="en-US" dirty="0"/>
+                      <a:t>肛肠科</a:t>
+                    </a:r>
+                  </a:p>
+                </c:rich>
+              </c:tx>
+              <c:spPr>
+                <a:noFill/>
+                <a:ln>
+                  <a:noFill/>
+                </a:ln>
+                <a:effectLst/>
+              </c:spPr>
+              <c:dLblPos val="t"/>
+              <c:showLegendKey val="0"/>
+              <c:showVal val="0"/>
+              <c:showCatName val="0"/>
+              <c:showSerName val="0"/>
+              <c:showPercent val="0"/>
+              <c:showBubbleSize val="0"/>
+              <c:showLeaderLines val="1"/>
+              <c:extLst>
+                <c:ext xmlns:c15="http://schemas.microsoft.com/office/drawing/2012/chart" uri="{CE6537A1-D6FC-4f65-9D91-7224C49458BB}"/>
+                <c:ext xmlns:c16="http://schemas.microsoft.com/office/drawing/2014/chart" uri="{C3380CC4-5D6E-409C-BE32-E72D297353CC}">
+                  <c16:uniqueId val="{00000006-dc37-9a1b-d1d6-daa88ffff79c}"/>
+                </c:ext>
+              </c:extLst>
+            </c:dLbl>
+            <c:dLbl>
+              <c:idx val="6"/>
               <c:tx>
                 <c:rich>
                   <a:bodyPr>
@@ -367,12 +490,12 @@
               <c:extLst>
                 <c:ext xmlns:c15="http://schemas.microsoft.com/office/drawing/2012/chart" uri="{CE6537A1-D6FC-4f65-9D91-7224C49458BB}"/>
                 <c:ext xmlns:c16="http://schemas.microsoft.com/office/drawing/2014/chart" uri="{C3380CC4-5D6E-409C-BE32-E72D297353CC}">
-                  <c16:uniqueId val="{00000004-7214-c670-2a11-f82975ba7f84}"/>
+                  <c16:uniqueId val="{00000007-dc37-9a1b-d1d6-daa88ffff79c}"/>
                 </c:ext>
               </c:extLst>
             </c:dLbl>
             <c:dLbl>
-              <c:idx val="4"/>
+              <c:idx val="7"/>
               <c:tx>
                 <c:rich>
                   <a:bodyPr>
@@ -385,7 +508,7 @@
                     </a:pPr>
                     <a:r>
                       <a:rPr lang="en-US" dirty="0"/>
-                      <a:t>针灸科</a:t>
+                      <a:t>脾胃科消化科合并</a:t>
                     </a:r>
                   </a:p>
                 </c:rich>
@@ -408,12 +531,12 @@
               <c:extLst>
                 <c:ext xmlns:c15="http://schemas.microsoft.com/office/drawing/2012/chart" uri="{CE6537A1-D6FC-4f65-9D91-7224C49458BB}"/>
                 <c:ext xmlns:c16="http://schemas.microsoft.com/office/drawing/2014/chart" uri="{C3380CC4-5D6E-409C-BE32-E72D297353CC}">
-                  <c16:uniqueId val="{00000005-7214-c670-2a11-f82975ba7f84}"/>
+                  <c16:uniqueId val="{00000008-dc37-9a1b-d1d6-daa88ffff79c}"/>
                 </c:ext>
               </c:extLst>
             </c:dLbl>
             <c:dLbl>
-              <c:idx val="5"/>
+              <c:idx val="8"/>
               <c:tx>
                 <c:rich>
                   <a:bodyPr>
@@ -426,7 +549,7 @@
                     </a:pPr>
                     <a:r>
                       <a:rPr lang="en-US" dirty="0"/>
-                      <a:t>中医经典科</a:t>
+                      <a:t>微创骨科</a:t>
                     </a:r>
                   </a:p>
                 </c:rich>
@@ -449,12 +572,12 @@
               <c:extLst>
                 <c:ext xmlns:c15="http://schemas.microsoft.com/office/drawing/2012/chart" uri="{CE6537A1-D6FC-4f65-9D91-7224C49458BB}"/>
                 <c:ext xmlns:c16="http://schemas.microsoft.com/office/drawing/2014/chart" uri="{C3380CC4-5D6E-409C-BE32-E72D297353CC}">
-                  <c16:uniqueId val="{00000006-7214-c670-2a11-f82975ba7f84}"/>
+                  <c16:uniqueId val="{00000009-dc37-9a1b-d1d6-daa88ffff79c}"/>
                 </c:ext>
               </c:extLst>
             </c:dLbl>
             <c:dLbl>
-              <c:idx val="6"/>
+              <c:idx val="9"/>
               <c:tx>
                 <c:rich>
                   <a:bodyPr>
@@ -467,7 +590,7 @@
                     </a:pPr>
                     <a:r>
                       <a:rPr lang="en-US" dirty="0"/>
-                      <a:t>美容皮肤科</a:t>
+                      <a:t>儿科</a:t>
                     </a:r>
                   </a:p>
                 </c:rich>
@@ -490,12 +613,12 @@
               <c:extLst>
                 <c:ext xmlns:c15="http://schemas.microsoft.com/office/drawing/2012/chart" uri="{CE6537A1-D6FC-4f65-9D91-7224C49458BB}"/>
                 <c:ext xmlns:c16="http://schemas.microsoft.com/office/drawing/2014/chart" uri="{C3380CC4-5D6E-409C-BE32-E72D297353CC}">
-                  <c16:uniqueId val="{00000007-7214-c670-2a11-f82975ba7f84}"/>
+                  <c16:uniqueId val="{00000010-dc37-9a1b-d1d6-daa88ffff79c}"/>
                 </c:ext>
               </c:extLst>
             </c:dLbl>
             <c:dLbl>
-              <c:idx val="7"/>
+              <c:idx val="10"/>
               <c:tx>
                 <c:rich>
                   <a:bodyPr>
@@ -508,7 +631,7 @@
                     </a:pPr>
                     <a:r>
                       <a:rPr lang="en-US" dirty="0"/>
-                      <a:t>皮肤科</a:t>
+                      <a:t>肾病科</a:t>
                     </a:r>
                   </a:p>
                 </c:rich>
@@ -531,12 +654,12 @@
               <c:extLst>
                 <c:ext xmlns:c15="http://schemas.microsoft.com/office/drawing/2012/chart" uri="{CE6537A1-D6FC-4f65-9D91-7224C49458BB}"/>
                 <c:ext xmlns:c16="http://schemas.microsoft.com/office/drawing/2014/chart" uri="{C3380CC4-5D6E-409C-BE32-E72D297353CC}">
-                  <c16:uniqueId val="{00000008-7214-c670-2a11-f82975ba7f84}"/>
+                  <c16:uniqueId val="{00000011-dc37-9a1b-d1d6-daa88ffff79c}"/>
                 </c:ext>
               </c:extLst>
             </c:dLbl>
             <c:dLbl>
-              <c:idx val="8"/>
+              <c:idx val="11"/>
               <c:tx>
                 <c:rich>
                   <a:bodyPr>
@@ -549,7 +672,7 @@
                     </a:pPr>
                     <a:r>
                       <a:rPr lang="en-US" dirty="0"/>
-                      <a:t>脾胃病科</a:t>
+                      <a:t>小儿推拿科</a:t>
                     </a:r>
                   </a:p>
                 </c:rich>
@@ -572,12 +695,12 @@
               <c:extLst>
                 <c:ext xmlns:c15="http://schemas.microsoft.com/office/drawing/2012/chart" uri="{CE6537A1-D6FC-4f65-9D91-7224C49458BB}"/>
                 <c:ext xmlns:c16="http://schemas.microsoft.com/office/drawing/2014/chart" uri="{C3380CC4-5D6E-409C-BE32-E72D297353CC}">
-                  <c16:uniqueId val="{00000009-7214-c670-2a11-f82975ba7f84}"/>
+                  <c16:uniqueId val="{00000012-dc37-9a1b-d1d6-daa88ffff79c}"/>
                 </c:ext>
               </c:extLst>
             </c:dLbl>
             <c:dLbl>
-              <c:idx val="9"/>
+              <c:idx val="12"/>
               <c:tx>
                 <c:rich>
                   <a:bodyPr>
@@ -590,7 +713,7 @@
                     </a:pPr>
                     <a:r>
                       <a:rPr lang="en-US" dirty="0"/>
-                      <a:t>小儿骨科</a:t>
+                      <a:t>脑病一科</a:t>
                     </a:r>
                   </a:p>
                 </c:rich>
@@ -613,12 +736,12 @@
               <c:extLst>
                 <c:ext xmlns:c15="http://schemas.microsoft.com/office/drawing/2012/chart" uri="{CE6537A1-D6FC-4f65-9D91-7224C49458BB}"/>
                 <c:ext xmlns:c16="http://schemas.microsoft.com/office/drawing/2014/chart" uri="{C3380CC4-5D6E-409C-BE32-E72D297353CC}">
-                  <c16:uniqueId val="{00000010-7214-c670-2a11-f82975ba7f84}"/>
+                  <c16:uniqueId val="{00000013-dc37-9a1b-d1d6-daa88ffff79c}"/>
                 </c:ext>
               </c:extLst>
             </c:dLbl>
             <c:dLbl>
-              <c:idx val="10"/>
+              <c:idx val="13"/>
               <c:tx>
                 <c:rich>
                   <a:bodyPr>
@@ -631,7 +754,7 @@
                     </a:pPr>
                     <a:r>
                       <a:rPr lang="en-US" dirty="0"/>
-                      <a:t>妇二科</a:t>
+                      <a:t>心病二科</a:t>
                     </a:r>
                   </a:p>
                 </c:rich>
@@ -654,217 +777,12 @@
               <c:extLst>
                 <c:ext xmlns:c15="http://schemas.microsoft.com/office/drawing/2012/chart" uri="{CE6537A1-D6FC-4f65-9D91-7224C49458BB}"/>
                 <c:ext xmlns:c16="http://schemas.microsoft.com/office/drawing/2014/chart" uri="{C3380CC4-5D6E-409C-BE32-E72D297353CC}">
-                  <c16:uniqueId val="{00000011-7214-c670-2a11-f82975ba7f84}"/>
-                </c:ext>
-              </c:extLst>
-            </c:dLbl>
-            <c:dLbl>
-              <c:idx val="11"/>
-              <c:tx>
-                <c:rich>
-                  <a:bodyPr>
-                    <a:spAutoFit/>
-                  </a:bodyPr>
-                  <a:lstStyle/>
-                  <a:p>
-                    <a:pPr>
-                      <a:defRPr/>
-                    </a:pPr>
-                    <a:r>
-                      <a:rPr lang="en-US" dirty="0"/>
-                      <a:t>东区肾病科</a:t>
-                    </a:r>
-                  </a:p>
-                </c:rich>
-              </c:tx>
-              <c:spPr>
-                <a:noFill/>
-                <a:ln>
-                  <a:noFill/>
-                </a:ln>
-                <a:effectLst/>
-              </c:spPr>
-              <c:dLblPos val="t"/>
-              <c:showLegendKey val="0"/>
-              <c:showVal val="0"/>
-              <c:showCatName val="0"/>
-              <c:showSerName val="0"/>
-              <c:showPercent val="0"/>
-              <c:showBubbleSize val="0"/>
-              <c:showLeaderLines val="1"/>
-              <c:extLst>
-                <c:ext xmlns:c15="http://schemas.microsoft.com/office/drawing/2012/chart" uri="{CE6537A1-D6FC-4f65-9D91-7224C49458BB}"/>
-                <c:ext xmlns:c16="http://schemas.microsoft.com/office/drawing/2014/chart" uri="{C3380CC4-5D6E-409C-BE32-E72D297353CC}">
-                  <c16:uniqueId val="{00000012-7214-c670-2a11-f82975ba7f84}"/>
-                </c:ext>
-              </c:extLst>
-            </c:dLbl>
-            <c:dLbl>
-              <c:idx val="12"/>
-              <c:tx>
-                <c:rich>
-                  <a:bodyPr>
-                    <a:spAutoFit/>
-                  </a:bodyPr>
-                  <a:lstStyle/>
-                  <a:p>
-                    <a:pPr>
-                      <a:defRPr/>
-                    </a:pPr>
-                    <a:r>
-                      <a:rPr lang="en-US" dirty="0"/>
-                      <a:t>重症医学科</a:t>
-                    </a:r>
-                  </a:p>
-                </c:rich>
-              </c:tx>
-              <c:spPr>
-                <a:noFill/>
-                <a:ln>
-                  <a:noFill/>
-                </a:ln>
-                <a:effectLst/>
-              </c:spPr>
-              <c:dLblPos val="t"/>
-              <c:showLegendKey val="0"/>
-              <c:showVal val="0"/>
-              <c:showCatName val="0"/>
-              <c:showSerName val="0"/>
-              <c:showPercent val="0"/>
-              <c:showBubbleSize val="0"/>
-              <c:showLeaderLines val="1"/>
-              <c:extLst>
-                <c:ext xmlns:c15="http://schemas.microsoft.com/office/drawing/2012/chart" uri="{CE6537A1-D6FC-4f65-9D91-7224C49458BB}"/>
-                <c:ext xmlns:c16="http://schemas.microsoft.com/office/drawing/2014/chart" uri="{C3380CC4-5D6E-409C-BE32-E72D297353CC}">
-                  <c16:uniqueId val="{00000013-7214-c670-2a11-f82975ba7f84}"/>
-                </c:ext>
-              </c:extLst>
-            </c:dLbl>
-            <c:dLbl>
-              <c:idx val="13"/>
-              <c:tx>
-                <c:rich>
-                  <a:bodyPr>
-                    <a:spAutoFit/>
-                  </a:bodyPr>
-                  <a:lstStyle/>
-                  <a:p>
-                    <a:pPr>
-                      <a:defRPr/>
-                    </a:pPr>
-                    <a:r>
-                      <a:rPr lang="en-US" dirty="0"/>
-                      <a:t>脑病三科</a:t>
-                    </a:r>
-                  </a:p>
-                </c:rich>
-              </c:tx>
-              <c:spPr>
-                <a:noFill/>
-                <a:ln>
-                  <a:noFill/>
-                </a:ln>
-                <a:effectLst/>
-              </c:spPr>
-              <c:dLblPos val="t"/>
-              <c:showLegendKey val="0"/>
-              <c:showVal val="0"/>
-              <c:showCatName val="0"/>
-              <c:showSerName val="0"/>
-              <c:showPercent val="0"/>
-              <c:showBubbleSize val="0"/>
-              <c:showLeaderLines val="1"/>
-              <c:extLst>
-                <c:ext xmlns:c15="http://schemas.microsoft.com/office/drawing/2012/chart" uri="{CE6537A1-D6FC-4f65-9D91-7224C49458BB}"/>
-                <c:ext xmlns:c16="http://schemas.microsoft.com/office/drawing/2014/chart" uri="{C3380CC4-5D6E-409C-BE32-E72D297353CC}">
-                  <c16:uniqueId val="{00000014-7214-c670-2a11-f82975ba7f84}"/>
+                  <c16:uniqueId val="{00000014-dc37-9a1b-d1d6-daa88ffff79c}"/>
                 </c:ext>
               </c:extLst>
             </c:dLbl>
             <c:dLbl>
               <c:idx val="14"/>
-              <c:tx>
-                <c:rich>
-                  <a:bodyPr>
-                    <a:spAutoFit/>
-                  </a:bodyPr>
-                  <a:lstStyle/>
-                  <a:p>
-                    <a:pPr>
-                      <a:defRPr/>
-                    </a:pPr>
-                    <a:r>
-                      <a:rPr lang="en-US" dirty="0"/>
-                      <a:t>显微骨科</a:t>
-                    </a:r>
-                  </a:p>
-                </c:rich>
-              </c:tx>
-              <c:spPr>
-                <a:noFill/>
-                <a:ln>
-                  <a:noFill/>
-                </a:ln>
-                <a:effectLst/>
-              </c:spPr>
-              <c:dLblPos val="t"/>
-              <c:showLegendKey val="0"/>
-              <c:showVal val="0"/>
-              <c:showCatName val="0"/>
-              <c:showSerName val="0"/>
-              <c:showPercent val="0"/>
-              <c:showBubbleSize val="0"/>
-              <c:showLeaderLines val="1"/>
-              <c:extLst>
-                <c:ext xmlns:c15="http://schemas.microsoft.com/office/drawing/2012/chart" uri="{CE6537A1-D6FC-4f65-9D91-7224C49458BB}"/>
-                <c:ext xmlns:c16="http://schemas.microsoft.com/office/drawing/2014/chart" uri="{C3380CC4-5D6E-409C-BE32-E72D297353CC}">
-                  <c16:uniqueId val="{00000015-7214-c670-2a11-f82975ba7f84}"/>
-                </c:ext>
-              </c:extLst>
-            </c:dLbl>
-            <c:dLbl>
-              <c:idx val="15"/>
-              <c:tx>
-                <c:rich>
-                  <a:bodyPr>
-                    <a:spAutoFit/>
-                  </a:bodyPr>
-                  <a:lstStyle/>
-                  <a:p>
-                    <a:pPr>
-                      <a:defRPr/>
-                    </a:pPr>
-                    <a:r>
-                      <a:rPr lang="en-US" dirty="0"/>
-                      <a:t>肝胆外科</a:t>
-                    </a:r>
-                  </a:p>
-                </c:rich>
-              </c:tx>
-              <c:spPr>
-                <a:noFill/>
-                <a:ln>
-                  <a:noFill/>
-                </a:ln>
-                <a:effectLst/>
-              </c:spPr>
-              <c:dLblPos val="t"/>
-              <c:showLegendKey val="0"/>
-              <c:showVal val="0"/>
-              <c:showCatName val="0"/>
-              <c:showSerName val="0"/>
-              <c:showPercent val="0"/>
-              <c:showBubbleSize val="0"/>
-              <c:showLeaderLines val="1"/>
-              <c:extLst>
-                <c:ext xmlns:c15="http://schemas.microsoft.com/office/drawing/2012/chart" uri="{CE6537A1-D6FC-4f65-9D91-7224C49458BB}"/>
-                <c:ext xmlns:c16="http://schemas.microsoft.com/office/drawing/2014/chart" uri="{C3380CC4-5D6E-409C-BE32-E72D297353CC}">
-                  <c16:uniqueId val="{00000016-7214-c670-2a11-f82975ba7f84}"/>
-                </c:ext>
-              </c:extLst>
-            </c:dLbl>
-            <c:dLbl>
-              <c:idx val="16"/>
               <c:tx>
                 <c:rich>
                   <a:bodyPr>
@@ -900,12 +818,12 @@
               <c:extLst>
                 <c:ext xmlns:c15="http://schemas.microsoft.com/office/drawing/2012/chart" uri="{CE6537A1-D6FC-4f65-9D91-7224C49458BB}"/>
                 <c:ext xmlns:c16="http://schemas.microsoft.com/office/drawing/2014/chart" uri="{C3380CC4-5D6E-409C-BE32-E72D297353CC}">
-                  <c16:uniqueId val="{00000017-7214-c670-2a11-f82975ba7f84}"/>
+                  <c16:uniqueId val="{00000015-dc37-9a1b-d1d6-daa88ffff79c}"/>
                 </c:ext>
               </c:extLst>
             </c:dLbl>
             <c:dLbl>
-              <c:idx val="17"/>
+              <c:idx val="15"/>
               <c:tx>
                 <c:rich>
                   <a:bodyPr>
@@ -918,7 +836,7 @@
                     </a:pPr>
                     <a:r>
                       <a:rPr lang="en-US" dirty="0"/>
-                      <a:t>肝病科</a:t>
+                      <a:t>口腔科</a:t>
                     </a:r>
                   </a:p>
                 </c:rich>
@@ -941,12 +859,12 @@
               <c:extLst>
                 <c:ext xmlns:c15="http://schemas.microsoft.com/office/drawing/2012/chart" uri="{CE6537A1-D6FC-4f65-9D91-7224C49458BB}"/>
                 <c:ext xmlns:c16="http://schemas.microsoft.com/office/drawing/2014/chart" uri="{C3380CC4-5D6E-409C-BE32-E72D297353CC}">
-                  <c16:uniqueId val="{00000018-7214-c670-2a11-f82975ba7f84}"/>
+                  <c16:uniqueId val="{00000016-dc37-9a1b-d1d6-daa88ffff79c}"/>
                 </c:ext>
               </c:extLst>
             </c:dLbl>
             <c:dLbl>
-              <c:idx val="18"/>
+              <c:idx val="16"/>
               <c:tx>
                 <c:rich>
                   <a:bodyPr>
@@ -959,7 +877,7 @@
                     </a:pPr>
                     <a:r>
                       <a:rPr lang="en-US" dirty="0"/>
-                      <a:t>儿科</a:t>
+                      <a:t>呼吸内科</a:t>
                     </a:r>
                   </a:p>
                 </c:rich>
@@ -982,12 +900,12 @@
               <c:extLst>
                 <c:ext xmlns:c15="http://schemas.microsoft.com/office/drawing/2012/chart" uri="{CE6537A1-D6FC-4f65-9D91-7224C49458BB}"/>
                 <c:ext xmlns:c16="http://schemas.microsoft.com/office/drawing/2014/chart" uri="{C3380CC4-5D6E-409C-BE32-E72D297353CC}">
-                  <c16:uniqueId val="{00000019-7214-c670-2a11-f82975ba7f84}"/>
+                  <c16:uniqueId val="{00000017-dc37-9a1b-d1d6-daa88ffff79c}"/>
                 </c:ext>
               </c:extLst>
             </c:dLbl>
             <c:dLbl>
-              <c:idx val="19"/>
+              <c:idx val="17"/>
               <c:tx>
                 <c:rich>
                   <a:bodyPr>
@@ -1000,7 +918,7 @@
                     </a:pPr>
                     <a:r>
                       <a:rPr lang="en-US" dirty="0"/>
-                      <a:t>西区重症医学科</a:t>
+                      <a:t>消化内科</a:t>
                     </a:r>
                   </a:p>
                 </c:rich>
@@ -1023,7 +941,89 @@
               <c:extLst>
                 <c:ext xmlns:c15="http://schemas.microsoft.com/office/drawing/2012/chart" uri="{CE6537A1-D6FC-4f65-9D91-7224C49458BB}"/>
                 <c:ext xmlns:c16="http://schemas.microsoft.com/office/drawing/2014/chart" uri="{C3380CC4-5D6E-409C-BE32-E72D297353CC}">
-                  <c16:uniqueId val="{00000020-7214-c670-2a11-f82975ba7f84}"/>
+                  <c16:uniqueId val="{00000018-dc37-9a1b-d1d6-daa88ffff79c}"/>
+                </c:ext>
+              </c:extLst>
+            </c:dLbl>
+            <c:dLbl>
+              <c:idx val="18"/>
+              <c:tx>
+                <c:rich>
+                  <a:bodyPr>
+                    <a:spAutoFit/>
+                  </a:bodyPr>
+                  <a:lstStyle/>
+                  <a:p>
+                    <a:pPr>
+                      <a:defRPr/>
+                    </a:pPr>
+                    <a:r>
+                      <a:rPr lang="en-US" dirty="0"/>
+                      <a:t>康复科</a:t>
+                    </a:r>
+                  </a:p>
+                </c:rich>
+              </c:tx>
+              <c:spPr>
+                <a:noFill/>
+                <a:ln>
+                  <a:noFill/>
+                </a:ln>
+                <a:effectLst/>
+              </c:spPr>
+              <c:dLblPos val="t"/>
+              <c:showLegendKey val="0"/>
+              <c:showVal val="0"/>
+              <c:showCatName val="0"/>
+              <c:showSerName val="0"/>
+              <c:showPercent val="0"/>
+              <c:showBubbleSize val="0"/>
+              <c:showLeaderLines val="1"/>
+              <c:extLst>
+                <c:ext xmlns:c15="http://schemas.microsoft.com/office/drawing/2012/chart" uri="{CE6537A1-D6FC-4f65-9D91-7224C49458BB}"/>
+                <c:ext xmlns:c16="http://schemas.microsoft.com/office/drawing/2014/chart" uri="{C3380CC4-5D6E-409C-BE32-E72D297353CC}">
+                  <c16:uniqueId val="{00000019-dc37-9a1b-d1d6-daa88ffff79c}"/>
+                </c:ext>
+              </c:extLst>
+            </c:dLbl>
+            <c:dLbl>
+              <c:idx val="19"/>
+              <c:tx>
+                <c:rich>
+                  <a:bodyPr>
+                    <a:spAutoFit/>
+                  </a:bodyPr>
+                  <a:lstStyle/>
+                  <a:p>
+                    <a:pPr>
+                      <a:defRPr/>
+                    </a:pPr>
+                    <a:r>
+                      <a:rPr lang="en-US" dirty="0"/>
+                      <a:t>中医外治中心</a:t>
+                    </a:r>
+                  </a:p>
+                </c:rich>
+              </c:tx>
+              <c:spPr>
+                <a:noFill/>
+                <a:ln>
+                  <a:noFill/>
+                </a:ln>
+                <a:effectLst/>
+              </c:spPr>
+              <c:dLblPos val="t"/>
+              <c:showLegendKey val="0"/>
+              <c:showVal val="0"/>
+              <c:showCatName val="0"/>
+              <c:showSerName val="0"/>
+              <c:showPercent val="0"/>
+              <c:showBubbleSize val="0"/>
+              <c:showLeaderLines val="1"/>
+              <c:extLst>
+                <c:ext xmlns:c15="http://schemas.microsoft.com/office/drawing/2012/chart" uri="{CE6537A1-D6FC-4f65-9D91-7224C49458BB}"/>
+                <c:ext xmlns:c16="http://schemas.microsoft.com/office/drawing/2014/chart" uri="{C3380CC4-5D6E-409C-BE32-E72D297353CC}">
+                  <c16:uniqueId val="{00000020-dc37-9a1b-d1d6-daa88ffff79c}"/>
                 </c:ext>
               </c:extLst>
             </c:dLbl>
@@ -1035,64 +1035,64 @@
                 <c:formatCode>General</c:formatCode>
                 <c:ptCount val="20"/>
                 <c:pt idx="0">
-                  <c:v>0.0008525374924150537</c:v>
+                  <c:v>0.00029220741128037114</c:v>
                 </c:pt>
                 <c:pt idx="1">
-                  <c:v>0.001183702497525103</c:v>
+                  <c:v>0.0023597606211014067</c:v>
                 </c:pt>
                 <c:pt idx="2">
-                  <c:v>0.0009540943683688701</c:v>
+                  <c:v>0.00162781012175515</c:v>
                 </c:pt>
                 <c:pt idx="3">
-                  <c:v>0.0018729980673258067</c:v>
+                  <c:v>0.00035420047182294285</c:v>
                 </c:pt>
                 <c:pt idx="4">
-                  <c:v>0.0003111254182653269</c:v>
+                  <c:v>0.0020025015890442273</c:v>
                 </c:pt>
                 <c:pt idx="5">
-                  <c:v>0.000134956284168531</c:v>
+                  <c:v>0.0011827733090958392</c:v>
                 </c:pt>
                 <c:pt idx="6">
-                  <c:v>0.0008545375864029675</c:v>
+                  <c:v>0.0017194358088438739</c:v>
                 </c:pt>
                 <c:pt idx="7">
-                  <c:v>0.00041631167201968577</c:v>
+                  <c:v>0.0018585275538102943</c:v>
                 </c:pt>
                 <c:pt idx="8">
-                  <c:v>0.001723937820686453</c:v>
+                  <c:v>0.0007799365393541279</c:v>
                 </c:pt>
                 <c:pt idx="9">
-                  <c:v>0.0007356953585831172</c:v>
+                  <c:v>0.0016802372943874669</c:v>
                 </c:pt>
                 <c:pt idx="10">
-                  <c:v>0.0019955554184905413</c:v>
+                  <c:v>0.0003661396308108201</c:v>
                 </c:pt>
                 <c:pt idx="11">
-                  <c:v>0.002354553893229753</c:v>
+                  <c:v>0.0019495499370630843</c:v>
                 </c:pt>
                 <c:pt idx="12">
-                  <c:v>0.0007470674942008944</c:v>
+                  <c:v>0.0014434786053458704</c:v>
                 </c:pt>
                 <c:pt idx="13">
-                  <c:v>0.0001400406016450438</c:v>
+                  <c:v>0.0006057250916985807</c:v>
                 </c:pt>
                 <c:pt idx="14">
-                  <c:v>0.000056999756685732676</c:v>
+                  <c:v>0.000478411017764866</c:v>
                 </c:pt>
                 <c:pt idx="15">
-                  <c:v>0.0016466808216552783</c:v>
+                  <c:v>0.0002643967276337457</c:v>
                 </c:pt>
                 <c:pt idx="16">
-                  <c:v>0.0012372091240714202</c:v>
+                  <c:v>0.002111312793869396</c:v>
                 </c:pt>
                 <c:pt idx="17">
-                  <c:v>0.000754844354385846</c:v>
+                  <c:v>0.0006766813630010473</c:v>
                 </c:pt>
                 <c:pt idx="18">
-                  <c:v>0.00026793134224860024</c:v>
+                  <c:v>0.0018042438771178721</c:v>
                 </c:pt>
                 <c:pt idx="19">
-                  <c:v>0.000024380896930252553</c:v>
+                  <c:v>0.0005518478314774652</c:v>
                 </c:pt>
               </c:numCache>
             </c:numRef>
@@ -1107,61 +1107,61 @@
                   <c:v>100</c:v>
                 </c:pt>
                 <c:pt idx="1">
-                  <c:v>36.02494154532677</c:v>
+                  <c:v>86.21612763400243</c:v>
                 </c:pt>
                 <c:pt idx="2">
-                  <c:v>34.467520918366006</c:v>
+                  <c:v>84.42422712784621</c:v>
                 </c:pt>
                 <c:pt idx="3">
-                  <c:v>30.554443582025073</c:v>
+                  <c:v>83.91426068771432</c:v>
                 </c:pt>
                 <c:pt idx="4">
-                  <c:v>30.100689303315942</c:v>
+                  <c:v>83.62347471169113</c:v>
                 </c:pt>
                 <c:pt idx="5">
-                  <c:v>29.110933893450415</c:v>
+                  <c:v>77.28567728532582</c:v>
                 </c:pt>
                 <c:pt idx="6">
-                  <c:v>27.99011030620647</c:v>
+                  <c:v>76.42094897462987</c:v>
                 </c:pt>
                 <c:pt idx="7">
-                  <c:v>27.42028019493483</c:v>
+                  <c:v>75.46425470516203</c:v>
                 </c:pt>
                 <c:pt idx="8">
-                  <c:v>26.146883436974512</c:v>
+                  <c:v>67.27230320964092</c:v>
                 </c:pt>
                 <c:pt idx="9">
-                  <c:v>24.81253203134051</c:v>
+                  <c:v>66.7855802341003</c:v>
                 </c:pt>
                 <c:pt idx="10">
-                  <c:v>24.652158707601878</c:v>
+                  <c:v>65.15445289053564</c:v>
                 </c:pt>
                 <c:pt idx="11">
-                  <c:v>24.55119933656375</c:v>
+                  <c:v>61.269253300602806</c:v>
                 </c:pt>
                 <c:pt idx="12">
-                  <c:v>24.33839803586044</c:v>
+                  <c:v>56.996502017929835</c:v>
                 </c:pt>
                 <c:pt idx="13">
-                  <c:v>23.528359453723258</c:v>
+                  <c:v>55.08994733517623</c:v>
                 </c:pt>
                 <c:pt idx="14">
-                  <c:v>21.62219828762068</c:v>
+                  <c:v>54.338637381030985</c:v>
                 </c:pt>
                 <c:pt idx="15">
-                  <c:v>21.16321890815973</c:v>
+                  <c:v>53.787744838025084</c:v>
                 </c:pt>
                 <c:pt idx="16">
-                  <c:v>21.132131450773432</c:v>
+                  <c:v>51.47539482692101</c:v>
                 </c:pt>
                 <c:pt idx="17">
-                  <c:v>19.60158122413626</c:v>
+                  <c:v>49.214931733765255</c:v>
                 </c:pt>
                 <c:pt idx="18">
-                  <c:v>19.255582202648327</c:v>
+                  <c:v>48.80193894106625</c:v>
                 </c:pt>
                 <c:pt idx="19">
-                  <c:v>18.600699235455206</c:v>
+                  <c:v>48.222750607583734</c:v>
                 </c:pt>
               </c:numCache>
             </c:numRef>
@@ -1381,7 +1381,7 @@
 </c:chartSpace>
 </file>
 
-<file path=ppt/charts/chart716.xml><?xml version="1.0" encoding="utf-8"?>
+<file path=ppt/charts/chart358.xml><?xml version="1.0" encoding="utf-8"?>
 <c:chartSpace xmlns:c="http://schemas.openxmlformats.org/drawingml/2006/chart" xmlns:a="http://schemas.openxmlformats.org/drawingml/2006/main" xmlns:r="http://schemas.openxmlformats.org/officeDocument/2006/relationships">
   <c:date1904 val="0"/>
   <c:chart>
@@ -1498,7 +1498,7 @@
               <c:extLst>
                 <c:ext xmlns:c15="http://schemas.microsoft.com/office/drawing/2012/chart" uri="{CE6537A1-D6FC-4f65-9D91-7224C49458BB}"/>
                 <c:ext xmlns:c16="http://schemas.microsoft.com/office/drawing/2014/chart" uri="{C3380CC4-5D6E-409C-BE32-E72D297353CC}">
-                  <c16:uniqueId val="{00000001-1457-6034-08b2-1a2a7451664e}"/>
+                  <c16:uniqueId val="{00000001-6d48-94c7-2006-1892091909ee}"/>
                 </c:ext>
               </c:extLst>
             </c:dLbl>
@@ -1516,7 +1516,7 @@
                     </a:pPr>
                     <a:r>
                       <a:rPr lang="en-US" dirty="0"/>
-                      <a:t>东区肾病科</a:t>
+                      <a:t>心病四科</a:t>
                     </a:r>
                   </a:p>
                 </c:rich>
@@ -1539,12 +1539,299 @@
               <c:extLst>
                 <c:ext xmlns:c15="http://schemas.microsoft.com/office/drawing/2012/chart" uri="{CE6537A1-D6FC-4f65-9D91-7224C49458BB}"/>
                 <c:ext xmlns:c16="http://schemas.microsoft.com/office/drawing/2014/chart" uri="{C3380CC4-5D6E-409C-BE32-E72D297353CC}">
-                  <c16:uniqueId val="{00000002-1457-6034-08b2-1a2a7451664e}"/>
+                  <c16:uniqueId val="{00000002-6d48-94c7-2006-1892091909ee}"/>
                 </c:ext>
               </c:extLst>
             </c:dLbl>
             <c:dLbl>
               <c:idx val="2"/>
+              <c:tx>
+                <c:rich>
+                  <a:bodyPr>
+                    <a:spAutoFit/>
+                  </a:bodyPr>
+                  <a:lstStyle/>
+                  <a:p>
+                    <a:pPr>
+                      <a:defRPr/>
+                    </a:pPr>
+                    <a:r>
+                      <a:rPr lang="en-US" dirty="0"/>
+                      <a:t>妇科妇二科合并</a:t>
+                    </a:r>
+                  </a:p>
+                </c:rich>
+              </c:tx>
+              <c:spPr>
+                <a:noFill/>
+                <a:ln>
+                  <a:noFill/>
+                </a:ln>
+                <a:effectLst/>
+              </c:spPr>
+              <c:dLblPos val="t"/>
+              <c:showLegendKey val="0"/>
+              <c:showVal val="0"/>
+              <c:showCatName val="0"/>
+              <c:showSerName val="0"/>
+              <c:showPercent val="0"/>
+              <c:showBubbleSize val="0"/>
+              <c:showLeaderLines val="1"/>
+              <c:extLst>
+                <c:ext xmlns:c15="http://schemas.microsoft.com/office/drawing/2012/chart" uri="{CE6537A1-D6FC-4f65-9D91-7224C49458BB}"/>
+                <c:ext xmlns:c16="http://schemas.microsoft.com/office/drawing/2014/chart" uri="{C3380CC4-5D6E-409C-BE32-E72D297353CC}">
+                  <c16:uniqueId val="{00000003-6d48-94c7-2006-1892091909ee}"/>
+                </c:ext>
+              </c:extLst>
+            </c:dLbl>
+            <c:dLbl>
+              <c:idx val="3"/>
+              <c:tx>
+                <c:rich>
+                  <a:bodyPr>
+                    <a:spAutoFit/>
+                  </a:bodyPr>
+                  <a:lstStyle/>
+                  <a:p>
+                    <a:pPr>
+                      <a:defRPr/>
+                    </a:pPr>
+                    <a:r>
+                      <a:rPr lang="en-US" dirty="0"/>
+                      <a:t>小儿骨科</a:t>
+                    </a:r>
+                  </a:p>
+                </c:rich>
+              </c:tx>
+              <c:spPr>
+                <a:noFill/>
+                <a:ln>
+                  <a:noFill/>
+                </a:ln>
+                <a:effectLst/>
+              </c:spPr>
+              <c:dLblPos val="t"/>
+              <c:showLegendKey val="0"/>
+              <c:showVal val="0"/>
+              <c:showCatName val="0"/>
+              <c:showSerName val="0"/>
+              <c:showPercent val="0"/>
+              <c:showBubbleSize val="0"/>
+              <c:showLeaderLines val="1"/>
+              <c:extLst>
+                <c:ext xmlns:c15="http://schemas.microsoft.com/office/drawing/2012/chart" uri="{CE6537A1-D6FC-4f65-9D91-7224C49458BB}"/>
+                <c:ext xmlns:c16="http://schemas.microsoft.com/office/drawing/2014/chart" uri="{C3380CC4-5D6E-409C-BE32-E72D297353CC}">
+                  <c16:uniqueId val="{00000004-6d48-94c7-2006-1892091909ee}"/>
+                </c:ext>
+              </c:extLst>
+            </c:dLbl>
+            <c:dLbl>
+              <c:idx val="4"/>
+              <c:tx>
+                <c:rich>
+                  <a:bodyPr>
+                    <a:spAutoFit/>
+                  </a:bodyPr>
+                  <a:lstStyle/>
+                  <a:p>
+                    <a:pPr>
+                      <a:defRPr/>
+                    </a:pPr>
+                    <a:r>
+                      <a:rPr lang="en-US" dirty="0"/>
+                      <a:t>肿瘤内科</a:t>
+                    </a:r>
+                  </a:p>
+                </c:rich>
+              </c:tx>
+              <c:spPr>
+                <a:noFill/>
+                <a:ln>
+                  <a:noFill/>
+                </a:ln>
+                <a:effectLst/>
+              </c:spPr>
+              <c:dLblPos val="t"/>
+              <c:showLegendKey val="0"/>
+              <c:showVal val="0"/>
+              <c:showCatName val="0"/>
+              <c:showSerName val="0"/>
+              <c:showPercent val="0"/>
+              <c:showBubbleSize val="0"/>
+              <c:showLeaderLines val="1"/>
+              <c:extLst>
+                <c:ext xmlns:c15="http://schemas.microsoft.com/office/drawing/2012/chart" uri="{CE6537A1-D6FC-4f65-9D91-7224C49458BB}"/>
+                <c:ext xmlns:c16="http://schemas.microsoft.com/office/drawing/2014/chart" uri="{C3380CC4-5D6E-409C-BE32-E72D297353CC}">
+                  <c16:uniqueId val="{00000005-6d48-94c7-2006-1892091909ee}"/>
+                </c:ext>
+              </c:extLst>
+            </c:dLbl>
+            <c:dLbl>
+              <c:idx val="5"/>
+              <c:tx>
+                <c:rich>
+                  <a:bodyPr>
+                    <a:spAutoFit/>
+                  </a:bodyPr>
+                  <a:lstStyle/>
+                  <a:p>
+                    <a:pPr>
+                      <a:defRPr/>
+                    </a:pPr>
+                    <a:r>
+                      <a:rPr lang="en-US" dirty="0"/>
+                      <a:t>呼吸内科</a:t>
+                    </a:r>
+                  </a:p>
+                </c:rich>
+              </c:tx>
+              <c:spPr>
+                <a:noFill/>
+                <a:ln>
+                  <a:noFill/>
+                </a:ln>
+                <a:effectLst/>
+              </c:spPr>
+              <c:dLblPos val="t"/>
+              <c:showLegendKey val="0"/>
+              <c:showVal val="0"/>
+              <c:showCatName val="0"/>
+              <c:showSerName val="0"/>
+              <c:showPercent val="0"/>
+              <c:showBubbleSize val="0"/>
+              <c:showLeaderLines val="1"/>
+              <c:extLst>
+                <c:ext xmlns:c15="http://schemas.microsoft.com/office/drawing/2012/chart" uri="{CE6537A1-D6FC-4f65-9D91-7224C49458BB}"/>
+                <c:ext xmlns:c16="http://schemas.microsoft.com/office/drawing/2014/chart" uri="{C3380CC4-5D6E-409C-BE32-E72D297353CC}">
+                  <c16:uniqueId val="{00000006-6d48-94c7-2006-1892091909ee}"/>
+                </c:ext>
+              </c:extLst>
+            </c:dLbl>
+            <c:dLbl>
+              <c:idx val="6"/>
+              <c:tx>
+                <c:rich>
+                  <a:bodyPr>
+                    <a:spAutoFit/>
+                  </a:bodyPr>
+                  <a:lstStyle/>
+                  <a:p>
+                    <a:pPr>
+                      <a:defRPr/>
+                    </a:pPr>
+                    <a:r>
+                      <a:rPr lang="en-US" dirty="0"/>
+                      <a:t>心病三科</a:t>
+                    </a:r>
+                  </a:p>
+                </c:rich>
+              </c:tx>
+              <c:spPr>
+                <a:noFill/>
+                <a:ln>
+                  <a:noFill/>
+                </a:ln>
+                <a:effectLst/>
+              </c:spPr>
+              <c:dLblPos val="t"/>
+              <c:showLegendKey val="0"/>
+              <c:showVal val="0"/>
+              <c:showCatName val="0"/>
+              <c:showSerName val="0"/>
+              <c:showPercent val="0"/>
+              <c:showBubbleSize val="0"/>
+              <c:showLeaderLines val="1"/>
+              <c:extLst>
+                <c:ext xmlns:c15="http://schemas.microsoft.com/office/drawing/2012/chart" uri="{CE6537A1-D6FC-4f65-9D91-7224C49458BB}"/>
+                <c:ext xmlns:c16="http://schemas.microsoft.com/office/drawing/2014/chart" uri="{C3380CC4-5D6E-409C-BE32-E72D297353CC}">
+                  <c16:uniqueId val="{00000007-6d48-94c7-2006-1892091909ee}"/>
+                </c:ext>
+              </c:extLst>
+            </c:dLbl>
+            <c:dLbl>
+              <c:idx val="7"/>
+              <c:tx>
+                <c:rich>
+                  <a:bodyPr>
+                    <a:spAutoFit/>
+                  </a:bodyPr>
+                  <a:lstStyle/>
+                  <a:p>
+                    <a:pPr>
+                      <a:defRPr/>
+                    </a:pPr>
+                    <a:r>
+                      <a:rPr lang="en-US" dirty="0"/>
+                      <a:t>眼科</a:t>
+                    </a:r>
+                  </a:p>
+                </c:rich>
+              </c:tx>
+              <c:spPr>
+                <a:noFill/>
+                <a:ln>
+                  <a:noFill/>
+                </a:ln>
+                <a:effectLst/>
+              </c:spPr>
+              <c:dLblPos val="t"/>
+              <c:showLegendKey val="0"/>
+              <c:showVal val="0"/>
+              <c:showCatName val="0"/>
+              <c:showSerName val="0"/>
+              <c:showPercent val="0"/>
+              <c:showBubbleSize val="0"/>
+              <c:showLeaderLines val="1"/>
+              <c:extLst>
+                <c:ext xmlns:c15="http://schemas.microsoft.com/office/drawing/2012/chart" uri="{CE6537A1-D6FC-4f65-9D91-7224C49458BB}"/>
+                <c:ext xmlns:c16="http://schemas.microsoft.com/office/drawing/2014/chart" uri="{C3380CC4-5D6E-409C-BE32-E72D297353CC}">
+                  <c16:uniqueId val="{00000008-6d48-94c7-2006-1892091909ee}"/>
+                </c:ext>
+              </c:extLst>
+            </c:dLbl>
+            <c:dLbl>
+              <c:idx val="8"/>
+              <c:tx>
+                <c:rich>
+                  <a:bodyPr>
+                    <a:spAutoFit/>
+                  </a:bodyPr>
+                  <a:lstStyle/>
+                  <a:p>
+                    <a:pPr>
+                      <a:defRPr/>
+                    </a:pPr>
+                    <a:r>
+                      <a:rPr lang="en-US" dirty="0"/>
+                      <a:t>脾胃病科</a:t>
+                    </a:r>
+                  </a:p>
+                </c:rich>
+              </c:tx>
+              <c:spPr>
+                <a:noFill/>
+                <a:ln>
+                  <a:noFill/>
+                </a:ln>
+                <a:effectLst/>
+              </c:spPr>
+              <c:dLblPos val="t"/>
+              <c:showLegendKey val="0"/>
+              <c:showVal val="0"/>
+              <c:showCatName val="0"/>
+              <c:showSerName val="0"/>
+              <c:showPercent val="0"/>
+              <c:showBubbleSize val="0"/>
+              <c:showLeaderLines val="1"/>
+              <c:extLst>
+                <c:ext xmlns:c15="http://schemas.microsoft.com/office/drawing/2012/chart" uri="{CE6537A1-D6FC-4f65-9D91-7224C49458BB}"/>
+                <c:ext xmlns:c16="http://schemas.microsoft.com/office/drawing/2014/chart" uri="{C3380CC4-5D6E-409C-BE32-E72D297353CC}">
+                  <c16:uniqueId val="{00000009-6d48-94c7-2006-1892091909ee}"/>
+                </c:ext>
+              </c:extLst>
+            </c:dLbl>
+            <c:dLbl>
+              <c:idx val="9"/>
               <c:tx>
                 <c:rich>
                   <a:bodyPr>
@@ -1580,12 +1867,12 @@
               <c:extLst>
                 <c:ext xmlns:c15="http://schemas.microsoft.com/office/drawing/2012/chart" uri="{CE6537A1-D6FC-4f65-9D91-7224C49458BB}"/>
                 <c:ext xmlns:c16="http://schemas.microsoft.com/office/drawing/2014/chart" uri="{C3380CC4-5D6E-409C-BE32-E72D297353CC}">
-                  <c16:uniqueId val="{00000003-1457-6034-08b2-1a2a7451664e}"/>
+                  <c16:uniqueId val="{00000010-6d48-94c7-2006-1892091909ee}"/>
                 </c:ext>
               </c:extLst>
             </c:dLbl>
             <c:dLbl>
-              <c:idx val="3"/>
+              <c:idx val="10"/>
               <c:tx>
                 <c:rich>
                   <a:bodyPr>
@@ -1598,7 +1885,7 @@
                     </a:pPr>
                     <a:r>
                       <a:rPr lang="en-US" dirty="0"/>
-                      <a:t>推拿科</a:t>
+                      <a:t>脑病二科</a:t>
                     </a:r>
                   </a:p>
                 </c:rich>
@@ -1621,12 +1908,12 @@
               <c:extLst>
                 <c:ext xmlns:c15="http://schemas.microsoft.com/office/drawing/2012/chart" uri="{CE6537A1-D6FC-4f65-9D91-7224C49458BB}"/>
                 <c:ext xmlns:c16="http://schemas.microsoft.com/office/drawing/2014/chart" uri="{C3380CC4-5D6E-409C-BE32-E72D297353CC}">
-                  <c16:uniqueId val="{00000004-1457-6034-08b2-1a2a7451664e}"/>
+                  <c16:uniqueId val="{00000011-6d48-94c7-2006-1892091909ee}"/>
                 </c:ext>
               </c:extLst>
             </c:dLbl>
             <c:dLbl>
-              <c:idx val="4"/>
+              <c:idx val="11"/>
               <c:tx>
                 <c:rich>
                   <a:bodyPr>
@@ -1639,7 +1926,7 @@
                     </a:pPr>
                     <a:r>
                       <a:rPr lang="en-US" dirty="0"/>
-                      <a:t>脑病一科</a:t>
+                      <a:t>脾胃科消化科合并</a:t>
                     </a:r>
                   </a:p>
                 </c:rich>
@@ -1662,12 +1949,12 @@
               <c:extLst>
                 <c:ext xmlns:c15="http://schemas.microsoft.com/office/drawing/2012/chart" uri="{CE6537A1-D6FC-4f65-9D91-7224C49458BB}"/>
                 <c:ext xmlns:c16="http://schemas.microsoft.com/office/drawing/2014/chart" uri="{C3380CC4-5D6E-409C-BE32-E72D297353CC}">
-                  <c16:uniqueId val="{00000005-1457-6034-08b2-1a2a7451664e}"/>
+                  <c16:uniqueId val="{00000012-6d48-94c7-2006-1892091909ee}"/>
                 </c:ext>
               </c:extLst>
             </c:dLbl>
             <c:dLbl>
-              <c:idx val="5"/>
+              <c:idx val="12"/>
               <c:tx>
                 <c:rich>
                   <a:bodyPr>
@@ -1680,7 +1967,7 @@
                     </a:pPr>
                     <a:r>
                       <a:rPr lang="en-US" dirty="0"/>
-                      <a:t>脊柱骨科</a:t>
+                      <a:t>关节骨科</a:t>
                     </a:r>
                   </a:p>
                 </c:rich>
@@ -1703,12 +1990,53 @@
               <c:extLst>
                 <c:ext xmlns:c15="http://schemas.microsoft.com/office/drawing/2012/chart" uri="{CE6537A1-D6FC-4f65-9D91-7224C49458BB}"/>
                 <c:ext xmlns:c16="http://schemas.microsoft.com/office/drawing/2014/chart" uri="{C3380CC4-5D6E-409C-BE32-E72D297353CC}">
-                  <c16:uniqueId val="{00000006-1457-6034-08b2-1a2a7451664e}"/>
+                  <c16:uniqueId val="{00000013-6d48-94c7-2006-1892091909ee}"/>
                 </c:ext>
               </c:extLst>
             </c:dLbl>
             <c:dLbl>
-              <c:idx val="6"/>
+              <c:idx val="13"/>
+              <c:tx>
+                <c:rich>
+                  <a:bodyPr>
+                    <a:spAutoFit/>
+                  </a:bodyPr>
+                  <a:lstStyle/>
+                  <a:p>
+                    <a:pPr>
+                      <a:defRPr/>
+                    </a:pPr>
+                    <a:r>
+                      <a:rPr lang="en-US" dirty="0"/>
+                      <a:t>康复科</a:t>
+                    </a:r>
+                  </a:p>
+                </c:rich>
+              </c:tx>
+              <c:spPr>
+                <a:noFill/>
+                <a:ln>
+                  <a:noFill/>
+                </a:ln>
+                <a:effectLst/>
+              </c:spPr>
+              <c:dLblPos val="t"/>
+              <c:showLegendKey val="0"/>
+              <c:showVal val="0"/>
+              <c:showCatName val="0"/>
+              <c:showSerName val="0"/>
+              <c:showPercent val="0"/>
+              <c:showBubbleSize val="0"/>
+              <c:showLeaderLines val="1"/>
+              <c:extLst>
+                <c:ext xmlns:c15="http://schemas.microsoft.com/office/drawing/2012/chart" uri="{CE6537A1-D6FC-4f65-9D91-7224C49458BB}"/>
+                <c:ext xmlns:c16="http://schemas.microsoft.com/office/drawing/2014/chart" uri="{C3380CC4-5D6E-409C-BE32-E72D297353CC}">
+                  <c16:uniqueId val="{00000014-6d48-94c7-2006-1892091909ee}"/>
+                </c:ext>
+              </c:extLst>
+            </c:dLbl>
+            <c:dLbl>
+              <c:idx val="14"/>
               <c:tx>
                 <c:rich>
                   <a:bodyPr>
@@ -1744,53 +2072,12 @@
               <c:extLst>
                 <c:ext xmlns:c15="http://schemas.microsoft.com/office/drawing/2012/chart" uri="{CE6537A1-D6FC-4f65-9D91-7224C49458BB}"/>
                 <c:ext xmlns:c16="http://schemas.microsoft.com/office/drawing/2014/chart" uri="{C3380CC4-5D6E-409C-BE32-E72D297353CC}">
-                  <c16:uniqueId val="{00000007-1457-6034-08b2-1a2a7451664e}"/>
+                  <c16:uniqueId val="{00000015-6d48-94c7-2006-1892091909ee}"/>
                 </c:ext>
               </c:extLst>
             </c:dLbl>
             <c:dLbl>
-              <c:idx val="7"/>
-              <c:tx>
-                <c:rich>
-                  <a:bodyPr>
-                    <a:spAutoFit/>
-                  </a:bodyPr>
-                  <a:lstStyle/>
-                  <a:p>
-                    <a:pPr>
-                      <a:defRPr/>
-                    </a:pPr>
-                    <a:r>
-                      <a:rPr lang="en-US" dirty="0"/>
-                      <a:t>心病三科</a:t>
-                    </a:r>
-                  </a:p>
-                </c:rich>
-              </c:tx>
-              <c:spPr>
-                <a:noFill/>
-                <a:ln>
-                  <a:noFill/>
-                </a:ln>
-                <a:effectLst/>
-              </c:spPr>
-              <c:dLblPos val="t"/>
-              <c:showLegendKey val="0"/>
-              <c:showVal val="0"/>
-              <c:showCatName val="0"/>
-              <c:showSerName val="0"/>
-              <c:showPercent val="0"/>
-              <c:showBubbleSize val="0"/>
-              <c:showLeaderLines val="1"/>
-              <c:extLst>
-                <c:ext xmlns:c15="http://schemas.microsoft.com/office/drawing/2012/chart" uri="{CE6537A1-D6FC-4f65-9D91-7224C49458BB}"/>
-                <c:ext xmlns:c16="http://schemas.microsoft.com/office/drawing/2014/chart" uri="{C3380CC4-5D6E-409C-BE32-E72D297353CC}">
-                  <c16:uniqueId val="{00000008-1457-6034-08b2-1a2a7451664e}"/>
-                </c:ext>
-              </c:extLst>
-            </c:dLbl>
-            <c:dLbl>
-              <c:idx val="8"/>
+              <c:idx val="15"/>
               <c:tx>
                 <c:rich>
                   <a:bodyPr>
@@ -1826,12 +2113,12 @@
               <c:extLst>
                 <c:ext xmlns:c15="http://schemas.microsoft.com/office/drawing/2012/chart" uri="{CE6537A1-D6FC-4f65-9D91-7224C49458BB}"/>
                 <c:ext xmlns:c16="http://schemas.microsoft.com/office/drawing/2014/chart" uri="{C3380CC4-5D6E-409C-BE32-E72D297353CC}">
-                  <c16:uniqueId val="{00000009-1457-6034-08b2-1a2a7451664e}"/>
+                  <c16:uniqueId val="{00000016-6d48-94c7-2006-1892091909ee}"/>
                 </c:ext>
               </c:extLst>
             </c:dLbl>
             <c:dLbl>
-              <c:idx val="9"/>
+              <c:idx val="16"/>
               <c:tx>
                 <c:rich>
                   <a:bodyPr>
@@ -1844,7 +2131,7 @@
                     </a:pPr>
                     <a:r>
                       <a:rPr lang="en-US" dirty="0"/>
-                      <a:t>肾脏内科</a:t>
+                      <a:t>重症医学科</a:t>
                     </a:r>
                   </a:p>
                 </c:rich>
@@ -1867,12 +2154,12 @@
               <c:extLst>
                 <c:ext xmlns:c15="http://schemas.microsoft.com/office/drawing/2012/chart" uri="{CE6537A1-D6FC-4f65-9D91-7224C49458BB}"/>
                 <c:ext xmlns:c16="http://schemas.microsoft.com/office/drawing/2014/chart" uri="{C3380CC4-5D6E-409C-BE32-E72D297353CC}">
-                  <c16:uniqueId val="{00000010-1457-6034-08b2-1a2a7451664e}"/>
+                  <c16:uniqueId val="{00000017-6d48-94c7-2006-1892091909ee}"/>
                 </c:ext>
               </c:extLst>
             </c:dLbl>
             <c:dLbl>
-              <c:idx val="10"/>
+              <c:idx val="17"/>
               <c:tx>
                 <c:rich>
                   <a:bodyPr>
@@ -1885,7 +2172,7 @@
                     </a:pPr>
                     <a:r>
                       <a:rPr lang="en-US" dirty="0"/>
-                      <a:t>心病一科</a:t>
+                      <a:t>儿科</a:t>
                     </a:r>
                   </a:p>
                 </c:rich>
@@ -1908,12 +2195,12 @@
               <c:extLst>
                 <c:ext xmlns:c15="http://schemas.microsoft.com/office/drawing/2012/chart" uri="{CE6537A1-D6FC-4f65-9D91-7224C49458BB}"/>
                 <c:ext xmlns:c16="http://schemas.microsoft.com/office/drawing/2014/chart" uri="{C3380CC4-5D6E-409C-BE32-E72D297353CC}">
-                  <c16:uniqueId val="{00000011-1457-6034-08b2-1a2a7451664e}"/>
+                  <c16:uniqueId val="{00000018-6d48-94c7-2006-1892091909ee}"/>
                 </c:ext>
               </c:extLst>
             </c:dLbl>
             <c:dLbl>
-              <c:idx val="11"/>
+              <c:idx val="18"/>
               <c:tx>
                 <c:rich>
                   <a:bodyPr>
@@ -1926,7 +2213,7 @@
                     </a:pPr>
                     <a:r>
                       <a:rPr lang="en-US" dirty="0"/>
-                      <a:t>脾胃病科</a:t>
+                      <a:t>耳鼻喉科</a:t>
                     </a:r>
                   </a:p>
                 </c:rich>
@@ -1949,12 +2236,12 @@
               <c:extLst>
                 <c:ext xmlns:c15="http://schemas.microsoft.com/office/drawing/2012/chart" uri="{CE6537A1-D6FC-4f65-9D91-7224C49458BB}"/>
                 <c:ext xmlns:c16="http://schemas.microsoft.com/office/drawing/2014/chart" uri="{C3380CC4-5D6E-409C-BE32-E72D297353CC}">
-                  <c16:uniqueId val="{00000012-1457-6034-08b2-1a2a7451664e}"/>
+                  <c16:uniqueId val="{00000019-6d48-94c7-2006-1892091909ee}"/>
                 </c:ext>
               </c:extLst>
             </c:dLbl>
             <c:dLbl>
-              <c:idx val="12"/>
+              <c:idx val="19"/>
               <c:tx>
                 <c:rich>
                   <a:bodyPr>
@@ -1967,7 +2254,7 @@
                     </a:pPr>
                     <a:r>
                       <a:rPr lang="en-US" dirty="0"/>
-                      <a:t>肝胆外科</a:t>
+                      <a:t>胸外科</a:t>
                     </a:r>
                   </a:p>
                 </c:rich>
@@ -1990,294 +2277,7 @@
               <c:extLst>
                 <c:ext xmlns:c15="http://schemas.microsoft.com/office/drawing/2012/chart" uri="{CE6537A1-D6FC-4f65-9D91-7224C49458BB}"/>
                 <c:ext xmlns:c16="http://schemas.microsoft.com/office/drawing/2014/chart" uri="{C3380CC4-5D6E-409C-BE32-E72D297353CC}">
-                  <c16:uniqueId val="{00000013-1457-6034-08b2-1a2a7451664e}"/>
-                </c:ext>
-              </c:extLst>
-            </c:dLbl>
-            <c:dLbl>
-              <c:idx val="13"/>
-              <c:tx>
-                <c:rich>
-                  <a:bodyPr>
-                    <a:spAutoFit/>
-                  </a:bodyPr>
-                  <a:lstStyle/>
-                  <a:p>
-                    <a:pPr>
-                      <a:defRPr/>
-                    </a:pPr>
-                    <a:r>
-                      <a:rPr lang="en-US" dirty="0"/>
-                      <a:t>创伤骨科</a:t>
-                    </a:r>
-                  </a:p>
-                </c:rich>
-              </c:tx>
-              <c:spPr>
-                <a:noFill/>
-                <a:ln>
-                  <a:noFill/>
-                </a:ln>
-                <a:effectLst/>
-              </c:spPr>
-              <c:dLblPos val="t"/>
-              <c:showLegendKey val="0"/>
-              <c:showVal val="0"/>
-              <c:showCatName val="0"/>
-              <c:showSerName val="0"/>
-              <c:showPercent val="0"/>
-              <c:showBubbleSize val="0"/>
-              <c:showLeaderLines val="1"/>
-              <c:extLst>
-                <c:ext xmlns:c15="http://schemas.microsoft.com/office/drawing/2012/chart" uri="{CE6537A1-D6FC-4f65-9D91-7224C49458BB}"/>
-                <c:ext xmlns:c16="http://schemas.microsoft.com/office/drawing/2014/chart" uri="{C3380CC4-5D6E-409C-BE32-E72D297353CC}">
-                  <c16:uniqueId val="{00000014-1457-6034-08b2-1a2a7451664e}"/>
-                </c:ext>
-              </c:extLst>
-            </c:dLbl>
-            <c:dLbl>
-              <c:idx val="14"/>
-              <c:tx>
-                <c:rich>
-                  <a:bodyPr>
-                    <a:spAutoFit/>
-                  </a:bodyPr>
-                  <a:lstStyle/>
-                  <a:p>
-                    <a:pPr>
-                      <a:defRPr/>
-                    </a:pPr>
-                    <a:r>
-                      <a:rPr lang="en-US" dirty="0"/>
-                      <a:t>心病四科</a:t>
-                    </a:r>
-                  </a:p>
-                </c:rich>
-              </c:tx>
-              <c:spPr>
-                <a:noFill/>
-                <a:ln>
-                  <a:noFill/>
-                </a:ln>
-                <a:effectLst/>
-              </c:spPr>
-              <c:dLblPos val="t"/>
-              <c:showLegendKey val="0"/>
-              <c:showVal val="0"/>
-              <c:showCatName val="0"/>
-              <c:showSerName val="0"/>
-              <c:showPercent val="0"/>
-              <c:showBubbleSize val="0"/>
-              <c:showLeaderLines val="1"/>
-              <c:extLst>
-                <c:ext xmlns:c15="http://schemas.microsoft.com/office/drawing/2012/chart" uri="{CE6537A1-D6FC-4f65-9D91-7224C49458BB}"/>
-                <c:ext xmlns:c16="http://schemas.microsoft.com/office/drawing/2014/chart" uri="{C3380CC4-5D6E-409C-BE32-E72D297353CC}">
-                  <c16:uniqueId val="{00000015-1457-6034-08b2-1a2a7451664e}"/>
-                </c:ext>
-              </c:extLst>
-            </c:dLbl>
-            <c:dLbl>
-              <c:idx val="15"/>
-              <c:tx>
-                <c:rich>
-                  <a:bodyPr>
-                    <a:spAutoFit/>
-                  </a:bodyPr>
-                  <a:lstStyle/>
-                  <a:p>
-                    <a:pPr>
-                      <a:defRPr/>
-                    </a:pPr>
-                    <a:r>
-                      <a:rPr lang="en-US" dirty="0"/>
-                      <a:t>东区重症医学科</a:t>
-                    </a:r>
-                  </a:p>
-                </c:rich>
-              </c:tx>
-              <c:spPr>
-                <a:noFill/>
-                <a:ln>
-                  <a:noFill/>
-                </a:ln>
-                <a:effectLst/>
-              </c:spPr>
-              <c:dLblPos val="t"/>
-              <c:showLegendKey val="0"/>
-              <c:showVal val="0"/>
-              <c:showCatName val="0"/>
-              <c:showSerName val="0"/>
-              <c:showPercent val="0"/>
-              <c:showBubbleSize val="0"/>
-              <c:showLeaderLines val="1"/>
-              <c:extLst>
-                <c:ext xmlns:c15="http://schemas.microsoft.com/office/drawing/2012/chart" uri="{CE6537A1-D6FC-4f65-9D91-7224C49458BB}"/>
-                <c:ext xmlns:c16="http://schemas.microsoft.com/office/drawing/2014/chart" uri="{C3380CC4-5D6E-409C-BE32-E72D297353CC}">
-                  <c16:uniqueId val="{00000016-1457-6034-08b2-1a2a7451664e}"/>
-                </c:ext>
-              </c:extLst>
-            </c:dLbl>
-            <c:dLbl>
-              <c:idx val="16"/>
-              <c:tx>
-                <c:rich>
-                  <a:bodyPr>
-                    <a:spAutoFit/>
-                  </a:bodyPr>
-                  <a:lstStyle/>
-                  <a:p>
-                    <a:pPr>
-                      <a:defRPr/>
-                    </a:pPr>
-                    <a:r>
-                      <a:rPr lang="en-US" dirty="0"/>
-                      <a:t>关节骨科</a:t>
-                    </a:r>
-                  </a:p>
-                </c:rich>
-              </c:tx>
-              <c:spPr>
-                <a:noFill/>
-                <a:ln>
-                  <a:noFill/>
-                </a:ln>
-                <a:effectLst/>
-              </c:spPr>
-              <c:dLblPos val="t"/>
-              <c:showLegendKey val="0"/>
-              <c:showVal val="0"/>
-              <c:showCatName val="0"/>
-              <c:showSerName val="0"/>
-              <c:showPercent val="0"/>
-              <c:showBubbleSize val="0"/>
-              <c:showLeaderLines val="1"/>
-              <c:extLst>
-                <c:ext xmlns:c15="http://schemas.microsoft.com/office/drawing/2012/chart" uri="{CE6537A1-D6FC-4f65-9D91-7224C49458BB}"/>
-                <c:ext xmlns:c16="http://schemas.microsoft.com/office/drawing/2014/chart" uri="{C3380CC4-5D6E-409C-BE32-E72D297353CC}">
-                  <c16:uniqueId val="{00000017-1457-6034-08b2-1a2a7451664e}"/>
-                </c:ext>
-              </c:extLst>
-            </c:dLbl>
-            <c:dLbl>
-              <c:idx val="17"/>
-              <c:tx>
-                <c:rich>
-                  <a:bodyPr>
-                    <a:spAutoFit/>
-                  </a:bodyPr>
-                  <a:lstStyle/>
-                  <a:p>
-                    <a:pPr>
-                      <a:defRPr/>
-                    </a:pPr>
-                    <a:r>
-                      <a:rPr lang="en-US" dirty="0"/>
-                      <a:t>心血管内科</a:t>
-                    </a:r>
-                  </a:p>
-                </c:rich>
-              </c:tx>
-              <c:spPr>
-                <a:noFill/>
-                <a:ln>
-                  <a:noFill/>
-                </a:ln>
-                <a:effectLst/>
-              </c:spPr>
-              <c:dLblPos val="t"/>
-              <c:showLegendKey val="0"/>
-              <c:showVal val="0"/>
-              <c:showCatName val="0"/>
-              <c:showSerName val="0"/>
-              <c:showPercent val="0"/>
-              <c:showBubbleSize val="0"/>
-              <c:showLeaderLines val="1"/>
-              <c:extLst>
-                <c:ext xmlns:c15="http://schemas.microsoft.com/office/drawing/2012/chart" uri="{CE6537A1-D6FC-4f65-9D91-7224C49458BB}"/>
-                <c:ext xmlns:c16="http://schemas.microsoft.com/office/drawing/2014/chart" uri="{C3380CC4-5D6E-409C-BE32-E72D297353CC}">
-                  <c16:uniqueId val="{00000018-1457-6034-08b2-1a2a7451664e}"/>
-                </c:ext>
-              </c:extLst>
-            </c:dLbl>
-            <c:dLbl>
-              <c:idx val="18"/>
-              <c:tx>
-                <c:rich>
-                  <a:bodyPr>
-                    <a:spAutoFit/>
-                  </a:bodyPr>
-                  <a:lstStyle/>
-                  <a:p>
-                    <a:pPr>
-                      <a:defRPr/>
-                    </a:pPr>
-                    <a:r>
-                      <a:rPr lang="en-US" dirty="0"/>
-                      <a:t>妇科妇二科合并</a:t>
-                    </a:r>
-                  </a:p>
-                </c:rich>
-              </c:tx>
-              <c:spPr>
-                <a:noFill/>
-                <a:ln>
-                  <a:noFill/>
-                </a:ln>
-                <a:effectLst/>
-              </c:spPr>
-              <c:dLblPos val="t"/>
-              <c:showLegendKey val="0"/>
-              <c:showVal val="0"/>
-              <c:showCatName val="0"/>
-              <c:showSerName val="0"/>
-              <c:showPercent val="0"/>
-              <c:showBubbleSize val="0"/>
-              <c:showLeaderLines val="1"/>
-              <c:extLst>
-                <c:ext xmlns:c15="http://schemas.microsoft.com/office/drawing/2012/chart" uri="{CE6537A1-D6FC-4f65-9D91-7224C49458BB}"/>
-                <c:ext xmlns:c16="http://schemas.microsoft.com/office/drawing/2014/chart" uri="{C3380CC4-5D6E-409C-BE32-E72D297353CC}">
-                  <c16:uniqueId val="{00000019-1457-6034-08b2-1a2a7451664e}"/>
-                </c:ext>
-              </c:extLst>
-            </c:dLbl>
-            <c:dLbl>
-              <c:idx val="19"/>
-              <c:tx>
-                <c:rich>
-                  <a:bodyPr>
-                    <a:spAutoFit/>
-                  </a:bodyPr>
-                  <a:lstStyle/>
-                  <a:p>
-                    <a:pPr>
-                      <a:defRPr/>
-                    </a:pPr>
-                    <a:r>
-                      <a:rPr lang="en-US" dirty="0"/>
-                      <a:t>康复科</a:t>
-                    </a:r>
-                  </a:p>
-                </c:rich>
-              </c:tx>
-              <c:spPr>
-                <a:noFill/>
-                <a:ln>
-                  <a:noFill/>
-                </a:ln>
-                <a:effectLst/>
-              </c:spPr>
-              <c:dLblPos val="t"/>
-              <c:showLegendKey val="0"/>
-              <c:showVal val="0"/>
-              <c:showCatName val="0"/>
-              <c:showSerName val="0"/>
-              <c:showPercent val="0"/>
-              <c:showBubbleSize val="0"/>
-              <c:showLeaderLines val="1"/>
-              <c:extLst>
-                <c:ext xmlns:c15="http://schemas.microsoft.com/office/drawing/2012/chart" uri="{CE6537A1-D6FC-4f65-9D91-7224C49458BB}"/>
-                <c:ext xmlns:c16="http://schemas.microsoft.com/office/drawing/2014/chart" uri="{C3380CC4-5D6E-409C-BE32-E72D297353CC}">
-                  <c16:uniqueId val="{00000020-1457-6034-08b2-1a2a7451664e}"/>
+                  <c16:uniqueId val="{00000020-6d48-94c7-2006-1892091909ee}"/>
                 </c:ext>
               </c:extLst>
             </c:dLbl>
@@ -2289,64 +2289,64 @@
                 <c:formatCode>General</c:formatCode>
                 <c:ptCount val="20"/>
                 <c:pt idx="0">
-                  <c:v>13.247071383047453</c:v>
+                  <c:v>43.7987562548444</c:v>
                 </c:pt>
                 <c:pt idx="1">
-                  <c:v>24.55119933656375</c:v>
+                  <c:v>86.21612763400243</c:v>
                 </c:pt>
                 <c:pt idx="2">
-                  <c:v>2.352165024002936</c:v>
+                  <c:v>41.83547204332694</c:v>
                 </c:pt>
                 <c:pt idx="3">
-                  <c:v>11.362197478530483</c:v>
+                  <c:v>14.709802841648992</c:v>
                 </c:pt>
                 <c:pt idx="4">
-                  <c:v>6.448941109826733</c:v>
+                  <c:v>29.287754807288977</c:v>
                 </c:pt>
                 <c:pt idx="5">
-                  <c:v>5.190528491705162</c:v>
+                  <c:v>51.47539482692101</c:v>
                 </c:pt>
                 <c:pt idx="6">
-                  <c:v>24.652158707601878</c:v>
+                  <c:v>34.811544899633866</c:v>
                 </c:pt>
                 <c:pt idx="7">
-                  <c:v>9.75508744752625</c:v>
+                  <c:v>83.62347471169113</c:v>
                 </c:pt>
                 <c:pt idx="8">
-                  <c:v>30.554443582025073</c:v>
+                  <c:v>38.680782275624296</c:v>
                 </c:pt>
                 <c:pt idx="9">
-                  <c:v>2.7095300686284407</c:v>
+                  <c:v>61.269253300602806</c:v>
                 </c:pt>
                 <c:pt idx="10">
-                  <c:v>17.143043915227544</c:v>
+                  <c:v>11.096886677082136</c:v>
                 </c:pt>
                 <c:pt idx="11">
-                  <c:v>26.146883436974512</c:v>
+                  <c:v>75.46425470516203</c:v>
                 </c:pt>
                 <c:pt idx="12">
-                  <c:v>21.16321890815973</c:v>
+                  <c:v>46.329506560512094</c:v>
                 </c:pt>
                 <c:pt idx="13">
-                  <c:v>2.4661013208073346</c:v>
+                  <c:v>48.80193894106625</c:v>
                 </c:pt>
                 <c:pt idx="14">
-                  <c:v>11.235267783898559</c:v>
+                  <c:v>39.84456932309711</c:v>
                 </c:pt>
                 <c:pt idx="15">
-                  <c:v>13.386088498610576</c:v>
+                  <c:v>76.42094897462987</c:v>
                 </c:pt>
                 <c:pt idx="16">
-                  <c:v>11.077421772639251</c:v>
+                  <c:v>32.220274920995216</c:v>
                 </c:pt>
                 <c:pt idx="17">
-                  <c:v>7.667757328726091</c:v>
+                  <c:v>66.7855802341003</c:v>
                 </c:pt>
                 <c:pt idx="18">
-                  <c:v>14.951231318895765</c:v>
+                  <c:v>84.42422712784621</c:v>
                 </c:pt>
                 <c:pt idx="19">
-                  <c:v>10.449310833880183</c:v>
+                  <c:v>36.62551315237664</c:v>
                 </c:pt>
               </c:numCache>
             </c:numRef>
@@ -2361,61 +2361,61 @@
                   <c:v>100</c:v>
                 </c:pt>
                 <c:pt idx="1">
-                  <c:v>0.002354553893229753</c:v>
+                  <c:v>0.0023597606211014067</c:v>
                 </c:pt>
                 <c:pt idx="2">
-                  <c:v>0.002310115867383393</c:v>
+                  <c:v>0.0022368664379036176</c:v>
                 </c:pt>
                 <c:pt idx="3">
-                  <c:v>0.0023058844987286324</c:v>
+                  <c:v>0.0021661287945433693</c:v>
                 </c:pt>
                 <c:pt idx="4">
-                  <c:v>0.002133048343740804</c:v>
+                  <c:v>0.002147232585184167</c:v>
                 </c:pt>
                 <c:pt idx="5">
-                  <c:v>0.0020006150532617824</c:v>
+                  <c:v>0.002111312793869396</c:v>
                 </c:pt>
                 <c:pt idx="6">
-                  <c:v>0.0019955554184905413</c:v>
+                  <c:v>0.002079622992602748</c:v>
                 </c:pt>
                 <c:pt idx="7">
-                  <c:v>0.0019309107380196275</c:v>
+                  <c:v>0.0020025015890442273</c:v>
                 </c:pt>
                 <c:pt idx="8">
-                  <c:v>0.0018729980673258067</c:v>
+                  <c:v>0.001981005036038231</c:v>
                 </c:pt>
                 <c:pt idx="9">
-                  <c:v>0.0017636694040505136</c:v>
+                  <c:v>0.0019495499370630843</c:v>
                 </c:pt>
                 <c:pt idx="10">
-                  <c:v>0.0017334981531247626</c:v>
+                  <c:v>0.0019054137428701893</c:v>
                 </c:pt>
                 <c:pt idx="11">
-                  <c:v>0.001723937820686453</c:v>
+                  <c:v>0.0018585275538102943</c:v>
                 </c:pt>
                 <c:pt idx="12">
-                  <c:v>0.0016466808216552783</c:v>
+                  <c:v>0.0018343608536823257</c:v>
                 </c:pt>
                 <c:pt idx="13">
-                  <c:v>0.001636354227564596</c:v>
+                  <c:v>0.0018042438771178721</c:v>
                 </c:pt>
                 <c:pt idx="14">
-                  <c:v>0.0016189547115742422</c:v>
+                  <c:v>0.0017353924151113378</c:v>
                 </c:pt>
                 <c:pt idx="15">
-                  <c:v>0.0016095122701308847</c:v>
+                  <c:v>0.0017194358088438739</c:v>
                 </c:pt>
                 <c:pt idx="16">
-                  <c:v>0.0015396354729707738</c:v>
+                  <c:v>0.0016882022881664041</c:v>
                 </c:pt>
                 <c:pt idx="17">
-                  <c:v>0.0015140164748972704</c:v>
+                  <c:v>0.0016802372943874669</c:v>
                 </c:pt>
                 <c:pt idx="18">
-                  <c:v>0.0014818281843027017</c:v>
+                  <c:v>0.00162781012175515</c:v>
                 </c:pt>
                 <c:pt idx="19">
-                  <c:v>0.0013915827819881146</c:v>
+                  <c:v>0.0015735542233056524</c:v>
                 </c:pt>
               </c:numCache>
             </c:numRef>

--- a/cases/goodhostpital2021/对标分析报告.pg.pptx
+++ b/cases/goodhostpital2021/对标分析报告.pg.pptx
@@ -109,13 +109,13 @@
   <p:extLst>
     <p:ext uri="{521415D9-36F7-43E2-AB2F-B90AF26B5E84}">
       <p14:sectionLst xmlns:p14="http://schemas.microsoft.com/office/powerpoint/2010/main">
-        <p14:section name="院内专科BCG散点图" id="{9383cd7f-2ebc-701d-c25c-e794a1ec9e94}">
+        <p14:section name="院内专科BCG散点图" id="{c4b9a73d-2727-2403-f6e1-fe85f8af7353}">
           <p14:sldIdLst>
             <p14:sldId id="257"/>
             <p14:sldId id="258"/>
           </p14:sldIdLst>
         </p14:section>
-        <p14:section name="院内专科梯队表格" id="{6fa16db9-4f1c-2eb6-d7dd-e348e2258256}">
+        <p14:section name="院内专科梯队表格" id="{986d51cc-ad6d-5fdc-953d-e5a74ed59989}">
           <p14:sldIdLst/>
         </p14:section>
       </p14:sectionLst>
@@ -127,7 +127,7 @@
 </p:presentation>
 </file>
 
-<file path=ppt/charts/chart357.xml><?xml version="1.0" encoding="utf-8"?>
+<file path=ppt/charts/chart1431.xml><?xml version="1.0" encoding="utf-8"?>
 <c:chartSpace xmlns:c="http://schemas.openxmlformats.org/drawingml/2006/chart" xmlns:a="http://schemas.openxmlformats.org/drawingml/2006/main" xmlns:r="http://schemas.openxmlformats.org/officeDocument/2006/relationships">
   <c:date1904 val="0"/>
   <c:chart>
@@ -221,7 +221,7 @@
                     </a:pPr>
                     <a:r>
                       <a:rPr lang="en-US" dirty="0"/>
-                      <a:t>周围血管科</a:t>
+                      <a:t>泌尿外科</a:t>
                     </a:r>
                   </a:p>
                 </c:rich>
@@ -244,7 +244,7 @@
               <c:extLst>
                 <c:ext xmlns:c15="http://schemas.microsoft.com/office/drawing/2012/chart" uri="{CE6537A1-D6FC-4f65-9D91-7224C49458BB}"/>
                 <c:ext xmlns:c16="http://schemas.microsoft.com/office/drawing/2014/chart" uri="{C3380CC4-5D6E-409C-BE32-E72D297353CC}">
-                  <c16:uniqueId val="{00000001-dc37-9a1b-d1d6-daa88ffff79c}"/>
+                  <c16:uniqueId val="{00000001-61ac-f339-e1c8-b5dfe0fc7004}"/>
                 </c:ext>
               </c:extLst>
             </c:dLbl>
@@ -262,7 +262,7 @@
                     </a:pPr>
                     <a:r>
                       <a:rPr lang="en-US" dirty="0"/>
-                      <a:t>心病四科</a:t>
+                      <a:t>胸外科</a:t>
                     </a:r>
                   </a:p>
                 </c:rich>
@@ -285,7 +285,7 @@
               <c:extLst>
                 <c:ext xmlns:c15="http://schemas.microsoft.com/office/drawing/2012/chart" uri="{CE6537A1-D6FC-4f65-9D91-7224C49458BB}"/>
                 <c:ext xmlns:c16="http://schemas.microsoft.com/office/drawing/2014/chart" uri="{C3380CC4-5D6E-409C-BE32-E72D297353CC}">
-                  <c16:uniqueId val="{00000002-dc37-9a1b-d1d6-daa88ffff79c}"/>
+                  <c16:uniqueId val="{00000002-61ac-f339-e1c8-b5dfe0fc7004}"/>
                 </c:ext>
               </c:extLst>
             </c:dLbl>
@@ -303,7 +303,7 @@
                     </a:pPr>
                     <a:r>
                       <a:rPr lang="en-US" dirty="0"/>
-                      <a:t>耳鼻喉科</a:t>
+                      <a:t>产科</a:t>
                     </a:r>
                   </a:p>
                 </c:rich>
@@ -326,12 +326,53 @@
               <c:extLst>
                 <c:ext xmlns:c15="http://schemas.microsoft.com/office/drawing/2012/chart" uri="{CE6537A1-D6FC-4f65-9D91-7224C49458BB}"/>
                 <c:ext xmlns:c16="http://schemas.microsoft.com/office/drawing/2014/chart" uri="{C3380CC4-5D6E-409C-BE32-E72D297353CC}">
-                  <c16:uniqueId val="{00000003-dc37-9a1b-d1d6-daa88ffff79c}"/>
+                  <c16:uniqueId val="{00000003-61ac-f339-e1c8-b5dfe0fc7004}"/>
                 </c:ext>
               </c:extLst>
             </c:dLbl>
             <c:dLbl>
               <c:idx val="3"/>
+              <c:tx>
+                <c:rich>
+                  <a:bodyPr>
+                    <a:spAutoFit/>
+                  </a:bodyPr>
+                  <a:lstStyle/>
+                  <a:p>
+                    <a:pPr>
+                      <a:defRPr/>
+                    </a:pPr>
+                    <a:r>
+                      <a:rPr lang="en-US" dirty="0"/>
+                      <a:t>脑病三科</a:t>
+                    </a:r>
+                  </a:p>
+                </c:rich>
+              </c:tx>
+              <c:spPr>
+                <a:noFill/>
+                <a:ln>
+                  <a:noFill/>
+                </a:ln>
+                <a:effectLst/>
+              </c:spPr>
+              <c:dLblPos val="t"/>
+              <c:showLegendKey val="0"/>
+              <c:showVal val="0"/>
+              <c:showCatName val="0"/>
+              <c:showSerName val="0"/>
+              <c:showPercent val="0"/>
+              <c:showBubbleSize val="0"/>
+              <c:showLeaderLines val="1"/>
+              <c:extLst>
+                <c:ext xmlns:c15="http://schemas.microsoft.com/office/drawing/2012/chart" uri="{CE6537A1-D6FC-4f65-9D91-7224C49458BB}"/>
+                <c:ext xmlns:c16="http://schemas.microsoft.com/office/drawing/2014/chart" uri="{C3380CC4-5D6E-409C-BE32-E72D297353CC}">
+                  <c16:uniqueId val="{00000004-61ac-f339-e1c8-b5dfe0fc7004}"/>
+                </c:ext>
+              </c:extLst>
+            </c:dLbl>
+            <c:dLbl>
+              <c:idx val="4"/>
               <c:tx>
                 <c:rich>
                   <a:bodyPr>
@@ -367,12 +408,12 @@
               <c:extLst>
                 <c:ext xmlns:c15="http://schemas.microsoft.com/office/drawing/2012/chart" uri="{CE6537A1-D6FC-4f65-9D91-7224C49458BB}"/>
                 <c:ext xmlns:c16="http://schemas.microsoft.com/office/drawing/2014/chart" uri="{C3380CC4-5D6E-409C-BE32-E72D297353CC}">
-                  <c16:uniqueId val="{00000004-dc37-9a1b-d1d6-daa88ffff79c}"/>
+                  <c16:uniqueId val="{00000005-61ac-f339-e1c8-b5dfe0fc7004}"/>
                 </c:ext>
               </c:extLst>
             </c:dLbl>
             <c:dLbl>
-              <c:idx val="4"/>
+              <c:idx val="5"/>
               <c:tx>
                 <c:rich>
                   <a:bodyPr>
@@ -385,7 +426,7 @@
                     </a:pPr>
                     <a:r>
                       <a:rPr lang="en-US" dirty="0"/>
-                      <a:t>眼科</a:t>
+                      <a:t>心病一科</a:t>
                     </a:r>
                   </a:p>
                 </c:rich>
@@ -408,12 +449,12 @@
               <c:extLst>
                 <c:ext xmlns:c15="http://schemas.microsoft.com/office/drawing/2012/chart" uri="{CE6537A1-D6FC-4f65-9D91-7224C49458BB}"/>
                 <c:ext xmlns:c16="http://schemas.microsoft.com/office/drawing/2014/chart" uri="{C3380CC4-5D6E-409C-BE32-E72D297353CC}">
-                  <c16:uniqueId val="{00000005-dc37-9a1b-d1d6-daa88ffff79c}"/>
+                  <c16:uniqueId val="{00000006-61ac-f339-e1c8-b5dfe0fc7004}"/>
                 </c:ext>
               </c:extLst>
             </c:dLbl>
             <c:dLbl>
-              <c:idx val="5"/>
+              <c:idx val="6"/>
               <c:tx>
                 <c:rich>
                   <a:bodyPr>
@@ -426,7 +467,7 @@
                     </a:pPr>
                     <a:r>
                       <a:rPr lang="en-US" dirty="0"/>
-                      <a:t>肛肠科</a:t>
+                      <a:t>小儿骨科</a:t>
                     </a:r>
                   </a:p>
                 </c:rich>
@@ -449,12 +490,12 @@
               <c:extLst>
                 <c:ext xmlns:c15="http://schemas.microsoft.com/office/drawing/2012/chart" uri="{CE6537A1-D6FC-4f65-9D91-7224C49458BB}"/>
                 <c:ext xmlns:c16="http://schemas.microsoft.com/office/drawing/2014/chart" uri="{C3380CC4-5D6E-409C-BE32-E72D297353CC}">
-                  <c16:uniqueId val="{00000006-dc37-9a1b-d1d6-daa88ffff79c}"/>
+                  <c16:uniqueId val="{00000007-61ac-f339-e1c8-b5dfe0fc7004}"/>
                 </c:ext>
               </c:extLst>
             </c:dLbl>
             <c:dLbl>
-              <c:idx val="6"/>
+              <c:idx val="7"/>
               <c:tx>
                 <c:rich>
                   <a:bodyPr>
@@ -467,7 +508,7 @@
                     </a:pPr>
                     <a:r>
                       <a:rPr lang="en-US" dirty="0"/>
-                      <a:t>泌尿外科</a:t>
+                      <a:t>肝胆外科</a:t>
                     </a:r>
                   </a:p>
                 </c:rich>
@@ -490,12 +531,12 @@
               <c:extLst>
                 <c:ext xmlns:c15="http://schemas.microsoft.com/office/drawing/2012/chart" uri="{CE6537A1-D6FC-4f65-9D91-7224C49458BB}"/>
                 <c:ext xmlns:c16="http://schemas.microsoft.com/office/drawing/2014/chart" uri="{C3380CC4-5D6E-409C-BE32-E72D297353CC}">
-                  <c16:uniqueId val="{00000007-dc37-9a1b-d1d6-daa88ffff79c}"/>
+                  <c16:uniqueId val="{00000008-61ac-f339-e1c8-b5dfe0fc7004}"/>
                 </c:ext>
               </c:extLst>
             </c:dLbl>
             <c:dLbl>
-              <c:idx val="7"/>
+              <c:idx val="8"/>
               <c:tx>
                 <c:rich>
                   <a:bodyPr>
@@ -508,7 +549,7 @@
                     </a:pPr>
                     <a:r>
                       <a:rPr lang="en-US" dirty="0"/>
-                      <a:t>脾胃科消化科合并</a:t>
+                      <a:t>皮肤科</a:t>
                     </a:r>
                   </a:p>
                 </c:rich>
@@ -531,12 +572,381 @@
               <c:extLst>
                 <c:ext xmlns:c15="http://schemas.microsoft.com/office/drawing/2012/chart" uri="{CE6537A1-D6FC-4f65-9D91-7224C49458BB}"/>
                 <c:ext xmlns:c16="http://schemas.microsoft.com/office/drawing/2014/chart" uri="{C3380CC4-5D6E-409C-BE32-E72D297353CC}">
-                  <c16:uniqueId val="{00000008-dc37-9a1b-d1d6-daa88ffff79c}"/>
+                  <c16:uniqueId val="{00000009-61ac-f339-e1c8-b5dfe0fc7004}"/>
                 </c:ext>
               </c:extLst>
             </c:dLbl>
             <c:dLbl>
-              <c:idx val="8"/>
+              <c:idx val="9"/>
+              <c:tx>
+                <c:rich>
+                  <a:bodyPr>
+                    <a:spAutoFit/>
+                  </a:bodyPr>
+                  <a:lstStyle/>
+                  <a:p>
+                    <a:pPr>
+                      <a:defRPr/>
+                    </a:pPr>
+                    <a:r>
+                      <a:rPr lang="en-US" dirty="0"/>
+                      <a:t>呼吸内科</a:t>
+                    </a:r>
+                  </a:p>
+                </c:rich>
+              </c:tx>
+              <c:spPr>
+                <a:noFill/>
+                <a:ln>
+                  <a:noFill/>
+                </a:ln>
+                <a:effectLst/>
+              </c:spPr>
+              <c:dLblPos val="t"/>
+              <c:showLegendKey val="0"/>
+              <c:showVal val="0"/>
+              <c:showCatName val="0"/>
+              <c:showSerName val="0"/>
+              <c:showPercent val="0"/>
+              <c:showBubbleSize val="0"/>
+              <c:showLeaderLines val="1"/>
+              <c:extLst>
+                <c:ext xmlns:c15="http://schemas.microsoft.com/office/drawing/2012/chart" uri="{CE6537A1-D6FC-4f65-9D91-7224C49458BB}"/>
+                <c:ext xmlns:c16="http://schemas.microsoft.com/office/drawing/2014/chart" uri="{C3380CC4-5D6E-409C-BE32-E72D297353CC}">
+                  <c16:uniqueId val="{00000010-61ac-f339-e1c8-b5dfe0fc7004}"/>
+                </c:ext>
+              </c:extLst>
+            </c:dLbl>
+            <c:dLbl>
+              <c:idx val="10"/>
+              <c:tx>
+                <c:rich>
+                  <a:bodyPr>
+                    <a:spAutoFit/>
+                  </a:bodyPr>
+                  <a:lstStyle/>
+                  <a:p>
+                    <a:pPr>
+                      <a:defRPr/>
+                    </a:pPr>
+                    <a:r>
+                      <a:rPr lang="en-US" dirty="0"/>
+                      <a:t>神经外科</a:t>
+                    </a:r>
+                  </a:p>
+                </c:rich>
+              </c:tx>
+              <c:spPr>
+                <a:noFill/>
+                <a:ln>
+                  <a:noFill/>
+                </a:ln>
+                <a:effectLst/>
+              </c:spPr>
+              <c:dLblPos val="t"/>
+              <c:showLegendKey val="0"/>
+              <c:showVal val="0"/>
+              <c:showCatName val="0"/>
+              <c:showSerName val="0"/>
+              <c:showPercent val="0"/>
+              <c:showBubbleSize val="0"/>
+              <c:showLeaderLines val="1"/>
+              <c:extLst>
+                <c:ext xmlns:c15="http://schemas.microsoft.com/office/drawing/2012/chart" uri="{CE6537A1-D6FC-4f65-9D91-7224C49458BB}"/>
+                <c:ext xmlns:c16="http://schemas.microsoft.com/office/drawing/2014/chart" uri="{C3380CC4-5D6E-409C-BE32-E72D297353CC}">
+                  <c16:uniqueId val="{00000011-61ac-f339-e1c8-b5dfe0fc7004}"/>
+                </c:ext>
+              </c:extLst>
+            </c:dLbl>
+            <c:dLbl>
+              <c:idx val="11"/>
+              <c:tx>
+                <c:rich>
+                  <a:bodyPr>
+                    <a:spAutoFit/>
+                  </a:bodyPr>
+                  <a:lstStyle/>
+                  <a:p>
+                    <a:pPr>
+                      <a:defRPr/>
+                    </a:pPr>
+                    <a:r>
+                      <a:rPr lang="en-US" dirty="0"/>
+                      <a:t>中医经典科</a:t>
+                    </a:r>
+                  </a:p>
+                </c:rich>
+              </c:tx>
+              <c:spPr>
+                <a:noFill/>
+                <a:ln>
+                  <a:noFill/>
+                </a:ln>
+                <a:effectLst/>
+              </c:spPr>
+              <c:dLblPos val="t"/>
+              <c:showLegendKey val="0"/>
+              <c:showVal val="0"/>
+              <c:showCatName val="0"/>
+              <c:showSerName val="0"/>
+              <c:showPercent val="0"/>
+              <c:showBubbleSize val="0"/>
+              <c:showLeaderLines val="1"/>
+              <c:extLst>
+                <c:ext xmlns:c15="http://schemas.microsoft.com/office/drawing/2012/chart" uri="{CE6537A1-D6FC-4f65-9D91-7224C49458BB}"/>
+                <c:ext xmlns:c16="http://schemas.microsoft.com/office/drawing/2014/chart" uri="{C3380CC4-5D6E-409C-BE32-E72D297353CC}">
+                  <c16:uniqueId val="{00000012-61ac-f339-e1c8-b5dfe0fc7004}"/>
+                </c:ext>
+              </c:extLst>
+            </c:dLbl>
+            <c:dLbl>
+              <c:idx val="12"/>
+              <c:tx>
+                <c:rich>
+                  <a:bodyPr>
+                    <a:spAutoFit/>
+                  </a:bodyPr>
+                  <a:lstStyle/>
+                  <a:p>
+                    <a:pPr>
+                      <a:defRPr/>
+                    </a:pPr>
+                    <a:r>
+                      <a:rPr lang="en-US" dirty="0"/>
+                      <a:t>中医外治中心</a:t>
+                    </a:r>
+                  </a:p>
+                </c:rich>
+              </c:tx>
+              <c:spPr>
+                <a:noFill/>
+                <a:ln>
+                  <a:noFill/>
+                </a:ln>
+                <a:effectLst/>
+              </c:spPr>
+              <c:dLblPos val="t"/>
+              <c:showLegendKey val="0"/>
+              <c:showVal val="0"/>
+              <c:showCatName val="0"/>
+              <c:showSerName val="0"/>
+              <c:showPercent val="0"/>
+              <c:showBubbleSize val="0"/>
+              <c:showLeaderLines val="1"/>
+              <c:extLst>
+                <c:ext xmlns:c15="http://schemas.microsoft.com/office/drawing/2012/chart" uri="{CE6537A1-D6FC-4f65-9D91-7224C49458BB}"/>
+                <c:ext xmlns:c16="http://schemas.microsoft.com/office/drawing/2014/chart" uri="{C3380CC4-5D6E-409C-BE32-E72D297353CC}">
+                  <c16:uniqueId val="{00000013-61ac-f339-e1c8-b5dfe0fc7004}"/>
+                </c:ext>
+              </c:extLst>
+            </c:dLbl>
+            <c:dLbl>
+              <c:idx val="13"/>
+              <c:tx>
+                <c:rich>
+                  <a:bodyPr>
+                    <a:spAutoFit/>
+                  </a:bodyPr>
+                  <a:lstStyle/>
+                  <a:p>
+                    <a:pPr>
+                      <a:defRPr/>
+                    </a:pPr>
+                    <a:r>
+                      <a:rPr lang="en-US" dirty="0"/>
+                      <a:t>西区重症医学科</a:t>
+                    </a:r>
+                  </a:p>
+                </c:rich>
+              </c:tx>
+              <c:spPr>
+                <a:noFill/>
+                <a:ln>
+                  <a:noFill/>
+                </a:ln>
+                <a:effectLst/>
+              </c:spPr>
+              <c:dLblPos val="t"/>
+              <c:showLegendKey val="0"/>
+              <c:showVal val="0"/>
+              <c:showCatName val="0"/>
+              <c:showSerName val="0"/>
+              <c:showPercent val="0"/>
+              <c:showBubbleSize val="0"/>
+              <c:showLeaderLines val="1"/>
+              <c:extLst>
+                <c:ext xmlns:c15="http://schemas.microsoft.com/office/drawing/2012/chart" uri="{CE6537A1-D6FC-4f65-9D91-7224C49458BB}"/>
+                <c:ext xmlns:c16="http://schemas.microsoft.com/office/drawing/2014/chart" uri="{C3380CC4-5D6E-409C-BE32-E72D297353CC}">
+                  <c16:uniqueId val="{00000014-61ac-f339-e1c8-b5dfe0fc7004}"/>
+                </c:ext>
+              </c:extLst>
+            </c:dLbl>
+            <c:dLbl>
+              <c:idx val="14"/>
+              <c:tx>
+                <c:rich>
+                  <a:bodyPr>
+                    <a:spAutoFit/>
+                  </a:bodyPr>
+                  <a:lstStyle/>
+                  <a:p>
+                    <a:pPr>
+                      <a:defRPr/>
+                    </a:pPr>
+                    <a:r>
+                      <a:rPr lang="en-US" dirty="0"/>
+                      <a:t>内分泌科</a:t>
+                    </a:r>
+                  </a:p>
+                </c:rich>
+              </c:tx>
+              <c:spPr>
+                <a:noFill/>
+                <a:ln>
+                  <a:noFill/>
+                </a:ln>
+                <a:effectLst/>
+              </c:spPr>
+              <c:dLblPos val="t"/>
+              <c:showLegendKey val="0"/>
+              <c:showVal val="0"/>
+              <c:showCatName val="0"/>
+              <c:showSerName val="0"/>
+              <c:showPercent val="0"/>
+              <c:showBubbleSize val="0"/>
+              <c:showLeaderLines val="1"/>
+              <c:extLst>
+                <c:ext xmlns:c15="http://schemas.microsoft.com/office/drawing/2012/chart" uri="{CE6537A1-D6FC-4f65-9D91-7224C49458BB}"/>
+                <c:ext xmlns:c16="http://schemas.microsoft.com/office/drawing/2014/chart" uri="{C3380CC4-5D6E-409C-BE32-E72D297353CC}">
+                  <c16:uniqueId val="{00000015-61ac-f339-e1c8-b5dfe0fc7004}"/>
+                </c:ext>
+              </c:extLst>
+            </c:dLbl>
+            <c:dLbl>
+              <c:idx val="15"/>
+              <c:tx>
+                <c:rich>
+                  <a:bodyPr>
+                    <a:spAutoFit/>
+                  </a:bodyPr>
+                  <a:lstStyle/>
+                  <a:p>
+                    <a:pPr>
+                      <a:defRPr/>
+                    </a:pPr>
+                    <a:r>
+                      <a:rPr lang="en-US" dirty="0"/>
+                      <a:t>关节骨科</a:t>
+                    </a:r>
+                  </a:p>
+                </c:rich>
+              </c:tx>
+              <c:spPr>
+                <a:noFill/>
+                <a:ln>
+                  <a:noFill/>
+                </a:ln>
+                <a:effectLst/>
+              </c:spPr>
+              <c:dLblPos val="t"/>
+              <c:showLegendKey val="0"/>
+              <c:showVal val="0"/>
+              <c:showCatName val="0"/>
+              <c:showSerName val="0"/>
+              <c:showPercent val="0"/>
+              <c:showBubbleSize val="0"/>
+              <c:showLeaderLines val="1"/>
+              <c:extLst>
+                <c:ext xmlns:c15="http://schemas.microsoft.com/office/drawing/2012/chart" uri="{CE6537A1-D6FC-4f65-9D91-7224C49458BB}"/>
+                <c:ext xmlns:c16="http://schemas.microsoft.com/office/drawing/2014/chart" uri="{C3380CC4-5D6E-409C-BE32-E72D297353CC}">
+                  <c16:uniqueId val="{00000016-61ac-f339-e1c8-b5dfe0fc7004}"/>
+                </c:ext>
+              </c:extLst>
+            </c:dLbl>
+            <c:dLbl>
+              <c:idx val="16"/>
+              <c:tx>
+                <c:rich>
+                  <a:bodyPr>
+                    <a:spAutoFit/>
+                  </a:bodyPr>
+                  <a:lstStyle/>
+                  <a:p>
+                    <a:pPr>
+                      <a:defRPr/>
+                    </a:pPr>
+                    <a:r>
+                      <a:rPr lang="en-US" dirty="0"/>
+                      <a:t>骨科</a:t>
+                    </a:r>
+                  </a:p>
+                </c:rich>
+              </c:tx>
+              <c:spPr>
+                <a:noFill/>
+                <a:ln>
+                  <a:noFill/>
+                </a:ln>
+                <a:effectLst/>
+              </c:spPr>
+              <c:dLblPos val="t"/>
+              <c:showLegendKey val="0"/>
+              <c:showVal val="0"/>
+              <c:showCatName val="0"/>
+              <c:showSerName val="0"/>
+              <c:showPercent val="0"/>
+              <c:showBubbleSize val="0"/>
+              <c:showLeaderLines val="1"/>
+              <c:extLst>
+                <c:ext xmlns:c15="http://schemas.microsoft.com/office/drawing/2012/chart" uri="{CE6537A1-D6FC-4f65-9D91-7224C49458BB}"/>
+                <c:ext xmlns:c16="http://schemas.microsoft.com/office/drawing/2014/chart" uri="{C3380CC4-5D6E-409C-BE32-E72D297353CC}">
+                  <c16:uniqueId val="{00000017-61ac-f339-e1c8-b5dfe0fc7004}"/>
+                </c:ext>
+              </c:extLst>
+            </c:dLbl>
+            <c:dLbl>
+              <c:idx val="17"/>
+              <c:tx>
+                <c:rich>
+                  <a:bodyPr>
+                    <a:spAutoFit/>
+                  </a:bodyPr>
+                  <a:lstStyle/>
+                  <a:p>
+                    <a:pPr>
+                      <a:defRPr/>
+                    </a:pPr>
+                    <a:r>
+                      <a:rPr lang="en-US" dirty="0"/>
+                      <a:t>普通外科</a:t>
+                    </a:r>
+                  </a:p>
+                </c:rich>
+              </c:tx>
+              <c:spPr>
+                <a:noFill/>
+                <a:ln>
+                  <a:noFill/>
+                </a:ln>
+                <a:effectLst/>
+              </c:spPr>
+              <c:dLblPos val="t"/>
+              <c:showLegendKey val="0"/>
+              <c:showVal val="0"/>
+              <c:showCatName val="0"/>
+              <c:showSerName val="0"/>
+              <c:showPercent val="0"/>
+              <c:showBubbleSize val="0"/>
+              <c:showLeaderLines val="1"/>
+              <c:extLst>
+                <c:ext xmlns:c15="http://schemas.microsoft.com/office/drawing/2012/chart" uri="{CE6537A1-D6FC-4f65-9D91-7224C49458BB}"/>
+                <c:ext xmlns:c16="http://schemas.microsoft.com/office/drawing/2014/chart" uri="{C3380CC4-5D6E-409C-BE32-E72D297353CC}">
+                  <c16:uniqueId val="{00000018-61ac-f339-e1c8-b5dfe0fc7004}"/>
+                </c:ext>
+              </c:extLst>
+            </c:dLbl>
+            <c:dLbl>
+              <c:idx val="18"/>
               <c:tx>
                 <c:rich>
                   <a:bodyPr>
@@ -572,12 +982,12 @@
               <c:extLst>
                 <c:ext xmlns:c15="http://schemas.microsoft.com/office/drawing/2012/chart" uri="{CE6537A1-D6FC-4f65-9D91-7224C49458BB}"/>
                 <c:ext xmlns:c16="http://schemas.microsoft.com/office/drawing/2014/chart" uri="{C3380CC4-5D6E-409C-BE32-E72D297353CC}">
-                  <c16:uniqueId val="{00000009-dc37-9a1b-d1d6-daa88ffff79c}"/>
+                  <c16:uniqueId val="{00000019-61ac-f339-e1c8-b5dfe0fc7004}"/>
                 </c:ext>
               </c:extLst>
             </c:dLbl>
             <c:dLbl>
-              <c:idx val="9"/>
+              <c:idx val="19"/>
               <c:tx>
                 <c:rich>
                   <a:bodyPr>
@@ -590,7 +1000,7 @@
                     </a:pPr>
                     <a:r>
                       <a:rPr lang="en-US" dirty="0"/>
-                      <a:t>儿科</a:t>
+                      <a:t>东区重症医学科</a:t>
                     </a:r>
                   </a:p>
                 </c:rich>
@@ -613,417 +1023,7 @@
               <c:extLst>
                 <c:ext xmlns:c15="http://schemas.microsoft.com/office/drawing/2012/chart" uri="{CE6537A1-D6FC-4f65-9D91-7224C49458BB}"/>
                 <c:ext xmlns:c16="http://schemas.microsoft.com/office/drawing/2014/chart" uri="{C3380CC4-5D6E-409C-BE32-E72D297353CC}">
-                  <c16:uniqueId val="{00000010-dc37-9a1b-d1d6-daa88ffff79c}"/>
-                </c:ext>
-              </c:extLst>
-            </c:dLbl>
-            <c:dLbl>
-              <c:idx val="10"/>
-              <c:tx>
-                <c:rich>
-                  <a:bodyPr>
-                    <a:spAutoFit/>
-                  </a:bodyPr>
-                  <a:lstStyle/>
-                  <a:p>
-                    <a:pPr>
-                      <a:defRPr/>
-                    </a:pPr>
-                    <a:r>
-                      <a:rPr lang="en-US" dirty="0"/>
-                      <a:t>肾病科</a:t>
-                    </a:r>
-                  </a:p>
-                </c:rich>
-              </c:tx>
-              <c:spPr>
-                <a:noFill/>
-                <a:ln>
-                  <a:noFill/>
-                </a:ln>
-                <a:effectLst/>
-              </c:spPr>
-              <c:dLblPos val="t"/>
-              <c:showLegendKey val="0"/>
-              <c:showVal val="0"/>
-              <c:showCatName val="0"/>
-              <c:showSerName val="0"/>
-              <c:showPercent val="0"/>
-              <c:showBubbleSize val="0"/>
-              <c:showLeaderLines val="1"/>
-              <c:extLst>
-                <c:ext xmlns:c15="http://schemas.microsoft.com/office/drawing/2012/chart" uri="{CE6537A1-D6FC-4f65-9D91-7224C49458BB}"/>
-                <c:ext xmlns:c16="http://schemas.microsoft.com/office/drawing/2014/chart" uri="{C3380CC4-5D6E-409C-BE32-E72D297353CC}">
-                  <c16:uniqueId val="{00000011-dc37-9a1b-d1d6-daa88ffff79c}"/>
-                </c:ext>
-              </c:extLst>
-            </c:dLbl>
-            <c:dLbl>
-              <c:idx val="11"/>
-              <c:tx>
-                <c:rich>
-                  <a:bodyPr>
-                    <a:spAutoFit/>
-                  </a:bodyPr>
-                  <a:lstStyle/>
-                  <a:p>
-                    <a:pPr>
-                      <a:defRPr/>
-                    </a:pPr>
-                    <a:r>
-                      <a:rPr lang="en-US" dirty="0"/>
-                      <a:t>小儿推拿科</a:t>
-                    </a:r>
-                  </a:p>
-                </c:rich>
-              </c:tx>
-              <c:spPr>
-                <a:noFill/>
-                <a:ln>
-                  <a:noFill/>
-                </a:ln>
-                <a:effectLst/>
-              </c:spPr>
-              <c:dLblPos val="t"/>
-              <c:showLegendKey val="0"/>
-              <c:showVal val="0"/>
-              <c:showCatName val="0"/>
-              <c:showSerName val="0"/>
-              <c:showPercent val="0"/>
-              <c:showBubbleSize val="0"/>
-              <c:showLeaderLines val="1"/>
-              <c:extLst>
-                <c:ext xmlns:c15="http://schemas.microsoft.com/office/drawing/2012/chart" uri="{CE6537A1-D6FC-4f65-9D91-7224C49458BB}"/>
-                <c:ext xmlns:c16="http://schemas.microsoft.com/office/drawing/2014/chart" uri="{C3380CC4-5D6E-409C-BE32-E72D297353CC}">
-                  <c16:uniqueId val="{00000012-dc37-9a1b-d1d6-daa88ffff79c}"/>
-                </c:ext>
-              </c:extLst>
-            </c:dLbl>
-            <c:dLbl>
-              <c:idx val="12"/>
-              <c:tx>
-                <c:rich>
-                  <a:bodyPr>
-                    <a:spAutoFit/>
-                  </a:bodyPr>
-                  <a:lstStyle/>
-                  <a:p>
-                    <a:pPr>
-                      <a:defRPr/>
-                    </a:pPr>
-                    <a:r>
-                      <a:rPr lang="en-US" dirty="0"/>
-                      <a:t>脑病一科</a:t>
-                    </a:r>
-                  </a:p>
-                </c:rich>
-              </c:tx>
-              <c:spPr>
-                <a:noFill/>
-                <a:ln>
-                  <a:noFill/>
-                </a:ln>
-                <a:effectLst/>
-              </c:spPr>
-              <c:dLblPos val="t"/>
-              <c:showLegendKey val="0"/>
-              <c:showVal val="0"/>
-              <c:showCatName val="0"/>
-              <c:showSerName val="0"/>
-              <c:showPercent val="0"/>
-              <c:showBubbleSize val="0"/>
-              <c:showLeaderLines val="1"/>
-              <c:extLst>
-                <c:ext xmlns:c15="http://schemas.microsoft.com/office/drawing/2012/chart" uri="{CE6537A1-D6FC-4f65-9D91-7224C49458BB}"/>
-                <c:ext xmlns:c16="http://schemas.microsoft.com/office/drawing/2014/chart" uri="{C3380CC4-5D6E-409C-BE32-E72D297353CC}">
-                  <c16:uniqueId val="{00000013-dc37-9a1b-d1d6-daa88ffff79c}"/>
-                </c:ext>
-              </c:extLst>
-            </c:dLbl>
-            <c:dLbl>
-              <c:idx val="13"/>
-              <c:tx>
-                <c:rich>
-                  <a:bodyPr>
-                    <a:spAutoFit/>
-                  </a:bodyPr>
-                  <a:lstStyle/>
-                  <a:p>
-                    <a:pPr>
-                      <a:defRPr/>
-                    </a:pPr>
-                    <a:r>
-                      <a:rPr lang="en-US" dirty="0"/>
-                      <a:t>心病二科</a:t>
-                    </a:r>
-                  </a:p>
-                </c:rich>
-              </c:tx>
-              <c:spPr>
-                <a:noFill/>
-                <a:ln>
-                  <a:noFill/>
-                </a:ln>
-                <a:effectLst/>
-              </c:spPr>
-              <c:dLblPos val="t"/>
-              <c:showLegendKey val="0"/>
-              <c:showVal val="0"/>
-              <c:showCatName val="0"/>
-              <c:showSerName val="0"/>
-              <c:showPercent val="0"/>
-              <c:showBubbleSize val="0"/>
-              <c:showLeaderLines val="1"/>
-              <c:extLst>
-                <c:ext xmlns:c15="http://schemas.microsoft.com/office/drawing/2012/chart" uri="{CE6537A1-D6FC-4f65-9D91-7224C49458BB}"/>
-                <c:ext xmlns:c16="http://schemas.microsoft.com/office/drawing/2014/chart" uri="{C3380CC4-5D6E-409C-BE32-E72D297353CC}">
-                  <c16:uniqueId val="{00000014-dc37-9a1b-d1d6-daa88ffff79c}"/>
-                </c:ext>
-              </c:extLst>
-            </c:dLbl>
-            <c:dLbl>
-              <c:idx val="14"/>
-              <c:tx>
-                <c:rich>
-                  <a:bodyPr>
-                    <a:spAutoFit/>
-                  </a:bodyPr>
-                  <a:lstStyle/>
-                  <a:p>
-                    <a:pPr>
-                      <a:defRPr/>
-                    </a:pPr>
-                    <a:r>
-                      <a:rPr lang="en-US" dirty="0"/>
-                      <a:t>老年医学科</a:t>
-                    </a:r>
-                  </a:p>
-                </c:rich>
-              </c:tx>
-              <c:spPr>
-                <a:noFill/>
-                <a:ln>
-                  <a:noFill/>
-                </a:ln>
-                <a:effectLst/>
-              </c:spPr>
-              <c:dLblPos val="t"/>
-              <c:showLegendKey val="0"/>
-              <c:showVal val="0"/>
-              <c:showCatName val="0"/>
-              <c:showSerName val="0"/>
-              <c:showPercent val="0"/>
-              <c:showBubbleSize val="0"/>
-              <c:showLeaderLines val="1"/>
-              <c:extLst>
-                <c:ext xmlns:c15="http://schemas.microsoft.com/office/drawing/2012/chart" uri="{CE6537A1-D6FC-4f65-9D91-7224C49458BB}"/>
-                <c:ext xmlns:c16="http://schemas.microsoft.com/office/drawing/2014/chart" uri="{C3380CC4-5D6E-409C-BE32-E72D297353CC}">
-                  <c16:uniqueId val="{00000015-dc37-9a1b-d1d6-daa88ffff79c}"/>
-                </c:ext>
-              </c:extLst>
-            </c:dLbl>
-            <c:dLbl>
-              <c:idx val="15"/>
-              <c:tx>
-                <c:rich>
-                  <a:bodyPr>
-                    <a:spAutoFit/>
-                  </a:bodyPr>
-                  <a:lstStyle/>
-                  <a:p>
-                    <a:pPr>
-                      <a:defRPr/>
-                    </a:pPr>
-                    <a:r>
-                      <a:rPr lang="en-US" dirty="0"/>
-                      <a:t>口腔科</a:t>
-                    </a:r>
-                  </a:p>
-                </c:rich>
-              </c:tx>
-              <c:spPr>
-                <a:noFill/>
-                <a:ln>
-                  <a:noFill/>
-                </a:ln>
-                <a:effectLst/>
-              </c:spPr>
-              <c:dLblPos val="t"/>
-              <c:showLegendKey val="0"/>
-              <c:showVal val="0"/>
-              <c:showCatName val="0"/>
-              <c:showSerName val="0"/>
-              <c:showPercent val="0"/>
-              <c:showBubbleSize val="0"/>
-              <c:showLeaderLines val="1"/>
-              <c:extLst>
-                <c:ext xmlns:c15="http://schemas.microsoft.com/office/drawing/2012/chart" uri="{CE6537A1-D6FC-4f65-9D91-7224C49458BB}"/>
-                <c:ext xmlns:c16="http://schemas.microsoft.com/office/drawing/2014/chart" uri="{C3380CC4-5D6E-409C-BE32-E72D297353CC}">
-                  <c16:uniqueId val="{00000016-dc37-9a1b-d1d6-daa88ffff79c}"/>
-                </c:ext>
-              </c:extLst>
-            </c:dLbl>
-            <c:dLbl>
-              <c:idx val="16"/>
-              <c:tx>
-                <c:rich>
-                  <a:bodyPr>
-                    <a:spAutoFit/>
-                  </a:bodyPr>
-                  <a:lstStyle/>
-                  <a:p>
-                    <a:pPr>
-                      <a:defRPr/>
-                    </a:pPr>
-                    <a:r>
-                      <a:rPr lang="en-US" dirty="0"/>
-                      <a:t>呼吸内科</a:t>
-                    </a:r>
-                  </a:p>
-                </c:rich>
-              </c:tx>
-              <c:spPr>
-                <a:noFill/>
-                <a:ln>
-                  <a:noFill/>
-                </a:ln>
-                <a:effectLst/>
-              </c:spPr>
-              <c:dLblPos val="t"/>
-              <c:showLegendKey val="0"/>
-              <c:showVal val="0"/>
-              <c:showCatName val="0"/>
-              <c:showSerName val="0"/>
-              <c:showPercent val="0"/>
-              <c:showBubbleSize val="0"/>
-              <c:showLeaderLines val="1"/>
-              <c:extLst>
-                <c:ext xmlns:c15="http://schemas.microsoft.com/office/drawing/2012/chart" uri="{CE6537A1-D6FC-4f65-9D91-7224C49458BB}"/>
-                <c:ext xmlns:c16="http://schemas.microsoft.com/office/drawing/2014/chart" uri="{C3380CC4-5D6E-409C-BE32-E72D297353CC}">
-                  <c16:uniqueId val="{00000017-dc37-9a1b-d1d6-daa88ffff79c}"/>
-                </c:ext>
-              </c:extLst>
-            </c:dLbl>
-            <c:dLbl>
-              <c:idx val="17"/>
-              <c:tx>
-                <c:rich>
-                  <a:bodyPr>
-                    <a:spAutoFit/>
-                  </a:bodyPr>
-                  <a:lstStyle/>
-                  <a:p>
-                    <a:pPr>
-                      <a:defRPr/>
-                    </a:pPr>
-                    <a:r>
-                      <a:rPr lang="en-US" dirty="0"/>
-                      <a:t>消化内科</a:t>
-                    </a:r>
-                  </a:p>
-                </c:rich>
-              </c:tx>
-              <c:spPr>
-                <a:noFill/>
-                <a:ln>
-                  <a:noFill/>
-                </a:ln>
-                <a:effectLst/>
-              </c:spPr>
-              <c:dLblPos val="t"/>
-              <c:showLegendKey val="0"/>
-              <c:showVal val="0"/>
-              <c:showCatName val="0"/>
-              <c:showSerName val="0"/>
-              <c:showPercent val="0"/>
-              <c:showBubbleSize val="0"/>
-              <c:showLeaderLines val="1"/>
-              <c:extLst>
-                <c:ext xmlns:c15="http://schemas.microsoft.com/office/drawing/2012/chart" uri="{CE6537A1-D6FC-4f65-9D91-7224C49458BB}"/>
-                <c:ext xmlns:c16="http://schemas.microsoft.com/office/drawing/2014/chart" uri="{C3380CC4-5D6E-409C-BE32-E72D297353CC}">
-                  <c16:uniqueId val="{00000018-dc37-9a1b-d1d6-daa88ffff79c}"/>
-                </c:ext>
-              </c:extLst>
-            </c:dLbl>
-            <c:dLbl>
-              <c:idx val="18"/>
-              <c:tx>
-                <c:rich>
-                  <a:bodyPr>
-                    <a:spAutoFit/>
-                  </a:bodyPr>
-                  <a:lstStyle/>
-                  <a:p>
-                    <a:pPr>
-                      <a:defRPr/>
-                    </a:pPr>
-                    <a:r>
-                      <a:rPr lang="en-US" dirty="0"/>
-                      <a:t>康复科</a:t>
-                    </a:r>
-                  </a:p>
-                </c:rich>
-              </c:tx>
-              <c:spPr>
-                <a:noFill/>
-                <a:ln>
-                  <a:noFill/>
-                </a:ln>
-                <a:effectLst/>
-              </c:spPr>
-              <c:dLblPos val="t"/>
-              <c:showLegendKey val="0"/>
-              <c:showVal val="0"/>
-              <c:showCatName val="0"/>
-              <c:showSerName val="0"/>
-              <c:showPercent val="0"/>
-              <c:showBubbleSize val="0"/>
-              <c:showLeaderLines val="1"/>
-              <c:extLst>
-                <c:ext xmlns:c15="http://schemas.microsoft.com/office/drawing/2012/chart" uri="{CE6537A1-D6FC-4f65-9D91-7224C49458BB}"/>
-                <c:ext xmlns:c16="http://schemas.microsoft.com/office/drawing/2014/chart" uri="{C3380CC4-5D6E-409C-BE32-E72D297353CC}">
-                  <c16:uniqueId val="{00000019-dc37-9a1b-d1d6-daa88ffff79c}"/>
-                </c:ext>
-              </c:extLst>
-            </c:dLbl>
-            <c:dLbl>
-              <c:idx val="19"/>
-              <c:tx>
-                <c:rich>
-                  <a:bodyPr>
-                    <a:spAutoFit/>
-                  </a:bodyPr>
-                  <a:lstStyle/>
-                  <a:p>
-                    <a:pPr>
-                      <a:defRPr/>
-                    </a:pPr>
-                    <a:r>
-                      <a:rPr lang="en-US" dirty="0"/>
-                      <a:t>中医外治中心</a:t>
-                    </a:r>
-                  </a:p>
-                </c:rich>
-              </c:tx>
-              <c:spPr>
-                <a:noFill/>
-                <a:ln>
-                  <a:noFill/>
-                </a:ln>
-                <a:effectLst/>
-              </c:spPr>
-              <c:dLblPos val="t"/>
-              <c:showLegendKey val="0"/>
-              <c:showVal val="0"/>
-              <c:showCatName val="0"/>
-              <c:showSerName val="0"/>
-              <c:showPercent val="0"/>
-              <c:showBubbleSize val="0"/>
-              <c:showLeaderLines val="1"/>
-              <c:extLst>
-                <c:ext xmlns:c15="http://schemas.microsoft.com/office/drawing/2012/chart" uri="{CE6537A1-D6FC-4f65-9D91-7224C49458BB}"/>
-                <c:ext xmlns:c16="http://schemas.microsoft.com/office/drawing/2014/chart" uri="{C3380CC4-5D6E-409C-BE32-E72D297353CC}">
-                  <c16:uniqueId val="{00000020-dc37-9a1b-d1d6-daa88ffff79c}"/>
+                  <c16:uniqueId val="{00000020-61ac-f339-e1c8-b5dfe0fc7004}"/>
                 </c:ext>
               </c:extLst>
             </c:dLbl>
@@ -1035,64 +1035,64 @@
                 <c:formatCode>General</c:formatCode>
                 <c:ptCount val="20"/>
                 <c:pt idx="0">
-                  <c:v>0.00029220741128037114</c:v>
+                  <c:v>0.0023181498232097207</c:v>
                 </c:pt>
                 <c:pt idx="1">
-                  <c:v>0.0023597606211014067</c:v>
+                  <c:v>0.0007482016890744667</c:v>
                 </c:pt>
                 <c:pt idx="2">
-                  <c:v>0.00162781012175515</c:v>
+                  <c:v>0.0008078720461332982</c:v>
                 </c:pt>
                 <c:pt idx="3">
-                  <c:v>0.00035420047182294285</c:v>
+                  <c:v>0.002171323166803381</c:v>
                 </c:pt>
                 <c:pt idx="4">
-                  <c:v>0.0020025015890442273</c:v>
+                  <c:v>0.001522161280710794</c:v>
                 </c:pt>
                 <c:pt idx="5">
-                  <c:v>0.0011827733090958392</c:v>
+                  <c:v>0.0000860742735607226</c:v>
                 </c:pt>
                 <c:pt idx="6">
-                  <c:v>0.0017194358088438739</c:v>
+                  <c:v>0.0010208593340882812</c:v>
                 </c:pt>
                 <c:pt idx="7">
-                  <c:v>0.0018585275538102943</c:v>
+                  <c:v>0.001738637614636645</c:v>
                 </c:pt>
                 <c:pt idx="8">
-                  <c:v>0.0007799365393541279</c:v>
+                  <c:v>0.0021333147633688207</c:v>
                 </c:pt>
                 <c:pt idx="9">
-                  <c:v>0.0016802372943874669</c:v>
+                  <c:v>0.000674840977719289</c:v>
                 </c:pt>
                 <c:pt idx="10">
-                  <c:v>0.0003661396308108201</c:v>
+                  <c:v>0.002107137881333381</c:v>
                 </c:pt>
                 <c:pt idx="11">
-                  <c:v>0.0019495499370630843</c:v>
+                  <c:v>0.0022143885573517696</c:v>
                 </c:pt>
                 <c:pt idx="12">
-                  <c:v>0.0014434786053458704</c:v>
+                  <c:v>0.0020867303169234963</c:v>
                 </c:pt>
                 <c:pt idx="13">
-                  <c:v>0.0006057250916985807</c:v>
+                  <c:v>0.0011793595849481735</c:v>
                 </c:pt>
                 <c:pt idx="14">
-                  <c:v>0.000478411017764866</c:v>
+                  <c:v>0.00007213109629358823</c:v>
                 </c:pt>
                 <c:pt idx="15">
-                  <c:v>0.0002643967276337457</c:v>
+                  <c:v>0.002086097095821774</c:v>
                 </c:pt>
                 <c:pt idx="16">
-                  <c:v>0.002111312793869396</c:v>
+                  <c:v>0.000244164996714017</c:v>
                 </c:pt>
                 <c:pt idx="17">
-                  <c:v>0.0006766813630010473</c:v>
+                  <c:v>0.00017875638359399874</c:v>
                 </c:pt>
                 <c:pt idx="18">
-                  <c:v>0.0018042438771178721</c:v>
+                  <c:v>0.00024941930619118614</c:v>
                 </c:pt>
                 <c:pt idx="19">
-                  <c:v>0.0005518478314774652</c:v>
+                  <c:v>0.0005140621576552648</c:v>
                 </c:pt>
               </c:numCache>
             </c:numRef>
@@ -1104,64 +1104,64 @@
                 <c:formatCode>General</c:formatCode>
                 <c:ptCount val="20"/>
                 <c:pt idx="0">
-                  <c:v>100</c:v>
+                  <c:v>99.99999999999999</c:v>
                 </c:pt>
                 <c:pt idx="1">
-                  <c:v>86.21612763400243</c:v>
+                  <c:v>49.11622483978104</c:v>
                 </c:pt>
                 <c:pt idx="2">
-                  <c:v>84.42422712784621</c:v>
+                  <c:v>41.50731819375954</c:v>
                 </c:pt>
                 <c:pt idx="3">
-                  <c:v>83.91426068771432</c:v>
+                  <c:v>38.53878000046974</c:v>
                 </c:pt>
                 <c:pt idx="4">
-                  <c:v>83.62347471169113</c:v>
+                  <c:v>34.828314560070744</c:v>
                 </c:pt>
                 <c:pt idx="5">
-                  <c:v>77.28567728532582</c:v>
+                  <c:v>29.838625973297283</c:v>
                 </c:pt>
                 <c:pt idx="6">
-                  <c:v>76.42094897462987</c:v>
+                  <c:v>28.534558393093338</c:v>
                 </c:pt>
                 <c:pt idx="7">
-                  <c:v>75.46425470516203</c:v>
+                  <c:v>26.539082647358516</c:v>
                 </c:pt>
                 <c:pt idx="8">
-                  <c:v>67.27230320964092</c:v>
+                  <c:v>22.979044221601278</c:v>
                 </c:pt>
                 <c:pt idx="9">
-                  <c:v>66.7855802341003</c:v>
+                  <c:v>22.606407679981626</c:v>
                 </c:pt>
                 <c:pt idx="10">
-                  <c:v>65.15445289053564</c:v>
+                  <c:v>22.06374487266646</c:v>
                 </c:pt>
                 <c:pt idx="11">
-                  <c:v>61.269253300602806</c:v>
+                  <c:v>21.392185989634577</c:v>
                 </c:pt>
                 <c:pt idx="12">
-                  <c:v>56.996502017929835</c:v>
+                  <c:v>20.68240488649161</c:v>
                 </c:pt>
                 <c:pt idx="13">
-                  <c:v>55.08994733517623</c:v>
+                  <c:v>20.59399708619978</c:v>
                 </c:pt>
                 <c:pt idx="14">
-                  <c:v>54.338637381030985</c:v>
+                  <c:v>20.12163490087838</c:v>
                 </c:pt>
                 <c:pt idx="15">
-                  <c:v>53.787744838025084</c:v>
+                  <c:v>19.83209965960248</c:v>
                 </c:pt>
                 <c:pt idx="16">
-                  <c:v>51.47539482692101</c:v>
+                  <c:v>19.325713301014282</c:v>
                 </c:pt>
                 <c:pt idx="17">
-                  <c:v>49.214931733765255</c:v>
+                  <c:v>19.01933700899879</c:v>
                 </c:pt>
                 <c:pt idx="18">
-                  <c:v>48.80193894106625</c:v>
+                  <c:v>18.868644525071783</c:v>
                 </c:pt>
                 <c:pt idx="19">
-                  <c:v>48.222750607583734</c:v>
+                  <c:v>18.107986539526742</c:v>
                 </c:pt>
               </c:numCache>
             </c:numRef>
@@ -1381,7 +1381,7 @@
 </c:chartSpace>
 </file>
 
-<file path=ppt/charts/chart358.xml><?xml version="1.0" encoding="utf-8"?>
+<file path=ppt/charts/chart1432.xml><?xml version="1.0" encoding="utf-8"?>
 <c:chartSpace xmlns:c="http://schemas.openxmlformats.org/drawingml/2006/chart" xmlns:a="http://schemas.openxmlformats.org/drawingml/2006/main" xmlns:r="http://schemas.openxmlformats.org/officeDocument/2006/relationships">
   <c:date1904 val="0"/>
   <c:chart>
@@ -1498,7 +1498,7 @@
               <c:extLst>
                 <c:ext xmlns:c15="http://schemas.microsoft.com/office/drawing/2012/chart" uri="{CE6537A1-D6FC-4f65-9D91-7224C49458BB}"/>
                 <c:ext xmlns:c16="http://schemas.microsoft.com/office/drawing/2014/chart" uri="{C3380CC4-5D6E-409C-BE32-E72D297353CC}">
-                  <c16:uniqueId val="{00000001-6d48-94c7-2006-1892091909ee}"/>
+                  <c16:uniqueId val="{00000001-6929-201d-3c43-7a34e422c4d6}"/>
                 </c:ext>
               </c:extLst>
             </c:dLbl>
@@ -1516,7 +1516,7 @@
                     </a:pPr>
                     <a:r>
                       <a:rPr lang="en-US" dirty="0"/>
-                      <a:t>心病四科</a:t>
+                      <a:t>脑病二科</a:t>
                     </a:r>
                   </a:p>
                 </c:rich>
@@ -1539,7 +1539,7 @@
               <c:extLst>
                 <c:ext xmlns:c15="http://schemas.microsoft.com/office/drawing/2012/chart" uri="{CE6537A1-D6FC-4f65-9D91-7224C49458BB}"/>
                 <c:ext xmlns:c16="http://schemas.microsoft.com/office/drawing/2014/chart" uri="{C3380CC4-5D6E-409C-BE32-E72D297353CC}">
-                  <c16:uniqueId val="{00000002-6d48-94c7-2006-1892091909ee}"/>
+                  <c16:uniqueId val="{00000002-6929-201d-3c43-7a34e422c4d6}"/>
                 </c:ext>
               </c:extLst>
             </c:dLbl>
@@ -1557,7 +1557,7 @@
                     </a:pPr>
                     <a:r>
                       <a:rPr lang="en-US" dirty="0"/>
-                      <a:t>妇科妇二科合并</a:t>
+                      <a:t>泌尿外科</a:t>
                     </a:r>
                   </a:p>
                 </c:rich>
@@ -1580,7 +1580,7 @@
               <c:extLst>
                 <c:ext xmlns:c15="http://schemas.microsoft.com/office/drawing/2012/chart" uri="{CE6537A1-D6FC-4f65-9D91-7224C49458BB}"/>
                 <c:ext xmlns:c16="http://schemas.microsoft.com/office/drawing/2014/chart" uri="{C3380CC4-5D6E-409C-BE32-E72D297353CC}">
-                  <c16:uniqueId val="{00000003-6d48-94c7-2006-1892091909ee}"/>
+                  <c16:uniqueId val="{00000003-6929-201d-3c43-7a34e422c4d6}"/>
                 </c:ext>
               </c:extLst>
             </c:dLbl>
@@ -1598,7 +1598,7 @@
                     </a:pPr>
                     <a:r>
                       <a:rPr lang="en-US" dirty="0"/>
-                      <a:t>小儿骨科</a:t>
+                      <a:t>显微骨科</a:t>
                     </a:r>
                   </a:p>
                 </c:rich>
@@ -1621,12 +1621,299 @@
               <c:extLst>
                 <c:ext xmlns:c15="http://schemas.microsoft.com/office/drawing/2012/chart" uri="{CE6537A1-D6FC-4f65-9D91-7224C49458BB}"/>
                 <c:ext xmlns:c16="http://schemas.microsoft.com/office/drawing/2014/chart" uri="{C3380CC4-5D6E-409C-BE32-E72D297353CC}">
-                  <c16:uniqueId val="{00000004-6d48-94c7-2006-1892091909ee}"/>
+                  <c16:uniqueId val="{00000004-6929-201d-3c43-7a34e422c4d6}"/>
                 </c:ext>
               </c:extLst>
             </c:dLbl>
             <c:dLbl>
               <c:idx val="4"/>
+              <c:tx>
+                <c:rich>
+                  <a:bodyPr>
+                    <a:spAutoFit/>
+                  </a:bodyPr>
+                  <a:lstStyle/>
+                  <a:p>
+                    <a:pPr>
+                      <a:defRPr/>
+                    </a:pPr>
+                    <a:r>
+                      <a:rPr lang="en-US" dirty="0"/>
+                      <a:t>乳腺甲状腺外科</a:t>
+                    </a:r>
+                  </a:p>
+                </c:rich>
+              </c:tx>
+              <c:spPr>
+                <a:noFill/>
+                <a:ln>
+                  <a:noFill/>
+                </a:ln>
+                <a:effectLst/>
+              </c:spPr>
+              <c:dLblPos val="t"/>
+              <c:showLegendKey val="0"/>
+              <c:showVal val="0"/>
+              <c:showCatName val="0"/>
+              <c:showSerName val="0"/>
+              <c:showPercent val="0"/>
+              <c:showBubbleSize val="0"/>
+              <c:showLeaderLines val="1"/>
+              <c:extLst>
+                <c:ext xmlns:c15="http://schemas.microsoft.com/office/drawing/2012/chart" uri="{CE6537A1-D6FC-4f65-9D91-7224C49458BB}"/>
+                <c:ext xmlns:c16="http://schemas.microsoft.com/office/drawing/2014/chart" uri="{C3380CC4-5D6E-409C-BE32-E72D297353CC}">
+                  <c16:uniqueId val="{00000005-6929-201d-3c43-7a34e422c4d6}"/>
+                </c:ext>
+              </c:extLst>
+            </c:dLbl>
+            <c:dLbl>
+              <c:idx val="5"/>
+              <c:tx>
+                <c:rich>
+                  <a:bodyPr>
+                    <a:spAutoFit/>
+                  </a:bodyPr>
+                  <a:lstStyle/>
+                  <a:p>
+                    <a:pPr>
+                      <a:defRPr/>
+                    </a:pPr>
+                    <a:r>
+                      <a:rPr lang="en-US" dirty="0"/>
+                      <a:t>心病二科</a:t>
+                    </a:r>
+                  </a:p>
+                </c:rich>
+              </c:tx>
+              <c:spPr>
+                <a:noFill/>
+                <a:ln>
+                  <a:noFill/>
+                </a:ln>
+                <a:effectLst/>
+              </c:spPr>
+              <c:dLblPos val="t"/>
+              <c:showLegendKey val="0"/>
+              <c:showVal val="0"/>
+              <c:showCatName val="0"/>
+              <c:showSerName val="0"/>
+              <c:showPercent val="0"/>
+              <c:showBubbleSize val="0"/>
+              <c:showLeaderLines val="1"/>
+              <c:extLst>
+                <c:ext xmlns:c15="http://schemas.microsoft.com/office/drawing/2012/chart" uri="{CE6537A1-D6FC-4f65-9D91-7224C49458BB}"/>
+                <c:ext xmlns:c16="http://schemas.microsoft.com/office/drawing/2014/chart" uri="{C3380CC4-5D6E-409C-BE32-E72D297353CC}">
+                  <c16:uniqueId val="{00000006-6929-201d-3c43-7a34e422c4d6}"/>
+                </c:ext>
+              </c:extLst>
+            </c:dLbl>
+            <c:dLbl>
+              <c:idx val="6"/>
+              <c:tx>
+                <c:rich>
+                  <a:bodyPr>
+                    <a:spAutoFit/>
+                  </a:bodyPr>
+                  <a:lstStyle/>
+                  <a:p>
+                    <a:pPr>
+                      <a:defRPr/>
+                    </a:pPr>
+                    <a:r>
+                      <a:rPr lang="en-US" dirty="0"/>
+                      <a:t>中医经典科</a:t>
+                    </a:r>
+                  </a:p>
+                </c:rich>
+              </c:tx>
+              <c:spPr>
+                <a:noFill/>
+                <a:ln>
+                  <a:noFill/>
+                </a:ln>
+                <a:effectLst/>
+              </c:spPr>
+              <c:dLblPos val="t"/>
+              <c:showLegendKey val="0"/>
+              <c:showVal val="0"/>
+              <c:showCatName val="0"/>
+              <c:showSerName val="0"/>
+              <c:showPercent val="0"/>
+              <c:showBubbleSize val="0"/>
+              <c:showLeaderLines val="1"/>
+              <c:extLst>
+                <c:ext xmlns:c15="http://schemas.microsoft.com/office/drawing/2012/chart" uri="{CE6537A1-D6FC-4f65-9D91-7224C49458BB}"/>
+                <c:ext xmlns:c16="http://schemas.microsoft.com/office/drawing/2014/chart" uri="{C3380CC4-5D6E-409C-BE32-E72D297353CC}">
+                  <c16:uniqueId val="{00000007-6929-201d-3c43-7a34e422c4d6}"/>
+                </c:ext>
+              </c:extLst>
+            </c:dLbl>
+            <c:dLbl>
+              <c:idx val="7"/>
+              <c:tx>
+                <c:rich>
+                  <a:bodyPr>
+                    <a:spAutoFit/>
+                  </a:bodyPr>
+                  <a:lstStyle/>
+                  <a:p>
+                    <a:pPr>
+                      <a:defRPr/>
+                    </a:pPr>
+                    <a:r>
+                      <a:rPr lang="en-US" dirty="0"/>
+                      <a:t>妇科</a:t>
+                    </a:r>
+                  </a:p>
+                </c:rich>
+              </c:tx>
+              <c:spPr>
+                <a:noFill/>
+                <a:ln>
+                  <a:noFill/>
+                </a:ln>
+                <a:effectLst/>
+              </c:spPr>
+              <c:dLblPos val="t"/>
+              <c:showLegendKey val="0"/>
+              <c:showVal val="0"/>
+              <c:showCatName val="0"/>
+              <c:showSerName val="0"/>
+              <c:showPercent val="0"/>
+              <c:showBubbleSize val="0"/>
+              <c:showLeaderLines val="1"/>
+              <c:extLst>
+                <c:ext xmlns:c15="http://schemas.microsoft.com/office/drawing/2012/chart" uri="{CE6537A1-D6FC-4f65-9D91-7224C49458BB}"/>
+                <c:ext xmlns:c16="http://schemas.microsoft.com/office/drawing/2014/chart" uri="{C3380CC4-5D6E-409C-BE32-E72D297353CC}">
+                  <c16:uniqueId val="{00000008-6929-201d-3c43-7a34e422c4d6}"/>
+                </c:ext>
+              </c:extLst>
+            </c:dLbl>
+            <c:dLbl>
+              <c:idx val="8"/>
+              <c:tx>
+                <c:rich>
+                  <a:bodyPr>
+                    <a:spAutoFit/>
+                  </a:bodyPr>
+                  <a:lstStyle/>
+                  <a:p>
+                    <a:pPr>
+                      <a:defRPr/>
+                    </a:pPr>
+                    <a:r>
+                      <a:rPr lang="en-US" dirty="0"/>
+                      <a:t>脑病三科</a:t>
+                    </a:r>
+                  </a:p>
+                </c:rich>
+              </c:tx>
+              <c:spPr>
+                <a:noFill/>
+                <a:ln>
+                  <a:noFill/>
+                </a:ln>
+                <a:effectLst/>
+              </c:spPr>
+              <c:dLblPos val="t"/>
+              <c:showLegendKey val="0"/>
+              <c:showVal val="0"/>
+              <c:showCatName val="0"/>
+              <c:showSerName val="0"/>
+              <c:showPercent val="0"/>
+              <c:showBubbleSize val="0"/>
+              <c:showLeaderLines val="1"/>
+              <c:extLst>
+                <c:ext xmlns:c15="http://schemas.microsoft.com/office/drawing/2012/chart" uri="{CE6537A1-D6FC-4f65-9D91-7224C49458BB}"/>
+                <c:ext xmlns:c16="http://schemas.microsoft.com/office/drawing/2014/chart" uri="{C3380CC4-5D6E-409C-BE32-E72D297353CC}">
+                  <c16:uniqueId val="{00000009-6929-201d-3c43-7a34e422c4d6}"/>
+                </c:ext>
+              </c:extLst>
+            </c:dLbl>
+            <c:dLbl>
+              <c:idx val="9"/>
+              <c:tx>
+                <c:rich>
+                  <a:bodyPr>
+                    <a:spAutoFit/>
+                  </a:bodyPr>
+                  <a:lstStyle/>
+                  <a:p>
+                    <a:pPr>
+                      <a:defRPr/>
+                    </a:pPr>
+                    <a:r>
+                      <a:rPr lang="en-US" dirty="0"/>
+                      <a:t>消化内科</a:t>
+                    </a:r>
+                  </a:p>
+                </c:rich>
+              </c:tx>
+              <c:spPr>
+                <a:noFill/>
+                <a:ln>
+                  <a:noFill/>
+                </a:ln>
+                <a:effectLst/>
+              </c:spPr>
+              <c:dLblPos val="t"/>
+              <c:showLegendKey val="0"/>
+              <c:showVal val="0"/>
+              <c:showCatName val="0"/>
+              <c:showSerName val="0"/>
+              <c:showPercent val="0"/>
+              <c:showBubbleSize val="0"/>
+              <c:showLeaderLines val="1"/>
+              <c:extLst>
+                <c:ext xmlns:c15="http://schemas.microsoft.com/office/drawing/2012/chart" uri="{CE6537A1-D6FC-4f65-9D91-7224C49458BB}"/>
+                <c:ext xmlns:c16="http://schemas.microsoft.com/office/drawing/2014/chart" uri="{C3380CC4-5D6E-409C-BE32-E72D297353CC}">
+                  <c16:uniqueId val="{00000010-6929-201d-3c43-7a34e422c4d6}"/>
+                </c:ext>
+              </c:extLst>
+            </c:dLbl>
+            <c:dLbl>
+              <c:idx val="10"/>
+              <c:tx>
+                <c:rich>
+                  <a:bodyPr>
+                    <a:spAutoFit/>
+                  </a:bodyPr>
+                  <a:lstStyle/>
+                  <a:p>
+                    <a:pPr>
+                      <a:defRPr/>
+                    </a:pPr>
+                    <a:r>
+                      <a:rPr lang="en-US" dirty="0"/>
+                      <a:t>皮肤科</a:t>
+                    </a:r>
+                  </a:p>
+                </c:rich>
+              </c:tx>
+              <c:spPr>
+                <a:noFill/>
+                <a:ln>
+                  <a:noFill/>
+                </a:ln>
+                <a:effectLst/>
+              </c:spPr>
+              <c:dLblPos val="t"/>
+              <c:showLegendKey val="0"/>
+              <c:showVal val="0"/>
+              <c:showCatName val="0"/>
+              <c:showSerName val="0"/>
+              <c:showPercent val="0"/>
+              <c:showBubbleSize val="0"/>
+              <c:showLeaderLines val="1"/>
+              <c:extLst>
+                <c:ext xmlns:c15="http://schemas.microsoft.com/office/drawing/2012/chart" uri="{CE6537A1-D6FC-4f65-9D91-7224C49458BB}"/>
+                <c:ext xmlns:c16="http://schemas.microsoft.com/office/drawing/2014/chart" uri="{C3380CC4-5D6E-409C-BE32-E72D297353CC}">
+                  <c16:uniqueId val="{00000011-6929-201d-3c43-7a34e422c4d6}"/>
+                </c:ext>
+              </c:extLst>
+            </c:dLbl>
+            <c:dLbl>
+              <c:idx val="11"/>
               <c:tx>
                 <c:rich>
                   <a:bodyPr>
@@ -1662,12 +1949,12 @@
               <c:extLst>
                 <c:ext xmlns:c15="http://schemas.microsoft.com/office/drawing/2012/chart" uri="{CE6537A1-D6FC-4f65-9D91-7224C49458BB}"/>
                 <c:ext xmlns:c16="http://schemas.microsoft.com/office/drawing/2014/chart" uri="{C3380CC4-5D6E-409C-BE32-E72D297353CC}">
-                  <c16:uniqueId val="{00000005-6d48-94c7-2006-1892091909ee}"/>
+                  <c16:uniqueId val="{00000012-6929-201d-3c43-7a34e422c4d6}"/>
                 </c:ext>
               </c:extLst>
             </c:dLbl>
             <c:dLbl>
-              <c:idx val="5"/>
+              <c:idx val="12"/>
               <c:tx>
                 <c:rich>
                   <a:bodyPr>
@@ -1680,7 +1967,7 @@
                     </a:pPr>
                     <a:r>
                       <a:rPr lang="en-US" dirty="0"/>
-                      <a:t>呼吸内科</a:t>
+                      <a:t>神经外科</a:t>
                     </a:r>
                   </a:p>
                 </c:rich>
@@ -1703,12 +1990,12 @@
               <c:extLst>
                 <c:ext xmlns:c15="http://schemas.microsoft.com/office/drawing/2012/chart" uri="{CE6537A1-D6FC-4f65-9D91-7224C49458BB}"/>
                 <c:ext xmlns:c16="http://schemas.microsoft.com/office/drawing/2014/chart" uri="{C3380CC4-5D6E-409C-BE32-E72D297353CC}">
-                  <c16:uniqueId val="{00000006-6d48-94c7-2006-1892091909ee}"/>
+                  <c16:uniqueId val="{00000013-6929-201d-3c43-7a34e422c4d6}"/>
                 </c:ext>
               </c:extLst>
             </c:dLbl>
             <c:dLbl>
-              <c:idx val="6"/>
+              <c:idx val="13"/>
               <c:tx>
                 <c:rich>
                   <a:bodyPr>
@@ -1721,7 +2008,7 @@
                     </a:pPr>
                     <a:r>
                       <a:rPr lang="en-US" dirty="0"/>
-                      <a:t>心病三科</a:t>
+                      <a:t>中医外治中心</a:t>
                     </a:r>
                   </a:p>
                 </c:rich>
@@ -1744,12 +2031,12 @@
               <c:extLst>
                 <c:ext xmlns:c15="http://schemas.microsoft.com/office/drawing/2012/chart" uri="{CE6537A1-D6FC-4f65-9D91-7224C49458BB}"/>
                 <c:ext xmlns:c16="http://schemas.microsoft.com/office/drawing/2014/chart" uri="{C3380CC4-5D6E-409C-BE32-E72D297353CC}">
-                  <c16:uniqueId val="{00000007-6d48-94c7-2006-1892091909ee}"/>
+                  <c16:uniqueId val="{00000014-6929-201d-3c43-7a34e422c4d6}"/>
                 </c:ext>
               </c:extLst>
             </c:dLbl>
             <c:dLbl>
-              <c:idx val="7"/>
+              <c:idx val="14"/>
               <c:tx>
                 <c:rich>
                   <a:bodyPr>
@@ -1762,7 +2049,7 @@
                     </a:pPr>
                     <a:r>
                       <a:rPr lang="en-US" dirty="0"/>
-                      <a:t>眼科</a:t>
+                      <a:t>关节骨科</a:t>
                     </a:r>
                   </a:p>
                 </c:rich>
@@ -1785,53 +2072,12 @@
               <c:extLst>
                 <c:ext xmlns:c15="http://schemas.microsoft.com/office/drawing/2012/chart" uri="{CE6537A1-D6FC-4f65-9D91-7224C49458BB}"/>
                 <c:ext xmlns:c16="http://schemas.microsoft.com/office/drawing/2014/chart" uri="{C3380CC4-5D6E-409C-BE32-E72D297353CC}">
-                  <c16:uniqueId val="{00000008-6d48-94c7-2006-1892091909ee}"/>
+                  <c16:uniqueId val="{00000015-6929-201d-3c43-7a34e422c4d6}"/>
                 </c:ext>
               </c:extLst>
             </c:dLbl>
             <c:dLbl>
-              <c:idx val="8"/>
-              <c:tx>
-                <c:rich>
-                  <a:bodyPr>
-                    <a:spAutoFit/>
-                  </a:bodyPr>
-                  <a:lstStyle/>
-                  <a:p>
-                    <a:pPr>
-                      <a:defRPr/>
-                    </a:pPr>
-                    <a:r>
-                      <a:rPr lang="en-US" dirty="0"/>
-                      <a:t>脾胃病科</a:t>
-                    </a:r>
-                  </a:p>
-                </c:rich>
-              </c:tx>
-              <c:spPr>
-                <a:noFill/>
-                <a:ln>
-                  <a:noFill/>
-                </a:ln>
-                <a:effectLst/>
-              </c:spPr>
-              <c:dLblPos val="t"/>
-              <c:showLegendKey val="0"/>
-              <c:showVal val="0"/>
-              <c:showCatName val="0"/>
-              <c:showSerName val="0"/>
-              <c:showPercent val="0"/>
-              <c:showBubbleSize val="0"/>
-              <c:showLeaderLines val="1"/>
-              <c:extLst>
-                <c:ext xmlns:c15="http://schemas.microsoft.com/office/drawing/2012/chart" uri="{CE6537A1-D6FC-4f65-9D91-7224C49458BB}"/>
-                <c:ext xmlns:c16="http://schemas.microsoft.com/office/drawing/2014/chart" uri="{C3380CC4-5D6E-409C-BE32-E72D297353CC}">
-                  <c16:uniqueId val="{00000009-6d48-94c7-2006-1892091909ee}"/>
-                </c:ext>
-              </c:extLst>
-            </c:dLbl>
-            <c:dLbl>
-              <c:idx val="9"/>
+              <c:idx val="15"/>
               <c:tx>
                 <c:rich>
                   <a:bodyPr>
@@ -1867,12 +2113,12 @@
               <c:extLst>
                 <c:ext xmlns:c15="http://schemas.microsoft.com/office/drawing/2012/chart" uri="{CE6537A1-D6FC-4f65-9D91-7224C49458BB}"/>
                 <c:ext xmlns:c16="http://schemas.microsoft.com/office/drawing/2014/chart" uri="{C3380CC4-5D6E-409C-BE32-E72D297353CC}">
-                  <c16:uniqueId val="{00000010-6d48-94c7-2006-1892091909ee}"/>
+                  <c16:uniqueId val="{00000016-6929-201d-3c43-7a34e422c4d6}"/>
                 </c:ext>
               </c:extLst>
             </c:dLbl>
             <c:dLbl>
-              <c:idx val="10"/>
+              <c:idx val="16"/>
               <c:tx>
                 <c:rich>
                   <a:bodyPr>
@@ -1885,7 +2131,7 @@
                     </a:pPr>
                     <a:r>
                       <a:rPr lang="en-US" dirty="0"/>
-                      <a:t>脑病二科</a:t>
+                      <a:t>口腔科</a:t>
                     </a:r>
                   </a:p>
                 </c:rich>
@@ -1908,12 +2154,12 @@
               <c:extLst>
                 <c:ext xmlns:c15="http://schemas.microsoft.com/office/drawing/2012/chart" uri="{CE6537A1-D6FC-4f65-9D91-7224C49458BB}"/>
                 <c:ext xmlns:c16="http://schemas.microsoft.com/office/drawing/2014/chart" uri="{C3380CC4-5D6E-409C-BE32-E72D297353CC}">
-                  <c16:uniqueId val="{00000011-6d48-94c7-2006-1892091909ee}"/>
+                  <c16:uniqueId val="{00000017-6929-201d-3c43-7a34e422c4d6}"/>
                 </c:ext>
               </c:extLst>
             </c:dLbl>
             <c:dLbl>
-              <c:idx val="11"/>
+              <c:idx val="17"/>
               <c:tx>
                 <c:rich>
                   <a:bodyPr>
@@ -1926,7 +2172,7 @@
                     </a:pPr>
                     <a:r>
                       <a:rPr lang="en-US" dirty="0"/>
-                      <a:t>脾胃科消化科合并</a:t>
+                      <a:t>男科</a:t>
                     </a:r>
                   </a:p>
                 </c:rich>
@@ -1949,12 +2195,12 @@
               <c:extLst>
                 <c:ext xmlns:c15="http://schemas.microsoft.com/office/drawing/2012/chart" uri="{CE6537A1-D6FC-4f65-9D91-7224C49458BB}"/>
                 <c:ext xmlns:c16="http://schemas.microsoft.com/office/drawing/2014/chart" uri="{C3380CC4-5D6E-409C-BE32-E72D297353CC}">
-                  <c16:uniqueId val="{00000012-6d48-94c7-2006-1892091909ee}"/>
+                  <c16:uniqueId val="{00000018-6929-201d-3c43-7a34e422c4d6}"/>
                 </c:ext>
               </c:extLst>
             </c:dLbl>
             <c:dLbl>
-              <c:idx val="12"/>
+              <c:idx val="18"/>
               <c:tx>
                 <c:rich>
                   <a:bodyPr>
@@ -1967,7 +2213,7 @@
                     </a:pPr>
                     <a:r>
                       <a:rPr lang="en-US" dirty="0"/>
-                      <a:t>关节骨科</a:t>
+                      <a:t>肝病科</a:t>
                     </a:r>
                   </a:p>
                 </c:rich>
@@ -1990,12 +2236,12 @@
               <c:extLst>
                 <c:ext xmlns:c15="http://schemas.microsoft.com/office/drawing/2012/chart" uri="{CE6537A1-D6FC-4f65-9D91-7224C49458BB}"/>
                 <c:ext xmlns:c16="http://schemas.microsoft.com/office/drawing/2014/chart" uri="{C3380CC4-5D6E-409C-BE32-E72D297353CC}">
-                  <c16:uniqueId val="{00000013-6d48-94c7-2006-1892091909ee}"/>
+                  <c16:uniqueId val="{00000019-6929-201d-3c43-7a34e422c4d6}"/>
                 </c:ext>
               </c:extLst>
             </c:dLbl>
             <c:dLbl>
-              <c:idx val="13"/>
+              <c:idx val="19"/>
               <c:tx>
                 <c:rich>
                   <a:bodyPr>
@@ -2008,7 +2254,7 @@
                     </a:pPr>
                     <a:r>
                       <a:rPr lang="en-US" dirty="0"/>
-                      <a:t>康复科</a:t>
+                      <a:t>运动损伤骨科</a:t>
                     </a:r>
                   </a:p>
                 </c:rich>
@@ -2031,253 +2277,7 @@
               <c:extLst>
                 <c:ext xmlns:c15="http://schemas.microsoft.com/office/drawing/2012/chart" uri="{CE6537A1-D6FC-4f65-9D91-7224C49458BB}"/>
                 <c:ext xmlns:c16="http://schemas.microsoft.com/office/drawing/2014/chart" uri="{C3380CC4-5D6E-409C-BE32-E72D297353CC}">
-                  <c16:uniqueId val="{00000014-6d48-94c7-2006-1892091909ee}"/>
-                </c:ext>
-              </c:extLst>
-            </c:dLbl>
-            <c:dLbl>
-              <c:idx val="14"/>
-              <c:tx>
-                <c:rich>
-                  <a:bodyPr>
-                    <a:spAutoFit/>
-                  </a:bodyPr>
-                  <a:lstStyle/>
-                  <a:p>
-                    <a:pPr>
-                      <a:defRPr/>
-                    </a:pPr>
-                    <a:r>
-                      <a:rPr lang="en-US" dirty="0"/>
-                      <a:t>妇二科</a:t>
-                    </a:r>
-                  </a:p>
-                </c:rich>
-              </c:tx>
-              <c:spPr>
-                <a:noFill/>
-                <a:ln>
-                  <a:noFill/>
-                </a:ln>
-                <a:effectLst/>
-              </c:spPr>
-              <c:dLblPos val="t"/>
-              <c:showLegendKey val="0"/>
-              <c:showVal val="0"/>
-              <c:showCatName val="0"/>
-              <c:showSerName val="0"/>
-              <c:showPercent val="0"/>
-              <c:showBubbleSize val="0"/>
-              <c:showLeaderLines val="1"/>
-              <c:extLst>
-                <c:ext xmlns:c15="http://schemas.microsoft.com/office/drawing/2012/chart" uri="{CE6537A1-D6FC-4f65-9D91-7224C49458BB}"/>
-                <c:ext xmlns:c16="http://schemas.microsoft.com/office/drawing/2014/chart" uri="{C3380CC4-5D6E-409C-BE32-E72D297353CC}">
-                  <c16:uniqueId val="{00000015-6d48-94c7-2006-1892091909ee}"/>
-                </c:ext>
-              </c:extLst>
-            </c:dLbl>
-            <c:dLbl>
-              <c:idx val="15"/>
-              <c:tx>
-                <c:rich>
-                  <a:bodyPr>
-                    <a:spAutoFit/>
-                  </a:bodyPr>
-                  <a:lstStyle/>
-                  <a:p>
-                    <a:pPr>
-                      <a:defRPr/>
-                    </a:pPr>
-                    <a:r>
-                      <a:rPr lang="en-US" dirty="0"/>
-                      <a:t>泌尿外科</a:t>
-                    </a:r>
-                  </a:p>
-                </c:rich>
-              </c:tx>
-              <c:spPr>
-                <a:noFill/>
-                <a:ln>
-                  <a:noFill/>
-                </a:ln>
-                <a:effectLst/>
-              </c:spPr>
-              <c:dLblPos val="t"/>
-              <c:showLegendKey val="0"/>
-              <c:showVal val="0"/>
-              <c:showCatName val="0"/>
-              <c:showSerName val="0"/>
-              <c:showPercent val="0"/>
-              <c:showBubbleSize val="0"/>
-              <c:showLeaderLines val="1"/>
-              <c:extLst>
-                <c:ext xmlns:c15="http://schemas.microsoft.com/office/drawing/2012/chart" uri="{CE6537A1-D6FC-4f65-9D91-7224C49458BB}"/>
-                <c:ext xmlns:c16="http://schemas.microsoft.com/office/drawing/2014/chart" uri="{C3380CC4-5D6E-409C-BE32-E72D297353CC}">
-                  <c16:uniqueId val="{00000016-6d48-94c7-2006-1892091909ee}"/>
-                </c:ext>
-              </c:extLst>
-            </c:dLbl>
-            <c:dLbl>
-              <c:idx val="16"/>
-              <c:tx>
-                <c:rich>
-                  <a:bodyPr>
-                    <a:spAutoFit/>
-                  </a:bodyPr>
-                  <a:lstStyle/>
-                  <a:p>
-                    <a:pPr>
-                      <a:defRPr/>
-                    </a:pPr>
-                    <a:r>
-                      <a:rPr lang="en-US" dirty="0"/>
-                      <a:t>重症医学科</a:t>
-                    </a:r>
-                  </a:p>
-                </c:rich>
-              </c:tx>
-              <c:spPr>
-                <a:noFill/>
-                <a:ln>
-                  <a:noFill/>
-                </a:ln>
-                <a:effectLst/>
-              </c:spPr>
-              <c:dLblPos val="t"/>
-              <c:showLegendKey val="0"/>
-              <c:showVal val="0"/>
-              <c:showCatName val="0"/>
-              <c:showSerName val="0"/>
-              <c:showPercent val="0"/>
-              <c:showBubbleSize val="0"/>
-              <c:showLeaderLines val="1"/>
-              <c:extLst>
-                <c:ext xmlns:c15="http://schemas.microsoft.com/office/drawing/2012/chart" uri="{CE6537A1-D6FC-4f65-9D91-7224C49458BB}"/>
-                <c:ext xmlns:c16="http://schemas.microsoft.com/office/drawing/2014/chart" uri="{C3380CC4-5D6E-409C-BE32-E72D297353CC}">
-                  <c16:uniqueId val="{00000017-6d48-94c7-2006-1892091909ee}"/>
-                </c:ext>
-              </c:extLst>
-            </c:dLbl>
-            <c:dLbl>
-              <c:idx val="17"/>
-              <c:tx>
-                <c:rich>
-                  <a:bodyPr>
-                    <a:spAutoFit/>
-                  </a:bodyPr>
-                  <a:lstStyle/>
-                  <a:p>
-                    <a:pPr>
-                      <a:defRPr/>
-                    </a:pPr>
-                    <a:r>
-                      <a:rPr lang="en-US" dirty="0"/>
-                      <a:t>儿科</a:t>
-                    </a:r>
-                  </a:p>
-                </c:rich>
-              </c:tx>
-              <c:spPr>
-                <a:noFill/>
-                <a:ln>
-                  <a:noFill/>
-                </a:ln>
-                <a:effectLst/>
-              </c:spPr>
-              <c:dLblPos val="t"/>
-              <c:showLegendKey val="0"/>
-              <c:showVal val="0"/>
-              <c:showCatName val="0"/>
-              <c:showSerName val="0"/>
-              <c:showPercent val="0"/>
-              <c:showBubbleSize val="0"/>
-              <c:showLeaderLines val="1"/>
-              <c:extLst>
-                <c:ext xmlns:c15="http://schemas.microsoft.com/office/drawing/2012/chart" uri="{CE6537A1-D6FC-4f65-9D91-7224C49458BB}"/>
-                <c:ext xmlns:c16="http://schemas.microsoft.com/office/drawing/2014/chart" uri="{C3380CC4-5D6E-409C-BE32-E72D297353CC}">
-                  <c16:uniqueId val="{00000018-6d48-94c7-2006-1892091909ee}"/>
-                </c:ext>
-              </c:extLst>
-            </c:dLbl>
-            <c:dLbl>
-              <c:idx val="18"/>
-              <c:tx>
-                <c:rich>
-                  <a:bodyPr>
-                    <a:spAutoFit/>
-                  </a:bodyPr>
-                  <a:lstStyle/>
-                  <a:p>
-                    <a:pPr>
-                      <a:defRPr/>
-                    </a:pPr>
-                    <a:r>
-                      <a:rPr lang="en-US" dirty="0"/>
-                      <a:t>耳鼻喉科</a:t>
-                    </a:r>
-                  </a:p>
-                </c:rich>
-              </c:tx>
-              <c:spPr>
-                <a:noFill/>
-                <a:ln>
-                  <a:noFill/>
-                </a:ln>
-                <a:effectLst/>
-              </c:spPr>
-              <c:dLblPos val="t"/>
-              <c:showLegendKey val="0"/>
-              <c:showVal val="0"/>
-              <c:showCatName val="0"/>
-              <c:showSerName val="0"/>
-              <c:showPercent val="0"/>
-              <c:showBubbleSize val="0"/>
-              <c:showLeaderLines val="1"/>
-              <c:extLst>
-                <c:ext xmlns:c15="http://schemas.microsoft.com/office/drawing/2012/chart" uri="{CE6537A1-D6FC-4f65-9D91-7224C49458BB}"/>
-                <c:ext xmlns:c16="http://schemas.microsoft.com/office/drawing/2014/chart" uri="{C3380CC4-5D6E-409C-BE32-E72D297353CC}">
-                  <c16:uniqueId val="{00000019-6d48-94c7-2006-1892091909ee}"/>
-                </c:ext>
-              </c:extLst>
-            </c:dLbl>
-            <c:dLbl>
-              <c:idx val="19"/>
-              <c:tx>
-                <c:rich>
-                  <a:bodyPr>
-                    <a:spAutoFit/>
-                  </a:bodyPr>
-                  <a:lstStyle/>
-                  <a:p>
-                    <a:pPr>
-                      <a:defRPr/>
-                    </a:pPr>
-                    <a:r>
-                      <a:rPr lang="en-US" dirty="0"/>
-                      <a:t>胸外科</a:t>
-                    </a:r>
-                  </a:p>
-                </c:rich>
-              </c:tx>
-              <c:spPr>
-                <a:noFill/>
-                <a:ln>
-                  <a:noFill/>
-                </a:ln>
-                <a:effectLst/>
-              </c:spPr>
-              <c:dLblPos val="t"/>
-              <c:showLegendKey val="0"/>
-              <c:showVal val="0"/>
-              <c:showCatName val="0"/>
-              <c:showSerName val="0"/>
-              <c:showPercent val="0"/>
-              <c:showBubbleSize val="0"/>
-              <c:showLeaderLines val="1"/>
-              <c:extLst>
-                <c:ext xmlns:c15="http://schemas.microsoft.com/office/drawing/2012/chart" uri="{CE6537A1-D6FC-4f65-9D91-7224C49458BB}"/>
-                <c:ext xmlns:c16="http://schemas.microsoft.com/office/drawing/2014/chart" uri="{C3380CC4-5D6E-409C-BE32-E72D297353CC}">
-                  <c16:uniqueId val="{00000020-6d48-94c7-2006-1892091909ee}"/>
+                  <c16:uniqueId val="{00000020-6929-201d-3c43-7a34e422c4d6}"/>
                 </c:ext>
               </c:extLst>
             </c:dLbl>
@@ -2289,64 +2289,64 @@
                 <c:formatCode>General</c:formatCode>
                 <c:ptCount val="20"/>
                 <c:pt idx="0">
-                  <c:v>43.7987562548444</c:v>
+                  <c:v>16.136413305749326</c:v>
                 </c:pt>
                 <c:pt idx="1">
-                  <c:v>86.21612763400243</c:v>
+                  <c:v>5.745150410275524</c:v>
                 </c:pt>
                 <c:pt idx="2">
-                  <c:v>41.83547204332694</c:v>
+                  <c:v>99.99999999999999</c:v>
                 </c:pt>
                 <c:pt idx="3">
-                  <c:v>14.709802841648992</c:v>
+                  <c:v>13.68194293303507</c:v>
                 </c:pt>
                 <c:pt idx="4">
-                  <c:v>29.287754807288977</c:v>
+                  <c:v>9.627007316947081</c:v>
                 </c:pt>
                 <c:pt idx="5">
-                  <c:v>51.47539482692101</c:v>
+                  <c:v>15.58895068854995</c:v>
                 </c:pt>
                 <c:pt idx="6">
-                  <c:v>34.811544899633866</c:v>
+                  <c:v>21.392185989634577</c:v>
                 </c:pt>
                 <c:pt idx="7">
-                  <c:v>83.62347471169113</c:v>
+                  <c:v>3.778691348897036</c:v>
                 </c:pt>
                 <c:pt idx="8">
-                  <c:v>38.680782275624296</c:v>
+                  <c:v>38.53878000046974</c:v>
                 </c:pt>
                 <c:pt idx="9">
-                  <c:v>61.269253300602806</c:v>
+                  <c:v>9.85210729837462</c:v>
                 </c:pt>
                 <c:pt idx="10">
-                  <c:v>11.096886677082136</c:v>
+                  <c:v>22.979044221601278</c:v>
                 </c:pt>
                 <c:pt idx="11">
-                  <c:v>75.46425470516203</c:v>
+                  <c:v>14.714084136359599</c:v>
                 </c:pt>
                 <c:pt idx="12">
-                  <c:v>46.329506560512094</c:v>
+                  <c:v>22.06374487266646</c:v>
                 </c:pt>
                 <c:pt idx="13">
-                  <c:v>48.80193894106625</c:v>
+                  <c:v>20.68240488649161</c:v>
                 </c:pt>
                 <c:pt idx="14">
-                  <c:v>39.84456932309711</c:v>
+                  <c:v>19.83209965960248</c:v>
                 </c:pt>
                 <c:pt idx="15">
-                  <c:v>76.42094897462987</c:v>
+                  <c:v>14.70018568457306</c:v>
                 </c:pt>
                 <c:pt idx="16">
-                  <c:v>32.220274920995216</c:v>
+                  <c:v>17.39143016706474</c:v>
                 </c:pt>
                 <c:pt idx="17">
-                  <c:v>66.7855802341003</c:v>
+                  <c:v>13.396161957743862</c:v>
                 </c:pt>
                 <c:pt idx="18">
-                  <c:v>84.42422712784621</c:v>
+                  <c:v>10.417742311812447</c:v>
                 </c:pt>
                 <c:pt idx="19">
-                  <c:v>36.62551315237664</c:v>
+                  <c:v>16.67811672158371</c:v>
                 </c:pt>
               </c:numCache>
             </c:numRef>
@@ -2361,61 +2361,61 @@
                   <c:v>100</c:v>
                 </c:pt>
                 <c:pt idx="1">
-                  <c:v>0.0023597606211014067</c:v>
+                  <c:v>0.0023434584999702554</c:v>
                 </c:pt>
                 <c:pt idx="2">
-                  <c:v>0.0022368664379036176</c:v>
+                  <c:v>0.0023181498232097207</c:v>
                 </c:pt>
                 <c:pt idx="3">
-                  <c:v>0.0021661287945433693</c:v>
+                  <c:v>0.0022769581670559944</c:v>
                 </c:pt>
                 <c:pt idx="4">
-                  <c:v>0.002147232585184167</c:v>
+                  <c:v>0.0022678947453556686</c:v>
                 </c:pt>
                 <c:pt idx="5">
-                  <c:v>0.002111312793869396</c:v>
+                  <c:v>0.0022287325338973393</c:v>
                 </c:pt>
                 <c:pt idx="6">
-                  <c:v>0.002079622992602748</c:v>
+                  <c:v>0.0022143885573517696</c:v>
                 </c:pt>
                 <c:pt idx="7">
-                  <c:v>0.0020025015890442273</c:v>
+                  <c:v>0.002212552843426632</c:v>
                 </c:pt>
                 <c:pt idx="8">
-                  <c:v>0.001981005036038231</c:v>
+                  <c:v>0.002171323166803381</c:v>
                 </c:pt>
                 <c:pt idx="9">
-                  <c:v>0.0019495499370630843</c:v>
+                  <c:v>0.0021442947103524333</c:v>
                 </c:pt>
                 <c:pt idx="10">
-                  <c:v>0.0019054137428701893</c:v>
+                  <c:v>0.0021333147633688207</c:v>
                 </c:pt>
                 <c:pt idx="11">
-                  <c:v>0.0018585275538102943</c:v>
+                  <c:v>0.002108122139590135</c:v>
                 </c:pt>
                 <c:pt idx="12">
-                  <c:v>0.0018343608536823257</c:v>
+                  <c:v>0.002107137881333381</c:v>
                 </c:pt>
                 <c:pt idx="13">
-                  <c:v>0.0018042438771178721</c:v>
+                  <c:v>0.0020867303169234963</c:v>
                 </c:pt>
                 <c:pt idx="14">
-                  <c:v>0.0017353924151113378</c:v>
+                  <c:v>0.002086097095821774</c:v>
                 </c:pt>
                 <c:pt idx="15">
-                  <c:v>0.0017194358088438739</c:v>
+                  <c:v>0.0020562921552005503</c:v>
                 </c:pt>
                 <c:pt idx="16">
-                  <c:v>0.0016882022881664041</c:v>
+                  <c:v>0.002017589051641809</c:v>
                 </c:pt>
                 <c:pt idx="17">
-                  <c:v>0.0016802372943874669</c:v>
+                  <c:v>0.0019998907525983823</c:v>
                 </c:pt>
                 <c:pt idx="18">
-                  <c:v>0.00162781012175515</c:v>
+                  <c:v>0.0019045416653633634</c:v>
                 </c:pt>
                 <c:pt idx="19">
-                  <c:v>0.0015735542233056524</c:v>
+                  <c:v>0.001830080832897099</c:v>
                 </c:pt>
               </c:numCache>
             </c:numRef>

--- a/cases/goodhostpital2021/对标分析报告.pg.pptx
+++ b/cases/goodhostpital2021/对标分析报告.pg.pptx
@@ -109,13 +109,13 @@
   <p:extLst>
     <p:ext uri="{521415D9-36F7-43E2-AB2F-B90AF26B5E84}">
       <p14:sectionLst xmlns:p14="http://schemas.microsoft.com/office/powerpoint/2010/main">
-        <p14:section name="院内专科BCG散点图" id="{c4b9a73d-2727-2403-f6e1-fe85f8af7353}">
+        <p14:section name="院内专科BCG散点图" id="{2a2a7681-605c-3e00-fc31-c0d7c3a9747c}">
           <p14:sldIdLst>
             <p14:sldId id="257"/>
             <p14:sldId id="258"/>
           </p14:sldIdLst>
         </p14:section>
-        <p14:section name="院内专科梯队表格" id="{986d51cc-ad6d-5fdc-953d-e5a74ed59989}">
+        <p14:section name="院内专科梯队表格" id="{fcf5630d-8c52-ed4a-ab04-14418ec82519}">
           <p14:sldIdLst/>
         </p14:section>
       </p14:sectionLst>
@@ -127,7 +127,7 @@
 </p:presentation>
 </file>
 
-<file path=ppt/charts/chart1431.xml><?xml version="1.0" encoding="utf-8"?>
+<file path=ppt/charts/chart2505.xml><?xml version="1.0" encoding="utf-8"?>
 <c:chartSpace xmlns:c="http://schemas.openxmlformats.org/drawingml/2006/chart" xmlns:a="http://schemas.openxmlformats.org/drawingml/2006/main" xmlns:r="http://schemas.openxmlformats.org/officeDocument/2006/relationships">
   <c:date1904 val="0"/>
   <c:chart>
@@ -221,6 +221,129 @@
                     </a:pPr>
                     <a:r>
                       <a:rPr lang="en-US" dirty="0"/>
+                      <a:t>康复科</a:t>
+                    </a:r>
+                  </a:p>
+                </c:rich>
+              </c:tx>
+              <c:spPr>
+                <a:noFill/>
+                <a:ln>
+                  <a:noFill/>
+                </a:ln>
+                <a:effectLst/>
+              </c:spPr>
+              <c:dLblPos val="t"/>
+              <c:showLegendKey val="0"/>
+              <c:showVal val="0"/>
+              <c:showCatName val="0"/>
+              <c:showSerName val="0"/>
+              <c:showPercent val="0"/>
+              <c:showBubbleSize val="0"/>
+              <c:showLeaderLines val="1"/>
+              <c:extLst>
+                <c:ext xmlns:c15="http://schemas.microsoft.com/office/drawing/2012/chart" uri="{CE6537A1-D6FC-4f65-9D91-7224C49458BB}"/>
+                <c:ext xmlns:c16="http://schemas.microsoft.com/office/drawing/2014/chart" uri="{C3380CC4-5D6E-409C-BE32-E72D297353CC}">
+                  <c16:uniqueId val="{00000001-0ea1-02e1-08bf-38ff7b75e228}"/>
+                </c:ext>
+              </c:extLst>
+            </c:dLbl>
+            <c:dLbl>
+              <c:idx val="1"/>
+              <c:tx>
+                <c:rich>
+                  <a:bodyPr>
+                    <a:spAutoFit/>
+                  </a:bodyPr>
+                  <a:lstStyle/>
+                  <a:p>
+                    <a:pPr>
+                      <a:defRPr/>
+                    </a:pPr>
+                    <a:r>
+                      <a:rPr lang="en-US" dirty="0"/>
+                      <a:t>神经内科</a:t>
+                    </a:r>
+                  </a:p>
+                </c:rich>
+              </c:tx>
+              <c:spPr>
+                <a:noFill/>
+                <a:ln>
+                  <a:noFill/>
+                </a:ln>
+                <a:effectLst/>
+              </c:spPr>
+              <c:dLblPos val="t"/>
+              <c:showLegendKey val="0"/>
+              <c:showVal val="0"/>
+              <c:showCatName val="0"/>
+              <c:showSerName val="0"/>
+              <c:showPercent val="0"/>
+              <c:showBubbleSize val="0"/>
+              <c:showLeaderLines val="1"/>
+              <c:extLst>
+                <c:ext xmlns:c15="http://schemas.microsoft.com/office/drawing/2012/chart" uri="{CE6537A1-D6FC-4f65-9D91-7224C49458BB}"/>
+                <c:ext xmlns:c16="http://schemas.microsoft.com/office/drawing/2014/chart" uri="{C3380CC4-5D6E-409C-BE32-E72D297353CC}">
+                  <c16:uniqueId val="{00000002-0ea1-02e1-08bf-38ff7b75e228}"/>
+                </c:ext>
+              </c:extLst>
+            </c:dLbl>
+            <c:dLbl>
+              <c:idx val="2"/>
+              <c:tx>
+                <c:rich>
+                  <a:bodyPr>
+                    <a:spAutoFit/>
+                  </a:bodyPr>
+                  <a:lstStyle/>
+                  <a:p>
+                    <a:pPr>
+                      <a:defRPr/>
+                    </a:pPr>
+                    <a:r>
+                      <a:rPr lang="en-US" dirty="0"/>
+                      <a:t>心病四科</a:t>
+                    </a:r>
+                  </a:p>
+                </c:rich>
+              </c:tx>
+              <c:spPr>
+                <a:noFill/>
+                <a:ln>
+                  <a:noFill/>
+                </a:ln>
+                <a:effectLst/>
+              </c:spPr>
+              <c:dLblPos val="t"/>
+              <c:showLegendKey val="0"/>
+              <c:showVal val="0"/>
+              <c:showCatName val="0"/>
+              <c:showSerName val="0"/>
+              <c:showPercent val="0"/>
+              <c:showBubbleSize val="0"/>
+              <c:showLeaderLines val="1"/>
+              <c:extLst>
+                <c:ext xmlns:c15="http://schemas.microsoft.com/office/drawing/2012/chart" uri="{CE6537A1-D6FC-4f65-9D91-7224C49458BB}"/>
+                <c:ext xmlns:c16="http://schemas.microsoft.com/office/drawing/2014/chart" uri="{C3380CC4-5D6E-409C-BE32-E72D297353CC}">
+                  <c16:uniqueId val="{00000003-0ea1-02e1-08bf-38ff7b75e228}"/>
+                </c:ext>
+              </c:extLst>
+            </c:dLbl>
+            <c:dLbl>
+              <c:idx val="3"/>
+              <c:tx>
+                <c:rich>
+                  <a:bodyPr>
+                    <a:spAutoFit/>
+                  </a:bodyPr>
+                  <a:lstStyle/>
+                  <a:p>
+                    <a:pPr>
+                      <a:defRPr/>
+                    </a:pPr>
+                    <a:r>
+                      <a:rPr lang="en-US" dirty="0"/>
                       <a:t>泌尿外科</a:t>
                     </a:r>
                   </a:p>
@@ -244,12 +367,53 @@
               <c:extLst>
                 <c:ext xmlns:c15="http://schemas.microsoft.com/office/drawing/2012/chart" uri="{CE6537A1-D6FC-4f65-9D91-7224C49458BB}"/>
                 <c:ext xmlns:c16="http://schemas.microsoft.com/office/drawing/2014/chart" uri="{C3380CC4-5D6E-409C-BE32-E72D297353CC}">
-                  <c16:uniqueId val="{00000001-61ac-f339-e1c8-b5dfe0fc7004}"/>
+                  <c16:uniqueId val="{00000004-0ea1-02e1-08bf-38ff7b75e228}"/>
                 </c:ext>
               </c:extLst>
             </c:dLbl>
             <c:dLbl>
-              <c:idx val="1"/>
+              <c:idx val="4"/>
+              <c:tx>
+                <c:rich>
+                  <a:bodyPr>
+                    <a:spAutoFit/>
+                  </a:bodyPr>
+                  <a:lstStyle/>
+                  <a:p>
+                    <a:pPr>
+                      <a:defRPr/>
+                    </a:pPr>
+                    <a:r>
+                      <a:rPr lang="en-US" dirty="0"/>
+                      <a:t>神经外科</a:t>
+                    </a:r>
+                  </a:p>
+                </c:rich>
+              </c:tx>
+              <c:spPr>
+                <a:noFill/>
+                <a:ln>
+                  <a:noFill/>
+                </a:ln>
+                <a:effectLst/>
+              </c:spPr>
+              <c:dLblPos val="t"/>
+              <c:showLegendKey val="0"/>
+              <c:showVal val="0"/>
+              <c:showCatName val="0"/>
+              <c:showSerName val="0"/>
+              <c:showPercent val="0"/>
+              <c:showBubbleSize val="0"/>
+              <c:showLeaderLines val="1"/>
+              <c:extLst>
+                <c:ext xmlns:c15="http://schemas.microsoft.com/office/drawing/2012/chart" uri="{CE6537A1-D6FC-4f65-9D91-7224C49458BB}"/>
+                <c:ext xmlns:c16="http://schemas.microsoft.com/office/drawing/2014/chart" uri="{C3380CC4-5D6E-409C-BE32-E72D297353CC}">
+                  <c16:uniqueId val="{00000005-0ea1-02e1-08bf-38ff7b75e228}"/>
+                </c:ext>
+              </c:extLst>
+            </c:dLbl>
+            <c:dLbl>
+              <c:idx val="5"/>
               <c:tx>
                 <c:rich>
                   <a:bodyPr>
@@ -285,12 +449,12 @@
               <c:extLst>
                 <c:ext xmlns:c15="http://schemas.microsoft.com/office/drawing/2012/chart" uri="{CE6537A1-D6FC-4f65-9D91-7224C49458BB}"/>
                 <c:ext xmlns:c16="http://schemas.microsoft.com/office/drawing/2014/chart" uri="{C3380CC4-5D6E-409C-BE32-E72D297353CC}">
-                  <c16:uniqueId val="{00000002-61ac-f339-e1c8-b5dfe0fc7004}"/>
+                  <c16:uniqueId val="{00000006-0ea1-02e1-08bf-38ff7b75e228}"/>
                 </c:ext>
               </c:extLst>
             </c:dLbl>
             <c:dLbl>
-              <c:idx val="2"/>
+              <c:idx val="6"/>
               <c:tx>
                 <c:rich>
                   <a:bodyPr>
@@ -303,7 +467,7 @@
                     </a:pPr>
                     <a:r>
                       <a:rPr lang="en-US" dirty="0"/>
-                      <a:t>产科</a:t>
+                      <a:t>推拿科</a:t>
                     </a:r>
                   </a:p>
                 </c:rich>
@@ -326,12 +490,12 @@
               <c:extLst>
                 <c:ext xmlns:c15="http://schemas.microsoft.com/office/drawing/2012/chart" uri="{CE6537A1-D6FC-4f65-9D91-7224C49458BB}"/>
                 <c:ext xmlns:c16="http://schemas.microsoft.com/office/drawing/2014/chart" uri="{C3380CC4-5D6E-409C-BE32-E72D297353CC}">
-                  <c16:uniqueId val="{00000003-61ac-f339-e1c8-b5dfe0fc7004}"/>
+                  <c16:uniqueId val="{00000007-0ea1-02e1-08bf-38ff7b75e228}"/>
                 </c:ext>
               </c:extLst>
             </c:dLbl>
             <c:dLbl>
-              <c:idx val="3"/>
+              <c:idx val="7"/>
               <c:tx>
                 <c:rich>
                   <a:bodyPr>
@@ -344,7 +508,7 @@
                     </a:pPr>
                     <a:r>
                       <a:rPr lang="en-US" dirty="0"/>
-                      <a:t>脑病三科</a:t>
+                      <a:t>运动损伤骨科</a:t>
                     </a:r>
                   </a:p>
                 </c:rich>
@@ -367,171 +531,7 @@
               <c:extLst>
                 <c:ext xmlns:c15="http://schemas.microsoft.com/office/drawing/2012/chart" uri="{CE6537A1-D6FC-4f65-9D91-7224C49458BB}"/>
                 <c:ext xmlns:c16="http://schemas.microsoft.com/office/drawing/2014/chart" uri="{C3380CC4-5D6E-409C-BE32-E72D297353CC}">
-                  <c16:uniqueId val="{00000004-61ac-f339-e1c8-b5dfe0fc7004}"/>
-                </c:ext>
-              </c:extLst>
-            </c:dLbl>
-            <c:dLbl>
-              <c:idx val="4"/>
-              <c:tx>
-                <c:rich>
-                  <a:bodyPr>
-                    <a:spAutoFit/>
-                  </a:bodyPr>
-                  <a:lstStyle/>
-                  <a:p>
-                    <a:pPr>
-                      <a:defRPr/>
-                    </a:pPr>
-                    <a:r>
-                      <a:rPr lang="en-US" dirty="0"/>
-                      <a:t>肾脏内科</a:t>
-                    </a:r>
-                  </a:p>
-                </c:rich>
-              </c:tx>
-              <c:spPr>
-                <a:noFill/>
-                <a:ln>
-                  <a:noFill/>
-                </a:ln>
-                <a:effectLst/>
-              </c:spPr>
-              <c:dLblPos val="t"/>
-              <c:showLegendKey val="0"/>
-              <c:showVal val="0"/>
-              <c:showCatName val="0"/>
-              <c:showSerName val="0"/>
-              <c:showPercent val="0"/>
-              <c:showBubbleSize val="0"/>
-              <c:showLeaderLines val="1"/>
-              <c:extLst>
-                <c:ext xmlns:c15="http://schemas.microsoft.com/office/drawing/2012/chart" uri="{CE6537A1-D6FC-4f65-9D91-7224C49458BB}"/>
-                <c:ext xmlns:c16="http://schemas.microsoft.com/office/drawing/2014/chart" uri="{C3380CC4-5D6E-409C-BE32-E72D297353CC}">
-                  <c16:uniqueId val="{00000005-61ac-f339-e1c8-b5dfe0fc7004}"/>
-                </c:ext>
-              </c:extLst>
-            </c:dLbl>
-            <c:dLbl>
-              <c:idx val="5"/>
-              <c:tx>
-                <c:rich>
-                  <a:bodyPr>
-                    <a:spAutoFit/>
-                  </a:bodyPr>
-                  <a:lstStyle/>
-                  <a:p>
-                    <a:pPr>
-                      <a:defRPr/>
-                    </a:pPr>
-                    <a:r>
-                      <a:rPr lang="en-US" dirty="0"/>
-                      <a:t>心病一科</a:t>
-                    </a:r>
-                  </a:p>
-                </c:rich>
-              </c:tx>
-              <c:spPr>
-                <a:noFill/>
-                <a:ln>
-                  <a:noFill/>
-                </a:ln>
-                <a:effectLst/>
-              </c:spPr>
-              <c:dLblPos val="t"/>
-              <c:showLegendKey val="0"/>
-              <c:showVal val="0"/>
-              <c:showCatName val="0"/>
-              <c:showSerName val="0"/>
-              <c:showPercent val="0"/>
-              <c:showBubbleSize val="0"/>
-              <c:showLeaderLines val="1"/>
-              <c:extLst>
-                <c:ext xmlns:c15="http://schemas.microsoft.com/office/drawing/2012/chart" uri="{CE6537A1-D6FC-4f65-9D91-7224C49458BB}"/>
-                <c:ext xmlns:c16="http://schemas.microsoft.com/office/drawing/2014/chart" uri="{C3380CC4-5D6E-409C-BE32-E72D297353CC}">
-                  <c16:uniqueId val="{00000006-61ac-f339-e1c8-b5dfe0fc7004}"/>
-                </c:ext>
-              </c:extLst>
-            </c:dLbl>
-            <c:dLbl>
-              <c:idx val="6"/>
-              <c:tx>
-                <c:rich>
-                  <a:bodyPr>
-                    <a:spAutoFit/>
-                  </a:bodyPr>
-                  <a:lstStyle/>
-                  <a:p>
-                    <a:pPr>
-                      <a:defRPr/>
-                    </a:pPr>
-                    <a:r>
-                      <a:rPr lang="en-US" dirty="0"/>
-                      <a:t>小儿骨科</a:t>
-                    </a:r>
-                  </a:p>
-                </c:rich>
-              </c:tx>
-              <c:spPr>
-                <a:noFill/>
-                <a:ln>
-                  <a:noFill/>
-                </a:ln>
-                <a:effectLst/>
-              </c:spPr>
-              <c:dLblPos val="t"/>
-              <c:showLegendKey val="0"/>
-              <c:showVal val="0"/>
-              <c:showCatName val="0"/>
-              <c:showSerName val="0"/>
-              <c:showPercent val="0"/>
-              <c:showBubbleSize val="0"/>
-              <c:showLeaderLines val="1"/>
-              <c:extLst>
-                <c:ext xmlns:c15="http://schemas.microsoft.com/office/drawing/2012/chart" uri="{CE6537A1-D6FC-4f65-9D91-7224C49458BB}"/>
-                <c:ext xmlns:c16="http://schemas.microsoft.com/office/drawing/2014/chart" uri="{C3380CC4-5D6E-409C-BE32-E72D297353CC}">
-                  <c16:uniqueId val="{00000007-61ac-f339-e1c8-b5dfe0fc7004}"/>
-                </c:ext>
-              </c:extLst>
-            </c:dLbl>
-            <c:dLbl>
-              <c:idx val="7"/>
-              <c:tx>
-                <c:rich>
-                  <a:bodyPr>
-                    <a:spAutoFit/>
-                  </a:bodyPr>
-                  <a:lstStyle/>
-                  <a:p>
-                    <a:pPr>
-                      <a:defRPr/>
-                    </a:pPr>
-                    <a:r>
-                      <a:rPr lang="en-US" dirty="0"/>
-                      <a:t>肝胆外科</a:t>
-                    </a:r>
-                  </a:p>
-                </c:rich>
-              </c:tx>
-              <c:spPr>
-                <a:noFill/>
-                <a:ln>
-                  <a:noFill/>
-                </a:ln>
-                <a:effectLst/>
-              </c:spPr>
-              <c:dLblPos val="t"/>
-              <c:showLegendKey val="0"/>
-              <c:showVal val="0"/>
-              <c:showCatName val="0"/>
-              <c:showSerName val="0"/>
-              <c:showPercent val="0"/>
-              <c:showBubbleSize val="0"/>
-              <c:showLeaderLines val="1"/>
-              <c:extLst>
-                <c:ext xmlns:c15="http://schemas.microsoft.com/office/drawing/2012/chart" uri="{CE6537A1-D6FC-4f65-9D91-7224C49458BB}"/>
-                <c:ext xmlns:c16="http://schemas.microsoft.com/office/drawing/2014/chart" uri="{C3380CC4-5D6E-409C-BE32-E72D297353CC}">
-                  <c16:uniqueId val="{00000008-61ac-f339-e1c8-b5dfe0fc7004}"/>
+                  <c16:uniqueId val="{00000008-0ea1-02e1-08bf-38ff7b75e228}"/>
                 </c:ext>
               </c:extLst>
             </c:dLbl>
@@ -572,7 +572,7 @@
               <c:extLst>
                 <c:ext xmlns:c15="http://schemas.microsoft.com/office/drawing/2012/chart" uri="{CE6537A1-D6FC-4f65-9D91-7224C49458BB}"/>
                 <c:ext xmlns:c16="http://schemas.microsoft.com/office/drawing/2014/chart" uri="{C3380CC4-5D6E-409C-BE32-E72D297353CC}">
-                  <c16:uniqueId val="{00000009-61ac-f339-e1c8-b5dfe0fc7004}"/>
+                  <c16:uniqueId val="{00000009-0ea1-02e1-08bf-38ff7b75e228}"/>
                 </c:ext>
               </c:extLst>
             </c:dLbl>
@@ -590,7 +590,7 @@
                     </a:pPr>
                     <a:r>
                       <a:rPr lang="en-US" dirty="0"/>
-                      <a:t>呼吸内科</a:t>
+                      <a:t>微创骨科</a:t>
                     </a:r>
                   </a:p>
                 </c:rich>
@@ -613,7 +613,7 @@
               <c:extLst>
                 <c:ext xmlns:c15="http://schemas.microsoft.com/office/drawing/2012/chart" uri="{CE6537A1-D6FC-4f65-9D91-7224C49458BB}"/>
                 <c:ext xmlns:c16="http://schemas.microsoft.com/office/drawing/2014/chart" uri="{C3380CC4-5D6E-409C-BE32-E72D297353CC}">
-                  <c16:uniqueId val="{00000010-61ac-f339-e1c8-b5dfe0fc7004}"/>
+                  <c16:uniqueId val="{00000010-0ea1-02e1-08bf-38ff7b75e228}"/>
                 </c:ext>
               </c:extLst>
             </c:dLbl>
@@ -631,7 +631,7 @@
                     </a:pPr>
                     <a:r>
                       <a:rPr lang="en-US" dirty="0"/>
-                      <a:t>神经外科</a:t>
+                      <a:t>心病二科</a:t>
                     </a:r>
                   </a:p>
                 </c:rich>
@@ -654,7 +654,7 @@
               <c:extLst>
                 <c:ext xmlns:c15="http://schemas.microsoft.com/office/drawing/2012/chart" uri="{CE6537A1-D6FC-4f65-9D91-7224C49458BB}"/>
                 <c:ext xmlns:c16="http://schemas.microsoft.com/office/drawing/2014/chart" uri="{C3380CC4-5D6E-409C-BE32-E72D297353CC}">
-                  <c16:uniqueId val="{00000011-61ac-f339-e1c8-b5dfe0fc7004}"/>
+                  <c16:uniqueId val="{00000011-0ea1-02e1-08bf-38ff7b75e228}"/>
                 </c:ext>
               </c:extLst>
             </c:dLbl>
@@ -672,7 +672,7 @@
                     </a:pPr>
                     <a:r>
                       <a:rPr lang="en-US" dirty="0"/>
-                      <a:t>中医经典科</a:t>
+                      <a:t>心血管内科</a:t>
                     </a:r>
                   </a:p>
                 </c:rich>
@@ -695,7 +695,7 @@
               <c:extLst>
                 <c:ext xmlns:c15="http://schemas.microsoft.com/office/drawing/2012/chart" uri="{CE6537A1-D6FC-4f65-9D91-7224C49458BB}"/>
                 <c:ext xmlns:c16="http://schemas.microsoft.com/office/drawing/2014/chart" uri="{C3380CC4-5D6E-409C-BE32-E72D297353CC}">
-                  <c16:uniqueId val="{00000012-61ac-f339-e1c8-b5dfe0fc7004}"/>
+                  <c16:uniqueId val="{00000012-0ea1-02e1-08bf-38ff7b75e228}"/>
                 </c:ext>
               </c:extLst>
             </c:dLbl>
@@ -736,12 +736,53 @@
               <c:extLst>
                 <c:ext xmlns:c15="http://schemas.microsoft.com/office/drawing/2012/chart" uri="{CE6537A1-D6FC-4f65-9D91-7224C49458BB}"/>
                 <c:ext xmlns:c16="http://schemas.microsoft.com/office/drawing/2014/chart" uri="{C3380CC4-5D6E-409C-BE32-E72D297353CC}">
-                  <c16:uniqueId val="{00000013-61ac-f339-e1c8-b5dfe0fc7004}"/>
+                  <c16:uniqueId val="{00000013-0ea1-02e1-08bf-38ff7b75e228}"/>
                 </c:ext>
               </c:extLst>
             </c:dLbl>
             <c:dLbl>
               <c:idx val="13"/>
+              <c:tx>
+                <c:rich>
+                  <a:bodyPr>
+                    <a:spAutoFit/>
+                  </a:bodyPr>
+                  <a:lstStyle/>
+                  <a:p>
+                    <a:pPr>
+                      <a:defRPr/>
+                    </a:pPr>
+                    <a:r>
+                      <a:rPr lang="en-US" dirty="0"/>
+                      <a:t>骨科</a:t>
+                    </a:r>
+                  </a:p>
+                </c:rich>
+              </c:tx>
+              <c:spPr>
+                <a:noFill/>
+                <a:ln>
+                  <a:noFill/>
+                </a:ln>
+                <a:effectLst/>
+              </c:spPr>
+              <c:dLblPos val="t"/>
+              <c:showLegendKey val="0"/>
+              <c:showVal val="0"/>
+              <c:showCatName val="0"/>
+              <c:showSerName val="0"/>
+              <c:showPercent val="0"/>
+              <c:showBubbleSize val="0"/>
+              <c:showLeaderLines val="1"/>
+              <c:extLst>
+                <c:ext xmlns:c15="http://schemas.microsoft.com/office/drawing/2012/chart" uri="{CE6537A1-D6FC-4f65-9D91-7224C49458BB}"/>
+                <c:ext xmlns:c16="http://schemas.microsoft.com/office/drawing/2014/chart" uri="{C3380CC4-5D6E-409C-BE32-E72D297353CC}">
+                  <c16:uniqueId val="{00000014-0ea1-02e1-08bf-38ff7b75e228}"/>
+                </c:ext>
+              </c:extLst>
+            </c:dLbl>
+            <c:dLbl>
+              <c:idx val="14"/>
               <c:tx>
                 <c:rich>
                   <a:bodyPr>
@@ -777,12 +818,12 @@
               <c:extLst>
                 <c:ext xmlns:c15="http://schemas.microsoft.com/office/drawing/2012/chart" uri="{CE6537A1-D6FC-4f65-9D91-7224C49458BB}"/>
                 <c:ext xmlns:c16="http://schemas.microsoft.com/office/drawing/2014/chart" uri="{C3380CC4-5D6E-409C-BE32-E72D297353CC}">
-                  <c16:uniqueId val="{00000014-61ac-f339-e1c8-b5dfe0fc7004}"/>
+                  <c16:uniqueId val="{00000015-0ea1-02e1-08bf-38ff7b75e228}"/>
                 </c:ext>
               </c:extLst>
             </c:dLbl>
             <c:dLbl>
-              <c:idx val="14"/>
+              <c:idx val="15"/>
               <c:tx>
                 <c:rich>
                   <a:bodyPr>
@@ -795,7 +836,7 @@
                     </a:pPr>
                     <a:r>
                       <a:rPr lang="en-US" dirty="0"/>
-                      <a:t>内分泌科</a:t>
+                      <a:t>身心医学科</a:t>
                     </a:r>
                   </a:p>
                 </c:rich>
@@ -818,12 +859,12 @@
               <c:extLst>
                 <c:ext xmlns:c15="http://schemas.microsoft.com/office/drawing/2012/chart" uri="{CE6537A1-D6FC-4f65-9D91-7224C49458BB}"/>
                 <c:ext xmlns:c16="http://schemas.microsoft.com/office/drawing/2014/chart" uri="{C3380CC4-5D6E-409C-BE32-E72D297353CC}">
-                  <c16:uniqueId val="{00000015-61ac-f339-e1c8-b5dfe0fc7004}"/>
+                  <c16:uniqueId val="{00000016-0ea1-02e1-08bf-38ff7b75e228}"/>
                 </c:ext>
               </c:extLst>
             </c:dLbl>
             <c:dLbl>
-              <c:idx val="15"/>
+              <c:idx val="16"/>
               <c:tx>
                 <c:rich>
                   <a:bodyPr>
@@ -836,7 +877,7 @@
                     </a:pPr>
                     <a:r>
                       <a:rPr lang="en-US" dirty="0"/>
-                      <a:t>关节骨科</a:t>
+                      <a:t>脊柱骨科</a:t>
                     </a:r>
                   </a:p>
                 </c:rich>
@@ -859,12 +900,12 @@
               <c:extLst>
                 <c:ext xmlns:c15="http://schemas.microsoft.com/office/drawing/2012/chart" uri="{CE6537A1-D6FC-4f65-9D91-7224C49458BB}"/>
                 <c:ext xmlns:c16="http://schemas.microsoft.com/office/drawing/2014/chart" uri="{C3380CC4-5D6E-409C-BE32-E72D297353CC}">
-                  <c16:uniqueId val="{00000016-61ac-f339-e1c8-b5dfe0fc7004}"/>
+                  <c16:uniqueId val="{00000017-0ea1-02e1-08bf-38ff7b75e228}"/>
                 </c:ext>
               </c:extLst>
             </c:dLbl>
             <c:dLbl>
-              <c:idx val="16"/>
+              <c:idx val="17"/>
               <c:tx>
                 <c:rich>
                   <a:bodyPr>
@@ -877,7 +918,7 @@
                     </a:pPr>
                     <a:r>
                       <a:rPr lang="en-US" dirty="0"/>
-                      <a:t>骨科</a:t>
+                      <a:t>周围血管科</a:t>
                     </a:r>
                   </a:p>
                 </c:rich>
@@ -900,12 +941,12 @@
               <c:extLst>
                 <c:ext xmlns:c15="http://schemas.microsoft.com/office/drawing/2012/chart" uri="{CE6537A1-D6FC-4f65-9D91-7224C49458BB}"/>
                 <c:ext xmlns:c16="http://schemas.microsoft.com/office/drawing/2014/chart" uri="{C3380CC4-5D6E-409C-BE32-E72D297353CC}">
-                  <c16:uniqueId val="{00000017-61ac-f339-e1c8-b5dfe0fc7004}"/>
+                  <c16:uniqueId val="{00000018-0ea1-02e1-08bf-38ff7b75e228}"/>
                 </c:ext>
               </c:extLst>
             </c:dLbl>
             <c:dLbl>
-              <c:idx val="17"/>
+              <c:idx val="18"/>
               <c:tx>
                 <c:rich>
                   <a:bodyPr>
@@ -918,7 +959,7 @@
                     </a:pPr>
                     <a:r>
                       <a:rPr lang="en-US" dirty="0"/>
-                      <a:t>普通外科</a:t>
+                      <a:t>血液科</a:t>
                     </a:r>
                   </a:p>
                 </c:rich>
@@ -941,12 +982,12 @@
               <c:extLst>
                 <c:ext xmlns:c15="http://schemas.microsoft.com/office/drawing/2012/chart" uri="{CE6537A1-D6FC-4f65-9D91-7224C49458BB}"/>
                 <c:ext xmlns:c16="http://schemas.microsoft.com/office/drawing/2014/chart" uri="{C3380CC4-5D6E-409C-BE32-E72D297353CC}">
-                  <c16:uniqueId val="{00000018-61ac-f339-e1c8-b5dfe0fc7004}"/>
+                  <c16:uniqueId val="{00000019-0ea1-02e1-08bf-38ff7b75e228}"/>
                 </c:ext>
               </c:extLst>
             </c:dLbl>
             <c:dLbl>
-              <c:idx val="18"/>
+              <c:idx val="19"/>
               <c:tx>
                 <c:rich>
                   <a:bodyPr>
@@ -959,7 +1000,7 @@
                     </a:pPr>
                     <a:r>
                       <a:rPr lang="en-US" dirty="0"/>
-                      <a:t>微创骨科</a:t>
+                      <a:t>肿瘤内科</a:t>
                     </a:r>
                   </a:p>
                 </c:rich>
@@ -982,48 +1023,7 @@
               <c:extLst>
                 <c:ext xmlns:c15="http://schemas.microsoft.com/office/drawing/2012/chart" uri="{CE6537A1-D6FC-4f65-9D91-7224C49458BB}"/>
                 <c:ext xmlns:c16="http://schemas.microsoft.com/office/drawing/2014/chart" uri="{C3380CC4-5D6E-409C-BE32-E72D297353CC}">
-                  <c16:uniqueId val="{00000019-61ac-f339-e1c8-b5dfe0fc7004}"/>
-                </c:ext>
-              </c:extLst>
-            </c:dLbl>
-            <c:dLbl>
-              <c:idx val="19"/>
-              <c:tx>
-                <c:rich>
-                  <a:bodyPr>
-                    <a:spAutoFit/>
-                  </a:bodyPr>
-                  <a:lstStyle/>
-                  <a:p>
-                    <a:pPr>
-                      <a:defRPr/>
-                    </a:pPr>
-                    <a:r>
-                      <a:rPr lang="en-US" dirty="0"/>
-                      <a:t>东区重症医学科</a:t>
-                    </a:r>
-                  </a:p>
-                </c:rich>
-              </c:tx>
-              <c:spPr>
-                <a:noFill/>
-                <a:ln>
-                  <a:noFill/>
-                </a:ln>
-                <a:effectLst/>
-              </c:spPr>
-              <c:dLblPos val="t"/>
-              <c:showLegendKey val="0"/>
-              <c:showVal val="0"/>
-              <c:showCatName val="0"/>
-              <c:showSerName val="0"/>
-              <c:showPercent val="0"/>
-              <c:showBubbleSize val="0"/>
-              <c:showLeaderLines val="1"/>
-              <c:extLst>
-                <c:ext xmlns:c15="http://schemas.microsoft.com/office/drawing/2012/chart" uri="{CE6537A1-D6FC-4f65-9D91-7224C49458BB}"/>
-                <c:ext xmlns:c16="http://schemas.microsoft.com/office/drawing/2014/chart" uri="{C3380CC4-5D6E-409C-BE32-E72D297353CC}">
-                  <c16:uniqueId val="{00000020-61ac-f339-e1c8-b5dfe0fc7004}"/>
+                  <c16:uniqueId val="{00000020-0ea1-02e1-08bf-38ff7b75e228}"/>
                 </c:ext>
               </c:extLst>
             </c:dLbl>
@@ -1035,64 +1035,64 @@
                 <c:formatCode>General</c:formatCode>
                 <c:ptCount val="20"/>
                 <c:pt idx="0">
-                  <c:v>0.0023181498232097207</c:v>
+                  <c:v>0.0010716941774402112</c:v>
                 </c:pt>
                 <c:pt idx="1">
-                  <c:v>0.0007482016890744667</c:v>
+                  <c:v>0.0019000308888857391</c:v>
                 </c:pt>
                 <c:pt idx="2">
-                  <c:v>0.0008078720461332982</c:v>
+                  <c:v>0.0016430605713377705</c:v>
                 </c:pt>
                 <c:pt idx="3">
-                  <c:v>0.002171323166803381</c:v>
+                  <c:v>0.00007338414589400224</c:v>
                 </c:pt>
                 <c:pt idx="4">
-                  <c:v>0.001522161280710794</c:v>
+                  <c:v>0.0019480255383919603</c:v>
                 </c:pt>
                 <c:pt idx="5">
-                  <c:v>0.0000860742735607226</c:v>
+                  <c:v>0.0019934170172323717</c:v>
                 </c:pt>
                 <c:pt idx="6">
-                  <c:v>0.0010208593340882812</c:v>
+                  <c:v>0.0019181836707839977</c:v>
                 </c:pt>
                 <c:pt idx="7">
-                  <c:v>0.001738637614636645</c:v>
+                  <c:v>0.00027070828392883594</c:v>
                 </c:pt>
                 <c:pt idx="8">
-                  <c:v>0.0021333147633688207</c:v>
+                  <c:v>0.00170239509578099</c:v>
                 </c:pt>
                 <c:pt idx="9">
-                  <c:v>0.000674840977719289</c:v>
+                  <c:v>0.0007906065365974811</c:v>
                 </c:pt>
                 <c:pt idx="10">
-                  <c:v>0.002107137881333381</c:v>
+                  <c:v>0.0005245096106680059</c:v>
                 </c:pt>
                 <c:pt idx="11">
-                  <c:v>0.0022143885573517696</c:v>
+                  <c:v>0.0016786880806773348</c:v>
                 </c:pt>
                 <c:pt idx="12">
-                  <c:v>0.0020867303169234963</c:v>
+                  <c:v>0.000056772300053517146</c:v>
                 </c:pt>
                 <c:pt idx="13">
-                  <c:v>0.0011793595849481735</c:v>
+                  <c:v>0.0020168686893292506</c:v>
                 </c:pt>
                 <c:pt idx="14">
-                  <c:v>0.00007213109629358823</c:v>
+                  <c:v>0.002308309791256817</c:v>
                 </c:pt>
                 <c:pt idx="15">
-                  <c:v>0.002086097095821774</c:v>
+                  <c:v>0.0006262501937388447</c:v>
                 </c:pt>
                 <c:pt idx="16">
-                  <c:v>0.000244164996714017</c:v>
+                  <c:v>0.001178538672511651</c:v>
                 </c:pt>
                 <c:pt idx="17">
-                  <c:v>0.00017875638359399874</c:v>
+                  <c:v>0.001881700579590766</c:v>
                 </c:pt>
                 <c:pt idx="18">
-                  <c:v>0.00024941930619118614</c:v>
+                  <c:v>0.00012271269287561243</c:v>
                 </c:pt>
                 <c:pt idx="19">
-                  <c:v>0.0005140621576552648</c:v>
+                  <c:v>0.0002066575849086537</c:v>
                 </c:pt>
               </c:numCache>
             </c:numRef>
@@ -1104,64 +1104,64 @@
                 <c:formatCode>General</c:formatCode>
                 <c:ptCount val="20"/>
                 <c:pt idx="0">
-                  <c:v>99.99999999999999</c:v>
+                  <c:v>100</c:v>
                 </c:pt>
                 <c:pt idx="1">
-                  <c:v>49.11622483978104</c:v>
+                  <c:v>48.40203266701426</c:v>
                 </c:pt>
                 <c:pt idx="2">
-                  <c:v>41.50731819375954</c:v>
+                  <c:v>32.260327018004524</c:v>
                 </c:pt>
                 <c:pt idx="3">
-                  <c:v>38.53878000046974</c:v>
+                  <c:v>20.227640204396096</c:v>
                 </c:pt>
                 <c:pt idx="4">
-                  <c:v>34.828314560070744</c:v>
+                  <c:v>17.10523676170924</c:v>
                 </c:pt>
                 <c:pt idx="5">
-                  <c:v>29.838625973297283</c:v>
+                  <c:v>16.996463458784824</c:v>
                 </c:pt>
                 <c:pt idx="6">
-                  <c:v>28.534558393093338</c:v>
+                  <c:v>16.286185897814423</c:v>
                 </c:pt>
                 <c:pt idx="7">
-                  <c:v>26.539082647358516</c:v>
+                  <c:v>15.452211028905948</c:v>
                 </c:pt>
                 <c:pt idx="8">
-                  <c:v>22.979044221601278</c:v>
+                  <c:v>15.368968604791464</c:v>
                 </c:pt>
                 <c:pt idx="9">
-                  <c:v>22.606407679981626</c:v>
+                  <c:v>13.8106165572776</c:v>
                 </c:pt>
                 <c:pt idx="10">
-                  <c:v>22.06374487266646</c:v>
+                  <c:v>13.281420156056678</c:v>
                 </c:pt>
                 <c:pt idx="11">
-                  <c:v>21.392185989634577</c:v>
+                  <c:v>13.16951401252215</c:v>
                 </c:pt>
                 <c:pt idx="12">
-                  <c:v>20.68240488649161</c:v>
+                  <c:v>12.477911101235046</c:v>
                 </c:pt>
                 <c:pt idx="13">
-                  <c:v>20.59399708619978</c:v>
+                  <c:v>10.491324376277595</c:v>
                 </c:pt>
                 <c:pt idx="14">
-                  <c:v>20.12163490087838</c:v>
+                  <c:v>10.466983556226655</c:v>
                 </c:pt>
                 <c:pt idx="15">
-                  <c:v>19.83209965960248</c:v>
+                  <c:v>10.32663663237899</c:v>
                 </c:pt>
                 <c:pt idx="16">
-                  <c:v>19.325713301014282</c:v>
+                  <c:v>9.830892995140294</c:v>
                 </c:pt>
                 <c:pt idx="17">
-                  <c:v>19.01933700899879</c:v>
+                  <c:v>9.610848487576124</c:v>
                 </c:pt>
                 <c:pt idx="18">
-                  <c:v>18.868644525071783</c:v>
+                  <c:v>9.564476137202654</c:v>
                 </c:pt>
                 <c:pt idx="19">
-                  <c:v>18.107986539526742</c:v>
+                  <c:v>9.54162976923756</c:v>
                 </c:pt>
               </c:numCache>
             </c:numRef>
@@ -1381,7 +1381,7 @@
 </c:chartSpace>
 </file>
 
-<file path=ppt/charts/chart1432.xml><?xml version="1.0" encoding="utf-8"?>
+<file path=ppt/charts/chart2506.xml><?xml version="1.0" encoding="utf-8"?>
 <c:chartSpace xmlns:c="http://schemas.openxmlformats.org/drawingml/2006/chart" xmlns:a="http://schemas.openxmlformats.org/drawingml/2006/main" xmlns:r="http://schemas.openxmlformats.org/officeDocument/2006/relationships">
   <c:date1904 val="0"/>
   <c:chart>
@@ -1498,7 +1498,7 @@
               <c:extLst>
                 <c:ext xmlns:c15="http://schemas.microsoft.com/office/drawing/2012/chart" uri="{CE6537A1-D6FC-4f65-9D91-7224C49458BB}"/>
                 <c:ext xmlns:c16="http://schemas.microsoft.com/office/drawing/2014/chart" uri="{C3380CC4-5D6E-409C-BE32-E72D297353CC}">
-                  <c16:uniqueId val="{00000001-6929-201d-3c43-7a34e422c4d6}"/>
+                  <c16:uniqueId val="{00000001-d046-9566-6f2c-c40ff5e16f58}"/>
                 </c:ext>
               </c:extLst>
             </c:dLbl>
@@ -1516,7 +1516,7 @@
                     </a:pPr>
                     <a:r>
                       <a:rPr lang="en-US" dirty="0"/>
-                      <a:t>脑病二科</a:t>
+                      <a:t>肾脏内科</a:t>
                     </a:r>
                   </a:p>
                 </c:rich>
@@ -1539,258 +1539,12 @@
               <c:extLst>
                 <c:ext xmlns:c15="http://schemas.microsoft.com/office/drawing/2012/chart" uri="{CE6537A1-D6FC-4f65-9D91-7224C49458BB}"/>
                 <c:ext xmlns:c16="http://schemas.microsoft.com/office/drawing/2014/chart" uri="{C3380CC4-5D6E-409C-BE32-E72D297353CC}">
-                  <c16:uniqueId val="{00000002-6929-201d-3c43-7a34e422c4d6}"/>
+                  <c16:uniqueId val="{00000002-d046-9566-6f2c-c40ff5e16f58}"/>
                 </c:ext>
               </c:extLst>
             </c:dLbl>
             <c:dLbl>
               <c:idx val="2"/>
-              <c:tx>
-                <c:rich>
-                  <a:bodyPr>
-                    <a:spAutoFit/>
-                  </a:bodyPr>
-                  <a:lstStyle/>
-                  <a:p>
-                    <a:pPr>
-                      <a:defRPr/>
-                    </a:pPr>
-                    <a:r>
-                      <a:rPr lang="en-US" dirty="0"/>
-                      <a:t>泌尿外科</a:t>
-                    </a:r>
-                  </a:p>
-                </c:rich>
-              </c:tx>
-              <c:spPr>
-                <a:noFill/>
-                <a:ln>
-                  <a:noFill/>
-                </a:ln>
-                <a:effectLst/>
-              </c:spPr>
-              <c:dLblPos val="t"/>
-              <c:showLegendKey val="0"/>
-              <c:showVal val="0"/>
-              <c:showCatName val="0"/>
-              <c:showSerName val="0"/>
-              <c:showPercent val="0"/>
-              <c:showBubbleSize val="0"/>
-              <c:showLeaderLines val="1"/>
-              <c:extLst>
-                <c:ext xmlns:c15="http://schemas.microsoft.com/office/drawing/2012/chart" uri="{CE6537A1-D6FC-4f65-9D91-7224C49458BB}"/>
-                <c:ext xmlns:c16="http://schemas.microsoft.com/office/drawing/2014/chart" uri="{C3380CC4-5D6E-409C-BE32-E72D297353CC}">
-                  <c16:uniqueId val="{00000003-6929-201d-3c43-7a34e422c4d6}"/>
-                </c:ext>
-              </c:extLst>
-            </c:dLbl>
-            <c:dLbl>
-              <c:idx val="3"/>
-              <c:tx>
-                <c:rich>
-                  <a:bodyPr>
-                    <a:spAutoFit/>
-                  </a:bodyPr>
-                  <a:lstStyle/>
-                  <a:p>
-                    <a:pPr>
-                      <a:defRPr/>
-                    </a:pPr>
-                    <a:r>
-                      <a:rPr lang="en-US" dirty="0"/>
-                      <a:t>显微骨科</a:t>
-                    </a:r>
-                  </a:p>
-                </c:rich>
-              </c:tx>
-              <c:spPr>
-                <a:noFill/>
-                <a:ln>
-                  <a:noFill/>
-                </a:ln>
-                <a:effectLst/>
-              </c:spPr>
-              <c:dLblPos val="t"/>
-              <c:showLegendKey val="0"/>
-              <c:showVal val="0"/>
-              <c:showCatName val="0"/>
-              <c:showSerName val="0"/>
-              <c:showPercent val="0"/>
-              <c:showBubbleSize val="0"/>
-              <c:showLeaderLines val="1"/>
-              <c:extLst>
-                <c:ext xmlns:c15="http://schemas.microsoft.com/office/drawing/2012/chart" uri="{CE6537A1-D6FC-4f65-9D91-7224C49458BB}"/>
-                <c:ext xmlns:c16="http://schemas.microsoft.com/office/drawing/2014/chart" uri="{C3380CC4-5D6E-409C-BE32-E72D297353CC}">
-                  <c16:uniqueId val="{00000004-6929-201d-3c43-7a34e422c4d6}"/>
-                </c:ext>
-              </c:extLst>
-            </c:dLbl>
-            <c:dLbl>
-              <c:idx val="4"/>
-              <c:tx>
-                <c:rich>
-                  <a:bodyPr>
-                    <a:spAutoFit/>
-                  </a:bodyPr>
-                  <a:lstStyle/>
-                  <a:p>
-                    <a:pPr>
-                      <a:defRPr/>
-                    </a:pPr>
-                    <a:r>
-                      <a:rPr lang="en-US" dirty="0"/>
-                      <a:t>乳腺甲状腺外科</a:t>
-                    </a:r>
-                  </a:p>
-                </c:rich>
-              </c:tx>
-              <c:spPr>
-                <a:noFill/>
-                <a:ln>
-                  <a:noFill/>
-                </a:ln>
-                <a:effectLst/>
-              </c:spPr>
-              <c:dLblPos val="t"/>
-              <c:showLegendKey val="0"/>
-              <c:showVal val="0"/>
-              <c:showCatName val="0"/>
-              <c:showSerName val="0"/>
-              <c:showPercent val="0"/>
-              <c:showBubbleSize val="0"/>
-              <c:showLeaderLines val="1"/>
-              <c:extLst>
-                <c:ext xmlns:c15="http://schemas.microsoft.com/office/drawing/2012/chart" uri="{CE6537A1-D6FC-4f65-9D91-7224C49458BB}"/>
-                <c:ext xmlns:c16="http://schemas.microsoft.com/office/drawing/2014/chart" uri="{C3380CC4-5D6E-409C-BE32-E72D297353CC}">
-                  <c16:uniqueId val="{00000005-6929-201d-3c43-7a34e422c4d6}"/>
-                </c:ext>
-              </c:extLst>
-            </c:dLbl>
-            <c:dLbl>
-              <c:idx val="5"/>
-              <c:tx>
-                <c:rich>
-                  <a:bodyPr>
-                    <a:spAutoFit/>
-                  </a:bodyPr>
-                  <a:lstStyle/>
-                  <a:p>
-                    <a:pPr>
-                      <a:defRPr/>
-                    </a:pPr>
-                    <a:r>
-                      <a:rPr lang="en-US" dirty="0"/>
-                      <a:t>心病二科</a:t>
-                    </a:r>
-                  </a:p>
-                </c:rich>
-              </c:tx>
-              <c:spPr>
-                <a:noFill/>
-                <a:ln>
-                  <a:noFill/>
-                </a:ln>
-                <a:effectLst/>
-              </c:spPr>
-              <c:dLblPos val="t"/>
-              <c:showLegendKey val="0"/>
-              <c:showVal val="0"/>
-              <c:showCatName val="0"/>
-              <c:showSerName val="0"/>
-              <c:showPercent val="0"/>
-              <c:showBubbleSize val="0"/>
-              <c:showLeaderLines val="1"/>
-              <c:extLst>
-                <c:ext xmlns:c15="http://schemas.microsoft.com/office/drawing/2012/chart" uri="{CE6537A1-D6FC-4f65-9D91-7224C49458BB}"/>
-                <c:ext xmlns:c16="http://schemas.microsoft.com/office/drawing/2014/chart" uri="{C3380CC4-5D6E-409C-BE32-E72D297353CC}">
-                  <c16:uniqueId val="{00000006-6929-201d-3c43-7a34e422c4d6}"/>
-                </c:ext>
-              </c:extLst>
-            </c:dLbl>
-            <c:dLbl>
-              <c:idx val="6"/>
-              <c:tx>
-                <c:rich>
-                  <a:bodyPr>
-                    <a:spAutoFit/>
-                  </a:bodyPr>
-                  <a:lstStyle/>
-                  <a:p>
-                    <a:pPr>
-                      <a:defRPr/>
-                    </a:pPr>
-                    <a:r>
-                      <a:rPr lang="en-US" dirty="0"/>
-                      <a:t>中医经典科</a:t>
-                    </a:r>
-                  </a:p>
-                </c:rich>
-              </c:tx>
-              <c:spPr>
-                <a:noFill/>
-                <a:ln>
-                  <a:noFill/>
-                </a:ln>
-                <a:effectLst/>
-              </c:spPr>
-              <c:dLblPos val="t"/>
-              <c:showLegendKey val="0"/>
-              <c:showVal val="0"/>
-              <c:showCatName val="0"/>
-              <c:showSerName val="0"/>
-              <c:showPercent val="0"/>
-              <c:showBubbleSize val="0"/>
-              <c:showLeaderLines val="1"/>
-              <c:extLst>
-                <c:ext xmlns:c15="http://schemas.microsoft.com/office/drawing/2012/chart" uri="{CE6537A1-D6FC-4f65-9D91-7224C49458BB}"/>
-                <c:ext xmlns:c16="http://schemas.microsoft.com/office/drawing/2014/chart" uri="{C3380CC4-5D6E-409C-BE32-E72D297353CC}">
-                  <c16:uniqueId val="{00000007-6929-201d-3c43-7a34e422c4d6}"/>
-                </c:ext>
-              </c:extLst>
-            </c:dLbl>
-            <c:dLbl>
-              <c:idx val="7"/>
-              <c:tx>
-                <c:rich>
-                  <a:bodyPr>
-                    <a:spAutoFit/>
-                  </a:bodyPr>
-                  <a:lstStyle/>
-                  <a:p>
-                    <a:pPr>
-                      <a:defRPr/>
-                    </a:pPr>
-                    <a:r>
-                      <a:rPr lang="en-US" dirty="0"/>
-                      <a:t>妇科</a:t>
-                    </a:r>
-                  </a:p>
-                </c:rich>
-              </c:tx>
-              <c:spPr>
-                <a:noFill/>
-                <a:ln>
-                  <a:noFill/>
-                </a:ln>
-                <a:effectLst/>
-              </c:spPr>
-              <c:dLblPos val="t"/>
-              <c:showLegendKey val="0"/>
-              <c:showVal val="0"/>
-              <c:showCatName val="0"/>
-              <c:showSerName val="0"/>
-              <c:showPercent val="0"/>
-              <c:showBubbleSize val="0"/>
-              <c:showLeaderLines val="1"/>
-              <c:extLst>
-                <c:ext xmlns:c15="http://schemas.microsoft.com/office/drawing/2012/chart" uri="{CE6537A1-D6FC-4f65-9D91-7224C49458BB}"/>
-                <c:ext xmlns:c16="http://schemas.microsoft.com/office/drawing/2014/chart" uri="{C3380CC4-5D6E-409C-BE32-E72D297353CC}">
-                  <c16:uniqueId val="{00000008-6929-201d-3c43-7a34e422c4d6}"/>
-                </c:ext>
-              </c:extLst>
-            </c:dLbl>
-            <c:dLbl>
-              <c:idx val="8"/>
               <c:tx>
                 <c:rich>
                   <a:bodyPr>
@@ -1826,12 +1580,12 @@
               <c:extLst>
                 <c:ext xmlns:c15="http://schemas.microsoft.com/office/drawing/2012/chart" uri="{CE6537A1-D6FC-4f65-9D91-7224C49458BB}"/>
                 <c:ext xmlns:c16="http://schemas.microsoft.com/office/drawing/2014/chart" uri="{C3380CC4-5D6E-409C-BE32-E72D297353CC}">
-                  <c16:uniqueId val="{00000009-6929-201d-3c43-7a34e422c4d6}"/>
+                  <c16:uniqueId val="{00000003-d046-9566-6f2c-c40ff5e16f58}"/>
                 </c:ext>
               </c:extLst>
             </c:dLbl>
             <c:dLbl>
-              <c:idx val="9"/>
+              <c:idx val="3"/>
               <c:tx>
                 <c:rich>
                   <a:bodyPr>
@@ -1844,7 +1598,7 @@
                     </a:pPr>
                     <a:r>
                       <a:rPr lang="en-US" dirty="0"/>
-                      <a:t>消化内科</a:t>
+                      <a:t>西区重症医学科</a:t>
                     </a:r>
                   </a:p>
                 </c:rich>
@@ -1867,12 +1621,504 @@
               <c:extLst>
                 <c:ext xmlns:c15="http://schemas.microsoft.com/office/drawing/2012/chart" uri="{CE6537A1-D6FC-4f65-9D91-7224C49458BB}"/>
                 <c:ext xmlns:c16="http://schemas.microsoft.com/office/drawing/2014/chart" uri="{C3380CC4-5D6E-409C-BE32-E72D297353CC}">
-                  <c16:uniqueId val="{00000010-6929-201d-3c43-7a34e422c4d6}"/>
+                  <c16:uniqueId val="{00000004-d046-9566-6f2c-c40ff5e16f58}"/>
+                </c:ext>
+              </c:extLst>
+            </c:dLbl>
+            <c:dLbl>
+              <c:idx val="4"/>
+              <c:tx>
+                <c:rich>
+                  <a:bodyPr>
+                    <a:spAutoFit/>
+                  </a:bodyPr>
+                  <a:lstStyle/>
+                  <a:p>
+                    <a:pPr>
+                      <a:defRPr/>
+                    </a:pPr>
+                    <a:r>
+                      <a:rPr lang="en-US" dirty="0"/>
+                      <a:t>眼科</a:t>
+                    </a:r>
+                  </a:p>
+                </c:rich>
+              </c:tx>
+              <c:spPr>
+                <a:noFill/>
+                <a:ln>
+                  <a:noFill/>
+                </a:ln>
+                <a:effectLst/>
+              </c:spPr>
+              <c:dLblPos val="t"/>
+              <c:showLegendKey val="0"/>
+              <c:showVal val="0"/>
+              <c:showCatName val="0"/>
+              <c:showSerName val="0"/>
+              <c:showPercent val="0"/>
+              <c:showBubbleSize val="0"/>
+              <c:showLeaderLines val="1"/>
+              <c:extLst>
+                <c:ext xmlns:c15="http://schemas.microsoft.com/office/drawing/2012/chart" uri="{CE6537A1-D6FC-4f65-9D91-7224C49458BB}"/>
+                <c:ext xmlns:c16="http://schemas.microsoft.com/office/drawing/2014/chart" uri="{C3380CC4-5D6E-409C-BE32-E72D297353CC}">
+                  <c16:uniqueId val="{00000005-d046-9566-6f2c-c40ff5e16f58}"/>
+                </c:ext>
+              </c:extLst>
+            </c:dLbl>
+            <c:dLbl>
+              <c:idx val="5"/>
+              <c:tx>
+                <c:rich>
+                  <a:bodyPr>
+                    <a:spAutoFit/>
+                  </a:bodyPr>
+                  <a:lstStyle/>
+                  <a:p>
+                    <a:pPr>
+                      <a:defRPr/>
+                    </a:pPr>
+                    <a:r>
+                      <a:rPr lang="en-US" dirty="0"/>
+                      <a:t>美容皮肤科</a:t>
+                    </a:r>
+                  </a:p>
+                </c:rich>
+              </c:tx>
+              <c:spPr>
+                <a:noFill/>
+                <a:ln>
+                  <a:noFill/>
+                </a:ln>
+                <a:effectLst/>
+              </c:spPr>
+              <c:dLblPos val="t"/>
+              <c:showLegendKey val="0"/>
+              <c:showVal val="0"/>
+              <c:showCatName val="0"/>
+              <c:showSerName val="0"/>
+              <c:showPercent val="0"/>
+              <c:showBubbleSize val="0"/>
+              <c:showLeaderLines val="1"/>
+              <c:extLst>
+                <c:ext xmlns:c15="http://schemas.microsoft.com/office/drawing/2012/chart" uri="{CE6537A1-D6FC-4f65-9D91-7224C49458BB}"/>
+                <c:ext xmlns:c16="http://schemas.microsoft.com/office/drawing/2014/chart" uri="{C3380CC4-5D6E-409C-BE32-E72D297353CC}">
+                  <c16:uniqueId val="{00000006-d046-9566-6f2c-c40ff5e16f58}"/>
+                </c:ext>
+              </c:extLst>
+            </c:dLbl>
+            <c:dLbl>
+              <c:idx val="6"/>
+              <c:tx>
+                <c:rich>
+                  <a:bodyPr>
+                    <a:spAutoFit/>
+                  </a:bodyPr>
+                  <a:lstStyle/>
+                  <a:p>
+                    <a:pPr>
+                      <a:defRPr/>
+                    </a:pPr>
+                    <a:r>
+                      <a:rPr lang="en-US" dirty="0"/>
+                      <a:t>肝胆外科</a:t>
+                    </a:r>
+                  </a:p>
+                </c:rich>
+              </c:tx>
+              <c:spPr>
+                <a:noFill/>
+                <a:ln>
+                  <a:noFill/>
+                </a:ln>
+                <a:effectLst/>
+              </c:spPr>
+              <c:dLblPos val="t"/>
+              <c:showLegendKey val="0"/>
+              <c:showVal val="0"/>
+              <c:showCatName val="0"/>
+              <c:showSerName val="0"/>
+              <c:showPercent val="0"/>
+              <c:showBubbleSize val="0"/>
+              <c:showLeaderLines val="1"/>
+              <c:extLst>
+                <c:ext xmlns:c15="http://schemas.microsoft.com/office/drawing/2012/chart" uri="{CE6537A1-D6FC-4f65-9D91-7224C49458BB}"/>
+                <c:ext xmlns:c16="http://schemas.microsoft.com/office/drawing/2014/chart" uri="{C3380CC4-5D6E-409C-BE32-E72D297353CC}">
+                  <c16:uniqueId val="{00000007-d046-9566-6f2c-c40ff5e16f58}"/>
+                </c:ext>
+              </c:extLst>
+            </c:dLbl>
+            <c:dLbl>
+              <c:idx val="7"/>
+              <c:tx>
+                <c:rich>
+                  <a:bodyPr>
+                    <a:spAutoFit/>
+                  </a:bodyPr>
+                  <a:lstStyle/>
+                  <a:p>
+                    <a:pPr>
+                      <a:defRPr/>
+                    </a:pPr>
+                    <a:r>
+                      <a:rPr lang="en-US" dirty="0"/>
+                      <a:t>呼吸内科</a:t>
+                    </a:r>
+                  </a:p>
+                </c:rich>
+              </c:tx>
+              <c:spPr>
+                <a:noFill/>
+                <a:ln>
+                  <a:noFill/>
+                </a:ln>
+                <a:effectLst/>
+              </c:spPr>
+              <c:dLblPos val="t"/>
+              <c:showLegendKey val="0"/>
+              <c:showVal val="0"/>
+              <c:showCatName val="0"/>
+              <c:showSerName val="0"/>
+              <c:showPercent val="0"/>
+              <c:showBubbleSize val="0"/>
+              <c:showLeaderLines val="1"/>
+              <c:extLst>
+                <c:ext xmlns:c15="http://schemas.microsoft.com/office/drawing/2012/chart" uri="{CE6537A1-D6FC-4f65-9D91-7224C49458BB}"/>
+                <c:ext xmlns:c16="http://schemas.microsoft.com/office/drawing/2014/chart" uri="{C3380CC4-5D6E-409C-BE32-E72D297353CC}">
+                  <c16:uniqueId val="{00000008-d046-9566-6f2c-c40ff5e16f58}"/>
+                </c:ext>
+              </c:extLst>
+            </c:dLbl>
+            <c:dLbl>
+              <c:idx val="8"/>
+              <c:tx>
+                <c:rich>
+                  <a:bodyPr>
+                    <a:spAutoFit/>
+                  </a:bodyPr>
+                  <a:lstStyle/>
+                  <a:p>
+                    <a:pPr>
+                      <a:defRPr/>
+                    </a:pPr>
+                    <a:r>
+                      <a:rPr lang="en-US" dirty="0"/>
+                      <a:t>脾胃病科</a:t>
+                    </a:r>
+                  </a:p>
+                </c:rich>
+              </c:tx>
+              <c:spPr>
+                <a:noFill/>
+                <a:ln>
+                  <a:noFill/>
+                </a:ln>
+                <a:effectLst/>
+              </c:spPr>
+              <c:dLblPos val="t"/>
+              <c:showLegendKey val="0"/>
+              <c:showVal val="0"/>
+              <c:showCatName val="0"/>
+              <c:showSerName val="0"/>
+              <c:showPercent val="0"/>
+              <c:showBubbleSize val="0"/>
+              <c:showLeaderLines val="1"/>
+              <c:extLst>
+                <c:ext xmlns:c15="http://schemas.microsoft.com/office/drawing/2012/chart" uri="{CE6537A1-D6FC-4f65-9D91-7224C49458BB}"/>
+                <c:ext xmlns:c16="http://schemas.microsoft.com/office/drawing/2014/chart" uri="{C3380CC4-5D6E-409C-BE32-E72D297353CC}">
+                  <c16:uniqueId val="{00000009-d046-9566-6f2c-c40ff5e16f58}"/>
+                </c:ext>
+              </c:extLst>
+            </c:dLbl>
+            <c:dLbl>
+              <c:idx val="9"/>
+              <c:tx>
+                <c:rich>
+                  <a:bodyPr>
+                    <a:spAutoFit/>
+                  </a:bodyPr>
+                  <a:lstStyle/>
+                  <a:p>
+                    <a:pPr>
+                      <a:defRPr/>
+                    </a:pPr>
+                    <a:r>
+                      <a:rPr lang="en-US" dirty="0"/>
+                      <a:t>骨科</a:t>
+                    </a:r>
+                  </a:p>
+                </c:rich>
+              </c:tx>
+              <c:spPr>
+                <a:noFill/>
+                <a:ln>
+                  <a:noFill/>
+                </a:ln>
+                <a:effectLst/>
+              </c:spPr>
+              <c:dLblPos val="t"/>
+              <c:showLegendKey val="0"/>
+              <c:showVal val="0"/>
+              <c:showCatName val="0"/>
+              <c:showSerName val="0"/>
+              <c:showPercent val="0"/>
+              <c:showBubbleSize val="0"/>
+              <c:showLeaderLines val="1"/>
+              <c:extLst>
+                <c:ext xmlns:c15="http://schemas.microsoft.com/office/drawing/2012/chart" uri="{CE6537A1-D6FC-4f65-9D91-7224C49458BB}"/>
+                <c:ext xmlns:c16="http://schemas.microsoft.com/office/drawing/2014/chart" uri="{C3380CC4-5D6E-409C-BE32-E72D297353CC}">
+                  <c16:uniqueId val="{00000010-d046-9566-6f2c-c40ff5e16f58}"/>
                 </c:ext>
               </c:extLst>
             </c:dLbl>
             <c:dLbl>
               <c:idx val="10"/>
+              <c:tx>
+                <c:rich>
+                  <a:bodyPr>
+                    <a:spAutoFit/>
+                  </a:bodyPr>
+                  <a:lstStyle/>
+                  <a:p>
+                    <a:pPr>
+                      <a:defRPr/>
+                    </a:pPr>
+                    <a:r>
+                      <a:rPr lang="en-US" dirty="0"/>
+                      <a:t>胸外科</a:t>
+                    </a:r>
+                  </a:p>
+                </c:rich>
+              </c:tx>
+              <c:spPr>
+                <a:noFill/>
+                <a:ln>
+                  <a:noFill/>
+                </a:ln>
+                <a:effectLst/>
+              </c:spPr>
+              <c:dLblPos val="t"/>
+              <c:showLegendKey val="0"/>
+              <c:showVal val="0"/>
+              <c:showCatName val="0"/>
+              <c:showSerName val="0"/>
+              <c:showPercent val="0"/>
+              <c:showBubbleSize val="0"/>
+              <c:showLeaderLines val="1"/>
+              <c:extLst>
+                <c:ext xmlns:c15="http://schemas.microsoft.com/office/drawing/2012/chart" uri="{CE6537A1-D6FC-4f65-9D91-7224C49458BB}"/>
+                <c:ext xmlns:c16="http://schemas.microsoft.com/office/drawing/2014/chart" uri="{C3380CC4-5D6E-409C-BE32-E72D297353CC}">
+                  <c16:uniqueId val="{00000011-d046-9566-6f2c-c40ff5e16f58}"/>
+                </c:ext>
+              </c:extLst>
+            </c:dLbl>
+            <c:dLbl>
+              <c:idx val="11"/>
+              <c:tx>
+                <c:rich>
+                  <a:bodyPr>
+                    <a:spAutoFit/>
+                  </a:bodyPr>
+                  <a:lstStyle/>
+                  <a:p>
+                    <a:pPr>
+                      <a:defRPr/>
+                    </a:pPr>
+                    <a:r>
+                      <a:rPr lang="en-US" dirty="0"/>
+                      <a:t>神经外科</a:t>
+                    </a:r>
+                  </a:p>
+                </c:rich>
+              </c:tx>
+              <c:spPr>
+                <a:noFill/>
+                <a:ln>
+                  <a:noFill/>
+                </a:ln>
+                <a:effectLst/>
+              </c:spPr>
+              <c:dLblPos val="t"/>
+              <c:showLegendKey val="0"/>
+              <c:showVal val="0"/>
+              <c:showCatName val="0"/>
+              <c:showSerName val="0"/>
+              <c:showPercent val="0"/>
+              <c:showBubbleSize val="0"/>
+              <c:showLeaderLines val="1"/>
+              <c:extLst>
+                <c:ext xmlns:c15="http://schemas.microsoft.com/office/drawing/2012/chart" uri="{CE6537A1-D6FC-4f65-9D91-7224C49458BB}"/>
+                <c:ext xmlns:c16="http://schemas.microsoft.com/office/drawing/2014/chart" uri="{C3380CC4-5D6E-409C-BE32-E72D297353CC}">
+                  <c16:uniqueId val="{00000012-d046-9566-6f2c-c40ff5e16f58}"/>
+                </c:ext>
+              </c:extLst>
+            </c:dLbl>
+            <c:dLbl>
+              <c:idx val="12"/>
+              <c:tx>
+                <c:rich>
+                  <a:bodyPr>
+                    <a:spAutoFit/>
+                  </a:bodyPr>
+                  <a:lstStyle/>
+                  <a:p>
+                    <a:pPr>
+                      <a:defRPr/>
+                    </a:pPr>
+                    <a:r>
+                      <a:rPr lang="en-US" dirty="0"/>
+                      <a:t>推拿科</a:t>
+                    </a:r>
+                  </a:p>
+                </c:rich>
+              </c:tx>
+              <c:spPr>
+                <a:noFill/>
+                <a:ln>
+                  <a:noFill/>
+                </a:ln>
+                <a:effectLst/>
+              </c:spPr>
+              <c:dLblPos val="t"/>
+              <c:showLegendKey val="0"/>
+              <c:showVal val="0"/>
+              <c:showCatName val="0"/>
+              <c:showSerName val="0"/>
+              <c:showPercent val="0"/>
+              <c:showBubbleSize val="0"/>
+              <c:showLeaderLines val="1"/>
+              <c:extLst>
+                <c:ext xmlns:c15="http://schemas.microsoft.com/office/drawing/2012/chart" uri="{CE6537A1-D6FC-4f65-9D91-7224C49458BB}"/>
+                <c:ext xmlns:c16="http://schemas.microsoft.com/office/drawing/2014/chart" uri="{C3380CC4-5D6E-409C-BE32-E72D297353CC}">
+                  <c16:uniqueId val="{00000013-d046-9566-6f2c-c40ff5e16f58}"/>
+                </c:ext>
+              </c:extLst>
+            </c:dLbl>
+            <c:dLbl>
+              <c:idx val="13"/>
+              <c:tx>
+                <c:rich>
+                  <a:bodyPr>
+                    <a:spAutoFit/>
+                  </a:bodyPr>
+                  <a:lstStyle/>
+                  <a:p>
+                    <a:pPr>
+                      <a:defRPr/>
+                    </a:pPr>
+                    <a:r>
+                      <a:rPr lang="en-US" dirty="0"/>
+                      <a:t>神经内科</a:t>
+                    </a:r>
+                  </a:p>
+                </c:rich>
+              </c:tx>
+              <c:spPr>
+                <a:noFill/>
+                <a:ln>
+                  <a:noFill/>
+                </a:ln>
+                <a:effectLst/>
+              </c:spPr>
+              <c:dLblPos val="t"/>
+              <c:showLegendKey val="0"/>
+              <c:showVal val="0"/>
+              <c:showCatName val="0"/>
+              <c:showSerName val="0"/>
+              <c:showPercent val="0"/>
+              <c:showBubbleSize val="0"/>
+              <c:showLeaderLines val="1"/>
+              <c:extLst>
+                <c:ext xmlns:c15="http://schemas.microsoft.com/office/drawing/2012/chart" uri="{CE6537A1-D6FC-4f65-9D91-7224C49458BB}"/>
+                <c:ext xmlns:c16="http://schemas.microsoft.com/office/drawing/2014/chart" uri="{C3380CC4-5D6E-409C-BE32-E72D297353CC}">
+                  <c16:uniqueId val="{00000014-d046-9566-6f2c-c40ff5e16f58}"/>
+                </c:ext>
+              </c:extLst>
+            </c:dLbl>
+            <c:dLbl>
+              <c:idx val="14"/>
+              <c:tx>
+                <c:rich>
+                  <a:bodyPr>
+                    <a:spAutoFit/>
+                  </a:bodyPr>
+                  <a:lstStyle/>
+                  <a:p>
+                    <a:pPr>
+                      <a:defRPr/>
+                    </a:pPr>
+                    <a:r>
+                      <a:rPr lang="en-US" dirty="0"/>
+                      <a:t>周围血管科</a:t>
+                    </a:r>
+                  </a:p>
+                </c:rich>
+              </c:tx>
+              <c:spPr>
+                <a:noFill/>
+                <a:ln>
+                  <a:noFill/>
+                </a:ln>
+                <a:effectLst/>
+              </c:spPr>
+              <c:dLblPos val="t"/>
+              <c:showLegendKey val="0"/>
+              <c:showVal val="0"/>
+              <c:showCatName val="0"/>
+              <c:showSerName val="0"/>
+              <c:showPercent val="0"/>
+              <c:showBubbleSize val="0"/>
+              <c:showLeaderLines val="1"/>
+              <c:extLst>
+                <c:ext xmlns:c15="http://schemas.microsoft.com/office/drawing/2012/chart" uri="{CE6537A1-D6FC-4f65-9D91-7224C49458BB}"/>
+                <c:ext xmlns:c16="http://schemas.microsoft.com/office/drawing/2014/chart" uri="{C3380CC4-5D6E-409C-BE32-E72D297353CC}">
+                  <c16:uniqueId val="{00000015-d046-9566-6f2c-c40ff5e16f58}"/>
+                </c:ext>
+              </c:extLst>
+            </c:dLbl>
+            <c:dLbl>
+              <c:idx val="15"/>
+              <c:tx>
+                <c:rich>
+                  <a:bodyPr>
+                    <a:spAutoFit/>
+                  </a:bodyPr>
+                  <a:lstStyle/>
+                  <a:p>
+                    <a:pPr>
+                      <a:defRPr/>
+                    </a:pPr>
+                    <a:r>
+                      <a:rPr lang="en-US" dirty="0"/>
+                      <a:t>妇科妇二科合并</a:t>
+                    </a:r>
+                  </a:p>
+                </c:rich>
+              </c:tx>
+              <c:spPr>
+                <a:noFill/>
+                <a:ln>
+                  <a:noFill/>
+                </a:ln>
+                <a:effectLst/>
+              </c:spPr>
+              <c:dLblPos val="t"/>
+              <c:showLegendKey val="0"/>
+              <c:showVal val="0"/>
+              <c:showCatName val="0"/>
+              <c:showSerName val="0"/>
+              <c:showPercent val="0"/>
+              <c:showBubbleSize val="0"/>
+              <c:showLeaderLines val="1"/>
+              <c:extLst>
+                <c:ext xmlns:c15="http://schemas.microsoft.com/office/drawing/2012/chart" uri="{CE6537A1-D6FC-4f65-9D91-7224C49458BB}"/>
+                <c:ext xmlns:c16="http://schemas.microsoft.com/office/drawing/2014/chart" uri="{C3380CC4-5D6E-409C-BE32-E72D297353CC}">
+                  <c16:uniqueId val="{00000016-d046-9566-6f2c-c40ff5e16f58}"/>
+                </c:ext>
+              </c:extLst>
+            </c:dLbl>
+            <c:dLbl>
+              <c:idx val="16"/>
               <c:tx>
                 <c:rich>
                   <a:bodyPr>
@@ -1908,12 +2154,12 @@
               <c:extLst>
                 <c:ext xmlns:c15="http://schemas.microsoft.com/office/drawing/2012/chart" uri="{CE6537A1-D6FC-4f65-9D91-7224C49458BB}"/>
                 <c:ext xmlns:c16="http://schemas.microsoft.com/office/drawing/2014/chart" uri="{C3380CC4-5D6E-409C-BE32-E72D297353CC}">
-                  <c16:uniqueId val="{00000011-6929-201d-3c43-7a34e422c4d6}"/>
+                  <c16:uniqueId val="{00000017-d046-9566-6f2c-c40ff5e16f58}"/>
                 </c:ext>
               </c:extLst>
             </c:dLbl>
             <c:dLbl>
-              <c:idx val="11"/>
+              <c:idx val="17"/>
               <c:tx>
                 <c:rich>
                   <a:bodyPr>
@@ -1926,7 +2172,7 @@
                     </a:pPr>
                     <a:r>
                       <a:rPr lang="en-US" dirty="0"/>
-                      <a:t>肿瘤内科</a:t>
+                      <a:t>心血管内科</a:t>
                     </a:r>
                   </a:p>
                 </c:rich>
@@ -1949,12 +2195,12 @@
               <c:extLst>
                 <c:ext xmlns:c15="http://schemas.microsoft.com/office/drawing/2012/chart" uri="{CE6537A1-D6FC-4f65-9D91-7224C49458BB}"/>
                 <c:ext xmlns:c16="http://schemas.microsoft.com/office/drawing/2014/chart" uri="{C3380CC4-5D6E-409C-BE32-E72D297353CC}">
-                  <c16:uniqueId val="{00000012-6929-201d-3c43-7a34e422c4d6}"/>
+                  <c16:uniqueId val="{00000018-d046-9566-6f2c-c40ff5e16f58}"/>
                 </c:ext>
               </c:extLst>
             </c:dLbl>
             <c:dLbl>
-              <c:idx val="12"/>
+              <c:idx val="18"/>
               <c:tx>
                 <c:rich>
                   <a:bodyPr>
@@ -1967,7 +2213,7 @@
                     </a:pPr>
                     <a:r>
                       <a:rPr lang="en-US" dirty="0"/>
-                      <a:t>神经外科</a:t>
+                      <a:t>心病四科</a:t>
                     </a:r>
                   </a:p>
                 </c:rich>
@@ -1990,12 +2236,12 @@
               <c:extLst>
                 <c:ext xmlns:c15="http://schemas.microsoft.com/office/drawing/2012/chart" uri="{CE6537A1-D6FC-4f65-9D91-7224C49458BB}"/>
                 <c:ext xmlns:c16="http://schemas.microsoft.com/office/drawing/2014/chart" uri="{C3380CC4-5D6E-409C-BE32-E72D297353CC}">
-                  <c16:uniqueId val="{00000013-6929-201d-3c43-7a34e422c4d6}"/>
+                  <c16:uniqueId val="{00000019-d046-9566-6f2c-c40ff5e16f58}"/>
                 </c:ext>
               </c:extLst>
             </c:dLbl>
             <c:dLbl>
-              <c:idx val="13"/>
+              <c:idx val="19"/>
               <c:tx>
                 <c:rich>
                   <a:bodyPr>
@@ -2008,7 +2254,7 @@
                     </a:pPr>
                     <a:r>
                       <a:rPr lang="en-US" dirty="0"/>
-                      <a:t>中医外治中心</a:t>
+                      <a:t>心病一科</a:t>
                     </a:r>
                   </a:p>
                 </c:rich>
@@ -2031,253 +2277,7 @@
               <c:extLst>
                 <c:ext xmlns:c15="http://schemas.microsoft.com/office/drawing/2012/chart" uri="{CE6537A1-D6FC-4f65-9D91-7224C49458BB}"/>
                 <c:ext xmlns:c16="http://schemas.microsoft.com/office/drawing/2014/chart" uri="{C3380CC4-5D6E-409C-BE32-E72D297353CC}">
-                  <c16:uniqueId val="{00000014-6929-201d-3c43-7a34e422c4d6}"/>
-                </c:ext>
-              </c:extLst>
-            </c:dLbl>
-            <c:dLbl>
-              <c:idx val="14"/>
-              <c:tx>
-                <c:rich>
-                  <a:bodyPr>
-                    <a:spAutoFit/>
-                  </a:bodyPr>
-                  <a:lstStyle/>
-                  <a:p>
-                    <a:pPr>
-                      <a:defRPr/>
-                    </a:pPr>
-                    <a:r>
-                      <a:rPr lang="en-US" dirty="0"/>
-                      <a:t>关节骨科</a:t>
-                    </a:r>
-                  </a:p>
-                </c:rich>
-              </c:tx>
-              <c:spPr>
-                <a:noFill/>
-                <a:ln>
-                  <a:noFill/>
-                </a:ln>
-                <a:effectLst/>
-              </c:spPr>
-              <c:dLblPos val="t"/>
-              <c:showLegendKey val="0"/>
-              <c:showVal val="0"/>
-              <c:showCatName val="0"/>
-              <c:showSerName val="0"/>
-              <c:showPercent val="0"/>
-              <c:showBubbleSize val="0"/>
-              <c:showLeaderLines val="1"/>
-              <c:extLst>
-                <c:ext xmlns:c15="http://schemas.microsoft.com/office/drawing/2012/chart" uri="{CE6537A1-D6FC-4f65-9D91-7224C49458BB}"/>
-                <c:ext xmlns:c16="http://schemas.microsoft.com/office/drawing/2014/chart" uri="{C3380CC4-5D6E-409C-BE32-E72D297353CC}">
-                  <c16:uniqueId val="{00000015-6929-201d-3c43-7a34e422c4d6}"/>
-                </c:ext>
-              </c:extLst>
-            </c:dLbl>
-            <c:dLbl>
-              <c:idx val="15"/>
-              <c:tx>
-                <c:rich>
-                  <a:bodyPr>
-                    <a:spAutoFit/>
-                  </a:bodyPr>
-                  <a:lstStyle/>
-                  <a:p>
-                    <a:pPr>
-                      <a:defRPr/>
-                    </a:pPr>
-                    <a:r>
-                      <a:rPr lang="en-US" dirty="0"/>
-                      <a:t>小儿推拿科</a:t>
-                    </a:r>
-                  </a:p>
-                </c:rich>
-              </c:tx>
-              <c:spPr>
-                <a:noFill/>
-                <a:ln>
-                  <a:noFill/>
-                </a:ln>
-                <a:effectLst/>
-              </c:spPr>
-              <c:dLblPos val="t"/>
-              <c:showLegendKey val="0"/>
-              <c:showVal val="0"/>
-              <c:showCatName val="0"/>
-              <c:showSerName val="0"/>
-              <c:showPercent val="0"/>
-              <c:showBubbleSize val="0"/>
-              <c:showLeaderLines val="1"/>
-              <c:extLst>
-                <c:ext xmlns:c15="http://schemas.microsoft.com/office/drawing/2012/chart" uri="{CE6537A1-D6FC-4f65-9D91-7224C49458BB}"/>
-                <c:ext xmlns:c16="http://schemas.microsoft.com/office/drawing/2014/chart" uri="{C3380CC4-5D6E-409C-BE32-E72D297353CC}">
-                  <c16:uniqueId val="{00000016-6929-201d-3c43-7a34e422c4d6}"/>
-                </c:ext>
-              </c:extLst>
-            </c:dLbl>
-            <c:dLbl>
-              <c:idx val="16"/>
-              <c:tx>
-                <c:rich>
-                  <a:bodyPr>
-                    <a:spAutoFit/>
-                  </a:bodyPr>
-                  <a:lstStyle/>
-                  <a:p>
-                    <a:pPr>
-                      <a:defRPr/>
-                    </a:pPr>
-                    <a:r>
-                      <a:rPr lang="en-US" dirty="0"/>
-                      <a:t>口腔科</a:t>
-                    </a:r>
-                  </a:p>
-                </c:rich>
-              </c:tx>
-              <c:spPr>
-                <a:noFill/>
-                <a:ln>
-                  <a:noFill/>
-                </a:ln>
-                <a:effectLst/>
-              </c:spPr>
-              <c:dLblPos val="t"/>
-              <c:showLegendKey val="0"/>
-              <c:showVal val="0"/>
-              <c:showCatName val="0"/>
-              <c:showSerName val="0"/>
-              <c:showPercent val="0"/>
-              <c:showBubbleSize val="0"/>
-              <c:showLeaderLines val="1"/>
-              <c:extLst>
-                <c:ext xmlns:c15="http://schemas.microsoft.com/office/drawing/2012/chart" uri="{CE6537A1-D6FC-4f65-9D91-7224C49458BB}"/>
-                <c:ext xmlns:c16="http://schemas.microsoft.com/office/drawing/2014/chart" uri="{C3380CC4-5D6E-409C-BE32-E72D297353CC}">
-                  <c16:uniqueId val="{00000017-6929-201d-3c43-7a34e422c4d6}"/>
-                </c:ext>
-              </c:extLst>
-            </c:dLbl>
-            <c:dLbl>
-              <c:idx val="17"/>
-              <c:tx>
-                <c:rich>
-                  <a:bodyPr>
-                    <a:spAutoFit/>
-                  </a:bodyPr>
-                  <a:lstStyle/>
-                  <a:p>
-                    <a:pPr>
-                      <a:defRPr/>
-                    </a:pPr>
-                    <a:r>
-                      <a:rPr lang="en-US" dirty="0"/>
-                      <a:t>男科</a:t>
-                    </a:r>
-                  </a:p>
-                </c:rich>
-              </c:tx>
-              <c:spPr>
-                <a:noFill/>
-                <a:ln>
-                  <a:noFill/>
-                </a:ln>
-                <a:effectLst/>
-              </c:spPr>
-              <c:dLblPos val="t"/>
-              <c:showLegendKey val="0"/>
-              <c:showVal val="0"/>
-              <c:showCatName val="0"/>
-              <c:showSerName val="0"/>
-              <c:showPercent val="0"/>
-              <c:showBubbleSize val="0"/>
-              <c:showLeaderLines val="1"/>
-              <c:extLst>
-                <c:ext xmlns:c15="http://schemas.microsoft.com/office/drawing/2012/chart" uri="{CE6537A1-D6FC-4f65-9D91-7224C49458BB}"/>
-                <c:ext xmlns:c16="http://schemas.microsoft.com/office/drawing/2014/chart" uri="{C3380CC4-5D6E-409C-BE32-E72D297353CC}">
-                  <c16:uniqueId val="{00000018-6929-201d-3c43-7a34e422c4d6}"/>
-                </c:ext>
-              </c:extLst>
-            </c:dLbl>
-            <c:dLbl>
-              <c:idx val="18"/>
-              <c:tx>
-                <c:rich>
-                  <a:bodyPr>
-                    <a:spAutoFit/>
-                  </a:bodyPr>
-                  <a:lstStyle/>
-                  <a:p>
-                    <a:pPr>
-                      <a:defRPr/>
-                    </a:pPr>
-                    <a:r>
-                      <a:rPr lang="en-US" dirty="0"/>
-                      <a:t>肝病科</a:t>
-                    </a:r>
-                  </a:p>
-                </c:rich>
-              </c:tx>
-              <c:spPr>
-                <a:noFill/>
-                <a:ln>
-                  <a:noFill/>
-                </a:ln>
-                <a:effectLst/>
-              </c:spPr>
-              <c:dLblPos val="t"/>
-              <c:showLegendKey val="0"/>
-              <c:showVal val="0"/>
-              <c:showCatName val="0"/>
-              <c:showSerName val="0"/>
-              <c:showPercent val="0"/>
-              <c:showBubbleSize val="0"/>
-              <c:showLeaderLines val="1"/>
-              <c:extLst>
-                <c:ext xmlns:c15="http://schemas.microsoft.com/office/drawing/2012/chart" uri="{CE6537A1-D6FC-4f65-9D91-7224C49458BB}"/>
-                <c:ext xmlns:c16="http://schemas.microsoft.com/office/drawing/2014/chart" uri="{C3380CC4-5D6E-409C-BE32-E72D297353CC}">
-                  <c16:uniqueId val="{00000019-6929-201d-3c43-7a34e422c4d6}"/>
-                </c:ext>
-              </c:extLst>
-            </c:dLbl>
-            <c:dLbl>
-              <c:idx val="19"/>
-              <c:tx>
-                <c:rich>
-                  <a:bodyPr>
-                    <a:spAutoFit/>
-                  </a:bodyPr>
-                  <a:lstStyle/>
-                  <a:p>
-                    <a:pPr>
-                      <a:defRPr/>
-                    </a:pPr>
-                    <a:r>
-                      <a:rPr lang="en-US" dirty="0"/>
-                      <a:t>运动损伤骨科</a:t>
-                    </a:r>
-                  </a:p>
-                </c:rich>
-              </c:tx>
-              <c:spPr>
-                <a:noFill/>
-                <a:ln>
-                  <a:noFill/>
-                </a:ln>
-                <a:effectLst/>
-              </c:spPr>
-              <c:dLblPos val="t"/>
-              <c:showLegendKey val="0"/>
-              <c:showVal val="0"/>
-              <c:showCatName val="0"/>
-              <c:showSerName val="0"/>
-              <c:showPercent val="0"/>
-              <c:showBubbleSize val="0"/>
-              <c:showLeaderLines val="1"/>
-              <c:extLst>
-                <c:ext xmlns:c15="http://schemas.microsoft.com/office/drawing/2012/chart" uri="{CE6537A1-D6FC-4f65-9D91-7224C49458BB}"/>
-                <c:ext xmlns:c16="http://schemas.microsoft.com/office/drawing/2014/chart" uri="{C3380CC4-5D6E-409C-BE32-E72D297353CC}">
-                  <c16:uniqueId val="{00000020-6929-201d-3c43-7a34e422c4d6}"/>
+                  <c16:uniqueId val="{00000020-d046-9566-6f2c-c40ff5e16f58}"/>
                 </c:ext>
               </c:extLst>
             </c:dLbl>
@@ -2289,64 +2289,64 @@
                 <c:formatCode>General</c:formatCode>
                 <c:ptCount val="20"/>
                 <c:pt idx="0">
-                  <c:v>16.136413305749326</c:v>
+                  <c:v>7.4548772454840515</c:v>
                 </c:pt>
                 <c:pt idx="1">
-                  <c:v>5.745150410275524</c:v>
+                  <c:v>5.7313766597042175</c:v>
                 </c:pt>
                 <c:pt idx="2">
-                  <c:v>99.99999999999999</c:v>
+                  <c:v>4.505606416921918</c:v>
                 </c:pt>
                 <c:pt idx="3">
-                  <c:v>13.68194293303507</c:v>
+                  <c:v>10.466983556226655</c:v>
                 </c:pt>
                 <c:pt idx="4">
-                  <c:v>9.627007316947081</c:v>
+                  <c:v>3.748996685828689</c:v>
                 </c:pt>
                 <c:pt idx="5">
-                  <c:v>15.58895068854995</c:v>
+                  <c:v>6.34390244649238</c:v>
                 </c:pt>
                 <c:pt idx="6">
-                  <c:v>21.392185989634577</c:v>
+                  <c:v>8.446959678510618</c:v>
                 </c:pt>
                 <c:pt idx="7">
-                  <c:v>3.778691348897036</c:v>
+                  <c:v>6.40008448560466</c:v>
                 </c:pt>
                 <c:pt idx="8">
-                  <c:v>38.53878000046974</c:v>
+                  <c:v>9.044802283924895</c:v>
                 </c:pt>
                 <c:pt idx="9">
-                  <c:v>9.85210729837462</c:v>
+                  <c:v>10.491324376277595</c:v>
                 </c:pt>
                 <c:pt idx="10">
-                  <c:v>22.979044221601278</c:v>
+                  <c:v>16.996463458784824</c:v>
                 </c:pt>
                 <c:pt idx="11">
-                  <c:v>14.714084136359599</c:v>
+                  <c:v>17.10523676170924</c:v>
                 </c:pt>
                 <c:pt idx="12">
-                  <c:v>22.06374487266646</c:v>
+                  <c:v>16.286185897814423</c:v>
                 </c:pt>
                 <c:pt idx="13">
-                  <c:v>20.68240488649161</c:v>
+                  <c:v>48.40203266701426</c:v>
                 </c:pt>
                 <c:pt idx="14">
-                  <c:v>19.83209965960248</c:v>
+                  <c:v>9.610848487576124</c:v>
                 </c:pt>
                 <c:pt idx="15">
-                  <c:v>14.70018568457306</c:v>
+                  <c:v>2.263346848071859</c:v>
                 </c:pt>
                 <c:pt idx="16">
-                  <c:v>17.39143016706474</c:v>
+                  <c:v>15.368968604791464</c:v>
                 </c:pt>
                 <c:pt idx="17">
-                  <c:v>13.396161957743862</c:v>
+                  <c:v>13.16951401252215</c:v>
                 </c:pt>
                 <c:pt idx="18">
-                  <c:v>10.417742311812447</c:v>
+                  <c:v>32.260327018004524</c:v>
                 </c:pt>
                 <c:pt idx="19">
-                  <c:v>16.67811672158371</c:v>
+                  <c:v>8.627460091409775</c:v>
                 </c:pt>
               </c:numCache>
             </c:numRef>
@@ -2361,61 +2361,61 @@
                   <c:v>100</c:v>
                 </c:pt>
                 <c:pt idx="1">
-                  <c:v>0.0023434584999702554</c:v>
+                  <c:v>0.002353536246687209</c:v>
                 </c:pt>
                 <c:pt idx="2">
-                  <c:v>0.0023181498232097207</c:v>
+                  <c:v>0.002342972393802338</c:v>
                 </c:pt>
                 <c:pt idx="3">
-                  <c:v>0.0022769581670559944</c:v>
+                  <c:v>0.002308309791256817</c:v>
                 </c:pt>
                 <c:pt idx="4">
-                  <c:v>0.0022678947453556686</c:v>
+                  <c:v>0.0022837437996912004</c:v>
                 </c:pt>
                 <c:pt idx="5">
-                  <c:v>0.0022287325338973393</c:v>
+                  <c:v>0.0021898677592252836</c:v>
                 </c:pt>
                 <c:pt idx="6">
-                  <c:v>0.0022143885573517696</c:v>
+                  <c:v>0.002179693376554074</c:v>
                 </c:pt>
                 <c:pt idx="7">
-                  <c:v>0.002212552843426632</c:v>
+                  <c:v>0.0021536086046471817</c:v>
                 </c:pt>
                 <c:pt idx="8">
-                  <c:v>0.002171323166803381</c:v>
+                  <c:v>0.002109579596920899</c:v>
                 </c:pt>
                 <c:pt idx="9">
-                  <c:v>0.0021442947103524333</c:v>
+                  <c:v>0.0020168686893292506</c:v>
                 </c:pt>
                 <c:pt idx="10">
-                  <c:v>0.0021333147633688207</c:v>
+                  <c:v>0.0019934170172323717</c:v>
                 </c:pt>
                 <c:pt idx="11">
-                  <c:v>0.002108122139590135</c:v>
+                  <c:v>0.0019480255383919603</c:v>
                 </c:pt>
                 <c:pt idx="12">
-                  <c:v>0.002107137881333381</c:v>
+                  <c:v>0.0019181836707839977</c:v>
                 </c:pt>
                 <c:pt idx="13">
-                  <c:v>0.0020867303169234963</c:v>
+                  <c:v>0.0019000308888857391</c:v>
                 </c:pt>
                 <c:pt idx="14">
-                  <c:v>0.002086097095821774</c:v>
+                  <c:v>0.001881700579590766</c:v>
                 </c:pt>
                 <c:pt idx="15">
-                  <c:v>0.0020562921552005503</c:v>
+                  <c:v>0.0017708270375624878</c:v>
                 </c:pt>
                 <c:pt idx="16">
-                  <c:v>0.002017589051641809</c:v>
+                  <c:v>0.00170239509578099</c:v>
                 </c:pt>
                 <c:pt idx="17">
-                  <c:v>0.0019998907525983823</c:v>
+                  <c:v>0.0016786880806773348</c:v>
                 </c:pt>
                 <c:pt idx="18">
-                  <c:v>0.0019045416653633634</c:v>
+                  <c:v>0.0016430605713377705</c:v>
                 </c:pt>
                 <c:pt idx="19">
-                  <c:v>0.001830080832897099</c:v>
+                  <c:v>0.0016327705475510878</c:v>
                 </c:pt>
               </c:numCache>
             </c:numRef>

--- a/cases/goodhostpital2021/对标分析报告.pg.pptx
+++ b/cases/goodhostpital2021/对标分析报告.pg.pptx
@@ -109,13 +109,13 @@
   <p:extLst>
     <p:ext uri="{521415D9-36F7-43E2-AB2F-B90AF26B5E84}">
       <p14:sectionLst xmlns:p14="http://schemas.microsoft.com/office/powerpoint/2010/main">
-        <p14:section name="院内专科BCG散点图" id="{2a2a7681-605c-3e00-fc31-c0d7c3a9747c}">
+        <p14:section name="院内专科BCG散点图" id="{7bdac7d0-ca80-3cc8-ce22-5e93f857abfa}">
           <p14:sldIdLst>
             <p14:sldId id="257"/>
             <p14:sldId id="258"/>
           </p14:sldIdLst>
         </p14:section>
-        <p14:section name="院内专科梯队表格" id="{fcf5630d-8c52-ed4a-ab04-14418ec82519}">
+        <p14:section name="院内专科梯队表格" id="{157c7fec-a38f-54c6-12ba-dbc4b117105c}">
           <p14:sldIdLst/>
         </p14:section>
       </p14:sectionLst>
@@ -127,7 +127,7 @@
 </p:presentation>
 </file>
 
-<file path=ppt/charts/chart2505.xml><?xml version="1.0" encoding="utf-8"?>
+<file path=ppt/charts/chart3.xml><?xml version="1.0" encoding="utf-8"?>
 <c:chartSpace xmlns:c="http://schemas.openxmlformats.org/drawingml/2006/chart" xmlns:a="http://schemas.openxmlformats.org/drawingml/2006/main" xmlns:r="http://schemas.openxmlformats.org/officeDocument/2006/relationships">
   <c:date1904 val="0"/>
   <c:chart>
@@ -221,6 +221,170 @@
                     </a:pPr>
                     <a:r>
                       <a:rPr lang="en-US" dirty="0"/>
+                      <a:t>美容皮肤科</a:t>
+                    </a:r>
+                  </a:p>
+                </c:rich>
+              </c:tx>
+              <c:spPr>
+                <a:noFill/>
+                <a:ln>
+                  <a:noFill/>
+                </a:ln>
+                <a:effectLst/>
+              </c:spPr>
+              <c:dLblPos val="t"/>
+              <c:showLegendKey val="0"/>
+              <c:showVal val="0"/>
+              <c:showCatName val="0"/>
+              <c:showSerName val="0"/>
+              <c:showPercent val="0"/>
+              <c:showBubbleSize val="0"/>
+              <c:showLeaderLines val="1"/>
+              <c:extLst>
+                <c:ext xmlns:c15="http://schemas.microsoft.com/office/drawing/2012/chart" uri="{CE6537A1-D6FC-4f65-9D91-7224C49458BB}"/>
+                <c:ext xmlns:c16="http://schemas.microsoft.com/office/drawing/2014/chart" uri="{C3380CC4-5D6E-409C-BE32-E72D297353CC}">
+                  <c16:uniqueId val="{00000001-4f34-1446-9b82-31309ba4f673}"/>
+                </c:ext>
+              </c:extLst>
+            </c:dLbl>
+            <c:dLbl>
+              <c:idx val="1"/>
+              <c:tx>
+                <c:rich>
+                  <a:bodyPr>
+                    <a:spAutoFit/>
+                  </a:bodyPr>
+                  <a:lstStyle/>
+                  <a:p>
+                    <a:pPr>
+                      <a:defRPr/>
+                    </a:pPr>
+                    <a:r>
+                      <a:rPr lang="en-US" dirty="0"/>
+                      <a:t>身心医学科</a:t>
+                    </a:r>
+                  </a:p>
+                </c:rich>
+              </c:tx>
+              <c:spPr>
+                <a:noFill/>
+                <a:ln>
+                  <a:noFill/>
+                </a:ln>
+                <a:effectLst/>
+              </c:spPr>
+              <c:dLblPos val="t"/>
+              <c:showLegendKey val="0"/>
+              <c:showVal val="0"/>
+              <c:showCatName val="0"/>
+              <c:showSerName val="0"/>
+              <c:showPercent val="0"/>
+              <c:showBubbleSize val="0"/>
+              <c:showLeaderLines val="1"/>
+              <c:extLst>
+                <c:ext xmlns:c15="http://schemas.microsoft.com/office/drawing/2012/chart" uri="{CE6537A1-D6FC-4f65-9D91-7224C49458BB}"/>
+                <c:ext xmlns:c16="http://schemas.microsoft.com/office/drawing/2014/chart" uri="{C3380CC4-5D6E-409C-BE32-E72D297353CC}">
+                  <c16:uniqueId val="{00000002-4f34-1446-9b82-31309ba4f673}"/>
+                </c:ext>
+              </c:extLst>
+            </c:dLbl>
+            <c:dLbl>
+              <c:idx val="2"/>
+              <c:tx>
+                <c:rich>
+                  <a:bodyPr>
+                    <a:spAutoFit/>
+                  </a:bodyPr>
+                  <a:lstStyle/>
+                  <a:p>
+                    <a:pPr>
+                      <a:defRPr/>
+                    </a:pPr>
+                    <a:r>
+                      <a:rPr lang="en-US" dirty="0"/>
+                      <a:t>肝病科</a:t>
+                    </a:r>
+                  </a:p>
+                </c:rich>
+              </c:tx>
+              <c:spPr>
+                <a:noFill/>
+                <a:ln>
+                  <a:noFill/>
+                </a:ln>
+                <a:effectLst/>
+              </c:spPr>
+              <c:dLblPos val="t"/>
+              <c:showLegendKey val="0"/>
+              <c:showVal val="0"/>
+              <c:showCatName val="0"/>
+              <c:showSerName val="0"/>
+              <c:showPercent val="0"/>
+              <c:showBubbleSize val="0"/>
+              <c:showLeaderLines val="1"/>
+              <c:extLst>
+                <c:ext xmlns:c15="http://schemas.microsoft.com/office/drawing/2012/chart" uri="{CE6537A1-D6FC-4f65-9D91-7224C49458BB}"/>
+                <c:ext xmlns:c16="http://schemas.microsoft.com/office/drawing/2014/chart" uri="{C3380CC4-5D6E-409C-BE32-E72D297353CC}">
+                  <c16:uniqueId val="{00000003-4f34-1446-9b82-31309ba4f673}"/>
+                </c:ext>
+              </c:extLst>
+            </c:dLbl>
+            <c:dLbl>
+              <c:idx val="3"/>
+              <c:tx>
+                <c:rich>
+                  <a:bodyPr>
+                    <a:spAutoFit/>
+                  </a:bodyPr>
+                  <a:lstStyle/>
+                  <a:p>
+                    <a:pPr>
+                      <a:defRPr/>
+                    </a:pPr>
+                    <a:r>
+                      <a:rPr lang="en-US" dirty="0"/>
+                      <a:t>中医外治中心</a:t>
+                    </a:r>
+                  </a:p>
+                </c:rich>
+              </c:tx>
+              <c:spPr>
+                <a:noFill/>
+                <a:ln>
+                  <a:noFill/>
+                </a:ln>
+                <a:effectLst/>
+              </c:spPr>
+              <c:dLblPos val="t"/>
+              <c:showLegendKey val="0"/>
+              <c:showVal val="0"/>
+              <c:showCatName val="0"/>
+              <c:showSerName val="0"/>
+              <c:showPercent val="0"/>
+              <c:showBubbleSize val="0"/>
+              <c:showLeaderLines val="1"/>
+              <c:extLst>
+                <c:ext xmlns:c15="http://schemas.microsoft.com/office/drawing/2012/chart" uri="{CE6537A1-D6FC-4f65-9D91-7224C49458BB}"/>
+                <c:ext xmlns:c16="http://schemas.microsoft.com/office/drawing/2014/chart" uri="{C3380CC4-5D6E-409C-BE32-E72D297353CC}">
+                  <c16:uniqueId val="{00000004-4f34-1446-9b82-31309ba4f673}"/>
+                </c:ext>
+              </c:extLst>
+            </c:dLbl>
+            <c:dLbl>
+              <c:idx val="4"/>
+              <c:tx>
+                <c:rich>
+                  <a:bodyPr>
+                    <a:spAutoFit/>
+                  </a:bodyPr>
+                  <a:lstStyle/>
+                  <a:p>
+                    <a:pPr>
+                      <a:defRPr/>
+                    </a:pPr>
+                    <a:r>
+                      <a:rPr lang="en-US" dirty="0"/>
                       <a:t>康复科</a:t>
                     </a:r>
                   </a:p>
@@ -244,12 +408,12 @@
               <c:extLst>
                 <c:ext xmlns:c15="http://schemas.microsoft.com/office/drawing/2012/chart" uri="{CE6537A1-D6FC-4f65-9D91-7224C49458BB}"/>
                 <c:ext xmlns:c16="http://schemas.microsoft.com/office/drawing/2014/chart" uri="{C3380CC4-5D6E-409C-BE32-E72D297353CC}">
-                  <c16:uniqueId val="{00000001-0ea1-02e1-08bf-38ff7b75e228}"/>
+                  <c16:uniqueId val="{00000005-4f34-1446-9b82-31309ba4f673}"/>
                 </c:ext>
               </c:extLst>
             </c:dLbl>
             <c:dLbl>
-              <c:idx val="1"/>
+              <c:idx val="5"/>
               <c:tx>
                 <c:rich>
                   <a:bodyPr>
@@ -262,7 +426,7 @@
                     </a:pPr>
                     <a:r>
                       <a:rPr lang="en-US" dirty="0"/>
-                      <a:t>神经内科</a:t>
+                      <a:t>内分泌科</a:t>
                     </a:r>
                   </a:p>
                 </c:rich>
@@ -285,12 +449,12 @@
               <c:extLst>
                 <c:ext xmlns:c15="http://schemas.microsoft.com/office/drawing/2012/chart" uri="{CE6537A1-D6FC-4f65-9D91-7224C49458BB}"/>
                 <c:ext xmlns:c16="http://schemas.microsoft.com/office/drawing/2014/chart" uri="{C3380CC4-5D6E-409C-BE32-E72D297353CC}">
-                  <c16:uniqueId val="{00000002-0ea1-02e1-08bf-38ff7b75e228}"/>
+                  <c16:uniqueId val="{00000006-4f34-1446-9b82-31309ba4f673}"/>
                 </c:ext>
               </c:extLst>
             </c:dLbl>
             <c:dLbl>
-              <c:idx val="2"/>
+              <c:idx val="6"/>
               <c:tx>
                 <c:rich>
                   <a:bodyPr>
@@ -303,7 +467,7 @@
                     </a:pPr>
                     <a:r>
                       <a:rPr lang="en-US" dirty="0"/>
-                      <a:t>心病四科</a:t>
+                      <a:t>西区重症医学科</a:t>
                     </a:r>
                   </a:p>
                 </c:rich>
@@ -326,12 +490,299 @@
               <c:extLst>
                 <c:ext xmlns:c15="http://schemas.microsoft.com/office/drawing/2012/chart" uri="{CE6537A1-D6FC-4f65-9D91-7224C49458BB}"/>
                 <c:ext xmlns:c16="http://schemas.microsoft.com/office/drawing/2014/chart" uri="{C3380CC4-5D6E-409C-BE32-E72D297353CC}">
-                  <c16:uniqueId val="{00000003-0ea1-02e1-08bf-38ff7b75e228}"/>
+                  <c16:uniqueId val="{00000007-4f34-1446-9b82-31309ba4f673}"/>
                 </c:ext>
               </c:extLst>
             </c:dLbl>
             <c:dLbl>
-              <c:idx val="3"/>
+              <c:idx val="7"/>
+              <c:tx>
+                <c:rich>
+                  <a:bodyPr>
+                    <a:spAutoFit/>
+                  </a:bodyPr>
+                  <a:lstStyle/>
+                  <a:p>
+                    <a:pPr>
+                      <a:defRPr/>
+                    </a:pPr>
+                    <a:r>
+                      <a:rPr lang="en-US" dirty="0"/>
+                      <a:t>微创骨科</a:t>
+                    </a:r>
+                  </a:p>
+                </c:rich>
+              </c:tx>
+              <c:spPr>
+                <a:noFill/>
+                <a:ln>
+                  <a:noFill/>
+                </a:ln>
+                <a:effectLst/>
+              </c:spPr>
+              <c:dLblPos val="t"/>
+              <c:showLegendKey val="0"/>
+              <c:showVal val="0"/>
+              <c:showCatName val="0"/>
+              <c:showSerName val="0"/>
+              <c:showPercent val="0"/>
+              <c:showBubbleSize val="0"/>
+              <c:showLeaderLines val="1"/>
+              <c:extLst>
+                <c:ext xmlns:c15="http://schemas.microsoft.com/office/drawing/2012/chart" uri="{CE6537A1-D6FC-4f65-9D91-7224C49458BB}"/>
+                <c:ext xmlns:c16="http://schemas.microsoft.com/office/drawing/2014/chart" uri="{C3380CC4-5D6E-409C-BE32-E72D297353CC}">
+                  <c16:uniqueId val="{00000008-4f34-1446-9b82-31309ba4f673}"/>
+                </c:ext>
+              </c:extLst>
+            </c:dLbl>
+            <c:dLbl>
+              <c:idx val="8"/>
+              <c:tx>
+                <c:rich>
+                  <a:bodyPr>
+                    <a:spAutoFit/>
+                  </a:bodyPr>
+                  <a:lstStyle/>
+                  <a:p>
+                    <a:pPr>
+                      <a:defRPr/>
+                    </a:pPr>
+                    <a:r>
+                      <a:rPr lang="en-US" dirty="0"/>
+                      <a:t>口腔科</a:t>
+                    </a:r>
+                  </a:p>
+                </c:rich>
+              </c:tx>
+              <c:spPr>
+                <a:noFill/>
+                <a:ln>
+                  <a:noFill/>
+                </a:ln>
+                <a:effectLst/>
+              </c:spPr>
+              <c:dLblPos val="t"/>
+              <c:showLegendKey val="0"/>
+              <c:showVal val="0"/>
+              <c:showCatName val="0"/>
+              <c:showSerName val="0"/>
+              <c:showPercent val="0"/>
+              <c:showBubbleSize val="0"/>
+              <c:showLeaderLines val="1"/>
+              <c:extLst>
+                <c:ext xmlns:c15="http://schemas.microsoft.com/office/drawing/2012/chart" uri="{CE6537A1-D6FC-4f65-9D91-7224C49458BB}"/>
+                <c:ext xmlns:c16="http://schemas.microsoft.com/office/drawing/2014/chart" uri="{C3380CC4-5D6E-409C-BE32-E72D297353CC}">
+                  <c16:uniqueId val="{00000009-4f34-1446-9b82-31309ba4f673}"/>
+                </c:ext>
+              </c:extLst>
+            </c:dLbl>
+            <c:dLbl>
+              <c:idx val="9"/>
+              <c:tx>
+                <c:rich>
+                  <a:bodyPr>
+                    <a:spAutoFit/>
+                  </a:bodyPr>
+                  <a:lstStyle/>
+                  <a:p>
+                    <a:pPr>
+                      <a:defRPr/>
+                    </a:pPr>
+                    <a:r>
+                      <a:rPr lang="en-US" dirty="0"/>
+                      <a:t>针灸科</a:t>
+                    </a:r>
+                  </a:p>
+                </c:rich>
+              </c:tx>
+              <c:spPr>
+                <a:noFill/>
+                <a:ln>
+                  <a:noFill/>
+                </a:ln>
+                <a:effectLst/>
+              </c:spPr>
+              <c:dLblPos val="t"/>
+              <c:showLegendKey val="0"/>
+              <c:showVal val="0"/>
+              <c:showCatName val="0"/>
+              <c:showSerName val="0"/>
+              <c:showPercent val="0"/>
+              <c:showBubbleSize val="0"/>
+              <c:showLeaderLines val="1"/>
+              <c:extLst>
+                <c:ext xmlns:c15="http://schemas.microsoft.com/office/drawing/2012/chart" uri="{CE6537A1-D6FC-4f65-9D91-7224C49458BB}"/>
+                <c:ext xmlns:c16="http://schemas.microsoft.com/office/drawing/2014/chart" uri="{C3380CC4-5D6E-409C-BE32-E72D297353CC}">
+                  <c16:uniqueId val="{00000010-4f34-1446-9b82-31309ba4f673}"/>
+                </c:ext>
+              </c:extLst>
+            </c:dLbl>
+            <c:dLbl>
+              <c:idx val="10"/>
+              <c:tx>
+                <c:rich>
+                  <a:bodyPr>
+                    <a:spAutoFit/>
+                  </a:bodyPr>
+                  <a:lstStyle/>
+                  <a:p>
+                    <a:pPr>
+                      <a:defRPr/>
+                    </a:pPr>
+                    <a:r>
+                      <a:rPr lang="en-US" dirty="0"/>
+                      <a:t>东区肾病科</a:t>
+                    </a:r>
+                  </a:p>
+                </c:rich>
+              </c:tx>
+              <c:spPr>
+                <a:noFill/>
+                <a:ln>
+                  <a:noFill/>
+                </a:ln>
+                <a:effectLst/>
+              </c:spPr>
+              <c:dLblPos val="t"/>
+              <c:showLegendKey val="0"/>
+              <c:showVal val="0"/>
+              <c:showCatName val="0"/>
+              <c:showSerName val="0"/>
+              <c:showPercent val="0"/>
+              <c:showBubbleSize val="0"/>
+              <c:showLeaderLines val="1"/>
+              <c:extLst>
+                <c:ext xmlns:c15="http://schemas.microsoft.com/office/drawing/2012/chart" uri="{CE6537A1-D6FC-4f65-9D91-7224C49458BB}"/>
+                <c:ext xmlns:c16="http://schemas.microsoft.com/office/drawing/2014/chart" uri="{C3380CC4-5D6E-409C-BE32-E72D297353CC}">
+                  <c16:uniqueId val="{00000011-4f34-1446-9b82-31309ba4f673}"/>
+                </c:ext>
+              </c:extLst>
+            </c:dLbl>
+            <c:dLbl>
+              <c:idx val="11"/>
+              <c:tx>
+                <c:rich>
+                  <a:bodyPr>
+                    <a:spAutoFit/>
+                  </a:bodyPr>
+                  <a:lstStyle/>
+                  <a:p>
+                    <a:pPr>
+                      <a:defRPr/>
+                    </a:pPr>
+                    <a:r>
+                      <a:rPr lang="en-US" dirty="0"/>
+                      <a:t>重症医学科</a:t>
+                    </a:r>
+                  </a:p>
+                </c:rich>
+              </c:tx>
+              <c:spPr>
+                <a:noFill/>
+                <a:ln>
+                  <a:noFill/>
+                </a:ln>
+                <a:effectLst/>
+              </c:spPr>
+              <c:dLblPos val="t"/>
+              <c:showLegendKey val="0"/>
+              <c:showVal val="0"/>
+              <c:showCatName val="0"/>
+              <c:showSerName val="0"/>
+              <c:showPercent val="0"/>
+              <c:showBubbleSize val="0"/>
+              <c:showLeaderLines val="1"/>
+              <c:extLst>
+                <c:ext xmlns:c15="http://schemas.microsoft.com/office/drawing/2012/chart" uri="{CE6537A1-D6FC-4f65-9D91-7224C49458BB}"/>
+                <c:ext xmlns:c16="http://schemas.microsoft.com/office/drawing/2014/chart" uri="{C3380CC4-5D6E-409C-BE32-E72D297353CC}">
+                  <c16:uniqueId val="{00000012-4f34-1446-9b82-31309ba4f673}"/>
+                </c:ext>
+              </c:extLst>
+            </c:dLbl>
+            <c:dLbl>
+              <c:idx val="12"/>
+              <c:tx>
+                <c:rich>
+                  <a:bodyPr>
+                    <a:spAutoFit/>
+                  </a:bodyPr>
+                  <a:lstStyle/>
+                  <a:p>
+                    <a:pPr>
+                      <a:defRPr/>
+                    </a:pPr>
+                    <a:r>
+                      <a:rPr lang="en-US" dirty="0"/>
+                      <a:t>脾胃科消化科合并</a:t>
+                    </a:r>
+                  </a:p>
+                </c:rich>
+              </c:tx>
+              <c:spPr>
+                <a:noFill/>
+                <a:ln>
+                  <a:noFill/>
+                </a:ln>
+                <a:effectLst/>
+              </c:spPr>
+              <c:dLblPos val="t"/>
+              <c:showLegendKey val="0"/>
+              <c:showVal val="0"/>
+              <c:showCatName val="0"/>
+              <c:showSerName val="0"/>
+              <c:showPercent val="0"/>
+              <c:showBubbleSize val="0"/>
+              <c:showLeaderLines val="1"/>
+              <c:extLst>
+                <c:ext xmlns:c15="http://schemas.microsoft.com/office/drawing/2012/chart" uri="{CE6537A1-D6FC-4f65-9D91-7224C49458BB}"/>
+                <c:ext xmlns:c16="http://schemas.microsoft.com/office/drawing/2014/chart" uri="{C3380CC4-5D6E-409C-BE32-E72D297353CC}">
+                  <c16:uniqueId val="{00000013-4f34-1446-9b82-31309ba4f673}"/>
+                </c:ext>
+              </c:extLst>
+            </c:dLbl>
+            <c:dLbl>
+              <c:idx val="13"/>
+              <c:tx>
+                <c:rich>
+                  <a:bodyPr>
+                    <a:spAutoFit/>
+                  </a:bodyPr>
+                  <a:lstStyle/>
+                  <a:p>
+                    <a:pPr>
+                      <a:defRPr/>
+                    </a:pPr>
+                    <a:r>
+                      <a:rPr lang="en-US" dirty="0"/>
+                      <a:t>脊柱骨科</a:t>
+                    </a:r>
+                  </a:p>
+                </c:rich>
+              </c:tx>
+              <c:spPr>
+                <a:noFill/>
+                <a:ln>
+                  <a:noFill/>
+                </a:ln>
+                <a:effectLst/>
+              </c:spPr>
+              <c:dLblPos val="t"/>
+              <c:showLegendKey val="0"/>
+              <c:showVal val="0"/>
+              <c:showCatName val="0"/>
+              <c:showSerName val="0"/>
+              <c:showPercent val="0"/>
+              <c:showBubbleSize val="0"/>
+              <c:showLeaderLines val="1"/>
+              <c:extLst>
+                <c:ext xmlns:c15="http://schemas.microsoft.com/office/drawing/2012/chart" uri="{CE6537A1-D6FC-4f65-9D91-7224C49458BB}"/>
+                <c:ext xmlns:c16="http://schemas.microsoft.com/office/drawing/2014/chart" uri="{C3380CC4-5D6E-409C-BE32-E72D297353CC}">
+                  <c16:uniqueId val="{00000014-4f34-1446-9b82-31309ba4f673}"/>
+                </c:ext>
+              </c:extLst>
+            </c:dLbl>
+            <c:dLbl>
+              <c:idx val="14"/>
               <c:tx>
                 <c:rich>
                   <a:bodyPr>
@@ -367,12 +818,12 @@
               <c:extLst>
                 <c:ext xmlns:c15="http://schemas.microsoft.com/office/drawing/2012/chart" uri="{CE6537A1-D6FC-4f65-9D91-7224C49458BB}"/>
                 <c:ext xmlns:c16="http://schemas.microsoft.com/office/drawing/2014/chart" uri="{C3380CC4-5D6E-409C-BE32-E72D297353CC}">
-                  <c16:uniqueId val="{00000004-0ea1-02e1-08bf-38ff7b75e228}"/>
+                  <c16:uniqueId val="{00000015-4f34-1446-9b82-31309ba4f673}"/>
                 </c:ext>
               </c:extLst>
             </c:dLbl>
             <c:dLbl>
-              <c:idx val="4"/>
+              <c:idx val="15"/>
               <c:tx>
                 <c:rich>
                   <a:bodyPr>
@@ -385,7 +836,7 @@
                     </a:pPr>
                     <a:r>
                       <a:rPr lang="en-US" dirty="0"/>
-                      <a:t>神经外科</a:t>
+                      <a:t>脾胃病科</a:t>
                     </a:r>
                   </a:p>
                 </c:rich>
@@ -408,53 +859,12 @@
               <c:extLst>
                 <c:ext xmlns:c15="http://schemas.microsoft.com/office/drawing/2012/chart" uri="{CE6537A1-D6FC-4f65-9D91-7224C49458BB}"/>
                 <c:ext xmlns:c16="http://schemas.microsoft.com/office/drawing/2014/chart" uri="{C3380CC4-5D6E-409C-BE32-E72D297353CC}">
-                  <c16:uniqueId val="{00000005-0ea1-02e1-08bf-38ff7b75e228}"/>
+                  <c16:uniqueId val="{00000016-4f34-1446-9b82-31309ba4f673}"/>
                 </c:ext>
               </c:extLst>
             </c:dLbl>
             <c:dLbl>
-              <c:idx val="5"/>
-              <c:tx>
-                <c:rich>
-                  <a:bodyPr>
-                    <a:spAutoFit/>
-                  </a:bodyPr>
-                  <a:lstStyle/>
-                  <a:p>
-                    <a:pPr>
-                      <a:defRPr/>
-                    </a:pPr>
-                    <a:r>
-                      <a:rPr lang="en-US" dirty="0"/>
-                      <a:t>胸外科</a:t>
-                    </a:r>
-                  </a:p>
-                </c:rich>
-              </c:tx>
-              <c:spPr>
-                <a:noFill/>
-                <a:ln>
-                  <a:noFill/>
-                </a:ln>
-                <a:effectLst/>
-              </c:spPr>
-              <c:dLblPos val="t"/>
-              <c:showLegendKey val="0"/>
-              <c:showVal val="0"/>
-              <c:showCatName val="0"/>
-              <c:showSerName val="0"/>
-              <c:showPercent val="0"/>
-              <c:showBubbleSize val="0"/>
-              <c:showLeaderLines val="1"/>
-              <c:extLst>
-                <c:ext xmlns:c15="http://schemas.microsoft.com/office/drawing/2012/chart" uri="{CE6537A1-D6FC-4f65-9D91-7224C49458BB}"/>
-                <c:ext xmlns:c16="http://schemas.microsoft.com/office/drawing/2014/chart" uri="{C3380CC4-5D6E-409C-BE32-E72D297353CC}">
-                  <c16:uniqueId val="{00000006-0ea1-02e1-08bf-38ff7b75e228}"/>
-                </c:ext>
-              </c:extLst>
-            </c:dLbl>
-            <c:dLbl>
-              <c:idx val="6"/>
+              <c:idx val="16"/>
               <c:tx>
                 <c:rich>
                   <a:bodyPr>
@@ -490,504 +900,12 @@
               <c:extLst>
                 <c:ext xmlns:c15="http://schemas.microsoft.com/office/drawing/2012/chart" uri="{CE6537A1-D6FC-4f65-9D91-7224C49458BB}"/>
                 <c:ext xmlns:c16="http://schemas.microsoft.com/office/drawing/2014/chart" uri="{C3380CC4-5D6E-409C-BE32-E72D297353CC}">
-                  <c16:uniqueId val="{00000007-0ea1-02e1-08bf-38ff7b75e228}"/>
-                </c:ext>
-              </c:extLst>
-            </c:dLbl>
-            <c:dLbl>
-              <c:idx val="7"/>
-              <c:tx>
-                <c:rich>
-                  <a:bodyPr>
-                    <a:spAutoFit/>
-                  </a:bodyPr>
-                  <a:lstStyle/>
-                  <a:p>
-                    <a:pPr>
-                      <a:defRPr/>
-                    </a:pPr>
-                    <a:r>
-                      <a:rPr lang="en-US" dirty="0"/>
-                      <a:t>运动损伤骨科</a:t>
-                    </a:r>
-                  </a:p>
-                </c:rich>
-              </c:tx>
-              <c:spPr>
-                <a:noFill/>
-                <a:ln>
-                  <a:noFill/>
-                </a:ln>
-                <a:effectLst/>
-              </c:spPr>
-              <c:dLblPos val="t"/>
-              <c:showLegendKey val="0"/>
-              <c:showVal val="0"/>
-              <c:showCatName val="0"/>
-              <c:showSerName val="0"/>
-              <c:showPercent val="0"/>
-              <c:showBubbleSize val="0"/>
-              <c:showLeaderLines val="1"/>
-              <c:extLst>
-                <c:ext xmlns:c15="http://schemas.microsoft.com/office/drawing/2012/chart" uri="{CE6537A1-D6FC-4f65-9D91-7224C49458BB}"/>
-                <c:ext xmlns:c16="http://schemas.microsoft.com/office/drawing/2014/chart" uri="{C3380CC4-5D6E-409C-BE32-E72D297353CC}">
-                  <c16:uniqueId val="{00000008-0ea1-02e1-08bf-38ff7b75e228}"/>
-                </c:ext>
-              </c:extLst>
-            </c:dLbl>
-            <c:dLbl>
-              <c:idx val="8"/>
-              <c:tx>
-                <c:rich>
-                  <a:bodyPr>
-                    <a:spAutoFit/>
-                  </a:bodyPr>
-                  <a:lstStyle/>
-                  <a:p>
-                    <a:pPr>
-                      <a:defRPr/>
-                    </a:pPr>
-                    <a:r>
-                      <a:rPr lang="en-US" dirty="0"/>
-                      <a:t>皮肤科</a:t>
-                    </a:r>
-                  </a:p>
-                </c:rich>
-              </c:tx>
-              <c:spPr>
-                <a:noFill/>
-                <a:ln>
-                  <a:noFill/>
-                </a:ln>
-                <a:effectLst/>
-              </c:spPr>
-              <c:dLblPos val="t"/>
-              <c:showLegendKey val="0"/>
-              <c:showVal val="0"/>
-              <c:showCatName val="0"/>
-              <c:showSerName val="0"/>
-              <c:showPercent val="0"/>
-              <c:showBubbleSize val="0"/>
-              <c:showLeaderLines val="1"/>
-              <c:extLst>
-                <c:ext xmlns:c15="http://schemas.microsoft.com/office/drawing/2012/chart" uri="{CE6537A1-D6FC-4f65-9D91-7224C49458BB}"/>
-                <c:ext xmlns:c16="http://schemas.microsoft.com/office/drawing/2014/chart" uri="{C3380CC4-5D6E-409C-BE32-E72D297353CC}">
-                  <c16:uniqueId val="{00000009-0ea1-02e1-08bf-38ff7b75e228}"/>
-                </c:ext>
-              </c:extLst>
-            </c:dLbl>
-            <c:dLbl>
-              <c:idx val="9"/>
-              <c:tx>
-                <c:rich>
-                  <a:bodyPr>
-                    <a:spAutoFit/>
-                  </a:bodyPr>
-                  <a:lstStyle/>
-                  <a:p>
-                    <a:pPr>
-                      <a:defRPr/>
-                    </a:pPr>
-                    <a:r>
-                      <a:rPr lang="en-US" dirty="0"/>
-                      <a:t>微创骨科</a:t>
-                    </a:r>
-                  </a:p>
-                </c:rich>
-              </c:tx>
-              <c:spPr>
-                <a:noFill/>
-                <a:ln>
-                  <a:noFill/>
-                </a:ln>
-                <a:effectLst/>
-              </c:spPr>
-              <c:dLblPos val="t"/>
-              <c:showLegendKey val="0"/>
-              <c:showVal val="0"/>
-              <c:showCatName val="0"/>
-              <c:showSerName val="0"/>
-              <c:showPercent val="0"/>
-              <c:showBubbleSize val="0"/>
-              <c:showLeaderLines val="1"/>
-              <c:extLst>
-                <c:ext xmlns:c15="http://schemas.microsoft.com/office/drawing/2012/chart" uri="{CE6537A1-D6FC-4f65-9D91-7224C49458BB}"/>
-                <c:ext xmlns:c16="http://schemas.microsoft.com/office/drawing/2014/chart" uri="{C3380CC4-5D6E-409C-BE32-E72D297353CC}">
-                  <c16:uniqueId val="{00000010-0ea1-02e1-08bf-38ff7b75e228}"/>
-                </c:ext>
-              </c:extLst>
-            </c:dLbl>
-            <c:dLbl>
-              <c:idx val="10"/>
-              <c:tx>
-                <c:rich>
-                  <a:bodyPr>
-                    <a:spAutoFit/>
-                  </a:bodyPr>
-                  <a:lstStyle/>
-                  <a:p>
-                    <a:pPr>
-                      <a:defRPr/>
-                    </a:pPr>
-                    <a:r>
-                      <a:rPr lang="en-US" dirty="0"/>
-                      <a:t>心病二科</a:t>
-                    </a:r>
-                  </a:p>
-                </c:rich>
-              </c:tx>
-              <c:spPr>
-                <a:noFill/>
-                <a:ln>
-                  <a:noFill/>
-                </a:ln>
-                <a:effectLst/>
-              </c:spPr>
-              <c:dLblPos val="t"/>
-              <c:showLegendKey val="0"/>
-              <c:showVal val="0"/>
-              <c:showCatName val="0"/>
-              <c:showSerName val="0"/>
-              <c:showPercent val="0"/>
-              <c:showBubbleSize val="0"/>
-              <c:showLeaderLines val="1"/>
-              <c:extLst>
-                <c:ext xmlns:c15="http://schemas.microsoft.com/office/drawing/2012/chart" uri="{CE6537A1-D6FC-4f65-9D91-7224C49458BB}"/>
-                <c:ext xmlns:c16="http://schemas.microsoft.com/office/drawing/2014/chart" uri="{C3380CC4-5D6E-409C-BE32-E72D297353CC}">
-                  <c16:uniqueId val="{00000011-0ea1-02e1-08bf-38ff7b75e228}"/>
-                </c:ext>
-              </c:extLst>
-            </c:dLbl>
-            <c:dLbl>
-              <c:idx val="11"/>
-              <c:tx>
-                <c:rich>
-                  <a:bodyPr>
-                    <a:spAutoFit/>
-                  </a:bodyPr>
-                  <a:lstStyle/>
-                  <a:p>
-                    <a:pPr>
-                      <a:defRPr/>
-                    </a:pPr>
-                    <a:r>
-                      <a:rPr lang="en-US" dirty="0"/>
-                      <a:t>心血管内科</a:t>
-                    </a:r>
-                  </a:p>
-                </c:rich>
-              </c:tx>
-              <c:spPr>
-                <a:noFill/>
-                <a:ln>
-                  <a:noFill/>
-                </a:ln>
-                <a:effectLst/>
-              </c:spPr>
-              <c:dLblPos val="t"/>
-              <c:showLegendKey val="0"/>
-              <c:showVal val="0"/>
-              <c:showCatName val="0"/>
-              <c:showSerName val="0"/>
-              <c:showPercent val="0"/>
-              <c:showBubbleSize val="0"/>
-              <c:showLeaderLines val="1"/>
-              <c:extLst>
-                <c:ext xmlns:c15="http://schemas.microsoft.com/office/drawing/2012/chart" uri="{CE6537A1-D6FC-4f65-9D91-7224C49458BB}"/>
-                <c:ext xmlns:c16="http://schemas.microsoft.com/office/drawing/2014/chart" uri="{C3380CC4-5D6E-409C-BE32-E72D297353CC}">
-                  <c16:uniqueId val="{00000012-0ea1-02e1-08bf-38ff7b75e228}"/>
-                </c:ext>
-              </c:extLst>
-            </c:dLbl>
-            <c:dLbl>
-              <c:idx val="12"/>
-              <c:tx>
-                <c:rich>
-                  <a:bodyPr>
-                    <a:spAutoFit/>
-                  </a:bodyPr>
-                  <a:lstStyle/>
-                  <a:p>
-                    <a:pPr>
-                      <a:defRPr/>
-                    </a:pPr>
-                    <a:r>
-                      <a:rPr lang="en-US" dirty="0"/>
-                      <a:t>中医外治中心</a:t>
-                    </a:r>
-                  </a:p>
-                </c:rich>
-              </c:tx>
-              <c:spPr>
-                <a:noFill/>
-                <a:ln>
-                  <a:noFill/>
-                </a:ln>
-                <a:effectLst/>
-              </c:spPr>
-              <c:dLblPos val="t"/>
-              <c:showLegendKey val="0"/>
-              <c:showVal val="0"/>
-              <c:showCatName val="0"/>
-              <c:showSerName val="0"/>
-              <c:showPercent val="0"/>
-              <c:showBubbleSize val="0"/>
-              <c:showLeaderLines val="1"/>
-              <c:extLst>
-                <c:ext xmlns:c15="http://schemas.microsoft.com/office/drawing/2012/chart" uri="{CE6537A1-D6FC-4f65-9D91-7224C49458BB}"/>
-                <c:ext xmlns:c16="http://schemas.microsoft.com/office/drawing/2014/chart" uri="{C3380CC4-5D6E-409C-BE32-E72D297353CC}">
-                  <c16:uniqueId val="{00000013-0ea1-02e1-08bf-38ff7b75e228}"/>
-                </c:ext>
-              </c:extLst>
-            </c:dLbl>
-            <c:dLbl>
-              <c:idx val="13"/>
-              <c:tx>
-                <c:rich>
-                  <a:bodyPr>
-                    <a:spAutoFit/>
-                  </a:bodyPr>
-                  <a:lstStyle/>
-                  <a:p>
-                    <a:pPr>
-                      <a:defRPr/>
-                    </a:pPr>
-                    <a:r>
-                      <a:rPr lang="en-US" dirty="0"/>
-                      <a:t>骨科</a:t>
-                    </a:r>
-                  </a:p>
-                </c:rich>
-              </c:tx>
-              <c:spPr>
-                <a:noFill/>
-                <a:ln>
-                  <a:noFill/>
-                </a:ln>
-                <a:effectLst/>
-              </c:spPr>
-              <c:dLblPos val="t"/>
-              <c:showLegendKey val="0"/>
-              <c:showVal val="0"/>
-              <c:showCatName val="0"/>
-              <c:showSerName val="0"/>
-              <c:showPercent val="0"/>
-              <c:showBubbleSize val="0"/>
-              <c:showLeaderLines val="1"/>
-              <c:extLst>
-                <c:ext xmlns:c15="http://schemas.microsoft.com/office/drawing/2012/chart" uri="{CE6537A1-D6FC-4f65-9D91-7224C49458BB}"/>
-                <c:ext xmlns:c16="http://schemas.microsoft.com/office/drawing/2014/chart" uri="{C3380CC4-5D6E-409C-BE32-E72D297353CC}">
-                  <c16:uniqueId val="{00000014-0ea1-02e1-08bf-38ff7b75e228}"/>
-                </c:ext>
-              </c:extLst>
-            </c:dLbl>
-            <c:dLbl>
-              <c:idx val="14"/>
-              <c:tx>
-                <c:rich>
-                  <a:bodyPr>
-                    <a:spAutoFit/>
-                  </a:bodyPr>
-                  <a:lstStyle/>
-                  <a:p>
-                    <a:pPr>
-                      <a:defRPr/>
-                    </a:pPr>
-                    <a:r>
-                      <a:rPr lang="en-US" dirty="0"/>
-                      <a:t>西区重症医学科</a:t>
-                    </a:r>
-                  </a:p>
-                </c:rich>
-              </c:tx>
-              <c:spPr>
-                <a:noFill/>
-                <a:ln>
-                  <a:noFill/>
-                </a:ln>
-                <a:effectLst/>
-              </c:spPr>
-              <c:dLblPos val="t"/>
-              <c:showLegendKey val="0"/>
-              <c:showVal val="0"/>
-              <c:showCatName val="0"/>
-              <c:showSerName val="0"/>
-              <c:showPercent val="0"/>
-              <c:showBubbleSize val="0"/>
-              <c:showLeaderLines val="1"/>
-              <c:extLst>
-                <c:ext xmlns:c15="http://schemas.microsoft.com/office/drawing/2012/chart" uri="{CE6537A1-D6FC-4f65-9D91-7224C49458BB}"/>
-                <c:ext xmlns:c16="http://schemas.microsoft.com/office/drawing/2014/chart" uri="{C3380CC4-5D6E-409C-BE32-E72D297353CC}">
-                  <c16:uniqueId val="{00000015-0ea1-02e1-08bf-38ff7b75e228}"/>
-                </c:ext>
-              </c:extLst>
-            </c:dLbl>
-            <c:dLbl>
-              <c:idx val="15"/>
-              <c:tx>
-                <c:rich>
-                  <a:bodyPr>
-                    <a:spAutoFit/>
-                  </a:bodyPr>
-                  <a:lstStyle/>
-                  <a:p>
-                    <a:pPr>
-                      <a:defRPr/>
-                    </a:pPr>
-                    <a:r>
-                      <a:rPr lang="en-US" dirty="0"/>
-                      <a:t>身心医学科</a:t>
-                    </a:r>
-                  </a:p>
-                </c:rich>
-              </c:tx>
-              <c:spPr>
-                <a:noFill/>
-                <a:ln>
-                  <a:noFill/>
-                </a:ln>
-                <a:effectLst/>
-              </c:spPr>
-              <c:dLblPos val="t"/>
-              <c:showLegendKey val="0"/>
-              <c:showVal val="0"/>
-              <c:showCatName val="0"/>
-              <c:showSerName val="0"/>
-              <c:showPercent val="0"/>
-              <c:showBubbleSize val="0"/>
-              <c:showLeaderLines val="1"/>
-              <c:extLst>
-                <c:ext xmlns:c15="http://schemas.microsoft.com/office/drawing/2012/chart" uri="{CE6537A1-D6FC-4f65-9D91-7224C49458BB}"/>
-                <c:ext xmlns:c16="http://schemas.microsoft.com/office/drawing/2014/chart" uri="{C3380CC4-5D6E-409C-BE32-E72D297353CC}">
-                  <c16:uniqueId val="{00000016-0ea1-02e1-08bf-38ff7b75e228}"/>
-                </c:ext>
-              </c:extLst>
-            </c:dLbl>
-            <c:dLbl>
-              <c:idx val="16"/>
-              <c:tx>
-                <c:rich>
-                  <a:bodyPr>
-                    <a:spAutoFit/>
-                  </a:bodyPr>
-                  <a:lstStyle/>
-                  <a:p>
-                    <a:pPr>
-                      <a:defRPr/>
-                    </a:pPr>
-                    <a:r>
-                      <a:rPr lang="en-US" dirty="0"/>
-                      <a:t>脊柱骨科</a:t>
-                    </a:r>
-                  </a:p>
-                </c:rich>
-              </c:tx>
-              <c:spPr>
-                <a:noFill/>
-                <a:ln>
-                  <a:noFill/>
-                </a:ln>
-                <a:effectLst/>
-              </c:spPr>
-              <c:dLblPos val="t"/>
-              <c:showLegendKey val="0"/>
-              <c:showVal val="0"/>
-              <c:showCatName val="0"/>
-              <c:showSerName val="0"/>
-              <c:showPercent val="0"/>
-              <c:showBubbleSize val="0"/>
-              <c:showLeaderLines val="1"/>
-              <c:extLst>
-                <c:ext xmlns:c15="http://schemas.microsoft.com/office/drawing/2012/chart" uri="{CE6537A1-D6FC-4f65-9D91-7224C49458BB}"/>
-                <c:ext xmlns:c16="http://schemas.microsoft.com/office/drawing/2014/chart" uri="{C3380CC4-5D6E-409C-BE32-E72D297353CC}">
-                  <c16:uniqueId val="{00000017-0ea1-02e1-08bf-38ff7b75e228}"/>
+                  <c16:uniqueId val="{00000017-4f34-1446-9b82-31309ba4f673}"/>
                 </c:ext>
               </c:extLst>
             </c:dLbl>
             <c:dLbl>
               <c:idx val="17"/>
-              <c:tx>
-                <c:rich>
-                  <a:bodyPr>
-                    <a:spAutoFit/>
-                  </a:bodyPr>
-                  <a:lstStyle/>
-                  <a:p>
-                    <a:pPr>
-                      <a:defRPr/>
-                    </a:pPr>
-                    <a:r>
-                      <a:rPr lang="en-US" dirty="0"/>
-                      <a:t>周围血管科</a:t>
-                    </a:r>
-                  </a:p>
-                </c:rich>
-              </c:tx>
-              <c:spPr>
-                <a:noFill/>
-                <a:ln>
-                  <a:noFill/>
-                </a:ln>
-                <a:effectLst/>
-              </c:spPr>
-              <c:dLblPos val="t"/>
-              <c:showLegendKey val="0"/>
-              <c:showVal val="0"/>
-              <c:showCatName val="0"/>
-              <c:showSerName val="0"/>
-              <c:showPercent val="0"/>
-              <c:showBubbleSize val="0"/>
-              <c:showLeaderLines val="1"/>
-              <c:extLst>
-                <c:ext xmlns:c15="http://schemas.microsoft.com/office/drawing/2012/chart" uri="{CE6537A1-D6FC-4f65-9D91-7224C49458BB}"/>
-                <c:ext xmlns:c16="http://schemas.microsoft.com/office/drawing/2014/chart" uri="{C3380CC4-5D6E-409C-BE32-E72D297353CC}">
-                  <c16:uniqueId val="{00000018-0ea1-02e1-08bf-38ff7b75e228}"/>
-                </c:ext>
-              </c:extLst>
-            </c:dLbl>
-            <c:dLbl>
-              <c:idx val="18"/>
-              <c:tx>
-                <c:rich>
-                  <a:bodyPr>
-                    <a:spAutoFit/>
-                  </a:bodyPr>
-                  <a:lstStyle/>
-                  <a:p>
-                    <a:pPr>
-                      <a:defRPr/>
-                    </a:pPr>
-                    <a:r>
-                      <a:rPr lang="en-US" dirty="0"/>
-                      <a:t>血液科</a:t>
-                    </a:r>
-                  </a:p>
-                </c:rich>
-              </c:tx>
-              <c:spPr>
-                <a:noFill/>
-                <a:ln>
-                  <a:noFill/>
-                </a:ln>
-                <a:effectLst/>
-              </c:spPr>
-              <c:dLblPos val="t"/>
-              <c:showLegendKey val="0"/>
-              <c:showVal val="0"/>
-              <c:showCatName val="0"/>
-              <c:showSerName val="0"/>
-              <c:showPercent val="0"/>
-              <c:showBubbleSize val="0"/>
-              <c:showLeaderLines val="1"/>
-              <c:extLst>
-                <c:ext xmlns:c15="http://schemas.microsoft.com/office/drawing/2012/chart" uri="{CE6537A1-D6FC-4f65-9D91-7224C49458BB}"/>
-                <c:ext xmlns:c16="http://schemas.microsoft.com/office/drawing/2014/chart" uri="{C3380CC4-5D6E-409C-BE32-E72D297353CC}">
-                  <c16:uniqueId val="{00000019-0ea1-02e1-08bf-38ff7b75e228}"/>
-                </c:ext>
-              </c:extLst>
-            </c:dLbl>
-            <c:dLbl>
-              <c:idx val="19"/>
               <c:tx>
                 <c:rich>
                   <a:bodyPr>
@@ -1023,7 +941,89 @@
               <c:extLst>
                 <c:ext xmlns:c15="http://schemas.microsoft.com/office/drawing/2012/chart" uri="{CE6537A1-D6FC-4f65-9D91-7224C49458BB}"/>
                 <c:ext xmlns:c16="http://schemas.microsoft.com/office/drawing/2014/chart" uri="{C3380CC4-5D6E-409C-BE32-E72D297353CC}">
-                  <c16:uniqueId val="{00000020-0ea1-02e1-08bf-38ff7b75e228}"/>
+                  <c16:uniqueId val="{00000018-4f34-1446-9b82-31309ba4f673}"/>
+                </c:ext>
+              </c:extLst>
+            </c:dLbl>
+            <c:dLbl>
+              <c:idx val="18"/>
+              <c:tx>
+                <c:rich>
+                  <a:bodyPr>
+                    <a:spAutoFit/>
+                  </a:bodyPr>
+                  <a:lstStyle/>
+                  <a:p>
+                    <a:pPr>
+                      <a:defRPr/>
+                    </a:pPr>
+                    <a:r>
+                      <a:rPr lang="en-US" dirty="0"/>
+                      <a:t>小儿推拿科</a:t>
+                    </a:r>
+                  </a:p>
+                </c:rich>
+              </c:tx>
+              <c:spPr>
+                <a:noFill/>
+                <a:ln>
+                  <a:noFill/>
+                </a:ln>
+                <a:effectLst/>
+              </c:spPr>
+              <c:dLblPos val="t"/>
+              <c:showLegendKey val="0"/>
+              <c:showVal val="0"/>
+              <c:showCatName val="0"/>
+              <c:showSerName val="0"/>
+              <c:showPercent val="0"/>
+              <c:showBubbleSize val="0"/>
+              <c:showLeaderLines val="1"/>
+              <c:extLst>
+                <c:ext xmlns:c15="http://schemas.microsoft.com/office/drawing/2012/chart" uri="{CE6537A1-D6FC-4f65-9D91-7224C49458BB}"/>
+                <c:ext xmlns:c16="http://schemas.microsoft.com/office/drawing/2014/chart" uri="{C3380CC4-5D6E-409C-BE32-E72D297353CC}">
+                  <c16:uniqueId val="{00000019-4f34-1446-9b82-31309ba4f673}"/>
+                </c:ext>
+              </c:extLst>
+            </c:dLbl>
+            <c:dLbl>
+              <c:idx val="19"/>
+              <c:tx>
+                <c:rich>
+                  <a:bodyPr>
+                    <a:spAutoFit/>
+                  </a:bodyPr>
+                  <a:lstStyle/>
+                  <a:p>
+                    <a:pPr>
+                      <a:defRPr/>
+                    </a:pPr>
+                    <a:r>
+                      <a:rPr lang="en-US" dirty="0"/>
+                      <a:t>东区重症医学科</a:t>
+                    </a:r>
+                  </a:p>
+                </c:rich>
+              </c:tx>
+              <c:spPr>
+                <a:noFill/>
+                <a:ln>
+                  <a:noFill/>
+                </a:ln>
+                <a:effectLst/>
+              </c:spPr>
+              <c:dLblPos val="t"/>
+              <c:showLegendKey val="0"/>
+              <c:showVal val="0"/>
+              <c:showCatName val="0"/>
+              <c:showSerName val="0"/>
+              <c:showPercent val="0"/>
+              <c:showBubbleSize val="0"/>
+              <c:showLeaderLines val="1"/>
+              <c:extLst>
+                <c:ext xmlns:c15="http://schemas.microsoft.com/office/drawing/2012/chart" uri="{CE6537A1-D6FC-4f65-9D91-7224C49458BB}"/>
+                <c:ext xmlns:c16="http://schemas.microsoft.com/office/drawing/2014/chart" uri="{C3380CC4-5D6E-409C-BE32-E72D297353CC}">
+                  <c16:uniqueId val="{00000020-4f34-1446-9b82-31309ba4f673}"/>
                 </c:ext>
               </c:extLst>
             </c:dLbl>
@@ -1035,64 +1035,64 @@
                 <c:formatCode>General</c:formatCode>
                 <c:ptCount val="20"/>
                 <c:pt idx="0">
-                  <c:v>0.0010716941774402112</c:v>
+                  <c:v>0.0021368057741412735</c:v>
                 </c:pt>
                 <c:pt idx="1">
-                  <c:v>0.0019000308888857391</c:v>
+                  <c:v>0.0018850034886705833</c:v>
                 </c:pt>
                 <c:pt idx="2">
-                  <c:v>0.0016430605713377705</c:v>
+                  <c:v>0.0021238030609059895</c:v>
                 </c:pt>
                 <c:pt idx="3">
-                  <c:v>0.00007338414589400224</c:v>
+                  <c:v>0.0011785948237698818</c:v>
                 </c:pt>
                 <c:pt idx="4">
-                  <c:v>0.0019480255383919603</c:v>
+                  <c:v>0.000926753128693081</c:v>
                 </c:pt>
                 <c:pt idx="5">
-                  <c:v>0.0019934170172323717</c:v>
+                  <c:v>0.00040563737588783445</c:v>
                 </c:pt>
                 <c:pt idx="6">
-                  <c:v>0.0019181836707839977</c:v>
+                  <c:v>0.0011065848153645728</c:v>
                 </c:pt>
                 <c:pt idx="7">
-                  <c:v>0.00027070828392883594</c:v>
+                  <c:v>0.0009314649063900165</c:v>
                 </c:pt>
                 <c:pt idx="8">
-                  <c:v>0.00170239509578099</c:v>
+                  <c:v>0.0016505571067370088</c:v>
                 </c:pt>
                 <c:pt idx="9">
-                  <c:v>0.0007906065365974811</c:v>
+                  <c:v>0.0015011565763911802</c:v>
                 </c:pt>
                 <c:pt idx="10">
-                  <c:v>0.0005245096106680059</c:v>
+                  <c:v>0.0007256852358332</c:v>
                 </c:pt>
                 <c:pt idx="11">
-                  <c:v>0.0016786880806773348</c:v>
+                  <c:v>0.000317791158112115</c:v>
                 </c:pt>
                 <c:pt idx="12">
-                  <c:v>0.000056772300053517146</c:v>
+                  <c:v>0.0010252982066681748</c:v>
                 </c:pt>
                 <c:pt idx="13">
-                  <c:v>0.0020168686893292506</c:v>
+                  <c:v>0.002131518646032776</c:v>
                 </c:pt>
                 <c:pt idx="14">
-                  <c:v>0.002308309791256817</c:v>
+                  <c:v>0.0017809192425252342</c:v>
                 </c:pt>
                 <c:pt idx="15">
-                  <c:v>0.0006262501937388447</c:v>
+                  <c:v>0.002213618414644004</c:v>
                 </c:pt>
                 <c:pt idx="16">
-                  <c:v>0.001178538672511651</c:v>
+                  <c:v>0.000575201885934212</c:v>
                 </c:pt>
                 <c:pt idx="17">
-                  <c:v>0.001881700579590766</c:v>
+                  <c:v>0.00008871232758513644</c:v>
                 </c:pt>
                 <c:pt idx="18">
-                  <c:v>0.00012271269287561243</c:v>
+                  <c:v>0.0009380761886436885</c:v>
                 </c:pt>
                 <c:pt idx="19">
-                  <c:v>0.0002066575849086537</c:v>
+                  <c:v>0.0010135742404600886</c:v>
                 </c:pt>
               </c:numCache>
             </c:numRef>
@@ -1107,61 +1107,61 @@
                   <c:v>100</c:v>
                 </c:pt>
                 <c:pt idx="1">
-                  <c:v>48.40203266701426</c:v>
+                  <c:v>59.92108444228831</c:v>
                 </c:pt>
                 <c:pt idx="2">
-                  <c:v>32.260327018004524</c:v>
+                  <c:v>52.627022205641246</c:v>
                 </c:pt>
                 <c:pt idx="3">
-                  <c:v>20.227640204396096</c:v>
+                  <c:v>50.900899530547306</c:v>
                 </c:pt>
                 <c:pt idx="4">
-                  <c:v>17.10523676170924</c:v>
+                  <c:v>49.876627764188335</c:v>
                 </c:pt>
                 <c:pt idx="5">
-                  <c:v>16.996463458784824</c:v>
+                  <c:v>46.17512272972541</c:v>
                 </c:pt>
                 <c:pt idx="6">
-                  <c:v>16.286185897814423</c:v>
+                  <c:v>45.64961266058835</c:v>
                 </c:pt>
                 <c:pt idx="7">
-                  <c:v>15.452211028905948</c:v>
+                  <c:v>39.74539840576903</c:v>
                 </c:pt>
                 <c:pt idx="8">
-                  <c:v>15.368968604791464</c:v>
+                  <c:v>37.634686695084824</c:v>
                 </c:pt>
                 <c:pt idx="9">
-                  <c:v>13.8106165572776</c:v>
+                  <c:v>34.75242072535675</c:v>
                 </c:pt>
                 <c:pt idx="10">
-                  <c:v>13.281420156056678</c:v>
+                  <c:v>29.012888030211762</c:v>
                 </c:pt>
                 <c:pt idx="11">
-                  <c:v>13.16951401252215</c:v>
+                  <c:v>26.327574423529242</c:v>
                 </c:pt>
                 <c:pt idx="12">
-                  <c:v>12.477911101235046</c:v>
+                  <c:v>25.579934364926608</c:v>
                 </c:pt>
                 <c:pt idx="13">
-                  <c:v>10.491324376277595</c:v>
+                  <c:v>24.863877308447382</c:v>
                 </c:pt>
                 <c:pt idx="14">
-                  <c:v>10.466983556226655</c:v>
+                  <c:v>24.86302504591008</c:v>
                 </c:pt>
                 <c:pt idx="15">
-                  <c:v>10.32663663237899</c:v>
+                  <c:v>24.64458856463372</c:v>
                 </c:pt>
                 <c:pt idx="16">
-                  <c:v>9.830892995140294</c:v>
+                  <c:v>24.46731242179692</c:v>
                 </c:pt>
                 <c:pt idx="17">
-                  <c:v>9.610848487576124</c:v>
+                  <c:v>24.214473577557033</c:v>
                 </c:pt>
                 <c:pt idx="18">
-                  <c:v>9.564476137202654</c:v>
+                  <c:v>24.130541974818843</c:v>
                 </c:pt>
                 <c:pt idx="19">
-                  <c:v>9.54162976923756</c:v>
+                  <c:v>23.485477469115978</c:v>
                 </c:pt>
               </c:numCache>
             </c:numRef>
@@ -1381,7 +1381,7 @@
 </c:chartSpace>
 </file>
 
-<file path=ppt/charts/chart2506.xml><?xml version="1.0" encoding="utf-8"?>
+<file path=ppt/charts/chart4.xml><?xml version="1.0" encoding="utf-8"?>
 <c:chartSpace xmlns:c="http://schemas.openxmlformats.org/drawingml/2006/chart" xmlns:a="http://schemas.openxmlformats.org/drawingml/2006/main" xmlns:r="http://schemas.openxmlformats.org/officeDocument/2006/relationships">
   <c:date1904 val="0"/>
   <c:chart>
@@ -1498,7 +1498,7 @@
               <c:extLst>
                 <c:ext xmlns:c15="http://schemas.microsoft.com/office/drawing/2012/chart" uri="{CE6537A1-D6FC-4f65-9D91-7224C49458BB}"/>
                 <c:ext xmlns:c16="http://schemas.microsoft.com/office/drawing/2014/chart" uri="{C3380CC4-5D6E-409C-BE32-E72D297353CC}">
-                  <c16:uniqueId val="{00000001-d046-9566-6f2c-c40ff5e16f58}"/>
+                  <c16:uniqueId val="{00000001-5563-8d64-1866-c1dbca8b4569}"/>
                 </c:ext>
               </c:extLst>
             </c:dLbl>
@@ -1516,7 +1516,7 @@
                     </a:pPr>
                     <a:r>
                       <a:rPr lang="en-US" dirty="0"/>
-                      <a:t>肾脏内科</a:t>
+                      <a:t>神经内科</a:t>
                     </a:r>
                   </a:p>
                 </c:rich>
@@ -1539,7 +1539,7 @@
               <c:extLst>
                 <c:ext xmlns:c15="http://schemas.microsoft.com/office/drawing/2012/chart" uri="{CE6537A1-D6FC-4f65-9D91-7224C49458BB}"/>
                 <c:ext xmlns:c16="http://schemas.microsoft.com/office/drawing/2014/chart" uri="{C3380CC4-5D6E-409C-BE32-E72D297353CC}">
-                  <c16:uniqueId val="{00000002-d046-9566-6f2c-c40ff5e16f58}"/>
+                  <c16:uniqueId val="{00000002-5563-8d64-1866-c1dbca8b4569}"/>
                 </c:ext>
               </c:extLst>
             </c:dLbl>
@@ -1557,7 +1557,7 @@
                     </a:pPr>
                     <a:r>
                       <a:rPr lang="en-US" dirty="0"/>
-                      <a:t>脑病三科</a:t>
+                      <a:t>肝胆外科</a:t>
                     </a:r>
                   </a:p>
                 </c:rich>
@@ -1580,7 +1580,7 @@
               <c:extLst>
                 <c:ext xmlns:c15="http://schemas.microsoft.com/office/drawing/2012/chart" uri="{CE6537A1-D6FC-4f65-9D91-7224C49458BB}"/>
                 <c:ext xmlns:c16="http://schemas.microsoft.com/office/drawing/2014/chart" uri="{C3380CC4-5D6E-409C-BE32-E72D297353CC}">
-                  <c16:uniqueId val="{00000003-d046-9566-6f2c-c40ff5e16f58}"/>
+                  <c16:uniqueId val="{00000003-5563-8d64-1866-c1dbca8b4569}"/>
                 </c:ext>
               </c:extLst>
             </c:dLbl>
@@ -1598,7 +1598,7 @@
                     </a:pPr>
                     <a:r>
                       <a:rPr lang="en-US" dirty="0"/>
-                      <a:t>西区重症医学科</a:t>
+                      <a:t>脾胃病科</a:t>
                     </a:r>
                   </a:p>
                 </c:rich>
@@ -1621,53 +1621,12 @@
               <c:extLst>
                 <c:ext xmlns:c15="http://schemas.microsoft.com/office/drawing/2012/chart" uri="{CE6537A1-D6FC-4f65-9D91-7224C49458BB}"/>
                 <c:ext xmlns:c16="http://schemas.microsoft.com/office/drawing/2014/chart" uri="{C3380CC4-5D6E-409C-BE32-E72D297353CC}">
-                  <c16:uniqueId val="{00000004-d046-9566-6f2c-c40ff5e16f58}"/>
+                  <c16:uniqueId val="{00000004-5563-8d64-1866-c1dbca8b4569}"/>
                 </c:ext>
               </c:extLst>
             </c:dLbl>
             <c:dLbl>
               <c:idx val="4"/>
-              <c:tx>
-                <c:rich>
-                  <a:bodyPr>
-                    <a:spAutoFit/>
-                  </a:bodyPr>
-                  <a:lstStyle/>
-                  <a:p>
-                    <a:pPr>
-                      <a:defRPr/>
-                    </a:pPr>
-                    <a:r>
-                      <a:rPr lang="en-US" dirty="0"/>
-                      <a:t>眼科</a:t>
-                    </a:r>
-                  </a:p>
-                </c:rich>
-              </c:tx>
-              <c:spPr>
-                <a:noFill/>
-                <a:ln>
-                  <a:noFill/>
-                </a:ln>
-                <a:effectLst/>
-              </c:spPr>
-              <c:dLblPos val="t"/>
-              <c:showLegendKey val="0"/>
-              <c:showVal val="0"/>
-              <c:showCatName val="0"/>
-              <c:showSerName val="0"/>
-              <c:showPercent val="0"/>
-              <c:showBubbleSize val="0"/>
-              <c:showLeaderLines val="1"/>
-              <c:extLst>
-                <c:ext xmlns:c15="http://schemas.microsoft.com/office/drawing/2012/chart" uri="{CE6537A1-D6FC-4f65-9D91-7224C49458BB}"/>
-                <c:ext xmlns:c16="http://schemas.microsoft.com/office/drawing/2014/chart" uri="{C3380CC4-5D6E-409C-BE32-E72D297353CC}">
-                  <c16:uniqueId val="{00000005-d046-9566-6f2c-c40ff5e16f58}"/>
-                </c:ext>
-              </c:extLst>
-            </c:dLbl>
-            <c:dLbl>
-              <c:idx val="5"/>
               <c:tx>
                 <c:rich>
                   <a:bodyPr>
@@ -1703,12 +1662,12 @@
               <c:extLst>
                 <c:ext xmlns:c15="http://schemas.microsoft.com/office/drawing/2012/chart" uri="{CE6537A1-D6FC-4f65-9D91-7224C49458BB}"/>
                 <c:ext xmlns:c16="http://schemas.microsoft.com/office/drawing/2014/chart" uri="{C3380CC4-5D6E-409C-BE32-E72D297353CC}">
-                  <c16:uniqueId val="{00000006-d046-9566-6f2c-c40ff5e16f58}"/>
+                  <c16:uniqueId val="{00000005-5563-8d64-1866-c1dbca8b4569}"/>
                 </c:ext>
               </c:extLst>
             </c:dLbl>
             <c:dLbl>
-              <c:idx val="6"/>
+              <c:idx val="5"/>
               <c:tx>
                 <c:rich>
                   <a:bodyPr>
@@ -1721,7 +1680,7 @@
                     </a:pPr>
                     <a:r>
                       <a:rPr lang="en-US" dirty="0"/>
-                      <a:t>肝胆外科</a:t>
+                      <a:t>脊柱骨科</a:t>
                     </a:r>
                   </a:p>
                 </c:rich>
@@ -1744,12 +1703,12 @@
               <c:extLst>
                 <c:ext xmlns:c15="http://schemas.microsoft.com/office/drawing/2012/chart" uri="{CE6537A1-D6FC-4f65-9D91-7224C49458BB}"/>
                 <c:ext xmlns:c16="http://schemas.microsoft.com/office/drawing/2014/chart" uri="{C3380CC4-5D6E-409C-BE32-E72D297353CC}">
-                  <c16:uniqueId val="{00000007-d046-9566-6f2c-c40ff5e16f58}"/>
+                  <c16:uniqueId val="{00000006-5563-8d64-1866-c1dbca8b4569}"/>
                 </c:ext>
               </c:extLst>
             </c:dLbl>
             <c:dLbl>
-              <c:idx val="7"/>
+              <c:idx val="6"/>
               <c:tx>
                 <c:rich>
                   <a:bodyPr>
@@ -1762,7 +1721,7 @@
                     </a:pPr>
                     <a:r>
                       <a:rPr lang="en-US" dirty="0"/>
-                      <a:t>呼吸内科</a:t>
+                      <a:t>肝病科</a:t>
                     </a:r>
                   </a:p>
                 </c:rich>
@@ -1785,12 +1744,12 @@
               <c:extLst>
                 <c:ext xmlns:c15="http://schemas.microsoft.com/office/drawing/2012/chart" uri="{CE6537A1-D6FC-4f65-9D91-7224C49458BB}"/>
                 <c:ext xmlns:c16="http://schemas.microsoft.com/office/drawing/2014/chart" uri="{C3380CC4-5D6E-409C-BE32-E72D297353CC}">
-                  <c16:uniqueId val="{00000008-d046-9566-6f2c-c40ff5e16f58}"/>
+                  <c16:uniqueId val="{00000007-5563-8d64-1866-c1dbca8b4569}"/>
                 </c:ext>
               </c:extLst>
             </c:dLbl>
             <c:dLbl>
-              <c:idx val="8"/>
+              <c:idx val="7"/>
               <c:tx>
                 <c:rich>
                   <a:bodyPr>
@@ -1803,7 +1762,7 @@
                     </a:pPr>
                     <a:r>
                       <a:rPr lang="en-US" dirty="0"/>
-                      <a:t>脾胃病科</a:t>
+                      <a:t>风湿病科</a:t>
                     </a:r>
                   </a:p>
                 </c:rich>
@@ -1826,258 +1785,12 @@
               <c:extLst>
                 <c:ext xmlns:c15="http://schemas.microsoft.com/office/drawing/2012/chart" uri="{CE6537A1-D6FC-4f65-9D91-7224C49458BB}"/>
                 <c:ext xmlns:c16="http://schemas.microsoft.com/office/drawing/2014/chart" uri="{C3380CC4-5D6E-409C-BE32-E72D297353CC}">
-                  <c16:uniqueId val="{00000009-d046-9566-6f2c-c40ff5e16f58}"/>
+                  <c16:uniqueId val="{00000008-5563-8d64-1866-c1dbca8b4569}"/>
                 </c:ext>
               </c:extLst>
             </c:dLbl>
             <c:dLbl>
-              <c:idx val="9"/>
-              <c:tx>
-                <c:rich>
-                  <a:bodyPr>
-                    <a:spAutoFit/>
-                  </a:bodyPr>
-                  <a:lstStyle/>
-                  <a:p>
-                    <a:pPr>
-                      <a:defRPr/>
-                    </a:pPr>
-                    <a:r>
-                      <a:rPr lang="en-US" dirty="0"/>
-                      <a:t>骨科</a:t>
-                    </a:r>
-                  </a:p>
-                </c:rich>
-              </c:tx>
-              <c:spPr>
-                <a:noFill/>
-                <a:ln>
-                  <a:noFill/>
-                </a:ln>
-                <a:effectLst/>
-              </c:spPr>
-              <c:dLblPos val="t"/>
-              <c:showLegendKey val="0"/>
-              <c:showVal val="0"/>
-              <c:showCatName val="0"/>
-              <c:showSerName val="0"/>
-              <c:showPercent val="0"/>
-              <c:showBubbleSize val="0"/>
-              <c:showLeaderLines val="1"/>
-              <c:extLst>
-                <c:ext xmlns:c15="http://schemas.microsoft.com/office/drawing/2012/chart" uri="{CE6537A1-D6FC-4f65-9D91-7224C49458BB}"/>
-                <c:ext xmlns:c16="http://schemas.microsoft.com/office/drawing/2014/chart" uri="{C3380CC4-5D6E-409C-BE32-E72D297353CC}">
-                  <c16:uniqueId val="{00000010-d046-9566-6f2c-c40ff5e16f58}"/>
-                </c:ext>
-              </c:extLst>
-            </c:dLbl>
-            <c:dLbl>
-              <c:idx val="10"/>
-              <c:tx>
-                <c:rich>
-                  <a:bodyPr>
-                    <a:spAutoFit/>
-                  </a:bodyPr>
-                  <a:lstStyle/>
-                  <a:p>
-                    <a:pPr>
-                      <a:defRPr/>
-                    </a:pPr>
-                    <a:r>
-                      <a:rPr lang="en-US" dirty="0"/>
-                      <a:t>胸外科</a:t>
-                    </a:r>
-                  </a:p>
-                </c:rich>
-              </c:tx>
-              <c:spPr>
-                <a:noFill/>
-                <a:ln>
-                  <a:noFill/>
-                </a:ln>
-                <a:effectLst/>
-              </c:spPr>
-              <c:dLblPos val="t"/>
-              <c:showLegendKey val="0"/>
-              <c:showVal val="0"/>
-              <c:showCatName val="0"/>
-              <c:showSerName val="0"/>
-              <c:showPercent val="0"/>
-              <c:showBubbleSize val="0"/>
-              <c:showLeaderLines val="1"/>
-              <c:extLst>
-                <c:ext xmlns:c15="http://schemas.microsoft.com/office/drawing/2012/chart" uri="{CE6537A1-D6FC-4f65-9D91-7224C49458BB}"/>
-                <c:ext xmlns:c16="http://schemas.microsoft.com/office/drawing/2014/chart" uri="{C3380CC4-5D6E-409C-BE32-E72D297353CC}">
-                  <c16:uniqueId val="{00000011-d046-9566-6f2c-c40ff5e16f58}"/>
-                </c:ext>
-              </c:extLst>
-            </c:dLbl>
-            <c:dLbl>
-              <c:idx val="11"/>
-              <c:tx>
-                <c:rich>
-                  <a:bodyPr>
-                    <a:spAutoFit/>
-                  </a:bodyPr>
-                  <a:lstStyle/>
-                  <a:p>
-                    <a:pPr>
-                      <a:defRPr/>
-                    </a:pPr>
-                    <a:r>
-                      <a:rPr lang="en-US" dirty="0"/>
-                      <a:t>神经外科</a:t>
-                    </a:r>
-                  </a:p>
-                </c:rich>
-              </c:tx>
-              <c:spPr>
-                <a:noFill/>
-                <a:ln>
-                  <a:noFill/>
-                </a:ln>
-                <a:effectLst/>
-              </c:spPr>
-              <c:dLblPos val="t"/>
-              <c:showLegendKey val="0"/>
-              <c:showVal val="0"/>
-              <c:showCatName val="0"/>
-              <c:showSerName val="0"/>
-              <c:showPercent val="0"/>
-              <c:showBubbleSize val="0"/>
-              <c:showLeaderLines val="1"/>
-              <c:extLst>
-                <c:ext xmlns:c15="http://schemas.microsoft.com/office/drawing/2012/chart" uri="{CE6537A1-D6FC-4f65-9D91-7224C49458BB}"/>
-                <c:ext xmlns:c16="http://schemas.microsoft.com/office/drawing/2014/chart" uri="{C3380CC4-5D6E-409C-BE32-E72D297353CC}">
-                  <c16:uniqueId val="{00000012-d046-9566-6f2c-c40ff5e16f58}"/>
-                </c:ext>
-              </c:extLst>
-            </c:dLbl>
-            <c:dLbl>
-              <c:idx val="12"/>
-              <c:tx>
-                <c:rich>
-                  <a:bodyPr>
-                    <a:spAutoFit/>
-                  </a:bodyPr>
-                  <a:lstStyle/>
-                  <a:p>
-                    <a:pPr>
-                      <a:defRPr/>
-                    </a:pPr>
-                    <a:r>
-                      <a:rPr lang="en-US" dirty="0"/>
-                      <a:t>推拿科</a:t>
-                    </a:r>
-                  </a:p>
-                </c:rich>
-              </c:tx>
-              <c:spPr>
-                <a:noFill/>
-                <a:ln>
-                  <a:noFill/>
-                </a:ln>
-                <a:effectLst/>
-              </c:spPr>
-              <c:dLblPos val="t"/>
-              <c:showLegendKey val="0"/>
-              <c:showVal val="0"/>
-              <c:showCatName val="0"/>
-              <c:showSerName val="0"/>
-              <c:showPercent val="0"/>
-              <c:showBubbleSize val="0"/>
-              <c:showLeaderLines val="1"/>
-              <c:extLst>
-                <c:ext xmlns:c15="http://schemas.microsoft.com/office/drawing/2012/chart" uri="{CE6537A1-D6FC-4f65-9D91-7224C49458BB}"/>
-                <c:ext xmlns:c16="http://schemas.microsoft.com/office/drawing/2014/chart" uri="{C3380CC4-5D6E-409C-BE32-E72D297353CC}">
-                  <c16:uniqueId val="{00000013-d046-9566-6f2c-c40ff5e16f58}"/>
-                </c:ext>
-              </c:extLst>
-            </c:dLbl>
-            <c:dLbl>
-              <c:idx val="13"/>
-              <c:tx>
-                <c:rich>
-                  <a:bodyPr>
-                    <a:spAutoFit/>
-                  </a:bodyPr>
-                  <a:lstStyle/>
-                  <a:p>
-                    <a:pPr>
-                      <a:defRPr/>
-                    </a:pPr>
-                    <a:r>
-                      <a:rPr lang="en-US" dirty="0"/>
-                      <a:t>神经内科</a:t>
-                    </a:r>
-                  </a:p>
-                </c:rich>
-              </c:tx>
-              <c:spPr>
-                <a:noFill/>
-                <a:ln>
-                  <a:noFill/>
-                </a:ln>
-                <a:effectLst/>
-              </c:spPr>
-              <c:dLblPos val="t"/>
-              <c:showLegendKey val="0"/>
-              <c:showVal val="0"/>
-              <c:showCatName val="0"/>
-              <c:showSerName val="0"/>
-              <c:showPercent val="0"/>
-              <c:showBubbleSize val="0"/>
-              <c:showLeaderLines val="1"/>
-              <c:extLst>
-                <c:ext xmlns:c15="http://schemas.microsoft.com/office/drawing/2012/chart" uri="{CE6537A1-D6FC-4f65-9D91-7224C49458BB}"/>
-                <c:ext xmlns:c16="http://schemas.microsoft.com/office/drawing/2014/chart" uri="{C3380CC4-5D6E-409C-BE32-E72D297353CC}">
-                  <c16:uniqueId val="{00000014-d046-9566-6f2c-c40ff5e16f58}"/>
-                </c:ext>
-              </c:extLst>
-            </c:dLbl>
-            <c:dLbl>
-              <c:idx val="14"/>
-              <c:tx>
-                <c:rich>
-                  <a:bodyPr>
-                    <a:spAutoFit/>
-                  </a:bodyPr>
-                  <a:lstStyle/>
-                  <a:p>
-                    <a:pPr>
-                      <a:defRPr/>
-                    </a:pPr>
-                    <a:r>
-                      <a:rPr lang="en-US" dirty="0"/>
-                      <a:t>周围血管科</a:t>
-                    </a:r>
-                  </a:p>
-                </c:rich>
-              </c:tx>
-              <c:spPr>
-                <a:noFill/>
-                <a:ln>
-                  <a:noFill/>
-                </a:ln>
-                <a:effectLst/>
-              </c:spPr>
-              <c:dLblPos val="t"/>
-              <c:showLegendKey val="0"/>
-              <c:showVal val="0"/>
-              <c:showCatName val="0"/>
-              <c:showSerName val="0"/>
-              <c:showPercent val="0"/>
-              <c:showBubbleSize val="0"/>
-              <c:showLeaderLines val="1"/>
-              <c:extLst>
-                <c:ext xmlns:c15="http://schemas.microsoft.com/office/drawing/2012/chart" uri="{CE6537A1-D6FC-4f65-9D91-7224C49458BB}"/>
-                <c:ext xmlns:c16="http://schemas.microsoft.com/office/drawing/2014/chart" uri="{C3380CC4-5D6E-409C-BE32-E72D297353CC}">
-                  <c16:uniqueId val="{00000015-d046-9566-6f2c-c40ff5e16f58}"/>
-                </c:ext>
-              </c:extLst>
-            </c:dLbl>
-            <c:dLbl>
-              <c:idx val="15"/>
+              <c:idx val="8"/>
               <c:tx>
                 <c:rich>
                   <a:bodyPr>
@@ -2113,12 +1826,12 @@
               <c:extLst>
                 <c:ext xmlns:c15="http://schemas.microsoft.com/office/drawing/2012/chart" uri="{CE6537A1-D6FC-4f65-9D91-7224C49458BB}"/>
                 <c:ext xmlns:c16="http://schemas.microsoft.com/office/drawing/2014/chart" uri="{C3380CC4-5D6E-409C-BE32-E72D297353CC}">
-                  <c16:uniqueId val="{00000016-d046-9566-6f2c-c40ff5e16f58}"/>
+                  <c16:uniqueId val="{00000009-5563-8d64-1866-c1dbca8b4569}"/>
                 </c:ext>
               </c:extLst>
             </c:dLbl>
             <c:dLbl>
-              <c:idx val="16"/>
+              <c:idx val="9"/>
               <c:tx>
                 <c:rich>
                   <a:bodyPr>
@@ -2131,7 +1844,7 @@
                     </a:pPr>
                     <a:r>
                       <a:rPr lang="en-US" dirty="0"/>
-                      <a:t>皮肤科</a:t>
+                      <a:t>创伤骨科</a:t>
                     </a:r>
                   </a:p>
                 </c:rich>
@@ -2154,7 +1867,294 @@
               <c:extLst>
                 <c:ext xmlns:c15="http://schemas.microsoft.com/office/drawing/2012/chart" uri="{CE6537A1-D6FC-4f65-9D91-7224C49458BB}"/>
                 <c:ext xmlns:c16="http://schemas.microsoft.com/office/drawing/2014/chart" uri="{C3380CC4-5D6E-409C-BE32-E72D297353CC}">
-                  <c16:uniqueId val="{00000017-d046-9566-6f2c-c40ff5e16f58}"/>
+                  <c16:uniqueId val="{00000010-5563-8d64-1866-c1dbca8b4569}"/>
+                </c:ext>
+              </c:extLst>
+            </c:dLbl>
+            <c:dLbl>
+              <c:idx val="10"/>
+              <c:tx>
+                <c:rich>
+                  <a:bodyPr>
+                    <a:spAutoFit/>
+                  </a:bodyPr>
+                  <a:lstStyle/>
+                  <a:p>
+                    <a:pPr>
+                      <a:defRPr/>
+                    </a:pPr>
+                    <a:r>
+                      <a:rPr lang="en-US" dirty="0"/>
+                      <a:t>心病一科</a:t>
+                    </a:r>
+                  </a:p>
+                </c:rich>
+              </c:tx>
+              <c:spPr>
+                <a:noFill/>
+                <a:ln>
+                  <a:noFill/>
+                </a:ln>
+                <a:effectLst/>
+              </c:spPr>
+              <c:dLblPos val="t"/>
+              <c:showLegendKey val="0"/>
+              <c:showVal val="0"/>
+              <c:showCatName val="0"/>
+              <c:showSerName val="0"/>
+              <c:showPercent val="0"/>
+              <c:showBubbleSize val="0"/>
+              <c:showLeaderLines val="1"/>
+              <c:extLst>
+                <c:ext xmlns:c15="http://schemas.microsoft.com/office/drawing/2012/chart" uri="{CE6537A1-D6FC-4f65-9D91-7224C49458BB}"/>
+                <c:ext xmlns:c16="http://schemas.microsoft.com/office/drawing/2014/chart" uri="{C3380CC4-5D6E-409C-BE32-E72D297353CC}">
+                  <c16:uniqueId val="{00000011-5563-8d64-1866-c1dbca8b4569}"/>
+                </c:ext>
+              </c:extLst>
+            </c:dLbl>
+            <c:dLbl>
+              <c:idx val="11"/>
+              <c:tx>
+                <c:rich>
+                  <a:bodyPr>
+                    <a:spAutoFit/>
+                  </a:bodyPr>
+                  <a:lstStyle/>
+                  <a:p>
+                    <a:pPr>
+                      <a:defRPr/>
+                    </a:pPr>
+                    <a:r>
+                      <a:rPr lang="en-US" dirty="0"/>
+                      <a:t>肾病科</a:t>
+                    </a:r>
+                  </a:p>
+                </c:rich>
+              </c:tx>
+              <c:spPr>
+                <a:noFill/>
+                <a:ln>
+                  <a:noFill/>
+                </a:ln>
+                <a:effectLst/>
+              </c:spPr>
+              <c:dLblPos val="t"/>
+              <c:showLegendKey val="0"/>
+              <c:showVal val="0"/>
+              <c:showCatName val="0"/>
+              <c:showSerName val="0"/>
+              <c:showPercent val="0"/>
+              <c:showBubbleSize val="0"/>
+              <c:showLeaderLines val="1"/>
+              <c:extLst>
+                <c:ext xmlns:c15="http://schemas.microsoft.com/office/drawing/2012/chart" uri="{CE6537A1-D6FC-4f65-9D91-7224C49458BB}"/>
+                <c:ext xmlns:c16="http://schemas.microsoft.com/office/drawing/2014/chart" uri="{C3380CC4-5D6E-409C-BE32-E72D297353CC}">
+                  <c16:uniqueId val="{00000012-5563-8d64-1866-c1dbca8b4569}"/>
+                </c:ext>
+              </c:extLst>
+            </c:dLbl>
+            <c:dLbl>
+              <c:idx val="12"/>
+              <c:tx>
+                <c:rich>
+                  <a:bodyPr>
+                    <a:spAutoFit/>
+                  </a:bodyPr>
+                  <a:lstStyle/>
+                  <a:p>
+                    <a:pPr>
+                      <a:defRPr/>
+                    </a:pPr>
+                    <a:r>
+                      <a:rPr lang="en-US" dirty="0"/>
+                      <a:t>小儿骨科</a:t>
+                    </a:r>
+                  </a:p>
+                </c:rich>
+              </c:tx>
+              <c:spPr>
+                <a:noFill/>
+                <a:ln>
+                  <a:noFill/>
+                </a:ln>
+                <a:effectLst/>
+              </c:spPr>
+              <c:dLblPos val="t"/>
+              <c:showLegendKey val="0"/>
+              <c:showVal val="0"/>
+              <c:showCatName val="0"/>
+              <c:showSerName val="0"/>
+              <c:showPercent val="0"/>
+              <c:showBubbleSize val="0"/>
+              <c:showLeaderLines val="1"/>
+              <c:extLst>
+                <c:ext xmlns:c15="http://schemas.microsoft.com/office/drawing/2012/chart" uri="{CE6537A1-D6FC-4f65-9D91-7224C49458BB}"/>
+                <c:ext xmlns:c16="http://schemas.microsoft.com/office/drawing/2014/chart" uri="{C3380CC4-5D6E-409C-BE32-E72D297353CC}">
+                  <c16:uniqueId val="{00000013-5563-8d64-1866-c1dbca8b4569}"/>
+                </c:ext>
+              </c:extLst>
+            </c:dLbl>
+            <c:dLbl>
+              <c:idx val="13"/>
+              <c:tx>
+                <c:rich>
+                  <a:bodyPr>
+                    <a:spAutoFit/>
+                  </a:bodyPr>
+                  <a:lstStyle/>
+                  <a:p>
+                    <a:pPr>
+                      <a:defRPr/>
+                    </a:pPr>
+                    <a:r>
+                      <a:rPr lang="en-US" dirty="0"/>
+                      <a:t>身心医学科</a:t>
+                    </a:r>
+                  </a:p>
+                </c:rich>
+              </c:tx>
+              <c:spPr>
+                <a:noFill/>
+                <a:ln>
+                  <a:noFill/>
+                </a:ln>
+                <a:effectLst/>
+              </c:spPr>
+              <c:dLblPos val="t"/>
+              <c:showLegendKey val="0"/>
+              <c:showVal val="0"/>
+              <c:showCatName val="0"/>
+              <c:showSerName val="0"/>
+              <c:showPercent val="0"/>
+              <c:showBubbleSize val="0"/>
+              <c:showLeaderLines val="1"/>
+              <c:extLst>
+                <c:ext xmlns:c15="http://schemas.microsoft.com/office/drawing/2012/chart" uri="{CE6537A1-D6FC-4f65-9D91-7224C49458BB}"/>
+                <c:ext xmlns:c16="http://schemas.microsoft.com/office/drawing/2014/chart" uri="{C3380CC4-5D6E-409C-BE32-E72D297353CC}">
+                  <c16:uniqueId val="{00000014-5563-8d64-1866-c1dbca8b4569}"/>
+                </c:ext>
+              </c:extLst>
+            </c:dLbl>
+            <c:dLbl>
+              <c:idx val="14"/>
+              <c:tx>
+                <c:rich>
+                  <a:bodyPr>
+                    <a:spAutoFit/>
+                  </a:bodyPr>
+                  <a:lstStyle/>
+                  <a:p>
+                    <a:pPr>
+                      <a:defRPr/>
+                    </a:pPr>
+                    <a:r>
+                      <a:rPr lang="en-US" dirty="0"/>
+                      <a:t>心病三科</a:t>
+                    </a:r>
+                  </a:p>
+                </c:rich>
+              </c:tx>
+              <c:spPr>
+                <a:noFill/>
+                <a:ln>
+                  <a:noFill/>
+                </a:ln>
+                <a:effectLst/>
+              </c:spPr>
+              <c:dLblPos val="t"/>
+              <c:showLegendKey val="0"/>
+              <c:showVal val="0"/>
+              <c:showCatName val="0"/>
+              <c:showSerName val="0"/>
+              <c:showPercent val="0"/>
+              <c:showBubbleSize val="0"/>
+              <c:showLeaderLines val="1"/>
+              <c:extLst>
+                <c:ext xmlns:c15="http://schemas.microsoft.com/office/drawing/2012/chart" uri="{CE6537A1-D6FC-4f65-9D91-7224C49458BB}"/>
+                <c:ext xmlns:c16="http://schemas.microsoft.com/office/drawing/2014/chart" uri="{C3380CC4-5D6E-409C-BE32-E72D297353CC}">
+                  <c16:uniqueId val="{00000015-5563-8d64-1866-c1dbca8b4569}"/>
+                </c:ext>
+              </c:extLst>
+            </c:dLbl>
+            <c:dLbl>
+              <c:idx val="15"/>
+              <c:tx>
+                <c:rich>
+                  <a:bodyPr>
+                    <a:spAutoFit/>
+                  </a:bodyPr>
+                  <a:lstStyle/>
+                  <a:p>
+                    <a:pPr>
+                      <a:defRPr/>
+                    </a:pPr>
+                    <a:r>
+                      <a:rPr lang="en-US" dirty="0"/>
+                      <a:t>血液科</a:t>
+                    </a:r>
+                  </a:p>
+                </c:rich>
+              </c:tx>
+              <c:spPr>
+                <a:noFill/>
+                <a:ln>
+                  <a:noFill/>
+                </a:ln>
+                <a:effectLst/>
+              </c:spPr>
+              <c:dLblPos val="t"/>
+              <c:showLegendKey val="0"/>
+              <c:showVal val="0"/>
+              <c:showCatName val="0"/>
+              <c:showSerName val="0"/>
+              <c:showPercent val="0"/>
+              <c:showBubbleSize val="0"/>
+              <c:showLeaderLines val="1"/>
+              <c:extLst>
+                <c:ext xmlns:c15="http://schemas.microsoft.com/office/drawing/2012/chart" uri="{CE6537A1-D6FC-4f65-9D91-7224C49458BB}"/>
+                <c:ext xmlns:c16="http://schemas.microsoft.com/office/drawing/2014/chart" uri="{C3380CC4-5D6E-409C-BE32-E72D297353CC}">
+                  <c16:uniqueId val="{00000016-5563-8d64-1866-c1dbca8b4569}"/>
+                </c:ext>
+              </c:extLst>
+            </c:dLbl>
+            <c:dLbl>
+              <c:idx val="16"/>
+              <c:tx>
+                <c:rich>
+                  <a:bodyPr>
+                    <a:spAutoFit/>
+                  </a:bodyPr>
+                  <a:lstStyle/>
+                  <a:p>
+                    <a:pPr>
+                      <a:defRPr/>
+                    </a:pPr>
+                    <a:r>
+                      <a:rPr lang="en-US" dirty="0"/>
+                      <a:t>泌尿外科</a:t>
+                    </a:r>
+                  </a:p>
+                </c:rich>
+              </c:tx>
+              <c:spPr>
+                <a:noFill/>
+                <a:ln>
+                  <a:noFill/>
+                </a:ln>
+                <a:effectLst/>
+              </c:spPr>
+              <c:dLblPos val="t"/>
+              <c:showLegendKey val="0"/>
+              <c:showVal val="0"/>
+              <c:showCatName val="0"/>
+              <c:showSerName val="0"/>
+              <c:showPercent val="0"/>
+              <c:showBubbleSize val="0"/>
+              <c:showLeaderLines val="1"/>
+              <c:extLst>
+                <c:ext xmlns:c15="http://schemas.microsoft.com/office/drawing/2012/chart" uri="{CE6537A1-D6FC-4f65-9D91-7224C49458BB}"/>
+                <c:ext xmlns:c16="http://schemas.microsoft.com/office/drawing/2014/chart" uri="{C3380CC4-5D6E-409C-BE32-E72D297353CC}">
+                  <c16:uniqueId val="{00000017-5563-8d64-1866-c1dbca8b4569}"/>
                 </c:ext>
               </c:extLst>
             </c:dLbl>
@@ -2195,7 +2195,7 @@
               <c:extLst>
                 <c:ext xmlns:c15="http://schemas.microsoft.com/office/drawing/2012/chart" uri="{CE6537A1-D6FC-4f65-9D91-7224C49458BB}"/>
                 <c:ext xmlns:c16="http://schemas.microsoft.com/office/drawing/2014/chart" uri="{C3380CC4-5D6E-409C-BE32-E72D297353CC}">
-                  <c16:uniqueId val="{00000018-d046-9566-6f2c-c40ff5e16f58}"/>
+                  <c16:uniqueId val="{00000018-5563-8d64-1866-c1dbca8b4569}"/>
                 </c:ext>
               </c:extLst>
             </c:dLbl>
@@ -2213,7 +2213,7 @@
                     </a:pPr>
                     <a:r>
                       <a:rPr lang="en-US" dirty="0"/>
-                      <a:t>心病四科</a:t>
+                      <a:t>口腔科</a:t>
                     </a:r>
                   </a:p>
                 </c:rich>
@@ -2236,7 +2236,7 @@
               <c:extLst>
                 <c:ext xmlns:c15="http://schemas.microsoft.com/office/drawing/2012/chart" uri="{CE6537A1-D6FC-4f65-9D91-7224C49458BB}"/>
                 <c:ext xmlns:c16="http://schemas.microsoft.com/office/drawing/2014/chart" uri="{C3380CC4-5D6E-409C-BE32-E72D297353CC}">
-                  <c16:uniqueId val="{00000019-d046-9566-6f2c-c40ff5e16f58}"/>
+                  <c16:uniqueId val="{00000019-5563-8d64-1866-c1dbca8b4569}"/>
                 </c:ext>
               </c:extLst>
             </c:dLbl>
@@ -2254,7 +2254,7 @@
                     </a:pPr>
                     <a:r>
                       <a:rPr lang="en-US" dirty="0"/>
-                      <a:t>心病一科</a:t>
+                      <a:t>骨科</a:t>
                     </a:r>
                   </a:p>
                 </c:rich>
@@ -2277,7 +2277,7 @@
               <c:extLst>
                 <c:ext xmlns:c15="http://schemas.microsoft.com/office/drawing/2012/chart" uri="{CE6537A1-D6FC-4f65-9D91-7224C49458BB}"/>
                 <c:ext xmlns:c16="http://schemas.microsoft.com/office/drawing/2014/chart" uri="{C3380CC4-5D6E-409C-BE32-E72D297353CC}">
-                  <c16:uniqueId val="{00000020-d046-9566-6f2c-c40ff5e16f58}"/>
+                  <c16:uniqueId val="{00000020-5563-8d64-1866-c1dbca8b4569}"/>
                 </c:ext>
               </c:extLst>
             </c:dLbl>
@@ -2289,64 +2289,64 @@
                 <c:formatCode>General</c:formatCode>
                 <c:ptCount val="20"/>
                 <c:pt idx="0">
-                  <c:v>7.4548772454840515</c:v>
+                  <c:v>21.879713512514524</c:v>
                 </c:pt>
                 <c:pt idx="1">
-                  <c:v>5.7313766597042175</c:v>
+                  <c:v>9.082349474060075</c:v>
                 </c:pt>
                 <c:pt idx="2">
-                  <c:v>4.505606416921918</c:v>
+                  <c:v>4.515833349034456</c:v>
                 </c:pt>
                 <c:pt idx="3">
-                  <c:v>10.466983556226655</c:v>
+                  <c:v>24.64458856463372</c:v>
                 </c:pt>
                 <c:pt idx="4">
-                  <c:v>3.748996685828689</c:v>
+                  <c:v>100</c:v>
                 </c:pt>
                 <c:pt idx="5">
-                  <c:v>6.34390244649238</c:v>
+                  <c:v>24.863877308447382</c:v>
                 </c:pt>
                 <c:pt idx="6">
-                  <c:v>8.446959678510618</c:v>
+                  <c:v>52.627022205641246</c:v>
                 </c:pt>
                 <c:pt idx="7">
-                  <c:v>6.40008448560466</c:v>
+                  <c:v>21.599492657024552</c:v>
                 </c:pt>
                 <c:pt idx="8">
-                  <c:v>9.044802283924895</c:v>
+                  <c:v>10.725023215137051</c:v>
                 </c:pt>
                 <c:pt idx="9">
-                  <c:v>10.491324376277595</c:v>
+                  <c:v>7.394023133933294</c:v>
                 </c:pt>
                 <c:pt idx="10">
-                  <c:v>16.996463458784824</c:v>
+                  <c:v>11.713910541829906</c:v>
                 </c:pt>
                 <c:pt idx="11">
-                  <c:v>17.10523676170924</c:v>
+                  <c:v>16.10581219386055</c:v>
                 </c:pt>
                 <c:pt idx="12">
-                  <c:v>16.286185897814423</c:v>
+                  <c:v>15.379496849139924</c:v>
                 </c:pt>
                 <c:pt idx="13">
-                  <c:v>48.40203266701426</c:v>
+                  <c:v>59.92108444228831</c:v>
                 </c:pt>
                 <c:pt idx="14">
-                  <c:v>9.610848487576124</c:v>
+                  <c:v>15.383061153480535</c:v>
                 </c:pt>
                 <c:pt idx="15">
-                  <c:v>2.263346848071859</c:v>
+                  <c:v>2.962928582887703</c:v>
                 </c:pt>
                 <c:pt idx="16">
-                  <c:v>15.368968604791464</c:v>
+                  <c:v>24.86302504591008</c:v>
                 </c:pt>
                 <c:pt idx="17">
-                  <c:v>13.16951401252215</c:v>
+                  <c:v>20.40617662967189</c:v>
                 </c:pt>
                 <c:pt idx="18">
-                  <c:v>32.260327018004524</c:v>
+                  <c:v>37.634686695084824</c:v>
                 </c:pt>
                 <c:pt idx="19">
-                  <c:v>8.627460091409775</c:v>
+                  <c:v>5.594803868957755</c:v>
                 </c:pt>
               </c:numCache>
             </c:numRef>
@@ -2361,61 +2361,61 @@
                   <c:v>100</c:v>
                 </c:pt>
                 <c:pt idx="1">
-                  <c:v>0.002353536246687209</c:v>
+                  <c:v>0.0023638223281276733</c:v>
                 </c:pt>
                 <c:pt idx="2">
-                  <c:v>0.002342972393802338</c:v>
+                  <c:v>0.0023138123100078655</c:v>
                 </c:pt>
                 <c:pt idx="3">
-                  <c:v>0.002308309791256817</c:v>
+                  <c:v>0.002213618414644004</c:v>
                 </c:pt>
                 <c:pt idx="4">
-                  <c:v>0.0022837437996912004</c:v>
+                  <c:v>0.0021368057741412735</c:v>
                 </c:pt>
                 <c:pt idx="5">
-                  <c:v>0.0021898677592252836</c:v>
+                  <c:v>0.002131518646032776</c:v>
                 </c:pt>
                 <c:pt idx="6">
-                  <c:v>0.002179693376554074</c:v>
+                  <c:v>0.0021238030609059895</c:v>
                 </c:pt>
                 <c:pt idx="7">
-                  <c:v>0.0021536086046471817</c:v>
+                  <c:v>0.0020752641612714383</c:v>
                 </c:pt>
                 <c:pt idx="8">
-                  <c:v>0.002109579596920899</c:v>
+                  <c:v>0.002026430747459903</c:v>
                 </c:pt>
                 <c:pt idx="9">
-                  <c:v>0.0020168686893292506</c:v>
+                  <c:v>0.0020171538025739954</c:v>
                 </c:pt>
                 <c:pt idx="10">
-                  <c:v>0.0019934170172323717</c:v>
+                  <c:v>0.001985001599007715</c:v>
                 </c:pt>
                 <c:pt idx="11">
-                  <c:v>0.0019480255383919603</c:v>
+                  <c:v>0.001951765490889276</c:v>
                 </c:pt>
                 <c:pt idx="12">
-                  <c:v>0.0019181836707839977</c:v>
+                  <c:v>0.0019014041847569146</c:v>
                 </c:pt>
                 <c:pt idx="13">
-                  <c:v>0.0019000308888857391</c:v>
+                  <c:v>0.0018850034886705833</c:v>
                 </c:pt>
                 <c:pt idx="14">
-                  <c:v>0.001881700579590766</c:v>
+                  <c:v>0.0018101698143483855</c:v>
                 </c:pt>
                 <c:pt idx="15">
-                  <c:v>0.0017708270375624878</c:v>
+                  <c:v>0.0017826932396831667</c:v>
                 </c:pt>
                 <c:pt idx="16">
-                  <c:v>0.00170239509578099</c:v>
+                  <c:v>0.0017809192425252342</c:v>
                 </c:pt>
                 <c:pt idx="17">
-                  <c:v>0.0016786880806773348</c:v>
+                  <c:v>0.001723845383598155</c:v>
                 </c:pt>
                 <c:pt idx="18">
-                  <c:v>0.0016430605713377705</c:v>
+                  <c:v>0.0016505571067370088</c:v>
                 </c:pt>
                 <c:pt idx="19">
-                  <c:v>0.0016327705475510878</c:v>
+                  <c:v>0.0016180656429739808</c:v>
                 </c:pt>
               </c:numCache>
             </c:numRef>

--- a/cases/goodhostpital2021/对标分析报告.pg.pptx
+++ b/cases/goodhostpital2021/对标分析报告.pg.pptx
@@ -109,13 +109,13 @@
   <p:extLst>
     <p:ext uri="{521415D9-36F7-43E2-AB2F-B90AF26B5E84}">
       <p14:sectionLst xmlns:p14="http://schemas.microsoft.com/office/powerpoint/2010/main">
-        <p14:section name="院内专科BCG散点图" id="{7bdac7d0-ca80-3cc8-ce22-5e93f857abfa}">
+        <p14:section name="院内专科BCG散点图" id="{2e94b5b1-1d82-89af-818d-bb996556658d}">
           <p14:sldIdLst>
             <p14:sldId id="257"/>
             <p14:sldId id="258"/>
           </p14:sldIdLst>
         </p14:section>
-        <p14:section name="院内专科梯队表格" id="{157c7fec-a38f-54c6-12ba-dbc4b117105c}">
+        <p14:section name="院内专科梯队表格" id="{4716c7b2-46e7-e8ab-16f8-ecbd5b2cd3ca}">
           <p14:sldIdLst/>
         </p14:section>
       </p14:sectionLst>
@@ -127,7 +127,7 @@
 </p:presentation>
 </file>
 
-<file path=ppt/charts/chart3.xml><?xml version="1.0" encoding="utf-8"?>
+<file path=ppt/charts/chart4983.xml><?xml version="1.0" encoding="utf-8"?>
 <c:chartSpace xmlns:c="http://schemas.openxmlformats.org/drawingml/2006/chart" xmlns:a="http://schemas.openxmlformats.org/drawingml/2006/main" xmlns:r="http://schemas.openxmlformats.org/officeDocument/2006/relationships">
   <c:date1904 val="0"/>
   <c:chart>
@@ -221,6 +221,129 @@
                     </a:pPr>
                     <a:r>
                       <a:rPr lang="en-US" dirty="0"/>
+                      <a:t>关节骨科</a:t>
+                    </a:r>
+                  </a:p>
+                </c:rich>
+              </c:tx>
+              <c:spPr>
+                <a:noFill/>
+                <a:ln>
+                  <a:noFill/>
+                </a:ln>
+                <a:effectLst/>
+              </c:spPr>
+              <c:dLblPos val="t"/>
+              <c:showLegendKey val="0"/>
+              <c:showVal val="0"/>
+              <c:showCatName val="0"/>
+              <c:showSerName val="0"/>
+              <c:showPercent val="0"/>
+              <c:showBubbleSize val="0"/>
+              <c:showLeaderLines val="1"/>
+              <c:extLst>
+                <c:ext xmlns:c15="http://schemas.microsoft.com/office/drawing/2012/chart" uri="{CE6537A1-D6FC-4f65-9D91-7224C49458BB}"/>
+                <c:ext xmlns:c16="http://schemas.microsoft.com/office/drawing/2014/chart" uri="{C3380CC4-5D6E-409C-BE32-E72D297353CC}">
+                  <c16:uniqueId val="{00000001-ef6d-f94e-fd2a-a0b0c1894fec}"/>
+                </c:ext>
+              </c:extLst>
+            </c:dLbl>
+            <c:dLbl>
+              <c:idx val="1"/>
+              <c:tx>
+                <c:rich>
+                  <a:bodyPr>
+                    <a:spAutoFit/>
+                  </a:bodyPr>
+                  <a:lstStyle/>
+                  <a:p>
+                    <a:pPr>
+                      <a:defRPr/>
+                    </a:pPr>
+                    <a:r>
+                      <a:rPr lang="en-US" dirty="0"/>
+                      <a:t>肛肠科</a:t>
+                    </a:r>
+                  </a:p>
+                </c:rich>
+              </c:tx>
+              <c:spPr>
+                <a:noFill/>
+                <a:ln>
+                  <a:noFill/>
+                </a:ln>
+                <a:effectLst/>
+              </c:spPr>
+              <c:dLblPos val="t"/>
+              <c:showLegendKey val="0"/>
+              <c:showVal val="0"/>
+              <c:showCatName val="0"/>
+              <c:showSerName val="0"/>
+              <c:showPercent val="0"/>
+              <c:showBubbleSize val="0"/>
+              <c:showLeaderLines val="1"/>
+              <c:extLst>
+                <c:ext xmlns:c15="http://schemas.microsoft.com/office/drawing/2012/chart" uri="{CE6537A1-D6FC-4f65-9D91-7224C49458BB}"/>
+                <c:ext xmlns:c16="http://schemas.microsoft.com/office/drawing/2014/chart" uri="{C3380CC4-5D6E-409C-BE32-E72D297353CC}">
+                  <c16:uniqueId val="{00000002-ef6d-f94e-fd2a-a0b0c1894fec}"/>
+                </c:ext>
+              </c:extLst>
+            </c:dLbl>
+            <c:dLbl>
+              <c:idx val="2"/>
+              <c:tx>
+                <c:rich>
+                  <a:bodyPr>
+                    <a:spAutoFit/>
+                  </a:bodyPr>
+                  <a:lstStyle/>
+                  <a:p>
+                    <a:pPr>
+                      <a:defRPr/>
+                    </a:pPr>
+                    <a:r>
+                      <a:rPr lang="en-US" dirty="0"/>
+                      <a:t>肝胆外科</a:t>
+                    </a:r>
+                  </a:p>
+                </c:rich>
+              </c:tx>
+              <c:spPr>
+                <a:noFill/>
+                <a:ln>
+                  <a:noFill/>
+                </a:ln>
+                <a:effectLst/>
+              </c:spPr>
+              <c:dLblPos val="t"/>
+              <c:showLegendKey val="0"/>
+              <c:showVal val="0"/>
+              <c:showCatName val="0"/>
+              <c:showSerName val="0"/>
+              <c:showPercent val="0"/>
+              <c:showBubbleSize val="0"/>
+              <c:showLeaderLines val="1"/>
+              <c:extLst>
+                <c:ext xmlns:c15="http://schemas.microsoft.com/office/drawing/2012/chart" uri="{CE6537A1-D6FC-4f65-9D91-7224C49458BB}"/>
+                <c:ext xmlns:c16="http://schemas.microsoft.com/office/drawing/2014/chart" uri="{C3380CC4-5D6E-409C-BE32-E72D297353CC}">
+                  <c16:uniqueId val="{00000003-ef6d-f94e-fd2a-a0b0c1894fec}"/>
+                </c:ext>
+              </c:extLst>
+            </c:dLbl>
+            <c:dLbl>
+              <c:idx val="3"/>
+              <c:tx>
+                <c:rich>
+                  <a:bodyPr>
+                    <a:spAutoFit/>
+                  </a:bodyPr>
+                  <a:lstStyle/>
+                  <a:p>
+                    <a:pPr>
+                      <a:defRPr/>
+                    </a:pPr>
+                    <a:r>
+                      <a:rPr lang="en-US" dirty="0"/>
                       <a:t>美容皮肤科</a:t>
                     </a:r>
                   </a:p>
@@ -244,12 +367,12 @@
               <c:extLst>
                 <c:ext xmlns:c15="http://schemas.microsoft.com/office/drawing/2012/chart" uri="{CE6537A1-D6FC-4f65-9D91-7224C49458BB}"/>
                 <c:ext xmlns:c16="http://schemas.microsoft.com/office/drawing/2014/chart" uri="{C3380CC4-5D6E-409C-BE32-E72D297353CC}">
-                  <c16:uniqueId val="{00000001-4f34-1446-9b82-31309ba4f673}"/>
+                  <c16:uniqueId val="{00000004-ef6d-f94e-fd2a-a0b0c1894fec}"/>
                 </c:ext>
               </c:extLst>
             </c:dLbl>
             <c:dLbl>
-              <c:idx val="1"/>
+              <c:idx val="4"/>
               <c:tx>
                 <c:rich>
                   <a:bodyPr>
@@ -262,7 +385,7 @@
                     </a:pPr>
                     <a:r>
                       <a:rPr lang="en-US" dirty="0"/>
-                      <a:t>身心医学科</a:t>
+                      <a:t>脑病三科</a:t>
                     </a:r>
                   </a:p>
                 </c:rich>
@@ -285,12 +408,12 @@
               <c:extLst>
                 <c:ext xmlns:c15="http://schemas.microsoft.com/office/drawing/2012/chart" uri="{CE6537A1-D6FC-4f65-9D91-7224C49458BB}"/>
                 <c:ext xmlns:c16="http://schemas.microsoft.com/office/drawing/2014/chart" uri="{C3380CC4-5D6E-409C-BE32-E72D297353CC}">
-                  <c16:uniqueId val="{00000002-4f34-1446-9b82-31309ba4f673}"/>
+                  <c16:uniqueId val="{00000005-ef6d-f94e-fd2a-a0b0c1894fec}"/>
                 </c:ext>
               </c:extLst>
             </c:dLbl>
             <c:dLbl>
-              <c:idx val="2"/>
+              <c:idx val="5"/>
               <c:tx>
                 <c:rich>
                   <a:bodyPr>
@@ -303,7 +426,7 @@
                     </a:pPr>
                     <a:r>
                       <a:rPr lang="en-US" dirty="0"/>
-                      <a:t>肝病科</a:t>
+                      <a:t>小儿推拿科</a:t>
                     </a:r>
                   </a:p>
                 </c:rich>
@@ -326,12 +449,12 @@
               <c:extLst>
                 <c:ext xmlns:c15="http://schemas.microsoft.com/office/drawing/2012/chart" uri="{CE6537A1-D6FC-4f65-9D91-7224C49458BB}"/>
                 <c:ext xmlns:c16="http://schemas.microsoft.com/office/drawing/2014/chart" uri="{C3380CC4-5D6E-409C-BE32-E72D297353CC}">
-                  <c16:uniqueId val="{00000003-4f34-1446-9b82-31309ba4f673}"/>
+                  <c16:uniqueId val="{00000006-ef6d-f94e-fd2a-a0b0c1894fec}"/>
                 </c:ext>
               </c:extLst>
             </c:dLbl>
             <c:dLbl>
-              <c:idx val="3"/>
+              <c:idx val="6"/>
               <c:tx>
                 <c:rich>
                   <a:bodyPr>
@@ -344,7 +467,7 @@
                     </a:pPr>
                     <a:r>
                       <a:rPr lang="en-US" dirty="0"/>
-                      <a:t>中医外治中心</a:t>
+                      <a:t>老年医学科</a:t>
                     </a:r>
                   </a:p>
                 </c:rich>
@@ -367,12 +490,176 @@
               <c:extLst>
                 <c:ext xmlns:c15="http://schemas.microsoft.com/office/drawing/2012/chart" uri="{CE6537A1-D6FC-4f65-9D91-7224C49458BB}"/>
                 <c:ext xmlns:c16="http://schemas.microsoft.com/office/drawing/2014/chart" uri="{C3380CC4-5D6E-409C-BE32-E72D297353CC}">
-                  <c16:uniqueId val="{00000004-4f34-1446-9b82-31309ba4f673}"/>
+                  <c16:uniqueId val="{00000007-ef6d-f94e-fd2a-a0b0c1894fec}"/>
                 </c:ext>
               </c:extLst>
             </c:dLbl>
             <c:dLbl>
-              <c:idx val="4"/>
+              <c:idx val="7"/>
+              <c:tx>
+                <c:rich>
+                  <a:bodyPr>
+                    <a:spAutoFit/>
+                  </a:bodyPr>
+                  <a:lstStyle/>
+                  <a:p>
+                    <a:pPr>
+                      <a:defRPr/>
+                    </a:pPr>
+                    <a:r>
+                      <a:rPr lang="en-US" dirty="0"/>
+                      <a:t>中医经典科</a:t>
+                    </a:r>
+                  </a:p>
+                </c:rich>
+              </c:tx>
+              <c:spPr>
+                <a:noFill/>
+                <a:ln>
+                  <a:noFill/>
+                </a:ln>
+                <a:effectLst/>
+              </c:spPr>
+              <c:dLblPos val="t"/>
+              <c:showLegendKey val="0"/>
+              <c:showVal val="0"/>
+              <c:showCatName val="0"/>
+              <c:showSerName val="0"/>
+              <c:showPercent val="0"/>
+              <c:showBubbleSize val="0"/>
+              <c:showLeaderLines val="1"/>
+              <c:extLst>
+                <c:ext xmlns:c15="http://schemas.microsoft.com/office/drawing/2012/chart" uri="{CE6537A1-D6FC-4f65-9D91-7224C49458BB}"/>
+                <c:ext xmlns:c16="http://schemas.microsoft.com/office/drawing/2014/chart" uri="{C3380CC4-5D6E-409C-BE32-E72D297353CC}">
+                  <c16:uniqueId val="{00000008-ef6d-f94e-fd2a-a0b0c1894fec}"/>
+                </c:ext>
+              </c:extLst>
+            </c:dLbl>
+            <c:dLbl>
+              <c:idx val="8"/>
+              <c:tx>
+                <c:rich>
+                  <a:bodyPr>
+                    <a:spAutoFit/>
+                  </a:bodyPr>
+                  <a:lstStyle/>
+                  <a:p>
+                    <a:pPr>
+                      <a:defRPr/>
+                    </a:pPr>
+                    <a:r>
+                      <a:rPr lang="en-US" dirty="0"/>
+                      <a:t>综合内科</a:t>
+                    </a:r>
+                  </a:p>
+                </c:rich>
+              </c:tx>
+              <c:spPr>
+                <a:noFill/>
+                <a:ln>
+                  <a:noFill/>
+                </a:ln>
+                <a:effectLst/>
+              </c:spPr>
+              <c:dLblPos val="t"/>
+              <c:showLegendKey val="0"/>
+              <c:showVal val="0"/>
+              <c:showCatName val="0"/>
+              <c:showSerName val="0"/>
+              <c:showPercent val="0"/>
+              <c:showBubbleSize val="0"/>
+              <c:showLeaderLines val="1"/>
+              <c:extLst>
+                <c:ext xmlns:c15="http://schemas.microsoft.com/office/drawing/2012/chart" uri="{CE6537A1-D6FC-4f65-9D91-7224C49458BB}"/>
+                <c:ext xmlns:c16="http://schemas.microsoft.com/office/drawing/2014/chart" uri="{C3380CC4-5D6E-409C-BE32-E72D297353CC}">
+                  <c16:uniqueId val="{00000009-ef6d-f94e-fd2a-a0b0c1894fec}"/>
+                </c:ext>
+              </c:extLst>
+            </c:dLbl>
+            <c:dLbl>
+              <c:idx val="9"/>
+              <c:tx>
+                <c:rich>
+                  <a:bodyPr>
+                    <a:spAutoFit/>
+                  </a:bodyPr>
+                  <a:lstStyle/>
+                  <a:p>
+                    <a:pPr>
+                      <a:defRPr/>
+                    </a:pPr>
+                    <a:r>
+                      <a:rPr lang="en-US" dirty="0"/>
+                      <a:t>内分泌科</a:t>
+                    </a:r>
+                  </a:p>
+                </c:rich>
+              </c:tx>
+              <c:spPr>
+                <a:noFill/>
+                <a:ln>
+                  <a:noFill/>
+                </a:ln>
+                <a:effectLst/>
+              </c:spPr>
+              <c:dLblPos val="t"/>
+              <c:showLegendKey val="0"/>
+              <c:showVal val="0"/>
+              <c:showCatName val="0"/>
+              <c:showSerName val="0"/>
+              <c:showPercent val="0"/>
+              <c:showBubbleSize val="0"/>
+              <c:showLeaderLines val="1"/>
+              <c:extLst>
+                <c:ext xmlns:c15="http://schemas.microsoft.com/office/drawing/2012/chart" uri="{CE6537A1-D6FC-4f65-9D91-7224C49458BB}"/>
+                <c:ext xmlns:c16="http://schemas.microsoft.com/office/drawing/2014/chart" uri="{C3380CC4-5D6E-409C-BE32-E72D297353CC}">
+                  <c16:uniqueId val="{00000010-ef6d-f94e-fd2a-a0b0c1894fec}"/>
+                </c:ext>
+              </c:extLst>
+            </c:dLbl>
+            <c:dLbl>
+              <c:idx val="10"/>
+              <c:tx>
+                <c:rich>
+                  <a:bodyPr>
+                    <a:spAutoFit/>
+                  </a:bodyPr>
+                  <a:lstStyle/>
+                  <a:p>
+                    <a:pPr>
+                      <a:defRPr/>
+                    </a:pPr>
+                    <a:r>
+                      <a:rPr lang="en-US" dirty="0"/>
+                      <a:t>泌尿外科</a:t>
+                    </a:r>
+                  </a:p>
+                </c:rich>
+              </c:tx>
+              <c:spPr>
+                <a:noFill/>
+                <a:ln>
+                  <a:noFill/>
+                </a:ln>
+                <a:effectLst/>
+              </c:spPr>
+              <c:dLblPos val="t"/>
+              <c:showLegendKey val="0"/>
+              <c:showVal val="0"/>
+              <c:showCatName val="0"/>
+              <c:showSerName val="0"/>
+              <c:showPercent val="0"/>
+              <c:showBubbleSize val="0"/>
+              <c:showLeaderLines val="1"/>
+              <c:extLst>
+                <c:ext xmlns:c15="http://schemas.microsoft.com/office/drawing/2012/chart" uri="{CE6537A1-D6FC-4f65-9D91-7224C49458BB}"/>
+                <c:ext xmlns:c16="http://schemas.microsoft.com/office/drawing/2014/chart" uri="{C3380CC4-5D6E-409C-BE32-E72D297353CC}">
+                  <c16:uniqueId val="{00000011-ef6d-f94e-fd2a-a0b0c1894fec}"/>
+                </c:ext>
+              </c:extLst>
+            </c:dLbl>
+            <c:dLbl>
+              <c:idx val="11"/>
               <c:tx>
                 <c:rich>
                   <a:bodyPr>
@@ -408,12 +695,12 @@
               <c:extLst>
                 <c:ext xmlns:c15="http://schemas.microsoft.com/office/drawing/2012/chart" uri="{CE6537A1-D6FC-4f65-9D91-7224C49458BB}"/>
                 <c:ext xmlns:c16="http://schemas.microsoft.com/office/drawing/2014/chart" uri="{C3380CC4-5D6E-409C-BE32-E72D297353CC}">
-                  <c16:uniqueId val="{00000005-4f34-1446-9b82-31309ba4f673}"/>
+                  <c16:uniqueId val="{00000012-ef6d-f94e-fd2a-a0b0c1894fec}"/>
                 </c:ext>
               </c:extLst>
             </c:dLbl>
             <c:dLbl>
-              <c:idx val="5"/>
+              <c:idx val="12"/>
               <c:tx>
                 <c:rich>
                   <a:bodyPr>
@@ -426,7 +713,7 @@
                     </a:pPr>
                     <a:r>
                       <a:rPr lang="en-US" dirty="0"/>
-                      <a:t>内分泌科</a:t>
+                      <a:t>耳鼻喉科</a:t>
                     </a:r>
                   </a:p>
                 </c:rich>
@@ -449,53 +736,12 @@
               <c:extLst>
                 <c:ext xmlns:c15="http://schemas.microsoft.com/office/drawing/2012/chart" uri="{CE6537A1-D6FC-4f65-9D91-7224C49458BB}"/>
                 <c:ext xmlns:c16="http://schemas.microsoft.com/office/drawing/2014/chart" uri="{C3380CC4-5D6E-409C-BE32-E72D297353CC}">
-                  <c16:uniqueId val="{00000006-4f34-1446-9b82-31309ba4f673}"/>
+                  <c16:uniqueId val="{00000013-ef6d-f94e-fd2a-a0b0c1894fec}"/>
                 </c:ext>
               </c:extLst>
             </c:dLbl>
             <c:dLbl>
-              <c:idx val="6"/>
-              <c:tx>
-                <c:rich>
-                  <a:bodyPr>
-                    <a:spAutoFit/>
-                  </a:bodyPr>
-                  <a:lstStyle/>
-                  <a:p>
-                    <a:pPr>
-                      <a:defRPr/>
-                    </a:pPr>
-                    <a:r>
-                      <a:rPr lang="en-US" dirty="0"/>
-                      <a:t>西区重症医学科</a:t>
-                    </a:r>
-                  </a:p>
-                </c:rich>
-              </c:tx>
-              <c:spPr>
-                <a:noFill/>
-                <a:ln>
-                  <a:noFill/>
-                </a:ln>
-                <a:effectLst/>
-              </c:spPr>
-              <c:dLblPos val="t"/>
-              <c:showLegendKey val="0"/>
-              <c:showVal val="0"/>
-              <c:showCatName val="0"/>
-              <c:showSerName val="0"/>
-              <c:showPercent val="0"/>
-              <c:showBubbleSize val="0"/>
-              <c:showLeaderLines val="1"/>
-              <c:extLst>
-                <c:ext xmlns:c15="http://schemas.microsoft.com/office/drawing/2012/chart" uri="{CE6537A1-D6FC-4f65-9D91-7224C49458BB}"/>
-                <c:ext xmlns:c16="http://schemas.microsoft.com/office/drawing/2014/chart" uri="{C3380CC4-5D6E-409C-BE32-E72D297353CC}">
-                  <c16:uniqueId val="{00000007-4f34-1446-9b82-31309ba4f673}"/>
-                </c:ext>
-              </c:extLst>
-            </c:dLbl>
-            <c:dLbl>
-              <c:idx val="7"/>
+              <c:idx val="13"/>
               <c:tx>
                 <c:rich>
                   <a:bodyPr>
@@ -531,12 +777,12 @@
               <c:extLst>
                 <c:ext xmlns:c15="http://schemas.microsoft.com/office/drawing/2012/chart" uri="{CE6537A1-D6FC-4f65-9D91-7224C49458BB}"/>
                 <c:ext xmlns:c16="http://schemas.microsoft.com/office/drawing/2014/chart" uri="{C3380CC4-5D6E-409C-BE32-E72D297353CC}">
-                  <c16:uniqueId val="{00000008-4f34-1446-9b82-31309ba4f673}"/>
+                  <c16:uniqueId val="{00000014-ef6d-f94e-fd2a-a0b0c1894fec}"/>
                 </c:ext>
               </c:extLst>
             </c:dLbl>
             <c:dLbl>
-              <c:idx val="8"/>
+              <c:idx val="14"/>
               <c:tx>
                 <c:rich>
                   <a:bodyPr>
@@ -549,7 +795,7 @@
                     </a:pPr>
                     <a:r>
                       <a:rPr lang="en-US" dirty="0"/>
-                      <a:t>口腔科</a:t>
+                      <a:t>消化内科</a:t>
                     </a:r>
                   </a:p>
                 </c:rich>
@@ -572,12 +818,53 @@
               <c:extLst>
                 <c:ext xmlns:c15="http://schemas.microsoft.com/office/drawing/2012/chart" uri="{CE6537A1-D6FC-4f65-9D91-7224C49458BB}"/>
                 <c:ext xmlns:c16="http://schemas.microsoft.com/office/drawing/2014/chart" uri="{C3380CC4-5D6E-409C-BE32-E72D297353CC}">
-                  <c16:uniqueId val="{00000009-4f34-1446-9b82-31309ba4f673}"/>
+                  <c16:uniqueId val="{00000015-ef6d-f94e-fd2a-a0b0c1894fec}"/>
                 </c:ext>
               </c:extLst>
             </c:dLbl>
             <c:dLbl>
-              <c:idx val="9"/>
+              <c:idx val="15"/>
+              <c:tx>
+                <c:rich>
+                  <a:bodyPr>
+                    <a:spAutoFit/>
+                  </a:bodyPr>
+                  <a:lstStyle/>
+                  <a:p>
+                    <a:pPr>
+                      <a:defRPr/>
+                    </a:pPr>
+                    <a:r>
+                      <a:rPr lang="en-US" dirty="0"/>
+                      <a:t>东区重症医学科</a:t>
+                    </a:r>
+                  </a:p>
+                </c:rich>
+              </c:tx>
+              <c:spPr>
+                <a:noFill/>
+                <a:ln>
+                  <a:noFill/>
+                </a:ln>
+                <a:effectLst/>
+              </c:spPr>
+              <c:dLblPos val="t"/>
+              <c:showLegendKey val="0"/>
+              <c:showVal val="0"/>
+              <c:showCatName val="0"/>
+              <c:showSerName val="0"/>
+              <c:showPercent val="0"/>
+              <c:showBubbleSize val="0"/>
+              <c:showLeaderLines val="1"/>
+              <c:extLst>
+                <c:ext xmlns:c15="http://schemas.microsoft.com/office/drawing/2012/chart" uri="{CE6537A1-D6FC-4f65-9D91-7224C49458BB}"/>
+                <c:ext xmlns:c16="http://schemas.microsoft.com/office/drawing/2014/chart" uri="{C3380CC4-5D6E-409C-BE32-E72D297353CC}">
+                  <c16:uniqueId val="{00000016-ef6d-f94e-fd2a-a0b0c1894fec}"/>
+                </c:ext>
+              </c:extLst>
+            </c:dLbl>
+            <c:dLbl>
+              <c:idx val="16"/>
               <c:tx>
                 <c:rich>
                   <a:bodyPr>
@@ -613,12 +900,12 @@
               <c:extLst>
                 <c:ext xmlns:c15="http://schemas.microsoft.com/office/drawing/2012/chart" uri="{CE6537A1-D6FC-4f65-9D91-7224C49458BB}"/>
                 <c:ext xmlns:c16="http://schemas.microsoft.com/office/drawing/2014/chart" uri="{C3380CC4-5D6E-409C-BE32-E72D297353CC}">
-                  <c16:uniqueId val="{00000010-4f34-1446-9b82-31309ba4f673}"/>
+                  <c16:uniqueId val="{00000017-ef6d-f94e-fd2a-a0b0c1894fec}"/>
                 </c:ext>
               </c:extLst>
             </c:dLbl>
             <c:dLbl>
-              <c:idx val="10"/>
+              <c:idx val="17"/>
               <c:tx>
                 <c:rich>
                   <a:bodyPr>
@@ -631,7 +918,7 @@
                     </a:pPr>
                     <a:r>
                       <a:rPr lang="en-US" dirty="0"/>
-                      <a:t>东区肾病科</a:t>
+                      <a:t>脑病一科</a:t>
                     </a:r>
                   </a:p>
                 </c:rich>
@@ -654,12 +941,12 @@
               <c:extLst>
                 <c:ext xmlns:c15="http://schemas.microsoft.com/office/drawing/2012/chart" uri="{CE6537A1-D6FC-4f65-9D91-7224C49458BB}"/>
                 <c:ext xmlns:c16="http://schemas.microsoft.com/office/drawing/2014/chart" uri="{C3380CC4-5D6E-409C-BE32-E72D297353CC}">
-                  <c16:uniqueId val="{00000011-4f34-1446-9b82-31309ba4f673}"/>
+                  <c16:uniqueId val="{00000018-ef6d-f94e-fd2a-a0b0c1894fec}"/>
                 </c:ext>
               </c:extLst>
             </c:dLbl>
             <c:dLbl>
-              <c:idx val="11"/>
+              <c:idx val="18"/>
               <c:tx>
                 <c:rich>
                   <a:bodyPr>
@@ -672,7 +959,7 @@
                     </a:pPr>
                     <a:r>
                       <a:rPr lang="en-US" dirty="0"/>
-                      <a:t>重症医学科</a:t>
+                      <a:t>风湿病科</a:t>
                     </a:r>
                   </a:p>
                 </c:rich>
@@ -695,12 +982,12 @@
               <c:extLst>
                 <c:ext xmlns:c15="http://schemas.microsoft.com/office/drawing/2012/chart" uri="{CE6537A1-D6FC-4f65-9D91-7224C49458BB}"/>
                 <c:ext xmlns:c16="http://schemas.microsoft.com/office/drawing/2014/chart" uri="{C3380CC4-5D6E-409C-BE32-E72D297353CC}">
-                  <c16:uniqueId val="{00000012-4f34-1446-9b82-31309ba4f673}"/>
+                  <c16:uniqueId val="{00000019-ef6d-f94e-fd2a-a0b0c1894fec}"/>
                 </c:ext>
               </c:extLst>
             </c:dLbl>
             <c:dLbl>
-              <c:idx val="12"/>
+              <c:idx val="19"/>
               <c:tx>
                 <c:rich>
                   <a:bodyPr>
@@ -713,7 +1000,7 @@
                     </a:pPr>
                     <a:r>
                       <a:rPr lang="en-US" dirty="0"/>
-                      <a:t>脾胃科消化科合并</a:t>
+                      <a:t>治未病中心</a:t>
                     </a:r>
                   </a:p>
                 </c:rich>
@@ -736,294 +1023,7 @@
               <c:extLst>
                 <c:ext xmlns:c15="http://schemas.microsoft.com/office/drawing/2012/chart" uri="{CE6537A1-D6FC-4f65-9D91-7224C49458BB}"/>
                 <c:ext xmlns:c16="http://schemas.microsoft.com/office/drawing/2014/chart" uri="{C3380CC4-5D6E-409C-BE32-E72D297353CC}">
-                  <c16:uniqueId val="{00000013-4f34-1446-9b82-31309ba4f673}"/>
-                </c:ext>
-              </c:extLst>
-            </c:dLbl>
-            <c:dLbl>
-              <c:idx val="13"/>
-              <c:tx>
-                <c:rich>
-                  <a:bodyPr>
-                    <a:spAutoFit/>
-                  </a:bodyPr>
-                  <a:lstStyle/>
-                  <a:p>
-                    <a:pPr>
-                      <a:defRPr/>
-                    </a:pPr>
-                    <a:r>
-                      <a:rPr lang="en-US" dirty="0"/>
-                      <a:t>脊柱骨科</a:t>
-                    </a:r>
-                  </a:p>
-                </c:rich>
-              </c:tx>
-              <c:spPr>
-                <a:noFill/>
-                <a:ln>
-                  <a:noFill/>
-                </a:ln>
-                <a:effectLst/>
-              </c:spPr>
-              <c:dLblPos val="t"/>
-              <c:showLegendKey val="0"/>
-              <c:showVal val="0"/>
-              <c:showCatName val="0"/>
-              <c:showSerName val="0"/>
-              <c:showPercent val="0"/>
-              <c:showBubbleSize val="0"/>
-              <c:showLeaderLines val="1"/>
-              <c:extLst>
-                <c:ext xmlns:c15="http://schemas.microsoft.com/office/drawing/2012/chart" uri="{CE6537A1-D6FC-4f65-9D91-7224C49458BB}"/>
-                <c:ext xmlns:c16="http://schemas.microsoft.com/office/drawing/2014/chart" uri="{C3380CC4-5D6E-409C-BE32-E72D297353CC}">
-                  <c16:uniqueId val="{00000014-4f34-1446-9b82-31309ba4f673}"/>
-                </c:ext>
-              </c:extLst>
-            </c:dLbl>
-            <c:dLbl>
-              <c:idx val="14"/>
-              <c:tx>
-                <c:rich>
-                  <a:bodyPr>
-                    <a:spAutoFit/>
-                  </a:bodyPr>
-                  <a:lstStyle/>
-                  <a:p>
-                    <a:pPr>
-                      <a:defRPr/>
-                    </a:pPr>
-                    <a:r>
-                      <a:rPr lang="en-US" dirty="0"/>
-                      <a:t>泌尿外科</a:t>
-                    </a:r>
-                  </a:p>
-                </c:rich>
-              </c:tx>
-              <c:spPr>
-                <a:noFill/>
-                <a:ln>
-                  <a:noFill/>
-                </a:ln>
-                <a:effectLst/>
-              </c:spPr>
-              <c:dLblPos val="t"/>
-              <c:showLegendKey val="0"/>
-              <c:showVal val="0"/>
-              <c:showCatName val="0"/>
-              <c:showSerName val="0"/>
-              <c:showPercent val="0"/>
-              <c:showBubbleSize val="0"/>
-              <c:showLeaderLines val="1"/>
-              <c:extLst>
-                <c:ext xmlns:c15="http://schemas.microsoft.com/office/drawing/2012/chart" uri="{CE6537A1-D6FC-4f65-9D91-7224C49458BB}"/>
-                <c:ext xmlns:c16="http://schemas.microsoft.com/office/drawing/2014/chart" uri="{C3380CC4-5D6E-409C-BE32-E72D297353CC}">
-                  <c16:uniqueId val="{00000015-4f34-1446-9b82-31309ba4f673}"/>
-                </c:ext>
-              </c:extLst>
-            </c:dLbl>
-            <c:dLbl>
-              <c:idx val="15"/>
-              <c:tx>
-                <c:rich>
-                  <a:bodyPr>
-                    <a:spAutoFit/>
-                  </a:bodyPr>
-                  <a:lstStyle/>
-                  <a:p>
-                    <a:pPr>
-                      <a:defRPr/>
-                    </a:pPr>
-                    <a:r>
-                      <a:rPr lang="en-US" dirty="0"/>
-                      <a:t>脾胃病科</a:t>
-                    </a:r>
-                  </a:p>
-                </c:rich>
-              </c:tx>
-              <c:spPr>
-                <a:noFill/>
-                <a:ln>
-                  <a:noFill/>
-                </a:ln>
-                <a:effectLst/>
-              </c:spPr>
-              <c:dLblPos val="t"/>
-              <c:showLegendKey val="0"/>
-              <c:showVal val="0"/>
-              <c:showCatName val="0"/>
-              <c:showSerName val="0"/>
-              <c:showPercent val="0"/>
-              <c:showBubbleSize val="0"/>
-              <c:showLeaderLines val="1"/>
-              <c:extLst>
-                <c:ext xmlns:c15="http://schemas.microsoft.com/office/drawing/2012/chart" uri="{CE6537A1-D6FC-4f65-9D91-7224C49458BB}"/>
-                <c:ext xmlns:c16="http://schemas.microsoft.com/office/drawing/2014/chart" uri="{C3380CC4-5D6E-409C-BE32-E72D297353CC}">
-                  <c16:uniqueId val="{00000016-4f34-1446-9b82-31309ba4f673}"/>
-                </c:ext>
-              </c:extLst>
-            </c:dLbl>
-            <c:dLbl>
-              <c:idx val="16"/>
-              <c:tx>
-                <c:rich>
-                  <a:bodyPr>
-                    <a:spAutoFit/>
-                  </a:bodyPr>
-                  <a:lstStyle/>
-                  <a:p>
-                    <a:pPr>
-                      <a:defRPr/>
-                    </a:pPr>
-                    <a:r>
-                      <a:rPr lang="en-US" dirty="0"/>
-                      <a:t>推拿科</a:t>
-                    </a:r>
-                  </a:p>
-                </c:rich>
-              </c:tx>
-              <c:spPr>
-                <a:noFill/>
-                <a:ln>
-                  <a:noFill/>
-                </a:ln>
-                <a:effectLst/>
-              </c:spPr>
-              <c:dLblPos val="t"/>
-              <c:showLegendKey val="0"/>
-              <c:showVal val="0"/>
-              <c:showCatName val="0"/>
-              <c:showSerName val="0"/>
-              <c:showPercent val="0"/>
-              <c:showBubbleSize val="0"/>
-              <c:showLeaderLines val="1"/>
-              <c:extLst>
-                <c:ext xmlns:c15="http://schemas.microsoft.com/office/drawing/2012/chart" uri="{CE6537A1-D6FC-4f65-9D91-7224C49458BB}"/>
-                <c:ext xmlns:c16="http://schemas.microsoft.com/office/drawing/2014/chart" uri="{C3380CC4-5D6E-409C-BE32-E72D297353CC}">
-                  <c16:uniqueId val="{00000017-4f34-1446-9b82-31309ba4f673}"/>
-                </c:ext>
-              </c:extLst>
-            </c:dLbl>
-            <c:dLbl>
-              <c:idx val="17"/>
-              <c:tx>
-                <c:rich>
-                  <a:bodyPr>
-                    <a:spAutoFit/>
-                  </a:bodyPr>
-                  <a:lstStyle/>
-                  <a:p>
-                    <a:pPr>
-                      <a:defRPr/>
-                    </a:pPr>
-                    <a:r>
-                      <a:rPr lang="en-US" dirty="0"/>
-                      <a:t>肿瘤内科</a:t>
-                    </a:r>
-                  </a:p>
-                </c:rich>
-              </c:tx>
-              <c:spPr>
-                <a:noFill/>
-                <a:ln>
-                  <a:noFill/>
-                </a:ln>
-                <a:effectLst/>
-              </c:spPr>
-              <c:dLblPos val="t"/>
-              <c:showLegendKey val="0"/>
-              <c:showVal val="0"/>
-              <c:showCatName val="0"/>
-              <c:showSerName val="0"/>
-              <c:showPercent val="0"/>
-              <c:showBubbleSize val="0"/>
-              <c:showLeaderLines val="1"/>
-              <c:extLst>
-                <c:ext xmlns:c15="http://schemas.microsoft.com/office/drawing/2012/chart" uri="{CE6537A1-D6FC-4f65-9D91-7224C49458BB}"/>
-                <c:ext xmlns:c16="http://schemas.microsoft.com/office/drawing/2014/chart" uri="{C3380CC4-5D6E-409C-BE32-E72D297353CC}">
-                  <c16:uniqueId val="{00000018-4f34-1446-9b82-31309ba4f673}"/>
-                </c:ext>
-              </c:extLst>
-            </c:dLbl>
-            <c:dLbl>
-              <c:idx val="18"/>
-              <c:tx>
-                <c:rich>
-                  <a:bodyPr>
-                    <a:spAutoFit/>
-                  </a:bodyPr>
-                  <a:lstStyle/>
-                  <a:p>
-                    <a:pPr>
-                      <a:defRPr/>
-                    </a:pPr>
-                    <a:r>
-                      <a:rPr lang="en-US" dirty="0"/>
-                      <a:t>小儿推拿科</a:t>
-                    </a:r>
-                  </a:p>
-                </c:rich>
-              </c:tx>
-              <c:spPr>
-                <a:noFill/>
-                <a:ln>
-                  <a:noFill/>
-                </a:ln>
-                <a:effectLst/>
-              </c:spPr>
-              <c:dLblPos val="t"/>
-              <c:showLegendKey val="0"/>
-              <c:showVal val="0"/>
-              <c:showCatName val="0"/>
-              <c:showSerName val="0"/>
-              <c:showPercent val="0"/>
-              <c:showBubbleSize val="0"/>
-              <c:showLeaderLines val="1"/>
-              <c:extLst>
-                <c:ext xmlns:c15="http://schemas.microsoft.com/office/drawing/2012/chart" uri="{CE6537A1-D6FC-4f65-9D91-7224C49458BB}"/>
-                <c:ext xmlns:c16="http://schemas.microsoft.com/office/drawing/2014/chart" uri="{C3380CC4-5D6E-409C-BE32-E72D297353CC}">
-                  <c16:uniqueId val="{00000019-4f34-1446-9b82-31309ba4f673}"/>
-                </c:ext>
-              </c:extLst>
-            </c:dLbl>
-            <c:dLbl>
-              <c:idx val="19"/>
-              <c:tx>
-                <c:rich>
-                  <a:bodyPr>
-                    <a:spAutoFit/>
-                  </a:bodyPr>
-                  <a:lstStyle/>
-                  <a:p>
-                    <a:pPr>
-                      <a:defRPr/>
-                    </a:pPr>
-                    <a:r>
-                      <a:rPr lang="en-US" dirty="0"/>
-                      <a:t>东区重症医学科</a:t>
-                    </a:r>
-                  </a:p>
-                </c:rich>
-              </c:tx>
-              <c:spPr>
-                <a:noFill/>
-                <a:ln>
-                  <a:noFill/>
-                </a:ln>
-                <a:effectLst/>
-              </c:spPr>
-              <c:dLblPos val="t"/>
-              <c:showLegendKey val="0"/>
-              <c:showVal val="0"/>
-              <c:showCatName val="0"/>
-              <c:showSerName val="0"/>
-              <c:showPercent val="0"/>
-              <c:showBubbleSize val="0"/>
-              <c:showLeaderLines val="1"/>
-              <c:extLst>
-                <c:ext xmlns:c15="http://schemas.microsoft.com/office/drawing/2012/chart" uri="{CE6537A1-D6FC-4f65-9D91-7224C49458BB}"/>
-                <c:ext xmlns:c16="http://schemas.microsoft.com/office/drawing/2014/chart" uri="{C3380CC4-5D6E-409C-BE32-E72D297353CC}">
-                  <c16:uniqueId val="{00000020-4f34-1446-9b82-31309ba4f673}"/>
+                  <c16:uniqueId val="{00000020-ef6d-f94e-fd2a-a0b0c1894fec}"/>
                 </c:ext>
               </c:extLst>
             </c:dLbl>
@@ -1035,64 +1035,64 @@
                 <c:formatCode>General</c:formatCode>
                 <c:ptCount val="20"/>
                 <c:pt idx="0">
-                  <c:v>0.0021368057741412735</c:v>
+                  <c:v>0.00025967960235816624</c:v>
                 </c:pt>
                 <c:pt idx="1">
-                  <c:v>0.0018850034886705833</c:v>
+                  <c:v>0.0008822285492874507</c:v>
                 </c:pt>
                 <c:pt idx="2">
-                  <c:v>0.0021238030609059895</c:v>
+                  <c:v>0.001704331157684899</c:v>
                 </c:pt>
                 <c:pt idx="3">
-                  <c:v>0.0011785948237698818</c:v>
+                  <c:v>0.0006523939992746578</c:v>
                 </c:pt>
                 <c:pt idx="4">
-                  <c:v>0.000926753128693081</c:v>
+                  <c:v>0.0023000905018497066</c:v>
                 </c:pt>
                 <c:pt idx="5">
-                  <c:v>0.00040563737588783445</c:v>
+                  <c:v>0.0011107909246161516</c:v>
                 </c:pt>
                 <c:pt idx="6">
-                  <c:v>0.0011065848153645728</c:v>
+                  <c:v>0.0015478883411164158</c:v>
                 </c:pt>
                 <c:pt idx="7">
-                  <c:v>0.0009314649063900165</c:v>
+                  <c:v>0.0008493060757892039</c:v>
                 </c:pt>
                 <c:pt idx="8">
-                  <c:v>0.0016505571067370088</c:v>
+                  <c:v>0.0006649624783339473</c:v>
                 </c:pt>
                 <c:pt idx="9">
-                  <c:v>0.0015011565763911802</c:v>
+                  <c:v>0.0010626484822487713</c:v>
                 </c:pt>
                 <c:pt idx="10">
-                  <c:v>0.0007256852358332</c:v>
+                  <c:v>0.0009862579814613381</c:v>
                 </c:pt>
                 <c:pt idx="11">
-                  <c:v>0.000317791158112115</c:v>
+                  <c:v>0.0009033570814283349</c:v>
                 </c:pt>
                 <c:pt idx="12">
-                  <c:v>0.0010252982066681748</c:v>
+                  <c:v>0.0001834254767728678</c:v>
                 </c:pt>
                 <c:pt idx="13">
-                  <c:v>0.002131518646032776</c:v>
+                  <c:v>0.0016271032275555007</c:v>
                 </c:pt>
                 <c:pt idx="14">
-                  <c:v>0.0017809192425252342</c:v>
+                  <c:v>0.00010401992636837821</c:v>
                 </c:pt>
                 <c:pt idx="15">
-                  <c:v>0.002213618414644004</c:v>
+                  <c:v>0.0005884708825648709</c:v>
                 </c:pt>
                 <c:pt idx="16">
-                  <c:v>0.000575201885934212</c:v>
+                  <c:v>0.0001141917692049698</c:v>
                 </c:pt>
                 <c:pt idx="17">
-                  <c:v>0.00008871232758513644</c:v>
+                  <c:v>0.001563849478799978</c:v>
                 </c:pt>
                 <c:pt idx="18">
-                  <c:v>0.0009380761886436885</c:v>
+                  <c:v>0.001433293160363134</c:v>
                 </c:pt>
                 <c:pt idx="19">
-                  <c:v>0.0010135742404600886</c:v>
+                  <c:v>0.0023013442669816827</c:v>
                 </c:pt>
               </c:numCache>
             </c:numRef>
@@ -1107,61 +1107,61 @@
                   <c:v>100</c:v>
                 </c:pt>
                 <c:pt idx="1">
-                  <c:v>59.92108444228831</c:v>
+                  <c:v>63.35351186119778</c:v>
                 </c:pt>
                 <c:pt idx="2">
-                  <c:v>52.627022205641246</c:v>
+                  <c:v>52.4538311247186</c:v>
                 </c:pt>
                 <c:pt idx="3">
-                  <c:v>50.900899530547306</c:v>
+                  <c:v>51.634833007386675</c:v>
                 </c:pt>
                 <c:pt idx="4">
-                  <c:v>49.876627764188335</c:v>
+                  <c:v>48.88066083035801</c:v>
                 </c:pt>
                 <c:pt idx="5">
-                  <c:v>46.17512272972541</c:v>
+                  <c:v>30.135767396007036</c:v>
                 </c:pt>
                 <c:pt idx="6">
-                  <c:v>45.64961266058835</c:v>
+                  <c:v>30.125671042915204</c:v>
                 </c:pt>
                 <c:pt idx="7">
-                  <c:v>39.74539840576903</c:v>
+                  <c:v>28.566416752336842</c:v>
                 </c:pt>
                 <c:pt idx="8">
-                  <c:v>37.634686695084824</c:v>
+                  <c:v>27.458009170267395</c:v>
                 </c:pt>
                 <c:pt idx="9">
-                  <c:v>34.75242072535675</c:v>
+                  <c:v>27.43830302547705</c:v>
                 </c:pt>
                 <c:pt idx="10">
-                  <c:v>29.012888030211762</c:v>
+                  <c:v>26.38111589987639</c:v>
                 </c:pt>
                 <c:pt idx="11">
-                  <c:v>26.327574423529242</c:v>
+                  <c:v>25.89861687004217</c:v>
                 </c:pt>
                 <c:pt idx="12">
-                  <c:v>25.579934364926608</c:v>
+                  <c:v>24.171186657320003</c:v>
                 </c:pt>
                 <c:pt idx="13">
-                  <c:v>24.863877308447382</c:v>
+                  <c:v>24.0678314275235</c:v>
                 </c:pt>
                 <c:pt idx="14">
-                  <c:v>24.86302504591008</c:v>
+                  <c:v>22.82986706295431</c:v>
                 </c:pt>
                 <c:pt idx="15">
-                  <c:v>24.64458856463372</c:v>
+                  <c:v>22.11714609558012</c:v>
                 </c:pt>
                 <c:pt idx="16">
-                  <c:v>24.46731242179692</c:v>
+                  <c:v>22.099252195507674</c:v>
                 </c:pt>
                 <c:pt idx="17">
-                  <c:v>24.214473577557033</c:v>
+                  <c:v>21.7201260732694</c:v>
                 </c:pt>
                 <c:pt idx="18">
-                  <c:v>24.130541974818843</c:v>
+                  <c:v>21.113719138387594</c:v>
                 </c:pt>
                 <c:pt idx="19">
-                  <c:v>23.485477469115978</c:v>
+                  <c:v>20.97795257128492</c:v>
                 </c:pt>
               </c:numCache>
             </c:numRef>
@@ -1381,7 +1381,7 @@
 </c:chartSpace>
 </file>
 
-<file path=ppt/charts/chart4.xml><?xml version="1.0" encoding="utf-8"?>
+<file path=ppt/charts/chart4984.xml><?xml version="1.0" encoding="utf-8"?>
 <c:chartSpace xmlns:c="http://schemas.openxmlformats.org/drawingml/2006/chart" xmlns:a="http://schemas.openxmlformats.org/drawingml/2006/main" xmlns:r="http://schemas.openxmlformats.org/officeDocument/2006/relationships">
   <c:date1904 val="0"/>
   <c:chart>
@@ -1498,7 +1498,7 @@
               <c:extLst>
                 <c:ext xmlns:c15="http://schemas.microsoft.com/office/drawing/2012/chart" uri="{CE6537A1-D6FC-4f65-9D91-7224C49458BB}"/>
                 <c:ext xmlns:c16="http://schemas.microsoft.com/office/drawing/2014/chart" uri="{C3380CC4-5D6E-409C-BE32-E72D297353CC}">
-                  <c16:uniqueId val="{00000001-5563-8d64-1866-c1dbca8b4569}"/>
+                  <c16:uniqueId val="{00000001-6d3b-810b-b322-a2e9752a31d3}"/>
                 </c:ext>
               </c:extLst>
             </c:dLbl>
@@ -1516,7 +1516,7 @@
                     </a:pPr>
                     <a:r>
                       <a:rPr lang="en-US" dirty="0"/>
-                      <a:t>神经内科</a:t>
+                      <a:t>治未病中心</a:t>
                     </a:r>
                   </a:p>
                 </c:rich>
@@ -1539,12 +1539,586 @@
               <c:extLst>
                 <c:ext xmlns:c15="http://schemas.microsoft.com/office/drawing/2012/chart" uri="{CE6537A1-D6FC-4f65-9D91-7224C49458BB}"/>
                 <c:ext xmlns:c16="http://schemas.microsoft.com/office/drawing/2014/chart" uri="{C3380CC4-5D6E-409C-BE32-E72D297353CC}">
-                  <c16:uniqueId val="{00000002-5563-8d64-1866-c1dbca8b4569}"/>
+                  <c16:uniqueId val="{00000002-6d3b-810b-b322-a2e9752a31d3}"/>
                 </c:ext>
               </c:extLst>
             </c:dLbl>
             <c:dLbl>
               <c:idx val="2"/>
+              <c:tx>
+                <c:rich>
+                  <a:bodyPr>
+                    <a:spAutoFit/>
+                  </a:bodyPr>
+                  <a:lstStyle/>
+                  <a:p>
+                    <a:pPr>
+                      <a:defRPr/>
+                    </a:pPr>
+                    <a:r>
+                      <a:rPr lang="en-US" dirty="0"/>
+                      <a:t>脑病三科</a:t>
+                    </a:r>
+                  </a:p>
+                </c:rich>
+              </c:tx>
+              <c:spPr>
+                <a:noFill/>
+                <a:ln>
+                  <a:noFill/>
+                </a:ln>
+                <a:effectLst/>
+              </c:spPr>
+              <c:dLblPos val="t"/>
+              <c:showLegendKey val="0"/>
+              <c:showVal val="0"/>
+              <c:showCatName val="0"/>
+              <c:showSerName val="0"/>
+              <c:showPercent val="0"/>
+              <c:showBubbleSize val="0"/>
+              <c:showLeaderLines val="1"/>
+              <c:extLst>
+                <c:ext xmlns:c15="http://schemas.microsoft.com/office/drawing/2012/chart" uri="{CE6537A1-D6FC-4f65-9D91-7224C49458BB}"/>
+                <c:ext xmlns:c16="http://schemas.microsoft.com/office/drawing/2014/chart" uri="{C3380CC4-5D6E-409C-BE32-E72D297353CC}">
+                  <c16:uniqueId val="{00000003-6d3b-810b-b322-a2e9752a31d3}"/>
+                </c:ext>
+              </c:extLst>
+            </c:dLbl>
+            <c:dLbl>
+              <c:idx val="3"/>
+              <c:tx>
+                <c:rich>
+                  <a:bodyPr>
+                    <a:spAutoFit/>
+                  </a:bodyPr>
+                  <a:lstStyle/>
+                  <a:p>
+                    <a:pPr>
+                      <a:defRPr/>
+                    </a:pPr>
+                    <a:r>
+                      <a:rPr lang="en-US" dirty="0"/>
+                      <a:t>显微骨科</a:t>
+                    </a:r>
+                  </a:p>
+                </c:rich>
+              </c:tx>
+              <c:spPr>
+                <a:noFill/>
+                <a:ln>
+                  <a:noFill/>
+                </a:ln>
+                <a:effectLst/>
+              </c:spPr>
+              <c:dLblPos val="t"/>
+              <c:showLegendKey val="0"/>
+              <c:showVal val="0"/>
+              <c:showCatName val="0"/>
+              <c:showSerName val="0"/>
+              <c:showPercent val="0"/>
+              <c:showBubbleSize val="0"/>
+              <c:showLeaderLines val="1"/>
+              <c:extLst>
+                <c:ext xmlns:c15="http://schemas.microsoft.com/office/drawing/2012/chart" uri="{CE6537A1-D6FC-4f65-9D91-7224C49458BB}"/>
+                <c:ext xmlns:c16="http://schemas.microsoft.com/office/drawing/2014/chart" uri="{C3380CC4-5D6E-409C-BE32-E72D297353CC}">
+                  <c16:uniqueId val="{00000004-6d3b-810b-b322-a2e9752a31d3}"/>
+                </c:ext>
+              </c:extLst>
+            </c:dLbl>
+            <c:dLbl>
+              <c:idx val="4"/>
+              <c:tx>
+                <c:rich>
+                  <a:bodyPr>
+                    <a:spAutoFit/>
+                  </a:bodyPr>
+                  <a:lstStyle/>
+                  <a:p>
+                    <a:pPr>
+                      <a:defRPr/>
+                    </a:pPr>
+                    <a:r>
+                      <a:rPr lang="en-US" dirty="0"/>
+                      <a:t>妇二科</a:t>
+                    </a:r>
+                  </a:p>
+                </c:rich>
+              </c:tx>
+              <c:spPr>
+                <a:noFill/>
+                <a:ln>
+                  <a:noFill/>
+                </a:ln>
+                <a:effectLst/>
+              </c:spPr>
+              <c:dLblPos val="t"/>
+              <c:showLegendKey val="0"/>
+              <c:showVal val="0"/>
+              <c:showCatName val="0"/>
+              <c:showSerName val="0"/>
+              <c:showPercent val="0"/>
+              <c:showBubbleSize val="0"/>
+              <c:showLeaderLines val="1"/>
+              <c:extLst>
+                <c:ext xmlns:c15="http://schemas.microsoft.com/office/drawing/2012/chart" uri="{CE6537A1-D6FC-4f65-9D91-7224C49458BB}"/>
+                <c:ext xmlns:c16="http://schemas.microsoft.com/office/drawing/2014/chart" uri="{C3380CC4-5D6E-409C-BE32-E72D297353CC}">
+                  <c16:uniqueId val="{00000005-6d3b-810b-b322-a2e9752a31d3}"/>
+                </c:ext>
+              </c:extLst>
+            </c:dLbl>
+            <c:dLbl>
+              <c:idx val="5"/>
+              <c:tx>
+                <c:rich>
+                  <a:bodyPr>
+                    <a:spAutoFit/>
+                  </a:bodyPr>
+                  <a:lstStyle/>
+                  <a:p>
+                    <a:pPr>
+                      <a:defRPr/>
+                    </a:pPr>
+                    <a:r>
+                      <a:rPr lang="en-US" dirty="0"/>
+                      <a:t>脾胃科消化科合并</a:t>
+                    </a:r>
+                  </a:p>
+                </c:rich>
+              </c:tx>
+              <c:spPr>
+                <a:noFill/>
+                <a:ln>
+                  <a:noFill/>
+                </a:ln>
+                <a:effectLst/>
+              </c:spPr>
+              <c:dLblPos val="t"/>
+              <c:showLegendKey val="0"/>
+              <c:showVal val="0"/>
+              <c:showCatName val="0"/>
+              <c:showSerName val="0"/>
+              <c:showPercent val="0"/>
+              <c:showBubbleSize val="0"/>
+              <c:showLeaderLines val="1"/>
+              <c:extLst>
+                <c:ext xmlns:c15="http://schemas.microsoft.com/office/drawing/2012/chart" uri="{CE6537A1-D6FC-4f65-9D91-7224C49458BB}"/>
+                <c:ext xmlns:c16="http://schemas.microsoft.com/office/drawing/2014/chart" uri="{C3380CC4-5D6E-409C-BE32-E72D297353CC}">
+                  <c16:uniqueId val="{00000006-6d3b-810b-b322-a2e9752a31d3}"/>
+                </c:ext>
+              </c:extLst>
+            </c:dLbl>
+            <c:dLbl>
+              <c:idx val="6"/>
+              <c:tx>
+                <c:rich>
+                  <a:bodyPr>
+                    <a:spAutoFit/>
+                  </a:bodyPr>
+                  <a:lstStyle/>
+                  <a:p>
+                    <a:pPr>
+                      <a:defRPr/>
+                    </a:pPr>
+                    <a:r>
+                      <a:rPr lang="en-US" dirty="0"/>
+                      <a:t>骨科</a:t>
+                    </a:r>
+                  </a:p>
+                </c:rich>
+              </c:tx>
+              <c:spPr>
+                <a:noFill/>
+                <a:ln>
+                  <a:noFill/>
+                </a:ln>
+                <a:effectLst/>
+              </c:spPr>
+              <c:dLblPos val="t"/>
+              <c:showLegendKey val="0"/>
+              <c:showVal val="0"/>
+              <c:showCatName val="0"/>
+              <c:showSerName val="0"/>
+              <c:showPercent val="0"/>
+              <c:showBubbleSize val="0"/>
+              <c:showLeaderLines val="1"/>
+              <c:extLst>
+                <c:ext xmlns:c15="http://schemas.microsoft.com/office/drawing/2012/chart" uri="{CE6537A1-D6FC-4f65-9D91-7224C49458BB}"/>
+                <c:ext xmlns:c16="http://schemas.microsoft.com/office/drawing/2014/chart" uri="{C3380CC4-5D6E-409C-BE32-E72D297353CC}">
+                  <c16:uniqueId val="{00000007-6d3b-810b-b322-a2e9752a31d3}"/>
+                </c:ext>
+              </c:extLst>
+            </c:dLbl>
+            <c:dLbl>
+              <c:idx val="7"/>
+              <c:tx>
+                <c:rich>
+                  <a:bodyPr>
+                    <a:spAutoFit/>
+                  </a:bodyPr>
+                  <a:lstStyle/>
+                  <a:p>
+                    <a:pPr>
+                      <a:defRPr/>
+                    </a:pPr>
+                    <a:r>
+                      <a:rPr lang="en-US" dirty="0"/>
+                      <a:t>产科</a:t>
+                    </a:r>
+                  </a:p>
+                </c:rich>
+              </c:tx>
+              <c:spPr>
+                <a:noFill/>
+                <a:ln>
+                  <a:noFill/>
+                </a:ln>
+                <a:effectLst/>
+              </c:spPr>
+              <c:dLblPos val="t"/>
+              <c:showLegendKey val="0"/>
+              <c:showVal val="0"/>
+              <c:showCatName val="0"/>
+              <c:showSerName val="0"/>
+              <c:showPercent val="0"/>
+              <c:showBubbleSize val="0"/>
+              <c:showLeaderLines val="1"/>
+              <c:extLst>
+                <c:ext xmlns:c15="http://schemas.microsoft.com/office/drawing/2012/chart" uri="{CE6537A1-D6FC-4f65-9D91-7224C49458BB}"/>
+                <c:ext xmlns:c16="http://schemas.microsoft.com/office/drawing/2014/chart" uri="{C3380CC4-5D6E-409C-BE32-E72D297353CC}">
+                  <c16:uniqueId val="{00000008-6d3b-810b-b322-a2e9752a31d3}"/>
+                </c:ext>
+              </c:extLst>
+            </c:dLbl>
+            <c:dLbl>
+              <c:idx val="8"/>
+              <c:tx>
+                <c:rich>
+                  <a:bodyPr>
+                    <a:spAutoFit/>
+                  </a:bodyPr>
+                  <a:lstStyle/>
+                  <a:p>
+                    <a:pPr>
+                      <a:defRPr/>
+                    </a:pPr>
+                    <a:r>
+                      <a:rPr lang="en-US" dirty="0"/>
+                      <a:t>胸外科</a:t>
+                    </a:r>
+                  </a:p>
+                </c:rich>
+              </c:tx>
+              <c:spPr>
+                <a:noFill/>
+                <a:ln>
+                  <a:noFill/>
+                </a:ln>
+                <a:effectLst/>
+              </c:spPr>
+              <c:dLblPos val="t"/>
+              <c:showLegendKey val="0"/>
+              <c:showVal val="0"/>
+              <c:showCatName val="0"/>
+              <c:showSerName val="0"/>
+              <c:showPercent val="0"/>
+              <c:showBubbleSize val="0"/>
+              <c:showLeaderLines val="1"/>
+              <c:extLst>
+                <c:ext xmlns:c15="http://schemas.microsoft.com/office/drawing/2012/chart" uri="{CE6537A1-D6FC-4f65-9D91-7224C49458BB}"/>
+                <c:ext xmlns:c16="http://schemas.microsoft.com/office/drawing/2014/chart" uri="{C3380CC4-5D6E-409C-BE32-E72D297353CC}">
+                  <c16:uniqueId val="{00000009-6d3b-810b-b322-a2e9752a31d3}"/>
+                </c:ext>
+              </c:extLst>
+            </c:dLbl>
+            <c:dLbl>
+              <c:idx val="9"/>
+              <c:tx>
+                <c:rich>
+                  <a:bodyPr>
+                    <a:spAutoFit/>
+                  </a:bodyPr>
+                  <a:lstStyle/>
+                  <a:p>
+                    <a:pPr>
+                      <a:defRPr/>
+                    </a:pPr>
+                    <a:r>
+                      <a:rPr lang="en-US" dirty="0"/>
+                      <a:t>脾胃病科</a:t>
+                    </a:r>
+                  </a:p>
+                </c:rich>
+              </c:tx>
+              <c:spPr>
+                <a:noFill/>
+                <a:ln>
+                  <a:noFill/>
+                </a:ln>
+                <a:effectLst/>
+              </c:spPr>
+              <c:dLblPos val="t"/>
+              <c:showLegendKey val="0"/>
+              <c:showVal val="0"/>
+              <c:showCatName val="0"/>
+              <c:showSerName val="0"/>
+              <c:showPercent val="0"/>
+              <c:showBubbleSize val="0"/>
+              <c:showLeaderLines val="1"/>
+              <c:extLst>
+                <c:ext xmlns:c15="http://schemas.microsoft.com/office/drawing/2012/chart" uri="{CE6537A1-D6FC-4f65-9D91-7224C49458BB}"/>
+                <c:ext xmlns:c16="http://schemas.microsoft.com/office/drawing/2014/chart" uri="{C3380CC4-5D6E-409C-BE32-E72D297353CC}">
+                  <c16:uniqueId val="{00000010-6d3b-810b-b322-a2e9752a31d3}"/>
+                </c:ext>
+              </c:extLst>
+            </c:dLbl>
+            <c:dLbl>
+              <c:idx val="10"/>
+              <c:tx>
+                <c:rich>
+                  <a:bodyPr>
+                    <a:spAutoFit/>
+                  </a:bodyPr>
+                  <a:lstStyle/>
+                  <a:p>
+                    <a:pPr>
+                      <a:defRPr/>
+                    </a:pPr>
+                    <a:r>
+                      <a:rPr lang="en-US" dirty="0"/>
+                      <a:t>肿瘤内科</a:t>
+                    </a:r>
+                  </a:p>
+                </c:rich>
+              </c:tx>
+              <c:spPr>
+                <a:noFill/>
+                <a:ln>
+                  <a:noFill/>
+                </a:ln>
+                <a:effectLst/>
+              </c:spPr>
+              <c:dLblPos val="t"/>
+              <c:showLegendKey val="0"/>
+              <c:showVal val="0"/>
+              <c:showCatName val="0"/>
+              <c:showSerName val="0"/>
+              <c:showPercent val="0"/>
+              <c:showBubbleSize val="0"/>
+              <c:showLeaderLines val="1"/>
+              <c:extLst>
+                <c:ext xmlns:c15="http://schemas.microsoft.com/office/drawing/2012/chart" uri="{CE6537A1-D6FC-4f65-9D91-7224C49458BB}"/>
+                <c:ext xmlns:c16="http://schemas.microsoft.com/office/drawing/2014/chart" uri="{C3380CC4-5D6E-409C-BE32-E72D297353CC}">
+                  <c16:uniqueId val="{00000011-6d3b-810b-b322-a2e9752a31d3}"/>
+                </c:ext>
+              </c:extLst>
+            </c:dLbl>
+            <c:dLbl>
+              <c:idx val="11"/>
+              <c:tx>
+                <c:rich>
+                  <a:bodyPr>
+                    <a:spAutoFit/>
+                  </a:bodyPr>
+                  <a:lstStyle/>
+                  <a:p>
+                    <a:pPr>
+                      <a:defRPr/>
+                    </a:pPr>
+                    <a:r>
+                      <a:rPr lang="en-US" dirty="0"/>
+                      <a:t>血液科</a:t>
+                    </a:r>
+                  </a:p>
+                </c:rich>
+              </c:tx>
+              <c:spPr>
+                <a:noFill/>
+                <a:ln>
+                  <a:noFill/>
+                </a:ln>
+                <a:effectLst/>
+              </c:spPr>
+              <c:dLblPos val="t"/>
+              <c:showLegendKey val="0"/>
+              <c:showVal val="0"/>
+              <c:showCatName val="0"/>
+              <c:showSerName val="0"/>
+              <c:showPercent val="0"/>
+              <c:showBubbleSize val="0"/>
+              <c:showLeaderLines val="1"/>
+              <c:extLst>
+                <c:ext xmlns:c15="http://schemas.microsoft.com/office/drawing/2012/chart" uri="{CE6537A1-D6FC-4f65-9D91-7224C49458BB}"/>
+                <c:ext xmlns:c16="http://schemas.microsoft.com/office/drawing/2014/chart" uri="{C3380CC4-5D6E-409C-BE32-E72D297353CC}">
+                  <c16:uniqueId val="{00000012-6d3b-810b-b322-a2e9752a31d3}"/>
+                </c:ext>
+              </c:extLst>
+            </c:dLbl>
+            <c:dLbl>
+              <c:idx val="12"/>
+              <c:tx>
+                <c:rich>
+                  <a:bodyPr>
+                    <a:spAutoFit/>
+                  </a:bodyPr>
+                  <a:lstStyle/>
+                  <a:p>
+                    <a:pPr>
+                      <a:defRPr/>
+                    </a:pPr>
+                    <a:r>
+                      <a:rPr lang="en-US" dirty="0"/>
+                      <a:t>心病一科</a:t>
+                    </a:r>
+                  </a:p>
+                </c:rich>
+              </c:tx>
+              <c:spPr>
+                <a:noFill/>
+                <a:ln>
+                  <a:noFill/>
+                </a:ln>
+                <a:effectLst/>
+              </c:spPr>
+              <c:dLblPos val="t"/>
+              <c:showLegendKey val="0"/>
+              <c:showVal val="0"/>
+              <c:showCatName val="0"/>
+              <c:showSerName val="0"/>
+              <c:showPercent val="0"/>
+              <c:showBubbleSize val="0"/>
+              <c:showLeaderLines val="1"/>
+              <c:extLst>
+                <c:ext xmlns:c15="http://schemas.microsoft.com/office/drawing/2012/chart" uri="{CE6537A1-D6FC-4f65-9D91-7224C49458BB}"/>
+                <c:ext xmlns:c16="http://schemas.microsoft.com/office/drawing/2014/chart" uri="{C3380CC4-5D6E-409C-BE32-E72D297353CC}">
+                  <c16:uniqueId val="{00000013-6d3b-810b-b322-a2e9752a31d3}"/>
+                </c:ext>
+              </c:extLst>
+            </c:dLbl>
+            <c:dLbl>
+              <c:idx val="13"/>
+              <c:tx>
+                <c:rich>
+                  <a:bodyPr>
+                    <a:spAutoFit/>
+                  </a:bodyPr>
+                  <a:lstStyle/>
+                  <a:p>
+                    <a:pPr>
+                      <a:defRPr/>
+                    </a:pPr>
+                    <a:r>
+                      <a:rPr lang="en-US" dirty="0"/>
+                      <a:t>脑病二科</a:t>
+                    </a:r>
+                  </a:p>
+                </c:rich>
+              </c:tx>
+              <c:spPr>
+                <a:noFill/>
+                <a:ln>
+                  <a:noFill/>
+                </a:ln>
+                <a:effectLst/>
+              </c:spPr>
+              <c:dLblPos val="t"/>
+              <c:showLegendKey val="0"/>
+              <c:showVal val="0"/>
+              <c:showCatName val="0"/>
+              <c:showSerName val="0"/>
+              <c:showPercent val="0"/>
+              <c:showBubbleSize val="0"/>
+              <c:showLeaderLines val="1"/>
+              <c:extLst>
+                <c:ext xmlns:c15="http://schemas.microsoft.com/office/drawing/2012/chart" uri="{CE6537A1-D6FC-4f65-9D91-7224C49458BB}"/>
+                <c:ext xmlns:c16="http://schemas.microsoft.com/office/drawing/2014/chart" uri="{C3380CC4-5D6E-409C-BE32-E72D297353CC}">
+                  <c16:uniqueId val="{00000014-6d3b-810b-b322-a2e9752a31d3}"/>
+                </c:ext>
+              </c:extLst>
+            </c:dLbl>
+            <c:dLbl>
+              <c:idx val="14"/>
+              <c:tx>
+                <c:rich>
+                  <a:bodyPr>
+                    <a:spAutoFit/>
+                  </a:bodyPr>
+                  <a:lstStyle/>
+                  <a:p>
+                    <a:pPr>
+                      <a:defRPr/>
+                    </a:pPr>
+                    <a:r>
+                      <a:rPr lang="en-US" dirty="0"/>
+                      <a:t>创伤骨科</a:t>
+                    </a:r>
+                  </a:p>
+                </c:rich>
+              </c:tx>
+              <c:spPr>
+                <a:noFill/>
+                <a:ln>
+                  <a:noFill/>
+                </a:ln>
+                <a:effectLst/>
+              </c:spPr>
+              <c:dLblPos val="t"/>
+              <c:showLegendKey val="0"/>
+              <c:showVal val="0"/>
+              <c:showCatName val="0"/>
+              <c:showSerName val="0"/>
+              <c:showPercent val="0"/>
+              <c:showBubbleSize val="0"/>
+              <c:showLeaderLines val="1"/>
+              <c:extLst>
+                <c:ext xmlns:c15="http://schemas.microsoft.com/office/drawing/2012/chart" uri="{CE6537A1-D6FC-4f65-9D91-7224C49458BB}"/>
+                <c:ext xmlns:c16="http://schemas.microsoft.com/office/drawing/2014/chart" uri="{C3380CC4-5D6E-409C-BE32-E72D297353CC}">
+                  <c16:uniqueId val="{00000015-6d3b-810b-b322-a2e9752a31d3}"/>
+                </c:ext>
+              </c:extLst>
+            </c:dLbl>
+            <c:dLbl>
+              <c:idx val="15"/>
+              <c:tx>
+                <c:rich>
+                  <a:bodyPr>
+                    <a:spAutoFit/>
+                  </a:bodyPr>
+                  <a:lstStyle/>
+                  <a:p>
+                    <a:pPr>
+                      <a:defRPr/>
+                    </a:pPr>
+                    <a:r>
+                      <a:rPr lang="en-US" dirty="0"/>
+                      <a:t>小儿骨科</a:t>
+                    </a:r>
+                  </a:p>
+                </c:rich>
+              </c:tx>
+              <c:spPr>
+                <a:noFill/>
+                <a:ln>
+                  <a:noFill/>
+                </a:ln>
+                <a:effectLst/>
+              </c:spPr>
+              <c:dLblPos val="t"/>
+              <c:showLegendKey val="0"/>
+              <c:showVal val="0"/>
+              <c:showCatName val="0"/>
+              <c:showSerName val="0"/>
+              <c:showPercent val="0"/>
+              <c:showBubbleSize val="0"/>
+              <c:showLeaderLines val="1"/>
+              <c:extLst>
+                <c:ext xmlns:c15="http://schemas.microsoft.com/office/drawing/2012/chart" uri="{CE6537A1-D6FC-4f65-9D91-7224C49458BB}"/>
+                <c:ext xmlns:c16="http://schemas.microsoft.com/office/drawing/2014/chart" uri="{C3380CC4-5D6E-409C-BE32-E72D297353CC}">
+                  <c16:uniqueId val="{00000016-6d3b-810b-b322-a2e9752a31d3}"/>
+                </c:ext>
+              </c:extLst>
+            </c:dLbl>
+            <c:dLbl>
+              <c:idx val="16"/>
               <c:tx>
                 <c:rich>
                   <a:bodyPr>
@@ -1580,12 +2154,12 @@
               <c:extLst>
                 <c:ext xmlns:c15="http://schemas.microsoft.com/office/drawing/2012/chart" uri="{CE6537A1-D6FC-4f65-9D91-7224C49458BB}"/>
                 <c:ext xmlns:c16="http://schemas.microsoft.com/office/drawing/2014/chart" uri="{C3380CC4-5D6E-409C-BE32-E72D297353CC}">
-                  <c16:uniqueId val="{00000003-5563-8d64-1866-c1dbca8b4569}"/>
+                  <c16:uniqueId val="{00000017-6d3b-810b-b322-a2e9752a31d3}"/>
                 </c:ext>
               </c:extLst>
             </c:dLbl>
             <c:dLbl>
-              <c:idx val="3"/>
+              <c:idx val="17"/>
               <c:tx>
                 <c:rich>
                   <a:bodyPr>
@@ -1598,7 +2172,7 @@
                     </a:pPr>
                     <a:r>
                       <a:rPr lang="en-US" dirty="0"/>
-                      <a:t>脾胃病科</a:t>
+                      <a:t>心病四科</a:t>
                     </a:r>
                   </a:p>
                 </c:rich>
@@ -1621,12 +2195,12 @@
               <c:extLst>
                 <c:ext xmlns:c15="http://schemas.microsoft.com/office/drawing/2012/chart" uri="{CE6537A1-D6FC-4f65-9D91-7224C49458BB}"/>
                 <c:ext xmlns:c16="http://schemas.microsoft.com/office/drawing/2014/chart" uri="{C3380CC4-5D6E-409C-BE32-E72D297353CC}">
-                  <c16:uniqueId val="{00000004-5563-8d64-1866-c1dbca8b4569}"/>
+                  <c16:uniqueId val="{00000018-6d3b-810b-b322-a2e9752a31d3}"/>
                 </c:ext>
               </c:extLst>
             </c:dLbl>
             <c:dLbl>
-              <c:idx val="4"/>
+              <c:idx val="18"/>
               <c:tx>
                 <c:rich>
                   <a:bodyPr>
@@ -1639,7 +2213,7 @@
                     </a:pPr>
                     <a:r>
                       <a:rPr lang="en-US" dirty="0"/>
-                      <a:t>美容皮肤科</a:t>
+                      <a:t>微创骨科</a:t>
                     </a:r>
                   </a:p>
                 </c:rich>
@@ -1662,12 +2236,12 @@
               <c:extLst>
                 <c:ext xmlns:c15="http://schemas.microsoft.com/office/drawing/2012/chart" uri="{CE6537A1-D6FC-4f65-9D91-7224C49458BB}"/>
                 <c:ext xmlns:c16="http://schemas.microsoft.com/office/drawing/2014/chart" uri="{C3380CC4-5D6E-409C-BE32-E72D297353CC}">
-                  <c16:uniqueId val="{00000005-5563-8d64-1866-c1dbca8b4569}"/>
+                  <c16:uniqueId val="{00000019-6d3b-810b-b322-a2e9752a31d3}"/>
                 </c:ext>
               </c:extLst>
             </c:dLbl>
             <c:dLbl>
-              <c:idx val="5"/>
+              <c:idx val="19"/>
               <c:tx>
                 <c:rich>
                   <a:bodyPr>
@@ -1680,7 +2254,7 @@
                     </a:pPr>
                     <a:r>
                       <a:rPr lang="en-US" dirty="0"/>
-                      <a:t>脊柱骨科</a:t>
+                      <a:t>脑病一科</a:t>
                     </a:r>
                   </a:p>
                 </c:rich>
@@ -1703,581 +2277,7 @@
               <c:extLst>
                 <c:ext xmlns:c15="http://schemas.microsoft.com/office/drawing/2012/chart" uri="{CE6537A1-D6FC-4f65-9D91-7224C49458BB}"/>
                 <c:ext xmlns:c16="http://schemas.microsoft.com/office/drawing/2014/chart" uri="{C3380CC4-5D6E-409C-BE32-E72D297353CC}">
-                  <c16:uniqueId val="{00000006-5563-8d64-1866-c1dbca8b4569}"/>
-                </c:ext>
-              </c:extLst>
-            </c:dLbl>
-            <c:dLbl>
-              <c:idx val="6"/>
-              <c:tx>
-                <c:rich>
-                  <a:bodyPr>
-                    <a:spAutoFit/>
-                  </a:bodyPr>
-                  <a:lstStyle/>
-                  <a:p>
-                    <a:pPr>
-                      <a:defRPr/>
-                    </a:pPr>
-                    <a:r>
-                      <a:rPr lang="en-US" dirty="0"/>
-                      <a:t>肝病科</a:t>
-                    </a:r>
-                  </a:p>
-                </c:rich>
-              </c:tx>
-              <c:spPr>
-                <a:noFill/>
-                <a:ln>
-                  <a:noFill/>
-                </a:ln>
-                <a:effectLst/>
-              </c:spPr>
-              <c:dLblPos val="t"/>
-              <c:showLegendKey val="0"/>
-              <c:showVal val="0"/>
-              <c:showCatName val="0"/>
-              <c:showSerName val="0"/>
-              <c:showPercent val="0"/>
-              <c:showBubbleSize val="0"/>
-              <c:showLeaderLines val="1"/>
-              <c:extLst>
-                <c:ext xmlns:c15="http://schemas.microsoft.com/office/drawing/2012/chart" uri="{CE6537A1-D6FC-4f65-9D91-7224C49458BB}"/>
-                <c:ext xmlns:c16="http://schemas.microsoft.com/office/drawing/2014/chart" uri="{C3380CC4-5D6E-409C-BE32-E72D297353CC}">
-                  <c16:uniqueId val="{00000007-5563-8d64-1866-c1dbca8b4569}"/>
-                </c:ext>
-              </c:extLst>
-            </c:dLbl>
-            <c:dLbl>
-              <c:idx val="7"/>
-              <c:tx>
-                <c:rich>
-                  <a:bodyPr>
-                    <a:spAutoFit/>
-                  </a:bodyPr>
-                  <a:lstStyle/>
-                  <a:p>
-                    <a:pPr>
-                      <a:defRPr/>
-                    </a:pPr>
-                    <a:r>
-                      <a:rPr lang="en-US" dirty="0"/>
-                      <a:t>风湿病科</a:t>
-                    </a:r>
-                  </a:p>
-                </c:rich>
-              </c:tx>
-              <c:spPr>
-                <a:noFill/>
-                <a:ln>
-                  <a:noFill/>
-                </a:ln>
-                <a:effectLst/>
-              </c:spPr>
-              <c:dLblPos val="t"/>
-              <c:showLegendKey val="0"/>
-              <c:showVal val="0"/>
-              <c:showCatName val="0"/>
-              <c:showSerName val="0"/>
-              <c:showPercent val="0"/>
-              <c:showBubbleSize val="0"/>
-              <c:showLeaderLines val="1"/>
-              <c:extLst>
-                <c:ext xmlns:c15="http://schemas.microsoft.com/office/drawing/2012/chart" uri="{CE6537A1-D6FC-4f65-9D91-7224C49458BB}"/>
-                <c:ext xmlns:c16="http://schemas.microsoft.com/office/drawing/2014/chart" uri="{C3380CC4-5D6E-409C-BE32-E72D297353CC}">
-                  <c16:uniqueId val="{00000008-5563-8d64-1866-c1dbca8b4569}"/>
-                </c:ext>
-              </c:extLst>
-            </c:dLbl>
-            <c:dLbl>
-              <c:idx val="8"/>
-              <c:tx>
-                <c:rich>
-                  <a:bodyPr>
-                    <a:spAutoFit/>
-                  </a:bodyPr>
-                  <a:lstStyle/>
-                  <a:p>
-                    <a:pPr>
-                      <a:defRPr/>
-                    </a:pPr>
-                    <a:r>
-                      <a:rPr lang="en-US" dirty="0"/>
-                      <a:t>妇科妇二科合并</a:t>
-                    </a:r>
-                  </a:p>
-                </c:rich>
-              </c:tx>
-              <c:spPr>
-                <a:noFill/>
-                <a:ln>
-                  <a:noFill/>
-                </a:ln>
-                <a:effectLst/>
-              </c:spPr>
-              <c:dLblPos val="t"/>
-              <c:showLegendKey val="0"/>
-              <c:showVal val="0"/>
-              <c:showCatName val="0"/>
-              <c:showSerName val="0"/>
-              <c:showPercent val="0"/>
-              <c:showBubbleSize val="0"/>
-              <c:showLeaderLines val="1"/>
-              <c:extLst>
-                <c:ext xmlns:c15="http://schemas.microsoft.com/office/drawing/2012/chart" uri="{CE6537A1-D6FC-4f65-9D91-7224C49458BB}"/>
-                <c:ext xmlns:c16="http://schemas.microsoft.com/office/drawing/2014/chart" uri="{C3380CC4-5D6E-409C-BE32-E72D297353CC}">
-                  <c16:uniqueId val="{00000009-5563-8d64-1866-c1dbca8b4569}"/>
-                </c:ext>
-              </c:extLst>
-            </c:dLbl>
-            <c:dLbl>
-              <c:idx val="9"/>
-              <c:tx>
-                <c:rich>
-                  <a:bodyPr>
-                    <a:spAutoFit/>
-                  </a:bodyPr>
-                  <a:lstStyle/>
-                  <a:p>
-                    <a:pPr>
-                      <a:defRPr/>
-                    </a:pPr>
-                    <a:r>
-                      <a:rPr lang="en-US" dirty="0"/>
-                      <a:t>创伤骨科</a:t>
-                    </a:r>
-                  </a:p>
-                </c:rich>
-              </c:tx>
-              <c:spPr>
-                <a:noFill/>
-                <a:ln>
-                  <a:noFill/>
-                </a:ln>
-                <a:effectLst/>
-              </c:spPr>
-              <c:dLblPos val="t"/>
-              <c:showLegendKey val="0"/>
-              <c:showVal val="0"/>
-              <c:showCatName val="0"/>
-              <c:showSerName val="0"/>
-              <c:showPercent val="0"/>
-              <c:showBubbleSize val="0"/>
-              <c:showLeaderLines val="1"/>
-              <c:extLst>
-                <c:ext xmlns:c15="http://schemas.microsoft.com/office/drawing/2012/chart" uri="{CE6537A1-D6FC-4f65-9D91-7224C49458BB}"/>
-                <c:ext xmlns:c16="http://schemas.microsoft.com/office/drawing/2014/chart" uri="{C3380CC4-5D6E-409C-BE32-E72D297353CC}">
-                  <c16:uniqueId val="{00000010-5563-8d64-1866-c1dbca8b4569}"/>
-                </c:ext>
-              </c:extLst>
-            </c:dLbl>
-            <c:dLbl>
-              <c:idx val="10"/>
-              <c:tx>
-                <c:rich>
-                  <a:bodyPr>
-                    <a:spAutoFit/>
-                  </a:bodyPr>
-                  <a:lstStyle/>
-                  <a:p>
-                    <a:pPr>
-                      <a:defRPr/>
-                    </a:pPr>
-                    <a:r>
-                      <a:rPr lang="en-US" dirty="0"/>
-                      <a:t>心病一科</a:t>
-                    </a:r>
-                  </a:p>
-                </c:rich>
-              </c:tx>
-              <c:spPr>
-                <a:noFill/>
-                <a:ln>
-                  <a:noFill/>
-                </a:ln>
-                <a:effectLst/>
-              </c:spPr>
-              <c:dLblPos val="t"/>
-              <c:showLegendKey val="0"/>
-              <c:showVal val="0"/>
-              <c:showCatName val="0"/>
-              <c:showSerName val="0"/>
-              <c:showPercent val="0"/>
-              <c:showBubbleSize val="0"/>
-              <c:showLeaderLines val="1"/>
-              <c:extLst>
-                <c:ext xmlns:c15="http://schemas.microsoft.com/office/drawing/2012/chart" uri="{CE6537A1-D6FC-4f65-9D91-7224C49458BB}"/>
-                <c:ext xmlns:c16="http://schemas.microsoft.com/office/drawing/2014/chart" uri="{C3380CC4-5D6E-409C-BE32-E72D297353CC}">
-                  <c16:uniqueId val="{00000011-5563-8d64-1866-c1dbca8b4569}"/>
-                </c:ext>
-              </c:extLst>
-            </c:dLbl>
-            <c:dLbl>
-              <c:idx val="11"/>
-              <c:tx>
-                <c:rich>
-                  <a:bodyPr>
-                    <a:spAutoFit/>
-                  </a:bodyPr>
-                  <a:lstStyle/>
-                  <a:p>
-                    <a:pPr>
-                      <a:defRPr/>
-                    </a:pPr>
-                    <a:r>
-                      <a:rPr lang="en-US" dirty="0"/>
-                      <a:t>肾病科</a:t>
-                    </a:r>
-                  </a:p>
-                </c:rich>
-              </c:tx>
-              <c:spPr>
-                <a:noFill/>
-                <a:ln>
-                  <a:noFill/>
-                </a:ln>
-                <a:effectLst/>
-              </c:spPr>
-              <c:dLblPos val="t"/>
-              <c:showLegendKey val="0"/>
-              <c:showVal val="0"/>
-              <c:showCatName val="0"/>
-              <c:showSerName val="0"/>
-              <c:showPercent val="0"/>
-              <c:showBubbleSize val="0"/>
-              <c:showLeaderLines val="1"/>
-              <c:extLst>
-                <c:ext xmlns:c15="http://schemas.microsoft.com/office/drawing/2012/chart" uri="{CE6537A1-D6FC-4f65-9D91-7224C49458BB}"/>
-                <c:ext xmlns:c16="http://schemas.microsoft.com/office/drawing/2014/chart" uri="{C3380CC4-5D6E-409C-BE32-E72D297353CC}">
-                  <c16:uniqueId val="{00000012-5563-8d64-1866-c1dbca8b4569}"/>
-                </c:ext>
-              </c:extLst>
-            </c:dLbl>
-            <c:dLbl>
-              <c:idx val="12"/>
-              <c:tx>
-                <c:rich>
-                  <a:bodyPr>
-                    <a:spAutoFit/>
-                  </a:bodyPr>
-                  <a:lstStyle/>
-                  <a:p>
-                    <a:pPr>
-                      <a:defRPr/>
-                    </a:pPr>
-                    <a:r>
-                      <a:rPr lang="en-US" dirty="0"/>
-                      <a:t>小儿骨科</a:t>
-                    </a:r>
-                  </a:p>
-                </c:rich>
-              </c:tx>
-              <c:spPr>
-                <a:noFill/>
-                <a:ln>
-                  <a:noFill/>
-                </a:ln>
-                <a:effectLst/>
-              </c:spPr>
-              <c:dLblPos val="t"/>
-              <c:showLegendKey val="0"/>
-              <c:showVal val="0"/>
-              <c:showCatName val="0"/>
-              <c:showSerName val="0"/>
-              <c:showPercent val="0"/>
-              <c:showBubbleSize val="0"/>
-              <c:showLeaderLines val="1"/>
-              <c:extLst>
-                <c:ext xmlns:c15="http://schemas.microsoft.com/office/drawing/2012/chart" uri="{CE6537A1-D6FC-4f65-9D91-7224C49458BB}"/>
-                <c:ext xmlns:c16="http://schemas.microsoft.com/office/drawing/2014/chart" uri="{C3380CC4-5D6E-409C-BE32-E72D297353CC}">
-                  <c16:uniqueId val="{00000013-5563-8d64-1866-c1dbca8b4569}"/>
-                </c:ext>
-              </c:extLst>
-            </c:dLbl>
-            <c:dLbl>
-              <c:idx val="13"/>
-              <c:tx>
-                <c:rich>
-                  <a:bodyPr>
-                    <a:spAutoFit/>
-                  </a:bodyPr>
-                  <a:lstStyle/>
-                  <a:p>
-                    <a:pPr>
-                      <a:defRPr/>
-                    </a:pPr>
-                    <a:r>
-                      <a:rPr lang="en-US" dirty="0"/>
-                      <a:t>身心医学科</a:t>
-                    </a:r>
-                  </a:p>
-                </c:rich>
-              </c:tx>
-              <c:spPr>
-                <a:noFill/>
-                <a:ln>
-                  <a:noFill/>
-                </a:ln>
-                <a:effectLst/>
-              </c:spPr>
-              <c:dLblPos val="t"/>
-              <c:showLegendKey val="0"/>
-              <c:showVal val="0"/>
-              <c:showCatName val="0"/>
-              <c:showSerName val="0"/>
-              <c:showPercent val="0"/>
-              <c:showBubbleSize val="0"/>
-              <c:showLeaderLines val="1"/>
-              <c:extLst>
-                <c:ext xmlns:c15="http://schemas.microsoft.com/office/drawing/2012/chart" uri="{CE6537A1-D6FC-4f65-9D91-7224C49458BB}"/>
-                <c:ext xmlns:c16="http://schemas.microsoft.com/office/drawing/2014/chart" uri="{C3380CC4-5D6E-409C-BE32-E72D297353CC}">
-                  <c16:uniqueId val="{00000014-5563-8d64-1866-c1dbca8b4569}"/>
-                </c:ext>
-              </c:extLst>
-            </c:dLbl>
-            <c:dLbl>
-              <c:idx val="14"/>
-              <c:tx>
-                <c:rich>
-                  <a:bodyPr>
-                    <a:spAutoFit/>
-                  </a:bodyPr>
-                  <a:lstStyle/>
-                  <a:p>
-                    <a:pPr>
-                      <a:defRPr/>
-                    </a:pPr>
-                    <a:r>
-                      <a:rPr lang="en-US" dirty="0"/>
-                      <a:t>心病三科</a:t>
-                    </a:r>
-                  </a:p>
-                </c:rich>
-              </c:tx>
-              <c:spPr>
-                <a:noFill/>
-                <a:ln>
-                  <a:noFill/>
-                </a:ln>
-                <a:effectLst/>
-              </c:spPr>
-              <c:dLblPos val="t"/>
-              <c:showLegendKey val="0"/>
-              <c:showVal val="0"/>
-              <c:showCatName val="0"/>
-              <c:showSerName val="0"/>
-              <c:showPercent val="0"/>
-              <c:showBubbleSize val="0"/>
-              <c:showLeaderLines val="1"/>
-              <c:extLst>
-                <c:ext xmlns:c15="http://schemas.microsoft.com/office/drawing/2012/chart" uri="{CE6537A1-D6FC-4f65-9D91-7224C49458BB}"/>
-                <c:ext xmlns:c16="http://schemas.microsoft.com/office/drawing/2014/chart" uri="{C3380CC4-5D6E-409C-BE32-E72D297353CC}">
-                  <c16:uniqueId val="{00000015-5563-8d64-1866-c1dbca8b4569}"/>
-                </c:ext>
-              </c:extLst>
-            </c:dLbl>
-            <c:dLbl>
-              <c:idx val="15"/>
-              <c:tx>
-                <c:rich>
-                  <a:bodyPr>
-                    <a:spAutoFit/>
-                  </a:bodyPr>
-                  <a:lstStyle/>
-                  <a:p>
-                    <a:pPr>
-                      <a:defRPr/>
-                    </a:pPr>
-                    <a:r>
-                      <a:rPr lang="en-US" dirty="0"/>
-                      <a:t>血液科</a:t>
-                    </a:r>
-                  </a:p>
-                </c:rich>
-              </c:tx>
-              <c:spPr>
-                <a:noFill/>
-                <a:ln>
-                  <a:noFill/>
-                </a:ln>
-                <a:effectLst/>
-              </c:spPr>
-              <c:dLblPos val="t"/>
-              <c:showLegendKey val="0"/>
-              <c:showVal val="0"/>
-              <c:showCatName val="0"/>
-              <c:showSerName val="0"/>
-              <c:showPercent val="0"/>
-              <c:showBubbleSize val="0"/>
-              <c:showLeaderLines val="1"/>
-              <c:extLst>
-                <c:ext xmlns:c15="http://schemas.microsoft.com/office/drawing/2012/chart" uri="{CE6537A1-D6FC-4f65-9D91-7224C49458BB}"/>
-                <c:ext xmlns:c16="http://schemas.microsoft.com/office/drawing/2014/chart" uri="{C3380CC4-5D6E-409C-BE32-E72D297353CC}">
-                  <c16:uniqueId val="{00000016-5563-8d64-1866-c1dbca8b4569}"/>
-                </c:ext>
-              </c:extLst>
-            </c:dLbl>
-            <c:dLbl>
-              <c:idx val="16"/>
-              <c:tx>
-                <c:rich>
-                  <a:bodyPr>
-                    <a:spAutoFit/>
-                  </a:bodyPr>
-                  <a:lstStyle/>
-                  <a:p>
-                    <a:pPr>
-                      <a:defRPr/>
-                    </a:pPr>
-                    <a:r>
-                      <a:rPr lang="en-US" dirty="0"/>
-                      <a:t>泌尿外科</a:t>
-                    </a:r>
-                  </a:p>
-                </c:rich>
-              </c:tx>
-              <c:spPr>
-                <a:noFill/>
-                <a:ln>
-                  <a:noFill/>
-                </a:ln>
-                <a:effectLst/>
-              </c:spPr>
-              <c:dLblPos val="t"/>
-              <c:showLegendKey val="0"/>
-              <c:showVal val="0"/>
-              <c:showCatName val="0"/>
-              <c:showSerName val="0"/>
-              <c:showPercent val="0"/>
-              <c:showBubbleSize val="0"/>
-              <c:showLeaderLines val="1"/>
-              <c:extLst>
-                <c:ext xmlns:c15="http://schemas.microsoft.com/office/drawing/2012/chart" uri="{CE6537A1-D6FC-4f65-9D91-7224C49458BB}"/>
-                <c:ext xmlns:c16="http://schemas.microsoft.com/office/drawing/2014/chart" uri="{C3380CC4-5D6E-409C-BE32-E72D297353CC}">
-                  <c16:uniqueId val="{00000017-5563-8d64-1866-c1dbca8b4569}"/>
-                </c:ext>
-              </c:extLst>
-            </c:dLbl>
-            <c:dLbl>
-              <c:idx val="17"/>
-              <c:tx>
-                <c:rich>
-                  <a:bodyPr>
-                    <a:spAutoFit/>
-                  </a:bodyPr>
-                  <a:lstStyle/>
-                  <a:p>
-                    <a:pPr>
-                      <a:defRPr/>
-                    </a:pPr>
-                    <a:r>
-                      <a:rPr lang="en-US" dirty="0"/>
-                      <a:t>心血管内科</a:t>
-                    </a:r>
-                  </a:p>
-                </c:rich>
-              </c:tx>
-              <c:spPr>
-                <a:noFill/>
-                <a:ln>
-                  <a:noFill/>
-                </a:ln>
-                <a:effectLst/>
-              </c:spPr>
-              <c:dLblPos val="t"/>
-              <c:showLegendKey val="0"/>
-              <c:showVal val="0"/>
-              <c:showCatName val="0"/>
-              <c:showSerName val="0"/>
-              <c:showPercent val="0"/>
-              <c:showBubbleSize val="0"/>
-              <c:showLeaderLines val="1"/>
-              <c:extLst>
-                <c:ext xmlns:c15="http://schemas.microsoft.com/office/drawing/2012/chart" uri="{CE6537A1-D6FC-4f65-9D91-7224C49458BB}"/>
-                <c:ext xmlns:c16="http://schemas.microsoft.com/office/drawing/2014/chart" uri="{C3380CC4-5D6E-409C-BE32-E72D297353CC}">
-                  <c16:uniqueId val="{00000018-5563-8d64-1866-c1dbca8b4569}"/>
-                </c:ext>
-              </c:extLst>
-            </c:dLbl>
-            <c:dLbl>
-              <c:idx val="18"/>
-              <c:tx>
-                <c:rich>
-                  <a:bodyPr>
-                    <a:spAutoFit/>
-                  </a:bodyPr>
-                  <a:lstStyle/>
-                  <a:p>
-                    <a:pPr>
-                      <a:defRPr/>
-                    </a:pPr>
-                    <a:r>
-                      <a:rPr lang="en-US" dirty="0"/>
-                      <a:t>口腔科</a:t>
-                    </a:r>
-                  </a:p>
-                </c:rich>
-              </c:tx>
-              <c:spPr>
-                <a:noFill/>
-                <a:ln>
-                  <a:noFill/>
-                </a:ln>
-                <a:effectLst/>
-              </c:spPr>
-              <c:dLblPos val="t"/>
-              <c:showLegendKey val="0"/>
-              <c:showVal val="0"/>
-              <c:showCatName val="0"/>
-              <c:showSerName val="0"/>
-              <c:showPercent val="0"/>
-              <c:showBubbleSize val="0"/>
-              <c:showLeaderLines val="1"/>
-              <c:extLst>
-                <c:ext xmlns:c15="http://schemas.microsoft.com/office/drawing/2012/chart" uri="{CE6537A1-D6FC-4f65-9D91-7224C49458BB}"/>
-                <c:ext xmlns:c16="http://schemas.microsoft.com/office/drawing/2014/chart" uri="{C3380CC4-5D6E-409C-BE32-E72D297353CC}">
-                  <c16:uniqueId val="{00000019-5563-8d64-1866-c1dbca8b4569}"/>
-                </c:ext>
-              </c:extLst>
-            </c:dLbl>
-            <c:dLbl>
-              <c:idx val="19"/>
-              <c:tx>
-                <c:rich>
-                  <a:bodyPr>
-                    <a:spAutoFit/>
-                  </a:bodyPr>
-                  <a:lstStyle/>
-                  <a:p>
-                    <a:pPr>
-                      <a:defRPr/>
-                    </a:pPr>
-                    <a:r>
-                      <a:rPr lang="en-US" dirty="0"/>
-                      <a:t>骨科</a:t>
-                    </a:r>
-                  </a:p>
-                </c:rich>
-              </c:tx>
-              <c:spPr>
-                <a:noFill/>
-                <a:ln>
-                  <a:noFill/>
-                </a:ln>
-                <a:effectLst/>
-              </c:spPr>
-              <c:dLblPos val="t"/>
-              <c:showLegendKey val="0"/>
-              <c:showVal val="0"/>
-              <c:showCatName val="0"/>
-              <c:showSerName val="0"/>
-              <c:showPercent val="0"/>
-              <c:showBubbleSize val="0"/>
-              <c:showLeaderLines val="1"/>
-              <c:extLst>
-                <c:ext xmlns:c15="http://schemas.microsoft.com/office/drawing/2012/chart" uri="{CE6537A1-D6FC-4f65-9D91-7224C49458BB}"/>
-                <c:ext xmlns:c16="http://schemas.microsoft.com/office/drawing/2014/chart" uri="{C3380CC4-5D6E-409C-BE32-E72D297353CC}">
-                  <c16:uniqueId val="{00000020-5563-8d64-1866-c1dbca8b4569}"/>
+                  <c16:uniqueId val="{00000020-6d3b-810b-b322-a2e9752a31d3}"/>
                 </c:ext>
               </c:extLst>
             </c:dLbl>
@@ -2289,64 +2289,64 @@
                 <c:formatCode>General</c:formatCode>
                 <c:ptCount val="20"/>
                 <c:pt idx="0">
-                  <c:v>21.879713512514524</c:v>
+                  <c:v>17.605945688331104</c:v>
                 </c:pt>
                 <c:pt idx="1">
-                  <c:v>9.082349474060075</c:v>
+                  <c:v>20.97795257128492</c:v>
                 </c:pt>
                 <c:pt idx="2">
-                  <c:v>4.515833349034456</c:v>
+                  <c:v>48.88066083035801</c:v>
                 </c:pt>
                 <c:pt idx="3">
-                  <c:v>24.64458856463372</c:v>
+                  <c:v>15.717076061004354</c:v>
                 </c:pt>
                 <c:pt idx="4">
-                  <c:v>100</c:v>
+                  <c:v>20.261583338418212</c:v>
                 </c:pt>
                 <c:pt idx="5">
-                  <c:v>24.863877308447382</c:v>
+                  <c:v>12.028516537039973</c:v>
                 </c:pt>
                 <c:pt idx="6">
-                  <c:v>52.627022205641246</c:v>
+                  <c:v>17.833080026402296</c:v>
                 </c:pt>
                 <c:pt idx="7">
-                  <c:v>21.599492657024552</c:v>
+                  <c:v>12.720397519385285</c:v>
                 </c:pt>
                 <c:pt idx="8">
-                  <c:v>10.725023215137051</c:v>
+                  <c:v>5.447329261887792</c:v>
                 </c:pt>
                 <c:pt idx="9">
-                  <c:v>7.394023133933294</c:v>
+                  <c:v>3.05744026262547</c:v>
                 </c:pt>
                 <c:pt idx="10">
-                  <c:v>11.713910541829906</c:v>
+                  <c:v>20.83003893198628</c:v>
                 </c:pt>
                 <c:pt idx="11">
-                  <c:v>16.10581219386055</c:v>
+                  <c:v>15.130058847340406</c:v>
                 </c:pt>
                 <c:pt idx="12">
-                  <c:v>15.379496849139924</c:v>
+                  <c:v>18.42459890126786</c:v>
                 </c:pt>
                 <c:pt idx="13">
-                  <c:v>59.92108444228831</c:v>
+                  <c:v>14.199093036735189</c:v>
                 </c:pt>
                 <c:pt idx="14">
-                  <c:v>15.383061153480535</c:v>
+                  <c:v>13.00234540478982</c:v>
                 </c:pt>
                 <c:pt idx="15">
-                  <c:v>2.962928582887703</c:v>
+                  <c:v>20.35175737317818</c:v>
                 </c:pt>
                 <c:pt idx="16">
-                  <c:v>24.86302504591008</c:v>
+                  <c:v>52.4538311247186</c:v>
                 </c:pt>
                 <c:pt idx="17">
-                  <c:v>20.40617662967189</c:v>
+                  <c:v>11.935362025876975</c:v>
                 </c:pt>
                 <c:pt idx="18">
-                  <c:v>37.634686695084824</c:v>
+                  <c:v>24.0678314275235</c:v>
                 </c:pt>
                 <c:pt idx="19">
-                  <c:v>5.594803868957755</c:v>
+                  <c:v>21.7201260732694</c:v>
                 </c:pt>
               </c:numCache>
             </c:numRef>
@@ -2361,61 +2361,61 @@
                   <c:v>100</c:v>
                 </c:pt>
                 <c:pt idx="1">
-                  <c:v>0.0023638223281276733</c:v>
+                  <c:v>0.0023013442669816827</c:v>
                 </c:pt>
                 <c:pt idx="2">
-                  <c:v>0.0023138123100078655</c:v>
+                  <c:v>0.0023000905018497066</c:v>
                 </c:pt>
                 <c:pt idx="3">
-                  <c:v>0.002213618414644004</c:v>
+                  <c:v>0.0022908207922230275</c:v>
                 </c:pt>
                 <c:pt idx="4">
-                  <c:v>0.0021368057741412735</c:v>
+                  <c:v>0.002194594909282952</c:v>
                 </c:pt>
                 <c:pt idx="5">
-                  <c:v>0.002131518646032776</c:v>
+                  <c:v>0.00219025786289933</c:v>
                 </c:pt>
                 <c:pt idx="6">
-                  <c:v>0.0021238030609059895</c:v>
+                  <c:v>0.002166690777446901</c:v>
                 </c:pt>
                 <c:pt idx="7">
-                  <c:v>0.0020752641612714383</c:v>
+                  <c:v>0.00208064065494953</c:v>
                 </c:pt>
                 <c:pt idx="8">
-                  <c:v>0.002026430747459903</c:v>
+                  <c:v>0.002079380430250279</c:v>
                 </c:pt>
                 <c:pt idx="9">
-                  <c:v>0.0020171538025739954</c:v>
+                  <c:v>0.0019976258641028746</c:v>
                 </c:pt>
                 <c:pt idx="10">
-                  <c:v>0.001985001599007715</c:v>
+                  <c:v>0.0019379730465750378</c:v>
                 </c:pt>
                 <c:pt idx="11">
-                  <c:v>0.001951765490889276</c:v>
+                  <c:v>0.0019268556741630898</c:v>
                 </c:pt>
                 <c:pt idx="12">
-                  <c:v>0.0019014041847569146</c:v>
+                  <c:v>0.001906552668580663</c:v>
                 </c:pt>
                 <c:pt idx="13">
-                  <c:v>0.0018850034886705833</c:v>
+                  <c:v>0.0019047541830289815</c:v>
                 </c:pt>
                 <c:pt idx="14">
-                  <c:v>0.0018101698143483855</c:v>
+                  <c:v>0.0018865129755399846</c:v>
                 </c:pt>
                 <c:pt idx="15">
-                  <c:v>0.0017826932396831667</c:v>
+                  <c:v>0.0017363172395649534</c:v>
                 </c:pt>
                 <c:pt idx="16">
-                  <c:v>0.0017809192425252342</c:v>
+                  <c:v>0.001704331157684899</c:v>
                 </c:pt>
                 <c:pt idx="17">
-                  <c:v>0.001723845383598155</c:v>
+                  <c:v>0.0016395464515506074</c:v>
                 </c:pt>
                 <c:pt idx="18">
-                  <c:v>0.0016505571067370088</c:v>
+                  <c:v>0.0016271032275555007</c:v>
                 </c:pt>
                 <c:pt idx="19">
-                  <c:v>0.0016180656429739808</c:v>
+                  <c:v>0.001563849478799978</c:v>
                 </c:pt>
               </c:numCache>
             </c:numRef>

--- a/cases/goodhostpital2021/对标分析报告.pg.pptx
+++ b/cases/goodhostpital2021/对标分析报告.pg.pptx
@@ -109,13 +109,13 @@
   <p:extLst>
     <p:ext uri="{521415D9-36F7-43E2-AB2F-B90AF26B5E84}">
       <p14:sectionLst xmlns:p14="http://schemas.microsoft.com/office/powerpoint/2010/main">
-        <p14:section name="院内专科BCG散点图" id="{2e94b5b1-1d82-89af-818d-bb996556658d}">
+        <p14:section name="院内专科BCG散点图" id="{6425bb32-9b7e-5b0e-2196-579be348ec28}">
           <p14:sldIdLst>
             <p14:sldId id="257"/>
             <p14:sldId id="258"/>
           </p14:sldIdLst>
         </p14:section>
-        <p14:section name="院内专科梯队表格" id="{4716c7b2-46e7-e8ab-16f8-ecbd5b2cd3ca}">
+        <p14:section name="院内专科梯队表格" id="{5dc3b513-b5a8-f1b0-72fe-d0f3374386ac}">
           <p14:sldIdLst/>
         </p14:section>
       </p14:sectionLst>
@@ -127,7 +127,7 @@
 </p:presentation>
 </file>
 
-<file path=ppt/charts/chart4983.xml><?xml version="1.0" encoding="utf-8"?>
+<file path=ppt/charts/chart983.xml><?xml version="1.0" encoding="utf-8"?>
 <c:chartSpace xmlns:c="http://schemas.openxmlformats.org/drawingml/2006/chart" xmlns:a="http://schemas.openxmlformats.org/drawingml/2006/main" xmlns:r="http://schemas.openxmlformats.org/officeDocument/2006/relationships">
   <c:date1904 val="0"/>
   <c:chart>
@@ -221,170 +221,6 @@
                     </a:pPr>
                     <a:r>
                       <a:rPr lang="en-US" dirty="0"/>
-                      <a:t>关节骨科</a:t>
-                    </a:r>
-                  </a:p>
-                </c:rich>
-              </c:tx>
-              <c:spPr>
-                <a:noFill/>
-                <a:ln>
-                  <a:noFill/>
-                </a:ln>
-                <a:effectLst/>
-              </c:spPr>
-              <c:dLblPos val="t"/>
-              <c:showLegendKey val="0"/>
-              <c:showVal val="0"/>
-              <c:showCatName val="0"/>
-              <c:showSerName val="0"/>
-              <c:showPercent val="0"/>
-              <c:showBubbleSize val="0"/>
-              <c:showLeaderLines val="1"/>
-              <c:extLst>
-                <c:ext xmlns:c15="http://schemas.microsoft.com/office/drawing/2012/chart" uri="{CE6537A1-D6FC-4f65-9D91-7224C49458BB}"/>
-                <c:ext xmlns:c16="http://schemas.microsoft.com/office/drawing/2014/chart" uri="{C3380CC4-5D6E-409C-BE32-E72D297353CC}">
-                  <c16:uniqueId val="{00000001-ef6d-f94e-fd2a-a0b0c1894fec}"/>
-                </c:ext>
-              </c:extLst>
-            </c:dLbl>
-            <c:dLbl>
-              <c:idx val="1"/>
-              <c:tx>
-                <c:rich>
-                  <a:bodyPr>
-                    <a:spAutoFit/>
-                  </a:bodyPr>
-                  <a:lstStyle/>
-                  <a:p>
-                    <a:pPr>
-                      <a:defRPr/>
-                    </a:pPr>
-                    <a:r>
-                      <a:rPr lang="en-US" dirty="0"/>
-                      <a:t>肛肠科</a:t>
-                    </a:r>
-                  </a:p>
-                </c:rich>
-              </c:tx>
-              <c:spPr>
-                <a:noFill/>
-                <a:ln>
-                  <a:noFill/>
-                </a:ln>
-                <a:effectLst/>
-              </c:spPr>
-              <c:dLblPos val="t"/>
-              <c:showLegendKey val="0"/>
-              <c:showVal val="0"/>
-              <c:showCatName val="0"/>
-              <c:showSerName val="0"/>
-              <c:showPercent val="0"/>
-              <c:showBubbleSize val="0"/>
-              <c:showLeaderLines val="1"/>
-              <c:extLst>
-                <c:ext xmlns:c15="http://schemas.microsoft.com/office/drawing/2012/chart" uri="{CE6537A1-D6FC-4f65-9D91-7224C49458BB}"/>
-                <c:ext xmlns:c16="http://schemas.microsoft.com/office/drawing/2014/chart" uri="{C3380CC4-5D6E-409C-BE32-E72D297353CC}">
-                  <c16:uniqueId val="{00000002-ef6d-f94e-fd2a-a0b0c1894fec}"/>
-                </c:ext>
-              </c:extLst>
-            </c:dLbl>
-            <c:dLbl>
-              <c:idx val="2"/>
-              <c:tx>
-                <c:rich>
-                  <a:bodyPr>
-                    <a:spAutoFit/>
-                  </a:bodyPr>
-                  <a:lstStyle/>
-                  <a:p>
-                    <a:pPr>
-                      <a:defRPr/>
-                    </a:pPr>
-                    <a:r>
-                      <a:rPr lang="en-US" dirty="0"/>
-                      <a:t>肝胆外科</a:t>
-                    </a:r>
-                  </a:p>
-                </c:rich>
-              </c:tx>
-              <c:spPr>
-                <a:noFill/>
-                <a:ln>
-                  <a:noFill/>
-                </a:ln>
-                <a:effectLst/>
-              </c:spPr>
-              <c:dLblPos val="t"/>
-              <c:showLegendKey val="0"/>
-              <c:showVal val="0"/>
-              <c:showCatName val="0"/>
-              <c:showSerName val="0"/>
-              <c:showPercent val="0"/>
-              <c:showBubbleSize val="0"/>
-              <c:showLeaderLines val="1"/>
-              <c:extLst>
-                <c:ext xmlns:c15="http://schemas.microsoft.com/office/drawing/2012/chart" uri="{CE6537A1-D6FC-4f65-9D91-7224C49458BB}"/>
-                <c:ext xmlns:c16="http://schemas.microsoft.com/office/drawing/2014/chart" uri="{C3380CC4-5D6E-409C-BE32-E72D297353CC}">
-                  <c16:uniqueId val="{00000003-ef6d-f94e-fd2a-a0b0c1894fec}"/>
-                </c:ext>
-              </c:extLst>
-            </c:dLbl>
-            <c:dLbl>
-              <c:idx val="3"/>
-              <c:tx>
-                <c:rich>
-                  <a:bodyPr>
-                    <a:spAutoFit/>
-                  </a:bodyPr>
-                  <a:lstStyle/>
-                  <a:p>
-                    <a:pPr>
-                      <a:defRPr/>
-                    </a:pPr>
-                    <a:r>
-                      <a:rPr lang="en-US" dirty="0"/>
-                      <a:t>美容皮肤科</a:t>
-                    </a:r>
-                  </a:p>
-                </c:rich>
-              </c:tx>
-              <c:spPr>
-                <a:noFill/>
-                <a:ln>
-                  <a:noFill/>
-                </a:ln>
-                <a:effectLst/>
-              </c:spPr>
-              <c:dLblPos val="t"/>
-              <c:showLegendKey val="0"/>
-              <c:showVal val="0"/>
-              <c:showCatName val="0"/>
-              <c:showSerName val="0"/>
-              <c:showPercent val="0"/>
-              <c:showBubbleSize val="0"/>
-              <c:showLeaderLines val="1"/>
-              <c:extLst>
-                <c:ext xmlns:c15="http://schemas.microsoft.com/office/drawing/2012/chart" uri="{CE6537A1-D6FC-4f65-9D91-7224C49458BB}"/>
-                <c:ext xmlns:c16="http://schemas.microsoft.com/office/drawing/2014/chart" uri="{C3380CC4-5D6E-409C-BE32-E72D297353CC}">
-                  <c16:uniqueId val="{00000004-ef6d-f94e-fd2a-a0b0c1894fec}"/>
-                </c:ext>
-              </c:extLst>
-            </c:dLbl>
-            <c:dLbl>
-              <c:idx val="4"/>
-              <c:tx>
-                <c:rich>
-                  <a:bodyPr>
-                    <a:spAutoFit/>
-                  </a:bodyPr>
-                  <a:lstStyle/>
-                  <a:p>
-                    <a:pPr>
-                      <a:defRPr/>
-                    </a:pPr>
-                    <a:r>
-                      <a:rPr lang="en-US" dirty="0"/>
                       <a:t>脑病三科</a:t>
                     </a:r>
                   </a:p>
@@ -408,12 +244,135 @@
               <c:extLst>
                 <c:ext xmlns:c15="http://schemas.microsoft.com/office/drawing/2012/chart" uri="{CE6537A1-D6FC-4f65-9D91-7224C49458BB}"/>
                 <c:ext xmlns:c16="http://schemas.microsoft.com/office/drawing/2014/chart" uri="{C3380CC4-5D6E-409C-BE32-E72D297353CC}">
-                  <c16:uniqueId val="{00000005-ef6d-f94e-fd2a-a0b0c1894fec}"/>
+                  <c16:uniqueId val="{00000001-617c-3270-917d-7531e0daa4e9}"/>
                 </c:ext>
               </c:extLst>
             </c:dLbl>
             <c:dLbl>
-              <c:idx val="5"/>
+              <c:idx val="1"/>
+              <c:tx>
+                <c:rich>
+                  <a:bodyPr>
+                    <a:spAutoFit/>
+                  </a:bodyPr>
+                  <a:lstStyle/>
+                  <a:p>
+                    <a:pPr>
+                      <a:defRPr/>
+                    </a:pPr>
+                    <a:r>
+                      <a:rPr lang="en-US" dirty="0"/>
+                      <a:t>脊柱骨科</a:t>
+                    </a:r>
+                  </a:p>
+                </c:rich>
+              </c:tx>
+              <c:spPr>
+                <a:noFill/>
+                <a:ln>
+                  <a:noFill/>
+                </a:ln>
+                <a:effectLst/>
+              </c:spPr>
+              <c:dLblPos val="t"/>
+              <c:showLegendKey val="0"/>
+              <c:showVal val="0"/>
+              <c:showCatName val="0"/>
+              <c:showSerName val="0"/>
+              <c:showPercent val="0"/>
+              <c:showBubbleSize val="0"/>
+              <c:showLeaderLines val="1"/>
+              <c:extLst>
+                <c:ext xmlns:c15="http://schemas.microsoft.com/office/drawing/2012/chart" uri="{CE6537A1-D6FC-4f65-9D91-7224C49458BB}"/>
+                <c:ext xmlns:c16="http://schemas.microsoft.com/office/drawing/2014/chart" uri="{C3380CC4-5D6E-409C-BE32-E72D297353CC}">
+                  <c16:uniqueId val="{00000002-617c-3270-917d-7531e0daa4e9}"/>
+                </c:ext>
+              </c:extLst>
+            </c:dLbl>
+            <c:dLbl>
+              <c:idx val="2"/>
+              <c:tx>
+                <c:rich>
+                  <a:bodyPr>
+                    <a:spAutoFit/>
+                  </a:bodyPr>
+                  <a:lstStyle/>
+                  <a:p>
+                    <a:pPr>
+                      <a:defRPr/>
+                    </a:pPr>
+                    <a:r>
+                      <a:rPr lang="en-US" dirty="0"/>
+                      <a:t>西区重症医学科</a:t>
+                    </a:r>
+                  </a:p>
+                </c:rich>
+              </c:tx>
+              <c:spPr>
+                <a:noFill/>
+                <a:ln>
+                  <a:noFill/>
+                </a:ln>
+                <a:effectLst/>
+              </c:spPr>
+              <c:dLblPos val="t"/>
+              <c:showLegendKey val="0"/>
+              <c:showVal val="0"/>
+              <c:showCatName val="0"/>
+              <c:showSerName val="0"/>
+              <c:showPercent val="0"/>
+              <c:showBubbleSize val="0"/>
+              <c:showLeaderLines val="1"/>
+              <c:extLst>
+                <c:ext xmlns:c15="http://schemas.microsoft.com/office/drawing/2012/chart" uri="{CE6537A1-D6FC-4f65-9D91-7224C49458BB}"/>
+                <c:ext xmlns:c16="http://schemas.microsoft.com/office/drawing/2014/chart" uri="{C3380CC4-5D6E-409C-BE32-E72D297353CC}">
+                  <c16:uniqueId val="{00000003-617c-3270-917d-7531e0daa4e9}"/>
+                </c:ext>
+              </c:extLst>
+            </c:dLbl>
+            <c:dLbl>
+              <c:idx val="3"/>
+              <c:tx>
+                <c:rich>
+                  <a:bodyPr>
+                    <a:spAutoFit/>
+                  </a:bodyPr>
+                  <a:lstStyle/>
+                  <a:p>
+                    <a:pPr>
+                      <a:defRPr/>
+                    </a:pPr>
+                    <a:r>
+                      <a:rPr lang="en-US" dirty="0"/>
+                      <a:t>康复科</a:t>
+                    </a:r>
+                  </a:p>
+                </c:rich>
+              </c:tx>
+              <c:spPr>
+                <a:noFill/>
+                <a:ln>
+                  <a:noFill/>
+                </a:ln>
+                <a:effectLst/>
+              </c:spPr>
+              <c:dLblPos val="t"/>
+              <c:showLegendKey val="0"/>
+              <c:showVal val="0"/>
+              <c:showCatName val="0"/>
+              <c:showSerName val="0"/>
+              <c:showPercent val="0"/>
+              <c:showBubbleSize val="0"/>
+              <c:showLeaderLines val="1"/>
+              <c:extLst>
+                <c:ext xmlns:c15="http://schemas.microsoft.com/office/drawing/2012/chart" uri="{CE6537A1-D6FC-4f65-9D91-7224C49458BB}"/>
+                <c:ext xmlns:c16="http://schemas.microsoft.com/office/drawing/2014/chart" uri="{C3380CC4-5D6E-409C-BE32-E72D297353CC}">
+                  <c16:uniqueId val="{00000004-617c-3270-917d-7531e0daa4e9}"/>
+                </c:ext>
+              </c:extLst>
+            </c:dLbl>
+            <c:dLbl>
+              <c:idx val="4"/>
               <c:tx>
                 <c:rich>
                   <a:bodyPr>
@@ -449,12 +408,12 @@
               <c:extLst>
                 <c:ext xmlns:c15="http://schemas.microsoft.com/office/drawing/2012/chart" uri="{CE6537A1-D6FC-4f65-9D91-7224C49458BB}"/>
                 <c:ext xmlns:c16="http://schemas.microsoft.com/office/drawing/2014/chart" uri="{C3380CC4-5D6E-409C-BE32-E72D297353CC}">
-                  <c16:uniqueId val="{00000006-ef6d-f94e-fd2a-a0b0c1894fec}"/>
+                  <c16:uniqueId val="{00000005-617c-3270-917d-7531e0daa4e9}"/>
                 </c:ext>
               </c:extLst>
             </c:dLbl>
             <c:dLbl>
-              <c:idx val="6"/>
+              <c:idx val="5"/>
               <c:tx>
                 <c:rich>
                   <a:bodyPr>
@@ -467,7 +426,7 @@
                     </a:pPr>
                     <a:r>
                       <a:rPr lang="en-US" dirty="0"/>
-                      <a:t>老年医学科</a:t>
+                      <a:t>脾胃病科</a:t>
                     </a:r>
                   </a:p>
                 </c:rich>
@@ -490,12 +449,463 @@
               <c:extLst>
                 <c:ext xmlns:c15="http://schemas.microsoft.com/office/drawing/2012/chart" uri="{CE6537A1-D6FC-4f65-9D91-7224C49458BB}"/>
                 <c:ext xmlns:c16="http://schemas.microsoft.com/office/drawing/2014/chart" uri="{C3380CC4-5D6E-409C-BE32-E72D297353CC}">
-                  <c16:uniqueId val="{00000007-ef6d-f94e-fd2a-a0b0c1894fec}"/>
+                  <c16:uniqueId val="{00000006-617c-3270-917d-7531e0daa4e9}"/>
+                </c:ext>
+              </c:extLst>
+            </c:dLbl>
+            <c:dLbl>
+              <c:idx val="6"/>
+              <c:tx>
+                <c:rich>
+                  <a:bodyPr>
+                    <a:spAutoFit/>
+                  </a:bodyPr>
+                  <a:lstStyle/>
+                  <a:p>
+                    <a:pPr>
+                      <a:defRPr/>
+                    </a:pPr>
+                    <a:r>
+                      <a:rPr lang="en-US" dirty="0"/>
+                      <a:t>儿科</a:t>
+                    </a:r>
+                  </a:p>
+                </c:rich>
+              </c:tx>
+              <c:spPr>
+                <a:noFill/>
+                <a:ln>
+                  <a:noFill/>
+                </a:ln>
+                <a:effectLst/>
+              </c:spPr>
+              <c:dLblPos val="t"/>
+              <c:showLegendKey val="0"/>
+              <c:showVal val="0"/>
+              <c:showCatName val="0"/>
+              <c:showSerName val="0"/>
+              <c:showPercent val="0"/>
+              <c:showBubbleSize val="0"/>
+              <c:showLeaderLines val="1"/>
+              <c:extLst>
+                <c:ext xmlns:c15="http://schemas.microsoft.com/office/drawing/2012/chart" uri="{CE6537A1-D6FC-4f65-9D91-7224C49458BB}"/>
+                <c:ext xmlns:c16="http://schemas.microsoft.com/office/drawing/2014/chart" uri="{C3380CC4-5D6E-409C-BE32-E72D297353CC}">
+                  <c16:uniqueId val="{00000007-617c-3270-917d-7531e0daa4e9}"/>
                 </c:ext>
               </c:extLst>
             </c:dLbl>
             <c:dLbl>
               <c:idx val="7"/>
+              <c:tx>
+                <c:rich>
+                  <a:bodyPr>
+                    <a:spAutoFit/>
+                  </a:bodyPr>
+                  <a:lstStyle/>
+                  <a:p>
+                    <a:pPr>
+                      <a:defRPr/>
+                    </a:pPr>
+                    <a:r>
+                      <a:rPr lang="en-US" dirty="0"/>
+                      <a:t>肿瘤内科</a:t>
+                    </a:r>
+                  </a:p>
+                </c:rich>
+              </c:tx>
+              <c:spPr>
+                <a:noFill/>
+                <a:ln>
+                  <a:noFill/>
+                </a:ln>
+                <a:effectLst/>
+              </c:spPr>
+              <c:dLblPos val="t"/>
+              <c:showLegendKey val="0"/>
+              <c:showVal val="0"/>
+              <c:showCatName val="0"/>
+              <c:showSerName val="0"/>
+              <c:showPercent val="0"/>
+              <c:showBubbleSize val="0"/>
+              <c:showLeaderLines val="1"/>
+              <c:extLst>
+                <c:ext xmlns:c15="http://schemas.microsoft.com/office/drawing/2012/chart" uri="{CE6537A1-D6FC-4f65-9D91-7224C49458BB}"/>
+                <c:ext xmlns:c16="http://schemas.microsoft.com/office/drawing/2014/chart" uri="{C3380CC4-5D6E-409C-BE32-E72D297353CC}">
+                  <c16:uniqueId val="{00000008-617c-3270-917d-7531e0daa4e9}"/>
+                </c:ext>
+              </c:extLst>
+            </c:dLbl>
+            <c:dLbl>
+              <c:idx val="8"/>
+              <c:tx>
+                <c:rich>
+                  <a:bodyPr>
+                    <a:spAutoFit/>
+                  </a:bodyPr>
+                  <a:lstStyle/>
+                  <a:p>
+                    <a:pPr>
+                      <a:defRPr/>
+                    </a:pPr>
+                    <a:r>
+                      <a:rPr lang="en-US" dirty="0"/>
+                      <a:t>周围血管科</a:t>
+                    </a:r>
+                  </a:p>
+                </c:rich>
+              </c:tx>
+              <c:spPr>
+                <a:noFill/>
+                <a:ln>
+                  <a:noFill/>
+                </a:ln>
+                <a:effectLst/>
+              </c:spPr>
+              <c:dLblPos val="t"/>
+              <c:showLegendKey val="0"/>
+              <c:showVal val="0"/>
+              <c:showCatName val="0"/>
+              <c:showSerName val="0"/>
+              <c:showPercent val="0"/>
+              <c:showBubbleSize val="0"/>
+              <c:showLeaderLines val="1"/>
+              <c:extLst>
+                <c:ext xmlns:c15="http://schemas.microsoft.com/office/drawing/2012/chart" uri="{CE6537A1-D6FC-4f65-9D91-7224C49458BB}"/>
+                <c:ext xmlns:c16="http://schemas.microsoft.com/office/drawing/2014/chart" uri="{C3380CC4-5D6E-409C-BE32-E72D297353CC}">
+                  <c16:uniqueId val="{00000009-617c-3270-917d-7531e0daa4e9}"/>
+                </c:ext>
+              </c:extLst>
+            </c:dLbl>
+            <c:dLbl>
+              <c:idx val="9"/>
+              <c:tx>
+                <c:rich>
+                  <a:bodyPr>
+                    <a:spAutoFit/>
+                  </a:bodyPr>
+                  <a:lstStyle/>
+                  <a:p>
+                    <a:pPr>
+                      <a:defRPr/>
+                    </a:pPr>
+                    <a:r>
+                      <a:rPr lang="en-US" dirty="0"/>
+                      <a:t>关节骨科</a:t>
+                    </a:r>
+                  </a:p>
+                </c:rich>
+              </c:tx>
+              <c:spPr>
+                <a:noFill/>
+                <a:ln>
+                  <a:noFill/>
+                </a:ln>
+                <a:effectLst/>
+              </c:spPr>
+              <c:dLblPos val="t"/>
+              <c:showLegendKey val="0"/>
+              <c:showVal val="0"/>
+              <c:showCatName val="0"/>
+              <c:showSerName val="0"/>
+              <c:showPercent val="0"/>
+              <c:showBubbleSize val="0"/>
+              <c:showLeaderLines val="1"/>
+              <c:extLst>
+                <c:ext xmlns:c15="http://schemas.microsoft.com/office/drawing/2012/chart" uri="{CE6537A1-D6FC-4f65-9D91-7224C49458BB}"/>
+                <c:ext xmlns:c16="http://schemas.microsoft.com/office/drawing/2014/chart" uri="{C3380CC4-5D6E-409C-BE32-E72D297353CC}">
+                  <c16:uniqueId val="{00000010-617c-3270-917d-7531e0daa4e9}"/>
+                </c:ext>
+              </c:extLst>
+            </c:dLbl>
+            <c:dLbl>
+              <c:idx val="10"/>
+              <c:tx>
+                <c:rich>
+                  <a:bodyPr>
+                    <a:spAutoFit/>
+                  </a:bodyPr>
+                  <a:lstStyle/>
+                  <a:p>
+                    <a:pPr>
+                      <a:defRPr/>
+                    </a:pPr>
+                    <a:r>
+                      <a:rPr lang="en-US" dirty="0"/>
+                      <a:t>神经外科</a:t>
+                    </a:r>
+                  </a:p>
+                </c:rich>
+              </c:tx>
+              <c:spPr>
+                <a:noFill/>
+                <a:ln>
+                  <a:noFill/>
+                </a:ln>
+                <a:effectLst/>
+              </c:spPr>
+              <c:dLblPos val="t"/>
+              <c:showLegendKey val="0"/>
+              <c:showVal val="0"/>
+              <c:showCatName val="0"/>
+              <c:showSerName val="0"/>
+              <c:showPercent val="0"/>
+              <c:showBubbleSize val="0"/>
+              <c:showLeaderLines val="1"/>
+              <c:extLst>
+                <c:ext xmlns:c15="http://schemas.microsoft.com/office/drawing/2012/chart" uri="{CE6537A1-D6FC-4f65-9D91-7224C49458BB}"/>
+                <c:ext xmlns:c16="http://schemas.microsoft.com/office/drawing/2014/chart" uri="{C3380CC4-5D6E-409C-BE32-E72D297353CC}">
+                  <c16:uniqueId val="{00000011-617c-3270-917d-7531e0daa4e9}"/>
+                </c:ext>
+              </c:extLst>
+            </c:dLbl>
+            <c:dLbl>
+              <c:idx val="11"/>
+              <c:tx>
+                <c:rich>
+                  <a:bodyPr>
+                    <a:spAutoFit/>
+                  </a:bodyPr>
+                  <a:lstStyle/>
+                  <a:p>
+                    <a:pPr>
+                      <a:defRPr/>
+                    </a:pPr>
+                    <a:r>
+                      <a:rPr lang="en-US" dirty="0"/>
+                      <a:t>心病一科</a:t>
+                    </a:r>
+                  </a:p>
+                </c:rich>
+              </c:tx>
+              <c:spPr>
+                <a:noFill/>
+                <a:ln>
+                  <a:noFill/>
+                </a:ln>
+                <a:effectLst/>
+              </c:spPr>
+              <c:dLblPos val="t"/>
+              <c:showLegendKey val="0"/>
+              <c:showVal val="0"/>
+              <c:showCatName val="0"/>
+              <c:showSerName val="0"/>
+              <c:showPercent val="0"/>
+              <c:showBubbleSize val="0"/>
+              <c:showLeaderLines val="1"/>
+              <c:extLst>
+                <c:ext xmlns:c15="http://schemas.microsoft.com/office/drawing/2012/chart" uri="{CE6537A1-D6FC-4f65-9D91-7224C49458BB}"/>
+                <c:ext xmlns:c16="http://schemas.microsoft.com/office/drawing/2014/chart" uri="{C3380CC4-5D6E-409C-BE32-E72D297353CC}">
+                  <c16:uniqueId val="{00000012-617c-3270-917d-7531e0daa4e9}"/>
+                </c:ext>
+              </c:extLst>
+            </c:dLbl>
+            <c:dLbl>
+              <c:idx val="12"/>
+              <c:tx>
+                <c:rich>
+                  <a:bodyPr>
+                    <a:spAutoFit/>
+                  </a:bodyPr>
+                  <a:lstStyle/>
+                  <a:p>
+                    <a:pPr>
+                      <a:defRPr/>
+                    </a:pPr>
+                    <a:r>
+                      <a:rPr lang="en-US" dirty="0"/>
+                      <a:t>口腔科</a:t>
+                    </a:r>
+                  </a:p>
+                </c:rich>
+              </c:tx>
+              <c:spPr>
+                <a:noFill/>
+                <a:ln>
+                  <a:noFill/>
+                </a:ln>
+                <a:effectLst/>
+              </c:spPr>
+              <c:dLblPos val="t"/>
+              <c:showLegendKey val="0"/>
+              <c:showVal val="0"/>
+              <c:showCatName val="0"/>
+              <c:showSerName val="0"/>
+              <c:showPercent val="0"/>
+              <c:showBubbleSize val="0"/>
+              <c:showLeaderLines val="1"/>
+              <c:extLst>
+                <c:ext xmlns:c15="http://schemas.microsoft.com/office/drawing/2012/chart" uri="{CE6537A1-D6FC-4f65-9D91-7224C49458BB}"/>
+                <c:ext xmlns:c16="http://schemas.microsoft.com/office/drawing/2014/chart" uri="{C3380CC4-5D6E-409C-BE32-E72D297353CC}">
+                  <c16:uniqueId val="{00000013-617c-3270-917d-7531e0daa4e9}"/>
+                </c:ext>
+              </c:extLst>
+            </c:dLbl>
+            <c:dLbl>
+              <c:idx val="13"/>
+              <c:tx>
+                <c:rich>
+                  <a:bodyPr>
+                    <a:spAutoFit/>
+                  </a:bodyPr>
+                  <a:lstStyle/>
+                  <a:p>
+                    <a:pPr>
+                      <a:defRPr/>
+                    </a:pPr>
+                    <a:r>
+                      <a:rPr lang="en-US" dirty="0"/>
+                      <a:t>眼科</a:t>
+                    </a:r>
+                  </a:p>
+                </c:rich>
+              </c:tx>
+              <c:spPr>
+                <a:noFill/>
+                <a:ln>
+                  <a:noFill/>
+                </a:ln>
+                <a:effectLst/>
+              </c:spPr>
+              <c:dLblPos val="t"/>
+              <c:showLegendKey val="0"/>
+              <c:showVal val="0"/>
+              <c:showCatName val="0"/>
+              <c:showSerName val="0"/>
+              <c:showPercent val="0"/>
+              <c:showBubbleSize val="0"/>
+              <c:showLeaderLines val="1"/>
+              <c:extLst>
+                <c:ext xmlns:c15="http://schemas.microsoft.com/office/drawing/2012/chart" uri="{CE6537A1-D6FC-4f65-9D91-7224C49458BB}"/>
+                <c:ext xmlns:c16="http://schemas.microsoft.com/office/drawing/2014/chart" uri="{C3380CC4-5D6E-409C-BE32-E72D297353CC}">
+                  <c16:uniqueId val="{00000014-617c-3270-917d-7531e0daa4e9}"/>
+                </c:ext>
+              </c:extLst>
+            </c:dLbl>
+            <c:dLbl>
+              <c:idx val="14"/>
+              <c:tx>
+                <c:rich>
+                  <a:bodyPr>
+                    <a:spAutoFit/>
+                  </a:bodyPr>
+                  <a:lstStyle/>
+                  <a:p>
+                    <a:pPr>
+                      <a:defRPr/>
+                    </a:pPr>
+                    <a:r>
+                      <a:rPr lang="en-US" dirty="0"/>
+                      <a:t>妇科</a:t>
+                    </a:r>
+                  </a:p>
+                </c:rich>
+              </c:tx>
+              <c:spPr>
+                <a:noFill/>
+                <a:ln>
+                  <a:noFill/>
+                </a:ln>
+                <a:effectLst/>
+              </c:spPr>
+              <c:dLblPos val="t"/>
+              <c:showLegendKey val="0"/>
+              <c:showVal val="0"/>
+              <c:showCatName val="0"/>
+              <c:showSerName val="0"/>
+              <c:showPercent val="0"/>
+              <c:showBubbleSize val="0"/>
+              <c:showLeaderLines val="1"/>
+              <c:extLst>
+                <c:ext xmlns:c15="http://schemas.microsoft.com/office/drawing/2012/chart" uri="{CE6537A1-D6FC-4f65-9D91-7224C49458BB}"/>
+                <c:ext xmlns:c16="http://schemas.microsoft.com/office/drawing/2014/chart" uri="{C3380CC4-5D6E-409C-BE32-E72D297353CC}">
+                  <c16:uniqueId val="{00000015-617c-3270-917d-7531e0daa4e9}"/>
+                </c:ext>
+              </c:extLst>
+            </c:dLbl>
+            <c:dLbl>
+              <c:idx val="15"/>
+              <c:tx>
+                <c:rich>
+                  <a:bodyPr>
+                    <a:spAutoFit/>
+                  </a:bodyPr>
+                  <a:lstStyle/>
+                  <a:p>
+                    <a:pPr>
+                      <a:defRPr/>
+                    </a:pPr>
+                    <a:r>
+                      <a:rPr lang="en-US" dirty="0"/>
+                      <a:t>普通外科</a:t>
+                    </a:r>
+                  </a:p>
+                </c:rich>
+              </c:tx>
+              <c:spPr>
+                <a:noFill/>
+                <a:ln>
+                  <a:noFill/>
+                </a:ln>
+                <a:effectLst/>
+              </c:spPr>
+              <c:dLblPos val="t"/>
+              <c:showLegendKey val="0"/>
+              <c:showVal val="0"/>
+              <c:showCatName val="0"/>
+              <c:showSerName val="0"/>
+              <c:showPercent val="0"/>
+              <c:showBubbleSize val="0"/>
+              <c:showLeaderLines val="1"/>
+              <c:extLst>
+                <c:ext xmlns:c15="http://schemas.microsoft.com/office/drawing/2012/chart" uri="{CE6537A1-D6FC-4f65-9D91-7224C49458BB}"/>
+                <c:ext xmlns:c16="http://schemas.microsoft.com/office/drawing/2014/chart" uri="{C3380CC4-5D6E-409C-BE32-E72D297353CC}">
+                  <c16:uniqueId val="{00000016-617c-3270-917d-7531e0daa4e9}"/>
+                </c:ext>
+              </c:extLst>
+            </c:dLbl>
+            <c:dLbl>
+              <c:idx val="16"/>
+              <c:tx>
+                <c:rich>
+                  <a:bodyPr>
+                    <a:spAutoFit/>
+                  </a:bodyPr>
+                  <a:lstStyle/>
+                  <a:p>
+                    <a:pPr>
+                      <a:defRPr/>
+                    </a:pPr>
+                    <a:r>
+                      <a:rPr lang="en-US" dirty="0"/>
+                      <a:t>微创骨科</a:t>
+                    </a:r>
+                  </a:p>
+                </c:rich>
+              </c:tx>
+              <c:spPr>
+                <a:noFill/>
+                <a:ln>
+                  <a:noFill/>
+                </a:ln>
+                <a:effectLst/>
+              </c:spPr>
+              <c:dLblPos val="t"/>
+              <c:showLegendKey val="0"/>
+              <c:showVal val="0"/>
+              <c:showCatName val="0"/>
+              <c:showSerName val="0"/>
+              <c:showPercent val="0"/>
+              <c:showBubbleSize val="0"/>
+              <c:showLeaderLines val="1"/>
+              <c:extLst>
+                <c:ext xmlns:c15="http://schemas.microsoft.com/office/drawing/2012/chart" uri="{CE6537A1-D6FC-4f65-9D91-7224C49458BB}"/>
+                <c:ext xmlns:c16="http://schemas.microsoft.com/office/drawing/2014/chart" uri="{C3380CC4-5D6E-409C-BE32-E72D297353CC}">
+                  <c16:uniqueId val="{00000017-617c-3270-917d-7531e0daa4e9}"/>
+                </c:ext>
+              </c:extLst>
+            </c:dLbl>
+            <c:dLbl>
+              <c:idx val="17"/>
               <c:tx>
                 <c:rich>
                   <a:bodyPr>
@@ -531,12 +941,12 @@
               <c:extLst>
                 <c:ext xmlns:c15="http://schemas.microsoft.com/office/drawing/2012/chart" uri="{CE6537A1-D6FC-4f65-9D91-7224C49458BB}"/>
                 <c:ext xmlns:c16="http://schemas.microsoft.com/office/drawing/2014/chart" uri="{C3380CC4-5D6E-409C-BE32-E72D297353CC}">
-                  <c16:uniqueId val="{00000008-ef6d-f94e-fd2a-a0b0c1894fec}"/>
+                  <c16:uniqueId val="{00000018-617c-3270-917d-7531e0daa4e9}"/>
                 </c:ext>
               </c:extLst>
             </c:dLbl>
             <c:dLbl>
-              <c:idx val="8"/>
+              <c:idx val="18"/>
               <c:tx>
                 <c:rich>
                   <a:bodyPr>
@@ -549,7 +959,7 @@
                     </a:pPr>
                     <a:r>
                       <a:rPr lang="en-US" dirty="0"/>
-                      <a:t>综合内科</a:t>
+                      <a:t>脾胃科消化科合并</a:t>
                     </a:r>
                   </a:p>
                 </c:rich>
@@ -572,12 +982,12 @@
               <c:extLst>
                 <c:ext xmlns:c15="http://schemas.microsoft.com/office/drawing/2012/chart" uri="{CE6537A1-D6FC-4f65-9D91-7224C49458BB}"/>
                 <c:ext xmlns:c16="http://schemas.microsoft.com/office/drawing/2014/chart" uri="{C3380CC4-5D6E-409C-BE32-E72D297353CC}">
-                  <c16:uniqueId val="{00000009-ef6d-f94e-fd2a-a0b0c1894fec}"/>
+                  <c16:uniqueId val="{00000019-617c-3270-917d-7531e0daa4e9}"/>
                 </c:ext>
               </c:extLst>
             </c:dLbl>
             <c:dLbl>
-              <c:idx val="9"/>
+              <c:idx val="19"/>
               <c:tx>
                 <c:rich>
                   <a:bodyPr>
@@ -590,7 +1000,7 @@
                     </a:pPr>
                     <a:r>
                       <a:rPr lang="en-US" dirty="0"/>
-                      <a:t>内分泌科</a:t>
+                      <a:t>医院</a:t>
                     </a:r>
                   </a:p>
                 </c:rich>
@@ -613,417 +1023,7 @@
               <c:extLst>
                 <c:ext xmlns:c15="http://schemas.microsoft.com/office/drawing/2012/chart" uri="{CE6537A1-D6FC-4f65-9D91-7224C49458BB}"/>
                 <c:ext xmlns:c16="http://schemas.microsoft.com/office/drawing/2014/chart" uri="{C3380CC4-5D6E-409C-BE32-E72D297353CC}">
-                  <c16:uniqueId val="{00000010-ef6d-f94e-fd2a-a0b0c1894fec}"/>
-                </c:ext>
-              </c:extLst>
-            </c:dLbl>
-            <c:dLbl>
-              <c:idx val="10"/>
-              <c:tx>
-                <c:rich>
-                  <a:bodyPr>
-                    <a:spAutoFit/>
-                  </a:bodyPr>
-                  <a:lstStyle/>
-                  <a:p>
-                    <a:pPr>
-                      <a:defRPr/>
-                    </a:pPr>
-                    <a:r>
-                      <a:rPr lang="en-US" dirty="0"/>
-                      <a:t>泌尿外科</a:t>
-                    </a:r>
-                  </a:p>
-                </c:rich>
-              </c:tx>
-              <c:spPr>
-                <a:noFill/>
-                <a:ln>
-                  <a:noFill/>
-                </a:ln>
-                <a:effectLst/>
-              </c:spPr>
-              <c:dLblPos val="t"/>
-              <c:showLegendKey val="0"/>
-              <c:showVal val="0"/>
-              <c:showCatName val="0"/>
-              <c:showSerName val="0"/>
-              <c:showPercent val="0"/>
-              <c:showBubbleSize val="0"/>
-              <c:showLeaderLines val="1"/>
-              <c:extLst>
-                <c:ext xmlns:c15="http://schemas.microsoft.com/office/drawing/2012/chart" uri="{CE6537A1-D6FC-4f65-9D91-7224C49458BB}"/>
-                <c:ext xmlns:c16="http://schemas.microsoft.com/office/drawing/2014/chart" uri="{C3380CC4-5D6E-409C-BE32-E72D297353CC}">
-                  <c16:uniqueId val="{00000011-ef6d-f94e-fd2a-a0b0c1894fec}"/>
-                </c:ext>
-              </c:extLst>
-            </c:dLbl>
-            <c:dLbl>
-              <c:idx val="11"/>
-              <c:tx>
-                <c:rich>
-                  <a:bodyPr>
-                    <a:spAutoFit/>
-                  </a:bodyPr>
-                  <a:lstStyle/>
-                  <a:p>
-                    <a:pPr>
-                      <a:defRPr/>
-                    </a:pPr>
-                    <a:r>
-                      <a:rPr lang="en-US" dirty="0"/>
-                      <a:t>康复科</a:t>
-                    </a:r>
-                  </a:p>
-                </c:rich>
-              </c:tx>
-              <c:spPr>
-                <a:noFill/>
-                <a:ln>
-                  <a:noFill/>
-                </a:ln>
-                <a:effectLst/>
-              </c:spPr>
-              <c:dLblPos val="t"/>
-              <c:showLegendKey val="0"/>
-              <c:showVal val="0"/>
-              <c:showCatName val="0"/>
-              <c:showSerName val="0"/>
-              <c:showPercent val="0"/>
-              <c:showBubbleSize val="0"/>
-              <c:showLeaderLines val="1"/>
-              <c:extLst>
-                <c:ext xmlns:c15="http://schemas.microsoft.com/office/drawing/2012/chart" uri="{CE6537A1-D6FC-4f65-9D91-7224C49458BB}"/>
-                <c:ext xmlns:c16="http://schemas.microsoft.com/office/drawing/2014/chart" uri="{C3380CC4-5D6E-409C-BE32-E72D297353CC}">
-                  <c16:uniqueId val="{00000012-ef6d-f94e-fd2a-a0b0c1894fec}"/>
-                </c:ext>
-              </c:extLst>
-            </c:dLbl>
-            <c:dLbl>
-              <c:idx val="12"/>
-              <c:tx>
-                <c:rich>
-                  <a:bodyPr>
-                    <a:spAutoFit/>
-                  </a:bodyPr>
-                  <a:lstStyle/>
-                  <a:p>
-                    <a:pPr>
-                      <a:defRPr/>
-                    </a:pPr>
-                    <a:r>
-                      <a:rPr lang="en-US" dirty="0"/>
-                      <a:t>耳鼻喉科</a:t>
-                    </a:r>
-                  </a:p>
-                </c:rich>
-              </c:tx>
-              <c:spPr>
-                <a:noFill/>
-                <a:ln>
-                  <a:noFill/>
-                </a:ln>
-                <a:effectLst/>
-              </c:spPr>
-              <c:dLblPos val="t"/>
-              <c:showLegendKey val="0"/>
-              <c:showVal val="0"/>
-              <c:showCatName val="0"/>
-              <c:showSerName val="0"/>
-              <c:showPercent val="0"/>
-              <c:showBubbleSize val="0"/>
-              <c:showLeaderLines val="1"/>
-              <c:extLst>
-                <c:ext xmlns:c15="http://schemas.microsoft.com/office/drawing/2012/chart" uri="{CE6537A1-D6FC-4f65-9D91-7224C49458BB}"/>
-                <c:ext xmlns:c16="http://schemas.microsoft.com/office/drawing/2014/chart" uri="{C3380CC4-5D6E-409C-BE32-E72D297353CC}">
-                  <c16:uniqueId val="{00000013-ef6d-f94e-fd2a-a0b0c1894fec}"/>
-                </c:ext>
-              </c:extLst>
-            </c:dLbl>
-            <c:dLbl>
-              <c:idx val="13"/>
-              <c:tx>
-                <c:rich>
-                  <a:bodyPr>
-                    <a:spAutoFit/>
-                  </a:bodyPr>
-                  <a:lstStyle/>
-                  <a:p>
-                    <a:pPr>
-                      <a:defRPr/>
-                    </a:pPr>
-                    <a:r>
-                      <a:rPr lang="en-US" dirty="0"/>
-                      <a:t>微创骨科</a:t>
-                    </a:r>
-                  </a:p>
-                </c:rich>
-              </c:tx>
-              <c:spPr>
-                <a:noFill/>
-                <a:ln>
-                  <a:noFill/>
-                </a:ln>
-                <a:effectLst/>
-              </c:spPr>
-              <c:dLblPos val="t"/>
-              <c:showLegendKey val="0"/>
-              <c:showVal val="0"/>
-              <c:showCatName val="0"/>
-              <c:showSerName val="0"/>
-              <c:showPercent val="0"/>
-              <c:showBubbleSize val="0"/>
-              <c:showLeaderLines val="1"/>
-              <c:extLst>
-                <c:ext xmlns:c15="http://schemas.microsoft.com/office/drawing/2012/chart" uri="{CE6537A1-D6FC-4f65-9D91-7224C49458BB}"/>
-                <c:ext xmlns:c16="http://schemas.microsoft.com/office/drawing/2014/chart" uri="{C3380CC4-5D6E-409C-BE32-E72D297353CC}">
-                  <c16:uniqueId val="{00000014-ef6d-f94e-fd2a-a0b0c1894fec}"/>
-                </c:ext>
-              </c:extLst>
-            </c:dLbl>
-            <c:dLbl>
-              <c:idx val="14"/>
-              <c:tx>
-                <c:rich>
-                  <a:bodyPr>
-                    <a:spAutoFit/>
-                  </a:bodyPr>
-                  <a:lstStyle/>
-                  <a:p>
-                    <a:pPr>
-                      <a:defRPr/>
-                    </a:pPr>
-                    <a:r>
-                      <a:rPr lang="en-US" dirty="0"/>
-                      <a:t>消化内科</a:t>
-                    </a:r>
-                  </a:p>
-                </c:rich>
-              </c:tx>
-              <c:spPr>
-                <a:noFill/>
-                <a:ln>
-                  <a:noFill/>
-                </a:ln>
-                <a:effectLst/>
-              </c:spPr>
-              <c:dLblPos val="t"/>
-              <c:showLegendKey val="0"/>
-              <c:showVal val="0"/>
-              <c:showCatName val="0"/>
-              <c:showSerName val="0"/>
-              <c:showPercent val="0"/>
-              <c:showBubbleSize val="0"/>
-              <c:showLeaderLines val="1"/>
-              <c:extLst>
-                <c:ext xmlns:c15="http://schemas.microsoft.com/office/drawing/2012/chart" uri="{CE6537A1-D6FC-4f65-9D91-7224C49458BB}"/>
-                <c:ext xmlns:c16="http://schemas.microsoft.com/office/drawing/2014/chart" uri="{C3380CC4-5D6E-409C-BE32-E72D297353CC}">
-                  <c16:uniqueId val="{00000015-ef6d-f94e-fd2a-a0b0c1894fec}"/>
-                </c:ext>
-              </c:extLst>
-            </c:dLbl>
-            <c:dLbl>
-              <c:idx val="15"/>
-              <c:tx>
-                <c:rich>
-                  <a:bodyPr>
-                    <a:spAutoFit/>
-                  </a:bodyPr>
-                  <a:lstStyle/>
-                  <a:p>
-                    <a:pPr>
-                      <a:defRPr/>
-                    </a:pPr>
-                    <a:r>
-                      <a:rPr lang="en-US" dirty="0"/>
-                      <a:t>东区重症医学科</a:t>
-                    </a:r>
-                  </a:p>
-                </c:rich>
-              </c:tx>
-              <c:spPr>
-                <a:noFill/>
-                <a:ln>
-                  <a:noFill/>
-                </a:ln>
-                <a:effectLst/>
-              </c:spPr>
-              <c:dLblPos val="t"/>
-              <c:showLegendKey val="0"/>
-              <c:showVal val="0"/>
-              <c:showCatName val="0"/>
-              <c:showSerName val="0"/>
-              <c:showPercent val="0"/>
-              <c:showBubbleSize val="0"/>
-              <c:showLeaderLines val="1"/>
-              <c:extLst>
-                <c:ext xmlns:c15="http://schemas.microsoft.com/office/drawing/2012/chart" uri="{CE6537A1-D6FC-4f65-9D91-7224C49458BB}"/>
-                <c:ext xmlns:c16="http://schemas.microsoft.com/office/drawing/2014/chart" uri="{C3380CC4-5D6E-409C-BE32-E72D297353CC}">
-                  <c16:uniqueId val="{00000016-ef6d-f94e-fd2a-a0b0c1894fec}"/>
-                </c:ext>
-              </c:extLst>
-            </c:dLbl>
-            <c:dLbl>
-              <c:idx val="16"/>
-              <c:tx>
-                <c:rich>
-                  <a:bodyPr>
-                    <a:spAutoFit/>
-                  </a:bodyPr>
-                  <a:lstStyle/>
-                  <a:p>
-                    <a:pPr>
-                      <a:defRPr/>
-                    </a:pPr>
-                    <a:r>
-                      <a:rPr lang="en-US" dirty="0"/>
-                      <a:t>针灸科</a:t>
-                    </a:r>
-                  </a:p>
-                </c:rich>
-              </c:tx>
-              <c:spPr>
-                <a:noFill/>
-                <a:ln>
-                  <a:noFill/>
-                </a:ln>
-                <a:effectLst/>
-              </c:spPr>
-              <c:dLblPos val="t"/>
-              <c:showLegendKey val="0"/>
-              <c:showVal val="0"/>
-              <c:showCatName val="0"/>
-              <c:showSerName val="0"/>
-              <c:showPercent val="0"/>
-              <c:showBubbleSize val="0"/>
-              <c:showLeaderLines val="1"/>
-              <c:extLst>
-                <c:ext xmlns:c15="http://schemas.microsoft.com/office/drawing/2012/chart" uri="{CE6537A1-D6FC-4f65-9D91-7224C49458BB}"/>
-                <c:ext xmlns:c16="http://schemas.microsoft.com/office/drawing/2014/chart" uri="{C3380CC4-5D6E-409C-BE32-E72D297353CC}">
-                  <c16:uniqueId val="{00000017-ef6d-f94e-fd2a-a0b0c1894fec}"/>
-                </c:ext>
-              </c:extLst>
-            </c:dLbl>
-            <c:dLbl>
-              <c:idx val="17"/>
-              <c:tx>
-                <c:rich>
-                  <a:bodyPr>
-                    <a:spAutoFit/>
-                  </a:bodyPr>
-                  <a:lstStyle/>
-                  <a:p>
-                    <a:pPr>
-                      <a:defRPr/>
-                    </a:pPr>
-                    <a:r>
-                      <a:rPr lang="en-US" dirty="0"/>
-                      <a:t>脑病一科</a:t>
-                    </a:r>
-                  </a:p>
-                </c:rich>
-              </c:tx>
-              <c:spPr>
-                <a:noFill/>
-                <a:ln>
-                  <a:noFill/>
-                </a:ln>
-                <a:effectLst/>
-              </c:spPr>
-              <c:dLblPos val="t"/>
-              <c:showLegendKey val="0"/>
-              <c:showVal val="0"/>
-              <c:showCatName val="0"/>
-              <c:showSerName val="0"/>
-              <c:showPercent val="0"/>
-              <c:showBubbleSize val="0"/>
-              <c:showLeaderLines val="1"/>
-              <c:extLst>
-                <c:ext xmlns:c15="http://schemas.microsoft.com/office/drawing/2012/chart" uri="{CE6537A1-D6FC-4f65-9D91-7224C49458BB}"/>
-                <c:ext xmlns:c16="http://schemas.microsoft.com/office/drawing/2014/chart" uri="{C3380CC4-5D6E-409C-BE32-E72D297353CC}">
-                  <c16:uniqueId val="{00000018-ef6d-f94e-fd2a-a0b0c1894fec}"/>
-                </c:ext>
-              </c:extLst>
-            </c:dLbl>
-            <c:dLbl>
-              <c:idx val="18"/>
-              <c:tx>
-                <c:rich>
-                  <a:bodyPr>
-                    <a:spAutoFit/>
-                  </a:bodyPr>
-                  <a:lstStyle/>
-                  <a:p>
-                    <a:pPr>
-                      <a:defRPr/>
-                    </a:pPr>
-                    <a:r>
-                      <a:rPr lang="en-US" dirty="0"/>
-                      <a:t>风湿病科</a:t>
-                    </a:r>
-                  </a:p>
-                </c:rich>
-              </c:tx>
-              <c:spPr>
-                <a:noFill/>
-                <a:ln>
-                  <a:noFill/>
-                </a:ln>
-                <a:effectLst/>
-              </c:spPr>
-              <c:dLblPos val="t"/>
-              <c:showLegendKey val="0"/>
-              <c:showVal val="0"/>
-              <c:showCatName val="0"/>
-              <c:showSerName val="0"/>
-              <c:showPercent val="0"/>
-              <c:showBubbleSize val="0"/>
-              <c:showLeaderLines val="1"/>
-              <c:extLst>
-                <c:ext xmlns:c15="http://schemas.microsoft.com/office/drawing/2012/chart" uri="{CE6537A1-D6FC-4f65-9D91-7224C49458BB}"/>
-                <c:ext xmlns:c16="http://schemas.microsoft.com/office/drawing/2014/chart" uri="{C3380CC4-5D6E-409C-BE32-E72D297353CC}">
-                  <c16:uniqueId val="{00000019-ef6d-f94e-fd2a-a0b0c1894fec}"/>
-                </c:ext>
-              </c:extLst>
-            </c:dLbl>
-            <c:dLbl>
-              <c:idx val="19"/>
-              <c:tx>
-                <c:rich>
-                  <a:bodyPr>
-                    <a:spAutoFit/>
-                  </a:bodyPr>
-                  <a:lstStyle/>
-                  <a:p>
-                    <a:pPr>
-                      <a:defRPr/>
-                    </a:pPr>
-                    <a:r>
-                      <a:rPr lang="en-US" dirty="0"/>
-                      <a:t>治未病中心</a:t>
-                    </a:r>
-                  </a:p>
-                </c:rich>
-              </c:tx>
-              <c:spPr>
-                <a:noFill/>
-                <a:ln>
-                  <a:noFill/>
-                </a:ln>
-                <a:effectLst/>
-              </c:spPr>
-              <c:dLblPos val="t"/>
-              <c:showLegendKey val="0"/>
-              <c:showVal val="0"/>
-              <c:showCatName val="0"/>
-              <c:showSerName val="0"/>
-              <c:showPercent val="0"/>
-              <c:showBubbleSize val="0"/>
-              <c:showLeaderLines val="1"/>
-              <c:extLst>
-                <c:ext xmlns:c15="http://schemas.microsoft.com/office/drawing/2012/chart" uri="{CE6537A1-D6FC-4f65-9D91-7224C49458BB}"/>
-                <c:ext xmlns:c16="http://schemas.microsoft.com/office/drawing/2014/chart" uri="{C3380CC4-5D6E-409C-BE32-E72D297353CC}">
-                  <c16:uniqueId val="{00000020-ef6d-f94e-fd2a-a0b0c1894fec}"/>
+                  <c16:uniqueId val="{00000020-617c-3270-917d-7531e0daa4e9}"/>
                 </c:ext>
               </c:extLst>
             </c:dLbl>
@@ -1035,64 +1035,64 @@
                 <c:formatCode>General</c:formatCode>
                 <c:ptCount val="20"/>
                 <c:pt idx="0">
-                  <c:v>0.00025967960235816624</c:v>
+                  <c:v>0.0010106853846657013</c:v>
                 </c:pt>
                 <c:pt idx="1">
-                  <c:v>0.0008822285492874507</c:v>
+                  <c:v>0.001921063033015507</c:v>
                 </c:pt>
                 <c:pt idx="2">
-                  <c:v>0.001704331157684899</c:v>
+                  <c:v>0.0011493943735914791</c:v>
                 </c:pt>
                 <c:pt idx="3">
-                  <c:v>0.0006523939992746578</c:v>
+                  <c:v>0.0005257826596956163</c:v>
                 </c:pt>
                 <c:pt idx="4">
-                  <c:v>0.0023000905018497066</c:v>
+                  <c:v>0.0021294271528884815</c:v>
                 </c:pt>
                 <c:pt idx="5">
-                  <c:v>0.0011107909246161516</c:v>
+                  <c:v>0.0012742175230067772</c:v>
                 </c:pt>
                 <c:pt idx="6">
-                  <c:v>0.0015478883411164158</c:v>
+                  <c:v>0.001881125732725694</c:v>
                 </c:pt>
                 <c:pt idx="7">
-                  <c:v>0.0008493060757892039</c:v>
+                  <c:v>0.0019745845601156706</c:v>
                 </c:pt>
                 <c:pt idx="8">
-                  <c:v>0.0006649624783339473</c:v>
+                  <c:v>0.000008510853558182293</c:v>
                 </c:pt>
                 <c:pt idx="9">
-                  <c:v>0.0010626484822487713</c:v>
+                  <c:v>0.0007643083606265909</c:v>
                 </c:pt>
                 <c:pt idx="10">
-                  <c:v>0.0009862579814613381</c:v>
+                  <c:v>0.00042476101144102755</c:v>
                 </c:pt>
                 <c:pt idx="11">
-                  <c:v>0.0009033570814283349</c:v>
+                  <c:v>0.0007756621690395976</c:v>
                 </c:pt>
                 <c:pt idx="12">
-                  <c:v>0.0001834254767728678</c:v>
+                  <c:v>0.0005816913042077951</c:v>
                 </c:pt>
                 <c:pt idx="13">
-                  <c:v>0.0016271032275555007</c:v>
+                  <c:v>0.0018729648806606887</c:v>
                 </c:pt>
                 <c:pt idx="14">
-                  <c:v>0.00010401992636837821</c:v>
+                  <c:v>0.00006163754793421321</c:v>
                 </c:pt>
                 <c:pt idx="15">
-                  <c:v>0.0005884708825648709</c:v>
+                  <c:v>0.0019968422100606273</c:v>
                 </c:pt>
                 <c:pt idx="16">
-                  <c:v>0.0001141917692049698</c:v>
+                  <c:v>0.001330562797115068</c:v>
                 </c:pt>
                 <c:pt idx="17">
-                  <c:v>0.001563849478799978</c:v>
+                  <c:v>0.0005533566306936816</c:v>
                 </c:pt>
                 <c:pt idx="18">
-                  <c:v>0.001433293160363134</c:v>
+                  <c:v>0.00025918907871974774</c:v>
                 </c:pt>
                 <c:pt idx="19">
-                  <c:v>0.0023013442669816827</c:v>
+                  <c:v>100</c:v>
                 </c:pt>
               </c:numCache>
             </c:numRef>
@@ -1107,61 +1107,61 @@
                   <c:v>100</c:v>
                 </c:pt>
                 <c:pt idx="1">
-                  <c:v>63.35351186119778</c:v>
+                  <c:v>83.28082549899588</c:v>
                 </c:pt>
                 <c:pt idx="2">
-                  <c:v>52.4538311247186</c:v>
+                  <c:v>69.6695896669692</c:v>
                 </c:pt>
                 <c:pt idx="3">
-                  <c:v>51.634833007386675</c:v>
+                  <c:v>56.11550211940079</c:v>
                 </c:pt>
                 <c:pt idx="4">
-                  <c:v>48.88066083035801</c:v>
+                  <c:v>54.945554542192184</c:v>
                 </c:pt>
                 <c:pt idx="5">
-                  <c:v>30.135767396007036</c:v>
+                  <c:v>52.77180076878067</c:v>
                 </c:pt>
                 <c:pt idx="6">
-                  <c:v>30.125671042915204</c:v>
+                  <c:v>46.720230864859246</c:v>
                 </c:pt>
                 <c:pt idx="7">
-                  <c:v>28.566416752336842</c:v>
+                  <c:v>46.284957839002715</c:v>
                 </c:pt>
                 <c:pt idx="8">
-                  <c:v>27.458009170267395</c:v>
+                  <c:v>45.3775753763303</c:v>
                 </c:pt>
                 <c:pt idx="9">
-                  <c:v>27.43830302547705</c:v>
+                  <c:v>44.81707688436891</c:v>
                 </c:pt>
                 <c:pt idx="10">
-                  <c:v>26.38111589987639</c:v>
+                  <c:v>44.13977243056985</c:v>
                 </c:pt>
                 <c:pt idx="11">
-                  <c:v>25.89861687004217</c:v>
+                  <c:v>38.07895431616272</c:v>
                 </c:pt>
                 <c:pt idx="12">
-                  <c:v>24.171186657320003</c:v>
+                  <c:v>36.82530472586633</c:v>
                 </c:pt>
                 <c:pt idx="13">
-                  <c:v>24.0678314275235</c:v>
+                  <c:v>36.022027805120594</c:v>
                 </c:pt>
                 <c:pt idx="14">
-                  <c:v>22.82986706295431</c:v>
+                  <c:v>34.4403438390769</c:v>
                 </c:pt>
                 <c:pt idx="15">
-                  <c:v>22.11714609558012</c:v>
+                  <c:v>34.320380908145765</c:v>
                 </c:pt>
                 <c:pt idx="16">
-                  <c:v>22.099252195507674</c:v>
+                  <c:v>33.32976304812847</c:v>
                 </c:pt>
                 <c:pt idx="17">
-                  <c:v>21.7201260732694</c:v>
+                  <c:v>33.05949069944076</c:v>
                 </c:pt>
                 <c:pt idx="18">
-                  <c:v>21.113719138387594</c:v>
+                  <c:v>32.850050190165</c:v>
                 </c:pt>
                 <c:pt idx="19">
-                  <c:v>20.97795257128492</c:v>
+                  <c:v>31.705954336632214</c:v>
                 </c:pt>
               </c:numCache>
             </c:numRef>
@@ -1381,7 +1381,7 @@
 </c:chartSpace>
 </file>
 
-<file path=ppt/charts/chart4984.xml><?xml version="1.0" encoding="utf-8"?>
+<file path=ppt/charts/chart984.xml><?xml version="1.0" encoding="utf-8"?>
 <c:chartSpace xmlns:c="http://schemas.openxmlformats.org/drawingml/2006/chart" xmlns:a="http://schemas.openxmlformats.org/drawingml/2006/main" xmlns:r="http://schemas.openxmlformats.org/officeDocument/2006/relationships">
   <c:date1904 val="0"/>
   <c:chart>
@@ -1498,7 +1498,7 @@
               <c:extLst>
                 <c:ext xmlns:c15="http://schemas.microsoft.com/office/drawing/2012/chart" uri="{CE6537A1-D6FC-4f65-9D91-7224C49458BB}"/>
                 <c:ext xmlns:c16="http://schemas.microsoft.com/office/drawing/2014/chart" uri="{C3380CC4-5D6E-409C-BE32-E72D297353CC}">
-                  <c16:uniqueId val="{00000001-6d3b-810b-b322-a2e9752a31d3}"/>
+                  <c16:uniqueId val="{00000001-2016-6be2-f00c-07e9b0612665}"/>
                 </c:ext>
               </c:extLst>
             </c:dLbl>
@@ -1516,7 +1516,7 @@
                     </a:pPr>
                     <a:r>
                       <a:rPr lang="en-US" dirty="0"/>
-                      <a:t>治未病中心</a:t>
+                      <a:t>神经内科</a:t>
                     </a:r>
                   </a:p>
                 </c:rich>
@@ -1539,7 +1539,7 @@
               <c:extLst>
                 <c:ext xmlns:c15="http://schemas.microsoft.com/office/drawing/2012/chart" uri="{CE6537A1-D6FC-4f65-9D91-7224C49458BB}"/>
                 <c:ext xmlns:c16="http://schemas.microsoft.com/office/drawing/2014/chart" uri="{C3380CC4-5D6E-409C-BE32-E72D297353CC}">
-                  <c16:uniqueId val="{00000002-6d3b-810b-b322-a2e9752a31d3}"/>
+                  <c16:uniqueId val="{00000002-2016-6be2-f00c-07e9b0612665}"/>
                 </c:ext>
               </c:extLst>
             </c:dLbl>
@@ -1557,7 +1557,7 @@
                     </a:pPr>
                     <a:r>
                       <a:rPr lang="en-US" dirty="0"/>
-                      <a:t>脑病三科</a:t>
+                      <a:t>肝胆外科</a:t>
                     </a:r>
                   </a:p>
                 </c:rich>
@@ -1580,7 +1580,7 @@
               <c:extLst>
                 <c:ext xmlns:c15="http://schemas.microsoft.com/office/drawing/2012/chart" uri="{CE6537A1-D6FC-4f65-9D91-7224C49458BB}"/>
                 <c:ext xmlns:c16="http://schemas.microsoft.com/office/drawing/2014/chart" uri="{C3380CC4-5D6E-409C-BE32-E72D297353CC}">
-                  <c16:uniqueId val="{00000003-6d3b-810b-b322-a2e9752a31d3}"/>
+                  <c16:uniqueId val="{00000003-2016-6be2-f00c-07e9b0612665}"/>
                 </c:ext>
               </c:extLst>
             </c:dLbl>
@@ -1598,7 +1598,7 @@
                     </a:pPr>
                     <a:r>
                       <a:rPr lang="en-US" dirty="0"/>
-                      <a:t>显微骨科</a:t>
+                      <a:t>肾脏内科</a:t>
                     </a:r>
                   </a:p>
                 </c:rich>
@@ -1621,7 +1621,7 @@
               <c:extLst>
                 <c:ext xmlns:c15="http://schemas.microsoft.com/office/drawing/2012/chart" uri="{CE6537A1-D6FC-4f65-9D91-7224C49458BB}"/>
                 <c:ext xmlns:c16="http://schemas.microsoft.com/office/drawing/2014/chart" uri="{C3380CC4-5D6E-409C-BE32-E72D297353CC}">
-                  <c16:uniqueId val="{00000004-6d3b-810b-b322-a2e9752a31d3}"/>
+                  <c16:uniqueId val="{00000004-2016-6be2-f00c-07e9b0612665}"/>
                 </c:ext>
               </c:extLst>
             </c:dLbl>
@@ -1639,7 +1639,7 @@
                     </a:pPr>
                     <a:r>
                       <a:rPr lang="en-US" dirty="0"/>
-                      <a:t>妇二科</a:t>
+                      <a:t>重症医学科</a:t>
                     </a:r>
                   </a:p>
                 </c:rich>
@@ -1662,7 +1662,7 @@
               <c:extLst>
                 <c:ext xmlns:c15="http://schemas.microsoft.com/office/drawing/2012/chart" uri="{CE6537A1-D6FC-4f65-9D91-7224C49458BB}"/>
                 <c:ext xmlns:c16="http://schemas.microsoft.com/office/drawing/2014/chart" uri="{C3380CC4-5D6E-409C-BE32-E72D297353CC}">
-                  <c16:uniqueId val="{00000005-6d3b-810b-b322-a2e9752a31d3}"/>
+                  <c16:uniqueId val="{00000005-2016-6be2-f00c-07e9b0612665}"/>
                 </c:ext>
               </c:extLst>
             </c:dLbl>
@@ -1680,7 +1680,7 @@
                     </a:pPr>
                     <a:r>
                       <a:rPr lang="en-US" dirty="0"/>
-                      <a:t>脾胃科消化科合并</a:t>
+                      <a:t>美容皮肤科</a:t>
                     </a:r>
                   </a:p>
                 </c:rich>
@@ -1703,7 +1703,7 @@
               <c:extLst>
                 <c:ext xmlns:c15="http://schemas.microsoft.com/office/drawing/2012/chart" uri="{CE6537A1-D6FC-4f65-9D91-7224C49458BB}"/>
                 <c:ext xmlns:c16="http://schemas.microsoft.com/office/drawing/2014/chart" uri="{C3380CC4-5D6E-409C-BE32-E72D297353CC}">
-                  <c16:uniqueId val="{00000006-6d3b-810b-b322-a2e9752a31d3}"/>
+                  <c16:uniqueId val="{00000006-2016-6be2-f00c-07e9b0612665}"/>
                 </c:ext>
               </c:extLst>
             </c:dLbl>
@@ -1721,7 +1721,7 @@
                     </a:pPr>
                     <a:r>
                       <a:rPr lang="en-US" dirty="0"/>
-                      <a:t>骨科</a:t>
+                      <a:t>小儿推拿科</a:t>
                     </a:r>
                   </a:p>
                 </c:rich>
@@ -1744,7 +1744,7 @@
               <c:extLst>
                 <c:ext xmlns:c15="http://schemas.microsoft.com/office/drawing/2012/chart" uri="{CE6537A1-D6FC-4f65-9D91-7224C49458BB}"/>
                 <c:ext xmlns:c16="http://schemas.microsoft.com/office/drawing/2014/chart" uri="{C3380CC4-5D6E-409C-BE32-E72D297353CC}">
-                  <c16:uniqueId val="{00000007-6d3b-810b-b322-a2e9752a31d3}"/>
+                  <c16:uniqueId val="{00000007-2016-6be2-f00c-07e9b0612665}"/>
                 </c:ext>
               </c:extLst>
             </c:dLbl>
@@ -1762,7 +1762,7 @@
                     </a:pPr>
                     <a:r>
                       <a:rPr lang="en-US" dirty="0"/>
-                      <a:t>产科</a:t>
+                      <a:t>老年医学科</a:t>
                     </a:r>
                   </a:p>
                 </c:rich>
@@ -1785,7 +1785,7 @@
               <c:extLst>
                 <c:ext xmlns:c15="http://schemas.microsoft.com/office/drawing/2012/chart" uri="{CE6537A1-D6FC-4f65-9D91-7224C49458BB}"/>
                 <c:ext xmlns:c16="http://schemas.microsoft.com/office/drawing/2014/chart" uri="{C3380CC4-5D6E-409C-BE32-E72D297353CC}">
-                  <c16:uniqueId val="{00000008-6d3b-810b-b322-a2e9752a31d3}"/>
+                  <c16:uniqueId val="{00000008-2016-6be2-f00c-07e9b0612665}"/>
                 </c:ext>
               </c:extLst>
             </c:dLbl>
@@ -1803,7 +1803,7 @@
                     </a:pPr>
                     <a:r>
                       <a:rPr lang="en-US" dirty="0"/>
-                      <a:t>胸外科</a:t>
+                      <a:t>肝病科</a:t>
                     </a:r>
                   </a:p>
                 </c:rich>
@@ -1826,7 +1826,7 @@
               <c:extLst>
                 <c:ext xmlns:c15="http://schemas.microsoft.com/office/drawing/2012/chart" uri="{CE6537A1-D6FC-4f65-9D91-7224C49458BB}"/>
                 <c:ext xmlns:c16="http://schemas.microsoft.com/office/drawing/2014/chart" uri="{C3380CC4-5D6E-409C-BE32-E72D297353CC}">
-                  <c16:uniqueId val="{00000009-6d3b-810b-b322-a2e9752a31d3}"/>
+                  <c16:uniqueId val="{00000009-2016-6be2-f00c-07e9b0612665}"/>
                 </c:ext>
               </c:extLst>
             </c:dLbl>
@@ -1844,7 +1844,7 @@
                     </a:pPr>
                     <a:r>
                       <a:rPr lang="en-US" dirty="0"/>
-                      <a:t>脾胃病科</a:t>
+                      <a:t>普通外科</a:t>
                     </a:r>
                   </a:p>
                 </c:rich>
@@ -1867,7 +1867,7 @@
               <c:extLst>
                 <c:ext xmlns:c15="http://schemas.microsoft.com/office/drawing/2012/chart" uri="{CE6537A1-D6FC-4f65-9D91-7224C49458BB}"/>
                 <c:ext xmlns:c16="http://schemas.microsoft.com/office/drawing/2014/chart" uri="{C3380CC4-5D6E-409C-BE32-E72D297353CC}">
-                  <c16:uniqueId val="{00000010-6d3b-810b-b322-a2e9752a31d3}"/>
+                  <c16:uniqueId val="{00000010-2016-6be2-f00c-07e9b0612665}"/>
                 </c:ext>
               </c:extLst>
             </c:dLbl>
@@ -1908,7 +1908,7 @@
               <c:extLst>
                 <c:ext xmlns:c15="http://schemas.microsoft.com/office/drawing/2012/chart" uri="{CE6537A1-D6FC-4f65-9D91-7224C49458BB}"/>
                 <c:ext xmlns:c16="http://schemas.microsoft.com/office/drawing/2014/chart" uri="{C3380CC4-5D6E-409C-BE32-E72D297353CC}">
-                  <c16:uniqueId val="{00000011-6d3b-810b-b322-a2e9752a31d3}"/>
+                  <c16:uniqueId val="{00000011-2016-6be2-f00c-07e9b0612665}"/>
                 </c:ext>
               </c:extLst>
             </c:dLbl>
@@ -1926,7 +1926,7 @@
                     </a:pPr>
                     <a:r>
                       <a:rPr lang="en-US" dirty="0"/>
-                      <a:t>血液科</a:t>
+                      <a:t>妇二科</a:t>
                     </a:r>
                   </a:p>
                 </c:rich>
@@ -1949,7 +1949,7 @@
               <c:extLst>
                 <c:ext xmlns:c15="http://schemas.microsoft.com/office/drawing/2012/chart" uri="{CE6537A1-D6FC-4f65-9D91-7224C49458BB}"/>
                 <c:ext xmlns:c16="http://schemas.microsoft.com/office/drawing/2014/chart" uri="{C3380CC4-5D6E-409C-BE32-E72D297353CC}">
-                  <c16:uniqueId val="{00000012-6d3b-810b-b322-a2e9752a31d3}"/>
+                  <c16:uniqueId val="{00000012-2016-6be2-f00c-07e9b0612665}"/>
                 </c:ext>
               </c:extLst>
             </c:dLbl>
@@ -1967,7 +1967,7 @@
                     </a:pPr>
                     <a:r>
                       <a:rPr lang="en-US" dirty="0"/>
-                      <a:t>心病一科</a:t>
+                      <a:t>脊柱骨科</a:t>
                     </a:r>
                   </a:p>
                 </c:rich>
@@ -1990,12 +1990,217 @@
               <c:extLst>
                 <c:ext xmlns:c15="http://schemas.microsoft.com/office/drawing/2012/chart" uri="{CE6537A1-D6FC-4f65-9D91-7224C49458BB}"/>
                 <c:ext xmlns:c16="http://schemas.microsoft.com/office/drawing/2014/chart" uri="{C3380CC4-5D6E-409C-BE32-E72D297353CC}">
-                  <c16:uniqueId val="{00000013-6d3b-810b-b322-a2e9752a31d3}"/>
+                  <c16:uniqueId val="{00000013-2016-6be2-f00c-07e9b0612665}"/>
                 </c:ext>
               </c:extLst>
             </c:dLbl>
             <c:dLbl>
               <c:idx val="13"/>
+              <c:tx>
+                <c:rich>
+                  <a:bodyPr>
+                    <a:spAutoFit/>
+                  </a:bodyPr>
+                  <a:lstStyle/>
+                  <a:p>
+                    <a:pPr>
+                      <a:defRPr/>
+                    </a:pPr>
+                    <a:r>
+                      <a:rPr lang="en-US" dirty="0"/>
+                      <a:t>呼吸内科</a:t>
+                    </a:r>
+                  </a:p>
+                </c:rich>
+              </c:tx>
+              <c:spPr>
+                <a:noFill/>
+                <a:ln>
+                  <a:noFill/>
+                </a:ln>
+                <a:effectLst/>
+              </c:spPr>
+              <c:dLblPos val="t"/>
+              <c:showLegendKey val="0"/>
+              <c:showVal val="0"/>
+              <c:showCatName val="0"/>
+              <c:showSerName val="0"/>
+              <c:showPercent val="0"/>
+              <c:showBubbleSize val="0"/>
+              <c:showLeaderLines val="1"/>
+              <c:extLst>
+                <c:ext xmlns:c15="http://schemas.microsoft.com/office/drawing/2012/chart" uri="{CE6537A1-D6FC-4f65-9D91-7224C49458BB}"/>
+                <c:ext xmlns:c16="http://schemas.microsoft.com/office/drawing/2014/chart" uri="{C3380CC4-5D6E-409C-BE32-E72D297353CC}">
+                  <c16:uniqueId val="{00000014-2016-6be2-f00c-07e9b0612665}"/>
+                </c:ext>
+              </c:extLst>
+            </c:dLbl>
+            <c:dLbl>
+              <c:idx val="14"/>
+              <c:tx>
+                <c:rich>
+                  <a:bodyPr>
+                    <a:spAutoFit/>
+                  </a:bodyPr>
+                  <a:lstStyle/>
+                  <a:p>
+                    <a:pPr>
+                      <a:defRPr/>
+                    </a:pPr>
+                    <a:r>
+                      <a:rPr lang="en-US" dirty="0"/>
+                      <a:t>儿科</a:t>
+                    </a:r>
+                  </a:p>
+                </c:rich>
+              </c:tx>
+              <c:spPr>
+                <a:noFill/>
+                <a:ln>
+                  <a:noFill/>
+                </a:ln>
+                <a:effectLst/>
+              </c:spPr>
+              <c:dLblPos val="t"/>
+              <c:showLegendKey val="0"/>
+              <c:showVal val="0"/>
+              <c:showCatName val="0"/>
+              <c:showSerName val="0"/>
+              <c:showPercent val="0"/>
+              <c:showBubbleSize val="0"/>
+              <c:showLeaderLines val="1"/>
+              <c:extLst>
+                <c:ext xmlns:c15="http://schemas.microsoft.com/office/drawing/2012/chart" uri="{CE6537A1-D6FC-4f65-9D91-7224C49458BB}"/>
+                <c:ext xmlns:c16="http://schemas.microsoft.com/office/drawing/2014/chart" uri="{C3380CC4-5D6E-409C-BE32-E72D297353CC}">
+                  <c16:uniqueId val="{00000015-2016-6be2-f00c-07e9b0612665}"/>
+                </c:ext>
+              </c:extLst>
+            </c:dLbl>
+            <c:dLbl>
+              <c:idx val="15"/>
+              <c:tx>
+                <c:rich>
+                  <a:bodyPr>
+                    <a:spAutoFit/>
+                  </a:bodyPr>
+                  <a:lstStyle/>
+                  <a:p>
+                    <a:pPr>
+                      <a:defRPr/>
+                    </a:pPr>
+                    <a:r>
+                      <a:rPr lang="en-US" dirty="0"/>
+                      <a:t>眼科</a:t>
+                    </a:r>
+                  </a:p>
+                </c:rich>
+              </c:tx>
+              <c:spPr>
+                <a:noFill/>
+                <a:ln>
+                  <a:noFill/>
+                </a:ln>
+                <a:effectLst/>
+              </c:spPr>
+              <c:dLblPos val="t"/>
+              <c:showLegendKey val="0"/>
+              <c:showVal val="0"/>
+              <c:showCatName val="0"/>
+              <c:showSerName val="0"/>
+              <c:showPercent val="0"/>
+              <c:showBubbleSize val="0"/>
+              <c:showLeaderLines val="1"/>
+              <c:extLst>
+                <c:ext xmlns:c15="http://schemas.microsoft.com/office/drawing/2012/chart" uri="{CE6537A1-D6FC-4f65-9D91-7224C49458BB}"/>
+                <c:ext xmlns:c16="http://schemas.microsoft.com/office/drawing/2014/chart" uri="{C3380CC4-5D6E-409C-BE32-E72D297353CC}">
+                  <c16:uniqueId val="{00000016-2016-6be2-f00c-07e9b0612665}"/>
+                </c:ext>
+              </c:extLst>
+            </c:dLbl>
+            <c:dLbl>
+              <c:idx val="16"/>
+              <c:tx>
+                <c:rich>
+                  <a:bodyPr>
+                    <a:spAutoFit/>
+                  </a:bodyPr>
+                  <a:lstStyle/>
+                  <a:p>
+                    <a:pPr>
+                      <a:defRPr/>
+                    </a:pPr>
+                    <a:r>
+                      <a:rPr lang="en-US" dirty="0"/>
+                      <a:t>脑病一科</a:t>
+                    </a:r>
+                  </a:p>
+                </c:rich>
+              </c:tx>
+              <c:spPr>
+                <a:noFill/>
+                <a:ln>
+                  <a:noFill/>
+                </a:ln>
+                <a:effectLst/>
+              </c:spPr>
+              <c:dLblPos val="t"/>
+              <c:showLegendKey val="0"/>
+              <c:showVal val="0"/>
+              <c:showCatName val="0"/>
+              <c:showSerName val="0"/>
+              <c:showPercent val="0"/>
+              <c:showBubbleSize val="0"/>
+              <c:showLeaderLines val="1"/>
+              <c:extLst>
+                <c:ext xmlns:c15="http://schemas.microsoft.com/office/drawing/2012/chart" uri="{CE6537A1-D6FC-4f65-9D91-7224C49458BB}"/>
+                <c:ext xmlns:c16="http://schemas.microsoft.com/office/drawing/2014/chart" uri="{C3380CC4-5D6E-409C-BE32-E72D297353CC}">
+                  <c16:uniqueId val="{00000017-2016-6be2-f00c-07e9b0612665}"/>
+                </c:ext>
+              </c:extLst>
+            </c:dLbl>
+            <c:dLbl>
+              <c:idx val="17"/>
+              <c:tx>
+                <c:rich>
+                  <a:bodyPr>
+                    <a:spAutoFit/>
+                  </a:bodyPr>
+                  <a:lstStyle/>
+                  <a:p>
+                    <a:pPr>
+                      <a:defRPr/>
+                    </a:pPr>
+                    <a:r>
+                      <a:rPr lang="en-US" dirty="0"/>
+                      <a:t>身心医学科</a:t>
+                    </a:r>
+                  </a:p>
+                </c:rich>
+              </c:tx>
+              <c:spPr>
+                <a:noFill/>
+                <a:ln>
+                  <a:noFill/>
+                </a:ln>
+                <a:effectLst/>
+              </c:spPr>
+              <c:dLblPos val="t"/>
+              <c:showLegendKey val="0"/>
+              <c:showVal val="0"/>
+              <c:showCatName val="0"/>
+              <c:showSerName val="0"/>
+              <c:showPercent val="0"/>
+              <c:showBubbleSize val="0"/>
+              <c:showLeaderLines val="1"/>
+              <c:extLst>
+                <c:ext xmlns:c15="http://schemas.microsoft.com/office/drawing/2012/chart" uri="{CE6537A1-D6FC-4f65-9D91-7224C49458BB}"/>
+                <c:ext xmlns:c16="http://schemas.microsoft.com/office/drawing/2014/chart" uri="{C3380CC4-5D6E-409C-BE32-E72D297353CC}">
+                  <c16:uniqueId val="{00000018-2016-6be2-f00c-07e9b0612665}"/>
+                </c:ext>
+              </c:extLst>
+            </c:dLbl>
+            <c:dLbl>
+              <c:idx val="18"/>
               <c:tx>
                 <c:rich>
                   <a:bodyPr>
@@ -2031,12 +2236,12 @@
               <c:extLst>
                 <c:ext xmlns:c15="http://schemas.microsoft.com/office/drawing/2012/chart" uri="{CE6537A1-D6FC-4f65-9D91-7224C49458BB}"/>
                 <c:ext xmlns:c16="http://schemas.microsoft.com/office/drawing/2014/chart" uri="{C3380CC4-5D6E-409C-BE32-E72D297353CC}">
-                  <c16:uniqueId val="{00000014-6d3b-810b-b322-a2e9752a31d3}"/>
+                  <c16:uniqueId val="{00000019-2016-6be2-f00c-07e9b0612665}"/>
                 </c:ext>
               </c:extLst>
             </c:dLbl>
             <c:dLbl>
-              <c:idx val="14"/>
+              <c:idx val="19"/>
               <c:tx>
                 <c:rich>
                   <a:bodyPr>
@@ -2049,7 +2254,7 @@
                     </a:pPr>
                     <a:r>
                       <a:rPr lang="en-US" dirty="0"/>
-                      <a:t>创伤骨科</a:t>
+                      <a:t>骨科</a:t>
                     </a:r>
                   </a:p>
                 </c:rich>
@@ -2072,212 +2277,7 @@
               <c:extLst>
                 <c:ext xmlns:c15="http://schemas.microsoft.com/office/drawing/2012/chart" uri="{CE6537A1-D6FC-4f65-9D91-7224C49458BB}"/>
                 <c:ext xmlns:c16="http://schemas.microsoft.com/office/drawing/2014/chart" uri="{C3380CC4-5D6E-409C-BE32-E72D297353CC}">
-                  <c16:uniqueId val="{00000015-6d3b-810b-b322-a2e9752a31d3}"/>
-                </c:ext>
-              </c:extLst>
-            </c:dLbl>
-            <c:dLbl>
-              <c:idx val="15"/>
-              <c:tx>
-                <c:rich>
-                  <a:bodyPr>
-                    <a:spAutoFit/>
-                  </a:bodyPr>
-                  <a:lstStyle/>
-                  <a:p>
-                    <a:pPr>
-                      <a:defRPr/>
-                    </a:pPr>
-                    <a:r>
-                      <a:rPr lang="en-US" dirty="0"/>
-                      <a:t>小儿骨科</a:t>
-                    </a:r>
-                  </a:p>
-                </c:rich>
-              </c:tx>
-              <c:spPr>
-                <a:noFill/>
-                <a:ln>
-                  <a:noFill/>
-                </a:ln>
-                <a:effectLst/>
-              </c:spPr>
-              <c:dLblPos val="t"/>
-              <c:showLegendKey val="0"/>
-              <c:showVal val="0"/>
-              <c:showCatName val="0"/>
-              <c:showSerName val="0"/>
-              <c:showPercent val="0"/>
-              <c:showBubbleSize val="0"/>
-              <c:showLeaderLines val="1"/>
-              <c:extLst>
-                <c:ext xmlns:c15="http://schemas.microsoft.com/office/drawing/2012/chart" uri="{CE6537A1-D6FC-4f65-9D91-7224C49458BB}"/>
-                <c:ext xmlns:c16="http://schemas.microsoft.com/office/drawing/2014/chart" uri="{C3380CC4-5D6E-409C-BE32-E72D297353CC}">
-                  <c16:uniqueId val="{00000016-6d3b-810b-b322-a2e9752a31d3}"/>
-                </c:ext>
-              </c:extLst>
-            </c:dLbl>
-            <c:dLbl>
-              <c:idx val="16"/>
-              <c:tx>
-                <c:rich>
-                  <a:bodyPr>
-                    <a:spAutoFit/>
-                  </a:bodyPr>
-                  <a:lstStyle/>
-                  <a:p>
-                    <a:pPr>
-                      <a:defRPr/>
-                    </a:pPr>
-                    <a:r>
-                      <a:rPr lang="en-US" dirty="0"/>
-                      <a:t>肝胆外科</a:t>
-                    </a:r>
-                  </a:p>
-                </c:rich>
-              </c:tx>
-              <c:spPr>
-                <a:noFill/>
-                <a:ln>
-                  <a:noFill/>
-                </a:ln>
-                <a:effectLst/>
-              </c:spPr>
-              <c:dLblPos val="t"/>
-              <c:showLegendKey val="0"/>
-              <c:showVal val="0"/>
-              <c:showCatName val="0"/>
-              <c:showSerName val="0"/>
-              <c:showPercent val="0"/>
-              <c:showBubbleSize val="0"/>
-              <c:showLeaderLines val="1"/>
-              <c:extLst>
-                <c:ext xmlns:c15="http://schemas.microsoft.com/office/drawing/2012/chart" uri="{CE6537A1-D6FC-4f65-9D91-7224C49458BB}"/>
-                <c:ext xmlns:c16="http://schemas.microsoft.com/office/drawing/2014/chart" uri="{C3380CC4-5D6E-409C-BE32-E72D297353CC}">
-                  <c16:uniqueId val="{00000017-6d3b-810b-b322-a2e9752a31d3}"/>
-                </c:ext>
-              </c:extLst>
-            </c:dLbl>
-            <c:dLbl>
-              <c:idx val="17"/>
-              <c:tx>
-                <c:rich>
-                  <a:bodyPr>
-                    <a:spAutoFit/>
-                  </a:bodyPr>
-                  <a:lstStyle/>
-                  <a:p>
-                    <a:pPr>
-                      <a:defRPr/>
-                    </a:pPr>
-                    <a:r>
-                      <a:rPr lang="en-US" dirty="0"/>
-                      <a:t>心病四科</a:t>
-                    </a:r>
-                  </a:p>
-                </c:rich>
-              </c:tx>
-              <c:spPr>
-                <a:noFill/>
-                <a:ln>
-                  <a:noFill/>
-                </a:ln>
-                <a:effectLst/>
-              </c:spPr>
-              <c:dLblPos val="t"/>
-              <c:showLegendKey val="0"/>
-              <c:showVal val="0"/>
-              <c:showCatName val="0"/>
-              <c:showSerName val="0"/>
-              <c:showPercent val="0"/>
-              <c:showBubbleSize val="0"/>
-              <c:showLeaderLines val="1"/>
-              <c:extLst>
-                <c:ext xmlns:c15="http://schemas.microsoft.com/office/drawing/2012/chart" uri="{CE6537A1-D6FC-4f65-9D91-7224C49458BB}"/>
-                <c:ext xmlns:c16="http://schemas.microsoft.com/office/drawing/2014/chart" uri="{C3380CC4-5D6E-409C-BE32-E72D297353CC}">
-                  <c16:uniqueId val="{00000018-6d3b-810b-b322-a2e9752a31d3}"/>
-                </c:ext>
-              </c:extLst>
-            </c:dLbl>
-            <c:dLbl>
-              <c:idx val="18"/>
-              <c:tx>
-                <c:rich>
-                  <a:bodyPr>
-                    <a:spAutoFit/>
-                  </a:bodyPr>
-                  <a:lstStyle/>
-                  <a:p>
-                    <a:pPr>
-                      <a:defRPr/>
-                    </a:pPr>
-                    <a:r>
-                      <a:rPr lang="en-US" dirty="0"/>
-                      <a:t>微创骨科</a:t>
-                    </a:r>
-                  </a:p>
-                </c:rich>
-              </c:tx>
-              <c:spPr>
-                <a:noFill/>
-                <a:ln>
-                  <a:noFill/>
-                </a:ln>
-                <a:effectLst/>
-              </c:spPr>
-              <c:dLblPos val="t"/>
-              <c:showLegendKey val="0"/>
-              <c:showVal val="0"/>
-              <c:showCatName val="0"/>
-              <c:showSerName val="0"/>
-              <c:showPercent val="0"/>
-              <c:showBubbleSize val="0"/>
-              <c:showLeaderLines val="1"/>
-              <c:extLst>
-                <c:ext xmlns:c15="http://schemas.microsoft.com/office/drawing/2012/chart" uri="{CE6537A1-D6FC-4f65-9D91-7224C49458BB}"/>
-                <c:ext xmlns:c16="http://schemas.microsoft.com/office/drawing/2014/chart" uri="{C3380CC4-5D6E-409C-BE32-E72D297353CC}">
-                  <c16:uniqueId val="{00000019-6d3b-810b-b322-a2e9752a31d3}"/>
-                </c:ext>
-              </c:extLst>
-            </c:dLbl>
-            <c:dLbl>
-              <c:idx val="19"/>
-              <c:tx>
-                <c:rich>
-                  <a:bodyPr>
-                    <a:spAutoFit/>
-                  </a:bodyPr>
-                  <a:lstStyle/>
-                  <a:p>
-                    <a:pPr>
-                      <a:defRPr/>
-                    </a:pPr>
-                    <a:r>
-                      <a:rPr lang="en-US" dirty="0"/>
-                      <a:t>脑病一科</a:t>
-                    </a:r>
-                  </a:p>
-                </c:rich>
-              </c:tx>
-              <c:spPr>
-                <a:noFill/>
-                <a:ln>
-                  <a:noFill/>
-                </a:ln>
-                <a:effectLst/>
-              </c:spPr>
-              <c:dLblPos val="t"/>
-              <c:showLegendKey val="0"/>
-              <c:showVal val="0"/>
-              <c:showCatName val="0"/>
-              <c:showSerName val="0"/>
-              <c:showPercent val="0"/>
-              <c:showBubbleSize val="0"/>
-              <c:showLeaderLines val="1"/>
-              <c:extLst>
-                <c:ext xmlns:c15="http://schemas.microsoft.com/office/drawing/2012/chart" uri="{CE6537A1-D6FC-4f65-9D91-7224C49458BB}"/>
-                <c:ext xmlns:c16="http://schemas.microsoft.com/office/drawing/2014/chart" uri="{C3380CC4-5D6E-409C-BE32-E72D297353CC}">
-                  <c16:uniqueId val="{00000020-6d3b-810b-b322-a2e9752a31d3}"/>
+                  <c16:uniqueId val="{00000020-2016-6be2-f00c-07e9b0612665}"/>
                 </c:ext>
               </c:extLst>
             </c:dLbl>
@@ -2289,64 +2289,64 @@
                 <c:formatCode>General</c:formatCode>
                 <c:ptCount val="20"/>
                 <c:pt idx="0">
-                  <c:v>17.605945688331104</c:v>
+                  <c:v>31.705954336632214</c:v>
                 </c:pt>
                 <c:pt idx="1">
-                  <c:v>20.97795257128492</c:v>
+                  <c:v>29.269084998299437</c:v>
                 </c:pt>
                 <c:pt idx="2">
-                  <c:v>48.88066083035801</c:v>
+                  <c:v>29.579690533207604</c:v>
                 </c:pt>
                 <c:pt idx="3">
-                  <c:v>15.717076061004354</c:v>
+                  <c:v>22.190831001828432</c:v>
                 </c:pt>
                 <c:pt idx="4">
-                  <c:v>20.261583338418212</c:v>
+                  <c:v>29.038082822392884</c:v>
                 </c:pt>
                 <c:pt idx="5">
-                  <c:v>12.028516537039973</c:v>
+                  <c:v>25.884987434557534</c:v>
                 </c:pt>
                 <c:pt idx="6">
-                  <c:v>17.833080026402296</c:v>
+                  <c:v>54.945554542192184</c:v>
                 </c:pt>
                 <c:pt idx="7">
-                  <c:v>12.720397519385285</c:v>
+                  <c:v>31.60793916425658</c:v>
                 </c:pt>
                 <c:pt idx="8">
-                  <c:v>5.447329261887792</c:v>
+                  <c:v>18.85838031011795</c:v>
                 </c:pt>
                 <c:pt idx="9">
-                  <c:v>3.05744026262547</c:v>
+                  <c:v>34.320380908145765</c:v>
                 </c:pt>
                 <c:pt idx="10">
-                  <c:v>20.83003893198628</c:v>
+                  <c:v>46.284957839002715</c:v>
                 </c:pt>
                 <c:pt idx="11">
-                  <c:v>15.130058847340406</c:v>
+                  <c:v>10.770130631714826</c:v>
                 </c:pt>
                 <c:pt idx="12">
-                  <c:v>18.42459890126786</c:v>
+                  <c:v>83.28082549899588</c:v>
                 </c:pt>
                 <c:pt idx="13">
-                  <c:v>14.199093036735189</c:v>
+                  <c:v>26.736816613888944</c:v>
                 </c:pt>
                 <c:pt idx="14">
-                  <c:v>13.00234540478982</c:v>
+                  <c:v>46.720230864859246</c:v>
                 </c:pt>
                 <c:pt idx="15">
-                  <c:v>20.35175737317818</c:v>
+                  <c:v>36.022027805120594</c:v>
                 </c:pt>
                 <c:pt idx="16">
-                  <c:v>52.4538311247186</c:v>
+                  <c:v>20.130325455172866</c:v>
                 </c:pt>
                 <c:pt idx="17">
-                  <c:v>11.935362025876975</c:v>
+                  <c:v>25.0184809953552</c:v>
                 </c:pt>
                 <c:pt idx="18">
-                  <c:v>24.0678314275235</c:v>
+                  <c:v>29.6294861821261</c:v>
                 </c:pt>
                 <c:pt idx="19">
-                  <c:v>21.7201260732694</c:v>
+                  <c:v>23.973931014730212</c:v>
                 </c:pt>
               </c:numCache>
             </c:numRef>
@@ -2361,61 +2361,61 @@
                   <c:v>100</c:v>
                 </c:pt>
                 <c:pt idx="1">
-                  <c:v>0.0023013442669816827</c:v>
+                  <c:v>0.002363974110576946</c:v>
                 </c:pt>
                 <c:pt idx="2">
-                  <c:v>0.0023000905018497066</c:v>
+                  <c:v>0.002362432201278121</c:v>
                 </c:pt>
                 <c:pt idx="3">
-                  <c:v>0.0022908207922230275</c:v>
+                  <c:v>0.0022174531448005044</c:v>
                 </c:pt>
                 <c:pt idx="4">
-                  <c:v>0.002194594909282952</c:v>
+                  <c:v>0.0022086763311341</c:v>
                 </c:pt>
                 <c:pt idx="5">
-                  <c:v>0.00219025786289933</c:v>
+                  <c:v>0.002167288082642946</c:v>
                 </c:pt>
                 <c:pt idx="6">
-                  <c:v>0.002166690777446901</c:v>
+                  <c:v>0.0021294271528884815</c:v>
                 </c:pt>
                 <c:pt idx="7">
-                  <c:v>0.00208064065494953</c:v>
+                  <c:v>0.0020873300039956242</c:v>
                 </c:pt>
                 <c:pt idx="8">
-                  <c:v>0.002079380430250279</c:v>
+                  <c:v>0.0020494177294420467</c:v>
                 </c:pt>
                 <c:pt idx="9">
-                  <c:v>0.0019976258641028746</c:v>
+                  <c:v>0.0019968422100606273</c:v>
                 </c:pt>
                 <c:pt idx="10">
-                  <c:v>0.0019379730465750378</c:v>
+                  <c:v>0.0019745845601156706</c:v>
                 </c:pt>
                 <c:pt idx="11">
-                  <c:v>0.0019268556741630898</c:v>
+                  <c:v>0.0019740090382041296</c:v>
                 </c:pt>
                 <c:pt idx="12">
-                  <c:v>0.001906552668580663</c:v>
+                  <c:v>0.001921063033015507</c:v>
                 </c:pt>
                 <c:pt idx="13">
-                  <c:v>0.0019047541830289815</c:v>
+                  <c:v>0.0019029077661736377</c:v>
                 </c:pt>
                 <c:pt idx="14">
-                  <c:v>0.0018865129755399846</c:v>
+                  <c:v>0.001881125732725694</c:v>
                 </c:pt>
                 <c:pt idx="15">
-                  <c:v>0.0017363172395649534</c:v>
+                  <c:v>0.0018729648806606887</c:v>
                 </c:pt>
                 <c:pt idx="16">
-                  <c:v>0.001704331157684899</c:v>
+                  <c:v>0.0018285713396662899</c:v>
                 </c:pt>
                 <c:pt idx="17">
-                  <c:v>0.0016395464515506074</c:v>
+                  <c:v>0.001765204024908753</c:v>
                 </c:pt>
                 <c:pt idx="18">
-                  <c:v>0.0016271032275555007</c:v>
+                  <c:v>0.001744297311083872</c:v>
                 </c:pt>
                 <c:pt idx="19">
-                  <c:v>0.001563849478799978</c:v>
+                  <c:v>0.0017319676202556939</c:v>
                 </c:pt>
               </c:numCache>
             </c:numRef>

--- a/cases/goodhostpital2021/对标分析报告.pg.pptx
+++ b/cases/goodhostpital2021/对标分析报告.pg.pptx
@@ -109,13 +109,13 @@
   <p:extLst>
     <p:ext uri="{521415D9-36F7-43E2-AB2F-B90AF26B5E84}">
       <p14:sectionLst xmlns:p14="http://schemas.microsoft.com/office/powerpoint/2010/main">
-        <p14:section name="院内专科BCG散点图" id="{6425bb32-9b7e-5b0e-2196-579be348ec28}">
+        <p14:section name="院内专科BCG散点图" id="{eae45f9e-92c3-30d3-c226-b88e11833f65}">
           <p14:sldIdLst>
             <p14:sldId id="257"/>
             <p14:sldId id="258"/>
           </p14:sldIdLst>
         </p14:section>
-        <p14:section name="院内专科梯队表格" id="{5dc3b513-b5a8-f1b0-72fe-d0f3374386ac}">
+        <p14:section name="院内专科梯队表格" id="{572503de-b7f3-1f68-d9e4-9576b26c714a}">
           <p14:sldIdLst/>
         </p14:section>
       </p14:sectionLst>
@@ -127,7 +127,7 @@
 </p:presentation>
 </file>
 
-<file path=ppt/charts/chart983.xml><?xml version="1.0" encoding="utf-8"?>
+<file path=ppt/charts/chart1721.xml><?xml version="1.0" encoding="utf-8"?>
 <c:chartSpace xmlns:c="http://schemas.openxmlformats.org/drawingml/2006/chart" xmlns:a="http://schemas.openxmlformats.org/drawingml/2006/main" xmlns:r="http://schemas.openxmlformats.org/officeDocument/2006/relationships">
   <c:date1904 val="0"/>
   <c:chart>
@@ -221,7 +221,7 @@
                     </a:pPr>
                     <a:r>
                       <a:rPr lang="en-US" dirty="0"/>
-                      <a:t>脑病三科</a:t>
+                      <a:t>关节骨科</a:t>
                     </a:r>
                   </a:p>
                 </c:rich>
@@ -244,7 +244,7 @@
               <c:extLst>
                 <c:ext xmlns:c15="http://schemas.microsoft.com/office/drawing/2012/chart" uri="{CE6537A1-D6FC-4f65-9D91-7224C49458BB}"/>
                 <c:ext xmlns:c16="http://schemas.microsoft.com/office/drawing/2014/chart" uri="{C3380CC4-5D6E-409C-BE32-E72D297353CC}">
-                  <c16:uniqueId val="{00000001-617c-3270-917d-7531e0daa4e9}"/>
+                  <c16:uniqueId val="{00000001-0f98-beb6-d6a9-dd004ba0bad2}"/>
                 </c:ext>
               </c:extLst>
             </c:dLbl>
@@ -262,7 +262,7 @@
                     </a:pPr>
                     <a:r>
                       <a:rPr lang="en-US" dirty="0"/>
-                      <a:t>脊柱骨科</a:t>
+                      <a:t>口腔科</a:t>
                     </a:r>
                   </a:p>
                 </c:rich>
@@ -285,7 +285,7 @@
               <c:extLst>
                 <c:ext xmlns:c15="http://schemas.microsoft.com/office/drawing/2012/chart" uri="{CE6537A1-D6FC-4f65-9D91-7224C49458BB}"/>
                 <c:ext xmlns:c16="http://schemas.microsoft.com/office/drawing/2014/chart" uri="{C3380CC4-5D6E-409C-BE32-E72D297353CC}">
-                  <c16:uniqueId val="{00000002-617c-3270-917d-7531e0daa4e9}"/>
+                  <c16:uniqueId val="{00000002-0f98-beb6-d6a9-dd004ba0bad2}"/>
                 </c:ext>
               </c:extLst>
             </c:dLbl>
@@ -303,7 +303,7 @@
                     </a:pPr>
                     <a:r>
                       <a:rPr lang="en-US" dirty="0"/>
-                      <a:t>西区重症医学科</a:t>
+                      <a:t>神经外科</a:t>
                     </a:r>
                   </a:p>
                 </c:rich>
@@ -326,7 +326,7 @@
               <c:extLst>
                 <c:ext xmlns:c15="http://schemas.microsoft.com/office/drawing/2012/chart" uri="{CE6537A1-D6FC-4f65-9D91-7224C49458BB}"/>
                 <c:ext xmlns:c16="http://schemas.microsoft.com/office/drawing/2014/chart" uri="{C3380CC4-5D6E-409C-BE32-E72D297353CC}">
-                  <c16:uniqueId val="{00000003-617c-3270-917d-7531e0daa4e9}"/>
+                  <c16:uniqueId val="{00000003-0f98-beb6-d6a9-dd004ba0bad2}"/>
                 </c:ext>
               </c:extLst>
             </c:dLbl>
@@ -344,7 +344,7 @@
                     </a:pPr>
                     <a:r>
                       <a:rPr lang="en-US" dirty="0"/>
-                      <a:t>康复科</a:t>
+                      <a:t>妇科妇二科合并</a:t>
                     </a:r>
                   </a:p>
                 </c:rich>
@@ -367,7 +367,7 @@
               <c:extLst>
                 <c:ext xmlns:c15="http://schemas.microsoft.com/office/drawing/2012/chart" uri="{CE6537A1-D6FC-4f65-9D91-7224C49458BB}"/>
                 <c:ext xmlns:c16="http://schemas.microsoft.com/office/drawing/2014/chart" uri="{C3380CC4-5D6E-409C-BE32-E72D297353CC}">
-                  <c16:uniqueId val="{00000004-617c-3270-917d-7531e0daa4e9}"/>
+                  <c16:uniqueId val="{00000004-0f98-beb6-d6a9-dd004ba0bad2}"/>
                 </c:ext>
               </c:extLst>
             </c:dLbl>
@@ -385,7 +385,7 @@
                     </a:pPr>
                     <a:r>
                       <a:rPr lang="en-US" dirty="0"/>
-                      <a:t>小儿推拿科</a:t>
+                      <a:t>呼吸内科</a:t>
                     </a:r>
                   </a:p>
                 </c:rich>
@@ -408,12 +408,94 @@
               <c:extLst>
                 <c:ext xmlns:c15="http://schemas.microsoft.com/office/drawing/2012/chart" uri="{CE6537A1-D6FC-4f65-9D91-7224C49458BB}"/>
                 <c:ext xmlns:c16="http://schemas.microsoft.com/office/drawing/2014/chart" uri="{C3380CC4-5D6E-409C-BE32-E72D297353CC}">
-                  <c16:uniqueId val="{00000005-617c-3270-917d-7531e0daa4e9}"/>
+                  <c16:uniqueId val="{00000005-0f98-beb6-d6a9-dd004ba0bad2}"/>
                 </c:ext>
               </c:extLst>
             </c:dLbl>
             <c:dLbl>
               <c:idx val="5"/>
+              <c:tx>
+                <c:rich>
+                  <a:bodyPr>
+                    <a:spAutoFit/>
+                  </a:bodyPr>
+                  <a:lstStyle/>
+                  <a:p>
+                    <a:pPr>
+                      <a:defRPr/>
+                    </a:pPr>
+                    <a:r>
+                      <a:rPr lang="en-US" dirty="0"/>
+                      <a:t>运动损伤骨科</a:t>
+                    </a:r>
+                  </a:p>
+                </c:rich>
+              </c:tx>
+              <c:spPr>
+                <a:noFill/>
+                <a:ln>
+                  <a:noFill/>
+                </a:ln>
+                <a:effectLst/>
+              </c:spPr>
+              <c:dLblPos val="t"/>
+              <c:showLegendKey val="0"/>
+              <c:showVal val="0"/>
+              <c:showCatName val="0"/>
+              <c:showSerName val="0"/>
+              <c:showPercent val="0"/>
+              <c:showBubbleSize val="0"/>
+              <c:showLeaderLines val="1"/>
+              <c:extLst>
+                <c:ext xmlns:c15="http://schemas.microsoft.com/office/drawing/2012/chart" uri="{CE6537A1-D6FC-4f65-9D91-7224C49458BB}"/>
+                <c:ext xmlns:c16="http://schemas.microsoft.com/office/drawing/2014/chart" uri="{C3380CC4-5D6E-409C-BE32-E72D297353CC}">
+                  <c16:uniqueId val="{00000006-0f98-beb6-d6a9-dd004ba0bad2}"/>
+                </c:ext>
+              </c:extLst>
+            </c:dLbl>
+            <c:dLbl>
+              <c:idx val="6"/>
+              <c:tx>
+                <c:rich>
+                  <a:bodyPr>
+                    <a:spAutoFit/>
+                  </a:bodyPr>
+                  <a:lstStyle/>
+                  <a:p>
+                    <a:pPr>
+                      <a:defRPr/>
+                    </a:pPr>
+                    <a:r>
+                      <a:rPr lang="en-US" dirty="0"/>
+                      <a:t>中医外治中心</a:t>
+                    </a:r>
+                  </a:p>
+                </c:rich>
+              </c:tx>
+              <c:spPr>
+                <a:noFill/>
+                <a:ln>
+                  <a:noFill/>
+                </a:ln>
+                <a:effectLst/>
+              </c:spPr>
+              <c:dLblPos val="t"/>
+              <c:showLegendKey val="0"/>
+              <c:showVal val="0"/>
+              <c:showCatName val="0"/>
+              <c:showSerName val="0"/>
+              <c:showPercent val="0"/>
+              <c:showBubbleSize val="0"/>
+              <c:showLeaderLines val="1"/>
+              <c:extLst>
+                <c:ext xmlns:c15="http://schemas.microsoft.com/office/drawing/2012/chart" uri="{CE6537A1-D6FC-4f65-9D91-7224C49458BB}"/>
+                <c:ext xmlns:c16="http://schemas.microsoft.com/office/drawing/2014/chart" uri="{C3380CC4-5D6E-409C-BE32-E72D297353CC}">
+                  <c16:uniqueId val="{00000007-0f98-beb6-d6a9-dd004ba0bad2}"/>
+                </c:ext>
+              </c:extLst>
+            </c:dLbl>
+            <c:dLbl>
+              <c:idx val="7"/>
               <c:tx>
                 <c:rich>
                   <a:bodyPr>
@@ -449,12 +531,12 @@
               <c:extLst>
                 <c:ext xmlns:c15="http://schemas.microsoft.com/office/drawing/2012/chart" uri="{CE6537A1-D6FC-4f65-9D91-7224C49458BB}"/>
                 <c:ext xmlns:c16="http://schemas.microsoft.com/office/drawing/2014/chart" uri="{C3380CC4-5D6E-409C-BE32-E72D297353CC}">
-                  <c16:uniqueId val="{00000006-617c-3270-917d-7531e0daa4e9}"/>
+                  <c16:uniqueId val="{00000008-0f98-beb6-d6a9-dd004ba0bad2}"/>
                 </c:ext>
               </c:extLst>
             </c:dLbl>
             <c:dLbl>
-              <c:idx val="6"/>
+              <c:idx val="8"/>
               <c:tx>
                 <c:rich>
                   <a:bodyPr>
@@ -467,7 +549,7 @@
                     </a:pPr>
                     <a:r>
                       <a:rPr lang="en-US" dirty="0"/>
-                      <a:t>儿科</a:t>
+                      <a:t>内分泌科</a:t>
                     </a:r>
                   </a:p>
                 </c:rich>
@@ -490,12 +572,12 @@
               <c:extLst>
                 <c:ext xmlns:c15="http://schemas.microsoft.com/office/drawing/2012/chart" uri="{CE6537A1-D6FC-4f65-9D91-7224C49458BB}"/>
                 <c:ext xmlns:c16="http://schemas.microsoft.com/office/drawing/2014/chart" uri="{C3380CC4-5D6E-409C-BE32-E72D297353CC}">
-                  <c16:uniqueId val="{00000007-617c-3270-917d-7531e0daa4e9}"/>
+                  <c16:uniqueId val="{00000009-0f98-beb6-d6a9-dd004ba0bad2}"/>
                 </c:ext>
               </c:extLst>
             </c:dLbl>
             <c:dLbl>
-              <c:idx val="7"/>
+              <c:idx val="9"/>
               <c:tx>
                 <c:rich>
                   <a:bodyPr>
@@ -508,7 +590,7 @@
                     </a:pPr>
                     <a:r>
                       <a:rPr lang="en-US" dirty="0"/>
-                      <a:t>肿瘤内科</a:t>
+                      <a:t>心病四科</a:t>
                     </a:r>
                   </a:p>
                 </c:rich>
@@ -531,12 +613,12 @@
               <c:extLst>
                 <c:ext xmlns:c15="http://schemas.microsoft.com/office/drawing/2012/chart" uri="{CE6537A1-D6FC-4f65-9D91-7224C49458BB}"/>
                 <c:ext xmlns:c16="http://schemas.microsoft.com/office/drawing/2014/chart" uri="{C3380CC4-5D6E-409C-BE32-E72D297353CC}">
-                  <c16:uniqueId val="{00000008-617c-3270-917d-7531e0daa4e9}"/>
+                  <c16:uniqueId val="{00000010-0f98-beb6-d6a9-dd004ba0bad2}"/>
                 </c:ext>
               </c:extLst>
             </c:dLbl>
             <c:dLbl>
-              <c:idx val="8"/>
+              <c:idx val="10"/>
               <c:tx>
                 <c:rich>
                   <a:bodyPr>
@@ -549,7 +631,7 @@
                     </a:pPr>
                     <a:r>
                       <a:rPr lang="en-US" dirty="0"/>
-                      <a:t>周围血管科</a:t>
+                      <a:t>中医经典科</a:t>
                     </a:r>
                   </a:p>
                 </c:rich>
@@ -572,12 +654,12 @@
               <c:extLst>
                 <c:ext xmlns:c15="http://schemas.microsoft.com/office/drawing/2012/chart" uri="{CE6537A1-D6FC-4f65-9D91-7224C49458BB}"/>
                 <c:ext xmlns:c16="http://schemas.microsoft.com/office/drawing/2014/chart" uri="{C3380CC4-5D6E-409C-BE32-E72D297353CC}">
-                  <c16:uniqueId val="{00000009-617c-3270-917d-7531e0daa4e9}"/>
+                  <c16:uniqueId val="{00000011-0f98-beb6-d6a9-dd004ba0bad2}"/>
                 </c:ext>
               </c:extLst>
             </c:dLbl>
             <c:dLbl>
-              <c:idx val="9"/>
+              <c:idx val="11"/>
               <c:tx>
                 <c:rich>
                   <a:bodyPr>
@@ -590,7 +672,7 @@
                     </a:pPr>
                     <a:r>
                       <a:rPr lang="en-US" dirty="0"/>
-                      <a:t>关节骨科</a:t>
+                      <a:t>耳鼻喉科</a:t>
                     </a:r>
                   </a:p>
                 </c:rich>
@@ -613,12 +695,12 @@
               <c:extLst>
                 <c:ext xmlns:c15="http://schemas.microsoft.com/office/drawing/2012/chart" uri="{CE6537A1-D6FC-4f65-9D91-7224C49458BB}"/>
                 <c:ext xmlns:c16="http://schemas.microsoft.com/office/drawing/2014/chart" uri="{C3380CC4-5D6E-409C-BE32-E72D297353CC}">
-                  <c16:uniqueId val="{00000010-617c-3270-917d-7531e0daa4e9}"/>
+                  <c16:uniqueId val="{00000012-0f98-beb6-d6a9-dd004ba0bad2}"/>
                 </c:ext>
               </c:extLst>
             </c:dLbl>
             <c:dLbl>
-              <c:idx val="10"/>
+              <c:idx val="12"/>
               <c:tx>
                 <c:rich>
                   <a:bodyPr>
@@ -631,7 +713,7 @@
                     </a:pPr>
                     <a:r>
                       <a:rPr lang="en-US" dirty="0"/>
-                      <a:t>神经外科</a:t>
+                      <a:t>泌尿外科</a:t>
                     </a:r>
                   </a:p>
                 </c:rich>
@@ -654,12 +736,12 @@
               <c:extLst>
                 <c:ext xmlns:c15="http://schemas.microsoft.com/office/drawing/2012/chart" uri="{CE6537A1-D6FC-4f65-9D91-7224C49458BB}"/>
                 <c:ext xmlns:c16="http://schemas.microsoft.com/office/drawing/2014/chart" uri="{C3380CC4-5D6E-409C-BE32-E72D297353CC}">
-                  <c16:uniqueId val="{00000011-617c-3270-917d-7531e0daa4e9}"/>
+                  <c16:uniqueId val="{00000013-0f98-beb6-d6a9-dd004ba0bad2}"/>
                 </c:ext>
               </c:extLst>
             </c:dLbl>
             <c:dLbl>
-              <c:idx val="11"/>
+              <c:idx val="13"/>
               <c:tx>
                 <c:rich>
                   <a:bodyPr>
@@ -672,7 +754,7 @@
                     </a:pPr>
                     <a:r>
                       <a:rPr lang="en-US" dirty="0"/>
-                      <a:t>心病一科</a:t>
+                      <a:t>脑病三科</a:t>
                     </a:r>
                   </a:p>
                 </c:rich>
@@ -695,12 +777,12 @@
               <c:extLst>
                 <c:ext xmlns:c15="http://schemas.microsoft.com/office/drawing/2012/chart" uri="{CE6537A1-D6FC-4f65-9D91-7224C49458BB}"/>
                 <c:ext xmlns:c16="http://schemas.microsoft.com/office/drawing/2014/chart" uri="{C3380CC4-5D6E-409C-BE32-E72D297353CC}">
-                  <c16:uniqueId val="{00000012-617c-3270-917d-7531e0daa4e9}"/>
+                  <c16:uniqueId val="{00000014-0f98-beb6-d6a9-dd004ba0bad2}"/>
                 </c:ext>
               </c:extLst>
             </c:dLbl>
             <c:dLbl>
-              <c:idx val="12"/>
+              <c:idx val="14"/>
               <c:tx>
                 <c:rich>
                   <a:bodyPr>
@@ -713,7 +795,7 @@
                     </a:pPr>
                     <a:r>
                       <a:rPr lang="en-US" dirty="0"/>
-                      <a:t>口腔科</a:t>
+                      <a:t>东区肾病科</a:t>
                     </a:r>
                   </a:p>
                 </c:rich>
@@ -736,12 +818,12 @@
               <c:extLst>
                 <c:ext xmlns:c15="http://schemas.microsoft.com/office/drawing/2012/chart" uri="{CE6537A1-D6FC-4f65-9D91-7224C49458BB}"/>
                 <c:ext xmlns:c16="http://schemas.microsoft.com/office/drawing/2014/chart" uri="{C3380CC4-5D6E-409C-BE32-E72D297353CC}">
-                  <c16:uniqueId val="{00000013-617c-3270-917d-7531e0daa4e9}"/>
+                  <c16:uniqueId val="{00000015-0f98-beb6-d6a9-dd004ba0bad2}"/>
                 </c:ext>
               </c:extLst>
             </c:dLbl>
             <c:dLbl>
-              <c:idx val="13"/>
+              <c:idx val="15"/>
               <c:tx>
                 <c:rich>
                   <a:bodyPr>
@@ -754,7 +836,7 @@
                     </a:pPr>
                     <a:r>
                       <a:rPr lang="en-US" dirty="0"/>
-                      <a:t>眼科</a:t>
+                      <a:t>推拿科</a:t>
                     </a:r>
                   </a:p>
                 </c:rich>
@@ -777,89 +859,7 @@
               <c:extLst>
                 <c:ext xmlns:c15="http://schemas.microsoft.com/office/drawing/2012/chart" uri="{CE6537A1-D6FC-4f65-9D91-7224C49458BB}"/>
                 <c:ext xmlns:c16="http://schemas.microsoft.com/office/drawing/2014/chart" uri="{C3380CC4-5D6E-409C-BE32-E72D297353CC}">
-                  <c16:uniqueId val="{00000014-617c-3270-917d-7531e0daa4e9}"/>
-                </c:ext>
-              </c:extLst>
-            </c:dLbl>
-            <c:dLbl>
-              <c:idx val="14"/>
-              <c:tx>
-                <c:rich>
-                  <a:bodyPr>
-                    <a:spAutoFit/>
-                  </a:bodyPr>
-                  <a:lstStyle/>
-                  <a:p>
-                    <a:pPr>
-                      <a:defRPr/>
-                    </a:pPr>
-                    <a:r>
-                      <a:rPr lang="en-US" dirty="0"/>
-                      <a:t>妇科</a:t>
-                    </a:r>
-                  </a:p>
-                </c:rich>
-              </c:tx>
-              <c:spPr>
-                <a:noFill/>
-                <a:ln>
-                  <a:noFill/>
-                </a:ln>
-                <a:effectLst/>
-              </c:spPr>
-              <c:dLblPos val="t"/>
-              <c:showLegendKey val="0"/>
-              <c:showVal val="0"/>
-              <c:showCatName val="0"/>
-              <c:showSerName val="0"/>
-              <c:showPercent val="0"/>
-              <c:showBubbleSize val="0"/>
-              <c:showLeaderLines val="1"/>
-              <c:extLst>
-                <c:ext xmlns:c15="http://schemas.microsoft.com/office/drawing/2012/chart" uri="{CE6537A1-D6FC-4f65-9D91-7224C49458BB}"/>
-                <c:ext xmlns:c16="http://schemas.microsoft.com/office/drawing/2014/chart" uri="{C3380CC4-5D6E-409C-BE32-E72D297353CC}">
-                  <c16:uniqueId val="{00000015-617c-3270-917d-7531e0daa4e9}"/>
-                </c:ext>
-              </c:extLst>
-            </c:dLbl>
-            <c:dLbl>
-              <c:idx val="15"/>
-              <c:tx>
-                <c:rich>
-                  <a:bodyPr>
-                    <a:spAutoFit/>
-                  </a:bodyPr>
-                  <a:lstStyle/>
-                  <a:p>
-                    <a:pPr>
-                      <a:defRPr/>
-                    </a:pPr>
-                    <a:r>
-                      <a:rPr lang="en-US" dirty="0"/>
-                      <a:t>普通外科</a:t>
-                    </a:r>
-                  </a:p>
-                </c:rich>
-              </c:tx>
-              <c:spPr>
-                <a:noFill/>
-                <a:ln>
-                  <a:noFill/>
-                </a:ln>
-                <a:effectLst/>
-              </c:spPr>
-              <c:dLblPos val="t"/>
-              <c:showLegendKey val="0"/>
-              <c:showVal val="0"/>
-              <c:showCatName val="0"/>
-              <c:showSerName val="0"/>
-              <c:showPercent val="0"/>
-              <c:showBubbleSize val="0"/>
-              <c:showLeaderLines val="1"/>
-              <c:extLst>
-                <c:ext xmlns:c15="http://schemas.microsoft.com/office/drawing/2012/chart" uri="{CE6537A1-D6FC-4f65-9D91-7224C49458BB}"/>
-                <c:ext xmlns:c16="http://schemas.microsoft.com/office/drawing/2014/chart" uri="{C3380CC4-5D6E-409C-BE32-E72D297353CC}">
-                  <c16:uniqueId val="{00000016-617c-3270-917d-7531e0daa4e9}"/>
+                  <c16:uniqueId val="{00000016-0f98-beb6-d6a9-dd004ba0bad2}"/>
                 </c:ext>
               </c:extLst>
             </c:dLbl>
@@ -900,7 +900,7 @@
               <c:extLst>
                 <c:ext xmlns:c15="http://schemas.microsoft.com/office/drawing/2012/chart" uri="{CE6537A1-D6FC-4f65-9D91-7224C49458BB}"/>
                 <c:ext xmlns:c16="http://schemas.microsoft.com/office/drawing/2014/chart" uri="{C3380CC4-5D6E-409C-BE32-E72D297353CC}">
-                  <c16:uniqueId val="{00000017-617c-3270-917d-7531e0daa4e9}"/>
+                  <c16:uniqueId val="{00000017-0f98-beb6-d6a9-dd004ba0bad2}"/>
                 </c:ext>
               </c:extLst>
             </c:dLbl>
@@ -918,7 +918,7 @@
                     </a:pPr>
                     <a:r>
                       <a:rPr lang="en-US" dirty="0"/>
-                      <a:t>中医经典科</a:t>
+                      <a:t>周围血管科</a:t>
                     </a:r>
                   </a:p>
                 </c:rich>
@@ -941,7 +941,7 @@
               <c:extLst>
                 <c:ext xmlns:c15="http://schemas.microsoft.com/office/drawing/2012/chart" uri="{CE6537A1-D6FC-4f65-9D91-7224C49458BB}"/>
                 <c:ext xmlns:c16="http://schemas.microsoft.com/office/drawing/2014/chart" uri="{C3380CC4-5D6E-409C-BE32-E72D297353CC}">
-                  <c16:uniqueId val="{00000018-617c-3270-917d-7531e0daa4e9}"/>
+                  <c16:uniqueId val="{00000018-0f98-beb6-d6a9-dd004ba0bad2}"/>
                 </c:ext>
               </c:extLst>
             </c:dLbl>
@@ -959,7 +959,7 @@
                     </a:pPr>
                     <a:r>
                       <a:rPr lang="en-US" dirty="0"/>
-                      <a:t>脾胃科消化科合并</a:t>
+                      <a:t>心血管内科</a:t>
                     </a:r>
                   </a:p>
                 </c:rich>
@@ -982,7 +982,7 @@
               <c:extLst>
                 <c:ext xmlns:c15="http://schemas.microsoft.com/office/drawing/2012/chart" uri="{CE6537A1-D6FC-4f65-9D91-7224C49458BB}"/>
                 <c:ext xmlns:c16="http://schemas.microsoft.com/office/drawing/2014/chart" uri="{C3380CC4-5D6E-409C-BE32-E72D297353CC}">
-                  <c16:uniqueId val="{00000019-617c-3270-917d-7531e0daa4e9}"/>
+                  <c16:uniqueId val="{00000019-0f98-beb6-d6a9-dd004ba0bad2}"/>
                 </c:ext>
               </c:extLst>
             </c:dLbl>
@@ -1000,7 +1000,7 @@
                     </a:pPr>
                     <a:r>
                       <a:rPr lang="en-US" dirty="0"/>
-                      <a:t>医院</a:t>
+                      <a:t>男科</a:t>
                     </a:r>
                   </a:p>
                 </c:rich>
@@ -1023,7 +1023,7 @@
               <c:extLst>
                 <c:ext xmlns:c15="http://schemas.microsoft.com/office/drawing/2012/chart" uri="{CE6537A1-D6FC-4f65-9D91-7224C49458BB}"/>
                 <c:ext xmlns:c16="http://schemas.microsoft.com/office/drawing/2014/chart" uri="{C3380CC4-5D6E-409C-BE32-E72D297353CC}">
-                  <c16:uniqueId val="{00000020-617c-3270-917d-7531e0daa4e9}"/>
+                  <c16:uniqueId val="{00000020-0f98-beb6-d6a9-dd004ba0bad2}"/>
                 </c:ext>
               </c:extLst>
             </c:dLbl>
@@ -1035,64 +1035,64 @@
                 <c:formatCode>General</c:formatCode>
                 <c:ptCount val="20"/>
                 <c:pt idx="0">
-                  <c:v>0.0010106853846657013</c:v>
+                  <c:v>0.0022361007128397035</c:v>
                 </c:pt>
                 <c:pt idx="1">
-                  <c:v>0.001921063033015507</c:v>
+                  <c:v>0.0017299737592286896</c:v>
                 </c:pt>
                 <c:pt idx="2">
-                  <c:v>0.0011493943735914791</c:v>
+                  <c:v>0.00013829387610344288</c:v>
                 </c:pt>
                 <c:pt idx="3">
-                  <c:v>0.0005257826596956163</c:v>
+                  <c:v>0.0017782837199025988</c:v>
                 </c:pt>
                 <c:pt idx="4">
-                  <c:v>0.0021294271528884815</c:v>
+                  <c:v>0.001131526792909811</c:v>
                 </c:pt>
                 <c:pt idx="5">
-                  <c:v>0.0012742175230067772</c:v>
+                  <c:v>0.0002695542419013387</c:v>
                 </c:pt>
                 <c:pt idx="6">
-                  <c:v>0.001881125732725694</c:v>
+                  <c:v>0.0021294135669049875</c:v>
                 </c:pt>
                 <c:pt idx="7">
-                  <c:v>0.0019745845601156706</c:v>
+                  <c:v>0.00201350585548696</c:v>
                 </c:pt>
                 <c:pt idx="8">
-                  <c:v>0.000008510853558182293</c:v>
+                  <c:v>0.0007343878893685485</c:v>
                 </c:pt>
                 <c:pt idx="9">
-                  <c:v>0.0007643083606265909</c:v>
+                  <c:v>0.0020207227506924236</c:v>
                 </c:pt>
                 <c:pt idx="10">
-                  <c:v>0.00042476101144102755</c:v>
+                  <c:v>0.0019399772083270514</c:v>
                 </c:pt>
                 <c:pt idx="11">
-                  <c:v>0.0007756621690395976</c:v>
+                  <c:v>0.00005533565707699024</c:v>
                 </c:pt>
                 <c:pt idx="12">
-                  <c:v>0.0005816913042077951</c:v>
+                  <c:v>0.002087612419226649</c:v>
                 </c:pt>
                 <c:pt idx="13">
-                  <c:v>0.0018729648806606887</c:v>
+                  <c:v>0.0008324178133314873</c:v>
                 </c:pt>
                 <c:pt idx="14">
-                  <c:v>0.00006163754793421321</c:v>
+                  <c:v>0.00003020045144187161</c:v>
                 </c:pt>
                 <c:pt idx="15">
-                  <c:v>0.0019968422100606273</c:v>
+                  <c:v>0.0013918235925012568</c:v>
                 </c:pt>
                 <c:pt idx="16">
-                  <c:v>0.001330562797115068</c:v>
+                  <c:v>0.0020125372859875917</c:v>
                 </c:pt>
                 <c:pt idx="17">
-                  <c:v>0.0005533566306936816</c:v>
+                  <c:v>0.0021201133128033625</c:v>
                 </c:pt>
                 <c:pt idx="18">
-                  <c:v>0.00025918907871974774</c:v>
+                  <c:v>0.001496868092977027</c:v>
                 </c:pt>
                 <c:pt idx="19">
-                  <c:v>100</c:v>
+                  <c:v>0.002383219160954926</c:v>
                 </c:pt>
               </c:numCache>
             </c:numRef>
@@ -1107,61 +1107,61 @@
                   <c:v>100</c:v>
                 </c:pt>
                 <c:pt idx="1">
-                  <c:v>83.28082549899588</c:v>
+                  <c:v>86.28709570038926</c:v>
                 </c:pt>
                 <c:pt idx="2">
-                  <c:v>69.6695896669692</c:v>
+                  <c:v>82.36262037740279</c:v>
                 </c:pt>
                 <c:pt idx="3">
-                  <c:v>56.11550211940079</c:v>
+                  <c:v>53.912037033685785</c:v>
                 </c:pt>
                 <c:pt idx="4">
-                  <c:v>54.945554542192184</c:v>
+                  <c:v>49.11636980167438</c:v>
                 </c:pt>
                 <c:pt idx="5">
-                  <c:v>52.77180076878067</c:v>
+                  <c:v>40.33486573534048</c:v>
                 </c:pt>
                 <c:pt idx="6">
-                  <c:v>46.720230864859246</c:v>
+                  <c:v>35.29791612457484</c:v>
                 </c:pt>
                 <c:pt idx="7">
-                  <c:v>46.284957839002715</c:v>
+                  <c:v>34.218341698323776</c:v>
                 </c:pt>
                 <c:pt idx="8">
-                  <c:v>45.3775753763303</c:v>
+                  <c:v>31.528976386363002</c:v>
                 </c:pt>
                 <c:pt idx="9">
-                  <c:v>44.81707688436891</c:v>
+                  <c:v>30.85539509555974</c:v>
                 </c:pt>
                 <c:pt idx="10">
-                  <c:v>44.13977243056985</c:v>
+                  <c:v>30.04138813605689</c:v>
                 </c:pt>
                 <c:pt idx="11">
-                  <c:v>38.07895431616272</c:v>
+                  <c:v>24.477512816057313</c:v>
                 </c:pt>
                 <c:pt idx="12">
-                  <c:v>36.82530472586633</c:v>
+                  <c:v>23.95121706116508</c:v>
                 </c:pt>
                 <c:pt idx="13">
-                  <c:v>36.022027805120594</c:v>
+                  <c:v>22.36804278233232</c:v>
                 </c:pt>
                 <c:pt idx="14">
-                  <c:v>34.4403438390769</c:v>
+                  <c:v>22.0173445364238</c:v>
                 </c:pt>
                 <c:pt idx="15">
-                  <c:v>34.320380908145765</c:v>
+                  <c:v>20.44233954920479</c:v>
                 </c:pt>
                 <c:pt idx="16">
-                  <c:v>33.32976304812847</c:v>
+                  <c:v>20.066389016362997</c:v>
                 </c:pt>
                 <c:pt idx="17">
-                  <c:v>33.05949069944076</c:v>
+                  <c:v>19.346318025864903</c:v>
                 </c:pt>
                 <c:pt idx="18">
-                  <c:v>32.850050190165</c:v>
+                  <c:v>19.297220825503214</c:v>
                 </c:pt>
                 <c:pt idx="19">
-                  <c:v>31.705954336632214</c:v>
+                  <c:v>18.736210607864283</c:v>
                 </c:pt>
               </c:numCache>
             </c:numRef>
@@ -1381,7 +1381,7 @@
 </c:chartSpace>
 </file>
 
-<file path=ppt/charts/chart984.xml><?xml version="1.0" encoding="utf-8"?>
+<file path=ppt/charts/chart1722.xml><?xml version="1.0" encoding="utf-8"?>
 <c:chartSpace xmlns:c="http://schemas.openxmlformats.org/drawingml/2006/chart" xmlns:a="http://schemas.openxmlformats.org/drawingml/2006/main" xmlns:r="http://schemas.openxmlformats.org/officeDocument/2006/relationships">
   <c:date1904 val="0"/>
   <c:chart>
@@ -1498,7 +1498,7 @@
               <c:extLst>
                 <c:ext xmlns:c15="http://schemas.microsoft.com/office/drawing/2012/chart" uri="{CE6537A1-D6FC-4f65-9D91-7224C49458BB}"/>
                 <c:ext xmlns:c16="http://schemas.microsoft.com/office/drawing/2014/chart" uri="{C3380CC4-5D6E-409C-BE32-E72D297353CC}">
-                  <c16:uniqueId val="{00000001-2016-6be2-f00c-07e9b0612665}"/>
+                  <c16:uniqueId val="{00000001-9c7c-5234-f38e-4d764bc6aa3c}"/>
                 </c:ext>
               </c:extLst>
             </c:dLbl>
@@ -1516,7 +1516,7 @@
                     </a:pPr>
                     <a:r>
                       <a:rPr lang="en-US" dirty="0"/>
-                      <a:t>神经内科</a:t>
+                      <a:t>男科</a:t>
                     </a:r>
                   </a:p>
                 </c:rich>
@@ -1539,7 +1539,7 @@
               <c:extLst>
                 <c:ext xmlns:c15="http://schemas.microsoft.com/office/drawing/2012/chart" uri="{CE6537A1-D6FC-4f65-9D91-7224C49458BB}"/>
                 <c:ext xmlns:c16="http://schemas.microsoft.com/office/drawing/2014/chart" uri="{C3380CC4-5D6E-409C-BE32-E72D297353CC}">
-                  <c16:uniqueId val="{00000002-2016-6be2-f00c-07e9b0612665}"/>
+                  <c16:uniqueId val="{00000002-9c7c-5234-f38e-4d764bc6aa3c}"/>
                 </c:ext>
               </c:extLst>
             </c:dLbl>
@@ -1557,7 +1557,7 @@
                     </a:pPr>
                     <a:r>
                       <a:rPr lang="en-US" dirty="0"/>
-                      <a:t>肝胆外科</a:t>
+                      <a:t>心病二科</a:t>
                     </a:r>
                   </a:p>
                 </c:rich>
@@ -1580,7 +1580,7 @@
               <c:extLst>
                 <c:ext xmlns:c15="http://schemas.microsoft.com/office/drawing/2012/chart" uri="{CE6537A1-D6FC-4f65-9D91-7224C49458BB}"/>
                 <c:ext xmlns:c16="http://schemas.microsoft.com/office/drawing/2014/chart" uri="{C3380CC4-5D6E-409C-BE32-E72D297353CC}">
-                  <c16:uniqueId val="{00000003-2016-6be2-f00c-07e9b0612665}"/>
+                  <c16:uniqueId val="{00000003-9c7c-5234-f38e-4d764bc6aa3c}"/>
                 </c:ext>
               </c:extLst>
             </c:dLbl>
@@ -1621,7 +1621,7 @@
               <c:extLst>
                 <c:ext xmlns:c15="http://schemas.microsoft.com/office/drawing/2012/chart" uri="{CE6537A1-D6FC-4f65-9D91-7224C49458BB}"/>
                 <c:ext xmlns:c16="http://schemas.microsoft.com/office/drawing/2014/chart" uri="{C3380CC4-5D6E-409C-BE32-E72D297353CC}">
-                  <c16:uniqueId val="{00000004-2016-6be2-f00c-07e9b0612665}"/>
+                  <c16:uniqueId val="{00000004-9c7c-5234-f38e-4d764bc6aa3c}"/>
                 </c:ext>
               </c:extLst>
             </c:dLbl>
@@ -1639,7 +1639,7 @@
                     </a:pPr>
                     <a:r>
                       <a:rPr lang="en-US" dirty="0"/>
-                      <a:t>重症医学科</a:t>
+                      <a:t>关节骨科</a:t>
                     </a:r>
                   </a:p>
                 </c:rich>
@@ -1662,7 +1662,7 @@
               <c:extLst>
                 <c:ext xmlns:c15="http://schemas.microsoft.com/office/drawing/2012/chart" uri="{CE6537A1-D6FC-4f65-9D91-7224C49458BB}"/>
                 <c:ext xmlns:c16="http://schemas.microsoft.com/office/drawing/2014/chart" uri="{C3380CC4-5D6E-409C-BE32-E72D297353CC}">
-                  <c16:uniqueId val="{00000005-2016-6be2-f00c-07e9b0612665}"/>
+                  <c16:uniqueId val="{00000005-9c7c-5234-f38e-4d764bc6aa3c}"/>
                 </c:ext>
               </c:extLst>
             </c:dLbl>
@@ -1680,7 +1680,7 @@
                     </a:pPr>
                     <a:r>
                       <a:rPr lang="en-US" dirty="0"/>
-                      <a:t>美容皮肤科</a:t>
+                      <a:t>妇科</a:t>
                     </a:r>
                   </a:p>
                 </c:rich>
@@ -1703,7 +1703,7 @@
               <c:extLst>
                 <c:ext xmlns:c15="http://schemas.microsoft.com/office/drawing/2012/chart" uri="{CE6537A1-D6FC-4f65-9D91-7224C49458BB}"/>
                 <c:ext xmlns:c16="http://schemas.microsoft.com/office/drawing/2014/chart" uri="{C3380CC4-5D6E-409C-BE32-E72D297353CC}">
-                  <c16:uniqueId val="{00000006-2016-6be2-f00c-07e9b0612665}"/>
+                  <c16:uniqueId val="{00000006-9c7c-5234-f38e-4d764bc6aa3c}"/>
                 </c:ext>
               </c:extLst>
             </c:dLbl>
@@ -1721,7 +1721,7 @@
                     </a:pPr>
                     <a:r>
                       <a:rPr lang="en-US" dirty="0"/>
-                      <a:t>小儿推拿科</a:t>
+                      <a:t>心病一科</a:t>
                     </a:r>
                   </a:p>
                 </c:rich>
@@ -1744,7 +1744,7 @@
               <c:extLst>
                 <c:ext xmlns:c15="http://schemas.microsoft.com/office/drawing/2012/chart" uri="{CE6537A1-D6FC-4f65-9D91-7224C49458BB}"/>
                 <c:ext xmlns:c16="http://schemas.microsoft.com/office/drawing/2014/chart" uri="{C3380CC4-5D6E-409C-BE32-E72D297353CC}">
-                  <c16:uniqueId val="{00000007-2016-6be2-f00c-07e9b0612665}"/>
+                  <c16:uniqueId val="{00000007-9c7c-5234-f38e-4d764bc6aa3c}"/>
                 </c:ext>
               </c:extLst>
             </c:dLbl>
@@ -1762,7 +1762,7 @@
                     </a:pPr>
                     <a:r>
                       <a:rPr lang="en-US" dirty="0"/>
-                      <a:t>老年医学科</a:t>
+                      <a:t>中医外治中心</a:t>
                     </a:r>
                   </a:p>
                 </c:rich>
@@ -1785,7 +1785,7 @@
               <c:extLst>
                 <c:ext xmlns:c15="http://schemas.microsoft.com/office/drawing/2012/chart" uri="{CE6537A1-D6FC-4f65-9D91-7224C49458BB}"/>
                 <c:ext xmlns:c16="http://schemas.microsoft.com/office/drawing/2014/chart" uri="{C3380CC4-5D6E-409C-BE32-E72D297353CC}">
-                  <c16:uniqueId val="{00000008-2016-6be2-f00c-07e9b0612665}"/>
+                  <c16:uniqueId val="{00000008-9c7c-5234-f38e-4d764bc6aa3c}"/>
                 </c:ext>
               </c:extLst>
             </c:dLbl>
@@ -1803,7 +1803,7 @@
                     </a:pPr>
                     <a:r>
                       <a:rPr lang="en-US" dirty="0"/>
-                      <a:t>肝病科</a:t>
+                      <a:t>周围血管科</a:t>
                     </a:r>
                   </a:p>
                 </c:rich>
@@ -1826,12 +1826,176 @@
               <c:extLst>
                 <c:ext xmlns:c15="http://schemas.microsoft.com/office/drawing/2012/chart" uri="{CE6537A1-D6FC-4f65-9D91-7224C49458BB}"/>
                 <c:ext xmlns:c16="http://schemas.microsoft.com/office/drawing/2014/chart" uri="{C3380CC4-5D6E-409C-BE32-E72D297353CC}">
-                  <c16:uniqueId val="{00000009-2016-6be2-f00c-07e9b0612665}"/>
+                  <c16:uniqueId val="{00000009-9c7c-5234-f38e-4d764bc6aa3c}"/>
                 </c:ext>
               </c:extLst>
             </c:dLbl>
             <c:dLbl>
               <c:idx val="9"/>
+              <c:tx>
+                <c:rich>
+                  <a:bodyPr>
+                    <a:spAutoFit/>
+                  </a:bodyPr>
+                  <a:lstStyle/>
+                  <a:p>
+                    <a:pPr>
+                      <a:defRPr/>
+                    </a:pPr>
+                    <a:r>
+                      <a:rPr lang="en-US" dirty="0"/>
+                      <a:t>泌尿外科</a:t>
+                    </a:r>
+                  </a:p>
+                </c:rich>
+              </c:tx>
+              <c:spPr>
+                <a:noFill/>
+                <a:ln>
+                  <a:noFill/>
+                </a:ln>
+                <a:effectLst/>
+              </c:spPr>
+              <c:dLblPos val="t"/>
+              <c:showLegendKey val="0"/>
+              <c:showVal val="0"/>
+              <c:showCatName val="0"/>
+              <c:showSerName val="0"/>
+              <c:showPercent val="0"/>
+              <c:showBubbleSize val="0"/>
+              <c:showLeaderLines val="1"/>
+              <c:extLst>
+                <c:ext xmlns:c15="http://schemas.microsoft.com/office/drawing/2012/chart" uri="{CE6537A1-D6FC-4f65-9D91-7224C49458BB}"/>
+                <c:ext xmlns:c16="http://schemas.microsoft.com/office/drawing/2014/chart" uri="{C3380CC4-5D6E-409C-BE32-E72D297353CC}">
+                  <c16:uniqueId val="{00000010-9c7c-5234-f38e-4d764bc6aa3c}"/>
+                </c:ext>
+              </c:extLst>
+            </c:dLbl>
+            <c:dLbl>
+              <c:idx val="10"/>
+              <c:tx>
+                <c:rich>
+                  <a:bodyPr>
+                    <a:spAutoFit/>
+                  </a:bodyPr>
+                  <a:lstStyle/>
+                  <a:p>
+                    <a:pPr>
+                      <a:defRPr/>
+                    </a:pPr>
+                    <a:r>
+                      <a:rPr lang="en-US" dirty="0"/>
+                      <a:t>心病四科</a:t>
+                    </a:r>
+                  </a:p>
+                </c:rich>
+              </c:tx>
+              <c:spPr>
+                <a:noFill/>
+                <a:ln>
+                  <a:noFill/>
+                </a:ln>
+                <a:effectLst/>
+              </c:spPr>
+              <c:dLblPos val="t"/>
+              <c:showLegendKey val="0"/>
+              <c:showVal val="0"/>
+              <c:showCatName val="0"/>
+              <c:showSerName val="0"/>
+              <c:showPercent val="0"/>
+              <c:showBubbleSize val="0"/>
+              <c:showLeaderLines val="1"/>
+              <c:extLst>
+                <c:ext xmlns:c15="http://schemas.microsoft.com/office/drawing/2012/chart" uri="{CE6537A1-D6FC-4f65-9D91-7224C49458BB}"/>
+                <c:ext xmlns:c16="http://schemas.microsoft.com/office/drawing/2014/chart" uri="{C3380CC4-5D6E-409C-BE32-E72D297353CC}">
+                  <c16:uniqueId val="{00000011-9c7c-5234-f38e-4d764bc6aa3c}"/>
+                </c:ext>
+              </c:extLst>
+            </c:dLbl>
+            <c:dLbl>
+              <c:idx val="11"/>
+              <c:tx>
+                <c:rich>
+                  <a:bodyPr>
+                    <a:spAutoFit/>
+                  </a:bodyPr>
+                  <a:lstStyle/>
+                  <a:p>
+                    <a:pPr>
+                      <a:defRPr/>
+                    </a:pPr>
+                    <a:r>
+                      <a:rPr lang="en-US" dirty="0"/>
+                      <a:t>脾胃病科</a:t>
+                    </a:r>
+                  </a:p>
+                </c:rich>
+              </c:tx>
+              <c:spPr>
+                <a:noFill/>
+                <a:ln>
+                  <a:noFill/>
+                </a:ln>
+                <a:effectLst/>
+              </c:spPr>
+              <c:dLblPos val="t"/>
+              <c:showLegendKey val="0"/>
+              <c:showVal val="0"/>
+              <c:showCatName val="0"/>
+              <c:showSerName val="0"/>
+              <c:showPercent val="0"/>
+              <c:showBubbleSize val="0"/>
+              <c:showLeaderLines val="1"/>
+              <c:extLst>
+                <c:ext xmlns:c15="http://schemas.microsoft.com/office/drawing/2012/chart" uri="{CE6537A1-D6FC-4f65-9D91-7224C49458BB}"/>
+                <c:ext xmlns:c16="http://schemas.microsoft.com/office/drawing/2014/chart" uri="{C3380CC4-5D6E-409C-BE32-E72D297353CC}">
+                  <c16:uniqueId val="{00000012-9c7c-5234-f38e-4d764bc6aa3c}"/>
+                </c:ext>
+              </c:extLst>
+            </c:dLbl>
+            <c:dLbl>
+              <c:idx val="12"/>
+              <c:tx>
+                <c:rich>
+                  <a:bodyPr>
+                    <a:spAutoFit/>
+                  </a:bodyPr>
+                  <a:lstStyle/>
+                  <a:p>
+                    <a:pPr>
+                      <a:defRPr/>
+                    </a:pPr>
+                    <a:r>
+                      <a:rPr lang="en-US" dirty="0"/>
+                      <a:t>微创骨科</a:t>
+                    </a:r>
+                  </a:p>
+                </c:rich>
+              </c:tx>
+              <c:spPr>
+                <a:noFill/>
+                <a:ln>
+                  <a:noFill/>
+                </a:ln>
+                <a:effectLst/>
+              </c:spPr>
+              <c:dLblPos val="t"/>
+              <c:showLegendKey val="0"/>
+              <c:showVal val="0"/>
+              <c:showCatName val="0"/>
+              <c:showSerName val="0"/>
+              <c:showPercent val="0"/>
+              <c:showBubbleSize val="0"/>
+              <c:showLeaderLines val="1"/>
+              <c:extLst>
+                <c:ext xmlns:c15="http://schemas.microsoft.com/office/drawing/2012/chart" uri="{CE6537A1-D6FC-4f65-9D91-7224C49458BB}"/>
+                <c:ext xmlns:c16="http://schemas.microsoft.com/office/drawing/2014/chart" uri="{C3380CC4-5D6E-409C-BE32-E72D297353CC}">
+                  <c16:uniqueId val="{00000013-9c7c-5234-f38e-4d764bc6aa3c}"/>
+                </c:ext>
+              </c:extLst>
+            </c:dLbl>
+            <c:dLbl>
+              <c:idx val="13"/>
               <c:tx>
                 <c:rich>
                   <a:bodyPr>
@@ -1867,12 +2031,12 @@
               <c:extLst>
                 <c:ext xmlns:c15="http://schemas.microsoft.com/office/drawing/2012/chart" uri="{CE6537A1-D6FC-4f65-9D91-7224C49458BB}"/>
                 <c:ext xmlns:c16="http://schemas.microsoft.com/office/drawing/2014/chart" uri="{C3380CC4-5D6E-409C-BE32-E72D297353CC}">
-                  <c16:uniqueId val="{00000010-2016-6be2-f00c-07e9b0612665}"/>
+                  <c16:uniqueId val="{00000014-9c7c-5234-f38e-4d764bc6aa3c}"/>
                 </c:ext>
               </c:extLst>
             </c:dLbl>
             <c:dLbl>
-              <c:idx val="10"/>
+              <c:idx val="14"/>
               <c:tx>
                 <c:rich>
                   <a:bodyPr>
@@ -1885,7 +2049,7 @@
                     </a:pPr>
                     <a:r>
                       <a:rPr lang="en-US" dirty="0"/>
-                      <a:t>肿瘤内科</a:t>
+                      <a:t>中医经典科</a:t>
                     </a:r>
                   </a:p>
                 </c:rich>
@@ -1908,12 +2072,12 @@
               <c:extLst>
                 <c:ext xmlns:c15="http://schemas.microsoft.com/office/drawing/2012/chart" uri="{CE6537A1-D6FC-4f65-9D91-7224C49458BB}"/>
                 <c:ext xmlns:c16="http://schemas.microsoft.com/office/drawing/2014/chart" uri="{C3380CC4-5D6E-409C-BE32-E72D297353CC}">
-                  <c16:uniqueId val="{00000011-2016-6be2-f00c-07e9b0612665}"/>
+                  <c16:uniqueId val="{00000015-9c7c-5234-f38e-4d764bc6aa3c}"/>
                 </c:ext>
               </c:extLst>
             </c:dLbl>
             <c:dLbl>
-              <c:idx val="11"/>
+              <c:idx val="15"/>
               <c:tx>
                 <c:rich>
                   <a:bodyPr>
@@ -1926,7 +2090,7 @@
                     </a:pPr>
                     <a:r>
                       <a:rPr lang="en-US" dirty="0"/>
-                      <a:t>妇二科</a:t>
+                      <a:t>治未病中心</a:t>
                     </a:r>
                   </a:p>
                 </c:rich>
@@ -1949,12 +2113,12 @@
               <c:extLst>
                 <c:ext xmlns:c15="http://schemas.microsoft.com/office/drawing/2012/chart" uri="{CE6537A1-D6FC-4f65-9D91-7224C49458BB}"/>
                 <c:ext xmlns:c16="http://schemas.microsoft.com/office/drawing/2014/chart" uri="{C3380CC4-5D6E-409C-BE32-E72D297353CC}">
-                  <c16:uniqueId val="{00000012-2016-6be2-f00c-07e9b0612665}"/>
+                  <c16:uniqueId val="{00000016-9c7c-5234-f38e-4d764bc6aa3c}"/>
                 </c:ext>
               </c:extLst>
             </c:dLbl>
             <c:dLbl>
-              <c:idx val="12"/>
+              <c:idx val="16"/>
               <c:tx>
                 <c:rich>
                   <a:bodyPr>
@@ -1967,7 +2131,7 @@
                     </a:pPr>
                     <a:r>
                       <a:rPr lang="en-US" dirty="0"/>
-                      <a:t>脊柱骨科</a:t>
+                      <a:t>东区重症医学科</a:t>
                     </a:r>
                   </a:p>
                 </c:rich>
@@ -1990,12 +2154,12 @@
               <c:extLst>
                 <c:ext xmlns:c15="http://schemas.microsoft.com/office/drawing/2012/chart" uri="{CE6537A1-D6FC-4f65-9D91-7224C49458BB}"/>
                 <c:ext xmlns:c16="http://schemas.microsoft.com/office/drawing/2014/chart" uri="{C3380CC4-5D6E-409C-BE32-E72D297353CC}">
-                  <c16:uniqueId val="{00000013-2016-6be2-f00c-07e9b0612665}"/>
+                  <c16:uniqueId val="{00000017-9c7c-5234-f38e-4d764bc6aa3c}"/>
                 </c:ext>
               </c:extLst>
             </c:dLbl>
             <c:dLbl>
-              <c:idx val="13"/>
+              <c:idx val="17"/>
               <c:tx>
                 <c:rich>
                   <a:bodyPr>
@@ -2008,7 +2172,7 @@
                     </a:pPr>
                     <a:r>
                       <a:rPr lang="en-US" dirty="0"/>
-                      <a:t>呼吸内科</a:t>
+                      <a:t>小儿骨科</a:t>
                     </a:r>
                   </a:p>
                 </c:rich>
@@ -2031,12 +2195,12 @@
               <c:extLst>
                 <c:ext xmlns:c15="http://schemas.microsoft.com/office/drawing/2012/chart" uri="{CE6537A1-D6FC-4f65-9D91-7224C49458BB}"/>
                 <c:ext xmlns:c16="http://schemas.microsoft.com/office/drawing/2014/chart" uri="{C3380CC4-5D6E-409C-BE32-E72D297353CC}">
-                  <c16:uniqueId val="{00000014-2016-6be2-f00c-07e9b0612665}"/>
+                  <c16:uniqueId val="{00000018-9c7c-5234-f38e-4d764bc6aa3c}"/>
                 </c:ext>
               </c:extLst>
             </c:dLbl>
             <c:dLbl>
-              <c:idx val="14"/>
+              <c:idx val="18"/>
               <c:tx>
                 <c:rich>
                   <a:bodyPr>
@@ -2049,7 +2213,7 @@
                     </a:pPr>
                     <a:r>
                       <a:rPr lang="en-US" dirty="0"/>
-                      <a:t>儿科</a:t>
+                      <a:t>妇科妇二科合并</a:t>
                     </a:r>
                   </a:p>
                 </c:rich>
@@ -2072,12 +2236,12 @@
               <c:extLst>
                 <c:ext xmlns:c15="http://schemas.microsoft.com/office/drawing/2012/chart" uri="{CE6537A1-D6FC-4f65-9D91-7224C49458BB}"/>
                 <c:ext xmlns:c16="http://schemas.microsoft.com/office/drawing/2014/chart" uri="{C3380CC4-5D6E-409C-BE32-E72D297353CC}">
-                  <c16:uniqueId val="{00000015-2016-6be2-f00c-07e9b0612665}"/>
+                  <c16:uniqueId val="{00000019-9c7c-5234-f38e-4d764bc6aa3c}"/>
                 </c:ext>
               </c:extLst>
             </c:dLbl>
             <c:dLbl>
-              <c:idx val="15"/>
+              <c:idx val="19"/>
               <c:tx>
                 <c:rich>
                   <a:bodyPr>
@@ -2090,7 +2254,7 @@
                     </a:pPr>
                     <a:r>
                       <a:rPr lang="en-US" dirty="0"/>
-                      <a:t>眼科</a:t>
+                      <a:t>口腔科</a:t>
                     </a:r>
                   </a:p>
                 </c:rich>
@@ -2113,171 +2277,7 @@
               <c:extLst>
                 <c:ext xmlns:c15="http://schemas.microsoft.com/office/drawing/2012/chart" uri="{CE6537A1-D6FC-4f65-9D91-7224C49458BB}"/>
                 <c:ext xmlns:c16="http://schemas.microsoft.com/office/drawing/2014/chart" uri="{C3380CC4-5D6E-409C-BE32-E72D297353CC}">
-                  <c16:uniqueId val="{00000016-2016-6be2-f00c-07e9b0612665}"/>
-                </c:ext>
-              </c:extLst>
-            </c:dLbl>
-            <c:dLbl>
-              <c:idx val="16"/>
-              <c:tx>
-                <c:rich>
-                  <a:bodyPr>
-                    <a:spAutoFit/>
-                  </a:bodyPr>
-                  <a:lstStyle/>
-                  <a:p>
-                    <a:pPr>
-                      <a:defRPr/>
-                    </a:pPr>
-                    <a:r>
-                      <a:rPr lang="en-US" dirty="0"/>
-                      <a:t>脑病一科</a:t>
-                    </a:r>
-                  </a:p>
-                </c:rich>
-              </c:tx>
-              <c:spPr>
-                <a:noFill/>
-                <a:ln>
-                  <a:noFill/>
-                </a:ln>
-                <a:effectLst/>
-              </c:spPr>
-              <c:dLblPos val="t"/>
-              <c:showLegendKey val="0"/>
-              <c:showVal val="0"/>
-              <c:showCatName val="0"/>
-              <c:showSerName val="0"/>
-              <c:showPercent val="0"/>
-              <c:showBubbleSize val="0"/>
-              <c:showLeaderLines val="1"/>
-              <c:extLst>
-                <c:ext xmlns:c15="http://schemas.microsoft.com/office/drawing/2012/chart" uri="{CE6537A1-D6FC-4f65-9D91-7224C49458BB}"/>
-                <c:ext xmlns:c16="http://schemas.microsoft.com/office/drawing/2014/chart" uri="{C3380CC4-5D6E-409C-BE32-E72D297353CC}">
-                  <c16:uniqueId val="{00000017-2016-6be2-f00c-07e9b0612665}"/>
-                </c:ext>
-              </c:extLst>
-            </c:dLbl>
-            <c:dLbl>
-              <c:idx val="17"/>
-              <c:tx>
-                <c:rich>
-                  <a:bodyPr>
-                    <a:spAutoFit/>
-                  </a:bodyPr>
-                  <a:lstStyle/>
-                  <a:p>
-                    <a:pPr>
-                      <a:defRPr/>
-                    </a:pPr>
-                    <a:r>
-                      <a:rPr lang="en-US" dirty="0"/>
-                      <a:t>身心医学科</a:t>
-                    </a:r>
-                  </a:p>
-                </c:rich>
-              </c:tx>
-              <c:spPr>
-                <a:noFill/>
-                <a:ln>
-                  <a:noFill/>
-                </a:ln>
-                <a:effectLst/>
-              </c:spPr>
-              <c:dLblPos val="t"/>
-              <c:showLegendKey val="0"/>
-              <c:showVal val="0"/>
-              <c:showCatName val="0"/>
-              <c:showSerName val="0"/>
-              <c:showPercent val="0"/>
-              <c:showBubbleSize val="0"/>
-              <c:showLeaderLines val="1"/>
-              <c:extLst>
-                <c:ext xmlns:c15="http://schemas.microsoft.com/office/drawing/2012/chart" uri="{CE6537A1-D6FC-4f65-9D91-7224C49458BB}"/>
-                <c:ext xmlns:c16="http://schemas.microsoft.com/office/drawing/2014/chart" uri="{C3380CC4-5D6E-409C-BE32-E72D297353CC}">
-                  <c16:uniqueId val="{00000018-2016-6be2-f00c-07e9b0612665}"/>
-                </c:ext>
-              </c:extLst>
-            </c:dLbl>
-            <c:dLbl>
-              <c:idx val="18"/>
-              <c:tx>
-                <c:rich>
-                  <a:bodyPr>
-                    <a:spAutoFit/>
-                  </a:bodyPr>
-                  <a:lstStyle/>
-                  <a:p>
-                    <a:pPr>
-                      <a:defRPr/>
-                    </a:pPr>
-                    <a:r>
-                      <a:rPr lang="en-US" dirty="0"/>
-                      <a:t>脑病二科</a:t>
-                    </a:r>
-                  </a:p>
-                </c:rich>
-              </c:tx>
-              <c:spPr>
-                <a:noFill/>
-                <a:ln>
-                  <a:noFill/>
-                </a:ln>
-                <a:effectLst/>
-              </c:spPr>
-              <c:dLblPos val="t"/>
-              <c:showLegendKey val="0"/>
-              <c:showVal val="0"/>
-              <c:showCatName val="0"/>
-              <c:showSerName val="0"/>
-              <c:showPercent val="0"/>
-              <c:showBubbleSize val="0"/>
-              <c:showLeaderLines val="1"/>
-              <c:extLst>
-                <c:ext xmlns:c15="http://schemas.microsoft.com/office/drawing/2012/chart" uri="{CE6537A1-D6FC-4f65-9D91-7224C49458BB}"/>
-                <c:ext xmlns:c16="http://schemas.microsoft.com/office/drawing/2014/chart" uri="{C3380CC4-5D6E-409C-BE32-E72D297353CC}">
-                  <c16:uniqueId val="{00000019-2016-6be2-f00c-07e9b0612665}"/>
-                </c:ext>
-              </c:extLst>
-            </c:dLbl>
-            <c:dLbl>
-              <c:idx val="19"/>
-              <c:tx>
-                <c:rich>
-                  <a:bodyPr>
-                    <a:spAutoFit/>
-                  </a:bodyPr>
-                  <a:lstStyle/>
-                  <a:p>
-                    <a:pPr>
-                      <a:defRPr/>
-                    </a:pPr>
-                    <a:r>
-                      <a:rPr lang="en-US" dirty="0"/>
-                      <a:t>骨科</a:t>
-                    </a:r>
-                  </a:p>
-                </c:rich>
-              </c:tx>
-              <c:spPr>
-                <a:noFill/>
-                <a:ln>
-                  <a:noFill/>
-                </a:ln>
-                <a:effectLst/>
-              </c:spPr>
-              <c:dLblPos val="t"/>
-              <c:showLegendKey val="0"/>
-              <c:showVal val="0"/>
-              <c:showCatName val="0"/>
-              <c:showSerName val="0"/>
-              <c:showPercent val="0"/>
-              <c:showBubbleSize val="0"/>
-              <c:showLeaderLines val="1"/>
-              <c:extLst>
-                <c:ext xmlns:c15="http://schemas.microsoft.com/office/drawing/2012/chart" uri="{CE6537A1-D6FC-4f65-9D91-7224C49458BB}"/>
-                <c:ext xmlns:c16="http://schemas.microsoft.com/office/drawing/2014/chart" uri="{C3380CC4-5D6E-409C-BE32-E72D297353CC}">
-                  <c16:uniqueId val="{00000020-2016-6be2-f00c-07e9b0612665}"/>
+                  <c16:uniqueId val="{00000020-9c7c-5234-f38e-4d764bc6aa3c}"/>
                 </c:ext>
               </c:extLst>
             </c:dLbl>
@@ -2289,64 +2289,64 @@
                 <c:formatCode>General</c:formatCode>
                 <c:ptCount val="20"/>
                 <c:pt idx="0">
-                  <c:v>31.705954336632214</c:v>
+                  <c:v>14.214964427052658</c:v>
                 </c:pt>
                 <c:pt idx="1">
-                  <c:v>29.269084998299437</c:v>
+                  <c:v>18.736210607864283</c:v>
                 </c:pt>
                 <c:pt idx="2">
-                  <c:v>29.579690533207604</c:v>
+                  <c:v>9.348682835643647</c:v>
                 </c:pt>
                 <c:pt idx="3">
-                  <c:v>22.190831001828432</c:v>
+                  <c:v>13.696451235734125</c:v>
                 </c:pt>
                 <c:pt idx="4">
-                  <c:v>29.038082822392884</c:v>
+                  <c:v>100</c:v>
                 </c:pt>
                 <c:pt idx="5">
-                  <c:v>25.884987434557534</c:v>
+                  <c:v>11.243888062591882</c:v>
                 </c:pt>
                 <c:pt idx="6">
-                  <c:v>54.945554542192184</c:v>
+                  <c:v>10.874424664840717</c:v>
                 </c:pt>
                 <c:pt idx="7">
-                  <c:v>31.60793916425658</c:v>
+                  <c:v>35.29791612457484</c:v>
                 </c:pt>
                 <c:pt idx="8">
-                  <c:v>18.85838031011795</c:v>
+                  <c:v>19.346318025864903</c:v>
                 </c:pt>
                 <c:pt idx="9">
-                  <c:v>34.320380908145765</c:v>
+                  <c:v>23.95121706116508</c:v>
                 </c:pt>
                 <c:pt idx="10">
-                  <c:v>46.284957839002715</c:v>
+                  <c:v>30.85539509555974</c:v>
                 </c:pt>
                 <c:pt idx="11">
-                  <c:v>10.770130631714826</c:v>
+                  <c:v>34.218341698323776</c:v>
                 </c:pt>
                 <c:pt idx="12">
-                  <c:v>83.28082549899588</c:v>
+                  <c:v>20.066389016362997</c:v>
                 </c:pt>
                 <c:pt idx="13">
-                  <c:v>26.736816613888944</c:v>
+                  <c:v>5.283111710873318</c:v>
                 </c:pt>
                 <c:pt idx="14">
-                  <c:v>46.720230864859246</c:v>
+                  <c:v>30.04138813605689</c:v>
                 </c:pt>
                 <c:pt idx="15">
-                  <c:v>36.022027805120594</c:v>
+                  <c:v>18.408066630845695</c:v>
                 </c:pt>
                 <c:pt idx="16">
-                  <c:v>20.130325455172866</c:v>
+                  <c:v>2.812038098308511</c:v>
                 </c:pt>
                 <c:pt idx="17">
-                  <c:v>25.0184809953552</c:v>
+                  <c:v>14.016367039218217</c:v>
                 </c:pt>
                 <c:pt idx="18">
-                  <c:v>29.6294861821261</c:v>
+                  <c:v>53.912037033685785</c:v>
                 </c:pt>
                 <c:pt idx="19">
-                  <c:v>23.973931014730212</c:v>
+                  <c:v>86.28709570038926</c:v>
                 </c:pt>
               </c:numCache>
             </c:numRef>
@@ -2361,61 +2361,61 @@
                   <c:v>100</c:v>
                 </c:pt>
                 <c:pt idx="1">
-                  <c:v>0.002363974110576946</c:v>
+                  <c:v>0.002383219160954926</c:v>
                 </c:pt>
                 <c:pt idx="2">
-                  <c:v>0.002362432201278121</c:v>
+                  <c:v>0.0023489154886042127</c:v>
                 </c:pt>
                 <c:pt idx="3">
-                  <c:v>0.0022174531448005044</c:v>
+                  <c:v>0.0023281598325801327</c:v>
                 </c:pt>
                 <c:pt idx="4">
-                  <c:v>0.0022086763311341</c:v>
+                  <c:v>0.0022361007128397035</c:v>
                 </c:pt>
                 <c:pt idx="5">
-                  <c:v>0.002167288082642946</c:v>
+                  <c:v>0.00217834208292301</c:v>
                 </c:pt>
                 <c:pt idx="6">
-                  <c:v>0.0021294271528884815</c:v>
+                  <c:v>0.002132404309779339</c:v>
                 </c:pt>
                 <c:pt idx="7">
-                  <c:v>0.0020873300039956242</c:v>
+                  <c:v>0.0021294135669049875</c:v>
                 </c:pt>
                 <c:pt idx="8">
-                  <c:v>0.0020494177294420467</c:v>
+                  <c:v>0.0021201133128033625</c:v>
                 </c:pt>
                 <c:pt idx="9">
-                  <c:v>0.0019968422100606273</c:v>
+                  <c:v>0.002087612419226649</c:v>
                 </c:pt>
                 <c:pt idx="10">
-                  <c:v>0.0019745845601156706</c:v>
+                  <c:v>0.0020207227506924236</c:v>
                 </c:pt>
                 <c:pt idx="11">
-                  <c:v>0.0019740090382041296</c:v>
+                  <c:v>0.00201350585548696</c:v>
                 </c:pt>
                 <c:pt idx="12">
-                  <c:v>0.001921063033015507</c:v>
+                  <c:v>0.0020125372859875917</c:v>
                 </c:pt>
                 <c:pt idx="13">
-                  <c:v>0.0019029077661736377</c:v>
+                  <c:v>0.0019953562254469625</c:v>
                 </c:pt>
                 <c:pt idx="14">
-                  <c:v>0.001881125732725694</c:v>
+                  <c:v>0.0019399772083270514</c:v>
                 </c:pt>
                 <c:pt idx="15">
-                  <c:v>0.0018729648806606887</c:v>
+                  <c:v>0.0019084920249531193</c:v>
                 </c:pt>
                 <c:pt idx="16">
-                  <c:v>0.0018285713396662899</c:v>
+                  <c:v>0.0019019815121753907</c:v>
                 </c:pt>
                 <c:pt idx="17">
-                  <c:v>0.001765204024908753</c:v>
+                  <c:v>0.0017995801884231161</c:v>
                 </c:pt>
                 <c:pt idx="18">
-                  <c:v>0.001744297311083872</c:v>
+                  <c:v>0.0017782837199025988</c:v>
                 </c:pt>
                 <c:pt idx="19">
-                  <c:v>0.0017319676202556939</c:v>
+                  <c:v>0.0017299737592286896</c:v>
                 </c:pt>
               </c:numCache>
             </c:numRef>

--- a/cases/goodhostpital2021/对标分析报告.pg.pptx
+++ b/cases/goodhostpital2021/对标分析报告.pg.pptx
@@ -109,13 +109,13 @@
   <p:extLst>
     <p:ext uri="{521415D9-36F7-43E2-AB2F-B90AF26B5E84}">
       <p14:sectionLst xmlns:p14="http://schemas.microsoft.com/office/powerpoint/2010/main">
-        <p14:section name="院内专科BCG散点图" id="{eae45f9e-92c3-30d3-c226-b88e11833f65}">
+        <p14:section name="院内专科BCG散点图" id="{65395a69-a938-1014-68a3-7325f2a96aa5}">
           <p14:sldIdLst>
             <p14:sldId id="257"/>
             <p14:sldId id="258"/>
           </p14:sldIdLst>
         </p14:section>
-        <p14:section name="院内专科梯队表格" id="{572503de-b7f3-1f68-d9e4-9576b26c714a}">
+        <p14:section name="院内专科梯队表格" id="{5cb20cfa-753c-8cb3-f786-04a68b536ff2}">
           <p14:sldIdLst/>
         </p14:section>
       </p14:sectionLst>
@@ -127,7 +127,7 @@
 </p:presentation>
 </file>
 
-<file path=ppt/charts/chart1721.xml><?xml version="1.0" encoding="utf-8"?>
+<file path=ppt/charts/chart245.xml><?xml version="1.0" encoding="utf-8"?>
 <c:chartSpace xmlns:c="http://schemas.openxmlformats.org/drawingml/2006/chart" xmlns:a="http://schemas.openxmlformats.org/drawingml/2006/main" xmlns:r="http://schemas.openxmlformats.org/officeDocument/2006/relationships">
   <c:date1904 val="0"/>
   <c:chart>
@@ -221,7 +221,7 @@
                     </a:pPr>
                     <a:r>
                       <a:rPr lang="en-US" dirty="0"/>
-                      <a:t>关节骨科</a:t>
+                      <a:t>肝病科</a:t>
                     </a:r>
                   </a:p>
                 </c:rich>
@@ -244,7 +244,7 @@
               <c:extLst>
                 <c:ext xmlns:c15="http://schemas.microsoft.com/office/drawing/2012/chart" uri="{CE6537A1-D6FC-4f65-9D91-7224C49458BB}"/>
                 <c:ext xmlns:c16="http://schemas.microsoft.com/office/drawing/2014/chart" uri="{C3380CC4-5D6E-409C-BE32-E72D297353CC}">
-                  <c16:uniqueId val="{00000001-0f98-beb6-d6a9-dd004ba0bad2}"/>
+                  <c16:uniqueId val="{00000001-621c-b36a-0a1c-2e885a9774c0}"/>
                 </c:ext>
               </c:extLst>
             </c:dLbl>
@@ -262,7 +262,7 @@
                     </a:pPr>
                     <a:r>
                       <a:rPr lang="en-US" dirty="0"/>
-                      <a:t>口腔科</a:t>
+                      <a:t>周围血管科</a:t>
                     </a:r>
                   </a:p>
                 </c:rich>
@@ -285,7 +285,7 @@
               <c:extLst>
                 <c:ext xmlns:c15="http://schemas.microsoft.com/office/drawing/2012/chart" uri="{CE6537A1-D6FC-4f65-9D91-7224C49458BB}"/>
                 <c:ext xmlns:c16="http://schemas.microsoft.com/office/drawing/2014/chart" uri="{C3380CC4-5D6E-409C-BE32-E72D297353CC}">
-                  <c16:uniqueId val="{00000002-0f98-beb6-d6a9-dd004ba0bad2}"/>
+                  <c16:uniqueId val="{00000002-621c-b36a-0a1c-2e885a9774c0}"/>
                 </c:ext>
               </c:extLst>
             </c:dLbl>
@@ -303,7 +303,7 @@
                     </a:pPr>
                     <a:r>
                       <a:rPr lang="en-US" dirty="0"/>
-                      <a:t>神经外科</a:t>
+                      <a:t>产科</a:t>
                     </a:r>
                   </a:p>
                 </c:rich>
@@ -326,7 +326,7 @@
               <c:extLst>
                 <c:ext xmlns:c15="http://schemas.microsoft.com/office/drawing/2012/chart" uri="{CE6537A1-D6FC-4f65-9D91-7224C49458BB}"/>
                 <c:ext xmlns:c16="http://schemas.microsoft.com/office/drawing/2014/chart" uri="{C3380CC4-5D6E-409C-BE32-E72D297353CC}">
-                  <c16:uniqueId val="{00000003-0f98-beb6-d6a9-dd004ba0bad2}"/>
+                  <c16:uniqueId val="{00000003-621c-b36a-0a1c-2e885a9774c0}"/>
                 </c:ext>
               </c:extLst>
             </c:dLbl>
@@ -344,7 +344,7 @@
                     </a:pPr>
                     <a:r>
                       <a:rPr lang="en-US" dirty="0"/>
-                      <a:t>妇科妇二科合并</a:t>
+                      <a:t>重症医学科</a:t>
                     </a:r>
                   </a:p>
                 </c:rich>
@@ -367,7 +367,7 @@
               <c:extLst>
                 <c:ext xmlns:c15="http://schemas.microsoft.com/office/drawing/2012/chart" uri="{CE6537A1-D6FC-4f65-9D91-7224C49458BB}"/>
                 <c:ext xmlns:c16="http://schemas.microsoft.com/office/drawing/2014/chart" uri="{C3380CC4-5D6E-409C-BE32-E72D297353CC}">
-                  <c16:uniqueId val="{00000004-0f98-beb6-d6a9-dd004ba0bad2}"/>
+                  <c16:uniqueId val="{00000004-621c-b36a-0a1c-2e885a9774c0}"/>
                 </c:ext>
               </c:extLst>
             </c:dLbl>
@@ -408,7 +408,7 @@
               <c:extLst>
                 <c:ext xmlns:c15="http://schemas.microsoft.com/office/drawing/2012/chart" uri="{CE6537A1-D6FC-4f65-9D91-7224C49458BB}"/>
                 <c:ext xmlns:c16="http://schemas.microsoft.com/office/drawing/2014/chart" uri="{C3380CC4-5D6E-409C-BE32-E72D297353CC}">
-                  <c16:uniqueId val="{00000005-0f98-beb6-d6a9-dd004ba0bad2}"/>
+                  <c16:uniqueId val="{00000005-621c-b36a-0a1c-2e885a9774c0}"/>
                 </c:ext>
               </c:extLst>
             </c:dLbl>
@@ -426,7 +426,7 @@
                     </a:pPr>
                     <a:r>
                       <a:rPr lang="en-US" dirty="0"/>
-                      <a:t>运动损伤骨科</a:t>
+                      <a:t>东区肾病科</a:t>
                     </a:r>
                   </a:p>
                 </c:rich>
@@ -449,12 +449,545 @@
               <c:extLst>
                 <c:ext xmlns:c15="http://schemas.microsoft.com/office/drawing/2012/chart" uri="{CE6537A1-D6FC-4f65-9D91-7224C49458BB}"/>
                 <c:ext xmlns:c16="http://schemas.microsoft.com/office/drawing/2014/chart" uri="{C3380CC4-5D6E-409C-BE32-E72D297353CC}">
-                  <c16:uniqueId val="{00000006-0f98-beb6-d6a9-dd004ba0bad2}"/>
+                  <c16:uniqueId val="{00000006-621c-b36a-0a1c-2e885a9774c0}"/>
                 </c:ext>
               </c:extLst>
             </c:dLbl>
             <c:dLbl>
               <c:idx val="6"/>
+              <c:tx>
+                <c:rich>
+                  <a:bodyPr>
+                    <a:spAutoFit/>
+                  </a:bodyPr>
+                  <a:lstStyle/>
+                  <a:p>
+                    <a:pPr>
+                      <a:defRPr/>
+                    </a:pPr>
+                    <a:r>
+                      <a:rPr lang="en-US" dirty="0"/>
+                      <a:t>肾病科</a:t>
+                    </a:r>
+                  </a:p>
+                </c:rich>
+              </c:tx>
+              <c:spPr>
+                <a:noFill/>
+                <a:ln>
+                  <a:noFill/>
+                </a:ln>
+                <a:effectLst/>
+              </c:spPr>
+              <c:dLblPos val="t"/>
+              <c:showLegendKey val="0"/>
+              <c:showVal val="0"/>
+              <c:showCatName val="0"/>
+              <c:showSerName val="0"/>
+              <c:showPercent val="0"/>
+              <c:showBubbleSize val="0"/>
+              <c:showLeaderLines val="1"/>
+              <c:extLst>
+                <c:ext xmlns:c15="http://schemas.microsoft.com/office/drawing/2012/chart" uri="{CE6537A1-D6FC-4f65-9D91-7224C49458BB}"/>
+                <c:ext xmlns:c16="http://schemas.microsoft.com/office/drawing/2014/chart" uri="{C3380CC4-5D6E-409C-BE32-E72D297353CC}">
+                  <c16:uniqueId val="{00000007-621c-b36a-0a1c-2e885a9774c0}"/>
+                </c:ext>
+              </c:extLst>
+            </c:dLbl>
+            <c:dLbl>
+              <c:idx val="7"/>
+              <c:tx>
+                <c:rich>
+                  <a:bodyPr>
+                    <a:spAutoFit/>
+                  </a:bodyPr>
+                  <a:lstStyle/>
+                  <a:p>
+                    <a:pPr>
+                      <a:defRPr/>
+                    </a:pPr>
+                    <a:r>
+                      <a:rPr lang="en-US" dirty="0"/>
+                      <a:t>微创骨科</a:t>
+                    </a:r>
+                  </a:p>
+                </c:rich>
+              </c:tx>
+              <c:spPr>
+                <a:noFill/>
+                <a:ln>
+                  <a:noFill/>
+                </a:ln>
+                <a:effectLst/>
+              </c:spPr>
+              <c:dLblPos val="t"/>
+              <c:showLegendKey val="0"/>
+              <c:showVal val="0"/>
+              <c:showCatName val="0"/>
+              <c:showSerName val="0"/>
+              <c:showPercent val="0"/>
+              <c:showBubbleSize val="0"/>
+              <c:showLeaderLines val="1"/>
+              <c:extLst>
+                <c:ext xmlns:c15="http://schemas.microsoft.com/office/drawing/2012/chart" uri="{CE6537A1-D6FC-4f65-9D91-7224C49458BB}"/>
+                <c:ext xmlns:c16="http://schemas.microsoft.com/office/drawing/2014/chart" uri="{C3380CC4-5D6E-409C-BE32-E72D297353CC}">
+                  <c16:uniqueId val="{00000008-621c-b36a-0a1c-2e885a9774c0}"/>
+                </c:ext>
+              </c:extLst>
+            </c:dLbl>
+            <c:dLbl>
+              <c:idx val="8"/>
+              <c:tx>
+                <c:rich>
+                  <a:bodyPr>
+                    <a:spAutoFit/>
+                  </a:bodyPr>
+                  <a:lstStyle/>
+                  <a:p>
+                    <a:pPr>
+                      <a:defRPr/>
+                    </a:pPr>
+                    <a:r>
+                      <a:rPr lang="en-US" dirty="0"/>
+                      <a:t>脾胃病科</a:t>
+                    </a:r>
+                  </a:p>
+                </c:rich>
+              </c:tx>
+              <c:spPr>
+                <a:noFill/>
+                <a:ln>
+                  <a:noFill/>
+                </a:ln>
+                <a:effectLst/>
+              </c:spPr>
+              <c:dLblPos val="t"/>
+              <c:showLegendKey val="0"/>
+              <c:showVal val="0"/>
+              <c:showCatName val="0"/>
+              <c:showSerName val="0"/>
+              <c:showPercent val="0"/>
+              <c:showBubbleSize val="0"/>
+              <c:showLeaderLines val="1"/>
+              <c:extLst>
+                <c:ext xmlns:c15="http://schemas.microsoft.com/office/drawing/2012/chart" uri="{CE6537A1-D6FC-4f65-9D91-7224C49458BB}"/>
+                <c:ext xmlns:c16="http://schemas.microsoft.com/office/drawing/2014/chart" uri="{C3380CC4-5D6E-409C-BE32-E72D297353CC}">
+                  <c16:uniqueId val="{00000009-621c-b36a-0a1c-2e885a9774c0}"/>
+                </c:ext>
+              </c:extLst>
+            </c:dLbl>
+            <c:dLbl>
+              <c:idx val="9"/>
+              <c:tx>
+                <c:rich>
+                  <a:bodyPr>
+                    <a:spAutoFit/>
+                  </a:bodyPr>
+                  <a:lstStyle/>
+                  <a:p>
+                    <a:pPr>
+                      <a:defRPr/>
+                    </a:pPr>
+                    <a:r>
+                      <a:rPr lang="en-US" dirty="0"/>
+                      <a:t>小儿骨科</a:t>
+                    </a:r>
+                  </a:p>
+                </c:rich>
+              </c:tx>
+              <c:spPr>
+                <a:noFill/>
+                <a:ln>
+                  <a:noFill/>
+                </a:ln>
+                <a:effectLst/>
+              </c:spPr>
+              <c:dLblPos val="t"/>
+              <c:showLegendKey val="0"/>
+              <c:showVal val="0"/>
+              <c:showCatName val="0"/>
+              <c:showSerName val="0"/>
+              <c:showPercent val="0"/>
+              <c:showBubbleSize val="0"/>
+              <c:showLeaderLines val="1"/>
+              <c:extLst>
+                <c:ext xmlns:c15="http://schemas.microsoft.com/office/drawing/2012/chart" uri="{CE6537A1-D6FC-4f65-9D91-7224C49458BB}"/>
+                <c:ext xmlns:c16="http://schemas.microsoft.com/office/drawing/2014/chart" uri="{C3380CC4-5D6E-409C-BE32-E72D297353CC}">
+                  <c16:uniqueId val="{00000010-621c-b36a-0a1c-2e885a9774c0}"/>
+                </c:ext>
+              </c:extLst>
+            </c:dLbl>
+            <c:dLbl>
+              <c:idx val="10"/>
+              <c:tx>
+                <c:rich>
+                  <a:bodyPr>
+                    <a:spAutoFit/>
+                  </a:bodyPr>
+                  <a:lstStyle/>
+                  <a:p>
+                    <a:pPr>
+                      <a:defRPr/>
+                    </a:pPr>
+                    <a:r>
+                      <a:rPr lang="en-US" dirty="0"/>
+                      <a:t>肿瘤内科</a:t>
+                    </a:r>
+                  </a:p>
+                </c:rich>
+              </c:tx>
+              <c:spPr>
+                <a:noFill/>
+                <a:ln>
+                  <a:noFill/>
+                </a:ln>
+                <a:effectLst/>
+              </c:spPr>
+              <c:dLblPos val="t"/>
+              <c:showLegendKey val="0"/>
+              <c:showVal val="0"/>
+              <c:showCatName val="0"/>
+              <c:showSerName val="0"/>
+              <c:showPercent val="0"/>
+              <c:showBubbleSize val="0"/>
+              <c:showLeaderLines val="1"/>
+              <c:extLst>
+                <c:ext xmlns:c15="http://schemas.microsoft.com/office/drawing/2012/chart" uri="{CE6537A1-D6FC-4f65-9D91-7224C49458BB}"/>
+                <c:ext xmlns:c16="http://schemas.microsoft.com/office/drawing/2014/chart" uri="{C3380CC4-5D6E-409C-BE32-E72D297353CC}">
+                  <c16:uniqueId val="{00000011-621c-b36a-0a1c-2e885a9774c0}"/>
+                </c:ext>
+              </c:extLst>
+            </c:dLbl>
+            <c:dLbl>
+              <c:idx val="11"/>
+              <c:tx>
+                <c:rich>
+                  <a:bodyPr>
+                    <a:spAutoFit/>
+                  </a:bodyPr>
+                  <a:lstStyle/>
+                  <a:p>
+                    <a:pPr>
+                      <a:defRPr/>
+                    </a:pPr>
+                    <a:r>
+                      <a:rPr lang="en-US" dirty="0"/>
+                      <a:t>肛肠科</a:t>
+                    </a:r>
+                  </a:p>
+                </c:rich>
+              </c:tx>
+              <c:spPr>
+                <a:noFill/>
+                <a:ln>
+                  <a:noFill/>
+                </a:ln>
+                <a:effectLst/>
+              </c:spPr>
+              <c:dLblPos val="t"/>
+              <c:showLegendKey val="0"/>
+              <c:showVal val="0"/>
+              <c:showCatName val="0"/>
+              <c:showSerName val="0"/>
+              <c:showPercent val="0"/>
+              <c:showBubbleSize val="0"/>
+              <c:showLeaderLines val="1"/>
+              <c:extLst>
+                <c:ext xmlns:c15="http://schemas.microsoft.com/office/drawing/2012/chart" uri="{CE6537A1-D6FC-4f65-9D91-7224C49458BB}"/>
+                <c:ext xmlns:c16="http://schemas.microsoft.com/office/drawing/2014/chart" uri="{C3380CC4-5D6E-409C-BE32-E72D297353CC}">
+                  <c16:uniqueId val="{00000012-621c-b36a-0a1c-2e885a9774c0}"/>
+                </c:ext>
+              </c:extLst>
+            </c:dLbl>
+            <c:dLbl>
+              <c:idx val="12"/>
+              <c:tx>
+                <c:rich>
+                  <a:bodyPr>
+                    <a:spAutoFit/>
+                  </a:bodyPr>
+                  <a:lstStyle/>
+                  <a:p>
+                    <a:pPr>
+                      <a:defRPr/>
+                    </a:pPr>
+                    <a:r>
+                      <a:rPr lang="en-US" dirty="0"/>
+                      <a:t>脊柱骨科</a:t>
+                    </a:r>
+                  </a:p>
+                </c:rich>
+              </c:tx>
+              <c:spPr>
+                <a:noFill/>
+                <a:ln>
+                  <a:noFill/>
+                </a:ln>
+                <a:effectLst/>
+              </c:spPr>
+              <c:dLblPos val="t"/>
+              <c:showLegendKey val="0"/>
+              <c:showVal val="0"/>
+              <c:showCatName val="0"/>
+              <c:showSerName val="0"/>
+              <c:showPercent val="0"/>
+              <c:showBubbleSize val="0"/>
+              <c:showLeaderLines val="1"/>
+              <c:extLst>
+                <c:ext xmlns:c15="http://schemas.microsoft.com/office/drawing/2012/chart" uri="{CE6537A1-D6FC-4f65-9D91-7224C49458BB}"/>
+                <c:ext xmlns:c16="http://schemas.microsoft.com/office/drawing/2014/chart" uri="{C3380CC4-5D6E-409C-BE32-E72D297353CC}">
+                  <c16:uniqueId val="{00000013-621c-b36a-0a1c-2e885a9774c0}"/>
+                </c:ext>
+              </c:extLst>
+            </c:dLbl>
+            <c:dLbl>
+              <c:idx val="13"/>
+              <c:tx>
+                <c:rich>
+                  <a:bodyPr>
+                    <a:spAutoFit/>
+                  </a:bodyPr>
+                  <a:lstStyle/>
+                  <a:p>
+                    <a:pPr>
+                      <a:defRPr/>
+                    </a:pPr>
+                    <a:r>
+                      <a:rPr lang="en-US" dirty="0"/>
+                      <a:t>脾胃科消化科合并</a:t>
+                    </a:r>
+                  </a:p>
+                </c:rich>
+              </c:tx>
+              <c:spPr>
+                <a:noFill/>
+                <a:ln>
+                  <a:noFill/>
+                </a:ln>
+                <a:effectLst/>
+              </c:spPr>
+              <c:dLblPos val="t"/>
+              <c:showLegendKey val="0"/>
+              <c:showVal val="0"/>
+              <c:showCatName val="0"/>
+              <c:showSerName val="0"/>
+              <c:showPercent val="0"/>
+              <c:showBubbleSize val="0"/>
+              <c:showLeaderLines val="1"/>
+              <c:extLst>
+                <c:ext xmlns:c15="http://schemas.microsoft.com/office/drawing/2012/chart" uri="{CE6537A1-D6FC-4f65-9D91-7224C49458BB}"/>
+                <c:ext xmlns:c16="http://schemas.microsoft.com/office/drawing/2014/chart" uri="{C3380CC4-5D6E-409C-BE32-E72D297353CC}">
+                  <c16:uniqueId val="{00000014-621c-b36a-0a1c-2e885a9774c0}"/>
+                </c:ext>
+              </c:extLst>
+            </c:dLbl>
+            <c:dLbl>
+              <c:idx val="14"/>
+              <c:tx>
+                <c:rich>
+                  <a:bodyPr>
+                    <a:spAutoFit/>
+                  </a:bodyPr>
+                  <a:lstStyle/>
+                  <a:p>
+                    <a:pPr>
+                      <a:defRPr/>
+                    </a:pPr>
+                    <a:r>
+                      <a:rPr lang="en-US" dirty="0"/>
+                      <a:t>心病一科</a:t>
+                    </a:r>
+                  </a:p>
+                </c:rich>
+              </c:tx>
+              <c:spPr>
+                <a:noFill/>
+                <a:ln>
+                  <a:noFill/>
+                </a:ln>
+                <a:effectLst/>
+              </c:spPr>
+              <c:dLblPos val="t"/>
+              <c:showLegendKey val="0"/>
+              <c:showVal val="0"/>
+              <c:showCatName val="0"/>
+              <c:showSerName val="0"/>
+              <c:showPercent val="0"/>
+              <c:showBubbleSize val="0"/>
+              <c:showLeaderLines val="1"/>
+              <c:extLst>
+                <c:ext xmlns:c15="http://schemas.microsoft.com/office/drawing/2012/chart" uri="{CE6537A1-D6FC-4f65-9D91-7224C49458BB}"/>
+                <c:ext xmlns:c16="http://schemas.microsoft.com/office/drawing/2014/chart" uri="{C3380CC4-5D6E-409C-BE32-E72D297353CC}">
+                  <c16:uniqueId val="{00000015-621c-b36a-0a1c-2e885a9774c0}"/>
+                </c:ext>
+              </c:extLst>
+            </c:dLbl>
+            <c:dLbl>
+              <c:idx val="15"/>
+              <c:tx>
+                <c:rich>
+                  <a:bodyPr>
+                    <a:spAutoFit/>
+                  </a:bodyPr>
+                  <a:lstStyle/>
+                  <a:p>
+                    <a:pPr>
+                      <a:defRPr/>
+                    </a:pPr>
+                    <a:r>
+                      <a:rPr lang="en-US" dirty="0"/>
+                      <a:t>心血管内科</a:t>
+                    </a:r>
+                  </a:p>
+                </c:rich>
+              </c:tx>
+              <c:spPr>
+                <a:noFill/>
+                <a:ln>
+                  <a:noFill/>
+                </a:ln>
+                <a:effectLst/>
+              </c:spPr>
+              <c:dLblPos val="t"/>
+              <c:showLegendKey val="0"/>
+              <c:showVal val="0"/>
+              <c:showCatName val="0"/>
+              <c:showSerName val="0"/>
+              <c:showPercent val="0"/>
+              <c:showBubbleSize val="0"/>
+              <c:showLeaderLines val="1"/>
+              <c:extLst>
+                <c:ext xmlns:c15="http://schemas.microsoft.com/office/drawing/2012/chart" uri="{CE6537A1-D6FC-4f65-9D91-7224C49458BB}"/>
+                <c:ext xmlns:c16="http://schemas.microsoft.com/office/drawing/2014/chart" uri="{C3380CC4-5D6E-409C-BE32-E72D297353CC}">
+                  <c16:uniqueId val="{00000016-621c-b36a-0a1c-2e885a9774c0}"/>
+                </c:ext>
+              </c:extLst>
+            </c:dLbl>
+            <c:dLbl>
+              <c:idx val="16"/>
+              <c:tx>
+                <c:rich>
+                  <a:bodyPr>
+                    <a:spAutoFit/>
+                  </a:bodyPr>
+                  <a:lstStyle/>
+                  <a:p>
+                    <a:pPr>
+                      <a:defRPr/>
+                    </a:pPr>
+                    <a:r>
+                      <a:rPr lang="en-US" dirty="0"/>
+                      <a:t>综合内科</a:t>
+                    </a:r>
+                  </a:p>
+                </c:rich>
+              </c:tx>
+              <c:spPr>
+                <a:noFill/>
+                <a:ln>
+                  <a:noFill/>
+                </a:ln>
+                <a:effectLst/>
+              </c:spPr>
+              <c:dLblPos val="t"/>
+              <c:showLegendKey val="0"/>
+              <c:showVal val="0"/>
+              <c:showCatName val="0"/>
+              <c:showSerName val="0"/>
+              <c:showPercent val="0"/>
+              <c:showBubbleSize val="0"/>
+              <c:showLeaderLines val="1"/>
+              <c:extLst>
+                <c:ext xmlns:c15="http://schemas.microsoft.com/office/drawing/2012/chart" uri="{CE6537A1-D6FC-4f65-9D91-7224C49458BB}"/>
+                <c:ext xmlns:c16="http://schemas.microsoft.com/office/drawing/2014/chart" uri="{C3380CC4-5D6E-409C-BE32-E72D297353CC}">
+                  <c16:uniqueId val="{00000017-621c-b36a-0a1c-2e885a9774c0}"/>
+                </c:ext>
+              </c:extLst>
+            </c:dLbl>
+            <c:dLbl>
+              <c:idx val="17"/>
+              <c:tx>
+                <c:rich>
+                  <a:bodyPr>
+                    <a:spAutoFit/>
+                  </a:bodyPr>
+                  <a:lstStyle/>
+                  <a:p>
+                    <a:pPr>
+                      <a:defRPr/>
+                    </a:pPr>
+                    <a:r>
+                      <a:rPr lang="en-US" dirty="0"/>
+                      <a:t>眼科</a:t>
+                    </a:r>
+                  </a:p>
+                </c:rich>
+              </c:tx>
+              <c:spPr>
+                <a:noFill/>
+                <a:ln>
+                  <a:noFill/>
+                </a:ln>
+                <a:effectLst/>
+              </c:spPr>
+              <c:dLblPos val="t"/>
+              <c:showLegendKey val="0"/>
+              <c:showVal val="0"/>
+              <c:showCatName val="0"/>
+              <c:showSerName val="0"/>
+              <c:showPercent val="0"/>
+              <c:showBubbleSize val="0"/>
+              <c:showLeaderLines val="1"/>
+              <c:extLst>
+                <c:ext xmlns:c15="http://schemas.microsoft.com/office/drawing/2012/chart" uri="{CE6537A1-D6FC-4f65-9D91-7224C49458BB}"/>
+                <c:ext xmlns:c16="http://schemas.microsoft.com/office/drawing/2014/chart" uri="{C3380CC4-5D6E-409C-BE32-E72D297353CC}">
+                  <c16:uniqueId val="{00000018-621c-b36a-0a1c-2e885a9774c0}"/>
+                </c:ext>
+              </c:extLst>
+            </c:dLbl>
+            <c:dLbl>
+              <c:idx val="18"/>
+              <c:tx>
+                <c:rich>
+                  <a:bodyPr>
+                    <a:spAutoFit/>
+                  </a:bodyPr>
+                  <a:lstStyle/>
+                  <a:p>
+                    <a:pPr>
+                      <a:defRPr/>
+                    </a:pPr>
+                    <a:r>
+                      <a:rPr lang="en-US" dirty="0"/>
+                      <a:t>脑病三科</a:t>
+                    </a:r>
+                  </a:p>
+                </c:rich>
+              </c:tx>
+              <c:spPr>
+                <a:noFill/>
+                <a:ln>
+                  <a:noFill/>
+                </a:ln>
+                <a:effectLst/>
+              </c:spPr>
+              <c:dLblPos val="t"/>
+              <c:showLegendKey val="0"/>
+              <c:showVal val="0"/>
+              <c:showCatName val="0"/>
+              <c:showSerName val="0"/>
+              <c:showPercent val="0"/>
+              <c:showBubbleSize val="0"/>
+              <c:showLeaderLines val="1"/>
+              <c:extLst>
+                <c:ext xmlns:c15="http://schemas.microsoft.com/office/drawing/2012/chart" uri="{CE6537A1-D6FC-4f65-9D91-7224C49458BB}"/>
+                <c:ext xmlns:c16="http://schemas.microsoft.com/office/drawing/2014/chart" uri="{C3380CC4-5D6E-409C-BE32-E72D297353CC}">
+                  <c16:uniqueId val="{00000019-621c-b36a-0a1c-2e885a9774c0}"/>
+                </c:ext>
+              </c:extLst>
+            </c:dLbl>
+            <c:dLbl>
+              <c:idx val="19"/>
               <c:tx>
                 <c:rich>
                   <a:bodyPr>
@@ -490,540 +1023,7 @@
               <c:extLst>
                 <c:ext xmlns:c15="http://schemas.microsoft.com/office/drawing/2012/chart" uri="{CE6537A1-D6FC-4f65-9D91-7224C49458BB}"/>
                 <c:ext xmlns:c16="http://schemas.microsoft.com/office/drawing/2014/chart" uri="{C3380CC4-5D6E-409C-BE32-E72D297353CC}">
-                  <c16:uniqueId val="{00000007-0f98-beb6-d6a9-dd004ba0bad2}"/>
-                </c:ext>
-              </c:extLst>
-            </c:dLbl>
-            <c:dLbl>
-              <c:idx val="7"/>
-              <c:tx>
-                <c:rich>
-                  <a:bodyPr>
-                    <a:spAutoFit/>
-                  </a:bodyPr>
-                  <a:lstStyle/>
-                  <a:p>
-                    <a:pPr>
-                      <a:defRPr/>
-                    </a:pPr>
-                    <a:r>
-                      <a:rPr lang="en-US" dirty="0"/>
-                      <a:t>脾胃病科</a:t>
-                    </a:r>
-                  </a:p>
-                </c:rich>
-              </c:tx>
-              <c:spPr>
-                <a:noFill/>
-                <a:ln>
-                  <a:noFill/>
-                </a:ln>
-                <a:effectLst/>
-              </c:spPr>
-              <c:dLblPos val="t"/>
-              <c:showLegendKey val="0"/>
-              <c:showVal val="0"/>
-              <c:showCatName val="0"/>
-              <c:showSerName val="0"/>
-              <c:showPercent val="0"/>
-              <c:showBubbleSize val="0"/>
-              <c:showLeaderLines val="1"/>
-              <c:extLst>
-                <c:ext xmlns:c15="http://schemas.microsoft.com/office/drawing/2012/chart" uri="{CE6537A1-D6FC-4f65-9D91-7224C49458BB}"/>
-                <c:ext xmlns:c16="http://schemas.microsoft.com/office/drawing/2014/chart" uri="{C3380CC4-5D6E-409C-BE32-E72D297353CC}">
-                  <c16:uniqueId val="{00000008-0f98-beb6-d6a9-dd004ba0bad2}"/>
-                </c:ext>
-              </c:extLst>
-            </c:dLbl>
-            <c:dLbl>
-              <c:idx val="8"/>
-              <c:tx>
-                <c:rich>
-                  <a:bodyPr>
-                    <a:spAutoFit/>
-                  </a:bodyPr>
-                  <a:lstStyle/>
-                  <a:p>
-                    <a:pPr>
-                      <a:defRPr/>
-                    </a:pPr>
-                    <a:r>
-                      <a:rPr lang="en-US" dirty="0"/>
-                      <a:t>内分泌科</a:t>
-                    </a:r>
-                  </a:p>
-                </c:rich>
-              </c:tx>
-              <c:spPr>
-                <a:noFill/>
-                <a:ln>
-                  <a:noFill/>
-                </a:ln>
-                <a:effectLst/>
-              </c:spPr>
-              <c:dLblPos val="t"/>
-              <c:showLegendKey val="0"/>
-              <c:showVal val="0"/>
-              <c:showCatName val="0"/>
-              <c:showSerName val="0"/>
-              <c:showPercent val="0"/>
-              <c:showBubbleSize val="0"/>
-              <c:showLeaderLines val="1"/>
-              <c:extLst>
-                <c:ext xmlns:c15="http://schemas.microsoft.com/office/drawing/2012/chart" uri="{CE6537A1-D6FC-4f65-9D91-7224C49458BB}"/>
-                <c:ext xmlns:c16="http://schemas.microsoft.com/office/drawing/2014/chart" uri="{C3380CC4-5D6E-409C-BE32-E72D297353CC}">
-                  <c16:uniqueId val="{00000009-0f98-beb6-d6a9-dd004ba0bad2}"/>
-                </c:ext>
-              </c:extLst>
-            </c:dLbl>
-            <c:dLbl>
-              <c:idx val="9"/>
-              <c:tx>
-                <c:rich>
-                  <a:bodyPr>
-                    <a:spAutoFit/>
-                  </a:bodyPr>
-                  <a:lstStyle/>
-                  <a:p>
-                    <a:pPr>
-                      <a:defRPr/>
-                    </a:pPr>
-                    <a:r>
-                      <a:rPr lang="en-US" dirty="0"/>
-                      <a:t>心病四科</a:t>
-                    </a:r>
-                  </a:p>
-                </c:rich>
-              </c:tx>
-              <c:spPr>
-                <a:noFill/>
-                <a:ln>
-                  <a:noFill/>
-                </a:ln>
-                <a:effectLst/>
-              </c:spPr>
-              <c:dLblPos val="t"/>
-              <c:showLegendKey val="0"/>
-              <c:showVal val="0"/>
-              <c:showCatName val="0"/>
-              <c:showSerName val="0"/>
-              <c:showPercent val="0"/>
-              <c:showBubbleSize val="0"/>
-              <c:showLeaderLines val="1"/>
-              <c:extLst>
-                <c:ext xmlns:c15="http://schemas.microsoft.com/office/drawing/2012/chart" uri="{CE6537A1-D6FC-4f65-9D91-7224C49458BB}"/>
-                <c:ext xmlns:c16="http://schemas.microsoft.com/office/drawing/2014/chart" uri="{C3380CC4-5D6E-409C-BE32-E72D297353CC}">
-                  <c16:uniqueId val="{00000010-0f98-beb6-d6a9-dd004ba0bad2}"/>
-                </c:ext>
-              </c:extLst>
-            </c:dLbl>
-            <c:dLbl>
-              <c:idx val="10"/>
-              <c:tx>
-                <c:rich>
-                  <a:bodyPr>
-                    <a:spAutoFit/>
-                  </a:bodyPr>
-                  <a:lstStyle/>
-                  <a:p>
-                    <a:pPr>
-                      <a:defRPr/>
-                    </a:pPr>
-                    <a:r>
-                      <a:rPr lang="en-US" dirty="0"/>
-                      <a:t>中医经典科</a:t>
-                    </a:r>
-                  </a:p>
-                </c:rich>
-              </c:tx>
-              <c:spPr>
-                <a:noFill/>
-                <a:ln>
-                  <a:noFill/>
-                </a:ln>
-                <a:effectLst/>
-              </c:spPr>
-              <c:dLblPos val="t"/>
-              <c:showLegendKey val="0"/>
-              <c:showVal val="0"/>
-              <c:showCatName val="0"/>
-              <c:showSerName val="0"/>
-              <c:showPercent val="0"/>
-              <c:showBubbleSize val="0"/>
-              <c:showLeaderLines val="1"/>
-              <c:extLst>
-                <c:ext xmlns:c15="http://schemas.microsoft.com/office/drawing/2012/chart" uri="{CE6537A1-D6FC-4f65-9D91-7224C49458BB}"/>
-                <c:ext xmlns:c16="http://schemas.microsoft.com/office/drawing/2014/chart" uri="{C3380CC4-5D6E-409C-BE32-E72D297353CC}">
-                  <c16:uniqueId val="{00000011-0f98-beb6-d6a9-dd004ba0bad2}"/>
-                </c:ext>
-              </c:extLst>
-            </c:dLbl>
-            <c:dLbl>
-              <c:idx val="11"/>
-              <c:tx>
-                <c:rich>
-                  <a:bodyPr>
-                    <a:spAutoFit/>
-                  </a:bodyPr>
-                  <a:lstStyle/>
-                  <a:p>
-                    <a:pPr>
-                      <a:defRPr/>
-                    </a:pPr>
-                    <a:r>
-                      <a:rPr lang="en-US" dirty="0"/>
-                      <a:t>耳鼻喉科</a:t>
-                    </a:r>
-                  </a:p>
-                </c:rich>
-              </c:tx>
-              <c:spPr>
-                <a:noFill/>
-                <a:ln>
-                  <a:noFill/>
-                </a:ln>
-                <a:effectLst/>
-              </c:spPr>
-              <c:dLblPos val="t"/>
-              <c:showLegendKey val="0"/>
-              <c:showVal val="0"/>
-              <c:showCatName val="0"/>
-              <c:showSerName val="0"/>
-              <c:showPercent val="0"/>
-              <c:showBubbleSize val="0"/>
-              <c:showLeaderLines val="1"/>
-              <c:extLst>
-                <c:ext xmlns:c15="http://schemas.microsoft.com/office/drawing/2012/chart" uri="{CE6537A1-D6FC-4f65-9D91-7224C49458BB}"/>
-                <c:ext xmlns:c16="http://schemas.microsoft.com/office/drawing/2014/chart" uri="{C3380CC4-5D6E-409C-BE32-E72D297353CC}">
-                  <c16:uniqueId val="{00000012-0f98-beb6-d6a9-dd004ba0bad2}"/>
-                </c:ext>
-              </c:extLst>
-            </c:dLbl>
-            <c:dLbl>
-              <c:idx val="12"/>
-              <c:tx>
-                <c:rich>
-                  <a:bodyPr>
-                    <a:spAutoFit/>
-                  </a:bodyPr>
-                  <a:lstStyle/>
-                  <a:p>
-                    <a:pPr>
-                      <a:defRPr/>
-                    </a:pPr>
-                    <a:r>
-                      <a:rPr lang="en-US" dirty="0"/>
-                      <a:t>泌尿外科</a:t>
-                    </a:r>
-                  </a:p>
-                </c:rich>
-              </c:tx>
-              <c:spPr>
-                <a:noFill/>
-                <a:ln>
-                  <a:noFill/>
-                </a:ln>
-                <a:effectLst/>
-              </c:spPr>
-              <c:dLblPos val="t"/>
-              <c:showLegendKey val="0"/>
-              <c:showVal val="0"/>
-              <c:showCatName val="0"/>
-              <c:showSerName val="0"/>
-              <c:showPercent val="0"/>
-              <c:showBubbleSize val="0"/>
-              <c:showLeaderLines val="1"/>
-              <c:extLst>
-                <c:ext xmlns:c15="http://schemas.microsoft.com/office/drawing/2012/chart" uri="{CE6537A1-D6FC-4f65-9D91-7224C49458BB}"/>
-                <c:ext xmlns:c16="http://schemas.microsoft.com/office/drawing/2014/chart" uri="{C3380CC4-5D6E-409C-BE32-E72D297353CC}">
-                  <c16:uniqueId val="{00000013-0f98-beb6-d6a9-dd004ba0bad2}"/>
-                </c:ext>
-              </c:extLst>
-            </c:dLbl>
-            <c:dLbl>
-              <c:idx val="13"/>
-              <c:tx>
-                <c:rich>
-                  <a:bodyPr>
-                    <a:spAutoFit/>
-                  </a:bodyPr>
-                  <a:lstStyle/>
-                  <a:p>
-                    <a:pPr>
-                      <a:defRPr/>
-                    </a:pPr>
-                    <a:r>
-                      <a:rPr lang="en-US" dirty="0"/>
-                      <a:t>脑病三科</a:t>
-                    </a:r>
-                  </a:p>
-                </c:rich>
-              </c:tx>
-              <c:spPr>
-                <a:noFill/>
-                <a:ln>
-                  <a:noFill/>
-                </a:ln>
-                <a:effectLst/>
-              </c:spPr>
-              <c:dLblPos val="t"/>
-              <c:showLegendKey val="0"/>
-              <c:showVal val="0"/>
-              <c:showCatName val="0"/>
-              <c:showSerName val="0"/>
-              <c:showPercent val="0"/>
-              <c:showBubbleSize val="0"/>
-              <c:showLeaderLines val="1"/>
-              <c:extLst>
-                <c:ext xmlns:c15="http://schemas.microsoft.com/office/drawing/2012/chart" uri="{CE6537A1-D6FC-4f65-9D91-7224C49458BB}"/>
-                <c:ext xmlns:c16="http://schemas.microsoft.com/office/drawing/2014/chart" uri="{C3380CC4-5D6E-409C-BE32-E72D297353CC}">
-                  <c16:uniqueId val="{00000014-0f98-beb6-d6a9-dd004ba0bad2}"/>
-                </c:ext>
-              </c:extLst>
-            </c:dLbl>
-            <c:dLbl>
-              <c:idx val="14"/>
-              <c:tx>
-                <c:rich>
-                  <a:bodyPr>
-                    <a:spAutoFit/>
-                  </a:bodyPr>
-                  <a:lstStyle/>
-                  <a:p>
-                    <a:pPr>
-                      <a:defRPr/>
-                    </a:pPr>
-                    <a:r>
-                      <a:rPr lang="en-US" dirty="0"/>
-                      <a:t>东区肾病科</a:t>
-                    </a:r>
-                  </a:p>
-                </c:rich>
-              </c:tx>
-              <c:spPr>
-                <a:noFill/>
-                <a:ln>
-                  <a:noFill/>
-                </a:ln>
-                <a:effectLst/>
-              </c:spPr>
-              <c:dLblPos val="t"/>
-              <c:showLegendKey val="0"/>
-              <c:showVal val="0"/>
-              <c:showCatName val="0"/>
-              <c:showSerName val="0"/>
-              <c:showPercent val="0"/>
-              <c:showBubbleSize val="0"/>
-              <c:showLeaderLines val="1"/>
-              <c:extLst>
-                <c:ext xmlns:c15="http://schemas.microsoft.com/office/drawing/2012/chart" uri="{CE6537A1-D6FC-4f65-9D91-7224C49458BB}"/>
-                <c:ext xmlns:c16="http://schemas.microsoft.com/office/drawing/2014/chart" uri="{C3380CC4-5D6E-409C-BE32-E72D297353CC}">
-                  <c16:uniqueId val="{00000015-0f98-beb6-d6a9-dd004ba0bad2}"/>
-                </c:ext>
-              </c:extLst>
-            </c:dLbl>
-            <c:dLbl>
-              <c:idx val="15"/>
-              <c:tx>
-                <c:rich>
-                  <a:bodyPr>
-                    <a:spAutoFit/>
-                  </a:bodyPr>
-                  <a:lstStyle/>
-                  <a:p>
-                    <a:pPr>
-                      <a:defRPr/>
-                    </a:pPr>
-                    <a:r>
-                      <a:rPr lang="en-US" dirty="0"/>
-                      <a:t>推拿科</a:t>
-                    </a:r>
-                  </a:p>
-                </c:rich>
-              </c:tx>
-              <c:spPr>
-                <a:noFill/>
-                <a:ln>
-                  <a:noFill/>
-                </a:ln>
-                <a:effectLst/>
-              </c:spPr>
-              <c:dLblPos val="t"/>
-              <c:showLegendKey val="0"/>
-              <c:showVal val="0"/>
-              <c:showCatName val="0"/>
-              <c:showSerName val="0"/>
-              <c:showPercent val="0"/>
-              <c:showBubbleSize val="0"/>
-              <c:showLeaderLines val="1"/>
-              <c:extLst>
-                <c:ext xmlns:c15="http://schemas.microsoft.com/office/drawing/2012/chart" uri="{CE6537A1-D6FC-4f65-9D91-7224C49458BB}"/>
-                <c:ext xmlns:c16="http://schemas.microsoft.com/office/drawing/2014/chart" uri="{C3380CC4-5D6E-409C-BE32-E72D297353CC}">
-                  <c16:uniqueId val="{00000016-0f98-beb6-d6a9-dd004ba0bad2}"/>
-                </c:ext>
-              </c:extLst>
-            </c:dLbl>
-            <c:dLbl>
-              <c:idx val="16"/>
-              <c:tx>
-                <c:rich>
-                  <a:bodyPr>
-                    <a:spAutoFit/>
-                  </a:bodyPr>
-                  <a:lstStyle/>
-                  <a:p>
-                    <a:pPr>
-                      <a:defRPr/>
-                    </a:pPr>
-                    <a:r>
-                      <a:rPr lang="en-US" dirty="0"/>
-                      <a:t>微创骨科</a:t>
-                    </a:r>
-                  </a:p>
-                </c:rich>
-              </c:tx>
-              <c:spPr>
-                <a:noFill/>
-                <a:ln>
-                  <a:noFill/>
-                </a:ln>
-                <a:effectLst/>
-              </c:spPr>
-              <c:dLblPos val="t"/>
-              <c:showLegendKey val="0"/>
-              <c:showVal val="0"/>
-              <c:showCatName val="0"/>
-              <c:showSerName val="0"/>
-              <c:showPercent val="0"/>
-              <c:showBubbleSize val="0"/>
-              <c:showLeaderLines val="1"/>
-              <c:extLst>
-                <c:ext xmlns:c15="http://schemas.microsoft.com/office/drawing/2012/chart" uri="{CE6537A1-D6FC-4f65-9D91-7224C49458BB}"/>
-                <c:ext xmlns:c16="http://schemas.microsoft.com/office/drawing/2014/chart" uri="{C3380CC4-5D6E-409C-BE32-E72D297353CC}">
-                  <c16:uniqueId val="{00000017-0f98-beb6-d6a9-dd004ba0bad2}"/>
-                </c:ext>
-              </c:extLst>
-            </c:dLbl>
-            <c:dLbl>
-              <c:idx val="17"/>
-              <c:tx>
-                <c:rich>
-                  <a:bodyPr>
-                    <a:spAutoFit/>
-                  </a:bodyPr>
-                  <a:lstStyle/>
-                  <a:p>
-                    <a:pPr>
-                      <a:defRPr/>
-                    </a:pPr>
-                    <a:r>
-                      <a:rPr lang="en-US" dirty="0"/>
-                      <a:t>周围血管科</a:t>
-                    </a:r>
-                  </a:p>
-                </c:rich>
-              </c:tx>
-              <c:spPr>
-                <a:noFill/>
-                <a:ln>
-                  <a:noFill/>
-                </a:ln>
-                <a:effectLst/>
-              </c:spPr>
-              <c:dLblPos val="t"/>
-              <c:showLegendKey val="0"/>
-              <c:showVal val="0"/>
-              <c:showCatName val="0"/>
-              <c:showSerName val="0"/>
-              <c:showPercent val="0"/>
-              <c:showBubbleSize val="0"/>
-              <c:showLeaderLines val="1"/>
-              <c:extLst>
-                <c:ext xmlns:c15="http://schemas.microsoft.com/office/drawing/2012/chart" uri="{CE6537A1-D6FC-4f65-9D91-7224C49458BB}"/>
-                <c:ext xmlns:c16="http://schemas.microsoft.com/office/drawing/2014/chart" uri="{C3380CC4-5D6E-409C-BE32-E72D297353CC}">
-                  <c16:uniqueId val="{00000018-0f98-beb6-d6a9-dd004ba0bad2}"/>
-                </c:ext>
-              </c:extLst>
-            </c:dLbl>
-            <c:dLbl>
-              <c:idx val="18"/>
-              <c:tx>
-                <c:rich>
-                  <a:bodyPr>
-                    <a:spAutoFit/>
-                  </a:bodyPr>
-                  <a:lstStyle/>
-                  <a:p>
-                    <a:pPr>
-                      <a:defRPr/>
-                    </a:pPr>
-                    <a:r>
-                      <a:rPr lang="en-US" dirty="0"/>
-                      <a:t>心血管内科</a:t>
-                    </a:r>
-                  </a:p>
-                </c:rich>
-              </c:tx>
-              <c:spPr>
-                <a:noFill/>
-                <a:ln>
-                  <a:noFill/>
-                </a:ln>
-                <a:effectLst/>
-              </c:spPr>
-              <c:dLblPos val="t"/>
-              <c:showLegendKey val="0"/>
-              <c:showVal val="0"/>
-              <c:showCatName val="0"/>
-              <c:showSerName val="0"/>
-              <c:showPercent val="0"/>
-              <c:showBubbleSize val="0"/>
-              <c:showLeaderLines val="1"/>
-              <c:extLst>
-                <c:ext xmlns:c15="http://schemas.microsoft.com/office/drawing/2012/chart" uri="{CE6537A1-D6FC-4f65-9D91-7224C49458BB}"/>
-                <c:ext xmlns:c16="http://schemas.microsoft.com/office/drawing/2014/chart" uri="{C3380CC4-5D6E-409C-BE32-E72D297353CC}">
-                  <c16:uniqueId val="{00000019-0f98-beb6-d6a9-dd004ba0bad2}"/>
-                </c:ext>
-              </c:extLst>
-            </c:dLbl>
-            <c:dLbl>
-              <c:idx val="19"/>
-              <c:tx>
-                <c:rich>
-                  <a:bodyPr>
-                    <a:spAutoFit/>
-                  </a:bodyPr>
-                  <a:lstStyle/>
-                  <a:p>
-                    <a:pPr>
-                      <a:defRPr/>
-                    </a:pPr>
-                    <a:r>
-                      <a:rPr lang="en-US" dirty="0"/>
-                      <a:t>男科</a:t>
-                    </a:r>
-                  </a:p>
-                </c:rich>
-              </c:tx>
-              <c:spPr>
-                <a:noFill/>
-                <a:ln>
-                  <a:noFill/>
-                </a:ln>
-                <a:effectLst/>
-              </c:spPr>
-              <c:dLblPos val="t"/>
-              <c:showLegendKey val="0"/>
-              <c:showVal val="0"/>
-              <c:showCatName val="0"/>
-              <c:showSerName val="0"/>
-              <c:showPercent val="0"/>
-              <c:showBubbleSize val="0"/>
-              <c:showLeaderLines val="1"/>
-              <c:extLst>
-                <c:ext xmlns:c15="http://schemas.microsoft.com/office/drawing/2012/chart" uri="{CE6537A1-D6FC-4f65-9D91-7224C49458BB}"/>
-                <c:ext xmlns:c16="http://schemas.microsoft.com/office/drawing/2014/chart" uri="{C3380CC4-5D6E-409C-BE32-E72D297353CC}">
-                  <c16:uniqueId val="{00000020-0f98-beb6-d6a9-dd004ba0bad2}"/>
+                  <c16:uniqueId val="{00000020-621c-b36a-0a1c-2e885a9774c0}"/>
                 </c:ext>
               </c:extLst>
             </c:dLbl>
@@ -1035,64 +1035,64 @@
                 <c:formatCode>General</c:formatCode>
                 <c:ptCount val="20"/>
                 <c:pt idx="0">
-                  <c:v>0.0022361007128397035</c:v>
+                  <c:v>0.0019570708795094505</c:v>
                 </c:pt>
                 <c:pt idx="1">
-                  <c:v>0.0017299737592286896</c:v>
+                  <c:v>0.0008782268192667935</c:v>
                 </c:pt>
                 <c:pt idx="2">
-                  <c:v>0.00013829387610344288</c:v>
+                  <c:v>0.0003732585750318328</c:v>
                 </c:pt>
                 <c:pt idx="3">
-                  <c:v>0.0017782837199025988</c:v>
+                  <c:v>0.0002499763684729213</c:v>
                 </c:pt>
                 <c:pt idx="4">
-                  <c:v>0.001131526792909811</c:v>
+                  <c:v>0.0007818673371934785</c:v>
                 </c:pt>
                 <c:pt idx="5">
-                  <c:v>0.0002695542419013387</c:v>
+                  <c:v>0.0016893319269836173</c:v>
                 </c:pt>
                 <c:pt idx="6">
-                  <c:v>0.0021294135669049875</c:v>
+                  <c:v>0.0023870969166429573</c:v>
                 </c:pt>
                 <c:pt idx="7">
-                  <c:v>0.00201350585548696</c:v>
+                  <c:v>0.0013727458633846753</c:v>
                 </c:pt>
                 <c:pt idx="8">
-                  <c:v>0.0007343878893685485</c:v>
+                  <c:v>0.000877963985814868</c:v>
                 </c:pt>
                 <c:pt idx="9">
-                  <c:v>0.0020207227506924236</c:v>
+                  <c:v>0.0005502495087947217</c:v>
                 </c:pt>
                 <c:pt idx="10">
-                  <c:v>0.0019399772083270514</c:v>
+                  <c:v>0.0012205119617910143</c:v>
                 </c:pt>
                 <c:pt idx="11">
-                  <c:v>0.00005533565707699024</c:v>
+                  <c:v>0.0011165236258766525</c:v>
                 </c:pt>
                 <c:pt idx="12">
-                  <c:v>0.002087612419226649</c:v>
+                  <c:v>0.0003714017285749419</c:v>
                 </c:pt>
                 <c:pt idx="13">
-                  <c:v>0.0008324178133314873</c:v>
+                  <c:v>0.002354296007145399</c:v>
                 </c:pt>
                 <c:pt idx="14">
-                  <c:v>0.00003020045144187161</c:v>
+                  <c:v>0.0004831777885777541</c:v>
                 </c:pt>
                 <c:pt idx="15">
-                  <c:v>0.0013918235925012568</c:v>
+                  <c:v>0.00039481595252633783</c:v>
                 </c:pt>
                 <c:pt idx="16">
-                  <c:v>0.0020125372859875917</c:v>
+                  <c:v>0.0013418449449780206</c:v>
                 </c:pt>
                 <c:pt idx="17">
-                  <c:v>0.0021201133128033625</c:v>
+                  <c:v>0.0015219072137070645</c:v>
                 </c:pt>
                 <c:pt idx="18">
-                  <c:v>0.001496868092977027</c:v>
+                  <c:v>0.0016804928413720085</c:v>
                 </c:pt>
                 <c:pt idx="19">
-                  <c:v>0.002383219160954926</c:v>
+                  <c:v>0.0012912576966048889</c:v>
                 </c:pt>
               </c:numCache>
             </c:numRef>
@@ -1104,64 +1104,64 @@
                 <c:formatCode>General</c:formatCode>
                 <c:ptCount val="20"/>
                 <c:pt idx="0">
-                  <c:v>100</c:v>
+                  <c:v>99.99999999999999</c:v>
                 </c:pt>
                 <c:pt idx="1">
-                  <c:v>86.28709570038926</c:v>
+                  <c:v>56.48087397747074</c:v>
                 </c:pt>
                 <c:pt idx="2">
-                  <c:v>82.36262037740279</c:v>
+                  <c:v>54.230900655197956</c:v>
                 </c:pt>
                 <c:pt idx="3">
-                  <c:v>53.912037033685785</c:v>
+                  <c:v>40.16448876326349</c:v>
                 </c:pt>
                 <c:pt idx="4">
-                  <c:v>49.11636980167438</c:v>
+                  <c:v>36.26744168663756</c:v>
                 </c:pt>
                 <c:pt idx="5">
-                  <c:v>40.33486573534048</c:v>
+                  <c:v>27.930893486298842</c:v>
                 </c:pt>
                 <c:pt idx="6">
-                  <c:v>35.29791612457484</c:v>
+                  <c:v>27.253497420782384</c:v>
                 </c:pt>
                 <c:pt idx="7">
-                  <c:v>34.218341698323776</c:v>
+                  <c:v>25.756085587890276</c:v>
                 </c:pt>
                 <c:pt idx="8">
-                  <c:v>31.528976386363002</c:v>
+                  <c:v>24.084910610223915</c:v>
                 </c:pt>
                 <c:pt idx="9">
-                  <c:v>30.85539509555974</c:v>
+                  <c:v>20.494688427270177</c:v>
                 </c:pt>
                 <c:pt idx="10">
-                  <c:v>30.04138813605689</c:v>
+                  <c:v>20.028973816606452</c:v>
                 </c:pt>
                 <c:pt idx="11">
-                  <c:v>24.477512816057313</c:v>
+                  <c:v>19.785460667048945</c:v>
                 </c:pt>
                 <c:pt idx="12">
-                  <c:v>23.95121706116508</c:v>
+                  <c:v>19.51455941281204</c:v>
                 </c:pt>
                 <c:pt idx="13">
-                  <c:v>22.36804278233232</c:v>
+                  <c:v>18.893481077690215</c:v>
                 </c:pt>
                 <c:pt idx="14">
-                  <c:v>22.0173445364238</c:v>
+                  <c:v>18.708451685909118</c:v>
                 </c:pt>
                 <c:pt idx="15">
-                  <c:v>20.44233954920479</c:v>
+                  <c:v>18.465615277034978</c:v>
                 </c:pt>
                 <c:pt idx="16">
-                  <c:v>20.066389016362997</c:v>
+                  <c:v>18.312459770306475</c:v>
                 </c:pt>
                 <c:pt idx="17">
-                  <c:v>19.346318025864903</c:v>
+                  <c:v>17.472066794555595</c:v>
                 </c:pt>
                 <c:pt idx="18">
-                  <c:v>19.297220825503214</c:v>
+                  <c:v>17.378351727387134</c:v>
                 </c:pt>
                 <c:pt idx="19">
-                  <c:v>18.736210607864283</c:v>
+                  <c:v>17.185194373541353</c:v>
                 </c:pt>
               </c:numCache>
             </c:numRef>
@@ -1381,7 +1381,7 @@
 </c:chartSpace>
 </file>
 
-<file path=ppt/charts/chart1722.xml><?xml version="1.0" encoding="utf-8"?>
+<file path=ppt/charts/chart246.xml><?xml version="1.0" encoding="utf-8"?>
 <c:chartSpace xmlns:c="http://schemas.openxmlformats.org/drawingml/2006/chart" xmlns:a="http://schemas.openxmlformats.org/drawingml/2006/main" xmlns:r="http://schemas.openxmlformats.org/officeDocument/2006/relationships">
   <c:date1904 val="0"/>
   <c:chart>
@@ -1498,12 +1498,627 @@
               <c:extLst>
                 <c:ext xmlns:c15="http://schemas.microsoft.com/office/drawing/2012/chart" uri="{CE6537A1-D6FC-4f65-9D91-7224C49458BB}"/>
                 <c:ext xmlns:c16="http://schemas.microsoft.com/office/drawing/2014/chart" uri="{C3380CC4-5D6E-409C-BE32-E72D297353CC}">
-                  <c16:uniqueId val="{00000001-9c7c-5234-f38e-4d764bc6aa3c}"/>
+                  <c16:uniqueId val="{00000001-fca5-e63e-25ca-787bae8f6888}"/>
                 </c:ext>
               </c:extLst>
             </c:dLbl>
             <c:dLbl>
               <c:idx val="1"/>
+              <c:tx>
+                <c:rich>
+                  <a:bodyPr>
+                    <a:spAutoFit/>
+                  </a:bodyPr>
+                  <a:lstStyle/>
+                  <a:p>
+                    <a:pPr>
+                      <a:defRPr/>
+                    </a:pPr>
+                    <a:r>
+                      <a:rPr lang="en-US" dirty="0"/>
+                      <a:t>肾病科</a:t>
+                    </a:r>
+                  </a:p>
+                </c:rich>
+              </c:tx>
+              <c:spPr>
+                <a:noFill/>
+                <a:ln>
+                  <a:noFill/>
+                </a:ln>
+                <a:effectLst/>
+              </c:spPr>
+              <c:dLblPos val="t"/>
+              <c:showLegendKey val="0"/>
+              <c:showVal val="0"/>
+              <c:showCatName val="0"/>
+              <c:showSerName val="0"/>
+              <c:showPercent val="0"/>
+              <c:showBubbleSize val="0"/>
+              <c:showLeaderLines val="1"/>
+              <c:extLst>
+                <c:ext xmlns:c15="http://schemas.microsoft.com/office/drawing/2012/chart" uri="{CE6537A1-D6FC-4f65-9D91-7224C49458BB}"/>
+                <c:ext xmlns:c16="http://schemas.microsoft.com/office/drawing/2014/chart" uri="{C3380CC4-5D6E-409C-BE32-E72D297353CC}">
+                  <c16:uniqueId val="{00000002-fca5-e63e-25ca-787bae8f6888}"/>
+                </c:ext>
+              </c:extLst>
+            </c:dLbl>
+            <c:dLbl>
+              <c:idx val="2"/>
+              <c:tx>
+                <c:rich>
+                  <a:bodyPr>
+                    <a:spAutoFit/>
+                  </a:bodyPr>
+                  <a:lstStyle/>
+                  <a:p>
+                    <a:pPr>
+                      <a:defRPr/>
+                    </a:pPr>
+                    <a:r>
+                      <a:rPr lang="en-US" dirty="0"/>
+                      <a:t>脾胃科消化科合并</a:t>
+                    </a:r>
+                  </a:p>
+                </c:rich>
+              </c:tx>
+              <c:spPr>
+                <a:noFill/>
+                <a:ln>
+                  <a:noFill/>
+                </a:ln>
+                <a:effectLst/>
+              </c:spPr>
+              <c:dLblPos val="t"/>
+              <c:showLegendKey val="0"/>
+              <c:showVal val="0"/>
+              <c:showCatName val="0"/>
+              <c:showSerName val="0"/>
+              <c:showPercent val="0"/>
+              <c:showBubbleSize val="0"/>
+              <c:showLeaderLines val="1"/>
+              <c:extLst>
+                <c:ext xmlns:c15="http://schemas.microsoft.com/office/drawing/2012/chart" uri="{CE6537A1-D6FC-4f65-9D91-7224C49458BB}"/>
+                <c:ext xmlns:c16="http://schemas.microsoft.com/office/drawing/2014/chart" uri="{C3380CC4-5D6E-409C-BE32-E72D297353CC}">
+                  <c16:uniqueId val="{00000003-fca5-e63e-25ca-787bae8f6888}"/>
+                </c:ext>
+              </c:extLst>
+            </c:dLbl>
+            <c:dLbl>
+              <c:idx val="3"/>
+              <c:tx>
+                <c:rich>
+                  <a:bodyPr>
+                    <a:spAutoFit/>
+                  </a:bodyPr>
+                  <a:lstStyle/>
+                  <a:p>
+                    <a:pPr>
+                      <a:defRPr/>
+                    </a:pPr>
+                    <a:r>
+                      <a:rPr lang="en-US" dirty="0"/>
+                      <a:t>内分泌科</a:t>
+                    </a:r>
+                  </a:p>
+                </c:rich>
+              </c:tx>
+              <c:spPr>
+                <a:noFill/>
+                <a:ln>
+                  <a:noFill/>
+                </a:ln>
+                <a:effectLst/>
+              </c:spPr>
+              <c:dLblPos val="t"/>
+              <c:showLegendKey val="0"/>
+              <c:showVal val="0"/>
+              <c:showCatName val="0"/>
+              <c:showSerName val="0"/>
+              <c:showPercent val="0"/>
+              <c:showBubbleSize val="0"/>
+              <c:showLeaderLines val="1"/>
+              <c:extLst>
+                <c:ext xmlns:c15="http://schemas.microsoft.com/office/drawing/2012/chart" uri="{CE6537A1-D6FC-4f65-9D91-7224C49458BB}"/>
+                <c:ext xmlns:c16="http://schemas.microsoft.com/office/drawing/2014/chart" uri="{C3380CC4-5D6E-409C-BE32-E72D297353CC}">
+                  <c16:uniqueId val="{00000004-fca5-e63e-25ca-787bae8f6888}"/>
+                </c:ext>
+              </c:extLst>
+            </c:dLbl>
+            <c:dLbl>
+              <c:idx val="4"/>
+              <c:tx>
+                <c:rich>
+                  <a:bodyPr>
+                    <a:spAutoFit/>
+                  </a:bodyPr>
+                  <a:lstStyle/>
+                  <a:p>
+                    <a:pPr>
+                      <a:defRPr/>
+                    </a:pPr>
+                    <a:r>
+                      <a:rPr lang="en-US" dirty="0"/>
+                      <a:t>心病三科</a:t>
+                    </a:r>
+                  </a:p>
+                </c:rich>
+              </c:tx>
+              <c:spPr>
+                <a:noFill/>
+                <a:ln>
+                  <a:noFill/>
+                </a:ln>
+                <a:effectLst/>
+              </c:spPr>
+              <c:dLblPos val="t"/>
+              <c:showLegendKey val="0"/>
+              <c:showVal val="0"/>
+              <c:showCatName val="0"/>
+              <c:showSerName val="0"/>
+              <c:showPercent val="0"/>
+              <c:showBubbleSize val="0"/>
+              <c:showLeaderLines val="1"/>
+              <c:extLst>
+                <c:ext xmlns:c15="http://schemas.microsoft.com/office/drawing/2012/chart" uri="{CE6537A1-D6FC-4f65-9D91-7224C49458BB}"/>
+                <c:ext xmlns:c16="http://schemas.microsoft.com/office/drawing/2014/chart" uri="{C3380CC4-5D6E-409C-BE32-E72D297353CC}">
+                  <c16:uniqueId val="{00000005-fca5-e63e-25ca-787bae8f6888}"/>
+                </c:ext>
+              </c:extLst>
+            </c:dLbl>
+            <c:dLbl>
+              <c:idx val="5"/>
+              <c:tx>
+                <c:rich>
+                  <a:bodyPr>
+                    <a:spAutoFit/>
+                  </a:bodyPr>
+                  <a:lstStyle/>
+                  <a:p>
+                    <a:pPr>
+                      <a:defRPr/>
+                    </a:pPr>
+                    <a:r>
+                      <a:rPr lang="en-US" dirty="0"/>
+                      <a:t>西区重症医学科</a:t>
+                    </a:r>
+                  </a:p>
+                </c:rich>
+              </c:tx>
+              <c:spPr>
+                <a:noFill/>
+                <a:ln>
+                  <a:noFill/>
+                </a:ln>
+                <a:effectLst/>
+              </c:spPr>
+              <c:dLblPos val="t"/>
+              <c:showLegendKey val="0"/>
+              <c:showVal val="0"/>
+              <c:showCatName val="0"/>
+              <c:showSerName val="0"/>
+              <c:showPercent val="0"/>
+              <c:showBubbleSize val="0"/>
+              <c:showLeaderLines val="1"/>
+              <c:extLst>
+                <c:ext xmlns:c15="http://schemas.microsoft.com/office/drawing/2012/chart" uri="{CE6537A1-D6FC-4f65-9D91-7224C49458BB}"/>
+                <c:ext xmlns:c16="http://schemas.microsoft.com/office/drawing/2014/chart" uri="{C3380CC4-5D6E-409C-BE32-E72D297353CC}">
+                  <c16:uniqueId val="{00000006-fca5-e63e-25ca-787bae8f6888}"/>
+                </c:ext>
+              </c:extLst>
+            </c:dLbl>
+            <c:dLbl>
+              <c:idx val="6"/>
+              <c:tx>
+                <c:rich>
+                  <a:bodyPr>
+                    <a:spAutoFit/>
+                  </a:bodyPr>
+                  <a:lstStyle/>
+                  <a:p>
+                    <a:pPr>
+                      <a:defRPr/>
+                    </a:pPr>
+                    <a:r>
+                      <a:rPr lang="en-US" dirty="0"/>
+                      <a:t>神经外科</a:t>
+                    </a:r>
+                  </a:p>
+                </c:rich>
+              </c:tx>
+              <c:spPr>
+                <a:noFill/>
+                <a:ln>
+                  <a:noFill/>
+                </a:ln>
+                <a:effectLst/>
+              </c:spPr>
+              <c:dLblPos val="t"/>
+              <c:showLegendKey val="0"/>
+              <c:showVal val="0"/>
+              <c:showCatName val="0"/>
+              <c:showSerName val="0"/>
+              <c:showPercent val="0"/>
+              <c:showBubbleSize val="0"/>
+              <c:showLeaderLines val="1"/>
+              <c:extLst>
+                <c:ext xmlns:c15="http://schemas.microsoft.com/office/drawing/2012/chart" uri="{CE6537A1-D6FC-4f65-9D91-7224C49458BB}"/>
+                <c:ext xmlns:c16="http://schemas.microsoft.com/office/drawing/2014/chart" uri="{C3380CC4-5D6E-409C-BE32-E72D297353CC}">
+                  <c16:uniqueId val="{00000007-fca5-e63e-25ca-787bae8f6888}"/>
+                </c:ext>
+              </c:extLst>
+            </c:dLbl>
+            <c:dLbl>
+              <c:idx val="7"/>
+              <c:tx>
+                <c:rich>
+                  <a:bodyPr>
+                    <a:spAutoFit/>
+                  </a:bodyPr>
+                  <a:lstStyle/>
+                  <a:p>
+                    <a:pPr>
+                      <a:defRPr/>
+                    </a:pPr>
+                    <a:r>
+                      <a:rPr lang="en-US" dirty="0"/>
+                      <a:t>东区重症医学科</a:t>
+                    </a:r>
+                  </a:p>
+                </c:rich>
+              </c:tx>
+              <c:spPr>
+                <a:noFill/>
+                <a:ln>
+                  <a:noFill/>
+                </a:ln>
+                <a:effectLst/>
+              </c:spPr>
+              <c:dLblPos val="t"/>
+              <c:showLegendKey val="0"/>
+              <c:showVal val="0"/>
+              <c:showCatName val="0"/>
+              <c:showSerName val="0"/>
+              <c:showPercent val="0"/>
+              <c:showBubbleSize val="0"/>
+              <c:showLeaderLines val="1"/>
+              <c:extLst>
+                <c:ext xmlns:c15="http://schemas.microsoft.com/office/drawing/2012/chart" uri="{CE6537A1-D6FC-4f65-9D91-7224C49458BB}"/>
+                <c:ext xmlns:c16="http://schemas.microsoft.com/office/drawing/2014/chart" uri="{C3380CC4-5D6E-409C-BE32-E72D297353CC}">
+                  <c16:uniqueId val="{00000008-fca5-e63e-25ca-787bae8f6888}"/>
+                </c:ext>
+              </c:extLst>
+            </c:dLbl>
+            <c:dLbl>
+              <c:idx val="8"/>
+              <c:tx>
+                <c:rich>
+                  <a:bodyPr>
+                    <a:spAutoFit/>
+                  </a:bodyPr>
+                  <a:lstStyle/>
+                  <a:p>
+                    <a:pPr>
+                      <a:defRPr/>
+                    </a:pPr>
+                    <a:r>
+                      <a:rPr lang="en-US" dirty="0"/>
+                      <a:t>老年医学科</a:t>
+                    </a:r>
+                  </a:p>
+                </c:rich>
+              </c:tx>
+              <c:spPr>
+                <a:noFill/>
+                <a:ln>
+                  <a:noFill/>
+                </a:ln>
+                <a:effectLst/>
+              </c:spPr>
+              <c:dLblPos val="t"/>
+              <c:showLegendKey val="0"/>
+              <c:showVal val="0"/>
+              <c:showCatName val="0"/>
+              <c:showSerName val="0"/>
+              <c:showPercent val="0"/>
+              <c:showBubbleSize val="0"/>
+              <c:showLeaderLines val="1"/>
+              <c:extLst>
+                <c:ext xmlns:c15="http://schemas.microsoft.com/office/drawing/2012/chart" uri="{CE6537A1-D6FC-4f65-9D91-7224C49458BB}"/>
+                <c:ext xmlns:c16="http://schemas.microsoft.com/office/drawing/2014/chart" uri="{C3380CC4-5D6E-409C-BE32-E72D297353CC}">
+                  <c16:uniqueId val="{00000009-fca5-e63e-25ca-787bae8f6888}"/>
+                </c:ext>
+              </c:extLst>
+            </c:dLbl>
+            <c:dLbl>
+              <c:idx val="9"/>
+              <c:tx>
+                <c:rich>
+                  <a:bodyPr>
+                    <a:spAutoFit/>
+                  </a:bodyPr>
+                  <a:lstStyle/>
+                  <a:p>
+                    <a:pPr>
+                      <a:defRPr/>
+                    </a:pPr>
+                    <a:r>
+                      <a:rPr lang="en-US" dirty="0"/>
+                      <a:t>推拿科</a:t>
+                    </a:r>
+                  </a:p>
+                </c:rich>
+              </c:tx>
+              <c:spPr>
+                <a:noFill/>
+                <a:ln>
+                  <a:noFill/>
+                </a:ln>
+                <a:effectLst/>
+              </c:spPr>
+              <c:dLblPos val="t"/>
+              <c:showLegendKey val="0"/>
+              <c:showVal val="0"/>
+              <c:showCatName val="0"/>
+              <c:showSerName val="0"/>
+              <c:showPercent val="0"/>
+              <c:showBubbleSize val="0"/>
+              <c:showLeaderLines val="1"/>
+              <c:extLst>
+                <c:ext xmlns:c15="http://schemas.microsoft.com/office/drawing/2012/chart" uri="{CE6537A1-D6FC-4f65-9D91-7224C49458BB}"/>
+                <c:ext xmlns:c16="http://schemas.microsoft.com/office/drawing/2014/chart" uri="{C3380CC4-5D6E-409C-BE32-E72D297353CC}">
+                  <c16:uniqueId val="{00000010-fca5-e63e-25ca-787bae8f6888}"/>
+                </c:ext>
+              </c:extLst>
+            </c:dLbl>
+            <c:dLbl>
+              <c:idx val="10"/>
+              <c:tx>
+                <c:rich>
+                  <a:bodyPr>
+                    <a:spAutoFit/>
+                  </a:bodyPr>
+                  <a:lstStyle/>
+                  <a:p>
+                    <a:pPr>
+                      <a:defRPr/>
+                    </a:pPr>
+                    <a:r>
+                      <a:rPr lang="en-US" dirty="0"/>
+                      <a:t>神经内科</a:t>
+                    </a:r>
+                  </a:p>
+                </c:rich>
+              </c:tx>
+              <c:spPr>
+                <a:noFill/>
+                <a:ln>
+                  <a:noFill/>
+                </a:ln>
+                <a:effectLst/>
+              </c:spPr>
+              <c:dLblPos val="t"/>
+              <c:showLegendKey val="0"/>
+              <c:showVal val="0"/>
+              <c:showCatName val="0"/>
+              <c:showSerName val="0"/>
+              <c:showPercent val="0"/>
+              <c:showBubbleSize val="0"/>
+              <c:showLeaderLines val="1"/>
+              <c:extLst>
+                <c:ext xmlns:c15="http://schemas.microsoft.com/office/drawing/2012/chart" uri="{CE6537A1-D6FC-4f65-9D91-7224C49458BB}"/>
+                <c:ext xmlns:c16="http://schemas.microsoft.com/office/drawing/2014/chart" uri="{C3380CC4-5D6E-409C-BE32-E72D297353CC}">
+                  <c16:uniqueId val="{00000011-fca5-e63e-25ca-787bae8f6888}"/>
+                </c:ext>
+              </c:extLst>
+            </c:dLbl>
+            <c:dLbl>
+              <c:idx val="11"/>
+              <c:tx>
+                <c:rich>
+                  <a:bodyPr>
+                    <a:spAutoFit/>
+                  </a:bodyPr>
+                  <a:lstStyle/>
+                  <a:p>
+                    <a:pPr>
+                      <a:defRPr/>
+                    </a:pPr>
+                    <a:r>
+                      <a:rPr lang="en-US" dirty="0"/>
+                      <a:t>泌尿外科</a:t>
+                    </a:r>
+                  </a:p>
+                </c:rich>
+              </c:tx>
+              <c:spPr>
+                <a:noFill/>
+                <a:ln>
+                  <a:noFill/>
+                </a:ln>
+                <a:effectLst/>
+              </c:spPr>
+              <c:dLblPos val="t"/>
+              <c:showLegendKey val="0"/>
+              <c:showVal val="0"/>
+              <c:showCatName val="0"/>
+              <c:showSerName val="0"/>
+              <c:showPercent val="0"/>
+              <c:showBubbleSize val="0"/>
+              <c:showLeaderLines val="1"/>
+              <c:extLst>
+                <c:ext xmlns:c15="http://schemas.microsoft.com/office/drawing/2012/chart" uri="{CE6537A1-D6FC-4f65-9D91-7224C49458BB}"/>
+                <c:ext xmlns:c16="http://schemas.microsoft.com/office/drawing/2014/chart" uri="{C3380CC4-5D6E-409C-BE32-E72D297353CC}">
+                  <c16:uniqueId val="{00000012-fca5-e63e-25ca-787bae8f6888}"/>
+                </c:ext>
+              </c:extLst>
+            </c:dLbl>
+            <c:dLbl>
+              <c:idx val="12"/>
+              <c:tx>
+                <c:rich>
+                  <a:bodyPr>
+                    <a:spAutoFit/>
+                  </a:bodyPr>
+                  <a:lstStyle/>
+                  <a:p>
+                    <a:pPr>
+                      <a:defRPr/>
+                    </a:pPr>
+                    <a:r>
+                      <a:rPr lang="en-US" dirty="0"/>
+                      <a:t>小儿推拿科</a:t>
+                    </a:r>
+                  </a:p>
+                </c:rich>
+              </c:tx>
+              <c:spPr>
+                <a:noFill/>
+                <a:ln>
+                  <a:noFill/>
+                </a:ln>
+                <a:effectLst/>
+              </c:spPr>
+              <c:dLblPos val="t"/>
+              <c:showLegendKey val="0"/>
+              <c:showVal val="0"/>
+              <c:showCatName val="0"/>
+              <c:showSerName val="0"/>
+              <c:showPercent val="0"/>
+              <c:showBubbleSize val="0"/>
+              <c:showLeaderLines val="1"/>
+              <c:extLst>
+                <c:ext xmlns:c15="http://schemas.microsoft.com/office/drawing/2012/chart" uri="{CE6537A1-D6FC-4f65-9D91-7224C49458BB}"/>
+                <c:ext xmlns:c16="http://schemas.microsoft.com/office/drawing/2014/chart" uri="{C3380CC4-5D6E-409C-BE32-E72D297353CC}">
+                  <c16:uniqueId val="{00000013-fca5-e63e-25ca-787bae8f6888}"/>
+                </c:ext>
+              </c:extLst>
+            </c:dLbl>
+            <c:dLbl>
+              <c:idx val="13"/>
+              <c:tx>
+                <c:rich>
+                  <a:bodyPr>
+                    <a:spAutoFit/>
+                  </a:bodyPr>
+                  <a:lstStyle/>
+                  <a:p>
+                    <a:pPr>
+                      <a:defRPr/>
+                    </a:pPr>
+                    <a:r>
+                      <a:rPr lang="en-US" dirty="0"/>
+                      <a:t>肝病科</a:t>
+                    </a:r>
+                  </a:p>
+                </c:rich>
+              </c:tx>
+              <c:spPr>
+                <a:noFill/>
+                <a:ln>
+                  <a:noFill/>
+                </a:ln>
+                <a:effectLst/>
+              </c:spPr>
+              <c:dLblPos val="t"/>
+              <c:showLegendKey val="0"/>
+              <c:showVal val="0"/>
+              <c:showCatName val="0"/>
+              <c:showSerName val="0"/>
+              <c:showPercent val="0"/>
+              <c:showBubbleSize val="0"/>
+              <c:showLeaderLines val="1"/>
+              <c:extLst>
+                <c:ext xmlns:c15="http://schemas.microsoft.com/office/drawing/2012/chart" uri="{CE6537A1-D6FC-4f65-9D91-7224C49458BB}"/>
+                <c:ext xmlns:c16="http://schemas.microsoft.com/office/drawing/2014/chart" uri="{C3380CC4-5D6E-409C-BE32-E72D297353CC}">
+                  <c16:uniqueId val="{00000014-fca5-e63e-25ca-787bae8f6888}"/>
+                </c:ext>
+              </c:extLst>
+            </c:dLbl>
+            <c:dLbl>
+              <c:idx val="14"/>
+              <c:tx>
+                <c:rich>
+                  <a:bodyPr>
+                    <a:spAutoFit/>
+                  </a:bodyPr>
+                  <a:lstStyle/>
+                  <a:p>
+                    <a:pPr>
+                      <a:defRPr/>
+                    </a:pPr>
+                    <a:r>
+                      <a:rPr lang="en-US" dirty="0"/>
+                      <a:t>消化内科</a:t>
+                    </a:r>
+                  </a:p>
+                </c:rich>
+              </c:tx>
+              <c:spPr>
+                <a:noFill/>
+                <a:ln>
+                  <a:noFill/>
+                </a:ln>
+                <a:effectLst/>
+              </c:spPr>
+              <c:dLblPos val="t"/>
+              <c:showLegendKey val="0"/>
+              <c:showVal val="0"/>
+              <c:showCatName val="0"/>
+              <c:showSerName val="0"/>
+              <c:showPercent val="0"/>
+              <c:showBubbleSize val="0"/>
+              <c:showLeaderLines val="1"/>
+              <c:extLst>
+                <c:ext xmlns:c15="http://schemas.microsoft.com/office/drawing/2012/chart" uri="{CE6537A1-D6FC-4f65-9D91-7224C49458BB}"/>
+                <c:ext xmlns:c16="http://schemas.microsoft.com/office/drawing/2014/chart" uri="{C3380CC4-5D6E-409C-BE32-E72D297353CC}">
+                  <c16:uniqueId val="{00000015-fca5-e63e-25ca-787bae8f6888}"/>
+                </c:ext>
+              </c:extLst>
+            </c:dLbl>
+            <c:dLbl>
+              <c:idx val="15"/>
+              <c:tx>
+                <c:rich>
+                  <a:bodyPr>
+                    <a:spAutoFit/>
+                  </a:bodyPr>
+                  <a:lstStyle/>
+                  <a:p>
+                    <a:pPr>
+                      <a:defRPr/>
+                    </a:pPr>
+                    <a:r>
+                      <a:rPr lang="en-US" dirty="0"/>
+                      <a:t>针灸科</a:t>
+                    </a:r>
+                  </a:p>
+                </c:rich>
+              </c:tx>
+              <c:spPr>
+                <a:noFill/>
+                <a:ln>
+                  <a:noFill/>
+                </a:ln>
+                <a:effectLst/>
+              </c:spPr>
+              <c:dLblPos val="t"/>
+              <c:showLegendKey val="0"/>
+              <c:showVal val="0"/>
+              <c:showCatName val="0"/>
+              <c:showSerName val="0"/>
+              <c:showPercent val="0"/>
+              <c:showBubbleSize val="0"/>
+              <c:showLeaderLines val="1"/>
+              <c:extLst>
+                <c:ext xmlns:c15="http://schemas.microsoft.com/office/drawing/2012/chart" uri="{CE6537A1-D6FC-4f65-9D91-7224C49458BB}"/>
+                <c:ext xmlns:c16="http://schemas.microsoft.com/office/drawing/2014/chart" uri="{C3380CC4-5D6E-409C-BE32-E72D297353CC}">
+                  <c16:uniqueId val="{00000016-fca5-e63e-25ca-787bae8f6888}"/>
+                </c:ext>
+              </c:extLst>
+            </c:dLbl>
+            <c:dLbl>
+              <c:idx val="16"/>
               <c:tx>
                 <c:rich>
                   <a:bodyPr>
@@ -1539,12 +2154,12 @@
               <c:extLst>
                 <c:ext xmlns:c15="http://schemas.microsoft.com/office/drawing/2012/chart" uri="{CE6537A1-D6FC-4f65-9D91-7224C49458BB}"/>
                 <c:ext xmlns:c16="http://schemas.microsoft.com/office/drawing/2014/chart" uri="{C3380CC4-5D6E-409C-BE32-E72D297353CC}">
-                  <c16:uniqueId val="{00000002-9c7c-5234-f38e-4d764bc6aa3c}"/>
+                  <c16:uniqueId val="{00000017-fca5-e63e-25ca-787bae8f6888}"/>
                 </c:ext>
               </c:extLst>
             </c:dLbl>
             <c:dLbl>
-              <c:idx val="2"/>
+              <c:idx val="17"/>
               <c:tx>
                 <c:rich>
                   <a:bodyPr>
@@ -1557,7 +2172,7 @@
                     </a:pPr>
                     <a:r>
                       <a:rPr lang="en-US" dirty="0"/>
-                      <a:t>心病二科</a:t>
+                      <a:t>显微骨科</a:t>
                     </a:r>
                   </a:p>
                 </c:rich>
@@ -1580,12 +2195,12 @@
               <c:extLst>
                 <c:ext xmlns:c15="http://schemas.microsoft.com/office/drawing/2012/chart" uri="{CE6537A1-D6FC-4f65-9D91-7224C49458BB}"/>
                 <c:ext xmlns:c16="http://schemas.microsoft.com/office/drawing/2014/chart" uri="{C3380CC4-5D6E-409C-BE32-E72D297353CC}">
-                  <c16:uniqueId val="{00000003-9c7c-5234-f38e-4d764bc6aa3c}"/>
+                  <c16:uniqueId val="{00000018-fca5-e63e-25ca-787bae8f6888}"/>
                 </c:ext>
               </c:extLst>
             </c:dLbl>
             <c:dLbl>
-              <c:idx val="3"/>
+              <c:idx val="18"/>
               <c:tx>
                 <c:rich>
                   <a:bodyPr>
@@ -1598,7 +2213,7 @@
                     </a:pPr>
                     <a:r>
                       <a:rPr lang="en-US" dirty="0"/>
-                      <a:t>肾脏内科</a:t>
+                      <a:t>脑病一科</a:t>
                     </a:r>
                   </a:p>
                 </c:rich>
@@ -1621,622 +2236,7 @@
               <c:extLst>
                 <c:ext xmlns:c15="http://schemas.microsoft.com/office/drawing/2012/chart" uri="{CE6537A1-D6FC-4f65-9D91-7224C49458BB}"/>
                 <c:ext xmlns:c16="http://schemas.microsoft.com/office/drawing/2014/chart" uri="{C3380CC4-5D6E-409C-BE32-E72D297353CC}">
-                  <c16:uniqueId val="{00000004-9c7c-5234-f38e-4d764bc6aa3c}"/>
-                </c:ext>
-              </c:extLst>
-            </c:dLbl>
-            <c:dLbl>
-              <c:idx val="4"/>
-              <c:tx>
-                <c:rich>
-                  <a:bodyPr>
-                    <a:spAutoFit/>
-                  </a:bodyPr>
-                  <a:lstStyle/>
-                  <a:p>
-                    <a:pPr>
-                      <a:defRPr/>
-                    </a:pPr>
-                    <a:r>
-                      <a:rPr lang="en-US" dirty="0"/>
-                      <a:t>关节骨科</a:t>
-                    </a:r>
-                  </a:p>
-                </c:rich>
-              </c:tx>
-              <c:spPr>
-                <a:noFill/>
-                <a:ln>
-                  <a:noFill/>
-                </a:ln>
-                <a:effectLst/>
-              </c:spPr>
-              <c:dLblPos val="t"/>
-              <c:showLegendKey val="0"/>
-              <c:showVal val="0"/>
-              <c:showCatName val="0"/>
-              <c:showSerName val="0"/>
-              <c:showPercent val="0"/>
-              <c:showBubbleSize val="0"/>
-              <c:showLeaderLines val="1"/>
-              <c:extLst>
-                <c:ext xmlns:c15="http://schemas.microsoft.com/office/drawing/2012/chart" uri="{CE6537A1-D6FC-4f65-9D91-7224C49458BB}"/>
-                <c:ext xmlns:c16="http://schemas.microsoft.com/office/drawing/2014/chart" uri="{C3380CC4-5D6E-409C-BE32-E72D297353CC}">
-                  <c16:uniqueId val="{00000005-9c7c-5234-f38e-4d764bc6aa3c}"/>
-                </c:ext>
-              </c:extLst>
-            </c:dLbl>
-            <c:dLbl>
-              <c:idx val="5"/>
-              <c:tx>
-                <c:rich>
-                  <a:bodyPr>
-                    <a:spAutoFit/>
-                  </a:bodyPr>
-                  <a:lstStyle/>
-                  <a:p>
-                    <a:pPr>
-                      <a:defRPr/>
-                    </a:pPr>
-                    <a:r>
-                      <a:rPr lang="en-US" dirty="0"/>
-                      <a:t>妇科</a:t>
-                    </a:r>
-                  </a:p>
-                </c:rich>
-              </c:tx>
-              <c:spPr>
-                <a:noFill/>
-                <a:ln>
-                  <a:noFill/>
-                </a:ln>
-                <a:effectLst/>
-              </c:spPr>
-              <c:dLblPos val="t"/>
-              <c:showLegendKey val="0"/>
-              <c:showVal val="0"/>
-              <c:showCatName val="0"/>
-              <c:showSerName val="0"/>
-              <c:showPercent val="0"/>
-              <c:showBubbleSize val="0"/>
-              <c:showLeaderLines val="1"/>
-              <c:extLst>
-                <c:ext xmlns:c15="http://schemas.microsoft.com/office/drawing/2012/chart" uri="{CE6537A1-D6FC-4f65-9D91-7224C49458BB}"/>
-                <c:ext xmlns:c16="http://schemas.microsoft.com/office/drawing/2014/chart" uri="{C3380CC4-5D6E-409C-BE32-E72D297353CC}">
-                  <c16:uniqueId val="{00000006-9c7c-5234-f38e-4d764bc6aa3c}"/>
-                </c:ext>
-              </c:extLst>
-            </c:dLbl>
-            <c:dLbl>
-              <c:idx val="6"/>
-              <c:tx>
-                <c:rich>
-                  <a:bodyPr>
-                    <a:spAutoFit/>
-                  </a:bodyPr>
-                  <a:lstStyle/>
-                  <a:p>
-                    <a:pPr>
-                      <a:defRPr/>
-                    </a:pPr>
-                    <a:r>
-                      <a:rPr lang="en-US" dirty="0"/>
-                      <a:t>心病一科</a:t>
-                    </a:r>
-                  </a:p>
-                </c:rich>
-              </c:tx>
-              <c:spPr>
-                <a:noFill/>
-                <a:ln>
-                  <a:noFill/>
-                </a:ln>
-                <a:effectLst/>
-              </c:spPr>
-              <c:dLblPos val="t"/>
-              <c:showLegendKey val="0"/>
-              <c:showVal val="0"/>
-              <c:showCatName val="0"/>
-              <c:showSerName val="0"/>
-              <c:showPercent val="0"/>
-              <c:showBubbleSize val="0"/>
-              <c:showLeaderLines val="1"/>
-              <c:extLst>
-                <c:ext xmlns:c15="http://schemas.microsoft.com/office/drawing/2012/chart" uri="{CE6537A1-D6FC-4f65-9D91-7224C49458BB}"/>
-                <c:ext xmlns:c16="http://schemas.microsoft.com/office/drawing/2014/chart" uri="{C3380CC4-5D6E-409C-BE32-E72D297353CC}">
-                  <c16:uniqueId val="{00000007-9c7c-5234-f38e-4d764bc6aa3c}"/>
-                </c:ext>
-              </c:extLst>
-            </c:dLbl>
-            <c:dLbl>
-              <c:idx val="7"/>
-              <c:tx>
-                <c:rich>
-                  <a:bodyPr>
-                    <a:spAutoFit/>
-                  </a:bodyPr>
-                  <a:lstStyle/>
-                  <a:p>
-                    <a:pPr>
-                      <a:defRPr/>
-                    </a:pPr>
-                    <a:r>
-                      <a:rPr lang="en-US" dirty="0"/>
-                      <a:t>中医外治中心</a:t>
-                    </a:r>
-                  </a:p>
-                </c:rich>
-              </c:tx>
-              <c:spPr>
-                <a:noFill/>
-                <a:ln>
-                  <a:noFill/>
-                </a:ln>
-                <a:effectLst/>
-              </c:spPr>
-              <c:dLblPos val="t"/>
-              <c:showLegendKey val="0"/>
-              <c:showVal val="0"/>
-              <c:showCatName val="0"/>
-              <c:showSerName val="0"/>
-              <c:showPercent val="0"/>
-              <c:showBubbleSize val="0"/>
-              <c:showLeaderLines val="1"/>
-              <c:extLst>
-                <c:ext xmlns:c15="http://schemas.microsoft.com/office/drawing/2012/chart" uri="{CE6537A1-D6FC-4f65-9D91-7224C49458BB}"/>
-                <c:ext xmlns:c16="http://schemas.microsoft.com/office/drawing/2014/chart" uri="{C3380CC4-5D6E-409C-BE32-E72D297353CC}">
-                  <c16:uniqueId val="{00000008-9c7c-5234-f38e-4d764bc6aa3c}"/>
-                </c:ext>
-              </c:extLst>
-            </c:dLbl>
-            <c:dLbl>
-              <c:idx val="8"/>
-              <c:tx>
-                <c:rich>
-                  <a:bodyPr>
-                    <a:spAutoFit/>
-                  </a:bodyPr>
-                  <a:lstStyle/>
-                  <a:p>
-                    <a:pPr>
-                      <a:defRPr/>
-                    </a:pPr>
-                    <a:r>
-                      <a:rPr lang="en-US" dirty="0"/>
-                      <a:t>周围血管科</a:t>
-                    </a:r>
-                  </a:p>
-                </c:rich>
-              </c:tx>
-              <c:spPr>
-                <a:noFill/>
-                <a:ln>
-                  <a:noFill/>
-                </a:ln>
-                <a:effectLst/>
-              </c:spPr>
-              <c:dLblPos val="t"/>
-              <c:showLegendKey val="0"/>
-              <c:showVal val="0"/>
-              <c:showCatName val="0"/>
-              <c:showSerName val="0"/>
-              <c:showPercent val="0"/>
-              <c:showBubbleSize val="0"/>
-              <c:showLeaderLines val="1"/>
-              <c:extLst>
-                <c:ext xmlns:c15="http://schemas.microsoft.com/office/drawing/2012/chart" uri="{CE6537A1-D6FC-4f65-9D91-7224C49458BB}"/>
-                <c:ext xmlns:c16="http://schemas.microsoft.com/office/drawing/2014/chart" uri="{C3380CC4-5D6E-409C-BE32-E72D297353CC}">
-                  <c16:uniqueId val="{00000009-9c7c-5234-f38e-4d764bc6aa3c}"/>
-                </c:ext>
-              </c:extLst>
-            </c:dLbl>
-            <c:dLbl>
-              <c:idx val="9"/>
-              <c:tx>
-                <c:rich>
-                  <a:bodyPr>
-                    <a:spAutoFit/>
-                  </a:bodyPr>
-                  <a:lstStyle/>
-                  <a:p>
-                    <a:pPr>
-                      <a:defRPr/>
-                    </a:pPr>
-                    <a:r>
-                      <a:rPr lang="en-US" dirty="0"/>
-                      <a:t>泌尿外科</a:t>
-                    </a:r>
-                  </a:p>
-                </c:rich>
-              </c:tx>
-              <c:spPr>
-                <a:noFill/>
-                <a:ln>
-                  <a:noFill/>
-                </a:ln>
-                <a:effectLst/>
-              </c:spPr>
-              <c:dLblPos val="t"/>
-              <c:showLegendKey val="0"/>
-              <c:showVal val="0"/>
-              <c:showCatName val="0"/>
-              <c:showSerName val="0"/>
-              <c:showPercent val="0"/>
-              <c:showBubbleSize val="0"/>
-              <c:showLeaderLines val="1"/>
-              <c:extLst>
-                <c:ext xmlns:c15="http://schemas.microsoft.com/office/drawing/2012/chart" uri="{CE6537A1-D6FC-4f65-9D91-7224C49458BB}"/>
-                <c:ext xmlns:c16="http://schemas.microsoft.com/office/drawing/2014/chart" uri="{C3380CC4-5D6E-409C-BE32-E72D297353CC}">
-                  <c16:uniqueId val="{00000010-9c7c-5234-f38e-4d764bc6aa3c}"/>
-                </c:ext>
-              </c:extLst>
-            </c:dLbl>
-            <c:dLbl>
-              <c:idx val="10"/>
-              <c:tx>
-                <c:rich>
-                  <a:bodyPr>
-                    <a:spAutoFit/>
-                  </a:bodyPr>
-                  <a:lstStyle/>
-                  <a:p>
-                    <a:pPr>
-                      <a:defRPr/>
-                    </a:pPr>
-                    <a:r>
-                      <a:rPr lang="en-US" dirty="0"/>
-                      <a:t>心病四科</a:t>
-                    </a:r>
-                  </a:p>
-                </c:rich>
-              </c:tx>
-              <c:spPr>
-                <a:noFill/>
-                <a:ln>
-                  <a:noFill/>
-                </a:ln>
-                <a:effectLst/>
-              </c:spPr>
-              <c:dLblPos val="t"/>
-              <c:showLegendKey val="0"/>
-              <c:showVal val="0"/>
-              <c:showCatName val="0"/>
-              <c:showSerName val="0"/>
-              <c:showPercent val="0"/>
-              <c:showBubbleSize val="0"/>
-              <c:showLeaderLines val="1"/>
-              <c:extLst>
-                <c:ext xmlns:c15="http://schemas.microsoft.com/office/drawing/2012/chart" uri="{CE6537A1-D6FC-4f65-9D91-7224C49458BB}"/>
-                <c:ext xmlns:c16="http://schemas.microsoft.com/office/drawing/2014/chart" uri="{C3380CC4-5D6E-409C-BE32-E72D297353CC}">
-                  <c16:uniqueId val="{00000011-9c7c-5234-f38e-4d764bc6aa3c}"/>
-                </c:ext>
-              </c:extLst>
-            </c:dLbl>
-            <c:dLbl>
-              <c:idx val="11"/>
-              <c:tx>
-                <c:rich>
-                  <a:bodyPr>
-                    <a:spAutoFit/>
-                  </a:bodyPr>
-                  <a:lstStyle/>
-                  <a:p>
-                    <a:pPr>
-                      <a:defRPr/>
-                    </a:pPr>
-                    <a:r>
-                      <a:rPr lang="en-US" dirty="0"/>
-                      <a:t>脾胃病科</a:t>
-                    </a:r>
-                  </a:p>
-                </c:rich>
-              </c:tx>
-              <c:spPr>
-                <a:noFill/>
-                <a:ln>
-                  <a:noFill/>
-                </a:ln>
-                <a:effectLst/>
-              </c:spPr>
-              <c:dLblPos val="t"/>
-              <c:showLegendKey val="0"/>
-              <c:showVal val="0"/>
-              <c:showCatName val="0"/>
-              <c:showSerName val="0"/>
-              <c:showPercent val="0"/>
-              <c:showBubbleSize val="0"/>
-              <c:showLeaderLines val="1"/>
-              <c:extLst>
-                <c:ext xmlns:c15="http://schemas.microsoft.com/office/drawing/2012/chart" uri="{CE6537A1-D6FC-4f65-9D91-7224C49458BB}"/>
-                <c:ext xmlns:c16="http://schemas.microsoft.com/office/drawing/2014/chart" uri="{C3380CC4-5D6E-409C-BE32-E72D297353CC}">
-                  <c16:uniqueId val="{00000012-9c7c-5234-f38e-4d764bc6aa3c}"/>
-                </c:ext>
-              </c:extLst>
-            </c:dLbl>
-            <c:dLbl>
-              <c:idx val="12"/>
-              <c:tx>
-                <c:rich>
-                  <a:bodyPr>
-                    <a:spAutoFit/>
-                  </a:bodyPr>
-                  <a:lstStyle/>
-                  <a:p>
-                    <a:pPr>
-                      <a:defRPr/>
-                    </a:pPr>
-                    <a:r>
-                      <a:rPr lang="en-US" dirty="0"/>
-                      <a:t>微创骨科</a:t>
-                    </a:r>
-                  </a:p>
-                </c:rich>
-              </c:tx>
-              <c:spPr>
-                <a:noFill/>
-                <a:ln>
-                  <a:noFill/>
-                </a:ln>
-                <a:effectLst/>
-              </c:spPr>
-              <c:dLblPos val="t"/>
-              <c:showLegendKey val="0"/>
-              <c:showVal val="0"/>
-              <c:showCatName val="0"/>
-              <c:showSerName val="0"/>
-              <c:showPercent val="0"/>
-              <c:showBubbleSize val="0"/>
-              <c:showLeaderLines val="1"/>
-              <c:extLst>
-                <c:ext xmlns:c15="http://schemas.microsoft.com/office/drawing/2012/chart" uri="{CE6537A1-D6FC-4f65-9D91-7224C49458BB}"/>
-                <c:ext xmlns:c16="http://schemas.microsoft.com/office/drawing/2014/chart" uri="{C3380CC4-5D6E-409C-BE32-E72D297353CC}">
-                  <c16:uniqueId val="{00000013-9c7c-5234-f38e-4d764bc6aa3c}"/>
-                </c:ext>
-              </c:extLst>
-            </c:dLbl>
-            <c:dLbl>
-              <c:idx val="13"/>
-              <c:tx>
-                <c:rich>
-                  <a:bodyPr>
-                    <a:spAutoFit/>
-                  </a:bodyPr>
-                  <a:lstStyle/>
-                  <a:p>
-                    <a:pPr>
-                      <a:defRPr/>
-                    </a:pPr>
-                    <a:r>
-                      <a:rPr lang="en-US" dirty="0"/>
-                      <a:t>普通外科</a:t>
-                    </a:r>
-                  </a:p>
-                </c:rich>
-              </c:tx>
-              <c:spPr>
-                <a:noFill/>
-                <a:ln>
-                  <a:noFill/>
-                </a:ln>
-                <a:effectLst/>
-              </c:spPr>
-              <c:dLblPos val="t"/>
-              <c:showLegendKey val="0"/>
-              <c:showVal val="0"/>
-              <c:showCatName val="0"/>
-              <c:showSerName val="0"/>
-              <c:showPercent val="0"/>
-              <c:showBubbleSize val="0"/>
-              <c:showLeaderLines val="1"/>
-              <c:extLst>
-                <c:ext xmlns:c15="http://schemas.microsoft.com/office/drawing/2012/chart" uri="{CE6537A1-D6FC-4f65-9D91-7224C49458BB}"/>
-                <c:ext xmlns:c16="http://schemas.microsoft.com/office/drawing/2014/chart" uri="{C3380CC4-5D6E-409C-BE32-E72D297353CC}">
-                  <c16:uniqueId val="{00000014-9c7c-5234-f38e-4d764bc6aa3c}"/>
-                </c:ext>
-              </c:extLst>
-            </c:dLbl>
-            <c:dLbl>
-              <c:idx val="14"/>
-              <c:tx>
-                <c:rich>
-                  <a:bodyPr>
-                    <a:spAutoFit/>
-                  </a:bodyPr>
-                  <a:lstStyle/>
-                  <a:p>
-                    <a:pPr>
-                      <a:defRPr/>
-                    </a:pPr>
-                    <a:r>
-                      <a:rPr lang="en-US" dirty="0"/>
-                      <a:t>中医经典科</a:t>
-                    </a:r>
-                  </a:p>
-                </c:rich>
-              </c:tx>
-              <c:spPr>
-                <a:noFill/>
-                <a:ln>
-                  <a:noFill/>
-                </a:ln>
-                <a:effectLst/>
-              </c:spPr>
-              <c:dLblPos val="t"/>
-              <c:showLegendKey val="0"/>
-              <c:showVal val="0"/>
-              <c:showCatName val="0"/>
-              <c:showSerName val="0"/>
-              <c:showPercent val="0"/>
-              <c:showBubbleSize val="0"/>
-              <c:showLeaderLines val="1"/>
-              <c:extLst>
-                <c:ext xmlns:c15="http://schemas.microsoft.com/office/drawing/2012/chart" uri="{CE6537A1-D6FC-4f65-9D91-7224C49458BB}"/>
-                <c:ext xmlns:c16="http://schemas.microsoft.com/office/drawing/2014/chart" uri="{C3380CC4-5D6E-409C-BE32-E72D297353CC}">
-                  <c16:uniqueId val="{00000015-9c7c-5234-f38e-4d764bc6aa3c}"/>
-                </c:ext>
-              </c:extLst>
-            </c:dLbl>
-            <c:dLbl>
-              <c:idx val="15"/>
-              <c:tx>
-                <c:rich>
-                  <a:bodyPr>
-                    <a:spAutoFit/>
-                  </a:bodyPr>
-                  <a:lstStyle/>
-                  <a:p>
-                    <a:pPr>
-                      <a:defRPr/>
-                    </a:pPr>
-                    <a:r>
-                      <a:rPr lang="en-US" dirty="0"/>
-                      <a:t>治未病中心</a:t>
-                    </a:r>
-                  </a:p>
-                </c:rich>
-              </c:tx>
-              <c:spPr>
-                <a:noFill/>
-                <a:ln>
-                  <a:noFill/>
-                </a:ln>
-                <a:effectLst/>
-              </c:spPr>
-              <c:dLblPos val="t"/>
-              <c:showLegendKey val="0"/>
-              <c:showVal val="0"/>
-              <c:showCatName val="0"/>
-              <c:showSerName val="0"/>
-              <c:showPercent val="0"/>
-              <c:showBubbleSize val="0"/>
-              <c:showLeaderLines val="1"/>
-              <c:extLst>
-                <c:ext xmlns:c15="http://schemas.microsoft.com/office/drawing/2012/chart" uri="{CE6537A1-D6FC-4f65-9D91-7224C49458BB}"/>
-                <c:ext xmlns:c16="http://schemas.microsoft.com/office/drawing/2014/chart" uri="{C3380CC4-5D6E-409C-BE32-E72D297353CC}">
-                  <c16:uniqueId val="{00000016-9c7c-5234-f38e-4d764bc6aa3c}"/>
-                </c:ext>
-              </c:extLst>
-            </c:dLbl>
-            <c:dLbl>
-              <c:idx val="16"/>
-              <c:tx>
-                <c:rich>
-                  <a:bodyPr>
-                    <a:spAutoFit/>
-                  </a:bodyPr>
-                  <a:lstStyle/>
-                  <a:p>
-                    <a:pPr>
-                      <a:defRPr/>
-                    </a:pPr>
-                    <a:r>
-                      <a:rPr lang="en-US" dirty="0"/>
-                      <a:t>东区重症医学科</a:t>
-                    </a:r>
-                  </a:p>
-                </c:rich>
-              </c:tx>
-              <c:spPr>
-                <a:noFill/>
-                <a:ln>
-                  <a:noFill/>
-                </a:ln>
-                <a:effectLst/>
-              </c:spPr>
-              <c:dLblPos val="t"/>
-              <c:showLegendKey val="0"/>
-              <c:showVal val="0"/>
-              <c:showCatName val="0"/>
-              <c:showSerName val="0"/>
-              <c:showPercent val="0"/>
-              <c:showBubbleSize val="0"/>
-              <c:showLeaderLines val="1"/>
-              <c:extLst>
-                <c:ext xmlns:c15="http://schemas.microsoft.com/office/drawing/2012/chart" uri="{CE6537A1-D6FC-4f65-9D91-7224C49458BB}"/>
-                <c:ext xmlns:c16="http://schemas.microsoft.com/office/drawing/2014/chart" uri="{C3380CC4-5D6E-409C-BE32-E72D297353CC}">
-                  <c16:uniqueId val="{00000017-9c7c-5234-f38e-4d764bc6aa3c}"/>
-                </c:ext>
-              </c:extLst>
-            </c:dLbl>
-            <c:dLbl>
-              <c:idx val="17"/>
-              <c:tx>
-                <c:rich>
-                  <a:bodyPr>
-                    <a:spAutoFit/>
-                  </a:bodyPr>
-                  <a:lstStyle/>
-                  <a:p>
-                    <a:pPr>
-                      <a:defRPr/>
-                    </a:pPr>
-                    <a:r>
-                      <a:rPr lang="en-US" dirty="0"/>
-                      <a:t>小儿骨科</a:t>
-                    </a:r>
-                  </a:p>
-                </c:rich>
-              </c:tx>
-              <c:spPr>
-                <a:noFill/>
-                <a:ln>
-                  <a:noFill/>
-                </a:ln>
-                <a:effectLst/>
-              </c:spPr>
-              <c:dLblPos val="t"/>
-              <c:showLegendKey val="0"/>
-              <c:showVal val="0"/>
-              <c:showCatName val="0"/>
-              <c:showSerName val="0"/>
-              <c:showPercent val="0"/>
-              <c:showBubbleSize val="0"/>
-              <c:showLeaderLines val="1"/>
-              <c:extLst>
-                <c:ext xmlns:c15="http://schemas.microsoft.com/office/drawing/2012/chart" uri="{CE6537A1-D6FC-4f65-9D91-7224C49458BB}"/>
-                <c:ext xmlns:c16="http://schemas.microsoft.com/office/drawing/2014/chart" uri="{C3380CC4-5D6E-409C-BE32-E72D297353CC}">
-                  <c16:uniqueId val="{00000018-9c7c-5234-f38e-4d764bc6aa3c}"/>
-                </c:ext>
-              </c:extLst>
-            </c:dLbl>
-            <c:dLbl>
-              <c:idx val="18"/>
-              <c:tx>
-                <c:rich>
-                  <a:bodyPr>
-                    <a:spAutoFit/>
-                  </a:bodyPr>
-                  <a:lstStyle/>
-                  <a:p>
-                    <a:pPr>
-                      <a:defRPr/>
-                    </a:pPr>
-                    <a:r>
-                      <a:rPr lang="en-US" dirty="0"/>
-                      <a:t>妇科妇二科合并</a:t>
-                    </a:r>
-                  </a:p>
-                </c:rich>
-              </c:tx>
-              <c:spPr>
-                <a:noFill/>
-                <a:ln>
-                  <a:noFill/>
-                </a:ln>
-                <a:effectLst/>
-              </c:spPr>
-              <c:dLblPos val="t"/>
-              <c:showLegendKey val="0"/>
-              <c:showVal val="0"/>
-              <c:showCatName val="0"/>
-              <c:showSerName val="0"/>
-              <c:showPercent val="0"/>
-              <c:showBubbleSize val="0"/>
-              <c:showLeaderLines val="1"/>
-              <c:extLst>
-                <c:ext xmlns:c15="http://schemas.microsoft.com/office/drawing/2012/chart" uri="{CE6537A1-D6FC-4f65-9D91-7224C49458BB}"/>
-                <c:ext xmlns:c16="http://schemas.microsoft.com/office/drawing/2014/chart" uri="{C3380CC4-5D6E-409C-BE32-E72D297353CC}">
-                  <c16:uniqueId val="{00000019-9c7c-5234-f38e-4d764bc6aa3c}"/>
+                  <c16:uniqueId val="{00000019-fca5-e63e-25ca-787bae8f6888}"/>
                 </c:ext>
               </c:extLst>
             </c:dLbl>
@@ -2277,7 +2277,7 @@
               <c:extLst>
                 <c:ext xmlns:c15="http://schemas.microsoft.com/office/drawing/2012/chart" uri="{CE6537A1-D6FC-4f65-9D91-7224C49458BB}"/>
                 <c:ext xmlns:c16="http://schemas.microsoft.com/office/drawing/2014/chart" uri="{C3380CC4-5D6E-409C-BE32-E72D297353CC}">
-                  <c16:uniqueId val="{00000020-9c7c-5234-f38e-4d764bc6aa3c}"/>
+                  <c16:uniqueId val="{00000020-fca5-e63e-25ca-787bae8f6888}"/>
                 </c:ext>
               </c:extLst>
             </c:dLbl>
@@ -2289,64 +2289,64 @@
                 <c:formatCode>General</c:formatCode>
                 <c:ptCount val="20"/>
                 <c:pt idx="0">
-                  <c:v>14.214964427052658</c:v>
+                  <c:v>17.14432897386203</c:v>
                 </c:pt>
                 <c:pt idx="1">
-                  <c:v>18.736210607864283</c:v>
+                  <c:v>27.253497420782384</c:v>
                 </c:pt>
                 <c:pt idx="2">
-                  <c:v>9.348682835643647</c:v>
+                  <c:v>18.893481077690215</c:v>
                 </c:pt>
                 <c:pt idx="3">
-                  <c:v>13.696451235734125</c:v>
+                  <c:v>11.750432718512632</c:v>
                 </c:pt>
                 <c:pt idx="4">
-                  <c:v>100</c:v>
+                  <c:v>14.62999246405875</c:v>
                 </c:pt>
                 <c:pt idx="5">
-                  <c:v>11.243888062591882</c:v>
+                  <c:v>13.401187747652159</c:v>
                 </c:pt>
                 <c:pt idx="6">
-                  <c:v>10.874424664840717</c:v>
+                  <c:v>11.893674730092497</c:v>
                 </c:pt>
                 <c:pt idx="7">
-                  <c:v>35.29791612457484</c:v>
+                  <c:v>12.649821795767343</c:v>
                 </c:pt>
                 <c:pt idx="8">
-                  <c:v>19.346318025864903</c:v>
+                  <c:v>14.90045775554998</c:v>
                 </c:pt>
                 <c:pt idx="9">
-                  <c:v>23.95121706116508</c:v>
+                  <c:v>3.292653794692493</c:v>
                 </c:pt>
                 <c:pt idx="10">
-                  <c:v>30.85539509555974</c:v>
+                  <c:v>9.195612423158126</c:v>
                 </c:pt>
                 <c:pt idx="11">
-                  <c:v>34.218341698323776</c:v>
+                  <c:v>16.96426930316883</c:v>
                 </c:pt>
                 <c:pt idx="12">
-                  <c:v>20.066389016362997</c:v>
+                  <c:v>12.442507399645553</c:v>
                 </c:pt>
                 <c:pt idx="13">
-                  <c:v>5.283111710873318</c:v>
+                  <c:v>99.99999999999999</c:v>
                 </c:pt>
                 <c:pt idx="14">
-                  <c:v>30.04138813605689</c:v>
+                  <c:v>15.752480600392312</c:v>
                 </c:pt>
                 <c:pt idx="15">
-                  <c:v>18.408066630845695</c:v>
+                  <c:v>10.260588698857578</c:v>
                 </c:pt>
                 <c:pt idx="16">
-                  <c:v>2.812038098308511</c:v>
+                  <c:v>11.830678869310315</c:v>
                 </c:pt>
                 <c:pt idx="17">
-                  <c:v>14.016367039218217</c:v>
+                  <c:v>11.15179313601716</c:v>
                 </c:pt>
                 <c:pt idx="18">
-                  <c:v>53.912037033685785</c:v>
+                  <c:v>5.767134687403704</c:v>
                 </c:pt>
                 <c:pt idx="19">
-                  <c:v>86.28709570038926</c:v>
+                  <c:v>4.145673671522844</c:v>
                 </c:pt>
               </c:numCache>
             </c:numRef>
@@ -2361,61 +2361,61 @@
                   <c:v>100</c:v>
                 </c:pt>
                 <c:pt idx="1">
-                  <c:v>0.002383219160954926</c:v>
+                  <c:v>0.0023870969166429573</c:v>
                 </c:pt>
                 <c:pt idx="2">
-                  <c:v>0.0023489154886042127</c:v>
+                  <c:v>0.002354296007145399</c:v>
                 </c:pt>
                 <c:pt idx="3">
-                  <c:v>0.0023281598325801327</c:v>
+                  <c:v>0.0023442812864731964</c:v>
                 </c:pt>
                 <c:pt idx="4">
-                  <c:v>0.0022361007128397035</c:v>
+                  <c:v>0.002270986121573355</c:v>
                 </c:pt>
                 <c:pt idx="5">
-                  <c:v>0.00217834208292301</c:v>
+                  <c:v>0.002198586897882922</c:v>
                 </c:pt>
                 <c:pt idx="6">
-                  <c:v>0.002132404309779339</c:v>
+                  <c:v>0.0021886558075993813</c:v>
                 </c:pt>
                 <c:pt idx="7">
-                  <c:v>0.0021294135669049875</c:v>
+                  <c:v>0.0021694062252020302</c:v>
                 </c:pt>
                 <c:pt idx="8">
-                  <c:v>0.0021201133128033625</c:v>
+                  <c:v>0.0021255253946369196</c:v>
                 </c:pt>
                 <c:pt idx="9">
-                  <c:v>0.002087612419226649</c:v>
+                  <c:v>0.0021030950129101544</c:v>
                 </c:pt>
                 <c:pt idx="10">
-                  <c:v>0.0020207227506924236</c:v>
+                  <c:v>0.0020870280150097798</c:v>
                 </c:pt>
                 <c:pt idx="11">
-                  <c:v>0.00201350585548696</c:v>
+                  <c:v>0.0020847743827613957</c:v>
                 </c:pt>
                 <c:pt idx="12">
-                  <c:v>0.0020125372859875917</c:v>
+                  <c:v>0.001995564665107706</c:v>
                 </c:pt>
                 <c:pt idx="13">
-                  <c:v>0.0019953562254469625</c:v>
+                  <c:v>0.0019570708795094505</c:v>
                 </c:pt>
                 <c:pt idx="14">
-                  <c:v>0.0019399772083270514</c:v>
+                  <c:v>0.0019502177590532731</c:v>
                 </c:pt>
                 <c:pt idx="15">
-                  <c:v>0.0019084920249531193</c:v>
+                  <c:v>0.0019116688362185203</c:v>
                 </c:pt>
                 <c:pt idx="16">
-                  <c:v>0.0019019815121753907</c:v>
+                  <c:v>0.0019024288886407142</c:v>
                 </c:pt>
                 <c:pt idx="17">
-                  <c:v>0.0017995801884231161</c:v>
+                  <c:v>0.001857504799390602</c:v>
                 </c:pt>
                 <c:pt idx="18">
-                  <c:v>0.0017782837199025988</c:v>
+                  <c:v>0.0018147548103379365</c:v>
                 </c:pt>
                 <c:pt idx="19">
-                  <c:v>0.0017299737592286896</c:v>
+                  <c:v>0.0016957392981919468</c:v>
                 </c:pt>
               </c:numCache>
             </c:numRef>

--- a/cases/goodhostpital2021/对标分析报告.pg.pptx
+++ b/cases/goodhostpital2021/对标分析报告.pg.pptx
@@ -109,13 +109,13 @@
   <p:extLst>
     <p:ext uri="{521415D9-36F7-43E2-AB2F-B90AF26B5E84}">
       <p14:sectionLst xmlns:p14="http://schemas.microsoft.com/office/powerpoint/2010/main">
-        <p14:section name="院内专科BCG散点图" id="{65395a69-a938-1014-68a3-7325f2a96aa5}">
+        <p14:section name="院内专科BCG散点图" id="{e52cd88d-bcb8-a011-b867-77e1ce96b10c}">
           <p14:sldIdLst>
             <p14:sldId id="257"/>
             <p14:sldId id="258"/>
           </p14:sldIdLst>
         </p14:section>
-        <p14:section name="院内专科梯队表格" id="{5cb20cfa-753c-8cb3-f786-04a68b536ff2}">
+        <p14:section name="院内专科梯队表格" id="{9749cdc4-0e16-7772-754b-ab38bbb86fed}">
           <p14:sldIdLst/>
         </p14:section>
       </p14:sectionLst>
@@ -127,7 +127,7 @@
 </p:presentation>
 </file>
 
-<file path=ppt/charts/chart245.xml><?xml version="1.0" encoding="utf-8"?>
+<file path=ppt/charts/chart491.xml><?xml version="1.0" encoding="utf-8"?>
 <c:chartSpace xmlns:c="http://schemas.openxmlformats.org/drawingml/2006/chart" xmlns:a="http://schemas.openxmlformats.org/drawingml/2006/main" xmlns:r="http://schemas.openxmlformats.org/officeDocument/2006/relationships">
   <c:date1904 val="0"/>
   <c:chart>
@@ -221,7 +221,7 @@
                     </a:pPr>
                     <a:r>
                       <a:rPr lang="en-US" dirty="0"/>
-                      <a:t>肝病科</a:t>
+                      <a:t>儿科</a:t>
                     </a:r>
                   </a:p>
                 </c:rich>
@@ -244,7 +244,7 @@
               <c:extLst>
                 <c:ext xmlns:c15="http://schemas.microsoft.com/office/drawing/2012/chart" uri="{CE6537A1-D6FC-4f65-9D91-7224C49458BB}"/>
                 <c:ext xmlns:c16="http://schemas.microsoft.com/office/drawing/2014/chart" uri="{C3380CC4-5D6E-409C-BE32-E72D297353CC}">
-                  <c16:uniqueId val="{00000001-621c-b36a-0a1c-2e885a9774c0}"/>
+                  <c16:uniqueId val="{00000001-fab7-6c85-3f27-184c5998708a}"/>
                 </c:ext>
               </c:extLst>
             </c:dLbl>
@@ -262,7 +262,7 @@
                     </a:pPr>
                     <a:r>
                       <a:rPr lang="en-US" dirty="0"/>
-                      <a:t>周围血管科</a:t>
+                      <a:t>康复科</a:t>
                     </a:r>
                   </a:p>
                 </c:rich>
@@ -285,12 +285,709 @@
               <c:extLst>
                 <c:ext xmlns:c15="http://schemas.microsoft.com/office/drawing/2012/chart" uri="{CE6537A1-D6FC-4f65-9D91-7224C49458BB}"/>
                 <c:ext xmlns:c16="http://schemas.microsoft.com/office/drawing/2014/chart" uri="{C3380CC4-5D6E-409C-BE32-E72D297353CC}">
-                  <c16:uniqueId val="{00000002-621c-b36a-0a1c-2e885a9774c0}"/>
+                  <c16:uniqueId val="{00000002-fab7-6c85-3f27-184c5998708a}"/>
                 </c:ext>
               </c:extLst>
             </c:dLbl>
             <c:dLbl>
               <c:idx val="2"/>
+              <c:tx>
+                <c:rich>
+                  <a:bodyPr>
+                    <a:spAutoFit/>
+                  </a:bodyPr>
+                  <a:lstStyle/>
+                  <a:p>
+                    <a:pPr>
+                      <a:defRPr/>
+                    </a:pPr>
+                    <a:r>
+                      <a:rPr lang="en-US" dirty="0"/>
+                      <a:t>神经外科</a:t>
+                    </a:r>
+                  </a:p>
+                </c:rich>
+              </c:tx>
+              <c:spPr>
+                <a:noFill/>
+                <a:ln>
+                  <a:noFill/>
+                </a:ln>
+                <a:effectLst/>
+              </c:spPr>
+              <c:dLblPos val="t"/>
+              <c:showLegendKey val="0"/>
+              <c:showVal val="0"/>
+              <c:showCatName val="0"/>
+              <c:showSerName val="0"/>
+              <c:showPercent val="0"/>
+              <c:showBubbleSize val="0"/>
+              <c:showLeaderLines val="1"/>
+              <c:extLst>
+                <c:ext xmlns:c15="http://schemas.microsoft.com/office/drawing/2012/chart" uri="{CE6537A1-D6FC-4f65-9D91-7224C49458BB}"/>
+                <c:ext xmlns:c16="http://schemas.microsoft.com/office/drawing/2014/chart" uri="{C3380CC4-5D6E-409C-BE32-E72D297353CC}">
+                  <c16:uniqueId val="{00000003-fab7-6c85-3f27-184c5998708a}"/>
+                </c:ext>
+              </c:extLst>
+            </c:dLbl>
+            <c:dLbl>
+              <c:idx val="3"/>
+              <c:tx>
+                <c:rich>
+                  <a:bodyPr>
+                    <a:spAutoFit/>
+                  </a:bodyPr>
+                  <a:lstStyle/>
+                  <a:p>
+                    <a:pPr>
+                      <a:defRPr/>
+                    </a:pPr>
+                    <a:r>
+                      <a:rPr lang="en-US" dirty="0"/>
+                      <a:t>皮肤科</a:t>
+                    </a:r>
+                  </a:p>
+                </c:rich>
+              </c:tx>
+              <c:spPr>
+                <a:noFill/>
+                <a:ln>
+                  <a:noFill/>
+                </a:ln>
+                <a:effectLst/>
+              </c:spPr>
+              <c:dLblPos val="t"/>
+              <c:showLegendKey val="0"/>
+              <c:showVal val="0"/>
+              <c:showCatName val="0"/>
+              <c:showSerName val="0"/>
+              <c:showPercent val="0"/>
+              <c:showBubbleSize val="0"/>
+              <c:showLeaderLines val="1"/>
+              <c:extLst>
+                <c:ext xmlns:c15="http://schemas.microsoft.com/office/drawing/2012/chart" uri="{CE6537A1-D6FC-4f65-9D91-7224C49458BB}"/>
+                <c:ext xmlns:c16="http://schemas.microsoft.com/office/drawing/2014/chart" uri="{C3380CC4-5D6E-409C-BE32-E72D297353CC}">
+                  <c16:uniqueId val="{00000004-fab7-6c85-3f27-184c5998708a}"/>
+                </c:ext>
+              </c:extLst>
+            </c:dLbl>
+            <c:dLbl>
+              <c:idx val="4"/>
+              <c:tx>
+                <c:rich>
+                  <a:bodyPr>
+                    <a:spAutoFit/>
+                  </a:bodyPr>
+                  <a:lstStyle/>
+                  <a:p>
+                    <a:pPr>
+                      <a:defRPr/>
+                    </a:pPr>
+                    <a:r>
+                      <a:rPr lang="en-US" dirty="0"/>
+                      <a:t>眼科</a:t>
+                    </a:r>
+                  </a:p>
+                </c:rich>
+              </c:tx>
+              <c:spPr>
+                <a:noFill/>
+                <a:ln>
+                  <a:noFill/>
+                </a:ln>
+                <a:effectLst/>
+              </c:spPr>
+              <c:dLblPos val="t"/>
+              <c:showLegendKey val="0"/>
+              <c:showVal val="0"/>
+              <c:showCatName val="0"/>
+              <c:showSerName val="0"/>
+              <c:showPercent val="0"/>
+              <c:showBubbleSize val="0"/>
+              <c:showLeaderLines val="1"/>
+              <c:extLst>
+                <c:ext xmlns:c15="http://schemas.microsoft.com/office/drawing/2012/chart" uri="{CE6537A1-D6FC-4f65-9D91-7224C49458BB}"/>
+                <c:ext xmlns:c16="http://schemas.microsoft.com/office/drawing/2014/chart" uri="{C3380CC4-5D6E-409C-BE32-E72D297353CC}">
+                  <c16:uniqueId val="{00000005-fab7-6c85-3f27-184c5998708a}"/>
+                </c:ext>
+              </c:extLst>
+            </c:dLbl>
+            <c:dLbl>
+              <c:idx val="5"/>
+              <c:tx>
+                <c:rich>
+                  <a:bodyPr>
+                    <a:spAutoFit/>
+                  </a:bodyPr>
+                  <a:lstStyle/>
+                  <a:p>
+                    <a:pPr>
+                      <a:defRPr/>
+                    </a:pPr>
+                    <a:r>
+                      <a:rPr lang="en-US" dirty="0"/>
+                      <a:t>脾胃病科</a:t>
+                    </a:r>
+                  </a:p>
+                </c:rich>
+              </c:tx>
+              <c:spPr>
+                <a:noFill/>
+                <a:ln>
+                  <a:noFill/>
+                </a:ln>
+                <a:effectLst/>
+              </c:spPr>
+              <c:dLblPos val="t"/>
+              <c:showLegendKey val="0"/>
+              <c:showVal val="0"/>
+              <c:showCatName val="0"/>
+              <c:showSerName val="0"/>
+              <c:showPercent val="0"/>
+              <c:showBubbleSize val="0"/>
+              <c:showLeaderLines val="1"/>
+              <c:extLst>
+                <c:ext xmlns:c15="http://schemas.microsoft.com/office/drawing/2012/chart" uri="{CE6537A1-D6FC-4f65-9D91-7224C49458BB}"/>
+                <c:ext xmlns:c16="http://schemas.microsoft.com/office/drawing/2014/chart" uri="{C3380CC4-5D6E-409C-BE32-E72D297353CC}">
+                  <c16:uniqueId val="{00000006-fab7-6c85-3f27-184c5998708a}"/>
+                </c:ext>
+              </c:extLst>
+            </c:dLbl>
+            <c:dLbl>
+              <c:idx val="6"/>
+              <c:tx>
+                <c:rich>
+                  <a:bodyPr>
+                    <a:spAutoFit/>
+                  </a:bodyPr>
+                  <a:lstStyle/>
+                  <a:p>
+                    <a:pPr>
+                      <a:defRPr/>
+                    </a:pPr>
+                    <a:r>
+                      <a:rPr lang="en-US" dirty="0"/>
+                      <a:t>东区肾病科</a:t>
+                    </a:r>
+                  </a:p>
+                </c:rich>
+              </c:tx>
+              <c:spPr>
+                <a:noFill/>
+                <a:ln>
+                  <a:noFill/>
+                </a:ln>
+                <a:effectLst/>
+              </c:spPr>
+              <c:dLblPos val="t"/>
+              <c:showLegendKey val="0"/>
+              <c:showVal val="0"/>
+              <c:showCatName val="0"/>
+              <c:showSerName val="0"/>
+              <c:showPercent val="0"/>
+              <c:showBubbleSize val="0"/>
+              <c:showLeaderLines val="1"/>
+              <c:extLst>
+                <c:ext xmlns:c15="http://schemas.microsoft.com/office/drawing/2012/chart" uri="{CE6537A1-D6FC-4f65-9D91-7224C49458BB}"/>
+                <c:ext xmlns:c16="http://schemas.microsoft.com/office/drawing/2014/chart" uri="{C3380CC4-5D6E-409C-BE32-E72D297353CC}">
+                  <c16:uniqueId val="{00000007-fab7-6c85-3f27-184c5998708a}"/>
+                </c:ext>
+              </c:extLst>
+            </c:dLbl>
+            <c:dLbl>
+              <c:idx val="7"/>
+              <c:tx>
+                <c:rich>
+                  <a:bodyPr>
+                    <a:spAutoFit/>
+                  </a:bodyPr>
+                  <a:lstStyle/>
+                  <a:p>
+                    <a:pPr>
+                      <a:defRPr/>
+                    </a:pPr>
+                    <a:r>
+                      <a:rPr lang="en-US" dirty="0"/>
+                      <a:t>针灸科</a:t>
+                    </a:r>
+                  </a:p>
+                </c:rich>
+              </c:tx>
+              <c:spPr>
+                <a:noFill/>
+                <a:ln>
+                  <a:noFill/>
+                </a:ln>
+                <a:effectLst/>
+              </c:spPr>
+              <c:dLblPos val="t"/>
+              <c:showLegendKey val="0"/>
+              <c:showVal val="0"/>
+              <c:showCatName val="0"/>
+              <c:showSerName val="0"/>
+              <c:showPercent val="0"/>
+              <c:showBubbleSize val="0"/>
+              <c:showLeaderLines val="1"/>
+              <c:extLst>
+                <c:ext xmlns:c15="http://schemas.microsoft.com/office/drawing/2012/chart" uri="{CE6537A1-D6FC-4f65-9D91-7224C49458BB}"/>
+                <c:ext xmlns:c16="http://schemas.microsoft.com/office/drawing/2014/chart" uri="{C3380CC4-5D6E-409C-BE32-E72D297353CC}">
+                  <c16:uniqueId val="{00000008-fab7-6c85-3f27-184c5998708a}"/>
+                </c:ext>
+              </c:extLst>
+            </c:dLbl>
+            <c:dLbl>
+              <c:idx val="8"/>
+              <c:tx>
+                <c:rich>
+                  <a:bodyPr>
+                    <a:spAutoFit/>
+                  </a:bodyPr>
+                  <a:lstStyle/>
+                  <a:p>
+                    <a:pPr>
+                      <a:defRPr/>
+                    </a:pPr>
+                    <a:r>
+                      <a:rPr lang="en-US" dirty="0"/>
+                      <a:t>推拿科</a:t>
+                    </a:r>
+                  </a:p>
+                </c:rich>
+              </c:tx>
+              <c:spPr>
+                <a:noFill/>
+                <a:ln>
+                  <a:noFill/>
+                </a:ln>
+                <a:effectLst/>
+              </c:spPr>
+              <c:dLblPos val="t"/>
+              <c:showLegendKey val="0"/>
+              <c:showVal val="0"/>
+              <c:showCatName val="0"/>
+              <c:showSerName val="0"/>
+              <c:showPercent val="0"/>
+              <c:showBubbleSize val="0"/>
+              <c:showLeaderLines val="1"/>
+              <c:extLst>
+                <c:ext xmlns:c15="http://schemas.microsoft.com/office/drawing/2012/chart" uri="{CE6537A1-D6FC-4f65-9D91-7224C49458BB}"/>
+                <c:ext xmlns:c16="http://schemas.microsoft.com/office/drawing/2014/chart" uri="{C3380CC4-5D6E-409C-BE32-E72D297353CC}">
+                  <c16:uniqueId val="{00000009-fab7-6c85-3f27-184c5998708a}"/>
+                </c:ext>
+              </c:extLst>
+            </c:dLbl>
+            <c:dLbl>
+              <c:idx val="9"/>
+              <c:tx>
+                <c:rich>
+                  <a:bodyPr>
+                    <a:spAutoFit/>
+                  </a:bodyPr>
+                  <a:lstStyle/>
+                  <a:p>
+                    <a:pPr>
+                      <a:defRPr/>
+                    </a:pPr>
+                    <a:r>
+                      <a:rPr lang="en-US" dirty="0"/>
+                      <a:t>脾胃科消化科合并</a:t>
+                    </a:r>
+                  </a:p>
+                </c:rich>
+              </c:tx>
+              <c:spPr>
+                <a:noFill/>
+                <a:ln>
+                  <a:noFill/>
+                </a:ln>
+                <a:effectLst/>
+              </c:spPr>
+              <c:dLblPos val="t"/>
+              <c:showLegendKey val="0"/>
+              <c:showVal val="0"/>
+              <c:showCatName val="0"/>
+              <c:showSerName val="0"/>
+              <c:showPercent val="0"/>
+              <c:showBubbleSize val="0"/>
+              <c:showLeaderLines val="1"/>
+              <c:extLst>
+                <c:ext xmlns:c15="http://schemas.microsoft.com/office/drawing/2012/chart" uri="{CE6537A1-D6FC-4f65-9D91-7224C49458BB}"/>
+                <c:ext xmlns:c16="http://schemas.microsoft.com/office/drawing/2014/chart" uri="{C3380CC4-5D6E-409C-BE32-E72D297353CC}">
+                  <c16:uniqueId val="{00000010-fab7-6c85-3f27-184c5998708a}"/>
+                </c:ext>
+              </c:extLst>
+            </c:dLbl>
+            <c:dLbl>
+              <c:idx val="10"/>
+              <c:tx>
+                <c:rich>
+                  <a:bodyPr>
+                    <a:spAutoFit/>
+                  </a:bodyPr>
+                  <a:lstStyle/>
+                  <a:p>
+                    <a:pPr>
+                      <a:defRPr/>
+                    </a:pPr>
+                    <a:r>
+                      <a:rPr lang="en-US" dirty="0"/>
+                      <a:t>心血管内科</a:t>
+                    </a:r>
+                  </a:p>
+                </c:rich>
+              </c:tx>
+              <c:spPr>
+                <a:noFill/>
+                <a:ln>
+                  <a:noFill/>
+                </a:ln>
+                <a:effectLst/>
+              </c:spPr>
+              <c:dLblPos val="t"/>
+              <c:showLegendKey val="0"/>
+              <c:showVal val="0"/>
+              <c:showCatName val="0"/>
+              <c:showSerName val="0"/>
+              <c:showPercent val="0"/>
+              <c:showBubbleSize val="0"/>
+              <c:showLeaderLines val="1"/>
+              <c:extLst>
+                <c:ext xmlns:c15="http://schemas.microsoft.com/office/drawing/2012/chart" uri="{CE6537A1-D6FC-4f65-9D91-7224C49458BB}"/>
+                <c:ext xmlns:c16="http://schemas.microsoft.com/office/drawing/2014/chart" uri="{C3380CC4-5D6E-409C-BE32-E72D297353CC}">
+                  <c16:uniqueId val="{00000011-fab7-6c85-3f27-184c5998708a}"/>
+                </c:ext>
+              </c:extLst>
+            </c:dLbl>
+            <c:dLbl>
+              <c:idx val="11"/>
+              <c:tx>
+                <c:rich>
+                  <a:bodyPr>
+                    <a:spAutoFit/>
+                  </a:bodyPr>
+                  <a:lstStyle/>
+                  <a:p>
+                    <a:pPr>
+                      <a:defRPr/>
+                    </a:pPr>
+                    <a:r>
+                      <a:rPr lang="en-US" dirty="0"/>
+                      <a:t>心病二科</a:t>
+                    </a:r>
+                  </a:p>
+                </c:rich>
+              </c:tx>
+              <c:spPr>
+                <a:noFill/>
+                <a:ln>
+                  <a:noFill/>
+                </a:ln>
+                <a:effectLst/>
+              </c:spPr>
+              <c:dLblPos val="t"/>
+              <c:showLegendKey val="0"/>
+              <c:showVal val="0"/>
+              <c:showCatName val="0"/>
+              <c:showSerName val="0"/>
+              <c:showPercent val="0"/>
+              <c:showBubbleSize val="0"/>
+              <c:showLeaderLines val="1"/>
+              <c:extLst>
+                <c:ext xmlns:c15="http://schemas.microsoft.com/office/drawing/2012/chart" uri="{CE6537A1-D6FC-4f65-9D91-7224C49458BB}"/>
+                <c:ext xmlns:c16="http://schemas.microsoft.com/office/drawing/2014/chart" uri="{C3380CC4-5D6E-409C-BE32-E72D297353CC}">
+                  <c16:uniqueId val="{00000012-fab7-6c85-3f27-184c5998708a}"/>
+                </c:ext>
+              </c:extLst>
+            </c:dLbl>
+            <c:dLbl>
+              <c:idx val="12"/>
+              <c:tx>
+                <c:rich>
+                  <a:bodyPr>
+                    <a:spAutoFit/>
+                  </a:bodyPr>
+                  <a:lstStyle/>
+                  <a:p>
+                    <a:pPr>
+                      <a:defRPr/>
+                    </a:pPr>
+                    <a:r>
+                      <a:rPr lang="en-US" dirty="0"/>
+                      <a:t>内分泌科</a:t>
+                    </a:r>
+                  </a:p>
+                </c:rich>
+              </c:tx>
+              <c:spPr>
+                <a:noFill/>
+                <a:ln>
+                  <a:noFill/>
+                </a:ln>
+                <a:effectLst/>
+              </c:spPr>
+              <c:dLblPos val="t"/>
+              <c:showLegendKey val="0"/>
+              <c:showVal val="0"/>
+              <c:showCatName val="0"/>
+              <c:showSerName val="0"/>
+              <c:showPercent val="0"/>
+              <c:showBubbleSize val="0"/>
+              <c:showLeaderLines val="1"/>
+              <c:extLst>
+                <c:ext xmlns:c15="http://schemas.microsoft.com/office/drawing/2012/chart" uri="{CE6537A1-D6FC-4f65-9D91-7224C49458BB}"/>
+                <c:ext xmlns:c16="http://schemas.microsoft.com/office/drawing/2014/chart" uri="{C3380CC4-5D6E-409C-BE32-E72D297353CC}">
+                  <c16:uniqueId val="{00000013-fab7-6c85-3f27-184c5998708a}"/>
+                </c:ext>
+              </c:extLst>
+            </c:dLbl>
+            <c:dLbl>
+              <c:idx val="13"/>
+              <c:tx>
+                <c:rich>
+                  <a:bodyPr>
+                    <a:spAutoFit/>
+                  </a:bodyPr>
+                  <a:lstStyle/>
+                  <a:p>
+                    <a:pPr>
+                      <a:defRPr/>
+                    </a:pPr>
+                    <a:r>
+                      <a:rPr lang="en-US" dirty="0"/>
+                      <a:t>肾脏内科</a:t>
+                    </a:r>
+                  </a:p>
+                </c:rich>
+              </c:tx>
+              <c:spPr>
+                <a:noFill/>
+                <a:ln>
+                  <a:noFill/>
+                </a:ln>
+                <a:effectLst/>
+              </c:spPr>
+              <c:dLblPos val="t"/>
+              <c:showLegendKey val="0"/>
+              <c:showVal val="0"/>
+              <c:showCatName val="0"/>
+              <c:showSerName val="0"/>
+              <c:showPercent val="0"/>
+              <c:showBubbleSize val="0"/>
+              <c:showLeaderLines val="1"/>
+              <c:extLst>
+                <c:ext xmlns:c15="http://schemas.microsoft.com/office/drawing/2012/chart" uri="{CE6537A1-D6FC-4f65-9D91-7224C49458BB}"/>
+                <c:ext xmlns:c16="http://schemas.microsoft.com/office/drawing/2014/chart" uri="{C3380CC4-5D6E-409C-BE32-E72D297353CC}">
+                  <c16:uniqueId val="{00000014-fab7-6c85-3f27-184c5998708a}"/>
+                </c:ext>
+              </c:extLst>
+            </c:dLbl>
+            <c:dLbl>
+              <c:idx val="14"/>
+              <c:tx>
+                <c:rich>
+                  <a:bodyPr>
+                    <a:spAutoFit/>
+                  </a:bodyPr>
+                  <a:lstStyle/>
+                  <a:p>
+                    <a:pPr>
+                      <a:defRPr/>
+                    </a:pPr>
+                    <a:r>
+                      <a:rPr lang="en-US" dirty="0"/>
+                      <a:t>肛肠科</a:t>
+                    </a:r>
+                  </a:p>
+                </c:rich>
+              </c:tx>
+              <c:spPr>
+                <a:noFill/>
+                <a:ln>
+                  <a:noFill/>
+                </a:ln>
+                <a:effectLst/>
+              </c:spPr>
+              <c:dLblPos val="t"/>
+              <c:showLegendKey val="0"/>
+              <c:showVal val="0"/>
+              <c:showCatName val="0"/>
+              <c:showSerName val="0"/>
+              <c:showPercent val="0"/>
+              <c:showBubbleSize val="0"/>
+              <c:showLeaderLines val="1"/>
+              <c:extLst>
+                <c:ext xmlns:c15="http://schemas.microsoft.com/office/drawing/2012/chart" uri="{CE6537A1-D6FC-4f65-9D91-7224C49458BB}"/>
+                <c:ext xmlns:c16="http://schemas.microsoft.com/office/drawing/2014/chart" uri="{C3380CC4-5D6E-409C-BE32-E72D297353CC}">
+                  <c16:uniqueId val="{00000015-fab7-6c85-3f27-184c5998708a}"/>
+                </c:ext>
+              </c:extLst>
+            </c:dLbl>
+            <c:dLbl>
+              <c:idx val="15"/>
+              <c:tx>
+                <c:rich>
+                  <a:bodyPr>
+                    <a:spAutoFit/>
+                  </a:bodyPr>
+                  <a:lstStyle/>
+                  <a:p>
+                    <a:pPr>
+                      <a:defRPr/>
+                    </a:pPr>
+                    <a:r>
+                      <a:rPr lang="en-US" dirty="0"/>
+                      <a:t>神经内科</a:t>
+                    </a:r>
+                  </a:p>
+                </c:rich>
+              </c:tx>
+              <c:spPr>
+                <a:noFill/>
+                <a:ln>
+                  <a:noFill/>
+                </a:ln>
+                <a:effectLst/>
+              </c:spPr>
+              <c:dLblPos val="t"/>
+              <c:showLegendKey val="0"/>
+              <c:showVal val="0"/>
+              <c:showCatName val="0"/>
+              <c:showSerName val="0"/>
+              <c:showPercent val="0"/>
+              <c:showBubbleSize val="0"/>
+              <c:showLeaderLines val="1"/>
+              <c:extLst>
+                <c:ext xmlns:c15="http://schemas.microsoft.com/office/drawing/2012/chart" uri="{CE6537A1-D6FC-4f65-9D91-7224C49458BB}"/>
+                <c:ext xmlns:c16="http://schemas.microsoft.com/office/drawing/2014/chart" uri="{C3380CC4-5D6E-409C-BE32-E72D297353CC}">
+                  <c16:uniqueId val="{00000016-fab7-6c85-3f27-184c5998708a}"/>
+                </c:ext>
+              </c:extLst>
+            </c:dLbl>
+            <c:dLbl>
+              <c:idx val="16"/>
+              <c:tx>
+                <c:rich>
+                  <a:bodyPr>
+                    <a:spAutoFit/>
+                  </a:bodyPr>
+                  <a:lstStyle/>
+                  <a:p>
+                    <a:pPr>
+                      <a:defRPr/>
+                    </a:pPr>
+                    <a:r>
+                      <a:rPr lang="en-US" dirty="0"/>
+                      <a:t>关节骨科</a:t>
+                    </a:r>
+                  </a:p>
+                </c:rich>
+              </c:tx>
+              <c:spPr>
+                <a:noFill/>
+                <a:ln>
+                  <a:noFill/>
+                </a:ln>
+                <a:effectLst/>
+              </c:spPr>
+              <c:dLblPos val="t"/>
+              <c:showLegendKey val="0"/>
+              <c:showVal val="0"/>
+              <c:showCatName val="0"/>
+              <c:showSerName val="0"/>
+              <c:showPercent val="0"/>
+              <c:showBubbleSize val="0"/>
+              <c:showLeaderLines val="1"/>
+              <c:extLst>
+                <c:ext xmlns:c15="http://schemas.microsoft.com/office/drawing/2012/chart" uri="{CE6537A1-D6FC-4f65-9D91-7224C49458BB}"/>
+                <c:ext xmlns:c16="http://schemas.microsoft.com/office/drawing/2014/chart" uri="{C3380CC4-5D6E-409C-BE32-E72D297353CC}">
+                  <c16:uniqueId val="{00000017-fab7-6c85-3f27-184c5998708a}"/>
+                </c:ext>
+              </c:extLst>
+            </c:dLbl>
+            <c:dLbl>
+              <c:idx val="17"/>
+              <c:tx>
+                <c:rich>
+                  <a:bodyPr>
+                    <a:spAutoFit/>
+                  </a:bodyPr>
+                  <a:lstStyle/>
+                  <a:p>
+                    <a:pPr>
+                      <a:defRPr/>
+                    </a:pPr>
+                    <a:r>
+                      <a:rPr lang="en-US" dirty="0"/>
+                      <a:t>医院</a:t>
+                    </a:r>
+                  </a:p>
+                </c:rich>
+              </c:tx>
+              <c:spPr>
+                <a:noFill/>
+                <a:ln>
+                  <a:noFill/>
+                </a:ln>
+                <a:effectLst/>
+              </c:spPr>
+              <c:dLblPos val="t"/>
+              <c:showLegendKey val="0"/>
+              <c:showVal val="0"/>
+              <c:showCatName val="0"/>
+              <c:showSerName val="0"/>
+              <c:showPercent val="0"/>
+              <c:showBubbleSize val="0"/>
+              <c:showLeaderLines val="1"/>
+              <c:extLst>
+                <c:ext xmlns:c15="http://schemas.microsoft.com/office/drawing/2012/chart" uri="{CE6537A1-D6FC-4f65-9D91-7224C49458BB}"/>
+                <c:ext xmlns:c16="http://schemas.microsoft.com/office/drawing/2014/chart" uri="{C3380CC4-5D6E-409C-BE32-E72D297353CC}">
+                  <c16:uniqueId val="{00000018-fab7-6c85-3f27-184c5998708a}"/>
+                </c:ext>
+              </c:extLst>
+            </c:dLbl>
+            <c:dLbl>
+              <c:idx val="18"/>
+              <c:tx>
+                <c:rich>
+                  <a:bodyPr>
+                    <a:spAutoFit/>
+                  </a:bodyPr>
+                  <a:lstStyle/>
+                  <a:p>
+                    <a:pPr>
+                      <a:defRPr/>
+                    </a:pPr>
+                    <a:r>
+                      <a:rPr lang="en-US" dirty="0"/>
+                      <a:t>肿瘤内科</a:t>
+                    </a:r>
+                  </a:p>
+                </c:rich>
+              </c:tx>
+              <c:spPr>
+                <a:noFill/>
+                <a:ln>
+                  <a:noFill/>
+                </a:ln>
+                <a:effectLst/>
+              </c:spPr>
+              <c:dLblPos val="t"/>
+              <c:showLegendKey val="0"/>
+              <c:showVal val="0"/>
+              <c:showCatName val="0"/>
+              <c:showSerName val="0"/>
+              <c:showPercent val="0"/>
+              <c:showBubbleSize val="0"/>
+              <c:showLeaderLines val="1"/>
+              <c:extLst>
+                <c:ext xmlns:c15="http://schemas.microsoft.com/office/drawing/2012/chart" uri="{CE6537A1-D6FC-4f65-9D91-7224C49458BB}"/>
+                <c:ext xmlns:c16="http://schemas.microsoft.com/office/drawing/2014/chart" uri="{C3380CC4-5D6E-409C-BE32-E72D297353CC}">
+                  <c16:uniqueId val="{00000019-fab7-6c85-3f27-184c5998708a}"/>
+                </c:ext>
+              </c:extLst>
+            </c:dLbl>
+            <c:dLbl>
+              <c:idx val="19"/>
               <c:tx>
                 <c:rich>
                   <a:bodyPr>
@@ -326,704 +1023,7 @@
               <c:extLst>
                 <c:ext xmlns:c15="http://schemas.microsoft.com/office/drawing/2012/chart" uri="{CE6537A1-D6FC-4f65-9D91-7224C49458BB}"/>
                 <c:ext xmlns:c16="http://schemas.microsoft.com/office/drawing/2014/chart" uri="{C3380CC4-5D6E-409C-BE32-E72D297353CC}">
-                  <c16:uniqueId val="{00000003-621c-b36a-0a1c-2e885a9774c0}"/>
-                </c:ext>
-              </c:extLst>
-            </c:dLbl>
-            <c:dLbl>
-              <c:idx val="3"/>
-              <c:tx>
-                <c:rich>
-                  <a:bodyPr>
-                    <a:spAutoFit/>
-                  </a:bodyPr>
-                  <a:lstStyle/>
-                  <a:p>
-                    <a:pPr>
-                      <a:defRPr/>
-                    </a:pPr>
-                    <a:r>
-                      <a:rPr lang="en-US" dirty="0"/>
-                      <a:t>重症医学科</a:t>
-                    </a:r>
-                  </a:p>
-                </c:rich>
-              </c:tx>
-              <c:spPr>
-                <a:noFill/>
-                <a:ln>
-                  <a:noFill/>
-                </a:ln>
-                <a:effectLst/>
-              </c:spPr>
-              <c:dLblPos val="t"/>
-              <c:showLegendKey val="0"/>
-              <c:showVal val="0"/>
-              <c:showCatName val="0"/>
-              <c:showSerName val="0"/>
-              <c:showPercent val="0"/>
-              <c:showBubbleSize val="0"/>
-              <c:showLeaderLines val="1"/>
-              <c:extLst>
-                <c:ext xmlns:c15="http://schemas.microsoft.com/office/drawing/2012/chart" uri="{CE6537A1-D6FC-4f65-9D91-7224C49458BB}"/>
-                <c:ext xmlns:c16="http://schemas.microsoft.com/office/drawing/2014/chart" uri="{C3380CC4-5D6E-409C-BE32-E72D297353CC}">
-                  <c16:uniqueId val="{00000004-621c-b36a-0a1c-2e885a9774c0}"/>
-                </c:ext>
-              </c:extLst>
-            </c:dLbl>
-            <c:dLbl>
-              <c:idx val="4"/>
-              <c:tx>
-                <c:rich>
-                  <a:bodyPr>
-                    <a:spAutoFit/>
-                  </a:bodyPr>
-                  <a:lstStyle/>
-                  <a:p>
-                    <a:pPr>
-                      <a:defRPr/>
-                    </a:pPr>
-                    <a:r>
-                      <a:rPr lang="en-US" dirty="0"/>
-                      <a:t>呼吸内科</a:t>
-                    </a:r>
-                  </a:p>
-                </c:rich>
-              </c:tx>
-              <c:spPr>
-                <a:noFill/>
-                <a:ln>
-                  <a:noFill/>
-                </a:ln>
-                <a:effectLst/>
-              </c:spPr>
-              <c:dLblPos val="t"/>
-              <c:showLegendKey val="0"/>
-              <c:showVal val="0"/>
-              <c:showCatName val="0"/>
-              <c:showSerName val="0"/>
-              <c:showPercent val="0"/>
-              <c:showBubbleSize val="0"/>
-              <c:showLeaderLines val="1"/>
-              <c:extLst>
-                <c:ext xmlns:c15="http://schemas.microsoft.com/office/drawing/2012/chart" uri="{CE6537A1-D6FC-4f65-9D91-7224C49458BB}"/>
-                <c:ext xmlns:c16="http://schemas.microsoft.com/office/drawing/2014/chart" uri="{C3380CC4-5D6E-409C-BE32-E72D297353CC}">
-                  <c16:uniqueId val="{00000005-621c-b36a-0a1c-2e885a9774c0}"/>
-                </c:ext>
-              </c:extLst>
-            </c:dLbl>
-            <c:dLbl>
-              <c:idx val="5"/>
-              <c:tx>
-                <c:rich>
-                  <a:bodyPr>
-                    <a:spAutoFit/>
-                  </a:bodyPr>
-                  <a:lstStyle/>
-                  <a:p>
-                    <a:pPr>
-                      <a:defRPr/>
-                    </a:pPr>
-                    <a:r>
-                      <a:rPr lang="en-US" dirty="0"/>
-                      <a:t>东区肾病科</a:t>
-                    </a:r>
-                  </a:p>
-                </c:rich>
-              </c:tx>
-              <c:spPr>
-                <a:noFill/>
-                <a:ln>
-                  <a:noFill/>
-                </a:ln>
-                <a:effectLst/>
-              </c:spPr>
-              <c:dLblPos val="t"/>
-              <c:showLegendKey val="0"/>
-              <c:showVal val="0"/>
-              <c:showCatName val="0"/>
-              <c:showSerName val="0"/>
-              <c:showPercent val="0"/>
-              <c:showBubbleSize val="0"/>
-              <c:showLeaderLines val="1"/>
-              <c:extLst>
-                <c:ext xmlns:c15="http://schemas.microsoft.com/office/drawing/2012/chart" uri="{CE6537A1-D6FC-4f65-9D91-7224C49458BB}"/>
-                <c:ext xmlns:c16="http://schemas.microsoft.com/office/drawing/2014/chart" uri="{C3380CC4-5D6E-409C-BE32-E72D297353CC}">
-                  <c16:uniqueId val="{00000006-621c-b36a-0a1c-2e885a9774c0}"/>
-                </c:ext>
-              </c:extLst>
-            </c:dLbl>
-            <c:dLbl>
-              <c:idx val="6"/>
-              <c:tx>
-                <c:rich>
-                  <a:bodyPr>
-                    <a:spAutoFit/>
-                  </a:bodyPr>
-                  <a:lstStyle/>
-                  <a:p>
-                    <a:pPr>
-                      <a:defRPr/>
-                    </a:pPr>
-                    <a:r>
-                      <a:rPr lang="en-US" dirty="0"/>
-                      <a:t>肾病科</a:t>
-                    </a:r>
-                  </a:p>
-                </c:rich>
-              </c:tx>
-              <c:spPr>
-                <a:noFill/>
-                <a:ln>
-                  <a:noFill/>
-                </a:ln>
-                <a:effectLst/>
-              </c:spPr>
-              <c:dLblPos val="t"/>
-              <c:showLegendKey val="0"/>
-              <c:showVal val="0"/>
-              <c:showCatName val="0"/>
-              <c:showSerName val="0"/>
-              <c:showPercent val="0"/>
-              <c:showBubbleSize val="0"/>
-              <c:showLeaderLines val="1"/>
-              <c:extLst>
-                <c:ext xmlns:c15="http://schemas.microsoft.com/office/drawing/2012/chart" uri="{CE6537A1-D6FC-4f65-9D91-7224C49458BB}"/>
-                <c:ext xmlns:c16="http://schemas.microsoft.com/office/drawing/2014/chart" uri="{C3380CC4-5D6E-409C-BE32-E72D297353CC}">
-                  <c16:uniqueId val="{00000007-621c-b36a-0a1c-2e885a9774c0}"/>
-                </c:ext>
-              </c:extLst>
-            </c:dLbl>
-            <c:dLbl>
-              <c:idx val="7"/>
-              <c:tx>
-                <c:rich>
-                  <a:bodyPr>
-                    <a:spAutoFit/>
-                  </a:bodyPr>
-                  <a:lstStyle/>
-                  <a:p>
-                    <a:pPr>
-                      <a:defRPr/>
-                    </a:pPr>
-                    <a:r>
-                      <a:rPr lang="en-US" dirty="0"/>
-                      <a:t>微创骨科</a:t>
-                    </a:r>
-                  </a:p>
-                </c:rich>
-              </c:tx>
-              <c:spPr>
-                <a:noFill/>
-                <a:ln>
-                  <a:noFill/>
-                </a:ln>
-                <a:effectLst/>
-              </c:spPr>
-              <c:dLblPos val="t"/>
-              <c:showLegendKey val="0"/>
-              <c:showVal val="0"/>
-              <c:showCatName val="0"/>
-              <c:showSerName val="0"/>
-              <c:showPercent val="0"/>
-              <c:showBubbleSize val="0"/>
-              <c:showLeaderLines val="1"/>
-              <c:extLst>
-                <c:ext xmlns:c15="http://schemas.microsoft.com/office/drawing/2012/chart" uri="{CE6537A1-D6FC-4f65-9D91-7224C49458BB}"/>
-                <c:ext xmlns:c16="http://schemas.microsoft.com/office/drawing/2014/chart" uri="{C3380CC4-5D6E-409C-BE32-E72D297353CC}">
-                  <c16:uniqueId val="{00000008-621c-b36a-0a1c-2e885a9774c0}"/>
-                </c:ext>
-              </c:extLst>
-            </c:dLbl>
-            <c:dLbl>
-              <c:idx val="8"/>
-              <c:tx>
-                <c:rich>
-                  <a:bodyPr>
-                    <a:spAutoFit/>
-                  </a:bodyPr>
-                  <a:lstStyle/>
-                  <a:p>
-                    <a:pPr>
-                      <a:defRPr/>
-                    </a:pPr>
-                    <a:r>
-                      <a:rPr lang="en-US" dirty="0"/>
-                      <a:t>脾胃病科</a:t>
-                    </a:r>
-                  </a:p>
-                </c:rich>
-              </c:tx>
-              <c:spPr>
-                <a:noFill/>
-                <a:ln>
-                  <a:noFill/>
-                </a:ln>
-                <a:effectLst/>
-              </c:spPr>
-              <c:dLblPos val="t"/>
-              <c:showLegendKey val="0"/>
-              <c:showVal val="0"/>
-              <c:showCatName val="0"/>
-              <c:showSerName val="0"/>
-              <c:showPercent val="0"/>
-              <c:showBubbleSize val="0"/>
-              <c:showLeaderLines val="1"/>
-              <c:extLst>
-                <c:ext xmlns:c15="http://schemas.microsoft.com/office/drawing/2012/chart" uri="{CE6537A1-D6FC-4f65-9D91-7224C49458BB}"/>
-                <c:ext xmlns:c16="http://schemas.microsoft.com/office/drawing/2014/chart" uri="{C3380CC4-5D6E-409C-BE32-E72D297353CC}">
-                  <c16:uniqueId val="{00000009-621c-b36a-0a1c-2e885a9774c0}"/>
-                </c:ext>
-              </c:extLst>
-            </c:dLbl>
-            <c:dLbl>
-              <c:idx val="9"/>
-              <c:tx>
-                <c:rich>
-                  <a:bodyPr>
-                    <a:spAutoFit/>
-                  </a:bodyPr>
-                  <a:lstStyle/>
-                  <a:p>
-                    <a:pPr>
-                      <a:defRPr/>
-                    </a:pPr>
-                    <a:r>
-                      <a:rPr lang="en-US" dirty="0"/>
-                      <a:t>小儿骨科</a:t>
-                    </a:r>
-                  </a:p>
-                </c:rich>
-              </c:tx>
-              <c:spPr>
-                <a:noFill/>
-                <a:ln>
-                  <a:noFill/>
-                </a:ln>
-                <a:effectLst/>
-              </c:spPr>
-              <c:dLblPos val="t"/>
-              <c:showLegendKey val="0"/>
-              <c:showVal val="0"/>
-              <c:showCatName val="0"/>
-              <c:showSerName val="0"/>
-              <c:showPercent val="0"/>
-              <c:showBubbleSize val="0"/>
-              <c:showLeaderLines val="1"/>
-              <c:extLst>
-                <c:ext xmlns:c15="http://schemas.microsoft.com/office/drawing/2012/chart" uri="{CE6537A1-D6FC-4f65-9D91-7224C49458BB}"/>
-                <c:ext xmlns:c16="http://schemas.microsoft.com/office/drawing/2014/chart" uri="{C3380CC4-5D6E-409C-BE32-E72D297353CC}">
-                  <c16:uniqueId val="{00000010-621c-b36a-0a1c-2e885a9774c0}"/>
-                </c:ext>
-              </c:extLst>
-            </c:dLbl>
-            <c:dLbl>
-              <c:idx val="10"/>
-              <c:tx>
-                <c:rich>
-                  <a:bodyPr>
-                    <a:spAutoFit/>
-                  </a:bodyPr>
-                  <a:lstStyle/>
-                  <a:p>
-                    <a:pPr>
-                      <a:defRPr/>
-                    </a:pPr>
-                    <a:r>
-                      <a:rPr lang="en-US" dirty="0"/>
-                      <a:t>肿瘤内科</a:t>
-                    </a:r>
-                  </a:p>
-                </c:rich>
-              </c:tx>
-              <c:spPr>
-                <a:noFill/>
-                <a:ln>
-                  <a:noFill/>
-                </a:ln>
-                <a:effectLst/>
-              </c:spPr>
-              <c:dLblPos val="t"/>
-              <c:showLegendKey val="0"/>
-              <c:showVal val="0"/>
-              <c:showCatName val="0"/>
-              <c:showSerName val="0"/>
-              <c:showPercent val="0"/>
-              <c:showBubbleSize val="0"/>
-              <c:showLeaderLines val="1"/>
-              <c:extLst>
-                <c:ext xmlns:c15="http://schemas.microsoft.com/office/drawing/2012/chart" uri="{CE6537A1-D6FC-4f65-9D91-7224C49458BB}"/>
-                <c:ext xmlns:c16="http://schemas.microsoft.com/office/drawing/2014/chart" uri="{C3380CC4-5D6E-409C-BE32-E72D297353CC}">
-                  <c16:uniqueId val="{00000011-621c-b36a-0a1c-2e885a9774c0}"/>
-                </c:ext>
-              </c:extLst>
-            </c:dLbl>
-            <c:dLbl>
-              <c:idx val="11"/>
-              <c:tx>
-                <c:rich>
-                  <a:bodyPr>
-                    <a:spAutoFit/>
-                  </a:bodyPr>
-                  <a:lstStyle/>
-                  <a:p>
-                    <a:pPr>
-                      <a:defRPr/>
-                    </a:pPr>
-                    <a:r>
-                      <a:rPr lang="en-US" dirty="0"/>
-                      <a:t>肛肠科</a:t>
-                    </a:r>
-                  </a:p>
-                </c:rich>
-              </c:tx>
-              <c:spPr>
-                <a:noFill/>
-                <a:ln>
-                  <a:noFill/>
-                </a:ln>
-                <a:effectLst/>
-              </c:spPr>
-              <c:dLblPos val="t"/>
-              <c:showLegendKey val="0"/>
-              <c:showVal val="0"/>
-              <c:showCatName val="0"/>
-              <c:showSerName val="0"/>
-              <c:showPercent val="0"/>
-              <c:showBubbleSize val="0"/>
-              <c:showLeaderLines val="1"/>
-              <c:extLst>
-                <c:ext xmlns:c15="http://schemas.microsoft.com/office/drawing/2012/chart" uri="{CE6537A1-D6FC-4f65-9D91-7224C49458BB}"/>
-                <c:ext xmlns:c16="http://schemas.microsoft.com/office/drawing/2014/chart" uri="{C3380CC4-5D6E-409C-BE32-E72D297353CC}">
-                  <c16:uniqueId val="{00000012-621c-b36a-0a1c-2e885a9774c0}"/>
-                </c:ext>
-              </c:extLst>
-            </c:dLbl>
-            <c:dLbl>
-              <c:idx val="12"/>
-              <c:tx>
-                <c:rich>
-                  <a:bodyPr>
-                    <a:spAutoFit/>
-                  </a:bodyPr>
-                  <a:lstStyle/>
-                  <a:p>
-                    <a:pPr>
-                      <a:defRPr/>
-                    </a:pPr>
-                    <a:r>
-                      <a:rPr lang="en-US" dirty="0"/>
-                      <a:t>脊柱骨科</a:t>
-                    </a:r>
-                  </a:p>
-                </c:rich>
-              </c:tx>
-              <c:spPr>
-                <a:noFill/>
-                <a:ln>
-                  <a:noFill/>
-                </a:ln>
-                <a:effectLst/>
-              </c:spPr>
-              <c:dLblPos val="t"/>
-              <c:showLegendKey val="0"/>
-              <c:showVal val="0"/>
-              <c:showCatName val="0"/>
-              <c:showSerName val="0"/>
-              <c:showPercent val="0"/>
-              <c:showBubbleSize val="0"/>
-              <c:showLeaderLines val="1"/>
-              <c:extLst>
-                <c:ext xmlns:c15="http://schemas.microsoft.com/office/drawing/2012/chart" uri="{CE6537A1-D6FC-4f65-9D91-7224C49458BB}"/>
-                <c:ext xmlns:c16="http://schemas.microsoft.com/office/drawing/2014/chart" uri="{C3380CC4-5D6E-409C-BE32-E72D297353CC}">
-                  <c16:uniqueId val="{00000013-621c-b36a-0a1c-2e885a9774c0}"/>
-                </c:ext>
-              </c:extLst>
-            </c:dLbl>
-            <c:dLbl>
-              <c:idx val="13"/>
-              <c:tx>
-                <c:rich>
-                  <a:bodyPr>
-                    <a:spAutoFit/>
-                  </a:bodyPr>
-                  <a:lstStyle/>
-                  <a:p>
-                    <a:pPr>
-                      <a:defRPr/>
-                    </a:pPr>
-                    <a:r>
-                      <a:rPr lang="en-US" dirty="0"/>
-                      <a:t>脾胃科消化科合并</a:t>
-                    </a:r>
-                  </a:p>
-                </c:rich>
-              </c:tx>
-              <c:spPr>
-                <a:noFill/>
-                <a:ln>
-                  <a:noFill/>
-                </a:ln>
-                <a:effectLst/>
-              </c:spPr>
-              <c:dLblPos val="t"/>
-              <c:showLegendKey val="0"/>
-              <c:showVal val="0"/>
-              <c:showCatName val="0"/>
-              <c:showSerName val="0"/>
-              <c:showPercent val="0"/>
-              <c:showBubbleSize val="0"/>
-              <c:showLeaderLines val="1"/>
-              <c:extLst>
-                <c:ext xmlns:c15="http://schemas.microsoft.com/office/drawing/2012/chart" uri="{CE6537A1-D6FC-4f65-9D91-7224C49458BB}"/>
-                <c:ext xmlns:c16="http://schemas.microsoft.com/office/drawing/2014/chart" uri="{C3380CC4-5D6E-409C-BE32-E72D297353CC}">
-                  <c16:uniqueId val="{00000014-621c-b36a-0a1c-2e885a9774c0}"/>
-                </c:ext>
-              </c:extLst>
-            </c:dLbl>
-            <c:dLbl>
-              <c:idx val="14"/>
-              <c:tx>
-                <c:rich>
-                  <a:bodyPr>
-                    <a:spAutoFit/>
-                  </a:bodyPr>
-                  <a:lstStyle/>
-                  <a:p>
-                    <a:pPr>
-                      <a:defRPr/>
-                    </a:pPr>
-                    <a:r>
-                      <a:rPr lang="en-US" dirty="0"/>
-                      <a:t>心病一科</a:t>
-                    </a:r>
-                  </a:p>
-                </c:rich>
-              </c:tx>
-              <c:spPr>
-                <a:noFill/>
-                <a:ln>
-                  <a:noFill/>
-                </a:ln>
-                <a:effectLst/>
-              </c:spPr>
-              <c:dLblPos val="t"/>
-              <c:showLegendKey val="0"/>
-              <c:showVal val="0"/>
-              <c:showCatName val="0"/>
-              <c:showSerName val="0"/>
-              <c:showPercent val="0"/>
-              <c:showBubbleSize val="0"/>
-              <c:showLeaderLines val="1"/>
-              <c:extLst>
-                <c:ext xmlns:c15="http://schemas.microsoft.com/office/drawing/2012/chart" uri="{CE6537A1-D6FC-4f65-9D91-7224C49458BB}"/>
-                <c:ext xmlns:c16="http://schemas.microsoft.com/office/drawing/2014/chart" uri="{C3380CC4-5D6E-409C-BE32-E72D297353CC}">
-                  <c16:uniqueId val="{00000015-621c-b36a-0a1c-2e885a9774c0}"/>
-                </c:ext>
-              </c:extLst>
-            </c:dLbl>
-            <c:dLbl>
-              <c:idx val="15"/>
-              <c:tx>
-                <c:rich>
-                  <a:bodyPr>
-                    <a:spAutoFit/>
-                  </a:bodyPr>
-                  <a:lstStyle/>
-                  <a:p>
-                    <a:pPr>
-                      <a:defRPr/>
-                    </a:pPr>
-                    <a:r>
-                      <a:rPr lang="en-US" dirty="0"/>
-                      <a:t>心血管内科</a:t>
-                    </a:r>
-                  </a:p>
-                </c:rich>
-              </c:tx>
-              <c:spPr>
-                <a:noFill/>
-                <a:ln>
-                  <a:noFill/>
-                </a:ln>
-                <a:effectLst/>
-              </c:spPr>
-              <c:dLblPos val="t"/>
-              <c:showLegendKey val="0"/>
-              <c:showVal val="0"/>
-              <c:showCatName val="0"/>
-              <c:showSerName val="0"/>
-              <c:showPercent val="0"/>
-              <c:showBubbleSize val="0"/>
-              <c:showLeaderLines val="1"/>
-              <c:extLst>
-                <c:ext xmlns:c15="http://schemas.microsoft.com/office/drawing/2012/chart" uri="{CE6537A1-D6FC-4f65-9D91-7224C49458BB}"/>
-                <c:ext xmlns:c16="http://schemas.microsoft.com/office/drawing/2014/chart" uri="{C3380CC4-5D6E-409C-BE32-E72D297353CC}">
-                  <c16:uniqueId val="{00000016-621c-b36a-0a1c-2e885a9774c0}"/>
-                </c:ext>
-              </c:extLst>
-            </c:dLbl>
-            <c:dLbl>
-              <c:idx val="16"/>
-              <c:tx>
-                <c:rich>
-                  <a:bodyPr>
-                    <a:spAutoFit/>
-                  </a:bodyPr>
-                  <a:lstStyle/>
-                  <a:p>
-                    <a:pPr>
-                      <a:defRPr/>
-                    </a:pPr>
-                    <a:r>
-                      <a:rPr lang="en-US" dirty="0"/>
-                      <a:t>综合内科</a:t>
-                    </a:r>
-                  </a:p>
-                </c:rich>
-              </c:tx>
-              <c:spPr>
-                <a:noFill/>
-                <a:ln>
-                  <a:noFill/>
-                </a:ln>
-                <a:effectLst/>
-              </c:spPr>
-              <c:dLblPos val="t"/>
-              <c:showLegendKey val="0"/>
-              <c:showVal val="0"/>
-              <c:showCatName val="0"/>
-              <c:showSerName val="0"/>
-              <c:showPercent val="0"/>
-              <c:showBubbleSize val="0"/>
-              <c:showLeaderLines val="1"/>
-              <c:extLst>
-                <c:ext xmlns:c15="http://schemas.microsoft.com/office/drawing/2012/chart" uri="{CE6537A1-D6FC-4f65-9D91-7224C49458BB}"/>
-                <c:ext xmlns:c16="http://schemas.microsoft.com/office/drawing/2014/chart" uri="{C3380CC4-5D6E-409C-BE32-E72D297353CC}">
-                  <c16:uniqueId val="{00000017-621c-b36a-0a1c-2e885a9774c0}"/>
-                </c:ext>
-              </c:extLst>
-            </c:dLbl>
-            <c:dLbl>
-              <c:idx val="17"/>
-              <c:tx>
-                <c:rich>
-                  <a:bodyPr>
-                    <a:spAutoFit/>
-                  </a:bodyPr>
-                  <a:lstStyle/>
-                  <a:p>
-                    <a:pPr>
-                      <a:defRPr/>
-                    </a:pPr>
-                    <a:r>
-                      <a:rPr lang="en-US" dirty="0"/>
-                      <a:t>眼科</a:t>
-                    </a:r>
-                  </a:p>
-                </c:rich>
-              </c:tx>
-              <c:spPr>
-                <a:noFill/>
-                <a:ln>
-                  <a:noFill/>
-                </a:ln>
-                <a:effectLst/>
-              </c:spPr>
-              <c:dLblPos val="t"/>
-              <c:showLegendKey val="0"/>
-              <c:showVal val="0"/>
-              <c:showCatName val="0"/>
-              <c:showSerName val="0"/>
-              <c:showPercent val="0"/>
-              <c:showBubbleSize val="0"/>
-              <c:showLeaderLines val="1"/>
-              <c:extLst>
-                <c:ext xmlns:c15="http://schemas.microsoft.com/office/drawing/2012/chart" uri="{CE6537A1-D6FC-4f65-9D91-7224C49458BB}"/>
-                <c:ext xmlns:c16="http://schemas.microsoft.com/office/drawing/2014/chart" uri="{C3380CC4-5D6E-409C-BE32-E72D297353CC}">
-                  <c16:uniqueId val="{00000018-621c-b36a-0a1c-2e885a9774c0}"/>
-                </c:ext>
-              </c:extLst>
-            </c:dLbl>
-            <c:dLbl>
-              <c:idx val="18"/>
-              <c:tx>
-                <c:rich>
-                  <a:bodyPr>
-                    <a:spAutoFit/>
-                  </a:bodyPr>
-                  <a:lstStyle/>
-                  <a:p>
-                    <a:pPr>
-                      <a:defRPr/>
-                    </a:pPr>
-                    <a:r>
-                      <a:rPr lang="en-US" dirty="0"/>
-                      <a:t>脑病三科</a:t>
-                    </a:r>
-                  </a:p>
-                </c:rich>
-              </c:tx>
-              <c:spPr>
-                <a:noFill/>
-                <a:ln>
-                  <a:noFill/>
-                </a:ln>
-                <a:effectLst/>
-              </c:spPr>
-              <c:dLblPos val="t"/>
-              <c:showLegendKey val="0"/>
-              <c:showVal val="0"/>
-              <c:showCatName val="0"/>
-              <c:showSerName val="0"/>
-              <c:showPercent val="0"/>
-              <c:showBubbleSize val="0"/>
-              <c:showLeaderLines val="1"/>
-              <c:extLst>
-                <c:ext xmlns:c15="http://schemas.microsoft.com/office/drawing/2012/chart" uri="{CE6537A1-D6FC-4f65-9D91-7224C49458BB}"/>
-                <c:ext xmlns:c16="http://schemas.microsoft.com/office/drawing/2014/chart" uri="{C3380CC4-5D6E-409C-BE32-E72D297353CC}">
-                  <c16:uniqueId val="{00000019-621c-b36a-0a1c-2e885a9774c0}"/>
-                </c:ext>
-              </c:extLst>
-            </c:dLbl>
-            <c:dLbl>
-              <c:idx val="19"/>
-              <c:tx>
-                <c:rich>
-                  <a:bodyPr>
-                    <a:spAutoFit/>
-                  </a:bodyPr>
-                  <a:lstStyle/>
-                  <a:p>
-                    <a:pPr>
-                      <a:defRPr/>
-                    </a:pPr>
-                    <a:r>
-                      <a:rPr lang="en-US" dirty="0"/>
-                      <a:t>中医外治中心</a:t>
-                    </a:r>
-                  </a:p>
-                </c:rich>
-              </c:tx>
-              <c:spPr>
-                <a:noFill/>
-                <a:ln>
-                  <a:noFill/>
-                </a:ln>
-                <a:effectLst/>
-              </c:spPr>
-              <c:dLblPos val="t"/>
-              <c:showLegendKey val="0"/>
-              <c:showVal val="0"/>
-              <c:showCatName val="0"/>
-              <c:showSerName val="0"/>
-              <c:showPercent val="0"/>
-              <c:showBubbleSize val="0"/>
-              <c:showLeaderLines val="1"/>
-              <c:extLst>
-                <c:ext xmlns:c15="http://schemas.microsoft.com/office/drawing/2012/chart" uri="{CE6537A1-D6FC-4f65-9D91-7224C49458BB}"/>
-                <c:ext xmlns:c16="http://schemas.microsoft.com/office/drawing/2014/chart" uri="{C3380CC4-5D6E-409C-BE32-E72D297353CC}">
-                  <c16:uniqueId val="{00000020-621c-b36a-0a1c-2e885a9774c0}"/>
+                  <c16:uniqueId val="{00000020-fab7-6c85-3f27-184c5998708a}"/>
                 </c:ext>
               </c:extLst>
             </c:dLbl>
@@ -1035,64 +1035,64 @@
                 <c:formatCode>General</c:formatCode>
                 <c:ptCount val="20"/>
                 <c:pt idx="0">
-                  <c:v>0.0019570708795094505</c:v>
+                  <c:v>0.0017722923443301377</c:v>
                 </c:pt>
                 <c:pt idx="1">
-                  <c:v>0.0008782268192667935</c:v>
+                  <c:v>0.0015747465898580044</c:v>
                 </c:pt>
                 <c:pt idx="2">
-                  <c:v>0.0003732585750318328</c:v>
+                  <c:v>0.001613730341778494</c:v>
                 </c:pt>
                 <c:pt idx="3">
-                  <c:v>0.0002499763684729213</c:v>
+                  <c:v>0.0008678466024549165</c:v>
                 </c:pt>
                 <c:pt idx="4">
-                  <c:v>0.0007818673371934785</c:v>
+                  <c:v>0.0013699989184369863</c:v>
                 </c:pt>
                 <c:pt idx="5">
-                  <c:v>0.0016893319269836173</c:v>
+                  <c:v>0.0023220331136714523</c:v>
                 </c:pt>
                 <c:pt idx="6">
-                  <c:v>0.0023870969166429573</c:v>
+                  <c:v>0.0023699901272191005</c:v>
                 </c:pt>
                 <c:pt idx="7">
-                  <c:v>0.0013727458633846753</c:v>
+                  <c:v>0.0010363535319187793</c:v>
                 </c:pt>
                 <c:pt idx="8">
-                  <c:v>0.000877963985814868</c:v>
+                  <c:v>0.0009709973552524275</c:v>
                 </c:pt>
                 <c:pt idx="9">
-                  <c:v>0.0005502495087947217</c:v>
+                  <c:v>0.0010444146994779127</c:v>
                 </c:pt>
                 <c:pt idx="10">
-                  <c:v>0.0012205119617910143</c:v>
+                  <c:v>0.00043002333591194835</c:v>
                 </c:pt>
                 <c:pt idx="11">
-                  <c:v>0.0011165236258766525</c:v>
+                  <c:v>0.0015963596336720726</c:v>
                 </c:pt>
                 <c:pt idx="12">
-                  <c:v>0.0003714017285749419</c:v>
+                  <c:v>0.0023217709376652197</c:v>
                 </c:pt>
                 <c:pt idx="13">
-                  <c:v>0.002354296007145399</c:v>
+                  <c:v>0.0005301300795785581</c:v>
                 </c:pt>
                 <c:pt idx="14">
-                  <c:v>0.0004831777885777541</c:v>
+                  <c:v>0.0020475591398476413</c:v>
                 </c:pt>
                 <c:pt idx="15">
-                  <c:v>0.00039481595252633783</c:v>
+                  <c:v>0.0009111816467093023</c:v>
                 </c:pt>
                 <c:pt idx="16">
-                  <c:v>0.0013418449449780206</c:v>
+                  <c:v>0.0010100019752517205</c:v>
                 </c:pt>
                 <c:pt idx="17">
-                  <c:v>0.0015219072137070645</c:v>
+                  <c:v>100</c:v>
                 </c:pt>
                 <c:pt idx="18">
-                  <c:v>0.0016804928413720085</c:v>
+                  <c:v>0.000396490402497449</c:v>
                 </c:pt>
                 <c:pt idx="19">
-                  <c:v>0.0012912576966048889</c:v>
+                  <c:v>0.0004675252562929675</c:v>
                 </c:pt>
               </c:numCache>
             </c:numRef>
@@ -1104,64 +1104,64 @@
                 <c:formatCode>General</c:formatCode>
                 <c:ptCount val="20"/>
                 <c:pt idx="0">
-                  <c:v>99.99999999999999</c:v>
+                  <c:v>100</c:v>
                 </c:pt>
                 <c:pt idx="1">
-                  <c:v>56.48087397747074</c:v>
+                  <c:v>46.971174578170924</c:v>
                 </c:pt>
                 <c:pt idx="2">
-                  <c:v>54.230900655197956</c:v>
+                  <c:v>39.53568780960696</c:v>
                 </c:pt>
                 <c:pt idx="3">
-                  <c:v>40.16448876326349</c:v>
+                  <c:v>29.37648472343758</c:v>
                 </c:pt>
                 <c:pt idx="4">
-                  <c:v>36.26744168663756</c:v>
+                  <c:v>28.927333360862995</c:v>
                 </c:pt>
                 <c:pt idx="5">
-                  <c:v>27.930893486298842</c:v>
+                  <c:v>27.87124917853238</c:v>
                 </c:pt>
                 <c:pt idx="6">
-                  <c:v>27.253497420782384</c:v>
+                  <c:v>27.05672384821832</c:v>
                 </c:pt>
                 <c:pt idx="7">
-                  <c:v>25.756085587890276</c:v>
+                  <c:v>25.49812621086161</c:v>
                 </c:pt>
                 <c:pt idx="8">
-                  <c:v>24.084910610223915</c:v>
+                  <c:v>24.902957303404722</c:v>
                 </c:pt>
                 <c:pt idx="9">
-                  <c:v>20.494688427270177</c:v>
+                  <c:v>23.266146666558747</c:v>
                 </c:pt>
                 <c:pt idx="10">
-                  <c:v>20.028973816606452</c:v>
+                  <c:v>23.1645206576004</c:v>
                 </c:pt>
                 <c:pt idx="11">
-                  <c:v>19.785460667048945</c:v>
+                  <c:v>22.93583913623205</c:v>
                 </c:pt>
                 <c:pt idx="12">
-                  <c:v>19.51455941281204</c:v>
+                  <c:v>21.102631180938406</c:v>
                 </c:pt>
                 <c:pt idx="13">
-                  <c:v>18.893481077690215</c:v>
+                  <c:v>20.474250799670198</c:v>
                 </c:pt>
                 <c:pt idx="14">
-                  <c:v>18.708451685909118</c:v>
+                  <c:v>19.7943373700504</c:v>
                 </c:pt>
                 <c:pt idx="15">
-                  <c:v>18.465615277034978</c:v>
+                  <c:v>19.669001952542285</c:v>
                 </c:pt>
                 <c:pt idx="16">
-                  <c:v>18.312459770306475</c:v>
+                  <c:v>18.746796628511238</c:v>
                 </c:pt>
                 <c:pt idx="17">
-                  <c:v>17.472066794555595</c:v>
+                  <c:v>18.27545150497539</c:v>
                 </c:pt>
                 <c:pt idx="18">
-                  <c:v>17.378351727387134</c:v>
+                  <c:v>18.040748453317338</c:v>
                 </c:pt>
                 <c:pt idx="19">
-                  <c:v>17.185194373541353</c:v>
+                  <c:v>17.954837884846423</c:v>
                 </c:pt>
               </c:numCache>
             </c:numRef>
@@ -1381,7 +1381,7 @@
 </c:chartSpace>
 </file>
 
-<file path=ppt/charts/chart246.xml><?xml version="1.0" encoding="utf-8"?>
+<file path=ppt/charts/chart492.xml><?xml version="1.0" encoding="utf-8"?>
 <c:chartSpace xmlns:c="http://schemas.openxmlformats.org/drawingml/2006/chart" xmlns:a="http://schemas.openxmlformats.org/drawingml/2006/main" xmlns:r="http://schemas.openxmlformats.org/officeDocument/2006/relationships">
   <c:date1904 val="0"/>
   <c:chart>
@@ -1498,7 +1498,7 @@
               <c:extLst>
                 <c:ext xmlns:c15="http://schemas.microsoft.com/office/drawing/2012/chart" uri="{CE6537A1-D6FC-4f65-9D91-7224C49458BB}"/>
                 <c:ext xmlns:c16="http://schemas.microsoft.com/office/drawing/2014/chart" uri="{C3380CC4-5D6E-409C-BE32-E72D297353CC}">
-                  <c16:uniqueId val="{00000001-fca5-e63e-25ca-787bae8f6888}"/>
+                  <c16:uniqueId val="{00000001-fb6a-e0a8-7e32-937bb7bb06e8}"/>
                 </c:ext>
               </c:extLst>
             </c:dLbl>
@@ -1516,7 +1516,7 @@
                     </a:pPr>
                     <a:r>
                       <a:rPr lang="en-US" dirty="0"/>
-                      <a:t>肾病科</a:t>
+                      <a:t>东区肾病科</a:t>
                     </a:r>
                   </a:p>
                 </c:rich>
@@ -1539,7 +1539,7 @@
               <c:extLst>
                 <c:ext xmlns:c15="http://schemas.microsoft.com/office/drawing/2012/chart" uri="{CE6537A1-D6FC-4f65-9D91-7224C49458BB}"/>
                 <c:ext xmlns:c16="http://schemas.microsoft.com/office/drawing/2014/chart" uri="{C3380CC4-5D6E-409C-BE32-E72D297353CC}">
-                  <c16:uniqueId val="{00000002-fca5-e63e-25ca-787bae8f6888}"/>
+                  <c16:uniqueId val="{00000002-fb6a-e0a8-7e32-937bb7bb06e8}"/>
                 </c:ext>
               </c:extLst>
             </c:dLbl>
@@ -1557,7 +1557,7 @@
                     </a:pPr>
                     <a:r>
                       <a:rPr lang="en-US" dirty="0"/>
-                      <a:t>脾胃科消化科合并</a:t>
+                      <a:t>妇科</a:t>
                     </a:r>
                   </a:p>
                 </c:rich>
@@ -1580,12 +1580,94 @@
               <c:extLst>
                 <c:ext xmlns:c15="http://schemas.microsoft.com/office/drawing/2012/chart" uri="{CE6537A1-D6FC-4f65-9D91-7224C49458BB}"/>
                 <c:ext xmlns:c16="http://schemas.microsoft.com/office/drawing/2014/chart" uri="{C3380CC4-5D6E-409C-BE32-E72D297353CC}">
-                  <c16:uniqueId val="{00000003-fca5-e63e-25ca-787bae8f6888}"/>
+                  <c16:uniqueId val="{00000003-fb6a-e0a8-7e32-937bb7bb06e8}"/>
                 </c:ext>
               </c:extLst>
             </c:dLbl>
             <c:dLbl>
               <c:idx val="3"/>
+              <c:tx>
+                <c:rich>
+                  <a:bodyPr>
+                    <a:spAutoFit/>
+                  </a:bodyPr>
+                  <a:lstStyle/>
+                  <a:p>
+                    <a:pPr>
+                      <a:defRPr/>
+                    </a:pPr>
+                    <a:r>
+                      <a:rPr lang="en-US" dirty="0"/>
+                      <a:t>中医经典科</a:t>
+                    </a:r>
+                  </a:p>
+                </c:rich>
+              </c:tx>
+              <c:spPr>
+                <a:noFill/>
+                <a:ln>
+                  <a:noFill/>
+                </a:ln>
+                <a:effectLst/>
+              </c:spPr>
+              <c:dLblPos val="t"/>
+              <c:showLegendKey val="0"/>
+              <c:showVal val="0"/>
+              <c:showCatName val="0"/>
+              <c:showSerName val="0"/>
+              <c:showPercent val="0"/>
+              <c:showBubbleSize val="0"/>
+              <c:showLeaderLines val="1"/>
+              <c:extLst>
+                <c:ext xmlns:c15="http://schemas.microsoft.com/office/drawing/2012/chart" uri="{CE6537A1-D6FC-4f65-9D91-7224C49458BB}"/>
+                <c:ext xmlns:c16="http://schemas.microsoft.com/office/drawing/2014/chart" uri="{C3380CC4-5D6E-409C-BE32-E72D297353CC}">
+                  <c16:uniqueId val="{00000004-fb6a-e0a8-7e32-937bb7bb06e8}"/>
+                </c:ext>
+              </c:extLst>
+            </c:dLbl>
+            <c:dLbl>
+              <c:idx val="4"/>
+              <c:tx>
+                <c:rich>
+                  <a:bodyPr>
+                    <a:spAutoFit/>
+                  </a:bodyPr>
+                  <a:lstStyle/>
+                  <a:p>
+                    <a:pPr>
+                      <a:defRPr/>
+                    </a:pPr>
+                    <a:r>
+                      <a:rPr lang="en-US" dirty="0"/>
+                      <a:t>脾胃病科</a:t>
+                    </a:r>
+                  </a:p>
+                </c:rich>
+              </c:tx>
+              <c:spPr>
+                <a:noFill/>
+                <a:ln>
+                  <a:noFill/>
+                </a:ln>
+                <a:effectLst/>
+              </c:spPr>
+              <c:dLblPos val="t"/>
+              <c:showLegendKey val="0"/>
+              <c:showVal val="0"/>
+              <c:showCatName val="0"/>
+              <c:showSerName val="0"/>
+              <c:showPercent val="0"/>
+              <c:showBubbleSize val="0"/>
+              <c:showLeaderLines val="1"/>
+              <c:extLst>
+                <c:ext xmlns:c15="http://schemas.microsoft.com/office/drawing/2012/chart" uri="{CE6537A1-D6FC-4f65-9D91-7224C49458BB}"/>
+                <c:ext xmlns:c16="http://schemas.microsoft.com/office/drawing/2014/chart" uri="{C3380CC4-5D6E-409C-BE32-E72D297353CC}">
+                  <c16:uniqueId val="{00000005-fb6a-e0a8-7e32-937bb7bb06e8}"/>
+                </c:ext>
+              </c:extLst>
+            </c:dLbl>
+            <c:dLbl>
+              <c:idx val="5"/>
               <c:tx>
                 <c:rich>
                   <a:bodyPr>
@@ -1621,12 +1703,176 @@
               <c:extLst>
                 <c:ext xmlns:c15="http://schemas.microsoft.com/office/drawing/2012/chart" uri="{CE6537A1-D6FC-4f65-9D91-7224C49458BB}"/>
                 <c:ext xmlns:c16="http://schemas.microsoft.com/office/drawing/2014/chart" uri="{C3380CC4-5D6E-409C-BE32-E72D297353CC}">
-                  <c16:uniqueId val="{00000004-fca5-e63e-25ca-787bae8f6888}"/>
+                  <c16:uniqueId val="{00000006-fb6a-e0a8-7e32-937bb7bb06e8}"/>
                 </c:ext>
               </c:extLst>
             </c:dLbl>
             <c:dLbl>
-              <c:idx val="4"/>
+              <c:idx val="6"/>
+              <c:tx>
+                <c:rich>
+                  <a:bodyPr>
+                    <a:spAutoFit/>
+                  </a:bodyPr>
+                  <a:lstStyle/>
+                  <a:p>
+                    <a:pPr>
+                      <a:defRPr/>
+                    </a:pPr>
+                    <a:r>
+                      <a:rPr lang="en-US" dirty="0"/>
+                      <a:t>脊柱骨科</a:t>
+                    </a:r>
+                  </a:p>
+                </c:rich>
+              </c:tx>
+              <c:spPr>
+                <a:noFill/>
+                <a:ln>
+                  <a:noFill/>
+                </a:ln>
+                <a:effectLst/>
+              </c:spPr>
+              <c:dLblPos val="t"/>
+              <c:showLegendKey val="0"/>
+              <c:showVal val="0"/>
+              <c:showCatName val="0"/>
+              <c:showSerName val="0"/>
+              <c:showPercent val="0"/>
+              <c:showBubbleSize val="0"/>
+              <c:showLeaderLines val="1"/>
+              <c:extLst>
+                <c:ext xmlns:c15="http://schemas.microsoft.com/office/drawing/2012/chart" uri="{CE6537A1-D6FC-4f65-9D91-7224C49458BB}"/>
+                <c:ext xmlns:c16="http://schemas.microsoft.com/office/drawing/2014/chart" uri="{C3380CC4-5D6E-409C-BE32-E72D297353CC}">
+                  <c16:uniqueId val="{00000007-fb6a-e0a8-7e32-937bb7bb06e8}"/>
+                </c:ext>
+              </c:extLst>
+            </c:dLbl>
+            <c:dLbl>
+              <c:idx val="7"/>
+              <c:tx>
+                <c:rich>
+                  <a:bodyPr>
+                    <a:spAutoFit/>
+                  </a:bodyPr>
+                  <a:lstStyle/>
+                  <a:p>
+                    <a:pPr>
+                      <a:defRPr/>
+                    </a:pPr>
+                    <a:r>
+                      <a:rPr lang="en-US" dirty="0"/>
+                      <a:t>血液科</a:t>
+                    </a:r>
+                  </a:p>
+                </c:rich>
+              </c:tx>
+              <c:spPr>
+                <a:noFill/>
+                <a:ln>
+                  <a:noFill/>
+                </a:ln>
+                <a:effectLst/>
+              </c:spPr>
+              <c:dLblPos val="t"/>
+              <c:showLegendKey val="0"/>
+              <c:showVal val="0"/>
+              <c:showCatName val="0"/>
+              <c:showSerName val="0"/>
+              <c:showPercent val="0"/>
+              <c:showBubbleSize val="0"/>
+              <c:showLeaderLines val="1"/>
+              <c:extLst>
+                <c:ext xmlns:c15="http://schemas.microsoft.com/office/drawing/2012/chart" uri="{CE6537A1-D6FC-4f65-9D91-7224C49458BB}"/>
+                <c:ext xmlns:c16="http://schemas.microsoft.com/office/drawing/2014/chart" uri="{C3380CC4-5D6E-409C-BE32-E72D297353CC}">
+                  <c16:uniqueId val="{00000008-fb6a-e0a8-7e32-937bb7bb06e8}"/>
+                </c:ext>
+              </c:extLst>
+            </c:dLbl>
+            <c:dLbl>
+              <c:idx val="8"/>
+              <c:tx>
+                <c:rich>
+                  <a:bodyPr>
+                    <a:spAutoFit/>
+                  </a:bodyPr>
+                  <a:lstStyle/>
+                  <a:p>
+                    <a:pPr>
+                      <a:defRPr/>
+                    </a:pPr>
+                    <a:r>
+                      <a:rPr lang="en-US" dirty="0"/>
+                      <a:t>心病四科</a:t>
+                    </a:r>
+                  </a:p>
+                </c:rich>
+              </c:tx>
+              <c:spPr>
+                <a:noFill/>
+                <a:ln>
+                  <a:noFill/>
+                </a:ln>
+                <a:effectLst/>
+              </c:spPr>
+              <c:dLblPos val="t"/>
+              <c:showLegendKey val="0"/>
+              <c:showVal val="0"/>
+              <c:showCatName val="0"/>
+              <c:showSerName val="0"/>
+              <c:showPercent val="0"/>
+              <c:showBubbleSize val="0"/>
+              <c:showLeaderLines val="1"/>
+              <c:extLst>
+                <c:ext xmlns:c15="http://schemas.microsoft.com/office/drawing/2012/chart" uri="{CE6537A1-D6FC-4f65-9D91-7224C49458BB}"/>
+                <c:ext xmlns:c16="http://schemas.microsoft.com/office/drawing/2014/chart" uri="{C3380CC4-5D6E-409C-BE32-E72D297353CC}">
+                  <c16:uniqueId val="{00000009-fb6a-e0a8-7e32-937bb7bb06e8}"/>
+                </c:ext>
+              </c:extLst>
+            </c:dLbl>
+            <c:dLbl>
+              <c:idx val="9"/>
+              <c:tx>
+                <c:rich>
+                  <a:bodyPr>
+                    <a:spAutoFit/>
+                  </a:bodyPr>
+                  <a:lstStyle/>
+                  <a:p>
+                    <a:pPr>
+                      <a:defRPr/>
+                    </a:pPr>
+                    <a:r>
+                      <a:rPr lang="en-US" dirty="0"/>
+                      <a:t>脑病二科</a:t>
+                    </a:r>
+                  </a:p>
+                </c:rich>
+              </c:tx>
+              <c:spPr>
+                <a:noFill/>
+                <a:ln>
+                  <a:noFill/>
+                </a:ln>
+                <a:effectLst/>
+              </c:spPr>
+              <c:dLblPos val="t"/>
+              <c:showLegendKey val="0"/>
+              <c:showVal val="0"/>
+              <c:showCatName val="0"/>
+              <c:showSerName val="0"/>
+              <c:showPercent val="0"/>
+              <c:showBubbleSize val="0"/>
+              <c:showLeaderLines val="1"/>
+              <c:extLst>
+                <c:ext xmlns:c15="http://schemas.microsoft.com/office/drawing/2012/chart" uri="{CE6537A1-D6FC-4f65-9D91-7224C49458BB}"/>
+                <c:ext xmlns:c16="http://schemas.microsoft.com/office/drawing/2014/chart" uri="{C3380CC4-5D6E-409C-BE32-E72D297353CC}">
+                  <c16:uniqueId val="{00000010-fb6a-e0a8-7e32-937bb7bb06e8}"/>
+                </c:ext>
+              </c:extLst>
+            </c:dLbl>
+            <c:dLbl>
+              <c:idx val="10"/>
               <c:tx>
                 <c:rich>
                   <a:bodyPr>
@@ -1662,253 +1908,7 @@
               <c:extLst>
                 <c:ext xmlns:c15="http://schemas.microsoft.com/office/drawing/2012/chart" uri="{CE6537A1-D6FC-4f65-9D91-7224C49458BB}"/>
                 <c:ext xmlns:c16="http://schemas.microsoft.com/office/drawing/2014/chart" uri="{C3380CC4-5D6E-409C-BE32-E72D297353CC}">
-                  <c16:uniqueId val="{00000005-fca5-e63e-25ca-787bae8f6888}"/>
-                </c:ext>
-              </c:extLst>
-            </c:dLbl>
-            <c:dLbl>
-              <c:idx val="5"/>
-              <c:tx>
-                <c:rich>
-                  <a:bodyPr>
-                    <a:spAutoFit/>
-                  </a:bodyPr>
-                  <a:lstStyle/>
-                  <a:p>
-                    <a:pPr>
-                      <a:defRPr/>
-                    </a:pPr>
-                    <a:r>
-                      <a:rPr lang="en-US" dirty="0"/>
-                      <a:t>西区重症医学科</a:t>
-                    </a:r>
-                  </a:p>
-                </c:rich>
-              </c:tx>
-              <c:spPr>
-                <a:noFill/>
-                <a:ln>
-                  <a:noFill/>
-                </a:ln>
-                <a:effectLst/>
-              </c:spPr>
-              <c:dLblPos val="t"/>
-              <c:showLegendKey val="0"/>
-              <c:showVal val="0"/>
-              <c:showCatName val="0"/>
-              <c:showSerName val="0"/>
-              <c:showPercent val="0"/>
-              <c:showBubbleSize val="0"/>
-              <c:showLeaderLines val="1"/>
-              <c:extLst>
-                <c:ext xmlns:c15="http://schemas.microsoft.com/office/drawing/2012/chart" uri="{CE6537A1-D6FC-4f65-9D91-7224C49458BB}"/>
-                <c:ext xmlns:c16="http://schemas.microsoft.com/office/drawing/2014/chart" uri="{C3380CC4-5D6E-409C-BE32-E72D297353CC}">
-                  <c16:uniqueId val="{00000006-fca5-e63e-25ca-787bae8f6888}"/>
-                </c:ext>
-              </c:extLst>
-            </c:dLbl>
-            <c:dLbl>
-              <c:idx val="6"/>
-              <c:tx>
-                <c:rich>
-                  <a:bodyPr>
-                    <a:spAutoFit/>
-                  </a:bodyPr>
-                  <a:lstStyle/>
-                  <a:p>
-                    <a:pPr>
-                      <a:defRPr/>
-                    </a:pPr>
-                    <a:r>
-                      <a:rPr lang="en-US" dirty="0"/>
-                      <a:t>神经外科</a:t>
-                    </a:r>
-                  </a:p>
-                </c:rich>
-              </c:tx>
-              <c:spPr>
-                <a:noFill/>
-                <a:ln>
-                  <a:noFill/>
-                </a:ln>
-                <a:effectLst/>
-              </c:spPr>
-              <c:dLblPos val="t"/>
-              <c:showLegendKey val="0"/>
-              <c:showVal val="0"/>
-              <c:showCatName val="0"/>
-              <c:showSerName val="0"/>
-              <c:showPercent val="0"/>
-              <c:showBubbleSize val="0"/>
-              <c:showLeaderLines val="1"/>
-              <c:extLst>
-                <c:ext xmlns:c15="http://schemas.microsoft.com/office/drawing/2012/chart" uri="{CE6537A1-D6FC-4f65-9D91-7224C49458BB}"/>
-                <c:ext xmlns:c16="http://schemas.microsoft.com/office/drawing/2014/chart" uri="{C3380CC4-5D6E-409C-BE32-E72D297353CC}">
-                  <c16:uniqueId val="{00000007-fca5-e63e-25ca-787bae8f6888}"/>
-                </c:ext>
-              </c:extLst>
-            </c:dLbl>
-            <c:dLbl>
-              <c:idx val="7"/>
-              <c:tx>
-                <c:rich>
-                  <a:bodyPr>
-                    <a:spAutoFit/>
-                  </a:bodyPr>
-                  <a:lstStyle/>
-                  <a:p>
-                    <a:pPr>
-                      <a:defRPr/>
-                    </a:pPr>
-                    <a:r>
-                      <a:rPr lang="en-US" dirty="0"/>
-                      <a:t>东区重症医学科</a:t>
-                    </a:r>
-                  </a:p>
-                </c:rich>
-              </c:tx>
-              <c:spPr>
-                <a:noFill/>
-                <a:ln>
-                  <a:noFill/>
-                </a:ln>
-                <a:effectLst/>
-              </c:spPr>
-              <c:dLblPos val="t"/>
-              <c:showLegendKey val="0"/>
-              <c:showVal val="0"/>
-              <c:showCatName val="0"/>
-              <c:showSerName val="0"/>
-              <c:showPercent val="0"/>
-              <c:showBubbleSize val="0"/>
-              <c:showLeaderLines val="1"/>
-              <c:extLst>
-                <c:ext xmlns:c15="http://schemas.microsoft.com/office/drawing/2012/chart" uri="{CE6537A1-D6FC-4f65-9D91-7224C49458BB}"/>
-                <c:ext xmlns:c16="http://schemas.microsoft.com/office/drawing/2014/chart" uri="{C3380CC4-5D6E-409C-BE32-E72D297353CC}">
-                  <c16:uniqueId val="{00000008-fca5-e63e-25ca-787bae8f6888}"/>
-                </c:ext>
-              </c:extLst>
-            </c:dLbl>
-            <c:dLbl>
-              <c:idx val="8"/>
-              <c:tx>
-                <c:rich>
-                  <a:bodyPr>
-                    <a:spAutoFit/>
-                  </a:bodyPr>
-                  <a:lstStyle/>
-                  <a:p>
-                    <a:pPr>
-                      <a:defRPr/>
-                    </a:pPr>
-                    <a:r>
-                      <a:rPr lang="en-US" dirty="0"/>
-                      <a:t>老年医学科</a:t>
-                    </a:r>
-                  </a:p>
-                </c:rich>
-              </c:tx>
-              <c:spPr>
-                <a:noFill/>
-                <a:ln>
-                  <a:noFill/>
-                </a:ln>
-                <a:effectLst/>
-              </c:spPr>
-              <c:dLblPos val="t"/>
-              <c:showLegendKey val="0"/>
-              <c:showVal val="0"/>
-              <c:showCatName val="0"/>
-              <c:showSerName val="0"/>
-              <c:showPercent val="0"/>
-              <c:showBubbleSize val="0"/>
-              <c:showLeaderLines val="1"/>
-              <c:extLst>
-                <c:ext xmlns:c15="http://schemas.microsoft.com/office/drawing/2012/chart" uri="{CE6537A1-D6FC-4f65-9D91-7224C49458BB}"/>
-                <c:ext xmlns:c16="http://schemas.microsoft.com/office/drawing/2014/chart" uri="{C3380CC4-5D6E-409C-BE32-E72D297353CC}">
-                  <c16:uniqueId val="{00000009-fca5-e63e-25ca-787bae8f6888}"/>
-                </c:ext>
-              </c:extLst>
-            </c:dLbl>
-            <c:dLbl>
-              <c:idx val="9"/>
-              <c:tx>
-                <c:rich>
-                  <a:bodyPr>
-                    <a:spAutoFit/>
-                  </a:bodyPr>
-                  <a:lstStyle/>
-                  <a:p>
-                    <a:pPr>
-                      <a:defRPr/>
-                    </a:pPr>
-                    <a:r>
-                      <a:rPr lang="en-US" dirty="0"/>
-                      <a:t>推拿科</a:t>
-                    </a:r>
-                  </a:p>
-                </c:rich>
-              </c:tx>
-              <c:spPr>
-                <a:noFill/>
-                <a:ln>
-                  <a:noFill/>
-                </a:ln>
-                <a:effectLst/>
-              </c:spPr>
-              <c:dLblPos val="t"/>
-              <c:showLegendKey val="0"/>
-              <c:showVal val="0"/>
-              <c:showCatName val="0"/>
-              <c:showSerName val="0"/>
-              <c:showPercent val="0"/>
-              <c:showBubbleSize val="0"/>
-              <c:showLeaderLines val="1"/>
-              <c:extLst>
-                <c:ext xmlns:c15="http://schemas.microsoft.com/office/drawing/2012/chart" uri="{CE6537A1-D6FC-4f65-9D91-7224C49458BB}"/>
-                <c:ext xmlns:c16="http://schemas.microsoft.com/office/drawing/2014/chart" uri="{C3380CC4-5D6E-409C-BE32-E72D297353CC}">
-                  <c16:uniqueId val="{00000010-fca5-e63e-25ca-787bae8f6888}"/>
-                </c:ext>
-              </c:extLst>
-            </c:dLbl>
-            <c:dLbl>
-              <c:idx val="10"/>
-              <c:tx>
-                <c:rich>
-                  <a:bodyPr>
-                    <a:spAutoFit/>
-                  </a:bodyPr>
-                  <a:lstStyle/>
-                  <a:p>
-                    <a:pPr>
-                      <a:defRPr/>
-                    </a:pPr>
-                    <a:r>
-                      <a:rPr lang="en-US" dirty="0"/>
-                      <a:t>神经内科</a:t>
-                    </a:r>
-                  </a:p>
-                </c:rich>
-              </c:tx>
-              <c:spPr>
-                <a:noFill/>
-                <a:ln>
-                  <a:noFill/>
-                </a:ln>
-                <a:effectLst/>
-              </c:spPr>
-              <c:dLblPos val="t"/>
-              <c:showLegendKey val="0"/>
-              <c:showVal val="0"/>
-              <c:showCatName val="0"/>
-              <c:showSerName val="0"/>
-              <c:showPercent val="0"/>
-              <c:showBubbleSize val="0"/>
-              <c:showLeaderLines val="1"/>
-              <c:extLst>
-                <c:ext xmlns:c15="http://schemas.microsoft.com/office/drawing/2012/chart" uri="{CE6537A1-D6FC-4f65-9D91-7224C49458BB}"/>
-                <c:ext xmlns:c16="http://schemas.microsoft.com/office/drawing/2014/chart" uri="{C3380CC4-5D6E-409C-BE32-E72D297353CC}">
-                  <c16:uniqueId val="{00000011-fca5-e63e-25ca-787bae8f6888}"/>
+                  <c16:uniqueId val="{00000011-fb6a-e0a8-7e32-937bb7bb06e8}"/>
                 </c:ext>
               </c:extLst>
             </c:dLbl>
@@ -1949,7 +1949,7 @@
               <c:extLst>
                 <c:ext xmlns:c15="http://schemas.microsoft.com/office/drawing/2012/chart" uri="{CE6537A1-D6FC-4f65-9D91-7224C49458BB}"/>
                 <c:ext xmlns:c16="http://schemas.microsoft.com/office/drawing/2014/chart" uri="{C3380CC4-5D6E-409C-BE32-E72D297353CC}">
-                  <c16:uniqueId val="{00000012-fca5-e63e-25ca-787bae8f6888}"/>
+                  <c16:uniqueId val="{00000012-fb6a-e0a8-7e32-937bb7bb06e8}"/>
                 </c:ext>
               </c:extLst>
             </c:dLbl>
@@ -1967,7 +1967,7 @@
                     </a:pPr>
                     <a:r>
                       <a:rPr lang="en-US" dirty="0"/>
-                      <a:t>小儿推拿科</a:t>
+                      <a:t>脑病三科</a:t>
                     </a:r>
                   </a:p>
                 </c:rich>
@@ -1990,7 +1990,7 @@
               <c:extLst>
                 <c:ext xmlns:c15="http://schemas.microsoft.com/office/drawing/2012/chart" uri="{CE6537A1-D6FC-4f65-9D91-7224C49458BB}"/>
                 <c:ext xmlns:c16="http://schemas.microsoft.com/office/drawing/2014/chart" uri="{C3380CC4-5D6E-409C-BE32-E72D297353CC}">
-                  <c16:uniqueId val="{00000013-fca5-e63e-25ca-787bae8f6888}"/>
+                  <c16:uniqueId val="{00000013-fb6a-e0a8-7e32-937bb7bb06e8}"/>
                 </c:ext>
               </c:extLst>
             </c:dLbl>
@@ -2008,7 +2008,7 @@
                     </a:pPr>
                     <a:r>
                       <a:rPr lang="en-US" dirty="0"/>
-                      <a:t>肝病科</a:t>
+                      <a:t>心病一科</a:t>
                     </a:r>
                   </a:p>
                 </c:rich>
@@ -2031,7 +2031,7 @@
               <c:extLst>
                 <c:ext xmlns:c15="http://schemas.microsoft.com/office/drawing/2012/chart" uri="{CE6537A1-D6FC-4f65-9D91-7224C49458BB}"/>
                 <c:ext xmlns:c16="http://schemas.microsoft.com/office/drawing/2014/chart" uri="{C3380CC4-5D6E-409C-BE32-E72D297353CC}">
-                  <c16:uniqueId val="{00000014-fca5-e63e-25ca-787bae8f6888}"/>
+                  <c16:uniqueId val="{00000014-fb6a-e0a8-7e32-937bb7bb06e8}"/>
                 </c:ext>
               </c:extLst>
             </c:dLbl>
@@ -2049,7 +2049,7 @@
                     </a:pPr>
                     <a:r>
                       <a:rPr lang="en-US" dirty="0"/>
-                      <a:t>消化内科</a:t>
+                      <a:t>肛肠科</a:t>
                     </a:r>
                   </a:p>
                 </c:rich>
@@ -2072,7 +2072,7 @@
               <c:extLst>
                 <c:ext xmlns:c15="http://schemas.microsoft.com/office/drawing/2012/chart" uri="{CE6537A1-D6FC-4f65-9D91-7224C49458BB}"/>
                 <c:ext xmlns:c16="http://schemas.microsoft.com/office/drawing/2014/chart" uri="{C3380CC4-5D6E-409C-BE32-E72D297353CC}">
-                  <c16:uniqueId val="{00000015-fca5-e63e-25ca-787bae8f6888}"/>
+                  <c16:uniqueId val="{00000015-fb6a-e0a8-7e32-937bb7bb06e8}"/>
                 </c:ext>
               </c:extLst>
             </c:dLbl>
@@ -2090,7 +2090,7 @@
                     </a:pPr>
                     <a:r>
                       <a:rPr lang="en-US" dirty="0"/>
-                      <a:t>针灸科</a:t>
+                      <a:t>肝胆外科</a:t>
                     </a:r>
                   </a:p>
                 </c:rich>
@@ -2113,7 +2113,7 @@
               <c:extLst>
                 <c:ext xmlns:c15="http://schemas.microsoft.com/office/drawing/2012/chart" uri="{CE6537A1-D6FC-4f65-9D91-7224C49458BB}"/>
                 <c:ext xmlns:c16="http://schemas.microsoft.com/office/drawing/2014/chart" uri="{C3380CC4-5D6E-409C-BE32-E72D297353CC}">
-                  <c16:uniqueId val="{00000016-fca5-e63e-25ca-787bae8f6888}"/>
+                  <c16:uniqueId val="{00000016-fb6a-e0a8-7e32-937bb7bb06e8}"/>
                 </c:ext>
               </c:extLst>
             </c:dLbl>
@@ -2131,7 +2131,7 @@
                     </a:pPr>
                     <a:r>
                       <a:rPr lang="en-US" dirty="0"/>
-                      <a:t>男科</a:t>
+                      <a:t>综合内科</a:t>
                     </a:r>
                   </a:p>
                 </c:rich>
@@ -2154,7 +2154,7 @@
               <c:extLst>
                 <c:ext xmlns:c15="http://schemas.microsoft.com/office/drawing/2012/chart" uri="{CE6537A1-D6FC-4f65-9D91-7224C49458BB}"/>
                 <c:ext xmlns:c16="http://schemas.microsoft.com/office/drawing/2014/chart" uri="{C3380CC4-5D6E-409C-BE32-E72D297353CC}">
-                  <c16:uniqueId val="{00000017-fca5-e63e-25ca-787bae8f6888}"/>
+                  <c16:uniqueId val="{00000017-fb6a-e0a8-7e32-937bb7bb06e8}"/>
                 </c:ext>
               </c:extLst>
             </c:dLbl>
@@ -2172,7 +2172,7 @@
                     </a:pPr>
                     <a:r>
                       <a:rPr lang="en-US" dirty="0"/>
-                      <a:t>显微骨科</a:t>
+                      <a:t>儿科</a:t>
                     </a:r>
                   </a:p>
                 </c:rich>
@@ -2195,7 +2195,7 @@
               <c:extLst>
                 <c:ext xmlns:c15="http://schemas.microsoft.com/office/drawing/2012/chart" uri="{CE6537A1-D6FC-4f65-9D91-7224C49458BB}"/>
                 <c:ext xmlns:c16="http://schemas.microsoft.com/office/drawing/2014/chart" uri="{C3380CC4-5D6E-409C-BE32-E72D297353CC}">
-                  <c16:uniqueId val="{00000018-fca5-e63e-25ca-787bae8f6888}"/>
+                  <c16:uniqueId val="{00000018-fb6a-e0a8-7e32-937bb7bb06e8}"/>
                 </c:ext>
               </c:extLst>
             </c:dLbl>
@@ -2236,7 +2236,7 @@
               <c:extLst>
                 <c:ext xmlns:c15="http://schemas.microsoft.com/office/drawing/2012/chart" uri="{CE6537A1-D6FC-4f65-9D91-7224C49458BB}"/>
                 <c:ext xmlns:c16="http://schemas.microsoft.com/office/drawing/2014/chart" uri="{C3380CC4-5D6E-409C-BE32-E72D297353CC}">
-                  <c16:uniqueId val="{00000019-fca5-e63e-25ca-787bae8f6888}"/>
+                  <c16:uniqueId val="{00000019-fb6a-e0a8-7e32-937bb7bb06e8}"/>
                 </c:ext>
               </c:extLst>
             </c:dLbl>
@@ -2254,7 +2254,7 @@
                     </a:pPr>
                     <a:r>
                       <a:rPr lang="en-US" dirty="0"/>
-                      <a:t>口腔科</a:t>
+                      <a:t>创伤骨科</a:t>
                     </a:r>
                   </a:p>
                 </c:rich>
@@ -2277,7 +2277,7 @@
               <c:extLst>
                 <c:ext xmlns:c15="http://schemas.microsoft.com/office/drawing/2012/chart" uri="{CE6537A1-D6FC-4f65-9D91-7224C49458BB}"/>
                 <c:ext xmlns:c16="http://schemas.microsoft.com/office/drawing/2014/chart" uri="{C3380CC4-5D6E-409C-BE32-E72D297353CC}">
-                  <c16:uniqueId val="{00000020-fca5-e63e-25ca-787bae8f6888}"/>
+                  <c16:uniqueId val="{00000020-fb6a-e0a8-7e32-937bb7bb06e8}"/>
                 </c:ext>
               </c:extLst>
             </c:dLbl>
@@ -2289,64 +2289,64 @@
                 <c:formatCode>General</c:formatCode>
                 <c:ptCount val="20"/>
                 <c:pt idx="0">
-                  <c:v>17.14432897386203</c:v>
+                  <c:v>18.27545150497539</c:v>
                 </c:pt>
                 <c:pt idx="1">
-                  <c:v>27.253497420782384</c:v>
+                  <c:v>27.05672384821832</c:v>
                 </c:pt>
                 <c:pt idx="2">
-                  <c:v>18.893481077690215</c:v>
+                  <c:v>12.85676811422504</c:v>
                 </c:pt>
                 <c:pt idx="3">
-                  <c:v>11.750432718512632</c:v>
+                  <c:v>17.13704074319868</c:v>
                 </c:pt>
                 <c:pt idx="4">
-                  <c:v>14.62999246405875</c:v>
+                  <c:v>27.87124917853238</c:v>
                 </c:pt>
                 <c:pt idx="5">
-                  <c:v>13.401187747652159</c:v>
+                  <c:v>21.102631180938406</c:v>
                 </c:pt>
                 <c:pt idx="6">
-                  <c:v>11.893674730092497</c:v>
+                  <c:v>5.513996271311001</c:v>
                 </c:pt>
                 <c:pt idx="7">
-                  <c:v>12.649821795767343</c:v>
+                  <c:v>13.927240008359929</c:v>
                 </c:pt>
                 <c:pt idx="8">
-                  <c:v>14.90045775554998</c:v>
+                  <c:v>13.646243919494669</c:v>
                 </c:pt>
                 <c:pt idx="9">
-                  <c:v>3.292653794692493</c:v>
+                  <c:v>3.0856129142688404</c:v>
                 </c:pt>
                 <c:pt idx="10">
-                  <c:v>9.195612423158126</c:v>
+                  <c:v>12.312646494153968</c:v>
                 </c:pt>
                 <c:pt idx="11">
-                  <c:v>16.96426930316883</c:v>
+                  <c:v>7.416963082636495</c:v>
                 </c:pt>
                 <c:pt idx="12">
-                  <c:v>12.442507399645553</c:v>
+                  <c:v>15.894230608951192</c:v>
                 </c:pt>
                 <c:pt idx="13">
-                  <c:v>99.99999999999999</c:v>
+                  <c:v>16.613675495947803</c:v>
                 </c:pt>
                 <c:pt idx="14">
-                  <c:v>15.752480600392312</c:v>
+                  <c:v>19.7943373700504</c:v>
                 </c:pt>
                 <c:pt idx="15">
-                  <c:v>10.260588698857578</c:v>
+                  <c:v>1.0426900355815107</c:v>
                 </c:pt>
                 <c:pt idx="16">
-                  <c:v>11.830678869310315</c:v>
+                  <c:v>16.526883663050306</c:v>
                 </c:pt>
                 <c:pt idx="17">
-                  <c:v>11.15179313601716</c:v>
+                  <c:v>100</c:v>
                 </c:pt>
                 <c:pt idx="18">
-                  <c:v>5.767134687403704</c:v>
+                  <c:v>14.125838474710525</c:v>
                 </c:pt>
                 <c:pt idx="19">
-                  <c:v>4.145673671522844</c:v>
+                  <c:v>15.834025037562602</c:v>
                 </c:pt>
               </c:numCache>
             </c:numRef>
@@ -2361,61 +2361,61 @@
                   <c:v>100</c:v>
                 </c:pt>
                 <c:pt idx="1">
-                  <c:v>0.0023870969166429573</c:v>
+                  <c:v>0.0023699901272191005</c:v>
                 </c:pt>
                 <c:pt idx="2">
-                  <c:v>0.002354296007145399</c:v>
+                  <c:v>0.002346662090867309</c:v>
                 </c:pt>
                 <c:pt idx="3">
-                  <c:v>0.0023442812864731964</c:v>
+                  <c:v>0.0023434529957343806</c:v>
                 </c:pt>
                 <c:pt idx="4">
-                  <c:v>0.002270986121573355</c:v>
+                  <c:v>0.0023220331136714523</c:v>
                 </c:pt>
                 <c:pt idx="5">
-                  <c:v>0.002198586897882922</c:v>
+                  <c:v>0.0023217709376652197</c:v>
                 </c:pt>
                 <c:pt idx="6">
-                  <c:v>0.0021886558075993813</c:v>
+                  <c:v>0.0022804197799689693</c:v>
                 </c:pt>
                 <c:pt idx="7">
-                  <c:v>0.0021694062252020302</c:v>
+                  <c:v>0.0022407673700920528</c:v>
                 </c:pt>
                 <c:pt idx="8">
-                  <c:v>0.0021255253946369196</c:v>
+                  <c:v>0.0022251714768259934</c:v>
                 </c:pt>
                 <c:pt idx="9">
-                  <c:v>0.0021030950129101544</c:v>
+                  <c:v>0.0022122568949320986</c:v>
                 </c:pt>
                 <c:pt idx="10">
-                  <c:v>0.0020870280150097798</c:v>
+                  <c:v>0.002111867890449801</c:v>
                 </c:pt>
                 <c:pt idx="11">
-                  <c:v>0.0020847743827613957</c:v>
+                  <c:v>0.002094048656470198</c:v>
                 </c:pt>
                 <c:pt idx="12">
-                  <c:v>0.001995564665107706</c:v>
+                  <c:v>0.002081621125212429</c:v>
                 </c:pt>
                 <c:pt idx="13">
-                  <c:v>0.0019570708795094505</c:v>
+                  <c:v>0.0020600161650138984</c:v>
                 </c:pt>
                 <c:pt idx="14">
-                  <c:v>0.0019502177590532731</c:v>
+                  <c:v>0.0020475591398476413</c:v>
                 </c:pt>
                 <c:pt idx="15">
-                  <c:v>0.0019116688362185203</c:v>
+                  <c:v>0.002035468945084249</c:v>
                 </c:pt>
                 <c:pt idx="16">
-                  <c:v>0.0019024288886407142</c:v>
+                  <c:v>0.0019135199454893312</c:v>
                 </c:pt>
                 <c:pt idx="17">
-                  <c:v>0.001857504799390602</c:v>
+                  <c:v>0.0017722923443301377</c:v>
                 </c:pt>
                 <c:pt idx="18">
-                  <c:v>0.0018147548103379365</c:v>
+                  <c:v>0.0017021814079801142</c:v>
                 </c:pt>
                 <c:pt idx="19">
-                  <c:v>0.0016957392981919468</c:v>
+                  <c:v>0.0016930154423821465</c:v>
                 </c:pt>
               </c:numCache>
             </c:numRef>

--- a/cases/goodhostpital2021/对标分析报告.pg.pptx
+++ b/cases/goodhostpital2021/对标分析报告.pg.pptx
@@ -109,13 +109,13 @@
   <p:extLst>
     <p:ext uri="{521415D9-36F7-43E2-AB2F-B90AF26B5E84}">
       <p14:sectionLst xmlns:p14="http://schemas.microsoft.com/office/powerpoint/2010/main">
-        <p14:section name="院内专科BCG散点图" id="{e52cd88d-bcb8-a011-b867-77e1ce96b10c}">
+        <p14:section name="院内专科BCG散点图" id="{2bbdce80-0fac-c9e3-eeaf-6542dd2122ea}">
           <p14:sldIdLst>
             <p14:sldId id="257"/>
             <p14:sldId id="258"/>
           </p14:sldIdLst>
         </p14:section>
-        <p14:section name="院内专科梯队表格" id="{9749cdc4-0e16-7772-754b-ab38bbb86fed}">
+        <p14:section name="院内专科梯队表格" id="{a6af568c-b415-db5c-a884-dc41304f3be0}">
           <p14:sldIdLst/>
         </p14:section>
       </p14:sectionLst>
@@ -127,7 +127,1261 @@
 </p:presentation>
 </file>
 
-<file path=ppt/charts/chart491.xml><?xml version="1.0" encoding="utf-8"?>
+<file path=ppt/charts/chart1429.xml><?xml version="1.0" encoding="utf-8"?>
+<c:chartSpace xmlns:c="http://schemas.openxmlformats.org/drawingml/2006/chart" xmlns:a="http://schemas.openxmlformats.org/drawingml/2006/main" xmlns:r="http://schemas.openxmlformats.org/officeDocument/2006/relationships">
+  <c:date1904 val="0"/>
+  <c:chart>
+    <c:title>
+      <c:tx>
+        <c:rich>
+          <a:bodyPr/>
+          <a:lstStyle/>
+          <a:p>
+            <a:pPr>
+              <a:defRPr sz="1800" b="0" i="0" u="none" strike="noStrike">
+                <a:solidFill>
+                  <a:srgbClr val="000000"/>
+                </a:solidFill>
+                <a:latin typeface="Arial"/>
+              </a:defRPr>
+            </a:pPr>
+            <a:r>
+              <a:rPr sz="1800" b="0" i="0" u="none" strike="noStrike">
+                <a:solidFill>
+                  <a:srgbClr val="000000"/>
+                </a:solidFill>
+                <a:latin typeface="Arial"/>
+              </a:rPr>
+              <a:t>医疗服务收入占全院比重 vs 医疗服务收入三年复合增长率</a:t>
+            </a:r>
+          </a:p>
+        </c:rich>
+      </c:tx>
+      <c:layout/>
+      <c:overlay val="0"/>
+    </c:title>
+    <c:autoTitleDeleted val="0"/>
+    <c:plotArea>
+      <c:layout/>
+      <c:scatterChart>
+        <c:scatterStyle val="lineMarker"/>
+        <c:varyColors val="0"/>
+        <c:ser>
+          <c:idx val="0"/>
+          <c:order val="0"/>
+          <c:tx>
+            <c:strRef>
+              <c:f>Sheet1!$B$1</c:f>
+              <c:strCache>
+                <c:ptCount val="1"/>
+                <c:pt idx="0">
+                  <c:v>医疗服务收入占全院比重</c:v>
+                </c:pt>
+              </c:strCache>
+            </c:strRef>
+          </c:tx>
+          <c:spPr>
+            <a:solidFill>
+              <a:srgbClr val="C0504D"/>
+            </a:solidFill>
+            <a:ln>
+              <a:noFill/>
+            </a:ln>
+            <a:effectLst/>
+          </c:spPr>
+          <c:marker>
+            <c:symbol val="circle"/>
+            <c:size val="6"/>
+            <c:spPr>
+              <a:solidFill>
+                <a:srgbClr val="C0504D"/>
+              </a:solidFill>
+              <a:ln w="9525" cap="flat">
+                <a:solidFill>
+                  <a:srgbClr val="C0504D"/>
+                </a:solidFill>
+                <a:prstDash val="solid"/>
+                <a:round/>
+              </a:ln>
+              <a:effectLst/>
+            </c:spPr>
+          </c:marker>
+          <c:dLbls>
+            <c:dLbl>
+              <c:idx val="0"/>
+              <c:tx>
+                <c:rich>
+                  <a:bodyPr>
+                    <a:spAutoFit/>
+                  </a:bodyPr>
+                  <a:lstStyle/>
+                  <a:p>
+                    <a:pPr>
+                      <a:defRPr/>
+                    </a:pPr>
+                    <a:r>
+                      <a:rPr lang="en-US" dirty="0"/>
+                      <a:t>医院</a:t>
+                    </a:r>
+                  </a:p>
+                </c:rich>
+              </c:tx>
+              <c:spPr>
+                <a:noFill/>
+                <a:ln>
+                  <a:noFill/>
+                </a:ln>
+                <a:effectLst/>
+              </c:spPr>
+              <c:dLblPos val="t"/>
+              <c:showLegendKey val="0"/>
+              <c:showVal val="0"/>
+              <c:showCatName val="0"/>
+              <c:showSerName val="0"/>
+              <c:showPercent val="0"/>
+              <c:showBubbleSize val="0"/>
+              <c:showLeaderLines val="1"/>
+              <c:extLst>
+                <c:ext xmlns:c15="http://schemas.microsoft.com/office/drawing/2012/chart" uri="{CE6537A1-D6FC-4f65-9D91-7224C49458BB}"/>
+                <c:ext xmlns:c16="http://schemas.microsoft.com/office/drawing/2014/chart" uri="{C3380CC4-5D6E-409C-BE32-E72D297353CC}">
+                  <c16:uniqueId val="{00000001-f5cf-861d-ff46-c02243c8b91e}"/>
+                </c:ext>
+              </c:extLst>
+            </c:dLbl>
+            <c:dLbl>
+              <c:idx val="1"/>
+              <c:tx>
+                <c:rich>
+                  <a:bodyPr>
+                    <a:spAutoFit/>
+                  </a:bodyPr>
+                  <a:lstStyle/>
+                  <a:p>
+                    <a:pPr>
+                      <a:defRPr/>
+                    </a:pPr>
+                    <a:r>
+                      <a:rPr lang="en-US" dirty="0"/>
+                      <a:t>小儿推拿科</a:t>
+                    </a:r>
+                  </a:p>
+                </c:rich>
+              </c:tx>
+              <c:spPr>
+                <a:noFill/>
+                <a:ln>
+                  <a:noFill/>
+                </a:ln>
+                <a:effectLst/>
+              </c:spPr>
+              <c:dLblPos val="t"/>
+              <c:showLegendKey val="0"/>
+              <c:showVal val="0"/>
+              <c:showCatName val="0"/>
+              <c:showSerName val="0"/>
+              <c:showPercent val="0"/>
+              <c:showBubbleSize val="0"/>
+              <c:showLeaderLines val="1"/>
+              <c:extLst>
+                <c:ext xmlns:c15="http://schemas.microsoft.com/office/drawing/2012/chart" uri="{CE6537A1-D6FC-4f65-9D91-7224C49458BB}"/>
+                <c:ext xmlns:c16="http://schemas.microsoft.com/office/drawing/2014/chart" uri="{C3380CC4-5D6E-409C-BE32-E72D297353CC}">
+                  <c16:uniqueId val="{00000002-f5cf-861d-ff46-c02243c8b91e}"/>
+                </c:ext>
+              </c:extLst>
+            </c:dLbl>
+            <c:dLbl>
+              <c:idx val="2"/>
+              <c:tx>
+                <c:rich>
+                  <a:bodyPr>
+                    <a:spAutoFit/>
+                  </a:bodyPr>
+                  <a:lstStyle/>
+                  <a:p>
+                    <a:pPr>
+                      <a:defRPr/>
+                    </a:pPr>
+                    <a:r>
+                      <a:rPr lang="en-US" dirty="0"/>
+                      <a:t>身心医学科</a:t>
+                    </a:r>
+                  </a:p>
+                </c:rich>
+              </c:tx>
+              <c:spPr>
+                <a:noFill/>
+                <a:ln>
+                  <a:noFill/>
+                </a:ln>
+                <a:effectLst/>
+              </c:spPr>
+              <c:dLblPos val="t"/>
+              <c:showLegendKey val="0"/>
+              <c:showVal val="0"/>
+              <c:showCatName val="0"/>
+              <c:showSerName val="0"/>
+              <c:showPercent val="0"/>
+              <c:showBubbleSize val="0"/>
+              <c:showLeaderLines val="1"/>
+              <c:extLst>
+                <c:ext xmlns:c15="http://schemas.microsoft.com/office/drawing/2012/chart" uri="{CE6537A1-D6FC-4f65-9D91-7224C49458BB}"/>
+                <c:ext xmlns:c16="http://schemas.microsoft.com/office/drawing/2014/chart" uri="{C3380CC4-5D6E-409C-BE32-E72D297353CC}">
+                  <c16:uniqueId val="{00000003-f5cf-861d-ff46-c02243c8b91e}"/>
+                </c:ext>
+              </c:extLst>
+            </c:dLbl>
+            <c:dLbl>
+              <c:idx val="3"/>
+              <c:tx>
+                <c:rich>
+                  <a:bodyPr>
+                    <a:spAutoFit/>
+                  </a:bodyPr>
+                  <a:lstStyle/>
+                  <a:p>
+                    <a:pPr>
+                      <a:defRPr/>
+                    </a:pPr>
+                    <a:r>
+                      <a:rPr lang="en-US" dirty="0"/>
+                      <a:t>乳腺甲状腺外科</a:t>
+                    </a:r>
+                  </a:p>
+                </c:rich>
+              </c:tx>
+              <c:spPr>
+                <a:noFill/>
+                <a:ln>
+                  <a:noFill/>
+                </a:ln>
+                <a:effectLst/>
+              </c:spPr>
+              <c:dLblPos val="t"/>
+              <c:showLegendKey val="0"/>
+              <c:showVal val="0"/>
+              <c:showCatName val="0"/>
+              <c:showSerName val="0"/>
+              <c:showPercent val="0"/>
+              <c:showBubbleSize val="0"/>
+              <c:showLeaderLines val="1"/>
+              <c:extLst>
+                <c:ext xmlns:c15="http://schemas.microsoft.com/office/drawing/2012/chart" uri="{CE6537A1-D6FC-4f65-9D91-7224C49458BB}"/>
+                <c:ext xmlns:c16="http://schemas.microsoft.com/office/drawing/2014/chart" uri="{C3380CC4-5D6E-409C-BE32-E72D297353CC}">
+                  <c16:uniqueId val="{00000004-f5cf-861d-ff46-c02243c8b91e}"/>
+                </c:ext>
+              </c:extLst>
+            </c:dLbl>
+            <c:dLbl>
+              <c:idx val="4"/>
+              <c:tx>
+                <c:rich>
+                  <a:bodyPr>
+                    <a:spAutoFit/>
+                  </a:bodyPr>
+                  <a:lstStyle/>
+                  <a:p>
+                    <a:pPr>
+                      <a:defRPr/>
+                    </a:pPr>
+                    <a:r>
+                      <a:rPr lang="en-US" dirty="0"/>
+                      <a:t>美容皮肤科</a:t>
+                    </a:r>
+                  </a:p>
+                </c:rich>
+              </c:tx>
+              <c:spPr>
+                <a:noFill/>
+                <a:ln>
+                  <a:noFill/>
+                </a:ln>
+                <a:effectLst/>
+              </c:spPr>
+              <c:dLblPos val="t"/>
+              <c:showLegendKey val="0"/>
+              <c:showVal val="0"/>
+              <c:showCatName val="0"/>
+              <c:showSerName val="0"/>
+              <c:showPercent val="0"/>
+              <c:showBubbleSize val="0"/>
+              <c:showLeaderLines val="1"/>
+              <c:extLst>
+                <c:ext xmlns:c15="http://schemas.microsoft.com/office/drawing/2012/chart" uri="{CE6537A1-D6FC-4f65-9D91-7224C49458BB}"/>
+                <c:ext xmlns:c16="http://schemas.microsoft.com/office/drawing/2014/chart" uri="{C3380CC4-5D6E-409C-BE32-E72D297353CC}">
+                  <c16:uniqueId val="{00000005-f5cf-861d-ff46-c02243c8b91e}"/>
+                </c:ext>
+              </c:extLst>
+            </c:dLbl>
+            <c:dLbl>
+              <c:idx val="5"/>
+              <c:tx>
+                <c:rich>
+                  <a:bodyPr>
+                    <a:spAutoFit/>
+                  </a:bodyPr>
+                  <a:lstStyle/>
+                  <a:p>
+                    <a:pPr>
+                      <a:defRPr/>
+                    </a:pPr>
+                    <a:r>
+                      <a:rPr lang="en-US" dirty="0"/>
+                      <a:t>东区肾病科</a:t>
+                    </a:r>
+                  </a:p>
+                </c:rich>
+              </c:tx>
+              <c:spPr>
+                <a:noFill/>
+                <a:ln>
+                  <a:noFill/>
+                </a:ln>
+                <a:effectLst/>
+              </c:spPr>
+              <c:dLblPos val="t"/>
+              <c:showLegendKey val="0"/>
+              <c:showVal val="0"/>
+              <c:showCatName val="0"/>
+              <c:showSerName val="0"/>
+              <c:showPercent val="0"/>
+              <c:showBubbleSize val="0"/>
+              <c:showLeaderLines val="1"/>
+              <c:extLst>
+                <c:ext xmlns:c15="http://schemas.microsoft.com/office/drawing/2012/chart" uri="{CE6537A1-D6FC-4f65-9D91-7224C49458BB}"/>
+                <c:ext xmlns:c16="http://schemas.microsoft.com/office/drawing/2014/chart" uri="{C3380CC4-5D6E-409C-BE32-E72D297353CC}">
+                  <c16:uniqueId val="{00000006-f5cf-861d-ff46-c02243c8b91e}"/>
+                </c:ext>
+              </c:extLst>
+            </c:dLbl>
+            <c:dLbl>
+              <c:idx val="6"/>
+              <c:tx>
+                <c:rich>
+                  <a:bodyPr>
+                    <a:spAutoFit/>
+                  </a:bodyPr>
+                  <a:lstStyle/>
+                  <a:p>
+                    <a:pPr>
+                      <a:defRPr/>
+                    </a:pPr>
+                    <a:r>
+                      <a:rPr lang="en-US" dirty="0"/>
+                      <a:t>中医经典科</a:t>
+                    </a:r>
+                  </a:p>
+                </c:rich>
+              </c:tx>
+              <c:spPr>
+                <a:noFill/>
+                <a:ln>
+                  <a:noFill/>
+                </a:ln>
+                <a:effectLst/>
+              </c:spPr>
+              <c:dLblPos val="t"/>
+              <c:showLegendKey val="0"/>
+              <c:showVal val="0"/>
+              <c:showCatName val="0"/>
+              <c:showSerName val="0"/>
+              <c:showPercent val="0"/>
+              <c:showBubbleSize val="0"/>
+              <c:showLeaderLines val="1"/>
+              <c:extLst>
+                <c:ext xmlns:c15="http://schemas.microsoft.com/office/drawing/2012/chart" uri="{CE6537A1-D6FC-4f65-9D91-7224C49458BB}"/>
+                <c:ext xmlns:c16="http://schemas.microsoft.com/office/drawing/2014/chart" uri="{C3380CC4-5D6E-409C-BE32-E72D297353CC}">
+                  <c16:uniqueId val="{00000007-f5cf-861d-ff46-c02243c8b91e}"/>
+                </c:ext>
+              </c:extLst>
+            </c:dLbl>
+            <c:dLbl>
+              <c:idx val="7"/>
+              <c:tx>
+                <c:rich>
+                  <a:bodyPr>
+                    <a:spAutoFit/>
+                  </a:bodyPr>
+                  <a:lstStyle/>
+                  <a:p>
+                    <a:pPr>
+                      <a:defRPr/>
+                    </a:pPr>
+                    <a:r>
+                      <a:rPr lang="en-US" dirty="0"/>
+                      <a:t>肿瘤内科</a:t>
+                    </a:r>
+                  </a:p>
+                </c:rich>
+              </c:tx>
+              <c:spPr>
+                <a:noFill/>
+                <a:ln>
+                  <a:noFill/>
+                </a:ln>
+                <a:effectLst/>
+              </c:spPr>
+              <c:dLblPos val="t"/>
+              <c:showLegendKey val="0"/>
+              <c:showVal val="0"/>
+              <c:showCatName val="0"/>
+              <c:showSerName val="0"/>
+              <c:showPercent val="0"/>
+              <c:showBubbleSize val="0"/>
+              <c:showLeaderLines val="1"/>
+              <c:extLst>
+                <c:ext xmlns:c15="http://schemas.microsoft.com/office/drawing/2012/chart" uri="{CE6537A1-D6FC-4f65-9D91-7224C49458BB}"/>
+                <c:ext xmlns:c16="http://schemas.microsoft.com/office/drawing/2014/chart" uri="{C3380CC4-5D6E-409C-BE32-E72D297353CC}">
+                  <c16:uniqueId val="{00000008-f5cf-861d-ff46-c02243c8b91e}"/>
+                </c:ext>
+              </c:extLst>
+            </c:dLbl>
+            <c:dLbl>
+              <c:idx val="8"/>
+              <c:tx>
+                <c:rich>
+                  <a:bodyPr>
+                    <a:spAutoFit/>
+                  </a:bodyPr>
+                  <a:lstStyle/>
+                  <a:p>
+                    <a:pPr>
+                      <a:defRPr/>
+                    </a:pPr>
+                    <a:r>
+                      <a:rPr lang="en-US" dirty="0"/>
+                      <a:t>脑病三科</a:t>
+                    </a:r>
+                  </a:p>
+                </c:rich>
+              </c:tx>
+              <c:spPr>
+                <a:noFill/>
+                <a:ln>
+                  <a:noFill/>
+                </a:ln>
+                <a:effectLst/>
+              </c:spPr>
+              <c:dLblPos val="t"/>
+              <c:showLegendKey val="0"/>
+              <c:showVal val="0"/>
+              <c:showCatName val="0"/>
+              <c:showSerName val="0"/>
+              <c:showPercent val="0"/>
+              <c:showBubbleSize val="0"/>
+              <c:showLeaderLines val="1"/>
+              <c:extLst>
+                <c:ext xmlns:c15="http://schemas.microsoft.com/office/drawing/2012/chart" uri="{CE6537A1-D6FC-4f65-9D91-7224C49458BB}"/>
+                <c:ext xmlns:c16="http://schemas.microsoft.com/office/drawing/2014/chart" uri="{C3380CC4-5D6E-409C-BE32-E72D297353CC}">
+                  <c16:uniqueId val="{00000009-f5cf-861d-ff46-c02243c8b91e}"/>
+                </c:ext>
+              </c:extLst>
+            </c:dLbl>
+            <c:dLbl>
+              <c:idx val="9"/>
+              <c:tx>
+                <c:rich>
+                  <a:bodyPr>
+                    <a:spAutoFit/>
+                  </a:bodyPr>
+                  <a:lstStyle/>
+                  <a:p>
+                    <a:pPr>
+                      <a:defRPr/>
+                    </a:pPr>
+                    <a:r>
+                      <a:rPr lang="en-US" dirty="0"/>
+                      <a:t>创伤骨科</a:t>
+                    </a:r>
+                  </a:p>
+                </c:rich>
+              </c:tx>
+              <c:spPr>
+                <a:noFill/>
+                <a:ln>
+                  <a:noFill/>
+                </a:ln>
+                <a:effectLst/>
+              </c:spPr>
+              <c:dLblPos val="t"/>
+              <c:showLegendKey val="0"/>
+              <c:showVal val="0"/>
+              <c:showCatName val="0"/>
+              <c:showSerName val="0"/>
+              <c:showPercent val="0"/>
+              <c:showBubbleSize val="0"/>
+              <c:showLeaderLines val="1"/>
+              <c:extLst>
+                <c:ext xmlns:c15="http://schemas.microsoft.com/office/drawing/2012/chart" uri="{CE6537A1-D6FC-4f65-9D91-7224C49458BB}"/>
+                <c:ext xmlns:c16="http://schemas.microsoft.com/office/drawing/2014/chart" uri="{C3380CC4-5D6E-409C-BE32-E72D297353CC}">
+                  <c16:uniqueId val="{00000010-f5cf-861d-ff46-c02243c8b91e}"/>
+                </c:ext>
+              </c:extLst>
+            </c:dLbl>
+            <c:dLbl>
+              <c:idx val="10"/>
+              <c:tx>
+                <c:rich>
+                  <a:bodyPr>
+                    <a:spAutoFit/>
+                  </a:bodyPr>
+                  <a:lstStyle/>
+                  <a:p>
+                    <a:pPr>
+                      <a:defRPr/>
+                    </a:pPr>
+                    <a:r>
+                      <a:rPr lang="en-US" dirty="0"/>
+                      <a:t>妇科妇二科合并</a:t>
+                    </a:r>
+                  </a:p>
+                </c:rich>
+              </c:tx>
+              <c:spPr>
+                <a:noFill/>
+                <a:ln>
+                  <a:noFill/>
+                </a:ln>
+                <a:effectLst/>
+              </c:spPr>
+              <c:dLblPos val="t"/>
+              <c:showLegendKey val="0"/>
+              <c:showVal val="0"/>
+              <c:showCatName val="0"/>
+              <c:showSerName val="0"/>
+              <c:showPercent val="0"/>
+              <c:showBubbleSize val="0"/>
+              <c:showLeaderLines val="1"/>
+              <c:extLst>
+                <c:ext xmlns:c15="http://schemas.microsoft.com/office/drawing/2012/chart" uri="{CE6537A1-D6FC-4f65-9D91-7224C49458BB}"/>
+                <c:ext xmlns:c16="http://schemas.microsoft.com/office/drawing/2014/chart" uri="{C3380CC4-5D6E-409C-BE32-E72D297353CC}">
+                  <c16:uniqueId val="{00000011-f5cf-861d-ff46-c02243c8b91e}"/>
+                </c:ext>
+              </c:extLst>
+            </c:dLbl>
+            <c:dLbl>
+              <c:idx val="11"/>
+              <c:tx>
+                <c:rich>
+                  <a:bodyPr>
+                    <a:spAutoFit/>
+                  </a:bodyPr>
+                  <a:lstStyle/>
+                  <a:p>
+                    <a:pPr>
+                      <a:defRPr/>
+                    </a:pPr>
+                    <a:r>
+                      <a:rPr lang="en-US" dirty="0"/>
+                      <a:t>肾病科</a:t>
+                    </a:r>
+                  </a:p>
+                </c:rich>
+              </c:tx>
+              <c:spPr>
+                <a:noFill/>
+                <a:ln>
+                  <a:noFill/>
+                </a:ln>
+                <a:effectLst/>
+              </c:spPr>
+              <c:dLblPos val="t"/>
+              <c:showLegendKey val="0"/>
+              <c:showVal val="0"/>
+              <c:showCatName val="0"/>
+              <c:showSerName val="0"/>
+              <c:showPercent val="0"/>
+              <c:showBubbleSize val="0"/>
+              <c:showLeaderLines val="1"/>
+              <c:extLst>
+                <c:ext xmlns:c15="http://schemas.microsoft.com/office/drawing/2012/chart" uri="{CE6537A1-D6FC-4f65-9D91-7224C49458BB}"/>
+                <c:ext xmlns:c16="http://schemas.microsoft.com/office/drawing/2014/chart" uri="{C3380CC4-5D6E-409C-BE32-E72D297353CC}">
+                  <c16:uniqueId val="{00000012-f5cf-861d-ff46-c02243c8b91e}"/>
+                </c:ext>
+              </c:extLst>
+            </c:dLbl>
+            <c:dLbl>
+              <c:idx val="12"/>
+              <c:tx>
+                <c:rich>
+                  <a:bodyPr>
+                    <a:spAutoFit/>
+                  </a:bodyPr>
+                  <a:lstStyle/>
+                  <a:p>
+                    <a:pPr>
+                      <a:defRPr/>
+                    </a:pPr>
+                    <a:r>
+                      <a:rPr lang="en-US" dirty="0"/>
+                      <a:t>小儿骨科</a:t>
+                    </a:r>
+                  </a:p>
+                </c:rich>
+              </c:tx>
+              <c:spPr>
+                <a:noFill/>
+                <a:ln>
+                  <a:noFill/>
+                </a:ln>
+                <a:effectLst/>
+              </c:spPr>
+              <c:dLblPos val="t"/>
+              <c:showLegendKey val="0"/>
+              <c:showVal val="0"/>
+              <c:showCatName val="0"/>
+              <c:showSerName val="0"/>
+              <c:showPercent val="0"/>
+              <c:showBubbleSize val="0"/>
+              <c:showLeaderLines val="1"/>
+              <c:extLst>
+                <c:ext xmlns:c15="http://schemas.microsoft.com/office/drawing/2012/chart" uri="{CE6537A1-D6FC-4f65-9D91-7224C49458BB}"/>
+                <c:ext xmlns:c16="http://schemas.microsoft.com/office/drawing/2014/chart" uri="{C3380CC4-5D6E-409C-BE32-E72D297353CC}">
+                  <c16:uniqueId val="{00000013-f5cf-861d-ff46-c02243c8b91e}"/>
+                </c:ext>
+              </c:extLst>
+            </c:dLbl>
+            <c:dLbl>
+              <c:idx val="13"/>
+              <c:tx>
+                <c:rich>
+                  <a:bodyPr>
+                    <a:spAutoFit/>
+                  </a:bodyPr>
+                  <a:lstStyle/>
+                  <a:p>
+                    <a:pPr>
+                      <a:defRPr/>
+                    </a:pPr>
+                    <a:r>
+                      <a:rPr lang="en-US" dirty="0"/>
+                      <a:t>肛肠科</a:t>
+                    </a:r>
+                  </a:p>
+                </c:rich>
+              </c:tx>
+              <c:spPr>
+                <a:noFill/>
+                <a:ln>
+                  <a:noFill/>
+                </a:ln>
+                <a:effectLst/>
+              </c:spPr>
+              <c:dLblPos val="t"/>
+              <c:showLegendKey val="0"/>
+              <c:showVal val="0"/>
+              <c:showCatName val="0"/>
+              <c:showSerName val="0"/>
+              <c:showPercent val="0"/>
+              <c:showBubbleSize val="0"/>
+              <c:showLeaderLines val="1"/>
+              <c:extLst>
+                <c:ext xmlns:c15="http://schemas.microsoft.com/office/drawing/2012/chart" uri="{CE6537A1-D6FC-4f65-9D91-7224C49458BB}"/>
+                <c:ext xmlns:c16="http://schemas.microsoft.com/office/drawing/2014/chart" uri="{C3380CC4-5D6E-409C-BE32-E72D297353CC}">
+                  <c16:uniqueId val="{00000014-f5cf-861d-ff46-c02243c8b91e}"/>
+                </c:ext>
+              </c:extLst>
+            </c:dLbl>
+            <c:dLbl>
+              <c:idx val="14"/>
+              <c:tx>
+                <c:rich>
+                  <a:bodyPr>
+                    <a:spAutoFit/>
+                  </a:bodyPr>
+                  <a:lstStyle/>
+                  <a:p>
+                    <a:pPr>
+                      <a:defRPr/>
+                    </a:pPr>
+                    <a:r>
+                      <a:rPr lang="en-US" dirty="0"/>
+                      <a:t>针灸科</a:t>
+                    </a:r>
+                  </a:p>
+                </c:rich>
+              </c:tx>
+              <c:spPr>
+                <a:noFill/>
+                <a:ln>
+                  <a:noFill/>
+                </a:ln>
+                <a:effectLst/>
+              </c:spPr>
+              <c:dLblPos val="t"/>
+              <c:showLegendKey val="0"/>
+              <c:showVal val="0"/>
+              <c:showCatName val="0"/>
+              <c:showSerName val="0"/>
+              <c:showPercent val="0"/>
+              <c:showBubbleSize val="0"/>
+              <c:showLeaderLines val="1"/>
+              <c:extLst>
+                <c:ext xmlns:c15="http://schemas.microsoft.com/office/drawing/2012/chart" uri="{CE6537A1-D6FC-4f65-9D91-7224C49458BB}"/>
+                <c:ext xmlns:c16="http://schemas.microsoft.com/office/drawing/2014/chart" uri="{C3380CC4-5D6E-409C-BE32-E72D297353CC}">
+                  <c16:uniqueId val="{00000015-f5cf-861d-ff46-c02243c8b91e}"/>
+                </c:ext>
+              </c:extLst>
+            </c:dLbl>
+            <c:dLbl>
+              <c:idx val="15"/>
+              <c:tx>
+                <c:rich>
+                  <a:bodyPr>
+                    <a:spAutoFit/>
+                  </a:bodyPr>
+                  <a:lstStyle/>
+                  <a:p>
+                    <a:pPr>
+                      <a:defRPr/>
+                    </a:pPr>
+                    <a:r>
+                      <a:rPr lang="en-US" dirty="0"/>
+                      <a:t>脾胃科消化科合并</a:t>
+                    </a:r>
+                  </a:p>
+                </c:rich>
+              </c:tx>
+              <c:spPr>
+                <a:noFill/>
+                <a:ln>
+                  <a:noFill/>
+                </a:ln>
+                <a:effectLst/>
+              </c:spPr>
+              <c:dLblPos val="t"/>
+              <c:showLegendKey val="0"/>
+              <c:showVal val="0"/>
+              <c:showCatName val="0"/>
+              <c:showSerName val="0"/>
+              <c:showPercent val="0"/>
+              <c:showBubbleSize val="0"/>
+              <c:showLeaderLines val="1"/>
+              <c:extLst>
+                <c:ext xmlns:c15="http://schemas.microsoft.com/office/drawing/2012/chart" uri="{CE6537A1-D6FC-4f65-9D91-7224C49458BB}"/>
+                <c:ext xmlns:c16="http://schemas.microsoft.com/office/drawing/2014/chart" uri="{C3380CC4-5D6E-409C-BE32-E72D297353CC}">
+                  <c16:uniqueId val="{00000016-f5cf-861d-ff46-c02243c8b91e}"/>
+                </c:ext>
+              </c:extLst>
+            </c:dLbl>
+            <c:dLbl>
+              <c:idx val="16"/>
+              <c:tx>
+                <c:rich>
+                  <a:bodyPr>
+                    <a:spAutoFit/>
+                  </a:bodyPr>
+                  <a:lstStyle/>
+                  <a:p>
+                    <a:pPr>
+                      <a:defRPr/>
+                    </a:pPr>
+                    <a:r>
+                      <a:rPr lang="en-US" dirty="0"/>
+                      <a:t>康复科</a:t>
+                    </a:r>
+                  </a:p>
+                </c:rich>
+              </c:tx>
+              <c:spPr>
+                <a:noFill/>
+                <a:ln>
+                  <a:noFill/>
+                </a:ln>
+                <a:effectLst/>
+              </c:spPr>
+              <c:dLblPos val="t"/>
+              <c:showLegendKey val="0"/>
+              <c:showVal val="0"/>
+              <c:showCatName val="0"/>
+              <c:showSerName val="0"/>
+              <c:showPercent val="0"/>
+              <c:showBubbleSize val="0"/>
+              <c:showLeaderLines val="1"/>
+              <c:extLst>
+                <c:ext xmlns:c15="http://schemas.microsoft.com/office/drawing/2012/chart" uri="{CE6537A1-D6FC-4f65-9D91-7224C49458BB}"/>
+                <c:ext xmlns:c16="http://schemas.microsoft.com/office/drawing/2014/chart" uri="{C3380CC4-5D6E-409C-BE32-E72D297353CC}">
+                  <c16:uniqueId val="{00000017-f5cf-861d-ff46-c02243c8b91e}"/>
+                </c:ext>
+              </c:extLst>
+            </c:dLbl>
+            <c:dLbl>
+              <c:idx val="17"/>
+              <c:tx>
+                <c:rich>
+                  <a:bodyPr>
+                    <a:spAutoFit/>
+                  </a:bodyPr>
+                  <a:lstStyle/>
+                  <a:p>
+                    <a:pPr>
+                      <a:defRPr/>
+                    </a:pPr>
+                    <a:r>
+                      <a:rPr lang="en-US" dirty="0"/>
+                      <a:t>肝病科</a:t>
+                    </a:r>
+                  </a:p>
+                </c:rich>
+              </c:tx>
+              <c:spPr>
+                <a:noFill/>
+                <a:ln>
+                  <a:noFill/>
+                </a:ln>
+                <a:effectLst/>
+              </c:spPr>
+              <c:dLblPos val="t"/>
+              <c:showLegendKey val="0"/>
+              <c:showVal val="0"/>
+              <c:showCatName val="0"/>
+              <c:showSerName val="0"/>
+              <c:showPercent val="0"/>
+              <c:showBubbleSize val="0"/>
+              <c:showLeaderLines val="1"/>
+              <c:extLst>
+                <c:ext xmlns:c15="http://schemas.microsoft.com/office/drawing/2012/chart" uri="{CE6537A1-D6FC-4f65-9D91-7224C49458BB}"/>
+                <c:ext xmlns:c16="http://schemas.microsoft.com/office/drawing/2014/chart" uri="{C3380CC4-5D6E-409C-BE32-E72D297353CC}">
+                  <c16:uniqueId val="{00000018-f5cf-861d-ff46-c02243c8b91e}"/>
+                </c:ext>
+              </c:extLst>
+            </c:dLbl>
+            <c:dLbl>
+              <c:idx val="18"/>
+              <c:tx>
+                <c:rich>
+                  <a:bodyPr>
+                    <a:spAutoFit/>
+                  </a:bodyPr>
+                  <a:lstStyle/>
+                  <a:p>
+                    <a:pPr>
+                      <a:defRPr/>
+                    </a:pPr>
+                    <a:r>
+                      <a:rPr lang="en-US" dirty="0"/>
+                      <a:t>显微骨科</a:t>
+                    </a:r>
+                  </a:p>
+                </c:rich>
+              </c:tx>
+              <c:spPr>
+                <a:noFill/>
+                <a:ln>
+                  <a:noFill/>
+                </a:ln>
+                <a:effectLst/>
+              </c:spPr>
+              <c:dLblPos val="t"/>
+              <c:showLegendKey val="0"/>
+              <c:showVal val="0"/>
+              <c:showCatName val="0"/>
+              <c:showSerName val="0"/>
+              <c:showPercent val="0"/>
+              <c:showBubbleSize val="0"/>
+              <c:showLeaderLines val="1"/>
+              <c:extLst>
+                <c:ext xmlns:c15="http://schemas.microsoft.com/office/drawing/2012/chart" uri="{CE6537A1-D6FC-4f65-9D91-7224C49458BB}"/>
+                <c:ext xmlns:c16="http://schemas.microsoft.com/office/drawing/2014/chart" uri="{C3380CC4-5D6E-409C-BE32-E72D297353CC}">
+                  <c16:uniqueId val="{00000019-f5cf-861d-ff46-c02243c8b91e}"/>
+                </c:ext>
+              </c:extLst>
+            </c:dLbl>
+            <c:dLbl>
+              <c:idx val="19"/>
+              <c:tx>
+                <c:rich>
+                  <a:bodyPr>
+                    <a:spAutoFit/>
+                  </a:bodyPr>
+                  <a:lstStyle/>
+                  <a:p>
+                    <a:pPr>
+                      <a:defRPr/>
+                    </a:pPr>
+                    <a:r>
+                      <a:rPr lang="en-US" dirty="0"/>
+                      <a:t>胸外科</a:t>
+                    </a:r>
+                  </a:p>
+                </c:rich>
+              </c:tx>
+              <c:spPr>
+                <a:noFill/>
+                <a:ln>
+                  <a:noFill/>
+                </a:ln>
+                <a:effectLst/>
+              </c:spPr>
+              <c:dLblPos val="t"/>
+              <c:showLegendKey val="0"/>
+              <c:showVal val="0"/>
+              <c:showCatName val="0"/>
+              <c:showSerName val="0"/>
+              <c:showPercent val="0"/>
+              <c:showBubbleSize val="0"/>
+              <c:showLeaderLines val="1"/>
+              <c:extLst>
+                <c:ext xmlns:c15="http://schemas.microsoft.com/office/drawing/2012/chart" uri="{CE6537A1-D6FC-4f65-9D91-7224C49458BB}"/>
+                <c:ext xmlns:c16="http://schemas.microsoft.com/office/drawing/2014/chart" uri="{C3380CC4-5D6E-409C-BE32-E72D297353CC}">
+                  <c16:uniqueId val="{00000020-f5cf-861d-ff46-c02243c8b91e}"/>
+                </c:ext>
+              </c:extLst>
+            </c:dLbl>
+          </c:dLbls>
+          <c:xVal>
+            <c:numRef>
+              <c:f>Sheet1!$A$2:$A$21</c:f>
+              <c:numCache>
+                <c:formatCode>General</c:formatCode>
+                <c:ptCount val="20"/>
+                <c:pt idx="0">
+                  <c:v>12.598376698287327</c:v>
+                </c:pt>
+                <c:pt idx="1">
+                  <c:v>10.612109251476445</c:v>
+                </c:pt>
+                <c:pt idx="2">
+                  <c:v>14.90474085098761</c:v>
+                </c:pt>
+                <c:pt idx="3">
+                  <c:v>23.805026594521404</c:v>
+                </c:pt>
+                <c:pt idx="4">
+                  <c:v>21.019920808641366</c:v>
+                </c:pt>
+                <c:pt idx="5">
+                  <c:v>7.517120988685647</c:v>
+                </c:pt>
+                <c:pt idx="6">
+                  <c:v>4.797346416130038</c:v>
+                </c:pt>
+                <c:pt idx="7">
+                  <c:v>2.6782812084332632</c:v>
+                </c:pt>
+                <c:pt idx="8">
+                  <c:v>7.696245256791694</c:v>
+                </c:pt>
+                <c:pt idx="9">
+                  <c:v>3.8730366153713742</c:v>
+                </c:pt>
+                <c:pt idx="10">
+                  <c:v>6.899772626446893</c:v>
+                </c:pt>
+                <c:pt idx="11">
+                  <c:v>16.522712845615306</c:v>
+                </c:pt>
+                <c:pt idx="12">
+                  <c:v>13.32228801915758</c:v>
+                </c:pt>
+                <c:pt idx="13">
+                  <c:v>15.630145223780975</c:v>
+                </c:pt>
+                <c:pt idx="14">
+                  <c:v>6.327687900308946</c:v>
+                </c:pt>
+                <c:pt idx="15">
+                  <c:v>15.654847560828696</c:v>
+                </c:pt>
+                <c:pt idx="16">
+                  <c:v>13.333730422143647</c:v>
+                </c:pt>
+                <c:pt idx="17">
+                  <c:v>10.53269678563287</c:v>
+                </c:pt>
+                <c:pt idx="18">
+                  <c:v>7.067700362285677</c:v>
+                </c:pt>
+                <c:pt idx="19">
+                  <c:v>11.771390395370382</c:v>
+                </c:pt>
+              </c:numCache>
+            </c:numRef>
+          </c:xVal>
+          <c:yVal>
+            <c:numRef>
+              <c:f>Sheet1!$B$2:$B$21</c:f>
+              <c:numCache>
+                <c:formatCode>General</c:formatCode>
+                <c:ptCount val="20"/>
+                <c:pt idx="0">
+                  <c:v>100</c:v>
+                </c:pt>
+                <c:pt idx="1">
+                  <c:v>0.002308315499940615</c:v>
+                </c:pt>
+                <c:pt idx="2">
+                  <c:v>0.002306580550609554</c:v>
+                </c:pt>
+                <c:pt idx="3">
+                  <c:v>0.0022774316693909957</c:v>
+                </c:pt>
+                <c:pt idx="4">
+                  <c:v>0.0022467427841607623</c:v>
+                </c:pt>
+                <c:pt idx="5">
+                  <c:v>0.0022370684875782027</c:v>
+                </c:pt>
+                <c:pt idx="6">
+                  <c:v>0.0022214672966108366</c:v>
+                </c:pt>
+                <c:pt idx="7">
+                  <c:v>0.0022072456502001477</c:v>
+                </c:pt>
+                <c:pt idx="8">
+                  <c:v>0.002201515794140894</c:v>
+                </c:pt>
+                <c:pt idx="9">
+                  <c:v>0.002130383833888197</c:v>
+                </c:pt>
+                <c:pt idx="10">
+                  <c:v>0.002027796138995078</c:v>
+                </c:pt>
+                <c:pt idx="11">
+                  <c:v>0.001981992261304401</c:v>
+                </c:pt>
+                <c:pt idx="12">
+                  <c:v>0.0019608623948335307</c:v>
+                </c:pt>
+                <c:pt idx="13">
+                  <c:v>0.001933085476048501</c:v>
+                </c:pt>
+                <c:pt idx="14">
+                  <c:v>0.0019070704817536219</c:v>
+                </c:pt>
+                <c:pt idx="15">
+                  <c:v>0.0018952946565171085</c:v>
+                </c:pt>
+                <c:pt idx="16">
+                  <c:v>0.001704124632566898</c:v>
+                </c:pt>
+                <c:pt idx="17">
+                  <c:v>0.0016662280134513146</c:v>
+                </c:pt>
+                <c:pt idx="18">
+                  <c:v>0.001660881540149174</c:v>
+                </c:pt>
+                <c:pt idx="19">
+                  <c:v>0.0015478035667541988</c:v>
+                </c:pt>
+              </c:numCache>
+            </c:numRef>
+          </c:yVal>
+          <c:smooth val="0"/>
+        </c:ser>
+        <c:dLbls>
+          <c:numFmt formatCode="General" sourceLinked="0"/>
+          <c:txPr>
+            <a:bodyPr/>
+            <a:lstStyle/>
+            <a:p>
+              <a:pPr>
+                <a:defRPr b="0" i="0" strike="noStrike" sz="1200" u="none">
+                  <a:solidFill>
+                    <a:srgbClr val="000000"/>
+                  </a:solidFill>
+                  <a:latin typeface="Arial"/>
+                </a:defRPr>
+              </a:pPr>
+            </a:p>
+          </c:txPr>
+          <c:dLblPos val="t"/>
+          <c:showLegendKey val="0"/>
+          <c:showVal val="0"/>
+          <c:showCatName val="0"/>
+          <c:showSerName val="0"/>
+          <c:showPercent val="0"/>
+          <c:showBubbleSize val="0"/>
+        </c:dLbls>
+        <c:axId val="2094734554"/>
+        <c:axId val="2094734552"/>
+      </c:scatterChart>
+      <c:valAx>
+        <c:axId val="2094734554"/>
+        <c:scaling>
+          <c:orientation val="minMax"/>
+        </c:scaling>
+        <c:delete val="0"/>
+        <c:axPos val="b"/>
+        <c:majorGridlines>
+          <c:spPr>
+            <a:ln w="12700" cap="flat">
+              <a:solidFill>
+                <a:srgbClr val="D9D9D9"/>
+              </a:solidFill>
+              <a:prstDash val="solid"/>
+              <a:round/>
+            </a:ln>
+          </c:spPr>
+        </c:majorGridlines>
+        <c:title>
+          <c:tx>
+            <c:rich>
+              <a:bodyPr/>
+              <a:lstStyle/>
+              <a:p>
+                <a:pPr>
+                  <a:defRPr sz="1000" b="0" i="0" u="none" strike="noStrike">
+                    <a:solidFill>
+                      <a:srgbClr val="428442"/>
+                    </a:solidFill>
+                    <a:latin typeface="Arial"/>
+                  </a:defRPr>
+                </a:pPr>
+                <a:r>
+                  <a:rPr sz="1000" b="0" i="0" u="none" strike="noStrike">
+                    <a:solidFill>
+                      <a:srgbClr val="428442"/>
+                    </a:solidFill>
+                    <a:latin typeface="Arial"/>
+                  </a:rPr>
+                  <a:t>医疗服务收入三年复合增长率</a:t>
+                </a:r>
+              </a:p>
+            </c:rich>
+          </c:tx>
+          <c:layout/>
+          <c:overlay val="0"/>
+        </c:title>
+        <c:numFmt formatCode="General" sourceLinked="0"/>
+        <c:majorTickMark val="none"/>
+        <c:minorTickMark val="none"/>
+        <c:tickLblPos val="nextTo"/>
+        <c:spPr>
+          <a:ln w="12700" cap="flat">
+            <a:solidFill>
+              <a:srgbClr val="888888"/>
+            </a:solidFill>
+            <a:prstDash val="solid"/>
+            <a:round/>
+          </a:ln>
+        </c:spPr>
+        <c:txPr>
+          <a:bodyPr/>
+          <a:lstStyle/>
+          <a:p>
+            <a:pPr>
+              <a:defRPr sz="1200" b="0" i="0" u="none" strike="noStrike">
+                <a:solidFill>
+                  <a:srgbClr val="000000"/>
+                </a:solidFill>
+                <a:latin typeface="Arial"/>
+              </a:defRPr>
+            </a:pPr>
+            <a:endParaRPr lang="en-US"/>
+          </a:p>
+        </c:txPr>
+        <c:crossAx val="2094734552"/>
+        <c:crosses val="autoZero"/>
+        <c:auto val="1"/>
+        <c:lblAlgn val="ctr"/>
+        <c:noMultiLvlLbl val="1"/>
+      </c:valAx>
+      <c:valAx>
+        <c:axId val="2094734552"/>
+        <c:scaling>
+          <c:orientation val="minMax"/>
+        </c:scaling>
+        <c:delete val="0"/>
+        <c:axPos val="l"/>
+        <c:majorGridlines>
+          <c:spPr>
+            <a:ln w="12700" cap="flat">
+              <a:solidFill>
+                <a:srgbClr val="D9D9D9"/>
+              </a:solidFill>
+              <a:prstDash val="solid"/>
+              <a:round/>
+            </a:ln>
+          </c:spPr>
+        </c:majorGridlines>
+        <c:title>
+          <c:tx>
+            <c:rich>
+              <a:bodyPr/>
+              <a:lstStyle/>
+              <a:p>
+                <a:pPr>
+                  <a:defRPr sz="1000" b="0" i="0" u="none" strike="noStrike">
+                    <a:solidFill>
+                      <a:srgbClr val="428442"/>
+                    </a:solidFill>
+                    <a:latin typeface="Arial"/>
+                  </a:defRPr>
+                </a:pPr>
+                <a:r>
+                  <a:rPr sz="1000" b="0" i="0" u="none" strike="noStrike">
+                    <a:solidFill>
+                      <a:srgbClr val="428442"/>
+                    </a:solidFill>
+                    <a:latin typeface="Arial"/>
+                  </a:rPr>
+                  <a:t>医疗服务收入占全院比重</a:t>
+                </a:r>
+              </a:p>
+            </c:rich>
+          </c:tx>
+          <c:layout/>
+          <c:overlay val="0"/>
+        </c:title>
+        <c:numFmt formatCode="General" sourceLinked="0"/>
+        <c:majorTickMark val="none"/>
+        <c:minorTickMark val="none"/>
+        <c:tickLblPos val="nextTo"/>
+        <c:spPr>
+          <a:ln w="12700" cap="flat">
+            <a:solidFill>
+              <a:srgbClr val="888888"/>
+            </a:solidFill>
+            <a:prstDash val="solid"/>
+            <a:round/>
+          </a:ln>
+        </c:spPr>
+        <c:txPr>
+          <a:bodyPr/>
+          <a:lstStyle/>
+          <a:p>
+            <a:pPr>
+              <a:defRPr sz="1200" b="0" i="0" u="none" strike="noStrike">
+                <a:solidFill>
+                  <a:srgbClr val="000000"/>
+                </a:solidFill>
+                <a:latin typeface="Arial"/>
+              </a:defRPr>
+            </a:pPr>
+            <a:endParaRPr lang="en-US"/>
+          </a:p>
+        </c:txPr>
+        <c:crossAx val="2094734554"/>
+        <c:crosses val="autoZero"/>
+        <c:crossBetween val="midCat"/>
+      </c:valAx>
+      <c:spPr>
+        <a:noFill/>
+        <a:ln>
+          <a:noFill/>
+        </a:ln>
+        <a:effectLst/>
+      </c:spPr>
+    </c:plotArea>
+    <c:plotVisOnly val="1"/>
+    <c:dispBlanksAs val="span"/>
+    <c:showDLblsOverMax val="1"/>
+  </c:chart>
+  <c:spPr>
+    <a:noFill/>
+    <a:ln w="12700" cap="flat">
+      <a:noFill/>
+      <a:miter lim="400000"/>
+    </a:ln>
+    <a:effectLst/>
+  </c:spPr>
+  <c:externalData r:id="rId1">
+    <c:autoUpdate val="0"/>
+  </c:externalData>
+</c:chartSpace>
+</file>
+
+<file path=ppt/charts/chart1430.xml><?xml version="1.0" encoding="utf-8"?>
 <c:chartSpace xmlns:c="http://schemas.openxmlformats.org/drawingml/2006/chart" xmlns:a="http://schemas.openxmlformats.org/drawingml/2006/main" xmlns:r="http://schemas.openxmlformats.org/officeDocument/2006/relationships">
   <c:date1904 val="0"/>
   <c:chart>
@@ -221,7 +1475,7 @@
                     </a:pPr>
                     <a:r>
                       <a:rPr lang="en-US" dirty="0"/>
-                      <a:t>儿科</a:t>
+                      <a:t>脑病一科</a:t>
                     </a:r>
                   </a:p>
                 </c:rich>
@@ -244,7 +1498,7 @@
               <c:extLst>
                 <c:ext xmlns:c15="http://schemas.microsoft.com/office/drawing/2012/chart" uri="{CE6537A1-D6FC-4f65-9D91-7224C49458BB}"/>
                 <c:ext xmlns:c16="http://schemas.microsoft.com/office/drawing/2014/chart" uri="{C3380CC4-5D6E-409C-BE32-E72D297353CC}">
-                  <c16:uniqueId val="{00000001-fab7-6c85-3f27-184c5998708a}"/>
+                  <c16:uniqueId val="{00000001-82fb-4dc2-0f81-7217826b8baa}"/>
                 </c:ext>
               </c:extLst>
             </c:dLbl>
@@ -262,7 +1516,7 @@
                     </a:pPr>
                     <a:r>
                       <a:rPr lang="en-US" dirty="0"/>
-                      <a:t>康复科</a:t>
+                      <a:t>骨科</a:t>
                     </a:r>
                   </a:p>
                 </c:rich>
@@ -285,7 +1539,7 @@
               <c:extLst>
                 <c:ext xmlns:c15="http://schemas.microsoft.com/office/drawing/2012/chart" uri="{CE6537A1-D6FC-4f65-9D91-7224C49458BB}"/>
                 <c:ext xmlns:c16="http://schemas.microsoft.com/office/drawing/2014/chart" uri="{C3380CC4-5D6E-409C-BE32-E72D297353CC}">
-                  <c16:uniqueId val="{00000002-fab7-6c85-3f27-184c5998708a}"/>
+                  <c16:uniqueId val="{00000002-82fb-4dc2-0f81-7217826b8baa}"/>
                 </c:ext>
               </c:extLst>
             </c:dLbl>
@@ -303,7 +1557,7 @@
                     </a:pPr>
                     <a:r>
                       <a:rPr lang="en-US" dirty="0"/>
-                      <a:t>神经外科</a:t>
+                      <a:t>心病一科</a:t>
                     </a:r>
                   </a:p>
                 </c:rich>
@@ -326,12 +1580,94 @@
               <c:extLst>
                 <c:ext xmlns:c15="http://schemas.microsoft.com/office/drawing/2012/chart" uri="{CE6537A1-D6FC-4f65-9D91-7224C49458BB}"/>
                 <c:ext xmlns:c16="http://schemas.microsoft.com/office/drawing/2014/chart" uri="{C3380CC4-5D6E-409C-BE32-E72D297353CC}">
-                  <c16:uniqueId val="{00000003-fab7-6c85-3f27-184c5998708a}"/>
+                  <c16:uniqueId val="{00000003-82fb-4dc2-0f81-7217826b8baa}"/>
                 </c:ext>
               </c:extLst>
             </c:dLbl>
             <c:dLbl>
               <c:idx val="3"/>
+              <c:tx>
+                <c:rich>
+                  <a:bodyPr>
+                    <a:spAutoFit/>
+                  </a:bodyPr>
+                  <a:lstStyle/>
+                  <a:p>
+                    <a:pPr>
+                      <a:defRPr/>
+                    </a:pPr>
+                    <a:r>
+                      <a:rPr lang="en-US" dirty="0"/>
+                      <a:t>乳腺甲状腺外科</a:t>
+                    </a:r>
+                  </a:p>
+                </c:rich>
+              </c:tx>
+              <c:spPr>
+                <a:noFill/>
+                <a:ln>
+                  <a:noFill/>
+                </a:ln>
+                <a:effectLst/>
+              </c:spPr>
+              <c:dLblPos val="t"/>
+              <c:showLegendKey val="0"/>
+              <c:showVal val="0"/>
+              <c:showCatName val="0"/>
+              <c:showSerName val="0"/>
+              <c:showPercent val="0"/>
+              <c:showBubbleSize val="0"/>
+              <c:showLeaderLines val="1"/>
+              <c:extLst>
+                <c:ext xmlns:c15="http://schemas.microsoft.com/office/drawing/2012/chart" uri="{CE6537A1-D6FC-4f65-9D91-7224C49458BB}"/>
+                <c:ext xmlns:c16="http://schemas.microsoft.com/office/drawing/2014/chart" uri="{C3380CC4-5D6E-409C-BE32-E72D297353CC}">
+                  <c16:uniqueId val="{00000004-82fb-4dc2-0f81-7217826b8baa}"/>
+                </c:ext>
+              </c:extLst>
+            </c:dLbl>
+            <c:dLbl>
+              <c:idx val="4"/>
+              <c:tx>
+                <c:rich>
+                  <a:bodyPr>
+                    <a:spAutoFit/>
+                  </a:bodyPr>
+                  <a:lstStyle/>
+                  <a:p>
+                    <a:pPr>
+                      <a:defRPr/>
+                    </a:pPr>
+                    <a:r>
+                      <a:rPr lang="en-US" dirty="0"/>
+                      <a:t>脾胃病科</a:t>
+                    </a:r>
+                  </a:p>
+                </c:rich>
+              </c:tx>
+              <c:spPr>
+                <a:noFill/>
+                <a:ln>
+                  <a:noFill/>
+                </a:ln>
+                <a:effectLst/>
+              </c:spPr>
+              <c:dLblPos val="t"/>
+              <c:showLegendKey val="0"/>
+              <c:showVal val="0"/>
+              <c:showCatName val="0"/>
+              <c:showSerName val="0"/>
+              <c:showPercent val="0"/>
+              <c:showBubbleSize val="0"/>
+              <c:showLeaderLines val="1"/>
+              <c:extLst>
+                <c:ext xmlns:c15="http://schemas.microsoft.com/office/drawing/2012/chart" uri="{CE6537A1-D6FC-4f65-9D91-7224C49458BB}"/>
+                <c:ext xmlns:c16="http://schemas.microsoft.com/office/drawing/2014/chart" uri="{C3380CC4-5D6E-409C-BE32-E72D297353CC}">
+                  <c16:uniqueId val="{00000005-82fb-4dc2-0f81-7217826b8baa}"/>
+                </c:ext>
+              </c:extLst>
+            </c:dLbl>
+            <c:dLbl>
+              <c:idx val="5"/>
               <c:tx>
                 <c:rich>
                   <a:bodyPr>
@@ -367,12 +1703,12 @@
               <c:extLst>
                 <c:ext xmlns:c15="http://schemas.microsoft.com/office/drawing/2012/chart" uri="{CE6537A1-D6FC-4f65-9D91-7224C49458BB}"/>
                 <c:ext xmlns:c16="http://schemas.microsoft.com/office/drawing/2014/chart" uri="{C3380CC4-5D6E-409C-BE32-E72D297353CC}">
-                  <c16:uniqueId val="{00000004-fab7-6c85-3f27-184c5998708a}"/>
+                  <c16:uniqueId val="{00000006-82fb-4dc2-0f81-7217826b8baa}"/>
                 </c:ext>
               </c:extLst>
             </c:dLbl>
             <c:dLbl>
-              <c:idx val="4"/>
+              <c:idx val="6"/>
               <c:tx>
                 <c:rich>
                   <a:bodyPr>
@@ -385,7 +1721,7 @@
                     </a:pPr>
                     <a:r>
                       <a:rPr lang="en-US" dirty="0"/>
-                      <a:t>眼科</a:t>
+                      <a:t>美容皮肤科</a:t>
                     </a:r>
                   </a:p>
                 </c:rich>
@@ -408,12 +1744,12 @@
               <c:extLst>
                 <c:ext xmlns:c15="http://schemas.microsoft.com/office/drawing/2012/chart" uri="{CE6537A1-D6FC-4f65-9D91-7224C49458BB}"/>
                 <c:ext xmlns:c16="http://schemas.microsoft.com/office/drawing/2014/chart" uri="{C3380CC4-5D6E-409C-BE32-E72D297353CC}">
-                  <c16:uniqueId val="{00000005-fab7-6c85-3f27-184c5998708a}"/>
+                  <c16:uniqueId val="{00000007-82fb-4dc2-0f81-7217826b8baa}"/>
                 </c:ext>
               </c:extLst>
             </c:dLbl>
             <c:dLbl>
-              <c:idx val="5"/>
+              <c:idx val="7"/>
               <c:tx>
                 <c:rich>
                   <a:bodyPr>
@@ -426,7 +1762,7 @@
                     </a:pPr>
                     <a:r>
                       <a:rPr lang="en-US" dirty="0"/>
-                      <a:t>脾胃病科</a:t>
+                      <a:t>神经内科</a:t>
                     </a:r>
                   </a:p>
                 </c:rich>
@@ -449,12 +1785,12 @@
               <c:extLst>
                 <c:ext xmlns:c15="http://schemas.microsoft.com/office/drawing/2012/chart" uri="{CE6537A1-D6FC-4f65-9D91-7224C49458BB}"/>
                 <c:ext xmlns:c16="http://schemas.microsoft.com/office/drawing/2014/chart" uri="{C3380CC4-5D6E-409C-BE32-E72D297353CC}">
-                  <c16:uniqueId val="{00000006-fab7-6c85-3f27-184c5998708a}"/>
+                  <c16:uniqueId val="{00000008-82fb-4dc2-0f81-7217826b8baa}"/>
                 </c:ext>
               </c:extLst>
             </c:dLbl>
             <c:dLbl>
-              <c:idx val="6"/>
+              <c:idx val="8"/>
               <c:tx>
                 <c:rich>
                   <a:bodyPr>
@@ -467,7 +1803,7 @@
                     </a:pPr>
                     <a:r>
                       <a:rPr lang="en-US" dirty="0"/>
-                      <a:t>东区肾病科</a:t>
+                      <a:t>肾脏内科</a:t>
                     </a:r>
                   </a:p>
                 </c:rich>
@@ -490,12 +1826,12 @@
               <c:extLst>
                 <c:ext xmlns:c15="http://schemas.microsoft.com/office/drawing/2012/chart" uri="{CE6537A1-D6FC-4f65-9D91-7224C49458BB}"/>
                 <c:ext xmlns:c16="http://schemas.microsoft.com/office/drawing/2014/chart" uri="{C3380CC4-5D6E-409C-BE32-E72D297353CC}">
-                  <c16:uniqueId val="{00000007-fab7-6c85-3f27-184c5998708a}"/>
+                  <c16:uniqueId val="{00000009-82fb-4dc2-0f81-7217826b8baa}"/>
                 </c:ext>
               </c:extLst>
             </c:dLbl>
             <c:dLbl>
-              <c:idx val="7"/>
+              <c:idx val="9"/>
               <c:tx>
                 <c:rich>
                   <a:bodyPr>
@@ -508,7 +1844,7 @@
                     </a:pPr>
                     <a:r>
                       <a:rPr lang="en-US" dirty="0"/>
-                      <a:t>针灸科</a:t>
+                      <a:t>关节骨科</a:t>
                     </a:r>
                   </a:p>
                 </c:rich>
@@ -531,12 +1867,12 @@
               <c:extLst>
                 <c:ext xmlns:c15="http://schemas.microsoft.com/office/drawing/2012/chart" uri="{CE6537A1-D6FC-4f65-9D91-7224C49458BB}"/>
                 <c:ext xmlns:c16="http://schemas.microsoft.com/office/drawing/2014/chart" uri="{C3380CC4-5D6E-409C-BE32-E72D297353CC}">
-                  <c16:uniqueId val="{00000008-fab7-6c85-3f27-184c5998708a}"/>
+                  <c16:uniqueId val="{00000010-82fb-4dc2-0f81-7217826b8baa}"/>
                 </c:ext>
               </c:extLst>
             </c:dLbl>
             <c:dLbl>
-              <c:idx val="8"/>
+              <c:idx val="10"/>
               <c:tx>
                 <c:rich>
                   <a:bodyPr>
@@ -549,7 +1885,7 @@
                     </a:pPr>
                     <a:r>
                       <a:rPr lang="en-US" dirty="0"/>
-                      <a:t>推拿科</a:t>
+                      <a:t>风湿病科</a:t>
                     </a:r>
                   </a:p>
                 </c:rich>
@@ -572,12 +1908,12 @@
               <c:extLst>
                 <c:ext xmlns:c15="http://schemas.microsoft.com/office/drawing/2012/chart" uri="{CE6537A1-D6FC-4f65-9D91-7224C49458BB}"/>
                 <c:ext xmlns:c16="http://schemas.microsoft.com/office/drawing/2014/chart" uri="{C3380CC4-5D6E-409C-BE32-E72D297353CC}">
-                  <c16:uniqueId val="{00000009-fab7-6c85-3f27-184c5998708a}"/>
+                  <c16:uniqueId val="{00000011-82fb-4dc2-0f81-7217826b8baa}"/>
                 </c:ext>
               </c:extLst>
             </c:dLbl>
             <c:dLbl>
-              <c:idx val="9"/>
+              <c:idx val="11"/>
               <c:tx>
                 <c:rich>
                   <a:bodyPr>
@@ -590,7 +1926,7 @@
                     </a:pPr>
                     <a:r>
                       <a:rPr lang="en-US" dirty="0"/>
-                      <a:t>脾胃科消化科合并</a:t>
+                      <a:t>产科</a:t>
                     </a:r>
                   </a:p>
                 </c:rich>
@@ -613,89 +1949,7 @@
               <c:extLst>
                 <c:ext xmlns:c15="http://schemas.microsoft.com/office/drawing/2012/chart" uri="{CE6537A1-D6FC-4f65-9D91-7224C49458BB}"/>
                 <c:ext xmlns:c16="http://schemas.microsoft.com/office/drawing/2014/chart" uri="{C3380CC4-5D6E-409C-BE32-E72D297353CC}">
-                  <c16:uniqueId val="{00000010-fab7-6c85-3f27-184c5998708a}"/>
-                </c:ext>
-              </c:extLst>
-            </c:dLbl>
-            <c:dLbl>
-              <c:idx val="10"/>
-              <c:tx>
-                <c:rich>
-                  <a:bodyPr>
-                    <a:spAutoFit/>
-                  </a:bodyPr>
-                  <a:lstStyle/>
-                  <a:p>
-                    <a:pPr>
-                      <a:defRPr/>
-                    </a:pPr>
-                    <a:r>
-                      <a:rPr lang="en-US" dirty="0"/>
-                      <a:t>心血管内科</a:t>
-                    </a:r>
-                  </a:p>
-                </c:rich>
-              </c:tx>
-              <c:spPr>
-                <a:noFill/>
-                <a:ln>
-                  <a:noFill/>
-                </a:ln>
-                <a:effectLst/>
-              </c:spPr>
-              <c:dLblPos val="t"/>
-              <c:showLegendKey val="0"/>
-              <c:showVal val="0"/>
-              <c:showCatName val="0"/>
-              <c:showSerName val="0"/>
-              <c:showPercent val="0"/>
-              <c:showBubbleSize val="0"/>
-              <c:showLeaderLines val="1"/>
-              <c:extLst>
-                <c:ext xmlns:c15="http://schemas.microsoft.com/office/drawing/2012/chart" uri="{CE6537A1-D6FC-4f65-9D91-7224C49458BB}"/>
-                <c:ext xmlns:c16="http://schemas.microsoft.com/office/drawing/2014/chart" uri="{C3380CC4-5D6E-409C-BE32-E72D297353CC}">
-                  <c16:uniqueId val="{00000011-fab7-6c85-3f27-184c5998708a}"/>
-                </c:ext>
-              </c:extLst>
-            </c:dLbl>
-            <c:dLbl>
-              <c:idx val="11"/>
-              <c:tx>
-                <c:rich>
-                  <a:bodyPr>
-                    <a:spAutoFit/>
-                  </a:bodyPr>
-                  <a:lstStyle/>
-                  <a:p>
-                    <a:pPr>
-                      <a:defRPr/>
-                    </a:pPr>
-                    <a:r>
-                      <a:rPr lang="en-US" dirty="0"/>
-                      <a:t>心病二科</a:t>
-                    </a:r>
-                  </a:p>
-                </c:rich>
-              </c:tx>
-              <c:spPr>
-                <a:noFill/>
-                <a:ln>
-                  <a:noFill/>
-                </a:ln>
-                <a:effectLst/>
-              </c:spPr>
-              <c:dLblPos val="t"/>
-              <c:showLegendKey val="0"/>
-              <c:showVal val="0"/>
-              <c:showCatName val="0"/>
-              <c:showSerName val="0"/>
-              <c:showPercent val="0"/>
-              <c:showBubbleSize val="0"/>
-              <c:showLeaderLines val="1"/>
-              <c:extLst>
-                <c:ext xmlns:c15="http://schemas.microsoft.com/office/drawing/2012/chart" uri="{CE6537A1-D6FC-4f65-9D91-7224C49458BB}"/>
-                <c:ext xmlns:c16="http://schemas.microsoft.com/office/drawing/2014/chart" uri="{C3380CC4-5D6E-409C-BE32-E72D297353CC}">
-                  <c16:uniqueId val="{00000012-fab7-6c85-3f27-184c5998708a}"/>
+                  <c16:uniqueId val="{00000012-82fb-4dc2-0f81-7217826b8baa}"/>
                 </c:ext>
               </c:extLst>
             </c:dLbl>
@@ -736,7 +1990,7 @@
               <c:extLst>
                 <c:ext xmlns:c15="http://schemas.microsoft.com/office/drawing/2012/chart" uri="{CE6537A1-D6FC-4f65-9D91-7224C49458BB}"/>
                 <c:ext xmlns:c16="http://schemas.microsoft.com/office/drawing/2014/chart" uri="{C3380CC4-5D6E-409C-BE32-E72D297353CC}">
-                  <c16:uniqueId val="{00000013-fab7-6c85-3f27-184c5998708a}"/>
+                  <c16:uniqueId val="{00000013-82fb-4dc2-0f81-7217826b8baa}"/>
                 </c:ext>
               </c:extLst>
             </c:dLbl>
@@ -754,7 +2008,7 @@
                     </a:pPr>
                     <a:r>
                       <a:rPr lang="en-US" dirty="0"/>
-                      <a:t>肾脏内科</a:t>
+                      <a:t>综合内科</a:t>
                     </a:r>
                   </a:p>
                 </c:rich>
@@ -777,12 +2031,135 @@
               <c:extLst>
                 <c:ext xmlns:c15="http://schemas.microsoft.com/office/drawing/2012/chart" uri="{CE6537A1-D6FC-4f65-9D91-7224C49458BB}"/>
                 <c:ext xmlns:c16="http://schemas.microsoft.com/office/drawing/2014/chart" uri="{C3380CC4-5D6E-409C-BE32-E72D297353CC}">
-                  <c16:uniqueId val="{00000014-fab7-6c85-3f27-184c5998708a}"/>
+                  <c16:uniqueId val="{00000014-82fb-4dc2-0f81-7217826b8baa}"/>
                 </c:ext>
               </c:extLst>
             </c:dLbl>
             <c:dLbl>
               <c:idx val="14"/>
+              <c:tx>
+                <c:rich>
+                  <a:bodyPr>
+                    <a:spAutoFit/>
+                  </a:bodyPr>
+                  <a:lstStyle/>
+                  <a:p>
+                    <a:pPr>
+                      <a:defRPr/>
+                    </a:pPr>
+                    <a:r>
+                      <a:rPr lang="en-US" dirty="0"/>
+                      <a:t>耳鼻喉科</a:t>
+                    </a:r>
+                  </a:p>
+                </c:rich>
+              </c:tx>
+              <c:spPr>
+                <a:noFill/>
+                <a:ln>
+                  <a:noFill/>
+                </a:ln>
+                <a:effectLst/>
+              </c:spPr>
+              <c:dLblPos val="t"/>
+              <c:showLegendKey val="0"/>
+              <c:showVal val="0"/>
+              <c:showCatName val="0"/>
+              <c:showSerName val="0"/>
+              <c:showPercent val="0"/>
+              <c:showBubbleSize val="0"/>
+              <c:showLeaderLines val="1"/>
+              <c:extLst>
+                <c:ext xmlns:c15="http://schemas.microsoft.com/office/drawing/2012/chart" uri="{CE6537A1-D6FC-4f65-9D91-7224C49458BB}"/>
+                <c:ext xmlns:c16="http://schemas.microsoft.com/office/drawing/2014/chart" uri="{C3380CC4-5D6E-409C-BE32-E72D297353CC}">
+                  <c16:uniqueId val="{00000015-82fb-4dc2-0f81-7217826b8baa}"/>
+                </c:ext>
+              </c:extLst>
+            </c:dLbl>
+            <c:dLbl>
+              <c:idx val="15"/>
+              <c:tx>
+                <c:rich>
+                  <a:bodyPr>
+                    <a:spAutoFit/>
+                  </a:bodyPr>
+                  <a:lstStyle/>
+                  <a:p>
+                    <a:pPr>
+                      <a:defRPr/>
+                    </a:pPr>
+                    <a:r>
+                      <a:rPr lang="en-US" dirty="0"/>
+                      <a:t>肾病科</a:t>
+                    </a:r>
+                  </a:p>
+                </c:rich>
+              </c:tx>
+              <c:spPr>
+                <a:noFill/>
+                <a:ln>
+                  <a:noFill/>
+                </a:ln>
+                <a:effectLst/>
+              </c:spPr>
+              <c:dLblPos val="t"/>
+              <c:showLegendKey val="0"/>
+              <c:showVal val="0"/>
+              <c:showCatName val="0"/>
+              <c:showSerName val="0"/>
+              <c:showPercent val="0"/>
+              <c:showBubbleSize val="0"/>
+              <c:showLeaderLines val="1"/>
+              <c:extLst>
+                <c:ext xmlns:c15="http://schemas.microsoft.com/office/drawing/2012/chart" uri="{CE6537A1-D6FC-4f65-9D91-7224C49458BB}"/>
+                <c:ext xmlns:c16="http://schemas.microsoft.com/office/drawing/2014/chart" uri="{C3380CC4-5D6E-409C-BE32-E72D297353CC}">
+                  <c16:uniqueId val="{00000016-82fb-4dc2-0f81-7217826b8baa}"/>
+                </c:ext>
+              </c:extLst>
+            </c:dLbl>
+            <c:dLbl>
+              <c:idx val="16"/>
+              <c:tx>
+                <c:rich>
+                  <a:bodyPr>
+                    <a:spAutoFit/>
+                  </a:bodyPr>
+                  <a:lstStyle/>
+                  <a:p>
+                    <a:pPr>
+                      <a:defRPr/>
+                    </a:pPr>
+                    <a:r>
+                      <a:rPr lang="en-US" dirty="0"/>
+                      <a:t>脾胃科消化科合并</a:t>
+                    </a:r>
+                  </a:p>
+                </c:rich>
+              </c:tx>
+              <c:spPr>
+                <a:noFill/>
+                <a:ln>
+                  <a:noFill/>
+                </a:ln>
+                <a:effectLst/>
+              </c:spPr>
+              <c:dLblPos val="t"/>
+              <c:showLegendKey val="0"/>
+              <c:showVal val="0"/>
+              <c:showCatName val="0"/>
+              <c:showSerName val="0"/>
+              <c:showPercent val="0"/>
+              <c:showBubbleSize val="0"/>
+              <c:showLeaderLines val="1"/>
+              <c:extLst>
+                <c:ext xmlns:c15="http://schemas.microsoft.com/office/drawing/2012/chart" uri="{CE6537A1-D6FC-4f65-9D91-7224C49458BB}"/>
+                <c:ext xmlns:c16="http://schemas.microsoft.com/office/drawing/2014/chart" uri="{C3380CC4-5D6E-409C-BE32-E72D297353CC}">
+                  <c16:uniqueId val="{00000017-82fb-4dc2-0f81-7217826b8baa}"/>
+                </c:ext>
+              </c:extLst>
+            </c:dLbl>
+            <c:dLbl>
+              <c:idx val="17"/>
               <c:tx>
                 <c:rich>
                   <a:bodyPr>
@@ -818,12 +2195,12 @@
               <c:extLst>
                 <c:ext xmlns:c15="http://schemas.microsoft.com/office/drawing/2012/chart" uri="{CE6537A1-D6FC-4f65-9D91-7224C49458BB}"/>
                 <c:ext xmlns:c16="http://schemas.microsoft.com/office/drawing/2014/chart" uri="{C3380CC4-5D6E-409C-BE32-E72D297353CC}">
-                  <c16:uniqueId val="{00000015-fab7-6c85-3f27-184c5998708a}"/>
+                  <c16:uniqueId val="{00000018-82fb-4dc2-0f81-7217826b8baa}"/>
                 </c:ext>
               </c:extLst>
             </c:dLbl>
             <c:dLbl>
-              <c:idx val="15"/>
+              <c:idx val="18"/>
               <c:tx>
                 <c:rich>
                   <a:bodyPr>
@@ -836,7 +2213,7 @@
                     </a:pPr>
                     <a:r>
                       <a:rPr lang="en-US" dirty="0"/>
-                      <a:t>神经内科</a:t>
+                      <a:t>治未病中心</a:t>
                     </a:r>
                   </a:p>
                 </c:rich>
@@ -859,12 +2236,12 @@
               <c:extLst>
                 <c:ext xmlns:c15="http://schemas.microsoft.com/office/drawing/2012/chart" uri="{CE6537A1-D6FC-4f65-9D91-7224C49458BB}"/>
                 <c:ext xmlns:c16="http://schemas.microsoft.com/office/drawing/2014/chart" uri="{C3380CC4-5D6E-409C-BE32-E72D297353CC}">
-                  <c16:uniqueId val="{00000016-fab7-6c85-3f27-184c5998708a}"/>
+                  <c16:uniqueId val="{00000019-82fb-4dc2-0f81-7217826b8baa}"/>
                 </c:ext>
               </c:extLst>
             </c:dLbl>
             <c:dLbl>
-              <c:idx val="16"/>
+              <c:idx val="19"/>
               <c:tx>
                 <c:rich>
                   <a:bodyPr>
@@ -877,7 +2254,7 @@
                     </a:pPr>
                     <a:r>
                       <a:rPr lang="en-US" dirty="0"/>
-                      <a:t>关节骨科</a:t>
+                      <a:t>泌尿外科</a:t>
                     </a:r>
                   </a:p>
                 </c:rich>
@@ -900,130 +2277,7 @@
               <c:extLst>
                 <c:ext xmlns:c15="http://schemas.microsoft.com/office/drawing/2012/chart" uri="{CE6537A1-D6FC-4f65-9D91-7224C49458BB}"/>
                 <c:ext xmlns:c16="http://schemas.microsoft.com/office/drawing/2014/chart" uri="{C3380CC4-5D6E-409C-BE32-E72D297353CC}">
-                  <c16:uniqueId val="{00000017-fab7-6c85-3f27-184c5998708a}"/>
-                </c:ext>
-              </c:extLst>
-            </c:dLbl>
-            <c:dLbl>
-              <c:idx val="17"/>
-              <c:tx>
-                <c:rich>
-                  <a:bodyPr>
-                    <a:spAutoFit/>
-                  </a:bodyPr>
-                  <a:lstStyle/>
-                  <a:p>
-                    <a:pPr>
-                      <a:defRPr/>
-                    </a:pPr>
-                    <a:r>
-                      <a:rPr lang="en-US" dirty="0"/>
-                      <a:t>医院</a:t>
-                    </a:r>
-                  </a:p>
-                </c:rich>
-              </c:tx>
-              <c:spPr>
-                <a:noFill/>
-                <a:ln>
-                  <a:noFill/>
-                </a:ln>
-                <a:effectLst/>
-              </c:spPr>
-              <c:dLblPos val="t"/>
-              <c:showLegendKey val="0"/>
-              <c:showVal val="0"/>
-              <c:showCatName val="0"/>
-              <c:showSerName val="0"/>
-              <c:showPercent val="0"/>
-              <c:showBubbleSize val="0"/>
-              <c:showLeaderLines val="1"/>
-              <c:extLst>
-                <c:ext xmlns:c15="http://schemas.microsoft.com/office/drawing/2012/chart" uri="{CE6537A1-D6FC-4f65-9D91-7224C49458BB}"/>
-                <c:ext xmlns:c16="http://schemas.microsoft.com/office/drawing/2014/chart" uri="{C3380CC4-5D6E-409C-BE32-E72D297353CC}">
-                  <c16:uniqueId val="{00000018-fab7-6c85-3f27-184c5998708a}"/>
-                </c:ext>
-              </c:extLst>
-            </c:dLbl>
-            <c:dLbl>
-              <c:idx val="18"/>
-              <c:tx>
-                <c:rich>
-                  <a:bodyPr>
-                    <a:spAutoFit/>
-                  </a:bodyPr>
-                  <a:lstStyle/>
-                  <a:p>
-                    <a:pPr>
-                      <a:defRPr/>
-                    </a:pPr>
-                    <a:r>
-                      <a:rPr lang="en-US" dirty="0"/>
-                      <a:t>肿瘤内科</a:t>
-                    </a:r>
-                  </a:p>
-                </c:rich>
-              </c:tx>
-              <c:spPr>
-                <a:noFill/>
-                <a:ln>
-                  <a:noFill/>
-                </a:ln>
-                <a:effectLst/>
-              </c:spPr>
-              <c:dLblPos val="t"/>
-              <c:showLegendKey val="0"/>
-              <c:showVal val="0"/>
-              <c:showCatName val="0"/>
-              <c:showSerName val="0"/>
-              <c:showPercent val="0"/>
-              <c:showBubbleSize val="0"/>
-              <c:showLeaderLines val="1"/>
-              <c:extLst>
-                <c:ext xmlns:c15="http://schemas.microsoft.com/office/drawing/2012/chart" uri="{CE6537A1-D6FC-4f65-9D91-7224C49458BB}"/>
-                <c:ext xmlns:c16="http://schemas.microsoft.com/office/drawing/2014/chart" uri="{C3380CC4-5D6E-409C-BE32-E72D297353CC}">
-                  <c16:uniqueId val="{00000019-fab7-6c85-3f27-184c5998708a}"/>
-                </c:ext>
-              </c:extLst>
-            </c:dLbl>
-            <c:dLbl>
-              <c:idx val="19"/>
-              <c:tx>
-                <c:rich>
-                  <a:bodyPr>
-                    <a:spAutoFit/>
-                  </a:bodyPr>
-                  <a:lstStyle/>
-                  <a:p>
-                    <a:pPr>
-                      <a:defRPr/>
-                    </a:pPr>
-                    <a:r>
-                      <a:rPr lang="en-US" dirty="0"/>
-                      <a:t>产科</a:t>
-                    </a:r>
-                  </a:p>
-                </c:rich>
-              </c:tx>
-              <c:spPr>
-                <a:noFill/>
-                <a:ln>
-                  <a:noFill/>
-                </a:ln>
-                <a:effectLst/>
-              </c:spPr>
-              <c:dLblPos val="t"/>
-              <c:showLegendKey val="0"/>
-              <c:showVal val="0"/>
-              <c:showCatName val="0"/>
-              <c:showSerName val="0"/>
-              <c:showPercent val="0"/>
-              <c:showBubbleSize val="0"/>
-              <c:showLeaderLines val="1"/>
-              <c:extLst>
-                <c:ext xmlns:c15="http://schemas.microsoft.com/office/drawing/2012/chart" uri="{CE6537A1-D6FC-4f65-9D91-7224C49458BB}"/>
-                <c:ext xmlns:c16="http://schemas.microsoft.com/office/drawing/2014/chart" uri="{C3380CC4-5D6E-409C-BE32-E72D297353CC}">
-                  <c16:uniqueId val="{00000020-fab7-6c85-3f27-184c5998708a}"/>
+                  <c16:uniqueId val="{00000020-82fb-4dc2-0f81-7217826b8baa}"/>
                 </c:ext>
               </c:extLst>
             </c:dLbl>
@@ -1035,64 +2289,64 @@
                 <c:formatCode>General</c:formatCode>
                 <c:ptCount val="20"/>
                 <c:pt idx="0">
-                  <c:v>0.0017722923443301377</c:v>
+                  <c:v>0.00015610057548613086</c:v>
                 </c:pt>
                 <c:pt idx="1">
-                  <c:v>0.0015747465898580044</c:v>
+                  <c:v>0.0012942340777845863</c:v>
                 </c:pt>
                 <c:pt idx="2">
-                  <c:v>0.001613730341778494</c:v>
+                  <c:v>0.000758850399442869</c:v>
                 </c:pt>
                 <c:pt idx="3">
-                  <c:v>0.0008678466024549165</c:v>
+                  <c:v>0.0022774316693909957</c:v>
                 </c:pt>
                 <c:pt idx="4">
-                  <c:v>0.0013699989184369863</c:v>
+                  <c:v>0.0014510254724305282</c:v>
                 </c:pt>
                 <c:pt idx="5">
-                  <c:v>0.0023220331136714523</c:v>
+                  <c:v>0.0014334520759720455</c:v>
                 </c:pt>
                 <c:pt idx="6">
-                  <c:v>0.0023699901272191005</c:v>
+                  <c:v>0.0022467427841607623</c:v>
                 </c:pt>
                 <c:pt idx="7">
-                  <c:v>0.0010363535319187793</c:v>
+                  <c:v>0.0014232333323435898</c:v>
                 </c:pt>
                 <c:pt idx="8">
-                  <c:v>0.0009709973552524275</c:v>
+                  <c:v>0.0010048905191364606</c:v>
                 </c:pt>
                 <c:pt idx="9">
-                  <c:v>0.0010444146994779127</c:v>
+                  <c:v>0.0009857245322961684</c:v>
                 </c:pt>
                 <c:pt idx="10">
-                  <c:v>0.00043002333591194835</c:v>
+                  <c:v>0.00045393295639594084</c:v>
                 </c:pt>
                 <c:pt idx="11">
-                  <c:v>0.0015963596336720726</c:v>
+                  <c:v>0.00039257769563612354</c:v>
                 </c:pt>
                 <c:pt idx="12">
-                  <c:v>0.0023217709376652197</c:v>
+                  <c:v>0.0010242048459777385</c:v>
                 </c:pt>
                 <c:pt idx="13">
-                  <c:v>0.0005301300795785581</c:v>
+                  <c:v>0.0012657615052241078</c:v>
                 </c:pt>
                 <c:pt idx="14">
-                  <c:v>0.0020475591398476413</c:v>
+                  <c:v>0.000501477674619155</c:v>
                 </c:pt>
                 <c:pt idx="15">
-                  <c:v>0.0009111816467093023</c:v>
+                  <c:v>0.001981992261304401</c:v>
                 </c:pt>
                 <c:pt idx="16">
-                  <c:v>0.0010100019752517205</c:v>
+                  <c:v>0.0018952946565171085</c:v>
                 </c:pt>
                 <c:pt idx="17">
-                  <c:v>100</c:v>
+                  <c:v>0.001933085476048501</c:v>
                 </c:pt>
                 <c:pt idx="18">
-                  <c:v>0.000396490402497449</c:v>
+                  <c:v>0.0008289749943742164</c:v>
                 </c:pt>
                 <c:pt idx="19">
-                  <c:v>0.0004675252562929675</c:v>
+                  <c:v>0.0013378508010639901</c:v>
                 </c:pt>
               </c:numCache>
             </c:numRef>
@@ -1107,61 +2361,61 @@
                   <c:v>100</c:v>
                 </c:pt>
                 <c:pt idx="1">
-                  <c:v>46.971174578170924</c:v>
+                  <c:v>27.381999281881836</c:v>
                 </c:pt>
                 <c:pt idx="2">
-                  <c:v>39.53568780960696</c:v>
+                  <c:v>24.623396847645335</c:v>
                 </c:pt>
                 <c:pt idx="3">
-                  <c:v>29.37648472343758</c:v>
+                  <c:v>23.805026594521404</c:v>
                 </c:pt>
                 <c:pt idx="4">
-                  <c:v>28.927333360862995</c:v>
+                  <c:v>23.443116007903907</c:v>
                 </c:pt>
                 <c:pt idx="5">
-                  <c:v>27.87124917853238</c:v>
+                  <c:v>23.34818759457745</c:v>
                 </c:pt>
                 <c:pt idx="6">
-                  <c:v>27.05672384821832</c:v>
+                  <c:v>21.019920808641366</c:v>
                 </c:pt>
                 <c:pt idx="7">
-                  <c:v>25.49812621086161</c:v>
+                  <c:v>20.983374152832916</c:v>
                 </c:pt>
                 <c:pt idx="8">
-                  <c:v>24.902957303404722</c:v>
+                  <c:v>20.796266184625356</c:v>
                 </c:pt>
                 <c:pt idx="9">
-                  <c:v>23.266146666558747</c:v>
+                  <c:v>19.544651642516833</c:v>
                 </c:pt>
                 <c:pt idx="10">
-                  <c:v>23.1645206576004</c:v>
+                  <c:v>19.236033111583733</c:v>
                 </c:pt>
                 <c:pt idx="11">
-                  <c:v>22.93583913623205</c:v>
+                  <c:v>19.19772678603496</c:v>
                 </c:pt>
                 <c:pt idx="12">
-                  <c:v>21.102631180938406</c:v>
+                  <c:v>18.774168820709484</c:v>
                 </c:pt>
                 <c:pt idx="13">
-                  <c:v>20.474250799670198</c:v>
+                  <c:v>17.854671052664592</c:v>
                 </c:pt>
                 <c:pt idx="14">
-                  <c:v>19.7943373700504</c:v>
+                  <c:v>16.743620856003602</c:v>
                 </c:pt>
                 <c:pt idx="15">
-                  <c:v>19.669001952542285</c:v>
+                  <c:v>16.522712845615306</c:v>
                 </c:pt>
                 <c:pt idx="16">
-                  <c:v>18.746796628511238</c:v>
+                  <c:v>15.654847560828696</c:v>
                 </c:pt>
                 <c:pt idx="17">
-                  <c:v>18.27545150497539</c:v>
+                  <c:v>15.630145223780975</c:v>
                 </c:pt>
                 <c:pt idx="18">
-                  <c:v>18.040748453317338</c:v>
+                  <c:v>15.58631783690897</c:v>
                 </c:pt>
                 <c:pt idx="19">
-                  <c:v>17.954837884846423</c:v>
+                  <c:v>15.392776449228734</c:v>
                 </c:pt>
               </c:numCache>
             </c:numRef>
@@ -1316,1260 +2570,6 @@
                     <a:latin typeface="Arial"/>
                   </a:rPr>
                   <a:t>医疗服务收入三年复合增长率</a:t>
-                </a:r>
-              </a:p>
-            </c:rich>
-          </c:tx>
-          <c:layout/>
-          <c:overlay val="0"/>
-        </c:title>
-        <c:numFmt formatCode="General" sourceLinked="0"/>
-        <c:majorTickMark val="none"/>
-        <c:minorTickMark val="none"/>
-        <c:tickLblPos val="nextTo"/>
-        <c:spPr>
-          <a:ln w="12700" cap="flat">
-            <a:solidFill>
-              <a:srgbClr val="888888"/>
-            </a:solidFill>
-            <a:prstDash val="solid"/>
-            <a:round/>
-          </a:ln>
-        </c:spPr>
-        <c:txPr>
-          <a:bodyPr/>
-          <a:lstStyle/>
-          <a:p>
-            <a:pPr>
-              <a:defRPr sz="1200" b="0" i="0" u="none" strike="noStrike">
-                <a:solidFill>
-                  <a:srgbClr val="000000"/>
-                </a:solidFill>
-                <a:latin typeface="Arial"/>
-              </a:defRPr>
-            </a:pPr>
-            <a:endParaRPr lang="en-US"/>
-          </a:p>
-        </c:txPr>
-        <c:crossAx val="2094734554"/>
-        <c:crosses val="autoZero"/>
-        <c:crossBetween val="midCat"/>
-      </c:valAx>
-      <c:spPr>
-        <a:noFill/>
-        <a:ln>
-          <a:noFill/>
-        </a:ln>
-        <a:effectLst/>
-      </c:spPr>
-    </c:plotArea>
-    <c:plotVisOnly val="1"/>
-    <c:dispBlanksAs val="span"/>
-    <c:showDLblsOverMax val="1"/>
-  </c:chart>
-  <c:spPr>
-    <a:noFill/>
-    <a:ln w="12700" cap="flat">
-      <a:noFill/>
-      <a:miter lim="400000"/>
-    </a:ln>
-    <a:effectLst/>
-  </c:spPr>
-  <c:externalData r:id="rId1">
-    <c:autoUpdate val="0"/>
-  </c:externalData>
-</c:chartSpace>
-</file>
-
-<file path=ppt/charts/chart492.xml><?xml version="1.0" encoding="utf-8"?>
-<c:chartSpace xmlns:c="http://schemas.openxmlformats.org/drawingml/2006/chart" xmlns:a="http://schemas.openxmlformats.org/drawingml/2006/main" xmlns:r="http://schemas.openxmlformats.org/officeDocument/2006/relationships">
-  <c:date1904 val="0"/>
-  <c:chart>
-    <c:title>
-      <c:tx>
-        <c:rich>
-          <a:bodyPr/>
-          <a:lstStyle/>
-          <a:p>
-            <a:pPr>
-              <a:defRPr sz="1800" b="0" i="0" u="none" strike="noStrike">
-                <a:solidFill>
-                  <a:srgbClr val="000000"/>
-                </a:solidFill>
-                <a:latin typeface="Arial"/>
-              </a:defRPr>
-            </a:pPr>
-            <a:r>
-              <a:rPr sz="1800" b="0" i="0" u="none" strike="noStrike">
-                <a:solidFill>
-                  <a:srgbClr val="000000"/>
-                </a:solidFill>
-                <a:latin typeface="Arial"/>
-              </a:rPr>
-              <a:t>医疗服务收入占全院比重 vs 医疗服务收入三年复合增长率</a:t>
-            </a:r>
-          </a:p>
-        </c:rich>
-      </c:tx>
-      <c:layout/>
-      <c:overlay val="0"/>
-    </c:title>
-    <c:autoTitleDeleted val="0"/>
-    <c:plotArea>
-      <c:layout/>
-      <c:scatterChart>
-        <c:scatterStyle val="lineMarker"/>
-        <c:varyColors val="0"/>
-        <c:ser>
-          <c:idx val="0"/>
-          <c:order val="0"/>
-          <c:tx>
-            <c:strRef>
-              <c:f>Sheet1!$B$1</c:f>
-              <c:strCache>
-                <c:ptCount val="1"/>
-                <c:pt idx="0">
-                  <c:v>医疗服务收入占全院比重</c:v>
-                </c:pt>
-              </c:strCache>
-            </c:strRef>
-          </c:tx>
-          <c:spPr>
-            <a:solidFill>
-              <a:srgbClr val="C0504D"/>
-            </a:solidFill>
-            <a:ln>
-              <a:noFill/>
-            </a:ln>
-            <a:effectLst/>
-          </c:spPr>
-          <c:marker>
-            <c:symbol val="circle"/>
-            <c:size val="6"/>
-            <c:spPr>
-              <a:solidFill>
-                <a:srgbClr val="C0504D"/>
-              </a:solidFill>
-              <a:ln w="9525" cap="flat">
-                <a:solidFill>
-                  <a:srgbClr val="C0504D"/>
-                </a:solidFill>
-                <a:prstDash val="solid"/>
-                <a:round/>
-              </a:ln>
-              <a:effectLst/>
-            </c:spPr>
-          </c:marker>
-          <c:dLbls>
-            <c:dLbl>
-              <c:idx val="0"/>
-              <c:tx>
-                <c:rich>
-                  <a:bodyPr>
-                    <a:spAutoFit/>
-                  </a:bodyPr>
-                  <a:lstStyle/>
-                  <a:p>
-                    <a:pPr>
-                      <a:defRPr/>
-                    </a:pPr>
-                    <a:r>
-                      <a:rPr lang="en-US" dirty="0"/>
-                      <a:t>医院</a:t>
-                    </a:r>
-                  </a:p>
-                </c:rich>
-              </c:tx>
-              <c:spPr>
-                <a:noFill/>
-                <a:ln>
-                  <a:noFill/>
-                </a:ln>
-                <a:effectLst/>
-              </c:spPr>
-              <c:dLblPos val="t"/>
-              <c:showLegendKey val="0"/>
-              <c:showVal val="0"/>
-              <c:showCatName val="0"/>
-              <c:showSerName val="0"/>
-              <c:showPercent val="0"/>
-              <c:showBubbleSize val="0"/>
-              <c:showLeaderLines val="1"/>
-              <c:extLst>
-                <c:ext xmlns:c15="http://schemas.microsoft.com/office/drawing/2012/chart" uri="{CE6537A1-D6FC-4f65-9D91-7224C49458BB}"/>
-                <c:ext xmlns:c16="http://schemas.microsoft.com/office/drawing/2014/chart" uri="{C3380CC4-5D6E-409C-BE32-E72D297353CC}">
-                  <c16:uniqueId val="{00000001-fb6a-e0a8-7e32-937bb7bb06e8}"/>
-                </c:ext>
-              </c:extLst>
-            </c:dLbl>
-            <c:dLbl>
-              <c:idx val="1"/>
-              <c:tx>
-                <c:rich>
-                  <a:bodyPr>
-                    <a:spAutoFit/>
-                  </a:bodyPr>
-                  <a:lstStyle/>
-                  <a:p>
-                    <a:pPr>
-                      <a:defRPr/>
-                    </a:pPr>
-                    <a:r>
-                      <a:rPr lang="en-US" dirty="0"/>
-                      <a:t>东区肾病科</a:t>
-                    </a:r>
-                  </a:p>
-                </c:rich>
-              </c:tx>
-              <c:spPr>
-                <a:noFill/>
-                <a:ln>
-                  <a:noFill/>
-                </a:ln>
-                <a:effectLst/>
-              </c:spPr>
-              <c:dLblPos val="t"/>
-              <c:showLegendKey val="0"/>
-              <c:showVal val="0"/>
-              <c:showCatName val="0"/>
-              <c:showSerName val="0"/>
-              <c:showPercent val="0"/>
-              <c:showBubbleSize val="0"/>
-              <c:showLeaderLines val="1"/>
-              <c:extLst>
-                <c:ext xmlns:c15="http://schemas.microsoft.com/office/drawing/2012/chart" uri="{CE6537A1-D6FC-4f65-9D91-7224C49458BB}"/>
-                <c:ext xmlns:c16="http://schemas.microsoft.com/office/drawing/2014/chart" uri="{C3380CC4-5D6E-409C-BE32-E72D297353CC}">
-                  <c16:uniqueId val="{00000002-fb6a-e0a8-7e32-937bb7bb06e8}"/>
-                </c:ext>
-              </c:extLst>
-            </c:dLbl>
-            <c:dLbl>
-              <c:idx val="2"/>
-              <c:tx>
-                <c:rich>
-                  <a:bodyPr>
-                    <a:spAutoFit/>
-                  </a:bodyPr>
-                  <a:lstStyle/>
-                  <a:p>
-                    <a:pPr>
-                      <a:defRPr/>
-                    </a:pPr>
-                    <a:r>
-                      <a:rPr lang="en-US" dirty="0"/>
-                      <a:t>妇科</a:t>
-                    </a:r>
-                  </a:p>
-                </c:rich>
-              </c:tx>
-              <c:spPr>
-                <a:noFill/>
-                <a:ln>
-                  <a:noFill/>
-                </a:ln>
-                <a:effectLst/>
-              </c:spPr>
-              <c:dLblPos val="t"/>
-              <c:showLegendKey val="0"/>
-              <c:showVal val="0"/>
-              <c:showCatName val="0"/>
-              <c:showSerName val="0"/>
-              <c:showPercent val="0"/>
-              <c:showBubbleSize val="0"/>
-              <c:showLeaderLines val="1"/>
-              <c:extLst>
-                <c:ext xmlns:c15="http://schemas.microsoft.com/office/drawing/2012/chart" uri="{CE6537A1-D6FC-4f65-9D91-7224C49458BB}"/>
-                <c:ext xmlns:c16="http://schemas.microsoft.com/office/drawing/2014/chart" uri="{C3380CC4-5D6E-409C-BE32-E72D297353CC}">
-                  <c16:uniqueId val="{00000003-fb6a-e0a8-7e32-937bb7bb06e8}"/>
-                </c:ext>
-              </c:extLst>
-            </c:dLbl>
-            <c:dLbl>
-              <c:idx val="3"/>
-              <c:tx>
-                <c:rich>
-                  <a:bodyPr>
-                    <a:spAutoFit/>
-                  </a:bodyPr>
-                  <a:lstStyle/>
-                  <a:p>
-                    <a:pPr>
-                      <a:defRPr/>
-                    </a:pPr>
-                    <a:r>
-                      <a:rPr lang="en-US" dirty="0"/>
-                      <a:t>中医经典科</a:t>
-                    </a:r>
-                  </a:p>
-                </c:rich>
-              </c:tx>
-              <c:spPr>
-                <a:noFill/>
-                <a:ln>
-                  <a:noFill/>
-                </a:ln>
-                <a:effectLst/>
-              </c:spPr>
-              <c:dLblPos val="t"/>
-              <c:showLegendKey val="0"/>
-              <c:showVal val="0"/>
-              <c:showCatName val="0"/>
-              <c:showSerName val="0"/>
-              <c:showPercent val="0"/>
-              <c:showBubbleSize val="0"/>
-              <c:showLeaderLines val="1"/>
-              <c:extLst>
-                <c:ext xmlns:c15="http://schemas.microsoft.com/office/drawing/2012/chart" uri="{CE6537A1-D6FC-4f65-9D91-7224C49458BB}"/>
-                <c:ext xmlns:c16="http://schemas.microsoft.com/office/drawing/2014/chart" uri="{C3380CC4-5D6E-409C-BE32-E72D297353CC}">
-                  <c16:uniqueId val="{00000004-fb6a-e0a8-7e32-937bb7bb06e8}"/>
-                </c:ext>
-              </c:extLst>
-            </c:dLbl>
-            <c:dLbl>
-              <c:idx val="4"/>
-              <c:tx>
-                <c:rich>
-                  <a:bodyPr>
-                    <a:spAutoFit/>
-                  </a:bodyPr>
-                  <a:lstStyle/>
-                  <a:p>
-                    <a:pPr>
-                      <a:defRPr/>
-                    </a:pPr>
-                    <a:r>
-                      <a:rPr lang="en-US" dirty="0"/>
-                      <a:t>脾胃病科</a:t>
-                    </a:r>
-                  </a:p>
-                </c:rich>
-              </c:tx>
-              <c:spPr>
-                <a:noFill/>
-                <a:ln>
-                  <a:noFill/>
-                </a:ln>
-                <a:effectLst/>
-              </c:spPr>
-              <c:dLblPos val="t"/>
-              <c:showLegendKey val="0"/>
-              <c:showVal val="0"/>
-              <c:showCatName val="0"/>
-              <c:showSerName val="0"/>
-              <c:showPercent val="0"/>
-              <c:showBubbleSize val="0"/>
-              <c:showLeaderLines val="1"/>
-              <c:extLst>
-                <c:ext xmlns:c15="http://schemas.microsoft.com/office/drawing/2012/chart" uri="{CE6537A1-D6FC-4f65-9D91-7224C49458BB}"/>
-                <c:ext xmlns:c16="http://schemas.microsoft.com/office/drawing/2014/chart" uri="{C3380CC4-5D6E-409C-BE32-E72D297353CC}">
-                  <c16:uniqueId val="{00000005-fb6a-e0a8-7e32-937bb7bb06e8}"/>
-                </c:ext>
-              </c:extLst>
-            </c:dLbl>
-            <c:dLbl>
-              <c:idx val="5"/>
-              <c:tx>
-                <c:rich>
-                  <a:bodyPr>
-                    <a:spAutoFit/>
-                  </a:bodyPr>
-                  <a:lstStyle/>
-                  <a:p>
-                    <a:pPr>
-                      <a:defRPr/>
-                    </a:pPr>
-                    <a:r>
-                      <a:rPr lang="en-US" dirty="0"/>
-                      <a:t>内分泌科</a:t>
-                    </a:r>
-                  </a:p>
-                </c:rich>
-              </c:tx>
-              <c:spPr>
-                <a:noFill/>
-                <a:ln>
-                  <a:noFill/>
-                </a:ln>
-                <a:effectLst/>
-              </c:spPr>
-              <c:dLblPos val="t"/>
-              <c:showLegendKey val="0"/>
-              <c:showVal val="0"/>
-              <c:showCatName val="0"/>
-              <c:showSerName val="0"/>
-              <c:showPercent val="0"/>
-              <c:showBubbleSize val="0"/>
-              <c:showLeaderLines val="1"/>
-              <c:extLst>
-                <c:ext xmlns:c15="http://schemas.microsoft.com/office/drawing/2012/chart" uri="{CE6537A1-D6FC-4f65-9D91-7224C49458BB}"/>
-                <c:ext xmlns:c16="http://schemas.microsoft.com/office/drawing/2014/chart" uri="{C3380CC4-5D6E-409C-BE32-E72D297353CC}">
-                  <c16:uniqueId val="{00000006-fb6a-e0a8-7e32-937bb7bb06e8}"/>
-                </c:ext>
-              </c:extLst>
-            </c:dLbl>
-            <c:dLbl>
-              <c:idx val="6"/>
-              <c:tx>
-                <c:rich>
-                  <a:bodyPr>
-                    <a:spAutoFit/>
-                  </a:bodyPr>
-                  <a:lstStyle/>
-                  <a:p>
-                    <a:pPr>
-                      <a:defRPr/>
-                    </a:pPr>
-                    <a:r>
-                      <a:rPr lang="en-US" dirty="0"/>
-                      <a:t>脊柱骨科</a:t>
-                    </a:r>
-                  </a:p>
-                </c:rich>
-              </c:tx>
-              <c:spPr>
-                <a:noFill/>
-                <a:ln>
-                  <a:noFill/>
-                </a:ln>
-                <a:effectLst/>
-              </c:spPr>
-              <c:dLblPos val="t"/>
-              <c:showLegendKey val="0"/>
-              <c:showVal val="0"/>
-              <c:showCatName val="0"/>
-              <c:showSerName val="0"/>
-              <c:showPercent val="0"/>
-              <c:showBubbleSize val="0"/>
-              <c:showLeaderLines val="1"/>
-              <c:extLst>
-                <c:ext xmlns:c15="http://schemas.microsoft.com/office/drawing/2012/chart" uri="{CE6537A1-D6FC-4f65-9D91-7224C49458BB}"/>
-                <c:ext xmlns:c16="http://schemas.microsoft.com/office/drawing/2014/chart" uri="{C3380CC4-5D6E-409C-BE32-E72D297353CC}">
-                  <c16:uniqueId val="{00000007-fb6a-e0a8-7e32-937bb7bb06e8}"/>
-                </c:ext>
-              </c:extLst>
-            </c:dLbl>
-            <c:dLbl>
-              <c:idx val="7"/>
-              <c:tx>
-                <c:rich>
-                  <a:bodyPr>
-                    <a:spAutoFit/>
-                  </a:bodyPr>
-                  <a:lstStyle/>
-                  <a:p>
-                    <a:pPr>
-                      <a:defRPr/>
-                    </a:pPr>
-                    <a:r>
-                      <a:rPr lang="en-US" dirty="0"/>
-                      <a:t>血液科</a:t>
-                    </a:r>
-                  </a:p>
-                </c:rich>
-              </c:tx>
-              <c:spPr>
-                <a:noFill/>
-                <a:ln>
-                  <a:noFill/>
-                </a:ln>
-                <a:effectLst/>
-              </c:spPr>
-              <c:dLblPos val="t"/>
-              <c:showLegendKey val="0"/>
-              <c:showVal val="0"/>
-              <c:showCatName val="0"/>
-              <c:showSerName val="0"/>
-              <c:showPercent val="0"/>
-              <c:showBubbleSize val="0"/>
-              <c:showLeaderLines val="1"/>
-              <c:extLst>
-                <c:ext xmlns:c15="http://schemas.microsoft.com/office/drawing/2012/chart" uri="{CE6537A1-D6FC-4f65-9D91-7224C49458BB}"/>
-                <c:ext xmlns:c16="http://schemas.microsoft.com/office/drawing/2014/chart" uri="{C3380CC4-5D6E-409C-BE32-E72D297353CC}">
-                  <c16:uniqueId val="{00000008-fb6a-e0a8-7e32-937bb7bb06e8}"/>
-                </c:ext>
-              </c:extLst>
-            </c:dLbl>
-            <c:dLbl>
-              <c:idx val="8"/>
-              <c:tx>
-                <c:rich>
-                  <a:bodyPr>
-                    <a:spAutoFit/>
-                  </a:bodyPr>
-                  <a:lstStyle/>
-                  <a:p>
-                    <a:pPr>
-                      <a:defRPr/>
-                    </a:pPr>
-                    <a:r>
-                      <a:rPr lang="en-US" dirty="0"/>
-                      <a:t>心病四科</a:t>
-                    </a:r>
-                  </a:p>
-                </c:rich>
-              </c:tx>
-              <c:spPr>
-                <a:noFill/>
-                <a:ln>
-                  <a:noFill/>
-                </a:ln>
-                <a:effectLst/>
-              </c:spPr>
-              <c:dLblPos val="t"/>
-              <c:showLegendKey val="0"/>
-              <c:showVal val="0"/>
-              <c:showCatName val="0"/>
-              <c:showSerName val="0"/>
-              <c:showPercent val="0"/>
-              <c:showBubbleSize val="0"/>
-              <c:showLeaderLines val="1"/>
-              <c:extLst>
-                <c:ext xmlns:c15="http://schemas.microsoft.com/office/drawing/2012/chart" uri="{CE6537A1-D6FC-4f65-9D91-7224C49458BB}"/>
-                <c:ext xmlns:c16="http://schemas.microsoft.com/office/drawing/2014/chart" uri="{C3380CC4-5D6E-409C-BE32-E72D297353CC}">
-                  <c16:uniqueId val="{00000009-fb6a-e0a8-7e32-937bb7bb06e8}"/>
-                </c:ext>
-              </c:extLst>
-            </c:dLbl>
-            <c:dLbl>
-              <c:idx val="9"/>
-              <c:tx>
-                <c:rich>
-                  <a:bodyPr>
-                    <a:spAutoFit/>
-                  </a:bodyPr>
-                  <a:lstStyle/>
-                  <a:p>
-                    <a:pPr>
-                      <a:defRPr/>
-                    </a:pPr>
-                    <a:r>
-                      <a:rPr lang="en-US" dirty="0"/>
-                      <a:t>脑病二科</a:t>
-                    </a:r>
-                  </a:p>
-                </c:rich>
-              </c:tx>
-              <c:spPr>
-                <a:noFill/>
-                <a:ln>
-                  <a:noFill/>
-                </a:ln>
-                <a:effectLst/>
-              </c:spPr>
-              <c:dLblPos val="t"/>
-              <c:showLegendKey val="0"/>
-              <c:showVal val="0"/>
-              <c:showCatName val="0"/>
-              <c:showSerName val="0"/>
-              <c:showPercent val="0"/>
-              <c:showBubbleSize val="0"/>
-              <c:showLeaderLines val="1"/>
-              <c:extLst>
-                <c:ext xmlns:c15="http://schemas.microsoft.com/office/drawing/2012/chart" uri="{CE6537A1-D6FC-4f65-9D91-7224C49458BB}"/>
-                <c:ext xmlns:c16="http://schemas.microsoft.com/office/drawing/2014/chart" uri="{C3380CC4-5D6E-409C-BE32-E72D297353CC}">
-                  <c16:uniqueId val="{00000010-fb6a-e0a8-7e32-937bb7bb06e8}"/>
-                </c:ext>
-              </c:extLst>
-            </c:dLbl>
-            <c:dLbl>
-              <c:idx val="10"/>
-              <c:tx>
-                <c:rich>
-                  <a:bodyPr>
-                    <a:spAutoFit/>
-                  </a:bodyPr>
-                  <a:lstStyle/>
-                  <a:p>
-                    <a:pPr>
-                      <a:defRPr/>
-                    </a:pPr>
-                    <a:r>
-                      <a:rPr lang="en-US" dirty="0"/>
-                      <a:t>心病三科</a:t>
-                    </a:r>
-                  </a:p>
-                </c:rich>
-              </c:tx>
-              <c:spPr>
-                <a:noFill/>
-                <a:ln>
-                  <a:noFill/>
-                </a:ln>
-                <a:effectLst/>
-              </c:spPr>
-              <c:dLblPos val="t"/>
-              <c:showLegendKey val="0"/>
-              <c:showVal val="0"/>
-              <c:showCatName val="0"/>
-              <c:showSerName val="0"/>
-              <c:showPercent val="0"/>
-              <c:showBubbleSize val="0"/>
-              <c:showLeaderLines val="1"/>
-              <c:extLst>
-                <c:ext xmlns:c15="http://schemas.microsoft.com/office/drawing/2012/chart" uri="{CE6537A1-D6FC-4f65-9D91-7224C49458BB}"/>
-                <c:ext xmlns:c16="http://schemas.microsoft.com/office/drawing/2014/chart" uri="{C3380CC4-5D6E-409C-BE32-E72D297353CC}">
-                  <c16:uniqueId val="{00000011-fb6a-e0a8-7e32-937bb7bb06e8}"/>
-                </c:ext>
-              </c:extLst>
-            </c:dLbl>
-            <c:dLbl>
-              <c:idx val="11"/>
-              <c:tx>
-                <c:rich>
-                  <a:bodyPr>
-                    <a:spAutoFit/>
-                  </a:bodyPr>
-                  <a:lstStyle/>
-                  <a:p>
-                    <a:pPr>
-                      <a:defRPr/>
-                    </a:pPr>
-                    <a:r>
-                      <a:rPr lang="en-US" dirty="0"/>
-                      <a:t>泌尿外科</a:t>
-                    </a:r>
-                  </a:p>
-                </c:rich>
-              </c:tx>
-              <c:spPr>
-                <a:noFill/>
-                <a:ln>
-                  <a:noFill/>
-                </a:ln>
-                <a:effectLst/>
-              </c:spPr>
-              <c:dLblPos val="t"/>
-              <c:showLegendKey val="0"/>
-              <c:showVal val="0"/>
-              <c:showCatName val="0"/>
-              <c:showSerName val="0"/>
-              <c:showPercent val="0"/>
-              <c:showBubbleSize val="0"/>
-              <c:showLeaderLines val="1"/>
-              <c:extLst>
-                <c:ext xmlns:c15="http://schemas.microsoft.com/office/drawing/2012/chart" uri="{CE6537A1-D6FC-4f65-9D91-7224C49458BB}"/>
-                <c:ext xmlns:c16="http://schemas.microsoft.com/office/drawing/2014/chart" uri="{C3380CC4-5D6E-409C-BE32-E72D297353CC}">
-                  <c16:uniqueId val="{00000012-fb6a-e0a8-7e32-937bb7bb06e8}"/>
-                </c:ext>
-              </c:extLst>
-            </c:dLbl>
-            <c:dLbl>
-              <c:idx val="12"/>
-              <c:tx>
-                <c:rich>
-                  <a:bodyPr>
-                    <a:spAutoFit/>
-                  </a:bodyPr>
-                  <a:lstStyle/>
-                  <a:p>
-                    <a:pPr>
-                      <a:defRPr/>
-                    </a:pPr>
-                    <a:r>
-                      <a:rPr lang="en-US" dirty="0"/>
-                      <a:t>脑病三科</a:t>
-                    </a:r>
-                  </a:p>
-                </c:rich>
-              </c:tx>
-              <c:spPr>
-                <a:noFill/>
-                <a:ln>
-                  <a:noFill/>
-                </a:ln>
-                <a:effectLst/>
-              </c:spPr>
-              <c:dLblPos val="t"/>
-              <c:showLegendKey val="0"/>
-              <c:showVal val="0"/>
-              <c:showCatName val="0"/>
-              <c:showSerName val="0"/>
-              <c:showPercent val="0"/>
-              <c:showBubbleSize val="0"/>
-              <c:showLeaderLines val="1"/>
-              <c:extLst>
-                <c:ext xmlns:c15="http://schemas.microsoft.com/office/drawing/2012/chart" uri="{CE6537A1-D6FC-4f65-9D91-7224C49458BB}"/>
-                <c:ext xmlns:c16="http://schemas.microsoft.com/office/drawing/2014/chart" uri="{C3380CC4-5D6E-409C-BE32-E72D297353CC}">
-                  <c16:uniqueId val="{00000013-fb6a-e0a8-7e32-937bb7bb06e8}"/>
-                </c:ext>
-              </c:extLst>
-            </c:dLbl>
-            <c:dLbl>
-              <c:idx val="13"/>
-              <c:tx>
-                <c:rich>
-                  <a:bodyPr>
-                    <a:spAutoFit/>
-                  </a:bodyPr>
-                  <a:lstStyle/>
-                  <a:p>
-                    <a:pPr>
-                      <a:defRPr/>
-                    </a:pPr>
-                    <a:r>
-                      <a:rPr lang="en-US" dirty="0"/>
-                      <a:t>心病一科</a:t>
-                    </a:r>
-                  </a:p>
-                </c:rich>
-              </c:tx>
-              <c:spPr>
-                <a:noFill/>
-                <a:ln>
-                  <a:noFill/>
-                </a:ln>
-                <a:effectLst/>
-              </c:spPr>
-              <c:dLblPos val="t"/>
-              <c:showLegendKey val="0"/>
-              <c:showVal val="0"/>
-              <c:showCatName val="0"/>
-              <c:showSerName val="0"/>
-              <c:showPercent val="0"/>
-              <c:showBubbleSize val="0"/>
-              <c:showLeaderLines val="1"/>
-              <c:extLst>
-                <c:ext xmlns:c15="http://schemas.microsoft.com/office/drawing/2012/chart" uri="{CE6537A1-D6FC-4f65-9D91-7224C49458BB}"/>
-                <c:ext xmlns:c16="http://schemas.microsoft.com/office/drawing/2014/chart" uri="{C3380CC4-5D6E-409C-BE32-E72D297353CC}">
-                  <c16:uniqueId val="{00000014-fb6a-e0a8-7e32-937bb7bb06e8}"/>
-                </c:ext>
-              </c:extLst>
-            </c:dLbl>
-            <c:dLbl>
-              <c:idx val="14"/>
-              <c:tx>
-                <c:rich>
-                  <a:bodyPr>
-                    <a:spAutoFit/>
-                  </a:bodyPr>
-                  <a:lstStyle/>
-                  <a:p>
-                    <a:pPr>
-                      <a:defRPr/>
-                    </a:pPr>
-                    <a:r>
-                      <a:rPr lang="en-US" dirty="0"/>
-                      <a:t>肛肠科</a:t>
-                    </a:r>
-                  </a:p>
-                </c:rich>
-              </c:tx>
-              <c:spPr>
-                <a:noFill/>
-                <a:ln>
-                  <a:noFill/>
-                </a:ln>
-                <a:effectLst/>
-              </c:spPr>
-              <c:dLblPos val="t"/>
-              <c:showLegendKey val="0"/>
-              <c:showVal val="0"/>
-              <c:showCatName val="0"/>
-              <c:showSerName val="0"/>
-              <c:showPercent val="0"/>
-              <c:showBubbleSize val="0"/>
-              <c:showLeaderLines val="1"/>
-              <c:extLst>
-                <c:ext xmlns:c15="http://schemas.microsoft.com/office/drawing/2012/chart" uri="{CE6537A1-D6FC-4f65-9D91-7224C49458BB}"/>
-                <c:ext xmlns:c16="http://schemas.microsoft.com/office/drawing/2014/chart" uri="{C3380CC4-5D6E-409C-BE32-E72D297353CC}">
-                  <c16:uniqueId val="{00000015-fb6a-e0a8-7e32-937bb7bb06e8}"/>
-                </c:ext>
-              </c:extLst>
-            </c:dLbl>
-            <c:dLbl>
-              <c:idx val="15"/>
-              <c:tx>
-                <c:rich>
-                  <a:bodyPr>
-                    <a:spAutoFit/>
-                  </a:bodyPr>
-                  <a:lstStyle/>
-                  <a:p>
-                    <a:pPr>
-                      <a:defRPr/>
-                    </a:pPr>
-                    <a:r>
-                      <a:rPr lang="en-US" dirty="0"/>
-                      <a:t>肝胆外科</a:t>
-                    </a:r>
-                  </a:p>
-                </c:rich>
-              </c:tx>
-              <c:spPr>
-                <a:noFill/>
-                <a:ln>
-                  <a:noFill/>
-                </a:ln>
-                <a:effectLst/>
-              </c:spPr>
-              <c:dLblPos val="t"/>
-              <c:showLegendKey val="0"/>
-              <c:showVal val="0"/>
-              <c:showCatName val="0"/>
-              <c:showSerName val="0"/>
-              <c:showPercent val="0"/>
-              <c:showBubbleSize val="0"/>
-              <c:showLeaderLines val="1"/>
-              <c:extLst>
-                <c:ext xmlns:c15="http://schemas.microsoft.com/office/drawing/2012/chart" uri="{CE6537A1-D6FC-4f65-9D91-7224C49458BB}"/>
-                <c:ext xmlns:c16="http://schemas.microsoft.com/office/drawing/2014/chart" uri="{C3380CC4-5D6E-409C-BE32-E72D297353CC}">
-                  <c16:uniqueId val="{00000016-fb6a-e0a8-7e32-937bb7bb06e8}"/>
-                </c:ext>
-              </c:extLst>
-            </c:dLbl>
-            <c:dLbl>
-              <c:idx val="16"/>
-              <c:tx>
-                <c:rich>
-                  <a:bodyPr>
-                    <a:spAutoFit/>
-                  </a:bodyPr>
-                  <a:lstStyle/>
-                  <a:p>
-                    <a:pPr>
-                      <a:defRPr/>
-                    </a:pPr>
-                    <a:r>
-                      <a:rPr lang="en-US" dirty="0"/>
-                      <a:t>综合内科</a:t>
-                    </a:r>
-                  </a:p>
-                </c:rich>
-              </c:tx>
-              <c:spPr>
-                <a:noFill/>
-                <a:ln>
-                  <a:noFill/>
-                </a:ln>
-                <a:effectLst/>
-              </c:spPr>
-              <c:dLblPos val="t"/>
-              <c:showLegendKey val="0"/>
-              <c:showVal val="0"/>
-              <c:showCatName val="0"/>
-              <c:showSerName val="0"/>
-              <c:showPercent val="0"/>
-              <c:showBubbleSize val="0"/>
-              <c:showLeaderLines val="1"/>
-              <c:extLst>
-                <c:ext xmlns:c15="http://schemas.microsoft.com/office/drawing/2012/chart" uri="{CE6537A1-D6FC-4f65-9D91-7224C49458BB}"/>
-                <c:ext xmlns:c16="http://schemas.microsoft.com/office/drawing/2014/chart" uri="{C3380CC4-5D6E-409C-BE32-E72D297353CC}">
-                  <c16:uniqueId val="{00000017-fb6a-e0a8-7e32-937bb7bb06e8}"/>
-                </c:ext>
-              </c:extLst>
-            </c:dLbl>
-            <c:dLbl>
-              <c:idx val="17"/>
-              <c:tx>
-                <c:rich>
-                  <a:bodyPr>
-                    <a:spAutoFit/>
-                  </a:bodyPr>
-                  <a:lstStyle/>
-                  <a:p>
-                    <a:pPr>
-                      <a:defRPr/>
-                    </a:pPr>
-                    <a:r>
-                      <a:rPr lang="en-US" dirty="0"/>
-                      <a:t>儿科</a:t>
-                    </a:r>
-                  </a:p>
-                </c:rich>
-              </c:tx>
-              <c:spPr>
-                <a:noFill/>
-                <a:ln>
-                  <a:noFill/>
-                </a:ln>
-                <a:effectLst/>
-              </c:spPr>
-              <c:dLblPos val="t"/>
-              <c:showLegendKey val="0"/>
-              <c:showVal val="0"/>
-              <c:showCatName val="0"/>
-              <c:showSerName val="0"/>
-              <c:showPercent val="0"/>
-              <c:showBubbleSize val="0"/>
-              <c:showLeaderLines val="1"/>
-              <c:extLst>
-                <c:ext xmlns:c15="http://schemas.microsoft.com/office/drawing/2012/chart" uri="{CE6537A1-D6FC-4f65-9D91-7224C49458BB}"/>
-                <c:ext xmlns:c16="http://schemas.microsoft.com/office/drawing/2014/chart" uri="{C3380CC4-5D6E-409C-BE32-E72D297353CC}">
-                  <c16:uniqueId val="{00000018-fb6a-e0a8-7e32-937bb7bb06e8}"/>
-                </c:ext>
-              </c:extLst>
-            </c:dLbl>
-            <c:dLbl>
-              <c:idx val="18"/>
-              <c:tx>
-                <c:rich>
-                  <a:bodyPr>
-                    <a:spAutoFit/>
-                  </a:bodyPr>
-                  <a:lstStyle/>
-                  <a:p>
-                    <a:pPr>
-                      <a:defRPr/>
-                    </a:pPr>
-                    <a:r>
-                      <a:rPr lang="en-US" dirty="0"/>
-                      <a:t>脑病一科</a:t>
-                    </a:r>
-                  </a:p>
-                </c:rich>
-              </c:tx>
-              <c:spPr>
-                <a:noFill/>
-                <a:ln>
-                  <a:noFill/>
-                </a:ln>
-                <a:effectLst/>
-              </c:spPr>
-              <c:dLblPos val="t"/>
-              <c:showLegendKey val="0"/>
-              <c:showVal val="0"/>
-              <c:showCatName val="0"/>
-              <c:showSerName val="0"/>
-              <c:showPercent val="0"/>
-              <c:showBubbleSize val="0"/>
-              <c:showLeaderLines val="1"/>
-              <c:extLst>
-                <c:ext xmlns:c15="http://schemas.microsoft.com/office/drawing/2012/chart" uri="{CE6537A1-D6FC-4f65-9D91-7224C49458BB}"/>
-                <c:ext xmlns:c16="http://schemas.microsoft.com/office/drawing/2014/chart" uri="{C3380CC4-5D6E-409C-BE32-E72D297353CC}">
-                  <c16:uniqueId val="{00000019-fb6a-e0a8-7e32-937bb7bb06e8}"/>
-                </c:ext>
-              </c:extLst>
-            </c:dLbl>
-            <c:dLbl>
-              <c:idx val="19"/>
-              <c:tx>
-                <c:rich>
-                  <a:bodyPr>
-                    <a:spAutoFit/>
-                  </a:bodyPr>
-                  <a:lstStyle/>
-                  <a:p>
-                    <a:pPr>
-                      <a:defRPr/>
-                    </a:pPr>
-                    <a:r>
-                      <a:rPr lang="en-US" dirty="0"/>
-                      <a:t>创伤骨科</a:t>
-                    </a:r>
-                  </a:p>
-                </c:rich>
-              </c:tx>
-              <c:spPr>
-                <a:noFill/>
-                <a:ln>
-                  <a:noFill/>
-                </a:ln>
-                <a:effectLst/>
-              </c:spPr>
-              <c:dLblPos val="t"/>
-              <c:showLegendKey val="0"/>
-              <c:showVal val="0"/>
-              <c:showCatName val="0"/>
-              <c:showSerName val="0"/>
-              <c:showPercent val="0"/>
-              <c:showBubbleSize val="0"/>
-              <c:showLeaderLines val="1"/>
-              <c:extLst>
-                <c:ext xmlns:c15="http://schemas.microsoft.com/office/drawing/2012/chart" uri="{CE6537A1-D6FC-4f65-9D91-7224C49458BB}"/>
-                <c:ext xmlns:c16="http://schemas.microsoft.com/office/drawing/2014/chart" uri="{C3380CC4-5D6E-409C-BE32-E72D297353CC}">
-                  <c16:uniqueId val="{00000020-fb6a-e0a8-7e32-937bb7bb06e8}"/>
-                </c:ext>
-              </c:extLst>
-            </c:dLbl>
-          </c:dLbls>
-          <c:xVal>
-            <c:numRef>
-              <c:f>Sheet1!$A$2:$A$21</c:f>
-              <c:numCache>
-                <c:formatCode>General</c:formatCode>
-                <c:ptCount val="20"/>
-                <c:pt idx="0">
-                  <c:v>18.27545150497539</c:v>
-                </c:pt>
-                <c:pt idx="1">
-                  <c:v>27.05672384821832</c:v>
-                </c:pt>
-                <c:pt idx="2">
-                  <c:v>12.85676811422504</c:v>
-                </c:pt>
-                <c:pt idx="3">
-                  <c:v>17.13704074319868</c:v>
-                </c:pt>
-                <c:pt idx="4">
-                  <c:v>27.87124917853238</c:v>
-                </c:pt>
-                <c:pt idx="5">
-                  <c:v>21.102631180938406</c:v>
-                </c:pt>
-                <c:pt idx="6">
-                  <c:v>5.513996271311001</c:v>
-                </c:pt>
-                <c:pt idx="7">
-                  <c:v>13.927240008359929</c:v>
-                </c:pt>
-                <c:pt idx="8">
-                  <c:v>13.646243919494669</c:v>
-                </c:pt>
-                <c:pt idx="9">
-                  <c:v>3.0856129142688404</c:v>
-                </c:pt>
-                <c:pt idx="10">
-                  <c:v>12.312646494153968</c:v>
-                </c:pt>
-                <c:pt idx="11">
-                  <c:v>7.416963082636495</c:v>
-                </c:pt>
-                <c:pt idx="12">
-                  <c:v>15.894230608951192</c:v>
-                </c:pt>
-                <c:pt idx="13">
-                  <c:v>16.613675495947803</c:v>
-                </c:pt>
-                <c:pt idx="14">
-                  <c:v>19.7943373700504</c:v>
-                </c:pt>
-                <c:pt idx="15">
-                  <c:v>1.0426900355815107</c:v>
-                </c:pt>
-                <c:pt idx="16">
-                  <c:v>16.526883663050306</c:v>
-                </c:pt>
-                <c:pt idx="17">
-                  <c:v>100</c:v>
-                </c:pt>
-                <c:pt idx="18">
-                  <c:v>14.125838474710525</c:v>
-                </c:pt>
-                <c:pt idx="19">
-                  <c:v>15.834025037562602</c:v>
-                </c:pt>
-              </c:numCache>
-            </c:numRef>
-          </c:xVal>
-          <c:yVal>
-            <c:numRef>
-              <c:f>Sheet1!$B$2:$B$21</c:f>
-              <c:numCache>
-                <c:formatCode>General</c:formatCode>
-                <c:ptCount val="20"/>
-                <c:pt idx="0">
-                  <c:v>100</c:v>
-                </c:pt>
-                <c:pt idx="1">
-                  <c:v>0.0023699901272191005</c:v>
-                </c:pt>
-                <c:pt idx="2">
-                  <c:v>0.002346662090867309</c:v>
-                </c:pt>
-                <c:pt idx="3">
-                  <c:v>0.0023434529957343806</c:v>
-                </c:pt>
-                <c:pt idx="4">
-                  <c:v>0.0023220331136714523</c:v>
-                </c:pt>
-                <c:pt idx="5">
-                  <c:v>0.0023217709376652197</c:v>
-                </c:pt>
-                <c:pt idx="6">
-                  <c:v>0.0022804197799689693</c:v>
-                </c:pt>
-                <c:pt idx="7">
-                  <c:v>0.0022407673700920528</c:v>
-                </c:pt>
-                <c:pt idx="8">
-                  <c:v>0.0022251714768259934</c:v>
-                </c:pt>
-                <c:pt idx="9">
-                  <c:v>0.0022122568949320986</c:v>
-                </c:pt>
-                <c:pt idx="10">
-                  <c:v>0.002111867890449801</c:v>
-                </c:pt>
-                <c:pt idx="11">
-                  <c:v>0.002094048656470198</c:v>
-                </c:pt>
-                <c:pt idx="12">
-                  <c:v>0.002081621125212429</c:v>
-                </c:pt>
-                <c:pt idx="13">
-                  <c:v>0.0020600161650138984</c:v>
-                </c:pt>
-                <c:pt idx="14">
-                  <c:v>0.0020475591398476413</c:v>
-                </c:pt>
-                <c:pt idx="15">
-                  <c:v>0.002035468945084249</c:v>
-                </c:pt>
-                <c:pt idx="16">
-                  <c:v>0.0019135199454893312</c:v>
-                </c:pt>
-                <c:pt idx="17">
-                  <c:v>0.0017722923443301377</c:v>
-                </c:pt>
-                <c:pt idx="18">
-                  <c:v>0.0017021814079801142</c:v>
-                </c:pt>
-                <c:pt idx="19">
-                  <c:v>0.0016930154423821465</c:v>
-                </c:pt>
-              </c:numCache>
-            </c:numRef>
-          </c:yVal>
-          <c:smooth val="0"/>
-        </c:ser>
-        <c:dLbls>
-          <c:numFmt formatCode="General" sourceLinked="0"/>
-          <c:txPr>
-            <a:bodyPr/>
-            <a:lstStyle/>
-            <a:p>
-              <a:pPr>
-                <a:defRPr b="0" i="0" strike="noStrike" sz="1200" u="none">
-                  <a:solidFill>
-                    <a:srgbClr val="000000"/>
-                  </a:solidFill>
-                  <a:latin typeface="Arial"/>
-                </a:defRPr>
-              </a:pPr>
-            </a:p>
-          </c:txPr>
-          <c:dLblPos val="t"/>
-          <c:showLegendKey val="0"/>
-          <c:showVal val="0"/>
-          <c:showCatName val="0"/>
-          <c:showSerName val="0"/>
-          <c:showPercent val="0"/>
-          <c:showBubbleSize val="0"/>
-        </c:dLbls>
-        <c:axId val="2094734554"/>
-        <c:axId val="2094734552"/>
-      </c:scatterChart>
-      <c:valAx>
-        <c:axId val="2094734554"/>
-        <c:scaling>
-          <c:orientation val="minMax"/>
-        </c:scaling>
-        <c:delete val="0"/>
-        <c:axPos val="b"/>
-        <c:majorGridlines>
-          <c:spPr>
-            <a:ln w="12700" cap="flat">
-              <a:solidFill>
-                <a:srgbClr val="D9D9D9"/>
-              </a:solidFill>
-              <a:prstDash val="solid"/>
-              <a:round/>
-            </a:ln>
-          </c:spPr>
-        </c:majorGridlines>
-        <c:title>
-          <c:tx>
-            <c:rich>
-              <a:bodyPr/>
-              <a:lstStyle/>
-              <a:p>
-                <a:pPr>
-                  <a:defRPr sz="1000" b="0" i="0" u="none" strike="noStrike">
-                    <a:solidFill>
-                      <a:srgbClr val="428442"/>
-                    </a:solidFill>
-                    <a:latin typeface="Arial"/>
-                  </a:defRPr>
-                </a:pPr>
-                <a:r>
-                  <a:rPr sz="1000" b="0" i="0" u="none" strike="noStrike">
-                    <a:solidFill>
-                      <a:srgbClr val="428442"/>
-                    </a:solidFill>
-                    <a:latin typeface="Arial"/>
-                  </a:rPr>
-                  <a:t>医疗服务收入三年复合增长率</a:t>
-                </a:r>
-              </a:p>
-            </c:rich>
-          </c:tx>
-          <c:layout/>
-          <c:overlay val="0"/>
-        </c:title>
-        <c:numFmt formatCode="General" sourceLinked="0"/>
-        <c:majorTickMark val="none"/>
-        <c:minorTickMark val="none"/>
-        <c:tickLblPos val="nextTo"/>
-        <c:spPr>
-          <a:ln w="12700" cap="flat">
-            <a:solidFill>
-              <a:srgbClr val="888888"/>
-            </a:solidFill>
-            <a:prstDash val="solid"/>
-            <a:round/>
-          </a:ln>
-        </c:spPr>
-        <c:txPr>
-          <a:bodyPr/>
-          <a:lstStyle/>
-          <a:p>
-            <a:pPr>
-              <a:defRPr sz="1200" b="0" i="0" u="none" strike="noStrike">
-                <a:solidFill>
-                  <a:srgbClr val="000000"/>
-                </a:solidFill>
-                <a:latin typeface="Arial"/>
-              </a:defRPr>
-            </a:pPr>
-            <a:endParaRPr lang="en-US"/>
-          </a:p>
-        </c:txPr>
-        <c:crossAx val="2094734552"/>
-        <c:crosses val="autoZero"/>
-        <c:auto val="1"/>
-        <c:lblAlgn val="ctr"/>
-        <c:noMultiLvlLbl val="1"/>
-      </c:valAx>
-      <c:valAx>
-        <c:axId val="2094734552"/>
-        <c:scaling>
-          <c:orientation val="minMax"/>
-        </c:scaling>
-        <c:delete val="0"/>
-        <c:axPos val="l"/>
-        <c:majorGridlines>
-          <c:spPr>
-            <a:ln w="12700" cap="flat">
-              <a:solidFill>
-                <a:srgbClr val="D9D9D9"/>
-              </a:solidFill>
-              <a:prstDash val="solid"/>
-              <a:round/>
-            </a:ln>
-          </c:spPr>
-        </c:majorGridlines>
-        <c:title>
-          <c:tx>
-            <c:rich>
-              <a:bodyPr/>
-              <a:lstStyle/>
-              <a:p>
-                <a:pPr>
-                  <a:defRPr sz="1000" b="0" i="0" u="none" strike="noStrike">
-                    <a:solidFill>
-                      <a:srgbClr val="428442"/>
-                    </a:solidFill>
-                    <a:latin typeface="Arial"/>
-                  </a:defRPr>
-                </a:pPr>
-                <a:r>
-                  <a:rPr sz="1000" b="0" i="0" u="none" strike="noStrike">
-                    <a:solidFill>
-                      <a:srgbClr val="428442"/>
-                    </a:solidFill>
-                    <a:latin typeface="Arial"/>
-                  </a:rPr>
-                  <a:t>医疗服务收入占全院比重</a:t>
                 </a:r>
               </a:p>
             </c:rich>

--- a/cases/goodhostpital2021/对标分析报告.pg.pptx
+++ b/cases/goodhostpital2021/对标分析报告.pg.pptx
@@ -109,13 +109,13 @@
   <p:extLst>
     <p:ext uri="{521415D9-36F7-43E2-AB2F-B90AF26B5E84}">
       <p14:sectionLst xmlns:p14="http://schemas.microsoft.com/office/powerpoint/2010/main">
-        <p14:section name="院内专科BCG散点图" id="{2bbdce80-0fac-c9e3-eeaf-6542dd2122ea}">
+        <p14:section name="院内专科BCG散点图" id="{2f941c49-c1be-fd86-3e90-9f75e709feec}">
           <p14:sldIdLst>
             <p14:sldId id="257"/>
             <p14:sldId id="258"/>
           </p14:sldIdLst>
         </p14:section>
-        <p14:section name="院内专科梯队表格" id="{a6af568c-b415-db5c-a884-dc41304f3be0}">
+        <p14:section name="院内专科梯队表格" id="{efad73ac-885f-1abf-ad64-d8550350e7bd}">
           <p14:sldIdLst/>
         </p14:section>
       </p14:sectionLst>
@@ -127,7 +127,1261 @@
 </p:presentation>
 </file>
 
-<file path=ppt/charts/chart1429.xml><?xml version="1.0" encoding="utf-8"?>
+<file path=ppt/charts/chart1715.xml><?xml version="1.0" encoding="utf-8"?>
+<c:chartSpace xmlns:c="http://schemas.openxmlformats.org/drawingml/2006/chart" xmlns:a="http://schemas.openxmlformats.org/drawingml/2006/main" xmlns:r="http://schemas.openxmlformats.org/officeDocument/2006/relationships">
+  <c:date1904 val="0"/>
+  <c:chart>
+    <c:title>
+      <c:tx>
+        <c:rich>
+          <a:bodyPr/>
+          <a:lstStyle/>
+          <a:p>
+            <a:pPr>
+              <a:defRPr sz="1800" b="0" i="0" u="none" strike="noStrike">
+                <a:solidFill>
+                  <a:srgbClr val="000000"/>
+                </a:solidFill>
+                <a:latin typeface="Arial"/>
+              </a:defRPr>
+            </a:pPr>
+            <a:r>
+              <a:rPr sz="1800" b="0" i="0" u="none" strike="noStrike">
+                <a:solidFill>
+                  <a:srgbClr val="000000"/>
+                </a:solidFill>
+                <a:latin typeface="Arial"/>
+              </a:rPr>
+              <a:t>医疗服务收入三年复合增长率 vs 医疗服务收入占全院比重</a:t>
+            </a:r>
+          </a:p>
+        </c:rich>
+      </c:tx>
+      <c:layout/>
+      <c:overlay val="0"/>
+    </c:title>
+    <c:autoTitleDeleted val="0"/>
+    <c:plotArea>
+      <c:layout/>
+      <c:scatterChart>
+        <c:scatterStyle val="lineMarker"/>
+        <c:varyColors val="0"/>
+        <c:ser>
+          <c:idx val="0"/>
+          <c:order val="0"/>
+          <c:tx>
+            <c:strRef>
+              <c:f>Sheet1!$B$1</c:f>
+              <c:strCache>
+                <c:ptCount val="1"/>
+                <c:pt idx="0">
+                  <c:v>医疗服务收入三年复合增长率</c:v>
+                </c:pt>
+              </c:strCache>
+            </c:strRef>
+          </c:tx>
+          <c:spPr>
+            <a:solidFill>
+              <a:srgbClr val="C0504D"/>
+            </a:solidFill>
+            <a:ln>
+              <a:noFill/>
+            </a:ln>
+            <a:effectLst/>
+          </c:spPr>
+          <c:marker>
+            <c:symbol val="circle"/>
+            <c:size val="6"/>
+            <c:spPr>
+              <a:solidFill>
+                <a:srgbClr val="C0504D"/>
+              </a:solidFill>
+              <a:ln w="9525" cap="flat">
+                <a:solidFill>
+                  <a:srgbClr val="C0504D"/>
+                </a:solidFill>
+                <a:prstDash val="solid"/>
+                <a:round/>
+              </a:ln>
+              <a:effectLst/>
+            </c:spPr>
+          </c:marker>
+          <c:dLbls>
+            <c:dLbl>
+              <c:idx val="0"/>
+              <c:tx>
+                <c:rich>
+                  <a:bodyPr>
+                    <a:spAutoFit/>
+                  </a:bodyPr>
+                  <a:lstStyle/>
+                  <a:p>
+                    <a:pPr>
+                      <a:defRPr/>
+                    </a:pPr>
+                    <a:r>
+                      <a:rPr lang="en-US" dirty="0"/>
+                      <a:t>妇科妇二科合并</a:t>
+                    </a:r>
+                  </a:p>
+                </c:rich>
+              </c:tx>
+              <c:spPr>
+                <a:noFill/>
+                <a:ln>
+                  <a:noFill/>
+                </a:ln>
+                <a:effectLst/>
+              </c:spPr>
+              <c:dLblPos val="t"/>
+              <c:showLegendKey val="0"/>
+              <c:showVal val="0"/>
+              <c:showCatName val="0"/>
+              <c:showSerName val="0"/>
+              <c:showPercent val="0"/>
+              <c:showBubbleSize val="0"/>
+              <c:showLeaderLines val="1"/>
+              <c:extLst>
+                <c:ext xmlns:c15="http://schemas.microsoft.com/office/drawing/2012/chart" uri="{CE6537A1-D6FC-4f65-9D91-7224C49458BB}"/>
+                <c:ext xmlns:c16="http://schemas.microsoft.com/office/drawing/2014/chart" uri="{C3380CC4-5D6E-409C-BE32-E72D297353CC}">
+                  <c16:uniqueId val="{00000001-0285-150c-3d3b-f6f73db89a64}"/>
+                </c:ext>
+              </c:extLst>
+            </c:dLbl>
+            <c:dLbl>
+              <c:idx val="1"/>
+              <c:tx>
+                <c:rich>
+                  <a:bodyPr>
+                    <a:spAutoFit/>
+                  </a:bodyPr>
+                  <a:lstStyle/>
+                  <a:p>
+                    <a:pPr>
+                      <a:defRPr/>
+                    </a:pPr>
+                    <a:r>
+                      <a:rPr lang="en-US" dirty="0"/>
+                      <a:t>治未病中心</a:t>
+                    </a:r>
+                  </a:p>
+                </c:rich>
+              </c:tx>
+              <c:spPr>
+                <a:noFill/>
+                <a:ln>
+                  <a:noFill/>
+                </a:ln>
+                <a:effectLst/>
+              </c:spPr>
+              <c:dLblPos val="t"/>
+              <c:showLegendKey val="0"/>
+              <c:showVal val="0"/>
+              <c:showCatName val="0"/>
+              <c:showSerName val="0"/>
+              <c:showPercent val="0"/>
+              <c:showBubbleSize val="0"/>
+              <c:showLeaderLines val="1"/>
+              <c:extLst>
+                <c:ext xmlns:c15="http://schemas.microsoft.com/office/drawing/2012/chart" uri="{CE6537A1-D6FC-4f65-9D91-7224C49458BB}"/>
+                <c:ext xmlns:c16="http://schemas.microsoft.com/office/drawing/2014/chart" uri="{C3380CC4-5D6E-409C-BE32-E72D297353CC}">
+                  <c16:uniqueId val="{00000002-0285-150c-3d3b-f6f73db89a64}"/>
+                </c:ext>
+              </c:extLst>
+            </c:dLbl>
+            <c:dLbl>
+              <c:idx val="2"/>
+              <c:tx>
+                <c:rich>
+                  <a:bodyPr>
+                    <a:spAutoFit/>
+                  </a:bodyPr>
+                  <a:lstStyle/>
+                  <a:p>
+                    <a:pPr>
+                      <a:defRPr/>
+                    </a:pPr>
+                    <a:r>
+                      <a:rPr lang="en-US" dirty="0"/>
+                      <a:t>肝胆外科</a:t>
+                    </a:r>
+                  </a:p>
+                </c:rich>
+              </c:tx>
+              <c:spPr>
+                <a:noFill/>
+                <a:ln>
+                  <a:noFill/>
+                </a:ln>
+                <a:effectLst/>
+              </c:spPr>
+              <c:dLblPos val="t"/>
+              <c:showLegendKey val="0"/>
+              <c:showVal val="0"/>
+              <c:showCatName val="0"/>
+              <c:showSerName val="0"/>
+              <c:showPercent val="0"/>
+              <c:showBubbleSize val="0"/>
+              <c:showLeaderLines val="1"/>
+              <c:extLst>
+                <c:ext xmlns:c15="http://schemas.microsoft.com/office/drawing/2012/chart" uri="{CE6537A1-D6FC-4f65-9D91-7224C49458BB}"/>
+                <c:ext xmlns:c16="http://schemas.microsoft.com/office/drawing/2014/chart" uri="{C3380CC4-5D6E-409C-BE32-E72D297353CC}">
+                  <c16:uniqueId val="{00000003-0285-150c-3d3b-f6f73db89a64}"/>
+                </c:ext>
+              </c:extLst>
+            </c:dLbl>
+            <c:dLbl>
+              <c:idx val="3"/>
+              <c:tx>
+                <c:rich>
+                  <a:bodyPr>
+                    <a:spAutoFit/>
+                  </a:bodyPr>
+                  <a:lstStyle/>
+                  <a:p>
+                    <a:pPr>
+                      <a:defRPr/>
+                    </a:pPr>
+                    <a:r>
+                      <a:rPr lang="en-US" dirty="0"/>
+                      <a:t>儿科</a:t>
+                    </a:r>
+                  </a:p>
+                </c:rich>
+              </c:tx>
+              <c:spPr>
+                <a:noFill/>
+                <a:ln>
+                  <a:noFill/>
+                </a:ln>
+                <a:effectLst/>
+              </c:spPr>
+              <c:dLblPos val="t"/>
+              <c:showLegendKey val="0"/>
+              <c:showVal val="0"/>
+              <c:showCatName val="0"/>
+              <c:showSerName val="0"/>
+              <c:showPercent val="0"/>
+              <c:showBubbleSize val="0"/>
+              <c:showLeaderLines val="1"/>
+              <c:extLst>
+                <c:ext xmlns:c15="http://schemas.microsoft.com/office/drawing/2012/chart" uri="{CE6537A1-D6FC-4f65-9D91-7224C49458BB}"/>
+                <c:ext xmlns:c16="http://schemas.microsoft.com/office/drawing/2014/chart" uri="{C3380CC4-5D6E-409C-BE32-E72D297353CC}">
+                  <c16:uniqueId val="{00000004-0285-150c-3d3b-f6f73db89a64}"/>
+                </c:ext>
+              </c:extLst>
+            </c:dLbl>
+            <c:dLbl>
+              <c:idx val="4"/>
+              <c:tx>
+                <c:rich>
+                  <a:bodyPr>
+                    <a:spAutoFit/>
+                  </a:bodyPr>
+                  <a:lstStyle/>
+                  <a:p>
+                    <a:pPr>
+                      <a:defRPr/>
+                    </a:pPr>
+                    <a:r>
+                      <a:rPr lang="en-US" dirty="0"/>
+                      <a:t>骨科</a:t>
+                    </a:r>
+                  </a:p>
+                </c:rich>
+              </c:tx>
+              <c:spPr>
+                <a:noFill/>
+                <a:ln>
+                  <a:noFill/>
+                </a:ln>
+                <a:effectLst/>
+              </c:spPr>
+              <c:dLblPos val="t"/>
+              <c:showLegendKey val="0"/>
+              <c:showVal val="0"/>
+              <c:showCatName val="0"/>
+              <c:showSerName val="0"/>
+              <c:showPercent val="0"/>
+              <c:showBubbleSize val="0"/>
+              <c:showLeaderLines val="1"/>
+              <c:extLst>
+                <c:ext xmlns:c15="http://schemas.microsoft.com/office/drawing/2012/chart" uri="{CE6537A1-D6FC-4f65-9D91-7224C49458BB}"/>
+                <c:ext xmlns:c16="http://schemas.microsoft.com/office/drawing/2014/chart" uri="{C3380CC4-5D6E-409C-BE32-E72D297353CC}">
+                  <c16:uniqueId val="{00000005-0285-150c-3d3b-f6f73db89a64}"/>
+                </c:ext>
+              </c:extLst>
+            </c:dLbl>
+            <c:dLbl>
+              <c:idx val="5"/>
+              <c:tx>
+                <c:rich>
+                  <a:bodyPr>
+                    <a:spAutoFit/>
+                  </a:bodyPr>
+                  <a:lstStyle/>
+                  <a:p>
+                    <a:pPr>
+                      <a:defRPr/>
+                    </a:pPr>
+                    <a:r>
+                      <a:rPr lang="en-US" dirty="0"/>
+                      <a:t>肛肠科</a:t>
+                    </a:r>
+                  </a:p>
+                </c:rich>
+              </c:tx>
+              <c:spPr>
+                <a:noFill/>
+                <a:ln>
+                  <a:noFill/>
+                </a:ln>
+                <a:effectLst/>
+              </c:spPr>
+              <c:dLblPos val="t"/>
+              <c:showLegendKey val="0"/>
+              <c:showVal val="0"/>
+              <c:showCatName val="0"/>
+              <c:showSerName val="0"/>
+              <c:showPercent val="0"/>
+              <c:showBubbleSize val="0"/>
+              <c:showLeaderLines val="1"/>
+              <c:extLst>
+                <c:ext xmlns:c15="http://schemas.microsoft.com/office/drawing/2012/chart" uri="{CE6537A1-D6FC-4f65-9D91-7224C49458BB}"/>
+                <c:ext xmlns:c16="http://schemas.microsoft.com/office/drawing/2014/chart" uri="{C3380CC4-5D6E-409C-BE32-E72D297353CC}">
+                  <c16:uniqueId val="{00000006-0285-150c-3d3b-f6f73db89a64}"/>
+                </c:ext>
+              </c:extLst>
+            </c:dLbl>
+            <c:dLbl>
+              <c:idx val="6"/>
+              <c:tx>
+                <c:rich>
+                  <a:bodyPr>
+                    <a:spAutoFit/>
+                  </a:bodyPr>
+                  <a:lstStyle/>
+                  <a:p>
+                    <a:pPr>
+                      <a:defRPr/>
+                    </a:pPr>
+                    <a:r>
+                      <a:rPr lang="en-US" dirty="0"/>
+                      <a:t>肿瘤内科</a:t>
+                    </a:r>
+                  </a:p>
+                </c:rich>
+              </c:tx>
+              <c:spPr>
+                <a:noFill/>
+                <a:ln>
+                  <a:noFill/>
+                </a:ln>
+                <a:effectLst/>
+              </c:spPr>
+              <c:dLblPos val="t"/>
+              <c:showLegendKey val="0"/>
+              <c:showVal val="0"/>
+              <c:showCatName val="0"/>
+              <c:showSerName val="0"/>
+              <c:showPercent val="0"/>
+              <c:showBubbleSize val="0"/>
+              <c:showLeaderLines val="1"/>
+              <c:extLst>
+                <c:ext xmlns:c15="http://schemas.microsoft.com/office/drawing/2012/chart" uri="{CE6537A1-D6FC-4f65-9D91-7224C49458BB}"/>
+                <c:ext xmlns:c16="http://schemas.microsoft.com/office/drawing/2014/chart" uri="{C3380CC4-5D6E-409C-BE32-E72D297353CC}">
+                  <c16:uniqueId val="{00000007-0285-150c-3d3b-f6f73db89a64}"/>
+                </c:ext>
+              </c:extLst>
+            </c:dLbl>
+            <c:dLbl>
+              <c:idx val="7"/>
+              <c:tx>
+                <c:rich>
+                  <a:bodyPr>
+                    <a:spAutoFit/>
+                  </a:bodyPr>
+                  <a:lstStyle/>
+                  <a:p>
+                    <a:pPr>
+                      <a:defRPr/>
+                    </a:pPr>
+                    <a:r>
+                      <a:rPr lang="en-US" dirty="0"/>
+                      <a:t>风湿病科</a:t>
+                    </a:r>
+                  </a:p>
+                </c:rich>
+              </c:tx>
+              <c:spPr>
+                <a:noFill/>
+                <a:ln>
+                  <a:noFill/>
+                </a:ln>
+                <a:effectLst/>
+              </c:spPr>
+              <c:dLblPos val="t"/>
+              <c:showLegendKey val="0"/>
+              <c:showVal val="0"/>
+              <c:showCatName val="0"/>
+              <c:showSerName val="0"/>
+              <c:showPercent val="0"/>
+              <c:showBubbleSize val="0"/>
+              <c:showLeaderLines val="1"/>
+              <c:extLst>
+                <c:ext xmlns:c15="http://schemas.microsoft.com/office/drawing/2012/chart" uri="{CE6537A1-D6FC-4f65-9D91-7224C49458BB}"/>
+                <c:ext xmlns:c16="http://schemas.microsoft.com/office/drawing/2014/chart" uri="{C3380CC4-5D6E-409C-BE32-E72D297353CC}">
+                  <c16:uniqueId val="{00000008-0285-150c-3d3b-f6f73db89a64}"/>
+                </c:ext>
+              </c:extLst>
+            </c:dLbl>
+            <c:dLbl>
+              <c:idx val="8"/>
+              <c:tx>
+                <c:rich>
+                  <a:bodyPr>
+                    <a:spAutoFit/>
+                  </a:bodyPr>
+                  <a:lstStyle/>
+                  <a:p>
+                    <a:pPr>
+                      <a:defRPr/>
+                    </a:pPr>
+                    <a:r>
+                      <a:rPr lang="en-US" dirty="0"/>
+                      <a:t>眼科</a:t>
+                    </a:r>
+                  </a:p>
+                </c:rich>
+              </c:tx>
+              <c:spPr>
+                <a:noFill/>
+                <a:ln>
+                  <a:noFill/>
+                </a:ln>
+                <a:effectLst/>
+              </c:spPr>
+              <c:dLblPos val="t"/>
+              <c:showLegendKey val="0"/>
+              <c:showVal val="0"/>
+              <c:showCatName val="0"/>
+              <c:showSerName val="0"/>
+              <c:showPercent val="0"/>
+              <c:showBubbleSize val="0"/>
+              <c:showLeaderLines val="1"/>
+              <c:extLst>
+                <c:ext xmlns:c15="http://schemas.microsoft.com/office/drawing/2012/chart" uri="{CE6537A1-D6FC-4f65-9D91-7224C49458BB}"/>
+                <c:ext xmlns:c16="http://schemas.microsoft.com/office/drawing/2014/chart" uri="{C3380CC4-5D6E-409C-BE32-E72D297353CC}">
+                  <c16:uniqueId val="{00000009-0285-150c-3d3b-f6f73db89a64}"/>
+                </c:ext>
+              </c:extLst>
+            </c:dLbl>
+            <c:dLbl>
+              <c:idx val="9"/>
+              <c:tx>
+                <c:rich>
+                  <a:bodyPr>
+                    <a:spAutoFit/>
+                  </a:bodyPr>
+                  <a:lstStyle/>
+                  <a:p>
+                    <a:pPr>
+                      <a:defRPr/>
+                    </a:pPr>
+                    <a:r>
+                      <a:rPr lang="en-US" dirty="0"/>
+                      <a:t>脑病三科</a:t>
+                    </a:r>
+                  </a:p>
+                </c:rich>
+              </c:tx>
+              <c:spPr>
+                <a:noFill/>
+                <a:ln>
+                  <a:noFill/>
+                </a:ln>
+                <a:effectLst/>
+              </c:spPr>
+              <c:dLblPos val="t"/>
+              <c:showLegendKey val="0"/>
+              <c:showVal val="0"/>
+              <c:showCatName val="0"/>
+              <c:showSerName val="0"/>
+              <c:showPercent val="0"/>
+              <c:showBubbleSize val="0"/>
+              <c:showLeaderLines val="1"/>
+              <c:extLst>
+                <c:ext xmlns:c15="http://schemas.microsoft.com/office/drawing/2012/chart" uri="{CE6537A1-D6FC-4f65-9D91-7224C49458BB}"/>
+                <c:ext xmlns:c16="http://schemas.microsoft.com/office/drawing/2014/chart" uri="{C3380CC4-5D6E-409C-BE32-E72D297353CC}">
+                  <c16:uniqueId val="{00000010-0285-150c-3d3b-f6f73db89a64}"/>
+                </c:ext>
+              </c:extLst>
+            </c:dLbl>
+            <c:dLbl>
+              <c:idx val="10"/>
+              <c:tx>
+                <c:rich>
+                  <a:bodyPr>
+                    <a:spAutoFit/>
+                  </a:bodyPr>
+                  <a:lstStyle/>
+                  <a:p>
+                    <a:pPr>
+                      <a:defRPr/>
+                    </a:pPr>
+                    <a:r>
+                      <a:rPr lang="en-US" dirty="0"/>
+                      <a:t>皮肤科</a:t>
+                    </a:r>
+                  </a:p>
+                </c:rich>
+              </c:tx>
+              <c:spPr>
+                <a:noFill/>
+                <a:ln>
+                  <a:noFill/>
+                </a:ln>
+                <a:effectLst/>
+              </c:spPr>
+              <c:dLblPos val="t"/>
+              <c:showLegendKey val="0"/>
+              <c:showVal val="0"/>
+              <c:showCatName val="0"/>
+              <c:showSerName val="0"/>
+              <c:showPercent val="0"/>
+              <c:showBubbleSize val="0"/>
+              <c:showLeaderLines val="1"/>
+              <c:extLst>
+                <c:ext xmlns:c15="http://schemas.microsoft.com/office/drawing/2012/chart" uri="{CE6537A1-D6FC-4f65-9D91-7224C49458BB}"/>
+                <c:ext xmlns:c16="http://schemas.microsoft.com/office/drawing/2014/chart" uri="{C3380CC4-5D6E-409C-BE32-E72D297353CC}">
+                  <c16:uniqueId val="{00000011-0285-150c-3d3b-f6f73db89a64}"/>
+                </c:ext>
+              </c:extLst>
+            </c:dLbl>
+            <c:dLbl>
+              <c:idx val="11"/>
+              <c:tx>
+                <c:rich>
+                  <a:bodyPr>
+                    <a:spAutoFit/>
+                  </a:bodyPr>
+                  <a:lstStyle/>
+                  <a:p>
+                    <a:pPr>
+                      <a:defRPr/>
+                    </a:pPr>
+                    <a:r>
+                      <a:rPr lang="en-US" dirty="0"/>
+                      <a:t>消化内科</a:t>
+                    </a:r>
+                  </a:p>
+                </c:rich>
+              </c:tx>
+              <c:spPr>
+                <a:noFill/>
+                <a:ln>
+                  <a:noFill/>
+                </a:ln>
+                <a:effectLst/>
+              </c:spPr>
+              <c:dLblPos val="t"/>
+              <c:showLegendKey val="0"/>
+              <c:showVal val="0"/>
+              <c:showCatName val="0"/>
+              <c:showSerName val="0"/>
+              <c:showPercent val="0"/>
+              <c:showBubbleSize val="0"/>
+              <c:showLeaderLines val="1"/>
+              <c:extLst>
+                <c:ext xmlns:c15="http://schemas.microsoft.com/office/drawing/2012/chart" uri="{CE6537A1-D6FC-4f65-9D91-7224C49458BB}"/>
+                <c:ext xmlns:c16="http://schemas.microsoft.com/office/drawing/2014/chart" uri="{C3380CC4-5D6E-409C-BE32-E72D297353CC}">
+                  <c16:uniqueId val="{00000012-0285-150c-3d3b-f6f73db89a64}"/>
+                </c:ext>
+              </c:extLst>
+            </c:dLbl>
+            <c:dLbl>
+              <c:idx val="12"/>
+              <c:tx>
+                <c:rich>
+                  <a:bodyPr>
+                    <a:spAutoFit/>
+                  </a:bodyPr>
+                  <a:lstStyle/>
+                  <a:p>
+                    <a:pPr>
+                      <a:defRPr/>
+                    </a:pPr>
+                    <a:r>
+                      <a:rPr lang="en-US" dirty="0"/>
+                      <a:t>血液科</a:t>
+                    </a:r>
+                  </a:p>
+                </c:rich>
+              </c:tx>
+              <c:spPr>
+                <a:noFill/>
+                <a:ln>
+                  <a:noFill/>
+                </a:ln>
+                <a:effectLst/>
+              </c:spPr>
+              <c:dLblPos val="t"/>
+              <c:showLegendKey val="0"/>
+              <c:showVal val="0"/>
+              <c:showCatName val="0"/>
+              <c:showSerName val="0"/>
+              <c:showPercent val="0"/>
+              <c:showBubbleSize val="0"/>
+              <c:showLeaderLines val="1"/>
+              <c:extLst>
+                <c:ext xmlns:c15="http://schemas.microsoft.com/office/drawing/2012/chart" uri="{CE6537A1-D6FC-4f65-9D91-7224C49458BB}"/>
+                <c:ext xmlns:c16="http://schemas.microsoft.com/office/drawing/2014/chart" uri="{C3380CC4-5D6E-409C-BE32-E72D297353CC}">
+                  <c16:uniqueId val="{00000013-0285-150c-3d3b-f6f73db89a64}"/>
+                </c:ext>
+              </c:extLst>
+            </c:dLbl>
+            <c:dLbl>
+              <c:idx val="13"/>
+              <c:tx>
+                <c:rich>
+                  <a:bodyPr>
+                    <a:spAutoFit/>
+                  </a:bodyPr>
+                  <a:lstStyle/>
+                  <a:p>
+                    <a:pPr>
+                      <a:defRPr/>
+                    </a:pPr>
+                    <a:r>
+                      <a:rPr lang="en-US" dirty="0"/>
+                      <a:t>普通外科</a:t>
+                    </a:r>
+                  </a:p>
+                </c:rich>
+              </c:tx>
+              <c:spPr>
+                <a:noFill/>
+                <a:ln>
+                  <a:noFill/>
+                </a:ln>
+                <a:effectLst/>
+              </c:spPr>
+              <c:dLblPos val="t"/>
+              <c:showLegendKey val="0"/>
+              <c:showVal val="0"/>
+              <c:showCatName val="0"/>
+              <c:showSerName val="0"/>
+              <c:showPercent val="0"/>
+              <c:showBubbleSize val="0"/>
+              <c:showLeaderLines val="1"/>
+              <c:extLst>
+                <c:ext xmlns:c15="http://schemas.microsoft.com/office/drawing/2012/chart" uri="{CE6537A1-D6FC-4f65-9D91-7224C49458BB}"/>
+                <c:ext xmlns:c16="http://schemas.microsoft.com/office/drawing/2014/chart" uri="{C3380CC4-5D6E-409C-BE32-E72D297353CC}">
+                  <c16:uniqueId val="{00000014-0285-150c-3d3b-f6f73db89a64}"/>
+                </c:ext>
+              </c:extLst>
+            </c:dLbl>
+            <c:dLbl>
+              <c:idx val="14"/>
+              <c:tx>
+                <c:rich>
+                  <a:bodyPr>
+                    <a:spAutoFit/>
+                  </a:bodyPr>
+                  <a:lstStyle/>
+                  <a:p>
+                    <a:pPr>
+                      <a:defRPr/>
+                    </a:pPr>
+                    <a:r>
+                      <a:rPr lang="en-US" dirty="0"/>
+                      <a:t>综合内科</a:t>
+                    </a:r>
+                  </a:p>
+                </c:rich>
+              </c:tx>
+              <c:spPr>
+                <a:noFill/>
+                <a:ln>
+                  <a:noFill/>
+                </a:ln>
+                <a:effectLst/>
+              </c:spPr>
+              <c:dLblPos val="t"/>
+              <c:showLegendKey val="0"/>
+              <c:showVal val="0"/>
+              <c:showCatName val="0"/>
+              <c:showSerName val="0"/>
+              <c:showPercent val="0"/>
+              <c:showBubbleSize val="0"/>
+              <c:showLeaderLines val="1"/>
+              <c:extLst>
+                <c:ext xmlns:c15="http://schemas.microsoft.com/office/drawing/2012/chart" uri="{CE6537A1-D6FC-4f65-9D91-7224C49458BB}"/>
+                <c:ext xmlns:c16="http://schemas.microsoft.com/office/drawing/2014/chart" uri="{C3380CC4-5D6E-409C-BE32-E72D297353CC}">
+                  <c16:uniqueId val="{00000015-0285-150c-3d3b-f6f73db89a64}"/>
+                </c:ext>
+              </c:extLst>
+            </c:dLbl>
+            <c:dLbl>
+              <c:idx val="15"/>
+              <c:tx>
+                <c:rich>
+                  <a:bodyPr>
+                    <a:spAutoFit/>
+                  </a:bodyPr>
+                  <a:lstStyle/>
+                  <a:p>
+                    <a:pPr>
+                      <a:defRPr/>
+                    </a:pPr>
+                    <a:r>
+                      <a:rPr lang="en-US" dirty="0"/>
+                      <a:t>针灸科</a:t>
+                    </a:r>
+                  </a:p>
+                </c:rich>
+              </c:tx>
+              <c:spPr>
+                <a:noFill/>
+                <a:ln>
+                  <a:noFill/>
+                </a:ln>
+                <a:effectLst/>
+              </c:spPr>
+              <c:dLblPos val="t"/>
+              <c:showLegendKey val="0"/>
+              <c:showVal val="0"/>
+              <c:showCatName val="0"/>
+              <c:showSerName val="0"/>
+              <c:showPercent val="0"/>
+              <c:showBubbleSize val="0"/>
+              <c:showLeaderLines val="1"/>
+              <c:extLst>
+                <c:ext xmlns:c15="http://schemas.microsoft.com/office/drawing/2012/chart" uri="{CE6537A1-D6FC-4f65-9D91-7224C49458BB}"/>
+                <c:ext xmlns:c16="http://schemas.microsoft.com/office/drawing/2014/chart" uri="{C3380CC4-5D6E-409C-BE32-E72D297353CC}">
+                  <c16:uniqueId val="{00000016-0285-150c-3d3b-f6f73db89a64}"/>
+                </c:ext>
+              </c:extLst>
+            </c:dLbl>
+            <c:dLbl>
+              <c:idx val="16"/>
+              <c:tx>
+                <c:rich>
+                  <a:bodyPr>
+                    <a:spAutoFit/>
+                  </a:bodyPr>
+                  <a:lstStyle/>
+                  <a:p>
+                    <a:pPr>
+                      <a:defRPr/>
+                    </a:pPr>
+                    <a:r>
+                      <a:rPr lang="en-US" dirty="0"/>
+                      <a:t>妇科</a:t>
+                    </a:r>
+                  </a:p>
+                </c:rich>
+              </c:tx>
+              <c:spPr>
+                <a:noFill/>
+                <a:ln>
+                  <a:noFill/>
+                </a:ln>
+                <a:effectLst/>
+              </c:spPr>
+              <c:dLblPos val="t"/>
+              <c:showLegendKey val="0"/>
+              <c:showVal val="0"/>
+              <c:showCatName val="0"/>
+              <c:showSerName val="0"/>
+              <c:showPercent val="0"/>
+              <c:showBubbleSize val="0"/>
+              <c:showLeaderLines val="1"/>
+              <c:extLst>
+                <c:ext xmlns:c15="http://schemas.microsoft.com/office/drawing/2012/chart" uri="{CE6537A1-D6FC-4f65-9D91-7224C49458BB}"/>
+                <c:ext xmlns:c16="http://schemas.microsoft.com/office/drawing/2014/chart" uri="{C3380CC4-5D6E-409C-BE32-E72D297353CC}">
+                  <c16:uniqueId val="{00000017-0285-150c-3d3b-f6f73db89a64}"/>
+                </c:ext>
+              </c:extLst>
+            </c:dLbl>
+            <c:dLbl>
+              <c:idx val="17"/>
+              <c:tx>
+                <c:rich>
+                  <a:bodyPr>
+                    <a:spAutoFit/>
+                  </a:bodyPr>
+                  <a:lstStyle/>
+                  <a:p>
+                    <a:pPr>
+                      <a:defRPr/>
+                    </a:pPr>
+                    <a:r>
+                      <a:rPr lang="en-US" dirty="0"/>
+                      <a:t>西区重症医学科</a:t>
+                    </a:r>
+                  </a:p>
+                </c:rich>
+              </c:tx>
+              <c:spPr>
+                <a:noFill/>
+                <a:ln>
+                  <a:noFill/>
+                </a:ln>
+                <a:effectLst/>
+              </c:spPr>
+              <c:dLblPos val="t"/>
+              <c:showLegendKey val="0"/>
+              <c:showVal val="0"/>
+              <c:showCatName val="0"/>
+              <c:showSerName val="0"/>
+              <c:showPercent val="0"/>
+              <c:showBubbleSize val="0"/>
+              <c:showLeaderLines val="1"/>
+              <c:extLst>
+                <c:ext xmlns:c15="http://schemas.microsoft.com/office/drawing/2012/chart" uri="{CE6537A1-D6FC-4f65-9D91-7224C49458BB}"/>
+                <c:ext xmlns:c16="http://schemas.microsoft.com/office/drawing/2014/chart" uri="{C3380CC4-5D6E-409C-BE32-E72D297353CC}">
+                  <c16:uniqueId val="{00000018-0285-150c-3d3b-f6f73db89a64}"/>
+                </c:ext>
+              </c:extLst>
+            </c:dLbl>
+            <c:dLbl>
+              <c:idx val="18"/>
+              <c:tx>
+                <c:rich>
+                  <a:bodyPr>
+                    <a:spAutoFit/>
+                  </a:bodyPr>
+                  <a:lstStyle/>
+                  <a:p>
+                    <a:pPr>
+                      <a:defRPr/>
+                    </a:pPr>
+                    <a:r>
+                      <a:rPr lang="en-US" dirty="0"/>
+                      <a:t>美容皮肤科</a:t>
+                    </a:r>
+                  </a:p>
+                </c:rich>
+              </c:tx>
+              <c:spPr>
+                <a:noFill/>
+                <a:ln>
+                  <a:noFill/>
+                </a:ln>
+                <a:effectLst/>
+              </c:spPr>
+              <c:dLblPos val="t"/>
+              <c:showLegendKey val="0"/>
+              <c:showVal val="0"/>
+              <c:showCatName val="0"/>
+              <c:showSerName val="0"/>
+              <c:showPercent val="0"/>
+              <c:showBubbleSize val="0"/>
+              <c:showLeaderLines val="1"/>
+              <c:extLst>
+                <c:ext xmlns:c15="http://schemas.microsoft.com/office/drawing/2012/chart" uri="{CE6537A1-D6FC-4f65-9D91-7224C49458BB}"/>
+                <c:ext xmlns:c16="http://schemas.microsoft.com/office/drawing/2014/chart" uri="{C3380CC4-5D6E-409C-BE32-E72D297353CC}">
+                  <c16:uniqueId val="{00000019-0285-150c-3d3b-f6f73db89a64}"/>
+                </c:ext>
+              </c:extLst>
+            </c:dLbl>
+            <c:dLbl>
+              <c:idx val="19"/>
+              <c:tx>
+                <c:rich>
+                  <a:bodyPr>
+                    <a:spAutoFit/>
+                  </a:bodyPr>
+                  <a:lstStyle/>
+                  <a:p>
+                    <a:pPr>
+                      <a:defRPr/>
+                    </a:pPr>
+                    <a:r>
+                      <a:rPr lang="en-US" dirty="0"/>
+                      <a:t>中医经典科</a:t>
+                    </a:r>
+                  </a:p>
+                </c:rich>
+              </c:tx>
+              <c:spPr>
+                <a:noFill/>
+                <a:ln>
+                  <a:noFill/>
+                </a:ln>
+                <a:effectLst/>
+              </c:spPr>
+              <c:dLblPos val="t"/>
+              <c:showLegendKey val="0"/>
+              <c:showVal val="0"/>
+              <c:showCatName val="0"/>
+              <c:showSerName val="0"/>
+              <c:showPercent val="0"/>
+              <c:showBubbleSize val="0"/>
+              <c:showLeaderLines val="1"/>
+              <c:extLst>
+                <c:ext xmlns:c15="http://schemas.microsoft.com/office/drawing/2012/chart" uri="{CE6537A1-D6FC-4f65-9D91-7224C49458BB}"/>
+                <c:ext xmlns:c16="http://schemas.microsoft.com/office/drawing/2014/chart" uri="{C3380CC4-5D6E-409C-BE32-E72D297353CC}">
+                  <c16:uniqueId val="{00000020-0285-150c-3d3b-f6f73db89a64}"/>
+                </c:ext>
+              </c:extLst>
+            </c:dLbl>
+          </c:dLbls>
+          <c:xVal>
+            <c:numRef>
+              <c:f>Sheet1!$A$2:$A$21</c:f>
+              <c:numCache>
+                <c:formatCode>General</c:formatCode>
+                <c:ptCount val="20"/>
+                <c:pt idx="0">
+                  <c:v>0.0007183514522676783</c:v>
+                </c:pt>
+                <c:pt idx="1">
+                  <c:v>0.001215766208315914</c:v>
+                </c:pt>
+                <c:pt idx="2">
+                  <c:v>0.0021611762116736824</c:v>
+                </c:pt>
+                <c:pt idx="3">
+                  <c:v>0.000013469631247805962</c:v>
+                </c:pt>
+                <c:pt idx="4">
+                  <c:v>0.0007282196080157905</c:v>
+                </c:pt>
+                <c:pt idx="5">
+                  <c:v>0.0010900813510269663</c:v>
+                </c:pt>
+                <c:pt idx="6">
+                  <c:v>0.0004762480861564215</c:v>
+                </c:pt>
+                <c:pt idx="7">
+                  <c:v>0.00018705572705727448</c:v>
+                </c:pt>
+                <c:pt idx="8">
+                  <c:v>0.0014402384651867634</c:v>
+                </c:pt>
+                <c:pt idx="9">
+                  <c:v>0.002101937880029362</c:v>
+                </c:pt>
+                <c:pt idx="10">
+                  <c:v>0.0023287750235857886</c:v>
+                </c:pt>
+                <c:pt idx="11">
+                  <c:v>0.0020597415468542766</c:v>
+                </c:pt>
+                <c:pt idx="12">
+                  <c:v>0.0008503262722892196</c:v>
+                </c:pt>
+                <c:pt idx="13">
+                  <c:v>0.0011568110177094869</c:v>
+                </c:pt>
+                <c:pt idx="14">
+                  <c:v>0.0023438049191328828</c:v>
+                </c:pt>
+                <c:pt idx="15">
+                  <c:v>0.001827106474841551</c:v>
+                </c:pt>
+                <c:pt idx="16">
+                  <c:v>0.0002279939506276359</c:v>
+                </c:pt>
+                <c:pt idx="17">
+                  <c:v>0.00008442277324696835</c:v>
+                </c:pt>
+                <c:pt idx="18">
+                  <c:v>0.000659839125371914</c:v>
+                </c:pt>
+                <c:pt idx="19">
+                  <c:v>0.00041660839315504233</c:v>
+                </c:pt>
+              </c:numCache>
+            </c:numRef>
+          </c:xVal>
+          <c:yVal>
+            <c:numRef>
+              <c:f>Sheet1!$B$2:$B$21</c:f>
+              <c:numCache>
+                <c:formatCode>General</c:formatCode>
+                <c:ptCount val="20"/>
+                <c:pt idx="0">
+                  <c:v>100</c:v>
+                </c:pt>
+                <c:pt idx="1">
+                  <c:v>55.33504997068951</c:v>
+                </c:pt>
+                <c:pt idx="2">
+                  <c:v>54.61090175640158</c:v>
+                </c:pt>
+                <c:pt idx="3">
+                  <c:v>41.46117263050667</c:v>
+                </c:pt>
+                <c:pt idx="4">
+                  <c:v>31.62247906855724</c:v>
+                </c:pt>
+                <c:pt idx="5">
+                  <c:v>30.739223524993694</c:v>
+                </c:pt>
+                <c:pt idx="6">
+                  <c:v>29.98133578727966</c:v>
+                </c:pt>
+                <c:pt idx="7">
+                  <c:v>28.45416530765742</c:v>
+                </c:pt>
+                <c:pt idx="8">
+                  <c:v>22.97788115153934</c:v>
+                </c:pt>
+                <c:pt idx="9">
+                  <c:v>21.334663402292595</c:v>
+                </c:pt>
+                <c:pt idx="10">
+                  <c:v>20.53306631266245</c:v>
+                </c:pt>
+                <c:pt idx="11">
+                  <c:v>20.28604353006543</c:v>
+                </c:pt>
+                <c:pt idx="12">
+                  <c:v>19.978725109555516</c:v>
+                </c:pt>
+                <c:pt idx="13">
+                  <c:v>19.4687007300687</c:v>
+                </c:pt>
+                <c:pt idx="14">
+                  <c:v>19.4028508685644</c:v>
+                </c:pt>
+                <c:pt idx="15">
+                  <c:v>18.72649943774408</c:v>
+                </c:pt>
+                <c:pt idx="16">
+                  <c:v>17.995425925134693</c:v>
+                </c:pt>
+                <c:pt idx="17">
+                  <c:v>17.754064180980098</c:v>
+                </c:pt>
+                <c:pt idx="18">
+                  <c:v>17.396274321638916</c:v>
+                </c:pt>
+                <c:pt idx="19">
+                  <c:v>17.164614839461688</c:v>
+                </c:pt>
+              </c:numCache>
+            </c:numRef>
+          </c:yVal>
+          <c:smooth val="0"/>
+        </c:ser>
+        <c:dLbls>
+          <c:numFmt formatCode="General" sourceLinked="0"/>
+          <c:txPr>
+            <a:bodyPr/>
+            <a:lstStyle/>
+            <a:p>
+              <a:pPr>
+                <a:defRPr b="0" i="0" strike="noStrike" sz="1200" u="none">
+                  <a:solidFill>
+                    <a:srgbClr val="000000"/>
+                  </a:solidFill>
+                  <a:latin typeface="Arial"/>
+                </a:defRPr>
+              </a:pPr>
+            </a:p>
+          </c:txPr>
+          <c:dLblPos val="t"/>
+          <c:showLegendKey val="0"/>
+          <c:showVal val="0"/>
+          <c:showCatName val="0"/>
+          <c:showSerName val="0"/>
+          <c:showPercent val="0"/>
+          <c:showBubbleSize val="0"/>
+        </c:dLbls>
+        <c:axId val="2094734554"/>
+        <c:axId val="2094734552"/>
+      </c:scatterChart>
+      <c:valAx>
+        <c:axId val="2094734554"/>
+        <c:scaling>
+          <c:orientation val="minMax"/>
+        </c:scaling>
+        <c:delete val="0"/>
+        <c:axPos val="b"/>
+        <c:majorGridlines>
+          <c:spPr>
+            <a:ln w="12700" cap="flat">
+              <a:solidFill>
+                <a:srgbClr val="D9D9D9"/>
+              </a:solidFill>
+              <a:prstDash val="solid"/>
+              <a:round/>
+            </a:ln>
+          </c:spPr>
+        </c:majorGridlines>
+        <c:title>
+          <c:tx>
+            <c:rich>
+              <a:bodyPr/>
+              <a:lstStyle/>
+              <a:p>
+                <a:pPr>
+                  <a:defRPr sz="1000" b="0" i="0" u="none" strike="noStrike">
+                    <a:solidFill>
+                      <a:srgbClr val="428442"/>
+                    </a:solidFill>
+                    <a:latin typeface="Arial"/>
+                  </a:defRPr>
+                </a:pPr>
+                <a:r>
+                  <a:rPr sz="1000" b="0" i="0" u="none" strike="noStrike">
+                    <a:solidFill>
+                      <a:srgbClr val="428442"/>
+                    </a:solidFill>
+                    <a:latin typeface="Arial"/>
+                  </a:rPr>
+                  <a:t>医疗服务收入占全院比重</a:t>
+                </a:r>
+              </a:p>
+            </c:rich>
+          </c:tx>
+          <c:layout/>
+          <c:overlay val="0"/>
+        </c:title>
+        <c:numFmt formatCode="General" sourceLinked="0"/>
+        <c:majorTickMark val="none"/>
+        <c:minorTickMark val="none"/>
+        <c:tickLblPos val="nextTo"/>
+        <c:spPr>
+          <a:ln w="12700" cap="flat">
+            <a:solidFill>
+              <a:srgbClr val="888888"/>
+            </a:solidFill>
+            <a:prstDash val="solid"/>
+            <a:round/>
+          </a:ln>
+        </c:spPr>
+        <c:txPr>
+          <a:bodyPr/>
+          <a:lstStyle/>
+          <a:p>
+            <a:pPr>
+              <a:defRPr sz="1200" b="0" i="0" u="none" strike="noStrike">
+                <a:solidFill>
+                  <a:srgbClr val="000000"/>
+                </a:solidFill>
+                <a:latin typeface="Arial"/>
+              </a:defRPr>
+            </a:pPr>
+            <a:endParaRPr lang="en-US"/>
+          </a:p>
+        </c:txPr>
+        <c:crossAx val="2094734552"/>
+        <c:crosses val="autoZero"/>
+        <c:auto val="1"/>
+        <c:lblAlgn val="ctr"/>
+        <c:noMultiLvlLbl val="1"/>
+      </c:valAx>
+      <c:valAx>
+        <c:axId val="2094734552"/>
+        <c:scaling>
+          <c:orientation val="minMax"/>
+        </c:scaling>
+        <c:delete val="0"/>
+        <c:axPos val="l"/>
+        <c:majorGridlines>
+          <c:spPr>
+            <a:ln w="12700" cap="flat">
+              <a:solidFill>
+                <a:srgbClr val="D9D9D9"/>
+              </a:solidFill>
+              <a:prstDash val="solid"/>
+              <a:round/>
+            </a:ln>
+          </c:spPr>
+        </c:majorGridlines>
+        <c:title>
+          <c:tx>
+            <c:rich>
+              <a:bodyPr/>
+              <a:lstStyle/>
+              <a:p>
+                <a:pPr>
+                  <a:defRPr sz="1000" b="0" i="0" u="none" strike="noStrike">
+                    <a:solidFill>
+                      <a:srgbClr val="428442"/>
+                    </a:solidFill>
+                    <a:latin typeface="Arial"/>
+                  </a:defRPr>
+                </a:pPr>
+                <a:r>
+                  <a:rPr sz="1000" b="0" i="0" u="none" strike="noStrike">
+                    <a:solidFill>
+                      <a:srgbClr val="428442"/>
+                    </a:solidFill>
+                    <a:latin typeface="Arial"/>
+                  </a:rPr>
+                  <a:t>医疗服务收入三年复合增长率</a:t>
+                </a:r>
+              </a:p>
+            </c:rich>
+          </c:tx>
+          <c:layout/>
+          <c:overlay val="0"/>
+        </c:title>
+        <c:numFmt formatCode="General" sourceLinked="0"/>
+        <c:majorTickMark val="none"/>
+        <c:minorTickMark val="none"/>
+        <c:tickLblPos val="nextTo"/>
+        <c:spPr>
+          <a:ln w="12700" cap="flat">
+            <a:solidFill>
+              <a:srgbClr val="888888"/>
+            </a:solidFill>
+            <a:prstDash val="solid"/>
+            <a:round/>
+          </a:ln>
+        </c:spPr>
+        <c:txPr>
+          <a:bodyPr/>
+          <a:lstStyle/>
+          <a:p>
+            <a:pPr>
+              <a:defRPr sz="1200" b="0" i="0" u="none" strike="noStrike">
+                <a:solidFill>
+                  <a:srgbClr val="000000"/>
+                </a:solidFill>
+                <a:latin typeface="Arial"/>
+              </a:defRPr>
+            </a:pPr>
+            <a:endParaRPr lang="en-US"/>
+          </a:p>
+        </c:txPr>
+        <c:crossAx val="2094734554"/>
+        <c:crosses val="autoZero"/>
+        <c:crossBetween val="midCat"/>
+      </c:valAx>
+      <c:spPr>
+        <a:noFill/>
+        <a:ln>
+          <a:noFill/>
+        </a:ln>
+        <a:effectLst/>
+      </c:spPr>
+    </c:plotArea>
+    <c:plotVisOnly val="1"/>
+    <c:dispBlanksAs val="span"/>
+    <c:showDLblsOverMax val="1"/>
+  </c:chart>
+  <c:spPr>
+    <a:noFill/>
+    <a:ln w="12700" cap="flat">
+      <a:noFill/>
+      <a:miter lim="400000"/>
+    </a:ln>
+    <a:effectLst/>
+  </c:spPr>
+  <c:externalData r:id="rId1">
+    <c:autoUpdate val="0"/>
+  </c:externalData>
+</c:chartSpace>
+</file>
+
+<file path=ppt/charts/chart1716.xml><?xml version="1.0" encoding="utf-8"?>
 <c:chartSpace xmlns:c="http://schemas.openxmlformats.org/drawingml/2006/chart" xmlns:a="http://schemas.openxmlformats.org/drawingml/2006/main" xmlns:r="http://schemas.openxmlformats.org/officeDocument/2006/relationships">
   <c:date1904 val="0"/>
   <c:chart>
@@ -244,7 +1498,7 @@
               <c:extLst>
                 <c:ext xmlns:c15="http://schemas.microsoft.com/office/drawing/2012/chart" uri="{CE6537A1-D6FC-4f65-9D91-7224C49458BB}"/>
                 <c:ext xmlns:c16="http://schemas.microsoft.com/office/drawing/2014/chart" uri="{C3380CC4-5D6E-409C-BE32-E72D297353CC}">
-                  <c16:uniqueId val="{00000001-f5cf-861d-ff46-c02243c8b91e}"/>
+                  <c16:uniqueId val="{00000001-9b69-1933-6e94-ad52d4f4a4ee}"/>
                 </c:ext>
               </c:extLst>
             </c:dLbl>
@@ -262,7 +1516,7 @@
                     </a:pPr>
                     <a:r>
                       <a:rPr lang="en-US" dirty="0"/>
-                      <a:t>小儿推拿科</a:t>
+                      <a:t>神经外科</a:t>
                     </a:r>
                   </a:p>
                 </c:rich>
@@ -285,12 +1539,53 @@
               <c:extLst>
                 <c:ext xmlns:c15="http://schemas.microsoft.com/office/drawing/2012/chart" uri="{CE6537A1-D6FC-4f65-9D91-7224C49458BB}"/>
                 <c:ext xmlns:c16="http://schemas.microsoft.com/office/drawing/2014/chart" uri="{C3380CC4-5D6E-409C-BE32-E72D297353CC}">
-                  <c16:uniqueId val="{00000002-f5cf-861d-ff46-c02243c8b91e}"/>
+                  <c16:uniqueId val="{00000002-9b69-1933-6e94-ad52d4f4a4ee}"/>
                 </c:ext>
               </c:extLst>
             </c:dLbl>
             <c:dLbl>
               <c:idx val="2"/>
+              <c:tx>
+                <c:rich>
+                  <a:bodyPr>
+                    <a:spAutoFit/>
+                  </a:bodyPr>
+                  <a:lstStyle/>
+                  <a:p>
+                    <a:pPr>
+                      <a:defRPr/>
+                    </a:pPr>
+                    <a:r>
+                      <a:rPr lang="en-US" dirty="0"/>
+                      <a:t>肾脏内科</a:t>
+                    </a:r>
+                  </a:p>
+                </c:rich>
+              </c:tx>
+              <c:spPr>
+                <a:noFill/>
+                <a:ln>
+                  <a:noFill/>
+                </a:ln>
+                <a:effectLst/>
+              </c:spPr>
+              <c:dLblPos val="t"/>
+              <c:showLegendKey val="0"/>
+              <c:showVal val="0"/>
+              <c:showCatName val="0"/>
+              <c:showSerName val="0"/>
+              <c:showPercent val="0"/>
+              <c:showBubbleSize val="0"/>
+              <c:showLeaderLines val="1"/>
+              <c:extLst>
+                <c:ext xmlns:c15="http://schemas.microsoft.com/office/drawing/2012/chart" uri="{CE6537A1-D6FC-4f65-9D91-7224C49458BB}"/>
+                <c:ext xmlns:c16="http://schemas.microsoft.com/office/drawing/2014/chart" uri="{C3380CC4-5D6E-409C-BE32-E72D297353CC}">
+                  <c16:uniqueId val="{00000003-9b69-1933-6e94-ad52d4f4a4ee}"/>
+                </c:ext>
+              </c:extLst>
+            </c:dLbl>
+            <c:dLbl>
+              <c:idx val="3"/>
               <c:tx>
                 <c:rich>
                   <a:bodyPr>
@@ -326,12 +1621,12 @@
               <c:extLst>
                 <c:ext xmlns:c15="http://schemas.microsoft.com/office/drawing/2012/chart" uri="{CE6537A1-D6FC-4f65-9D91-7224C49458BB}"/>
                 <c:ext xmlns:c16="http://schemas.microsoft.com/office/drawing/2014/chart" uri="{C3380CC4-5D6E-409C-BE32-E72D297353CC}">
-                  <c16:uniqueId val="{00000003-f5cf-861d-ff46-c02243c8b91e}"/>
+                  <c16:uniqueId val="{00000004-9b69-1933-6e94-ad52d4f4a4ee}"/>
                 </c:ext>
               </c:extLst>
             </c:dLbl>
             <c:dLbl>
-              <c:idx val="3"/>
+              <c:idx val="4"/>
               <c:tx>
                 <c:rich>
                   <a:bodyPr>
@@ -344,7 +1639,7 @@
                     </a:pPr>
                     <a:r>
                       <a:rPr lang="en-US" dirty="0"/>
-                      <a:t>乳腺甲状腺外科</a:t>
+                      <a:t>显微骨科</a:t>
                     </a:r>
                   </a:p>
                 </c:rich>
@@ -367,12 +1662,12 @@
               <c:extLst>
                 <c:ext xmlns:c15="http://schemas.microsoft.com/office/drawing/2012/chart" uri="{CE6537A1-D6FC-4f65-9D91-7224C49458BB}"/>
                 <c:ext xmlns:c16="http://schemas.microsoft.com/office/drawing/2014/chart" uri="{C3380CC4-5D6E-409C-BE32-E72D297353CC}">
-                  <c16:uniqueId val="{00000004-f5cf-861d-ff46-c02243c8b91e}"/>
+                  <c16:uniqueId val="{00000005-9b69-1933-6e94-ad52d4f4a4ee}"/>
                 </c:ext>
               </c:extLst>
             </c:dLbl>
             <c:dLbl>
-              <c:idx val="4"/>
+              <c:idx val="5"/>
               <c:tx>
                 <c:rich>
                   <a:bodyPr>
@@ -385,7 +1680,7 @@
                     </a:pPr>
                     <a:r>
                       <a:rPr lang="en-US" dirty="0"/>
-                      <a:t>美容皮肤科</a:t>
+                      <a:t>综合内科</a:t>
                     </a:r>
                   </a:p>
                 </c:rich>
@@ -408,12 +1703,422 @@
               <c:extLst>
                 <c:ext xmlns:c15="http://schemas.microsoft.com/office/drawing/2012/chart" uri="{CE6537A1-D6FC-4f65-9D91-7224C49458BB}"/>
                 <c:ext xmlns:c16="http://schemas.microsoft.com/office/drawing/2014/chart" uri="{C3380CC4-5D6E-409C-BE32-E72D297353CC}">
-                  <c16:uniqueId val="{00000005-f5cf-861d-ff46-c02243c8b91e}"/>
+                  <c16:uniqueId val="{00000006-9b69-1933-6e94-ad52d4f4a4ee}"/>
                 </c:ext>
               </c:extLst>
             </c:dLbl>
             <c:dLbl>
-              <c:idx val="5"/>
+              <c:idx val="6"/>
+              <c:tx>
+                <c:rich>
+                  <a:bodyPr>
+                    <a:spAutoFit/>
+                  </a:bodyPr>
+                  <a:lstStyle/>
+                  <a:p>
+                    <a:pPr>
+                      <a:defRPr/>
+                    </a:pPr>
+                    <a:r>
+                      <a:rPr lang="en-US" dirty="0"/>
+                      <a:t>心病二科</a:t>
+                    </a:r>
+                  </a:p>
+                </c:rich>
+              </c:tx>
+              <c:spPr>
+                <a:noFill/>
+                <a:ln>
+                  <a:noFill/>
+                </a:ln>
+                <a:effectLst/>
+              </c:spPr>
+              <c:dLblPos val="t"/>
+              <c:showLegendKey val="0"/>
+              <c:showVal val="0"/>
+              <c:showCatName val="0"/>
+              <c:showSerName val="0"/>
+              <c:showPercent val="0"/>
+              <c:showBubbleSize val="0"/>
+              <c:showLeaderLines val="1"/>
+              <c:extLst>
+                <c:ext xmlns:c15="http://schemas.microsoft.com/office/drawing/2012/chart" uri="{CE6537A1-D6FC-4f65-9D91-7224C49458BB}"/>
+                <c:ext xmlns:c16="http://schemas.microsoft.com/office/drawing/2014/chart" uri="{C3380CC4-5D6E-409C-BE32-E72D297353CC}">
+                  <c16:uniqueId val="{00000007-9b69-1933-6e94-ad52d4f4a4ee}"/>
+                </c:ext>
+              </c:extLst>
+            </c:dLbl>
+            <c:dLbl>
+              <c:idx val="7"/>
+              <c:tx>
+                <c:rich>
+                  <a:bodyPr>
+                    <a:spAutoFit/>
+                  </a:bodyPr>
+                  <a:lstStyle/>
+                  <a:p>
+                    <a:pPr>
+                      <a:defRPr/>
+                    </a:pPr>
+                    <a:r>
+                      <a:rPr lang="en-US" dirty="0"/>
+                      <a:t>皮肤科</a:t>
+                    </a:r>
+                  </a:p>
+                </c:rich>
+              </c:tx>
+              <c:spPr>
+                <a:noFill/>
+                <a:ln>
+                  <a:noFill/>
+                </a:ln>
+                <a:effectLst/>
+              </c:spPr>
+              <c:dLblPos val="t"/>
+              <c:showLegendKey val="0"/>
+              <c:showVal val="0"/>
+              <c:showCatName val="0"/>
+              <c:showSerName val="0"/>
+              <c:showPercent val="0"/>
+              <c:showBubbleSize val="0"/>
+              <c:showLeaderLines val="1"/>
+              <c:extLst>
+                <c:ext xmlns:c15="http://schemas.microsoft.com/office/drawing/2012/chart" uri="{CE6537A1-D6FC-4f65-9D91-7224C49458BB}"/>
+                <c:ext xmlns:c16="http://schemas.microsoft.com/office/drawing/2014/chart" uri="{C3380CC4-5D6E-409C-BE32-E72D297353CC}">
+                  <c16:uniqueId val="{00000008-9b69-1933-6e94-ad52d4f4a4ee}"/>
+                </c:ext>
+              </c:extLst>
+            </c:dLbl>
+            <c:dLbl>
+              <c:idx val="8"/>
+              <c:tx>
+                <c:rich>
+                  <a:bodyPr>
+                    <a:spAutoFit/>
+                  </a:bodyPr>
+                  <a:lstStyle/>
+                  <a:p>
+                    <a:pPr>
+                      <a:defRPr/>
+                    </a:pPr>
+                    <a:r>
+                      <a:rPr lang="en-US" dirty="0"/>
+                      <a:t>关节骨科</a:t>
+                    </a:r>
+                  </a:p>
+                </c:rich>
+              </c:tx>
+              <c:spPr>
+                <a:noFill/>
+                <a:ln>
+                  <a:noFill/>
+                </a:ln>
+                <a:effectLst/>
+              </c:spPr>
+              <c:dLblPos val="t"/>
+              <c:showLegendKey val="0"/>
+              <c:showVal val="0"/>
+              <c:showCatName val="0"/>
+              <c:showSerName val="0"/>
+              <c:showPercent val="0"/>
+              <c:showBubbleSize val="0"/>
+              <c:showLeaderLines val="1"/>
+              <c:extLst>
+                <c:ext xmlns:c15="http://schemas.microsoft.com/office/drawing/2012/chart" uri="{CE6537A1-D6FC-4f65-9D91-7224C49458BB}"/>
+                <c:ext xmlns:c16="http://schemas.microsoft.com/office/drawing/2014/chart" uri="{C3380CC4-5D6E-409C-BE32-E72D297353CC}">
+                  <c16:uniqueId val="{00000009-9b69-1933-6e94-ad52d4f4a4ee}"/>
+                </c:ext>
+              </c:extLst>
+            </c:dLbl>
+            <c:dLbl>
+              <c:idx val="9"/>
+              <c:tx>
+                <c:rich>
+                  <a:bodyPr>
+                    <a:spAutoFit/>
+                  </a:bodyPr>
+                  <a:lstStyle/>
+                  <a:p>
+                    <a:pPr>
+                      <a:defRPr/>
+                    </a:pPr>
+                    <a:r>
+                      <a:rPr lang="en-US" dirty="0"/>
+                      <a:t>运动损伤骨科</a:t>
+                    </a:r>
+                  </a:p>
+                </c:rich>
+              </c:tx>
+              <c:spPr>
+                <a:noFill/>
+                <a:ln>
+                  <a:noFill/>
+                </a:ln>
+                <a:effectLst/>
+              </c:spPr>
+              <c:dLblPos val="t"/>
+              <c:showLegendKey val="0"/>
+              <c:showVal val="0"/>
+              <c:showCatName val="0"/>
+              <c:showSerName val="0"/>
+              <c:showPercent val="0"/>
+              <c:showBubbleSize val="0"/>
+              <c:showLeaderLines val="1"/>
+              <c:extLst>
+                <c:ext xmlns:c15="http://schemas.microsoft.com/office/drawing/2012/chart" uri="{CE6537A1-D6FC-4f65-9D91-7224C49458BB}"/>
+                <c:ext xmlns:c16="http://schemas.microsoft.com/office/drawing/2014/chart" uri="{C3380CC4-5D6E-409C-BE32-E72D297353CC}">
+                  <c16:uniqueId val="{00000010-9b69-1933-6e94-ad52d4f4a4ee}"/>
+                </c:ext>
+              </c:extLst>
+            </c:dLbl>
+            <c:dLbl>
+              <c:idx val="10"/>
+              <c:tx>
+                <c:rich>
+                  <a:bodyPr>
+                    <a:spAutoFit/>
+                  </a:bodyPr>
+                  <a:lstStyle/>
+                  <a:p>
+                    <a:pPr>
+                      <a:defRPr/>
+                    </a:pPr>
+                    <a:r>
+                      <a:rPr lang="en-US" dirty="0"/>
+                      <a:t>肝胆外科</a:t>
+                    </a:r>
+                  </a:p>
+                </c:rich>
+              </c:tx>
+              <c:spPr>
+                <a:noFill/>
+                <a:ln>
+                  <a:noFill/>
+                </a:ln>
+                <a:effectLst/>
+              </c:spPr>
+              <c:dLblPos val="t"/>
+              <c:showLegendKey val="0"/>
+              <c:showVal val="0"/>
+              <c:showCatName val="0"/>
+              <c:showSerName val="0"/>
+              <c:showPercent val="0"/>
+              <c:showBubbleSize val="0"/>
+              <c:showLeaderLines val="1"/>
+              <c:extLst>
+                <c:ext xmlns:c15="http://schemas.microsoft.com/office/drawing/2012/chart" uri="{CE6537A1-D6FC-4f65-9D91-7224C49458BB}"/>
+                <c:ext xmlns:c16="http://schemas.microsoft.com/office/drawing/2014/chart" uri="{C3380CC4-5D6E-409C-BE32-E72D297353CC}">
+                  <c16:uniqueId val="{00000011-9b69-1933-6e94-ad52d4f4a4ee}"/>
+                </c:ext>
+              </c:extLst>
+            </c:dLbl>
+            <c:dLbl>
+              <c:idx val="11"/>
+              <c:tx>
+                <c:rich>
+                  <a:bodyPr>
+                    <a:spAutoFit/>
+                  </a:bodyPr>
+                  <a:lstStyle/>
+                  <a:p>
+                    <a:pPr>
+                      <a:defRPr/>
+                    </a:pPr>
+                    <a:r>
+                      <a:rPr lang="en-US" dirty="0"/>
+                      <a:t>心病四科</a:t>
+                    </a:r>
+                  </a:p>
+                </c:rich>
+              </c:tx>
+              <c:spPr>
+                <a:noFill/>
+                <a:ln>
+                  <a:noFill/>
+                </a:ln>
+                <a:effectLst/>
+              </c:spPr>
+              <c:dLblPos val="t"/>
+              <c:showLegendKey val="0"/>
+              <c:showVal val="0"/>
+              <c:showCatName val="0"/>
+              <c:showSerName val="0"/>
+              <c:showPercent val="0"/>
+              <c:showBubbleSize val="0"/>
+              <c:showLeaderLines val="1"/>
+              <c:extLst>
+                <c:ext xmlns:c15="http://schemas.microsoft.com/office/drawing/2012/chart" uri="{CE6537A1-D6FC-4f65-9D91-7224C49458BB}"/>
+                <c:ext xmlns:c16="http://schemas.microsoft.com/office/drawing/2014/chart" uri="{C3380CC4-5D6E-409C-BE32-E72D297353CC}">
+                  <c16:uniqueId val="{00000012-9b69-1933-6e94-ad52d4f4a4ee}"/>
+                </c:ext>
+              </c:extLst>
+            </c:dLbl>
+            <c:dLbl>
+              <c:idx val="12"/>
+              <c:tx>
+                <c:rich>
+                  <a:bodyPr>
+                    <a:spAutoFit/>
+                  </a:bodyPr>
+                  <a:lstStyle/>
+                  <a:p>
+                    <a:pPr>
+                      <a:defRPr/>
+                    </a:pPr>
+                    <a:r>
+                      <a:rPr lang="en-US" dirty="0"/>
+                      <a:t>脑病三科</a:t>
+                    </a:r>
+                  </a:p>
+                </c:rich>
+              </c:tx>
+              <c:spPr>
+                <a:noFill/>
+                <a:ln>
+                  <a:noFill/>
+                </a:ln>
+                <a:effectLst/>
+              </c:spPr>
+              <c:dLblPos val="t"/>
+              <c:showLegendKey val="0"/>
+              <c:showVal val="0"/>
+              <c:showCatName val="0"/>
+              <c:showSerName val="0"/>
+              <c:showPercent val="0"/>
+              <c:showBubbleSize val="0"/>
+              <c:showLeaderLines val="1"/>
+              <c:extLst>
+                <c:ext xmlns:c15="http://schemas.microsoft.com/office/drawing/2012/chart" uri="{CE6537A1-D6FC-4f65-9D91-7224C49458BB}"/>
+                <c:ext xmlns:c16="http://schemas.microsoft.com/office/drawing/2014/chart" uri="{C3380CC4-5D6E-409C-BE32-E72D297353CC}">
+                  <c16:uniqueId val="{00000013-9b69-1933-6e94-ad52d4f4a4ee}"/>
+                </c:ext>
+              </c:extLst>
+            </c:dLbl>
+            <c:dLbl>
+              <c:idx val="13"/>
+              <c:tx>
+                <c:rich>
+                  <a:bodyPr>
+                    <a:spAutoFit/>
+                  </a:bodyPr>
+                  <a:lstStyle/>
+                  <a:p>
+                    <a:pPr>
+                      <a:defRPr/>
+                    </a:pPr>
+                    <a:r>
+                      <a:rPr lang="en-US" dirty="0"/>
+                      <a:t>重症医学科</a:t>
+                    </a:r>
+                  </a:p>
+                </c:rich>
+              </c:tx>
+              <c:spPr>
+                <a:noFill/>
+                <a:ln>
+                  <a:noFill/>
+                </a:ln>
+                <a:effectLst/>
+              </c:spPr>
+              <c:dLblPos val="t"/>
+              <c:showLegendKey val="0"/>
+              <c:showVal val="0"/>
+              <c:showCatName val="0"/>
+              <c:showSerName val="0"/>
+              <c:showPercent val="0"/>
+              <c:showBubbleSize val="0"/>
+              <c:showLeaderLines val="1"/>
+              <c:extLst>
+                <c:ext xmlns:c15="http://schemas.microsoft.com/office/drawing/2012/chart" uri="{CE6537A1-D6FC-4f65-9D91-7224C49458BB}"/>
+                <c:ext xmlns:c16="http://schemas.microsoft.com/office/drawing/2014/chart" uri="{C3380CC4-5D6E-409C-BE32-E72D297353CC}">
+                  <c16:uniqueId val="{00000014-9b69-1933-6e94-ad52d4f4a4ee}"/>
+                </c:ext>
+              </c:extLst>
+            </c:dLbl>
+            <c:dLbl>
+              <c:idx val="14"/>
+              <c:tx>
+                <c:rich>
+                  <a:bodyPr>
+                    <a:spAutoFit/>
+                  </a:bodyPr>
+                  <a:lstStyle/>
+                  <a:p>
+                    <a:pPr>
+                      <a:defRPr/>
+                    </a:pPr>
+                    <a:r>
+                      <a:rPr lang="en-US" dirty="0"/>
+                      <a:t>消化内科</a:t>
+                    </a:r>
+                  </a:p>
+                </c:rich>
+              </c:tx>
+              <c:spPr>
+                <a:noFill/>
+                <a:ln>
+                  <a:noFill/>
+                </a:ln>
+                <a:effectLst/>
+              </c:spPr>
+              <c:dLblPos val="t"/>
+              <c:showLegendKey val="0"/>
+              <c:showVal val="0"/>
+              <c:showCatName val="0"/>
+              <c:showSerName val="0"/>
+              <c:showPercent val="0"/>
+              <c:showBubbleSize val="0"/>
+              <c:showLeaderLines val="1"/>
+              <c:extLst>
+                <c:ext xmlns:c15="http://schemas.microsoft.com/office/drawing/2012/chart" uri="{CE6537A1-D6FC-4f65-9D91-7224C49458BB}"/>
+                <c:ext xmlns:c16="http://schemas.microsoft.com/office/drawing/2014/chart" uri="{C3380CC4-5D6E-409C-BE32-E72D297353CC}">
+                  <c16:uniqueId val="{00000015-9b69-1933-6e94-ad52d4f4a4ee}"/>
+                </c:ext>
+              </c:extLst>
+            </c:dLbl>
+            <c:dLbl>
+              <c:idx val="15"/>
+              <c:tx>
+                <c:rich>
+                  <a:bodyPr>
+                    <a:spAutoFit/>
+                  </a:bodyPr>
+                  <a:lstStyle/>
+                  <a:p>
+                    <a:pPr>
+                      <a:defRPr/>
+                    </a:pPr>
+                    <a:r>
+                      <a:rPr lang="en-US" dirty="0"/>
+                      <a:t>耳鼻喉科</a:t>
+                    </a:r>
+                  </a:p>
+                </c:rich>
+              </c:tx>
+              <c:spPr>
+                <a:noFill/>
+                <a:ln>
+                  <a:noFill/>
+                </a:ln>
+                <a:effectLst/>
+              </c:spPr>
+              <c:dLblPos val="t"/>
+              <c:showLegendKey val="0"/>
+              <c:showVal val="0"/>
+              <c:showCatName val="0"/>
+              <c:showSerName val="0"/>
+              <c:showPercent val="0"/>
+              <c:showBubbleSize val="0"/>
+              <c:showLeaderLines val="1"/>
+              <c:extLst>
+                <c:ext xmlns:c15="http://schemas.microsoft.com/office/drawing/2012/chart" uri="{CE6537A1-D6FC-4f65-9D91-7224C49458BB}"/>
+                <c:ext xmlns:c16="http://schemas.microsoft.com/office/drawing/2014/chart" uri="{C3380CC4-5D6E-409C-BE32-E72D297353CC}">
+                  <c16:uniqueId val="{00000016-9b69-1933-6e94-ad52d4f4a4ee}"/>
+                </c:ext>
+              </c:extLst>
+            </c:dLbl>
+            <c:dLbl>
+              <c:idx val="16"/>
               <c:tx>
                 <c:rich>
                   <a:bodyPr>
@@ -449,458 +2154,7 @@
               <c:extLst>
                 <c:ext xmlns:c15="http://schemas.microsoft.com/office/drawing/2012/chart" uri="{CE6537A1-D6FC-4f65-9D91-7224C49458BB}"/>
                 <c:ext xmlns:c16="http://schemas.microsoft.com/office/drawing/2014/chart" uri="{C3380CC4-5D6E-409C-BE32-E72D297353CC}">
-                  <c16:uniqueId val="{00000006-f5cf-861d-ff46-c02243c8b91e}"/>
-                </c:ext>
-              </c:extLst>
-            </c:dLbl>
-            <c:dLbl>
-              <c:idx val="6"/>
-              <c:tx>
-                <c:rich>
-                  <a:bodyPr>
-                    <a:spAutoFit/>
-                  </a:bodyPr>
-                  <a:lstStyle/>
-                  <a:p>
-                    <a:pPr>
-                      <a:defRPr/>
-                    </a:pPr>
-                    <a:r>
-                      <a:rPr lang="en-US" dirty="0"/>
-                      <a:t>中医经典科</a:t>
-                    </a:r>
-                  </a:p>
-                </c:rich>
-              </c:tx>
-              <c:spPr>
-                <a:noFill/>
-                <a:ln>
-                  <a:noFill/>
-                </a:ln>
-                <a:effectLst/>
-              </c:spPr>
-              <c:dLblPos val="t"/>
-              <c:showLegendKey val="0"/>
-              <c:showVal val="0"/>
-              <c:showCatName val="0"/>
-              <c:showSerName val="0"/>
-              <c:showPercent val="0"/>
-              <c:showBubbleSize val="0"/>
-              <c:showLeaderLines val="1"/>
-              <c:extLst>
-                <c:ext xmlns:c15="http://schemas.microsoft.com/office/drawing/2012/chart" uri="{CE6537A1-D6FC-4f65-9D91-7224C49458BB}"/>
-                <c:ext xmlns:c16="http://schemas.microsoft.com/office/drawing/2014/chart" uri="{C3380CC4-5D6E-409C-BE32-E72D297353CC}">
-                  <c16:uniqueId val="{00000007-f5cf-861d-ff46-c02243c8b91e}"/>
-                </c:ext>
-              </c:extLst>
-            </c:dLbl>
-            <c:dLbl>
-              <c:idx val="7"/>
-              <c:tx>
-                <c:rich>
-                  <a:bodyPr>
-                    <a:spAutoFit/>
-                  </a:bodyPr>
-                  <a:lstStyle/>
-                  <a:p>
-                    <a:pPr>
-                      <a:defRPr/>
-                    </a:pPr>
-                    <a:r>
-                      <a:rPr lang="en-US" dirty="0"/>
-                      <a:t>肿瘤内科</a:t>
-                    </a:r>
-                  </a:p>
-                </c:rich>
-              </c:tx>
-              <c:spPr>
-                <a:noFill/>
-                <a:ln>
-                  <a:noFill/>
-                </a:ln>
-                <a:effectLst/>
-              </c:spPr>
-              <c:dLblPos val="t"/>
-              <c:showLegendKey val="0"/>
-              <c:showVal val="0"/>
-              <c:showCatName val="0"/>
-              <c:showSerName val="0"/>
-              <c:showPercent val="0"/>
-              <c:showBubbleSize val="0"/>
-              <c:showLeaderLines val="1"/>
-              <c:extLst>
-                <c:ext xmlns:c15="http://schemas.microsoft.com/office/drawing/2012/chart" uri="{CE6537A1-D6FC-4f65-9D91-7224C49458BB}"/>
-                <c:ext xmlns:c16="http://schemas.microsoft.com/office/drawing/2014/chart" uri="{C3380CC4-5D6E-409C-BE32-E72D297353CC}">
-                  <c16:uniqueId val="{00000008-f5cf-861d-ff46-c02243c8b91e}"/>
-                </c:ext>
-              </c:extLst>
-            </c:dLbl>
-            <c:dLbl>
-              <c:idx val="8"/>
-              <c:tx>
-                <c:rich>
-                  <a:bodyPr>
-                    <a:spAutoFit/>
-                  </a:bodyPr>
-                  <a:lstStyle/>
-                  <a:p>
-                    <a:pPr>
-                      <a:defRPr/>
-                    </a:pPr>
-                    <a:r>
-                      <a:rPr lang="en-US" dirty="0"/>
-                      <a:t>脑病三科</a:t>
-                    </a:r>
-                  </a:p>
-                </c:rich>
-              </c:tx>
-              <c:spPr>
-                <a:noFill/>
-                <a:ln>
-                  <a:noFill/>
-                </a:ln>
-                <a:effectLst/>
-              </c:spPr>
-              <c:dLblPos val="t"/>
-              <c:showLegendKey val="0"/>
-              <c:showVal val="0"/>
-              <c:showCatName val="0"/>
-              <c:showSerName val="0"/>
-              <c:showPercent val="0"/>
-              <c:showBubbleSize val="0"/>
-              <c:showLeaderLines val="1"/>
-              <c:extLst>
-                <c:ext xmlns:c15="http://schemas.microsoft.com/office/drawing/2012/chart" uri="{CE6537A1-D6FC-4f65-9D91-7224C49458BB}"/>
-                <c:ext xmlns:c16="http://schemas.microsoft.com/office/drawing/2014/chart" uri="{C3380CC4-5D6E-409C-BE32-E72D297353CC}">
-                  <c16:uniqueId val="{00000009-f5cf-861d-ff46-c02243c8b91e}"/>
-                </c:ext>
-              </c:extLst>
-            </c:dLbl>
-            <c:dLbl>
-              <c:idx val="9"/>
-              <c:tx>
-                <c:rich>
-                  <a:bodyPr>
-                    <a:spAutoFit/>
-                  </a:bodyPr>
-                  <a:lstStyle/>
-                  <a:p>
-                    <a:pPr>
-                      <a:defRPr/>
-                    </a:pPr>
-                    <a:r>
-                      <a:rPr lang="en-US" dirty="0"/>
-                      <a:t>创伤骨科</a:t>
-                    </a:r>
-                  </a:p>
-                </c:rich>
-              </c:tx>
-              <c:spPr>
-                <a:noFill/>
-                <a:ln>
-                  <a:noFill/>
-                </a:ln>
-                <a:effectLst/>
-              </c:spPr>
-              <c:dLblPos val="t"/>
-              <c:showLegendKey val="0"/>
-              <c:showVal val="0"/>
-              <c:showCatName val="0"/>
-              <c:showSerName val="0"/>
-              <c:showPercent val="0"/>
-              <c:showBubbleSize val="0"/>
-              <c:showLeaderLines val="1"/>
-              <c:extLst>
-                <c:ext xmlns:c15="http://schemas.microsoft.com/office/drawing/2012/chart" uri="{CE6537A1-D6FC-4f65-9D91-7224C49458BB}"/>
-                <c:ext xmlns:c16="http://schemas.microsoft.com/office/drawing/2014/chart" uri="{C3380CC4-5D6E-409C-BE32-E72D297353CC}">
-                  <c16:uniqueId val="{00000010-f5cf-861d-ff46-c02243c8b91e}"/>
-                </c:ext>
-              </c:extLst>
-            </c:dLbl>
-            <c:dLbl>
-              <c:idx val="10"/>
-              <c:tx>
-                <c:rich>
-                  <a:bodyPr>
-                    <a:spAutoFit/>
-                  </a:bodyPr>
-                  <a:lstStyle/>
-                  <a:p>
-                    <a:pPr>
-                      <a:defRPr/>
-                    </a:pPr>
-                    <a:r>
-                      <a:rPr lang="en-US" dirty="0"/>
-                      <a:t>妇科妇二科合并</a:t>
-                    </a:r>
-                  </a:p>
-                </c:rich>
-              </c:tx>
-              <c:spPr>
-                <a:noFill/>
-                <a:ln>
-                  <a:noFill/>
-                </a:ln>
-                <a:effectLst/>
-              </c:spPr>
-              <c:dLblPos val="t"/>
-              <c:showLegendKey val="0"/>
-              <c:showVal val="0"/>
-              <c:showCatName val="0"/>
-              <c:showSerName val="0"/>
-              <c:showPercent val="0"/>
-              <c:showBubbleSize val="0"/>
-              <c:showLeaderLines val="1"/>
-              <c:extLst>
-                <c:ext xmlns:c15="http://schemas.microsoft.com/office/drawing/2012/chart" uri="{CE6537A1-D6FC-4f65-9D91-7224C49458BB}"/>
-                <c:ext xmlns:c16="http://schemas.microsoft.com/office/drawing/2014/chart" uri="{C3380CC4-5D6E-409C-BE32-E72D297353CC}">
-                  <c16:uniqueId val="{00000011-f5cf-861d-ff46-c02243c8b91e}"/>
-                </c:ext>
-              </c:extLst>
-            </c:dLbl>
-            <c:dLbl>
-              <c:idx val="11"/>
-              <c:tx>
-                <c:rich>
-                  <a:bodyPr>
-                    <a:spAutoFit/>
-                  </a:bodyPr>
-                  <a:lstStyle/>
-                  <a:p>
-                    <a:pPr>
-                      <a:defRPr/>
-                    </a:pPr>
-                    <a:r>
-                      <a:rPr lang="en-US" dirty="0"/>
-                      <a:t>肾病科</a:t>
-                    </a:r>
-                  </a:p>
-                </c:rich>
-              </c:tx>
-              <c:spPr>
-                <a:noFill/>
-                <a:ln>
-                  <a:noFill/>
-                </a:ln>
-                <a:effectLst/>
-              </c:spPr>
-              <c:dLblPos val="t"/>
-              <c:showLegendKey val="0"/>
-              <c:showVal val="0"/>
-              <c:showCatName val="0"/>
-              <c:showSerName val="0"/>
-              <c:showPercent val="0"/>
-              <c:showBubbleSize val="0"/>
-              <c:showLeaderLines val="1"/>
-              <c:extLst>
-                <c:ext xmlns:c15="http://schemas.microsoft.com/office/drawing/2012/chart" uri="{CE6537A1-D6FC-4f65-9D91-7224C49458BB}"/>
-                <c:ext xmlns:c16="http://schemas.microsoft.com/office/drawing/2014/chart" uri="{C3380CC4-5D6E-409C-BE32-E72D297353CC}">
-                  <c16:uniqueId val="{00000012-f5cf-861d-ff46-c02243c8b91e}"/>
-                </c:ext>
-              </c:extLst>
-            </c:dLbl>
-            <c:dLbl>
-              <c:idx val="12"/>
-              <c:tx>
-                <c:rich>
-                  <a:bodyPr>
-                    <a:spAutoFit/>
-                  </a:bodyPr>
-                  <a:lstStyle/>
-                  <a:p>
-                    <a:pPr>
-                      <a:defRPr/>
-                    </a:pPr>
-                    <a:r>
-                      <a:rPr lang="en-US" dirty="0"/>
-                      <a:t>小儿骨科</a:t>
-                    </a:r>
-                  </a:p>
-                </c:rich>
-              </c:tx>
-              <c:spPr>
-                <a:noFill/>
-                <a:ln>
-                  <a:noFill/>
-                </a:ln>
-                <a:effectLst/>
-              </c:spPr>
-              <c:dLblPos val="t"/>
-              <c:showLegendKey val="0"/>
-              <c:showVal val="0"/>
-              <c:showCatName val="0"/>
-              <c:showSerName val="0"/>
-              <c:showPercent val="0"/>
-              <c:showBubbleSize val="0"/>
-              <c:showLeaderLines val="1"/>
-              <c:extLst>
-                <c:ext xmlns:c15="http://schemas.microsoft.com/office/drawing/2012/chart" uri="{CE6537A1-D6FC-4f65-9D91-7224C49458BB}"/>
-                <c:ext xmlns:c16="http://schemas.microsoft.com/office/drawing/2014/chart" uri="{C3380CC4-5D6E-409C-BE32-E72D297353CC}">
-                  <c16:uniqueId val="{00000013-f5cf-861d-ff46-c02243c8b91e}"/>
-                </c:ext>
-              </c:extLst>
-            </c:dLbl>
-            <c:dLbl>
-              <c:idx val="13"/>
-              <c:tx>
-                <c:rich>
-                  <a:bodyPr>
-                    <a:spAutoFit/>
-                  </a:bodyPr>
-                  <a:lstStyle/>
-                  <a:p>
-                    <a:pPr>
-                      <a:defRPr/>
-                    </a:pPr>
-                    <a:r>
-                      <a:rPr lang="en-US" dirty="0"/>
-                      <a:t>肛肠科</a:t>
-                    </a:r>
-                  </a:p>
-                </c:rich>
-              </c:tx>
-              <c:spPr>
-                <a:noFill/>
-                <a:ln>
-                  <a:noFill/>
-                </a:ln>
-                <a:effectLst/>
-              </c:spPr>
-              <c:dLblPos val="t"/>
-              <c:showLegendKey val="0"/>
-              <c:showVal val="0"/>
-              <c:showCatName val="0"/>
-              <c:showSerName val="0"/>
-              <c:showPercent val="0"/>
-              <c:showBubbleSize val="0"/>
-              <c:showLeaderLines val="1"/>
-              <c:extLst>
-                <c:ext xmlns:c15="http://schemas.microsoft.com/office/drawing/2012/chart" uri="{CE6537A1-D6FC-4f65-9D91-7224C49458BB}"/>
-                <c:ext xmlns:c16="http://schemas.microsoft.com/office/drawing/2014/chart" uri="{C3380CC4-5D6E-409C-BE32-E72D297353CC}">
-                  <c16:uniqueId val="{00000014-f5cf-861d-ff46-c02243c8b91e}"/>
-                </c:ext>
-              </c:extLst>
-            </c:dLbl>
-            <c:dLbl>
-              <c:idx val="14"/>
-              <c:tx>
-                <c:rich>
-                  <a:bodyPr>
-                    <a:spAutoFit/>
-                  </a:bodyPr>
-                  <a:lstStyle/>
-                  <a:p>
-                    <a:pPr>
-                      <a:defRPr/>
-                    </a:pPr>
-                    <a:r>
-                      <a:rPr lang="en-US" dirty="0"/>
-                      <a:t>针灸科</a:t>
-                    </a:r>
-                  </a:p>
-                </c:rich>
-              </c:tx>
-              <c:spPr>
-                <a:noFill/>
-                <a:ln>
-                  <a:noFill/>
-                </a:ln>
-                <a:effectLst/>
-              </c:spPr>
-              <c:dLblPos val="t"/>
-              <c:showLegendKey val="0"/>
-              <c:showVal val="0"/>
-              <c:showCatName val="0"/>
-              <c:showSerName val="0"/>
-              <c:showPercent val="0"/>
-              <c:showBubbleSize val="0"/>
-              <c:showLeaderLines val="1"/>
-              <c:extLst>
-                <c:ext xmlns:c15="http://schemas.microsoft.com/office/drawing/2012/chart" uri="{CE6537A1-D6FC-4f65-9D91-7224C49458BB}"/>
-                <c:ext xmlns:c16="http://schemas.microsoft.com/office/drawing/2014/chart" uri="{C3380CC4-5D6E-409C-BE32-E72D297353CC}">
-                  <c16:uniqueId val="{00000015-f5cf-861d-ff46-c02243c8b91e}"/>
-                </c:ext>
-              </c:extLst>
-            </c:dLbl>
-            <c:dLbl>
-              <c:idx val="15"/>
-              <c:tx>
-                <c:rich>
-                  <a:bodyPr>
-                    <a:spAutoFit/>
-                  </a:bodyPr>
-                  <a:lstStyle/>
-                  <a:p>
-                    <a:pPr>
-                      <a:defRPr/>
-                    </a:pPr>
-                    <a:r>
-                      <a:rPr lang="en-US" dirty="0"/>
-                      <a:t>脾胃科消化科合并</a:t>
-                    </a:r>
-                  </a:p>
-                </c:rich>
-              </c:tx>
-              <c:spPr>
-                <a:noFill/>
-                <a:ln>
-                  <a:noFill/>
-                </a:ln>
-                <a:effectLst/>
-              </c:spPr>
-              <c:dLblPos val="t"/>
-              <c:showLegendKey val="0"/>
-              <c:showVal val="0"/>
-              <c:showCatName val="0"/>
-              <c:showSerName val="0"/>
-              <c:showPercent val="0"/>
-              <c:showBubbleSize val="0"/>
-              <c:showLeaderLines val="1"/>
-              <c:extLst>
-                <c:ext xmlns:c15="http://schemas.microsoft.com/office/drawing/2012/chart" uri="{CE6537A1-D6FC-4f65-9D91-7224C49458BB}"/>
-                <c:ext xmlns:c16="http://schemas.microsoft.com/office/drawing/2014/chart" uri="{C3380CC4-5D6E-409C-BE32-E72D297353CC}">
-                  <c16:uniqueId val="{00000016-f5cf-861d-ff46-c02243c8b91e}"/>
-                </c:ext>
-              </c:extLst>
-            </c:dLbl>
-            <c:dLbl>
-              <c:idx val="16"/>
-              <c:tx>
-                <c:rich>
-                  <a:bodyPr>
-                    <a:spAutoFit/>
-                  </a:bodyPr>
-                  <a:lstStyle/>
-                  <a:p>
-                    <a:pPr>
-                      <a:defRPr/>
-                    </a:pPr>
-                    <a:r>
-                      <a:rPr lang="en-US" dirty="0"/>
-                      <a:t>康复科</a:t>
-                    </a:r>
-                  </a:p>
-                </c:rich>
-              </c:tx>
-              <c:spPr>
-                <a:noFill/>
-                <a:ln>
-                  <a:noFill/>
-                </a:ln>
-                <a:effectLst/>
-              </c:spPr>
-              <c:dLblPos val="t"/>
-              <c:showLegendKey val="0"/>
-              <c:showVal val="0"/>
-              <c:showCatName val="0"/>
-              <c:showSerName val="0"/>
-              <c:showPercent val="0"/>
-              <c:showBubbleSize val="0"/>
-              <c:showLeaderLines val="1"/>
-              <c:extLst>
-                <c:ext xmlns:c15="http://schemas.microsoft.com/office/drawing/2012/chart" uri="{CE6537A1-D6FC-4f65-9D91-7224C49458BB}"/>
-                <c:ext xmlns:c16="http://schemas.microsoft.com/office/drawing/2014/chart" uri="{C3380CC4-5D6E-409C-BE32-E72D297353CC}">
-                  <c16:uniqueId val="{00000017-f5cf-861d-ff46-c02243c8b91e}"/>
+                  <c16:uniqueId val="{00000017-9b69-1933-6e94-ad52d4f4a4ee}"/>
                 </c:ext>
               </c:extLst>
             </c:dLbl>
@@ -941,7 +2195,7 @@
               <c:extLst>
                 <c:ext xmlns:c15="http://schemas.microsoft.com/office/drawing/2012/chart" uri="{CE6537A1-D6FC-4f65-9D91-7224C49458BB}"/>
                 <c:ext xmlns:c16="http://schemas.microsoft.com/office/drawing/2014/chart" uri="{C3380CC4-5D6E-409C-BE32-E72D297353CC}">
-                  <c16:uniqueId val="{00000018-f5cf-861d-ff46-c02243c8b91e}"/>
+                  <c16:uniqueId val="{00000018-9b69-1933-6e94-ad52d4f4a4ee}"/>
                 </c:ext>
               </c:extLst>
             </c:dLbl>
@@ -959,7 +2213,7 @@
                     </a:pPr>
                     <a:r>
                       <a:rPr lang="en-US" dirty="0"/>
-                      <a:t>显微骨科</a:t>
+                      <a:t>针灸科</a:t>
                     </a:r>
                   </a:p>
                 </c:rich>
@@ -982,7 +2236,7 @@
               <c:extLst>
                 <c:ext xmlns:c15="http://schemas.microsoft.com/office/drawing/2012/chart" uri="{CE6537A1-D6FC-4f65-9D91-7224C49458BB}"/>
                 <c:ext xmlns:c16="http://schemas.microsoft.com/office/drawing/2014/chart" uri="{C3380CC4-5D6E-409C-BE32-E72D297353CC}">
-                  <c16:uniqueId val="{00000019-f5cf-861d-ff46-c02243c8b91e}"/>
+                  <c16:uniqueId val="{00000019-9b69-1933-6e94-ad52d4f4a4ee}"/>
                 </c:ext>
               </c:extLst>
             </c:dLbl>
@@ -1000,7 +2254,7 @@
                     </a:pPr>
                     <a:r>
                       <a:rPr lang="en-US" dirty="0"/>
-                      <a:t>胸外科</a:t>
+                      <a:t>口腔科</a:t>
                     </a:r>
                   </a:p>
                 </c:rich>
@@ -1023,7 +2277,7 @@
               <c:extLst>
                 <c:ext xmlns:c15="http://schemas.microsoft.com/office/drawing/2012/chart" uri="{CE6537A1-D6FC-4f65-9D91-7224C49458BB}"/>
                 <c:ext xmlns:c16="http://schemas.microsoft.com/office/drawing/2014/chart" uri="{C3380CC4-5D6E-409C-BE32-E72D297353CC}">
-                  <c16:uniqueId val="{00000020-f5cf-861d-ff46-c02243c8b91e}"/>
+                  <c16:uniqueId val="{00000020-9b69-1933-6e94-ad52d4f4a4ee}"/>
                 </c:ext>
               </c:extLst>
             </c:dLbl>
@@ -1035,64 +2289,64 @@
                 <c:formatCode>General</c:formatCode>
                 <c:ptCount val="20"/>
                 <c:pt idx="0">
-                  <c:v>12.598376698287327</c:v>
+                  <c:v>12.286609774934673</c:v>
                 </c:pt>
                 <c:pt idx="1">
-                  <c:v>10.612109251476445</c:v>
+                  <c:v>4.787688892754163</c:v>
                 </c:pt>
                 <c:pt idx="2">
-                  <c:v>14.90474085098761</c:v>
+                  <c:v>5.157761490298212</c:v>
                 </c:pt>
                 <c:pt idx="3">
-                  <c:v>23.805026594521404</c:v>
+                  <c:v>6.344723586877225</c:v>
                 </c:pt>
                 <c:pt idx="4">
-                  <c:v>21.019920808641366</c:v>
+                  <c:v>11.131695862693086</c:v>
                 </c:pt>
                 <c:pt idx="5">
-                  <c:v>7.517120988685647</c:v>
+                  <c:v>19.4028508685644</c:v>
                 </c:pt>
                 <c:pt idx="6">
-                  <c:v>4.797346416130038</c:v>
+                  <c:v>8.731126991186374</c:v>
                 </c:pt>
                 <c:pt idx="7">
-                  <c:v>2.6782812084332632</c:v>
+                  <c:v>20.53306631266245</c:v>
                 </c:pt>
                 <c:pt idx="8">
-                  <c:v>7.696245256791694</c:v>
+                  <c:v>16.323359706256152</c:v>
                 </c:pt>
                 <c:pt idx="9">
-                  <c:v>3.8730366153713742</c:v>
+                  <c:v>3.921258075839179</c:v>
                 </c:pt>
                 <c:pt idx="10">
-                  <c:v>6.899772626446893</c:v>
+                  <c:v>54.61090175640158</c:v>
                 </c:pt>
                 <c:pt idx="11">
-                  <c:v>16.522712845615306</c:v>
+                  <c:v>3.9964816245022314</c:v>
                 </c:pt>
                 <c:pt idx="12">
-                  <c:v>13.32228801915758</c:v>
+                  <c:v>21.334663402292595</c:v>
                 </c:pt>
                 <c:pt idx="13">
-                  <c:v>15.630145223780975</c:v>
+                  <c:v>17.094285250663987</c:v>
                 </c:pt>
                 <c:pt idx="14">
-                  <c:v>6.327687900308946</c:v>
+                  <c:v>20.28604353006543</c:v>
                 </c:pt>
                 <c:pt idx="15">
-                  <c:v>15.654847560828696</c:v>
+                  <c:v>14.20074014775966</c:v>
                 </c:pt>
                 <c:pt idx="16">
-                  <c:v>13.333730422143647</c:v>
+                  <c:v>10.948514991719396</c:v>
                 </c:pt>
                 <c:pt idx="17">
-                  <c:v>10.53269678563287</c:v>
+                  <c:v>9.431636859210224</c:v>
                 </c:pt>
                 <c:pt idx="18">
-                  <c:v>7.067700362285677</c:v>
+                  <c:v>18.72649943774408</c:v>
                 </c:pt>
                 <c:pt idx="19">
-                  <c:v>11.771390395370382</c:v>
+                  <c:v>2.8165152067296075</c:v>
                 </c:pt>
               </c:numCache>
             </c:numRef>
@@ -1107,61 +2361,61 @@
                   <c:v>100</c:v>
                 </c:pt>
                 <c:pt idx="1">
-                  <c:v>0.002308315499940615</c:v>
+                  <c:v>0.002366689781839503</c:v>
                 </c:pt>
                 <c:pt idx="2">
-                  <c:v>0.002306580550609554</c:v>
+                  <c:v>0.002358254759888377</c:v>
                 </c:pt>
                 <c:pt idx="3">
-                  <c:v>0.0022774316693909957</c:v>
+                  <c:v>0.002357284202125027</c:v>
                 </c:pt>
                 <c:pt idx="4">
-                  <c:v>0.0022467427841607623</c:v>
+                  <c:v>0.0023446373914226605</c:v>
                 </c:pt>
                 <c:pt idx="5">
-                  <c:v>0.0022370684875782027</c:v>
+                  <c:v>0.0023438049191328828</c:v>
                 </c:pt>
                 <c:pt idx="6">
-                  <c:v>0.0022214672966108366</c:v>
+                  <c:v>0.0023347376791642473</c:v>
                 </c:pt>
                 <c:pt idx="7">
-                  <c:v>0.0022072456502001477</c:v>
+                  <c:v>0.0023287750235857886</c:v>
                 </c:pt>
                 <c:pt idx="8">
-                  <c:v>0.002201515794140894</c:v>
+                  <c:v>0.0022766281761157866</c:v>
                 </c:pt>
                 <c:pt idx="9">
-                  <c:v>0.002130383833888197</c:v>
+                  <c:v>0.002188727763223347</c:v>
                 </c:pt>
                 <c:pt idx="10">
-                  <c:v>0.002027796138995078</c:v>
+                  <c:v>0.0021611762116736824</c:v>
                 </c:pt>
                 <c:pt idx="11">
-                  <c:v>0.001981992261304401</c:v>
+                  <c:v>0.0021107073071085026</c:v>
                 </c:pt>
                 <c:pt idx="12">
-                  <c:v>0.0019608623948335307</c:v>
+                  <c:v>0.002101937880029362</c:v>
                 </c:pt>
                 <c:pt idx="13">
-                  <c:v>0.001933085476048501</c:v>
+                  <c:v>0.0020809451956530813</c:v>
                 </c:pt>
                 <c:pt idx="14">
-                  <c:v>0.0019070704817536219</c:v>
+                  <c:v>0.0020597415468542766</c:v>
                 </c:pt>
                 <c:pt idx="15">
-                  <c:v>0.0018952946565171085</c:v>
+                  <c:v>0.0019530803342291188</c:v>
                 </c:pt>
                 <c:pt idx="16">
-                  <c:v>0.001704124632566898</c:v>
+                  <c:v>0.0019381338823420146</c:v>
                 </c:pt>
                 <c:pt idx="17">
-                  <c:v>0.0016662280134513146</c:v>
+                  <c:v>0.0018305561005991216</c:v>
                 </c:pt>
                 <c:pt idx="18">
-                  <c:v>0.001660881540149174</c:v>
+                  <c:v>0.001827106474841551</c:v>
                 </c:pt>
                 <c:pt idx="19">
-                  <c:v>0.0015478035667541988</c:v>
+                  <c:v>0.0017082120226435973</c:v>
                 </c:pt>
               </c:numCache>
             </c:numRef>
@@ -1316,1260 +2570,6 @@
                     <a:latin typeface="Arial"/>
                   </a:rPr>
                   <a:t>医疗服务收入占全院比重</a:t>
-                </a:r>
-              </a:p>
-            </c:rich>
-          </c:tx>
-          <c:layout/>
-          <c:overlay val="0"/>
-        </c:title>
-        <c:numFmt formatCode="General" sourceLinked="0"/>
-        <c:majorTickMark val="none"/>
-        <c:minorTickMark val="none"/>
-        <c:tickLblPos val="nextTo"/>
-        <c:spPr>
-          <a:ln w="12700" cap="flat">
-            <a:solidFill>
-              <a:srgbClr val="888888"/>
-            </a:solidFill>
-            <a:prstDash val="solid"/>
-            <a:round/>
-          </a:ln>
-        </c:spPr>
-        <c:txPr>
-          <a:bodyPr/>
-          <a:lstStyle/>
-          <a:p>
-            <a:pPr>
-              <a:defRPr sz="1200" b="0" i="0" u="none" strike="noStrike">
-                <a:solidFill>
-                  <a:srgbClr val="000000"/>
-                </a:solidFill>
-                <a:latin typeface="Arial"/>
-              </a:defRPr>
-            </a:pPr>
-            <a:endParaRPr lang="en-US"/>
-          </a:p>
-        </c:txPr>
-        <c:crossAx val="2094734554"/>
-        <c:crosses val="autoZero"/>
-        <c:crossBetween val="midCat"/>
-      </c:valAx>
-      <c:spPr>
-        <a:noFill/>
-        <a:ln>
-          <a:noFill/>
-        </a:ln>
-        <a:effectLst/>
-      </c:spPr>
-    </c:plotArea>
-    <c:plotVisOnly val="1"/>
-    <c:dispBlanksAs val="span"/>
-    <c:showDLblsOverMax val="1"/>
-  </c:chart>
-  <c:spPr>
-    <a:noFill/>
-    <a:ln w="12700" cap="flat">
-      <a:noFill/>
-      <a:miter lim="400000"/>
-    </a:ln>
-    <a:effectLst/>
-  </c:spPr>
-  <c:externalData r:id="rId1">
-    <c:autoUpdate val="0"/>
-  </c:externalData>
-</c:chartSpace>
-</file>
-
-<file path=ppt/charts/chart1430.xml><?xml version="1.0" encoding="utf-8"?>
-<c:chartSpace xmlns:c="http://schemas.openxmlformats.org/drawingml/2006/chart" xmlns:a="http://schemas.openxmlformats.org/drawingml/2006/main" xmlns:r="http://schemas.openxmlformats.org/officeDocument/2006/relationships">
-  <c:date1904 val="0"/>
-  <c:chart>
-    <c:title>
-      <c:tx>
-        <c:rich>
-          <a:bodyPr/>
-          <a:lstStyle/>
-          <a:p>
-            <a:pPr>
-              <a:defRPr sz="1800" b="0" i="0" u="none" strike="noStrike">
-                <a:solidFill>
-                  <a:srgbClr val="000000"/>
-                </a:solidFill>
-                <a:latin typeface="Arial"/>
-              </a:defRPr>
-            </a:pPr>
-            <a:r>
-              <a:rPr sz="1800" b="0" i="0" u="none" strike="noStrike">
-                <a:solidFill>
-                  <a:srgbClr val="000000"/>
-                </a:solidFill>
-                <a:latin typeface="Arial"/>
-              </a:rPr>
-              <a:t>医疗服务收入三年复合增长率 vs 医疗服务收入占全院比重</a:t>
-            </a:r>
-          </a:p>
-        </c:rich>
-      </c:tx>
-      <c:layout/>
-      <c:overlay val="0"/>
-    </c:title>
-    <c:autoTitleDeleted val="0"/>
-    <c:plotArea>
-      <c:layout/>
-      <c:scatterChart>
-        <c:scatterStyle val="lineMarker"/>
-        <c:varyColors val="0"/>
-        <c:ser>
-          <c:idx val="0"/>
-          <c:order val="0"/>
-          <c:tx>
-            <c:strRef>
-              <c:f>Sheet1!$B$1</c:f>
-              <c:strCache>
-                <c:ptCount val="1"/>
-                <c:pt idx="0">
-                  <c:v>医疗服务收入三年复合增长率</c:v>
-                </c:pt>
-              </c:strCache>
-            </c:strRef>
-          </c:tx>
-          <c:spPr>
-            <a:solidFill>
-              <a:srgbClr val="C0504D"/>
-            </a:solidFill>
-            <a:ln>
-              <a:noFill/>
-            </a:ln>
-            <a:effectLst/>
-          </c:spPr>
-          <c:marker>
-            <c:symbol val="circle"/>
-            <c:size val="6"/>
-            <c:spPr>
-              <a:solidFill>
-                <a:srgbClr val="C0504D"/>
-              </a:solidFill>
-              <a:ln w="9525" cap="flat">
-                <a:solidFill>
-                  <a:srgbClr val="C0504D"/>
-                </a:solidFill>
-                <a:prstDash val="solid"/>
-                <a:round/>
-              </a:ln>
-              <a:effectLst/>
-            </c:spPr>
-          </c:marker>
-          <c:dLbls>
-            <c:dLbl>
-              <c:idx val="0"/>
-              <c:tx>
-                <c:rich>
-                  <a:bodyPr>
-                    <a:spAutoFit/>
-                  </a:bodyPr>
-                  <a:lstStyle/>
-                  <a:p>
-                    <a:pPr>
-                      <a:defRPr/>
-                    </a:pPr>
-                    <a:r>
-                      <a:rPr lang="en-US" dirty="0"/>
-                      <a:t>脑病一科</a:t>
-                    </a:r>
-                  </a:p>
-                </c:rich>
-              </c:tx>
-              <c:spPr>
-                <a:noFill/>
-                <a:ln>
-                  <a:noFill/>
-                </a:ln>
-                <a:effectLst/>
-              </c:spPr>
-              <c:dLblPos val="t"/>
-              <c:showLegendKey val="0"/>
-              <c:showVal val="0"/>
-              <c:showCatName val="0"/>
-              <c:showSerName val="0"/>
-              <c:showPercent val="0"/>
-              <c:showBubbleSize val="0"/>
-              <c:showLeaderLines val="1"/>
-              <c:extLst>
-                <c:ext xmlns:c15="http://schemas.microsoft.com/office/drawing/2012/chart" uri="{CE6537A1-D6FC-4f65-9D91-7224C49458BB}"/>
-                <c:ext xmlns:c16="http://schemas.microsoft.com/office/drawing/2014/chart" uri="{C3380CC4-5D6E-409C-BE32-E72D297353CC}">
-                  <c16:uniqueId val="{00000001-82fb-4dc2-0f81-7217826b8baa}"/>
-                </c:ext>
-              </c:extLst>
-            </c:dLbl>
-            <c:dLbl>
-              <c:idx val="1"/>
-              <c:tx>
-                <c:rich>
-                  <a:bodyPr>
-                    <a:spAutoFit/>
-                  </a:bodyPr>
-                  <a:lstStyle/>
-                  <a:p>
-                    <a:pPr>
-                      <a:defRPr/>
-                    </a:pPr>
-                    <a:r>
-                      <a:rPr lang="en-US" dirty="0"/>
-                      <a:t>骨科</a:t>
-                    </a:r>
-                  </a:p>
-                </c:rich>
-              </c:tx>
-              <c:spPr>
-                <a:noFill/>
-                <a:ln>
-                  <a:noFill/>
-                </a:ln>
-                <a:effectLst/>
-              </c:spPr>
-              <c:dLblPos val="t"/>
-              <c:showLegendKey val="0"/>
-              <c:showVal val="0"/>
-              <c:showCatName val="0"/>
-              <c:showSerName val="0"/>
-              <c:showPercent val="0"/>
-              <c:showBubbleSize val="0"/>
-              <c:showLeaderLines val="1"/>
-              <c:extLst>
-                <c:ext xmlns:c15="http://schemas.microsoft.com/office/drawing/2012/chart" uri="{CE6537A1-D6FC-4f65-9D91-7224C49458BB}"/>
-                <c:ext xmlns:c16="http://schemas.microsoft.com/office/drawing/2014/chart" uri="{C3380CC4-5D6E-409C-BE32-E72D297353CC}">
-                  <c16:uniqueId val="{00000002-82fb-4dc2-0f81-7217826b8baa}"/>
-                </c:ext>
-              </c:extLst>
-            </c:dLbl>
-            <c:dLbl>
-              <c:idx val="2"/>
-              <c:tx>
-                <c:rich>
-                  <a:bodyPr>
-                    <a:spAutoFit/>
-                  </a:bodyPr>
-                  <a:lstStyle/>
-                  <a:p>
-                    <a:pPr>
-                      <a:defRPr/>
-                    </a:pPr>
-                    <a:r>
-                      <a:rPr lang="en-US" dirty="0"/>
-                      <a:t>心病一科</a:t>
-                    </a:r>
-                  </a:p>
-                </c:rich>
-              </c:tx>
-              <c:spPr>
-                <a:noFill/>
-                <a:ln>
-                  <a:noFill/>
-                </a:ln>
-                <a:effectLst/>
-              </c:spPr>
-              <c:dLblPos val="t"/>
-              <c:showLegendKey val="0"/>
-              <c:showVal val="0"/>
-              <c:showCatName val="0"/>
-              <c:showSerName val="0"/>
-              <c:showPercent val="0"/>
-              <c:showBubbleSize val="0"/>
-              <c:showLeaderLines val="1"/>
-              <c:extLst>
-                <c:ext xmlns:c15="http://schemas.microsoft.com/office/drawing/2012/chart" uri="{CE6537A1-D6FC-4f65-9D91-7224C49458BB}"/>
-                <c:ext xmlns:c16="http://schemas.microsoft.com/office/drawing/2014/chart" uri="{C3380CC4-5D6E-409C-BE32-E72D297353CC}">
-                  <c16:uniqueId val="{00000003-82fb-4dc2-0f81-7217826b8baa}"/>
-                </c:ext>
-              </c:extLst>
-            </c:dLbl>
-            <c:dLbl>
-              <c:idx val="3"/>
-              <c:tx>
-                <c:rich>
-                  <a:bodyPr>
-                    <a:spAutoFit/>
-                  </a:bodyPr>
-                  <a:lstStyle/>
-                  <a:p>
-                    <a:pPr>
-                      <a:defRPr/>
-                    </a:pPr>
-                    <a:r>
-                      <a:rPr lang="en-US" dirty="0"/>
-                      <a:t>乳腺甲状腺外科</a:t>
-                    </a:r>
-                  </a:p>
-                </c:rich>
-              </c:tx>
-              <c:spPr>
-                <a:noFill/>
-                <a:ln>
-                  <a:noFill/>
-                </a:ln>
-                <a:effectLst/>
-              </c:spPr>
-              <c:dLblPos val="t"/>
-              <c:showLegendKey val="0"/>
-              <c:showVal val="0"/>
-              <c:showCatName val="0"/>
-              <c:showSerName val="0"/>
-              <c:showPercent val="0"/>
-              <c:showBubbleSize val="0"/>
-              <c:showLeaderLines val="1"/>
-              <c:extLst>
-                <c:ext xmlns:c15="http://schemas.microsoft.com/office/drawing/2012/chart" uri="{CE6537A1-D6FC-4f65-9D91-7224C49458BB}"/>
-                <c:ext xmlns:c16="http://schemas.microsoft.com/office/drawing/2014/chart" uri="{C3380CC4-5D6E-409C-BE32-E72D297353CC}">
-                  <c16:uniqueId val="{00000004-82fb-4dc2-0f81-7217826b8baa}"/>
-                </c:ext>
-              </c:extLst>
-            </c:dLbl>
-            <c:dLbl>
-              <c:idx val="4"/>
-              <c:tx>
-                <c:rich>
-                  <a:bodyPr>
-                    <a:spAutoFit/>
-                  </a:bodyPr>
-                  <a:lstStyle/>
-                  <a:p>
-                    <a:pPr>
-                      <a:defRPr/>
-                    </a:pPr>
-                    <a:r>
-                      <a:rPr lang="en-US" dirty="0"/>
-                      <a:t>脾胃病科</a:t>
-                    </a:r>
-                  </a:p>
-                </c:rich>
-              </c:tx>
-              <c:spPr>
-                <a:noFill/>
-                <a:ln>
-                  <a:noFill/>
-                </a:ln>
-                <a:effectLst/>
-              </c:spPr>
-              <c:dLblPos val="t"/>
-              <c:showLegendKey val="0"/>
-              <c:showVal val="0"/>
-              <c:showCatName val="0"/>
-              <c:showSerName val="0"/>
-              <c:showPercent val="0"/>
-              <c:showBubbleSize val="0"/>
-              <c:showLeaderLines val="1"/>
-              <c:extLst>
-                <c:ext xmlns:c15="http://schemas.microsoft.com/office/drawing/2012/chart" uri="{CE6537A1-D6FC-4f65-9D91-7224C49458BB}"/>
-                <c:ext xmlns:c16="http://schemas.microsoft.com/office/drawing/2014/chart" uri="{C3380CC4-5D6E-409C-BE32-E72D297353CC}">
-                  <c16:uniqueId val="{00000005-82fb-4dc2-0f81-7217826b8baa}"/>
-                </c:ext>
-              </c:extLst>
-            </c:dLbl>
-            <c:dLbl>
-              <c:idx val="5"/>
-              <c:tx>
-                <c:rich>
-                  <a:bodyPr>
-                    <a:spAutoFit/>
-                  </a:bodyPr>
-                  <a:lstStyle/>
-                  <a:p>
-                    <a:pPr>
-                      <a:defRPr/>
-                    </a:pPr>
-                    <a:r>
-                      <a:rPr lang="en-US" dirty="0"/>
-                      <a:t>皮肤科</a:t>
-                    </a:r>
-                  </a:p>
-                </c:rich>
-              </c:tx>
-              <c:spPr>
-                <a:noFill/>
-                <a:ln>
-                  <a:noFill/>
-                </a:ln>
-                <a:effectLst/>
-              </c:spPr>
-              <c:dLblPos val="t"/>
-              <c:showLegendKey val="0"/>
-              <c:showVal val="0"/>
-              <c:showCatName val="0"/>
-              <c:showSerName val="0"/>
-              <c:showPercent val="0"/>
-              <c:showBubbleSize val="0"/>
-              <c:showLeaderLines val="1"/>
-              <c:extLst>
-                <c:ext xmlns:c15="http://schemas.microsoft.com/office/drawing/2012/chart" uri="{CE6537A1-D6FC-4f65-9D91-7224C49458BB}"/>
-                <c:ext xmlns:c16="http://schemas.microsoft.com/office/drawing/2014/chart" uri="{C3380CC4-5D6E-409C-BE32-E72D297353CC}">
-                  <c16:uniqueId val="{00000006-82fb-4dc2-0f81-7217826b8baa}"/>
-                </c:ext>
-              </c:extLst>
-            </c:dLbl>
-            <c:dLbl>
-              <c:idx val="6"/>
-              <c:tx>
-                <c:rich>
-                  <a:bodyPr>
-                    <a:spAutoFit/>
-                  </a:bodyPr>
-                  <a:lstStyle/>
-                  <a:p>
-                    <a:pPr>
-                      <a:defRPr/>
-                    </a:pPr>
-                    <a:r>
-                      <a:rPr lang="en-US" dirty="0"/>
-                      <a:t>美容皮肤科</a:t>
-                    </a:r>
-                  </a:p>
-                </c:rich>
-              </c:tx>
-              <c:spPr>
-                <a:noFill/>
-                <a:ln>
-                  <a:noFill/>
-                </a:ln>
-                <a:effectLst/>
-              </c:spPr>
-              <c:dLblPos val="t"/>
-              <c:showLegendKey val="0"/>
-              <c:showVal val="0"/>
-              <c:showCatName val="0"/>
-              <c:showSerName val="0"/>
-              <c:showPercent val="0"/>
-              <c:showBubbleSize val="0"/>
-              <c:showLeaderLines val="1"/>
-              <c:extLst>
-                <c:ext xmlns:c15="http://schemas.microsoft.com/office/drawing/2012/chart" uri="{CE6537A1-D6FC-4f65-9D91-7224C49458BB}"/>
-                <c:ext xmlns:c16="http://schemas.microsoft.com/office/drawing/2014/chart" uri="{C3380CC4-5D6E-409C-BE32-E72D297353CC}">
-                  <c16:uniqueId val="{00000007-82fb-4dc2-0f81-7217826b8baa}"/>
-                </c:ext>
-              </c:extLst>
-            </c:dLbl>
-            <c:dLbl>
-              <c:idx val="7"/>
-              <c:tx>
-                <c:rich>
-                  <a:bodyPr>
-                    <a:spAutoFit/>
-                  </a:bodyPr>
-                  <a:lstStyle/>
-                  <a:p>
-                    <a:pPr>
-                      <a:defRPr/>
-                    </a:pPr>
-                    <a:r>
-                      <a:rPr lang="en-US" dirty="0"/>
-                      <a:t>神经内科</a:t>
-                    </a:r>
-                  </a:p>
-                </c:rich>
-              </c:tx>
-              <c:spPr>
-                <a:noFill/>
-                <a:ln>
-                  <a:noFill/>
-                </a:ln>
-                <a:effectLst/>
-              </c:spPr>
-              <c:dLblPos val="t"/>
-              <c:showLegendKey val="0"/>
-              <c:showVal val="0"/>
-              <c:showCatName val="0"/>
-              <c:showSerName val="0"/>
-              <c:showPercent val="0"/>
-              <c:showBubbleSize val="0"/>
-              <c:showLeaderLines val="1"/>
-              <c:extLst>
-                <c:ext xmlns:c15="http://schemas.microsoft.com/office/drawing/2012/chart" uri="{CE6537A1-D6FC-4f65-9D91-7224C49458BB}"/>
-                <c:ext xmlns:c16="http://schemas.microsoft.com/office/drawing/2014/chart" uri="{C3380CC4-5D6E-409C-BE32-E72D297353CC}">
-                  <c16:uniqueId val="{00000008-82fb-4dc2-0f81-7217826b8baa}"/>
-                </c:ext>
-              </c:extLst>
-            </c:dLbl>
-            <c:dLbl>
-              <c:idx val="8"/>
-              <c:tx>
-                <c:rich>
-                  <a:bodyPr>
-                    <a:spAutoFit/>
-                  </a:bodyPr>
-                  <a:lstStyle/>
-                  <a:p>
-                    <a:pPr>
-                      <a:defRPr/>
-                    </a:pPr>
-                    <a:r>
-                      <a:rPr lang="en-US" dirty="0"/>
-                      <a:t>肾脏内科</a:t>
-                    </a:r>
-                  </a:p>
-                </c:rich>
-              </c:tx>
-              <c:spPr>
-                <a:noFill/>
-                <a:ln>
-                  <a:noFill/>
-                </a:ln>
-                <a:effectLst/>
-              </c:spPr>
-              <c:dLblPos val="t"/>
-              <c:showLegendKey val="0"/>
-              <c:showVal val="0"/>
-              <c:showCatName val="0"/>
-              <c:showSerName val="0"/>
-              <c:showPercent val="0"/>
-              <c:showBubbleSize val="0"/>
-              <c:showLeaderLines val="1"/>
-              <c:extLst>
-                <c:ext xmlns:c15="http://schemas.microsoft.com/office/drawing/2012/chart" uri="{CE6537A1-D6FC-4f65-9D91-7224C49458BB}"/>
-                <c:ext xmlns:c16="http://schemas.microsoft.com/office/drawing/2014/chart" uri="{C3380CC4-5D6E-409C-BE32-E72D297353CC}">
-                  <c16:uniqueId val="{00000009-82fb-4dc2-0f81-7217826b8baa}"/>
-                </c:ext>
-              </c:extLst>
-            </c:dLbl>
-            <c:dLbl>
-              <c:idx val="9"/>
-              <c:tx>
-                <c:rich>
-                  <a:bodyPr>
-                    <a:spAutoFit/>
-                  </a:bodyPr>
-                  <a:lstStyle/>
-                  <a:p>
-                    <a:pPr>
-                      <a:defRPr/>
-                    </a:pPr>
-                    <a:r>
-                      <a:rPr lang="en-US" dirty="0"/>
-                      <a:t>关节骨科</a:t>
-                    </a:r>
-                  </a:p>
-                </c:rich>
-              </c:tx>
-              <c:spPr>
-                <a:noFill/>
-                <a:ln>
-                  <a:noFill/>
-                </a:ln>
-                <a:effectLst/>
-              </c:spPr>
-              <c:dLblPos val="t"/>
-              <c:showLegendKey val="0"/>
-              <c:showVal val="0"/>
-              <c:showCatName val="0"/>
-              <c:showSerName val="0"/>
-              <c:showPercent val="0"/>
-              <c:showBubbleSize val="0"/>
-              <c:showLeaderLines val="1"/>
-              <c:extLst>
-                <c:ext xmlns:c15="http://schemas.microsoft.com/office/drawing/2012/chart" uri="{CE6537A1-D6FC-4f65-9D91-7224C49458BB}"/>
-                <c:ext xmlns:c16="http://schemas.microsoft.com/office/drawing/2014/chart" uri="{C3380CC4-5D6E-409C-BE32-E72D297353CC}">
-                  <c16:uniqueId val="{00000010-82fb-4dc2-0f81-7217826b8baa}"/>
-                </c:ext>
-              </c:extLst>
-            </c:dLbl>
-            <c:dLbl>
-              <c:idx val="10"/>
-              <c:tx>
-                <c:rich>
-                  <a:bodyPr>
-                    <a:spAutoFit/>
-                  </a:bodyPr>
-                  <a:lstStyle/>
-                  <a:p>
-                    <a:pPr>
-                      <a:defRPr/>
-                    </a:pPr>
-                    <a:r>
-                      <a:rPr lang="en-US" dirty="0"/>
-                      <a:t>风湿病科</a:t>
-                    </a:r>
-                  </a:p>
-                </c:rich>
-              </c:tx>
-              <c:spPr>
-                <a:noFill/>
-                <a:ln>
-                  <a:noFill/>
-                </a:ln>
-                <a:effectLst/>
-              </c:spPr>
-              <c:dLblPos val="t"/>
-              <c:showLegendKey val="0"/>
-              <c:showVal val="0"/>
-              <c:showCatName val="0"/>
-              <c:showSerName val="0"/>
-              <c:showPercent val="0"/>
-              <c:showBubbleSize val="0"/>
-              <c:showLeaderLines val="1"/>
-              <c:extLst>
-                <c:ext xmlns:c15="http://schemas.microsoft.com/office/drawing/2012/chart" uri="{CE6537A1-D6FC-4f65-9D91-7224C49458BB}"/>
-                <c:ext xmlns:c16="http://schemas.microsoft.com/office/drawing/2014/chart" uri="{C3380CC4-5D6E-409C-BE32-E72D297353CC}">
-                  <c16:uniqueId val="{00000011-82fb-4dc2-0f81-7217826b8baa}"/>
-                </c:ext>
-              </c:extLst>
-            </c:dLbl>
-            <c:dLbl>
-              <c:idx val="11"/>
-              <c:tx>
-                <c:rich>
-                  <a:bodyPr>
-                    <a:spAutoFit/>
-                  </a:bodyPr>
-                  <a:lstStyle/>
-                  <a:p>
-                    <a:pPr>
-                      <a:defRPr/>
-                    </a:pPr>
-                    <a:r>
-                      <a:rPr lang="en-US" dirty="0"/>
-                      <a:t>产科</a:t>
-                    </a:r>
-                  </a:p>
-                </c:rich>
-              </c:tx>
-              <c:spPr>
-                <a:noFill/>
-                <a:ln>
-                  <a:noFill/>
-                </a:ln>
-                <a:effectLst/>
-              </c:spPr>
-              <c:dLblPos val="t"/>
-              <c:showLegendKey val="0"/>
-              <c:showVal val="0"/>
-              <c:showCatName val="0"/>
-              <c:showSerName val="0"/>
-              <c:showPercent val="0"/>
-              <c:showBubbleSize val="0"/>
-              <c:showLeaderLines val="1"/>
-              <c:extLst>
-                <c:ext xmlns:c15="http://schemas.microsoft.com/office/drawing/2012/chart" uri="{CE6537A1-D6FC-4f65-9D91-7224C49458BB}"/>
-                <c:ext xmlns:c16="http://schemas.microsoft.com/office/drawing/2014/chart" uri="{C3380CC4-5D6E-409C-BE32-E72D297353CC}">
-                  <c16:uniqueId val="{00000012-82fb-4dc2-0f81-7217826b8baa}"/>
-                </c:ext>
-              </c:extLst>
-            </c:dLbl>
-            <c:dLbl>
-              <c:idx val="12"/>
-              <c:tx>
-                <c:rich>
-                  <a:bodyPr>
-                    <a:spAutoFit/>
-                  </a:bodyPr>
-                  <a:lstStyle/>
-                  <a:p>
-                    <a:pPr>
-                      <a:defRPr/>
-                    </a:pPr>
-                    <a:r>
-                      <a:rPr lang="en-US" dirty="0"/>
-                      <a:t>内分泌科</a:t>
-                    </a:r>
-                  </a:p>
-                </c:rich>
-              </c:tx>
-              <c:spPr>
-                <a:noFill/>
-                <a:ln>
-                  <a:noFill/>
-                </a:ln>
-                <a:effectLst/>
-              </c:spPr>
-              <c:dLblPos val="t"/>
-              <c:showLegendKey val="0"/>
-              <c:showVal val="0"/>
-              <c:showCatName val="0"/>
-              <c:showSerName val="0"/>
-              <c:showPercent val="0"/>
-              <c:showBubbleSize val="0"/>
-              <c:showLeaderLines val="1"/>
-              <c:extLst>
-                <c:ext xmlns:c15="http://schemas.microsoft.com/office/drawing/2012/chart" uri="{CE6537A1-D6FC-4f65-9D91-7224C49458BB}"/>
-                <c:ext xmlns:c16="http://schemas.microsoft.com/office/drawing/2014/chart" uri="{C3380CC4-5D6E-409C-BE32-E72D297353CC}">
-                  <c16:uniqueId val="{00000013-82fb-4dc2-0f81-7217826b8baa}"/>
-                </c:ext>
-              </c:extLst>
-            </c:dLbl>
-            <c:dLbl>
-              <c:idx val="13"/>
-              <c:tx>
-                <c:rich>
-                  <a:bodyPr>
-                    <a:spAutoFit/>
-                  </a:bodyPr>
-                  <a:lstStyle/>
-                  <a:p>
-                    <a:pPr>
-                      <a:defRPr/>
-                    </a:pPr>
-                    <a:r>
-                      <a:rPr lang="en-US" dirty="0"/>
-                      <a:t>综合内科</a:t>
-                    </a:r>
-                  </a:p>
-                </c:rich>
-              </c:tx>
-              <c:spPr>
-                <a:noFill/>
-                <a:ln>
-                  <a:noFill/>
-                </a:ln>
-                <a:effectLst/>
-              </c:spPr>
-              <c:dLblPos val="t"/>
-              <c:showLegendKey val="0"/>
-              <c:showVal val="0"/>
-              <c:showCatName val="0"/>
-              <c:showSerName val="0"/>
-              <c:showPercent val="0"/>
-              <c:showBubbleSize val="0"/>
-              <c:showLeaderLines val="1"/>
-              <c:extLst>
-                <c:ext xmlns:c15="http://schemas.microsoft.com/office/drawing/2012/chart" uri="{CE6537A1-D6FC-4f65-9D91-7224C49458BB}"/>
-                <c:ext xmlns:c16="http://schemas.microsoft.com/office/drawing/2014/chart" uri="{C3380CC4-5D6E-409C-BE32-E72D297353CC}">
-                  <c16:uniqueId val="{00000014-82fb-4dc2-0f81-7217826b8baa}"/>
-                </c:ext>
-              </c:extLst>
-            </c:dLbl>
-            <c:dLbl>
-              <c:idx val="14"/>
-              <c:tx>
-                <c:rich>
-                  <a:bodyPr>
-                    <a:spAutoFit/>
-                  </a:bodyPr>
-                  <a:lstStyle/>
-                  <a:p>
-                    <a:pPr>
-                      <a:defRPr/>
-                    </a:pPr>
-                    <a:r>
-                      <a:rPr lang="en-US" dirty="0"/>
-                      <a:t>耳鼻喉科</a:t>
-                    </a:r>
-                  </a:p>
-                </c:rich>
-              </c:tx>
-              <c:spPr>
-                <a:noFill/>
-                <a:ln>
-                  <a:noFill/>
-                </a:ln>
-                <a:effectLst/>
-              </c:spPr>
-              <c:dLblPos val="t"/>
-              <c:showLegendKey val="0"/>
-              <c:showVal val="0"/>
-              <c:showCatName val="0"/>
-              <c:showSerName val="0"/>
-              <c:showPercent val="0"/>
-              <c:showBubbleSize val="0"/>
-              <c:showLeaderLines val="1"/>
-              <c:extLst>
-                <c:ext xmlns:c15="http://schemas.microsoft.com/office/drawing/2012/chart" uri="{CE6537A1-D6FC-4f65-9D91-7224C49458BB}"/>
-                <c:ext xmlns:c16="http://schemas.microsoft.com/office/drawing/2014/chart" uri="{C3380CC4-5D6E-409C-BE32-E72D297353CC}">
-                  <c16:uniqueId val="{00000015-82fb-4dc2-0f81-7217826b8baa}"/>
-                </c:ext>
-              </c:extLst>
-            </c:dLbl>
-            <c:dLbl>
-              <c:idx val="15"/>
-              <c:tx>
-                <c:rich>
-                  <a:bodyPr>
-                    <a:spAutoFit/>
-                  </a:bodyPr>
-                  <a:lstStyle/>
-                  <a:p>
-                    <a:pPr>
-                      <a:defRPr/>
-                    </a:pPr>
-                    <a:r>
-                      <a:rPr lang="en-US" dirty="0"/>
-                      <a:t>肾病科</a:t>
-                    </a:r>
-                  </a:p>
-                </c:rich>
-              </c:tx>
-              <c:spPr>
-                <a:noFill/>
-                <a:ln>
-                  <a:noFill/>
-                </a:ln>
-                <a:effectLst/>
-              </c:spPr>
-              <c:dLblPos val="t"/>
-              <c:showLegendKey val="0"/>
-              <c:showVal val="0"/>
-              <c:showCatName val="0"/>
-              <c:showSerName val="0"/>
-              <c:showPercent val="0"/>
-              <c:showBubbleSize val="0"/>
-              <c:showLeaderLines val="1"/>
-              <c:extLst>
-                <c:ext xmlns:c15="http://schemas.microsoft.com/office/drawing/2012/chart" uri="{CE6537A1-D6FC-4f65-9D91-7224C49458BB}"/>
-                <c:ext xmlns:c16="http://schemas.microsoft.com/office/drawing/2014/chart" uri="{C3380CC4-5D6E-409C-BE32-E72D297353CC}">
-                  <c16:uniqueId val="{00000016-82fb-4dc2-0f81-7217826b8baa}"/>
-                </c:ext>
-              </c:extLst>
-            </c:dLbl>
-            <c:dLbl>
-              <c:idx val="16"/>
-              <c:tx>
-                <c:rich>
-                  <a:bodyPr>
-                    <a:spAutoFit/>
-                  </a:bodyPr>
-                  <a:lstStyle/>
-                  <a:p>
-                    <a:pPr>
-                      <a:defRPr/>
-                    </a:pPr>
-                    <a:r>
-                      <a:rPr lang="en-US" dirty="0"/>
-                      <a:t>脾胃科消化科合并</a:t>
-                    </a:r>
-                  </a:p>
-                </c:rich>
-              </c:tx>
-              <c:spPr>
-                <a:noFill/>
-                <a:ln>
-                  <a:noFill/>
-                </a:ln>
-                <a:effectLst/>
-              </c:spPr>
-              <c:dLblPos val="t"/>
-              <c:showLegendKey val="0"/>
-              <c:showVal val="0"/>
-              <c:showCatName val="0"/>
-              <c:showSerName val="0"/>
-              <c:showPercent val="0"/>
-              <c:showBubbleSize val="0"/>
-              <c:showLeaderLines val="1"/>
-              <c:extLst>
-                <c:ext xmlns:c15="http://schemas.microsoft.com/office/drawing/2012/chart" uri="{CE6537A1-D6FC-4f65-9D91-7224C49458BB}"/>
-                <c:ext xmlns:c16="http://schemas.microsoft.com/office/drawing/2014/chart" uri="{C3380CC4-5D6E-409C-BE32-E72D297353CC}">
-                  <c16:uniqueId val="{00000017-82fb-4dc2-0f81-7217826b8baa}"/>
-                </c:ext>
-              </c:extLst>
-            </c:dLbl>
-            <c:dLbl>
-              <c:idx val="17"/>
-              <c:tx>
-                <c:rich>
-                  <a:bodyPr>
-                    <a:spAutoFit/>
-                  </a:bodyPr>
-                  <a:lstStyle/>
-                  <a:p>
-                    <a:pPr>
-                      <a:defRPr/>
-                    </a:pPr>
-                    <a:r>
-                      <a:rPr lang="en-US" dirty="0"/>
-                      <a:t>肛肠科</a:t>
-                    </a:r>
-                  </a:p>
-                </c:rich>
-              </c:tx>
-              <c:spPr>
-                <a:noFill/>
-                <a:ln>
-                  <a:noFill/>
-                </a:ln>
-                <a:effectLst/>
-              </c:spPr>
-              <c:dLblPos val="t"/>
-              <c:showLegendKey val="0"/>
-              <c:showVal val="0"/>
-              <c:showCatName val="0"/>
-              <c:showSerName val="0"/>
-              <c:showPercent val="0"/>
-              <c:showBubbleSize val="0"/>
-              <c:showLeaderLines val="1"/>
-              <c:extLst>
-                <c:ext xmlns:c15="http://schemas.microsoft.com/office/drawing/2012/chart" uri="{CE6537A1-D6FC-4f65-9D91-7224C49458BB}"/>
-                <c:ext xmlns:c16="http://schemas.microsoft.com/office/drawing/2014/chart" uri="{C3380CC4-5D6E-409C-BE32-E72D297353CC}">
-                  <c16:uniqueId val="{00000018-82fb-4dc2-0f81-7217826b8baa}"/>
-                </c:ext>
-              </c:extLst>
-            </c:dLbl>
-            <c:dLbl>
-              <c:idx val="18"/>
-              <c:tx>
-                <c:rich>
-                  <a:bodyPr>
-                    <a:spAutoFit/>
-                  </a:bodyPr>
-                  <a:lstStyle/>
-                  <a:p>
-                    <a:pPr>
-                      <a:defRPr/>
-                    </a:pPr>
-                    <a:r>
-                      <a:rPr lang="en-US" dirty="0"/>
-                      <a:t>治未病中心</a:t>
-                    </a:r>
-                  </a:p>
-                </c:rich>
-              </c:tx>
-              <c:spPr>
-                <a:noFill/>
-                <a:ln>
-                  <a:noFill/>
-                </a:ln>
-                <a:effectLst/>
-              </c:spPr>
-              <c:dLblPos val="t"/>
-              <c:showLegendKey val="0"/>
-              <c:showVal val="0"/>
-              <c:showCatName val="0"/>
-              <c:showSerName val="0"/>
-              <c:showPercent val="0"/>
-              <c:showBubbleSize val="0"/>
-              <c:showLeaderLines val="1"/>
-              <c:extLst>
-                <c:ext xmlns:c15="http://schemas.microsoft.com/office/drawing/2012/chart" uri="{CE6537A1-D6FC-4f65-9D91-7224C49458BB}"/>
-                <c:ext xmlns:c16="http://schemas.microsoft.com/office/drawing/2014/chart" uri="{C3380CC4-5D6E-409C-BE32-E72D297353CC}">
-                  <c16:uniqueId val="{00000019-82fb-4dc2-0f81-7217826b8baa}"/>
-                </c:ext>
-              </c:extLst>
-            </c:dLbl>
-            <c:dLbl>
-              <c:idx val="19"/>
-              <c:tx>
-                <c:rich>
-                  <a:bodyPr>
-                    <a:spAutoFit/>
-                  </a:bodyPr>
-                  <a:lstStyle/>
-                  <a:p>
-                    <a:pPr>
-                      <a:defRPr/>
-                    </a:pPr>
-                    <a:r>
-                      <a:rPr lang="en-US" dirty="0"/>
-                      <a:t>泌尿外科</a:t>
-                    </a:r>
-                  </a:p>
-                </c:rich>
-              </c:tx>
-              <c:spPr>
-                <a:noFill/>
-                <a:ln>
-                  <a:noFill/>
-                </a:ln>
-                <a:effectLst/>
-              </c:spPr>
-              <c:dLblPos val="t"/>
-              <c:showLegendKey val="0"/>
-              <c:showVal val="0"/>
-              <c:showCatName val="0"/>
-              <c:showSerName val="0"/>
-              <c:showPercent val="0"/>
-              <c:showBubbleSize val="0"/>
-              <c:showLeaderLines val="1"/>
-              <c:extLst>
-                <c:ext xmlns:c15="http://schemas.microsoft.com/office/drawing/2012/chart" uri="{CE6537A1-D6FC-4f65-9D91-7224C49458BB}"/>
-                <c:ext xmlns:c16="http://schemas.microsoft.com/office/drawing/2014/chart" uri="{C3380CC4-5D6E-409C-BE32-E72D297353CC}">
-                  <c16:uniqueId val="{00000020-82fb-4dc2-0f81-7217826b8baa}"/>
-                </c:ext>
-              </c:extLst>
-            </c:dLbl>
-          </c:dLbls>
-          <c:xVal>
-            <c:numRef>
-              <c:f>Sheet1!$A$2:$A$21</c:f>
-              <c:numCache>
-                <c:formatCode>General</c:formatCode>
-                <c:ptCount val="20"/>
-                <c:pt idx="0">
-                  <c:v>0.00015610057548613086</c:v>
-                </c:pt>
-                <c:pt idx="1">
-                  <c:v>0.0012942340777845863</c:v>
-                </c:pt>
-                <c:pt idx="2">
-                  <c:v>0.000758850399442869</c:v>
-                </c:pt>
-                <c:pt idx="3">
-                  <c:v>0.0022774316693909957</c:v>
-                </c:pt>
-                <c:pt idx="4">
-                  <c:v>0.0014510254724305282</c:v>
-                </c:pt>
-                <c:pt idx="5">
-                  <c:v>0.0014334520759720455</c:v>
-                </c:pt>
-                <c:pt idx="6">
-                  <c:v>0.0022467427841607623</c:v>
-                </c:pt>
-                <c:pt idx="7">
-                  <c:v>0.0014232333323435898</c:v>
-                </c:pt>
-                <c:pt idx="8">
-                  <c:v>0.0010048905191364606</c:v>
-                </c:pt>
-                <c:pt idx="9">
-                  <c:v>0.0009857245322961684</c:v>
-                </c:pt>
-                <c:pt idx="10">
-                  <c:v>0.00045393295639594084</c:v>
-                </c:pt>
-                <c:pt idx="11">
-                  <c:v>0.00039257769563612354</c:v>
-                </c:pt>
-                <c:pt idx="12">
-                  <c:v>0.0010242048459777385</c:v>
-                </c:pt>
-                <c:pt idx="13">
-                  <c:v>0.0012657615052241078</c:v>
-                </c:pt>
-                <c:pt idx="14">
-                  <c:v>0.000501477674619155</c:v>
-                </c:pt>
-                <c:pt idx="15">
-                  <c:v>0.001981992261304401</c:v>
-                </c:pt>
-                <c:pt idx="16">
-                  <c:v>0.0018952946565171085</c:v>
-                </c:pt>
-                <c:pt idx="17">
-                  <c:v>0.001933085476048501</c:v>
-                </c:pt>
-                <c:pt idx="18">
-                  <c:v>0.0008289749943742164</c:v>
-                </c:pt>
-                <c:pt idx="19">
-                  <c:v>0.0013378508010639901</c:v>
-                </c:pt>
-              </c:numCache>
-            </c:numRef>
-          </c:xVal>
-          <c:yVal>
-            <c:numRef>
-              <c:f>Sheet1!$B$2:$B$21</c:f>
-              <c:numCache>
-                <c:formatCode>General</c:formatCode>
-                <c:ptCount val="20"/>
-                <c:pt idx="0">
-                  <c:v>100</c:v>
-                </c:pt>
-                <c:pt idx="1">
-                  <c:v>27.381999281881836</c:v>
-                </c:pt>
-                <c:pt idx="2">
-                  <c:v>24.623396847645335</c:v>
-                </c:pt>
-                <c:pt idx="3">
-                  <c:v>23.805026594521404</c:v>
-                </c:pt>
-                <c:pt idx="4">
-                  <c:v>23.443116007903907</c:v>
-                </c:pt>
-                <c:pt idx="5">
-                  <c:v>23.34818759457745</c:v>
-                </c:pt>
-                <c:pt idx="6">
-                  <c:v>21.019920808641366</c:v>
-                </c:pt>
-                <c:pt idx="7">
-                  <c:v>20.983374152832916</c:v>
-                </c:pt>
-                <c:pt idx="8">
-                  <c:v>20.796266184625356</c:v>
-                </c:pt>
-                <c:pt idx="9">
-                  <c:v>19.544651642516833</c:v>
-                </c:pt>
-                <c:pt idx="10">
-                  <c:v>19.236033111583733</c:v>
-                </c:pt>
-                <c:pt idx="11">
-                  <c:v>19.19772678603496</c:v>
-                </c:pt>
-                <c:pt idx="12">
-                  <c:v>18.774168820709484</c:v>
-                </c:pt>
-                <c:pt idx="13">
-                  <c:v>17.854671052664592</c:v>
-                </c:pt>
-                <c:pt idx="14">
-                  <c:v>16.743620856003602</c:v>
-                </c:pt>
-                <c:pt idx="15">
-                  <c:v>16.522712845615306</c:v>
-                </c:pt>
-                <c:pt idx="16">
-                  <c:v>15.654847560828696</c:v>
-                </c:pt>
-                <c:pt idx="17">
-                  <c:v>15.630145223780975</c:v>
-                </c:pt>
-                <c:pt idx="18">
-                  <c:v>15.58631783690897</c:v>
-                </c:pt>
-                <c:pt idx="19">
-                  <c:v>15.392776449228734</c:v>
-                </c:pt>
-              </c:numCache>
-            </c:numRef>
-          </c:yVal>
-          <c:smooth val="0"/>
-        </c:ser>
-        <c:dLbls>
-          <c:numFmt formatCode="General" sourceLinked="0"/>
-          <c:txPr>
-            <a:bodyPr/>
-            <a:lstStyle/>
-            <a:p>
-              <a:pPr>
-                <a:defRPr b="0" i="0" strike="noStrike" sz="1200" u="none">
-                  <a:solidFill>
-                    <a:srgbClr val="000000"/>
-                  </a:solidFill>
-                  <a:latin typeface="Arial"/>
-                </a:defRPr>
-              </a:pPr>
-            </a:p>
-          </c:txPr>
-          <c:dLblPos val="t"/>
-          <c:showLegendKey val="0"/>
-          <c:showVal val="0"/>
-          <c:showCatName val="0"/>
-          <c:showSerName val="0"/>
-          <c:showPercent val="0"/>
-          <c:showBubbleSize val="0"/>
-        </c:dLbls>
-        <c:axId val="2094734554"/>
-        <c:axId val="2094734552"/>
-      </c:scatterChart>
-      <c:valAx>
-        <c:axId val="2094734554"/>
-        <c:scaling>
-          <c:orientation val="minMax"/>
-        </c:scaling>
-        <c:delete val="0"/>
-        <c:axPos val="b"/>
-        <c:majorGridlines>
-          <c:spPr>
-            <a:ln w="12700" cap="flat">
-              <a:solidFill>
-                <a:srgbClr val="D9D9D9"/>
-              </a:solidFill>
-              <a:prstDash val="solid"/>
-              <a:round/>
-            </a:ln>
-          </c:spPr>
-        </c:majorGridlines>
-        <c:title>
-          <c:tx>
-            <c:rich>
-              <a:bodyPr/>
-              <a:lstStyle/>
-              <a:p>
-                <a:pPr>
-                  <a:defRPr sz="1000" b="0" i="0" u="none" strike="noStrike">
-                    <a:solidFill>
-                      <a:srgbClr val="428442"/>
-                    </a:solidFill>
-                    <a:latin typeface="Arial"/>
-                  </a:defRPr>
-                </a:pPr>
-                <a:r>
-                  <a:rPr sz="1000" b="0" i="0" u="none" strike="noStrike">
-                    <a:solidFill>
-                      <a:srgbClr val="428442"/>
-                    </a:solidFill>
-                    <a:latin typeface="Arial"/>
-                  </a:rPr>
-                  <a:t>医疗服务收入占全院比重</a:t>
-                </a:r>
-              </a:p>
-            </c:rich>
-          </c:tx>
-          <c:layout/>
-          <c:overlay val="0"/>
-        </c:title>
-        <c:numFmt formatCode="General" sourceLinked="0"/>
-        <c:majorTickMark val="none"/>
-        <c:minorTickMark val="none"/>
-        <c:tickLblPos val="nextTo"/>
-        <c:spPr>
-          <a:ln w="12700" cap="flat">
-            <a:solidFill>
-              <a:srgbClr val="888888"/>
-            </a:solidFill>
-            <a:prstDash val="solid"/>
-            <a:round/>
-          </a:ln>
-        </c:spPr>
-        <c:txPr>
-          <a:bodyPr/>
-          <a:lstStyle/>
-          <a:p>
-            <a:pPr>
-              <a:defRPr sz="1200" b="0" i="0" u="none" strike="noStrike">
-                <a:solidFill>
-                  <a:srgbClr val="000000"/>
-                </a:solidFill>
-                <a:latin typeface="Arial"/>
-              </a:defRPr>
-            </a:pPr>
-            <a:endParaRPr lang="en-US"/>
-          </a:p>
-        </c:txPr>
-        <c:crossAx val="2094734552"/>
-        <c:crosses val="autoZero"/>
-        <c:auto val="1"/>
-        <c:lblAlgn val="ctr"/>
-        <c:noMultiLvlLbl val="1"/>
-      </c:valAx>
-      <c:valAx>
-        <c:axId val="2094734552"/>
-        <c:scaling>
-          <c:orientation val="minMax"/>
-        </c:scaling>
-        <c:delete val="0"/>
-        <c:axPos val="l"/>
-        <c:majorGridlines>
-          <c:spPr>
-            <a:ln w="12700" cap="flat">
-              <a:solidFill>
-                <a:srgbClr val="D9D9D9"/>
-              </a:solidFill>
-              <a:prstDash val="solid"/>
-              <a:round/>
-            </a:ln>
-          </c:spPr>
-        </c:majorGridlines>
-        <c:title>
-          <c:tx>
-            <c:rich>
-              <a:bodyPr/>
-              <a:lstStyle/>
-              <a:p>
-                <a:pPr>
-                  <a:defRPr sz="1000" b="0" i="0" u="none" strike="noStrike">
-                    <a:solidFill>
-                      <a:srgbClr val="428442"/>
-                    </a:solidFill>
-                    <a:latin typeface="Arial"/>
-                  </a:defRPr>
-                </a:pPr>
-                <a:r>
-                  <a:rPr sz="1000" b="0" i="0" u="none" strike="noStrike">
-                    <a:solidFill>
-                      <a:srgbClr val="428442"/>
-                    </a:solidFill>
-                    <a:latin typeface="Arial"/>
-                  </a:rPr>
-                  <a:t>医疗服务收入三年复合增长率</a:t>
                 </a:r>
               </a:p>
             </c:rich>

--- a/cases/goodhostpital2021/对标分析报告.pg.pptx
+++ b/cases/goodhostpital2021/对标分析报告.pg.pptx
@@ -109,13 +109,13 @@
   <p:extLst>
     <p:ext uri="{521415D9-36F7-43E2-AB2F-B90AF26B5E84}">
       <p14:sectionLst xmlns:p14="http://schemas.microsoft.com/office/powerpoint/2010/main">
-        <p14:section name="院内专科BCG散点图" id="{2f941c49-c1be-fd86-3e90-9f75e709feec}">
+        <p14:section name="院内专科BCG散点图" id="{74a5d009-16f6-11f1-c5b8-046e8f906fb8}">
           <p14:sldIdLst>
             <p14:sldId id="257"/>
             <p14:sldId id="258"/>
           </p14:sldIdLst>
         </p14:section>
-        <p14:section name="院内专科梯队表格" id="{efad73ac-885f-1abf-ad64-d8550350e7bd}">
+        <p14:section name="院内专科梯队表格" id="{c160def7-ce2a-89c9-76c7-7cfedf04a842}">
           <p14:sldIdLst/>
         </p14:section>
       </p14:sectionLst>
@@ -127,7 +127,7 @@
 </p:presentation>
 </file>
 
-<file path=ppt/charts/chart1715.xml><?xml version="1.0" encoding="utf-8"?>
+<file path=ppt/charts/chart857.xml><?xml version="1.0" encoding="utf-8"?>
 <c:chartSpace xmlns:c="http://schemas.openxmlformats.org/drawingml/2006/chart" xmlns:a="http://schemas.openxmlformats.org/drawingml/2006/main" xmlns:r="http://schemas.openxmlformats.org/officeDocument/2006/relationships">
   <c:date1904 val="0"/>
   <c:chart>
@@ -221,7 +221,7 @@
                     </a:pPr>
                     <a:r>
                       <a:rPr lang="en-US" dirty="0"/>
-                      <a:t>妇科妇二科合并</a:t>
+                      <a:t>医院</a:t>
                     </a:r>
                   </a:p>
                 </c:rich>
@@ -244,7 +244,7 @@
               <c:extLst>
                 <c:ext xmlns:c15="http://schemas.microsoft.com/office/drawing/2012/chart" uri="{CE6537A1-D6FC-4f65-9D91-7224C49458BB}"/>
                 <c:ext xmlns:c16="http://schemas.microsoft.com/office/drawing/2014/chart" uri="{C3380CC4-5D6E-409C-BE32-E72D297353CC}">
-                  <c16:uniqueId val="{00000001-0285-150c-3d3b-f6f73db89a64}"/>
+                  <c16:uniqueId val="{00000001-2374-cc8b-59d9-5f91be95b844}"/>
                 </c:ext>
               </c:extLst>
             </c:dLbl>
@@ -262,7 +262,7 @@
                     </a:pPr>
                     <a:r>
                       <a:rPr lang="en-US" dirty="0"/>
-                      <a:t>治未病中心</a:t>
+                      <a:t>心血管内科</a:t>
                     </a:r>
                   </a:p>
                 </c:rich>
@@ -285,7 +285,7 @@
               <c:extLst>
                 <c:ext xmlns:c15="http://schemas.microsoft.com/office/drawing/2012/chart" uri="{CE6537A1-D6FC-4f65-9D91-7224C49458BB}"/>
                 <c:ext xmlns:c16="http://schemas.microsoft.com/office/drawing/2014/chart" uri="{C3380CC4-5D6E-409C-BE32-E72D297353CC}">
-                  <c16:uniqueId val="{00000002-0285-150c-3d3b-f6f73db89a64}"/>
+                  <c16:uniqueId val="{00000002-2374-cc8b-59d9-5f91be95b844}"/>
                 </c:ext>
               </c:extLst>
             </c:dLbl>
@@ -303,7 +303,7 @@
                     </a:pPr>
                     <a:r>
                       <a:rPr lang="en-US" dirty="0"/>
-                      <a:t>肝胆外科</a:t>
+                      <a:t>心病一科</a:t>
                     </a:r>
                   </a:p>
                 </c:rich>
@@ -326,7 +326,7 @@
               <c:extLst>
                 <c:ext xmlns:c15="http://schemas.microsoft.com/office/drawing/2012/chart" uri="{CE6537A1-D6FC-4f65-9D91-7224C49458BB}"/>
                 <c:ext xmlns:c16="http://schemas.microsoft.com/office/drawing/2014/chart" uri="{C3380CC4-5D6E-409C-BE32-E72D297353CC}">
-                  <c16:uniqueId val="{00000003-0285-150c-3d3b-f6f73db89a64}"/>
+                  <c16:uniqueId val="{00000003-2374-cc8b-59d9-5f91be95b844}"/>
                 </c:ext>
               </c:extLst>
             </c:dLbl>
@@ -344,7 +344,7 @@
                     </a:pPr>
                     <a:r>
                       <a:rPr lang="en-US" dirty="0"/>
-                      <a:t>儿科</a:t>
+                      <a:t>心病二科</a:t>
                     </a:r>
                   </a:p>
                 </c:rich>
@@ -367,7 +367,7 @@
               <c:extLst>
                 <c:ext xmlns:c15="http://schemas.microsoft.com/office/drawing/2012/chart" uri="{CE6537A1-D6FC-4f65-9D91-7224C49458BB}"/>
                 <c:ext xmlns:c16="http://schemas.microsoft.com/office/drawing/2014/chart" uri="{C3380CC4-5D6E-409C-BE32-E72D297353CC}">
-                  <c16:uniqueId val="{00000004-0285-150c-3d3b-f6f73db89a64}"/>
+                  <c16:uniqueId val="{00000004-2374-cc8b-59d9-5f91be95b844}"/>
                 </c:ext>
               </c:extLst>
             </c:dLbl>
@@ -385,7 +385,7 @@
                     </a:pPr>
                     <a:r>
                       <a:rPr lang="en-US" dirty="0"/>
-                      <a:t>骨科</a:t>
+                      <a:t>心病三科</a:t>
                     </a:r>
                   </a:p>
                 </c:rich>
@@ -408,7 +408,7 @@
               <c:extLst>
                 <c:ext xmlns:c15="http://schemas.microsoft.com/office/drawing/2012/chart" uri="{CE6537A1-D6FC-4f65-9D91-7224C49458BB}"/>
                 <c:ext xmlns:c16="http://schemas.microsoft.com/office/drawing/2014/chart" uri="{C3380CC4-5D6E-409C-BE32-E72D297353CC}">
-                  <c16:uniqueId val="{00000005-0285-150c-3d3b-f6f73db89a64}"/>
+                  <c16:uniqueId val="{00000005-2374-cc8b-59d9-5f91be95b844}"/>
                 </c:ext>
               </c:extLst>
             </c:dLbl>
@@ -426,7 +426,7 @@
                     </a:pPr>
                     <a:r>
                       <a:rPr lang="en-US" dirty="0"/>
-                      <a:t>肛肠科</a:t>
+                      <a:t>心病四科</a:t>
                     </a:r>
                   </a:p>
                 </c:rich>
@@ -449,12 +449,545 @@
               <c:extLst>
                 <c:ext xmlns:c15="http://schemas.microsoft.com/office/drawing/2012/chart" uri="{CE6537A1-D6FC-4f65-9D91-7224C49458BB}"/>
                 <c:ext xmlns:c16="http://schemas.microsoft.com/office/drawing/2014/chart" uri="{C3380CC4-5D6E-409C-BE32-E72D297353CC}">
-                  <c16:uniqueId val="{00000006-0285-150c-3d3b-f6f73db89a64}"/>
+                  <c16:uniqueId val="{00000006-2374-cc8b-59d9-5f91be95b844}"/>
                 </c:ext>
               </c:extLst>
             </c:dLbl>
             <c:dLbl>
               <c:idx val="6"/>
+              <c:tx>
+                <c:rich>
+                  <a:bodyPr>
+                    <a:spAutoFit/>
+                  </a:bodyPr>
+                  <a:lstStyle/>
+                  <a:p>
+                    <a:pPr>
+                      <a:defRPr/>
+                    </a:pPr>
+                    <a:r>
+                      <a:rPr lang="en-US" dirty="0"/>
+                      <a:t>综合内科</a:t>
+                    </a:r>
+                  </a:p>
+                </c:rich>
+              </c:tx>
+              <c:spPr>
+                <a:noFill/>
+                <a:ln>
+                  <a:noFill/>
+                </a:ln>
+                <a:effectLst/>
+              </c:spPr>
+              <c:dLblPos val="t"/>
+              <c:showLegendKey val="0"/>
+              <c:showVal val="0"/>
+              <c:showCatName val="0"/>
+              <c:showSerName val="0"/>
+              <c:showPercent val="0"/>
+              <c:showBubbleSize val="0"/>
+              <c:showLeaderLines val="1"/>
+              <c:extLst>
+                <c:ext xmlns:c15="http://schemas.microsoft.com/office/drawing/2012/chart" uri="{CE6537A1-D6FC-4f65-9D91-7224C49458BB}"/>
+                <c:ext xmlns:c16="http://schemas.microsoft.com/office/drawing/2014/chart" uri="{C3380CC4-5D6E-409C-BE32-E72D297353CC}">
+                  <c16:uniqueId val="{00000007-2374-cc8b-59d9-5f91be95b844}"/>
+                </c:ext>
+              </c:extLst>
+            </c:dLbl>
+            <c:dLbl>
+              <c:idx val="7"/>
+              <c:tx>
+                <c:rich>
+                  <a:bodyPr>
+                    <a:spAutoFit/>
+                  </a:bodyPr>
+                  <a:lstStyle/>
+                  <a:p>
+                    <a:pPr>
+                      <a:defRPr/>
+                    </a:pPr>
+                    <a:r>
+                      <a:rPr lang="en-US" dirty="0"/>
+                      <a:t>神经内科</a:t>
+                    </a:r>
+                  </a:p>
+                </c:rich>
+              </c:tx>
+              <c:spPr>
+                <a:noFill/>
+                <a:ln>
+                  <a:noFill/>
+                </a:ln>
+                <a:effectLst/>
+              </c:spPr>
+              <c:dLblPos val="t"/>
+              <c:showLegendKey val="0"/>
+              <c:showVal val="0"/>
+              <c:showCatName val="0"/>
+              <c:showSerName val="0"/>
+              <c:showPercent val="0"/>
+              <c:showBubbleSize val="0"/>
+              <c:showLeaderLines val="1"/>
+              <c:extLst>
+                <c:ext xmlns:c15="http://schemas.microsoft.com/office/drawing/2012/chart" uri="{CE6537A1-D6FC-4f65-9D91-7224C49458BB}"/>
+                <c:ext xmlns:c16="http://schemas.microsoft.com/office/drawing/2014/chart" uri="{C3380CC4-5D6E-409C-BE32-E72D297353CC}">
+                  <c16:uniqueId val="{00000008-2374-cc8b-59d9-5f91be95b844}"/>
+                </c:ext>
+              </c:extLst>
+            </c:dLbl>
+            <c:dLbl>
+              <c:idx val="8"/>
+              <c:tx>
+                <c:rich>
+                  <a:bodyPr>
+                    <a:spAutoFit/>
+                  </a:bodyPr>
+                  <a:lstStyle/>
+                  <a:p>
+                    <a:pPr>
+                      <a:defRPr/>
+                    </a:pPr>
+                    <a:r>
+                      <a:rPr lang="en-US" dirty="0"/>
+                      <a:t>脑病一科</a:t>
+                    </a:r>
+                  </a:p>
+                </c:rich>
+              </c:tx>
+              <c:spPr>
+                <a:noFill/>
+                <a:ln>
+                  <a:noFill/>
+                </a:ln>
+                <a:effectLst/>
+              </c:spPr>
+              <c:dLblPos val="t"/>
+              <c:showLegendKey val="0"/>
+              <c:showVal val="0"/>
+              <c:showCatName val="0"/>
+              <c:showSerName val="0"/>
+              <c:showPercent val="0"/>
+              <c:showBubbleSize val="0"/>
+              <c:showLeaderLines val="1"/>
+              <c:extLst>
+                <c:ext xmlns:c15="http://schemas.microsoft.com/office/drawing/2012/chart" uri="{CE6537A1-D6FC-4f65-9D91-7224C49458BB}"/>
+                <c:ext xmlns:c16="http://schemas.microsoft.com/office/drawing/2014/chart" uri="{C3380CC4-5D6E-409C-BE32-E72D297353CC}">
+                  <c16:uniqueId val="{00000009-2374-cc8b-59d9-5f91be95b844}"/>
+                </c:ext>
+              </c:extLst>
+            </c:dLbl>
+            <c:dLbl>
+              <c:idx val="9"/>
+              <c:tx>
+                <c:rich>
+                  <a:bodyPr>
+                    <a:spAutoFit/>
+                  </a:bodyPr>
+                  <a:lstStyle/>
+                  <a:p>
+                    <a:pPr>
+                      <a:defRPr/>
+                    </a:pPr>
+                    <a:r>
+                      <a:rPr lang="en-US" dirty="0"/>
+                      <a:t>脑病二科</a:t>
+                    </a:r>
+                  </a:p>
+                </c:rich>
+              </c:tx>
+              <c:spPr>
+                <a:noFill/>
+                <a:ln>
+                  <a:noFill/>
+                </a:ln>
+                <a:effectLst/>
+              </c:spPr>
+              <c:dLblPos val="t"/>
+              <c:showLegendKey val="0"/>
+              <c:showVal val="0"/>
+              <c:showCatName val="0"/>
+              <c:showSerName val="0"/>
+              <c:showPercent val="0"/>
+              <c:showBubbleSize val="0"/>
+              <c:showLeaderLines val="1"/>
+              <c:extLst>
+                <c:ext xmlns:c15="http://schemas.microsoft.com/office/drawing/2012/chart" uri="{CE6537A1-D6FC-4f65-9D91-7224C49458BB}"/>
+                <c:ext xmlns:c16="http://schemas.microsoft.com/office/drawing/2014/chart" uri="{C3380CC4-5D6E-409C-BE32-E72D297353CC}">
+                  <c16:uniqueId val="{00000010-2374-cc8b-59d9-5f91be95b844}"/>
+                </c:ext>
+              </c:extLst>
+            </c:dLbl>
+            <c:dLbl>
+              <c:idx val="10"/>
+              <c:tx>
+                <c:rich>
+                  <a:bodyPr>
+                    <a:spAutoFit/>
+                  </a:bodyPr>
+                  <a:lstStyle/>
+                  <a:p>
+                    <a:pPr>
+                      <a:defRPr/>
+                    </a:pPr>
+                    <a:r>
+                      <a:rPr lang="en-US" dirty="0"/>
+                      <a:t>脑病三科</a:t>
+                    </a:r>
+                  </a:p>
+                </c:rich>
+              </c:tx>
+              <c:spPr>
+                <a:noFill/>
+                <a:ln>
+                  <a:noFill/>
+                </a:ln>
+                <a:effectLst/>
+              </c:spPr>
+              <c:dLblPos val="t"/>
+              <c:showLegendKey val="0"/>
+              <c:showVal val="0"/>
+              <c:showCatName val="0"/>
+              <c:showSerName val="0"/>
+              <c:showPercent val="0"/>
+              <c:showBubbleSize val="0"/>
+              <c:showLeaderLines val="1"/>
+              <c:extLst>
+                <c:ext xmlns:c15="http://schemas.microsoft.com/office/drawing/2012/chart" uri="{CE6537A1-D6FC-4f65-9D91-7224C49458BB}"/>
+                <c:ext xmlns:c16="http://schemas.microsoft.com/office/drawing/2014/chart" uri="{C3380CC4-5D6E-409C-BE32-E72D297353CC}">
+                  <c16:uniqueId val="{00000011-2374-cc8b-59d9-5f91be95b844}"/>
+                </c:ext>
+              </c:extLst>
+            </c:dLbl>
+            <c:dLbl>
+              <c:idx val="11"/>
+              <c:tx>
+                <c:rich>
+                  <a:bodyPr>
+                    <a:spAutoFit/>
+                  </a:bodyPr>
+                  <a:lstStyle/>
+                  <a:p>
+                    <a:pPr>
+                      <a:defRPr/>
+                    </a:pPr>
+                    <a:r>
+                      <a:rPr lang="en-US" dirty="0"/>
+                      <a:t>中医经典科</a:t>
+                    </a:r>
+                  </a:p>
+                </c:rich>
+              </c:tx>
+              <c:spPr>
+                <a:noFill/>
+                <a:ln>
+                  <a:noFill/>
+                </a:ln>
+                <a:effectLst/>
+              </c:spPr>
+              <c:dLblPos val="t"/>
+              <c:showLegendKey val="0"/>
+              <c:showVal val="0"/>
+              <c:showCatName val="0"/>
+              <c:showSerName val="0"/>
+              <c:showPercent val="0"/>
+              <c:showBubbleSize val="0"/>
+              <c:showLeaderLines val="1"/>
+              <c:extLst>
+                <c:ext xmlns:c15="http://schemas.microsoft.com/office/drawing/2012/chart" uri="{CE6537A1-D6FC-4f65-9D91-7224C49458BB}"/>
+                <c:ext xmlns:c16="http://schemas.microsoft.com/office/drawing/2014/chart" uri="{C3380CC4-5D6E-409C-BE32-E72D297353CC}">
+                  <c16:uniqueId val="{00000012-2374-cc8b-59d9-5f91be95b844}"/>
+                </c:ext>
+              </c:extLst>
+            </c:dLbl>
+            <c:dLbl>
+              <c:idx val="12"/>
+              <c:tx>
+                <c:rich>
+                  <a:bodyPr>
+                    <a:spAutoFit/>
+                  </a:bodyPr>
+                  <a:lstStyle/>
+                  <a:p>
+                    <a:pPr>
+                      <a:defRPr/>
+                    </a:pPr>
+                    <a:r>
+                      <a:rPr lang="en-US" dirty="0"/>
+                      <a:t>呼吸内科</a:t>
+                    </a:r>
+                  </a:p>
+                </c:rich>
+              </c:tx>
+              <c:spPr>
+                <a:noFill/>
+                <a:ln>
+                  <a:noFill/>
+                </a:ln>
+                <a:effectLst/>
+              </c:spPr>
+              <c:dLblPos val="t"/>
+              <c:showLegendKey val="0"/>
+              <c:showVal val="0"/>
+              <c:showCatName val="0"/>
+              <c:showSerName val="0"/>
+              <c:showPercent val="0"/>
+              <c:showBubbleSize val="0"/>
+              <c:showLeaderLines val="1"/>
+              <c:extLst>
+                <c:ext xmlns:c15="http://schemas.microsoft.com/office/drawing/2012/chart" uri="{CE6537A1-D6FC-4f65-9D91-7224C49458BB}"/>
+                <c:ext xmlns:c16="http://schemas.microsoft.com/office/drawing/2014/chart" uri="{C3380CC4-5D6E-409C-BE32-E72D297353CC}">
+                  <c16:uniqueId val="{00000013-2374-cc8b-59d9-5f91be95b844}"/>
+                </c:ext>
+              </c:extLst>
+            </c:dLbl>
+            <c:dLbl>
+              <c:idx val="13"/>
+              <c:tx>
+                <c:rich>
+                  <a:bodyPr>
+                    <a:spAutoFit/>
+                  </a:bodyPr>
+                  <a:lstStyle/>
+                  <a:p>
+                    <a:pPr>
+                      <a:defRPr/>
+                    </a:pPr>
+                    <a:r>
+                      <a:rPr lang="en-US" dirty="0"/>
+                      <a:t>内分泌科</a:t>
+                    </a:r>
+                  </a:p>
+                </c:rich>
+              </c:tx>
+              <c:spPr>
+                <a:noFill/>
+                <a:ln>
+                  <a:noFill/>
+                </a:ln>
+                <a:effectLst/>
+              </c:spPr>
+              <c:dLblPos val="t"/>
+              <c:showLegendKey val="0"/>
+              <c:showVal val="0"/>
+              <c:showCatName val="0"/>
+              <c:showSerName val="0"/>
+              <c:showPercent val="0"/>
+              <c:showBubbleSize val="0"/>
+              <c:showLeaderLines val="1"/>
+              <c:extLst>
+                <c:ext xmlns:c15="http://schemas.microsoft.com/office/drawing/2012/chart" uri="{CE6537A1-D6FC-4f65-9D91-7224C49458BB}"/>
+                <c:ext xmlns:c16="http://schemas.microsoft.com/office/drawing/2014/chart" uri="{C3380CC4-5D6E-409C-BE32-E72D297353CC}">
+                  <c16:uniqueId val="{00000014-2374-cc8b-59d9-5f91be95b844}"/>
+                </c:ext>
+              </c:extLst>
+            </c:dLbl>
+            <c:dLbl>
+              <c:idx val="14"/>
+              <c:tx>
+                <c:rich>
+                  <a:bodyPr>
+                    <a:spAutoFit/>
+                  </a:bodyPr>
+                  <a:lstStyle/>
+                  <a:p>
+                    <a:pPr>
+                      <a:defRPr/>
+                    </a:pPr>
+                    <a:r>
+                      <a:rPr lang="en-US" dirty="0"/>
+                      <a:t>脾胃病科</a:t>
+                    </a:r>
+                  </a:p>
+                </c:rich>
+              </c:tx>
+              <c:spPr>
+                <a:noFill/>
+                <a:ln>
+                  <a:noFill/>
+                </a:ln>
+                <a:effectLst/>
+              </c:spPr>
+              <c:dLblPos val="t"/>
+              <c:showLegendKey val="0"/>
+              <c:showVal val="0"/>
+              <c:showCatName val="0"/>
+              <c:showSerName val="0"/>
+              <c:showPercent val="0"/>
+              <c:showBubbleSize val="0"/>
+              <c:showLeaderLines val="1"/>
+              <c:extLst>
+                <c:ext xmlns:c15="http://schemas.microsoft.com/office/drawing/2012/chart" uri="{CE6537A1-D6FC-4f65-9D91-7224C49458BB}"/>
+                <c:ext xmlns:c16="http://schemas.microsoft.com/office/drawing/2014/chart" uri="{C3380CC4-5D6E-409C-BE32-E72D297353CC}">
+                  <c16:uniqueId val="{00000015-2374-cc8b-59d9-5f91be95b844}"/>
+                </c:ext>
+              </c:extLst>
+            </c:dLbl>
+            <c:dLbl>
+              <c:idx val="15"/>
+              <c:tx>
+                <c:rich>
+                  <a:bodyPr>
+                    <a:spAutoFit/>
+                  </a:bodyPr>
+                  <a:lstStyle/>
+                  <a:p>
+                    <a:pPr>
+                      <a:defRPr/>
+                    </a:pPr>
+                    <a:r>
+                      <a:rPr lang="en-US" dirty="0"/>
+                      <a:t>肝病科</a:t>
+                    </a:r>
+                  </a:p>
+                </c:rich>
+              </c:tx>
+              <c:spPr>
+                <a:noFill/>
+                <a:ln>
+                  <a:noFill/>
+                </a:ln>
+                <a:effectLst/>
+              </c:spPr>
+              <c:dLblPos val="t"/>
+              <c:showLegendKey val="0"/>
+              <c:showVal val="0"/>
+              <c:showCatName val="0"/>
+              <c:showSerName val="0"/>
+              <c:showPercent val="0"/>
+              <c:showBubbleSize val="0"/>
+              <c:showLeaderLines val="1"/>
+              <c:extLst>
+                <c:ext xmlns:c15="http://schemas.microsoft.com/office/drawing/2012/chart" uri="{CE6537A1-D6FC-4f65-9D91-7224C49458BB}"/>
+                <c:ext xmlns:c16="http://schemas.microsoft.com/office/drawing/2014/chart" uri="{C3380CC4-5D6E-409C-BE32-E72D297353CC}">
+                  <c16:uniqueId val="{00000016-2374-cc8b-59d9-5f91be95b844}"/>
+                </c:ext>
+              </c:extLst>
+            </c:dLbl>
+            <c:dLbl>
+              <c:idx val="16"/>
+              <c:tx>
+                <c:rich>
+                  <a:bodyPr>
+                    <a:spAutoFit/>
+                  </a:bodyPr>
+                  <a:lstStyle/>
+                  <a:p>
+                    <a:pPr>
+                      <a:defRPr/>
+                    </a:pPr>
+                    <a:r>
+                      <a:rPr lang="en-US" dirty="0"/>
+                      <a:t>血液科</a:t>
+                    </a:r>
+                  </a:p>
+                </c:rich>
+              </c:tx>
+              <c:spPr>
+                <a:noFill/>
+                <a:ln>
+                  <a:noFill/>
+                </a:ln>
+                <a:effectLst/>
+              </c:spPr>
+              <c:dLblPos val="t"/>
+              <c:showLegendKey val="0"/>
+              <c:showVal val="0"/>
+              <c:showCatName val="0"/>
+              <c:showSerName val="0"/>
+              <c:showPercent val="0"/>
+              <c:showBubbleSize val="0"/>
+              <c:showLeaderLines val="1"/>
+              <c:extLst>
+                <c:ext xmlns:c15="http://schemas.microsoft.com/office/drawing/2012/chart" uri="{CE6537A1-D6FC-4f65-9D91-7224C49458BB}"/>
+                <c:ext xmlns:c16="http://schemas.microsoft.com/office/drawing/2014/chart" uri="{C3380CC4-5D6E-409C-BE32-E72D297353CC}">
+                  <c16:uniqueId val="{00000017-2374-cc8b-59d9-5f91be95b844}"/>
+                </c:ext>
+              </c:extLst>
+            </c:dLbl>
+            <c:dLbl>
+              <c:idx val="17"/>
+              <c:tx>
+                <c:rich>
+                  <a:bodyPr>
+                    <a:spAutoFit/>
+                  </a:bodyPr>
+                  <a:lstStyle/>
+                  <a:p>
+                    <a:pPr>
+                      <a:defRPr/>
+                    </a:pPr>
+                    <a:r>
+                      <a:rPr lang="en-US" dirty="0"/>
+                      <a:t>风湿病科</a:t>
+                    </a:r>
+                  </a:p>
+                </c:rich>
+              </c:tx>
+              <c:spPr>
+                <a:noFill/>
+                <a:ln>
+                  <a:noFill/>
+                </a:ln>
+                <a:effectLst/>
+              </c:spPr>
+              <c:dLblPos val="t"/>
+              <c:showLegendKey val="0"/>
+              <c:showVal val="0"/>
+              <c:showCatName val="0"/>
+              <c:showSerName val="0"/>
+              <c:showPercent val="0"/>
+              <c:showBubbleSize val="0"/>
+              <c:showLeaderLines val="1"/>
+              <c:extLst>
+                <c:ext xmlns:c15="http://schemas.microsoft.com/office/drawing/2012/chart" uri="{CE6537A1-D6FC-4f65-9D91-7224C49458BB}"/>
+                <c:ext xmlns:c16="http://schemas.microsoft.com/office/drawing/2014/chart" uri="{C3380CC4-5D6E-409C-BE32-E72D297353CC}">
+                  <c16:uniqueId val="{00000018-2374-cc8b-59d9-5f91be95b844}"/>
+                </c:ext>
+              </c:extLst>
+            </c:dLbl>
+            <c:dLbl>
+              <c:idx val="18"/>
+              <c:tx>
+                <c:rich>
+                  <a:bodyPr>
+                    <a:spAutoFit/>
+                  </a:bodyPr>
+                  <a:lstStyle/>
+                  <a:p>
+                    <a:pPr>
+                      <a:defRPr/>
+                    </a:pPr>
+                    <a:r>
+                      <a:rPr lang="en-US" dirty="0"/>
+                      <a:t>消化内科</a:t>
+                    </a:r>
+                  </a:p>
+                </c:rich>
+              </c:tx>
+              <c:spPr>
+                <a:noFill/>
+                <a:ln>
+                  <a:noFill/>
+                </a:ln>
+                <a:effectLst/>
+              </c:spPr>
+              <c:dLblPos val="t"/>
+              <c:showLegendKey val="0"/>
+              <c:showVal val="0"/>
+              <c:showCatName val="0"/>
+              <c:showSerName val="0"/>
+              <c:showPercent val="0"/>
+              <c:showBubbleSize val="0"/>
+              <c:showLeaderLines val="1"/>
+              <c:extLst>
+                <c:ext xmlns:c15="http://schemas.microsoft.com/office/drawing/2012/chart" uri="{CE6537A1-D6FC-4f65-9D91-7224C49458BB}"/>
+                <c:ext xmlns:c16="http://schemas.microsoft.com/office/drawing/2014/chart" uri="{C3380CC4-5D6E-409C-BE32-E72D297353CC}">
+                  <c16:uniqueId val="{00000019-2374-cc8b-59d9-5f91be95b844}"/>
+                </c:ext>
+              </c:extLst>
+            </c:dLbl>
+            <c:dLbl>
+              <c:idx val="19"/>
               <c:tx>
                 <c:rich>
                   <a:bodyPr>
@@ -490,540 +1023,7 @@
               <c:extLst>
                 <c:ext xmlns:c15="http://schemas.microsoft.com/office/drawing/2012/chart" uri="{CE6537A1-D6FC-4f65-9D91-7224C49458BB}"/>
                 <c:ext xmlns:c16="http://schemas.microsoft.com/office/drawing/2014/chart" uri="{C3380CC4-5D6E-409C-BE32-E72D297353CC}">
-                  <c16:uniqueId val="{00000007-0285-150c-3d3b-f6f73db89a64}"/>
-                </c:ext>
-              </c:extLst>
-            </c:dLbl>
-            <c:dLbl>
-              <c:idx val="7"/>
-              <c:tx>
-                <c:rich>
-                  <a:bodyPr>
-                    <a:spAutoFit/>
-                  </a:bodyPr>
-                  <a:lstStyle/>
-                  <a:p>
-                    <a:pPr>
-                      <a:defRPr/>
-                    </a:pPr>
-                    <a:r>
-                      <a:rPr lang="en-US" dirty="0"/>
-                      <a:t>风湿病科</a:t>
-                    </a:r>
-                  </a:p>
-                </c:rich>
-              </c:tx>
-              <c:spPr>
-                <a:noFill/>
-                <a:ln>
-                  <a:noFill/>
-                </a:ln>
-                <a:effectLst/>
-              </c:spPr>
-              <c:dLblPos val="t"/>
-              <c:showLegendKey val="0"/>
-              <c:showVal val="0"/>
-              <c:showCatName val="0"/>
-              <c:showSerName val="0"/>
-              <c:showPercent val="0"/>
-              <c:showBubbleSize val="0"/>
-              <c:showLeaderLines val="1"/>
-              <c:extLst>
-                <c:ext xmlns:c15="http://schemas.microsoft.com/office/drawing/2012/chart" uri="{CE6537A1-D6FC-4f65-9D91-7224C49458BB}"/>
-                <c:ext xmlns:c16="http://schemas.microsoft.com/office/drawing/2014/chart" uri="{C3380CC4-5D6E-409C-BE32-E72D297353CC}">
-                  <c16:uniqueId val="{00000008-0285-150c-3d3b-f6f73db89a64}"/>
-                </c:ext>
-              </c:extLst>
-            </c:dLbl>
-            <c:dLbl>
-              <c:idx val="8"/>
-              <c:tx>
-                <c:rich>
-                  <a:bodyPr>
-                    <a:spAutoFit/>
-                  </a:bodyPr>
-                  <a:lstStyle/>
-                  <a:p>
-                    <a:pPr>
-                      <a:defRPr/>
-                    </a:pPr>
-                    <a:r>
-                      <a:rPr lang="en-US" dirty="0"/>
-                      <a:t>眼科</a:t>
-                    </a:r>
-                  </a:p>
-                </c:rich>
-              </c:tx>
-              <c:spPr>
-                <a:noFill/>
-                <a:ln>
-                  <a:noFill/>
-                </a:ln>
-                <a:effectLst/>
-              </c:spPr>
-              <c:dLblPos val="t"/>
-              <c:showLegendKey val="0"/>
-              <c:showVal val="0"/>
-              <c:showCatName val="0"/>
-              <c:showSerName val="0"/>
-              <c:showPercent val="0"/>
-              <c:showBubbleSize val="0"/>
-              <c:showLeaderLines val="1"/>
-              <c:extLst>
-                <c:ext xmlns:c15="http://schemas.microsoft.com/office/drawing/2012/chart" uri="{CE6537A1-D6FC-4f65-9D91-7224C49458BB}"/>
-                <c:ext xmlns:c16="http://schemas.microsoft.com/office/drawing/2014/chart" uri="{C3380CC4-5D6E-409C-BE32-E72D297353CC}">
-                  <c16:uniqueId val="{00000009-0285-150c-3d3b-f6f73db89a64}"/>
-                </c:ext>
-              </c:extLst>
-            </c:dLbl>
-            <c:dLbl>
-              <c:idx val="9"/>
-              <c:tx>
-                <c:rich>
-                  <a:bodyPr>
-                    <a:spAutoFit/>
-                  </a:bodyPr>
-                  <a:lstStyle/>
-                  <a:p>
-                    <a:pPr>
-                      <a:defRPr/>
-                    </a:pPr>
-                    <a:r>
-                      <a:rPr lang="en-US" dirty="0"/>
-                      <a:t>脑病三科</a:t>
-                    </a:r>
-                  </a:p>
-                </c:rich>
-              </c:tx>
-              <c:spPr>
-                <a:noFill/>
-                <a:ln>
-                  <a:noFill/>
-                </a:ln>
-                <a:effectLst/>
-              </c:spPr>
-              <c:dLblPos val="t"/>
-              <c:showLegendKey val="0"/>
-              <c:showVal val="0"/>
-              <c:showCatName val="0"/>
-              <c:showSerName val="0"/>
-              <c:showPercent val="0"/>
-              <c:showBubbleSize val="0"/>
-              <c:showLeaderLines val="1"/>
-              <c:extLst>
-                <c:ext xmlns:c15="http://schemas.microsoft.com/office/drawing/2012/chart" uri="{CE6537A1-D6FC-4f65-9D91-7224C49458BB}"/>
-                <c:ext xmlns:c16="http://schemas.microsoft.com/office/drawing/2014/chart" uri="{C3380CC4-5D6E-409C-BE32-E72D297353CC}">
-                  <c16:uniqueId val="{00000010-0285-150c-3d3b-f6f73db89a64}"/>
-                </c:ext>
-              </c:extLst>
-            </c:dLbl>
-            <c:dLbl>
-              <c:idx val="10"/>
-              <c:tx>
-                <c:rich>
-                  <a:bodyPr>
-                    <a:spAutoFit/>
-                  </a:bodyPr>
-                  <a:lstStyle/>
-                  <a:p>
-                    <a:pPr>
-                      <a:defRPr/>
-                    </a:pPr>
-                    <a:r>
-                      <a:rPr lang="en-US" dirty="0"/>
-                      <a:t>皮肤科</a:t>
-                    </a:r>
-                  </a:p>
-                </c:rich>
-              </c:tx>
-              <c:spPr>
-                <a:noFill/>
-                <a:ln>
-                  <a:noFill/>
-                </a:ln>
-                <a:effectLst/>
-              </c:spPr>
-              <c:dLblPos val="t"/>
-              <c:showLegendKey val="0"/>
-              <c:showVal val="0"/>
-              <c:showCatName val="0"/>
-              <c:showSerName val="0"/>
-              <c:showPercent val="0"/>
-              <c:showBubbleSize val="0"/>
-              <c:showLeaderLines val="1"/>
-              <c:extLst>
-                <c:ext xmlns:c15="http://schemas.microsoft.com/office/drawing/2012/chart" uri="{CE6537A1-D6FC-4f65-9D91-7224C49458BB}"/>
-                <c:ext xmlns:c16="http://schemas.microsoft.com/office/drawing/2014/chart" uri="{C3380CC4-5D6E-409C-BE32-E72D297353CC}">
-                  <c16:uniqueId val="{00000011-0285-150c-3d3b-f6f73db89a64}"/>
-                </c:ext>
-              </c:extLst>
-            </c:dLbl>
-            <c:dLbl>
-              <c:idx val="11"/>
-              <c:tx>
-                <c:rich>
-                  <a:bodyPr>
-                    <a:spAutoFit/>
-                  </a:bodyPr>
-                  <a:lstStyle/>
-                  <a:p>
-                    <a:pPr>
-                      <a:defRPr/>
-                    </a:pPr>
-                    <a:r>
-                      <a:rPr lang="en-US" dirty="0"/>
-                      <a:t>消化内科</a:t>
-                    </a:r>
-                  </a:p>
-                </c:rich>
-              </c:tx>
-              <c:spPr>
-                <a:noFill/>
-                <a:ln>
-                  <a:noFill/>
-                </a:ln>
-                <a:effectLst/>
-              </c:spPr>
-              <c:dLblPos val="t"/>
-              <c:showLegendKey val="0"/>
-              <c:showVal val="0"/>
-              <c:showCatName val="0"/>
-              <c:showSerName val="0"/>
-              <c:showPercent val="0"/>
-              <c:showBubbleSize val="0"/>
-              <c:showLeaderLines val="1"/>
-              <c:extLst>
-                <c:ext xmlns:c15="http://schemas.microsoft.com/office/drawing/2012/chart" uri="{CE6537A1-D6FC-4f65-9D91-7224C49458BB}"/>
-                <c:ext xmlns:c16="http://schemas.microsoft.com/office/drawing/2014/chart" uri="{C3380CC4-5D6E-409C-BE32-E72D297353CC}">
-                  <c16:uniqueId val="{00000012-0285-150c-3d3b-f6f73db89a64}"/>
-                </c:ext>
-              </c:extLst>
-            </c:dLbl>
-            <c:dLbl>
-              <c:idx val="12"/>
-              <c:tx>
-                <c:rich>
-                  <a:bodyPr>
-                    <a:spAutoFit/>
-                  </a:bodyPr>
-                  <a:lstStyle/>
-                  <a:p>
-                    <a:pPr>
-                      <a:defRPr/>
-                    </a:pPr>
-                    <a:r>
-                      <a:rPr lang="en-US" dirty="0"/>
-                      <a:t>血液科</a:t>
-                    </a:r>
-                  </a:p>
-                </c:rich>
-              </c:tx>
-              <c:spPr>
-                <a:noFill/>
-                <a:ln>
-                  <a:noFill/>
-                </a:ln>
-                <a:effectLst/>
-              </c:spPr>
-              <c:dLblPos val="t"/>
-              <c:showLegendKey val="0"/>
-              <c:showVal val="0"/>
-              <c:showCatName val="0"/>
-              <c:showSerName val="0"/>
-              <c:showPercent val="0"/>
-              <c:showBubbleSize val="0"/>
-              <c:showLeaderLines val="1"/>
-              <c:extLst>
-                <c:ext xmlns:c15="http://schemas.microsoft.com/office/drawing/2012/chart" uri="{CE6537A1-D6FC-4f65-9D91-7224C49458BB}"/>
-                <c:ext xmlns:c16="http://schemas.microsoft.com/office/drawing/2014/chart" uri="{C3380CC4-5D6E-409C-BE32-E72D297353CC}">
-                  <c16:uniqueId val="{00000013-0285-150c-3d3b-f6f73db89a64}"/>
-                </c:ext>
-              </c:extLst>
-            </c:dLbl>
-            <c:dLbl>
-              <c:idx val="13"/>
-              <c:tx>
-                <c:rich>
-                  <a:bodyPr>
-                    <a:spAutoFit/>
-                  </a:bodyPr>
-                  <a:lstStyle/>
-                  <a:p>
-                    <a:pPr>
-                      <a:defRPr/>
-                    </a:pPr>
-                    <a:r>
-                      <a:rPr lang="en-US" dirty="0"/>
-                      <a:t>普通外科</a:t>
-                    </a:r>
-                  </a:p>
-                </c:rich>
-              </c:tx>
-              <c:spPr>
-                <a:noFill/>
-                <a:ln>
-                  <a:noFill/>
-                </a:ln>
-                <a:effectLst/>
-              </c:spPr>
-              <c:dLblPos val="t"/>
-              <c:showLegendKey val="0"/>
-              <c:showVal val="0"/>
-              <c:showCatName val="0"/>
-              <c:showSerName val="0"/>
-              <c:showPercent val="0"/>
-              <c:showBubbleSize val="0"/>
-              <c:showLeaderLines val="1"/>
-              <c:extLst>
-                <c:ext xmlns:c15="http://schemas.microsoft.com/office/drawing/2012/chart" uri="{CE6537A1-D6FC-4f65-9D91-7224C49458BB}"/>
-                <c:ext xmlns:c16="http://schemas.microsoft.com/office/drawing/2014/chart" uri="{C3380CC4-5D6E-409C-BE32-E72D297353CC}">
-                  <c16:uniqueId val="{00000014-0285-150c-3d3b-f6f73db89a64}"/>
-                </c:ext>
-              </c:extLst>
-            </c:dLbl>
-            <c:dLbl>
-              <c:idx val="14"/>
-              <c:tx>
-                <c:rich>
-                  <a:bodyPr>
-                    <a:spAutoFit/>
-                  </a:bodyPr>
-                  <a:lstStyle/>
-                  <a:p>
-                    <a:pPr>
-                      <a:defRPr/>
-                    </a:pPr>
-                    <a:r>
-                      <a:rPr lang="en-US" dirty="0"/>
-                      <a:t>综合内科</a:t>
-                    </a:r>
-                  </a:p>
-                </c:rich>
-              </c:tx>
-              <c:spPr>
-                <a:noFill/>
-                <a:ln>
-                  <a:noFill/>
-                </a:ln>
-                <a:effectLst/>
-              </c:spPr>
-              <c:dLblPos val="t"/>
-              <c:showLegendKey val="0"/>
-              <c:showVal val="0"/>
-              <c:showCatName val="0"/>
-              <c:showSerName val="0"/>
-              <c:showPercent val="0"/>
-              <c:showBubbleSize val="0"/>
-              <c:showLeaderLines val="1"/>
-              <c:extLst>
-                <c:ext xmlns:c15="http://schemas.microsoft.com/office/drawing/2012/chart" uri="{CE6537A1-D6FC-4f65-9D91-7224C49458BB}"/>
-                <c:ext xmlns:c16="http://schemas.microsoft.com/office/drawing/2014/chart" uri="{C3380CC4-5D6E-409C-BE32-E72D297353CC}">
-                  <c16:uniqueId val="{00000015-0285-150c-3d3b-f6f73db89a64}"/>
-                </c:ext>
-              </c:extLst>
-            </c:dLbl>
-            <c:dLbl>
-              <c:idx val="15"/>
-              <c:tx>
-                <c:rich>
-                  <a:bodyPr>
-                    <a:spAutoFit/>
-                  </a:bodyPr>
-                  <a:lstStyle/>
-                  <a:p>
-                    <a:pPr>
-                      <a:defRPr/>
-                    </a:pPr>
-                    <a:r>
-                      <a:rPr lang="en-US" dirty="0"/>
-                      <a:t>针灸科</a:t>
-                    </a:r>
-                  </a:p>
-                </c:rich>
-              </c:tx>
-              <c:spPr>
-                <a:noFill/>
-                <a:ln>
-                  <a:noFill/>
-                </a:ln>
-                <a:effectLst/>
-              </c:spPr>
-              <c:dLblPos val="t"/>
-              <c:showLegendKey val="0"/>
-              <c:showVal val="0"/>
-              <c:showCatName val="0"/>
-              <c:showSerName val="0"/>
-              <c:showPercent val="0"/>
-              <c:showBubbleSize val="0"/>
-              <c:showLeaderLines val="1"/>
-              <c:extLst>
-                <c:ext xmlns:c15="http://schemas.microsoft.com/office/drawing/2012/chart" uri="{CE6537A1-D6FC-4f65-9D91-7224C49458BB}"/>
-                <c:ext xmlns:c16="http://schemas.microsoft.com/office/drawing/2014/chart" uri="{C3380CC4-5D6E-409C-BE32-E72D297353CC}">
-                  <c16:uniqueId val="{00000016-0285-150c-3d3b-f6f73db89a64}"/>
-                </c:ext>
-              </c:extLst>
-            </c:dLbl>
-            <c:dLbl>
-              <c:idx val="16"/>
-              <c:tx>
-                <c:rich>
-                  <a:bodyPr>
-                    <a:spAutoFit/>
-                  </a:bodyPr>
-                  <a:lstStyle/>
-                  <a:p>
-                    <a:pPr>
-                      <a:defRPr/>
-                    </a:pPr>
-                    <a:r>
-                      <a:rPr lang="en-US" dirty="0"/>
-                      <a:t>妇科</a:t>
-                    </a:r>
-                  </a:p>
-                </c:rich>
-              </c:tx>
-              <c:spPr>
-                <a:noFill/>
-                <a:ln>
-                  <a:noFill/>
-                </a:ln>
-                <a:effectLst/>
-              </c:spPr>
-              <c:dLblPos val="t"/>
-              <c:showLegendKey val="0"/>
-              <c:showVal val="0"/>
-              <c:showCatName val="0"/>
-              <c:showSerName val="0"/>
-              <c:showPercent val="0"/>
-              <c:showBubbleSize val="0"/>
-              <c:showLeaderLines val="1"/>
-              <c:extLst>
-                <c:ext xmlns:c15="http://schemas.microsoft.com/office/drawing/2012/chart" uri="{CE6537A1-D6FC-4f65-9D91-7224C49458BB}"/>
-                <c:ext xmlns:c16="http://schemas.microsoft.com/office/drawing/2014/chart" uri="{C3380CC4-5D6E-409C-BE32-E72D297353CC}">
-                  <c16:uniqueId val="{00000017-0285-150c-3d3b-f6f73db89a64}"/>
-                </c:ext>
-              </c:extLst>
-            </c:dLbl>
-            <c:dLbl>
-              <c:idx val="17"/>
-              <c:tx>
-                <c:rich>
-                  <a:bodyPr>
-                    <a:spAutoFit/>
-                  </a:bodyPr>
-                  <a:lstStyle/>
-                  <a:p>
-                    <a:pPr>
-                      <a:defRPr/>
-                    </a:pPr>
-                    <a:r>
-                      <a:rPr lang="en-US" dirty="0"/>
-                      <a:t>西区重症医学科</a:t>
-                    </a:r>
-                  </a:p>
-                </c:rich>
-              </c:tx>
-              <c:spPr>
-                <a:noFill/>
-                <a:ln>
-                  <a:noFill/>
-                </a:ln>
-                <a:effectLst/>
-              </c:spPr>
-              <c:dLblPos val="t"/>
-              <c:showLegendKey val="0"/>
-              <c:showVal val="0"/>
-              <c:showCatName val="0"/>
-              <c:showSerName val="0"/>
-              <c:showPercent val="0"/>
-              <c:showBubbleSize val="0"/>
-              <c:showLeaderLines val="1"/>
-              <c:extLst>
-                <c:ext xmlns:c15="http://schemas.microsoft.com/office/drawing/2012/chart" uri="{CE6537A1-D6FC-4f65-9D91-7224C49458BB}"/>
-                <c:ext xmlns:c16="http://schemas.microsoft.com/office/drawing/2014/chart" uri="{C3380CC4-5D6E-409C-BE32-E72D297353CC}">
-                  <c16:uniqueId val="{00000018-0285-150c-3d3b-f6f73db89a64}"/>
-                </c:ext>
-              </c:extLst>
-            </c:dLbl>
-            <c:dLbl>
-              <c:idx val="18"/>
-              <c:tx>
-                <c:rich>
-                  <a:bodyPr>
-                    <a:spAutoFit/>
-                  </a:bodyPr>
-                  <a:lstStyle/>
-                  <a:p>
-                    <a:pPr>
-                      <a:defRPr/>
-                    </a:pPr>
-                    <a:r>
-                      <a:rPr lang="en-US" dirty="0"/>
-                      <a:t>美容皮肤科</a:t>
-                    </a:r>
-                  </a:p>
-                </c:rich>
-              </c:tx>
-              <c:spPr>
-                <a:noFill/>
-                <a:ln>
-                  <a:noFill/>
-                </a:ln>
-                <a:effectLst/>
-              </c:spPr>
-              <c:dLblPos val="t"/>
-              <c:showLegendKey val="0"/>
-              <c:showVal val="0"/>
-              <c:showCatName val="0"/>
-              <c:showSerName val="0"/>
-              <c:showPercent val="0"/>
-              <c:showBubbleSize val="0"/>
-              <c:showLeaderLines val="1"/>
-              <c:extLst>
-                <c:ext xmlns:c15="http://schemas.microsoft.com/office/drawing/2012/chart" uri="{CE6537A1-D6FC-4f65-9D91-7224C49458BB}"/>
-                <c:ext xmlns:c16="http://schemas.microsoft.com/office/drawing/2014/chart" uri="{C3380CC4-5D6E-409C-BE32-E72D297353CC}">
-                  <c16:uniqueId val="{00000019-0285-150c-3d3b-f6f73db89a64}"/>
-                </c:ext>
-              </c:extLst>
-            </c:dLbl>
-            <c:dLbl>
-              <c:idx val="19"/>
-              <c:tx>
-                <c:rich>
-                  <a:bodyPr>
-                    <a:spAutoFit/>
-                  </a:bodyPr>
-                  <a:lstStyle/>
-                  <a:p>
-                    <a:pPr>
-                      <a:defRPr/>
-                    </a:pPr>
-                    <a:r>
-                      <a:rPr lang="en-US" dirty="0"/>
-                      <a:t>中医经典科</a:t>
-                    </a:r>
-                  </a:p>
-                </c:rich>
-              </c:tx>
-              <c:spPr>
-                <a:noFill/>
-                <a:ln>
-                  <a:noFill/>
-                </a:ln>
-                <a:effectLst/>
-              </c:spPr>
-              <c:dLblPos val="t"/>
-              <c:showLegendKey val="0"/>
-              <c:showVal val="0"/>
-              <c:showCatName val="0"/>
-              <c:showSerName val="0"/>
-              <c:showPercent val="0"/>
-              <c:showBubbleSize val="0"/>
-              <c:showLeaderLines val="1"/>
-              <c:extLst>
-                <c:ext xmlns:c15="http://schemas.microsoft.com/office/drawing/2012/chart" uri="{CE6537A1-D6FC-4f65-9D91-7224C49458BB}"/>
-                <c:ext xmlns:c16="http://schemas.microsoft.com/office/drawing/2014/chart" uri="{C3380CC4-5D6E-409C-BE32-E72D297353CC}">
-                  <c16:uniqueId val="{00000020-0285-150c-3d3b-f6f73db89a64}"/>
+                  <c16:uniqueId val="{00000020-2374-cc8b-59d9-5f91be95b844}"/>
                 </c:ext>
               </c:extLst>
             </c:dLbl>
@@ -1035,64 +1035,64 @@
                 <c:formatCode>General</c:formatCode>
                 <c:ptCount val="20"/>
                 <c:pt idx="0">
-                  <c:v>0.0007183514522676783</c:v>
+                  <c:v/>
                 </c:pt>
                 <c:pt idx="1">
-                  <c:v>0.001215766208315914</c:v>
+                  <c:v/>
                 </c:pt>
                 <c:pt idx="2">
-                  <c:v>0.0021611762116736824</c:v>
+                  <c:v/>
                 </c:pt>
                 <c:pt idx="3">
-                  <c:v>0.000013469631247805962</c:v>
+                  <c:v/>
                 </c:pt>
                 <c:pt idx="4">
-                  <c:v>0.0007282196080157905</c:v>
+                  <c:v/>
                 </c:pt>
                 <c:pt idx="5">
-                  <c:v>0.0010900813510269663</c:v>
+                  <c:v/>
                 </c:pt>
                 <c:pt idx="6">
-                  <c:v>0.0004762480861564215</c:v>
+                  <c:v/>
                 </c:pt>
                 <c:pt idx="7">
-                  <c:v>0.00018705572705727448</c:v>
+                  <c:v/>
                 </c:pt>
                 <c:pt idx="8">
-                  <c:v>0.0014402384651867634</c:v>
+                  <c:v/>
                 </c:pt>
                 <c:pt idx="9">
-                  <c:v>0.002101937880029362</c:v>
+                  <c:v/>
                 </c:pt>
                 <c:pt idx="10">
-                  <c:v>0.0023287750235857886</c:v>
+                  <c:v/>
                 </c:pt>
                 <c:pt idx="11">
-                  <c:v>0.0020597415468542766</c:v>
+                  <c:v/>
                 </c:pt>
                 <c:pt idx="12">
-                  <c:v>0.0008503262722892196</c:v>
+                  <c:v/>
                 </c:pt>
                 <c:pt idx="13">
-                  <c:v>0.0011568110177094869</c:v>
+                  <c:v/>
                 </c:pt>
                 <c:pt idx="14">
-                  <c:v>0.0023438049191328828</c:v>
+                  <c:v/>
                 </c:pt>
                 <c:pt idx="15">
-                  <c:v>0.001827106474841551</c:v>
+                  <c:v/>
                 </c:pt>
                 <c:pt idx="16">
-                  <c:v>0.0002279939506276359</c:v>
+                  <c:v/>
                 </c:pt>
                 <c:pt idx="17">
-                  <c:v>0.00008442277324696835</c:v>
+                  <c:v/>
                 </c:pt>
                 <c:pt idx="18">
-                  <c:v>0.000659839125371914</c:v>
+                  <c:v/>
                 </c:pt>
                 <c:pt idx="19">
-                  <c:v>0.00041660839315504233</c:v>
+                  <c:v/>
                 </c:pt>
               </c:numCache>
             </c:numRef>
@@ -1104,64 +1104,64 @@
                 <c:formatCode>General</c:formatCode>
                 <c:ptCount val="20"/>
                 <c:pt idx="0">
-                  <c:v>100</c:v>
+                  <c:v/>
                 </c:pt>
                 <c:pt idx="1">
-                  <c:v>55.33504997068951</c:v>
+                  <c:v/>
                 </c:pt>
                 <c:pt idx="2">
-                  <c:v>54.61090175640158</c:v>
+                  <c:v/>
                 </c:pt>
                 <c:pt idx="3">
-                  <c:v>41.46117263050667</c:v>
+                  <c:v/>
                 </c:pt>
                 <c:pt idx="4">
-                  <c:v>31.62247906855724</c:v>
+                  <c:v/>
                 </c:pt>
                 <c:pt idx="5">
-                  <c:v>30.739223524993694</c:v>
+                  <c:v/>
                 </c:pt>
                 <c:pt idx="6">
-                  <c:v>29.98133578727966</c:v>
+                  <c:v/>
                 </c:pt>
                 <c:pt idx="7">
-                  <c:v>28.45416530765742</c:v>
+                  <c:v/>
                 </c:pt>
                 <c:pt idx="8">
-                  <c:v>22.97788115153934</c:v>
+                  <c:v/>
                 </c:pt>
                 <c:pt idx="9">
-                  <c:v>21.334663402292595</c:v>
+                  <c:v/>
                 </c:pt>
                 <c:pt idx="10">
-                  <c:v>20.53306631266245</c:v>
+                  <c:v/>
                 </c:pt>
                 <c:pt idx="11">
-                  <c:v>20.28604353006543</c:v>
+                  <c:v/>
                 </c:pt>
                 <c:pt idx="12">
-                  <c:v>19.978725109555516</c:v>
+                  <c:v/>
                 </c:pt>
                 <c:pt idx="13">
-                  <c:v>19.4687007300687</c:v>
+                  <c:v/>
                 </c:pt>
                 <c:pt idx="14">
-                  <c:v>19.4028508685644</c:v>
+                  <c:v/>
                 </c:pt>
                 <c:pt idx="15">
-                  <c:v>18.72649943774408</c:v>
+                  <c:v/>
                 </c:pt>
                 <c:pt idx="16">
-                  <c:v>17.995425925134693</c:v>
+                  <c:v/>
                 </c:pt>
                 <c:pt idx="17">
-                  <c:v>17.754064180980098</c:v>
+                  <c:v/>
                 </c:pt>
                 <c:pt idx="18">
-                  <c:v>17.396274321638916</c:v>
+                  <c:v/>
                 </c:pt>
                 <c:pt idx="19">
-                  <c:v>17.164614839461688</c:v>
+                  <c:v/>
                 </c:pt>
               </c:numCache>
             </c:numRef>
@@ -1381,7 +1381,7 @@
 </c:chartSpace>
 </file>
 
-<file path=ppt/charts/chart1716.xml><?xml version="1.0" encoding="utf-8"?>
+<file path=ppt/charts/chart858.xml><?xml version="1.0" encoding="utf-8"?>
 <c:chartSpace xmlns:c="http://schemas.openxmlformats.org/drawingml/2006/chart" xmlns:a="http://schemas.openxmlformats.org/drawingml/2006/main" xmlns:r="http://schemas.openxmlformats.org/officeDocument/2006/relationships">
   <c:date1904 val="0"/>
   <c:chart>
@@ -1498,7 +1498,7 @@
               <c:extLst>
                 <c:ext xmlns:c15="http://schemas.microsoft.com/office/drawing/2012/chart" uri="{CE6537A1-D6FC-4f65-9D91-7224C49458BB}"/>
                 <c:ext xmlns:c16="http://schemas.microsoft.com/office/drawing/2014/chart" uri="{C3380CC4-5D6E-409C-BE32-E72D297353CC}">
-                  <c16:uniqueId val="{00000001-9b69-1933-6e94-ad52d4f4a4ee}"/>
+                  <c16:uniqueId val="{00000001-b9d0-f4b6-8e42-a0a77ba810ea}"/>
                 </c:ext>
               </c:extLst>
             </c:dLbl>
@@ -1516,7 +1516,7 @@
                     </a:pPr>
                     <a:r>
                       <a:rPr lang="en-US" dirty="0"/>
-                      <a:t>神经外科</a:t>
+                      <a:t>心血管内科</a:t>
                     </a:r>
                   </a:p>
                 </c:rich>
@@ -1539,7 +1539,7 @@
               <c:extLst>
                 <c:ext xmlns:c15="http://schemas.microsoft.com/office/drawing/2012/chart" uri="{CE6537A1-D6FC-4f65-9D91-7224C49458BB}"/>
                 <c:ext xmlns:c16="http://schemas.microsoft.com/office/drawing/2014/chart" uri="{C3380CC4-5D6E-409C-BE32-E72D297353CC}">
-                  <c16:uniqueId val="{00000002-9b69-1933-6e94-ad52d4f4a4ee}"/>
+                  <c16:uniqueId val="{00000002-b9d0-f4b6-8e42-a0a77ba810ea}"/>
                 </c:ext>
               </c:extLst>
             </c:dLbl>
@@ -1557,7 +1557,7 @@
                     </a:pPr>
                     <a:r>
                       <a:rPr lang="en-US" dirty="0"/>
-                      <a:t>肾脏内科</a:t>
+                      <a:t>心病一科</a:t>
                     </a:r>
                   </a:p>
                 </c:rich>
@@ -1580,7 +1580,7 @@
               <c:extLst>
                 <c:ext xmlns:c15="http://schemas.microsoft.com/office/drawing/2012/chart" uri="{CE6537A1-D6FC-4f65-9D91-7224C49458BB}"/>
                 <c:ext xmlns:c16="http://schemas.microsoft.com/office/drawing/2014/chart" uri="{C3380CC4-5D6E-409C-BE32-E72D297353CC}">
-                  <c16:uniqueId val="{00000003-9b69-1933-6e94-ad52d4f4a4ee}"/>
+                  <c16:uniqueId val="{00000003-b9d0-f4b6-8e42-a0a77ba810ea}"/>
                 </c:ext>
               </c:extLst>
             </c:dLbl>
@@ -1598,7 +1598,7 @@
                     </a:pPr>
                     <a:r>
                       <a:rPr lang="en-US" dirty="0"/>
-                      <a:t>身心医学科</a:t>
+                      <a:t>心病二科</a:t>
                     </a:r>
                   </a:p>
                 </c:rich>
@@ -1621,7 +1621,7 @@
               <c:extLst>
                 <c:ext xmlns:c15="http://schemas.microsoft.com/office/drawing/2012/chart" uri="{CE6537A1-D6FC-4f65-9D91-7224C49458BB}"/>
                 <c:ext xmlns:c16="http://schemas.microsoft.com/office/drawing/2014/chart" uri="{C3380CC4-5D6E-409C-BE32-E72D297353CC}">
-                  <c16:uniqueId val="{00000004-9b69-1933-6e94-ad52d4f4a4ee}"/>
+                  <c16:uniqueId val="{00000004-b9d0-f4b6-8e42-a0a77ba810ea}"/>
                 </c:ext>
               </c:extLst>
             </c:dLbl>
@@ -1639,7 +1639,7 @@
                     </a:pPr>
                     <a:r>
                       <a:rPr lang="en-US" dirty="0"/>
-                      <a:t>显微骨科</a:t>
+                      <a:t>心病三科</a:t>
                     </a:r>
                   </a:p>
                 </c:rich>
@@ -1662,12 +1662,53 @@
               <c:extLst>
                 <c:ext xmlns:c15="http://schemas.microsoft.com/office/drawing/2012/chart" uri="{CE6537A1-D6FC-4f65-9D91-7224C49458BB}"/>
                 <c:ext xmlns:c16="http://schemas.microsoft.com/office/drawing/2014/chart" uri="{C3380CC4-5D6E-409C-BE32-E72D297353CC}">
-                  <c16:uniqueId val="{00000005-9b69-1933-6e94-ad52d4f4a4ee}"/>
+                  <c16:uniqueId val="{00000005-b9d0-f4b6-8e42-a0a77ba810ea}"/>
                 </c:ext>
               </c:extLst>
             </c:dLbl>
             <c:dLbl>
               <c:idx val="5"/>
+              <c:tx>
+                <c:rich>
+                  <a:bodyPr>
+                    <a:spAutoFit/>
+                  </a:bodyPr>
+                  <a:lstStyle/>
+                  <a:p>
+                    <a:pPr>
+                      <a:defRPr/>
+                    </a:pPr>
+                    <a:r>
+                      <a:rPr lang="en-US" dirty="0"/>
+                      <a:t>心病四科</a:t>
+                    </a:r>
+                  </a:p>
+                </c:rich>
+              </c:tx>
+              <c:spPr>
+                <a:noFill/>
+                <a:ln>
+                  <a:noFill/>
+                </a:ln>
+                <a:effectLst/>
+              </c:spPr>
+              <c:dLblPos val="t"/>
+              <c:showLegendKey val="0"/>
+              <c:showVal val="0"/>
+              <c:showCatName val="0"/>
+              <c:showSerName val="0"/>
+              <c:showPercent val="0"/>
+              <c:showBubbleSize val="0"/>
+              <c:showLeaderLines val="1"/>
+              <c:extLst>
+                <c:ext xmlns:c15="http://schemas.microsoft.com/office/drawing/2012/chart" uri="{CE6537A1-D6FC-4f65-9D91-7224C49458BB}"/>
+                <c:ext xmlns:c16="http://schemas.microsoft.com/office/drawing/2014/chart" uri="{C3380CC4-5D6E-409C-BE32-E72D297353CC}">
+                  <c16:uniqueId val="{00000006-b9d0-f4b6-8e42-a0a77ba810ea}"/>
+                </c:ext>
+              </c:extLst>
+            </c:dLbl>
+            <c:dLbl>
+              <c:idx val="6"/>
               <c:tx>
                 <c:rich>
                   <a:bodyPr>
@@ -1703,12 +1744,12 @@
               <c:extLst>
                 <c:ext xmlns:c15="http://schemas.microsoft.com/office/drawing/2012/chart" uri="{CE6537A1-D6FC-4f65-9D91-7224C49458BB}"/>
                 <c:ext xmlns:c16="http://schemas.microsoft.com/office/drawing/2014/chart" uri="{C3380CC4-5D6E-409C-BE32-E72D297353CC}">
-                  <c16:uniqueId val="{00000006-9b69-1933-6e94-ad52d4f4a4ee}"/>
+                  <c16:uniqueId val="{00000007-b9d0-f4b6-8e42-a0a77ba810ea}"/>
                 </c:ext>
               </c:extLst>
             </c:dLbl>
             <c:dLbl>
-              <c:idx val="6"/>
+              <c:idx val="7"/>
               <c:tx>
                 <c:rich>
                   <a:bodyPr>
@@ -1721,7 +1762,7 @@
                     </a:pPr>
                     <a:r>
                       <a:rPr lang="en-US" dirty="0"/>
-                      <a:t>心病二科</a:t>
+                      <a:t>神经内科</a:t>
                     </a:r>
                   </a:p>
                 </c:rich>
@@ -1744,12 +1785,12 @@
               <c:extLst>
                 <c:ext xmlns:c15="http://schemas.microsoft.com/office/drawing/2012/chart" uri="{CE6537A1-D6FC-4f65-9D91-7224C49458BB}"/>
                 <c:ext xmlns:c16="http://schemas.microsoft.com/office/drawing/2014/chart" uri="{C3380CC4-5D6E-409C-BE32-E72D297353CC}">
-                  <c16:uniqueId val="{00000007-9b69-1933-6e94-ad52d4f4a4ee}"/>
+                  <c16:uniqueId val="{00000008-b9d0-f4b6-8e42-a0a77ba810ea}"/>
                 </c:ext>
               </c:extLst>
             </c:dLbl>
             <c:dLbl>
-              <c:idx val="7"/>
+              <c:idx val="8"/>
               <c:tx>
                 <c:rich>
                   <a:bodyPr>
@@ -1762,7 +1803,7 @@
                     </a:pPr>
                     <a:r>
                       <a:rPr lang="en-US" dirty="0"/>
-                      <a:t>皮肤科</a:t>
+                      <a:t>脑病一科</a:t>
                     </a:r>
                   </a:p>
                 </c:rich>
@@ -1785,12 +1826,12 @@
               <c:extLst>
                 <c:ext xmlns:c15="http://schemas.microsoft.com/office/drawing/2012/chart" uri="{CE6537A1-D6FC-4f65-9D91-7224C49458BB}"/>
                 <c:ext xmlns:c16="http://schemas.microsoft.com/office/drawing/2014/chart" uri="{C3380CC4-5D6E-409C-BE32-E72D297353CC}">
-                  <c16:uniqueId val="{00000008-9b69-1933-6e94-ad52d4f4a4ee}"/>
+                  <c16:uniqueId val="{00000009-b9d0-f4b6-8e42-a0a77ba810ea}"/>
                 </c:ext>
               </c:extLst>
             </c:dLbl>
             <c:dLbl>
-              <c:idx val="8"/>
+              <c:idx val="9"/>
               <c:tx>
                 <c:rich>
                   <a:bodyPr>
@@ -1803,7 +1844,7 @@
                     </a:pPr>
                     <a:r>
                       <a:rPr lang="en-US" dirty="0"/>
-                      <a:t>关节骨科</a:t>
+                      <a:t>脑病二科</a:t>
                     </a:r>
                   </a:p>
                 </c:rich>
@@ -1826,135 +1867,12 @@
               <c:extLst>
                 <c:ext xmlns:c15="http://schemas.microsoft.com/office/drawing/2012/chart" uri="{CE6537A1-D6FC-4f65-9D91-7224C49458BB}"/>
                 <c:ext xmlns:c16="http://schemas.microsoft.com/office/drawing/2014/chart" uri="{C3380CC4-5D6E-409C-BE32-E72D297353CC}">
-                  <c16:uniqueId val="{00000009-9b69-1933-6e94-ad52d4f4a4ee}"/>
-                </c:ext>
-              </c:extLst>
-            </c:dLbl>
-            <c:dLbl>
-              <c:idx val="9"/>
-              <c:tx>
-                <c:rich>
-                  <a:bodyPr>
-                    <a:spAutoFit/>
-                  </a:bodyPr>
-                  <a:lstStyle/>
-                  <a:p>
-                    <a:pPr>
-                      <a:defRPr/>
-                    </a:pPr>
-                    <a:r>
-                      <a:rPr lang="en-US" dirty="0"/>
-                      <a:t>运动损伤骨科</a:t>
-                    </a:r>
-                  </a:p>
-                </c:rich>
-              </c:tx>
-              <c:spPr>
-                <a:noFill/>
-                <a:ln>
-                  <a:noFill/>
-                </a:ln>
-                <a:effectLst/>
-              </c:spPr>
-              <c:dLblPos val="t"/>
-              <c:showLegendKey val="0"/>
-              <c:showVal val="0"/>
-              <c:showCatName val="0"/>
-              <c:showSerName val="0"/>
-              <c:showPercent val="0"/>
-              <c:showBubbleSize val="0"/>
-              <c:showLeaderLines val="1"/>
-              <c:extLst>
-                <c:ext xmlns:c15="http://schemas.microsoft.com/office/drawing/2012/chart" uri="{CE6537A1-D6FC-4f65-9D91-7224C49458BB}"/>
-                <c:ext xmlns:c16="http://schemas.microsoft.com/office/drawing/2014/chart" uri="{C3380CC4-5D6E-409C-BE32-E72D297353CC}">
-                  <c16:uniqueId val="{00000010-9b69-1933-6e94-ad52d4f4a4ee}"/>
+                  <c16:uniqueId val="{00000010-b9d0-f4b6-8e42-a0a77ba810ea}"/>
                 </c:ext>
               </c:extLst>
             </c:dLbl>
             <c:dLbl>
               <c:idx val="10"/>
-              <c:tx>
-                <c:rich>
-                  <a:bodyPr>
-                    <a:spAutoFit/>
-                  </a:bodyPr>
-                  <a:lstStyle/>
-                  <a:p>
-                    <a:pPr>
-                      <a:defRPr/>
-                    </a:pPr>
-                    <a:r>
-                      <a:rPr lang="en-US" dirty="0"/>
-                      <a:t>肝胆外科</a:t>
-                    </a:r>
-                  </a:p>
-                </c:rich>
-              </c:tx>
-              <c:spPr>
-                <a:noFill/>
-                <a:ln>
-                  <a:noFill/>
-                </a:ln>
-                <a:effectLst/>
-              </c:spPr>
-              <c:dLblPos val="t"/>
-              <c:showLegendKey val="0"/>
-              <c:showVal val="0"/>
-              <c:showCatName val="0"/>
-              <c:showSerName val="0"/>
-              <c:showPercent val="0"/>
-              <c:showBubbleSize val="0"/>
-              <c:showLeaderLines val="1"/>
-              <c:extLst>
-                <c:ext xmlns:c15="http://schemas.microsoft.com/office/drawing/2012/chart" uri="{CE6537A1-D6FC-4f65-9D91-7224C49458BB}"/>
-                <c:ext xmlns:c16="http://schemas.microsoft.com/office/drawing/2014/chart" uri="{C3380CC4-5D6E-409C-BE32-E72D297353CC}">
-                  <c16:uniqueId val="{00000011-9b69-1933-6e94-ad52d4f4a4ee}"/>
-                </c:ext>
-              </c:extLst>
-            </c:dLbl>
-            <c:dLbl>
-              <c:idx val="11"/>
-              <c:tx>
-                <c:rich>
-                  <a:bodyPr>
-                    <a:spAutoFit/>
-                  </a:bodyPr>
-                  <a:lstStyle/>
-                  <a:p>
-                    <a:pPr>
-                      <a:defRPr/>
-                    </a:pPr>
-                    <a:r>
-                      <a:rPr lang="en-US" dirty="0"/>
-                      <a:t>心病四科</a:t>
-                    </a:r>
-                  </a:p>
-                </c:rich>
-              </c:tx>
-              <c:spPr>
-                <a:noFill/>
-                <a:ln>
-                  <a:noFill/>
-                </a:ln>
-                <a:effectLst/>
-              </c:spPr>
-              <c:dLblPos val="t"/>
-              <c:showLegendKey val="0"/>
-              <c:showVal val="0"/>
-              <c:showCatName val="0"/>
-              <c:showSerName val="0"/>
-              <c:showPercent val="0"/>
-              <c:showBubbleSize val="0"/>
-              <c:showLeaderLines val="1"/>
-              <c:extLst>
-                <c:ext xmlns:c15="http://schemas.microsoft.com/office/drawing/2012/chart" uri="{CE6537A1-D6FC-4f65-9D91-7224C49458BB}"/>
-                <c:ext xmlns:c16="http://schemas.microsoft.com/office/drawing/2014/chart" uri="{C3380CC4-5D6E-409C-BE32-E72D297353CC}">
-                  <c16:uniqueId val="{00000012-9b69-1933-6e94-ad52d4f4a4ee}"/>
-                </c:ext>
-              </c:extLst>
-            </c:dLbl>
-            <c:dLbl>
-              <c:idx val="12"/>
               <c:tx>
                 <c:rich>
                   <a:bodyPr>
@@ -1990,12 +1908,12 @@
               <c:extLst>
                 <c:ext xmlns:c15="http://schemas.microsoft.com/office/drawing/2012/chart" uri="{CE6537A1-D6FC-4f65-9D91-7224C49458BB}"/>
                 <c:ext xmlns:c16="http://schemas.microsoft.com/office/drawing/2014/chart" uri="{C3380CC4-5D6E-409C-BE32-E72D297353CC}">
-                  <c16:uniqueId val="{00000013-9b69-1933-6e94-ad52d4f4a4ee}"/>
+                  <c16:uniqueId val="{00000011-b9d0-f4b6-8e42-a0a77ba810ea}"/>
                 </c:ext>
               </c:extLst>
             </c:dLbl>
             <c:dLbl>
-              <c:idx val="13"/>
+              <c:idx val="11"/>
               <c:tx>
                 <c:rich>
                   <a:bodyPr>
@@ -2008,7 +1926,7 @@
                     </a:pPr>
                     <a:r>
                       <a:rPr lang="en-US" dirty="0"/>
-                      <a:t>重症医学科</a:t>
+                      <a:t>中医经典科</a:t>
                     </a:r>
                   </a:p>
                 </c:rich>
@@ -2031,12 +1949,258 @@
               <c:extLst>
                 <c:ext xmlns:c15="http://schemas.microsoft.com/office/drawing/2012/chart" uri="{CE6537A1-D6FC-4f65-9D91-7224C49458BB}"/>
                 <c:ext xmlns:c16="http://schemas.microsoft.com/office/drawing/2014/chart" uri="{C3380CC4-5D6E-409C-BE32-E72D297353CC}">
-                  <c16:uniqueId val="{00000014-9b69-1933-6e94-ad52d4f4a4ee}"/>
+                  <c16:uniqueId val="{00000012-b9d0-f4b6-8e42-a0a77ba810ea}"/>
+                </c:ext>
+              </c:extLst>
+            </c:dLbl>
+            <c:dLbl>
+              <c:idx val="12"/>
+              <c:tx>
+                <c:rich>
+                  <a:bodyPr>
+                    <a:spAutoFit/>
+                  </a:bodyPr>
+                  <a:lstStyle/>
+                  <a:p>
+                    <a:pPr>
+                      <a:defRPr/>
+                    </a:pPr>
+                    <a:r>
+                      <a:rPr lang="en-US" dirty="0"/>
+                      <a:t>呼吸内科</a:t>
+                    </a:r>
+                  </a:p>
+                </c:rich>
+              </c:tx>
+              <c:spPr>
+                <a:noFill/>
+                <a:ln>
+                  <a:noFill/>
+                </a:ln>
+                <a:effectLst/>
+              </c:spPr>
+              <c:dLblPos val="t"/>
+              <c:showLegendKey val="0"/>
+              <c:showVal val="0"/>
+              <c:showCatName val="0"/>
+              <c:showSerName val="0"/>
+              <c:showPercent val="0"/>
+              <c:showBubbleSize val="0"/>
+              <c:showLeaderLines val="1"/>
+              <c:extLst>
+                <c:ext xmlns:c15="http://schemas.microsoft.com/office/drawing/2012/chart" uri="{CE6537A1-D6FC-4f65-9D91-7224C49458BB}"/>
+                <c:ext xmlns:c16="http://schemas.microsoft.com/office/drawing/2014/chart" uri="{C3380CC4-5D6E-409C-BE32-E72D297353CC}">
+                  <c16:uniqueId val="{00000013-b9d0-f4b6-8e42-a0a77ba810ea}"/>
+                </c:ext>
+              </c:extLst>
+            </c:dLbl>
+            <c:dLbl>
+              <c:idx val="13"/>
+              <c:tx>
+                <c:rich>
+                  <a:bodyPr>
+                    <a:spAutoFit/>
+                  </a:bodyPr>
+                  <a:lstStyle/>
+                  <a:p>
+                    <a:pPr>
+                      <a:defRPr/>
+                    </a:pPr>
+                    <a:r>
+                      <a:rPr lang="en-US" dirty="0"/>
+                      <a:t>内分泌科</a:t>
+                    </a:r>
+                  </a:p>
+                </c:rich>
+              </c:tx>
+              <c:spPr>
+                <a:noFill/>
+                <a:ln>
+                  <a:noFill/>
+                </a:ln>
+                <a:effectLst/>
+              </c:spPr>
+              <c:dLblPos val="t"/>
+              <c:showLegendKey val="0"/>
+              <c:showVal val="0"/>
+              <c:showCatName val="0"/>
+              <c:showSerName val="0"/>
+              <c:showPercent val="0"/>
+              <c:showBubbleSize val="0"/>
+              <c:showLeaderLines val="1"/>
+              <c:extLst>
+                <c:ext xmlns:c15="http://schemas.microsoft.com/office/drawing/2012/chart" uri="{CE6537A1-D6FC-4f65-9D91-7224C49458BB}"/>
+                <c:ext xmlns:c16="http://schemas.microsoft.com/office/drawing/2014/chart" uri="{C3380CC4-5D6E-409C-BE32-E72D297353CC}">
+                  <c16:uniqueId val="{00000014-b9d0-f4b6-8e42-a0a77ba810ea}"/>
                 </c:ext>
               </c:extLst>
             </c:dLbl>
             <c:dLbl>
               <c:idx val="14"/>
+              <c:tx>
+                <c:rich>
+                  <a:bodyPr>
+                    <a:spAutoFit/>
+                  </a:bodyPr>
+                  <a:lstStyle/>
+                  <a:p>
+                    <a:pPr>
+                      <a:defRPr/>
+                    </a:pPr>
+                    <a:r>
+                      <a:rPr lang="en-US" dirty="0"/>
+                      <a:t>脾胃病科</a:t>
+                    </a:r>
+                  </a:p>
+                </c:rich>
+              </c:tx>
+              <c:spPr>
+                <a:noFill/>
+                <a:ln>
+                  <a:noFill/>
+                </a:ln>
+                <a:effectLst/>
+              </c:spPr>
+              <c:dLblPos val="t"/>
+              <c:showLegendKey val="0"/>
+              <c:showVal val="0"/>
+              <c:showCatName val="0"/>
+              <c:showSerName val="0"/>
+              <c:showPercent val="0"/>
+              <c:showBubbleSize val="0"/>
+              <c:showLeaderLines val="1"/>
+              <c:extLst>
+                <c:ext xmlns:c15="http://schemas.microsoft.com/office/drawing/2012/chart" uri="{CE6537A1-D6FC-4f65-9D91-7224C49458BB}"/>
+                <c:ext xmlns:c16="http://schemas.microsoft.com/office/drawing/2014/chart" uri="{C3380CC4-5D6E-409C-BE32-E72D297353CC}">
+                  <c16:uniqueId val="{00000015-b9d0-f4b6-8e42-a0a77ba810ea}"/>
+                </c:ext>
+              </c:extLst>
+            </c:dLbl>
+            <c:dLbl>
+              <c:idx val="15"/>
+              <c:tx>
+                <c:rich>
+                  <a:bodyPr>
+                    <a:spAutoFit/>
+                  </a:bodyPr>
+                  <a:lstStyle/>
+                  <a:p>
+                    <a:pPr>
+                      <a:defRPr/>
+                    </a:pPr>
+                    <a:r>
+                      <a:rPr lang="en-US" dirty="0"/>
+                      <a:t>肝病科</a:t>
+                    </a:r>
+                  </a:p>
+                </c:rich>
+              </c:tx>
+              <c:spPr>
+                <a:noFill/>
+                <a:ln>
+                  <a:noFill/>
+                </a:ln>
+                <a:effectLst/>
+              </c:spPr>
+              <c:dLblPos val="t"/>
+              <c:showLegendKey val="0"/>
+              <c:showVal val="0"/>
+              <c:showCatName val="0"/>
+              <c:showSerName val="0"/>
+              <c:showPercent val="0"/>
+              <c:showBubbleSize val="0"/>
+              <c:showLeaderLines val="1"/>
+              <c:extLst>
+                <c:ext xmlns:c15="http://schemas.microsoft.com/office/drawing/2012/chart" uri="{CE6537A1-D6FC-4f65-9D91-7224C49458BB}"/>
+                <c:ext xmlns:c16="http://schemas.microsoft.com/office/drawing/2014/chart" uri="{C3380CC4-5D6E-409C-BE32-E72D297353CC}">
+                  <c16:uniqueId val="{00000016-b9d0-f4b6-8e42-a0a77ba810ea}"/>
+                </c:ext>
+              </c:extLst>
+            </c:dLbl>
+            <c:dLbl>
+              <c:idx val="16"/>
+              <c:tx>
+                <c:rich>
+                  <a:bodyPr>
+                    <a:spAutoFit/>
+                  </a:bodyPr>
+                  <a:lstStyle/>
+                  <a:p>
+                    <a:pPr>
+                      <a:defRPr/>
+                    </a:pPr>
+                    <a:r>
+                      <a:rPr lang="en-US" dirty="0"/>
+                      <a:t>血液科</a:t>
+                    </a:r>
+                  </a:p>
+                </c:rich>
+              </c:tx>
+              <c:spPr>
+                <a:noFill/>
+                <a:ln>
+                  <a:noFill/>
+                </a:ln>
+                <a:effectLst/>
+              </c:spPr>
+              <c:dLblPos val="t"/>
+              <c:showLegendKey val="0"/>
+              <c:showVal val="0"/>
+              <c:showCatName val="0"/>
+              <c:showSerName val="0"/>
+              <c:showPercent val="0"/>
+              <c:showBubbleSize val="0"/>
+              <c:showLeaderLines val="1"/>
+              <c:extLst>
+                <c:ext xmlns:c15="http://schemas.microsoft.com/office/drawing/2012/chart" uri="{CE6537A1-D6FC-4f65-9D91-7224C49458BB}"/>
+                <c:ext xmlns:c16="http://schemas.microsoft.com/office/drawing/2014/chart" uri="{C3380CC4-5D6E-409C-BE32-E72D297353CC}">
+                  <c16:uniqueId val="{00000017-b9d0-f4b6-8e42-a0a77ba810ea}"/>
+                </c:ext>
+              </c:extLst>
+            </c:dLbl>
+            <c:dLbl>
+              <c:idx val="17"/>
+              <c:tx>
+                <c:rich>
+                  <a:bodyPr>
+                    <a:spAutoFit/>
+                  </a:bodyPr>
+                  <a:lstStyle/>
+                  <a:p>
+                    <a:pPr>
+                      <a:defRPr/>
+                    </a:pPr>
+                    <a:r>
+                      <a:rPr lang="en-US" dirty="0"/>
+                      <a:t>风湿病科</a:t>
+                    </a:r>
+                  </a:p>
+                </c:rich>
+              </c:tx>
+              <c:spPr>
+                <a:noFill/>
+                <a:ln>
+                  <a:noFill/>
+                </a:ln>
+                <a:effectLst/>
+              </c:spPr>
+              <c:dLblPos val="t"/>
+              <c:showLegendKey val="0"/>
+              <c:showVal val="0"/>
+              <c:showCatName val="0"/>
+              <c:showSerName val="0"/>
+              <c:showPercent val="0"/>
+              <c:showBubbleSize val="0"/>
+              <c:showLeaderLines val="1"/>
+              <c:extLst>
+                <c:ext xmlns:c15="http://schemas.microsoft.com/office/drawing/2012/chart" uri="{CE6537A1-D6FC-4f65-9D91-7224C49458BB}"/>
+                <c:ext xmlns:c16="http://schemas.microsoft.com/office/drawing/2014/chart" uri="{C3380CC4-5D6E-409C-BE32-E72D297353CC}">
+                  <c16:uniqueId val="{00000018-b9d0-f4b6-8e42-a0a77ba810ea}"/>
+                </c:ext>
+              </c:extLst>
+            </c:dLbl>
+            <c:dLbl>
+              <c:idx val="18"/>
               <c:tx>
                 <c:rich>
                   <a:bodyPr>
@@ -2072,12 +2236,12 @@
               <c:extLst>
                 <c:ext xmlns:c15="http://schemas.microsoft.com/office/drawing/2012/chart" uri="{CE6537A1-D6FC-4f65-9D91-7224C49458BB}"/>
                 <c:ext xmlns:c16="http://schemas.microsoft.com/office/drawing/2014/chart" uri="{C3380CC4-5D6E-409C-BE32-E72D297353CC}">
-                  <c16:uniqueId val="{00000015-9b69-1933-6e94-ad52d4f4a4ee}"/>
+                  <c16:uniqueId val="{00000019-b9d0-f4b6-8e42-a0a77ba810ea}"/>
                 </c:ext>
               </c:extLst>
             </c:dLbl>
             <c:dLbl>
-              <c:idx val="15"/>
+              <c:idx val="19"/>
               <c:tx>
                 <c:rich>
                   <a:bodyPr>
@@ -2090,7 +2254,7 @@
                     </a:pPr>
                     <a:r>
                       <a:rPr lang="en-US" dirty="0"/>
-                      <a:t>耳鼻喉科</a:t>
+                      <a:t>肿瘤内科</a:t>
                     </a:r>
                   </a:p>
                 </c:rich>
@@ -2113,171 +2277,7 @@
               <c:extLst>
                 <c:ext xmlns:c15="http://schemas.microsoft.com/office/drawing/2012/chart" uri="{CE6537A1-D6FC-4f65-9D91-7224C49458BB}"/>
                 <c:ext xmlns:c16="http://schemas.microsoft.com/office/drawing/2014/chart" uri="{C3380CC4-5D6E-409C-BE32-E72D297353CC}">
-                  <c16:uniqueId val="{00000016-9b69-1933-6e94-ad52d4f4a4ee}"/>
-                </c:ext>
-              </c:extLst>
-            </c:dLbl>
-            <c:dLbl>
-              <c:idx val="16"/>
-              <c:tx>
-                <c:rich>
-                  <a:bodyPr>
-                    <a:spAutoFit/>
-                  </a:bodyPr>
-                  <a:lstStyle/>
-                  <a:p>
-                    <a:pPr>
-                      <a:defRPr/>
-                    </a:pPr>
-                    <a:r>
-                      <a:rPr lang="en-US" dirty="0"/>
-                      <a:t>东区肾病科</a:t>
-                    </a:r>
-                  </a:p>
-                </c:rich>
-              </c:tx>
-              <c:spPr>
-                <a:noFill/>
-                <a:ln>
-                  <a:noFill/>
-                </a:ln>
-                <a:effectLst/>
-              </c:spPr>
-              <c:dLblPos val="t"/>
-              <c:showLegendKey val="0"/>
-              <c:showVal val="0"/>
-              <c:showCatName val="0"/>
-              <c:showSerName val="0"/>
-              <c:showPercent val="0"/>
-              <c:showBubbleSize val="0"/>
-              <c:showLeaderLines val="1"/>
-              <c:extLst>
-                <c:ext xmlns:c15="http://schemas.microsoft.com/office/drawing/2012/chart" uri="{CE6537A1-D6FC-4f65-9D91-7224C49458BB}"/>
-                <c:ext xmlns:c16="http://schemas.microsoft.com/office/drawing/2014/chart" uri="{C3380CC4-5D6E-409C-BE32-E72D297353CC}">
-                  <c16:uniqueId val="{00000017-9b69-1933-6e94-ad52d4f4a4ee}"/>
-                </c:ext>
-              </c:extLst>
-            </c:dLbl>
-            <c:dLbl>
-              <c:idx val="17"/>
-              <c:tx>
-                <c:rich>
-                  <a:bodyPr>
-                    <a:spAutoFit/>
-                  </a:bodyPr>
-                  <a:lstStyle/>
-                  <a:p>
-                    <a:pPr>
-                      <a:defRPr/>
-                    </a:pPr>
-                    <a:r>
-                      <a:rPr lang="en-US" dirty="0"/>
-                      <a:t>肝病科</a:t>
-                    </a:r>
-                  </a:p>
-                </c:rich>
-              </c:tx>
-              <c:spPr>
-                <a:noFill/>
-                <a:ln>
-                  <a:noFill/>
-                </a:ln>
-                <a:effectLst/>
-              </c:spPr>
-              <c:dLblPos val="t"/>
-              <c:showLegendKey val="0"/>
-              <c:showVal val="0"/>
-              <c:showCatName val="0"/>
-              <c:showSerName val="0"/>
-              <c:showPercent val="0"/>
-              <c:showBubbleSize val="0"/>
-              <c:showLeaderLines val="1"/>
-              <c:extLst>
-                <c:ext xmlns:c15="http://schemas.microsoft.com/office/drawing/2012/chart" uri="{CE6537A1-D6FC-4f65-9D91-7224C49458BB}"/>
-                <c:ext xmlns:c16="http://schemas.microsoft.com/office/drawing/2014/chart" uri="{C3380CC4-5D6E-409C-BE32-E72D297353CC}">
-                  <c16:uniqueId val="{00000018-9b69-1933-6e94-ad52d4f4a4ee}"/>
-                </c:ext>
-              </c:extLst>
-            </c:dLbl>
-            <c:dLbl>
-              <c:idx val="18"/>
-              <c:tx>
-                <c:rich>
-                  <a:bodyPr>
-                    <a:spAutoFit/>
-                  </a:bodyPr>
-                  <a:lstStyle/>
-                  <a:p>
-                    <a:pPr>
-                      <a:defRPr/>
-                    </a:pPr>
-                    <a:r>
-                      <a:rPr lang="en-US" dirty="0"/>
-                      <a:t>针灸科</a:t>
-                    </a:r>
-                  </a:p>
-                </c:rich>
-              </c:tx>
-              <c:spPr>
-                <a:noFill/>
-                <a:ln>
-                  <a:noFill/>
-                </a:ln>
-                <a:effectLst/>
-              </c:spPr>
-              <c:dLblPos val="t"/>
-              <c:showLegendKey val="0"/>
-              <c:showVal val="0"/>
-              <c:showCatName val="0"/>
-              <c:showSerName val="0"/>
-              <c:showPercent val="0"/>
-              <c:showBubbleSize val="0"/>
-              <c:showLeaderLines val="1"/>
-              <c:extLst>
-                <c:ext xmlns:c15="http://schemas.microsoft.com/office/drawing/2012/chart" uri="{CE6537A1-D6FC-4f65-9D91-7224C49458BB}"/>
-                <c:ext xmlns:c16="http://schemas.microsoft.com/office/drawing/2014/chart" uri="{C3380CC4-5D6E-409C-BE32-E72D297353CC}">
-                  <c16:uniqueId val="{00000019-9b69-1933-6e94-ad52d4f4a4ee}"/>
-                </c:ext>
-              </c:extLst>
-            </c:dLbl>
-            <c:dLbl>
-              <c:idx val="19"/>
-              <c:tx>
-                <c:rich>
-                  <a:bodyPr>
-                    <a:spAutoFit/>
-                  </a:bodyPr>
-                  <a:lstStyle/>
-                  <a:p>
-                    <a:pPr>
-                      <a:defRPr/>
-                    </a:pPr>
-                    <a:r>
-                      <a:rPr lang="en-US" dirty="0"/>
-                      <a:t>口腔科</a:t>
-                    </a:r>
-                  </a:p>
-                </c:rich>
-              </c:tx>
-              <c:spPr>
-                <a:noFill/>
-                <a:ln>
-                  <a:noFill/>
-                </a:ln>
-                <a:effectLst/>
-              </c:spPr>
-              <c:dLblPos val="t"/>
-              <c:showLegendKey val="0"/>
-              <c:showVal val="0"/>
-              <c:showCatName val="0"/>
-              <c:showSerName val="0"/>
-              <c:showPercent val="0"/>
-              <c:showBubbleSize val="0"/>
-              <c:showLeaderLines val="1"/>
-              <c:extLst>
-                <c:ext xmlns:c15="http://schemas.microsoft.com/office/drawing/2012/chart" uri="{CE6537A1-D6FC-4f65-9D91-7224C49458BB}"/>
-                <c:ext xmlns:c16="http://schemas.microsoft.com/office/drawing/2014/chart" uri="{C3380CC4-5D6E-409C-BE32-E72D297353CC}">
-                  <c16:uniqueId val="{00000020-9b69-1933-6e94-ad52d4f4a4ee}"/>
+                  <c16:uniqueId val="{00000020-b9d0-f4b6-8e42-a0a77ba810ea}"/>
                 </c:ext>
               </c:extLst>
             </c:dLbl>
@@ -2289,64 +2289,64 @@
                 <c:formatCode>General</c:formatCode>
                 <c:ptCount val="20"/>
                 <c:pt idx="0">
-                  <c:v>12.286609774934673</c:v>
+                  <c:v/>
                 </c:pt>
                 <c:pt idx="1">
-                  <c:v>4.787688892754163</c:v>
+                  <c:v/>
                 </c:pt>
                 <c:pt idx="2">
-                  <c:v>5.157761490298212</c:v>
+                  <c:v/>
                 </c:pt>
                 <c:pt idx="3">
-                  <c:v>6.344723586877225</c:v>
+                  <c:v/>
                 </c:pt>
                 <c:pt idx="4">
-                  <c:v>11.131695862693086</c:v>
+                  <c:v/>
                 </c:pt>
                 <c:pt idx="5">
-                  <c:v>19.4028508685644</c:v>
+                  <c:v/>
                 </c:pt>
                 <c:pt idx="6">
-                  <c:v>8.731126991186374</c:v>
+                  <c:v/>
                 </c:pt>
                 <c:pt idx="7">
-                  <c:v>20.53306631266245</c:v>
+                  <c:v/>
                 </c:pt>
                 <c:pt idx="8">
-                  <c:v>16.323359706256152</c:v>
+                  <c:v/>
                 </c:pt>
                 <c:pt idx="9">
-                  <c:v>3.921258075839179</c:v>
+                  <c:v/>
                 </c:pt>
                 <c:pt idx="10">
-                  <c:v>54.61090175640158</c:v>
+                  <c:v/>
                 </c:pt>
                 <c:pt idx="11">
-                  <c:v>3.9964816245022314</c:v>
+                  <c:v/>
                 </c:pt>
                 <c:pt idx="12">
-                  <c:v>21.334663402292595</c:v>
+                  <c:v/>
                 </c:pt>
                 <c:pt idx="13">
-                  <c:v>17.094285250663987</c:v>
+                  <c:v/>
                 </c:pt>
                 <c:pt idx="14">
-                  <c:v>20.28604353006543</c:v>
+                  <c:v/>
                 </c:pt>
                 <c:pt idx="15">
-                  <c:v>14.20074014775966</c:v>
+                  <c:v/>
                 </c:pt>
                 <c:pt idx="16">
-                  <c:v>10.948514991719396</c:v>
+                  <c:v/>
                 </c:pt>
                 <c:pt idx="17">
-                  <c:v>9.431636859210224</c:v>
+                  <c:v/>
                 </c:pt>
                 <c:pt idx="18">
-                  <c:v>18.72649943774408</c:v>
+                  <c:v/>
                 </c:pt>
                 <c:pt idx="19">
-                  <c:v>2.8165152067296075</c:v>
+                  <c:v/>
                 </c:pt>
               </c:numCache>
             </c:numRef>
@@ -2358,64 +2358,64 @@
                 <c:formatCode>General</c:formatCode>
                 <c:ptCount val="20"/>
                 <c:pt idx="0">
-                  <c:v>100</c:v>
+                  <c:v/>
                 </c:pt>
                 <c:pt idx="1">
-                  <c:v>0.002366689781839503</c:v>
+                  <c:v/>
                 </c:pt>
                 <c:pt idx="2">
-                  <c:v>0.002358254759888377</c:v>
+                  <c:v/>
                 </c:pt>
                 <c:pt idx="3">
-                  <c:v>0.002357284202125027</c:v>
+                  <c:v/>
                 </c:pt>
                 <c:pt idx="4">
-                  <c:v>0.0023446373914226605</c:v>
+                  <c:v/>
                 </c:pt>
                 <c:pt idx="5">
-                  <c:v>0.0023438049191328828</c:v>
+                  <c:v/>
                 </c:pt>
                 <c:pt idx="6">
-                  <c:v>0.0023347376791642473</c:v>
+                  <c:v/>
                 </c:pt>
                 <c:pt idx="7">
-                  <c:v>0.0023287750235857886</c:v>
+                  <c:v/>
                 </c:pt>
                 <c:pt idx="8">
-                  <c:v>0.0022766281761157866</c:v>
+                  <c:v/>
                 </c:pt>
                 <c:pt idx="9">
-                  <c:v>0.002188727763223347</c:v>
+                  <c:v/>
                 </c:pt>
                 <c:pt idx="10">
-                  <c:v>0.0021611762116736824</c:v>
+                  <c:v/>
                 </c:pt>
                 <c:pt idx="11">
-                  <c:v>0.0021107073071085026</c:v>
+                  <c:v/>
                 </c:pt>
                 <c:pt idx="12">
-                  <c:v>0.002101937880029362</c:v>
+                  <c:v/>
                 </c:pt>
                 <c:pt idx="13">
-                  <c:v>0.0020809451956530813</c:v>
+                  <c:v/>
                 </c:pt>
                 <c:pt idx="14">
-                  <c:v>0.0020597415468542766</c:v>
+                  <c:v/>
                 </c:pt>
                 <c:pt idx="15">
-                  <c:v>0.0019530803342291188</c:v>
+                  <c:v/>
                 </c:pt>
                 <c:pt idx="16">
-                  <c:v>0.0019381338823420146</c:v>
+                  <c:v/>
                 </c:pt>
                 <c:pt idx="17">
-                  <c:v>0.0018305561005991216</c:v>
+                  <c:v/>
                 </c:pt>
                 <c:pt idx="18">
-                  <c:v>0.001827106474841551</c:v>
+                  <c:v/>
                 </c:pt>
                 <c:pt idx="19">
-                  <c:v>0.0017082120226435973</c:v>
+                  <c:v/>
                 </c:pt>
               </c:numCache>
             </c:numRef>

--- a/cases/goodhostpital2021/对标分析报告.pg.pptx
+++ b/cases/goodhostpital2021/对标分析报告.pg.pptx
@@ -109,13 +109,13 @@
   <p:extLst>
     <p:ext uri="{521415D9-36F7-43E2-AB2F-B90AF26B5E84}">
       <p14:sectionLst xmlns:p14="http://schemas.microsoft.com/office/powerpoint/2010/main">
-        <p14:section name="院内专科BCG散点图" id="{74a5d009-16f6-11f1-c5b8-046e8f906fb8}">
+        <p14:section name="院内专科BCG散点图" id="{2a0da65a-dc23-cae0-3dd3-844825faa7a9}">
           <p14:sldIdLst>
             <p14:sldId id="257"/>
             <p14:sldId id="258"/>
           </p14:sldIdLst>
         </p14:section>
-        <p14:section name="院内专科梯队表格" id="{c160def7-ce2a-89c9-76c7-7cfedf04a842}">
+        <p14:section name="院内专科梯队表格" id="{e1a427ee-cde2-0bc7-1b19-38b3729c742b}">
           <p14:sldIdLst/>
         </p14:section>
       </p14:sectionLst>
@@ -127,7 +127,7 @@
 </p:presentation>
 </file>
 
-<file path=ppt/charts/chart857.xml><?xml version="1.0" encoding="utf-8"?>
+<file path=ppt/charts/chart285.xml><?xml version="1.0" encoding="utf-8"?>
 <c:chartSpace xmlns:c="http://schemas.openxmlformats.org/drawingml/2006/chart" xmlns:a="http://schemas.openxmlformats.org/drawingml/2006/main" xmlns:r="http://schemas.openxmlformats.org/officeDocument/2006/relationships">
   <c:date1904 val="0"/>
   <c:chart>
@@ -221,7 +221,7 @@
                     </a:pPr>
                     <a:r>
                       <a:rPr lang="en-US" dirty="0"/>
-                      <a:t>医院</a:t>
+                      <a:t>皮肤科</a:t>
                     </a:r>
                   </a:p>
                 </c:rich>
@@ -244,7 +244,7 @@
               <c:extLst>
                 <c:ext xmlns:c15="http://schemas.microsoft.com/office/drawing/2012/chart" uri="{CE6537A1-D6FC-4f65-9D91-7224C49458BB}"/>
                 <c:ext xmlns:c16="http://schemas.microsoft.com/office/drawing/2014/chart" uri="{C3380CC4-5D6E-409C-BE32-E72D297353CC}">
-                  <c16:uniqueId val="{00000001-2374-cc8b-59d9-5f91be95b844}"/>
+                  <c16:uniqueId val="{00000001-ecfb-f07d-2380-8b05bb07ca81}"/>
                 </c:ext>
               </c:extLst>
             </c:dLbl>
@@ -262,7 +262,7 @@
                     </a:pPr>
                     <a:r>
                       <a:rPr lang="en-US" dirty="0"/>
-                      <a:t>心血管内科</a:t>
+                      <a:t>美容皮肤科</a:t>
                     </a:r>
                   </a:p>
                 </c:rich>
@@ -285,7 +285,7 @@
               <c:extLst>
                 <c:ext xmlns:c15="http://schemas.microsoft.com/office/drawing/2012/chart" uri="{CE6537A1-D6FC-4f65-9D91-7224C49458BB}"/>
                 <c:ext xmlns:c16="http://schemas.microsoft.com/office/drawing/2014/chart" uri="{C3380CC4-5D6E-409C-BE32-E72D297353CC}">
-                  <c16:uniqueId val="{00000002-2374-cc8b-59d9-5f91be95b844}"/>
+                  <c16:uniqueId val="{00000002-ecfb-f07d-2380-8b05bb07ca81}"/>
                 </c:ext>
               </c:extLst>
             </c:dLbl>
@@ -303,7 +303,7 @@
                     </a:pPr>
                     <a:r>
                       <a:rPr lang="en-US" dirty="0"/>
-                      <a:t>心病一科</a:t>
+                      <a:t>脑病一科</a:t>
                     </a:r>
                   </a:p>
                 </c:rich>
@@ -326,94 +326,12 @@
               <c:extLst>
                 <c:ext xmlns:c15="http://schemas.microsoft.com/office/drawing/2012/chart" uri="{CE6537A1-D6FC-4f65-9D91-7224C49458BB}"/>
                 <c:ext xmlns:c16="http://schemas.microsoft.com/office/drawing/2014/chart" uri="{C3380CC4-5D6E-409C-BE32-E72D297353CC}">
-                  <c16:uniqueId val="{00000003-2374-cc8b-59d9-5f91be95b844}"/>
+                  <c16:uniqueId val="{00000003-ecfb-f07d-2380-8b05bb07ca81}"/>
                 </c:ext>
               </c:extLst>
             </c:dLbl>
             <c:dLbl>
               <c:idx val="3"/>
-              <c:tx>
-                <c:rich>
-                  <a:bodyPr>
-                    <a:spAutoFit/>
-                  </a:bodyPr>
-                  <a:lstStyle/>
-                  <a:p>
-                    <a:pPr>
-                      <a:defRPr/>
-                    </a:pPr>
-                    <a:r>
-                      <a:rPr lang="en-US" dirty="0"/>
-                      <a:t>心病二科</a:t>
-                    </a:r>
-                  </a:p>
-                </c:rich>
-              </c:tx>
-              <c:spPr>
-                <a:noFill/>
-                <a:ln>
-                  <a:noFill/>
-                </a:ln>
-                <a:effectLst/>
-              </c:spPr>
-              <c:dLblPos val="t"/>
-              <c:showLegendKey val="0"/>
-              <c:showVal val="0"/>
-              <c:showCatName val="0"/>
-              <c:showSerName val="0"/>
-              <c:showPercent val="0"/>
-              <c:showBubbleSize val="0"/>
-              <c:showLeaderLines val="1"/>
-              <c:extLst>
-                <c:ext xmlns:c15="http://schemas.microsoft.com/office/drawing/2012/chart" uri="{CE6537A1-D6FC-4f65-9D91-7224C49458BB}"/>
-                <c:ext xmlns:c16="http://schemas.microsoft.com/office/drawing/2014/chart" uri="{C3380CC4-5D6E-409C-BE32-E72D297353CC}">
-                  <c16:uniqueId val="{00000004-2374-cc8b-59d9-5f91be95b844}"/>
-                </c:ext>
-              </c:extLst>
-            </c:dLbl>
-            <c:dLbl>
-              <c:idx val="4"/>
-              <c:tx>
-                <c:rich>
-                  <a:bodyPr>
-                    <a:spAutoFit/>
-                  </a:bodyPr>
-                  <a:lstStyle/>
-                  <a:p>
-                    <a:pPr>
-                      <a:defRPr/>
-                    </a:pPr>
-                    <a:r>
-                      <a:rPr lang="en-US" dirty="0"/>
-                      <a:t>心病三科</a:t>
-                    </a:r>
-                  </a:p>
-                </c:rich>
-              </c:tx>
-              <c:spPr>
-                <a:noFill/>
-                <a:ln>
-                  <a:noFill/>
-                </a:ln>
-                <a:effectLst/>
-              </c:spPr>
-              <c:dLblPos val="t"/>
-              <c:showLegendKey val="0"/>
-              <c:showVal val="0"/>
-              <c:showCatName val="0"/>
-              <c:showSerName val="0"/>
-              <c:showPercent val="0"/>
-              <c:showBubbleSize val="0"/>
-              <c:showLeaderLines val="1"/>
-              <c:extLst>
-                <c:ext xmlns:c15="http://schemas.microsoft.com/office/drawing/2012/chart" uri="{CE6537A1-D6FC-4f65-9D91-7224C49458BB}"/>
-                <c:ext xmlns:c16="http://schemas.microsoft.com/office/drawing/2014/chart" uri="{C3380CC4-5D6E-409C-BE32-E72D297353CC}">
-                  <c16:uniqueId val="{00000005-2374-cc8b-59d9-5f91be95b844}"/>
-                </c:ext>
-              </c:extLst>
-            </c:dLbl>
-            <c:dLbl>
-              <c:idx val="5"/>
               <c:tx>
                 <c:rich>
                   <a:bodyPr>
@@ -449,12 +367,12 @@
               <c:extLst>
                 <c:ext xmlns:c15="http://schemas.microsoft.com/office/drawing/2012/chart" uri="{CE6537A1-D6FC-4f65-9D91-7224C49458BB}"/>
                 <c:ext xmlns:c16="http://schemas.microsoft.com/office/drawing/2014/chart" uri="{C3380CC4-5D6E-409C-BE32-E72D297353CC}">
-                  <c16:uniqueId val="{00000006-2374-cc8b-59d9-5f91be95b844}"/>
+                  <c16:uniqueId val="{00000004-ecfb-f07d-2380-8b05bb07ca81}"/>
                 </c:ext>
               </c:extLst>
             </c:dLbl>
             <c:dLbl>
-              <c:idx val="6"/>
+              <c:idx val="4"/>
               <c:tx>
                 <c:rich>
                   <a:bodyPr>
@@ -467,7 +385,7 @@
                     </a:pPr>
                     <a:r>
                       <a:rPr lang="en-US" dirty="0"/>
-                      <a:t>综合内科</a:t>
+                      <a:t>中医外治中心</a:t>
                     </a:r>
                   </a:p>
                 </c:rich>
@@ -490,12 +408,586 @@
               <c:extLst>
                 <c:ext xmlns:c15="http://schemas.microsoft.com/office/drawing/2012/chart" uri="{CE6537A1-D6FC-4f65-9D91-7224C49458BB}"/>
                 <c:ext xmlns:c16="http://schemas.microsoft.com/office/drawing/2014/chart" uri="{C3380CC4-5D6E-409C-BE32-E72D297353CC}">
-                  <c16:uniqueId val="{00000007-2374-cc8b-59d9-5f91be95b844}"/>
+                  <c16:uniqueId val="{00000005-ecfb-f07d-2380-8b05bb07ca81}"/>
+                </c:ext>
+              </c:extLst>
+            </c:dLbl>
+            <c:dLbl>
+              <c:idx val="5"/>
+              <c:tx>
+                <c:rich>
+                  <a:bodyPr>
+                    <a:spAutoFit/>
+                  </a:bodyPr>
+                  <a:lstStyle/>
+                  <a:p>
+                    <a:pPr>
+                      <a:defRPr/>
+                    </a:pPr>
+                    <a:r>
+                      <a:rPr lang="en-US" dirty="0"/>
+                      <a:t>小儿骨科</a:t>
+                    </a:r>
+                  </a:p>
+                </c:rich>
+              </c:tx>
+              <c:spPr>
+                <a:noFill/>
+                <a:ln>
+                  <a:noFill/>
+                </a:ln>
+                <a:effectLst/>
+              </c:spPr>
+              <c:dLblPos val="t"/>
+              <c:showLegendKey val="0"/>
+              <c:showVal val="0"/>
+              <c:showCatName val="0"/>
+              <c:showSerName val="0"/>
+              <c:showPercent val="0"/>
+              <c:showBubbleSize val="0"/>
+              <c:showLeaderLines val="1"/>
+              <c:extLst>
+                <c:ext xmlns:c15="http://schemas.microsoft.com/office/drawing/2012/chart" uri="{CE6537A1-D6FC-4f65-9D91-7224C49458BB}"/>
+                <c:ext xmlns:c16="http://schemas.microsoft.com/office/drawing/2014/chart" uri="{C3380CC4-5D6E-409C-BE32-E72D297353CC}">
+                  <c16:uniqueId val="{00000006-ecfb-f07d-2380-8b05bb07ca81}"/>
+                </c:ext>
+              </c:extLst>
+            </c:dLbl>
+            <c:dLbl>
+              <c:idx val="6"/>
+              <c:tx>
+                <c:rich>
+                  <a:bodyPr>
+                    <a:spAutoFit/>
+                  </a:bodyPr>
+                  <a:lstStyle/>
+                  <a:p>
+                    <a:pPr>
+                      <a:defRPr/>
+                    </a:pPr>
+                    <a:r>
+                      <a:rPr lang="en-US" dirty="0"/>
+                      <a:t>推拿科</a:t>
+                    </a:r>
+                  </a:p>
+                </c:rich>
+              </c:tx>
+              <c:spPr>
+                <a:noFill/>
+                <a:ln>
+                  <a:noFill/>
+                </a:ln>
+                <a:effectLst/>
+              </c:spPr>
+              <c:dLblPos val="t"/>
+              <c:showLegendKey val="0"/>
+              <c:showVal val="0"/>
+              <c:showCatName val="0"/>
+              <c:showSerName val="0"/>
+              <c:showPercent val="0"/>
+              <c:showBubbleSize val="0"/>
+              <c:showLeaderLines val="1"/>
+              <c:extLst>
+                <c:ext xmlns:c15="http://schemas.microsoft.com/office/drawing/2012/chart" uri="{CE6537A1-D6FC-4f65-9D91-7224C49458BB}"/>
+                <c:ext xmlns:c16="http://schemas.microsoft.com/office/drawing/2014/chart" uri="{C3380CC4-5D6E-409C-BE32-E72D297353CC}">
+                  <c16:uniqueId val="{00000007-ecfb-f07d-2380-8b05bb07ca81}"/>
                 </c:ext>
               </c:extLst>
             </c:dLbl>
             <c:dLbl>
               <c:idx val="7"/>
+              <c:tx>
+                <c:rich>
+                  <a:bodyPr>
+                    <a:spAutoFit/>
+                  </a:bodyPr>
+                  <a:lstStyle/>
+                  <a:p>
+                    <a:pPr>
+                      <a:defRPr/>
+                    </a:pPr>
+                    <a:r>
+                      <a:rPr lang="en-US" dirty="0"/>
+                      <a:t>东区肾病科</a:t>
+                    </a:r>
+                  </a:p>
+                </c:rich>
+              </c:tx>
+              <c:spPr>
+                <a:noFill/>
+                <a:ln>
+                  <a:noFill/>
+                </a:ln>
+                <a:effectLst/>
+              </c:spPr>
+              <c:dLblPos val="t"/>
+              <c:showLegendKey val="0"/>
+              <c:showVal val="0"/>
+              <c:showCatName val="0"/>
+              <c:showSerName val="0"/>
+              <c:showPercent val="0"/>
+              <c:showBubbleSize val="0"/>
+              <c:showLeaderLines val="1"/>
+              <c:extLst>
+                <c:ext xmlns:c15="http://schemas.microsoft.com/office/drawing/2012/chart" uri="{CE6537A1-D6FC-4f65-9D91-7224C49458BB}"/>
+                <c:ext xmlns:c16="http://schemas.microsoft.com/office/drawing/2014/chart" uri="{C3380CC4-5D6E-409C-BE32-E72D297353CC}">
+                  <c16:uniqueId val="{00000008-ecfb-f07d-2380-8b05bb07ca81}"/>
+                </c:ext>
+              </c:extLst>
+            </c:dLbl>
+            <c:dLbl>
+              <c:idx val="8"/>
+              <c:tx>
+                <c:rich>
+                  <a:bodyPr>
+                    <a:spAutoFit/>
+                  </a:bodyPr>
+                  <a:lstStyle/>
+                  <a:p>
+                    <a:pPr>
+                      <a:defRPr/>
+                    </a:pPr>
+                    <a:r>
+                      <a:rPr lang="en-US" dirty="0"/>
+                      <a:t>脾胃病科</a:t>
+                    </a:r>
+                  </a:p>
+                </c:rich>
+              </c:tx>
+              <c:spPr>
+                <a:noFill/>
+                <a:ln>
+                  <a:noFill/>
+                </a:ln>
+                <a:effectLst/>
+              </c:spPr>
+              <c:dLblPos val="t"/>
+              <c:showLegendKey val="0"/>
+              <c:showVal val="0"/>
+              <c:showCatName val="0"/>
+              <c:showSerName val="0"/>
+              <c:showPercent val="0"/>
+              <c:showBubbleSize val="0"/>
+              <c:showLeaderLines val="1"/>
+              <c:extLst>
+                <c:ext xmlns:c15="http://schemas.microsoft.com/office/drawing/2012/chart" uri="{CE6537A1-D6FC-4f65-9D91-7224C49458BB}"/>
+                <c:ext xmlns:c16="http://schemas.microsoft.com/office/drawing/2014/chart" uri="{C3380CC4-5D6E-409C-BE32-E72D297353CC}">
+                  <c16:uniqueId val="{00000009-ecfb-f07d-2380-8b05bb07ca81}"/>
+                </c:ext>
+              </c:extLst>
+            </c:dLbl>
+            <c:dLbl>
+              <c:idx val="9"/>
+              <c:tx>
+                <c:rich>
+                  <a:bodyPr>
+                    <a:spAutoFit/>
+                  </a:bodyPr>
+                  <a:lstStyle/>
+                  <a:p>
+                    <a:pPr>
+                      <a:defRPr/>
+                    </a:pPr>
+                    <a:r>
+                      <a:rPr lang="en-US" dirty="0"/>
+                      <a:t>口腔科</a:t>
+                    </a:r>
+                  </a:p>
+                </c:rich>
+              </c:tx>
+              <c:spPr>
+                <a:noFill/>
+                <a:ln>
+                  <a:noFill/>
+                </a:ln>
+                <a:effectLst/>
+              </c:spPr>
+              <c:dLblPos val="t"/>
+              <c:showLegendKey val="0"/>
+              <c:showVal val="0"/>
+              <c:showCatName val="0"/>
+              <c:showSerName val="0"/>
+              <c:showPercent val="0"/>
+              <c:showBubbleSize val="0"/>
+              <c:showLeaderLines val="1"/>
+              <c:extLst>
+                <c:ext xmlns:c15="http://schemas.microsoft.com/office/drawing/2012/chart" uri="{CE6537A1-D6FC-4f65-9D91-7224C49458BB}"/>
+                <c:ext xmlns:c16="http://schemas.microsoft.com/office/drawing/2014/chart" uri="{C3380CC4-5D6E-409C-BE32-E72D297353CC}">
+                  <c16:uniqueId val="{00000010-ecfb-f07d-2380-8b05bb07ca81}"/>
+                </c:ext>
+              </c:extLst>
+            </c:dLbl>
+            <c:dLbl>
+              <c:idx val="10"/>
+              <c:tx>
+                <c:rich>
+                  <a:bodyPr>
+                    <a:spAutoFit/>
+                  </a:bodyPr>
+                  <a:lstStyle/>
+                  <a:p>
+                    <a:pPr>
+                      <a:defRPr/>
+                    </a:pPr>
+                    <a:r>
+                      <a:rPr lang="en-US" dirty="0"/>
+                      <a:t>重症医学科</a:t>
+                    </a:r>
+                  </a:p>
+                </c:rich>
+              </c:tx>
+              <c:spPr>
+                <a:noFill/>
+                <a:ln>
+                  <a:noFill/>
+                </a:ln>
+                <a:effectLst/>
+              </c:spPr>
+              <c:dLblPos val="t"/>
+              <c:showLegendKey val="0"/>
+              <c:showVal val="0"/>
+              <c:showCatName val="0"/>
+              <c:showSerName val="0"/>
+              <c:showPercent val="0"/>
+              <c:showBubbleSize val="0"/>
+              <c:showLeaderLines val="1"/>
+              <c:extLst>
+                <c:ext xmlns:c15="http://schemas.microsoft.com/office/drawing/2012/chart" uri="{CE6537A1-D6FC-4f65-9D91-7224C49458BB}"/>
+                <c:ext xmlns:c16="http://schemas.microsoft.com/office/drawing/2014/chart" uri="{C3380CC4-5D6E-409C-BE32-E72D297353CC}">
+                  <c16:uniqueId val="{00000011-ecfb-f07d-2380-8b05bb07ca81}"/>
+                </c:ext>
+              </c:extLst>
+            </c:dLbl>
+            <c:dLbl>
+              <c:idx val="11"/>
+              <c:tx>
+                <c:rich>
+                  <a:bodyPr>
+                    <a:spAutoFit/>
+                  </a:bodyPr>
+                  <a:lstStyle/>
+                  <a:p>
+                    <a:pPr>
+                      <a:defRPr/>
+                    </a:pPr>
+                    <a:r>
+                      <a:rPr lang="en-US" dirty="0"/>
+                      <a:t>产科</a:t>
+                    </a:r>
+                  </a:p>
+                </c:rich>
+              </c:tx>
+              <c:spPr>
+                <a:noFill/>
+                <a:ln>
+                  <a:noFill/>
+                </a:ln>
+                <a:effectLst/>
+              </c:spPr>
+              <c:dLblPos val="t"/>
+              <c:showLegendKey val="0"/>
+              <c:showVal val="0"/>
+              <c:showCatName val="0"/>
+              <c:showSerName val="0"/>
+              <c:showPercent val="0"/>
+              <c:showBubbleSize val="0"/>
+              <c:showLeaderLines val="1"/>
+              <c:extLst>
+                <c:ext xmlns:c15="http://schemas.microsoft.com/office/drawing/2012/chart" uri="{CE6537A1-D6FC-4f65-9D91-7224C49458BB}"/>
+                <c:ext xmlns:c16="http://schemas.microsoft.com/office/drawing/2014/chart" uri="{C3380CC4-5D6E-409C-BE32-E72D297353CC}">
+                  <c16:uniqueId val="{00000012-ecfb-f07d-2380-8b05bb07ca81}"/>
+                </c:ext>
+              </c:extLst>
+            </c:dLbl>
+            <c:dLbl>
+              <c:idx val="12"/>
+              <c:tx>
+                <c:rich>
+                  <a:bodyPr>
+                    <a:spAutoFit/>
+                  </a:bodyPr>
+                  <a:lstStyle/>
+                  <a:p>
+                    <a:pPr>
+                      <a:defRPr/>
+                    </a:pPr>
+                    <a:r>
+                      <a:rPr lang="en-US" dirty="0"/>
+                      <a:t>脑病三科</a:t>
+                    </a:r>
+                  </a:p>
+                </c:rich>
+              </c:tx>
+              <c:spPr>
+                <a:noFill/>
+                <a:ln>
+                  <a:noFill/>
+                </a:ln>
+                <a:effectLst/>
+              </c:spPr>
+              <c:dLblPos val="t"/>
+              <c:showLegendKey val="0"/>
+              <c:showVal val="0"/>
+              <c:showCatName val="0"/>
+              <c:showSerName val="0"/>
+              <c:showPercent val="0"/>
+              <c:showBubbleSize val="0"/>
+              <c:showLeaderLines val="1"/>
+              <c:extLst>
+                <c:ext xmlns:c15="http://schemas.microsoft.com/office/drawing/2012/chart" uri="{CE6537A1-D6FC-4f65-9D91-7224C49458BB}"/>
+                <c:ext xmlns:c16="http://schemas.microsoft.com/office/drawing/2014/chart" uri="{C3380CC4-5D6E-409C-BE32-E72D297353CC}">
+                  <c16:uniqueId val="{00000013-ecfb-f07d-2380-8b05bb07ca81}"/>
+                </c:ext>
+              </c:extLst>
+            </c:dLbl>
+            <c:dLbl>
+              <c:idx val="13"/>
+              <c:tx>
+                <c:rich>
+                  <a:bodyPr>
+                    <a:spAutoFit/>
+                  </a:bodyPr>
+                  <a:lstStyle/>
+                  <a:p>
+                    <a:pPr>
+                      <a:defRPr/>
+                    </a:pPr>
+                    <a:r>
+                      <a:rPr lang="en-US" dirty="0"/>
+                      <a:t>风湿病科</a:t>
+                    </a:r>
+                  </a:p>
+                </c:rich>
+              </c:tx>
+              <c:spPr>
+                <a:noFill/>
+                <a:ln>
+                  <a:noFill/>
+                </a:ln>
+                <a:effectLst/>
+              </c:spPr>
+              <c:dLblPos val="t"/>
+              <c:showLegendKey val="0"/>
+              <c:showVal val="0"/>
+              <c:showCatName val="0"/>
+              <c:showSerName val="0"/>
+              <c:showPercent val="0"/>
+              <c:showBubbleSize val="0"/>
+              <c:showLeaderLines val="1"/>
+              <c:extLst>
+                <c:ext xmlns:c15="http://schemas.microsoft.com/office/drawing/2012/chart" uri="{CE6537A1-D6FC-4f65-9D91-7224C49458BB}"/>
+                <c:ext xmlns:c16="http://schemas.microsoft.com/office/drawing/2014/chart" uri="{C3380CC4-5D6E-409C-BE32-E72D297353CC}">
+                  <c16:uniqueId val="{00000014-ecfb-f07d-2380-8b05bb07ca81}"/>
+                </c:ext>
+              </c:extLst>
+            </c:dLbl>
+            <c:dLbl>
+              <c:idx val="14"/>
+              <c:tx>
+                <c:rich>
+                  <a:bodyPr>
+                    <a:spAutoFit/>
+                  </a:bodyPr>
+                  <a:lstStyle/>
+                  <a:p>
+                    <a:pPr>
+                      <a:defRPr/>
+                    </a:pPr>
+                    <a:r>
+                      <a:rPr lang="en-US" dirty="0"/>
+                      <a:t>老年医学科</a:t>
+                    </a:r>
+                  </a:p>
+                </c:rich>
+              </c:tx>
+              <c:spPr>
+                <a:noFill/>
+                <a:ln>
+                  <a:noFill/>
+                </a:ln>
+                <a:effectLst/>
+              </c:spPr>
+              <c:dLblPos val="t"/>
+              <c:showLegendKey val="0"/>
+              <c:showVal val="0"/>
+              <c:showCatName val="0"/>
+              <c:showSerName val="0"/>
+              <c:showPercent val="0"/>
+              <c:showBubbleSize val="0"/>
+              <c:showLeaderLines val="1"/>
+              <c:extLst>
+                <c:ext xmlns:c15="http://schemas.microsoft.com/office/drawing/2012/chart" uri="{CE6537A1-D6FC-4f65-9D91-7224C49458BB}"/>
+                <c:ext xmlns:c16="http://schemas.microsoft.com/office/drawing/2014/chart" uri="{C3380CC4-5D6E-409C-BE32-E72D297353CC}">
+                  <c16:uniqueId val="{00000015-ecfb-f07d-2380-8b05bb07ca81}"/>
+                </c:ext>
+              </c:extLst>
+            </c:dLbl>
+            <c:dLbl>
+              <c:idx val="15"/>
+              <c:tx>
+                <c:rich>
+                  <a:bodyPr>
+                    <a:spAutoFit/>
+                  </a:bodyPr>
+                  <a:lstStyle/>
+                  <a:p>
+                    <a:pPr>
+                      <a:defRPr/>
+                    </a:pPr>
+                    <a:r>
+                      <a:rPr lang="en-US" dirty="0"/>
+                      <a:t>妇二科</a:t>
+                    </a:r>
+                  </a:p>
+                </c:rich>
+              </c:tx>
+              <c:spPr>
+                <a:noFill/>
+                <a:ln>
+                  <a:noFill/>
+                </a:ln>
+                <a:effectLst/>
+              </c:spPr>
+              <c:dLblPos val="t"/>
+              <c:showLegendKey val="0"/>
+              <c:showVal val="0"/>
+              <c:showCatName val="0"/>
+              <c:showSerName val="0"/>
+              <c:showPercent val="0"/>
+              <c:showBubbleSize val="0"/>
+              <c:showLeaderLines val="1"/>
+              <c:extLst>
+                <c:ext xmlns:c15="http://schemas.microsoft.com/office/drawing/2012/chart" uri="{CE6537A1-D6FC-4f65-9D91-7224C49458BB}"/>
+                <c:ext xmlns:c16="http://schemas.microsoft.com/office/drawing/2014/chart" uri="{C3380CC4-5D6E-409C-BE32-E72D297353CC}">
+                  <c16:uniqueId val="{00000016-ecfb-f07d-2380-8b05bb07ca81}"/>
+                </c:ext>
+              </c:extLst>
+            </c:dLbl>
+            <c:dLbl>
+              <c:idx val="16"/>
+              <c:tx>
+                <c:rich>
+                  <a:bodyPr>
+                    <a:spAutoFit/>
+                  </a:bodyPr>
+                  <a:lstStyle/>
+                  <a:p>
+                    <a:pPr>
+                      <a:defRPr/>
+                    </a:pPr>
+                    <a:r>
+                      <a:rPr lang="en-US" dirty="0"/>
+                      <a:t>身心医学科</a:t>
+                    </a:r>
+                  </a:p>
+                </c:rich>
+              </c:tx>
+              <c:spPr>
+                <a:noFill/>
+                <a:ln>
+                  <a:noFill/>
+                </a:ln>
+                <a:effectLst/>
+              </c:spPr>
+              <c:dLblPos val="t"/>
+              <c:showLegendKey val="0"/>
+              <c:showVal val="0"/>
+              <c:showCatName val="0"/>
+              <c:showSerName val="0"/>
+              <c:showPercent val="0"/>
+              <c:showBubbleSize val="0"/>
+              <c:showLeaderLines val="1"/>
+              <c:extLst>
+                <c:ext xmlns:c15="http://schemas.microsoft.com/office/drawing/2012/chart" uri="{CE6537A1-D6FC-4f65-9D91-7224C49458BB}"/>
+                <c:ext xmlns:c16="http://schemas.microsoft.com/office/drawing/2014/chart" uri="{C3380CC4-5D6E-409C-BE32-E72D297353CC}">
+                  <c16:uniqueId val="{00000017-ecfb-f07d-2380-8b05bb07ca81}"/>
+                </c:ext>
+              </c:extLst>
+            </c:dLbl>
+            <c:dLbl>
+              <c:idx val="17"/>
+              <c:tx>
+                <c:rich>
+                  <a:bodyPr>
+                    <a:spAutoFit/>
+                  </a:bodyPr>
+                  <a:lstStyle/>
+                  <a:p>
+                    <a:pPr>
+                      <a:defRPr/>
+                    </a:pPr>
+                    <a:r>
+                      <a:rPr lang="en-US" dirty="0"/>
+                      <a:t>微创骨科</a:t>
+                    </a:r>
+                  </a:p>
+                </c:rich>
+              </c:tx>
+              <c:spPr>
+                <a:noFill/>
+                <a:ln>
+                  <a:noFill/>
+                </a:ln>
+                <a:effectLst/>
+              </c:spPr>
+              <c:dLblPos val="t"/>
+              <c:showLegendKey val="0"/>
+              <c:showVal val="0"/>
+              <c:showCatName val="0"/>
+              <c:showSerName val="0"/>
+              <c:showPercent val="0"/>
+              <c:showBubbleSize val="0"/>
+              <c:showLeaderLines val="1"/>
+              <c:extLst>
+                <c:ext xmlns:c15="http://schemas.microsoft.com/office/drawing/2012/chart" uri="{CE6537A1-D6FC-4f65-9D91-7224C49458BB}"/>
+                <c:ext xmlns:c16="http://schemas.microsoft.com/office/drawing/2014/chart" uri="{C3380CC4-5D6E-409C-BE32-E72D297353CC}">
+                  <c16:uniqueId val="{00000018-ecfb-f07d-2380-8b05bb07ca81}"/>
+                </c:ext>
+              </c:extLst>
+            </c:dLbl>
+            <c:dLbl>
+              <c:idx val="18"/>
+              <c:tx>
+                <c:rich>
+                  <a:bodyPr>
+                    <a:spAutoFit/>
+                  </a:bodyPr>
+                  <a:lstStyle/>
+                  <a:p>
+                    <a:pPr>
+                      <a:defRPr/>
+                    </a:pPr>
+                    <a:r>
+                      <a:rPr lang="en-US" dirty="0"/>
+                      <a:t>脑病二科</a:t>
+                    </a:r>
+                  </a:p>
+                </c:rich>
+              </c:tx>
+              <c:spPr>
+                <a:noFill/>
+                <a:ln>
+                  <a:noFill/>
+                </a:ln>
+                <a:effectLst/>
+              </c:spPr>
+              <c:dLblPos val="t"/>
+              <c:showLegendKey val="0"/>
+              <c:showVal val="0"/>
+              <c:showCatName val="0"/>
+              <c:showSerName val="0"/>
+              <c:showPercent val="0"/>
+              <c:showBubbleSize val="0"/>
+              <c:showLeaderLines val="1"/>
+              <c:extLst>
+                <c:ext xmlns:c15="http://schemas.microsoft.com/office/drawing/2012/chart" uri="{CE6537A1-D6FC-4f65-9D91-7224C49458BB}"/>
+                <c:ext xmlns:c16="http://schemas.microsoft.com/office/drawing/2014/chart" uri="{C3380CC4-5D6E-409C-BE32-E72D297353CC}">
+                  <c16:uniqueId val="{00000019-ecfb-f07d-2380-8b05bb07ca81}"/>
+                </c:ext>
+              </c:extLst>
+            </c:dLbl>
+            <c:dLbl>
+              <c:idx val="19"/>
               <c:tx>
                 <c:rich>
                   <a:bodyPr>
@@ -531,499 +1023,7 @@
               <c:extLst>
                 <c:ext xmlns:c15="http://schemas.microsoft.com/office/drawing/2012/chart" uri="{CE6537A1-D6FC-4f65-9D91-7224C49458BB}"/>
                 <c:ext xmlns:c16="http://schemas.microsoft.com/office/drawing/2014/chart" uri="{C3380CC4-5D6E-409C-BE32-E72D297353CC}">
-                  <c16:uniqueId val="{00000008-2374-cc8b-59d9-5f91be95b844}"/>
-                </c:ext>
-              </c:extLst>
-            </c:dLbl>
-            <c:dLbl>
-              <c:idx val="8"/>
-              <c:tx>
-                <c:rich>
-                  <a:bodyPr>
-                    <a:spAutoFit/>
-                  </a:bodyPr>
-                  <a:lstStyle/>
-                  <a:p>
-                    <a:pPr>
-                      <a:defRPr/>
-                    </a:pPr>
-                    <a:r>
-                      <a:rPr lang="en-US" dirty="0"/>
-                      <a:t>脑病一科</a:t>
-                    </a:r>
-                  </a:p>
-                </c:rich>
-              </c:tx>
-              <c:spPr>
-                <a:noFill/>
-                <a:ln>
-                  <a:noFill/>
-                </a:ln>
-                <a:effectLst/>
-              </c:spPr>
-              <c:dLblPos val="t"/>
-              <c:showLegendKey val="0"/>
-              <c:showVal val="0"/>
-              <c:showCatName val="0"/>
-              <c:showSerName val="0"/>
-              <c:showPercent val="0"/>
-              <c:showBubbleSize val="0"/>
-              <c:showLeaderLines val="1"/>
-              <c:extLst>
-                <c:ext xmlns:c15="http://schemas.microsoft.com/office/drawing/2012/chart" uri="{CE6537A1-D6FC-4f65-9D91-7224C49458BB}"/>
-                <c:ext xmlns:c16="http://schemas.microsoft.com/office/drawing/2014/chart" uri="{C3380CC4-5D6E-409C-BE32-E72D297353CC}">
-                  <c16:uniqueId val="{00000009-2374-cc8b-59d9-5f91be95b844}"/>
-                </c:ext>
-              </c:extLst>
-            </c:dLbl>
-            <c:dLbl>
-              <c:idx val="9"/>
-              <c:tx>
-                <c:rich>
-                  <a:bodyPr>
-                    <a:spAutoFit/>
-                  </a:bodyPr>
-                  <a:lstStyle/>
-                  <a:p>
-                    <a:pPr>
-                      <a:defRPr/>
-                    </a:pPr>
-                    <a:r>
-                      <a:rPr lang="en-US" dirty="0"/>
-                      <a:t>脑病二科</a:t>
-                    </a:r>
-                  </a:p>
-                </c:rich>
-              </c:tx>
-              <c:spPr>
-                <a:noFill/>
-                <a:ln>
-                  <a:noFill/>
-                </a:ln>
-                <a:effectLst/>
-              </c:spPr>
-              <c:dLblPos val="t"/>
-              <c:showLegendKey val="0"/>
-              <c:showVal val="0"/>
-              <c:showCatName val="0"/>
-              <c:showSerName val="0"/>
-              <c:showPercent val="0"/>
-              <c:showBubbleSize val="0"/>
-              <c:showLeaderLines val="1"/>
-              <c:extLst>
-                <c:ext xmlns:c15="http://schemas.microsoft.com/office/drawing/2012/chart" uri="{CE6537A1-D6FC-4f65-9D91-7224C49458BB}"/>
-                <c:ext xmlns:c16="http://schemas.microsoft.com/office/drawing/2014/chart" uri="{C3380CC4-5D6E-409C-BE32-E72D297353CC}">
-                  <c16:uniqueId val="{00000010-2374-cc8b-59d9-5f91be95b844}"/>
-                </c:ext>
-              </c:extLst>
-            </c:dLbl>
-            <c:dLbl>
-              <c:idx val="10"/>
-              <c:tx>
-                <c:rich>
-                  <a:bodyPr>
-                    <a:spAutoFit/>
-                  </a:bodyPr>
-                  <a:lstStyle/>
-                  <a:p>
-                    <a:pPr>
-                      <a:defRPr/>
-                    </a:pPr>
-                    <a:r>
-                      <a:rPr lang="en-US" dirty="0"/>
-                      <a:t>脑病三科</a:t>
-                    </a:r>
-                  </a:p>
-                </c:rich>
-              </c:tx>
-              <c:spPr>
-                <a:noFill/>
-                <a:ln>
-                  <a:noFill/>
-                </a:ln>
-                <a:effectLst/>
-              </c:spPr>
-              <c:dLblPos val="t"/>
-              <c:showLegendKey val="0"/>
-              <c:showVal val="0"/>
-              <c:showCatName val="0"/>
-              <c:showSerName val="0"/>
-              <c:showPercent val="0"/>
-              <c:showBubbleSize val="0"/>
-              <c:showLeaderLines val="1"/>
-              <c:extLst>
-                <c:ext xmlns:c15="http://schemas.microsoft.com/office/drawing/2012/chart" uri="{CE6537A1-D6FC-4f65-9D91-7224C49458BB}"/>
-                <c:ext xmlns:c16="http://schemas.microsoft.com/office/drawing/2014/chart" uri="{C3380CC4-5D6E-409C-BE32-E72D297353CC}">
-                  <c16:uniqueId val="{00000011-2374-cc8b-59d9-5f91be95b844}"/>
-                </c:ext>
-              </c:extLst>
-            </c:dLbl>
-            <c:dLbl>
-              <c:idx val="11"/>
-              <c:tx>
-                <c:rich>
-                  <a:bodyPr>
-                    <a:spAutoFit/>
-                  </a:bodyPr>
-                  <a:lstStyle/>
-                  <a:p>
-                    <a:pPr>
-                      <a:defRPr/>
-                    </a:pPr>
-                    <a:r>
-                      <a:rPr lang="en-US" dirty="0"/>
-                      <a:t>中医经典科</a:t>
-                    </a:r>
-                  </a:p>
-                </c:rich>
-              </c:tx>
-              <c:spPr>
-                <a:noFill/>
-                <a:ln>
-                  <a:noFill/>
-                </a:ln>
-                <a:effectLst/>
-              </c:spPr>
-              <c:dLblPos val="t"/>
-              <c:showLegendKey val="0"/>
-              <c:showVal val="0"/>
-              <c:showCatName val="0"/>
-              <c:showSerName val="0"/>
-              <c:showPercent val="0"/>
-              <c:showBubbleSize val="0"/>
-              <c:showLeaderLines val="1"/>
-              <c:extLst>
-                <c:ext xmlns:c15="http://schemas.microsoft.com/office/drawing/2012/chart" uri="{CE6537A1-D6FC-4f65-9D91-7224C49458BB}"/>
-                <c:ext xmlns:c16="http://schemas.microsoft.com/office/drawing/2014/chart" uri="{C3380CC4-5D6E-409C-BE32-E72D297353CC}">
-                  <c16:uniqueId val="{00000012-2374-cc8b-59d9-5f91be95b844}"/>
-                </c:ext>
-              </c:extLst>
-            </c:dLbl>
-            <c:dLbl>
-              <c:idx val="12"/>
-              <c:tx>
-                <c:rich>
-                  <a:bodyPr>
-                    <a:spAutoFit/>
-                  </a:bodyPr>
-                  <a:lstStyle/>
-                  <a:p>
-                    <a:pPr>
-                      <a:defRPr/>
-                    </a:pPr>
-                    <a:r>
-                      <a:rPr lang="en-US" dirty="0"/>
-                      <a:t>呼吸内科</a:t>
-                    </a:r>
-                  </a:p>
-                </c:rich>
-              </c:tx>
-              <c:spPr>
-                <a:noFill/>
-                <a:ln>
-                  <a:noFill/>
-                </a:ln>
-                <a:effectLst/>
-              </c:spPr>
-              <c:dLblPos val="t"/>
-              <c:showLegendKey val="0"/>
-              <c:showVal val="0"/>
-              <c:showCatName val="0"/>
-              <c:showSerName val="0"/>
-              <c:showPercent val="0"/>
-              <c:showBubbleSize val="0"/>
-              <c:showLeaderLines val="1"/>
-              <c:extLst>
-                <c:ext xmlns:c15="http://schemas.microsoft.com/office/drawing/2012/chart" uri="{CE6537A1-D6FC-4f65-9D91-7224C49458BB}"/>
-                <c:ext xmlns:c16="http://schemas.microsoft.com/office/drawing/2014/chart" uri="{C3380CC4-5D6E-409C-BE32-E72D297353CC}">
-                  <c16:uniqueId val="{00000013-2374-cc8b-59d9-5f91be95b844}"/>
-                </c:ext>
-              </c:extLst>
-            </c:dLbl>
-            <c:dLbl>
-              <c:idx val="13"/>
-              <c:tx>
-                <c:rich>
-                  <a:bodyPr>
-                    <a:spAutoFit/>
-                  </a:bodyPr>
-                  <a:lstStyle/>
-                  <a:p>
-                    <a:pPr>
-                      <a:defRPr/>
-                    </a:pPr>
-                    <a:r>
-                      <a:rPr lang="en-US" dirty="0"/>
-                      <a:t>内分泌科</a:t>
-                    </a:r>
-                  </a:p>
-                </c:rich>
-              </c:tx>
-              <c:spPr>
-                <a:noFill/>
-                <a:ln>
-                  <a:noFill/>
-                </a:ln>
-                <a:effectLst/>
-              </c:spPr>
-              <c:dLblPos val="t"/>
-              <c:showLegendKey val="0"/>
-              <c:showVal val="0"/>
-              <c:showCatName val="0"/>
-              <c:showSerName val="0"/>
-              <c:showPercent val="0"/>
-              <c:showBubbleSize val="0"/>
-              <c:showLeaderLines val="1"/>
-              <c:extLst>
-                <c:ext xmlns:c15="http://schemas.microsoft.com/office/drawing/2012/chart" uri="{CE6537A1-D6FC-4f65-9D91-7224C49458BB}"/>
-                <c:ext xmlns:c16="http://schemas.microsoft.com/office/drawing/2014/chart" uri="{C3380CC4-5D6E-409C-BE32-E72D297353CC}">
-                  <c16:uniqueId val="{00000014-2374-cc8b-59d9-5f91be95b844}"/>
-                </c:ext>
-              </c:extLst>
-            </c:dLbl>
-            <c:dLbl>
-              <c:idx val="14"/>
-              <c:tx>
-                <c:rich>
-                  <a:bodyPr>
-                    <a:spAutoFit/>
-                  </a:bodyPr>
-                  <a:lstStyle/>
-                  <a:p>
-                    <a:pPr>
-                      <a:defRPr/>
-                    </a:pPr>
-                    <a:r>
-                      <a:rPr lang="en-US" dirty="0"/>
-                      <a:t>脾胃病科</a:t>
-                    </a:r>
-                  </a:p>
-                </c:rich>
-              </c:tx>
-              <c:spPr>
-                <a:noFill/>
-                <a:ln>
-                  <a:noFill/>
-                </a:ln>
-                <a:effectLst/>
-              </c:spPr>
-              <c:dLblPos val="t"/>
-              <c:showLegendKey val="0"/>
-              <c:showVal val="0"/>
-              <c:showCatName val="0"/>
-              <c:showSerName val="0"/>
-              <c:showPercent val="0"/>
-              <c:showBubbleSize val="0"/>
-              <c:showLeaderLines val="1"/>
-              <c:extLst>
-                <c:ext xmlns:c15="http://schemas.microsoft.com/office/drawing/2012/chart" uri="{CE6537A1-D6FC-4f65-9D91-7224C49458BB}"/>
-                <c:ext xmlns:c16="http://schemas.microsoft.com/office/drawing/2014/chart" uri="{C3380CC4-5D6E-409C-BE32-E72D297353CC}">
-                  <c16:uniqueId val="{00000015-2374-cc8b-59d9-5f91be95b844}"/>
-                </c:ext>
-              </c:extLst>
-            </c:dLbl>
-            <c:dLbl>
-              <c:idx val="15"/>
-              <c:tx>
-                <c:rich>
-                  <a:bodyPr>
-                    <a:spAutoFit/>
-                  </a:bodyPr>
-                  <a:lstStyle/>
-                  <a:p>
-                    <a:pPr>
-                      <a:defRPr/>
-                    </a:pPr>
-                    <a:r>
-                      <a:rPr lang="en-US" dirty="0"/>
-                      <a:t>肝病科</a:t>
-                    </a:r>
-                  </a:p>
-                </c:rich>
-              </c:tx>
-              <c:spPr>
-                <a:noFill/>
-                <a:ln>
-                  <a:noFill/>
-                </a:ln>
-                <a:effectLst/>
-              </c:spPr>
-              <c:dLblPos val="t"/>
-              <c:showLegendKey val="0"/>
-              <c:showVal val="0"/>
-              <c:showCatName val="0"/>
-              <c:showSerName val="0"/>
-              <c:showPercent val="0"/>
-              <c:showBubbleSize val="0"/>
-              <c:showLeaderLines val="1"/>
-              <c:extLst>
-                <c:ext xmlns:c15="http://schemas.microsoft.com/office/drawing/2012/chart" uri="{CE6537A1-D6FC-4f65-9D91-7224C49458BB}"/>
-                <c:ext xmlns:c16="http://schemas.microsoft.com/office/drawing/2014/chart" uri="{C3380CC4-5D6E-409C-BE32-E72D297353CC}">
-                  <c16:uniqueId val="{00000016-2374-cc8b-59d9-5f91be95b844}"/>
-                </c:ext>
-              </c:extLst>
-            </c:dLbl>
-            <c:dLbl>
-              <c:idx val="16"/>
-              <c:tx>
-                <c:rich>
-                  <a:bodyPr>
-                    <a:spAutoFit/>
-                  </a:bodyPr>
-                  <a:lstStyle/>
-                  <a:p>
-                    <a:pPr>
-                      <a:defRPr/>
-                    </a:pPr>
-                    <a:r>
-                      <a:rPr lang="en-US" dirty="0"/>
-                      <a:t>血液科</a:t>
-                    </a:r>
-                  </a:p>
-                </c:rich>
-              </c:tx>
-              <c:spPr>
-                <a:noFill/>
-                <a:ln>
-                  <a:noFill/>
-                </a:ln>
-                <a:effectLst/>
-              </c:spPr>
-              <c:dLblPos val="t"/>
-              <c:showLegendKey val="0"/>
-              <c:showVal val="0"/>
-              <c:showCatName val="0"/>
-              <c:showSerName val="0"/>
-              <c:showPercent val="0"/>
-              <c:showBubbleSize val="0"/>
-              <c:showLeaderLines val="1"/>
-              <c:extLst>
-                <c:ext xmlns:c15="http://schemas.microsoft.com/office/drawing/2012/chart" uri="{CE6537A1-D6FC-4f65-9D91-7224C49458BB}"/>
-                <c:ext xmlns:c16="http://schemas.microsoft.com/office/drawing/2014/chart" uri="{C3380CC4-5D6E-409C-BE32-E72D297353CC}">
-                  <c16:uniqueId val="{00000017-2374-cc8b-59d9-5f91be95b844}"/>
-                </c:ext>
-              </c:extLst>
-            </c:dLbl>
-            <c:dLbl>
-              <c:idx val="17"/>
-              <c:tx>
-                <c:rich>
-                  <a:bodyPr>
-                    <a:spAutoFit/>
-                  </a:bodyPr>
-                  <a:lstStyle/>
-                  <a:p>
-                    <a:pPr>
-                      <a:defRPr/>
-                    </a:pPr>
-                    <a:r>
-                      <a:rPr lang="en-US" dirty="0"/>
-                      <a:t>风湿病科</a:t>
-                    </a:r>
-                  </a:p>
-                </c:rich>
-              </c:tx>
-              <c:spPr>
-                <a:noFill/>
-                <a:ln>
-                  <a:noFill/>
-                </a:ln>
-                <a:effectLst/>
-              </c:spPr>
-              <c:dLblPos val="t"/>
-              <c:showLegendKey val="0"/>
-              <c:showVal val="0"/>
-              <c:showCatName val="0"/>
-              <c:showSerName val="0"/>
-              <c:showPercent val="0"/>
-              <c:showBubbleSize val="0"/>
-              <c:showLeaderLines val="1"/>
-              <c:extLst>
-                <c:ext xmlns:c15="http://schemas.microsoft.com/office/drawing/2012/chart" uri="{CE6537A1-D6FC-4f65-9D91-7224C49458BB}"/>
-                <c:ext xmlns:c16="http://schemas.microsoft.com/office/drawing/2014/chart" uri="{C3380CC4-5D6E-409C-BE32-E72D297353CC}">
-                  <c16:uniqueId val="{00000018-2374-cc8b-59d9-5f91be95b844}"/>
-                </c:ext>
-              </c:extLst>
-            </c:dLbl>
-            <c:dLbl>
-              <c:idx val="18"/>
-              <c:tx>
-                <c:rich>
-                  <a:bodyPr>
-                    <a:spAutoFit/>
-                  </a:bodyPr>
-                  <a:lstStyle/>
-                  <a:p>
-                    <a:pPr>
-                      <a:defRPr/>
-                    </a:pPr>
-                    <a:r>
-                      <a:rPr lang="en-US" dirty="0"/>
-                      <a:t>消化内科</a:t>
-                    </a:r>
-                  </a:p>
-                </c:rich>
-              </c:tx>
-              <c:spPr>
-                <a:noFill/>
-                <a:ln>
-                  <a:noFill/>
-                </a:ln>
-                <a:effectLst/>
-              </c:spPr>
-              <c:dLblPos val="t"/>
-              <c:showLegendKey val="0"/>
-              <c:showVal val="0"/>
-              <c:showCatName val="0"/>
-              <c:showSerName val="0"/>
-              <c:showPercent val="0"/>
-              <c:showBubbleSize val="0"/>
-              <c:showLeaderLines val="1"/>
-              <c:extLst>
-                <c:ext xmlns:c15="http://schemas.microsoft.com/office/drawing/2012/chart" uri="{CE6537A1-D6FC-4f65-9D91-7224C49458BB}"/>
-                <c:ext xmlns:c16="http://schemas.microsoft.com/office/drawing/2014/chart" uri="{C3380CC4-5D6E-409C-BE32-E72D297353CC}">
-                  <c16:uniqueId val="{00000019-2374-cc8b-59d9-5f91be95b844}"/>
-                </c:ext>
-              </c:extLst>
-            </c:dLbl>
-            <c:dLbl>
-              <c:idx val="19"/>
-              <c:tx>
-                <c:rich>
-                  <a:bodyPr>
-                    <a:spAutoFit/>
-                  </a:bodyPr>
-                  <a:lstStyle/>
-                  <a:p>
-                    <a:pPr>
-                      <a:defRPr/>
-                    </a:pPr>
-                    <a:r>
-                      <a:rPr lang="en-US" dirty="0"/>
-                      <a:t>肿瘤内科</a:t>
-                    </a:r>
-                  </a:p>
-                </c:rich>
-              </c:tx>
-              <c:spPr>
-                <a:noFill/>
-                <a:ln>
-                  <a:noFill/>
-                </a:ln>
-                <a:effectLst/>
-              </c:spPr>
-              <c:dLblPos val="t"/>
-              <c:showLegendKey val="0"/>
-              <c:showVal val="0"/>
-              <c:showCatName val="0"/>
-              <c:showSerName val="0"/>
-              <c:showPercent val="0"/>
-              <c:showBubbleSize val="0"/>
-              <c:showLeaderLines val="1"/>
-              <c:extLst>
-                <c:ext xmlns:c15="http://schemas.microsoft.com/office/drawing/2012/chart" uri="{CE6537A1-D6FC-4f65-9D91-7224C49458BB}"/>
-                <c:ext xmlns:c16="http://schemas.microsoft.com/office/drawing/2014/chart" uri="{C3380CC4-5D6E-409C-BE32-E72D297353CC}">
-                  <c16:uniqueId val="{00000020-2374-cc8b-59d9-5f91be95b844}"/>
+                  <c16:uniqueId val="{00000020-ecfb-f07d-2380-8b05bb07ca81}"/>
                 </c:ext>
               </c:extLst>
             </c:dLbl>
@@ -1035,64 +1035,64 @@
                 <c:formatCode>General</c:formatCode>
                 <c:ptCount val="20"/>
                 <c:pt idx="0">
-                  <c:v/>
+                  <c:v>0.002188197701932107</c:v>
                 </c:pt>
                 <c:pt idx="1">
-                  <c:v/>
+                  <c:v>0.0042317349147534935</c:v>
                 </c:pt>
                 <c:pt idx="2">
-                  <c:v/>
+                  <c:v>0.0025356601231301583</c:v>
                 </c:pt>
                 <c:pt idx="3">
-                  <c:v/>
+                  <c:v>0.0006057578533543664</c:v>
                 </c:pt>
                 <c:pt idx="4">
-                  <c:v/>
+                  <c:v>0.003979248764261626</c:v>
                 </c:pt>
                 <c:pt idx="5">
-                  <c:v/>
+                  <c:v>0.0015697904319596087</c:v>
                 </c:pt>
                 <c:pt idx="6">
-                  <c:v/>
+                  <c:v>0.000043690478274773386</c:v>
                 </c:pt>
                 <c:pt idx="7">
-                  <c:v/>
+                  <c:v>0.0028935822673072952</c:v>
                 </c:pt>
                 <c:pt idx="8">
-                  <c:v/>
+                  <c:v>0.002200643054621717</c:v>
                 </c:pt>
                 <c:pt idx="9">
-                  <c:v/>
+                  <c:v>0.0010607650267944536</c:v>
                 </c:pt>
                 <c:pt idx="10">
-                  <c:v/>
+                  <c:v>0.004344895377907252</c:v>
                 </c:pt>
                 <c:pt idx="11">
-                  <c:v/>
+                  <c:v>0.002301696368942278</c:v>
                 </c:pt>
                 <c:pt idx="12">
-                  <c:v/>
+                  <c:v>0.00035486079569305525</c:v>
                 </c:pt>
                 <c:pt idx="13">
-                  <c:v/>
+                  <c:v>0.002608353225229334</c:v>
                 </c:pt>
                 <c:pt idx="14">
-                  <c:v/>
+                  <c:v>0.0005098954752624052</c:v>
                 </c:pt>
                 <c:pt idx="15">
-                  <c:v/>
+                  <c:v>0.0011613590331042449</c:v>
                 </c:pt>
                 <c:pt idx="16">
-                  <c:v/>
+                  <c:v>0.0022984408416338873</c:v>
                 </c:pt>
                 <c:pt idx="17">
-                  <c:v/>
+                  <c:v>0.0017347239231818188</c:v>
                 </c:pt>
                 <c:pt idx="18">
-                  <c:v/>
+                  <c:v>0.0038328308744696193</c:v>
                 </c:pt>
                 <c:pt idx="19">
-                  <c:v/>
+                  <c:v>0.0020890840780633546</c:v>
                 </c:pt>
               </c:numCache>
             </c:numRef>
@@ -1104,64 +1104,64 @@
                 <c:formatCode>General</c:formatCode>
                 <c:ptCount val="20"/>
                 <c:pt idx="0">
-                  <c:v/>
+                  <c:v>100</c:v>
                 </c:pt>
                 <c:pt idx="1">
-                  <c:v/>
+                  <c:v>73.61817424726893</c:v>
                 </c:pt>
                 <c:pt idx="2">
-                  <c:v/>
+                  <c:v>66.01678741912674</c:v>
                 </c:pt>
                 <c:pt idx="3">
-                  <c:v/>
+                  <c:v>62.302407577743175</c:v>
                 </c:pt>
                 <c:pt idx="4">
-                  <c:v/>
+                  <c:v>60.32542497331933</c:v>
                 </c:pt>
                 <c:pt idx="5">
-                  <c:v/>
+                  <c:v>54.20491850121154</c:v>
                 </c:pt>
                 <c:pt idx="6">
-                  <c:v/>
+                  <c:v>49.31240729346743</c:v>
                 </c:pt>
                 <c:pt idx="7">
-                  <c:v/>
+                  <c:v>45.33265947833558</c:v>
                 </c:pt>
                 <c:pt idx="8">
-                  <c:v/>
+                  <c:v>44.14299999301752</c:v>
                 </c:pt>
                 <c:pt idx="9">
-                  <c:v/>
+                  <c:v>43.24229116441408</c:v>
                 </c:pt>
                 <c:pt idx="10">
-                  <c:v/>
+                  <c:v>42.858598916874314</c:v>
                 </c:pt>
                 <c:pt idx="11">
-                  <c:v/>
+                  <c:v>41.72696284843356</c:v>
                 </c:pt>
                 <c:pt idx="12">
-                  <c:v/>
+                  <c:v>35.566686590558085</c:v>
                 </c:pt>
                 <c:pt idx="13">
-                  <c:v/>
+                  <c:v>35.097093259384984</c:v>
                 </c:pt>
                 <c:pt idx="14">
-                  <c:v/>
+                  <c:v>33.23823019828413</c:v>
                 </c:pt>
                 <c:pt idx="15">
-                  <c:v/>
+                  <c:v>33.17437569617474</c:v>
                 </c:pt>
                 <c:pt idx="16">
-                  <c:v/>
+                  <c:v>32.24307877699071</c:v>
                 </c:pt>
                 <c:pt idx="17">
-                  <c:v/>
+                  <c:v>31.825847756913436</c:v>
                 </c:pt>
                 <c:pt idx="18">
-                  <c:v/>
+                  <c:v>29.864018548810407</c:v>
                 </c:pt>
                 <c:pt idx="19">
-                  <c:v/>
+                  <c:v>29.779224177425522</c:v>
                 </c:pt>
               </c:numCache>
             </c:numRef>
@@ -1381,7 +1381,7 @@
 </c:chartSpace>
 </file>
 
-<file path=ppt/charts/chart858.xml><?xml version="1.0" encoding="utf-8"?>
+<file path=ppt/charts/chart286.xml><?xml version="1.0" encoding="utf-8"?>
 <c:chartSpace xmlns:c="http://schemas.openxmlformats.org/drawingml/2006/chart" xmlns:a="http://schemas.openxmlformats.org/drawingml/2006/main" xmlns:r="http://schemas.openxmlformats.org/officeDocument/2006/relationships">
   <c:date1904 val="0"/>
   <c:chart>
@@ -1498,12 +1498,53 @@
               <c:extLst>
                 <c:ext xmlns:c15="http://schemas.microsoft.com/office/drawing/2012/chart" uri="{CE6537A1-D6FC-4f65-9D91-7224C49458BB}"/>
                 <c:ext xmlns:c16="http://schemas.microsoft.com/office/drawing/2014/chart" uri="{C3380CC4-5D6E-409C-BE32-E72D297353CC}">
-                  <c16:uniqueId val="{00000001-b9d0-f4b6-8e42-a0a77ba810ea}"/>
+                  <c16:uniqueId val="{00000001-3af0-9cde-e190-3df76eeed07c}"/>
                 </c:ext>
               </c:extLst>
             </c:dLbl>
             <c:dLbl>
               <c:idx val="1"/>
+              <c:tx>
+                <c:rich>
+                  <a:bodyPr>
+                    <a:spAutoFit/>
+                  </a:bodyPr>
+                  <a:lstStyle/>
+                  <a:p>
+                    <a:pPr>
+                      <a:defRPr/>
+                    </a:pPr>
+                    <a:r>
+                      <a:rPr lang="en-US" dirty="0"/>
+                      <a:t>小儿推拿科</a:t>
+                    </a:r>
+                  </a:p>
+                </c:rich>
+              </c:tx>
+              <c:spPr>
+                <a:noFill/>
+                <a:ln>
+                  <a:noFill/>
+                </a:ln>
+                <a:effectLst/>
+              </c:spPr>
+              <c:dLblPos val="t"/>
+              <c:showLegendKey val="0"/>
+              <c:showVal val="0"/>
+              <c:showCatName val="0"/>
+              <c:showSerName val="0"/>
+              <c:showPercent val="0"/>
+              <c:showBubbleSize val="0"/>
+              <c:showLeaderLines val="1"/>
+              <c:extLst>
+                <c:ext xmlns:c15="http://schemas.microsoft.com/office/drawing/2012/chart" uri="{CE6537A1-D6FC-4f65-9D91-7224C49458BB}"/>
+                <c:ext xmlns:c16="http://schemas.microsoft.com/office/drawing/2014/chart" uri="{C3380CC4-5D6E-409C-BE32-E72D297353CC}">
+                  <c16:uniqueId val="{00000002-3af0-9cde-e190-3df76eeed07c}"/>
+                </c:ext>
+              </c:extLst>
+            </c:dLbl>
+            <c:dLbl>
+              <c:idx val="2"/>
               <c:tx>
                 <c:rich>
                   <a:bodyPr>
@@ -1539,12 +1580,12 @@
               <c:extLst>
                 <c:ext xmlns:c15="http://schemas.microsoft.com/office/drawing/2012/chart" uri="{CE6537A1-D6FC-4f65-9D91-7224C49458BB}"/>
                 <c:ext xmlns:c16="http://schemas.microsoft.com/office/drawing/2014/chart" uri="{C3380CC4-5D6E-409C-BE32-E72D297353CC}">
-                  <c16:uniqueId val="{00000002-b9d0-f4b6-8e42-a0a77ba810ea}"/>
+                  <c16:uniqueId val="{00000003-3af0-9cde-e190-3df76eeed07c}"/>
                 </c:ext>
               </c:extLst>
             </c:dLbl>
             <c:dLbl>
-              <c:idx val="2"/>
+              <c:idx val="3"/>
               <c:tx>
                 <c:rich>
                   <a:bodyPr>
@@ -1557,7 +1598,7 @@
                     </a:pPr>
                     <a:r>
                       <a:rPr lang="en-US" dirty="0"/>
-                      <a:t>心病一科</a:t>
+                      <a:t>治未病中心</a:t>
                     </a:r>
                   </a:p>
                 </c:rich>
@@ -1580,12 +1621,340 @@
               <c:extLst>
                 <c:ext xmlns:c15="http://schemas.microsoft.com/office/drawing/2012/chart" uri="{CE6537A1-D6FC-4f65-9D91-7224C49458BB}"/>
                 <c:ext xmlns:c16="http://schemas.microsoft.com/office/drawing/2014/chart" uri="{C3380CC4-5D6E-409C-BE32-E72D297353CC}">
-                  <c16:uniqueId val="{00000003-b9d0-f4b6-8e42-a0a77ba810ea}"/>
+                  <c16:uniqueId val="{00000004-3af0-9cde-e190-3df76eeed07c}"/>
                 </c:ext>
               </c:extLst>
             </c:dLbl>
             <c:dLbl>
-              <c:idx val="3"/>
+              <c:idx val="4"/>
+              <c:tx>
+                <c:rich>
+                  <a:bodyPr>
+                    <a:spAutoFit/>
+                  </a:bodyPr>
+                  <a:lstStyle/>
+                  <a:p>
+                    <a:pPr>
+                      <a:defRPr/>
+                    </a:pPr>
+                    <a:r>
+                      <a:rPr lang="en-US" dirty="0"/>
+                      <a:t>泌尿外科</a:t>
+                    </a:r>
+                  </a:p>
+                </c:rich>
+              </c:tx>
+              <c:spPr>
+                <a:noFill/>
+                <a:ln>
+                  <a:noFill/>
+                </a:ln>
+                <a:effectLst/>
+              </c:spPr>
+              <c:dLblPos val="t"/>
+              <c:showLegendKey val="0"/>
+              <c:showVal val="0"/>
+              <c:showCatName val="0"/>
+              <c:showSerName val="0"/>
+              <c:showPercent val="0"/>
+              <c:showBubbleSize val="0"/>
+              <c:showLeaderLines val="1"/>
+              <c:extLst>
+                <c:ext xmlns:c15="http://schemas.microsoft.com/office/drawing/2012/chart" uri="{CE6537A1-D6FC-4f65-9D91-7224C49458BB}"/>
+                <c:ext xmlns:c16="http://schemas.microsoft.com/office/drawing/2014/chart" uri="{C3380CC4-5D6E-409C-BE32-E72D297353CC}">
+                  <c16:uniqueId val="{00000005-3af0-9cde-e190-3df76eeed07c}"/>
+                </c:ext>
+              </c:extLst>
+            </c:dLbl>
+            <c:dLbl>
+              <c:idx val="5"/>
+              <c:tx>
+                <c:rich>
+                  <a:bodyPr>
+                    <a:spAutoFit/>
+                  </a:bodyPr>
+                  <a:lstStyle/>
+                  <a:p>
+                    <a:pPr>
+                      <a:defRPr/>
+                    </a:pPr>
+                    <a:r>
+                      <a:rPr lang="en-US" dirty="0"/>
+                      <a:t>耳鼻喉科</a:t>
+                    </a:r>
+                  </a:p>
+                </c:rich>
+              </c:tx>
+              <c:spPr>
+                <a:noFill/>
+                <a:ln>
+                  <a:noFill/>
+                </a:ln>
+                <a:effectLst/>
+              </c:spPr>
+              <c:dLblPos val="t"/>
+              <c:showLegendKey val="0"/>
+              <c:showVal val="0"/>
+              <c:showCatName val="0"/>
+              <c:showSerName val="0"/>
+              <c:showPercent val="0"/>
+              <c:showBubbleSize val="0"/>
+              <c:showLeaderLines val="1"/>
+              <c:extLst>
+                <c:ext xmlns:c15="http://schemas.microsoft.com/office/drawing/2012/chart" uri="{CE6537A1-D6FC-4f65-9D91-7224C49458BB}"/>
+                <c:ext xmlns:c16="http://schemas.microsoft.com/office/drawing/2014/chart" uri="{C3380CC4-5D6E-409C-BE32-E72D297353CC}">
+                  <c16:uniqueId val="{00000006-3af0-9cde-e190-3df76eeed07c}"/>
+                </c:ext>
+              </c:extLst>
+            </c:dLbl>
+            <c:dLbl>
+              <c:idx val="6"/>
+              <c:tx>
+                <c:rich>
+                  <a:bodyPr>
+                    <a:spAutoFit/>
+                  </a:bodyPr>
+                  <a:lstStyle/>
+                  <a:p>
+                    <a:pPr>
+                      <a:defRPr/>
+                    </a:pPr>
+                    <a:r>
+                      <a:rPr lang="en-US" dirty="0"/>
+                      <a:t>脊柱骨科</a:t>
+                    </a:r>
+                  </a:p>
+                </c:rich>
+              </c:tx>
+              <c:spPr>
+                <a:noFill/>
+                <a:ln>
+                  <a:noFill/>
+                </a:ln>
+                <a:effectLst/>
+              </c:spPr>
+              <c:dLblPos val="t"/>
+              <c:showLegendKey val="0"/>
+              <c:showVal val="0"/>
+              <c:showCatName val="0"/>
+              <c:showSerName val="0"/>
+              <c:showPercent val="0"/>
+              <c:showBubbleSize val="0"/>
+              <c:showLeaderLines val="1"/>
+              <c:extLst>
+                <c:ext xmlns:c15="http://schemas.microsoft.com/office/drawing/2012/chart" uri="{CE6537A1-D6FC-4f65-9D91-7224C49458BB}"/>
+                <c:ext xmlns:c16="http://schemas.microsoft.com/office/drawing/2014/chart" uri="{C3380CC4-5D6E-409C-BE32-E72D297353CC}">
+                  <c16:uniqueId val="{00000007-3af0-9cde-e190-3df76eeed07c}"/>
+                </c:ext>
+              </c:extLst>
+            </c:dLbl>
+            <c:dLbl>
+              <c:idx val="7"/>
+              <c:tx>
+                <c:rich>
+                  <a:bodyPr>
+                    <a:spAutoFit/>
+                  </a:bodyPr>
+                  <a:lstStyle/>
+                  <a:p>
+                    <a:pPr>
+                      <a:defRPr/>
+                    </a:pPr>
+                    <a:r>
+                      <a:rPr lang="en-US" dirty="0"/>
+                      <a:t>重症医学科</a:t>
+                    </a:r>
+                  </a:p>
+                </c:rich>
+              </c:tx>
+              <c:spPr>
+                <a:noFill/>
+                <a:ln>
+                  <a:noFill/>
+                </a:ln>
+                <a:effectLst/>
+              </c:spPr>
+              <c:dLblPos val="t"/>
+              <c:showLegendKey val="0"/>
+              <c:showVal val="0"/>
+              <c:showCatName val="0"/>
+              <c:showSerName val="0"/>
+              <c:showPercent val="0"/>
+              <c:showBubbleSize val="0"/>
+              <c:showLeaderLines val="1"/>
+              <c:extLst>
+                <c:ext xmlns:c15="http://schemas.microsoft.com/office/drawing/2012/chart" uri="{CE6537A1-D6FC-4f65-9D91-7224C49458BB}"/>
+                <c:ext xmlns:c16="http://schemas.microsoft.com/office/drawing/2014/chart" uri="{C3380CC4-5D6E-409C-BE32-E72D297353CC}">
+                  <c16:uniqueId val="{00000008-3af0-9cde-e190-3df76eeed07c}"/>
+                </c:ext>
+              </c:extLst>
+            </c:dLbl>
+            <c:dLbl>
+              <c:idx val="8"/>
+              <c:tx>
+                <c:rich>
+                  <a:bodyPr>
+                    <a:spAutoFit/>
+                  </a:bodyPr>
+                  <a:lstStyle/>
+                  <a:p>
+                    <a:pPr>
+                      <a:defRPr/>
+                    </a:pPr>
+                    <a:r>
+                      <a:rPr lang="en-US" dirty="0"/>
+                      <a:t>周围血管科</a:t>
+                    </a:r>
+                  </a:p>
+                </c:rich>
+              </c:tx>
+              <c:spPr>
+                <a:noFill/>
+                <a:ln>
+                  <a:noFill/>
+                </a:ln>
+                <a:effectLst/>
+              </c:spPr>
+              <c:dLblPos val="t"/>
+              <c:showLegendKey val="0"/>
+              <c:showVal val="0"/>
+              <c:showCatName val="0"/>
+              <c:showSerName val="0"/>
+              <c:showPercent val="0"/>
+              <c:showBubbleSize val="0"/>
+              <c:showLeaderLines val="1"/>
+              <c:extLst>
+                <c:ext xmlns:c15="http://schemas.microsoft.com/office/drawing/2012/chart" uri="{CE6537A1-D6FC-4f65-9D91-7224C49458BB}"/>
+                <c:ext xmlns:c16="http://schemas.microsoft.com/office/drawing/2014/chart" uri="{C3380CC4-5D6E-409C-BE32-E72D297353CC}">
+                  <c16:uniqueId val="{00000009-3af0-9cde-e190-3df76eeed07c}"/>
+                </c:ext>
+              </c:extLst>
+            </c:dLbl>
+            <c:dLbl>
+              <c:idx val="9"/>
+              <c:tx>
+                <c:rich>
+                  <a:bodyPr>
+                    <a:spAutoFit/>
+                  </a:bodyPr>
+                  <a:lstStyle/>
+                  <a:p>
+                    <a:pPr>
+                      <a:defRPr/>
+                    </a:pPr>
+                    <a:r>
+                      <a:rPr lang="en-US" dirty="0"/>
+                      <a:t>康复科</a:t>
+                    </a:r>
+                  </a:p>
+                </c:rich>
+              </c:tx>
+              <c:spPr>
+                <a:noFill/>
+                <a:ln>
+                  <a:noFill/>
+                </a:ln>
+                <a:effectLst/>
+              </c:spPr>
+              <c:dLblPos val="t"/>
+              <c:showLegendKey val="0"/>
+              <c:showVal val="0"/>
+              <c:showCatName val="0"/>
+              <c:showSerName val="0"/>
+              <c:showPercent val="0"/>
+              <c:showBubbleSize val="0"/>
+              <c:showLeaderLines val="1"/>
+              <c:extLst>
+                <c:ext xmlns:c15="http://schemas.microsoft.com/office/drawing/2012/chart" uri="{CE6537A1-D6FC-4f65-9D91-7224C49458BB}"/>
+                <c:ext xmlns:c16="http://schemas.microsoft.com/office/drawing/2014/chart" uri="{C3380CC4-5D6E-409C-BE32-E72D297353CC}">
+                  <c16:uniqueId val="{00000010-3af0-9cde-e190-3df76eeed07c}"/>
+                </c:ext>
+              </c:extLst>
+            </c:dLbl>
+            <c:dLbl>
+              <c:idx val="10"/>
+              <c:tx>
+                <c:rich>
+                  <a:bodyPr>
+                    <a:spAutoFit/>
+                  </a:bodyPr>
+                  <a:lstStyle/>
+                  <a:p>
+                    <a:pPr>
+                      <a:defRPr/>
+                    </a:pPr>
+                    <a:r>
+                      <a:rPr lang="en-US" dirty="0"/>
+                      <a:t>美容皮肤科</a:t>
+                    </a:r>
+                  </a:p>
+                </c:rich>
+              </c:tx>
+              <c:spPr>
+                <a:noFill/>
+                <a:ln>
+                  <a:noFill/>
+                </a:ln>
+                <a:effectLst/>
+              </c:spPr>
+              <c:dLblPos val="t"/>
+              <c:showLegendKey val="0"/>
+              <c:showVal val="0"/>
+              <c:showCatName val="0"/>
+              <c:showSerName val="0"/>
+              <c:showPercent val="0"/>
+              <c:showBubbleSize val="0"/>
+              <c:showLeaderLines val="1"/>
+              <c:extLst>
+                <c:ext xmlns:c15="http://schemas.microsoft.com/office/drawing/2012/chart" uri="{CE6537A1-D6FC-4f65-9D91-7224C49458BB}"/>
+                <c:ext xmlns:c16="http://schemas.microsoft.com/office/drawing/2014/chart" uri="{C3380CC4-5D6E-409C-BE32-E72D297353CC}">
+                  <c16:uniqueId val="{00000011-3af0-9cde-e190-3df76eeed07c}"/>
+                </c:ext>
+              </c:extLst>
+            </c:dLbl>
+            <c:dLbl>
+              <c:idx val="11"/>
+              <c:tx>
+                <c:rich>
+                  <a:bodyPr>
+                    <a:spAutoFit/>
+                  </a:bodyPr>
+                  <a:lstStyle/>
+                  <a:p>
+                    <a:pPr>
+                      <a:defRPr/>
+                    </a:pPr>
+                    <a:r>
+                      <a:rPr lang="en-US" dirty="0"/>
+                      <a:t>消化内科</a:t>
+                    </a:r>
+                  </a:p>
+                </c:rich>
+              </c:tx>
+              <c:spPr>
+                <a:noFill/>
+                <a:ln>
+                  <a:noFill/>
+                </a:ln>
+                <a:effectLst/>
+              </c:spPr>
+              <c:dLblPos val="t"/>
+              <c:showLegendKey val="0"/>
+              <c:showVal val="0"/>
+              <c:showCatName val="0"/>
+              <c:showSerName val="0"/>
+              <c:showPercent val="0"/>
+              <c:showBubbleSize val="0"/>
+              <c:showLeaderLines val="1"/>
+              <c:extLst>
+                <c:ext xmlns:c15="http://schemas.microsoft.com/office/drawing/2012/chart" uri="{CE6537A1-D6FC-4f65-9D91-7224C49458BB}"/>
+                <c:ext xmlns:c16="http://schemas.microsoft.com/office/drawing/2014/chart" uri="{C3380CC4-5D6E-409C-BE32-E72D297353CC}">
+                  <c16:uniqueId val="{00000012-3af0-9cde-e190-3df76eeed07c}"/>
+                </c:ext>
+              </c:extLst>
+            </c:dLbl>
+            <c:dLbl>
+              <c:idx val="12"/>
               <c:tx>
                 <c:rich>
                   <a:bodyPr>
@@ -1621,12 +1990,12 @@
               <c:extLst>
                 <c:ext xmlns:c15="http://schemas.microsoft.com/office/drawing/2012/chart" uri="{CE6537A1-D6FC-4f65-9D91-7224C49458BB}"/>
                 <c:ext xmlns:c16="http://schemas.microsoft.com/office/drawing/2014/chart" uri="{C3380CC4-5D6E-409C-BE32-E72D297353CC}">
-                  <c16:uniqueId val="{00000004-b9d0-f4b6-8e42-a0a77ba810ea}"/>
+                  <c16:uniqueId val="{00000013-3af0-9cde-e190-3df76eeed07c}"/>
                 </c:ext>
               </c:extLst>
             </c:dLbl>
             <c:dLbl>
-              <c:idx val="4"/>
+              <c:idx val="13"/>
               <c:tx>
                 <c:rich>
                   <a:bodyPr>
@@ -1639,7 +2008,7 @@
                     </a:pPr>
                     <a:r>
                       <a:rPr lang="en-US" dirty="0"/>
-                      <a:t>心病三科</a:t>
+                      <a:t>中医外治中心</a:t>
                     </a:r>
                   </a:p>
                 </c:rich>
@@ -1662,12 +2031,12 @@
               <c:extLst>
                 <c:ext xmlns:c15="http://schemas.microsoft.com/office/drawing/2012/chart" uri="{CE6537A1-D6FC-4f65-9D91-7224C49458BB}"/>
                 <c:ext xmlns:c16="http://schemas.microsoft.com/office/drawing/2014/chart" uri="{C3380CC4-5D6E-409C-BE32-E72D297353CC}">
-                  <c16:uniqueId val="{00000005-b9d0-f4b6-8e42-a0a77ba810ea}"/>
+                  <c16:uniqueId val="{00000014-3af0-9cde-e190-3df76eeed07c}"/>
                 </c:ext>
               </c:extLst>
             </c:dLbl>
             <c:dLbl>
-              <c:idx val="5"/>
+              <c:idx val="14"/>
               <c:tx>
                 <c:rich>
                   <a:bodyPr>
@@ -1680,7 +2049,7 @@
                     </a:pPr>
                     <a:r>
                       <a:rPr lang="en-US" dirty="0"/>
-                      <a:t>心病四科</a:t>
+                      <a:t>运动损伤骨科</a:t>
                     </a:r>
                   </a:p>
                 </c:rich>
@@ -1703,135 +2072,12 @@
               <c:extLst>
                 <c:ext xmlns:c15="http://schemas.microsoft.com/office/drawing/2012/chart" uri="{CE6537A1-D6FC-4f65-9D91-7224C49458BB}"/>
                 <c:ext xmlns:c16="http://schemas.microsoft.com/office/drawing/2014/chart" uri="{C3380CC4-5D6E-409C-BE32-E72D297353CC}">
-                  <c16:uniqueId val="{00000006-b9d0-f4b6-8e42-a0a77ba810ea}"/>
+                  <c16:uniqueId val="{00000015-3af0-9cde-e190-3df76eeed07c}"/>
                 </c:ext>
               </c:extLst>
             </c:dLbl>
             <c:dLbl>
-              <c:idx val="6"/>
-              <c:tx>
-                <c:rich>
-                  <a:bodyPr>
-                    <a:spAutoFit/>
-                  </a:bodyPr>
-                  <a:lstStyle/>
-                  <a:p>
-                    <a:pPr>
-                      <a:defRPr/>
-                    </a:pPr>
-                    <a:r>
-                      <a:rPr lang="en-US" dirty="0"/>
-                      <a:t>综合内科</a:t>
-                    </a:r>
-                  </a:p>
-                </c:rich>
-              </c:tx>
-              <c:spPr>
-                <a:noFill/>
-                <a:ln>
-                  <a:noFill/>
-                </a:ln>
-                <a:effectLst/>
-              </c:spPr>
-              <c:dLblPos val="t"/>
-              <c:showLegendKey val="0"/>
-              <c:showVal val="0"/>
-              <c:showCatName val="0"/>
-              <c:showSerName val="0"/>
-              <c:showPercent val="0"/>
-              <c:showBubbleSize val="0"/>
-              <c:showLeaderLines val="1"/>
-              <c:extLst>
-                <c:ext xmlns:c15="http://schemas.microsoft.com/office/drawing/2012/chart" uri="{CE6537A1-D6FC-4f65-9D91-7224C49458BB}"/>
-                <c:ext xmlns:c16="http://schemas.microsoft.com/office/drawing/2014/chart" uri="{C3380CC4-5D6E-409C-BE32-E72D297353CC}">
-                  <c16:uniqueId val="{00000007-b9d0-f4b6-8e42-a0a77ba810ea}"/>
-                </c:ext>
-              </c:extLst>
-            </c:dLbl>
-            <c:dLbl>
-              <c:idx val="7"/>
-              <c:tx>
-                <c:rich>
-                  <a:bodyPr>
-                    <a:spAutoFit/>
-                  </a:bodyPr>
-                  <a:lstStyle/>
-                  <a:p>
-                    <a:pPr>
-                      <a:defRPr/>
-                    </a:pPr>
-                    <a:r>
-                      <a:rPr lang="en-US" dirty="0"/>
-                      <a:t>神经内科</a:t>
-                    </a:r>
-                  </a:p>
-                </c:rich>
-              </c:tx>
-              <c:spPr>
-                <a:noFill/>
-                <a:ln>
-                  <a:noFill/>
-                </a:ln>
-                <a:effectLst/>
-              </c:spPr>
-              <c:dLblPos val="t"/>
-              <c:showLegendKey val="0"/>
-              <c:showVal val="0"/>
-              <c:showCatName val="0"/>
-              <c:showSerName val="0"/>
-              <c:showPercent val="0"/>
-              <c:showBubbleSize val="0"/>
-              <c:showLeaderLines val="1"/>
-              <c:extLst>
-                <c:ext xmlns:c15="http://schemas.microsoft.com/office/drawing/2012/chart" uri="{CE6537A1-D6FC-4f65-9D91-7224C49458BB}"/>
-                <c:ext xmlns:c16="http://schemas.microsoft.com/office/drawing/2014/chart" uri="{C3380CC4-5D6E-409C-BE32-E72D297353CC}">
-                  <c16:uniqueId val="{00000008-b9d0-f4b6-8e42-a0a77ba810ea}"/>
-                </c:ext>
-              </c:extLst>
-            </c:dLbl>
-            <c:dLbl>
-              <c:idx val="8"/>
-              <c:tx>
-                <c:rich>
-                  <a:bodyPr>
-                    <a:spAutoFit/>
-                  </a:bodyPr>
-                  <a:lstStyle/>
-                  <a:p>
-                    <a:pPr>
-                      <a:defRPr/>
-                    </a:pPr>
-                    <a:r>
-                      <a:rPr lang="en-US" dirty="0"/>
-                      <a:t>脑病一科</a:t>
-                    </a:r>
-                  </a:p>
-                </c:rich>
-              </c:tx>
-              <c:spPr>
-                <a:noFill/>
-                <a:ln>
-                  <a:noFill/>
-                </a:ln>
-                <a:effectLst/>
-              </c:spPr>
-              <c:dLblPos val="t"/>
-              <c:showLegendKey val="0"/>
-              <c:showVal val="0"/>
-              <c:showCatName val="0"/>
-              <c:showSerName val="0"/>
-              <c:showPercent val="0"/>
-              <c:showBubbleSize val="0"/>
-              <c:showLeaderLines val="1"/>
-              <c:extLst>
-                <c:ext xmlns:c15="http://schemas.microsoft.com/office/drawing/2012/chart" uri="{CE6537A1-D6FC-4f65-9D91-7224C49458BB}"/>
-                <c:ext xmlns:c16="http://schemas.microsoft.com/office/drawing/2014/chart" uri="{C3380CC4-5D6E-409C-BE32-E72D297353CC}">
-                  <c16:uniqueId val="{00000009-b9d0-f4b6-8e42-a0a77ba810ea}"/>
-                </c:ext>
-              </c:extLst>
-            </c:dLbl>
-            <c:dLbl>
-              <c:idx val="9"/>
+              <c:idx val="15"/>
               <c:tx>
                 <c:rich>
                   <a:bodyPr>
@@ -1867,12 +2113,12 @@
               <c:extLst>
                 <c:ext xmlns:c15="http://schemas.microsoft.com/office/drawing/2012/chart" uri="{CE6537A1-D6FC-4f65-9D91-7224C49458BB}"/>
                 <c:ext xmlns:c16="http://schemas.microsoft.com/office/drawing/2014/chart" uri="{C3380CC4-5D6E-409C-BE32-E72D297353CC}">
-                  <c16:uniqueId val="{00000010-b9d0-f4b6-8e42-a0a77ba810ea}"/>
+                  <c16:uniqueId val="{00000016-3af0-9cde-e190-3df76eeed07c}"/>
                 </c:ext>
               </c:extLst>
             </c:dLbl>
             <c:dLbl>
-              <c:idx val="10"/>
+              <c:idx val="16"/>
               <c:tx>
                 <c:rich>
                   <a:bodyPr>
@@ -1885,7 +2131,7 @@
                     </a:pPr>
                     <a:r>
                       <a:rPr lang="en-US" dirty="0"/>
-                      <a:t>脑病三科</a:t>
+                      <a:t>骨科</a:t>
                     </a:r>
                   </a:p>
                 </c:rich>
@@ -1908,12 +2154,12 @@
               <c:extLst>
                 <c:ext xmlns:c15="http://schemas.microsoft.com/office/drawing/2012/chart" uri="{CE6537A1-D6FC-4f65-9D91-7224C49458BB}"/>
                 <c:ext xmlns:c16="http://schemas.microsoft.com/office/drawing/2014/chart" uri="{C3380CC4-5D6E-409C-BE32-E72D297353CC}">
-                  <c16:uniqueId val="{00000011-b9d0-f4b6-8e42-a0a77ba810ea}"/>
+                  <c16:uniqueId val="{00000017-3af0-9cde-e190-3df76eeed07c}"/>
                 </c:ext>
               </c:extLst>
             </c:dLbl>
             <c:dLbl>
-              <c:idx val="11"/>
+              <c:idx val="17"/>
               <c:tx>
                 <c:rich>
                   <a:bodyPr>
@@ -1926,7 +2172,7 @@
                     </a:pPr>
                     <a:r>
                       <a:rPr lang="en-US" dirty="0"/>
-                      <a:t>中医经典科</a:t>
+                      <a:t>妇科妇二科合并</a:t>
                     </a:r>
                   </a:p>
                 </c:rich>
@@ -1949,12 +2195,12 @@
               <c:extLst>
                 <c:ext xmlns:c15="http://schemas.microsoft.com/office/drawing/2012/chart" uri="{CE6537A1-D6FC-4f65-9D91-7224C49458BB}"/>
                 <c:ext xmlns:c16="http://schemas.microsoft.com/office/drawing/2014/chart" uri="{C3380CC4-5D6E-409C-BE32-E72D297353CC}">
-                  <c16:uniqueId val="{00000012-b9d0-f4b6-8e42-a0a77ba810ea}"/>
+                  <c16:uniqueId val="{00000018-3af0-9cde-e190-3df76eeed07c}"/>
                 </c:ext>
               </c:extLst>
             </c:dLbl>
             <c:dLbl>
-              <c:idx val="12"/>
+              <c:idx val="18"/>
               <c:tx>
                 <c:rich>
                   <a:bodyPr>
@@ -1967,7 +2213,7 @@
                     </a:pPr>
                     <a:r>
                       <a:rPr lang="en-US" dirty="0"/>
-                      <a:t>呼吸内科</a:t>
+                      <a:t>男科</a:t>
                     </a:r>
                   </a:p>
                 </c:rich>
@@ -1990,253 +2236,7 @@
               <c:extLst>
                 <c:ext xmlns:c15="http://schemas.microsoft.com/office/drawing/2012/chart" uri="{CE6537A1-D6FC-4f65-9D91-7224C49458BB}"/>
                 <c:ext xmlns:c16="http://schemas.microsoft.com/office/drawing/2014/chart" uri="{C3380CC4-5D6E-409C-BE32-E72D297353CC}">
-                  <c16:uniqueId val="{00000013-b9d0-f4b6-8e42-a0a77ba810ea}"/>
-                </c:ext>
-              </c:extLst>
-            </c:dLbl>
-            <c:dLbl>
-              <c:idx val="13"/>
-              <c:tx>
-                <c:rich>
-                  <a:bodyPr>
-                    <a:spAutoFit/>
-                  </a:bodyPr>
-                  <a:lstStyle/>
-                  <a:p>
-                    <a:pPr>
-                      <a:defRPr/>
-                    </a:pPr>
-                    <a:r>
-                      <a:rPr lang="en-US" dirty="0"/>
-                      <a:t>内分泌科</a:t>
-                    </a:r>
-                  </a:p>
-                </c:rich>
-              </c:tx>
-              <c:spPr>
-                <a:noFill/>
-                <a:ln>
-                  <a:noFill/>
-                </a:ln>
-                <a:effectLst/>
-              </c:spPr>
-              <c:dLblPos val="t"/>
-              <c:showLegendKey val="0"/>
-              <c:showVal val="0"/>
-              <c:showCatName val="0"/>
-              <c:showSerName val="0"/>
-              <c:showPercent val="0"/>
-              <c:showBubbleSize val="0"/>
-              <c:showLeaderLines val="1"/>
-              <c:extLst>
-                <c:ext xmlns:c15="http://schemas.microsoft.com/office/drawing/2012/chart" uri="{CE6537A1-D6FC-4f65-9D91-7224C49458BB}"/>
-                <c:ext xmlns:c16="http://schemas.microsoft.com/office/drawing/2014/chart" uri="{C3380CC4-5D6E-409C-BE32-E72D297353CC}">
-                  <c16:uniqueId val="{00000014-b9d0-f4b6-8e42-a0a77ba810ea}"/>
-                </c:ext>
-              </c:extLst>
-            </c:dLbl>
-            <c:dLbl>
-              <c:idx val="14"/>
-              <c:tx>
-                <c:rich>
-                  <a:bodyPr>
-                    <a:spAutoFit/>
-                  </a:bodyPr>
-                  <a:lstStyle/>
-                  <a:p>
-                    <a:pPr>
-                      <a:defRPr/>
-                    </a:pPr>
-                    <a:r>
-                      <a:rPr lang="en-US" dirty="0"/>
-                      <a:t>脾胃病科</a:t>
-                    </a:r>
-                  </a:p>
-                </c:rich>
-              </c:tx>
-              <c:spPr>
-                <a:noFill/>
-                <a:ln>
-                  <a:noFill/>
-                </a:ln>
-                <a:effectLst/>
-              </c:spPr>
-              <c:dLblPos val="t"/>
-              <c:showLegendKey val="0"/>
-              <c:showVal val="0"/>
-              <c:showCatName val="0"/>
-              <c:showSerName val="0"/>
-              <c:showPercent val="0"/>
-              <c:showBubbleSize val="0"/>
-              <c:showLeaderLines val="1"/>
-              <c:extLst>
-                <c:ext xmlns:c15="http://schemas.microsoft.com/office/drawing/2012/chart" uri="{CE6537A1-D6FC-4f65-9D91-7224C49458BB}"/>
-                <c:ext xmlns:c16="http://schemas.microsoft.com/office/drawing/2014/chart" uri="{C3380CC4-5D6E-409C-BE32-E72D297353CC}">
-                  <c16:uniqueId val="{00000015-b9d0-f4b6-8e42-a0a77ba810ea}"/>
-                </c:ext>
-              </c:extLst>
-            </c:dLbl>
-            <c:dLbl>
-              <c:idx val="15"/>
-              <c:tx>
-                <c:rich>
-                  <a:bodyPr>
-                    <a:spAutoFit/>
-                  </a:bodyPr>
-                  <a:lstStyle/>
-                  <a:p>
-                    <a:pPr>
-                      <a:defRPr/>
-                    </a:pPr>
-                    <a:r>
-                      <a:rPr lang="en-US" dirty="0"/>
-                      <a:t>肝病科</a:t>
-                    </a:r>
-                  </a:p>
-                </c:rich>
-              </c:tx>
-              <c:spPr>
-                <a:noFill/>
-                <a:ln>
-                  <a:noFill/>
-                </a:ln>
-                <a:effectLst/>
-              </c:spPr>
-              <c:dLblPos val="t"/>
-              <c:showLegendKey val="0"/>
-              <c:showVal val="0"/>
-              <c:showCatName val="0"/>
-              <c:showSerName val="0"/>
-              <c:showPercent val="0"/>
-              <c:showBubbleSize val="0"/>
-              <c:showLeaderLines val="1"/>
-              <c:extLst>
-                <c:ext xmlns:c15="http://schemas.microsoft.com/office/drawing/2012/chart" uri="{CE6537A1-D6FC-4f65-9D91-7224C49458BB}"/>
-                <c:ext xmlns:c16="http://schemas.microsoft.com/office/drawing/2014/chart" uri="{C3380CC4-5D6E-409C-BE32-E72D297353CC}">
-                  <c16:uniqueId val="{00000016-b9d0-f4b6-8e42-a0a77ba810ea}"/>
-                </c:ext>
-              </c:extLst>
-            </c:dLbl>
-            <c:dLbl>
-              <c:idx val="16"/>
-              <c:tx>
-                <c:rich>
-                  <a:bodyPr>
-                    <a:spAutoFit/>
-                  </a:bodyPr>
-                  <a:lstStyle/>
-                  <a:p>
-                    <a:pPr>
-                      <a:defRPr/>
-                    </a:pPr>
-                    <a:r>
-                      <a:rPr lang="en-US" dirty="0"/>
-                      <a:t>血液科</a:t>
-                    </a:r>
-                  </a:p>
-                </c:rich>
-              </c:tx>
-              <c:spPr>
-                <a:noFill/>
-                <a:ln>
-                  <a:noFill/>
-                </a:ln>
-                <a:effectLst/>
-              </c:spPr>
-              <c:dLblPos val="t"/>
-              <c:showLegendKey val="0"/>
-              <c:showVal val="0"/>
-              <c:showCatName val="0"/>
-              <c:showSerName val="0"/>
-              <c:showPercent val="0"/>
-              <c:showBubbleSize val="0"/>
-              <c:showLeaderLines val="1"/>
-              <c:extLst>
-                <c:ext xmlns:c15="http://schemas.microsoft.com/office/drawing/2012/chart" uri="{CE6537A1-D6FC-4f65-9D91-7224C49458BB}"/>
-                <c:ext xmlns:c16="http://schemas.microsoft.com/office/drawing/2014/chart" uri="{C3380CC4-5D6E-409C-BE32-E72D297353CC}">
-                  <c16:uniqueId val="{00000017-b9d0-f4b6-8e42-a0a77ba810ea}"/>
-                </c:ext>
-              </c:extLst>
-            </c:dLbl>
-            <c:dLbl>
-              <c:idx val="17"/>
-              <c:tx>
-                <c:rich>
-                  <a:bodyPr>
-                    <a:spAutoFit/>
-                  </a:bodyPr>
-                  <a:lstStyle/>
-                  <a:p>
-                    <a:pPr>
-                      <a:defRPr/>
-                    </a:pPr>
-                    <a:r>
-                      <a:rPr lang="en-US" dirty="0"/>
-                      <a:t>风湿病科</a:t>
-                    </a:r>
-                  </a:p>
-                </c:rich>
-              </c:tx>
-              <c:spPr>
-                <a:noFill/>
-                <a:ln>
-                  <a:noFill/>
-                </a:ln>
-                <a:effectLst/>
-              </c:spPr>
-              <c:dLblPos val="t"/>
-              <c:showLegendKey val="0"/>
-              <c:showVal val="0"/>
-              <c:showCatName val="0"/>
-              <c:showSerName val="0"/>
-              <c:showPercent val="0"/>
-              <c:showBubbleSize val="0"/>
-              <c:showLeaderLines val="1"/>
-              <c:extLst>
-                <c:ext xmlns:c15="http://schemas.microsoft.com/office/drawing/2012/chart" uri="{CE6537A1-D6FC-4f65-9D91-7224C49458BB}"/>
-                <c:ext xmlns:c16="http://schemas.microsoft.com/office/drawing/2014/chart" uri="{C3380CC4-5D6E-409C-BE32-E72D297353CC}">
-                  <c16:uniqueId val="{00000018-b9d0-f4b6-8e42-a0a77ba810ea}"/>
-                </c:ext>
-              </c:extLst>
-            </c:dLbl>
-            <c:dLbl>
-              <c:idx val="18"/>
-              <c:tx>
-                <c:rich>
-                  <a:bodyPr>
-                    <a:spAutoFit/>
-                  </a:bodyPr>
-                  <a:lstStyle/>
-                  <a:p>
-                    <a:pPr>
-                      <a:defRPr/>
-                    </a:pPr>
-                    <a:r>
-                      <a:rPr lang="en-US" dirty="0"/>
-                      <a:t>消化内科</a:t>
-                    </a:r>
-                  </a:p>
-                </c:rich>
-              </c:tx>
-              <c:spPr>
-                <a:noFill/>
-                <a:ln>
-                  <a:noFill/>
-                </a:ln>
-                <a:effectLst/>
-              </c:spPr>
-              <c:dLblPos val="t"/>
-              <c:showLegendKey val="0"/>
-              <c:showVal val="0"/>
-              <c:showCatName val="0"/>
-              <c:showSerName val="0"/>
-              <c:showPercent val="0"/>
-              <c:showBubbleSize val="0"/>
-              <c:showLeaderLines val="1"/>
-              <c:extLst>
-                <c:ext xmlns:c15="http://schemas.microsoft.com/office/drawing/2012/chart" uri="{CE6537A1-D6FC-4f65-9D91-7224C49458BB}"/>
-                <c:ext xmlns:c16="http://schemas.microsoft.com/office/drawing/2014/chart" uri="{C3380CC4-5D6E-409C-BE32-E72D297353CC}">
-                  <c16:uniqueId val="{00000019-b9d0-f4b6-8e42-a0a77ba810ea}"/>
+                  <c16:uniqueId val="{00000019-3af0-9cde-e190-3df76eeed07c}"/>
                 </c:ext>
               </c:extLst>
             </c:dLbl>
@@ -2277,7 +2277,7 @@
               <c:extLst>
                 <c:ext xmlns:c15="http://schemas.microsoft.com/office/drawing/2012/chart" uri="{CE6537A1-D6FC-4f65-9D91-7224C49458BB}"/>
                 <c:ext xmlns:c16="http://schemas.microsoft.com/office/drawing/2014/chart" uri="{C3380CC4-5D6E-409C-BE32-E72D297353CC}">
-                  <c16:uniqueId val="{00000020-b9d0-f4b6-8e42-a0a77ba810ea}"/>
+                  <c16:uniqueId val="{00000020-3af0-9cde-e190-3df76eeed07c}"/>
                 </c:ext>
               </c:extLst>
             </c:dLbl>
@@ -2289,64 +2289,64 @@
                 <c:formatCode>General</c:formatCode>
                 <c:ptCount val="20"/>
                 <c:pt idx="0">
-                  <c:v/>
+                  <c:v>20.374616438401684</c:v>
                 </c:pt>
                 <c:pt idx="1">
-                  <c:v/>
+                  <c:v>10.699977478562587</c:v>
                 </c:pt>
                 <c:pt idx="2">
-                  <c:v/>
+                  <c:v>28.89042878884542</c:v>
                 </c:pt>
                 <c:pt idx="3">
-                  <c:v/>
+                  <c:v>26.847036616042125</c:v>
                 </c:pt>
                 <c:pt idx="4">
-                  <c:v/>
+                  <c:v>12.231193017248122</c:v>
                 </c:pt>
                 <c:pt idx="5">
-                  <c:v/>
+                  <c:v>26.691404265280728</c:v>
                 </c:pt>
                 <c:pt idx="6">
-                  <c:v/>
+                  <c:v>20.687493271285312</c:v>
                 </c:pt>
                 <c:pt idx="7">
-                  <c:v/>
+                  <c:v>42.858598916874314</c:v>
                 </c:pt>
                 <c:pt idx="8">
-                  <c:v/>
+                  <c:v>18.845154106688696</c:v>
                 </c:pt>
                 <c:pt idx="9">
-                  <c:v/>
+                  <c:v>26.976353551547398</c:v>
                 </c:pt>
                 <c:pt idx="10">
-                  <c:v/>
+                  <c:v>73.61817424726893</c:v>
                 </c:pt>
                 <c:pt idx="11">
-                  <c:v/>
+                  <c:v>16.28351009470925</c:v>
                 </c:pt>
                 <c:pt idx="12">
-                  <c:v/>
+                  <c:v>16.253643110195753</c:v>
                 </c:pt>
                 <c:pt idx="13">
-                  <c:v/>
+                  <c:v>60.32542497331933</c:v>
                 </c:pt>
                 <c:pt idx="14">
-                  <c:v/>
+                  <c:v>28.40353388834436</c:v>
                 </c:pt>
                 <c:pt idx="15">
-                  <c:v/>
+                  <c:v>29.864018548810407</c:v>
                 </c:pt>
                 <c:pt idx="16">
-                  <c:v/>
+                  <c:v>28.905789726225674</c:v>
                 </c:pt>
                 <c:pt idx="17">
-                  <c:v/>
+                  <c:v>7.086899300434375</c:v>
                 </c:pt>
                 <c:pt idx="18">
-                  <c:v/>
+                  <c:v>12.005645364553695</c:v>
                 </c:pt>
                 <c:pt idx="19">
-                  <c:v/>
+                  <c:v>24.336580384781218</c:v>
                 </c:pt>
               </c:numCache>
             </c:numRef>
@@ -2358,64 +2358,64 @@
                 <c:formatCode>General</c:formatCode>
                 <c:ptCount val="20"/>
                 <c:pt idx="0">
-                  <c:v/>
+                  <c:v>100</c:v>
                 </c:pt>
                 <c:pt idx="1">
-                  <c:v/>
+                  <c:v>0.00463934135377103</c:v>
                 </c:pt>
                 <c:pt idx="2">
-                  <c:v/>
+                  <c:v>0.004584385322832822</c:v>
                 </c:pt>
                 <c:pt idx="3">
-                  <c:v/>
+                  <c:v>0.004446474100973853</c:v>
                 </c:pt>
                 <c:pt idx="4">
-                  <c:v/>
+                  <c:v>0.004431395833908433</c:v>
                 </c:pt>
                 <c:pt idx="5">
-                  <c:v/>
+                  <c:v>0.0044176827297897426</c:v>
                 </c:pt>
                 <c:pt idx="6">
-                  <c:v/>
+                  <c:v>0.004355446827512104</c:v>
                 </c:pt>
                 <c:pt idx="7">
-                  <c:v/>
+                  <c:v>0.004344895377907252</c:v>
                 </c:pt>
                 <c:pt idx="8">
-                  <c:v/>
+                  <c:v>0.004292632245206771</c:v>
                 </c:pt>
                 <c:pt idx="9">
-                  <c:v/>
+                  <c:v>0.0042523467979950075</c:v>
                 </c:pt>
                 <c:pt idx="10">
-                  <c:v/>
+                  <c:v>0.0042317349147534935</c:v>
                 </c:pt>
                 <c:pt idx="11">
-                  <c:v/>
+                  <c:v>0.004209759832182333</c:v>
                 </c:pt>
                 <c:pt idx="12">
-                  <c:v/>
+                  <c:v>0.004196050798580631</c:v>
                 </c:pt>
                 <c:pt idx="13">
-                  <c:v/>
+                  <c:v>0.003979248764261626</c:v>
                 </c:pt>
                 <c:pt idx="14">
-                  <c:v/>
+                  <c:v>0.003973936398752454</c:v>
                 </c:pt>
                 <c:pt idx="15">
-                  <c:v/>
+                  <c:v>0.0038328308744696193</c:v>
                 </c:pt>
                 <c:pt idx="16">
-                  <c:v/>
+                  <c:v>0.003824942585561494</c:v>
                 </c:pt>
                 <c:pt idx="17">
-                  <c:v/>
+                  <c:v>0.0037568401917719594</c:v>
                 </c:pt>
                 <c:pt idx="18">
-                  <c:v/>
+                  <c:v>0.003691075162388517</c:v>
                 </c:pt>
                 <c:pt idx="19">
-                  <c:v/>
+                  <c:v>0.0035763150241279905</c:v>
                 </c:pt>
               </c:numCache>
             </c:numRef>

--- a/cases/goodhostpital2021/对标分析报告.pg.pptx
+++ b/cases/goodhostpital2021/对标分析报告.pg.pptx
@@ -109,13 +109,13 @@
   <p:extLst>
     <p:ext uri="{521415D9-36F7-43E2-AB2F-B90AF26B5E84}">
       <p14:sectionLst xmlns:p14="http://schemas.microsoft.com/office/powerpoint/2010/main">
-        <p14:section name="院内专科BCG散点图" id="{2a0da65a-dc23-cae0-3dd3-844825faa7a9}">
+        <p14:section name="院内专科BCG散点图" id="{db230b95-cedb-4f71-8a9f-fd913be75664}">
           <p14:sldIdLst>
             <p14:sldId id="257"/>
             <p14:sldId id="258"/>
           </p14:sldIdLst>
         </p14:section>
-        <p14:section name="院内专科梯队表格" id="{e1a427ee-cde2-0bc7-1b19-38b3729c742b}">
+        <p14:section name="院内专科梯队表格" id="{51d0b50b-1db3-f130-7b57-4826ca908f2f}">
           <p14:sldIdLst/>
         </p14:section>
       </p14:sectionLst>
@@ -221,6 +221,580 @@
                     </a:pPr>
                     <a:r>
                       <a:rPr lang="en-US" dirty="0"/>
+                      <a:t>消化内科</a:t>
+                    </a:r>
+                  </a:p>
+                </c:rich>
+              </c:tx>
+              <c:spPr>
+                <a:noFill/>
+                <a:ln>
+                  <a:noFill/>
+                </a:ln>
+                <a:effectLst/>
+              </c:spPr>
+              <c:dLblPos val="t"/>
+              <c:showLegendKey val="0"/>
+              <c:showVal val="0"/>
+              <c:showCatName val="0"/>
+              <c:showSerName val="0"/>
+              <c:showPercent val="0"/>
+              <c:showBubbleSize val="0"/>
+              <c:showLeaderLines val="1"/>
+              <c:extLst>
+                <c:ext xmlns:c15="http://schemas.microsoft.com/office/drawing/2012/chart" uri="{CE6537A1-D6FC-4f65-9D91-7224C49458BB}"/>
+                <c:ext xmlns:c16="http://schemas.microsoft.com/office/drawing/2014/chart" uri="{C3380CC4-5D6E-409C-BE32-E72D297353CC}">
+                  <c16:uniqueId val="{00000001-b31c-677d-28c5-25363aa92ef6}"/>
+                </c:ext>
+              </c:extLst>
+            </c:dLbl>
+            <c:dLbl>
+              <c:idx val="1"/>
+              <c:tx>
+                <c:rich>
+                  <a:bodyPr>
+                    <a:spAutoFit/>
+                  </a:bodyPr>
+                  <a:lstStyle/>
+                  <a:p>
+                    <a:pPr>
+                      <a:defRPr/>
+                    </a:pPr>
+                    <a:r>
+                      <a:rPr lang="en-US" dirty="0"/>
+                      <a:t>神经内科</a:t>
+                    </a:r>
+                  </a:p>
+                </c:rich>
+              </c:tx>
+              <c:spPr>
+                <a:noFill/>
+                <a:ln>
+                  <a:noFill/>
+                </a:ln>
+                <a:effectLst/>
+              </c:spPr>
+              <c:dLblPos val="t"/>
+              <c:showLegendKey val="0"/>
+              <c:showVal val="0"/>
+              <c:showCatName val="0"/>
+              <c:showSerName val="0"/>
+              <c:showPercent val="0"/>
+              <c:showBubbleSize val="0"/>
+              <c:showLeaderLines val="1"/>
+              <c:extLst>
+                <c:ext xmlns:c15="http://schemas.microsoft.com/office/drawing/2012/chart" uri="{CE6537A1-D6FC-4f65-9D91-7224C49458BB}"/>
+                <c:ext xmlns:c16="http://schemas.microsoft.com/office/drawing/2014/chart" uri="{C3380CC4-5D6E-409C-BE32-E72D297353CC}">
+                  <c16:uniqueId val="{00000002-b31c-677d-28c5-25363aa92ef6}"/>
+                </c:ext>
+              </c:extLst>
+            </c:dLbl>
+            <c:dLbl>
+              <c:idx val="2"/>
+              <c:tx>
+                <c:rich>
+                  <a:bodyPr>
+                    <a:spAutoFit/>
+                  </a:bodyPr>
+                  <a:lstStyle/>
+                  <a:p>
+                    <a:pPr>
+                      <a:defRPr/>
+                    </a:pPr>
+                    <a:r>
+                      <a:rPr lang="en-US" dirty="0"/>
+                      <a:t>治未病中心</a:t>
+                    </a:r>
+                  </a:p>
+                </c:rich>
+              </c:tx>
+              <c:spPr>
+                <a:noFill/>
+                <a:ln>
+                  <a:noFill/>
+                </a:ln>
+                <a:effectLst/>
+              </c:spPr>
+              <c:dLblPos val="t"/>
+              <c:showLegendKey val="0"/>
+              <c:showVal val="0"/>
+              <c:showCatName val="0"/>
+              <c:showSerName val="0"/>
+              <c:showPercent val="0"/>
+              <c:showBubbleSize val="0"/>
+              <c:showLeaderLines val="1"/>
+              <c:extLst>
+                <c:ext xmlns:c15="http://schemas.microsoft.com/office/drawing/2012/chart" uri="{CE6537A1-D6FC-4f65-9D91-7224C49458BB}"/>
+                <c:ext xmlns:c16="http://schemas.microsoft.com/office/drawing/2014/chart" uri="{C3380CC4-5D6E-409C-BE32-E72D297353CC}">
+                  <c16:uniqueId val="{00000003-b31c-677d-28c5-25363aa92ef6}"/>
+                </c:ext>
+              </c:extLst>
+            </c:dLbl>
+            <c:dLbl>
+              <c:idx val="3"/>
+              <c:tx>
+                <c:rich>
+                  <a:bodyPr>
+                    <a:spAutoFit/>
+                  </a:bodyPr>
+                  <a:lstStyle/>
+                  <a:p>
+                    <a:pPr>
+                      <a:defRPr/>
+                    </a:pPr>
+                    <a:r>
+                      <a:rPr lang="en-US" dirty="0"/>
+                      <a:t>周围血管科</a:t>
+                    </a:r>
+                  </a:p>
+                </c:rich>
+              </c:tx>
+              <c:spPr>
+                <a:noFill/>
+                <a:ln>
+                  <a:noFill/>
+                </a:ln>
+                <a:effectLst/>
+              </c:spPr>
+              <c:dLblPos val="t"/>
+              <c:showLegendKey val="0"/>
+              <c:showVal val="0"/>
+              <c:showCatName val="0"/>
+              <c:showSerName val="0"/>
+              <c:showPercent val="0"/>
+              <c:showBubbleSize val="0"/>
+              <c:showLeaderLines val="1"/>
+              <c:extLst>
+                <c:ext xmlns:c15="http://schemas.microsoft.com/office/drawing/2012/chart" uri="{CE6537A1-D6FC-4f65-9D91-7224C49458BB}"/>
+                <c:ext xmlns:c16="http://schemas.microsoft.com/office/drawing/2014/chart" uri="{C3380CC4-5D6E-409C-BE32-E72D297353CC}">
+                  <c16:uniqueId val="{00000004-b31c-677d-28c5-25363aa92ef6}"/>
+                </c:ext>
+              </c:extLst>
+            </c:dLbl>
+            <c:dLbl>
+              <c:idx val="4"/>
+              <c:tx>
+                <c:rich>
+                  <a:bodyPr>
+                    <a:spAutoFit/>
+                  </a:bodyPr>
+                  <a:lstStyle/>
+                  <a:p>
+                    <a:pPr>
+                      <a:defRPr/>
+                    </a:pPr>
+                    <a:r>
+                      <a:rPr lang="en-US" dirty="0"/>
+                      <a:t>普通外科</a:t>
+                    </a:r>
+                  </a:p>
+                </c:rich>
+              </c:tx>
+              <c:spPr>
+                <a:noFill/>
+                <a:ln>
+                  <a:noFill/>
+                </a:ln>
+                <a:effectLst/>
+              </c:spPr>
+              <c:dLblPos val="t"/>
+              <c:showLegendKey val="0"/>
+              <c:showVal val="0"/>
+              <c:showCatName val="0"/>
+              <c:showSerName val="0"/>
+              <c:showPercent val="0"/>
+              <c:showBubbleSize val="0"/>
+              <c:showLeaderLines val="1"/>
+              <c:extLst>
+                <c:ext xmlns:c15="http://schemas.microsoft.com/office/drawing/2012/chart" uri="{CE6537A1-D6FC-4f65-9D91-7224C49458BB}"/>
+                <c:ext xmlns:c16="http://schemas.microsoft.com/office/drawing/2014/chart" uri="{C3380CC4-5D6E-409C-BE32-E72D297353CC}">
+                  <c16:uniqueId val="{00000005-b31c-677d-28c5-25363aa92ef6}"/>
+                </c:ext>
+              </c:extLst>
+            </c:dLbl>
+            <c:dLbl>
+              <c:idx val="5"/>
+              <c:tx>
+                <c:rich>
+                  <a:bodyPr>
+                    <a:spAutoFit/>
+                  </a:bodyPr>
+                  <a:lstStyle/>
+                  <a:p>
+                    <a:pPr>
+                      <a:defRPr/>
+                    </a:pPr>
+                    <a:r>
+                      <a:rPr lang="en-US" dirty="0"/>
+                      <a:t>微创骨科</a:t>
+                    </a:r>
+                  </a:p>
+                </c:rich>
+              </c:tx>
+              <c:spPr>
+                <a:noFill/>
+                <a:ln>
+                  <a:noFill/>
+                </a:ln>
+                <a:effectLst/>
+              </c:spPr>
+              <c:dLblPos val="t"/>
+              <c:showLegendKey val="0"/>
+              <c:showVal val="0"/>
+              <c:showCatName val="0"/>
+              <c:showSerName val="0"/>
+              <c:showPercent val="0"/>
+              <c:showBubbleSize val="0"/>
+              <c:showLeaderLines val="1"/>
+              <c:extLst>
+                <c:ext xmlns:c15="http://schemas.microsoft.com/office/drawing/2012/chart" uri="{CE6537A1-D6FC-4f65-9D91-7224C49458BB}"/>
+                <c:ext xmlns:c16="http://schemas.microsoft.com/office/drawing/2014/chart" uri="{C3380CC4-5D6E-409C-BE32-E72D297353CC}">
+                  <c16:uniqueId val="{00000006-b31c-677d-28c5-25363aa92ef6}"/>
+                </c:ext>
+              </c:extLst>
+            </c:dLbl>
+            <c:dLbl>
+              <c:idx val="6"/>
+              <c:tx>
+                <c:rich>
+                  <a:bodyPr>
+                    <a:spAutoFit/>
+                  </a:bodyPr>
+                  <a:lstStyle/>
+                  <a:p>
+                    <a:pPr>
+                      <a:defRPr/>
+                    </a:pPr>
+                    <a:r>
+                      <a:rPr lang="en-US" dirty="0"/>
+                      <a:t>胸外科</a:t>
+                    </a:r>
+                  </a:p>
+                </c:rich>
+              </c:tx>
+              <c:spPr>
+                <a:noFill/>
+                <a:ln>
+                  <a:noFill/>
+                </a:ln>
+                <a:effectLst/>
+              </c:spPr>
+              <c:dLblPos val="t"/>
+              <c:showLegendKey val="0"/>
+              <c:showVal val="0"/>
+              <c:showCatName val="0"/>
+              <c:showSerName val="0"/>
+              <c:showPercent val="0"/>
+              <c:showBubbleSize val="0"/>
+              <c:showLeaderLines val="1"/>
+              <c:extLst>
+                <c:ext xmlns:c15="http://schemas.microsoft.com/office/drawing/2012/chart" uri="{CE6537A1-D6FC-4f65-9D91-7224C49458BB}"/>
+                <c:ext xmlns:c16="http://schemas.microsoft.com/office/drawing/2014/chart" uri="{C3380CC4-5D6E-409C-BE32-E72D297353CC}">
+                  <c16:uniqueId val="{00000007-b31c-677d-28c5-25363aa92ef6}"/>
+                </c:ext>
+              </c:extLst>
+            </c:dLbl>
+            <c:dLbl>
+              <c:idx val="7"/>
+              <c:tx>
+                <c:rich>
+                  <a:bodyPr>
+                    <a:spAutoFit/>
+                  </a:bodyPr>
+                  <a:lstStyle/>
+                  <a:p>
+                    <a:pPr>
+                      <a:defRPr/>
+                    </a:pPr>
+                    <a:r>
+                      <a:rPr lang="en-US" dirty="0"/>
+                      <a:t>肝胆外科</a:t>
+                    </a:r>
+                  </a:p>
+                </c:rich>
+              </c:tx>
+              <c:spPr>
+                <a:noFill/>
+                <a:ln>
+                  <a:noFill/>
+                </a:ln>
+                <a:effectLst/>
+              </c:spPr>
+              <c:dLblPos val="t"/>
+              <c:showLegendKey val="0"/>
+              <c:showVal val="0"/>
+              <c:showCatName val="0"/>
+              <c:showSerName val="0"/>
+              <c:showPercent val="0"/>
+              <c:showBubbleSize val="0"/>
+              <c:showLeaderLines val="1"/>
+              <c:extLst>
+                <c:ext xmlns:c15="http://schemas.microsoft.com/office/drawing/2012/chart" uri="{CE6537A1-D6FC-4f65-9D91-7224C49458BB}"/>
+                <c:ext xmlns:c16="http://schemas.microsoft.com/office/drawing/2014/chart" uri="{C3380CC4-5D6E-409C-BE32-E72D297353CC}">
+                  <c16:uniqueId val="{00000008-b31c-677d-28c5-25363aa92ef6}"/>
+                </c:ext>
+              </c:extLst>
+            </c:dLbl>
+            <c:dLbl>
+              <c:idx val="8"/>
+              <c:tx>
+                <c:rich>
+                  <a:bodyPr>
+                    <a:spAutoFit/>
+                  </a:bodyPr>
+                  <a:lstStyle/>
+                  <a:p>
+                    <a:pPr>
+                      <a:defRPr/>
+                    </a:pPr>
+                    <a:r>
+                      <a:rPr lang="en-US" dirty="0"/>
+                      <a:t>康复科</a:t>
+                    </a:r>
+                  </a:p>
+                </c:rich>
+              </c:tx>
+              <c:spPr>
+                <a:noFill/>
+                <a:ln>
+                  <a:noFill/>
+                </a:ln>
+                <a:effectLst/>
+              </c:spPr>
+              <c:dLblPos val="t"/>
+              <c:showLegendKey val="0"/>
+              <c:showVal val="0"/>
+              <c:showCatName val="0"/>
+              <c:showSerName val="0"/>
+              <c:showPercent val="0"/>
+              <c:showBubbleSize val="0"/>
+              <c:showLeaderLines val="1"/>
+              <c:extLst>
+                <c:ext xmlns:c15="http://schemas.microsoft.com/office/drawing/2012/chart" uri="{CE6537A1-D6FC-4f65-9D91-7224C49458BB}"/>
+                <c:ext xmlns:c16="http://schemas.microsoft.com/office/drawing/2014/chart" uri="{C3380CC4-5D6E-409C-BE32-E72D297353CC}">
+                  <c16:uniqueId val="{00000009-b31c-677d-28c5-25363aa92ef6}"/>
+                </c:ext>
+              </c:extLst>
+            </c:dLbl>
+            <c:dLbl>
+              <c:idx val="9"/>
+              <c:tx>
+                <c:rich>
+                  <a:bodyPr>
+                    <a:spAutoFit/>
+                  </a:bodyPr>
+                  <a:lstStyle/>
+                  <a:p>
+                    <a:pPr>
+                      <a:defRPr/>
+                    </a:pPr>
+                    <a:r>
+                      <a:rPr lang="en-US" dirty="0"/>
+                      <a:t>肛肠科</a:t>
+                    </a:r>
+                  </a:p>
+                </c:rich>
+              </c:tx>
+              <c:spPr>
+                <a:noFill/>
+                <a:ln>
+                  <a:noFill/>
+                </a:ln>
+                <a:effectLst/>
+              </c:spPr>
+              <c:dLblPos val="t"/>
+              <c:showLegendKey val="0"/>
+              <c:showVal val="0"/>
+              <c:showCatName val="0"/>
+              <c:showSerName val="0"/>
+              <c:showPercent val="0"/>
+              <c:showBubbleSize val="0"/>
+              <c:showLeaderLines val="1"/>
+              <c:extLst>
+                <c:ext xmlns:c15="http://schemas.microsoft.com/office/drawing/2012/chart" uri="{CE6537A1-D6FC-4f65-9D91-7224C49458BB}"/>
+                <c:ext xmlns:c16="http://schemas.microsoft.com/office/drawing/2014/chart" uri="{C3380CC4-5D6E-409C-BE32-E72D297353CC}">
+                  <c16:uniqueId val="{00000010-b31c-677d-28c5-25363aa92ef6}"/>
+                </c:ext>
+              </c:extLst>
+            </c:dLbl>
+            <c:dLbl>
+              <c:idx val="10"/>
+              <c:tx>
+                <c:rich>
+                  <a:bodyPr>
+                    <a:spAutoFit/>
+                  </a:bodyPr>
+                  <a:lstStyle/>
+                  <a:p>
+                    <a:pPr>
+                      <a:defRPr/>
+                    </a:pPr>
+                    <a:r>
+                      <a:rPr lang="en-US" dirty="0"/>
+                      <a:t>脑病二科</a:t>
+                    </a:r>
+                  </a:p>
+                </c:rich>
+              </c:tx>
+              <c:spPr>
+                <a:noFill/>
+                <a:ln>
+                  <a:noFill/>
+                </a:ln>
+                <a:effectLst/>
+              </c:spPr>
+              <c:dLblPos val="t"/>
+              <c:showLegendKey val="0"/>
+              <c:showVal val="0"/>
+              <c:showCatName val="0"/>
+              <c:showSerName val="0"/>
+              <c:showPercent val="0"/>
+              <c:showBubbleSize val="0"/>
+              <c:showLeaderLines val="1"/>
+              <c:extLst>
+                <c:ext xmlns:c15="http://schemas.microsoft.com/office/drawing/2012/chart" uri="{CE6537A1-D6FC-4f65-9D91-7224C49458BB}"/>
+                <c:ext xmlns:c16="http://schemas.microsoft.com/office/drawing/2014/chart" uri="{C3380CC4-5D6E-409C-BE32-E72D297353CC}">
+                  <c16:uniqueId val="{00000011-b31c-677d-28c5-25363aa92ef6}"/>
+                </c:ext>
+              </c:extLst>
+            </c:dLbl>
+            <c:dLbl>
+              <c:idx val="11"/>
+              <c:tx>
+                <c:rich>
+                  <a:bodyPr>
+                    <a:spAutoFit/>
+                  </a:bodyPr>
+                  <a:lstStyle/>
+                  <a:p>
+                    <a:pPr>
+                      <a:defRPr/>
+                    </a:pPr>
+                    <a:r>
+                      <a:rPr lang="en-US" dirty="0"/>
+                      <a:t>老年医学科</a:t>
+                    </a:r>
+                  </a:p>
+                </c:rich>
+              </c:tx>
+              <c:spPr>
+                <a:noFill/>
+                <a:ln>
+                  <a:noFill/>
+                </a:ln>
+                <a:effectLst/>
+              </c:spPr>
+              <c:dLblPos val="t"/>
+              <c:showLegendKey val="0"/>
+              <c:showVal val="0"/>
+              <c:showCatName val="0"/>
+              <c:showSerName val="0"/>
+              <c:showPercent val="0"/>
+              <c:showBubbleSize val="0"/>
+              <c:showLeaderLines val="1"/>
+              <c:extLst>
+                <c:ext xmlns:c15="http://schemas.microsoft.com/office/drawing/2012/chart" uri="{CE6537A1-D6FC-4f65-9D91-7224C49458BB}"/>
+                <c:ext xmlns:c16="http://schemas.microsoft.com/office/drawing/2014/chart" uri="{C3380CC4-5D6E-409C-BE32-E72D297353CC}">
+                  <c16:uniqueId val="{00000012-b31c-677d-28c5-25363aa92ef6}"/>
+                </c:ext>
+              </c:extLst>
+            </c:dLbl>
+            <c:dLbl>
+              <c:idx val="12"/>
+              <c:tx>
+                <c:rich>
+                  <a:bodyPr>
+                    <a:spAutoFit/>
+                  </a:bodyPr>
+                  <a:lstStyle/>
+                  <a:p>
+                    <a:pPr>
+                      <a:defRPr/>
+                    </a:pPr>
+                    <a:r>
+                      <a:rPr lang="en-US" dirty="0"/>
+                      <a:t>呼吸内科</a:t>
+                    </a:r>
+                  </a:p>
+                </c:rich>
+              </c:tx>
+              <c:spPr>
+                <a:noFill/>
+                <a:ln>
+                  <a:noFill/>
+                </a:ln>
+                <a:effectLst/>
+              </c:spPr>
+              <c:dLblPos val="t"/>
+              <c:showLegendKey val="0"/>
+              <c:showVal val="0"/>
+              <c:showCatName val="0"/>
+              <c:showSerName val="0"/>
+              <c:showPercent val="0"/>
+              <c:showBubbleSize val="0"/>
+              <c:showLeaderLines val="1"/>
+              <c:extLst>
+                <c:ext xmlns:c15="http://schemas.microsoft.com/office/drawing/2012/chart" uri="{CE6537A1-D6FC-4f65-9D91-7224C49458BB}"/>
+                <c:ext xmlns:c16="http://schemas.microsoft.com/office/drawing/2014/chart" uri="{C3380CC4-5D6E-409C-BE32-E72D297353CC}">
+                  <c16:uniqueId val="{00000013-b31c-677d-28c5-25363aa92ef6}"/>
+                </c:ext>
+              </c:extLst>
+            </c:dLbl>
+            <c:dLbl>
+              <c:idx val="13"/>
+              <c:tx>
+                <c:rich>
+                  <a:bodyPr>
+                    <a:spAutoFit/>
+                  </a:bodyPr>
+                  <a:lstStyle/>
+                  <a:p>
+                    <a:pPr>
+                      <a:defRPr/>
+                    </a:pPr>
+                    <a:r>
+                      <a:rPr lang="en-US" dirty="0"/>
+                      <a:t>综合内科</a:t>
+                    </a:r>
+                  </a:p>
+                </c:rich>
+              </c:tx>
+              <c:spPr>
+                <a:noFill/>
+                <a:ln>
+                  <a:noFill/>
+                </a:ln>
+                <a:effectLst/>
+              </c:spPr>
+              <c:dLblPos val="t"/>
+              <c:showLegendKey val="0"/>
+              <c:showVal val="0"/>
+              <c:showCatName val="0"/>
+              <c:showSerName val="0"/>
+              <c:showPercent val="0"/>
+              <c:showBubbleSize val="0"/>
+              <c:showLeaderLines val="1"/>
+              <c:extLst>
+                <c:ext xmlns:c15="http://schemas.microsoft.com/office/drawing/2012/chart" uri="{CE6537A1-D6FC-4f65-9D91-7224C49458BB}"/>
+                <c:ext xmlns:c16="http://schemas.microsoft.com/office/drawing/2014/chart" uri="{C3380CC4-5D6E-409C-BE32-E72D297353CC}">
+                  <c16:uniqueId val="{00000014-b31c-677d-28c5-25363aa92ef6}"/>
+                </c:ext>
+              </c:extLst>
+            </c:dLbl>
+            <c:dLbl>
+              <c:idx val="14"/>
+              <c:tx>
+                <c:rich>
+                  <a:bodyPr>
+                    <a:spAutoFit/>
+                  </a:bodyPr>
+                  <a:lstStyle/>
+                  <a:p>
+                    <a:pPr>
+                      <a:defRPr/>
+                    </a:pPr>
+                    <a:r>
+                      <a:rPr lang="en-US" dirty="0"/>
                       <a:t>皮肤科</a:t>
                     </a:r>
                   </a:p>
@@ -244,12 +818,12 @@
               <c:extLst>
                 <c:ext xmlns:c15="http://schemas.microsoft.com/office/drawing/2012/chart" uri="{CE6537A1-D6FC-4f65-9D91-7224C49458BB}"/>
                 <c:ext xmlns:c16="http://schemas.microsoft.com/office/drawing/2014/chart" uri="{C3380CC4-5D6E-409C-BE32-E72D297353CC}">
-                  <c16:uniqueId val="{00000001-ecfb-f07d-2380-8b05bb07ca81}"/>
+                  <c16:uniqueId val="{00000015-b31c-677d-28c5-25363aa92ef6}"/>
                 </c:ext>
               </c:extLst>
             </c:dLbl>
             <c:dLbl>
-              <c:idx val="1"/>
+              <c:idx val="15"/>
               <c:tx>
                 <c:rich>
                   <a:bodyPr>
@@ -262,7 +836,7 @@
                     </a:pPr>
                     <a:r>
                       <a:rPr lang="en-US" dirty="0"/>
-                      <a:t>美容皮肤科</a:t>
+                      <a:t>推拿科</a:t>
                     </a:r>
                   </a:p>
                 </c:rich>
@@ -285,12 +859,12 @@
               <c:extLst>
                 <c:ext xmlns:c15="http://schemas.microsoft.com/office/drawing/2012/chart" uri="{CE6537A1-D6FC-4f65-9D91-7224C49458BB}"/>
                 <c:ext xmlns:c16="http://schemas.microsoft.com/office/drawing/2014/chart" uri="{C3380CC4-5D6E-409C-BE32-E72D297353CC}">
-                  <c16:uniqueId val="{00000002-ecfb-f07d-2380-8b05bb07ca81}"/>
+                  <c16:uniqueId val="{00000016-b31c-677d-28c5-25363aa92ef6}"/>
                 </c:ext>
               </c:extLst>
             </c:dLbl>
             <c:dLbl>
-              <c:idx val="2"/>
+              <c:idx val="16"/>
               <c:tx>
                 <c:rich>
                   <a:bodyPr>
@@ -303,7 +877,7 @@
                     </a:pPr>
                     <a:r>
                       <a:rPr lang="en-US" dirty="0"/>
-                      <a:t>脑病一科</a:t>
+                      <a:t>心病一科</a:t>
                     </a:r>
                   </a:p>
                 </c:rich>
@@ -326,12 +900,94 @@
               <c:extLst>
                 <c:ext xmlns:c15="http://schemas.microsoft.com/office/drawing/2012/chart" uri="{CE6537A1-D6FC-4f65-9D91-7224C49458BB}"/>
                 <c:ext xmlns:c16="http://schemas.microsoft.com/office/drawing/2014/chart" uri="{C3380CC4-5D6E-409C-BE32-E72D297353CC}">
-                  <c16:uniqueId val="{00000003-ecfb-f07d-2380-8b05bb07ca81}"/>
+                  <c16:uniqueId val="{00000017-b31c-677d-28c5-25363aa92ef6}"/>
                 </c:ext>
               </c:extLst>
             </c:dLbl>
             <c:dLbl>
-              <c:idx val="3"/>
+              <c:idx val="17"/>
+              <c:tx>
+                <c:rich>
+                  <a:bodyPr>
+                    <a:spAutoFit/>
+                  </a:bodyPr>
+                  <a:lstStyle/>
+                  <a:p>
+                    <a:pPr>
+                      <a:defRPr/>
+                    </a:pPr>
+                    <a:r>
+                      <a:rPr lang="en-US" dirty="0"/>
+                      <a:t>针灸科</a:t>
+                    </a:r>
+                  </a:p>
+                </c:rich>
+              </c:tx>
+              <c:spPr>
+                <a:noFill/>
+                <a:ln>
+                  <a:noFill/>
+                </a:ln>
+                <a:effectLst/>
+              </c:spPr>
+              <c:dLblPos val="t"/>
+              <c:showLegendKey val="0"/>
+              <c:showVal val="0"/>
+              <c:showCatName val="0"/>
+              <c:showSerName val="0"/>
+              <c:showPercent val="0"/>
+              <c:showBubbleSize val="0"/>
+              <c:showLeaderLines val="1"/>
+              <c:extLst>
+                <c:ext xmlns:c15="http://schemas.microsoft.com/office/drawing/2012/chart" uri="{CE6537A1-D6FC-4f65-9D91-7224C49458BB}"/>
+                <c:ext xmlns:c16="http://schemas.microsoft.com/office/drawing/2014/chart" uri="{C3380CC4-5D6E-409C-BE32-E72D297353CC}">
+                  <c16:uniqueId val="{00000018-b31c-677d-28c5-25363aa92ef6}"/>
+                </c:ext>
+              </c:extLst>
+            </c:dLbl>
+            <c:dLbl>
+              <c:idx val="18"/>
+              <c:tx>
+                <c:rich>
+                  <a:bodyPr>
+                    <a:spAutoFit/>
+                  </a:bodyPr>
+                  <a:lstStyle/>
+                  <a:p>
+                    <a:pPr>
+                      <a:defRPr/>
+                    </a:pPr>
+                    <a:r>
+                      <a:rPr lang="en-US" dirty="0"/>
+                      <a:t>心血管内科</a:t>
+                    </a:r>
+                  </a:p>
+                </c:rich>
+              </c:tx>
+              <c:spPr>
+                <a:noFill/>
+                <a:ln>
+                  <a:noFill/>
+                </a:ln>
+                <a:effectLst/>
+              </c:spPr>
+              <c:dLblPos val="t"/>
+              <c:showLegendKey val="0"/>
+              <c:showVal val="0"/>
+              <c:showCatName val="0"/>
+              <c:showSerName val="0"/>
+              <c:showPercent val="0"/>
+              <c:showBubbleSize val="0"/>
+              <c:showLeaderLines val="1"/>
+              <c:extLst>
+                <c:ext xmlns:c15="http://schemas.microsoft.com/office/drawing/2012/chart" uri="{CE6537A1-D6FC-4f65-9D91-7224C49458BB}"/>
+                <c:ext xmlns:c16="http://schemas.microsoft.com/office/drawing/2014/chart" uri="{C3380CC4-5D6E-409C-BE32-E72D297353CC}">
+                  <c16:uniqueId val="{00000019-b31c-677d-28c5-25363aa92ef6}"/>
+                </c:ext>
+              </c:extLst>
+            </c:dLbl>
+            <c:dLbl>
+              <c:idx val="19"/>
               <c:tx>
                 <c:rich>
                   <a:bodyPr>
@@ -367,663 +1023,7 @@
               <c:extLst>
                 <c:ext xmlns:c15="http://schemas.microsoft.com/office/drawing/2012/chart" uri="{CE6537A1-D6FC-4f65-9D91-7224C49458BB}"/>
                 <c:ext xmlns:c16="http://schemas.microsoft.com/office/drawing/2014/chart" uri="{C3380CC4-5D6E-409C-BE32-E72D297353CC}">
-                  <c16:uniqueId val="{00000004-ecfb-f07d-2380-8b05bb07ca81}"/>
-                </c:ext>
-              </c:extLst>
-            </c:dLbl>
-            <c:dLbl>
-              <c:idx val="4"/>
-              <c:tx>
-                <c:rich>
-                  <a:bodyPr>
-                    <a:spAutoFit/>
-                  </a:bodyPr>
-                  <a:lstStyle/>
-                  <a:p>
-                    <a:pPr>
-                      <a:defRPr/>
-                    </a:pPr>
-                    <a:r>
-                      <a:rPr lang="en-US" dirty="0"/>
-                      <a:t>中医外治中心</a:t>
-                    </a:r>
-                  </a:p>
-                </c:rich>
-              </c:tx>
-              <c:spPr>
-                <a:noFill/>
-                <a:ln>
-                  <a:noFill/>
-                </a:ln>
-                <a:effectLst/>
-              </c:spPr>
-              <c:dLblPos val="t"/>
-              <c:showLegendKey val="0"/>
-              <c:showVal val="0"/>
-              <c:showCatName val="0"/>
-              <c:showSerName val="0"/>
-              <c:showPercent val="0"/>
-              <c:showBubbleSize val="0"/>
-              <c:showLeaderLines val="1"/>
-              <c:extLst>
-                <c:ext xmlns:c15="http://schemas.microsoft.com/office/drawing/2012/chart" uri="{CE6537A1-D6FC-4f65-9D91-7224C49458BB}"/>
-                <c:ext xmlns:c16="http://schemas.microsoft.com/office/drawing/2014/chart" uri="{C3380CC4-5D6E-409C-BE32-E72D297353CC}">
-                  <c16:uniqueId val="{00000005-ecfb-f07d-2380-8b05bb07ca81}"/>
-                </c:ext>
-              </c:extLst>
-            </c:dLbl>
-            <c:dLbl>
-              <c:idx val="5"/>
-              <c:tx>
-                <c:rich>
-                  <a:bodyPr>
-                    <a:spAutoFit/>
-                  </a:bodyPr>
-                  <a:lstStyle/>
-                  <a:p>
-                    <a:pPr>
-                      <a:defRPr/>
-                    </a:pPr>
-                    <a:r>
-                      <a:rPr lang="en-US" dirty="0"/>
-                      <a:t>小儿骨科</a:t>
-                    </a:r>
-                  </a:p>
-                </c:rich>
-              </c:tx>
-              <c:spPr>
-                <a:noFill/>
-                <a:ln>
-                  <a:noFill/>
-                </a:ln>
-                <a:effectLst/>
-              </c:spPr>
-              <c:dLblPos val="t"/>
-              <c:showLegendKey val="0"/>
-              <c:showVal val="0"/>
-              <c:showCatName val="0"/>
-              <c:showSerName val="0"/>
-              <c:showPercent val="0"/>
-              <c:showBubbleSize val="0"/>
-              <c:showLeaderLines val="1"/>
-              <c:extLst>
-                <c:ext xmlns:c15="http://schemas.microsoft.com/office/drawing/2012/chart" uri="{CE6537A1-D6FC-4f65-9D91-7224C49458BB}"/>
-                <c:ext xmlns:c16="http://schemas.microsoft.com/office/drawing/2014/chart" uri="{C3380CC4-5D6E-409C-BE32-E72D297353CC}">
-                  <c16:uniqueId val="{00000006-ecfb-f07d-2380-8b05bb07ca81}"/>
-                </c:ext>
-              </c:extLst>
-            </c:dLbl>
-            <c:dLbl>
-              <c:idx val="6"/>
-              <c:tx>
-                <c:rich>
-                  <a:bodyPr>
-                    <a:spAutoFit/>
-                  </a:bodyPr>
-                  <a:lstStyle/>
-                  <a:p>
-                    <a:pPr>
-                      <a:defRPr/>
-                    </a:pPr>
-                    <a:r>
-                      <a:rPr lang="en-US" dirty="0"/>
-                      <a:t>推拿科</a:t>
-                    </a:r>
-                  </a:p>
-                </c:rich>
-              </c:tx>
-              <c:spPr>
-                <a:noFill/>
-                <a:ln>
-                  <a:noFill/>
-                </a:ln>
-                <a:effectLst/>
-              </c:spPr>
-              <c:dLblPos val="t"/>
-              <c:showLegendKey val="0"/>
-              <c:showVal val="0"/>
-              <c:showCatName val="0"/>
-              <c:showSerName val="0"/>
-              <c:showPercent val="0"/>
-              <c:showBubbleSize val="0"/>
-              <c:showLeaderLines val="1"/>
-              <c:extLst>
-                <c:ext xmlns:c15="http://schemas.microsoft.com/office/drawing/2012/chart" uri="{CE6537A1-D6FC-4f65-9D91-7224C49458BB}"/>
-                <c:ext xmlns:c16="http://schemas.microsoft.com/office/drawing/2014/chart" uri="{C3380CC4-5D6E-409C-BE32-E72D297353CC}">
-                  <c16:uniqueId val="{00000007-ecfb-f07d-2380-8b05bb07ca81}"/>
-                </c:ext>
-              </c:extLst>
-            </c:dLbl>
-            <c:dLbl>
-              <c:idx val="7"/>
-              <c:tx>
-                <c:rich>
-                  <a:bodyPr>
-                    <a:spAutoFit/>
-                  </a:bodyPr>
-                  <a:lstStyle/>
-                  <a:p>
-                    <a:pPr>
-                      <a:defRPr/>
-                    </a:pPr>
-                    <a:r>
-                      <a:rPr lang="en-US" dirty="0"/>
-                      <a:t>东区肾病科</a:t>
-                    </a:r>
-                  </a:p>
-                </c:rich>
-              </c:tx>
-              <c:spPr>
-                <a:noFill/>
-                <a:ln>
-                  <a:noFill/>
-                </a:ln>
-                <a:effectLst/>
-              </c:spPr>
-              <c:dLblPos val="t"/>
-              <c:showLegendKey val="0"/>
-              <c:showVal val="0"/>
-              <c:showCatName val="0"/>
-              <c:showSerName val="0"/>
-              <c:showPercent val="0"/>
-              <c:showBubbleSize val="0"/>
-              <c:showLeaderLines val="1"/>
-              <c:extLst>
-                <c:ext xmlns:c15="http://schemas.microsoft.com/office/drawing/2012/chart" uri="{CE6537A1-D6FC-4f65-9D91-7224C49458BB}"/>
-                <c:ext xmlns:c16="http://schemas.microsoft.com/office/drawing/2014/chart" uri="{C3380CC4-5D6E-409C-BE32-E72D297353CC}">
-                  <c16:uniqueId val="{00000008-ecfb-f07d-2380-8b05bb07ca81}"/>
-                </c:ext>
-              </c:extLst>
-            </c:dLbl>
-            <c:dLbl>
-              <c:idx val="8"/>
-              <c:tx>
-                <c:rich>
-                  <a:bodyPr>
-                    <a:spAutoFit/>
-                  </a:bodyPr>
-                  <a:lstStyle/>
-                  <a:p>
-                    <a:pPr>
-                      <a:defRPr/>
-                    </a:pPr>
-                    <a:r>
-                      <a:rPr lang="en-US" dirty="0"/>
-                      <a:t>脾胃病科</a:t>
-                    </a:r>
-                  </a:p>
-                </c:rich>
-              </c:tx>
-              <c:spPr>
-                <a:noFill/>
-                <a:ln>
-                  <a:noFill/>
-                </a:ln>
-                <a:effectLst/>
-              </c:spPr>
-              <c:dLblPos val="t"/>
-              <c:showLegendKey val="0"/>
-              <c:showVal val="0"/>
-              <c:showCatName val="0"/>
-              <c:showSerName val="0"/>
-              <c:showPercent val="0"/>
-              <c:showBubbleSize val="0"/>
-              <c:showLeaderLines val="1"/>
-              <c:extLst>
-                <c:ext xmlns:c15="http://schemas.microsoft.com/office/drawing/2012/chart" uri="{CE6537A1-D6FC-4f65-9D91-7224C49458BB}"/>
-                <c:ext xmlns:c16="http://schemas.microsoft.com/office/drawing/2014/chart" uri="{C3380CC4-5D6E-409C-BE32-E72D297353CC}">
-                  <c16:uniqueId val="{00000009-ecfb-f07d-2380-8b05bb07ca81}"/>
-                </c:ext>
-              </c:extLst>
-            </c:dLbl>
-            <c:dLbl>
-              <c:idx val="9"/>
-              <c:tx>
-                <c:rich>
-                  <a:bodyPr>
-                    <a:spAutoFit/>
-                  </a:bodyPr>
-                  <a:lstStyle/>
-                  <a:p>
-                    <a:pPr>
-                      <a:defRPr/>
-                    </a:pPr>
-                    <a:r>
-                      <a:rPr lang="en-US" dirty="0"/>
-                      <a:t>口腔科</a:t>
-                    </a:r>
-                  </a:p>
-                </c:rich>
-              </c:tx>
-              <c:spPr>
-                <a:noFill/>
-                <a:ln>
-                  <a:noFill/>
-                </a:ln>
-                <a:effectLst/>
-              </c:spPr>
-              <c:dLblPos val="t"/>
-              <c:showLegendKey val="0"/>
-              <c:showVal val="0"/>
-              <c:showCatName val="0"/>
-              <c:showSerName val="0"/>
-              <c:showPercent val="0"/>
-              <c:showBubbleSize val="0"/>
-              <c:showLeaderLines val="1"/>
-              <c:extLst>
-                <c:ext xmlns:c15="http://schemas.microsoft.com/office/drawing/2012/chart" uri="{CE6537A1-D6FC-4f65-9D91-7224C49458BB}"/>
-                <c:ext xmlns:c16="http://schemas.microsoft.com/office/drawing/2014/chart" uri="{C3380CC4-5D6E-409C-BE32-E72D297353CC}">
-                  <c16:uniqueId val="{00000010-ecfb-f07d-2380-8b05bb07ca81}"/>
-                </c:ext>
-              </c:extLst>
-            </c:dLbl>
-            <c:dLbl>
-              <c:idx val="10"/>
-              <c:tx>
-                <c:rich>
-                  <a:bodyPr>
-                    <a:spAutoFit/>
-                  </a:bodyPr>
-                  <a:lstStyle/>
-                  <a:p>
-                    <a:pPr>
-                      <a:defRPr/>
-                    </a:pPr>
-                    <a:r>
-                      <a:rPr lang="en-US" dirty="0"/>
-                      <a:t>重症医学科</a:t>
-                    </a:r>
-                  </a:p>
-                </c:rich>
-              </c:tx>
-              <c:spPr>
-                <a:noFill/>
-                <a:ln>
-                  <a:noFill/>
-                </a:ln>
-                <a:effectLst/>
-              </c:spPr>
-              <c:dLblPos val="t"/>
-              <c:showLegendKey val="0"/>
-              <c:showVal val="0"/>
-              <c:showCatName val="0"/>
-              <c:showSerName val="0"/>
-              <c:showPercent val="0"/>
-              <c:showBubbleSize val="0"/>
-              <c:showLeaderLines val="1"/>
-              <c:extLst>
-                <c:ext xmlns:c15="http://schemas.microsoft.com/office/drawing/2012/chart" uri="{CE6537A1-D6FC-4f65-9D91-7224C49458BB}"/>
-                <c:ext xmlns:c16="http://schemas.microsoft.com/office/drawing/2014/chart" uri="{C3380CC4-5D6E-409C-BE32-E72D297353CC}">
-                  <c16:uniqueId val="{00000011-ecfb-f07d-2380-8b05bb07ca81}"/>
-                </c:ext>
-              </c:extLst>
-            </c:dLbl>
-            <c:dLbl>
-              <c:idx val="11"/>
-              <c:tx>
-                <c:rich>
-                  <a:bodyPr>
-                    <a:spAutoFit/>
-                  </a:bodyPr>
-                  <a:lstStyle/>
-                  <a:p>
-                    <a:pPr>
-                      <a:defRPr/>
-                    </a:pPr>
-                    <a:r>
-                      <a:rPr lang="en-US" dirty="0"/>
-                      <a:t>产科</a:t>
-                    </a:r>
-                  </a:p>
-                </c:rich>
-              </c:tx>
-              <c:spPr>
-                <a:noFill/>
-                <a:ln>
-                  <a:noFill/>
-                </a:ln>
-                <a:effectLst/>
-              </c:spPr>
-              <c:dLblPos val="t"/>
-              <c:showLegendKey val="0"/>
-              <c:showVal val="0"/>
-              <c:showCatName val="0"/>
-              <c:showSerName val="0"/>
-              <c:showPercent val="0"/>
-              <c:showBubbleSize val="0"/>
-              <c:showLeaderLines val="1"/>
-              <c:extLst>
-                <c:ext xmlns:c15="http://schemas.microsoft.com/office/drawing/2012/chart" uri="{CE6537A1-D6FC-4f65-9D91-7224C49458BB}"/>
-                <c:ext xmlns:c16="http://schemas.microsoft.com/office/drawing/2014/chart" uri="{C3380CC4-5D6E-409C-BE32-E72D297353CC}">
-                  <c16:uniqueId val="{00000012-ecfb-f07d-2380-8b05bb07ca81}"/>
-                </c:ext>
-              </c:extLst>
-            </c:dLbl>
-            <c:dLbl>
-              <c:idx val="12"/>
-              <c:tx>
-                <c:rich>
-                  <a:bodyPr>
-                    <a:spAutoFit/>
-                  </a:bodyPr>
-                  <a:lstStyle/>
-                  <a:p>
-                    <a:pPr>
-                      <a:defRPr/>
-                    </a:pPr>
-                    <a:r>
-                      <a:rPr lang="en-US" dirty="0"/>
-                      <a:t>脑病三科</a:t>
-                    </a:r>
-                  </a:p>
-                </c:rich>
-              </c:tx>
-              <c:spPr>
-                <a:noFill/>
-                <a:ln>
-                  <a:noFill/>
-                </a:ln>
-                <a:effectLst/>
-              </c:spPr>
-              <c:dLblPos val="t"/>
-              <c:showLegendKey val="0"/>
-              <c:showVal val="0"/>
-              <c:showCatName val="0"/>
-              <c:showSerName val="0"/>
-              <c:showPercent val="0"/>
-              <c:showBubbleSize val="0"/>
-              <c:showLeaderLines val="1"/>
-              <c:extLst>
-                <c:ext xmlns:c15="http://schemas.microsoft.com/office/drawing/2012/chart" uri="{CE6537A1-D6FC-4f65-9D91-7224C49458BB}"/>
-                <c:ext xmlns:c16="http://schemas.microsoft.com/office/drawing/2014/chart" uri="{C3380CC4-5D6E-409C-BE32-E72D297353CC}">
-                  <c16:uniqueId val="{00000013-ecfb-f07d-2380-8b05bb07ca81}"/>
-                </c:ext>
-              </c:extLst>
-            </c:dLbl>
-            <c:dLbl>
-              <c:idx val="13"/>
-              <c:tx>
-                <c:rich>
-                  <a:bodyPr>
-                    <a:spAutoFit/>
-                  </a:bodyPr>
-                  <a:lstStyle/>
-                  <a:p>
-                    <a:pPr>
-                      <a:defRPr/>
-                    </a:pPr>
-                    <a:r>
-                      <a:rPr lang="en-US" dirty="0"/>
-                      <a:t>风湿病科</a:t>
-                    </a:r>
-                  </a:p>
-                </c:rich>
-              </c:tx>
-              <c:spPr>
-                <a:noFill/>
-                <a:ln>
-                  <a:noFill/>
-                </a:ln>
-                <a:effectLst/>
-              </c:spPr>
-              <c:dLblPos val="t"/>
-              <c:showLegendKey val="0"/>
-              <c:showVal val="0"/>
-              <c:showCatName val="0"/>
-              <c:showSerName val="0"/>
-              <c:showPercent val="0"/>
-              <c:showBubbleSize val="0"/>
-              <c:showLeaderLines val="1"/>
-              <c:extLst>
-                <c:ext xmlns:c15="http://schemas.microsoft.com/office/drawing/2012/chart" uri="{CE6537A1-D6FC-4f65-9D91-7224C49458BB}"/>
-                <c:ext xmlns:c16="http://schemas.microsoft.com/office/drawing/2014/chart" uri="{C3380CC4-5D6E-409C-BE32-E72D297353CC}">
-                  <c16:uniqueId val="{00000014-ecfb-f07d-2380-8b05bb07ca81}"/>
-                </c:ext>
-              </c:extLst>
-            </c:dLbl>
-            <c:dLbl>
-              <c:idx val="14"/>
-              <c:tx>
-                <c:rich>
-                  <a:bodyPr>
-                    <a:spAutoFit/>
-                  </a:bodyPr>
-                  <a:lstStyle/>
-                  <a:p>
-                    <a:pPr>
-                      <a:defRPr/>
-                    </a:pPr>
-                    <a:r>
-                      <a:rPr lang="en-US" dirty="0"/>
-                      <a:t>老年医学科</a:t>
-                    </a:r>
-                  </a:p>
-                </c:rich>
-              </c:tx>
-              <c:spPr>
-                <a:noFill/>
-                <a:ln>
-                  <a:noFill/>
-                </a:ln>
-                <a:effectLst/>
-              </c:spPr>
-              <c:dLblPos val="t"/>
-              <c:showLegendKey val="0"/>
-              <c:showVal val="0"/>
-              <c:showCatName val="0"/>
-              <c:showSerName val="0"/>
-              <c:showPercent val="0"/>
-              <c:showBubbleSize val="0"/>
-              <c:showLeaderLines val="1"/>
-              <c:extLst>
-                <c:ext xmlns:c15="http://schemas.microsoft.com/office/drawing/2012/chart" uri="{CE6537A1-D6FC-4f65-9D91-7224C49458BB}"/>
-                <c:ext xmlns:c16="http://schemas.microsoft.com/office/drawing/2014/chart" uri="{C3380CC4-5D6E-409C-BE32-E72D297353CC}">
-                  <c16:uniqueId val="{00000015-ecfb-f07d-2380-8b05bb07ca81}"/>
-                </c:ext>
-              </c:extLst>
-            </c:dLbl>
-            <c:dLbl>
-              <c:idx val="15"/>
-              <c:tx>
-                <c:rich>
-                  <a:bodyPr>
-                    <a:spAutoFit/>
-                  </a:bodyPr>
-                  <a:lstStyle/>
-                  <a:p>
-                    <a:pPr>
-                      <a:defRPr/>
-                    </a:pPr>
-                    <a:r>
-                      <a:rPr lang="en-US" dirty="0"/>
-                      <a:t>妇二科</a:t>
-                    </a:r>
-                  </a:p>
-                </c:rich>
-              </c:tx>
-              <c:spPr>
-                <a:noFill/>
-                <a:ln>
-                  <a:noFill/>
-                </a:ln>
-                <a:effectLst/>
-              </c:spPr>
-              <c:dLblPos val="t"/>
-              <c:showLegendKey val="0"/>
-              <c:showVal val="0"/>
-              <c:showCatName val="0"/>
-              <c:showSerName val="0"/>
-              <c:showPercent val="0"/>
-              <c:showBubbleSize val="0"/>
-              <c:showLeaderLines val="1"/>
-              <c:extLst>
-                <c:ext xmlns:c15="http://schemas.microsoft.com/office/drawing/2012/chart" uri="{CE6537A1-D6FC-4f65-9D91-7224C49458BB}"/>
-                <c:ext xmlns:c16="http://schemas.microsoft.com/office/drawing/2014/chart" uri="{C3380CC4-5D6E-409C-BE32-E72D297353CC}">
-                  <c16:uniqueId val="{00000016-ecfb-f07d-2380-8b05bb07ca81}"/>
-                </c:ext>
-              </c:extLst>
-            </c:dLbl>
-            <c:dLbl>
-              <c:idx val="16"/>
-              <c:tx>
-                <c:rich>
-                  <a:bodyPr>
-                    <a:spAutoFit/>
-                  </a:bodyPr>
-                  <a:lstStyle/>
-                  <a:p>
-                    <a:pPr>
-                      <a:defRPr/>
-                    </a:pPr>
-                    <a:r>
-                      <a:rPr lang="en-US" dirty="0"/>
-                      <a:t>身心医学科</a:t>
-                    </a:r>
-                  </a:p>
-                </c:rich>
-              </c:tx>
-              <c:spPr>
-                <a:noFill/>
-                <a:ln>
-                  <a:noFill/>
-                </a:ln>
-                <a:effectLst/>
-              </c:spPr>
-              <c:dLblPos val="t"/>
-              <c:showLegendKey val="0"/>
-              <c:showVal val="0"/>
-              <c:showCatName val="0"/>
-              <c:showSerName val="0"/>
-              <c:showPercent val="0"/>
-              <c:showBubbleSize val="0"/>
-              <c:showLeaderLines val="1"/>
-              <c:extLst>
-                <c:ext xmlns:c15="http://schemas.microsoft.com/office/drawing/2012/chart" uri="{CE6537A1-D6FC-4f65-9D91-7224C49458BB}"/>
-                <c:ext xmlns:c16="http://schemas.microsoft.com/office/drawing/2014/chart" uri="{C3380CC4-5D6E-409C-BE32-E72D297353CC}">
-                  <c16:uniqueId val="{00000017-ecfb-f07d-2380-8b05bb07ca81}"/>
-                </c:ext>
-              </c:extLst>
-            </c:dLbl>
-            <c:dLbl>
-              <c:idx val="17"/>
-              <c:tx>
-                <c:rich>
-                  <a:bodyPr>
-                    <a:spAutoFit/>
-                  </a:bodyPr>
-                  <a:lstStyle/>
-                  <a:p>
-                    <a:pPr>
-                      <a:defRPr/>
-                    </a:pPr>
-                    <a:r>
-                      <a:rPr lang="en-US" dirty="0"/>
-                      <a:t>微创骨科</a:t>
-                    </a:r>
-                  </a:p>
-                </c:rich>
-              </c:tx>
-              <c:spPr>
-                <a:noFill/>
-                <a:ln>
-                  <a:noFill/>
-                </a:ln>
-                <a:effectLst/>
-              </c:spPr>
-              <c:dLblPos val="t"/>
-              <c:showLegendKey val="0"/>
-              <c:showVal val="0"/>
-              <c:showCatName val="0"/>
-              <c:showSerName val="0"/>
-              <c:showPercent val="0"/>
-              <c:showBubbleSize val="0"/>
-              <c:showLeaderLines val="1"/>
-              <c:extLst>
-                <c:ext xmlns:c15="http://schemas.microsoft.com/office/drawing/2012/chart" uri="{CE6537A1-D6FC-4f65-9D91-7224C49458BB}"/>
-                <c:ext xmlns:c16="http://schemas.microsoft.com/office/drawing/2014/chart" uri="{C3380CC4-5D6E-409C-BE32-E72D297353CC}">
-                  <c16:uniqueId val="{00000018-ecfb-f07d-2380-8b05bb07ca81}"/>
-                </c:ext>
-              </c:extLst>
-            </c:dLbl>
-            <c:dLbl>
-              <c:idx val="18"/>
-              <c:tx>
-                <c:rich>
-                  <a:bodyPr>
-                    <a:spAutoFit/>
-                  </a:bodyPr>
-                  <a:lstStyle/>
-                  <a:p>
-                    <a:pPr>
-                      <a:defRPr/>
-                    </a:pPr>
-                    <a:r>
-                      <a:rPr lang="en-US" dirty="0"/>
-                      <a:t>脑病二科</a:t>
-                    </a:r>
-                  </a:p>
-                </c:rich>
-              </c:tx>
-              <c:spPr>
-                <a:noFill/>
-                <a:ln>
-                  <a:noFill/>
-                </a:ln>
-                <a:effectLst/>
-              </c:spPr>
-              <c:dLblPos val="t"/>
-              <c:showLegendKey val="0"/>
-              <c:showVal val="0"/>
-              <c:showCatName val="0"/>
-              <c:showSerName val="0"/>
-              <c:showPercent val="0"/>
-              <c:showBubbleSize val="0"/>
-              <c:showLeaderLines val="1"/>
-              <c:extLst>
-                <c:ext xmlns:c15="http://schemas.microsoft.com/office/drawing/2012/chart" uri="{CE6537A1-D6FC-4f65-9D91-7224C49458BB}"/>
-                <c:ext xmlns:c16="http://schemas.microsoft.com/office/drawing/2014/chart" uri="{C3380CC4-5D6E-409C-BE32-E72D297353CC}">
-                  <c16:uniqueId val="{00000019-ecfb-f07d-2380-8b05bb07ca81}"/>
-                </c:ext>
-              </c:extLst>
-            </c:dLbl>
-            <c:dLbl>
-              <c:idx val="19"/>
-              <c:tx>
-                <c:rich>
-                  <a:bodyPr>
-                    <a:spAutoFit/>
-                  </a:bodyPr>
-                  <a:lstStyle/>
-                  <a:p>
-                    <a:pPr>
-                      <a:defRPr/>
-                    </a:pPr>
-                    <a:r>
-                      <a:rPr lang="en-US" dirty="0"/>
-                      <a:t>神经内科</a:t>
-                    </a:r>
-                  </a:p>
-                </c:rich>
-              </c:tx>
-              <c:spPr>
-                <a:noFill/>
-                <a:ln>
-                  <a:noFill/>
-                </a:ln>
-                <a:effectLst/>
-              </c:spPr>
-              <c:dLblPos val="t"/>
-              <c:showLegendKey val="0"/>
-              <c:showVal val="0"/>
-              <c:showCatName val="0"/>
-              <c:showSerName val="0"/>
-              <c:showPercent val="0"/>
-              <c:showBubbleSize val="0"/>
-              <c:showLeaderLines val="1"/>
-              <c:extLst>
-                <c:ext xmlns:c15="http://schemas.microsoft.com/office/drawing/2012/chart" uri="{CE6537A1-D6FC-4f65-9D91-7224C49458BB}"/>
-                <c:ext xmlns:c16="http://schemas.microsoft.com/office/drawing/2014/chart" uri="{C3380CC4-5D6E-409C-BE32-E72D297353CC}">
-                  <c16:uniqueId val="{00000020-ecfb-f07d-2380-8b05bb07ca81}"/>
+                  <c16:uniqueId val="{00000020-b31c-677d-28c5-25363aa92ef6}"/>
                 </c:ext>
               </c:extLst>
             </c:dLbl>
@@ -1035,64 +1035,64 @@
                 <c:formatCode>General</c:formatCode>
                 <c:ptCount val="20"/>
                 <c:pt idx="0">
-                  <c:v>0.002188197701932107</c:v>
+                  <c:v>0.0020109232914280743</c:v>
                 </c:pt>
                 <c:pt idx="1">
-                  <c:v>0.0042317349147534935</c:v>
+                  <c:v>0.003638322027002175</c:v>
                 </c:pt>
                 <c:pt idx="2">
-                  <c:v>0.0025356601231301583</c:v>
+                  <c:v>0.0036316035221792757</c:v>
                 </c:pt>
                 <c:pt idx="3">
-                  <c:v>0.0006057578533543664</c:v>
+                  <c:v>0.00014474752627032517</c:v>
                 </c:pt>
                 <c:pt idx="4">
-                  <c:v>0.003979248764261626</c:v>
+                  <c:v>0.002115573958138311</c:v>
                 </c:pt>
                 <c:pt idx="5">
-                  <c:v>0.0015697904319596087</c:v>
+                  <c:v>0.0010668287311660575</c:v>
                 </c:pt>
                 <c:pt idx="6">
-                  <c:v>0.000043690478274773386</c:v>
+                  <c:v>0.003712395816778325</c:v>
                 </c:pt>
                 <c:pt idx="7">
-                  <c:v>0.0028935822673072952</c:v>
+                  <c:v>0.0008434515195250476</c:v>
                 </c:pt>
                 <c:pt idx="8">
-                  <c:v>0.002200643054621717</c:v>
+                  <c:v>0.002564453445667028</c:v>
                 </c:pt>
                 <c:pt idx="9">
-                  <c:v>0.0010607650267944536</c:v>
+                  <c:v>0.00463536728882629</c:v>
                 </c:pt>
                 <c:pt idx="10">
-                  <c:v>0.004344895377907252</c:v>
+                  <c:v>0.002844809372532991</c:v>
                 </c:pt>
                 <c:pt idx="11">
-                  <c:v>0.002301696368942278</c:v>
+                  <c:v>0.002029701256960592</c:v>
                 </c:pt>
                 <c:pt idx="12">
-                  <c:v>0.00035486079569305525</c:v>
+                  <c:v>0.003189463267978094</c:v>
                 </c:pt>
                 <c:pt idx="13">
-                  <c:v>0.002608353225229334</c:v>
+                  <c:v>0.0008050397061041101</c:v>
                 </c:pt>
                 <c:pt idx="14">
-                  <c:v>0.0005098954752624052</c:v>
+                  <c:v>0.002212210873985889</c:v>
                 </c:pt>
                 <c:pt idx="15">
-                  <c:v>0.0011613590331042449</c:v>
+                  <c:v>0.000404651424428633</c:v>
                 </c:pt>
                 <c:pt idx="16">
-                  <c:v>0.0022984408416338873</c:v>
+                  <c:v>0.002902758452385843</c:v>
                 </c:pt>
                 <c:pt idx="17">
-                  <c:v>0.0017347239231818188</c:v>
+                  <c:v>0.0010139518103965248</c:v>
                 </c:pt>
                 <c:pt idx="18">
-                  <c:v>0.0038328308744696193</c:v>
+                  <c:v>0.0017562931042686086</c:v>
                 </c:pt>
                 <c:pt idx="19">
-                  <c:v>0.0020890840780633546</c:v>
+                  <c:v>0.0010167090665620536</c:v>
                 </c:pt>
               </c:numCache>
             </c:numRef>
@@ -1107,61 +1107,61 @@
                   <c:v>100</c:v>
                 </c:pt>
                 <c:pt idx="1">
-                  <c:v>73.61817424726893</c:v>
+                  <c:v>91.86254098933522</c:v>
                 </c:pt>
                 <c:pt idx="2">
-                  <c:v>66.01678741912674</c:v>
+                  <c:v>40.268361420276584</c:v>
                 </c:pt>
                 <c:pt idx="3">
-                  <c:v>62.302407577743175</c:v>
+                  <c:v>35.596810549565895</c:v>
                 </c:pt>
                 <c:pt idx="4">
-                  <c:v>60.32542497331933</c:v>
+                  <c:v>33.88426354351857</c:v>
                 </c:pt>
                 <c:pt idx="5">
-                  <c:v>54.20491850121154</c:v>
+                  <c:v>33.26293003484116</c:v>
                 </c:pt>
                 <c:pt idx="6">
-                  <c:v>49.31240729346743</c:v>
+                  <c:v>33.231608018093986</c:v>
                 </c:pt>
                 <c:pt idx="7">
-                  <c:v>45.33265947833558</c:v>
+                  <c:v>32.33152020595787</c:v>
                 </c:pt>
                 <c:pt idx="8">
-                  <c:v>44.14299999301752</c:v>
+                  <c:v>28.829257024517503</c:v>
                 </c:pt>
                 <c:pt idx="9">
-                  <c:v>43.24229116441408</c:v>
+                  <c:v>25.71067912673934</c:v>
                 </c:pt>
                 <c:pt idx="10">
-                  <c:v>42.858598916874314</c:v>
+                  <c:v>24.704010825857697</c:v>
                 </c:pt>
                 <c:pt idx="11">
-                  <c:v>41.72696284843356</c:v>
+                  <c:v>24.60046602024694</c:v>
                 </c:pt>
                 <c:pt idx="12">
-                  <c:v>35.566686590558085</c:v>
+                  <c:v>24.024243700476347</c:v>
                 </c:pt>
                 <c:pt idx="13">
-                  <c:v>35.097093259384984</c:v>
+                  <c:v>23.86243829557071</c:v>
                 </c:pt>
                 <c:pt idx="14">
-                  <c:v>33.23823019828413</c:v>
+                  <c:v>23.21028733893232</c:v>
                 </c:pt>
                 <c:pt idx="15">
-                  <c:v>33.17437569617474</c:v>
+                  <c:v>22.43228301370429</c:v>
                 </c:pt>
                 <c:pt idx="16">
-                  <c:v>32.24307877699071</c:v>
+                  <c:v>21.17410815170095</c:v>
                 </c:pt>
                 <c:pt idx="17">
-                  <c:v>31.825847756913436</c:v>
+                  <c:v>20.771732460033732</c:v>
                 </c:pt>
                 <c:pt idx="18">
-                  <c:v>29.864018548810407</c:v>
+                  <c:v>20.673224424387413</c:v>
                 </c:pt>
                 <c:pt idx="19">
-                  <c:v>29.779224177425522</c:v>
+                  <c:v>20.557654561460474</c:v>
                 </c:pt>
               </c:numCache>
             </c:numRef>
@@ -1498,7 +1498,7 @@
               <c:extLst>
                 <c:ext xmlns:c15="http://schemas.microsoft.com/office/drawing/2012/chart" uri="{CE6537A1-D6FC-4f65-9D91-7224C49458BB}"/>
                 <c:ext xmlns:c16="http://schemas.microsoft.com/office/drawing/2014/chart" uri="{C3380CC4-5D6E-409C-BE32-E72D297353CC}">
-                  <c16:uniqueId val="{00000001-3af0-9cde-e190-3df76eeed07c}"/>
+                  <c16:uniqueId val="{00000001-3476-03b7-3837-5d1299411592}"/>
                 </c:ext>
               </c:extLst>
             </c:dLbl>
@@ -1516,7 +1516,7 @@
                     </a:pPr>
                     <a:r>
                       <a:rPr lang="en-US" dirty="0"/>
-                      <a:t>小儿推拿科</a:t>
+                      <a:t>肛肠科</a:t>
                     </a:r>
                   </a:p>
                 </c:rich>
@@ -1539,7 +1539,7 @@
               <c:extLst>
                 <c:ext xmlns:c15="http://schemas.microsoft.com/office/drawing/2012/chart" uri="{CE6537A1-D6FC-4f65-9D91-7224C49458BB}"/>
                 <c:ext xmlns:c16="http://schemas.microsoft.com/office/drawing/2014/chart" uri="{C3380CC4-5D6E-409C-BE32-E72D297353CC}">
-                  <c16:uniqueId val="{00000002-3af0-9cde-e190-3df76eeed07c}"/>
+                  <c16:uniqueId val="{00000002-3476-03b7-3837-5d1299411592}"/>
                 </c:ext>
               </c:extLst>
             </c:dLbl>
@@ -1557,7 +1557,7 @@
                     </a:pPr>
                     <a:r>
                       <a:rPr lang="en-US" dirty="0"/>
-                      <a:t>心血管内科</a:t>
+                      <a:t>脑病三科</a:t>
                     </a:r>
                   </a:p>
                 </c:rich>
@@ -1580,12 +1580,627 @@
               <c:extLst>
                 <c:ext xmlns:c15="http://schemas.microsoft.com/office/drawing/2012/chart" uri="{CE6537A1-D6FC-4f65-9D91-7224C49458BB}"/>
                 <c:ext xmlns:c16="http://schemas.microsoft.com/office/drawing/2014/chart" uri="{C3380CC4-5D6E-409C-BE32-E72D297353CC}">
-                  <c16:uniqueId val="{00000003-3af0-9cde-e190-3df76eeed07c}"/>
+                  <c16:uniqueId val="{00000003-3476-03b7-3837-5d1299411592}"/>
                 </c:ext>
               </c:extLst>
             </c:dLbl>
             <c:dLbl>
               <c:idx val="3"/>
+              <c:tx>
+                <c:rich>
+                  <a:bodyPr>
+                    <a:spAutoFit/>
+                  </a:bodyPr>
+                  <a:lstStyle/>
+                  <a:p>
+                    <a:pPr>
+                      <a:defRPr/>
+                    </a:pPr>
+                    <a:r>
+                      <a:rPr lang="en-US" dirty="0"/>
+                      <a:t>口腔科</a:t>
+                    </a:r>
+                  </a:p>
+                </c:rich>
+              </c:tx>
+              <c:spPr>
+                <a:noFill/>
+                <a:ln>
+                  <a:noFill/>
+                </a:ln>
+                <a:effectLst/>
+              </c:spPr>
+              <c:dLblPos val="t"/>
+              <c:showLegendKey val="0"/>
+              <c:showVal val="0"/>
+              <c:showCatName val="0"/>
+              <c:showSerName val="0"/>
+              <c:showPercent val="0"/>
+              <c:showBubbleSize val="0"/>
+              <c:showLeaderLines val="1"/>
+              <c:extLst>
+                <c:ext xmlns:c15="http://schemas.microsoft.com/office/drawing/2012/chart" uri="{CE6537A1-D6FC-4f65-9D91-7224C49458BB}"/>
+                <c:ext xmlns:c16="http://schemas.microsoft.com/office/drawing/2014/chart" uri="{C3380CC4-5D6E-409C-BE32-E72D297353CC}">
+                  <c16:uniqueId val="{00000004-3476-03b7-3837-5d1299411592}"/>
+                </c:ext>
+              </c:extLst>
+            </c:dLbl>
+            <c:dLbl>
+              <c:idx val="4"/>
+              <c:tx>
+                <c:rich>
+                  <a:bodyPr>
+                    <a:spAutoFit/>
+                  </a:bodyPr>
+                  <a:lstStyle/>
+                  <a:p>
+                    <a:pPr>
+                      <a:defRPr/>
+                    </a:pPr>
+                    <a:r>
+                      <a:rPr lang="en-US" dirty="0"/>
+                      <a:t>血液科</a:t>
+                    </a:r>
+                  </a:p>
+                </c:rich>
+              </c:tx>
+              <c:spPr>
+                <a:noFill/>
+                <a:ln>
+                  <a:noFill/>
+                </a:ln>
+                <a:effectLst/>
+              </c:spPr>
+              <c:dLblPos val="t"/>
+              <c:showLegendKey val="0"/>
+              <c:showVal val="0"/>
+              <c:showCatName val="0"/>
+              <c:showSerName val="0"/>
+              <c:showPercent val="0"/>
+              <c:showBubbleSize val="0"/>
+              <c:showLeaderLines val="1"/>
+              <c:extLst>
+                <c:ext xmlns:c15="http://schemas.microsoft.com/office/drawing/2012/chart" uri="{CE6537A1-D6FC-4f65-9D91-7224C49458BB}"/>
+                <c:ext xmlns:c16="http://schemas.microsoft.com/office/drawing/2014/chart" uri="{C3380CC4-5D6E-409C-BE32-E72D297353CC}">
+                  <c16:uniqueId val="{00000005-3476-03b7-3837-5d1299411592}"/>
+                </c:ext>
+              </c:extLst>
+            </c:dLbl>
+            <c:dLbl>
+              <c:idx val="5"/>
+              <c:tx>
+                <c:rich>
+                  <a:bodyPr>
+                    <a:spAutoFit/>
+                  </a:bodyPr>
+                  <a:lstStyle/>
+                  <a:p>
+                    <a:pPr>
+                      <a:defRPr/>
+                    </a:pPr>
+                    <a:r>
+                      <a:rPr lang="en-US" dirty="0"/>
+                      <a:t>内分泌科</a:t>
+                    </a:r>
+                  </a:p>
+                </c:rich>
+              </c:tx>
+              <c:spPr>
+                <a:noFill/>
+                <a:ln>
+                  <a:noFill/>
+                </a:ln>
+                <a:effectLst/>
+              </c:spPr>
+              <c:dLblPos val="t"/>
+              <c:showLegendKey val="0"/>
+              <c:showVal val="0"/>
+              <c:showCatName val="0"/>
+              <c:showSerName val="0"/>
+              <c:showPercent val="0"/>
+              <c:showBubbleSize val="0"/>
+              <c:showLeaderLines val="1"/>
+              <c:extLst>
+                <c:ext xmlns:c15="http://schemas.microsoft.com/office/drawing/2012/chart" uri="{CE6537A1-D6FC-4f65-9D91-7224C49458BB}"/>
+                <c:ext xmlns:c16="http://schemas.microsoft.com/office/drawing/2014/chart" uri="{C3380CC4-5D6E-409C-BE32-E72D297353CC}">
+                  <c16:uniqueId val="{00000006-3476-03b7-3837-5d1299411592}"/>
+                </c:ext>
+              </c:extLst>
+            </c:dLbl>
+            <c:dLbl>
+              <c:idx val="6"/>
+              <c:tx>
+                <c:rich>
+                  <a:bodyPr>
+                    <a:spAutoFit/>
+                  </a:bodyPr>
+                  <a:lstStyle/>
+                  <a:p>
+                    <a:pPr>
+                      <a:defRPr/>
+                    </a:pPr>
+                    <a:r>
+                      <a:rPr lang="en-US" dirty="0"/>
+                      <a:t>显微骨科</a:t>
+                    </a:r>
+                  </a:p>
+                </c:rich>
+              </c:tx>
+              <c:spPr>
+                <a:noFill/>
+                <a:ln>
+                  <a:noFill/>
+                </a:ln>
+                <a:effectLst/>
+              </c:spPr>
+              <c:dLblPos val="t"/>
+              <c:showLegendKey val="0"/>
+              <c:showVal val="0"/>
+              <c:showCatName val="0"/>
+              <c:showSerName val="0"/>
+              <c:showPercent val="0"/>
+              <c:showBubbleSize val="0"/>
+              <c:showLeaderLines val="1"/>
+              <c:extLst>
+                <c:ext xmlns:c15="http://schemas.microsoft.com/office/drawing/2012/chart" uri="{CE6537A1-D6FC-4f65-9D91-7224C49458BB}"/>
+                <c:ext xmlns:c16="http://schemas.microsoft.com/office/drawing/2014/chart" uri="{C3380CC4-5D6E-409C-BE32-E72D297353CC}">
+                  <c16:uniqueId val="{00000007-3476-03b7-3837-5d1299411592}"/>
+                </c:ext>
+              </c:extLst>
+            </c:dLbl>
+            <c:dLbl>
+              <c:idx val="7"/>
+              <c:tx>
+                <c:rich>
+                  <a:bodyPr>
+                    <a:spAutoFit/>
+                  </a:bodyPr>
+                  <a:lstStyle/>
+                  <a:p>
+                    <a:pPr>
+                      <a:defRPr/>
+                    </a:pPr>
+                    <a:r>
+                      <a:rPr lang="en-US" dirty="0"/>
+                      <a:t>骨科</a:t>
+                    </a:r>
+                  </a:p>
+                </c:rich>
+              </c:tx>
+              <c:spPr>
+                <a:noFill/>
+                <a:ln>
+                  <a:noFill/>
+                </a:ln>
+                <a:effectLst/>
+              </c:spPr>
+              <c:dLblPos val="t"/>
+              <c:showLegendKey val="0"/>
+              <c:showVal val="0"/>
+              <c:showCatName val="0"/>
+              <c:showSerName val="0"/>
+              <c:showPercent val="0"/>
+              <c:showBubbleSize val="0"/>
+              <c:showLeaderLines val="1"/>
+              <c:extLst>
+                <c:ext xmlns:c15="http://schemas.microsoft.com/office/drawing/2012/chart" uri="{CE6537A1-D6FC-4f65-9D91-7224C49458BB}"/>
+                <c:ext xmlns:c16="http://schemas.microsoft.com/office/drawing/2014/chart" uri="{C3380CC4-5D6E-409C-BE32-E72D297353CC}">
+                  <c16:uniqueId val="{00000008-3476-03b7-3837-5d1299411592}"/>
+                </c:ext>
+              </c:extLst>
+            </c:dLbl>
+            <c:dLbl>
+              <c:idx val="8"/>
+              <c:tx>
+                <c:rich>
+                  <a:bodyPr>
+                    <a:spAutoFit/>
+                  </a:bodyPr>
+                  <a:lstStyle/>
+                  <a:p>
+                    <a:pPr>
+                      <a:defRPr/>
+                    </a:pPr>
+                    <a:r>
+                      <a:rPr lang="en-US" dirty="0"/>
+                      <a:t>妇二科</a:t>
+                    </a:r>
+                  </a:p>
+                </c:rich>
+              </c:tx>
+              <c:spPr>
+                <a:noFill/>
+                <a:ln>
+                  <a:noFill/>
+                </a:ln>
+                <a:effectLst/>
+              </c:spPr>
+              <c:dLblPos val="t"/>
+              <c:showLegendKey val="0"/>
+              <c:showVal val="0"/>
+              <c:showCatName val="0"/>
+              <c:showSerName val="0"/>
+              <c:showPercent val="0"/>
+              <c:showBubbleSize val="0"/>
+              <c:showLeaderLines val="1"/>
+              <c:extLst>
+                <c:ext xmlns:c15="http://schemas.microsoft.com/office/drawing/2012/chart" uri="{CE6537A1-D6FC-4f65-9D91-7224C49458BB}"/>
+                <c:ext xmlns:c16="http://schemas.microsoft.com/office/drawing/2014/chart" uri="{C3380CC4-5D6E-409C-BE32-E72D297353CC}">
+                  <c16:uniqueId val="{00000009-3476-03b7-3837-5d1299411592}"/>
+                </c:ext>
+              </c:extLst>
+            </c:dLbl>
+            <c:dLbl>
+              <c:idx val="9"/>
+              <c:tx>
+                <c:rich>
+                  <a:bodyPr>
+                    <a:spAutoFit/>
+                  </a:bodyPr>
+                  <a:lstStyle/>
+                  <a:p>
+                    <a:pPr>
+                      <a:defRPr/>
+                    </a:pPr>
+                    <a:r>
+                      <a:rPr lang="en-US" dirty="0"/>
+                      <a:t>关节骨科</a:t>
+                    </a:r>
+                  </a:p>
+                </c:rich>
+              </c:tx>
+              <c:spPr>
+                <a:noFill/>
+                <a:ln>
+                  <a:noFill/>
+                </a:ln>
+                <a:effectLst/>
+              </c:spPr>
+              <c:dLblPos val="t"/>
+              <c:showLegendKey val="0"/>
+              <c:showVal val="0"/>
+              <c:showCatName val="0"/>
+              <c:showSerName val="0"/>
+              <c:showPercent val="0"/>
+              <c:showBubbleSize val="0"/>
+              <c:showLeaderLines val="1"/>
+              <c:extLst>
+                <c:ext xmlns:c15="http://schemas.microsoft.com/office/drawing/2012/chart" uri="{CE6537A1-D6FC-4f65-9D91-7224C49458BB}"/>
+                <c:ext xmlns:c16="http://schemas.microsoft.com/office/drawing/2014/chart" uri="{C3380CC4-5D6E-409C-BE32-E72D297353CC}">
+                  <c16:uniqueId val="{00000010-3476-03b7-3837-5d1299411592}"/>
+                </c:ext>
+              </c:extLst>
+            </c:dLbl>
+            <c:dLbl>
+              <c:idx val="10"/>
+              <c:tx>
+                <c:rich>
+                  <a:bodyPr>
+                    <a:spAutoFit/>
+                  </a:bodyPr>
+                  <a:lstStyle/>
+                  <a:p>
+                    <a:pPr>
+                      <a:defRPr/>
+                    </a:pPr>
+                    <a:r>
+                      <a:rPr lang="en-US" dirty="0"/>
+                      <a:t>中医外治中心</a:t>
+                    </a:r>
+                  </a:p>
+                </c:rich>
+              </c:tx>
+              <c:spPr>
+                <a:noFill/>
+                <a:ln>
+                  <a:noFill/>
+                </a:ln>
+                <a:effectLst/>
+              </c:spPr>
+              <c:dLblPos val="t"/>
+              <c:showLegendKey val="0"/>
+              <c:showVal val="0"/>
+              <c:showCatName val="0"/>
+              <c:showSerName val="0"/>
+              <c:showPercent val="0"/>
+              <c:showBubbleSize val="0"/>
+              <c:showLeaderLines val="1"/>
+              <c:extLst>
+                <c:ext xmlns:c15="http://schemas.microsoft.com/office/drawing/2012/chart" uri="{CE6537A1-D6FC-4f65-9D91-7224C49458BB}"/>
+                <c:ext xmlns:c16="http://schemas.microsoft.com/office/drawing/2014/chart" uri="{C3380CC4-5D6E-409C-BE32-E72D297353CC}">
+                  <c16:uniqueId val="{00000011-3476-03b7-3837-5d1299411592}"/>
+                </c:ext>
+              </c:extLst>
+            </c:dLbl>
+            <c:dLbl>
+              <c:idx val="11"/>
+              <c:tx>
+                <c:rich>
+                  <a:bodyPr>
+                    <a:spAutoFit/>
+                  </a:bodyPr>
+                  <a:lstStyle/>
+                  <a:p>
+                    <a:pPr>
+                      <a:defRPr/>
+                    </a:pPr>
+                    <a:r>
+                      <a:rPr lang="en-US" dirty="0"/>
+                      <a:t>眼科</a:t>
+                    </a:r>
+                  </a:p>
+                </c:rich>
+              </c:tx>
+              <c:spPr>
+                <a:noFill/>
+                <a:ln>
+                  <a:noFill/>
+                </a:ln>
+                <a:effectLst/>
+              </c:spPr>
+              <c:dLblPos val="t"/>
+              <c:showLegendKey val="0"/>
+              <c:showVal val="0"/>
+              <c:showCatName val="0"/>
+              <c:showSerName val="0"/>
+              <c:showPercent val="0"/>
+              <c:showBubbleSize val="0"/>
+              <c:showLeaderLines val="1"/>
+              <c:extLst>
+                <c:ext xmlns:c15="http://schemas.microsoft.com/office/drawing/2012/chart" uri="{CE6537A1-D6FC-4f65-9D91-7224C49458BB}"/>
+                <c:ext xmlns:c16="http://schemas.microsoft.com/office/drawing/2014/chart" uri="{C3380CC4-5D6E-409C-BE32-E72D297353CC}">
+                  <c16:uniqueId val="{00000012-3476-03b7-3837-5d1299411592}"/>
+                </c:ext>
+              </c:extLst>
+            </c:dLbl>
+            <c:dLbl>
+              <c:idx val="12"/>
+              <c:tx>
+                <c:rich>
+                  <a:bodyPr>
+                    <a:spAutoFit/>
+                  </a:bodyPr>
+                  <a:lstStyle/>
+                  <a:p>
+                    <a:pPr>
+                      <a:defRPr/>
+                    </a:pPr>
+                    <a:r>
+                      <a:rPr lang="en-US" dirty="0"/>
+                      <a:t>身心医学科</a:t>
+                    </a:r>
+                  </a:p>
+                </c:rich>
+              </c:tx>
+              <c:spPr>
+                <a:noFill/>
+                <a:ln>
+                  <a:noFill/>
+                </a:ln>
+                <a:effectLst/>
+              </c:spPr>
+              <c:dLblPos val="t"/>
+              <c:showLegendKey val="0"/>
+              <c:showVal val="0"/>
+              <c:showCatName val="0"/>
+              <c:showSerName val="0"/>
+              <c:showPercent val="0"/>
+              <c:showBubbleSize val="0"/>
+              <c:showLeaderLines val="1"/>
+              <c:extLst>
+                <c:ext xmlns:c15="http://schemas.microsoft.com/office/drawing/2012/chart" uri="{CE6537A1-D6FC-4f65-9D91-7224C49458BB}"/>
+                <c:ext xmlns:c16="http://schemas.microsoft.com/office/drawing/2014/chart" uri="{C3380CC4-5D6E-409C-BE32-E72D297353CC}">
+                  <c16:uniqueId val="{00000013-3476-03b7-3837-5d1299411592}"/>
+                </c:ext>
+              </c:extLst>
+            </c:dLbl>
+            <c:dLbl>
+              <c:idx val="13"/>
+              <c:tx>
+                <c:rich>
+                  <a:bodyPr>
+                    <a:spAutoFit/>
+                  </a:bodyPr>
+                  <a:lstStyle/>
+                  <a:p>
+                    <a:pPr>
+                      <a:defRPr/>
+                    </a:pPr>
+                    <a:r>
+                      <a:rPr lang="en-US" dirty="0"/>
+                      <a:t>脑病一科</a:t>
+                    </a:r>
+                  </a:p>
+                </c:rich>
+              </c:tx>
+              <c:spPr>
+                <a:noFill/>
+                <a:ln>
+                  <a:noFill/>
+                </a:ln>
+                <a:effectLst/>
+              </c:spPr>
+              <c:dLblPos val="t"/>
+              <c:showLegendKey val="0"/>
+              <c:showVal val="0"/>
+              <c:showCatName val="0"/>
+              <c:showSerName val="0"/>
+              <c:showPercent val="0"/>
+              <c:showBubbleSize val="0"/>
+              <c:showLeaderLines val="1"/>
+              <c:extLst>
+                <c:ext xmlns:c15="http://schemas.microsoft.com/office/drawing/2012/chart" uri="{CE6537A1-D6FC-4f65-9D91-7224C49458BB}"/>
+                <c:ext xmlns:c16="http://schemas.microsoft.com/office/drawing/2014/chart" uri="{C3380CC4-5D6E-409C-BE32-E72D297353CC}">
+                  <c16:uniqueId val="{00000014-3476-03b7-3837-5d1299411592}"/>
+                </c:ext>
+              </c:extLst>
+            </c:dLbl>
+            <c:dLbl>
+              <c:idx val="14"/>
+              <c:tx>
+                <c:rich>
+                  <a:bodyPr>
+                    <a:spAutoFit/>
+                  </a:bodyPr>
+                  <a:lstStyle/>
+                  <a:p>
+                    <a:pPr>
+                      <a:defRPr/>
+                    </a:pPr>
+                    <a:r>
+                      <a:rPr lang="en-US" dirty="0"/>
+                      <a:t>脊柱骨科</a:t>
+                    </a:r>
+                  </a:p>
+                </c:rich>
+              </c:tx>
+              <c:spPr>
+                <a:noFill/>
+                <a:ln>
+                  <a:noFill/>
+                </a:ln>
+                <a:effectLst/>
+              </c:spPr>
+              <c:dLblPos val="t"/>
+              <c:showLegendKey val="0"/>
+              <c:showVal val="0"/>
+              <c:showCatName val="0"/>
+              <c:showSerName val="0"/>
+              <c:showPercent val="0"/>
+              <c:showBubbleSize val="0"/>
+              <c:showLeaderLines val="1"/>
+              <c:extLst>
+                <c:ext xmlns:c15="http://schemas.microsoft.com/office/drawing/2012/chart" uri="{CE6537A1-D6FC-4f65-9D91-7224C49458BB}"/>
+                <c:ext xmlns:c16="http://schemas.microsoft.com/office/drawing/2014/chart" uri="{C3380CC4-5D6E-409C-BE32-E72D297353CC}">
+                  <c16:uniqueId val="{00000015-3476-03b7-3837-5d1299411592}"/>
+                </c:ext>
+              </c:extLst>
+            </c:dLbl>
+            <c:dLbl>
+              <c:idx val="15"/>
+              <c:tx>
+                <c:rich>
+                  <a:bodyPr>
+                    <a:spAutoFit/>
+                  </a:bodyPr>
+                  <a:lstStyle/>
+                  <a:p>
+                    <a:pPr>
+                      <a:defRPr/>
+                    </a:pPr>
+                    <a:r>
+                      <a:rPr lang="en-US" dirty="0"/>
+                      <a:t>神经外科</a:t>
+                    </a:r>
+                  </a:p>
+                </c:rich>
+              </c:tx>
+              <c:spPr>
+                <a:noFill/>
+                <a:ln>
+                  <a:noFill/>
+                </a:ln>
+                <a:effectLst/>
+              </c:spPr>
+              <c:dLblPos val="t"/>
+              <c:showLegendKey val="0"/>
+              <c:showVal val="0"/>
+              <c:showCatName val="0"/>
+              <c:showSerName val="0"/>
+              <c:showPercent val="0"/>
+              <c:showBubbleSize val="0"/>
+              <c:showLeaderLines val="1"/>
+              <c:extLst>
+                <c:ext xmlns:c15="http://schemas.microsoft.com/office/drawing/2012/chart" uri="{CE6537A1-D6FC-4f65-9D91-7224C49458BB}"/>
+                <c:ext xmlns:c16="http://schemas.microsoft.com/office/drawing/2014/chart" uri="{C3380CC4-5D6E-409C-BE32-E72D297353CC}">
+                  <c16:uniqueId val="{00000016-3476-03b7-3837-5d1299411592}"/>
+                </c:ext>
+              </c:extLst>
+            </c:dLbl>
+            <c:dLbl>
+              <c:idx val="16"/>
+              <c:tx>
+                <c:rich>
+                  <a:bodyPr>
+                    <a:spAutoFit/>
+                  </a:bodyPr>
+                  <a:lstStyle/>
+                  <a:p>
+                    <a:pPr>
+                      <a:defRPr/>
+                    </a:pPr>
+                    <a:r>
+                      <a:rPr lang="en-US" dirty="0"/>
+                      <a:t>胸外科</a:t>
+                    </a:r>
+                  </a:p>
+                </c:rich>
+              </c:tx>
+              <c:spPr>
+                <a:noFill/>
+                <a:ln>
+                  <a:noFill/>
+                </a:ln>
+                <a:effectLst/>
+              </c:spPr>
+              <c:dLblPos val="t"/>
+              <c:showLegendKey val="0"/>
+              <c:showVal val="0"/>
+              <c:showCatName val="0"/>
+              <c:showSerName val="0"/>
+              <c:showPercent val="0"/>
+              <c:showBubbleSize val="0"/>
+              <c:showLeaderLines val="1"/>
+              <c:extLst>
+                <c:ext xmlns:c15="http://schemas.microsoft.com/office/drawing/2012/chart" uri="{CE6537A1-D6FC-4f65-9D91-7224C49458BB}"/>
+                <c:ext xmlns:c16="http://schemas.microsoft.com/office/drawing/2014/chart" uri="{C3380CC4-5D6E-409C-BE32-E72D297353CC}">
+                  <c16:uniqueId val="{00000017-3476-03b7-3837-5d1299411592}"/>
+                </c:ext>
+              </c:extLst>
+            </c:dLbl>
+            <c:dLbl>
+              <c:idx val="17"/>
+              <c:tx>
+                <c:rich>
+                  <a:bodyPr>
+                    <a:spAutoFit/>
+                  </a:bodyPr>
+                  <a:lstStyle/>
+                  <a:p>
+                    <a:pPr>
+                      <a:defRPr/>
+                    </a:pPr>
+                    <a:r>
+                      <a:rPr lang="en-US" dirty="0"/>
+                      <a:t>神经内科</a:t>
+                    </a:r>
+                  </a:p>
+                </c:rich>
+              </c:tx>
+              <c:spPr>
+                <a:noFill/>
+                <a:ln>
+                  <a:noFill/>
+                </a:ln>
+                <a:effectLst/>
+              </c:spPr>
+              <c:dLblPos val="t"/>
+              <c:showLegendKey val="0"/>
+              <c:showVal val="0"/>
+              <c:showCatName val="0"/>
+              <c:showSerName val="0"/>
+              <c:showPercent val="0"/>
+              <c:showBubbleSize val="0"/>
+              <c:showLeaderLines val="1"/>
+              <c:extLst>
+                <c:ext xmlns:c15="http://schemas.microsoft.com/office/drawing/2012/chart" uri="{CE6537A1-D6FC-4f65-9D91-7224C49458BB}"/>
+                <c:ext xmlns:c16="http://schemas.microsoft.com/office/drawing/2014/chart" uri="{C3380CC4-5D6E-409C-BE32-E72D297353CC}">
+                  <c16:uniqueId val="{00000018-3476-03b7-3837-5d1299411592}"/>
+                </c:ext>
+              </c:extLst>
+            </c:dLbl>
+            <c:dLbl>
+              <c:idx val="18"/>
               <c:tx>
                 <c:rich>
                   <a:bodyPr>
@@ -1621,12 +2236,12 @@
               <c:extLst>
                 <c:ext xmlns:c15="http://schemas.microsoft.com/office/drawing/2012/chart" uri="{CE6537A1-D6FC-4f65-9D91-7224C49458BB}"/>
                 <c:ext xmlns:c16="http://schemas.microsoft.com/office/drawing/2014/chart" uri="{C3380CC4-5D6E-409C-BE32-E72D297353CC}">
-                  <c16:uniqueId val="{00000004-3af0-9cde-e190-3df76eeed07c}"/>
+                  <c16:uniqueId val="{00000019-3476-03b7-3837-5d1299411592}"/>
                 </c:ext>
               </c:extLst>
             </c:dLbl>
             <c:dLbl>
-              <c:idx val="4"/>
+              <c:idx val="19"/>
               <c:tx>
                 <c:rich>
                   <a:bodyPr>
@@ -1639,7 +2254,7 @@
                     </a:pPr>
                     <a:r>
                       <a:rPr lang="en-US" dirty="0"/>
-                      <a:t>泌尿外科</a:t>
+                      <a:t>西区重症医学科</a:t>
                     </a:r>
                   </a:p>
                 </c:rich>
@@ -1662,622 +2277,7 @@
               <c:extLst>
                 <c:ext xmlns:c15="http://schemas.microsoft.com/office/drawing/2012/chart" uri="{CE6537A1-D6FC-4f65-9D91-7224C49458BB}"/>
                 <c:ext xmlns:c16="http://schemas.microsoft.com/office/drawing/2014/chart" uri="{C3380CC4-5D6E-409C-BE32-E72D297353CC}">
-                  <c16:uniqueId val="{00000005-3af0-9cde-e190-3df76eeed07c}"/>
-                </c:ext>
-              </c:extLst>
-            </c:dLbl>
-            <c:dLbl>
-              <c:idx val="5"/>
-              <c:tx>
-                <c:rich>
-                  <a:bodyPr>
-                    <a:spAutoFit/>
-                  </a:bodyPr>
-                  <a:lstStyle/>
-                  <a:p>
-                    <a:pPr>
-                      <a:defRPr/>
-                    </a:pPr>
-                    <a:r>
-                      <a:rPr lang="en-US" dirty="0"/>
-                      <a:t>耳鼻喉科</a:t>
-                    </a:r>
-                  </a:p>
-                </c:rich>
-              </c:tx>
-              <c:spPr>
-                <a:noFill/>
-                <a:ln>
-                  <a:noFill/>
-                </a:ln>
-                <a:effectLst/>
-              </c:spPr>
-              <c:dLblPos val="t"/>
-              <c:showLegendKey val="0"/>
-              <c:showVal val="0"/>
-              <c:showCatName val="0"/>
-              <c:showSerName val="0"/>
-              <c:showPercent val="0"/>
-              <c:showBubbleSize val="0"/>
-              <c:showLeaderLines val="1"/>
-              <c:extLst>
-                <c:ext xmlns:c15="http://schemas.microsoft.com/office/drawing/2012/chart" uri="{CE6537A1-D6FC-4f65-9D91-7224C49458BB}"/>
-                <c:ext xmlns:c16="http://schemas.microsoft.com/office/drawing/2014/chart" uri="{C3380CC4-5D6E-409C-BE32-E72D297353CC}">
-                  <c16:uniqueId val="{00000006-3af0-9cde-e190-3df76eeed07c}"/>
-                </c:ext>
-              </c:extLst>
-            </c:dLbl>
-            <c:dLbl>
-              <c:idx val="6"/>
-              <c:tx>
-                <c:rich>
-                  <a:bodyPr>
-                    <a:spAutoFit/>
-                  </a:bodyPr>
-                  <a:lstStyle/>
-                  <a:p>
-                    <a:pPr>
-                      <a:defRPr/>
-                    </a:pPr>
-                    <a:r>
-                      <a:rPr lang="en-US" dirty="0"/>
-                      <a:t>脊柱骨科</a:t>
-                    </a:r>
-                  </a:p>
-                </c:rich>
-              </c:tx>
-              <c:spPr>
-                <a:noFill/>
-                <a:ln>
-                  <a:noFill/>
-                </a:ln>
-                <a:effectLst/>
-              </c:spPr>
-              <c:dLblPos val="t"/>
-              <c:showLegendKey val="0"/>
-              <c:showVal val="0"/>
-              <c:showCatName val="0"/>
-              <c:showSerName val="0"/>
-              <c:showPercent val="0"/>
-              <c:showBubbleSize val="0"/>
-              <c:showLeaderLines val="1"/>
-              <c:extLst>
-                <c:ext xmlns:c15="http://schemas.microsoft.com/office/drawing/2012/chart" uri="{CE6537A1-D6FC-4f65-9D91-7224C49458BB}"/>
-                <c:ext xmlns:c16="http://schemas.microsoft.com/office/drawing/2014/chart" uri="{C3380CC4-5D6E-409C-BE32-E72D297353CC}">
-                  <c16:uniqueId val="{00000007-3af0-9cde-e190-3df76eeed07c}"/>
-                </c:ext>
-              </c:extLst>
-            </c:dLbl>
-            <c:dLbl>
-              <c:idx val="7"/>
-              <c:tx>
-                <c:rich>
-                  <a:bodyPr>
-                    <a:spAutoFit/>
-                  </a:bodyPr>
-                  <a:lstStyle/>
-                  <a:p>
-                    <a:pPr>
-                      <a:defRPr/>
-                    </a:pPr>
-                    <a:r>
-                      <a:rPr lang="en-US" dirty="0"/>
-                      <a:t>重症医学科</a:t>
-                    </a:r>
-                  </a:p>
-                </c:rich>
-              </c:tx>
-              <c:spPr>
-                <a:noFill/>
-                <a:ln>
-                  <a:noFill/>
-                </a:ln>
-                <a:effectLst/>
-              </c:spPr>
-              <c:dLblPos val="t"/>
-              <c:showLegendKey val="0"/>
-              <c:showVal val="0"/>
-              <c:showCatName val="0"/>
-              <c:showSerName val="0"/>
-              <c:showPercent val="0"/>
-              <c:showBubbleSize val="0"/>
-              <c:showLeaderLines val="1"/>
-              <c:extLst>
-                <c:ext xmlns:c15="http://schemas.microsoft.com/office/drawing/2012/chart" uri="{CE6537A1-D6FC-4f65-9D91-7224C49458BB}"/>
-                <c:ext xmlns:c16="http://schemas.microsoft.com/office/drawing/2014/chart" uri="{C3380CC4-5D6E-409C-BE32-E72D297353CC}">
-                  <c16:uniqueId val="{00000008-3af0-9cde-e190-3df76eeed07c}"/>
-                </c:ext>
-              </c:extLst>
-            </c:dLbl>
-            <c:dLbl>
-              <c:idx val="8"/>
-              <c:tx>
-                <c:rich>
-                  <a:bodyPr>
-                    <a:spAutoFit/>
-                  </a:bodyPr>
-                  <a:lstStyle/>
-                  <a:p>
-                    <a:pPr>
-                      <a:defRPr/>
-                    </a:pPr>
-                    <a:r>
-                      <a:rPr lang="en-US" dirty="0"/>
-                      <a:t>周围血管科</a:t>
-                    </a:r>
-                  </a:p>
-                </c:rich>
-              </c:tx>
-              <c:spPr>
-                <a:noFill/>
-                <a:ln>
-                  <a:noFill/>
-                </a:ln>
-                <a:effectLst/>
-              </c:spPr>
-              <c:dLblPos val="t"/>
-              <c:showLegendKey val="0"/>
-              <c:showVal val="0"/>
-              <c:showCatName val="0"/>
-              <c:showSerName val="0"/>
-              <c:showPercent val="0"/>
-              <c:showBubbleSize val="0"/>
-              <c:showLeaderLines val="1"/>
-              <c:extLst>
-                <c:ext xmlns:c15="http://schemas.microsoft.com/office/drawing/2012/chart" uri="{CE6537A1-D6FC-4f65-9D91-7224C49458BB}"/>
-                <c:ext xmlns:c16="http://schemas.microsoft.com/office/drawing/2014/chart" uri="{C3380CC4-5D6E-409C-BE32-E72D297353CC}">
-                  <c16:uniqueId val="{00000009-3af0-9cde-e190-3df76eeed07c}"/>
-                </c:ext>
-              </c:extLst>
-            </c:dLbl>
-            <c:dLbl>
-              <c:idx val="9"/>
-              <c:tx>
-                <c:rich>
-                  <a:bodyPr>
-                    <a:spAutoFit/>
-                  </a:bodyPr>
-                  <a:lstStyle/>
-                  <a:p>
-                    <a:pPr>
-                      <a:defRPr/>
-                    </a:pPr>
-                    <a:r>
-                      <a:rPr lang="en-US" dirty="0"/>
-                      <a:t>康复科</a:t>
-                    </a:r>
-                  </a:p>
-                </c:rich>
-              </c:tx>
-              <c:spPr>
-                <a:noFill/>
-                <a:ln>
-                  <a:noFill/>
-                </a:ln>
-                <a:effectLst/>
-              </c:spPr>
-              <c:dLblPos val="t"/>
-              <c:showLegendKey val="0"/>
-              <c:showVal val="0"/>
-              <c:showCatName val="0"/>
-              <c:showSerName val="0"/>
-              <c:showPercent val="0"/>
-              <c:showBubbleSize val="0"/>
-              <c:showLeaderLines val="1"/>
-              <c:extLst>
-                <c:ext xmlns:c15="http://schemas.microsoft.com/office/drawing/2012/chart" uri="{CE6537A1-D6FC-4f65-9D91-7224C49458BB}"/>
-                <c:ext xmlns:c16="http://schemas.microsoft.com/office/drawing/2014/chart" uri="{C3380CC4-5D6E-409C-BE32-E72D297353CC}">
-                  <c16:uniqueId val="{00000010-3af0-9cde-e190-3df76eeed07c}"/>
-                </c:ext>
-              </c:extLst>
-            </c:dLbl>
-            <c:dLbl>
-              <c:idx val="10"/>
-              <c:tx>
-                <c:rich>
-                  <a:bodyPr>
-                    <a:spAutoFit/>
-                  </a:bodyPr>
-                  <a:lstStyle/>
-                  <a:p>
-                    <a:pPr>
-                      <a:defRPr/>
-                    </a:pPr>
-                    <a:r>
-                      <a:rPr lang="en-US" dirty="0"/>
-                      <a:t>美容皮肤科</a:t>
-                    </a:r>
-                  </a:p>
-                </c:rich>
-              </c:tx>
-              <c:spPr>
-                <a:noFill/>
-                <a:ln>
-                  <a:noFill/>
-                </a:ln>
-                <a:effectLst/>
-              </c:spPr>
-              <c:dLblPos val="t"/>
-              <c:showLegendKey val="0"/>
-              <c:showVal val="0"/>
-              <c:showCatName val="0"/>
-              <c:showSerName val="0"/>
-              <c:showPercent val="0"/>
-              <c:showBubbleSize val="0"/>
-              <c:showLeaderLines val="1"/>
-              <c:extLst>
-                <c:ext xmlns:c15="http://schemas.microsoft.com/office/drawing/2012/chart" uri="{CE6537A1-D6FC-4f65-9D91-7224C49458BB}"/>
-                <c:ext xmlns:c16="http://schemas.microsoft.com/office/drawing/2014/chart" uri="{C3380CC4-5D6E-409C-BE32-E72D297353CC}">
-                  <c16:uniqueId val="{00000011-3af0-9cde-e190-3df76eeed07c}"/>
-                </c:ext>
-              </c:extLst>
-            </c:dLbl>
-            <c:dLbl>
-              <c:idx val="11"/>
-              <c:tx>
-                <c:rich>
-                  <a:bodyPr>
-                    <a:spAutoFit/>
-                  </a:bodyPr>
-                  <a:lstStyle/>
-                  <a:p>
-                    <a:pPr>
-                      <a:defRPr/>
-                    </a:pPr>
-                    <a:r>
-                      <a:rPr lang="en-US" dirty="0"/>
-                      <a:t>消化内科</a:t>
-                    </a:r>
-                  </a:p>
-                </c:rich>
-              </c:tx>
-              <c:spPr>
-                <a:noFill/>
-                <a:ln>
-                  <a:noFill/>
-                </a:ln>
-                <a:effectLst/>
-              </c:spPr>
-              <c:dLblPos val="t"/>
-              <c:showLegendKey val="0"/>
-              <c:showVal val="0"/>
-              <c:showCatName val="0"/>
-              <c:showSerName val="0"/>
-              <c:showPercent val="0"/>
-              <c:showBubbleSize val="0"/>
-              <c:showLeaderLines val="1"/>
-              <c:extLst>
-                <c:ext xmlns:c15="http://schemas.microsoft.com/office/drawing/2012/chart" uri="{CE6537A1-D6FC-4f65-9D91-7224C49458BB}"/>
-                <c:ext xmlns:c16="http://schemas.microsoft.com/office/drawing/2014/chart" uri="{C3380CC4-5D6E-409C-BE32-E72D297353CC}">
-                  <c16:uniqueId val="{00000012-3af0-9cde-e190-3df76eeed07c}"/>
-                </c:ext>
-              </c:extLst>
-            </c:dLbl>
-            <c:dLbl>
-              <c:idx val="12"/>
-              <c:tx>
-                <c:rich>
-                  <a:bodyPr>
-                    <a:spAutoFit/>
-                  </a:bodyPr>
-                  <a:lstStyle/>
-                  <a:p>
-                    <a:pPr>
-                      <a:defRPr/>
-                    </a:pPr>
-                    <a:r>
-                      <a:rPr lang="en-US" dirty="0"/>
-                      <a:t>心病二科</a:t>
-                    </a:r>
-                  </a:p>
-                </c:rich>
-              </c:tx>
-              <c:spPr>
-                <a:noFill/>
-                <a:ln>
-                  <a:noFill/>
-                </a:ln>
-                <a:effectLst/>
-              </c:spPr>
-              <c:dLblPos val="t"/>
-              <c:showLegendKey val="0"/>
-              <c:showVal val="0"/>
-              <c:showCatName val="0"/>
-              <c:showSerName val="0"/>
-              <c:showPercent val="0"/>
-              <c:showBubbleSize val="0"/>
-              <c:showLeaderLines val="1"/>
-              <c:extLst>
-                <c:ext xmlns:c15="http://schemas.microsoft.com/office/drawing/2012/chart" uri="{CE6537A1-D6FC-4f65-9D91-7224C49458BB}"/>
-                <c:ext xmlns:c16="http://schemas.microsoft.com/office/drawing/2014/chart" uri="{C3380CC4-5D6E-409C-BE32-E72D297353CC}">
-                  <c16:uniqueId val="{00000013-3af0-9cde-e190-3df76eeed07c}"/>
-                </c:ext>
-              </c:extLst>
-            </c:dLbl>
-            <c:dLbl>
-              <c:idx val="13"/>
-              <c:tx>
-                <c:rich>
-                  <a:bodyPr>
-                    <a:spAutoFit/>
-                  </a:bodyPr>
-                  <a:lstStyle/>
-                  <a:p>
-                    <a:pPr>
-                      <a:defRPr/>
-                    </a:pPr>
-                    <a:r>
-                      <a:rPr lang="en-US" dirty="0"/>
-                      <a:t>中医外治中心</a:t>
-                    </a:r>
-                  </a:p>
-                </c:rich>
-              </c:tx>
-              <c:spPr>
-                <a:noFill/>
-                <a:ln>
-                  <a:noFill/>
-                </a:ln>
-                <a:effectLst/>
-              </c:spPr>
-              <c:dLblPos val="t"/>
-              <c:showLegendKey val="0"/>
-              <c:showVal val="0"/>
-              <c:showCatName val="0"/>
-              <c:showSerName val="0"/>
-              <c:showPercent val="0"/>
-              <c:showBubbleSize val="0"/>
-              <c:showLeaderLines val="1"/>
-              <c:extLst>
-                <c:ext xmlns:c15="http://schemas.microsoft.com/office/drawing/2012/chart" uri="{CE6537A1-D6FC-4f65-9D91-7224C49458BB}"/>
-                <c:ext xmlns:c16="http://schemas.microsoft.com/office/drawing/2014/chart" uri="{C3380CC4-5D6E-409C-BE32-E72D297353CC}">
-                  <c16:uniqueId val="{00000014-3af0-9cde-e190-3df76eeed07c}"/>
-                </c:ext>
-              </c:extLst>
-            </c:dLbl>
-            <c:dLbl>
-              <c:idx val="14"/>
-              <c:tx>
-                <c:rich>
-                  <a:bodyPr>
-                    <a:spAutoFit/>
-                  </a:bodyPr>
-                  <a:lstStyle/>
-                  <a:p>
-                    <a:pPr>
-                      <a:defRPr/>
-                    </a:pPr>
-                    <a:r>
-                      <a:rPr lang="en-US" dirty="0"/>
-                      <a:t>运动损伤骨科</a:t>
-                    </a:r>
-                  </a:p>
-                </c:rich>
-              </c:tx>
-              <c:spPr>
-                <a:noFill/>
-                <a:ln>
-                  <a:noFill/>
-                </a:ln>
-                <a:effectLst/>
-              </c:spPr>
-              <c:dLblPos val="t"/>
-              <c:showLegendKey val="0"/>
-              <c:showVal val="0"/>
-              <c:showCatName val="0"/>
-              <c:showSerName val="0"/>
-              <c:showPercent val="0"/>
-              <c:showBubbleSize val="0"/>
-              <c:showLeaderLines val="1"/>
-              <c:extLst>
-                <c:ext xmlns:c15="http://schemas.microsoft.com/office/drawing/2012/chart" uri="{CE6537A1-D6FC-4f65-9D91-7224C49458BB}"/>
-                <c:ext xmlns:c16="http://schemas.microsoft.com/office/drawing/2014/chart" uri="{C3380CC4-5D6E-409C-BE32-E72D297353CC}">
-                  <c16:uniqueId val="{00000015-3af0-9cde-e190-3df76eeed07c}"/>
-                </c:ext>
-              </c:extLst>
-            </c:dLbl>
-            <c:dLbl>
-              <c:idx val="15"/>
-              <c:tx>
-                <c:rich>
-                  <a:bodyPr>
-                    <a:spAutoFit/>
-                  </a:bodyPr>
-                  <a:lstStyle/>
-                  <a:p>
-                    <a:pPr>
-                      <a:defRPr/>
-                    </a:pPr>
-                    <a:r>
-                      <a:rPr lang="en-US" dirty="0"/>
-                      <a:t>脑病二科</a:t>
-                    </a:r>
-                  </a:p>
-                </c:rich>
-              </c:tx>
-              <c:spPr>
-                <a:noFill/>
-                <a:ln>
-                  <a:noFill/>
-                </a:ln>
-                <a:effectLst/>
-              </c:spPr>
-              <c:dLblPos val="t"/>
-              <c:showLegendKey val="0"/>
-              <c:showVal val="0"/>
-              <c:showCatName val="0"/>
-              <c:showSerName val="0"/>
-              <c:showPercent val="0"/>
-              <c:showBubbleSize val="0"/>
-              <c:showLeaderLines val="1"/>
-              <c:extLst>
-                <c:ext xmlns:c15="http://schemas.microsoft.com/office/drawing/2012/chart" uri="{CE6537A1-D6FC-4f65-9D91-7224C49458BB}"/>
-                <c:ext xmlns:c16="http://schemas.microsoft.com/office/drawing/2014/chart" uri="{C3380CC4-5D6E-409C-BE32-E72D297353CC}">
-                  <c16:uniqueId val="{00000016-3af0-9cde-e190-3df76eeed07c}"/>
-                </c:ext>
-              </c:extLst>
-            </c:dLbl>
-            <c:dLbl>
-              <c:idx val="16"/>
-              <c:tx>
-                <c:rich>
-                  <a:bodyPr>
-                    <a:spAutoFit/>
-                  </a:bodyPr>
-                  <a:lstStyle/>
-                  <a:p>
-                    <a:pPr>
-                      <a:defRPr/>
-                    </a:pPr>
-                    <a:r>
-                      <a:rPr lang="en-US" dirty="0"/>
-                      <a:t>骨科</a:t>
-                    </a:r>
-                  </a:p>
-                </c:rich>
-              </c:tx>
-              <c:spPr>
-                <a:noFill/>
-                <a:ln>
-                  <a:noFill/>
-                </a:ln>
-                <a:effectLst/>
-              </c:spPr>
-              <c:dLblPos val="t"/>
-              <c:showLegendKey val="0"/>
-              <c:showVal val="0"/>
-              <c:showCatName val="0"/>
-              <c:showSerName val="0"/>
-              <c:showPercent val="0"/>
-              <c:showBubbleSize val="0"/>
-              <c:showLeaderLines val="1"/>
-              <c:extLst>
-                <c:ext xmlns:c15="http://schemas.microsoft.com/office/drawing/2012/chart" uri="{CE6537A1-D6FC-4f65-9D91-7224C49458BB}"/>
-                <c:ext xmlns:c16="http://schemas.microsoft.com/office/drawing/2014/chart" uri="{C3380CC4-5D6E-409C-BE32-E72D297353CC}">
-                  <c16:uniqueId val="{00000017-3af0-9cde-e190-3df76eeed07c}"/>
-                </c:ext>
-              </c:extLst>
-            </c:dLbl>
-            <c:dLbl>
-              <c:idx val="17"/>
-              <c:tx>
-                <c:rich>
-                  <a:bodyPr>
-                    <a:spAutoFit/>
-                  </a:bodyPr>
-                  <a:lstStyle/>
-                  <a:p>
-                    <a:pPr>
-                      <a:defRPr/>
-                    </a:pPr>
-                    <a:r>
-                      <a:rPr lang="en-US" dirty="0"/>
-                      <a:t>妇科妇二科合并</a:t>
-                    </a:r>
-                  </a:p>
-                </c:rich>
-              </c:tx>
-              <c:spPr>
-                <a:noFill/>
-                <a:ln>
-                  <a:noFill/>
-                </a:ln>
-                <a:effectLst/>
-              </c:spPr>
-              <c:dLblPos val="t"/>
-              <c:showLegendKey val="0"/>
-              <c:showVal val="0"/>
-              <c:showCatName val="0"/>
-              <c:showSerName val="0"/>
-              <c:showPercent val="0"/>
-              <c:showBubbleSize val="0"/>
-              <c:showLeaderLines val="1"/>
-              <c:extLst>
-                <c:ext xmlns:c15="http://schemas.microsoft.com/office/drawing/2012/chart" uri="{CE6537A1-D6FC-4f65-9D91-7224C49458BB}"/>
-                <c:ext xmlns:c16="http://schemas.microsoft.com/office/drawing/2014/chart" uri="{C3380CC4-5D6E-409C-BE32-E72D297353CC}">
-                  <c16:uniqueId val="{00000018-3af0-9cde-e190-3df76eeed07c}"/>
-                </c:ext>
-              </c:extLst>
-            </c:dLbl>
-            <c:dLbl>
-              <c:idx val="18"/>
-              <c:tx>
-                <c:rich>
-                  <a:bodyPr>
-                    <a:spAutoFit/>
-                  </a:bodyPr>
-                  <a:lstStyle/>
-                  <a:p>
-                    <a:pPr>
-                      <a:defRPr/>
-                    </a:pPr>
-                    <a:r>
-                      <a:rPr lang="en-US" dirty="0"/>
-                      <a:t>男科</a:t>
-                    </a:r>
-                  </a:p>
-                </c:rich>
-              </c:tx>
-              <c:spPr>
-                <a:noFill/>
-                <a:ln>
-                  <a:noFill/>
-                </a:ln>
-                <a:effectLst/>
-              </c:spPr>
-              <c:dLblPos val="t"/>
-              <c:showLegendKey val="0"/>
-              <c:showVal val="0"/>
-              <c:showCatName val="0"/>
-              <c:showSerName val="0"/>
-              <c:showPercent val="0"/>
-              <c:showBubbleSize val="0"/>
-              <c:showLeaderLines val="1"/>
-              <c:extLst>
-                <c:ext xmlns:c15="http://schemas.microsoft.com/office/drawing/2012/chart" uri="{CE6537A1-D6FC-4f65-9D91-7224C49458BB}"/>
-                <c:ext xmlns:c16="http://schemas.microsoft.com/office/drawing/2014/chart" uri="{C3380CC4-5D6E-409C-BE32-E72D297353CC}">
-                  <c16:uniqueId val="{00000019-3af0-9cde-e190-3df76eeed07c}"/>
-                </c:ext>
-              </c:extLst>
-            </c:dLbl>
-            <c:dLbl>
-              <c:idx val="19"/>
-              <c:tx>
-                <c:rich>
-                  <a:bodyPr>
-                    <a:spAutoFit/>
-                  </a:bodyPr>
-                  <a:lstStyle/>
-                  <a:p>
-                    <a:pPr>
-                      <a:defRPr/>
-                    </a:pPr>
-                    <a:r>
-                      <a:rPr lang="en-US" dirty="0"/>
-                      <a:t>肿瘤内科</a:t>
-                    </a:r>
-                  </a:p>
-                </c:rich>
-              </c:tx>
-              <c:spPr>
-                <a:noFill/>
-                <a:ln>
-                  <a:noFill/>
-                </a:ln>
-                <a:effectLst/>
-              </c:spPr>
-              <c:dLblPos val="t"/>
-              <c:showLegendKey val="0"/>
-              <c:showVal val="0"/>
-              <c:showCatName val="0"/>
-              <c:showSerName val="0"/>
-              <c:showPercent val="0"/>
-              <c:showBubbleSize val="0"/>
-              <c:showLeaderLines val="1"/>
-              <c:extLst>
-                <c:ext xmlns:c15="http://schemas.microsoft.com/office/drawing/2012/chart" uri="{CE6537A1-D6FC-4f65-9D91-7224C49458BB}"/>
-                <c:ext xmlns:c16="http://schemas.microsoft.com/office/drawing/2014/chart" uri="{C3380CC4-5D6E-409C-BE32-E72D297353CC}">
-                  <c16:uniqueId val="{00000020-3af0-9cde-e190-3df76eeed07c}"/>
+                  <c16:uniqueId val="{00000020-3476-03b7-3837-5d1299411592}"/>
                 </c:ext>
               </c:extLst>
             </c:dLbl>
@@ -2289,64 +2289,64 @@
                 <c:formatCode>General</c:formatCode>
                 <c:ptCount val="20"/>
                 <c:pt idx="0">
-                  <c:v>20.374616438401684</c:v>
+                  <c:v>18.075367580626203</c:v>
                 </c:pt>
                 <c:pt idx="1">
-                  <c:v>10.699977478562587</c:v>
+                  <c:v>25.71067912673934</c:v>
                 </c:pt>
                 <c:pt idx="2">
-                  <c:v>28.89042878884542</c:v>
+                  <c:v>9.778368237900219</c:v>
                 </c:pt>
                 <c:pt idx="3">
-                  <c:v>26.847036616042125</c:v>
+                  <c:v>18.605347024251177</c:v>
                 </c:pt>
                 <c:pt idx="4">
-                  <c:v>12.231193017248122</c:v>
+                  <c:v>17.025847598679018</c:v>
                 </c:pt>
                 <c:pt idx="5">
-                  <c:v>26.691404265280728</c:v>
+                  <c:v>13.553003009019347</c:v>
                 </c:pt>
                 <c:pt idx="6">
-                  <c:v>20.687493271285312</c:v>
+                  <c:v>11.646288181668623</c:v>
                 </c:pt>
                 <c:pt idx="7">
-                  <c:v>42.858598916874314</c:v>
+                  <c:v>14.59247735728753</c:v>
                 </c:pt>
                 <c:pt idx="8">
-                  <c:v>18.845154106688696</c:v>
+                  <c:v>20.367532032307494</c:v>
                 </c:pt>
                 <c:pt idx="9">
-                  <c:v>26.976353551547398</c:v>
+                  <c:v>18.846492317248277</c:v>
                 </c:pt>
                 <c:pt idx="10">
-                  <c:v>73.61817424726893</c:v>
+                  <c:v>11.681525135661152</c:v>
                 </c:pt>
                 <c:pt idx="11">
-                  <c:v>16.28351009470925</c:v>
+                  <c:v>8.103706284615614</c:v>
                 </c:pt>
                 <c:pt idx="12">
-                  <c:v>16.253643110195753</c:v>
+                  <c:v>9.486571812941978</c:v>
                 </c:pt>
                 <c:pt idx="13">
-                  <c:v>60.32542497331933</c:v>
+                  <c:v>11.154968738679942</c:v>
                 </c:pt>
                 <c:pt idx="14">
-                  <c:v>28.40353388834436</c:v>
+                  <c:v>17.564138153380473</c:v>
                 </c:pt>
                 <c:pt idx="15">
-                  <c:v>29.864018548810407</c:v>
+                  <c:v>14.290433085536414</c:v>
                 </c:pt>
                 <c:pt idx="16">
-                  <c:v>28.905789726225674</c:v>
+                  <c:v>33.231608018093986</c:v>
                 </c:pt>
                 <c:pt idx="17">
-                  <c:v>7.086899300434375</c:v>
+                  <c:v>91.86254098933522</c:v>
                 </c:pt>
                 <c:pt idx="18">
-                  <c:v>12.005645364553695</c:v>
+                  <c:v>40.268361420276584</c:v>
                 </c:pt>
                 <c:pt idx="19">
-                  <c:v>24.336580384781218</c:v>
+                  <c:v>16.76181814558334</c:v>
                 </c:pt>
               </c:numCache>
             </c:numRef>
@@ -2361,61 +2361,61 @@
                   <c:v>100</c:v>
                 </c:pt>
                 <c:pt idx="1">
-                  <c:v>0.00463934135377103</c:v>
+                  <c:v>0.00463536728882629</c:v>
                 </c:pt>
                 <c:pt idx="2">
-                  <c:v>0.004584385322832822</c:v>
+                  <c:v>0.004572010963624157</c:v>
                 </c:pt>
                 <c:pt idx="3">
-                  <c:v>0.004446474100973853</c:v>
+                  <c:v>0.00452812945322831</c:v>
                 </c:pt>
                 <c:pt idx="4">
-                  <c:v>0.004431395833908433</c:v>
+                  <c:v>0.004509234468927818</c:v>
                 </c:pt>
                 <c:pt idx="5">
-                  <c:v>0.0044176827297897426</c:v>
+                  <c:v>0.004474355590737596</c:v>
                 </c:pt>
                 <c:pt idx="6">
-                  <c:v>0.004355446827512104</c:v>
+                  <c:v>0.004468729831914269</c:v>
                 </c:pt>
                 <c:pt idx="7">
-                  <c:v>0.004344895377907252</c:v>
+                  <c:v>0.004282119082750882</c:v>
                 </c:pt>
                 <c:pt idx="8">
-                  <c:v>0.004292632245206771</c:v>
+                  <c:v>0.0041623458963454055</c:v>
                 </c:pt>
                 <c:pt idx="9">
-                  <c:v>0.0042523467979950075</c:v>
+                  <c:v>0.004134200461210184</c:v>
                 </c:pt>
                 <c:pt idx="10">
-                  <c:v>0.0042317349147534935</c:v>
+                  <c:v>0.00411760702630288</c:v>
                 </c:pt>
                 <c:pt idx="11">
-                  <c:v>0.004209759832182333</c:v>
+                  <c:v>0.0041173990972831346</c:v>
                 </c:pt>
                 <c:pt idx="12">
-                  <c:v>0.004196050798580631</c:v>
+                  <c:v>0.0037919937808626432</c:v>
                 </c:pt>
                 <c:pt idx="13">
-                  <c:v>0.003979248764261626</c:v>
+                  <c:v>0.003772381915710313</c:v>
                 </c:pt>
                 <c:pt idx="14">
-                  <c:v>0.003973936398752454</c:v>
+                  <c:v>0.003765939616218803</c:v>
                 </c:pt>
                 <c:pt idx="15">
-                  <c:v>0.0038328308744696193</c:v>
+                  <c:v>0.00374217072034394</c:v>
                 </c:pt>
                 <c:pt idx="16">
-                  <c:v>0.003824942585561494</c:v>
+                  <c:v>0.003712395816778325</c:v>
                 </c:pt>
                 <c:pt idx="17">
-                  <c:v>0.0037568401917719594</c:v>
+                  <c:v>0.003638322027002175</c:v>
                 </c:pt>
                 <c:pt idx="18">
-                  <c:v>0.003691075162388517</c:v>
+                  <c:v>0.0036316035221792757</c:v>
                 </c:pt>
                 <c:pt idx="19">
-                  <c:v>0.0035763150241279905</c:v>
+                  <c:v>0.0035913698067662338</c:v>
                 </c:pt>
               </c:numCache>
             </c:numRef>

--- a/cases/goodhostpital2021/对标分析报告.pg.pptx
+++ b/cases/goodhostpital2021/对标分析报告.pg.pptx
@@ -109,13 +109,13 @@
   <p:extLst>
     <p:ext uri="{521415D9-36F7-43E2-AB2F-B90AF26B5E84}">
       <p14:sectionLst xmlns:p14="http://schemas.microsoft.com/office/powerpoint/2010/main">
-        <p14:section name="院内专科BCG散点图" id="{db230b95-cedb-4f71-8a9f-fd913be75664}">
+        <p14:section name="院内专科BCG散点图" id="{ab6993f4-345f-45ba-2fc9-26aee4b2b846}">
           <p14:sldIdLst>
             <p14:sldId id="257"/>
             <p14:sldId id="258"/>
           </p14:sldIdLst>
         </p14:section>
-        <p14:section name="院内专科梯队表格" id="{51d0b50b-1db3-f130-7b57-4826ca908f2f}">
+        <p14:section name="院内专科梯队表格" id="{d9096b9f-9af0-0a29-f539-97b792df6f7f}">
           <p14:sldIdLst/>
         </p14:section>
       </p14:sectionLst>
@@ -127,7 +127,7 @@
 </p:presentation>
 </file>
 
-<file path=ppt/charts/chart285.xml><?xml version="1.0" encoding="utf-8"?>
+<file path=ppt/charts/chart2287.xml><?xml version="1.0" encoding="utf-8"?>
 <c:chartSpace xmlns:c="http://schemas.openxmlformats.org/drawingml/2006/chart" xmlns:a="http://schemas.openxmlformats.org/drawingml/2006/main" xmlns:r="http://schemas.openxmlformats.org/officeDocument/2006/relationships">
   <c:date1904 val="0"/>
   <c:chart>
@@ -221,7 +221,7 @@
                     </a:pPr>
                     <a:r>
                       <a:rPr lang="en-US" dirty="0"/>
-                      <a:t>消化内科</a:t>
+                      <a:t>内分泌科</a:t>
                     </a:r>
                   </a:p>
                 </c:rich>
@@ -244,12 +244,135 @@
               <c:extLst>
                 <c:ext xmlns:c15="http://schemas.microsoft.com/office/drawing/2012/chart" uri="{CE6537A1-D6FC-4f65-9D91-7224C49458BB}"/>
                 <c:ext xmlns:c16="http://schemas.microsoft.com/office/drawing/2014/chart" uri="{C3380CC4-5D6E-409C-BE32-E72D297353CC}">
-                  <c16:uniqueId val="{00000001-b31c-677d-28c5-25363aa92ef6}"/>
+                  <c16:uniqueId val="{00000001-0df3-5f7c-b074-3c150a650556}"/>
                 </c:ext>
               </c:extLst>
             </c:dLbl>
             <c:dLbl>
               <c:idx val="1"/>
+              <c:tx>
+                <c:rich>
+                  <a:bodyPr>
+                    <a:spAutoFit/>
+                  </a:bodyPr>
+                  <a:lstStyle/>
+                  <a:p>
+                    <a:pPr>
+                      <a:defRPr/>
+                    </a:pPr>
+                    <a:r>
+                      <a:rPr lang="en-US" dirty="0"/>
+                      <a:t>口腔科</a:t>
+                    </a:r>
+                  </a:p>
+                </c:rich>
+              </c:tx>
+              <c:spPr>
+                <a:noFill/>
+                <a:ln>
+                  <a:noFill/>
+                </a:ln>
+                <a:effectLst/>
+              </c:spPr>
+              <c:dLblPos val="t"/>
+              <c:showLegendKey val="0"/>
+              <c:showVal val="0"/>
+              <c:showCatName val="0"/>
+              <c:showSerName val="0"/>
+              <c:showPercent val="0"/>
+              <c:showBubbleSize val="0"/>
+              <c:showLeaderLines val="1"/>
+              <c:extLst>
+                <c:ext xmlns:c15="http://schemas.microsoft.com/office/drawing/2012/chart" uri="{CE6537A1-D6FC-4f65-9D91-7224C49458BB}"/>
+                <c:ext xmlns:c16="http://schemas.microsoft.com/office/drawing/2014/chart" uri="{C3380CC4-5D6E-409C-BE32-E72D297353CC}">
+                  <c16:uniqueId val="{00000002-0df3-5f7c-b074-3c150a650556}"/>
+                </c:ext>
+              </c:extLst>
+            </c:dLbl>
+            <c:dLbl>
+              <c:idx val="2"/>
+              <c:tx>
+                <c:rich>
+                  <a:bodyPr>
+                    <a:spAutoFit/>
+                  </a:bodyPr>
+                  <a:lstStyle/>
+                  <a:p>
+                    <a:pPr>
+                      <a:defRPr/>
+                    </a:pPr>
+                    <a:r>
+                      <a:rPr lang="en-US" dirty="0"/>
+                      <a:t>康复科</a:t>
+                    </a:r>
+                  </a:p>
+                </c:rich>
+              </c:tx>
+              <c:spPr>
+                <a:noFill/>
+                <a:ln>
+                  <a:noFill/>
+                </a:ln>
+                <a:effectLst/>
+              </c:spPr>
+              <c:dLblPos val="t"/>
+              <c:showLegendKey val="0"/>
+              <c:showVal val="0"/>
+              <c:showCatName val="0"/>
+              <c:showSerName val="0"/>
+              <c:showPercent val="0"/>
+              <c:showBubbleSize val="0"/>
+              <c:showLeaderLines val="1"/>
+              <c:extLst>
+                <c:ext xmlns:c15="http://schemas.microsoft.com/office/drawing/2012/chart" uri="{CE6537A1-D6FC-4f65-9D91-7224C49458BB}"/>
+                <c:ext xmlns:c16="http://schemas.microsoft.com/office/drawing/2014/chart" uri="{C3380CC4-5D6E-409C-BE32-E72D297353CC}">
+                  <c16:uniqueId val="{00000003-0df3-5f7c-b074-3c150a650556}"/>
+                </c:ext>
+              </c:extLst>
+            </c:dLbl>
+            <c:dLbl>
+              <c:idx val="3"/>
+              <c:tx>
+                <c:rich>
+                  <a:bodyPr>
+                    <a:spAutoFit/>
+                  </a:bodyPr>
+                  <a:lstStyle/>
+                  <a:p>
+                    <a:pPr>
+                      <a:defRPr/>
+                    </a:pPr>
+                    <a:r>
+                      <a:rPr lang="en-US" dirty="0"/>
+                      <a:t>心病二科</a:t>
+                    </a:r>
+                  </a:p>
+                </c:rich>
+              </c:tx>
+              <c:spPr>
+                <a:noFill/>
+                <a:ln>
+                  <a:noFill/>
+                </a:ln>
+                <a:effectLst/>
+              </c:spPr>
+              <c:dLblPos val="t"/>
+              <c:showLegendKey val="0"/>
+              <c:showVal val="0"/>
+              <c:showCatName val="0"/>
+              <c:showSerName val="0"/>
+              <c:showPercent val="0"/>
+              <c:showBubbleSize val="0"/>
+              <c:showLeaderLines val="1"/>
+              <c:extLst>
+                <c:ext xmlns:c15="http://schemas.microsoft.com/office/drawing/2012/chart" uri="{CE6537A1-D6FC-4f65-9D91-7224C49458BB}"/>
+                <c:ext xmlns:c16="http://schemas.microsoft.com/office/drawing/2014/chart" uri="{C3380CC4-5D6E-409C-BE32-E72D297353CC}">
+                  <c16:uniqueId val="{00000004-0df3-5f7c-b074-3c150a650556}"/>
+                </c:ext>
+              </c:extLst>
+            </c:dLbl>
+            <c:dLbl>
+              <c:idx val="4"/>
               <c:tx>
                 <c:rich>
                   <a:bodyPr>
@@ -285,12 +408,463 @@
               <c:extLst>
                 <c:ext xmlns:c15="http://schemas.microsoft.com/office/drawing/2012/chart" uri="{CE6537A1-D6FC-4f65-9D91-7224C49458BB}"/>
                 <c:ext xmlns:c16="http://schemas.microsoft.com/office/drawing/2014/chart" uri="{C3380CC4-5D6E-409C-BE32-E72D297353CC}">
-                  <c16:uniqueId val="{00000002-b31c-677d-28c5-25363aa92ef6}"/>
+                  <c16:uniqueId val="{00000005-0df3-5f7c-b074-3c150a650556}"/>
                 </c:ext>
               </c:extLst>
             </c:dLbl>
             <c:dLbl>
-              <c:idx val="2"/>
+              <c:idx val="5"/>
+              <c:tx>
+                <c:rich>
+                  <a:bodyPr>
+                    <a:spAutoFit/>
+                  </a:bodyPr>
+                  <a:lstStyle/>
+                  <a:p>
+                    <a:pPr>
+                      <a:defRPr/>
+                    </a:pPr>
+                    <a:r>
+                      <a:rPr lang="en-US" dirty="0"/>
+                      <a:t>脑病三科</a:t>
+                    </a:r>
+                  </a:p>
+                </c:rich>
+              </c:tx>
+              <c:spPr>
+                <a:noFill/>
+                <a:ln>
+                  <a:noFill/>
+                </a:ln>
+                <a:effectLst/>
+              </c:spPr>
+              <c:dLblPos val="t"/>
+              <c:showLegendKey val="0"/>
+              <c:showVal val="0"/>
+              <c:showCatName val="0"/>
+              <c:showSerName val="0"/>
+              <c:showPercent val="0"/>
+              <c:showBubbleSize val="0"/>
+              <c:showLeaderLines val="1"/>
+              <c:extLst>
+                <c:ext xmlns:c15="http://schemas.microsoft.com/office/drawing/2012/chart" uri="{CE6537A1-D6FC-4f65-9D91-7224C49458BB}"/>
+                <c:ext xmlns:c16="http://schemas.microsoft.com/office/drawing/2014/chart" uri="{C3380CC4-5D6E-409C-BE32-E72D297353CC}">
+                  <c16:uniqueId val="{00000006-0df3-5f7c-b074-3c150a650556}"/>
+                </c:ext>
+              </c:extLst>
+            </c:dLbl>
+            <c:dLbl>
+              <c:idx val="6"/>
+              <c:tx>
+                <c:rich>
+                  <a:bodyPr>
+                    <a:spAutoFit/>
+                  </a:bodyPr>
+                  <a:lstStyle/>
+                  <a:p>
+                    <a:pPr>
+                      <a:defRPr/>
+                    </a:pPr>
+                    <a:r>
+                      <a:rPr lang="en-US" dirty="0"/>
+                      <a:t>普通外科</a:t>
+                    </a:r>
+                  </a:p>
+                </c:rich>
+              </c:tx>
+              <c:spPr>
+                <a:noFill/>
+                <a:ln>
+                  <a:noFill/>
+                </a:ln>
+                <a:effectLst/>
+              </c:spPr>
+              <c:dLblPos val="t"/>
+              <c:showLegendKey val="0"/>
+              <c:showVal val="0"/>
+              <c:showCatName val="0"/>
+              <c:showSerName val="0"/>
+              <c:showPercent val="0"/>
+              <c:showBubbleSize val="0"/>
+              <c:showLeaderLines val="1"/>
+              <c:extLst>
+                <c:ext xmlns:c15="http://schemas.microsoft.com/office/drawing/2012/chart" uri="{CE6537A1-D6FC-4f65-9D91-7224C49458BB}"/>
+                <c:ext xmlns:c16="http://schemas.microsoft.com/office/drawing/2014/chart" uri="{C3380CC4-5D6E-409C-BE32-E72D297353CC}">
+                  <c16:uniqueId val="{00000007-0df3-5f7c-b074-3c150a650556}"/>
+                </c:ext>
+              </c:extLst>
+            </c:dLbl>
+            <c:dLbl>
+              <c:idx val="7"/>
+              <c:tx>
+                <c:rich>
+                  <a:bodyPr>
+                    <a:spAutoFit/>
+                  </a:bodyPr>
+                  <a:lstStyle/>
+                  <a:p>
+                    <a:pPr>
+                      <a:defRPr/>
+                    </a:pPr>
+                    <a:r>
+                      <a:rPr lang="en-US" dirty="0"/>
+                      <a:t>小儿推拿科</a:t>
+                    </a:r>
+                  </a:p>
+                </c:rich>
+              </c:tx>
+              <c:spPr>
+                <a:noFill/>
+                <a:ln>
+                  <a:noFill/>
+                </a:ln>
+                <a:effectLst/>
+              </c:spPr>
+              <c:dLblPos val="t"/>
+              <c:showLegendKey val="0"/>
+              <c:showVal val="0"/>
+              <c:showCatName val="0"/>
+              <c:showSerName val="0"/>
+              <c:showPercent val="0"/>
+              <c:showBubbleSize val="0"/>
+              <c:showLeaderLines val="1"/>
+              <c:extLst>
+                <c:ext xmlns:c15="http://schemas.microsoft.com/office/drawing/2012/chart" uri="{CE6537A1-D6FC-4f65-9D91-7224C49458BB}"/>
+                <c:ext xmlns:c16="http://schemas.microsoft.com/office/drawing/2014/chart" uri="{C3380CC4-5D6E-409C-BE32-E72D297353CC}">
+                  <c16:uniqueId val="{00000008-0df3-5f7c-b074-3c150a650556}"/>
+                </c:ext>
+              </c:extLst>
+            </c:dLbl>
+            <c:dLbl>
+              <c:idx val="8"/>
+              <c:tx>
+                <c:rich>
+                  <a:bodyPr>
+                    <a:spAutoFit/>
+                  </a:bodyPr>
+                  <a:lstStyle/>
+                  <a:p>
+                    <a:pPr>
+                      <a:defRPr/>
+                    </a:pPr>
+                    <a:r>
+                      <a:rPr lang="en-US" dirty="0"/>
+                      <a:t>东区肾病科</a:t>
+                    </a:r>
+                  </a:p>
+                </c:rich>
+              </c:tx>
+              <c:spPr>
+                <a:noFill/>
+                <a:ln>
+                  <a:noFill/>
+                </a:ln>
+                <a:effectLst/>
+              </c:spPr>
+              <c:dLblPos val="t"/>
+              <c:showLegendKey val="0"/>
+              <c:showVal val="0"/>
+              <c:showCatName val="0"/>
+              <c:showSerName val="0"/>
+              <c:showPercent val="0"/>
+              <c:showBubbleSize val="0"/>
+              <c:showLeaderLines val="1"/>
+              <c:extLst>
+                <c:ext xmlns:c15="http://schemas.microsoft.com/office/drawing/2012/chart" uri="{CE6537A1-D6FC-4f65-9D91-7224C49458BB}"/>
+                <c:ext xmlns:c16="http://schemas.microsoft.com/office/drawing/2014/chart" uri="{C3380CC4-5D6E-409C-BE32-E72D297353CC}">
+                  <c16:uniqueId val="{00000009-0df3-5f7c-b074-3c150a650556}"/>
+                </c:ext>
+              </c:extLst>
+            </c:dLbl>
+            <c:dLbl>
+              <c:idx val="9"/>
+              <c:tx>
+                <c:rich>
+                  <a:bodyPr>
+                    <a:spAutoFit/>
+                  </a:bodyPr>
+                  <a:lstStyle/>
+                  <a:p>
+                    <a:pPr>
+                      <a:defRPr/>
+                    </a:pPr>
+                    <a:r>
+                      <a:rPr lang="en-US" dirty="0"/>
+                      <a:t>身心医学科</a:t>
+                    </a:r>
+                  </a:p>
+                </c:rich>
+              </c:tx>
+              <c:spPr>
+                <a:noFill/>
+                <a:ln>
+                  <a:noFill/>
+                </a:ln>
+                <a:effectLst/>
+              </c:spPr>
+              <c:dLblPos val="t"/>
+              <c:showLegendKey val="0"/>
+              <c:showVal val="0"/>
+              <c:showCatName val="0"/>
+              <c:showSerName val="0"/>
+              <c:showPercent val="0"/>
+              <c:showBubbleSize val="0"/>
+              <c:showLeaderLines val="1"/>
+              <c:extLst>
+                <c:ext xmlns:c15="http://schemas.microsoft.com/office/drawing/2012/chart" uri="{CE6537A1-D6FC-4f65-9D91-7224C49458BB}"/>
+                <c:ext xmlns:c16="http://schemas.microsoft.com/office/drawing/2014/chart" uri="{C3380CC4-5D6E-409C-BE32-E72D297353CC}">
+                  <c16:uniqueId val="{00000010-0df3-5f7c-b074-3c150a650556}"/>
+                </c:ext>
+              </c:extLst>
+            </c:dLbl>
+            <c:dLbl>
+              <c:idx val="10"/>
+              <c:tx>
+                <c:rich>
+                  <a:bodyPr>
+                    <a:spAutoFit/>
+                  </a:bodyPr>
+                  <a:lstStyle/>
+                  <a:p>
+                    <a:pPr>
+                      <a:defRPr/>
+                    </a:pPr>
+                    <a:r>
+                      <a:rPr lang="en-US" dirty="0"/>
+                      <a:t>运动损伤骨科</a:t>
+                    </a:r>
+                  </a:p>
+                </c:rich>
+              </c:tx>
+              <c:spPr>
+                <a:noFill/>
+                <a:ln>
+                  <a:noFill/>
+                </a:ln>
+                <a:effectLst/>
+              </c:spPr>
+              <c:dLblPos val="t"/>
+              <c:showLegendKey val="0"/>
+              <c:showVal val="0"/>
+              <c:showCatName val="0"/>
+              <c:showSerName val="0"/>
+              <c:showPercent val="0"/>
+              <c:showBubbleSize val="0"/>
+              <c:showLeaderLines val="1"/>
+              <c:extLst>
+                <c:ext xmlns:c15="http://schemas.microsoft.com/office/drawing/2012/chart" uri="{CE6537A1-D6FC-4f65-9D91-7224C49458BB}"/>
+                <c:ext xmlns:c16="http://schemas.microsoft.com/office/drawing/2014/chart" uri="{C3380CC4-5D6E-409C-BE32-E72D297353CC}">
+                  <c16:uniqueId val="{00000011-0df3-5f7c-b074-3c150a650556}"/>
+                </c:ext>
+              </c:extLst>
+            </c:dLbl>
+            <c:dLbl>
+              <c:idx val="11"/>
+              <c:tx>
+                <c:rich>
+                  <a:bodyPr>
+                    <a:spAutoFit/>
+                  </a:bodyPr>
+                  <a:lstStyle/>
+                  <a:p>
+                    <a:pPr>
+                      <a:defRPr/>
+                    </a:pPr>
+                    <a:r>
+                      <a:rPr lang="en-US" dirty="0"/>
+                      <a:t>骨科</a:t>
+                    </a:r>
+                  </a:p>
+                </c:rich>
+              </c:tx>
+              <c:spPr>
+                <a:noFill/>
+                <a:ln>
+                  <a:noFill/>
+                </a:ln>
+                <a:effectLst/>
+              </c:spPr>
+              <c:dLblPos val="t"/>
+              <c:showLegendKey val="0"/>
+              <c:showVal val="0"/>
+              <c:showCatName val="0"/>
+              <c:showSerName val="0"/>
+              <c:showPercent val="0"/>
+              <c:showBubbleSize val="0"/>
+              <c:showLeaderLines val="1"/>
+              <c:extLst>
+                <c:ext xmlns:c15="http://schemas.microsoft.com/office/drawing/2012/chart" uri="{CE6537A1-D6FC-4f65-9D91-7224C49458BB}"/>
+                <c:ext xmlns:c16="http://schemas.microsoft.com/office/drawing/2014/chart" uri="{C3380CC4-5D6E-409C-BE32-E72D297353CC}">
+                  <c16:uniqueId val="{00000012-0df3-5f7c-b074-3c150a650556}"/>
+                </c:ext>
+              </c:extLst>
+            </c:dLbl>
+            <c:dLbl>
+              <c:idx val="12"/>
+              <c:tx>
+                <c:rich>
+                  <a:bodyPr>
+                    <a:spAutoFit/>
+                  </a:bodyPr>
+                  <a:lstStyle/>
+                  <a:p>
+                    <a:pPr>
+                      <a:defRPr/>
+                    </a:pPr>
+                    <a:r>
+                      <a:rPr lang="en-US" dirty="0"/>
+                      <a:t>脑病二科</a:t>
+                    </a:r>
+                  </a:p>
+                </c:rich>
+              </c:tx>
+              <c:spPr>
+                <a:noFill/>
+                <a:ln>
+                  <a:noFill/>
+                </a:ln>
+                <a:effectLst/>
+              </c:spPr>
+              <c:dLblPos val="t"/>
+              <c:showLegendKey val="0"/>
+              <c:showVal val="0"/>
+              <c:showCatName val="0"/>
+              <c:showSerName val="0"/>
+              <c:showPercent val="0"/>
+              <c:showBubbleSize val="0"/>
+              <c:showLeaderLines val="1"/>
+              <c:extLst>
+                <c:ext xmlns:c15="http://schemas.microsoft.com/office/drawing/2012/chart" uri="{CE6537A1-D6FC-4f65-9D91-7224C49458BB}"/>
+                <c:ext xmlns:c16="http://schemas.microsoft.com/office/drawing/2014/chart" uri="{C3380CC4-5D6E-409C-BE32-E72D297353CC}">
+                  <c16:uniqueId val="{00000013-0df3-5f7c-b074-3c150a650556}"/>
+                </c:ext>
+              </c:extLst>
+            </c:dLbl>
+            <c:dLbl>
+              <c:idx val="13"/>
+              <c:tx>
+                <c:rich>
+                  <a:bodyPr>
+                    <a:spAutoFit/>
+                  </a:bodyPr>
+                  <a:lstStyle/>
+                  <a:p>
+                    <a:pPr>
+                      <a:defRPr/>
+                    </a:pPr>
+                    <a:r>
+                      <a:rPr lang="en-US" dirty="0"/>
+                      <a:t>美容皮肤科</a:t>
+                    </a:r>
+                  </a:p>
+                </c:rich>
+              </c:tx>
+              <c:spPr>
+                <a:noFill/>
+                <a:ln>
+                  <a:noFill/>
+                </a:ln>
+                <a:effectLst/>
+              </c:spPr>
+              <c:dLblPos val="t"/>
+              <c:showLegendKey val="0"/>
+              <c:showVal val="0"/>
+              <c:showCatName val="0"/>
+              <c:showSerName val="0"/>
+              <c:showPercent val="0"/>
+              <c:showBubbleSize val="0"/>
+              <c:showLeaderLines val="1"/>
+              <c:extLst>
+                <c:ext xmlns:c15="http://schemas.microsoft.com/office/drawing/2012/chart" uri="{CE6537A1-D6FC-4f65-9D91-7224C49458BB}"/>
+                <c:ext xmlns:c16="http://schemas.microsoft.com/office/drawing/2014/chart" uri="{C3380CC4-5D6E-409C-BE32-E72D297353CC}">
+                  <c16:uniqueId val="{00000014-0df3-5f7c-b074-3c150a650556}"/>
+                </c:ext>
+              </c:extLst>
+            </c:dLbl>
+            <c:dLbl>
+              <c:idx val="14"/>
+              <c:tx>
+                <c:rich>
+                  <a:bodyPr>
+                    <a:spAutoFit/>
+                  </a:bodyPr>
+                  <a:lstStyle/>
+                  <a:p>
+                    <a:pPr>
+                      <a:defRPr/>
+                    </a:pPr>
+                    <a:r>
+                      <a:rPr lang="en-US" dirty="0"/>
+                      <a:t>脾胃病科</a:t>
+                    </a:r>
+                  </a:p>
+                </c:rich>
+              </c:tx>
+              <c:spPr>
+                <a:noFill/>
+                <a:ln>
+                  <a:noFill/>
+                </a:ln>
+                <a:effectLst/>
+              </c:spPr>
+              <c:dLblPos val="t"/>
+              <c:showLegendKey val="0"/>
+              <c:showVal val="0"/>
+              <c:showCatName val="0"/>
+              <c:showSerName val="0"/>
+              <c:showPercent val="0"/>
+              <c:showBubbleSize val="0"/>
+              <c:showLeaderLines val="1"/>
+              <c:extLst>
+                <c:ext xmlns:c15="http://schemas.microsoft.com/office/drawing/2012/chart" uri="{CE6537A1-D6FC-4f65-9D91-7224C49458BB}"/>
+                <c:ext xmlns:c16="http://schemas.microsoft.com/office/drawing/2014/chart" uri="{C3380CC4-5D6E-409C-BE32-E72D297353CC}">
+                  <c16:uniqueId val="{00000015-0df3-5f7c-b074-3c150a650556}"/>
+                </c:ext>
+              </c:extLst>
+            </c:dLbl>
+            <c:dLbl>
+              <c:idx val="15"/>
+              <c:tx>
+                <c:rich>
+                  <a:bodyPr>
+                    <a:spAutoFit/>
+                  </a:bodyPr>
+                  <a:lstStyle/>
+                  <a:p>
+                    <a:pPr>
+                      <a:defRPr/>
+                    </a:pPr>
+                    <a:r>
+                      <a:rPr lang="en-US" dirty="0"/>
+                      <a:t>关节骨科</a:t>
+                    </a:r>
+                  </a:p>
+                </c:rich>
+              </c:tx>
+              <c:spPr>
+                <a:noFill/>
+                <a:ln>
+                  <a:noFill/>
+                </a:ln>
+                <a:effectLst/>
+              </c:spPr>
+              <c:dLblPos val="t"/>
+              <c:showLegendKey val="0"/>
+              <c:showVal val="0"/>
+              <c:showCatName val="0"/>
+              <c:showSerName val="0"/>
+              <c:showPercent val="0"/>
+              <c:showBubbleSize val="0"/>
+              <c:showLeaderLines val="1"/>
+              <c:extLst>
+                <c:ext xmlns:c15="http://schemas.microsoft.com/office/drawing/2012/chart" uri="{CE6537A1-D6FC-4f65-9D91-7224C49458BB}"/>
+                <c:ext xmlns:c16="http://schemas.microsoft.com/office/drawing/2014/chart" uri="{C3380CC4-5D6E-409C-BE32-E72D297353CC}">
+                  <c16:uniqueId val="{00000016-0df3-5f7c-b074-3c150a650556}"/>
+                </c:ext>
+              </c:extLst>
+            </c:dLbl>
+            <c:dLbl>
+              <c:idx val="16"/>
               <c:tx>
                 <c:rich>
                   <a:bodyPr>
@@ -326,12 +900,12 @@
               <c:extLst>
                 <c:ext xmlns:c15="http://schemas.microsoft.com/office/drawing/2012/chart" uri="{CE6537A1-D6FC-4f65-9D91-7224C49458BB}"/>
                 <c:ext xmlns:c16="http://schemas.microsoft.com/office/drawing/2014/chart" uri="{C3380CC4-5D6E-409C-BE32-E72D297353CC}">
-                  <c16:uniqueId val="{00000003-b31c-677d-28c5-25363aa92ef6}"/>
+                  <c16:uniqueId val="{00000017-0df3-5f7c-b074-3c150a650556}"/>
                 </c:ext>
               </c:extLst>
             </c:dLbl>
             <c:dLbl>
-              <c:idx val="3"/>
+              <c:idx val="17"/>
               <c:tx>
                 <c:rich>
                   <a:bodyPr>
@@ -344,7 +918,7 @@
                     </a:pPr>
                     <a:r>
                       <a:rPr lang="en-US" dirty="0"/>
-                      <a:t>周围血管科</a:t>
+                      <a:t>西区重症医学科</a:t>
                     </a:r>
                   </a:p>
                 </c:rich>
@@ -367,12 +941,12 @@
               <c:extLst>
                 <c:ext xmlns:c15="http://schemas.microsoft.com/office/drawing/2012/chart" uri="{CE6537A1-D6FC-4f65-9D91-7224C49458BB}"/>
                 <c:ext xmlns:c16="http://schemas.microsoft.com/office/drawing/2014/chart" uri="{C3380CC4-5D6E-409C-BE32-E72D297353CC}">
-                  <c16:uniqueId val="{00000004-b31c-677d-28c5-25363aa92ef6}"/>
+                  <c16:uniqueId val="{00000018-0df3-5f7c-b074-3c150a650556}"/>
                 </c:ext>
               </c:extLst>
             </c:dLbl>
             <c:dLbl>
-              <c:idx val="4"/>
+              <c:idx val="18"/>
               <c:tx>
                 <c:rich>
                   <a:bodyPr>
@@ -385,7 +959,7 @@
                     </a:pPr>
                     <a:r>
                       <a:rPr lang="en-US" dirty="0"/>
-                      <a:t>普通外科</a:t>
+                      <a:t>皮肤科</a:t>
                     </a:r>
                   </a:p>
                 </c:rich>
@@ -408,258 +982,12 @@
               <c:extLst>
                 <c:ext xmlns:c15="http://schemas.microsoft.com/office/drawing/2012/chart" uri="{CE6537A1-D6FC-4f65-9D91-7224C49458BB}"/>
                 <c:ext xmlns:c16="http://schemas.microsoft.com/office/drawing/2014/chart" uri="{C3380CC4-5D6E-409C-BE32-E72D297353CC}">
-                  <c16:uniqueId val="{00000005-b31c-677d-28c5-25363aa92ef6}"/>
+                  <c16:uniqueId val="{00000019-0df3-5f7c-b074-3c150a650556}"/>
                 </c:ext>
               </c:extLst>
             </c:dLbl>
             <c:dLbl>
-              <c:idx val="5"/>
-              <c:tx>
-                <c:rich>
-                  <a:bodyPr>
-                    <a:spAutoFit/>
-                  </a:bodyPr>
-                  <a:lstStyle/>
-                  <a:p>
-                    <a:pPr>
-                      <a:defRPr/>
-                    </a:pPr>
-                    <a:r>
-                      <a:rPr lang="en-US" dirty="0"/>
-                      <a:t>微创骨科</a:t>
-                    </a:r>
-                  </a:p>
-                </c:rich>
-              </c:tx>
-              <c:spPr>
-                <a:noFill/>
-                <a:ln>
-                  <a:noFill/>
-                </a:ln>
-                <a:effectLst/>
-              </c:spPr>
-              <c:dLblPos val="t"/>
-              <c:showLegendKey val="0"/>
-              <c:showVal val="0"/>
-              <c:showCatName val="0"/>
-              <c:showSerName val="0"/>
-              <c:showPercent val="0"/>
-              <c:showBubbleSize val="0"/>
-              <c:showLeaderLines val="1"/>
-              <c:extLst>
-                <c:ext xmlns:c15="http://schemas.microsoft.com/office/drawing/2012/chart" uri="{CE6537A1-D6FC-4f65-9D91-7224C49458BB}"/>
-                <c:ext xmlns:c16="http://schemas.microsoft.com/office/drawing/2014/chart" uri="{C3380CC4-5D6E-409C-BE32-E72D297353CC}">
-                  <c16:uniqueId val="{00000006-b31c-677d-28c5-25363aa92ef6}"/>
-                </c:ext>
-              </c:extLst>
-            </c:dLbl>
-            <c:dLbl>
-              <c:idx val="6"/>
-              <c:tx>
-                <c:rich>
-                  <a:bodyPr>
-                    <a:spAutoFit/>
-                  </a:bodyPr>
-                  <a:lstStyle/>
-                  <a:p>
-                    <a:pPr>
-                      <a:defRPr/>
-                    </a:pPr>
-                    <a:r>
-                      <a:rPr lang="en-US" dirty="0"/>
-                      <a:t>胸外科</a:t>
-                    </a:r>
-                  </a:p>
-                </c:rich>
-              </c:tx>
-              <c:spPr>
-                <a:noFill/>
-                <a:ln>
-                  <a:noFill/>
-                </a:ln>
-                <a:effectLst/>
-              </c:spPr>
-              <c:dLblPos val="t"/>
-              <c:showLegendKey val="0"/>
-              <c:showVal val="0"/>
-              <c:showCatName val="0"/>
-              <c:showSerName val="0"/>
-              <c:showPercent val="0"/>
-              <c:showBubbleSize val="0"/>
-              <c:showLeaderLines val="1"/>
-              <c:extLst>
-                <c:ext xmlns:c15="http://schemas.microsoft.com/office/drawing/2012/chart" uri="{CE6537A1-D6FC-4f65-9D91-7224C49458BB}"/>
-                <c:ext xmlns:c16="http://schemas.microsoft.com/office/drawing/2014/chart" uri="{C3380CC4-5D6E-409C-BE32-E72D297353CC}">
-                  <c16:uniqueId val="{00000007-b31c-677d-28c5-25363aa92ef6}"/>
-                </c:ext>
-              </c:extLst>
-            </c:dLbl>
-            <c:dLbl>
-              <c:idx val="7"/>
-              <c:tx>
-                <c:rich>
-                  <a:bodyPr>
-                    <a:spAutoFit/>
-                  </a:bodyPr>
-                  <a:lstStyle/>
-                  <a:p>
-                    <a:pPr>
-                      <a:defRPr/>
-                    </a:pPr>
-                    <a:r>
-                      <a:rPr lang="en-US" dirty="0"/>
-                      <a:t>肝胆外科</a:t>
-                    </a:r>
-                  </a:p>
-                </c:rich>
-              </c:tx>
-              <c:spPr>
-                <a:noFill/>
-                <a:ln>
-                  <a:noFill/>
-                </a:ln>
-                <a:effectLst/>
-              </c:spPr>
-              <c:dLblPos val="t"/>
-              <c:showLegendKey val="0"/>
-              <c:showVal val="0"/>
-              <c:showCatName val="0"/>
-              <c:showSerName val="0"/>
-              <c:showPercent val="0"/>
-              <c:showBubbleSize val="0"/>
-              <c:showLeaderLines val="1"/>
-              <c:extLst>
-                <c:ext xmlns:c15="http://schemas.microsoft.com/office/drawing/2012/chart" uri="{CE6537A1-D6FC-4f65-9D91-7224C49458BB}"/>
-                <c:ext xmlns:c16="http://schemas.microsoft.com/office/drawing/2014/chart" uri="{C3380CC4-5D6E-409C-BE32-E72D297353CC}">
-                  <c16:uniqueId val="{00000008-b31c-677d-28c5-25363aa92ef6}"/>
-                </c:ext>
-              </c:extLst>
-            </c:dLbl>
-            <c:dLbl>
-              <c:idx val="8"/>
-              <c:tx>
-                <c:rich>
-                  <a:bodyPr>
-                    <a:spAutoFit/>
-                  </a:bodyPr>
-                  <a:lstStyle/>
-                  <a:p>
-                    <a:pPr>
-                      <a:defRPr/>
-                    </a:pPr>
-                    <a:r>
-                      <a:rPr lang="en-US" dirty="0"/>
-                      <a:t>康复科</a:t>
-                    </a:r>
-                  </a:p>
-                </c:rich>
-              </c:tx>
-              <c:spPr>
-                <a:noFill/>
-                <a:ln>
-                  <a:noFill/>
-                </a:ln>
-                <a:effectLst/>
-              </c:spPr>
-              <c:dLblPos val="t"/>
-              <c:showLegendKey val="0"/>
-              <c:showVal val="0"/>
-              <c:showCatName val="0"/>
-              <c:showSerName val="0"/>
-              <c:showPercent val="0"/>
-              <c:showBubbleSize val="0"/>
-              <c:showLeaderLines val="1"/>
-              <c:extLst>
-                <c:ext xmlns:c15="http://schemas.microsoft.com/office/drawing/2012/chart" uri="{CE6537A1-D6FC-4f65-9D91-7224C49458BB}"/>
-                <c:ext xmlns:c16="http://schemas.microsoft.com/office/drawing/2014/chart" uri="{C3380CC4-5D6E-409C-BE32-E72D297353CC}">
-                  <c16:uniqueId val="{00000009-b31c-677d-28c5-25363aa92ef6}"/>
-                </c:ext>
-              </c:extLst>
-            </c:dLbl>
-            <c:dLbl>
-              <c:idx val="9"/>
-              <c:tx>
-                <c:rich>
-                  <a:bodyPr>
-                    <a:spAutoFit/>
-                  </a:bodyPr>
-                  <a:lstStyle/>
-                  <a:p>
-                    <a:pPr>
-                      <a:defRPr/>
-                    </a:pPr>
-                    <a:r>
-                      <a:rPr lang="en-US" dirty="0"/>
-                      <a:t>肛肠科</a:t>
-                    </a:r>
-                  </a:p>
-                </c:rich>
-              </c:tx>
-              <c:spPr>
-                <a:noFill/>
-                <a:ln>
-                  <a:noFill/>
-                </a:ln>
-                <a:effectLst/>
-              </c:spPr>
-              <c:dLblPos val="t"/>
-              <c:showLegendKey val="0"/>
-              <c:showVal val="0"/>
-              <c:showCatName val="0"/>
-              <c:showSerName val="0"/>
-              <c:showPercent val="0"/>
-              <c:showBubbleSize val="0"/>
-              <c:showLeaderLines val="1"/>
-              <c:extLst>
-                <c:ext xmlns:c15="http://schemas.microsoft.com/office/drawing/2012/chart" uri="{CE6537A1-D6FC-4f65-9D91-7224C49458BB}"/>
-                <c:ext xmlns:c16="http://schemas.microsoft.com/office/drawing/2014/chart" uri="{C3380CC4-5D6E-409C-BE32-E72D297353CC}">
-                  <c16:uniqueId val="{00000010-b31c-677d-28c5-25363aa92ef6}"/>
-                </c:ext>
-              </c:extLst>
-            </c:dLbl>
-            <c:dLbl>
-              <c:idx val="10"/>
-              <c:tx>
-                <c:rich>
-                  <a:bodyPr>
-                    <a:spAutoFit/>
-                  </a:bodyPr>
-                  <a:lstStyle/>
-                  <a:p>
-                    <a:pPr>
-                      <a:defRPr/>
-                    </a:pPr>
-                    <a:r>
-                      <a:rPr lang="en-US" dirty="0"/>
-                      <a:t>脑病二科</a:t>
-                    </a:r>
-                  </a:p>
-                </c:rich>
-              </c:tx>
-              <c:spPr>
-                <a:noFill/>
-                <a:ln>
-                  <a:noFill/>
-                </a:ln>
-                <a:effectLst/>
-              </c:spPr>
-              <c:dLblPos val="t"/>
-              <c:showLegendKey val="0"/>
-              <c:showVal val="0"/>
-              <c:showCatName val="0"/>
-              <c:showSerName val="0"/>
-              <c:showPercent val="0"/>
-              <c:showBubbleSize val="0"/>
-              <c:showLeaderLines val="1"/>
-              <c:extLst>
-                <c:ext xmlns:c15="http://schemas.microsoft.com/office/drawing/2012/chart" uri="{CE6537A1-D6FC-4f65-9D91-7224C49458BB}"/>
-                <c:ext xmlns:c16="http://schemas.microsoft.com/office/drawing/2014/chart" uri="{C3380CC4-5D6E-409C-BE32-E72D297353CC}">
-                  <c16:uniqueId val="{00000011-b31c-677d-28c5-25363aa92ef6}"/>
-                </c:ext>
-              </c:extLst>
-            </c:dLbl>
-            <c:dLbl>
-              <c:idx val="11"/>
+              <c:idx val="19"/>
               <c:tx>
                 <c:rich>
                   <a:bodyPr>
@@ -695,335 +1023,7 @@
               <c:extLst>
                 <c:ext xmlns:c15="http://schemas.microsoft.com/office/drawing/2012/chart" uri="{CE6537A1-D6FC-4f65-9D91-7224C49458BB}"/>
                 <c:ext xmlns:c16="http://schemas.microsoft.com/office/drawing/2014/chart" uri="{C3380CC4-5D6E-409C-BE32-E72D297353CC}">
-                  <c16:uniqueId val="{00000012-b31c-677d-28c5-25363aa92ef6}"/>
-                </c:ext>
-              </c:extLst>
-            </c:dLbl>
-            <c:dLbl>
-              <c:idx val="12"/>
-              <c:tx>
-                <c:rich>
-                  <a:bodyPr>
-                    <a:spAutoFit/>
-                  </a:bodyPr>
-                  <a:lstStyle/>
-                  <a:p>
-                    <a:pPr>
-                      <a:defRPr/>
-                    </a:pPr>
-                    <a:r>
-                      <a:rPr lang="en-US" dirty="0"/>
-                      <a:t>呼吸内科</a:t>
-                    </a:r>
-                  </a:p>
-                </c:rich>
-              </c:tx>
-              <c:spPr>
-                <a:noFill/>
-                <a:ln>
-                  <a:noFill/>
-                </a:ln>
-                <a:effectLst/>
-              </c:spPr>
-              <c:dLblPos val="t"/>
-              <c:showLegendKey val="0"/>
-              <c:showVal val="0"/>
-              <c:showCatName val="0"/>
-              <c:showSerName val="0"/>
-              <c:showPercent val="0"/>
-              <c:showBubbleSize val="0"/>
-              <c:showLeaderLines val="1"/>
-              <c:extLst>
-                <c:ext xmlns:c15="http://schemas.microsoft.com/office/drawing/2012/chart" uri="{CE6537A1-D6FC-4f65-9D91-7224C49458BB}"/>
-                <c:ext xmlns:c16="http://schemas.microsoft.com/office/drawing/2014/chart" uri="{C3380CC4-5D6E-409C-BE32-E72D297353CC}">
-                  <c16:uniqueId val="{00000013-b31c-677d-28c5-25363aa92ef6}"/>
-                </c:ext>
-              </c:extLst>
-            </c:dLbl>
-            <c:dLbl>
-              <c:idx val="13"/>
-              <c:tx>
-                <c:rich>
-                  <a:bodyPr>
-                    <a:spAutoFit/>
-                  </a:bodyPr>
-                  <a:lstStyle/>
-                  <a:p>
-                    <a:pPr>
-                      <a:defRPr/>
-                    </a:pPr>
-                    <a:r>
-                      <a:rPr lang="en-US" dirty="0"/>
-                      <a:t>综合内科</a:t>
-                    </a:r>
-                  </a:p>
-                </c:rich>
-              </c:tx>
-              <c:spPr>
-                <a:noFill/>
-                <a:ln>
-                  <a:noFill/>
-                </a:ln>
-                <a:effectLst/>
-              </c:spPr>
-              <c:dLblPos val="t"/>
-              <c:showLegendKey val="0"/>
-              <c:showVal val="0"/>
-              <c:showCatName val="0"/>
-              <c:showSerName val="0"/>
-              <c:showPercent val="0"/>
-              <c:showBubbleSize val="0"/>
-              <c:showLeaderLines val="1"/>
-              <c:extLst>
-                <c:ext xmlns:c15="http://schemas.microsoft.com/office/drawing/2012/chart" uri="{CE6537A1-D6FC-4f65-9D91-7224C49458BB}"/>
-                <c:ext xmlns:c16="http://schemas.microsoft.com/office/drawing/2014/chart" uri="{C3380CC4-5D6E-409C-BE32-E72D297353CC}">
-                  <c16:uniqueId val="{00000014-b31c-677d-28c5-25363aa92ef6}"/>
-                </c:ext>
-              </c:extLst>
-            </c:dLbl>
-            <c:dLbl>
-              <c:idx val="14"/>
-              <c:tx>
-                <c:rich>
-                  <a:bodyPr>
-                    <a:spAutoFit/>
-                  </a:bodyPr>
-                  <a:lstStyle/>
-                  <a:p>
-                    <a:pPr>
-                      <a:defRPr/>
-                    </a:pPr>
-                    <a:r>
-                      <a:rPr lang="en-US" dirty="0"/>
-                      <a:t>皮肤科</a:t>
-                    </a:r>
-                  </a:p>
-                </c:rich>
-              </c:tx>
-              <c:spPr>
-                <a:noFill/>
-                <a:ln>
-                  <a:noFill/>
-                </a:ln>
-                <a:effectLst/>
-              </c:spPr>
-              <c:dLblPos val="t"/>
-              <c:showLegendKey val="0"/>
-              <c:showVal val="0"/>
-              <c:showCatName val="0"/>
-              <c:showSerName val="0"/>
-              <c:showPercent val="0"/>
-              <c:showBubbleSize val="0"/>
-              <c:showLeaderLines val="1"/>
-              <c:extLst>
-                <c:ext xmlns:c15="http://schemas.microsoft.com/office/drawing/2012/chart" uri="{CE6537A1-D6FC-4f65-9D91-7224C49458BB}"/>
-                <c:ext xmlns:c16="http://schemas.microsoft.com/office/drawing/2014/chart" uri="{C3380CC4-5D6E-409C-BE32-E72D297353CC}">
-                  <c16:uniqueId val="{00000015-b31c-677d-28c5-25363aa92ef6}"/>
-                </c:ext>
-              </c:extLst>
-            </c:dLbl>
-            <c:dLbl>
-              <c:idx val="15"/>
-              <c:tx>
-                <c:rich>
-                  <a:bodyPr>
-                    <a:spAutoFit/>
-                  </a:bodyPr>
-                  <a:lstStyle/>
-                  <a:p>
-                    <a:pPr>
-                      <a:defRPr/>
-                    </a:pPr>
-                    <a:r>
-                      <a:rPr lang="en-US" dirty="0"/>
-                      <a:t>推拿科</a:t>
-                    </a:r>
-                  </a:p>
-                </c:rich>
-              </c:tx>
-              <c:spPr>
-                <a:noFill/>
-                <a:ln>
-                  <a:noFill/>
-                </a:ln>
-                <a:effectLst/>
-              </c:spPr>
-              <c:dLblPos val="t"/>
-              <c:showLegendKey val="0"/>
-              <c:showVal val="0"/>
-              <c:showCatName val="0"/>
-              <c:showSerName val="0"/>
-              <c:showPercent val="0"/>
-              <c:showBubbleSize val="0"/>
-              <c:showLeaderLines val="1"/>
-              <c:extLst>
-                <c:ext xmlns:c15="http://schemas.microsoft.com/office/drawing/2012/chart" uri="{CE6537A1-D6FC-4f65-9D91-7224C49458BB}"/>
-                <c:ext xmlns:c16="http://schemas.microsoft.com/office/drawing/2014/chart" uri="{C3380CC4-5D6E-409C-BE32-E72D297353CC}">
-                  <c16:uniqueId val="{00000016-b31c-677d-28c5-25363aa92ef6}"/>
-                </c:ext>
-              </c:extLst>
-            </c:dLbl>
-            <c:dLbl>
-              <c:idx val="16"/>
-              <c:tx>
-                <c:rich>
-                  <a:bodyPr>
-                    <a:spAutoFit/>
-                  </a:bodyPr>
-                  <a:lstStyle/>
-                  <a:p>
-                    <a:pPr>
-                      <a:defRPr/>
-                    </a:pPr>
-                    <a:r>
-                      <a:rPr lang="en-US" dirty="0"/>
-                      <a:t>心病一科</a:t>
-                    </a:r>
-                  </a:p>
-                </c:rich>
-              </c:tx>
-              <c:spPr>
-                <a:noFill/>
-                <a:ln>
-                  <a:noFill/>
-                </a:ln>
-                <a:effectLst/>
-              </c:spPr>
-              <c:dLblPos val="t"/>
-              <c:showLegendKey val="0"/>
-              <c:showVal val="0"/>
-              <c:showCatName val="0"/>
-              <c:showSerName val="0"/>
-              <c:showPercent val="0"/>
-              <c:showBubbleSize val="0"/>
-              <c:showLeaderLines val="1"/>
-              <c:extLst>
-                <c:ext xmlns:c15="http://schemas.microsoft.com/office/drawing/2012/chart" uri="{CE6537A1-D6FC-4f65-9D91-7224C49458BB}"/>
-                <c:ext xmlns:c16="http://schemas.microsoft.com/office/drawing/2014/chart" uri="{C3380CC4-5D6E-409C-BE32-E72D297353CC}">
-                  <c16:uniqueId val="{00000017-b31c-677d-28c5-25363aa92ef6}"/>
-                </c:ext>
-              </c:extLst>
-            </c:dLbl>
-            <c:dLbl>
-              <c:idx val="17"/>
-              <c:tx>
-                <c:rich>
-                  <a:bodyPr>
-                    <a:spAutoFit/>
-                  </a:bodyPr>
-                  <a:lstStyle/>
-                  <a:p>
-                    <a:pPr>
-                      <a:defRPr/>
-                    </a:pPr>
-                    <a:r>
-                      <a:rPr lang="en-US" dirty="0"/>
-                      <a:t>针灸科</a:t>
-                    </a:r>
-                  </a:p>
-                </c:rich>
-              </c:tx>
-              <c:spPr>
-                <a:noFill/>
-                <a:ln>
-                  <a:noFill/>
-                </a:ln>
-                <a:effectLst/>
-              </c:spPr>
-              <c:dLblPos val="t"/>
-              <c:showLegendKey val="0"/>
-              <c:showVal val="0"/>
-              <c:showCatName val="0"/>
-              <c:showSerName val="0"/>
-              <c:showPercent val="0"/>
-              <c:showBubbleSize val="0"/>
-              <c:showLeaderLines val="1"/>
-              <c:extLst>
-                <c:ext xmlns:c15="http://schemas.microsoft.com/office/drawing/2012/chart" uri="{CE6537A1-D6FC-4f65-9D91-7224C49458BB}"/>
-                <c:ext xmlns:c16="http://schemas.microsoft.com/office/drawing/2014/chart" uri="{C3380CC4-5D6E-409C-BE32-E72D297353CC}">
-                  <c16:uniqueId val="{00000018-b31c-677d-28c5-25363aa92ef6}"/>
-                </c:ext>
-              </c:extLst>
-            </c:dLbl>
-            <c:dLbl>
-              <c:idx val="18"/>
-              <c:tx>
-                <c:rich>
-                  <a:bodyPr>
-                    <a:spAutoFit/>
-                  </a:bodyPr>
-                  <a:lstStyle/>
-                  <a:p>
-                    <a:pPr>
-                      <a:defRPr/>
-                    </a:pPr>
-                    <a:r>
-                      <a:rPr lang="en-US" dirty="0"/>
-                      <a:t>心血管内科</a:t>
-                    </a:r>
-                  </a:p>
-                </c:rich>
-              </c:tx>
-              <c:spPr>
-                <a:noFill/>
-                <a:ln>
-                  <a:noFill/>
-                </a:ln>
-                <a:effectLst/>
-              </c:spPr>
-              <c:dLblPos val="t"/>
-              <c:showLegendKey val="0"/>
-              <c:showVal val="0"/>
-              <c:showCatName val="0"/>
-              <c:showSerName val="0"/>
-              <c:showPercent val="0"/>
-              <c:showBubbleSize val="0"/>
-              <c:showLeaderLines val="1"/>
-              <c:extLst>
-                <c:ext xmlns:c15="http://schemas.microsoft.com/office/drawing/2012/chart" uri="{CE6537A1-D6FC-4f65-9D91-7224C49458BB}"/>
-                <c:ext xmlns:c16="http://schemas.microsoft.com/office/drawing/2014/chart" uri="{C3380CC4-5D6E-409C-BE32-E72D297353CC}">
-                  <c16:uniqueId val="{00000019-b31c-677d-28c5-25363aa92ef6}"/>
-                </c:ext>
-              </c:extLst>
-            </c:dLbl>
-            <c:dLbl>
-              <c:idx val="19"/>
-              <c:tx>
-                <c:rich>
-                  <a:bodyPr>
-                    <a:spAutoFit/>
-                  </a:bodyPr>
-                  <a:lstStyle/>
-                  <a:p>
-                    <a:pPr>
-                      <a:defRPr/>
-                    </a:pPr>
-                    <a:r>
-                      <a:rPr lang="en-US" dirty="0"/>
-                      <a:t>心病四科</a:t>
-                    </a:r>
-                  </a:p>
-                </c:rich>
-              </c:tx>
-              <c:spPr>
-                <a:noFill/>
-                <a:ln>
-                  <a:noFill/>
-                </a:ln>
-                <a:effectLst/>
-              </c:spPr>
-              <c:dLblPos val="t"/>
-              <c:showLegendKey val="0"/>
-              <c:showVal val="0"/>
-              <c:showCatName val="0"/>
-              <c:showSerName val="0"/>
-              <c:showPercent val="0"/>
-              <c:showBubbleSize val="0"/>
-              <c:showLeaderLines val="1"/>
-              <c:extLst>
-                <c:ext xmlns:c15="http://schemas.microsoft.com/office/drawing/2012/chart" uri="{CE6537A1-D6FC-4f65-9D91-7224C49458BB}"/>
-                <c:ext xmlns:c16="http://schemas.microsoft.com/office/drawing/2014/chart" uri="{C3380CC4-5D6E-409C-BE32-E72D297353CC}">
-                  <c16:uniqueId val="{00000020-b31c-677d-28c5-25363aa92ef6}"/>
+                  <c16:uniqueId val="{00000020-0df3-5f7c-b074-3c150a650556}"/>
                 </c:ext>
               </c:extLst>
             </c:dLbl>
@@ -1035,64 +1035,64 @@
                 <c:formatCode>General</c:formatCode>
                 <c:ptCount val="20"/>
                 <c:pt idx="0">
-                  <c:v>0.0020109232914280743</c:v>
+                  <c:v>0.004739597128401495</c:v>
                 </c:pt>
                 <c:pt idx="1">
-                  <c:v>0.003638322027002175</c:v>
+                  <c:v>0.0037944463266348987</c:v>
                 </c:pt>
                 <c:pt idx="2">
-                  <c:v>0.0036316035221792757</c:v>
+                  <c:v>0.0012496197308669065</c:v>
                 </c:pt>
                 <c:pt idx="3">
-                  <c:v>0.00014474752627032517</c:v>
+                  <c:v>0.002459001160933338</c:v>
                 </c:pt>
                 <c:pt idx="4">
-                  <c:v>0.002115573958138311</c:v>
+                  <c:v>0.0038949176259095706</c:v>
                 </c:pt>
                 <c:pt idx="5">
-                  <c:v>0.0010668287311660575</c:v>
+                  <c:v>0.0041541941317361115</c:v>
                 </c:pt>
                 <c:pt idx="6">
-                  <c:v>0.003712395816778325</c:v>
+                  <c:v>0.003184135812220741</c:v>
                 </c:pt>
                 <c:pt idx="7">
-                  <c:v>0.0008434515195250476</c:v>
+                  <c:v>0.001407918540136401</c:v>
                 </c:pt>
                 <c:pt idx="8">
-                  <c:v>0.002564453445667028</c:v>
+                  <c:v>0.0037510986620226923</c:v>
                 </c:pt>
                 <c:pt idx="9">
-                  <c:v>0.00463536728882629</c:v>
+                  <c:v>0.0018750891180428012</c:v>
                 </c:pt>
                 <c:pt idx="10">
-                  <c:v>0.002844809372532991</c:v>
+                  <c:v>0.002141454692582092</c:v>
                 </c:pt>
                 <c:pt idx="11">
-                  <c:v>0.002029701256960592</c:v>
+                  <c:v>0.00008939488276594828</c:v>
                 </c:pt>
                 <c:pt idx="12">
-                  <c:v>0.003189463267978094</c:v>
+                  <c:v>0.0004672834938285888</c:v>
                 </c:pt>
                 <c:pt idx="13">
-                  <c:v>0.0008050397061041101</c:v>
+                  <c:v>0.000039336351297621415</c:v>
                 </c:pt>
                 <c:pt idx="14">
-                  <c:v>0.002212210873985889</c:v>
+                  <c:v>0.0027430450435732127</c:v>
                 </c:pt>
                 <c:pt idx="15">
-                  <c:v>0.000404651424428633</c:v>
+                  <c:v>0.0025126721566020973</c:v>
                 </c:pt>
                 <c:pt idx="16">
-                  <c:v>0.002902758452385843</c:v>
+                  <c:v>0.00010543852383372611</c:v>
                 </c:pt>
                 <c:pt idx="17">
-                  <c:v>0.0010139518103965248</c:v>
+                  <c:v>0.004400511588829351</c:v>
                 </c:pt>
                 <c:pt idx="18">
-                  <c:v>0.0017562931042686086</c:v>
+                  <c:v>0.004080473024768856</c:v>
                 </c:pt>
                 <c:pt idx="19">
-                  <c:v>0.0010167090665620536</c:v>
+                  <c:v>0.004572831452803817</c:v>
                 </c:pt>
               </c:numCache>
             </c:numRef>
@@ -1107,61 +1107,61 @@
                   <c:v>100</c:v>
                 </c:pt>
                 <c:pt idx="1">
-                  <c:v>91.86254098933522</c:v>
+                  <c:v>60.69126883763345</c:v>
                 </c:pt>
                 <c:pt idx="2">
-                  <c:v>40.268361420276584</c:v>
+                  <c:v>39.43956640200789</c:v>
                 </c:pt>
                 <c:pt idx="3">
-                  <c:v>35.596810549565895</c:v>
+                  <c:v>37.12631393429531</c:v>
                 </c:pt>
                 <c:pt idx="4">
-                  <c:v>33.88426354351857</c:v>
+                  <c:v>25.01230867218207</c:v>
                 </c:pt>
                 <c:pt idx="5">
-                  <c:v>33.26293003484116</c:v>
+                  <c:v>24.509350977346237</c:v>
                 </c:pt>
                 <c:pt idx="6">
-                  <c:v>33.231608018093986</c:v>
+                  <c:v>23.718664474429847</c:v>
                 </c:pt>
                 <c:pt idx="7">
-                  <c:v>32.33152020595787</c:v>
+                  <c:v>23.633769517554068</c:v>
                 </c:pt>
                 <c:pt idx="8">
-                  <c:v>28.829257024517503</c:v>
+                  <c:v>23.31277541302742</c:v>
                 </c:pt>
                 <c:pt idx="9">
-                  <c:v>25.71067912673934</c:v>
+                  <c:v>22.811959557010855</c:v>
                 </c:pt>
                 <c:pt idx="10">
-                  <c:v>24.704010825857697</c:v>
+                  <c:v>19.76982396733135</c:v>
                 </c:pt>
                 <c:pt idx="11">
-                  <c:v>24.60046602024694</c:v>
+                  <c:v>17.69512416501302</c:v>
                 </c:pt>
                 <c:pt idx="12">
-                  <c:v>24.024243700476347</c:v>
+                  <c:v>17.30475770170993</c:v>
                 </c:pt>
                 <c:pt idx="13">
-                  <c:v>23.86243829557071</c:v>
+                  <c:v>17.136338530524846</c:v>
                 </c:pt>
                 <c:pt idx="14">
-                  <c:v>23.21028733893232</c:v>
+                  <c:v>16.21196151871425</c:v>
                 </c:pt>
                 <c:pt idx="15">
-                  <c:v>22.43228301370429</c:v>
+                  <c:v>16.16550159528992</c:v>
                 </c:pt>
                 <c:pt idx="16">
-                  <c:v>21.17410815170095</c:v>
+                  <c:v>16.040788490266976</c:v>
                 </c:pt>
                 <c:pt idx="17">
-                  <c:v>20.771732460033732</c:v>
+                  <c:v>15.95078972948975</c:v>
                 </c:pt>
                 <c:pt idx="18">
-                  <c:v>20.673224424387413</c:v>
+                  <c:v>15.929045844535889</c:v>
                 </c:pt>
                 <c:pt idx="19">
-                  <c:v>20.557654561460474</c:v>
+                  <c:v>15.660685936395366</c:v>
                 </c:pt>
               </c:numCache>
             </c:numRef>
@@ -1381,7 +1381,7 @@
 </c:chartSpace>
 </file>
 
-<file path=ppt/charts/chart286.xml><?xml version="1.0" encoding="utf-8"?>
+<file path=ppt/charts/chart2288.xml><?xml version="1.0" encoding="utf-8"?>
 <c:chartSpace xmlns:c="http://schemas.openxmlformats.org/drawingml/2006/chart" xmlns:a="http://schemas.openxmlformats.org/drawingml/2006/main" xmlns:r="http://schemas.openxmlformats.org/officeDocument/2006/relationships">
   <c:date1904 val="0"/>
   <c:chart>
@@ -1498,7 +1498,7 @@
               <c:extLst>
                 <c:ext xmlns:c15="http://schemas.microsoft.com/office/drawing/2012/chart" uri="{CE6537A1-D6FC-4f65-9D91-7224C49458BB}"/>
                 <c:ext xmlns:c16="http://schemas.microsoft.com/office/drawing/2014/chart" uri="{C3380CC4-5D6E-409C-BE32-E72D297353CC}">
-                  <c16:uniqueId val="{00000001-3476-03b7-3837-5d1299411592}"/>
+                  <c16:uniqueId val="{00000001-4ce7-2485-05f6-a7b0c5e008d7}"/>
                 </c:ext>
               </c:extLst>
             </c:dLbl>
@@ -1516,7 +1516,7 @@
                     </a:pPr>
                     <a:r>
                       <a:rPr lang="en-US" dirty="0"/>
-                      <a:t>肛肠科</a:t>
+                      <a:t>内分泌科</a:t>
                     </a:r>
                   </a:p>
                 </c:rich>
@@ -1539,12 +1539,217 @@
               <c:extLst>
                 <c:ext xmlns:c15="http://schemas.microsoft.com/office/drawing/2012/chart" uri="{CE6537A1-D6FC-4f65-9D91-7224C49458BB}"/>
                 <c:ext xmlns:c16="http://schemas.microsoft.com/office/drawing/2014/chart" uri="{C3380CC4-5D6E-409C-BE32-E72D297353CC}">
-                  <c16:uniqueId val="{00000002-3476-03b7-3837-5d1299411592}"/>
+                  <c16:uniqueId val="{00000002-4ce7-2485-05f6-a7b0c5e008d7}"/>
                 </c:ext>
               </c:extLst>
             </c:dLbl>
             <c:dLbl>
               <c:idx val="2"/>
+              <c:tx>
+                <c:rich>
+                  <a:bodyPr>
+                    <a:spAutoFit/>
+                  </a:bodyPr>
+                  <a:lstStyle/>
+                  <a:p>
+                    <a:pPr>
+                      <a:defRPr/>
+                    </a:pPr>
+                    <a:r>
+                      <a:rPr lang="en-US" dirty="0"/>
+                      <a:t>儿科</a:t>
+                    </a:r>
+                  </a:p>
+                </c:rich>
+              </c:tx>
+              <c:spPr>
+                <a:noFill/>
+                <a:ln>
+                  <a:noFill/>
+                </a:ln>
+                <a:effectLst/>
+              </c:spPr>
+              <c:dLblPos val="t"/>
+              <c:showLegendKey val="0"/>
+              <c:showVal val="0"/>
+              <c:showCatName val="0"/>
+              <c:showSerName val="0"/>
+              <c:showPercent val="0"/>
+              <c:showBubbleSize val="0"/>
+              <c:showLeaderLines val="1"/>
+              <c:extLst>
+                <c:ext xmlns:c15="http://schemas.microsoft.com/office/drawing/2012/chart" uri="{CE6537A1-D6FC-4f65-9D91-7224C49458BB}"/>
+                <c:ext xmlns:c16="http://schemas.microsoft.com/office/drawing/2014/chart" uri="{C3380CC4-5D6E-409C-BE32-E72D297353CC}">
+                  <c16:uniqueId val="{00000003-4ce7-2485-05f6-a7b0c5e008d7}"/>
+                </c:ext>
+              </c:extLst>
+            </c:dLbl>
+            <c:dLbl>
+              <c:idx val="3"/>
+              <c:tx>
+                <c:rich>
+                  <a:bodyPr>
+                    <a:spAutoFit/>
+                  </a:bodyPr>
+                  <a:lstStyle/>
+                  <a:p>
+                    <a:pPr>
+                      <a:defRPr/>
+                    </a:pPr>
+                    <a:r>
+                      <a:rPr lang="en-US" dirty="0"/>
+                      <a:t>老年医学科</a:t>
+                    </a:r>
+                  </a:p>
+                </c:rich>
+              </c:tx>
+              <c:spPr>
+                <a:noFill/>
+                <a:ln>
+                  <a:noFill/>
+                </a:ln>
+                <a:effectLst/>
+              </c:spPr>
+              <c:dLblPos val="t"/>
+              <c:showLegendKey val="0"/>
+              <c:showVal val="0"/>
+              <c:showCatName val="0"/>
+              <c:showSerName val="0"/>
+              <c:showPercent val="0"/>
+              <c:showBubbleSize val="0"/>
+              <c:showLeaderLines val="1"/>
+              <c:extLst>
+                <c:ext xmlns:c15="http://schemas.microsoft.com/office/drawing/2012/chart" uri="{CE6537A1-D6FC-4f65-9D91-7224C49458BB}"/>
+                <c:ext xmlns:c16="http://schemas.microsoft.com/office/drawing/2014/chart" uri="{C3380CC4-5D6E-409C-BE32-E72D297353CC}">
+                  <c16:uniqueId val="{00000004-4ce7-2485-05f6-a7b0c5e008d7}"/>
+                </c:ext>
+              </c:extLst>
+            </c:dLbl>
+            <c:dLbl>
+              <c:idx val="4"/>
+              <c:tx>
+                <c:rich>
+                  <a:bodyPr>
+                    <a:spAutoFit/>
+                  </a:bodyPr>
+                  <a:lstStyle/>
+                  <a:p>
+                    <a:pPr>
+                      <a:defRPr/>
+                    </a:pPr>
+                    <a:r>
+                      <a:rPr lang="en-US" dirty="0"/>
+                      <a:t>西区重症医学科</a:t>
+                    </a:r>
+                  </a:p>
+                </c:rich>
+              </c:tx>
+              <c:spPr>
+                <a:noFill/>
+                <a:ln>
+                  <a:noFill/>
+                </a:ln>
+                <a:effectLst/>
+              </c:spPr>
+              <c:dLblPos val="t"/>
+              <c:showLegendKey val="0"/>
+              <c:showVal val="0"/>
+              <c:showCatName val="0"/>
+              <c:showSerName val="0"/>
+              <c:showPercent val="0"/>
+              <c:showBubbleSize val="0"/>
+              <c:showLeaderLines val="1"/>
+              <c:extLst>
+                <c:ext xmlns:c15="http://schemas.microsoft.com/office/drawing/2012/chart" uri="{CE6537A1-D6FC-4f65-9D91-7224C49458BB}"/>
+                <c:ext xmlns:c16="http://schemas.microsoft.com/office/drawing/2014/chart" uri="{C3380CC4-5D6E-409C-BE32-E72D297353CC}">
+                  <c16:uniqueId val="{00000005-4ce7-2485-05f6-a7b0c5e008d7}"/>
+                </c:ext>
+              </c:extLst>
+            </c:dLbl>
+            <c:dLbl>
+              <c:idx val="5"/>
+              <c:tx>
+                <c:rich>
+                  <a:bodyPr>
+                    <a:spAutoFit/>
+                  </a:bodyPr>
+                  <a:lstStyle/>
+                  <a:p>
+                    <a:pPr>
+                      <a:defRPr/>
+                    </a:pPr>
+                    <a:r>
+                      <a:rPr lang="en-US" dirty="0"/>
+                      <a:t>呼吸内科</a:t>
+                    </a:r>
+                  </a:p>
+                </c:rich>
+              </c:tx>
+              <c:spPr>
+                <a:noFill/>
+                <a:ln>
+                  <a:noFill/>
+                </a:ln>
+                <a:effectLst/>
+              </c:spPr>
+              <c:dLblPos val="t"/>
+              <c:showLegendKey val="0"/>
+              <c:showVal val="0"/>
+              <c:showCatName val="0"/>
+              <c:showSerName val="0"/>
+              <c:showPercent val="0"/>
+              <c:showBubbleSize val="0"/>
+              <c:showLeaderLines val="1"/>
+              <c:extLst>
+                <c:ext xmlns:c15="http://schemas.microsoft.com/office/drawing/2012/chart" uri="{CE6537A1-D6FC-4f65-9D91-7224C49458BB}"/>
+                <c:ext xmlns:c16="http://schemas.microsoft.com/office/drawing/2014/chart" uri="{C3380CC4-5D6E-409C-BE32-E72D297353CC}">
+                  <c16:uniqueId val="{00000006-4ce7-2485-05f6-a7b0c5e008d7}"/>
+                </c:ext>
+              </c:extLst>
+            </c:dLbl>
+            <c:dLbl>
+              <c:idx val="6"/>
+              <c:tx>
+                <c:rich>
+                  <a:bodyPr>
+                    <a:spAutoFit/>
+                  </a:bodyPr>
+                  <a:lstStyle/>
+                  <a:p>
+                    <a:pPr>
+                      <a:defRPr/>
+                    </a:pPr>
+                    <a:r>
+                      <a:rPr lang="en-US" dirty="0"/>
+                      <a:t>重症医学科</a:t>
+                    </a:r>
+                  </a:p>
+                </c:rich>
+              </c:tx>
+              <c:spPr>
+                <a:noFill/>
+                <a:ln>
+                  <a:noFill/>
+                </a:ln>
+                <a:effectLst/>
+              </c:spPr>
+              <c:dLblPos val="t"/>
+              <c:showLegendKey val="0"/>
+              <c:showVal val="0"/>
+              <c:showCatName val="0"/>
+              <c:showSerName val="0"/>
+              <c:showPercent val="0"/>
+              <c:showBubbleSize val="0"/>
+              <c:showLeaderLines val="1"/>
+              <c:extLst>
+                <c:ext xmlns:c15="http://schemas.microsoft.com/office/drawing/2012/chart" uri="{CE6537A1-D6FC-4f65-9D91-7224C49458BB}"/>
+                <c:ext xmlns:c16="http://schemas.microsoft.com/office/drawing/2014/chart" uri="{C3380CC4-5D6E-409C-BE32-E72D297353CC}">
+                  <c16:uniqueId val="{00000007-4ce7-2485-05f6-a7b0c5e008d7}"/>
+                </c:ext>
+              </c:extLst>
+            </c:dLbl>
+            <c:dLbl>
+              <c:idx val="7"/>
               <c:tx>
                 <c:rich>
                   <a:bodyPr>
@@ -1580,12 +1785,340 @@
               <c:extLst>
                 <c:ext xmlns:c15="http://schemas.microsoft.com/office/drawing/2012/chart" uri="{CE6537A1-D6FC-4f65-9D91-7224C49458BB}"/>
                 <c:ext xmlns:c16="http://schemas.microsoft.com/office/drawing/2014/chart" uri="{C3380CC4-5D6E-409C-BE32-E72D297353CC}">
-                  <c16:uniqueId val="{00000003-3476-03b7-3837-5d1299411592}"/>
+                  <c16:uniqueId val="{00000008-4ce7-2485-05f6-a7b0c5e008d7}"/>
                 </c:ext>
               </c:extLst>
             </c:dLbl>
             <c:dLbl>
-              <c:idx val="3"/>
+              <c:idx val="8"/>
+              <c:tx>
+                <c:rich>
+                  <a:bodyPr>
+                    <a:spAutoFit/>
+                  </a:bodyPr>
+                  <a:lstStyle/>
+                  <a:p>
+                    <a:pPr>
+                      <a:defRPr/>
+                    </a:pPr>
+                    <a:r>
+                      <a:rPr lang="en-US" dirty="0"/>
+                      <a:t>男科</a:t>
+                    </a:r>
+                  </a:p>
+                </c:rich>
+              </c:tx>
+              <c:spPr>
+                <a:noFill/>
+                <a:ln>
+                  <a:noFill/>
+                </a:ln>
+                <a:effectLst/>
+              </c:spPr>
+              <c:dLblPos val="t"/>
+              <c:showLegendKey val="0"/>
+              <c:showVal val="0"/>
+              <c:showCatName val="0"/>
+              <c:showSerName val="0"/>
+              <c:showPercent val="0"/>
+              <c:showBubbleSize val="0"/>
+              <c:showLeaderLines val="1"/>
+              <c:extLst>
+                <c:ext xmlns:c15="http://schemas.microsoft.com/office/drawing/2012/chart" uri="{CE6537A1-D6FC-4f65-9D91-7224C49458BB}"/>
+                <c:ext xmlns:c16="http://schemas.microsoft.com/office/drawing/2014/chart" uri="{C3380CC4-5D6E-409C-BE32-E72D297353CC}">
+                  <c16:uniqueId val="{00000009-4ce7-2485-05f6-a7b0c5e008d7}"/>
+                </c:ext>
+              </c:extLst>
+            </c:dLbl>
+            <c:dLbl>
+              <c:idx val="9"/>
+              <c:tx>
+                <c:rich>
+                  <a:bodyPr>
+                    <a:spAutoFit/>
+                  </a:bodyPr>
+                  <a:lstStyle/>
+                  <a:p>
+                    <a:pPr>
+                      <a:defRPr/>
+                    </a:pPr>
+                    <a:r>
+                      <a:rPr lang="en-US" dirty="0"/>
+                      <a:t>皮肤科</a:t>
+                    </a:r>
+                  </a:p>
+                </c:rich>
+              </c:tx>
+              <c:spPr>
+                <a:noFill/>
+                <a:ln>
+                  <a:noFill/>
+                </a:ln>
+                <a:effectLst/>
+              </c:spPr>
+              <c:dLblPos val="t"/>
+              <c:showLegendKey val="0"/>
+              <c:showVal val="0"/>
+              <c:showCatName val="0"/>
+              <c:showSerName val="0"/>
+              <c:showPercent val="0"/>
+              <c:showBubbleSize val="0"/>
+              <c:showLeaderLines val="1"/>
+              <c:extLst>
+                <c:ext xmlns:c15="http://schemas.microsoft.com/office/drawing/2012/chart" uri="{CE6537A1-D6FC-4f65-9D91-7224C49458BB}"/>
+                <c:ext xmlns:c16="http://schemas.microsoft.com/office/drawing/2014/chart" uri="{C3380CC4-5D6E-409C-BE32-E72D297353CC}">
+                  <c16:uniqueId val="{00000010-4ce7-2485-05f6-a7b0c5e008d7}"/>
+                </c:ext>
+              </c:extLst>
+            </c:dLbl>
+            <c:dLbl>
+              <c:idx val="10"/>
+              <c:tx>
+                <c:rich>
+                  <a:bodyPr>
+                    <a:spAutoFit/>
+                  </a:bodyPr>
+                  <a:lstStyle/>
+                  <a:p>
+                    <a:pPr>
+                      <a:defRPr/>
+                    </a:pPr>
+                    <a:r>
+                      <a:rPr lang="en-US" dirty="0"/>
+                      <a:t>针灸科</a:t>
+                    </a:r>
+                  </a:p>
+                </c:rich>
+              </c:tx>
+              <c:spPr>
+                <a:noFill/>
+                <a:ln>
+                  <a:noFill/>
+                </a:ln>
+                <a:effectLst/>
+              </c:spPr>
+              <c:dLblPos val="t"/>
+              <c:showLegendKey val="0"/>
+              <c:showVal val="0"/>
+              <c:showCatName val="0"/>
+              <c:showSerName val="0"/>
+              <c:showPercent val="0"/>
+              <c:showBubbleSize val="0"/>
+              <c:showLeaderLines val="1"/>
+              <c:extLst>
+                <c:ext xmlns:c15="http://schemas.microsoft.com/office/drawing/2012/chart" uri="{CE6537A1-D6FC-4f65-9D91-7224C49458BB}"/>
+                <c:ext xmlns:c16="http://schemas.microsoft.com/office/drawing/2014/chart" uri="{C3380CC4-5D6E-409C-BE32-E72D297353CC}">
+                  <c16:uniqueId val="{00000011-4ce7-2485-05f6-a7b0c5e008d7}"/>
+                </c:ext>
+              </c:extLst>
+            </c:dLbl>
+            <c:dLbl>
+              <c:idx val="11"/>
+              <c:tx>
+                <c:rich>
+                  <a:bodyPr>
+                    <a:spAutoFit/>
+                  </a:bodyPr>
+                  <a:lstStyle/>
+                  <a:p>
+                    <a:pPr>
+                      <a:defRPr/>
+                    </a:pPr>
+                    <a:r>
+                      <a:rPr lang="en-US" dirty="0"/>
+                      <a:t>肾病科</a:t>
+                    </a:r>
+                  </a:p>
+                </c:rich>
+              </c:tx>
+              <c:spPr>
+                <a:noFill/>
+                <a:ln>
+                  <a:noFill/>
+                </a:ln>
+                <a:effectLst/>
+              </c:spPr>
+              <c:dLblPos val="t"/>
+              <c:showLegendKey val="0"/>
+              <c:showVal val="0"/>
+              <c:showCatName val="0"/>
+              <c:showSerName val="0"/>
+              <c:showPercent val="0"/>
+              <c:showBubbleSize val="0"/>
+              <c:showLeaderLines val="1"/>
+              <c:extLst>
+                <c:ext xmlns:c15="http://schemas.microsoft.com/office/drawing/2012/chart" uri="{CE6537A1-D6FC-4f65-9D91-7224C49458BB}"/>
+                <c:ext xmlns:c16="http://schemas.microsoft.com/office/drawing/2014/chart" uri="{C3380CC4-5D6E-409C-BE32-E72D297353CC}">
+                  <c16:uniqueId val="{00000012-4ce7-2485-05f6-a7b0c5e008d7}"/>
+                </c:ext>
+              </c:extLst>
+            </c:dLbl>
+            <c:dLbl>
+              <c:idx val="12"/>
+              <c:tx>
+                <c:rich>
+                  <a:bodyPr>
+                    <a:spAutoFit/>
+                  </a:bodyPr>
+                  <a:lstStyle/>
+                  <a:p>
+                    <a:pPr>
+                      <a:defRPr/>
+                    </a:pPr>
+                    <a:r>
+                      <a:rPr lang="en-US" dirty="0"/>
+                      <a:t>神经外科</a:t>
+                    </a:r>
+                  </a:p>
+                </c:rich>
+              </c:tx>
+              <c:spPr>
+                <a:noFill/>
+                <a:ln>
+                  <a:noFill/>
+                </a:ln>
+                <a:effectLst/>
+              </c:spPr>
+              <c:dLblPos val="t"/>
+              <c:showLegendKey val="0"/>
+              <c:showVal val="0"/>
+              <c:showCatName val="0"/>
+              <c:showSerName val="0"/>
+              <c:showPercent val="0"/>
+              <c:showBubbleSize val="0"/>
+              <c:showLeaderLines val="1"/>
+              <c:extLst>
+                <c:ext xmlns:c15="http://schemas.microsoft.com/office/drawing/2012/chart" uri="{CE6537A1-D6FC-4f65-9D91-7224C49458BB}"/>
+                <c:ext xmlns:c16="http://schemas.microsoft.com/office/drawing/2014/chart" uri="{C3380CC4-5D6E-409C-BE32-E72D297353CC}">
+                  <c16:uniqueId val="{00000013-4ce7-2485-05f6-a7b0c5e008d7}"/>
+                </c:ext>
+              </c:extLst>
+            </c:dLbl>
+            <c:dLbl>
+              <c:idx val="13"/>
+              <c:tx>
+                <c:rich>
+                  <a:bodyPr>
+                    <a:spAutoFit/>
+                  </a:bodyPr>
+                  <a:lstStyle/>
+                  <a:p>
+                    <a:pPr>
+                      <a:defRPr/>
+                    </a:pPr>
+                    <a:r>
+                      <a:rPr lang="en-US" dirty="0"/>
+                      <a:t>神经内科</a:t>
+                    </a:r>
+                  </a:p>
+                </c:rich>
+              </c:tx>
+              <c:spPr>
+                <a:noFill/>
+                <a:ln>
+                  <a:noFill/>
+                </a:ln>
+                <a:effectLst/>
+              </c:spPr>
+              <c:dLblPos val="t"/>
+              <c:showLegendKey val="0"/>
+              <c:showVal val="0"/>
+              <c:showCatName val="0"/>
+              <c:showSerName val="0"/>
+              <c:showPercent val="0"/>
+              <c:showBubbleSize val="0"/>
+              <c:showLeaderLines val="1"/>
+              <c:extLst>
+                <c:ext xmlns:c15="http://schemas.microsoft.com/office/drawing/2012/chart" uri="{CE6537A1-D6FC-4f65-9D91-7224C49458BB}"/>
+                <c:ext xmlns:c16="http://schemas.microsoft.com/office/drawing/2014/chart" uri="{C3380CC4-5D6E-409C-BE32-E72D297353CC}">
+                  <c16:uniqueId val="{00000014-4ce7-2485-05f6-a7b0c5e008d7}"/>
+                </c:ext>
+              </c:extLst>
+            </c:dLbl>
+            <c:dLbl>
+              <c:idx val="14"/>
+              <c:tx>
+                <c:rich>
+                  <a:bodyPr>
+                    <a:spAutoFit/>
+                  </a:bodyPr>
+                  <a:lstStyle/>
+                  <a:p>
+                    <a:pPr>
+                      <a:defRPr/>
+                    </a:pPr>
+                    <a:r>
+                      <a:rPr lang="en-US" dirty="0"/>
+                      <a:t>胸外科</a:t>
+                    </a:r>
+                  </a:p>
+                </c:rich>
+              </c:tx>
+              <c:spPr>
+                <a:noFill/>
+                <a:ln>
+                  <a:noFill/>
+                </a:ln>
+                <a:effectLst/>
+              </c:spPr>
+              <c:dLblPos val="t"/>
+              <c:showLegendKey val="0"/>
+              <c:showVal val="0"/>
+              <c:showCatName val="0"/>
+              <c:showSerName val="0"/>
+              <c:showPercent val="0"/>
+              <c:showBubbleSize val="0"/>
+              <c:showLeaderLines val="1"/>
+              <c:extLst>
+                <c:ext xmlns:c15="http://schemas.microsoft.com/office/drawing/2012/chart" uri="{CE6537A1-D6FC-4f65-9D91-7224C49458BB}"/>
+                <c:ext xmlns:c16="http://schemas.microsoft.com/office/drawing/2014/chart" uri="{C3380CC4-5D6E-409C-BE32-E72D297353CC}">
+                  <c16:uniqueId val="{00000015-4ce7-2485-05f6-a7b0c5e008d7}"/>
+                </c:ext>
+              </c:extLst>
+            </c:dLbl>
+            <c:dLbl>
+              <c:idx val="15"/>
+              <c:tx>
+                <c:rich>
+                  <a:bodyPr>
+                    <a:spAutoFit/>
+                  </a:bodyPr>
+                  <a:lstStyle/>
+                  <a:p>
+                    <a:pPr>
+                      <a:defRPr/>
+                    </a:pPr>
+                    <a:r>
+                      <a:rPr lang="en-US" dirty="0"/>
+                      <a:t>泌尿外科</a:t>
+                    </a:r>
+                  </a:p>
+                </c:rich>
+              </c:tx>
+              <c:spPr>
+                <a:noFill/>
+                <a:ln>
+                  <a:noFill/>
+                </a:ln>
+                <a:effectLst/>
+              </c:spPr>
+              <c:dLblPos val="t"/>
+              <c:showLegendKey val="0"/>
+              <c:showVal val="0"/>
+              <c:showCatName val="0"/>
+              <c:showSerName val="0"/>
+              <c:showPercent val="0"/>
+              <c:showBubbleSize val="0"/>
+              <c:showLeaderLines val="1"/>
+              <c:extLst>
+                <c:ext xmlns:c15="http://schemas.microsoft.com/office/drawing/2012/chart" uri="{CE6537A1-D6FC-4f65-9D91-7224C49458BB}"/>
+                <c:ext xmlns:c16="http://schemas.microsoft.com/office/drawing/2014/chart" uri="{C3380CC4-5D6E-409C-BE32-E72D297353CC}">
+                  <c16:uniqueId val="{00000016-4ce7-2485-05f6-a7b0c5e008d7}"/>
+                </c:ext>
+              </c:extLst>
+            </c:dLbl>
+            <c:dLbl>
+              <c:idx val="16"/>
               <c:tx>
                 <c:rich>
                   <a:bodyPr>
@@ -1621,12 +2154,12 @@
               <c:extLst>
                 <c:ext xmlns:c15="http://schemas.microsoft.com/office/drawing/2012/chart" uri="{CE6537A1-D6FC-4f65-9D91-7224C49458BB}"/>
                 <c:ext xmlns:c16="http://schemas.microsoft.com/office/drawing/2014/chart" uri="{C3380CC4-5D6E-409C-BE32-E72D297353CC}">
-                  <c16:uniqueId val="{00000004-3476-03b7-3837-5d1299411592}"/>
+                  <c16:uniqueId val="{00000017-4ce7-2485-05f6-a7b0c5e008d7}"/>
                 </c:ext>
               </c:extLst>
             </c:dLbl>
             <c:dLbl>
-              <c:idx val="4"/>
+              <c:idx val="17"/>
               <c:tx>
                 <c:rich>
                   <a:bodyPr>
@@ -1639,7 +2172,7 @@
                     </a:pPr>
                     <a:r>
                       <a:rPr lang="en-US" dirty="0"/>
-                      <a:t>血液科</a:t>
+                      <a:t>推拿科</a:t>
                     </a:r>
                   </a:p>
                 </c:rich>
@@ -1662,12 +2195,12 @@
               <c:extLst>
                 <c:ext xmlns:c15="http://schemas.microsoft.com/office/drawing/2012/chart" uri="{CE6537A1-D6FC-4f65-9D91-7224C49458BB}"/>
                 <c:ext xmlns:c16="http://schemas.microsoft.com/office/drawing/2014/chart" uri="{C3380CC4-5D6E-409C-BE32-E72D297353CC}">
-                  <c16:uniqueId val="{00000005-3476-03b7-3837-5d1299411592}"/>
+                  <c16:uniqueId val="{00000018-4ce7-2485-05f6-a7b0c5e008d7}"/>
                 </c:ext>
               </c:extLst>
             </c:dLbl>
             <c:dLbl>
-              <c:idx val="5"/>
+              <c:idx val="18"/>
               <c:tx>
                 <c:rich>
                   <a:bodyPr>
@@ -1680,7 +2213,7 @@
                     </a:pPr>
                     <a:r>
                       <a:rPr lang="en-US" dirty="0"/>
-                      <a:t>内分泌科</a:t>
+                      <a:t>东区肾病科</a:t>
                     </a:r>
                   </a:p>
                 </c:rich>
@@ -1703,12 +2236,12 @@
               <c:extLst>
                 <c:ext xmlns:c15="http://schemas.microsoft.com/office/drawing/2012/chart" uri="{CE6537A1-D6FC-4f65-9D91-7224C49458BB}"/>
                 <c:ext xmlns:c16="http://schemas.microsoft.com/office/drawing/2014/chart" uri="{C3380CC4-5D6E-409C-BE32-E72D297353CC}">
-                  <c16:uniqueId val="{00000006-3476-03b7-3837-5d1299411592}"/>
+                  <c16:uniqueId val="{00000019-4ce7-2485-05f6-a7b0c5e008d7}"/>
                 </c:ext>
               </c:extLst>
             </c:dLbl>
             <c:dLbl>
-              <c:idx val="6"/>
+              <c:idx val="19"/>
               <c:tx>
                 <c:rich>
                   <a:bodyPr>
@@ -1721,7 +2254,7 @@
                     </a:pPr>
                     <a:r>
                       <a:rPr lang="en-US" dirty="0"/>
-                      <a:t>显微骨科</a:t>
+                      <a:t>耳鼻喉科</a:t>
                     </a:r>
                   </a:p>
                 </c:rich>
@@ -1744,540 +2277,7 @@
               <c:extLst>
                 <c:ext xmlns:c15="http://schemas.microsoft.com/office/drawing/2012/chart" uri="{CE6537A1-D6FC-4f65-9D91-7224C49458BB}"/>
                 <c:ext xmlns:c16="http://schemas.microsoft.com/office/drawing/2014/chart" uri="{C3380CC4-5D6E-409C-BE32-E72D297353CC}">
-                  <c16:uniqueId val="{00000007-3476-03b7-3837-5d1299411592}"/>
-                </c:ext>
-              </c:extLst>
-            </c:dLbl>
-            <c:dLbl>
-              <c:idx val="7"/>
-              <c:tx>
-                <c:rich>
-                  <a:bodyPr>
-                    <a:spAutoFit/>
-                  </a:bodyPr>
-                  <a:lstStyle/>
-                  <a:p>
-                    <a:pPr>
-                      <a:defRPr/>
-                    </a:pPr>
-                    <a:r>
-                      <a:rPr lang="en-US" dirty="0"/>
-                      <a:t>骨科</a:t>
-                    </a:r>
-                  </a:p>
-                </c:rich>
-              </c:tx>
-              <c:spPr>
-                <a:noFill/>
-                <a:ln>
-                  <a:noFill/>
-                </a:ln>
-                <a:effectLst/>
-              </c:spPr>
-              <c:dLblPos val="t"/>
-              <c:showLegendKey val="0"/>
-              <c:showVal val="0"/>
-              <c:showCatName val="0"/>
-              <c:showSerName val="0"/>
-              <c:showPercent val="0"/>
-              <c:showBubbleSize val="0"/>
-              <c:showLeaderLines val="1"/>
-              <c:extLst>
-                <c:ext xmlns:c15="http://schemas.microsoft.com/office/drawing/2012/chart" uri="{CE6537A1-D6FC-4f65-9D91-7224C49458BB}"/>
-                <c:ext xmlns:c16="http://schemas.microsoft.com/office/drawing/2014/chart" uri="{C3380CC4-5D6E-409C-BE32-E72D297353CC}">
-                  <c16:uniqueId val="{00000008-3476-03b7-3837-5d1299411592}"/>
-                </c:ext>
-              </c:extLst>
-            </c:dLbl>
-            <c:dLbl>
-              <c:idx val="8"/>
-              <c:tx>
-                <c:rich>
-                  <a:bodyPr>
-                    <a:spAutoFit/>
-                  </a:bodyPr>
-                  <a:lstStyle/>
-                  <a:p>
-                    <a:pPr>
-                      <a:defRPr/>
-                    </a:pPr>
-                    <a:r>
-                      <a:rPr lang="en-US" dirty="0"/>
-                      <a:t>妇二科</a:t>
-                    </a:r>
-                  </a:p>
-                </c:rich>
-              </c:tx>
-              <c:spPr>
-                <a:noFill/>
-                <a:ln>
-                  <a:noFill/>
-                </a:ln>
-                <a:effectLst/>
-              </c:spPr>
-              <c:dLblPos val="t"/>
-              <c:showLegendKey val="0"/>
-              <c:showVal val="0"/>
-              <c:showCatName val="0"/>
-              <c:showSerName val="0"/>
-              <c:showPercent val="0"/>
-              <c:showBubbleSize val="0"/>
-              <c:showLeaderLines val="1"/>
-              <c:extLst>
-                <c:ext xmlns:c15="http://schemas.microsoft.com/office/drawing/2012/chart" uri="{CE6537A1-D6FC-4f65-9D91-7224C49458BB}"/>
-                <c:ext xmlns:c16="http://schemas.microsoft.com/office/drawing/2014/chart" uri="{C3380CC4-5D6E-409C-BE32-E72D297353CC}">
-                  <c16:uniqueId val="{00000009-3476-03b7-3837-5d1299411592}"/>
-                </c:ext>
-              </c:extLst>
-            </c:dLbl>
-            <c:dLbl>
-              <c:idx val="9"/>
-              <c:tx>
-                <c:rich>
-                  <a:bodyPr>
-                    <a:spAutoFit/>
-                  </a:bodyPr>
-                  <a:lstStyle/>
-                  <a:p>
-                    <a:pPr>
-                      <a:defRPr/>
-                    </a:pPr>
-                    <a:r>
-                      <a:rPr lang="en-US" dirty="0"/>
-                      <a:t>关节骨科</a:t>
-                    </a:r>
-                  </a:p>
-                </c:rich>
-              </c:tx>
-              <c:spPr>
-                <a:noFill/>
-                <a:ln>
-                  <a:noFill/>
-                </a:ln>
-                <a:effectLst/>
-              </c:spPr>
-              <c:dLblPos val="t"/>
-              <c:showLegendKey val="0"/>
-              <c:showVal val="0"/>
-              <c:showCatName val="0"/>
-              <c:showSerName val="0"/>
-              <c:showPercent val="0"/>
-              <c:showBubbleSize val="0"/>
-              <c:showLeaderLines val="1"/>
-              <c:extLst>
-                <c:ext xmlns:c15="http://schemas.microsoft.com/office/drawing/2012/chart" uri="{CE6537A1-D6FC-4f65-9D91-7224C49458BB}"/>
-                <c:ext xmlns:c16="http://schemas.microsoft.com/office/drawing/2014/chart" uri="{C3380CC4-5D6E-409C-BE32-E72D297353CC}">
-                  <c16:uniqueId val="{00000010-3476-03b7-3837-5d1299411592}"/>
-                </c:ext>
-              </c:extLst>
-            </c:dLbl>
-            <c:dLbl>
-              <c:idx val="10"/>
-              <c:tx>
-                <c:rich>
-                  <a:bodyPr>
-                    <a:spAutoFit/>
-                  </a:bodyPr>
-                  <a:lstStyle/>
-                  <a:p>
-                    <a:pPr>
-                      <a:defRPr/>
-                    </a:pPr>
-                    <a:r>
-                      <a:rPr lang="en-US" dirty="0"/>
-                      <a:t>中医外治中心</a:t>
-                    </a:r>
-                  </a:p>
-                </c:rich>
-              </c:tx>
-              <c:spPr>
-                <a:noFill/>
-                <a:ln>
-                  <a:noFill/>
-                </a:ln>
-                <a:effectLst/>
-              </c:spPr>
-              <c:dLblPos val="t"/>
-              <c:showLegendKey val="0"/>
-              <c:showVal val="0"/>
-              <c:showCatName val="0"/>
-              <c:showSerName val="0"/>
-              <c:showPercent val="0"/>
-              <c:showBubbleSize val="0"/>
-              <c:showLeaderLines val="1"/>
-              <c:extLst>
-                <c:ext xmlns:c15="http://schemas.microsoft.com/office/drawing/2012/chart" uri="{CE6537A1-D6FC-4f65-9D91-7224C49458BB}"/>
-                <c:ext xmlns:c16="http://schemas.microsoft.com/office/drawing/2014/chart" uri="{C3380CC4-5D6E-409C-BE32-E72D297353CC}">
-                  <c16:uniqueId val="{00000011-3476-03b7-3837-5d1299411592}"/>
-                </c:ext>
-              </c:extLst>
-            </c:dLbl>
-            <c:dLbl>
-              <c:idx val="11"/>
-              <c:tx>
-                <c:rich>
-                  <a:bodyPr>
-                    <a:spAutoFit/>
-                  </a:bodyPr>
-                  <a:lstStyle/>
-                  <a:p>
-                    <a:pPr>
-                      <a:defRPr/>
-                    </a:pPr>
-                    <a:r>
-                      <a:rPr lang="en-US" dirty="0"/>
-                      <a:t>眼科</a:t>
-                    </a:r>
-                  </a:p>
-                </c:rich>
-              </c:tx>
-              <c:spPr>
-                <a:noFill/>
-                <a:ln>
-                  <a:noFill/>
-                </a:ln>
-                <a:effectLst/>
-              </c:spPr>
-              <c:dLblPos val="t"/>
-              <c:showLegendKey val="0"/>
-              <c:showVal val="0"/>
-              <c:showCatName val="0"/>
-              <c:showSerName val="0"/>
-              <c:showPercent val="0"/>
-              <c:showBubbleSize val="0"/>
-              <c:showLeaderLines val="1"/>
-              <c:extLst>
-                <c:ext xmlns:c15="http://schemas.microsoft.com/office/drawing/2012/chart" uri="{CE6537A1-D6FC-4f65-9D91-7224C49458BB}"/>
-                <c:ext xmlns:c16="http://schemas.microsoft.com/office/drawing/2014/chart" uri="{C3380CC4-5D6E-409C-BE32-E72D297353CC}">
-                  <c16:uniqueId val="{00000012-3476-03b7-3837-5d1299411592}"/>
-                </c:ext>
-              </c:extLst>
-            </c:dLbl>
-            <c:dLbl>
-              <c:idx val="12"/>
-              <c:tx>
-                <c:rich>
-                  <a:bodyPr>
-                    <a:spAutoFit/>
-                  </a:bodyPr>
-                  <a:lstStyle/>
-                  <a:p>
-                    <a:pPr>
-                      <a:defRPr/>
-                    </a:pPr>
-                    <a:r>
-                      <a:rPr lang="en-US" dirty="0"/>
-                      <a:t>身心医学科</a:t>
-                    </a:r>
-                  </a:p>
-                </c:rich>
-              </c:tx>
-              <c:spPr>
-                <a:noFill/>
-                <a:ln>
-                  <a:noFill/>
-                </a:ln>
-                <a:effectLst/>
-              </c:spPr>
-              <c:dLblPos val="t"/>
-              <c:showLegendKey val="0"/>
-              <c:showVal val="0"/>
-              <c:showCatName val="0"/>
-              <c:showSerName val="0"/>
-              <c:showPercent val="0"/>
-              <c:showBubbleSize val="0"/>
-              <c:showLeaderLines val="1"/>
-              <c:extLst>
-                <c:ext xmlns:c15="http://schemas.microsoft.com/office/drawing/2012/chart" uri="{CE6537A1-D6FC-4f65-9D91-7224C49458BB}"/>
-                <c:ext xmlns:c16="http://schemas.microsoft.com/office/drawing/2014/chart" uri="{C3380CC4-5D6E-409C-BE32-E72D297353CC}">
-                  <c16:uniqueId val="{00000013-3476-03b7-3837-5d1299411592}"/>
-                </c:ext>
-              </c:extLst>
-            </c:dLbl>
-            <c:dLbl>
-              <c:idx val="13"/>
-              <c:tx>
-                <c:rich>
-                  <a:bodyPr>
-                    <a:spAutoFit/>
-                  </a:bodyPr>
-                  <a:lstStyle/>
-                  <a:p>
-                    <a:pPr>
-                      <a:defRPr/>
-                    </a:pPr>
-                    <a:r>
-                      <a:rPr lang="en-US" dirty="0"/>
-                      <a:t>脑病一科</a:t>
-                    </a:r>
-                  </a:p>
-                </c:rich>
-              </c:tx>
-              <c:spPr>
-                <a:noFill/>
-                <a:ln>
-                  <a:noFill/>
-                </a:ln>
-                <a:effectLst/>
-              </c:spPr>
-              <c:dLblPos val="t"/>
-              <c:showLegendKey val="0"/>
-              <c:showVal val="0"/>
-              <c:showCatName val="0"/>
-              <c:showSerName val="0"/>
-              <c:showPercent val="0"/>
-              <c:showBubbleSize val="0"/>
-              <c:showLeaderLines val="1"/>
-              <c:extLst>
-                <c:ext xmlns:c15="http://schemas.microsoft.com/office/drawing/2012/chart" uri="{CE6537A1-D6FC-4f65-9D91-7224C49458BB}"/>
-                <c:ext xmlns:c16="http://schemas.microsoft.com/office/drawing/2014/chart" uri="{C3380CC4-5D6E-409C-BE32-E72D297353CC}">
-                  <c16:uniqueId val="{00000014-3476-03b7-3837-5d1299411592}"/>
-                </c:ext>
-              </c:extLst>
-            </c:dLbl>
-            <c:dLbl>
-              <c:idx val="14"/>
-              <c:tx>
-                <c:rich>
-                  <a:bodyPr>
-                    <a:spAutoFit/>
-                  </a:bodyPr>
-                  <a:lstStyle/>
-                  <a:p>
-                    <a:pPr>
-                      <a:defRPr/>
-                    </a:pPr>
-                    <a:r>
-                      <a:rPr lang="en-US" dirty="0"/>
-                      <a:t>脊柱骨科</a:t>
-                    </a:r>
-                  </a:p>
-                </c:rich>
-              </c:tx>
-              <c:spPr>
-                <a:noFill/>
-                <a:ln>
-                  <a:noFill/>
-                </a:ln>
-                <a:effectLst/>
-              </c:spPr>
-              <c:dLblPos val="t"/>
-              <c:showLegendKey val="0"/>
-              <c:showVal val="0"/>
-              <c:showCatName val="0"/>
-              <c:showSerName val="0"/>
-              <c:showPercent val="0"/>
-              <c:showBubbleSize val="0"/>
-              <c:showLeaderLines val="1"/>
-              <c:extLst>
-                <c:ext xmlns:c15="http://schemas.microsoft.com/office/drawing/2012/chart" uri="{CE6537A1-D6FC-4f65-9D91-7224C49458BB}"/>
-                <c:ext xmlns:c16="http://schemas.microsoft.com/office/drawing/2014/chart" uri="{C3380CC4-5D6E-409C-BE32-E72D297353CC}">
-                  <c16:uniqueId val="{00000015-3476-03b7-3837-5d1299411592}"/>
-                </c:ext>
-              </c:extLst>
-            </c:dLbl>
-            <c:dLbl>
-              <c:idx val="15"/>
-              <c:tx>
-                <c:rich>
-                  <a:bodyPr>
-                    <a:spAutoFit/>
-                  </a:bodyPr>
-                  <a:lstStyle/>
-                  <a:p>
-                    <a:pPr>
-                      <a:defRPr/>
-                    </a:pPr>
-                    <a:r>
-                      <a:rPr lang="en-US" dirty="0"/>
-                      <a:t>神经外科</a:t>
-                    </a:r>
-                  </a:p>
-                </c:rich>
-              </c:tx>
-              <c:spPr>
-                <a:noFill/>
-                <a:ln>
-                  <a:noFill/>
-                </a:ln>
-                <a:effectLst/>
-              </c:spPr>
-              <c:dLblPos val="t"/>
-              <c:showLegendKey val="0"/>
-              <c:showVal val="0"/>
-              <c:showCatName val="0"/>
-              <c:showSerName val="0"/>
-              <c:showPercent val="0"/>
-              <c:showBubbleSize val="0"/>
-              <c:showLeaderLines val="1"/>
-              <c:extLst>
-                <c:ext xmlns:c15="http://schemas.microsoft.com/office/drawing/2012/chart" uri="{CE6537A1-D6FC-4f65-9D91-7224C49458BB}"/>
-                <c:ext xmlns:c16="http://schemas.microsoft.com/office/drawing/2014/chart" uri="{C3380CC4-5D6E-409C-BE32-E72D297353CC}">
-                  <c16:uniqueId val="{00000016-3476-03b7-3837-5d1299411592}"/>
-                </c:ext>
-              </c:extLst>
-            </c:dLbl>
-            <c:dLbl>
-              <c:idx val="16"/>
-              <c:tx>
-                <c:rich>
-                  <a:bodyPr>
-                    <a:spAutoFit/>
-                  </a:bodyPr>
-                  <a:lstStyle/>
-                  <a:p>
-                    <a:pPr>
-                      <a:defRPr/>
-                    </a:pPr>
-                    <a:r>
-                      <a:rPr lang="en-US" dirty="0"/>
-                      <a:t>胸外科</a:t>
-                    </a:r>
-                  </a:p>
-                </c:rich>
-              </c:tx>
-              <c:spPr>
-                <a:noFill/>
-                <a:ln>
-                  <a:noFill/>
-                </a:ln>
-                <a:effectLst/>
-              </c:spPr>
-              <c:dLblPos val="t"/>
-              <c:showLegendKey val="0"/>
-              <c:showVal val="0"/>
-              <c:showCatName val="0"/>
-              <c:showSerName val="0"/>
-              <c:showPercent val="0"/>
-              <c:showBubbleSize val="0"/>
-              <c:showLeaderLines val="1"/>
-              <c:extLst>
-                <c:ext xmlns:c15="http://schemas.microsoft.com/office/drawing/2012/chart" uri="{CE6537A1-D6FC-4f65-9D91-7224C49458BB}"/>
-                <c:ext xmlns:c16="http://schemas.microsoft.com/office/drawing/2014/chart" uri="{C3380CC4-5D6E-409C-BE32-E72D297353CC}">
-                  <c16:uniqueId val="{00000017-3476-03b7-3837-5d1299411592}"/>
-                </c:ext>
-              </c:extLst>
-            </c:dLbl>
-            <c:dLbl>
-              <c:idx val="17"/>
-              <c:tx>
-                <c:rich>
-                  <a:bodyPr>
-                    <a:spAutoFit/>
-                  </a:bodyPr>
-                  <a:lstStyle/>
-                  <a:p>
-                    <a:pPr>
-                      <a:defRPr/>
-                    </a:pPr>
-                    <a:r>
-                      <a:rPr lang="en-US" dirty="0"/>
-                      <a:t>神经内科</a:t>
-                    </a:r>
-                  </a:p>
-                </c:rich>
-              </c:tx>
-              <c:spPr>
-                <a:noFill/>
-                <a:ln>
-                  <a:noFill/>
-                </a:ln>
-                <a:effectLst/>
-              </c:spPr>
-              <c:dLblPos val="t"/>
-              <c:showLegendKey val="0"/>
-              <c:showVal val="0"/>
-              <c:showCatName val="0"/>
-              <c:showSerName val="0"/>
-              <c:showPercent val="0"/>
-              <c:showBubbleSize val="0"/>
-              <c:showLeaderLines val="1"/>
-              <c:extLst>
-                <c:ext xmlns:c15="http://schemas.microsoft.com/office/drawing/2012/chart" uri="{CE6537A1-D6FC-4f65-9D91-7224C49458BB}"/>
-                <c:ext xmlns:c16="http://schemas.microsoft.com/office/drawing/2014/chart" uri="{C3380CC4-5D6E-409C-BE32-E72D297353CC}">
-                  <c16:uniqueId val="{00000018-3476-03b7-3837-5d1299411592}"/>
-                </c:ext>
-              </c:extLst>
-            </c:dLbl>
-            <c:dLbl>
-              <c:idx val="18"/>
-              <c:tx>
-                <c:rich>
-                  <a:bodyPr>
-                    <a:spAutoFit/>
-                  </a:bodyPr>
-                  <a:lstStyle/>
-                  <a:p>
-                    <a:pPr>
-                      <a:defRPr/>
-                    </a:pPr>
-                    <a:r>
-                      <a:rPr lang="en-US" dirty="0"/>
-                      <a:t>治未病中心</a:t>
-                    </a:r>
-                  </a:p>
-                </c:rich>
-              </c:tx>
-              <c:spPr>
-                <a:noFill/>
-                <a:ln>
-                  <a:noFill/>
-                </a:ln>
-                <a:effectLst/>
-              </c:spPr>
-              <c:dLblPos val="t"/>
-              <c:showLegendKey val="0"/>
-              <c:showVal val="0"/>
-              <c:showCatName val="0"/>
-              <c:showSerName val="0"/>
-              <c:showPercent val="0"/>
-              <c:showBubbleSize val="0"/>
-              <c:showLeaderLines val="1"/>
-              <c:extLst>
-                <c:ext xmlns:c15="http://schemas.microsoft.com/office/drawing/2012/chart" uri="{CE6537A1-D6FC-4f65-9D91-7224C49458BB}"/>
-                <c:ext xmlns:c16="http://schemas.microsoft.com/office/drawing/2014/chart" uri="{C3380CC4-5D6E-409C-BE32-E72D297353CC}">
-                  <c16:uniqueId val="{00000019-3476-03b7-3837-5d1299411592}"/>
-                </c:ext>
-              </c:extLst>
-            </c:dLbl>
-            <c:dLbl>
-              <c:idx val="19"/>
-              <c:tx>
-                <c:rich>
-                  <a:bodyPr>
-                    <a:spAutoFit/>
-                  </a:bodyPr>
-                  <a:lstStyle/>
-                  <a:p>
-                    <a:pPr>
-                      <a:defRPr/>
-                    </a:pPr>
-                    <a:r>
-                      <a:rPr lang="en-US" dirty="0"/>
-                      <a:t>西区重症医学科</a:t>
-                    </a:r>
-                  </a:p>
-                </c:rich>
-              </c:tx>
-              <c:spPr>
-                <a:noFill/>
-                <a:ln>
-                  <a:noFill/>
-                </a:ln>
-                <a:effectLst/>
-              </c:spPr>
-              <c:dLblPos val="t"/>
-              <c:showLegendKey val="0"/>
-              <c:showVal val="0"/>
-              <c:showCatName val="0"/>
-              <c:showSerName val="0"/>
-              <c:showPercent val="0"/>
-              <c:showBubbleSize val="0"/>
-              <c:showLeaderLines val="1"/>
-              <c:extLst>
-                <c:ext xmlns:c15="http://schemas.microsoft.com/office/drawing/2012/chart" uri="{CE6537A1-D6FC-4f65-9D91-7224C49458BB}"/>
-                <c:ext xmlns:c16="http://schemas.microsoft.com/office/drawing/2014/chart" uri="{C3380CC4-5D6E-409C-BE32-E72D297353CC}">
-                  <c16:uniqueId val="{00000020-3476-03b7-3837-5d1299411592}"/>
+                  <c16:uniqueId val="{00000020-4ce7-2485-05f6-a7b0c5e008d7}"/>
                 </c:ext>
               </c:extLst>
             </c:dLbl>
@@ -2289,64 +2289,64 @@
                 <c:formatCode>General</c:formatCode>
                 <c:ptCount val="20"/>
                 <c:pt idx="0">
-                  <c:v>18.075367580626203</c:v>
+                  <c:v>13.772393281709308</c:v>
                 </c:pt>
                 <c:pt idx="1">
-                  <c:v>25.71067912673934</c:v>
+                  <c:v>100</c:v>
                 </c:pt>
                 <c:pt idx="2">
-                  <c:v>9.778368237900219</c:v>
+                  <c:v>6.80962399029329</c:v>
                 </c:pt>
                 <c:pt idx="3">
-                  <c:v>18.605347024251177</c:v>
+                  <c:v>15.660685936395366</c:v>
                 </c:pt>
                 <c:pt idx="4">
-                  <c:v>17.025847598679018</c:v>
+                  <c:v>15.95078972948975</c:v>
                 </c:pt>
                 <c:pt idx="5">
-                  <c:v>13.553003009019347</c:v>
+                  <c:v>14.77937233135273</c:v>
                 </c:pt>
                 <c:pt idx="6">
-                  <c:v>11.646288181668623</c:v>
+                  <c:v>13.233119054429801</c:v>
                 </c:pt>
                 <c:pt idx="7">
-                  <c:v>14.59247735728753</c:v>
+                  <c:v>24.509350977346237</c:v>
                 </c:pt>
                 <c:pt idx="8">
-                  <c:v>20.367532032307494</c:v>
+                  <c:v>10.886872512888592</c:v>
                 </c:pt>
                 <c:pt idx="9">
-                  <c:v>18.846492317248277</c:v>
+                  <c:v>15.929045844535889</c:v>
                 </c:pt>
                 <c:pt idx="10">
-                  <c:v>11.681525135661152</c:v>
+                  <c:v>11.466959273196352</c:v>
                 </c:pt>
                 <c:pt idx="11">
-                  <c:v>8.103706284615614</c:v>
+                  <c:v>8.122733781044813</c:v>
                 </c:pt>
                 <c:pt idx="12">
-                  <c:v>9.486571812941978</c:v>
+                  <c:v>8.467308724094908</c:v>
                 </c:pt>
                 <c:pt idx="13">
-                  <c:v>11.154968738679942</c:v>
+                  <c:v>25.01230867218207</c:v>
                 </c:pt>
                 <c:pt idx="14">
-                  <c:v>17.564138153380473</c:v>
+                  <c:v>5.612321364003261</c:v>
                 </c:pt>
                 <c:pt idx="15">
-                  <c:v>14.290433085536414</c:v>
+                  <c:v>4.1550766303813695</c:v>
                 </c:pt>
                 <c:pt idx="16">
-                  <c:v>33.231608018093986</c:v>
+                  <c:v>60.69126883763345</c:v>
                 </c:pt>
                 <c:pt idx="17">
-                  <c:v>91.86254098933522</c:v>
+                  <c:v>11.69351051118893</c:v>
                 </c:pt>
                 <c:pt idx="18">
-                  <c:v>40.268361420276584</c:v>
+                  <c:v>23.31277541302742</c:v>
                 </c:pt>
                 <c:pt idx="19">
-                  <c:v>16.76181814558334</c:v>
+                  <c:v>10.736658946066832</c:v>
                 </c:pt>
               </c:numCache>
             </c:numRef>
@@ -2361,61 +2361,61 @@
                   <c:v>100</c:v>
                 </c:pt>
                 <c:pt idx="1">
-                  <c:v>0.00463536728882629</c:v>
+                  <c:v>0.004739597128401495</c:v>
                 </c:pt>
                 <c:pt idx="2">
-                  <c:v>0.004572010963624157</c:v>
+                  <c:v>0.004718168472359265</c:v>
                 </c:pt>
                 <c:pt idx="3">
-                  <c:v>0.00452812945322831</c:v>
+                  <c:v>0.004572831452803817</c:v>
                 </c:pt>
                 <c:pt idx="4">
-                  <c:v>0.004509234468927818</c:v>
+                  <c:v>0.004400511588829351</c:v>
                 </c:pt>
                 <c:pt idx="5">
-                  <c:v>0.004474355590737596</c:v>
+                  <c:v>0.004345045417264028</c:v>
                 </c:pt>
                 <c:pt idx="6">
-                  <c:v>0.004468729831914269</c:v>
+                  <c:v>0.004166297324860384</c:v>
                 </c:pt>
                 <c:pt idx="7">
-                  <c:v>0.004282119082750882</c:v>
+                  <c:v>0.0041541941317361115</c:v>
                 </c:pt>
                 <c:pt idx="8">
-                  <c:v>0.0041623458963454055</c:v>
+                  <c:v>0.004135268352455905</c:v>
                 </c:pt>
                 <c:pt idx="9">
-                  <c:v>0.004134200461210184</c:v>
+                  <c:v>0.004080473024768856</c:v>
                 </c:pt>
                 <c:pt idx="10">
-                  <c:v>0.00411760702630288</c:v>
+                  <c:v>0.004050817067678411</c:v>
                 </c:pt>
                 <c:pt idx="11">
-                  <c:v>0.0041173990972831346</c:v>
+                  <c:v>0.004049121025430909</c:v>
                 </c:pt>
                 <c:pt idx="12">
-                  <c:v>0.0037919937808626432</c:v>
+                  <c:v>0.003950478900547984</c:v>
                 </c:pt>
                 <c:pt idx="13">
-                  <c:v>0.003772381915710313</c:v>
+                  <c:v>0.0038949176259095706</c:v>
                 </c:pt>
                 <c:pt idx="14">
-                  <c:v>0.003765939616218803</c:v>
+                  <c:v>0.003832378703813887</c:v>
                 </c:pt>
                 <c:pt idx="15">
-                  <c:v>0.00374217072034394</c:v>
+                  <c:v>0.003829151729003718</c:v>
                 </c:pt>
                 <c:pt idx="16">
-                  <c:v>0.003712395816778325</c:v>
+                  <c:v>0.0037944463266348987</c:v>
                 </c:pt>
                 <c:pt idx="17">
-                  <c:v>0.003638322027002175</c:v>
+                  <c:v>0.0037600349358632938</c:v>
                 </c:pt>
                 <c:pt idx="18">
-                  <c:v>0.0036316035221792757</c:v>
+                  <c:v>0.0037510986620226923</c:v>
                 </c:pt>
                 <c:pt idx="19">
-                  <c:v>0.0035913698067662338</c:v>
+                  <c:v>0.0036619150604891935</c:v>
                 </c:pt>
               </c:numCache>
             </c:numRef>

--- a/cases/goodhostpital2021/对标分析报告.pg.pptx
+++ b/cases/goodhostpital2021/对标分析报告.pg.pptx
@@ -8,9 +8,10 @@
     <p:sldId id="256" r:id="rId2"/>
     <p:sldId id="257" r:id="rId3"/>
     <p:sldId id="258" r:id="rId4"/>
+    <p:sldId id="259" r:id="rId5"/>
   </p:sldIdLst>
   <p:notesMasterIdLst>
-    <p:notesMasterId r:id="rId5"/>
+    <p:notesMasterId r:id="rId6"/>
   </p:notesMasterIdLst>
   <p:sldSz cx="9144000" cy="5143500"/>
   <p:notesSz cx="5143500" cy="9144000"/>
@@ -109,14 +110,16 @@
   <p:extLst>
     <p:ext uri="{521415D9-36F7-43E2-AB2F-B90AF26B5E84}">
       <p14:sectionLst xmlns:p14="http://schemas.microsoft.com/office/powerpoint/2010/main">
-        <p14:section name="院内专科BCG散点图" id="{ab6993f4-345f-45ba-2fc9-26aee4b2b846}">
+        <p14:section name="院内专科BCG散点图" id="{363a95f6-98d0-a64d-a771-1f403e6228cb}">
           <p14:sldIdLst>
             <p14:sldId id="257"/>
             <p14:sldId id="258"/>
           </p14:sldIdLst>
         </p14:section>
-        <p14:section name="院内专科梯队表格" id="{d9096b9f-9af0-0a29-f539-97b792df6f7f}">
-          <p14:sldIdLst/>
+        <p14:section name="院内专科梯队表格" id="{5f36768d-6f64-72b0-fc7c-6ea7eb51c94d}">
+          <p14:sldIdLst>
+            <p14:sldId id="259"/>
+          </p14:sldIdLst>
         </p14:section>
       </p14:sectionLst>
     </p:ext>
@@ -127,7 +130,7 @@
 </p:presentation>
 </file>
 
-<file path=ppt/charts/chart2287.xml><?xml version="1.0" encoding="utf-8"?>
+<file path=ppt/charts/chart5451.xml><?xml version="1.0" encoding="utf-8"?>
 <c:chartSpace xmlns:c="http://schemas.openxmlformats.org/drawingml/2006/chart" xmlns:a="http://schemas.openxmlformats.org/drawingml/2006/main" xmlns:r="http://schemas.openxmlformats.org/officeDocument/2006/relationships">
   <c:date1904 val="0"/>
   <c:chart>
@@ -221,7 +224,7 @@
                     </a:pPr>
                     <a:r>
                       <a:rPr lang="en-US" dirty="0"/>
-                      <a:t>内分泌科</a:t>
+                      <a:t>针灸科</a:t>
                     </a:r>
                   </a:p>
                 </c:rich>
@@ -244,7 +247,7 @@
               <c:extLst>
                 <c:ext xmlns:c15="http://schemas.microsoft.com/office/drawing/2012/chart" uri="{CE6537A1-D6FC-4f65-9D91-7224C49458BB}"/>
                 <c:ext xmlns:c16="http://schemas.microsoft.com/office/drawing/2014/chart" uri="{C3380CC4-5D6E-409C-BE32-E72D297353CC}">
-                  <c16:uniqueId val="{00000001-0df3-5f7c-b074-3c150a650556}"/>
+                  <c16:uniqueId val="{00000001-68b8-47d1-5516-3cecca63fe00}"/>
                 </c:ext>
               </c:extLst>
             </c:dLbl>
@@ -262,7 +265,7 @@
                     </a:pPr>
                     <a:r>
                       <a:rPr lang="en-US" dirty="0"/>
-                      <a:t>口腔科</a:t>
+                      <a:t>小儿推拿科</a:t>
                     </a:r>
                   </a:p>
                 </c:rich>
@@ -285,12 +288,299 @@
               <c:extLst>
                 <c:ext xmlns:c15="http://schemas.microsoft.com/office/drawing/2012/chart" uri="{CE6537A1-D6FC-4f65-9D91-7224C49458BB}"/>
                 <c:ext xmlns:c16="http://schemas.microsoft.com/office/drawing/2014/chart" uri="{C3380CC4-5D6E-409C-BE32-E72D297353CC}">
-                  <c16:uniqueId val="{00000002-0df3-5f7c-b074-3c150a650556}"/>
+                  <c16:uniqueId val="{00000002-68b8-47d1-5516-3cecca63fe00}"/>
                 </c:ext>
               </c:extLst>
             </c:dLbl>
             <c:dLbl>
               <c:idx val="2"/>
+              <c:tx>
+                <c:rich>
+                  <a:bodyPr>
+                    <a:spAutoFit/>
+                  </a:bodyPr>
+                  <a:lstStyle/>
+                  <a:p>
+                    <a:pPr>
+                      <a:defRPr/>
+                    </a:pPr>
+                    <a:r>
+                      <a:rPr lang="en-US" dirty="0"/>
+                      <a:t>心病四科</a:t>
+                    </a:r>
+                  </a:p>
+                </c:rich>
+              </c:tx>
+              <c:spPr>
+                <a:noFill/>
+                <a:ln>
+                  <a:noFill/>
+                </a:ln>
+                <a:effectLst/>
+              </c:spPr>
+              <c:dLblPos val="t"/>
+              <c:showLegendKey val="0"/>
+              <c:showVal val="0"/>
+              <c:showCatName val="0"/>
+              <c:showSerName val="0"/>
+              <c:showPercent val="0"/>
+              <c:showBubbleSize val="0"/>
+              <c:showLeaderLines val="1"/>
+              <c:extLst>
+                <c:ext xmlns:c15="http://schemas.microsoft.com/office/drawing/2012/chart" uri="{CE6537A1-D6FC-4f65-9D91-7224C49458BB}"/>
+                <c:ext xmlns:c16="http://schemas.microsoft.com/office/drawing/2014/chart" uri="{C3380CC4-5D6E-409C-BE32-E72D297353CC}">
+                  <c16:uniqueId val="{00000003-68b8-47d1-5516-3cecca63fe00}"/>
+                </c:ext>
+              </c:extLst>
+            </c:dLbl>
+            <c:dLbl>
+              <c:idx val="3"/>
+              <c:tx>
+                <c:rich>
+                  <a:bodyPr>
+                    <a:spAutoFit/>
+                  </a:bodyPr>
+                  <a:lstStyle/>
+                  <a:p>
+                    <a:pPr>
+                      <a:defRPr/>
+                    </a:pPr>
+                    <a:r>
+                      <a:rPr lang="en-US" dirty="0"/>
+                      <a:t>脑病三科</a:t>
+                    </a:r>
+                  </a:p>
+                </c:rich>
+              </c:tx>
+              <c:spPr>
+                <a:noFill/>
+                <a:ln>
+                  <a:noFill/>
+                </a:ln>
+                <a:effectLst/>
+              </c:spPr>
+              <c:dLblPos val="t"/>
+              <c:showLegendKey val="0"/>
+              <c:showVal val="0"/>
+              <c:showCatName val="0"/>
+              <c:showSerName val="0"/>
+              <c:showPercent val="0"/>
+              <c:showBubbleSize val="0"/>
+              <c:showLeaderLines val="1"/>
+              <c:extLst>
+                <c:ext xmlns:c15="http://schemas.microsoft.com/office/drawing/2012/chart" uri="{CE6537A1-D6FC-4f65-9D91-7224C49458BB}"/>
+                <c:ext xmlns:c16="http://schemas.microsoft.com/office/drawing/2014/chart" uri="{C3380CC4-5D6E-409C-BE32-E72D297353CC}">
+                  <c16:uniqueId val="{00000004-68b8-47d1-5516-3cecca63fe00}"/>
+                </c:ext>
+              </c:extLst>
+            </c:dLbl>
+            <c:dLbl>
+              <c:idx val="4"/>
+              <c:tx>
+                <c:rich>
+                  <a:bodyPr>
+                    <a:spAutoFit/>
+                  </a:bodyPr>
+                  <a:lstStyle/>
+                  <a:p>
+                    <a:pPr>
+                      <a:defRPr/>
+                    </a:pPr>
+                    <a:r>
+                      <a:rPr lang="en-US" dirty="0"/>
+                      <a:t>综合内科</a:t>
+                    </a:r>
+                  </a:p>
+                </c:rich>
+              </c:tx>
+              <c:spPr>
+                <a:noFill/>
+                <a:ln>
+                  <a:noFill/>
+                </a:ln>
+                <a:effectLst/>
+              </c:spPr>
+              <c:dLblPos val="t"/>
+              <c:showLegendKey val="0"/>
+              <c:showVal val="0"/>
+              <c:showCatName val="0"/>
+              <c:showSerName val="0"/>
+              <c:showPercent val="0"/>
+              <c:showBubbleSize val="0"/>
+              <c:showLeaderLines val="1"/>
+              <c:extLst>
+                <c:ext xmlns:c15="http://schemas.microsoft.com/office/drawing/2012/chart" uri="{CE6537A1-D6FC-4f65-9D91-7224C49458BB}"/>
+                <c:ext xmlns:c16="http://schemas.microsoft.com/office/drawing/2014/chart" uri="{C3380CC4-5D6E-409C-BE32-E72D297353CC}">
+                  <c16:uniqueId val="{00000005-68b8-47d1-5516-3cecca63fe00}"/>
+                </c:ext>
+              </c:extLst>
+            </c:dLbl>
+            <c:dLbl>
+              <c:idx val="5"/>
+              <c:tx>
+                <c:rich>
+                  <a:bodyPr>
+                    <a:spAutoFit/>
+                  </a:bodyPr>
+                  <a:lstStyle/>
+                  <a:p>
+                    <a:pPr>
+                      <a:defRPr/>
+                    </a:pPr>
+                    <a:r>
+                      <a:rPr lang="en-US" dirty="0"/>
+                      <a:t>美容皮肤科</a:t>
+                    </a:r>
+                  </a:p>
+                </c:rich>
+              </c:tx>
+              <c:spPr>
+                <a:noFill/>
+                <a:ln>
+                  <a:noFill/>
+                </a:ln>
+                <a:effectLst/>
+              </c:spPr>
+              <c:dLblPos val="t"/>
+              <c:showLegendKey val="0"/>
+              <c:showVal val="0"/>
+              <c:showCatName val="0"/>
+              <c:showSerName val="0"/>
+              <c:showPercent val="0"/>
+              <c:showBubbleSize val="0"/>
+              <c:showLeaderLines val="1"/>
+              <c:extLst>
+                <c:ext xmlns:c15="http://schemas.microsoft.com/office/drawing/2012/chart" uri="{CE6537A1-D6FC-4f65-9D91-7224C49458BB}"/>
+                <c:ext xmlns:c16="http://schemas.microsoft.com/office/drawing/2014/chart" uri="{C3380CC4-5D6E-409C-BE32-E72D297353CC}">
+                  <c16:uniqueId val="{00000006-68b8-47d1-5516-3cecca63fe00}"/>
+                </c:ext>
+              </c:extLst>
+            </c:dLbl>
+            <c:dLbl>
+              <c:idx val="6"/>
+              <c:tx>
+                <c:rich>
+                  <a:bodyPr>
+                    <a:spAutoFit/>
+                  </a:bodyPr>
+                  <a:lstStyle/>
+                  <a:p>
+                    <a:pPr>
+                      <a:defRPr/>
+                    </a:pPr>
+                    <a:r>
+                      <a:rPr lang="en-US" dirty="0"/>
+                      <a:t>脾胃病科</a:t>
+                    </a:r>
+                  </a:p>
+                </c:rich>
+              </c:tx>
+              <c:spPr>
+                <a:noFill/>
+                <a:ln>
+                  <a:noFill/>
+                </a:ln>
+                <a:effectLst/>
+              </c:spPr>
+              <c:dLblPos val="t"/>
+              <c:showLegendKey val="0"/>
+              <c:showVal val="0"/>
+              <c:showCatName val="0"/>
+              <c:showSerName val="0"/>
+              <c:showPercent val="0"/>
+              <c:showBubbleSize val="0"/>
+              <c:showLeaderLines val="1"/>
+              <c:extLst>
+                <c:ext xmlns:c15="http://schemas.microsoft.com/office/drawing/2012/chart" uri="{CE6537A1-D6FC-4f65-9D91-7224C49458BB}"/>
+                <c:ext xmlns:c16="http://schemas.microsoft.com/office/drawing/2014/chart" uri="{C3380CC4-5D6E-409C-BE32-E72D297353CC}">
+                  <c16:uniqueId val="{00000007-68b8-47d1-5516-3cecca63fe00}"/>
+                </c:ext>
+              </c:extLst>
+            </c:dLbl>
+            <c:dLbl>
+              <c:idx val="7"/>
+              <c:tx>
+                <c:rich>
+                  <a:bodyPr>
+                    <a:spAutoFit/>
+                  </a:bodyPr>
+                  <a:lstStyle/>
+                  <a:p>
+                    <a:pPr>
+                      <a:defRPr/>
+                    </a:pPr>
+                    <a:r>
+                      <a:rPr lang="en-US" dirty="0"/>
+                      <a:t>产科</a:t>
+                    </a:r>
+                  </a:p>
+                </c:rich>
+              </c:tx>
+              <c:spPr>
+                <a:noFill/>
+                <a:ln>
+                  <a:noFill/>
+                </a:ln>
+                <a:effectLst/>
+              </c:spPr>
+              <c:dLblPos val="t"/>
+              <c:showLegendKey val="0"/>
+              <c:showVal val="0"/>
+              <c:showCatName val="0"/>
+              <c:showSerName val="0"/>
+              <c:showPercent val="0"/>
+              <c:showBubbleSize val="0"/>
+              <c:showLeaderLines val="1"/>
+              <c:extLst>
+                <c:ext xmlns:c15="http://schemas.microsoft.com/office/drawing/2012/chart" uri="{CE6537A1-D6FC-4f65-9D91-7224C49458BB}"/>
+                <c:ext xmlns:c16="http://schemas.microsoft.com/office/drawing/2014/chart" uri="{C3380CC4-5D6E-409C-BE32-E72D297353CC}">
+                  <c16:uniqueId val="{00000008-68b8-47d1-5516-3cecca63fe00}"/>
+                </c:ext>
+              </c:extLst>
+            </c:dLbl>
+            <c:dLbl>
+              <c:idx val="8"/>
+              <c:tx>
+                <c:rich>
+                  <a:bodyPr>
+                    <a:spAutoFit/>
+                  </a:bodyPr>
+                  <a:lstStyle/>
+                  <a:p>
+                    <a:pPr>
+                      <a:defRPr/>
+                    </a:pPr>
+                    <a:r>
+                      <a:rPr lang="en-US" dirty="0"/>
+                      <a:t>血液科</a:t>
+                    </a:r>
+                  </a:p>
+                </c:rich>
+              </c:tx>
+              <c:spPr>
+                <a:noFill/>
+                <a:ln>
+                  <a:noFill/>
+                </a:ln>
+                <a:effectLst/>
+              </c:spPr>
+              <c:dLblPos val="t"/>
+              <c:showLegendKey val="0"/>
+              <c:showVal val="0"/>
+              <c:showCatName val="0"/>
+              <c:showSerName val="0"/>
+              <c:showPercent val="0"/>
+              <c:showBubbleSize val="0"/>
+              <c:showLeaderLines val="1"/>
+              <c:extLst>
+                <c:ext xmlns:c15="http://schemas.microsoft.com/office/drawing/2012/chart" uri="{CE6537A1-D6FC-4f65-9D91-7224C49458BB}"/>
+                <c:ext xmlns:c16="http://schemas.microsoft.com/office/drawing/2014/chart" uri="{C3380CC4-5D6E-409C-BE32-E72D297353CC}">
+                  <c16:uniqueId val="{00000009-68b8-47d1-5516-3cecca63fe00}"/>
+                </c:ext>
+              </c:extLst>
+            </c:dLbl>
+            <c:dLbl>
+              <c:idx val="9"/>
               <c:tx>
                 <c:rich>
                   <a:bodyPr>
@@ -326,12 +616,12 @@
               <c:extLst>
                 <c:ext xmlns:c15="http://schemas.microsoft.com/office/drawing/2012/chart" uri="{CE6537A1-D6FC-4f65-9D91-7224C49458BB}"/>
                 <c:ext xmlns:c16="http://schemas.microsoft.com/office/drawing/2014/chart" uri="{C3380CC4-5D6E-409C-BE32-E72D297353CC}">
-                  <c16:uniqueId val="{00000003-0df3-5f7c-b074-3c150a650556}"/>
+                  <c16:uniqueId val="{00000010-68b8-47d1-5516-3cecca63fe00}"/>
                 </c:ext>
               </c:extLst>
             </c:dLbl>
             <c:dLbl>
-              <c:idx val="3"/>
+              <c:idx val="10"/>
               <c:tx>
                 <c:rich>
                   <a:bodyPr>
@@ -344,7 +634,7 @@
                     </a:pPr>
                     <a:r>
                       <a:rPr lang="en-US" dirty="0"/>
-                      <a:t>心病二科</a:t>
+                      <a:t>妇二科</a:t>
                     </a:r>
                   </a:p>
                 </c:rich>
@@ -367,12 +657,12 @@
               <c:extLst>
                 <c:ext xmlns:c15="http://schemas.microsoft.com/office/drawing/2012/chart" uri="{CE6537A1-D6FC-4f65-9D91-7224C49458BB}"/>
                 <c:ext xmlns:c16="http://schemas.microsoft.com/office/drawing/2014/chart" uri="{C3380CC4-5D6E-409C-BE32-E72D297353CC}">
-                  <c16:uniqueId val="{00000004-0df3-5f7c-b074-3c150a650556}"/>
+                  <c16:uniqueId val="{00000011-68b8-47d1-5516-3cecca63fe00}"/>
                 </c:ext>
               </c:extLst>
             </c:dLbl>
             <c:dLbl>
-              <c:idx val="4"/>
+              <c:idx val="11"/>
               <c:tx>
                 <c:rich>
                   <a:bodyPr>
@@ -385,7 +675,7 @@
                     </a:pPr>
                     <a:r>
                       <a:rPr lang="en-US" dirty="0"/>
-                      <a:t>神经内科</a:t>
+                      <a:t>内分泌科</a:t>
                     </a:r>
                   </a:p>
                 </c:rich>
@@ -408,12 +698,12 @@
               <c:extLst>
                 <c:ext xmlns:c15="http://schemas.microsoft.com/office/drawing/2012/chart" uri="{CE6537A1-D6FC-4f65-9D91-7224C49458BB}"/>
                 <c:ext xmlns:c16="http://schemas.microsoft.com/office/drawing/2014/chart" uri="{C3380CC4-5D6E-409C-BE32-E72D297353CC}">
-                  <c16:uniqueId val="{00000005-0df3-5f7c-b074-3c150a650556}"/>
+                  <c16:uniqueId val="{00000012-68b8-47d1-5516-3cecca63fe00}"/>
                 </c:ext>
               </c:extLst>
             </c:dLbl>
             <c:dLbl>
-              <c:idx val="5"/>
+              <c:idx val="12"/>
               <c:tx>
                 <c:rich>
                   <a:bodyPr>
@@ -426,7 +716,7 @@
                     </a:pPr>
                     <a:r>
                       <a:rPr lang="en-US" dirty="0"/>
-                      <a:t>脑病三科</a:t>
+                      <a:t>心病一科</a:t>
                     </a:r>
                   </a:p>
                 </c:rich>
@@ -449,12 +739,12 @@
               <c:extLst>
                 <c:ext xmlns:c15="http://schemas.microsoft.com/office/drawing/2012/chart" uri="{CE6537A1-D6FC-4f65-9D91-7224C49458BB}"/>
                 <c:ext xmlns:c16="http://schemas.microsoft.com/office/drawing/2014/chart" uri="{C3380CC4-5D6E-409C-BE32-E72D297353CC}">
-                  <c16:uniqueId val="{00000006-0df3-5f7c-b074-3c150a650556}"/>
+                  <c16:uniqueId val="{00000013-68b8-47d1-5516-3cecca63fe00}"/>
                 </c:ext>
               </c:extLst>
             </c:dLbl>
             <c:dLbl>
-              <c:idx val="6"/>
+              <c:idx val="13"/>
               <c:tx>
                 <c:rich>
                   <a:bodyPr>
@@ -467,7 +757,7 @@
                     </a:pPr>
                     <a:r>
                       <a:rPr lang="en-US" dirty="0"/>
-                      <a:t>普通外科</a:t>
+                      <a:t>脑病二科</a:t>
                     </a:r>
                   </a:p>
                 </c:rich>
@@ -490,12 +780,12 @@
               <c:extLst>
                 <c:ext xmlns:c15="http://schemas.microsoft.com/office/drawing/2012/chart" uri="{CE6537A1-D6FC-4f65-9D91-7224C49458BB}"/>
                 <c:ext xmlns:c16="http://schemas.microsoft.com/office/drawing/2014/chart" uri="{C3380CC4-5D6E-409C-BE32-E72D297353CC}">
-                  <c16:uniqueId val="{00000007-0df3-5f7c-b074-3c150a650556}"/>
+                  <c16:uniqueId val="{00000014-68b8-47d1-5516-3cecca63fe00}"/>
                 </c:ext>
               </c:extLst>
             </c:dLbl>
             <c:dLbl>
-              <c:idx val="7"/>
+              <c:idx val="14"/>
               <c:tx>
                 <c:rich>
                   <a:bodyPr>
@@ -508,7 +798,7 @@
                     </a:pPr>
                     <a:r>
                       <a:rPr lang="en-US" dirty="0"/>
-                      <a:t>小儿推拿科</a:t>
+                      <a:t>耳鼻喉科</a:t>
                     </a:r>
                   </a:p>
                 </c:rich>
@@ -531,12 +821,12 @@
               <c:extLst>
                 <c:ext xmlns:c15="http://schemas.microsoft.com/office/drawing/2012/chart" uri="{CE6537A1-D6FC-4f65-9D91-7224C49458BB}"/>
                 <c:ext xmlns:c16="http://schemas.microsoft.com/office/drawing/2014/chart" uri="{C3380CC4-5D6E-409C-BE32-E72D297353CC}">
-                  <c16:uniqueId val="{00000008-0df3-5f7c-b074-3c150a650556}"/>
+                  <c16:uniqueId val="{00000015-68b8-47d1-5516-3cecca63fe00}"/>
                 </c:ext>
               </c:extLst>
             </c:dLbl>
             <c:dLbl>
-              <c:idx val="8"/>
+              <c:idx val="15"/>
               <c:tx>
                 <c:rich>
                   <a:bodyPr>
@@ -549,7 +839,7 @@
                     </a:pPr>
                     <a:r>
                       <a:rPr lang="en-US" dirty="0"/>
-                      <a:t>东区肾病科</a:t>
+                      <a:t>治未病中心</a:t>
                     </a:r>
                   </a:p>
                 </c:rich>
@@ -572,12 +862,12 @@
               <c:extLst>
                 <c:ext xmlns:c15="http://schemas.microsoft.com/office/drawing/2012/chart" uri="{CE6537A1-D6FC-4f65-9D91-7224C49458BB}"/>
                 <c:ext xmlns:c16="http://schemas.microsoft.com/office/drawing/2014/chart" uri="{C3380CC4-5D6E-409C-BE32-E72D297353CC}">
-                  <c16:uniqueId val="{00000009-0df3-5f7c-b074-3c150a650556}"/>
+                  <c16:uniqueId val="{00000016-68b8-47d1-5516-3cecca63fe00}"/>
                 </c:ext>
               </c:extLst>
             </c:dLbl>
             <c:dLbl>
-              <c:idx val="9"/>
+              <c:idx val="16"/>
               <c:tx>
                 <c:rich>
                   <a:bodyPr>
@@ -590,7 +880,7 @@
                     </a:pPr>
                     <a:r>
                       <a:rPr lang="en-US" dirty="0"/>
-                      <a:t>身心医学科</a:t>
+                      <a:t>显微骨科</a:t>
                     </a:r>
                   </a:p>
                 </c:rich>
@@ -613,12 +903,53 @@
               <c:extLst>
                 <c:ext xmlns:c15="http://schemas.microsoft.com/office/drawing/2012/chart" uri="{CE6537A1-D6FC-4f65-9D91-7224C49458BB}"/>
                 <c:ext xmlns:c16="http://schemas.microsoft.com/office/drawing/2014/chart" uri="{C3380CC4-5D6E-409C-BE32-E72D297353CC}">
-                  <c16:uniqueId val="{00000010-0df3-5f7c-b074-3c150a650556}"/>
+                  <c16:uniqueId val="{00000017-68b8-47d1-5516-3cecca63fe00}"/>
                 </c:ext>
               </c:extLst>
             </c:dLbl>
             <c:dLbl>
-              <c:idx val="10"/>
+              <c:idx val="17"/>
+              <c:tx>
+                <c:rich>
+                  <a:bodyPr>
+                    <a:spAutoFit/>
+                  </a:bodyPr>
+                  <a:lstStyle/>
+                  <a:p>
+                    <a:pPr>
+                      <a:defRPr/>
+                    </a:pPr>
+                    <a:r>
+                      <a:rPr lang="en-US" dirty="0"/>
+                      <a:t>中医外治中心</a:t>
+                    </a:r>
+                  </a:p>
+                </c:rich>
+              </c:tx>
+              <c:spPr>
+                <a:noFill/>
+                <a:ln>
+                  <a:noFill/>
+                </a:ln>
+                <a:effectLst/>
+              </c:spPr>
+              <c:dLblPos val="t"/>
+              <c:showLegendKey val="0"/>
+              <c:showVal val="0"/>
+              <c:showCatName val="0"/>
+              <c:showSerName val="0"/>
+              <c:showPercent val="0"/>
+              <c:showBubbleSize val="0"/>
+              <c:showLeaderLines val="1"/>
+              <c:extLst>
+                <c:ext xmlns:c15="http://schemas.microsoft.com/office/drawing/2012/chart" uri="{CE6537A1-D6FC-4f65-9D91-7224C49458BB}"/>
+                <c:ext xmlns:c16="http://schemas.microsoft.com/office/drawing/2014/chart" uri="{C3380CC4-5D6E-409C-BE32-E72D297353CC}">
+                  <c16:uniqueId val="{00000018-68b8-47d1-5516-3cecca63fe00}"/>
+                </c:ext>
+              </c:extLst>
+            </c:dLbl>
+            <c:dLbl>
+              <c:idx val="18"/>
               <c:tx>
                 <c:rich>
                   <a:bodyPr>
@@ -654,12 +985,12 @@
               <c:extLst>
                 <c:ext xmlns:c15="http://schemas.microsoft.com/office/drawing/2012/chart" uri="{CE6537A1-D6FC-4f65-9D91-7224C49458BB}"/>
                 <c:ext xmlns:c16="http://schemas.microsoft.com/office/drawing/2014/chart" uri="{C3380CC4-5D6E-409C-BE32-E72D297353CC}">
-                  <c16:uniqueId val="{00000011-0df3-5f7c-b074-3c150a650556}"/>
+                  <c16:uniqueId val="{00000019-68b8-47d1-5516-3cecca63fe00}"/>
                 </c:ext>
               </c:extLst>
             </c:dLbl>
             <c:dLbl>
-              <c:idx val="11"/>
+              <c:idx val="19"/>
               <c:tx>
                 <c:rich>
                   <a:bodyPr>
@@ -672,7 +1003,7 @@
                     </a:pPr>
                     <a:r>
                       <a:rPr lang="en-US" dirty="0"/>
-                      <a:t>骨科</a:t>
+                      <a:t>泌尿外科</a:t>
                     </a:r>
                   </a:p>
                 </c:rich>
@@ -695,335 +1026,7 @@
               <c:extLst>
                 <c:ext xmlns:c15="http://schemas.microsoft.com/office/drawing/2012/chart" uri="{CE6537A1-D6FC-4f65-9D91-7224C49458BB}"/>
                 <c:ext xmlns:c16="http://schemas.microsoft.com/office/drawing/2014/chart" uri="{C3380CC4-5D6E-409C-BE32-E72D297353CC}">
-                  <c16:uniqueId val="{00000012-0df3-5f7c-b074-3c150a650556}"/>
-                </c:ext>
-              </c:extLst>
-            </c:dLbl>
-            <c:dLbl>
-              <c:idx val="12"/>
-              <c:tx>
-                <c:rich>
-                  <a:bodyPr>
-                    <a:spAutoFit/>
-                  </a:bodyPr>
-                  <a:lstStyle/>
-                  <a:p>
-                    <a:pPr>
-                      <a:defRPr/>
-                    </a:pPr>
-                    <a:r>
-                      <a:rPr lang="en-US" dirty="0"/>
-                      <a:t>脑病二科</a:t>
-                    </a:r>
-                  </a:p>
-                </c:rich>
-              </c:tx>
-              <c:spPr>
-                <a:noFill/>
-                <a:ln>
-                  <a:noFill/>
-                </a:ln>
-                <a:effectLst/>
-              </c:spPr>
-              <c:dLblPos val="t"/>
-              <c:showLegendKey val="0"/>
-              <c:showVal val="0"/>
-              <c:showCatName val="0"/>
-              <c:showSerName val="0"/>
-              <c:showPercent val="0"/>
-              <c:showBubbleSize val="0"/>
-              <c:showLeaderLines val="1"/>
-              <c:extLst>
-                <c:ext xmlns:c15="http://schemas.microsoft.com/office/drawing/2012/chart" uri="{CE6537A1-D6FC-4f65-9D91-7224C49458BB}"/>
-                <c:ext xmlns:c16="http://schemas.microsoft.com/office/drawing/2014/chart" uri="{C3380CC4-5D6E-409C-BE32-E72D297353CC}">
-                  <c16:uniqueId val="{00000013-0df3-5f7c-b074-3c150a650556}"/>
-                </c:ext>
-              </c:extLst>
-            </c:dLbl>
-            <c:dLbl>
-              <c:idx val="13"/>
-              <c:tx>
-                <c:rich>
-                  <a:bodyPr>
-                    <a:spAutoFit/>
-                  </a:bodyPr>
-                  <a:lstStyle/>
-                  <a:p>
-                    <a:pPr>
-                      <a:defRPr/>
-                    </a:pPr>
-                    <a:r>
-                      <a:rPr lang="en-US" dirty="0"/>
-                      <a:t>美容皮肤科</a:t>
-                    </a:r>
-                  </a:p>
-                </c:rich>
-              </c:tx>
-              <c:spPr>
-                <a:noFill/>
-                <a:ln>
-                  <a:noFill/>
-                </a:ln>
-                <a:effectLst/>
-              </c:spPr>
-              <c:dLblPos val="t"/>
-              <c:showLegendKey val="0"/>
-              <c:showVal val="0"/>
-              <c:showCatName val="0"/>
-              <c:showSerName val="0"/>
-              <c:showPercent val="0"/>
-              <c:showBubbleSize val="0"/>
-              <c:showLeaderLines val="1"/>
-              <c:extLst>
-                <c:ext xmlns:c15="http://schemas.microsoft.com/office/drawing/2012/chart" uri="{CE6537A1-D6FC-4f65-9D91-7224C49458BB}"/>
-                <c:ext xmlns:c16="http://schemas.microsoft.com/office/drawing/2014/chart" uri="{C3380CC4-5D6E-409C-BE32-E72D297353CC}">
-                  <c16:uniqueId val="{00000014-0df3-5f7c-b074-3c150a650556}"/>
-                </c:ext>
-              </c:extLst>
-            </c:dLbl>
-            <c:dLbl>
-              <c:idx val="14"/>
-              <c:tx>
-                <c:rich>
-                  <a:bodyPr>
-                    <a:spAutoFit/>
-                  </a:bodyPr>
-                  <a:lstStyle/>
-                  <a:p>
-                    <a:pPr>
-                      <a:defRPr/>
-                    </a:pPr>
-                    <a:r>
-                      <a:rPr lang="en-US" dirty="0"/>
-                      <a:t>脾胃病科</a:t>
-                    </a:r>
-                  </a:p>
-                </c:rich>
-              </c:tx>
-              <c:spPr>
-                <a:noFill/>
-                <a:ln>
-                  <a:noFill/>
-                </a:ln>
-                <a:effectLst/>
-              </c:spPr>
-              <c:dLblPos val="t"/>
-              <c:showLegendKey val="0"/>
-              <c:showVal val="0"/>
-              <c:showCatName val="0"/>
-              <c:showSerName val="0"/>
-              <c:showPercent val="0"/>
-              <c:showBubbleSize val="0"/>
-              <c:showLeaderLines val="1"/>
-              <c:extLst>
-                <c:ext xmlns:c15="http://schemas.microsoft.com/office/drawing/2012/chart" uri="{CE6537A1-D6FC-4f65-9D91-7224C49458BB}"/>
-                <c:ext xmlns:c16="http://schemas.microsoft.com/office/drawing/2014/chart" uri="{C3380CC4-5D6E-409C-BE32-E72D297353CC}">
-                  <c16:uniqueId val="{00000015-0df3-5f7c-b074-3c150a650556}"/>
-                </c:ext>
-              </c:extLst>
-            </c:dLbl>
-            <c:dLbl>
-              <c:idx val="15"/>
-              <c:tx>
-                <c:rich>
-                  <a:bodyPr>
-                    <a:spAutoFit/>
-                  </a:bodyPr>
-                  <a:lstStyle/>
-                  <a:p>
-                    <a:pPr>
-                      <a:defRPr/>
-                    </a:pPr>
-                    <a:r>
-                      <a:rPr lang="en-US" dirty="0"/>
-                      <a:t>关节骨科</a:t>
-                    </a:r>
-                  </a:p>
-                </c:rich>
-              </c:tx>
-              <c:spPr>
-                <a:noFill/>
-                <a:ln>
-                  <a:noFill/>
-                </a:ln>
-                <a:effectLst/>
-              </c:spPr>
-              <c:dLblPos val="t"/>
-              <c:showLegendKey val="0"/>
-              <c:showVal val="0"/>
-              <c:showCatName val="0"/>
-              <c:showSerName val="0"/>
-              <c:showPercent val="0"/>
-              <c:showBubbleSize val="0"/>
-              <c:showLeaderLines val="1"/>
-              <c:extLst>
-                <c:ext xmlns:c15="http://schemas.microsoft.com/office/drawing/2012/chart" uri="{CE6537A1-D6FC-4f65-9D91-7224C49458BB}"/>
-                <c:ext xmlns:c16="http://schemas.microsoft.com/office/drawing/2014/chart" uri="{C3380CC4-5D6E-409C-BE32-E72D297353CC}">
-                  <c16:uniqueId val="{00000016-0df3-5f7c-b074-3c150a650556}"/>
-                </c:ext>
-              </c:extLst>
-            </c:dLbl>
-            <c:dLbl>
-              <c:idx val="16"/>
-              <c:tx>
-                <c:rich>
-                  <a:bodyPr>
-                    <a:spAutoFit/>
-                  </a:bodyPr>
-                  <a:lstStyle/>
-                  <a:p>
-                    <a:pPr>
-                      <a:defRPr/>
-                    </a:pPr>
-                    <a:r>
-                      <a:rPr lang="en-US" dirty="0"/>
-                      <a:t>治未病中心</a:t>
-                    </a:r>
-                  </a:p>
-                </c:rich>
-              </c:tx>
-              <c:spPr>
-                <a:noFill/>
-                <a:ln>
-                  <a:noFill/>
-                </a:ln>
-                <a:effectLst/>
-              </c:spPr>
-              <c:dLblPos val="t"/>
-              <c:showLegendKey val="0"/>
-              <c:showVal val="0"/>
-              <c:showCatName val="0"/>
-              <c:showSerName val="0"/>
-              <c:showPercent val="0"/>
-              <c:showBubbleSize val="0"/>
-              <c:showLeaderLines val="1"/>
-              <c:extLst>
-                <c:ext xmlns:c15="http://schemas.microsoft.com/office/drawing/2012/chart" uri="{CE6537A1-D6FC-4f65-9D91-7224C49458BB}"/>
-                <c:ext xmlns:c16="http://schemas.microsoft.com/office/drawing/2014/chart" uri="{C3380CC4-5D6E-409C-BE32-E72D297353CC}">
-                  <c16:uniqueId val="{00000017-0df3-5f7c-b074-3c150a650556}"/>
-                </c:ext>
-              </c:extLst>
-            </c:dLbl>
-            <c:dLbl>
-              <c:idx val="17"/>
-              <c:tx>
-                <c:rich>
-                  <a:bodyPr>
-                    <a:spAutoFit/>
-                  </a:bodyPr>
-                  <a:lstStyle/>
-                  <a:p>
-                    <a:pPr>
-                      <a:defRPr/>
-                    </a:pPr>
-                    <a:r>
-                      <a:rPr lang="en-US" dirty="0"/>
-                      <a:t>西区重症医学科</a:t>
-                    </a:r>
-                  </a:p>
-                </c:rich>
-              </c:tx>
-              <c:spPr>
-                <a:noFill/>
-                <a:ln>
-                  <a:noFill/>
-                </a:ln>
-                <a:effectLst/>
-              </c:spPr>
-              <c:dLblPos val="t"/>
-              <c:showLegendKey val="0"/>
-              <c:showVal val="0"/>
-              <c:showCatName val="0"/>
-              <c:showSerName val="0"/>
-              <c:showPercent val="0"/>
-              <c:showBubbleSize val="0"/>
-              <c:showLeaderLines val="1"/>
-              <c:extLst>
-                <c:ext xmlns:c15="http://schemas.microsoft.com/office/drawing/2012/chart" uri="{CE6537A1-D6FC-4f65-9D91-7224C49458BB}"/>
-                <c:ext xmlns:c16="http://schemas.microsoft.com/office/drawing/2014/chart" uri="{C3380CC4-5D6E-409C-BE32-E72D297353CC}">
-                  <c16:uniqueId val="{00000018-0df3-5f7c-b074-3c150a650556}"/>
-                </c:ext>
-              </c:extLst>
-            </c:dLbl>
-            <c:dLbl>
-              <c:idx val="18"/>
-              <c:tx>
-                <c:rich>
-                  <a:bodyPr>
-                    <a:spAutoFit/>
-                  </a:bodyPr>
-                  <a:lstStyle/>
-                  <a:p>
-                    <a:pPr>
-                      <a:defRPr/>
-                    </a:pPr>
-                    <a:r>
-                      <a:rPr lang="en-US" dirty="0"/>
-                      <a:t>皮肤科</a:t>
-                    </a:r>
-                  </a:p>
-                </c:rich>
-              </c:tx>
-              <c:spPr>
-                <a:noFill/>
-                <a:ln>
-                  <a:noFill/>
-                </a:ln>
-                <a:effectLst/>
-              </c:spPr>
-              <c:dLblPos val="t"/>
-              <c:showLegendKey val="0"/>
-              <c:showVal val="0"/>
-              <c:showCatName val="0"/>
-              <c:showSerName val="0"/>
-              <c:showPercent val="0"/>
-              <c:showBubbleSize val="0"/>
-              <c:showLeaderLines val="1"/>
-              <c:extLst>
-                <c:ext xmlns:c15="http://schemas.microsoft.com/office/drawing/2012/chart" uri="{CE6537A1-D6FC-4f65-9D91-7224C49458BB}"/>
-                <c:ext xmlns:c16="http://schemas.microsoft.com/office/drawing/2014/chart" uri="{C3380CC4-5D6E-409C-BE32-E72D297353CC}">
-                  <c16:uniqueId val="{00000019-0df3-5f7c-b074-3c150a650556}"/>
-                </c:ext>
-              </c:extLst>
-            </c:dLbl>
-            <c:dLbl>
-              <c:idx val="19"/>
-              <c:tx>
-                <c:rich>
-                  <a:bodyPr>
-                    <a:spAutoFit/>
-                  </a:bodyPr>
-                  <a:lstStyle/>
-                  <a:p>
-                    <a:pPr>
-                      <a:defRPr/>
-                    </a:pPr>
-                    <a:r>
-                      <a:rPr lang="en-US" dirty="0"/>
-                      <a:t>老年医学科</a:t>
-                    </a:r>
-                  </a:p>
-                </c:rich>
-              </c:tx>
-              <c:spPr>
-                <a:noFill/>
-                <a:ln>
-                  <a:noFill/>
-                </a:ln>
-                <a:effectLst/>
-              </c:spPr>
-              <c:dLblPos val="t"/>
-              <c:showLegendKey val="0"/>
-              <c:showVal val="0"/>
-              <c:showCatName val="0"/>
-              <c:showSerName val="0"/>
-              <c:showPercent val="0"/>
-              <c:showBubbleSize val="0"/>
-              <c:showLeaderLines val="1"/>
-              <c:extLst>
-                <c:ext xmlns:c15="http://schemas.microsoft.com/office/drawing/2012/chart" uri="{CE6537A1-D6FC-4f65-9D91-7224C49458BB}"/>
-                <c:ext xmlns:c16="http://schemas.microsoft.com/office/drawing/2014/chart" uri="{C3380CC4-5D6E-409C-BE32-E72D297353CC}">
-                  <c16:uniqueId val="{00000020-0df3-5f7c-b074-3c150a650556}"/>
+                  <c16:uniqueId val="{00000020-68b8-47d1-5516-3cecca63fe00}"/>
                 </c:ext>
               </c:extLst>
             </c:dLbl>
@@ -1035,64 +1038,64 @@
                 <c:formatCode>General</c:formatCode>
                 <c:ptCount val="20"/>
                 <c:pt idx="0">
-                  <c:v>0.004739597128401495</c:v>
+                  <c:v>0.0013639631287190072</c:v>
                 </c:pt>
                 <c:pt idx="1">
-                  <c:v>0.0037944463266348987</c:v>
+                  <c:v>0.00023611688650641718</c:v>
                 </c:pt>
                 <c:pt idx="2">
-                  <c:v>0.0012496197308669065</c:v>
+                  <c:v>0.004017346429069153</c:v>
                 </c:pt>
                 <c:pt idx="3">
-                  <c:v>0.002459001160933338</c:v>
+                  <c:v>0.002911670629166774</c:v>
                 </c:pt>
                 <c:pt idx="4">
-                  <c:v>0.0038949176259095706</c:v>
+                  <c:v>0.004609415988259052</c:v>
                 </c:pt>
                 <c:pt idx="5">
-                  <c:v>0.0041541941317361115</c:v>
+                  <c:v>0.001404760086483809</c:v>
                 </c:pt>
                 <c:pt idx="6">
-                  <c:v>0.003184135812220741</c:v>
+                  <c:v>0.002473921069724808</c:v>
                 </c:pt>
                 <c:pt idx="7">
-                  <c:v>0.001407918540136401</c:v>
+                  <c:v>0.002490960745586588</c:v>
                 </c:pt>
                 <c:pt idx="8">
-                  <c:v>0.0037510986620226923</c:v>
+                  <c:v>0.0009513962248074387</c:v>
                 </c:pt>
                 <c:pt idx="9">
-                  <c:v>0.0018750891180428012</c:v>
+                  <c:v>0.0026848662774204522</c:v>
                 </c:pt>
                 <c:pt idx="10">
-                  <c:v>0.002141454692582092</c:v>
+                  <c:v>0.00003943599405492396</c:v>
                 </c:pt>
                 <c:pt idx="11">
-                  <c:v>0.00008939488276594828</c:v>
+                  <c:v>0.0033473785525364903</c:v>
                 </c:pt>
                 <c:pt idx="12">
-                  <c:v>0.0004672834938285888</c:v>
+                  <c:v>0.004347373057411698</c:v>
                 </c:pt>
                 <c:pt idx="13">
-                  <c:v>0.000039336351297621415</c:v>
+                  <c:v>0.0006060506218716861</c:v>
                 </c:pt>
                 <c:pt idx="14">
-                  <c:v>0.0027430450435732127</c:v>
+                  <c:v>0.0039825076165631084</c:v>
                 </c:pt>
                 <c:pt idx="15">
-                  <c:v>0.0025126721566020973</c:v>
+                  <c:v>0.00404024546403828</c:v>
                 </c:pt>
                 <c:pt idx="16">
-                  <c:v>0.00010543852383372611</c:v>
+                  <c:v>0.001576219921860801</c:v>
                 </c:pt>
                 <c:pt idx="17">
-                  <c:v>0.004400511588829351</c:v>
+                  <c:v>0.004604750769917606</c:v>
                 </c:pt>
                 <c:pt idx="18">
-                  <c:v>0.004080473024768856</c:v>
+                  <c:v>0.001654072859787558</c:v>
                 </c:pt>
                 <c:pt idx="19">
-                  <c:v>0.004572831452803817</c:v>
+                  <c:v>0.0006821265504238826</c:v>
                 </c:pt>
               </c:numCache>
             </c:numRef>
@@ -1107,61 +1110,61 @@
                   <c:v>100</c:v>
                 </c:pt>
                 <c:pt idx="1">
-                  <c:v>60.69126883763345</c:v>
+                  <c:v>39.75227239498114</c:v>
                 </c:pt>
                 <c:pt idx="2">
-                  <c:v>39.43956640200789</c:v>
+                  <c:v>36.57352908787659</c:v>
                 </c:pt>
                 <c:pt idx="3">
-                  <c:v>37.12631393429531</c:v>
+                  <c:v>29.25236462408955</c:v>
                 </c:pt>
                 <c:pt idx="4">
-                  <c:v>25.01230867218207</c:v>
+                  <c:v>25.588913709463764</c:v>
                 </c:pt>
                 <c:pt idx="5">
-                  <c:v>24.509350977346237</c:v>
+                  <c:v>23.03871559226592</c:v>
                 </c:pt>
                 <c:pt idx="6">
-                  <c:v>23.718664474429847</c:v>
+                  <c:v>20.194217582272156</c:v>
                 </c:pt>
                 <c:pt idx="7">
-                  <c:v>23.633769517554068</c:v>
+                  <c:v>19.921475035580418</c:v>
                 </c:pt>
                 <c:pt idx="8">
-                  <c:v>23.31277541302742</c:v>
+                  <c:v>17.634381269156112</c:v>
                 </c:pt>
                 <c:pt idx="9">
-                  <c:v>22.811959557010855</c:v>
+                  <c:v>17.171572502909875</c:v>
                 </c:pt>
                 <c:pt idx="10">
-                  <c:v>19.76982396733135</c:v>
+                  <c:v>16.688156267848175</c:v>
                 </c:pt>
                 <c:pt idx="11">
-                  <c:v>17.69512416501302</c:v>
+                  <c:v>15.98287881958213</c:v>
                 </c:pt>
                 <c:pt idx="12">
-                  <c:v>17.30475770170993</c:v>
+                  <c:v>15.941553225909447</c:v>
                 </c:pt>
                 <c:pt idx="13">
-                  <c:v>17.136338530524846</c:v>
+                  <c:v>15.58384646041386</c:v>
                 </c:pt>
                 <c:pt idx="14">
-                  <c:v>16.21196151871425</c:v>
+                  <c:v>15.560773917483289</c:v>
                 </c:pt>
                 <c:pt idx="15">
-                  <c:v>16.16550159528992</c:v>
+                  <c:v>15.246818436080675</c:v>
                 </c:pt>
                 <c:pt idx="16">
-                  <c:v>16.040788490266976</c:v>
+                  <c:v>14.5381426313335</c:v>
                 </c:pt>
                 <c:pt idx="17">
-                  <c:v>15.95078972948975</c:v>
+                  <c:v>13.647957424127613</c:v>
                 </c:pt>
                 <c:pt idx="18">
-                  <c:v>15.929045844535889</c:v>
+                  <c:v>12.321038109840444</c:v>
                 </c:pt>
                 <c:pt idx="19">
-                  <c:v>15.660685936395366</c:v>
+                  <c:v>12.10974378728107</c:v>
                 </c:pt>
               </c:numCache>
             </c:numRef>
@@ -1381,7 +1384,7 @@
 </c:chartSpace>
 </file>
 
-<file path=ppt/charts/chart2288.xml><?xml version="1.0" encoding="utf-8"?>
+<file path=ppt/charts/chart5452.xml><?xml version="1.0" encoding="utf-8"?>
 <c:chartSpace xmlns:c="http://schemas.openxmlformats.org/drawingml/2006/chart" xmlns:a="http://schemas.openxmlformats.org/drawingml/2006/main" xmlns:r="http://schemas.openxmlformats.org/officeDocument/2006/relationships">
   <c:date1904 val="0"/>
   <c:chart>
@@ -1498,12 +1501,627 @@
               <c:extLst>
                 <c:ext xmlns:c15="http://schemas.microsoft.com/office/drawing/2012/chart" uri="{CE6537A1-D6FC-4f65-9D91-7224C49458BB}"/>
                 <c:ext xmlns:c16="http://schemas.microsoft.com/office/drawing/2014/chart" uri="{C3380CC4-5D6E-409C-BE32-E72D297353CC}">
-                  <c16:uniqueId val="{00000001-4ce7-2485-05f6-a7b0c5e008d7}"/>
+                  <c16:uniqueId val="{00000001-897a-1304-ffb3-7250946a00aa}"/>
                 </c:ext>
               </c:extLst>
             </c:dLbl>
             <c:dLbl>
               <c:idx val="1"/>
+              <c:tx>
+                <c:rich>
+                  <a:bodyPr>
+                    <a:spAutoFit/>
+                  </a:bodyPr>
+                  <a:lstStyle/>
+                  <a:p>
+                    <a:pPr>
+                      <a:defRPr/>
+                    </a:pPr>
+                    <a:r>
+                      <a:rPr lang="en-US" dirty="0"/>
+                      <a:t>综合内科</a:t>
+                    </a:r>
+                  </a:p>
+                </c:rich>
+              </c:tx>
+              <c:spPr>
+                <a:noFill/>
+                <a:ln>
+                  <a:noFill/>
+                </a:ln>
+                <a:effectLst/>
+              </c:spPr>
+              <c:dLblPos val="t"/>
+              <c:showLegendKey val="0"/>
+              <c:showVal val="0"/>
+              <c:showCatName val="0"/>
+              <c:showSerName val="0"/>
+              <c:showPercent val="0"/>
+              <c:showBubbleSize val="0"/>
+              <c:showLeaderLines val="1"/>
+              <c:extLst>
+                <c:ext xmlns:c15="http://schemas.microsoft.com/office/drawing/2012/chart" uri="{CE6537A1-D6FC-4f65-9D91-7224C49458BB}"/>
+                <c:ext xmlns:c16="http://schemas.microsoft.com/office/drawing/2014/chart" uri="{C3380CC4-5D6E-409C-BE32-E72D297353CC}">
+                  <c16:uniqueId val="{00000002-897a-1304-ffb3-7250946a00aa}"/>
+                </c:ext>
+              </c:extLst>
+            </c:dLbl>
+            <c:dLbl>
+              <c:idx val="2"/>
+              <c:tx>
+                <c:rich>
+                  <a:bodyPr>
+                    <a:spAutoFit/>
+                  </a:bodyPr>
+                  <a:lstStyle/>
+                  <a:p>
+                    <a:pPr>
+                      <a:defRPr/>
+                    </a:pPr>
+                    <a:r>
+                      <a:rPr lang="en-US" dirty="0"/>
+                      <a:t>中医外治中心</a:t>
+                    </a:r>
+                  </a:p>
+                </c:rich>
+              </c:tx>
+              <c:spPr>
+                <a:noFill/>
+                <a:ln>
+                  <a:noFill/>
+                </a:ln>
+                <a:effectLst/>
+              </c:spPr>
+              <c:dLblPos val="t"/>
+              <c:showLegendKey val="0"/>
+              <c:showVal val="0"/>
+              <c:showCatName val="0"/>
+              <c:showSerName val="0"/>
+              <c:showPercent val="0"/>
+              <c:showBubbleSize val="0"/>
+              <c:showLeaderLines val="1"/>
+              <c:extLst>
+                <c:ext xmlns:c15="http://schemas.microsoft.com/office/drawing/2012/chart" uri="{CE6537A1-D6FC-4f65-9D91-7224C49458BB}"/>
+                <c:ext xmlns:c16="http://schemas.microsoft.com/office/drawing/2014/chart" uri="{C3380CC4-5D6E-409C-BE32-E72D297353CC}">
+                  <c16:uniqueId val="{00000003-897a-1304-ffb3-7250946a00aa}"/>
+                </c:ext>
+              </c:extLst>
+            </c:dLbl>
+            <c:dLbl>
+              <c:idx val="3"/>
+              <c:tx>
+                <c:rich>
+                  <a:bodyPr>
+                    <a:spAutoFit/>
+                  </a:bodyPr>
+                  <a:lstStyle/>
+                  <a:p>
+                    <a:pPr>
+                      <a:defRPr/>
+                    </a:pPr>
+                    <a:r>
+                      <a:rPr lang="en-US" dirty="0"/>
+                      <a:t>心病一科</a:t>
+                    </a:r>
+                  </a:p>
+                </c:rich>
+              </c:tx>
+              <c:spPr>
+                <a:noFill/>
+                <a:ln>
+                  <a:noFill/>
+                </a:ln>
+                <a:effectLst/>
+              </c:spPr>
+              <c:dLblPos val="t"/>
+              <c:showLegendKey val="0"/>
+              <c:showVal val="0"/>
+              <c:showCatName val="0"/>
+              <c:showSerName val="0"/>
+              <c:showPercent val="0"/>
+              <c:showBubbleSize val="0"/>
+              <c:showLeaderLines val="1"/>
+              <c:extLst>
+                <c:ext xmlns:c15="http://schemas.microsoft.com/office/drawing/2012/chart" uri="{CE6537A1-D6FC-4f65-9D91-7224C49458BB}"/>
+                <c:ext xmlns:c16="http://schemas.microsoft.com/office/drawing/2014/chart" uri="{C3380CC4-5D6E-409C-BE32-E72D297353CC}">
+                  <c16:uniqueId val="{00000004-897a-1304-ffb3-7250946a00aa}"/>
+                </c:ext>
+              </c:extLst>
+            </c:dLbl>
+            <c:dLbl>
+              <c:idx val="4"/>
+              <c:tx>
+                <c:rich>
+                  <a:bodyPr>
+                    <a:spAutoFit/>
+                  </a:bodyPr>
+                  <a:lstStyle/>
+                  <a:p>
+                    <a:pPr>
+                      <a:defRPr/>
+                    </a:pPr>
+                    <a:r>
+                      <a:rPr lang="en-US" dirty="0"/>
+                      <a:t>妇科妇二科合并</a:t>
+                    </a:r>
+                  </a:p>
+                </c:rich>
+              </c:tx>
+              <c:spPr>
+                <a:noFill/>
+                <a:ln>
+                  <a:noFill/>
+                </a:ln>
+                <a:effectLst/>
+              </c:spPr>
+              <c:dLblPos val="t"/>
+              <c:showLegendKey val="0"/>
+              <c:showVal val="0"/>
+              <c:showCatName val="0"/>
+              <c:showSerName val="0"/>
+              <c:showPercent val="0"/>
+              <c:showBubbleSize val="0"/>
+              <c:showLeaderLines val="1"/>
+              <c:extLst>
+                <c:ext xmlns:c15="http://schemas.microsoft.com/office/drawing/2012/chart" uri="{CE6537A1-D6FC-4f65-9D91-7224C49458BB}"/>
+                <c:ext xmlns:c16="http://schemas.microsoft.com/office/drawing/2014/chart" uri="{C3380CC4-5D6E-409C-BE32-E72D297353CC}">
+                  <c16:uniqueId val="{00000005-897a-1304-ffb3-7250946a00aa}"/>
+                </c:ext>
+              </c:extLst>
+            </c:dLbl>
+            <c:dLbl>
+              <c:idx val="5"/>
+              <c:tx>
+                <c:rich>
+                  <a:bodyPr>
+                    <a:spAutoFit/>
+                  </a:bodyPr>
+                  <a:lstStyle/>
+                  <a:p>
+                    <a:pPr>
+                      <a:defRPr/>
+                    </a:pPr>
+                    <a:r>
+                      <a:rPr lang="en-US" dirty="0"/>
+                      <a:t>肝胆外科</a:t>
+                    </a:r>
+                  </a:p>
+                </c:rich>
+              </c:tx>
+              <c:spPr>
+                <a:noFill/>
+                <a:ln>
+                  <a:noFill/>
+                </a:ln>
+                <a:effectLst/>
+              </c:spPr>
+              <c:dLblPos val="t"/>
+              <c:showLegendKey val="0"/>
+              <c:showVal val="0"/>
+              <c:showCatName val="0"/>
+              <c:showSerName val="0"/>
+              <c:showPercent val="0"/>
+              <c:showBubbleSize val="0"/>
+              <c:showLeaderLines val="1"/>
+              <c:extLst>
+                <c:ext xmlns:c15="http://schemas.microsoft.com/office/drawing/2012/chart" uri="{CE6537A1-D6FC-4f65-9D91-7224C49458BB}"/>
+                <c:ext xmlns:c16="http://schemas.microsoft.com/office/drawing/2014/chart" uri="{C3380CC4-5D6E-409C-BE32-E72D297353CC}">
+                  <c16:uniqueId val="{00000006-897a-1304-ffb3-7250946a00aa}"/>
+                </c:ext>
+              </c:extLst>
+            </c:dLbl>
+            <c:dLbl>
+              <c:idx val="6"/>
+              <c:tx>
+                <c:rich>
+                  <a:bodyPr>
+                    <a:spAutoFit/>
+                  </a:bodyPr>
+                  <a:lstStyle/>
+                  <a:p>
+                    <a:pPr>
+                      <a:defRPr/>
+                    </a:pPr>
+                    <a:r>
+                      <a:rPr lang="en-US" dirty="0"/>
+                      <a:t>骨科</a:t>
+                    </a:r>
+                  </a:p>
+                </c:rich>
+              </c:tx>
+              <c:spPr>
+                <a:noFill/>
+                <a:ln>
+                  <a:noFill/>
+                </a:ln>
+                <a:effectLst/>
+              </c:spPr>
+              <c:dLblPos val="t"/>
+              <c:showLegendKey val="0"/>
+              <c:showVal val="0"/>
+              <c:showCatName val="0"/>
+              <c:showSerName val="0"/>
+              <c:showPercent val="0"/>
+              <c:showBubbleSize val="0"/>
+              <c:showLeaderLines val="1"/>
+              <c:extLst>
+                <c:ext xmlns:c15="http://schemas.microsoft.com/office/drawing/2012/chart" uri="{CE6537A1-D6FC-4f65-9D91-7224C49458BB}"/>
+                <c:ext xmlns:c16="http://schemas.microsoft.com/office/drawing/2014/chart" uri="{C3380CC4-5D6E-409C-BE32-E72D297353CC}">
+                  <c16:uniqueId val="{00000007-897a-1304-ffb3-7250946a00aa}"/>
+                </c:ext>
+              </c:extLst>
+            </c:dLbl>
+            <c:dLbl>
+              <c:idx val="7"/>
+              <c:tx>
+                <c:rich>
+                  <a:bodyPr>
+                    <a:spAutoFit/>
+                  </a:bodyPr>
+                  <a:lstStyle/>
+                  <a:p>
+                    <a:pPr>
+                      <a:defRPr/>
+                    </a:pPr>
+                    <a:r>
+                      <a:rPr lang="en-US" dirty="0"/>
+                      <a:t>呼吸内科</a:t>
+                    </a:r>
+                  </a:p>
+                </c:rich>
+              </c:tx>
+              <c:spPr>
+                <a:noFill/>
+                <a:ln>
+                  <a:noFill/>
+                </a:ln>
+                <a:effectLst/>
+              </c:spPr>
+              <c:dLblPos val="t"/>
+              <c:showLegendKey val="0"/>
+              <c:showVal val="0"/>
+              <c:showCatName val="0"/>
+              <c:showSerName val="0"/>
+              <c:showPercent val="0"/>
+              <c:showBubbleSize val="0"/>
+              <c:showLeaderLines val="1"/>
+              <c:extLst>
+                <c:ext xmlns:c15="http://schemas.microsoft.com/office/drawing/2012/chart" uri="{CE6537A1-D6FC-4f65-9D91-7224C49458BB}"/>
+                <c:ext xmlns:c16="http://schemas.microsoft.com/office/drawing/2014/chart" uri="{C3380CC4-5D6E-409C-BE32-E72D297353CC}">
+                  <c16:uniqueId val="{00000008-897a-1304-ffb3-7250946a00aa}"/>
+                </c:ext>
+              </c:extLst>
+            </c:dLbl>
+            <c:dLbl>
+              <c:idx val="8"/>
+              <c:tx>
+                <c:rich>
+                  <a:bodyPr>
+                    <a:spAutoFit/>
+                  </a:bodyPr>
+                  <a:lstStyle/>
+                  <a:p>
+                    <a:pPr>
+                      <a:defRPr/>
+                    </a:pPr>
+                    <a:r>
+                      <a:rPr lang="en-US" dirty="0"/>
+                      <a:t>肾病科</a:t>
+                    </a:r>
+                  </a:p>
+                </c:rich>
+              </c:tx>
+              <c:spPr>
+                <a:noFill/>
+                <a:ln>
+                  <a:noFill/>
+                </a:ln>
+                <a:effectLst/>
+              </c:spPr>
+              <c:dLblPos val="t"/>
+              <c:showLegendKey val="0"/>
+              <c:showVal val="0"/>
+              <c:showCatName val="0"/>
+              <c:showSerName val="0"/>
+              <c:showPercent val="0"/>
+              <c:showBubbleSize val="0"/>
+              <c:showLeaderLines val="1"/>
+              <c:extLst>
+                <c:ext xmlns:c15="http://schemas.microsoft.com/office/drawing/2012/chart" uri="{CE6537A1-D6FC-4f65-9D91-7224C49458BB}"/>
+                <c:ext xmlns:c16="http://schemas.microsoft.com/office/drawing/2014/chart" uri="{C3380CC4-5D6E-409C-BE32-E72D297353CC}">
+                  <c16:uniqueId val="{00000009-897a-1304-ffb3-7250946a00aa}"/>
+                </c:ext>
+              </c:extLst>
+            </c:dLbl>
+            <c:dLbl>
+              <c:idx val="9"/>
+              <c:tx>
+                <c:rich>
+                  <a:bodyPr>
+                    <a:spAutoFit/>
+                  </a:bodyPr>
+                  <a:lstStyle/>
+                  <a:p>
+                    <a:pPr>
+                      <a:defRPr/>
+                    </a:pPr>
+                    <a:r>
+                      <a:rPr lang="en-US" dirty="0"/>
+                      <a:t>治未病中心</a:t>
+                    </a:r>
+                  </a:p>
+                </c:rich>
+              </c:tx>
+              <c:spPr>
+                <a:noFill/>
+                <a:ln>
+                  <a:noFill/>
+                </a:ln>
+                <a:effectLst/>
+              </c:spPr>
+              <c:dLblPos val="t"/>
+              <c:showLegendKey val="0"/>
+              <c:showVal val="0"/>
+              <c:showCatName val="0"/>
+              <c:showSerName val="0"/>
+              <c:showPercent val="0"/>
+              <c:showBubbleSize val="0"/>
+              <c:showLeaderLines val="1"/>
+              <c:extLst>
+                <c:ext xmlns:c15="http://schemas.microsoft.com/office/drawing/2012/chart" uri="{CE6537A1-D6FC-4f65-9D91-7224C49458BB}"/>
+                <c:ext xmlns:c16="http://schemas.microsoft.com/office/drawing/2014/chart" uri="{C3380CC4-5D6E-409C-BE32-E72D297353CC}">
+                  <c16:uniqueId val="{00000010-897a-1304-ffb3-7250946a00aa}"/>
+                </c:ext>
+              </c:extLst>
+            </c:dLbl>
+            <c:dLbl>
+              <c:idx val="10"/>
+              <c:tx>
+                <c:rich>
+                  <a:bodyPr>
+                    <a:spAutoFit/>
+                  </a:bodyPr>
+                  <a:lstStyle/>
+                  <a:p>
+                    <a:pPr>
+                      <a:defRPr/>
+                    </a:pPr>
+                    <a:r>
+                      <a:rPr lang="en-US" dirty="0"/>
+                      <a:t>心病四科</a:t>
+                    </a:r>
+                  </a:p>
+                </c:rich>
+              </c:tx>
+              <c:spPr>
+                <a:noFill/>
+                <a:ln>
+                  <a:noFill/>
+                </a:ln>
+                <a:effectLst/>
+              </c:spPr>
+              <c:dLblPos val="t"/>
+              <c:showLegendKey val="0"/>
+              <c:showVal val="0"/>
+              <c:showCatName val="0"/>
+              <c:showSerName val="0"/>
+              <c:showPercent val="0"/>
+              <c:showBubbleSize val="0"/>
+              <c:showLeaderLines val="1"/>
+              <c:extLst>
+                <c:ext xmlns:c15="http://schemas.microsoft.com/office/drawing/2012/chart" uri="{CE6537A1-D6FC-4f65-9D91-7224C49458BB}"/>
+                <c:ext xmlns:c16="http://schemas.microsoft.com/office/drawing/2014/chart" uri="{C3380CC4-5D6E-409C-BE32-E72D297353CC}">
+                  <c16:uniqueId val="{00000011-897a-1304-ffb3-7250946a00aa}"/>
+                </c:ext>
+              </c:extLst>
+            </c:dLbl>
+            <c:dLbl>
+              <c:idx val="11"/>
+              <c:tx>
+                <c:rich>
+                  <a:bodyPr>
+                    <a:spAutoFit/>
+                  </a:bodyPr>
+                  <a:lstStyle/>
+                  <a:p>
+                    <a:pPr>
+                      <a:defRPr/>
+                    </a:pPr>
+                    <a:r>
+                      <a:rPr lang="en-US" dirty="0"/>
+                      <a:t>耳鼻喉科</a:t>
+                    </a:r>
+                  </a:p>
+                </c:rich>
+              </c:tx>
+              <c:spPr>
+                <a:noFill/>
+                <a:ln>
+                  <a:noFill/>
+                </a:ln>
+                <a:effectLst/>
+              </c:spPr>
+              <c:dLblPos val="t"/>
+              <c:showLegendKey val="0"/>
+              <c:showVal val="0"/>
+              <c:showCatName val="0"/>
+              <c:showSerName val="0"/>
+              <c:showPercent val="0"/>
+              <c:showBubbleSize val="0"/>
+              <c:showLeaderLines val="1"/>
+              <c:extLst>
+                <c:ext xmlns:c15="http://schemas.microsoft.com/office/drawing/2012/chart" uri="{CE6537A1-D6FC-4f65-9D91-7224C49458BB}"/>
+                <c:ext xmlns:c16="http://schemas.microsoft.com/office/drawing/2014/chart" uri="{C3380CC4-5D6E-409C-BE32-E72D297353CC}">
+                  <c16:uniqueId val="{00000012-897a-1304-ffb3-7250946a00aa}"/>
+                </c:ext>
+              </c:extLst>
+            </c:dLbl>
+            <c:dLbl>
+              <c:idx val="12"/>
+              <c:tx>
+                <c:rich>
+                  <a:bodyPr>
+                    <a:spAutoFit/>
+                  </a:bodyPr>
+                  <a:lstStyle/>
+                  <a:p>
+                    <a:pPr>
+                      <a:defRPr/>
+                    </a:pPr>
+                    <a:r>
+                      <a:rPr lang="en-US" dirty="0"/>
+                      <a:t>脾胃科消化科合并</a:t>
+                    </a:r>
+                  </a:p>
+                </c:rich>
+              </c:tx>
+              <c:spPr>
+                <a:noFill/>
+                <a:ln>
+                  <a:noFill/>
+                </a:ln>
+                <a:effectLst/>
+              </c:spPr>
+              <c:dLblPos val="t"/>
+              <c:showLegendKey val="0"/>
+              <c:showVal val="0"/>
+              <c:showCatName val="0"/>
+              <c:showSerName val="0"/>
+              <c:showPercent val="0"/>
+              <c:showBubbleSize val="0"/>
+              <c:showLeaderLines val="1"/>
+              <c:extLst>
+                <c:ext xmlns:c15="http://schemas.microsoft.com/office/drawing/2012/chart" uri="{CE6537A1-D6FC-4f65-9D91-7224C49458BB}"/>
+                <c:ext xmlns:c16="http://schemas.microsoft.com/office/drawing/2014/chart" uri="{C3380CC4-5D6E-409C-BE32-E72D297353CC}">
+                  <c16:uniqueId val="{00000013-897a-1304-ffb3-7250946a00aa}"/>
+                </c:ext>
+              </c:extLst>
+            </c:dLbl>
+            <c:dLbl>
+              <c:idx val="13"/>
+              <c:tx>
+                <c:rich>
+                  <a:bodyPr>
+                    <a:spAutoFit/>
+                  </a:bodyPr>
+                  <a:lstStyle/>
+                  <a:p>
+                    <a:pPr>
+                      <a:defRPr/>
+                    </a:pPr>
+                    <a:r>
+                      <a:rPr lang="en-US" dirty="0"/>
+                      <a:t>心病三科</a:t>
+                    </a:r>
+                  </a:p>
+                </c:rich>
+              </c:tx>
+              <c:spPr>
+                <a:noFill/>
+                <a:ln>
+                  <a:noFill/>
+                </a:ln>
+                <a:effectLst/>
+              </c:spPr>
+              <c:dLblPos val="t"/>
+              <c:showLegendKey val="0"/>
+              <c:showVal val="0"/>
+              <c:showCatName val="0"/>
+              <c:showSerName val="0"/>
+              <c:showPercent val="0"/>
+              <c:showBubbleSize val="0"/>
+              <c:showLeaderLines val="1"/>
+              <c:extLst>
+                <c:ext xmlns:c15="http://schemas.microsoft.com/office/drawing/2012/chart" uri="{CE6537A1-D6FC-4f65-9D91-7224C49458BB}"/>
+                <c:ext xmlns:c16="http://schemas.microsoft.com/office/drawing/2014/chart" uri="{C3380CC4-5D6E-409C-BE32-E72D297353CC}">
+                  <c16:uniqueId val="{00000014-897a-1304-ffb3-7250946a00aa}"/>
+                </c:ext>
+              </c:extLst>
+            </c:dLbl>
+            <c:dLbl>
+              <c:idx val="14"/>
+              <c:tx>
+                <c:rich>
+                  <a:bodyPr>
+                    <a:spAutoFit/>
+                  </a:bodyPr>
+                  <a:lstStyle/>
+                  <a:p>
+                    <a:pPr>
+                      <a:defRPr/>
+                    </a:pPr>
+                    <a:r>
+                      <a:rPr lang="en-US" dirty="0"/>
+                      <a:t>普通外科</a:t>
+                    </a:r>
+                  </a:p>
+                </c:rich>
+              </c:tx>
+              <c:spPr>
+                <a:noFill/>
+                <a:ln>
+                  <a:noFill/>
+                </a:ln>
+                <a:effectLst/>
+              </c:spPr>
+              <c:dLblPos val="t"/>
+              <c:showLegendKey val="0"/>
+              <c:showVal val="0"/>
+              <c:showCatName val="0"/>
+              <c:showSerName val="0"/>
+              <c:showPercent val="0"/>
+              <c:showBubbleSize val="0"/>
+              <c:showLeaderLines val="1"/>
+              <c:extLst>
+                <c:ext xmlns:c15="http://schemas.microsoft.com/office/drawing/2012/chart" uri="{CE6537A1-D6FC-4f65-9D91-7224C49458BB}"/>
+                <c:ext xmlns:c16="http://schemas.microsoft.com/office/drawing/2014/chart" uri="{C3380CC4-5D6E-409C-BE32-E72D297353CC}">
+                  <c16:uniqueId val="{00000015-897a-1304-ffb3-7250946a00aa}"/>
+                </c:ext>
+              </c:extLst>
+            </c:dLbl>
+            <c:dLbl>
+              <c:idx val="15"/>
+              <c:tx>
+                <c:rich>
+                  <a:bodyPr>
+                    <a:spAutoFit/>
+                  </a:bodyPr>
+                  <a:lstStyle/>
+                  <a:p>
+                    <a:pPr>
+                      <a:defRPr/>
+                    </a:pPr>
+                    <a:r>
+                      <a:rPr lang="en-US" dirty="0"/>
+                      <a:t>神经内科</a:t>
+                    </a:r>
+                  </a:p>
+                </c:rich>
+              </c:tx>
+              <c:spPr>
+                <a:noFill/>
+                <a:ln>
+                  <a:noFill/>
+                </a:ln>
+                <a:effectLst/>
+              </c:spPr>
+              <c:dLblPos val="t"/>
+              <c:showLegendKey val="0"/>
+              <c:showVal val="0"/>
+              <c:showCatName val="0"/>
+              <c:showSerName val="0"/>
+              <c:showPercent val="0"/>
+              <c:showBubbleSize val="0"/>
+              <c:showLeaderLines val="1"/>
+              <c:extLst>
+                <c:ext xmlns:c15="http://schemas.microsoft.com/office/drawing/2012/chart" uri="{CE6537A1-D6FC-4f65-9D91-7224C49458BB}"/>
+                <c:ext xmlns:c16="http://schemas.microsoft.com/office/drawing/2014/chart" uri="{C3380CC4-5D6E-409C-BE32-E72D297353CC}">
+                  <c16:uniqueId val="{00000016-897a-1304-ffb3-7250946a00aa}"/>
+                </c:ext>
+              </c:extLst>
+            </c:dLbl>
+            <c:dLbl>
+              <c:idx val="16"/>
               <c:tx>
                 <c:rich>
                   <a:bodyPr>
@@ -1539,12 +2157,12 @@
               <c:extLst>
                 <c:ext xmlns:c15="http://schemas.microsoft.com/office/drawing/2012/chart" uri="{CE6537A1-D6FC-4f65-9D91-7224C49458BB}"/>
                 <c:ext xmlns:c16="http://schemas.microsoft.com/office/drawing/2014/chart" uri="{C3380CC4-5D6E-409C-BE32-E72D297353CC}">
-                  <c16:uniqueId val="{00000002-4ce7-2485-05f6-a7b0c5e008d7}"/>
+                  <c16:uniqueId val="{00000017-897a-1304-ffb3-7250946a00aa}"/>
                 </c:ext>
               </c:extLst>
             </c:dLbl>
             <c:dLbl>
-              <c:idx val="2"/>
+              <c:idx val="17"/>
               <c:tx>
                 <c:rich>
                   <a:bodyPr>
@@ -1557,7 +2175,7 @@
                     </a:pPr>
                     <a:r>
                       <a:rPr lang="en-US" dirty="0"/>
-                      <a:t>儿科</a:t>
+                      <a:t>肾脏内科</a:t>
                     </a:r>
                   </a:p>
                 </c:rich>
@@ -1580,12 +2198,12 @@
               <c:extLst>
                 <c:ext xmlns:c15="http://schemas.microsoft.com/office/drawing/2012/chart" uri="{CE6537A1-D6FC-4f65-9D91-7224C49458BB}"/>
                 <c:ext xmlns:c16="http://schemas.microsoft.com/office/drawing/2014/chart" uri="{C3380CC4-5D6E-409C-BE32-E72D297353CC}">
-                  <c16:uniqueId val="{00000003-4ce7-2485-05f6-a7b0c5e008d7}"/>
+                  <c16:uniqueId val="{00000018-897a-1304-ffb3-7250946a00aa}"/>
                 </c:ext>
               </c:extLst>
             </c:dLbl>
             <c:dLbl>
-              <c:idx val="3"/>
+              <c:idx val="18"/>
               <c:tx>
                 <c:rich>
                   <a:bodyPr>
@@ -1598,7 +2216,7 @@
                     </a:pPr>
                     <a:r>
                       <a:rPr lang="en-US" dirty="0"/>
-                      <a:t>老年医学科</a:t>
+                      <a:t>中医经典科</a:t>
                     </a:r>
                   </a:p>
                 </c:rich>
@@ -1621,135 +2239,12 @@
               <c:extLst>
                 <c:ext xmlns:c15="http://schemas.microsoft.com/office/drawing/2012/chart" uri="{CE6537A1-D6FC-4f65-9D91-7224C49458BB}"/>
                 <c:ext xmlns:c16="http://schemas.microsoft.com/office/drawing/2014/chart" uri="{C3380CC4-5D6E-409C-BE32-E72D297353CC}">
-                  <c16:uniqueId val="{00000004-4ce7-2485-05f6-a7b0c5e008d7}"/>
+                  <c16:uniqueId val="{00000019-897a-1304-ffb3-7250946a00aa}"/>
                 </c:ext>
               </c:extLst>
             </c:dLbl>
             <c:dLbl>
-              <c:idx val="4"/>
-              <c:tx>
-                <c:rich>
-                  <a:bodyPr>
-                    <a:spAutoFit/>
-                  </a:bodyPr>
-                  <a:lstStyle/>
-                  <a:p>
-                    <a:pPr>
-                      <a:defRPr/>
-                    </a:pPr>
-                    <a:r>
-                      <a:rPr lang="en-US" dirty="0"/>
-                      <a:t>西区重症医学科</a:t>
-                    </a:r>
-                  </a:p>
-                </c:rich>
-              </c:tx>
-              <c:spPr>
-                <a:noFill/>
-                <a:ln>
-                  <a:noFill/>
-                </a:ln>
-                <a:effectLst/>
-              </c:spPr>
-              <c:dLblPos val="t"/>
-              <c:showLegendKey val="0"/>
-              <c:showVal val="0"/>
-              <c:showCatName val="0"/>
-              <c:showSerName val="0"/>
-              <c:showPercent val="0"/>
-              <c:showBubbleSize val="0"/>
-              <c:showLeaderLines val="1"/>
-              <c:extLst>
-                <c:ext xmlns:c15="http://schemas.microsoft.com/office/drawing/2012/chart" uri="{CE6537A1-D6FC-4f65-9D91-7224C49458BB}"/>
-                <c:ext xmlns:c16="http://schemas.microsoft.com/office/drawing/2014/chart" uri="{C3380CC4-5D6E-409C-BE32-E72D297353CC}">
-                  <c16:uniqueId val="{00000005-4ce7-2485-05f6-a7b0c5e008d7}"/>
-                </c:ext>
-              </c:extLst>
-            </c:dLbl>
-            <c:dLbl>
-              <c:idx val="5"/>
-              <c:tx>
-                <c:rich>
-                  <a:bodyPr>
-                    <a:spAutoFit/>
-                  </a:bodyPr>
-                  <a:lstStyle/>
-                  <a:p>
-                    <a:pPr>
-                      <a:defRPr/>
-                    </a:pPr>
-                    <a:r>
-                      <a:rPr lang="en-US" dirty="0"/>
-                      <a:t>呼吸内科</a:t>
-                    </a:r>
-                  </a:p>
-                </c:rich>
-              </c:tx>
-              <c:spPr>
-                <a:noFill/>
-                <a:ln>
-                  <a:noFill/>
-                </a:ln>
-                <a:effectLst/>
-              </c:spPr>
-              <c:dLblPos val="t"/>
-              <c:showLegendKey val="0"/>
-              <c:showVal val="0"/>
-              <c:showCatName val="0"/>
-              <c:showSerName val="0"/>
-              <c:showPercent val="0"/>
-              <c:showBubbleSize val="0"/>
-              <c:showLeaderLines val="1"/>
-              <c:extLst>
-                <c:ext xmlns:c15="http://schemas.microsoft.com/office/drawing/2012/chart" uri="{CE6537A1-D6FC-4f65-9D91-7224C49458BB}"/>
-                <c:ext xmlns:c16="http://schemas.microsoft.com/office/drawing/2014/chart" uri="{C3380CC4-5D6E-409C-BE32-E72D297353CC}">
-                  <c16:uniqueId val="{00000006-4ce7-2485-05f6-a7b0c5e008d7}"/>
-                </c:ext>
-              </c:extLst>
-            </c:dLbl>
-            <c:dLbl>
-              <c:idx val="6"/>
-              <c:tx>
-                <c:rich>
-                  <a:bodyPr>
-                    <a:spAutoFit/>
-                  </a:bodyPr>
-                  <a:lstStyle/>
-                  <a:p>
-                    <a:pPr>
-                      <a:defRPr/>
-                    </a:pPr>
-                    <a:r>
-                      <a:rPr lang="en-US" dirty="0"/>
-                      <a:t>重症医学科</a:t>
-                    </a:r>
-                  </a:p>
-                </c:rich>
-              </c:tx>
-              <c:spPr>
-                <a:noFill/>
-                <a:ln>
-                  <a:noFill/>
-                </a:ln>
-                <a:effectLst/>
-              </c:spPr>
-              <c:dLblPos val="t"/>
-              <c:showLegendKey val="0"/>
-              <c:showVal val="0"/>
-              <c:showCatName val="0"/>
-              <c:showSerName val="0"/>
-              <c:showPercent val="0"/>
-              <c:showBubbleSize val="0"/>
-              <c:showLeaderLines val="1"/>
-              <c:extLst>
-                <c:ext xmlns:c15="http://schemas.microsoft.com/office/drawing/2012/chart" uri="{CE6537A1-D6FC-4f65-9D91-7224C49458BB}"/>
-                <c:ext xmlns:c16="http://schemas.microsoft.com/office/drawing/2014/chart" uri="{C3380CC4-5D6E-409C-BE32-E72D297353CC}">
-                  <c16:uniqueId val="{00000007-4ce7-2485-05f6-a7b0c5e008d7}"/>
-                </c:ext>
-              </c:extLst>
-            </c:dLbl>
-            <c:dLbl>
-              <c:idx val="7"/>
+              <c:idx val="19"/>
               <c:tx>
                 <c:rich>
                   <a:bodyPr>
@@ -1785,499 +2280,7 @@
               <c:extLst>
                 <c:ext xmlns:c15="http://schemas.microsoft.com/office/drawing/2012/chart" uri="{CE6537A1-D6FC-4f65-9D91-7224C49458BB}"/>
                 <c:ext xmlns:c16="http://schemas.microsoft.com/office/drawing/2014/chart" uri="{C3380CC4-5D6E-409C-BE32-E72D297353CC}">
-                  <c16:uniqueId val="{00000008-4ce7-2485-05f6-a7b0c5e008d7}"/>
-                </c:ext>
-              </c:extLst>
-            </c:dLbl>
-            <c:dLbl>
-              <c:idx val="8"/>
-              <c:tx>
-                <c:rich>
-                  <a:bodyPr>
-                    <a:spAutoFit/>
-                  </a:bodyPr>
-                  <a:lstStyle/>
-                  <a:p>
-                    <a:pPr>
-                      <a:defRPr/>
-                    </a:pPr>
-                    <a:r>
-                      <a:rPr lang="en-US" dirty="0"/>
-                      <a:t>男科</a:t>
-                    </a:r>
-                  </a:p>
-                </c:rich>
-              </c:tx>
-              <c:spPr>
-                <a:noFill/>
-                <a:ln>
-                  <a:noFill/>
-                </a:ln>
-                <a:effectLst/>
-              </c:spPr>
-              <c:dLblPos val="t"/>
-              <c:showLegendKey val="0"/>
-              <c:showVal val="0"/>
-              <c:showCatName val="0"/>
-              <c:showSerName val="0"/>
-              <c:showPercent val="0"/>
-              <c:showBubbleSize val="0"/>
-              <c:showLeaderLines val="1"/>
-              <c:extLst>
-                <c:ext xmlns:c15="http://schemas.microsoft.com/office/drawing/2012/chart" uri="{CE6537A1-D6FC-4f65-9D91-7224C49458BB}"/>
-                <c:ext xmlns:c16="http://schemas.microsoft.com/office/drawing/2014/chart" uri="{C3380CC4-5D6E-409C-BE32-E72D297353CC}">
-                  <c16:uniqueId val="{00000009-4ce7-2485-05f6-a7b0c5e008d7}"/>
-                </c:ext>
-              </c:extLst>
-            </c:dLbl>
-            <c:dLbl>
-              <c:idx val="9"/>
-              <c:tx>
-                <c:rich>
-                  <a:bodyPr>
-                    <a:spAutoFit/>
-                  </a:bodyPr>
-                  <a:lstStyle/>
-                  <a:p>
-                    <a:pPr>
-                      <a:defRPr/>
-                    </a:pPr>
-                    <a:r>
-                      <a:rPr lang="en-US" dirty="0"/>
-                      <a:t>皮肤科</a:t>
-                    </a:r>
-                  </a:p>
-                </c:rich>
-              </c:tx>
-              <c:spPr>
-                <a:noFill/>
-                <a:ln>
-                  <a:noFill/>
-                </a:ln>
-                <a:effectLst/>
-              </c:spPr>
-              <c:dLblPos val="t"/>
-              <c:showLegendKey val="0"/>
-              <c:showVal val="0"/>
-              <c:showCatName val="0"/>
-              <c:showSerName val="0"/>
-              <c:showPercent val="0"/>
-              <c:showBubbleSize val="0"/>
-              <c:showLeaderLines val="1"/>
-              <c:extLst>
-                <c:ext xmlns:c15="http://schemas.microsoft.com/office/drawing/2012/chart" uri="{CE6537A1-D6FC-4f65-9D91-7224C49458BB}"/>
-                <c:ext xmlns:c16="http://schemas.microsoft.com/office/drawing/2014/chart" uri="{C3380CC4-5D6E-409C-BE32-E72D297353CC}">
-                  <c16:uniqueId val="{00000010-4ce7-2485-05f6-a7b0c5e008d7}"/>
-                </c:ext>
-              </c:extLst>
-            </c:dLbl>
-            <c:dLbl>
-              <c:idx val="10"/>
-              <c:tx>
-                <c:rich>
-                  <a:bodyPr>
-                    <a:spAutoFit/>
-                  </a:bodyPr>
-                  <a:lstStyle/>
-                  <a:p>
-                    <a:pPr>
-                      <a:defRPr/>
-                    </a:pPr>
-                    <a:r>
-                      <a:rPr lang="en-US" dirty="0"/>
-                      <a:t>针灸科</a:t>
-                    </a:r>
-                  </a:p>
-                </c:rich>
-              </c:tx>
-              <c:spPr>
-                <a:noFill/>
-                <a:ln>
-                  <a:noFill/>
-                </a:ln>
-                <a:effectLst/>
-              </c:spPr>
-              <c:dLblPos val="t"/>
-              <c:showLegendKey val="0"/>
-              <c:showVal val="0"/>
-              <c:showCatName val="0"/>
-              <c:showSerName val="0"/>
-              <c:showPercent val="0"/>
-              <c:showBubbleSize val="0"/>
-              <c:showLeaderLines val="1"/>
-              <c:extLst>
-                <c:ext xmlns:c15="http://schemas.microsoft.com/office/drawing/2012/chart" uri="{CE6537A1-D6FC-4f65-9D91-7224C49458BB}"/>
-                <c:ext xmlns:c16="http://schemas.microsoft.com/office/drawing/2014/chart" uri="{C3380CC4-5D6E-409C-BE32-E72D297353CC}">
-                  <c16:uniqueId val="{00000011-4ce7-2485-05f6-a7b0c5e008d7}"/>
-                </c:ext>
-              </c:extLst>
-            </c:dLbl>
-            <c:dLbl>
-              <c:idx val="11"/>
-              <c:tx>
-                <c:rich>
-                  <a:bodyPr>
-                    <a:spAutoFit/>
-                  </a:bodyPr>
-                  <a:lstStyle/>
-                  <a:p>
-                    <a:pPr>
-                      <a:defRPr/>
-                    </a:pPr>
-                    <a:r>
-                      <a:rPr lang="en-US" dirty="0"/>
-                      <a:t>肾病科</a:t>
-                    </a:r>
-                  </a:p>
-                </c:rich>
-              </c:tx>
-              <c:spPr>
-                <a:noFill/>
-                <a:ln>
-                  <a:noFill/>
-                </a:ln>
-                <a:effectLst/>
-              </c:spPr>
-              <c:dLblPos val="t"/>
-              <c:showLegendKey val="0"/>
-              <c:showVal val="0"/>
-              <c:showCatName val="0"/>
-              <c:showSerName val="0"/>
-              <c:showPercent val="0"/>
-              <c:showBubbleSize val="0"/>
-              <c:showLeaderLines val="1"/>
-              <c:extLst>
-                <c:ext xmlns:c15="http://schemas.microsoft.com/office/drawing/2012/chart" uri="{CE6537A1-D6FC-4f65-9D91-7224C49458BB}"/>
-                <c:ext xmlns:c16="http://schemas.microsoft.com/office/drawing/2014/chart" uri="{C3380CC4-5D6E-409C-BE32-E72D297353CC}">
-                  <c16:uniqueId val="{00000012-4ce7-2485-05f6-a7b0c5e008d7}"/>
-                </c:ext>
-              </c:extLst>
-            </c:dLbl>
-            <c:dLbl>
-              <c:idx val="12"/>
-              <c:tx>
-                <c:rich>
-                  <a:bodyPr>
-                    <a:spAutoFit/>
-                  </a:bodyPr>
-                  <a:lstStyle/>
-                  <a:p>
-                    <a:pPr>
-                      <a:defRPr/>
-                    </a:pPr>
-                    <a:r>
-                      <a:rPr lang="en-US" dirty="0"/>
-                      <a:t>神经外科</a:t>
-                    </a:r>
-                  </a:p>
-                </c:rich>
-              </c:tx>
-              <c:spPr>
-                <a:noFill/>
-                <a:ln>
-                  <a:noFill/>
-                </a:ln>
-                <a:effectLst/>
-              </c:spPr>
-              <c:dLblPos val="t"/>
-              <c:showLegendKey val="0"/>
-              <c:showVal val="0"/>
-              <c:showCatName val="0"/>
-              <c:showSerName val="0"/>
-              <c:showPercent val="0"/>
-              <c:showBubbleSize val="0"/>
-              <c:showLeaderLines val="1"/>
-              <c:extLst>
-                <c:ext xmlns:c15="http://schemas.microsoft.com/office/drawing/2012/chart" uri="{CE6537A1-D6FC-4f65-9D91-7224C49458BB}"/>
-                <c:ext xmlns:c16="http://schemas.microsoft.com/office/drawing/2014/chart" uri="{C3380CC4-5D6E-409C-BE32-E72D297353CC}">
-                  <c16:uniqueId val="{00000013-4ce7-2485-05f6-a7b0c5e008d7}"/>
-                </c:ext>
-              </c:extLst>
-            </c:dLbl>
-            <c:dLbl>
-              <c:idx val="13"/>
-              <c:tx>
-                <c:rich>
-                  <a:bodyPr>
-                    <a:spAutoFit/>
-                  </a:bodyPr>
-                  <a:lstStyle/>
-                  <a:p>
-                    <a:pPr>
-                      <a:defRPr/>
-                    </a:pPr>
-                    <a:r>
-                      <a:rPr lang="en-US" dirty="0"/>
-                      <a:t>神经内科</a:t>
-                    </a:r>
-                  </a:p>
-                </c:rich>
-              </c:tx>
-              <c:spPr>
-                <a:noFill/>
-                <a:ln>
-                  <a:noFill/>
-                </a:ln>
-                <a:effectLst/>
-              </c:spPr>
-              <c:dLblPos val="t"/>
-              <c:showLegendKey val="0"/>
-              <c:showVal val="0"/>
-              <c:showCatName val="0"/>
-              <c:showSerName val="0"/>
-              <c:showPercent val="0"/>
-              <c:showBubbleSize val="0"/>
-              <c:showLeaderLines val="1"/>
-              <c:extLst>
-                <c:ext xmlns:c15="http://schemas.microsoft.com/office/drawing/2012/chart" uri="{CE6537A1-D6FC-4f65-9D91-7224C49458BB}"/>
-                <c:ext xmlns:c16="http://schemas.microsoft.com/office/drawing/2014/chart" uri="{C3380CC4-5D6E-409C-BE32-E72D297353CC}">
-                  <c16:uniqueId val="{00000014-4ce7-2485-05f6-a7b0c5e008d7}"/>
-                </c:ext>
-              </c:extLst>
-            </c:dLbl>
-            <c:dLbl>
-              <c:idx val="14"/>
-              <c:tx>
-                <c:rich>
-                  <a:bodyPr>
-                    <a:spAutoFit/>
-                  </a:bodyPr>
-                  <a:lstStyle/>
-                  <a:p>
-                    <a:pPr>
-                      <a:defRPr/>
-                    </a:pPr>
-                    <a:r>
-                      <a:rPr lang="en-US" dirty="0"/>
-                      <a:t>胸外科</a:t>
-                    </a:r>
-                  </a:p>
-                </c:rich>
-              </c:tx>
-              <c:spPr>
-                <a:noFill/>
-                <a:ln>
-                  <a:noFill/>
-                </a:ln>
-                <a:effectLst/>
-              </c:spPr>
-              <c:dLblPos val="t"/>
-              <c:showLegendKey val="0"/>
-              <c:showVal val="0"/>
-              <c:showCatName val="0"/>
-              <c:showSerName val="0"/>
-              <c:showPercent val="0"/>
-              <c:showBubbleSize val="0"/>
-              <c:showLeaderLines val="1"/>
-              <c:extLst>
-                <c:ext xmlns:c15="http://schemas.microsoft.com/office/drawing/2012/chart" uri="{CE6537A1-D6FC-4f65-9D91-7224C49458BB}"/>
-                <c:ext xmlns:c16="http://schemas.microsoft.com/office/drawing/2014/chart" uri="{C3380CC4-5D6E-409C-BE32-E72D297353CC}">
-                  <c16:uniqueId val="{00000015-4ce7-2485-05f6-a7b0c5e008d7}"/>
-                </c:ext>
-              </c:extLst>
-            </c:dLbl>
-            <c:dLbl>
-              <c:idx val="15"/>
-              <c:tx>
-                <c:rich>
-                  <a:bodyPr>
-                    <a:spAutoFit/>
-                  </a:bodyPr>
-                  <a:lstStyle/>
-                  <a:p>
-                    <a:pPr>
-                      <a:defRPr/>
-                    </a:pPr>
-                    <a:r>
-                      <a:rPr lang="en-US" dirty="0"/>
-                      <a:t>泌尿外科</a:t>
-                    </a:r>
-                  </a:p>
-                </c:rich>
-              </c:tx>
-              <c:spPr>
-                <a:noFill/>
-                <a:ln>
-                  <a:noFill/>
-                </a:ln>
-                <a:effectLst/>
-              </c:spPr>
-              <c:dLblPos val="t"/>
-              <c:showLegendKey val="0"/>
-              <c:showVal val="0"/>
-              <c:showCatName val="0"/>
-              <c:showSerName val="0"/>
-              <c:showPercent val="0"/>
-              <c:showBubbleSize val="0"/>
-              <c:showLeaderLines val="1"/>
-              <c:extLst>
-                <c:ext xmlns:c15="http://schemas.microsoft.com/office/drawing/2012/chart" uri="{CE6537A1-D6FC-4f65-9D91-7224C49458BB}"/>
-                <c:ext xmlns:c16="http://schemas.microsoft.com/office/drawing/2014/chart" uri="{C3380CC4-5D6E-409C-BE32-E72D297353CC}">
-                  <c16:uniqueId val="{00000016-4ce7-2485-05f6-a7b0c5e008d7}"/>
-                </c:ext>
-              </c:extLst>
-            </c:dLbl>
-            <c:dLbl>
-              <c:idx val="16"/>
-              <c:tx>
-                <c:rich>
-                  <a:bodyPr>
-                    <a:spAutoFit/>
-                  </a:bodyPr>
-                  <a:lstStyle/>
-                  <a:p>
-                    <a:pPr>
-                      <a:defRPr/>
-                    </a:pPr>
-                    <a:r>
-                      <a:rPr lang="en-US" dirty="0"/>
-                      <a:t>口腔科</a:t>
-                    </a:r>
-                  </a:p>
-                </c:rich>
-              </c:tx>
-              <c:spPr>
-                <a:noFill/>
-                <a:ln>
-                  <a:noFill/>
-                </a:ln>
-                <a:effectLst/>
-              </c:spPr>
-              <c:dLblPos val="t"/>
-              <c:showLegendKey val="0"/>
-              <c:showVal val="0"/>
-              <c:showCatName val="0"/>
-              <c:showSerName val="0"/>
-              <c:showPercent val="0"/>
-              <c:showBubbleSize val="0"/>
-              <c:showLeaderLines val="1"/>
-              <c:extLst>
-                <c:ext xmlns:c15="http://schemas.microsoft.com/office/drawing/2012/chart" uri="{CE6537A1-D6FC-4f65-9D91-7224C49458BB}"/>
-                <c:ext xmlns:c16="http://schemas.microsoft.com/office/drawing/2014/chart" uri="{C3380CC4-5D6E-409C-BE32-E72D297353CC}">
-                  <c16:uniqueId val="{00000017-4ce7-2485-05f6-a7b0c5e008d7}"/>
-                </c:ext>
-              </c:extLst>
-            </c:dLbl>
-            <c:dLbl>
-              <c:idx val="17"/>
-              <c:tx>
-                <c:rich>
-                  <a:bodyPr>
-                    <a:spAutoFit/>
-                  </a:bodyPr>
-                  <a:lstStyle/>
-                  <a:p>
-                    <a:pPr>
-                      <a:defRPr/>
-                    </a:pPr>
-                    <a:r>
-                      <a:rPr lang="en-US" dirty="0"/>
-                      <a:t>推拿科</a:t>
-                    </a:r>
-                  </a:p>
-                </c:rich>
-              </c:tx>
-              <c:spPr>
-                <a:noFill/>
-                <a:ln>
-                  <a:noFill/>
-                </a:ln>
-                <a:effectLst/>
-              </c:spPr>
-              <c:dLblPos val="t"/>
-              <c:showLegendKey val="0"/>
-              <c:showVal val="0"/>
-              <c:showCatName val="0"/>
-              <c:showSerName val="0"/>
-              <c:showPercent val="0"/>
-              <c:showBubbleSize val="0"/>
-              <c:showLeaderLines val="1"/>
-              <c:extLst>
-                <c:ext xmlns:c15="http://schemas.microsoft.com/office/drawing/2012/chart" uri="{CE6537A1-D6FC-4f65-9D91-7224C49458BB}"/>
-                <c:ext xmlns:c16="http://schemas.microsoft.com/office/drawing/2014/chart" uri="{C3380CC4-5D6E-409C-BE32-E72D297353CC}">
-                  <c16:uniqueId val="{00000018-4ce7-2485-05f6-a7b0c5e008d7}"/>
-                </c:ext>
-              </c:extLst>
-            </c:dLbl>
-            <c:dLbl>
-              <c:idx val="18"/>
-              <c:tx>
-                <c:rich>
-                  <a:bodyPr>
-                    <a:spAutoFit/>
-                  </a:bodyPr>
-                  <a:lstStyle/>
-                  <a:p>
-                    <a:pPr>
-                      <a:defRPr/>
-                    </a:pPr>
-                    <a:r>
-                      <a:rPr lang="en-US" dirty="0"/>
-                      <a:t>东区肾病科</a:t>
-                    </a:r>
-                  </a:p>
-                </c:rich>
-              </c:tx>
-              <c:spPr>
-                <a:noFill/>
-                <a:ln>
-                  <a:noFill/>
-                </a:ln>
-                <a:effectLst/>
-              </c:spPr>
-              <c:dLblPos val="t"/>
-              <c:showLegendKey val="0"/>
-              <c:showVal val="0"/>
-              <c:showCatName val="0"/>
-              <c:showSerName val="0"/>
-              <c:showPercent val="0"/>
-              <c:showBubbleSize val="0"/>
-              <c:showLeaderLines val="1"/>
-              <c:extLst>
-                <c:ext xmlns:c15="http://schemas.microsoft.com/office/drawing/2012/chart" uri="{CE6537A1-D6FC-4f65-9D91-7224C49458BB}"/>
-                <c:ext xmlns:c16="http://schemas.microsoft.com/office/drawing/2014/chart" uri="{C3380CC4-5D6E-409C-BE32-E72D297353CC}">
-                  <c16:uniqueId val="{00000019-4ce7-2485-05f6-a7b0c5e008d7}"/>
-                </c:ext>
-              </c:extLst>
-            </c:dLbl>
-            <c:dLbl>
-              <c:idx val="19"/>
-              <c:tx>
-                <c:rich>
-                  <a:bodyPr>
-                    <a:spAutoFit/>
-                  </a:bodyPr>
-                  <a:lstStyle/>
-                  <a:p>
-                    <a:pPr>
-                      <a:defRPr/>
-                    </a:pPr>
-                    <a:r>
-                      <a:rPr lang="en-US" dirty="0"/>
-                      <a:t>耳鼻喉科</a:t>
-                    </a:r>
-                  </a:p>
-                </c:rich>
-              </c:tx>
-              <c:spPr>
-                <a:noFill/>
-                <a:ln>
-                  <a:noFill/>
-                </a:ln>
-                <a:effectLst/>
-              </c:spPr>
-              <c:dLblPos val="t"/>
-              <c:showLegendKey val="0"/>
-              <c:showVal val="0"/>
-              <c:showCatName val="0"/>
-              <c:showSerName val="0"/>
-              <c:showPercent val="0"/>
-              <c:showBubbleSize val="0"/>
-              <c:showLeaderLines val="1"/>
-              <c:extLst>
-                <c:ext xmlns:c15="http://schemas.microsoft.com/office/drawing/2012/chart" uri="{CE6537A1-D6FC-4f65-9D91-7224C49458BB}"/>
-                <c:ext xmlns:c16="http://schemas.microsoft.com/office/drawing/2014/chart" uri="{C3380CC4-5D6E-409C-BE32-E72D297353CC}">
-                  <c16:uniqueId val="{00000020-4ce7-2485-05f6-a7b0c5e008d7}"/>
+                  <c16:uniqueId val="{00000020-897a-1304-ffb3-7250946a00aa}"/>
                 </c:ext>
               </c:extLst>
             </c:dLbl>
@@ -2289,64 +2292,64 @@
                 <c:formatCode>General</c:formatCode>
                 <c:ptCount val="20"/>
                 <c:pt idx="0">
-                  <c:v>13.772393281709308</c:v>
+                  <c:v>10.510919849109532</c:v>
                 </c:pt>
                 <c:pt idx="1">
-                  <c:v>100</c:v>
+                  <c:v>25.588913709463764</c:v>
                 </c:pt>
                 <c:pt idx="2">
-                  <c:v>6.80962399029329</c:v>
+                  <c:v>13.647957424127613</c:v>
                 </c:pt>
                 <c:pt idx="3">
-                  <c:v>15.660685936395366</c:v>
+                  <c:v>15.941553225909447</c:v>
                 </c:pt>
                 <c:pt idx="4">
-                  <c:v>15.95078972948975</c:v>
+                  <c:v>5.567885749148111</c:v>
                 </c:pt>
                 <c:pt idx="5">
-                  <c:v>14.77937233135273</c:v>
+                  <c:v>2.1394817739477583</c:v>
                 </c:pt>
                 <c:pt idx="6">
-                  <c:v>13.233119054429801</c:v>
+                  <c:v>9.604309073914553</c:v>
                 </c:pt>
                 <c:pt idx="7">
-                  <c:v>24.509350977346237</c:v>
+                  <c:v>10.257551146739925</c:v>
                 </c:pt>
                 <c:pt idx="8">
-                  <c:v>10.886872512888592</c:v>
+                  <c:v>6.7479575463290935</c:v>
                 </c:pt>
                 <c:pt idx="9">
-                  <c:v>15.929045844535889</c:v>
+                  <c:v>15.246818436080675</c:v>
                 </c:pt>
                 <c:pt idx="10">
-                  <c:v>11.466959273196352</c:v>
+                  <c:v>36.57352908787659</c:v>
                 </c:pt>
                 <c:pt idx="11">
-                  <c:v>8.122733781044813</c:v>
+                  <c:v>15.560773917483289</c:v>
                 </c:pt>
                 <c:pt idx="12">
-                  <c:v>8.467308724094908</c:v>
+                  <c:v>2.604864341509654</c:v>
                 </c:pt>
                 <c:pt idx="13">
-                  <c:v>25.01230867218207</c:v>
+                  <c:v>7.216661565867421</c:v>
                 </c:pt>
                 <c:pt idx="14">
-                  <c:v>5.612321364003261</c:v>
+                  <c:v>7.62577957577517</c:v>
                 </c:pt>
                 <c:pt idx="15">
-                  <c:v>4.1550766303813695</c:v>
+                  <c:v>4.582170725488025</c:v>
                 </c:pt>
                 <c:pt idx="16">
-                  <c:v>60.69126883763345</c:v>
+                  <c:v>15.98287881958213</c:v>
                 </c:pt>
                 <c:pt idx="17">
-                  <c:v>11.69351051118893</c:v>
+                  <c:v>1.434010291014779</c:v>
                 </c:pt>
                 <c:pt idx="18">
-                  <c:v>23.31277541302742</c:v>
+                  <c:v>4.568622259421967</c:v>
                 </c:pt>
                 <c:pt idx="19">
-                  <c:v>10.736658946066832</c:v>
+                  <c:v>29.25236462408955</c:v>
                 </c:pt>
               </c:numCache>
             </c:numRef>
@@ -2361,61 +2364,61 @@
                   <c:v>100</c:v>
                 </c:pt>
                 <c:pt idx="1">
-                  <c:v>0.004739597128401495</c:v>
+                  <c:v>0.004609415988259052</c:v>
                 </c:pt>
                 <c:pt idx="2">
-                  <c:v>0.004718168472359265</c:v>
+                  <c:v>0.004604750769917606</c:v>
                 </c:pt>
                 <c:pt idx="3">
-                  <c:v>0.004572831452803817</c:v>
+                  <c:v>0.004347373057411698</c:v>
                 </c:pt>
                 <c:pt idx="4">
-                  <c:v>0.004400511588829351</c:v>
+                  <c:v>0.004247316913985006</c:v>
                 </c:pt>
                 <c:pt idx="5">
-                  <c:v>0.004345045417264028</c:v>
+                  <c:v>0.00421887984697234</c:v>
                 </c:pt>
                 <c:pt idx="6">
-                  <c:v>0.004166297324860384</c:v>
+                  <c:v>0.004168507462473917</c:v>
                 </c:pt>
                 <c:pt idx="7">
-                  <c:v>0.0041541941317361115</c:v>
+                  <c:v>0.004143804752135526</c:v>
                 </c:pt>
                 <c:pt idx="8">
-                  <c:v>0.004135268352455905</c:v>
+                  <c:v>0.0040540222432007235</c:v>
                 </c:pt>
                 <c:pt idx="9">
-                  <c:v>0.004080473024768856</c:v>
+                  <c:v>0.00404024546403828</c:v>
                 </c:pt>
                 <c:pt idx="10">
-                  <c:v>0.004050817067678411</c:v>
+                  <c:v>0.004017346429069153</c:v>
                 </c:pt>
                 <c:pt idx="11">
-                  <c:v>0.004049121025430909</c:v>
+                  <c:v>0.0039825076165631084</c:v>
                 </c:pt>
                 <c:pt idx="12">
-                  <c:v>0.003950478900547984</c:v>
+                  <c:v>0.0037444061491569876</c:v>
                 </c:pt>
                 <c:pt idx="13">
-                  <c:v>0.0038949176259095706</c:v>
+                  <c:v>0.0037243728117909787</c:v>
                 </c:pt>
                 <c:pt idx="14">
-                  <c:v>0.003832378703813887</c:v>
+                  <c:v>0.0034612289137972347</c:v>
                 </c:pt>
                 <c:pt idx="15">
-                  <c:v>0.003829151729003718</c:v>
+                  <c:v>0.003381802910127699</c:v>
                 </c:pt>
                 <c:pt idx="16">
-                  <c:v>0.0037944463266348987</c:v>
+                  <c:v>0.0033473785525364903</c:v>
                 </c:pt>
                 <c:pt idx="17">
-                  <c:v>0.0037600349358632938</c:v>
+                  <c:v>0.0032866922590386255</c:v>
                 </c:pt>
                 <c:pt idx="18">
-                  <c:v>0.0037510986620226923</c:v>
+                  <c:v>0.002961768479072827</c:v>
                 </c:pt>
                 <c:pt idx="19">
-                  <c:v>0.0036619150604891935</c:v>
+                  <c:v>0.002911670629166774</c:v>
                 </c:pt>
               </c:numCache>
             </c:numRef>
@@ -3248,6 +3251,94 @@
 </p:notes>
 </file>
 
+<file path=ppt/notesSlides/notesSlide4.xml><?xml version="1.0" encoding="utf-8"?>
+<p:notes xmlns:a="http://schemas.openxmlformats.org/drawingml/2006/main" xmlns:r="http://schemas.openxmlformats.org/officeDocument/2006/relationships" xmlns:p="http://schemas.openxmlformats.org/presentationml/2006/main">
+  <p:cSld>
+    <p:spTree>
+      <p:nvGrpSpPr>
+        <p:cNvPr id="1" name=""/>
+        <p:cNvGrpSpPr/>
+        <p:nvPr/>
+      </p:nvGrpSpPr>
+      <p:grpSpPr>
+        <a:xfrm>
+          <a:off x="0" y="0"/>
+          <a:ext cx="0" cy="0"/>
+          <a:chOff x="0" y="0"/>
+          <a:chExt cx="0" cy="0"/>
+        </a:xfrm>
+      </p:grpSpPr>
+      <p:sp>
+        <p:nvSpPr>
+          <p:cNvPr id="2" name="Slide Image Placeholder 1"/>
+          <p:cNvSpPr>
+            <a:spLocks noGrp="1" noRot="1" noChangeAspect="1"/>
+          </p:cNvSpPr>
+          <p:nvPr>
+            <p:ph type="sldImg"/>
+          </p:nvPr>
+        </p:nvSpPr>
+        <p:spPr/>
+      </p:sp>
+      <p:sp>
+        <p:nvSpPr>
+          <p:cNvPr id="3" name="Notes Placeholder 2"/>
+          <p:cNvSpPr>
+            <a:spLocks noGrp="1"/>
+          </p:cNvSpPr>
+          <p:nvPr>
+            <p:ph type="body" idx="1"/>
+          </p:nvPr>
+        </p:nvSpPr>
+        <p:spPr/>
+        <p:txBody>
+          <a:bodyPr/>
+          <a:lstStyle/>
+          <a:p>
+            <a:r>
+              <a:rPr lang="en-US" dirty="0"/>
+              <a:t/>
+            </a:r>
+            <a:endParaRPr lang="en-US" dirty="0"/>
+          </a:p>
+        </p:txBody>
+      </p:sp>
+      <p:sp>
+        <p:nvSpPr>
+          <p:cNvPr id="4" name="Slide Number Placeholder 3"/>
+          <p:cNvSpPr>
+            <a:spLocks noGrp="1"/>
+          </p:cNvSpPr>
+          <p:nvPr>
+            <p:ph type="sldNum" sz="quarter" idx="10"/>
+          </p:nvPr>
+        </p:nvSpPr>
+        <p:spPr/>
+        <p:txBody>
+          <a:bodyPr/>
+          <a:lstStyle/>
+          <a:p>
+            <a:fld id="{F7021451-1387-4CA6-816F-3879F97B5CBC}" type="slidenum">
+              <a:rPr lang="en-US"/>
+              <a:t>4</a:t>
+            </a:fld>
+            <a:endParaRPr lang="en-US"/>
+          </a:p>
+        </p:txBody>
+      </p:sp>
+    </p:spTree>
+    <p:extLst>
+      <p:ext uri="{BB962C8B-B14F-4D97-AF65-F5344CB8AC3E}">
+        <p14:creationId xmlns:p14="http://schemas.microsoft.com/office/powerpoint/2010/main" val="1024086991"/>
+      </p:ext>
+    </p:extLst>
+  </p:cSld>
+  <p:clrMapOvr>
+    <a:masterClrMapping/>
+  </p:clrMapOvr>
+</p:notes>
+</file>
+
 <file path=ppt/slideLayouts/slideLayout1.xml><?xml version="1.0" encoding="utf-8"?>
 <p:sldLayout xmlns:a="http://schemas.openxmlformats.org/drawingml/2006/main" xmlns:r="http://schemas.openxmlformats.org/officeDocument/2006/relationships" xmlns:p="http://schemas.openxmlformats.org/presentationml/2006/main" preserve="1">
   <p:cSld name="DEFAULT">
@@ -3888,6 +3979,127 @@
 </p:sld>
 </file>
 
+<file path=ppt/slides/slide4.xml><?xml version="1.0" encoding="utf-8"?>
+<p:sld xmlns:a="http://schemas.openxmlformats.org/drawingml/2006/main" xmlns:r="http://schemas.openxmlformats.org/officeDocument/2006/relationships" xmlns:p="http://schemas.openxmlformats.org/presentationml/2006/main">
+  <p:cSld name="Slide 4">
+    <p:spTree>
+      <p:nvGrpSpPr>
+        <p:cNvPr id="1" name=""/>
+        <p:cNvGrpSpPr/>
+        <p:nvPr/>
+      </p:nvGrpSpPr>
+      <p:grpSpPr>
+        <a:xfrm>
+          <a:off x="0" y="0"/>
+          <a:ext cx="0" cy="0"/>
+          <a:chOff x="0" y="0"/>
+          <a:chExt cx="0" cy="0"/>
+        </a:xfrm>
+      </p:grpSpPr>
+      <p:graphicFrame>
+        <p:nvGraphicFramePr>
+          <p:cNvPr id="5" name="Table 4"/>
+          <p:cNvGraphicFramePr>
+            <a:graphicFrameLocks noGrp="1"/>
+          </p:cNvGraphicFramePr>
+          <p:nvPr>
+            <p:extLst>
+              <p:ext uri="{D42A27DB-BD31-4B8C-83A1-F6EECF244321}">
+                <p14:modId xmlns:p14="http://schemas.microsoft.com/office/powerpoint/2010/main" val="1579011935"/>
+              </p:ext>
+            </p:extLst>
+          </p:nvPr>
+        </p:nvGraphicFramePr>
+        <p:xfrm>
+          <a:off x="457200" y="3200400"/>
+          <a:ext cx="8229600" cy="914400"/>
+        </p:xfrm>
+        <a:graphic>
+          <a:graphicData uri="http://schemas.openxmlformats.org/drawingml/2006/table">
+            <a:tbl>
+              <a:tblPr/>
+              <a:tblGrid>
+                <a:gridCol w="4114800"/>
+                <a:gridCol w="4114800"/>
+              </a:tblGrid>
+              <a:tr h="914400">
+                <a:tc>
+                  <a:txBody>
+                    <a:bodyPr/>
+                    <a:lstStyle/>
+                    <a:p>
+                      <a:pPr/>
+                      <a:r>
+                        <a:rPr lang="en-US" sz="1200" dirty="0">
+                          <a:solidFill>
+                            <a:srgbClr val="000000"/>
+                          </a:solidFill>
+                        </a:rPr>
+                        <a:t>titles</a:t>
+                      </a:r>
+                      <a:endParaRPr lang="en-US" sz="1200" dirty="0"/>
+                    </a:p>
+                  </a:txBody>
+                  <a:tcPr marL="91440" marR="91440" marT="45720" marB="45720">
+                    <a:lnL w="0" cap="flat" cmpd="sng" algn="ctr">
+                      <a:noFill/>
+                    </a:lnL>
+                    <a:lnR w="0" cap="flat" cmpd="sng" algn="ctr">
+                      <a:noFill/>
+                    </a:lnR>
+                    <a:lnT w="0" cap="flat" cmpd="sng" algn="ctr">
+                      <a:noFill/>
+                    </a:lnT>
+                    <a:lnB w="0" cap="flat" cmpd="sng" algn="ctr">
+                      <a:noFill/>
+                    </a:lnB>
+                  </a:tcPr>
+                </a:tc>
+                <a:tc>
+                  <a:txBody>
+                    <a:bodyPr/>
+                    <a:lstStyle/>
+                    <a:p>
+                      <a:pPr/>
+                      <a:r>
+                        <a:rPr lang="en-US" sz="1200" dirty="0">
+                          <a:solidFill>
+                            <a:srgbClr val="000000"/>
+                          </a:solidFill>
+                        </a:rPr>
+                        <a:t>hello</a:t>
+                      </a:r>
+                      <a:endParaRPr lang="en-US" sz="1200" dirty="0"/>
+                    </a:p>
+                  </a:txBody>
+                  <a:tcPr marL="91440" marR="91440" marT="45720" marB="45720">
+                    <a:lnL w="0" cap="flat" cmpd="sng" algn="ctr">
+                      <a:noFill/>
+                    </a:lnL>
+                    <a:lnR w="0" cap="flat" cmpd="sng" algn="ctr">
+                      <a:noFill/>
+                    </a:lnR>
+                    <a:lnT w="0" cap="flat" cmpd="sng" algn="ctr">
+                      <a:noFill/>
+                    </a:lnT>
+                    <a:lnB w="0" cap="flat" cmpd="sng" algn="ctr">
+                      <a:noFill/>
+                    </a:lnB>
+                  </a:tcPr>
+                </a:tc>
+              </a:tr>
+            </a:tbl>
+          </a:graphicData>
+        </a:graphic>
+      </p:graphicFrame>
+    </p:spTree>
+  </p:cSld>
+  <p:clrMapOvr>
+    <a:masterClrMapping/>
+  </p:clrMapOvr>
+</p:sld>
+</file>
+
 <file path=ppt/theme/theme1.xml><?xml version="1.0" encoding="utf-8"?>
 <a:theme xmlns:a="http://schemas.openxmlformats.org/drawingml/2006/main" name="Office Theme">
   <a:themeElements>
